--- a/Documents/Qual Exam.pptx
+++ b/Documents/Qual Exam.pptx
@@ -5,26 +5,27 @@
     <p:sldMasterId id="2147483660" r:id="rId1"/>
   </p:sldMasterIdLst>
   <p:notesMasterIdLst>
-    <p:notesMasterId r:id="rId19"/>
+    <p:notesMasterId r:id="rId20"/>
   </p:notesMasterIdLst>
   <p:sldIdLst>
-    <p:sldId id="258" r:id="rId2"/>
-    <p:sldId id="259" r:id="rId3"/>
-    <p:sldId id="260" r:id="rId4"/>
-    <p:sldId id="263" r:id="rId5"/>
-    <p:sldId id="262" r:id="rId6"/>
-    <p:sldId id="261" r:id="rId7"/>
-    <p:sldId id="264" r:id="rId8"/>
-    <p:sldId id="265" r:id="rId9"/>
-    <p:sldId id="266" r:id="rId10"/>
-    <p:sldId id="267" r:id="rId11"/>
-    <p:sldId id="268" r:id="rId12"/>
-    <p:sldId id="269" r:id="rId13"/>
-    <p:sldId id="270" r:id="rId14"/>
-    <p:sldId id="271" r:id="rId15"/>
-    <p:sldId id="272" r:id="rId16"/>
-    <p:sldId id="273" r:id="rId17"/>
-    <p:sldId id="274" r:id="rId18"/>
+    <p:sldId id="275" r:id="rId2"/>
+    <p:sldId id="260" r:id="rId3"/>
+    <p:sldId id="263" r:id="rId4"/>
+    <p:sldId id="262" r:id="rId5"/>
+    <p:sldId id="261" r:id="rId6"/>
+    <p:sldId id="264" r:id="rId7"/>
+    <p:sldId id="265" r:id="rId8"/>
+    <p:sldId id="266" r:id="rId9"/>
+    <p:sldId id="267" r:id="rId10"/>
+    <p:sldId id="268" r:id="rId11"/>
+    <p:sldId id="269" r:id="rId12"/>
+    <p:sldId id="270" r:id="rId13"/>
+    <p:sldId id="271" r:id="rId14"/>
+    <p:sldId id="272" r:id="rId15"/>
+    <p:sldId id="273" r:id="rId16"/>
+    <p:sldId id="274" r:id="rId17"/>
+    <p:sldId id="277" r:id="rId18"/>
+    <p:sldId id="278" r:id="rId19"/>
   </p:sldIdLst>
   <p:sldSz cx="9144000" cy="6858000" type="screen4x3"/>
   <p:notesSz cx="6858000" cy="9144000"/>
@@ -128,8 +129,7 @@
       <p14:sectionLst xmlns:p14="http://schemas.microsoft.com/office/powerpoint/2010/main">
         <p14:section name="Default Section" id="{C65E65E8-8D10-45BF-9402-B68D0796393C}">
           <p14:sldIdLst>
-            <p14:sldId id="258"/>
-            <p14:sldId id="259"/>
+            <p14:sldId id="275"/>
             <p14:sldId id="260"/>
             <p14:sldId id="263"/>
             <p14:sldId id="262"/>
@@ -149,6 +149,12 @@
             <p14:sldId id="272"/>
             <p14:sldId id="273"/>
             <p14:sldId id="274"/>
+          </p14:sldIdLst>
+        </p14:section>
+        <p14:section name="Backup" id="{50A3E535-C32B-4C74-986A-6758D517A34D}">
+          <p14:sldIdLst>
+            <p14:sldId id="277"/>
+            <p14:sldId id="278"/>
           </p14:sldIdLst>
         </p14:section>
       </p14:sectionLst>
@@ -242,7 +248,7 @@
           <a:p>
             <a:fld id="{AEBE7A69-640E-417A-A462-9E49D1368F72}" type="datetimeFigureOut">
               <a:rPr lang="en-US" smtClean="0"/>
-              <a:t>10/2/2018</a:t>
+              <a:t>11/6/2018</a:t>
             </a:fld>
             <a:endParaRPr lang="en-US"/>
           </a:p>
@@ -556,25 +562,37 @@
           <a:p>
             <a:r>
               <a:rPr lang="en-US" dirty="0" smtClean="0"/>
-              <a:t>The full state vector</a:t>
+              <a:t>The more states involved in the constraint, the more checks we have to perform. For a 1-D constraint, we only have to check a line’s worth of points. However, we don’t need to check constraints for every possible</a:t>
             </a:r>
             <a:r>
               <a:rPr lang="en-US" baseline="0" dirty="0" smtClean="0"/>
-              <a:t> is propagated </a:t>
+              <a:t> x and every possible y, we only need to check for points (</a:t>
             </a:r>
             <a:r>
               <a:rPr lang="en-US" baseline="0" dirty="0" err="1" smtClean="0"/>
-              <a:t>inertially</a:t>
+              <a:t>x,y</a:t>
             </a:r>
             <a:r>
               <a:rPr lang="en-US" baseline="0" dirty="0" smtClean="0"/>
-              <a:t> using IMU data</a:t>
-            </a:r>
+              <a:t>) that are in the reachable set. </a:t>
+            </a:r>
+          </a:p>
+          <a:p>
+            <a:endParaRPr lang="en-US" baseline="0" dirty="0" smtClean="0"/>
           </a:p>
           <a:p>
             <a:r>
               <a:rPr lang="en-US" baseline="0" dirty="0" smtClean="0"/>
-              <a:t>Accelerations are measured (with measurement errors) in body axes then converted (with orientation errors) into wind axes as lift and drag</a:t>
+              <a:t>A little more work, and we can also simply check points that are extremal, but this requires determining which points are extremals.</a:t>
+            </a:r>
+          </a:p>
+          <a:p>
+            <a:endParaRPr lang="en-US" baseline="0" dirty="0" smtClean="0"/>
+          </a:p>
+          <a:p>
+            <a:r>
+              <a:rPr lang="en-US" baseline="0" dirty="0" smtClean="0"/>
+              <a:t>Many common approaches introduce conservatism, for example by using probabilistic inequalities based on moments (which are not tight in general). This approach has zero conservatism when F is invertible. If F is not, then some conservatism is introduced but likely still much smaller than </a:t>
             </a:r>
             <a:endParaRPr lang="en-US" dirty="0"/>
           </a:p>
@@ -595,9 +613,9 @@
           <a:bodyPr/>
           <a:lstStyle/>
           <a:p>
-            <a:fld id="{97591DF4-FFBB-4E8C-8E87-255A2EADF72A}" type="slidenum">
-              <a:rPr lang="en-US" smtClean="0"/>
-              <a:t>2</a:t>
+            <a:fld id="{3F6F7F58-9784-4543-B74A-850450AD4D21}" type="slidenum">
+              <a:rPr lang="en-US" smtClean="0"/>
+              <a:t>5</a:t>
             </a:fld>
             <a:endParaRPr lang="en-US"/>
           </a:p>
@@ -606,7 +624,7 @@
     </p:spTree>
     <p:extLst>
       <p:ext uri="{BB962C8B-B14F-4D97-AF65-F5344CB8AC3E}">
-        <p14:creationId xmlns:p14="http://schemas.microsoft.com/office/powerpoint/2010/main" val="3737180139"/>
+        <p14:creationId xmlns:p14="http://schemas.microsoft.com/office/powerpoint/2010/main" val="3187440342"/>
       </p:ext>
     </p:extLst>
   </p:cSld>
@@ -662,38 +680,20 @@
           <a:p>
             <a:r>
               <a:rPr lang="en-US" dirty="0" smtClean="0"/>
-              <a:t>The more states involved in the constraint, the more checks we have to perform. For a 1-D constraint, we only have to check a line’s worth of points. However, we don’t need to check constraints for every possible</a:t>
+              <a:t>Can either augment an existing approach, or form the basis for a</a:t>
             </a:r>
             <a:r>
               <a:rPr lang="en-US" baseline="0" dirty="0" smtClean="0"/>
-              <a:t> x and every possible y, we only need to check for points (</a:t>
-            </a:r>
-            <a:r>
-              <a:rPr lang="en-US" baseline="0" dirty="0" err="1" smtClean="0"/>
-              <a:t>x,y</a:t>
-            </a:r>
+              <a:t> new one </a:t>
+            </a:r>
+          </a:p>
+          <a:p>
             <a:r>
               <a:rPr lang="en-US" baseline="0" dirty="0" smtClean="0"/>
-              <a:t>) that are in the reachable set. </a:t>
-            </a:r>
-          </a:p>
-          <a:p>
-            <a:endParaRPr lang="en-US" baseline="0" dirty="0" smtClean="0"/>
-          </a:p>
-          <a:p>
-            <a:r>
-              <a:rPr lang="en-US" baseline="0" dirty="0" smtClean="0"/>
-              <a:t>A little more work, and we can also simply check points that are extremal, but this requires determining which points are extremals.</a:t>
-            </a:r>
-          </a:p>
-          <a:p>
-            <a:endParaRPr lang="en-US" baseline="0" dirty="0" smtClean="0"/>
-          </a:p>
-          <a:p>
-            <a:r>
-              <a:rPr lang="en-US" baseline="0" dirty="0" smtClean="0"/>
-              <a:t>Many common approaches introduce conservatism, for example by using probabilistic inequalities based on moments (which are not tight in general). This approach has zero conservatism when F is invertible. If F is not, then some conservatism is introduced but likely still much smaller than </a:t>
-            </a:r>
+              <a:t>Need to balance computation requirements</a:t>
+            </a:r>
+          </a:p>
+          <a:p>
             <a:endParaRPr lang="en-US" dirty="0"/>
           </a:p>
         </p:txBody>
@@ -713,7 +713,7 @@
           <a:bodyPr/>
           <a:lstStyle/>
           <a:p>
-            <a:fld id="{3F6F7F58-9784-4543-B74A-850450AD4D21}" type="slidenum">
+            <a:fld id="{4BAF2748-3477-4185-BA7E-C3C95536F5B5}" type="slidenum">
               <a:rPr lang="en-US" smtClean="0"/>
               <a:t>6</a:t>
             </a:fld>
@@ -724,7 +724,7 @@
     </p:spTree>
     <p:extLst>
       <p:ext uri="{BB962C8B-B14F-4D97-AF65-F5344CB8AC3E}">
-        <p14:creationId xmlns:p14="http://schemas.microsoft.com/office/powerpoint/2010/main" val="3187440342"/>
+        <p14:creationId xmlns:p14="http://schemas.microsoft.com/office/powerpoint/2010/main" val="3169339874"/>
       </p:ext>
     </p:extLst>
   </p:cSld>
@@ -780,18 +780,40 @@
           <a:p>
             <a:r>
               <a:rPr lang="en-US" dirty="0" smtClean="0"/>
-              <a:t>Can either augment an existing approach, or form the basis for a</a:t>
-            </a:r>
-            <a:r>
-              <a:rPr lang="en-US" baseline="0" dirty="0" smtClean="0"/>
-              <a:t> new one </a:t>
-            </a:r>
-          </a:p>
-          <a:p>
-            <a:r>
-              <a:rPr lang="en-US" baseline="0" dirty="0" smtClean="0"/>
-              <a:t>Need to balance computation requirements</a:t>
-            </a:r>
+              <a:t>Entry vehicle flies with an angle of attack to generate lift</a:t>
+            </a:r>
+          </a:p>
+          <a:p>
+            <a:r>
+              <a:rPr lang="en-US" dirty="0" smtClean="0"/>
+              <a:t>Vehicle is steered toward the target via rotation of the vehicle about the velocity vector to orient the lift vector </a:t>
+            </a:r>
+          </a:p>
+          <a:p>
+            <a:pPr marL="0" marR="0" indent="0" algn="l" defTabSz="914400" rtl="0" eaLnBrk="1" fontAlgn="auto" latinLnBrk="0" hangingPunct="1">
+              <a:lnSpc>
+                <a:spcPct val="100000"/>
+              </a:lnSpc>
+              <a:spcBef>
+                <a:spcPts val="0"/>
+              </a:spcBef>
+              <a:spcAft>
+                <a:spcPts val="0"/>
+              </a:spcAft>
+              <a:buClrTx/>
+              <a:buSzTx/>
+              <a:buFontTx/>
+              <a:buNone/>
+              <a:tabLst/>
+              <a:defRPr/>
+            </a:pPr>
+            <a:r>
+              <a:rPr lang="en-US" dirty="0" smtClean="0"/>
+              <a:t>Many potential applications, including updates to a reference trajectory in a tracking approach, and predictor-corrector-like method based on regular repeated updates </a:t>
+            </a:r>
+          </a:p>
+          <a:p>
+            <a:endParaRPr lang="en-US" dirty="0" smtClean="0"/>
           </a:p>
           <a:p>
             <a:endParaRPr lang="en-US" dirty="0"/>
@@ -824,7 +846,7 @@
     </p:spTree>
     <p:extLst>
       <p:ext uri="{BB962C8B-B14F-4D97-AF65-F5344CB8AC3E}">
-        <p14:creationId xmlns:p14="http://schemas.microsoft.com/office/powerpoint/2010/main" val="3169339874"/>
+        <p14:creationId xmlns:p14="http://schemas.microsoft.com/office/powerpoint/2010/main" val="2590776145"/>
       </p:ext>
     </p:extLst>
   </p:cSld>
@@ -880,42 +902,35 @@
           <a:p>
             <a:r>
               <a:rPr lang="en-US" dirty="0" smtClean="0"/>
-              <a:t>Entry vehicle flies with an angle of attack to generate lift</a:t>
-            </a:r>
+              <a:t>Minimizing distance to original trajectory keeps</a:t>
+            </a:r>
+            <a:r>
+              <a:rPr lang="en-US" baseline="0" dirty="0" smtClean="0"/>
+              <a:t> the linearization as accurate as possible </a:t>
+            </a:r>
+            <a:endParaRPr lang="en-US" dirty="0" smtClean="0"/>
           </a:p>
           <a:p>
             <a:r>
               <a:rPr lang="en-US" dirty="0" smtClean="0"/>
-              <a:t>Vehicle is steered toward the target via rotation of the vehicle about the velocity vector to orient the lift vector </a:t>
-            </a:r>
-          </a:p>
-          <a:p>
-            <a:pPr marL="0" marR="0" indent="0" algn="l" defTabSz="914400" rtl="0" eaLnBrk="1" fontAlgn="auto" latinLnBrk="0" hangingPunct="1">
-              <a:lnSpc>
-                <a:spcPct val="100000"/>
-              </a:lnSpc>
-              <a:spcBef>
-                <a:spcPts val="0"/>
-              </a:spcBef>
-              <a:spcAft>
-                <a:spcPts val="0"/>
-              </a:spcAft>
-              <a:buClrTx/>
-              <a:buSzTx/>
-              <a:buFontTx/>
-              <a:buNone/>
-              <a:tabLst/>
-              <a:defRPr/>
-            </a:pPr>
-            <a:r>
-              <a:rPr lang="en-US" dirty="0" smtClean="0"/>
-              <a:t>Many potential applications, including updates to a reference trajectory in a tracking approach, and predictor-corrector-like method based on regular repeated updates </a:t>
-            </a:r>
-          </a:p>
-          <a:p>
-            <a:endParaRPr lang="en-US" dirty="0" smtClean="0"/>
-          </a:p>
-          <a:p>
+              <a:t>Treating the bank rate</a:t>
+            </a:r>
+            <a:r>
+              <a:rPr lang="en-US" baseline="0" dirty="0" smtClean="0"/>
+              <a:t> as control allows us to limit it, as an added benefit </a:t>
+            </a:r>
+          </a:p>
+          <a:p>
+            <a:r>
+              <a:rPr lang="en-US" baseline="0" dirty="0" smtClean="0"/>
+              <a:t>Normal approaches are iterative, ours solves only a single problem </a:t>
+            </a:r>
+          </a:p>
+          <a:p>
+            <a:r>
+              <a:rPr lang="en-US" baseline="0" dirty="0" smtClean="0"/>
+              <a:t>Bank limit becomes a path constraint, rather than control constraint </a:t>
+            </a:r>
             <a:endParaRPr lang="en-US" dirty="0"/>
           </a:p>
         </p:txBody>
@@ -946,7 +961,7 @@
     </p:spTree>
     <p:extLst>
       <p:ext uri="{BB962C8B-B14F-4D97-AF65-F5344CB8AC3E}">
-        <p14:creationId xmlns:p14="http://schemas.microsoft.com/office/powerpoint/2010/main" val="2590776145"/>
+        <p14:creationId xmlns:p14="http://schemas.microsoft.com/office/powerpoint/2010/main" val="1127205344"/>
       </p:ext>
     </p:extLst>
   </p:cSld>
@@ -1002,34 +1017,11 @@
           <a:p>
             <a:r>
               <a:rPr lang="en-US" dirty="0" smtClean="0"/>
-              <a:t>Minimizing distance to original trajectory keeps</a:t>
+              <a:t>Corrections</a:t>
             </a:r>
             <a:r>
               <a:rPr lang="en-US" baseline="0" dirty="0" smtClean="0"/>
-              <a:t> the linearization as accurate as possible </a:t>
-            </a:r>
-            <a:endParaRPr lang="en-US" dirty="0" smtClean="0"/>
-          </a:p>
-          <a:p>
-            <a:r>
-              <a:rPr lang="en-US" dirty="0" smtClean="0"/>
-              <a:t>Treating the bank rate</a:t>
-            </a:r>
-            <a:r>
-              <a:rPr lang="en-US" baseline="0" dirty="0" smtClean="0"/>
-              <a:t> as control allows us to limit it, as an added benefit </a:t>
-            </a:r>
-          </a:p>
-          <a:p>
-            <a:r>
-              <a:rPr lang="en-US" baseline="0" dirty="0" smtClean="0"/>
-              <a:t>Normal approaches are iterative, ours solves only a single problem </a:t>
-            </a:r>
-          </a:p>
-          <a:p>
-            <a:r>
-              <a:rPr lang="en-US" baseline="0" dirty="0" smtClean="0"/>
-              <a:t>Bank limit becomes a path constraint, rather than control constraint </a:t>
+              <a:t> are fairly substantial even for relatively small perturbations </a:t>
             </a:r>
             <a:endParaRPr lang="en-US" dirty="0"/>
           </a:p>
@@ -1052,7 +1044,7 @@
           <a:p>
             <a:fld id="{4BAF2748-3477-4185-BA7E-C3C95536F5B5}" type="slidenum">
               <a:rPr lang="en-US" smtClean="0"/>
-              <a:t>9</a:t>
+              <a:t>10</a:t>
             </a:fld>
             <a:endParaRPr lang="en-US"/>
           </a:p>
@@ -1061,7 +1053,7 @@
     </p:spTree>
     <p:extLst>
       <p:ext uri="{BB962C8B-B14F-4D97-AF65-F5344CB8AC3E}">
-        <p14:creationId xmlns:p14="http://schemas.microsoft.com/office/powerpoint/2010/main" val="1127205344"/>
+        <p14:creationId xmlns:p14="http://schemas.microsoft.com/office/powerpoint/2010/main" val="80136126"/>
       </p:ext>
     </p:extLst>
   </p:cSld>
@@ -1115,14 +1107,6 @@
           <a:bodyPr/>
           <a:lstStyle/>
           <a:p>
-            <a:r>
-              <a:rPr lang="en-US" dirty="0" smtClean="0"/>
-              <a:t>Corrections</a:t>
-            </a:r>
-            <a:r>
-              <a:rPr lang="en-US" baseline="0" dirty="0" smtClean="0"/>
-              <a:t> are fairly substantial even for relatively small perturbations </a:t>
-            </a:r>
             <a:endParaRPr lang="en-US" dirty="0"/>
           </a:p>
         </p:txBody>
@@ -1153,7 +1137,7 @@
     </p:spTree>
     <p:extLst>
       <p:ext uri="{BB962C8B-B14F-4D97-AF65-F5344CB8AC3E}">
-        <p14:creationId xmlns:p14="http://schemas.microsoft.com/office/powerpoint/2010/main" val="80136126"/>
+        <p14:creationId xmlns:p14="http://schemas.microsoft.com/office/powerpoint/2010/main" val="2057775336"/>
       </p:ext>
     </p:extLst>
   </p:cSld>
@@ -1207,6 +1191,20 @@
           <a:bodyPr/>
           <a:lstStyle/>
           <a:p>
+            <a:r>
+              <a:rPr lang="en-US" dirty="0" smtClean="0"/>
+              <a:t>No tracking, flown open-loop</a:t>
+            </a:r>
+            <a:r>
+              <a:rPr lang="en-US" baseline="0" dirty="0" smtClean="0"/>
+              <a:t> between plans, NO ADD’L LATERAL CONTROL</a:t>
+            </a:r>
+          </a:p>
+          <a:p>
+            <a:r>
+              <a:rPr lang="en-US" baseline="0" dirty="0" smtClean="0"/>
+              <a:t>Low discrepancy sampling</a:t>
+            </a:r>
             <a:endParaRPr lang="en-US" dirty="0"/>
           </a:p>
         </p:txBody>
@@ -1237,7 +1235,7 @@
     </p:spTree>
     <p:extLst>
       <p:ext uri="{BB962C8B-B14F-4D97-AF65-F5344CB8AC3E}">
-        <p14:creationId xmlns:p14="http://schemas.microsoft.com/office/powerpoint/2010/main" val="2057775336"/>
+        <p14:creationId xmlns:p14="http://schemas.microsoft.com/office/powerpoint/2010/main" val="456280378"/>
       </p:ext>
     </p:extLst>
   </p:cSld>
@@ -1293,17 +1291,25 @@
           <a:p>
             <a:r>
               <a:rPr lang="en-US" dirty="0" smtClean="0"/>
-              <a:t>No tracking, flown open-loop</a:t>
+              <a:t>Note the difference</a:t>
             </a:r>
             <a:r>
               <a:rPr lang="en-US" baseline="0" dirty="0" smtClean="0"/>
-              <a:t> between plans, NO ADD’L LATERAL CONTROL</a:t>
+              <a:t> in scale between the axes </a:t>
             </a:r>
           </a:p>
           <a:p>
             <a:r>
               <a:rPr lang="en-US" baseline="0" dirty="0" smtClean="0"/>
-              <a:t>Low discrepancy sampling</a:t>
+              <a:t>Also, not all trajectories are plotted, too unclear otherwise (that’s why there are samples at +- 1km </a:t>
+            </a:r>
+            <a:r>
+              <a:rPr lang="en-US" baseline="0" dirty="0" err="1" smtClean="0"/>
+              <a:t>crossrange</a:t>
+            </a:r>
+            <a:r>
+              <a:rPr lang="en-US" baseline="0" dirty="0" smtClean="0"/>
+              <a:t> not seen in the plots </a:t>
             </a:r>
             <a:endParaRPr lang="en-US" dirty="0"/>
           </a:p>
@@ -1335,7 +1341,7 @@
     </p:spTree>
     <p:extLst>
       <p:ext uri="{BB962C8B-B14F-4D97-AF65-F5344CB8AC3E}">
-        <p14:creationId xmlns:p14="http://schemas.microsoft.com/office/powerpoint/2010/main" val="456280378"/>
+        <p14:creationId xmlns:p14="http://schemas.microsoft.com/office/powerpoint/2010/main" val="2708615837"/>
       </p:ext>
     </p:extLst>
   </p:cSld>
@@ -1391,25 +1397,25 @@
           <a:p>
             <a:r>
               <a:rPr lang="en-US" dirty="0" smtClean="0"/>
-              <a:t>Note the difference</a:t>
+              <a:t>The full state vector</a:t>
             </a:r>
             <a:r>
               <a:rPr lang="en-US" baseline="0" dirty="0" smtClean="0"/>
-              <a:t> in scale between the axes </a:t>
-            </a:r>
-          </a:p>
-          <a:p>
+              <a:t> is propagated </a:t>
+            </a:r>
+            <a:r>
+              <a:rPr lang="en-US" baseline="0" dirty="0" err="1" smtClean="0"/>
+              <a:t>inertially</a:t>
+            </a:r>
             <a:r>
               <a:rPr lang="en-US" baseline="0" dirty="0" smtClean="0"/>
-              <a:t>Also, not all trajectories are plotted, too unclear otherwise (that’s why there are samples at +- 1km </a:t>
-            </a:r>
-            <a:r>
-              <a:rPr lang="en-US" baseline="0" dirty="0" err="1" smtClean="0"/>
-              <a:t>crossrange</a:t>
-            </a:r>
+              <a:t> using IMU data</a:t>
+            </a:r>
+          </a:p>
+          <a:p>
             <a:r>
               <a:rPr lang="en-US" baseline="0" dirty="0" smtClean="0"/>
-              <a:t> not seen in the plots </a:t>
+              <a:t>Accelerations are measured (with measurement errors) in body axes then converted (with orientation errors) into wind axes as lift and drag</a:t>
             </a:r>
             <a:endParaRPr lang="en-US" dirty="0"/>
           </a:p>
@@ -1430,9 +1436,9 @@
           <a:bodyPr/>
           <a:lstStyle/>
           <a:p>
-            <a:fld id="{4BAF2748-3477-4185-BA7E-C3C95536F5B5}" type="slidenum">
-              <a:rPr lang="en-US" smtClean="0"/>
-              <a:t>14</a:t>
+            <a:fld id="{97591DF4-FFBB-4E8C-8E87-255A2EADF72A}" type="slidenum">
+              <a:rPr lang="en-US" smtClean="0"/>
+              <a:t>18</a:t>
             </a:fld>
             <a:endParaRPr lang="en-US"/>
           </a:p>
@@ -1441,7 +1447,7 @@
     </p:spTree>
     <p:extLst>
       <p:ext uri="{BB962C8B-B14F-4D97-AF65-F5344CB8AC3E}">
-        <p14:creationId xmlns:p14="http://schemas.microsoft.com/office/powerpoint/2010/main" val="2708615837"/>
+        <p14:creationId xmlns:p14="http://schemas.microsoft.com/office/powerpoint/2010/main" val="1212559077"/>
       </p:ext>
     </p:extLst>
   </p:cSld>
@@ -1704,7 +1710,7 @@
           <a:p>
             <a:fld id="{26DDC68E-15D0-3D4A-B51F-159227E9B510}" type="datetimeFigureOut">
               <a:rPr lang="en-US" smtClean="0"/>
-              <a:t>10/2/2018</a:t>
+              <a:t>11/6/2018</a:t>
             </a:fld>
             <a:endParaRPr lang="en-US"/>
           </a:p>
@@ -1914,7 +1920,7 @@
           <a:p>
             <a:fld id="{26DDC68E-15D0-3D4A-B51F-159227E9B510}" type="datetimeFigureOut">
               <a:rPr lang="en-US" smtClean="0"/>
-              <a:t>10/2/2018</a:t>
+              <a:t>11/6/2018</a:t>
             </a:fld>
             <a:endParaRPr lang="en-US"/>
           </a:p>
@@ -2124,7 +2130,7 @@
           <a:p>
             <a:fld id="{26DDC68E-15D0-3D4A-B51F-159227E9B510}" type="datetimeFigureOut">
               <a:rPr lang="en-US" smtClean="0"/>
-              <a:t>10/2/2018</a:t>
+              <a:t>11/6/2018</a:t>
             </a:fld>
             <a:endParaRPr lang="en-US"/>
           </a:p>
@@ -2398,7 +2404,7 @@
           <a:p>
             <a:fld id="{26DDC68E-15D0-3D4A-B51F-159227E9B510}" type="datetimeFigureOut">
               <a:rPr lang="en-US" smtClean="0"/>
-              <a:t>10/2/2018</a:t>
+              <a:t>11/6/2018</a:t>
             </a:fld>
             <a:endParaRPr lang="en-US"/>
           </a:p>
@@ -2668,7 +2674,7 @@
           <a:p>
             <a:fld id="{26DDC68E-15D0-3D4A-B51F-159227E9B510}" type="datetimeFigureOut">
               <a:rPr lang="en-US" smtClean="0"/>
-              <a:t>10/2/2018</a:t>
+              <a:t>11/6/2018</a:t>
             </a:fld>
             <a:endParaRPr lang="en-US"/>
           </a:p>
@@ -3074,7 +3080,7 @@
           <a:p>
             <a:fld id="{26DDC68E-15D0-3D4A-B51F-159227E9B510}" type="datetimeFigureOut">
               <a:rPr lang="en-US" smtClean="0"/>
-              <a:t>10/2/2018</a:t>
+              <a:t>11/6/2018</a:t>
             </a:fld>
             <a:endParaRPr lang="en-US"/>
           </a:p>
@@ -3224,7 +3230,7 @@
           <a:p>
             <a:fld id="{26DDC68E-15D0-3D4A-B51F-159227E9B510}" type="datetimeFigureOut">
               <a:rPr lang="en-US" smtClean="0"/>
-              <a:t>10/2/2018</a:t>
+              <a:t>11/6/2018</a:t>
             </a:fld>
             <a:endParaRPr lang="en-US"/>
           </a:p>
@@ -3343,7 +3349,7 @@
           <a:p>
             <a:fld id="{26DDC68E-15D0-3D4A-B51F-159227E9B510}" type="datetimeFigureOut">
               <a:rPr lang="en-US" smtClean="0"/>
-              <a:t>10/2/2018</a:t>
+              <a:t>11/6/2018</a:t>
             </a:fld>
             <a:endParaRPr lang="en-US"/>
           </a:p>
@@ -3653,7 +3659,7 @@
           <a:p>
             <a:fld id="{26DDC68E-15D0-3D4A-B51F-159227E9B510}" type="datetimeFigureOut">
               <a:rPr lang="en-US" smtClean="0"/>
-              <a:t>10/2/2018</a:t>
+              <a:t>11/6/2018</a:t>
             </a:fld>
             <a:endParaRPr lang="en-US"/>
           </a:p>
@@ -3943,7 +3949,7 @@
           <a:p>
             <a:fld id="{26DDC68E-15D0-3D4A-B51F-159227E9B510}" type="datetimeFigureOut">
               <a:rPr lang="en-US" smtClean="0"/>
-              <a:t>10/2/2018</a:t>
+              <a:t>11/6/2018</a:t>
             </a:fld>
             <a:endParaRPr lang="en-US"/>
           </a:p>
@@ -4470,765 +4476,81 @@
             <p:ph type="title"/>
           </p:nvPr>
         </p:nvSpPr>
-        <p:spPr>
-          <a:xfrm>
-            <a:off x="2333883" y="89649"/>
-            <a:ext cx="2995999" cy="611532"/>
-          </a:xfrm>
-        </p:spPr>
-        <p:txBody>
-          <a:bodyPr/>
-          <a:lstStyle/>
-          <a:p>
-            <a:r>
-              <a:rPr lang="en-US" dirty="0" smtClean="0">
-                <a:solidFill>
-                  <a:schemeClr val="bg1"/>
-                </a:solidFill>
-              </a:rPr>
-              <a:t>System Flow</a:t>
-            </a:r>
-            <a:endParaRPr lang="en-US" dirty="0">
-              <a:solidFill>
-                <a:schemeClr val="bg1"/>
-              </a:solidFill>
-            </a:endParaRPr>
-          </a:p>
-        </p:txBody>
-      </p:sp>
-      <p:sp>
-        <p:nvSpPr>
-          <p:cNvPr id="4" name="Rounded Rectangle 3"/>
-          <p:cNvSpPr/>
-          <p:nvPr/>
-        </p:nvSpPr>
-        <p:spPr>
-          <a:xfrm>
-            <a:off x="163213" y="1046204"/>
-            <a:ext cx="1978625" cy="1169774"/>
-          </a:xfrm>
-          <a:prstGeom prst="roundRect">
-            <a:avLst/>
-          </a:prstGeom>
-        </p:spPr>
-        <p:style>
-          <a:lnRef idx="1">
-            <a:schemeClr val="accent1"/>
-          </a:lnRef>
-          <a:fillRef idx="2">
-            <a:schemeClr val="accent1"/>
-          </a:fillRef>
-          <a:effectRef idx="1">
-            <a:schemeClr val="accent1"/>
-          </a:effectRef>
-          <a:fontRef idx="minor">
-            <a:schemeClr val="dk1"/>
-          </a:fontRef>
-        </p:style>
-        <p:txBody>
-          <a:bodyPr rtlCol="0" anchor="ctr"/>
-          <a:lstStyle/>
-          <a:p>
-            <a:pPr algn="ctr"/>
-            <a:r>
-              <a:rPr lang="en-US" sz="1600" dirty="0" smtClean="0"/>
-              <a:t>Truth model,</a:t>
-            </a:r>
-          </a:p>
-          <a:p>
-            <a:pPr algn="ctr"/>
-            <a:r>
-              <a:rPr lang="en-US" sz="1600" dirty="0" smtClean="0"/>
-              <a:t>a particular realization of the uncertainty space</a:t>
-            </a:r>
-            <a:endParaRPr lang="en-US" sz="1600" dirty="0"/>
-          </a:p>
-        </p:txBody>
-      </p:sp>
-      <p:cxnSp>
-        <p:nvCxnSpPr>
-          <p:cNvPr id="8" name="Straight Arrow Connector 7"/>
-          <p:cNvCxnSpPr>
-            <a:stCxn id="4" idx="2"/>
-            <a:endCxn id="30" idx="0"/>
-          </p:cNvCxnSpPr>
-          <p:nvPr/>
-        </p:nvCxnSpPr>
-        <p:spPr>
-          <a:xfrm flipH="1">
-            <a:off x="1152525" y="2215978"/>
-            <a:ext cx="1" cy="255373"/>
-          </a:xfrm>
-          <a:prstGeom prst="straightConnector1">
-            <a:avLst/>
-          </a:prstGeom>
-          <a:ln>
-            <a:tailEnd type="triangle"/>
-          </a:ln>
-        </p:spPr>
-        <p:style>
-          <a:lnRef idx="1">
-            <a:schemeClr val="accent1"/>
-          </a:lnRef>
-          <a:fillRef idx="0">
-            <a:schemeClr val="accent1"/>
-          </a:fillRef>
-          <a:effectRef idx="0">
-            <a:schemeClr val="accent1"/>
-          </a:effectRef>
-          <a:fontRef idx="minor">
-            <a:schemeClr val="tx1"/>
-          </a:fontRef>
-        </p:style>
-      </p:cxnSp>
-      <p:sp>
-        <p:nvSpPr>
-          <p:cNvPr id="30" name="Rounded Rectangle 29"/>
-          <p:cNvSpPr/>
-          <p:nvPr/>
-        </p:nvSpPr>
-        <p:spPr>
-          <a:xfrm>
-            <a:off x="254600" y="2471351"/>
-            <a:ext cx="1795849" cy="836141"/>
-          </a:xfrm>
-          <a:prstGeom prst="roundRect">
-            <a:avLst/>
-          </a:prstGeom>
-        </p:spPr>
-        <p:style>
-          <a:lnRef idx="1">
-            <a:schemeClr val="accent4"/>
-          </a:lnRef>
-          <a:fillRef idx="2">
-            <a:schemeClr val="accent4"/>
-          </a:fillRef>
-          <a:effectRef idx="1">
-            <a:schemeClr val="accent4"/>
-          </a:effectRef>
-          <a:fontRef idx="minor">
-            <a:schemeClr val="dk1"/>
-          </a:fontRef>
-        </p:style>
-        <p:txBody>
-          <a:bodyPr rtlCol="0" anchor="ctr"/>
-          <a:lstStyle/>
-          <a:p>
-            <a:pPr algn="ctr"/>
-            <a:r>
-              <a:rPr lang="en-US" sz="1600" dirty="0"/>
-              <a:t>Knowledge </a:t>
-            </a:r>
-            <a:r>
-              <a:rPr lang="en-US" sz="1600" dirty="0" smtClean="0"/>
-              <a:t>errors, measurement noise</a:t>
-            </a:r>
-            <a:endParaRPr lang="en-US" sz="1600" dirty="0"/>
-          </a:p>
-        </p:txBody>
-      </p:sp>
-      <p:sp>
-        <p:nvSpPr>
-          <p:cNvPr id="43" name="Rounded Rectangle 42"/>
-          <p:cNvSpPr/>
-          <p:nvPr/>
-        </p:nvSpPr>
-        <p:spPr>
-          <a:xfrm>
-            <a:off x="2577671" y="2304535"/>
-            <a:ext cx="1978625" cy="1169774"/>
-          </a:xfrm>
-          <a:prstGeom prst="roundRect">
-            <a:avLst/>
-          </a:prstGeom>
-        </p:spPr>
-        <p:style>
-          <a:lnRef idx="1">
-            <a:schemeClr val="accent1"/>
-          </a:lnRef>
-          <a:fillRef idx="2">
-            <a:schemeClr val="accent1"/>
-          </a:fillRef>
-          <a:effectRef idx="1">
-            <a:schemeClr val="accent1"/>
-          </a:effectRef>
-          <a:fontRef idx="minor">
-            <a:schemeClr val="dk1"/>
-          </a:fontRef>
-        </p:style>
-        <p:txBody>
-          <a:bodyPr rtlCol="0" anchor="ctr"/>
-          <a:lstStyle/>
-          <a:p>
-            <a:pPr algn="ctr"/>
-            <a:r>
-              <a:rPr lang="en-US" sz="1600" dirty="0"/>
-              <a:t>Navigation system model</a:t>
-            </a:r>
-          </a:p>
-        </p:txBody>
-      </p:sp>
-      <p:sp>
-        <p:nvSpPr>
-          <p:cNvPr id="44" name="Rounded Rectangle 43"/>
-          <p:cNvSpPr/>
-          <p:nvPr/>
-        </p:nvSpPr>
-        <p:spPr>
-          <a:xfrm>
-            <a:off x="2669058" y="3807942"/>
-            <a:ext cx="1795849" cy="836141"/>
-          </a:xfrm>
-          <a:prstGeom prst="roundRect">
-            <a:avLst/>
-          </a:prstGeom>
-        </p:spPr>
-        <p:style>
-          <a:lnRef idx="1">
-            <a:schemeClr val="accent4"/>
-          </a:lnRef>
-          <a:fillRef idx="2">
-            <a:schemeClr val="accent4"/>
-          </a:fillRef>
-          <a:effectRef idx="1">
-            <a:schemeClr val="accent4"/>
-          </a:effectRef>
-          <a:fontRef idx="minor">
-            <a:schemeClr val="dk1"/>
-          </a:fontRef>
-        </p:style>
-        <p:txBody>
-          <a:bodyPr rtlCol="0" anchor="ctr"/>
-          <a:lstStyle/>
-          <a:p>
-            <a:pPr algn="ctr"/>
-            <a:r>
-              <a:rPr lang="en-US" sz="1600" dirty="0" smtClean="0"/>
-              <a:t>Estimation</a:t>
-            </a:r>
-          </a:p>
-          <a:p>
-            <a:pPr algn="ctr"/>
-            <a:r>
-              <a:rPr lang="en-US" sz="1600" dirty="0" smtClean="0"/>
-              <a:t> (aero filters, EKF, observers)</a:t>
-            </a:r>
-            <a:endParaRPr lang="en-US" sz="1600" dirty="0"/>
-          </a:p>
-        </p:txBody>
-      </p:sp>
-      <p:sp>
-        <p:nvSpPr>
-          <p:cNvPr id="45" name="Rounded Rectangle 44"/>
-          <p:cNvSpPr/>
-          <p:nvPr/>
-        </p:nvSpPr>
-        <p:spPr>
-          <a:xfrm>
-            <a:off x="163211" y="3641125"/>
-            <a:ext cx="1978625" cy="1169774"/>
-          </a:xfrm>
-          <a:prstGeom prst="roundRect">
-            <a:avLst/>
-          </a:prstGeom>
-        </p:spPr>
-        <p:style>
-          <a:lnRef idx="1">
-            <a:schemeClr val="accent1"/>
-          </a:lnRef>
-          <a:fillRef idx="2">
-            <a:schemeClr val="accent1"/>
-          </a:fillRef>
-          <a:effectRef idx="1">
-            <a:schemeClr val="accent1"/>
-          </a:effectRef>
-          <a:fontRef idx="minor">
-            <a:schemeClr val="dk1"/>
-          </a:fontRef>
-        </p:style>
-        <p:txBody>
-          <a:bodyPr rtlCol="0" anchor="ctr"/>
-          <a:lstStyle/>
-          <a:p>
-            <a:pPr algn="ctr"/>
-            <a:r>
-              <a:rPr lang="en-US" sz="1600" dirty="0" smtClean="0"/>
-              <a:t>Nominal model,</a:t>
-            </a:r>
-          </a:p>
-          <a:p>
-            <a:pPr algn="ctr"/>
-            <a:r>
-              <a:rPr lang="en-US" sz="1600" dirty="0" smtClean="0"/>
-              <a:t>typically mean of each uncertainty is used</a:t>
-            </a:r>
-            <a:endParaRPr lang="en-US" sz="1600" dirty="0"/>
-          </a:p>
-        </p:txBody>
-      </p:sp>
-      <p:sp>
-        <p:nvSpPr>
-          <p:cNvPr id="51" name="Rounded Rectangle 50"/>
-          <p:cNvSpPr/>
-          <p:nvPr/>
-        </p:nvSpPr>
-        <p:spPr>
-          <a:xfrm>
-            <a:off x="5180056" y="3641125"/>
-            <a:ext cx="1978625" cy="1169774"/>
-          </a:xfrm>
-          <a:prstGeom prst="roundRect">
-            <a:avLst/>
-          </a:prstGeom>
-        </p:spPr>
-        <p:style>
-          <a:lnRef idx="1">
-            <a:schemeClr val="accent1"/>
-          </a:lnRef>
-          <a:fillRef idx="2">
-            <a:schemeClr val="accent1"/>
-          </a:fillRef>
-          <a:effectRef idx="1">
-            <a:schemeClr val="accent1"/>
-          </a:effectRef>
-          <a:fontRef idx="minor">
-            <a:schemeClr val="dk1"/>
-          </a:fontRef>
-        </p:style>
-        <p:txBody>
-          <a:bodyPr rtlCol="0" anchor="ctr"/>
-          <a:lstStyle/>
-          <a:p>
-            <a:pPr algn="ctr"/>
-            <a:r>
-              <a:rPr lang="en-US" sz="1600" dirty="0" smtClean="0"/>
-              <a:t>Prediction model </a:t>
-            </a:r>
-          </a:p>
-          <a:p>
-            <a:pPr algn="ctr"/>
-            <a:r>
-              <a:rPr lang="en-US" sz="1600" dirty="0" smtClean="0"/>
-              <a:t>(if needed, not all guidance predicts future states)</a:t>
-            </a:r>
-          </a:p>
-        </p:txBody>
-      </p:sp>
-      <p:cxnSp>
-        <p:nvCxnSpPr>
-          <p:cNvPr id="55" name="Straight Arrow Connector 54"/>
-          <p:cNvCxnSpPr>
-            <a:stCxn id="30" idx="3"/>
-            <a:endCxn id="43" idx="1"/>
-          </p:cNvCxnSpPr>
-          <p:nvPr/>
-        </p:nvCxnSpPr>
-        <p:spPr>
-          <a:xfrm>
-            <a:off x="2050449" y="2889422"/>
-            <a:ext cx="527222" cy="0"/>
-          </a:xfrm>
-          <a:prstGeom prst="straightConnector1">
-            <a:avLst/>
-          </a:prstGeom>
-          <a:ln>
-            <a:tailEnd type="triangle"/>
-          </a:ln>
-        </p:spPr>
-        <p:style>
-          <a:lnRef idx="1">
-            <a:schemeClr val="accent1"/>
-          </a:lnRef>
-          <a:fillRef idx="0">
-            <a:schemeClr val="accent1"/>
-          </a:fillRef>
-          <a:effectRef idx="0">
-            <a:schemeClr val="accent1"/>
-          </a:effectRef>
-          <a:fontRef idx="minor">
-            <a:schemeClr val="tx1"/>
-          </a:fontRef>
-        </p:style>
-      </p:cxnSp>
-      <p:cxnSp>
-        <p:nvCxnSpPr>
-          <p:cNvPr id="57" name="Straight Arrow Connector 56"/>
-          <p:cNvCxnSpPr>
-            <a:stCxn id="43" idx="2"/>
-            <a:endCxn id="44" idx="0"/>
-          </p:cNvCxnSpPr>
-          <p:nvPr/>
-        </p:nvCxnSpPr>
-        <p:spPr>
-          <a:xfrm flipH="1">
-            <a:off x="3566983" y="3474309"/>
-            <a:ext cx="1" cy="333633"/>
-          </a:xfrm>
-          <a:prstGeom prst="straightConnector1">
-            <a:avLst/>
-          </a:prstGeom>
-          <a:ln>
-            <a:tailEnd type="triangle"/>
-          </a:ln>
-        </p:spPr>
-        <p:style>
-          <a:lnRef idx="1">
-            <a:schemeClr val="accent1"/>
-          </a:lnRef>
-          <a:fillRef idx="0">
-            <a:schemeClr val="accent1"/>
-          </a:fillRef>
-          <a:effectRef idx="0">
-            <a:schemeClr val="accent1"/>
-          </a:effectRef>
-          <a:fontRef idx="minor">
-            <a:schemeClr val="tx1"/>
-          </a:fontRef>
-        </p:style>
-      </p:cxnSp>
-      <p:cxnSp>
-        <p:nvCxnSpPr>
-          <p:cNvPr id="59" name="Straight Arrow Connector 58"/>
-          <p:cNvCxnSpPr>
-            <a:stCxn id="44" idx="3"/>
-            <a:endCxn id="51" idx="1"/>
-          </p:cNvCxnSpPr>
-          <p:nvPr/>
-        </p:nvCxnSpPr>
-        <p:spPr>
-          <a:xfrm flipV="1">
-            <a:off x="4464907" y="4226012"/>
-            <a:ext cx="715149" cy="1"/>
-          </a:xfrm>
-          <a:prstGeom prst="straightConnector1">
-            <a:avLst/>
-          </a:prstGeom>
-          <a:ln>
-            <a:tailEnd type="triangle"/>
-          </a:ln>
-        </p:spPr>
-        <p:style>
-          <a:lnRef idx="1">
-            <a:schemeClr val="accent1"/>
-          </a:lnRef>
-          <a:fillRef idx="0">
-            <a:schemeClr val="accent1"/>
-          </a:fillRef>
-          <a:effectRef idx="0">
-            <a:schemeClr val="accent1"/>
-          </a:effectRef>
-          <a:fontRef idx="minor">
-            <a:schemeClr val="tx1"/>
-          </a:fontRef>
-        </p:style>
-      </p:cxnSp>
-      <p:cxnSp>
-        <p:nvCxnSpPr>
-          <p:cNvPr id="61" name="Straight Arrow Connector 60"/>
-          <p:cNvCxnSpPr>
-            <a:stCxn id="45" idx="3"/>
-            <a:endCxn id="44" idx="1"/>
-          </p:cNvCxnSpPr>
-          <p:nvPr/>
-        </p:nvCxnSpPr>
-        <p:spPr>
-          <a:xfrm>
-            <a:off x="2141836" y="4226012"/>
-            <a:ext cx="527222" cy="1"/>
-          </a:xfrm>
-          <a:prstGeom prst="straightConnector1">
-            <a:avLst/>
-          </a:prstGeom>
-          <a:ln>
-            <a:tailEnd type="triangle"/>
-          </a:ln>
-        </p:spPr>
-        <p:style>
-          <a:lnRef idx="1">
-            <a:schemeClr val="accent1"/>
-          </a:lnRef>
-          <a:fillRef idx="0">
-            <a:schemeClr val="accent1"/>
-          </a:fillRef>
-          <a:effectRef idx="0">
-            <a:schemeClr val="accent1"/>
-          </a:effectRef>
-          <a:fontRef idx="minor">
-            <a:schemeClr val="tx1"/>
-          </a:fontRef>
-        </p:style>
-      </p:cxnSp>
-      <p:sp>
-        <p:nvSpPr>
-          <p:cNvPr id="62" name="Rounded Rectangle 61"/>
-          <p:cNvSpPr/>
-          <p:nvPr/>
-        </p:nvSpPr>
-        <p:spPr>
-          <a:xfrm>
-            <a:off x="5271443" y="2455841"/>
-            <a:ext cx="1795849" cy="836141"/>
-          </a:xfrm>
-          <a:prstGeom prst="roundRect">
-            <a:avLst/>
-          </a:prstGeom>
-        </p:spPr>
-        <p:style>
-          <a:lnRef idx="1">
-            <a:schemeClr val="accent4"/>
-          </a:lnRef>
-          <a:fillRef idx="2">
-            <a:schemeClr val="accent4"/>
-          </a:fillRef>
-          <a:effectRef idx="1">
-            <a:schemeClr val="accent4"/>
-          </a:effectRef>
-          <a:fontRef idx="minor">
-            <a:schemeClr val="dk1"/>
-          </a:fontRef>
-        </p:style>
-        <p:txBody>
-          <a:bodyPr rtlCol="0" anchor="ctr"/>
-          <a:lstStyle/>
-          <a:p>
-            <a:pPr algn="ctr"/>
-            <a:r>
-              <a:rPr lang="en-US" sz="1600" dirty="0" smtClean="0"/>
-              <a:t>Guidance algorithm</a:t>
-            </a:r>
-            <a:endParaRPr lang="en-US" sz="1600" dirty="0"/>
-          </a:p>
-        </p:txBody>
-      </p:sp>
-      <p:cxnSp>
-        <p:nvCxnSpPr>
-          <p:cNvPr id="66" name="Straight Arrow Connector 65"/>
-          <p:cNvCxnSpPr>
-            <a:stCxn id="51" idx="0"/>
-            <a:endCxn id="62" idx="2"/>
-          </p:cNvCxnSpPr>
-          <p:nvPr/>
-        </p:nvCxnSpPr>
-        <p:spPr>
-          <a:xfrm flipH="1" flipV="1">
-            <a:off x="6169368" y="3291982"/>
-            <a:ext cx="1" cy="349143"/>
-          </a:xfrm>
-          <a:prstGeom prst="straightConnector1">
-            <a:avLst/>
-          </a:prstGeom>
-          <a:ln>
-            <a:tailEnd type="triangle"/>
-          </a:ln>
-        </p:spPr>
-        <p:style>
-          <a:lnRef idx="1">
-            <a:schemeClr val="accent1"/>
-          </a:lnRef>
-          <a:fillRef idx="0">
-            <a:schemeClr val="accent1"/>
-          </a:fillRef>
-          <a:effectRef idx="0">
-            <a:schemeClr val="accent1"/>
-          </a:effectRef>
-          <a:fontRef idx="minor">
-            <a:schemeClr val="tx1"/>
-          </a:fontRef>
-        </p:style>
-      </p:cxnSp>
-      <p:cxnSp>
-        <p:nvCxnSpPr>
-          <p:cNvPr id="68" name="Elbow Connector 67"/>
-          <p:cNvCxnSpPr>
-            <a:stCxn id="44" idx="3"/>
-            <a:endCxn id="43" idx="3"/>
-          </p:cNvCxnSpPr>
-          <p:nvPr/>
-        </p:nvCxnSpPr>
-        <p:spPr>
-          <a:xfrm flipV="1">
-            <a:off x="4464907" y="2889422"/>
-            <a:ext cx="91389" cy="1336591"/>
-          </a:xfrm>
-          <a:prstGeom prst="bentConnector3">
-            <a:avLst>
-              <a:gd name="adj1" fmla="val 314083"/>
-            </a:avLst>
-          </a:prstGeom>
-          <a:ln>
-            <a:tailEnd type="triangle"/>
-          </a:ln>
-        </p:spPr>
-        <p:style>
-          <a:lnRef idx="1">
-            <a:schemeClr val="accent1"/>
-          </a:lnRef>
-          <a:fillRef idx="0">
-            <a:schemeClr val="accent1"/>
-          </a:fillRef>
-          <a:effectRef idx="0">
-            <a:schemeClr val="accent1"/>
-          </a:effectRef>
-          <a:fontRef idx="minor">
-            <a:schemeClr val="tx1"/>
-          </a:fontRef>
-        </p:style>
-      </p:cxnSp>
-      <p:cxnSp>
-        <p:nvCxnSpPr>
-          <p:cNvPr id="13" name="Elbow Connector 12"/>
-          <p:cNvCxnSpPr>
-            <a:stCxn id="43" idx="0"/>
-            <a:endCxn id="62" idx="0"/>
-          </p:cNvCxnSpPr>
-          <p:nvPr/>
-        </p:nvCxnSpPr>
-        <p:spPr>
-          <a:xfrm rot="16200000" flipH="1">
-            <a:off x="4792523" y="1078996"/>
-            <a:ext cx="151306" cy="2602384"/>
-          </a:xfrm>
-          <a:prstGeom prst="bentConnector3">
-            <a:avLst>
-              <a:gd name="adj1" fmla="val -151085"/>
-            </a:avLst>
-          </a:prstGeom>
-          <a:ln>
-            <a:tailEnd type="triangle"/>
-          </a:ln>
-        </p:spPr>
-        <p:style>
-          <a:lnRef idx="1">
-            <a:schemeClr val="accent1"/>
-          </a:lnRef>
-          <a:fillRef idx="0">
-            <a:schemeClr val="accent1"/>
-          </a:fillRef>
-          <a:effectRef idx="0">
-            <a:schemeClr val="accent1"/>
-          </a:effectRef>
-          <a:fontRef idx="minor">
-            <a:schemeClr val="tx1"/>
-          </a:fontRef>
-        </p:style>
-      </p:cxnSp>
+        <p:spPr/>
+        <p:txBody>
+          <a:bodyPr/>
+          <a:lstStyle/>
+          <a:p>
+            <a:r>
+              <a:rPr lang="en-US" dirty="0" smtClean="0"/>
+              <a:t>Outline</a:t>
+            </a:r>
+            <a:endParaRPr lang="en-US" dirty="0"/>
+          </a:p>
+        </p:txBody>
+      </p:sp>
+      <p:sp>
+        <p:nvSpPr>
+          <p:cNvPr id="3" name="Content Placeholder 2"/>
+          <p:cNvSpPr>
+            <a:spLocks noGrp="1"/>
+          </p:cNvSpPr>
+          <p:nvPr>
+            <p:ph idx="1"/>
+          </p:nvPr>
+        </p:nvSpPr>
+        <p:spPr>
+          <a:xfrm>
+            <a:off x="628650" y="1825624"/>
+            <a:ext cx="7886700" cy="4678269"/>
+          </a:xfrm>
+        </p:spPr>
+        <p:txBody>
+          <a:bodyPr/>
+          <a:lstStyle/>
+          <a:p>
+            <a:r>
+              <a:rPr lang="en-US" dirty="0" smtClean="0"/>
+              <a:t>Entry phase (convex updating)</a:t>
+            </a:r>
+          </a:p>
+          <a:p>
+            <a:r>
+              <a:rPr lang="en-US" dirty="0" smtClean="0"/>
+              <a:t>SRP phase (nonlinear feedback control)</a:t>
+            </a:r>
+          </a:p>
+          <a:p>
+            <a:r>
+              <a:rPr lang="en-US" dirty="0" smtClean="0"/>
+              <a:t>Multi-phase optimal control (create reference for initialization entry, and to track in SRP phase potentially)</a:t>
+            </a:r>
+          </a:p>
+          <a:p>
+            <a:r>
+              <a:rPr lang="en-US" dirty="0" smtClean="0"/>
+              <a:t>Adaptive SRP initiation via free initial condition OCP?</a:t>
+            </a:r>
+          </a:p>
+          <a:p>
+            <a:r>
+              <a:rPr lang="en-US" dirty="0" smtClean="0"/>
+              <a:t>Free final time via free initial condition?</a:t>
+            </a:r>
+          </a:p>
+          <a:p>
+            <a:r>
+              <a:rPr lang="en-US" dirty="0" smtClean="0"/>
+              <a:t>Non-standard control objectives: risk sensitive, minimally covariant trajectories </a:t>
+            </a:r>
+            <a:endParaRPr lang="en-US" dirty="0"/>
+          </a:p>
+        </p:txBody>
+      </p:sp>
     </p:spTree>
     <p:extLst>
       <p:ext uri="{BB962C8B-B14F-4D97-AF65-F5344CB8AC3E}">
-        <p14:creationId xmlns:p14="http://schemas.microsoft.com/office/powerpoint/2010/main" val="3631447824"/>
-      </p:ext>
-    </p:extLst>
-  </p:cSld>
-  <p:clrMapOvr>
-    <a:masterClrMapping/>
-  </p:clrMapOvr>
-  <p:timing>
-    <p:tnLst>
-      <p:par>
-        <p:cTn id="1" dur="indefinite" restart="never" nodeType="tmRoot"/>
-      </p:par>
-    </p:tnLst>
-  </p:timing>
-</p:sld>
-</file>
-
-<file path=ppt/slides/slide10.xml><?xml version="1.0" encoding="utf-8"?>
-<p:sld xmlns:a="http://schemas.openxmlformats.org/drawingml/2006/main" xmlns:r="http://schemas.openxmlformats.org/officeDocument/2006/relationships" xmlns:p="http://schemas.openxmlformats.org/presentationml/2006/main">
-  <p:cSld>
-    <p:spTree>
-      <p:nvGrpSpPr>
-        <p:cNvPr id="1" name=""/>
-        <p:cNvGrpSpPr/>
-        <p:nvPr/>
-      </p:nvGrpSpPr>
-      <p:grpSpPr>
-        <a:xfrm>
-          <a:off x="0" y="0"/>
-          <a:ext cx="0" cy="0"/>
-          <a:chOff x="0" y="0"/>
-          <a:chExt cx="0" cy="0"/>
-        </a:xfrm>
-      </p:grpSpPr>
-      <p:sp>
-        <p:nvSpPr>
-          <p:cNvPr id="2" name="Title 1"/>
-          <p:cNvSpPr>
-            <a:spLocks noGrp="1"/>
-          </p:cNvSpPr>
-          <p:nvPr>
-            <p:ph type="title"/>
-          </p:nvPr>
-        </p:nvSpPr>
-        <p:spPr/>
-        <p:txBody>
-          <a:bodyPr/>
-          <a:lstStyle/>
-          <a:p>
-            <a:r>
-              <a:rPr lang="en-US" dirty="0" smtClean="0"/>
-              <a:t>Convex Optimization </a:t>
-            </a:r>
-            <a:endParaRPr lang="en-US" dirty="0"/>
-          </a:p>
-        </p:txBody>
-      </p:sp>
-      <p:sp>
-        <p:nvSpPr>
-          <p:cNvPr id="3" name="Content Placeholder 2"/>
-          <p:cNvSpPr>
-            <a:spLocks noGrp="1"/>
-          </p:cNvSpPr>
-          <p:nvPr>
-            <p:ph idx="1"/>
-          </p:nvPr>
-        </p:nvSpPr>
-        <p:spPr/>
-        <p:txBody>
-          <a:bodyPr/>
-          <a:lstStyle/>
-          <a:p>
-            <a:r>
-              <a:rPr lang="en-US" sz="2400" dirty="0" smtClean="0"/>
-              <a:t>(Iterative) Convex optimization approaches to non-convex optimal control problems have exploded in interest due to efficient, polynomial time solvers and guaranteed global solution when the problem is feasible</a:t>
-            </a:r>
-          </a:p>
-          <a:p>
-            <a:r>
-              <a:rPr lang="en-US" sz="2400" dirty="0" smtClean="0"/>
-              <a:t>A variety of aerospace problems have been solved including ascent trajectory design, powered descent trajectory design, interplanetary transfers, and entry</a:t>
-            </a:r>
-          </a:p>
-          <a:p>
-            <a:r>
-              <a:rPr lang="en-US" sz="2400" dirty="0" smtClean="0"/>
-              <a:t>While these convex optimization guarantees solution of feasible sub-problems, not all methods have guaranteed convergence, and those that do typically require an </a:t>
-            </a:r>
-            <a:r>
-              <a:rPr lang="en-US" sz="2400" dirty="0"/>
-              <a:t>unknown number of </a:t>
-            </a:r>
-            <a:r>
-              <a:rPr lang="en-US" sz="2400" dirty="0" smtClean="0"/>
-              <a:t>iterations</a:t>
-            </a:r>
-          </a:p>
-          <a:p>
-            <a:pPr lvl="1"/>
-            <a:r>
-              <a:rPr lang="en-US" sz="2000" dirty="0" smtClean="0"/>
-              <a:t>The proposed approach does not involve multiple iterations</a:t>
-            </a:r>
-            <a:endParaRPr lang="en-US" sz="2000" dirty="0"/>
-          </a:p>
-          <a:p>
-            <a:endParaRPr lang="en-US" dirty="0"/>
-          </a:p>
-        </p:txBody>
-      </p:sp>
-    </p:spTree>
-    <p:extLst>
-      <p:ext uri="{BB962C8B-B14F-4D97-AF65-F5344CB8AC3E}">
-        <p14:creationId xmlns:p14="http://schemas.microsoft.com/office/powerpoint/2010/main" val="3747838991"/>
+        <p14:creationId xmlns:p14="http://schemas.microsoft.com/office/powerpoint/2010/main" val="1132782950"/>
       </p:ext>
     </p:extLst>
   </p:cSld>
@@ -5238,7 +4560,7 @@
 </p:sld>
 </file>
 
-<file path=ppt/slides/slide11.xml><?xml version="1.0" encoding="utf-8"?>
+<file path=ppt/slides/slide10.xml><?xml version="1.0" encoding="utf-8"?>
 <p:sld xmlns:a="http://schemas.openxmlformats.org/drawingml/2006/main" xmlns:r="http://schemas.openxmlformats.org/officeDocument/2006/relationships" xmlns:p="http://schemas.openxmlformats.org/presentationml/2006/main">
   <p:cSld>
     <p:spTree>
@@ -5472,7 +4794,7 @@
 </p:sld>
 </file>
 
-<file path=ppt/slides/slide12.xml><?xml version="1.0" encoding="utf-8"?>
+<file path=ppt/slides/slide11.xml><?xml version="1.0" encoding="utf-8"?>
 <p:sld xmlns:a="http://schemas.openxmlformats.org/drawingml/2006/main" xmlns:r="http://schemas.openxmlformats.org/officeDocument/2006/relationships" xmlns:p="http://schemas.openxmlformats.org/presentationml/2006/main">
   <p:cSld>
     <p:spTree>
@@ -5649,6 +4971,152 @@
     <p:extLst>
       <p:ext uri="{BB962C8B-B14F-4D97-AF65-F5344CB8AC3E}">
         <p14:creationId xmlns:p14="http://schemas.microsoft.com/office/powerpoint/2010/main" val="860064350"/>
+      </p:ext>
+    </p:extLst>
+  </p:cSld>
+  <p:clrMapOvr>
+    <a:masterClrMapping/>
+  </p:clrMapOvr>
+</p:sld>
+</file>
+
+<file path=ppt/slides/slide12.xml><?xml version="1.0" encoding="utf-8"?>
+<p:sld xmlns:a="http://schemas.openxmlformats.org/drawingml/2006/main" xmlns:r="http://schemas.openxmlformats.org/officeDocument/2006/relationships" xmlns:p="http://schemas.openxmlformats.org/presentationml/2006/main">
+  <p:cSld>
+    <p:spTree>
+      <p:nvGrpSpPr>
+        <p:cNvPr id="1" name=""/>
+        <p:cNvGrpSpPr/>
+        <p:nvPr/>
+      </p:nvGrpSpPr>
+      <p:grpSpPr>
+        <a:xfrm>
+          <a:off x="0" y="0"/>
+          <a:ext cx="0" cy="0"/>
+          <a:chOff x="0" y="0"/>
+          <a:chExt cx="0" cy="0"/>
+        </a:xfrm>
+      </p:grpSpPr>
+      <p:sp>
+        <p:nvSpPr>
+          <p:cNvPr id="2" name="Title 1"/>
+          <p:cNvSpPr>
+            <a:spLocks noGrp="1"/>
+          </p:cNvSpPr>
+          <p:nvPr>
+            <p:ph type="title"/>
+          </p:nvPr>
+        </p:nvSpPr>
+        <p:spPr/>
+        <p:txBody>
+          <a:bodyPr/>
+          <a:lstStyle/>
+          <a:p>
+            <a:r>
+              <a:rPr lang="en-US" dirty="0" smtClean="0"/>
+              <a:t>Monte Carlo Simulation</a:t>
+            </a:r>
+            <a:endParaRPr lang="en-US" dirty="0"/>
+          </a:p>
+        </p:txBody>
+      </p:sp>
+      <p:sp>
+        <p:nvSpPr>
+          <p:cNvPr id="3" name="Content Placeholder 2"/>
+          <p:cNvSpPr>
+            <a:spLocks noGrp="1"/>
+          </p:cNvSpPr>
+          <p:nvPr>
+            <p:ph idx="1"/>
+          </p:nvPr>
+        </p:nvSpPr>
+        <p:spPr/>
+        <p:txBody>
+          <a:bodyPr/>
+          <a:lstStyle/>
+          <a:p>
+            <a:r>
+              <a:rPr lang="en-US" sz="2400" dirty="0" smtClean="0"/>
+              <a:t>Vehicle is nominally L/D = 0.24 with initial state subject to MSL-like dispersions</a:t>
+            </a:r>
+            <a:endParaRPr lang="en-US" sz="2400" dirty="0"/>
+          </a:p>
+          <a:p>
+            <a:r>
+              <a:rPr lang="en-US" sz="2400" dirty="0" err="1" smtClean="0"/>
+              <a:t>MarsGRAM</a:t>
+            </a:r>
+            <a:r>
+              <a:rPr lang="en-US" sz="2400" dirty="0" smtClean="0"/>
+              <a:t> is used for environment modeling</a:t>
+            </a:r>
+          </a:p>
+          <a:p>
+            <a:r>
+              <a:rPr lang="en-US" sz="2400" dirty="0" smtClean="0"/>
+              <a:t>Uncertainty is added to lift and drag coefficients</a:t>
+            </a:r>
+          </a:p>
+          <a:p>
+            <a:pPr lvl="1"/>
+            <a:r>
+              <a:rPr lang="en-US" sz="2000" dirty="0" smtClean="0"/>
+              <a:t>Gaussian with 3</a:t>
+            </a:r>
+            <a:r>
+              <a:rPr lang="el-GR" sz="2000" dirty="0" smtClean="0"/>
+              <a:t>σ</a:t>
+            </a:r>
+            <a:r>
+              <a:rPr lang="en-US" sz="2000" dirty="0" smtClean="0"/>
+              <a:t> = 10%</a:t>
+            </a:r>
+          </a:p>
+          <a:p>
+            <a:r>
+              <a:rPr lang="en-US" sz="2400" dirty="0" smtClean="0"/>
+              <a:t>Updates occurs at 10 second intervals and stops at 600 m/s </a:t>
+            </a:r>
+          </a:p>
+          <a:p>
+            <a:r>
+              <a:rPr lang="en-US" sz="2400" dirty="0" smtClean="0"/>
+              <a:t>Bank angle limited to ±90°, and bank rate limited to 20°/s</a:t>
+            </a:r>
+          </a:p>
+          <a:p>
+            <a:r>
+              <a:rPr lang="en-US" sz="2400" dirty="0" smtClean="0"/>
+              <a:t>200 samples chosen by </a:t>
+            </a:r>
+            <a:r>
+              <a:rPr lang="en-US" sz="2400" dirty="0" err="1" smtClean="0"/>
+              <a:t>Sobol</a:t>
+            </a:r>
+            <a:r>
+              <a:rPr lang="en-US" sz="2400" dirty="0" smtClean="0"/>
+              <a:t>’ sequence</a:t>
+            </a:r>
+          </a:p>
+          <a:p>
+            <a:r>
+              <a:rPr lang="en-US" sz="2400" dirty="0" smtClean="0"/>
+              <a:t>Trajectories terminate when they reach the correct downrange distance</a:t>
+            </a:r>
+          </a:p>
+          <a:p>
+            <a:pPr lvl="1"/>
+            <a:r>
+              <a:rPr lang="en-US" sz="2000" dirty="0" smtClean="0"/>
+              <a:t>Simple logic, but should expect variations in final altitude and velocity despite energy as independent variable  </a:t>
+            </a:r>
+          </a:p>
+        </p:txBody>
+      </p:sp>
+    </p:spTree>
+    <p:extLst>
+      <p:ext uri="{BB962C8B-B14F-4D97-AF65-F5344CB8AC3E}">
+        <p14:creationId xmlns:p14="http://schemas.microsoft.com/office/powerpoint/2010/main" val="3505934654"/>
       </p:ext>
     </p:extLst>
   </p:cSld>
@@ -5692,7 +5160,11 @@
           <a:p>
             <a:r>
               <a:rPr lang="en-US" dirty="0" smtClean="0"/>
-              <a:t>Monte Carlo Simulation</a:t>
+              <a:t>MCS Results - </a:t>
+            </a:r>
+            <a:r>
+              <a:rPr lang="en-US" dirty="0" err="1" smtClean="0"/>
+              <a:t>Groundtrack</a:t>
             </a:r>
             <a:endParaRPr lang="en-US" dirty="0"/>
           </a:p>
@@ -5708,93 +5180,72 @@
             <p:ph idx="1"/>
           </p:nvPr>
         </p:nvSpPr>
-        <p:spPr/>
+        <p:spPr>
+          <a:xfrm>
+            <a:off x="628650" y="1777500"/>
+            <a:ext cx="7886700" cy="1398838"/>
+          </a:xfrm>
+        </p:spPr>
         <p:txBody>
           <a:bodyPr/>
           <a:lstStyle/>
           <a:p>
             <a:r>
               <a:rPr lang="en-US" sz="2400" dirty="0" smtClean="0"/>
-              <a:t>Vehicle is nominally L/D = 0.24 with initial state subject to MSL-like dispersions</a:t>
+              <a:t>Excellent </a:t>
+            </a:r>
+            <a:r>
+              <a:rPr lang="en-US" sz="2400" dirty="0" err="1" smtClean="0"/>
+              <a:t>crossrange</a:t>
+            </a:r>
+            <a:r>
+              <a:rPr lang="en-US" sz="2400" dirty="0" smtClean="0"/>
+              <a:t> performance due to coupled update to longitudinal and lateral channels </a:t>
+            </a:r>
+          </a:p>
+          <a:p>
+            <a:r>
+              <a:rPr lang="en-US" sz="2400" dirty="0" smtClean="0"/>
+              <a:t>Interestingly, a small number of samples even have an additional reversal</a:t>
             </a:r>
             <a:endParaRPr lang="en-US" sz="2400" dirty="0"/>
           </a:p>
-          <a:p>
-            <a:r>
-              <a:rPr lang="en-US" sz="2400" dirty="0" err="1" smtClean="0"/>
-              <a:t>MarsGRAM</a:t>
-            </a:r>
-            <a:r>
-              <a:rPr lang="en-US" sz="2400" dirty="0" smtClean="0"/>
-              <a:t> is used for environment modeling</a:t>
-            </a:r>
-          </a:p>
-          <a:p>
-            <a:r>
-              <a:rPr lang="en-US" sz="2400" dirty="0" smtClean="0"/>
-              <a:t>Uncertainty is added to lift and drag coefficients</a:t>
-            </a:r>
-          </a:p>
-          <a:p>
-            <a:pPr lvl="1"/>
-            <a:r>
-              <a:rPr lang="en-US" sz="2000" dirty="0" smtClean="0"/>
-              <a:t>Gaussian with 3</a:t>
-            </a:r>
-            <a:r>
-              <a:rPr lang="el-GR" sz="2000" dirty="0" smtClean="0"/>
-              <a:t>σ</a:t>
-            </a:r>
-            <a:r>
-              <a:rPr lang="en-US" sz="2000" dirty="0" smtClean="0"/>
-              <a:t> = 10%</a:t>
-            </a:r>
-          </a:p>
-          <a:p>
-            <a:r>
-              <a:rPr lang="en-US" sz="2400" dirty="0" smtClean="0"/>
-              <a:t>Updates occurs at 10 second intervals and stops at 600 m/s </a:t>
-            </a:r>
-          </a:p>
-          <a:p>
-            <a:r>
-              <a:rPr lang="en-US" sz="2400" dirty="0" smtClean="0"/>
-              <a:t>Bank angle limited to ±90°, and bank rate limited to 20°/s</a:t>
-            </a:r>
-          </a:p>
-          <a:p>
-            <a:r>
-              <a:rPr lang="en-US" sz="2400" dirty="0" smtClean="0"/>
-              <a:t>200 samples chosen by </a:t>
-            </a:r>
-            <a:r>
-              <a:rPr lang="en-US" sz="2400" dirty="0" err="1" smtClean="0"/>
-              <a:t>Sobol</a:t>
-            </a:r>
-            <a:r>
-              <a:rPr lang="en-US" sz="2400" dirty="0" smtClean="0"/>
-              <a:t>’ sequence</a:t>
-            </a:r>
-          </a:p>
-          <a:p>
-            <a:r>
-              <a:rPr lang="en-US" sz="2400" dirty="0" smtClean="0"/>
-              <a:t>Trajectories terminate when they reach the correct downrange distance</a:t>
-            </a:r>
-          </a:p>
-          <a:p>
-            <a:pPr lvl="1"/>
-            <a:r>
-              <a:rPr lang="en-US" sz="2000" dirty="0" smtClean="0"/>
-              <a:t>Simple logic, but should expect variations in final altitude and velocity despite energy as independent variable  </a:t>
-            </a:r>
-          </a:p>
-        </p:txBody>
-      </p:sp>
+        </p:txBody>
+      </p:sp>
+      <p:pic>
+        <p:nvPicPr>
+          <p:cNvPr id="5" name="Picture 4"/>
+          <p:cNvPicPr>
+            <a:picLocks noChangeAspect="1"/>
+          </p:cNvPicPr>
+          <p:nvPr/>
+        </p:nvPicPr>
+        <p:blipFill>
+          <a:blip r:embed="rId3">
+            <a:extLst>
+              <a:ext uri="{28A0092B-C50C-407E-A947-70E740481C1C}">
+                <a14:useLocalDpi xmlns:a14="http://schemas.microsoft.com/office/drawing/2010/main" val="0"/>
+              </a:ext>
+            </a:extLst>
+          </a:blip>
+          <a:stretch>
+            <a:fillRect/>
+          </a:stretch>
+        </p:blipFill>
+        <p:spPr>
+          <a:xfrm>
+            <a:off x="1600247" y="3272588"/>
+            <a:ext cx="5750999" cy="3498601"/>
+          </a:xfrm>
+          <a:prstGeom prst="rect">
+            <a:avLst/>
+          </a:prstGeom>
+        </p:spPr>
+      </p:pic>
     </p:spTree>
     <p:extLst>
       <p:ext uri="{BB962C8B-B14F-4D97-AF65-F5344CB8AC3E}">
-        <p14:creationId xmlns:p14="http://schemas.microsoft.com/office/powerpoint/2010/main" val="3505934654"/>
+        <p14:creationId xmlns:p14="http://schemas.microsoft.com/office/powerpoint/2010/main" val="1826672569"/>
       </p:ext>
     </p:extLst>
   </p:cSld>
@@ -5831,18 +5282,19 @@
             <p:ph type="title"/>
           </p:nvPr>
         </p:nvSpPr>
-        <p:spPr/>
+        <p:spPr>
+          <a:xfrm>
+            <a:off x="628649" y="964938"/>
+            <a:ext cx="8370972" cy="611532"/>
+          </a:xfrm>
+        </p:spPr>
         <p:txBody>
           <a:bodyPr/>
           <a:lstStyle/>
           <a:p>
             <a:r>
               <a:rPr lang="en-US" dirty="0" smtClean="0"/>
-              <a:t>MCS Results - </a:t>
-            </a:r>
-            <a:r>
-              <a:rPr lang="en-US" dirty="0" err="1" smtClean="0"/>
-              <a:t>Groundtrack</a:t>
+              <a:t>MCS Results – Altitude/Velocity</a:t>
             </a:r>
             <a:endParaRPr lang="en-US" dirty="0"/>
           </a:p>
@@ -5860,8 +5312,8 @@
         </p:nvSpPr>
         <p:spPr>
           <a:xfrm>
-            <a:off x="628650" y="1777500"/>
-            <a:ext cx="7886700" cy="1398838"/>
+            <a:off x="628649" y="1690690"/>
+            <a:ext cx="7886700" cy="1437522"/>
           </a:xfrm>
         </p:spPr>
         <p:txBody>
@@ -5870,29 +5322,57 @@
           <a:p>
             <a:r>
               <a:rPr lang="en-US" sz="2400" dirty="0" smtClean="0"/>
-              <a:t>Excellent </a:t>
-            </a:r>
-            <a:r>
-              <a:rPr lang="en-US" sz="2400" dirty="0" err="1" smtClean="0"/>
-              <a:t>crossrange</a:t>
-            </a:r>
-            <a:r>
-              <a:rPr lang="en-US" sz="2400" dirty="0" smtClean="0"/>
-              <a:t> performance due to coupled update to longitudinal and lateral channels </a:t>
-            </a:r>
-          </a:p>
-          <a:p>
-            <a:r>
-              <a:rPr lang="en-US" sz="2400" dirty="0" smtClean="0"/>
-              <a:t>Interestingly, a small number of samples even have an additional reversal</a:t>
-            </a:r>
-            <a:endParaRPr lang="en-US" sz="2400" dirty="0"/>
+              <a:t>Although some trajectories exit the parachute deployment conditions, all but three pass through the box</a:t>
+            </a:r>
+          </a:p>
+          <a:p>
+            <a:pPr lvl="1"/>
+            <a:r>
+              <a:rPr lang="en-US" sz="2000" dirty="0" smtClean="0"/>
+              <a:t>Solved by considering triggering logic that explicitly accounts for parachute conditions </a:t>
+            </a:r>
+          </a:p>
+          <a:p>
+            <a:pPr marL="0" indent="0">
+              <a:buNone/>
+            </a:pPr>
+            <a:endParaRPr lang="en-US" dirty="0"/>
           </a:p>
         </p:txBody>
       </p:sp>
       <p:pic>
         <p:nvPicPr>
-          <p:cNvPr id="5" name="Picture 4"/>
+          <p:cNvPr id="7" name="Picture 6"/>
+          <p:cNvPicPr>
+            <a:picLocks noChangeAspect="1"/>
+          </p:cNvPicPr>
+          <p:nvPr/>
+        </p:nvPicPr>
+        <p:blipFill>
+          <a:blip r:embed="rId2">
+            <a:extLst>
+              <a:ext uri="{28A0092B-C50C-407E-A947-70E740481C1C}">
+                <a14:useLocalDpi xmlns:a14="http://schemas.microsoft.com/office/drawing/2010/main" val="0"/>
+              </a:ext>
+            </a:extLst>
+          </a:blip>
+          <a:stretch>
+            <a:fillRect/>
+          </a:stretch>
+        </p:blipFill>
+        <p:spPr>
+          <a:xfrm>
+            <a:off x="6015308" y="3001647"/>
+            <a:ext cx="2984313" cy="1856906"/>
+          </a:xfrm>
+          <a:prstGeom prst="rect">
+            <a:avLst/>
+          </a:prstGeom>
+        </p:spPr>
+      </p:pic>
+      <p:pic>
+        <p:nvPicPr>
+          <p:cNvPr id="8" name="Picture 7"/>
           <p:cNvPicPr>
             <a:picLocks noChangeAspect="1"/>
           </p:cNvPicPr>
@@ -5912,8 +5392,38 @@
         </p:blipFill>
         <p:spPr>
           <a:xfrm>
-            <a:off x="1600247" y="3272588"/>
-            <a:ext cx="5750999" cy="3498601"/>
+            <a:off x="6015308" y="4858553"/>
+            <a:ext cx="2984313" cy="1856905"/>
+          </a:xfrm>
+          <a:prstGeom prst="rect">
+            <a:avLst/>
+          </a:prstGeom>
+        </p:spPr>
+      </p:pic>
+      <p:pic>
+        <p:nvPicPr>
+          <p:cNvPr id="9" name="Picture 8"/>
+          <p:cNvPicPr>
+            <a:picLocks noChangeAspect="1"/>
+          </p:cNvPicPr>
+          <p:nvPr/>
+        </p:nvPicPr>
+        <p:blipFill>
+          <a:blip r:embed="rId4">
+            <a:extLst>
+              <a:ext uri="{28A0092B-C50C-407E-A947-70E740481C1C}">
+                <a14:useLocalDpi xmlns:a14="http://schemas.microsoft.com/office/drawing/2010/main" val="0"/>
+              </a:ext>
+            </a:extLst>
+          </a:blip>
+          <a:stretch>
+            <a:fillRect/>
+          </a:stretch>
+        </p:blipFill>
+        <p:spPr>
+          <a:xfrm>
+            <a:off x="198640" y="3128212"/>
+            <a:ext cx="5332396" cy="3273687"/>
           </a:xfrm>
           <a:prstGeom prst="rect">
             <a:avLst/>
@@ -5923,7 +5433,7 @@
     </p:spTree>
     <p:extLst>
       <p:ext uri="{BB962C8B-B14F-4D97-AF65-F5344CB8AC3E}">
-        <p14:creationId xmlns:p14="http://schemas.microsoft.com/office/powerpoint/2010/main" val="1826672569"/>
+        <p14:creationId xmlns:p14="http://schemas.microsoft.com/office/powerpoint/2010/main" val="303004292"/>
       </p:ext>
     </p:extLst>
   </p:cSld>
@@ -5960,19 +5470,14 @@
             <p:ph type="title"/>
           </p:nvPr>
         </p:nvSpPr>
-        <p:spPr>
-          <a:xfrm>
-            <a:off x="628649" y="964938"/>
-            <a:ext cx="8370972" cy="611532"/>
-          </a:xfrm>
-        </p:spPr>
+        <p:spPr/>
         <p:txBody>
           <a:bodyPr/>
           <a:lstStyle/>
           <a:p>
             <a:r>
               <a:rPr lang="en-US" dirty="0" smtClean="0"/>
-              <a:t>MCS Results – Altitude/Velocity</a:t>
+              <a:t>MCS Results – Bank Profiles </a:t>
             </a:r>
             <a:endParaRPr lang="en-US" dirty="0"/>
           </a:p>
@@ -5980,7 +5485,7 @@
       </p:sp>
       <p:sp>
         <p:nvSpPr>
-          <p:cNvPr id="3" name="Content Placeholder 2"/>
+          <p:cNvPr id="5" name="Content Placeholder 4"/>
           <p:cNvSpPr>
             <a:spLocks noGrp="1"/>
           </p:cNvSpPr>
@@ -5990,37 +5495,41 @@
         </p:nvSpPr>
         <p:spPr>
           <a:xfrm>
-            <a:off x="628649" y="1690690"/>
-            <a:ext cx="7886700" cy="1437522"/>
-          </a:xfrm>
-        </p:spPr>
-        <p:txBody>
-          <a:bodyPr/>
-          <a:lstStyle/>
-          <a:p>
-            <a:r>
-              <a:rPr lang="en-US" sz="2400" dirty="0" smtClean="0"/>
-              <a:t>Although some trajectories exit the parachute deployment conditions, all but three pass through the box</a:t>
-            </a:r>
-          </a:p>
-          <a:p>
-            <a:pPr lvl="1"/>
-            <a:r>
-              <a:rPr lang="en-US" sz="2000" dirty="0" smtClean="0"/>
-              <a:t>Solved by considering triggering logic that explicitly accounts for parachute conditions </a:t>
-            </a:r>
-          </a:p>
-          <a:p>
-            <a:pPr marL="0" indent="0">
-              <a:buNone/>
-            </a:pPr>
+            <a:off x="628650" y="1825625"/>
+            <a:ext cx="8245843" cy="1244834"/>
+          </a:xfrm>
+        </p:spPr>
+        <p:txBody>
+          <a:bodyPr/>
+          <a:lstStyle/>
+          <a:p>
+            <a:r>
+              <a:rPr lang="en-US" dirty="0" smtClean="0"/>
+              <a:t>Largest difference is in the timing of bank reversals</a:t>
+            </a:r>
+          </a:p>
+          <a:p>
+            <a:pPr lvl="0"/>
+            <a:r>
+              <a:rPr lang="en-US" dirty="0">
+                <a:solidFill>
+                  <a:prstClr val="black"/>
+                </a:solidFill>
+              </a:rPr>
+              <a:t>Bank angle (and trajectory in general) deviates from the original trajectory most at the end</a:t>
+            </a:r>
+          </a:p>
+          <a:p>
+            <a:endParaRPr lang="en-US" dirty="0" smtClean="0"/>
+          </a:p>
+          <a:p>
             <a:endParaRPr lang="en-US" dirty="0"/>
           </a:p>
         </p:txBody>
       </p:sp>
       <p:pic>
         <p:nvPicPr>
-          <p:cNvPr id="7" name="Picture 6"/>
+          <p:cNvPr id="6" name="Picture 5"/>
           <p:cNvPicPr>
             <a:picLocks noChangeAspect="1"/>
           </p:cNvPicPr>
@@ -6040,78 +5549,86 @@
         </p:blipFill>
         <p:spPr>
           <a:xfrm>
-            <a:off x="6015308" y="3001647"/>
-            <a:ext cx="2984313" cy="1856906"/>
+            <a:off x="259880" y="3197993"/>
+            <a:ext cx="5813843" cy="3488306"/>
           </a:xfrm>
           <a:prstGeom prst="rect">
             <a:avLst/>
           </a:prstGeom>
         </p:spPr>
       </p:pic>
-      <p:pic>
-        <p:nvPicPr>
-          <p:cNvPr id="8" name="Picture 7"/>
-          <p:cNvPicPr>
-            <a:picLocks noChangeAspect="1"/>
-          </p:cNvPicPr>
+      <p:sp>
+        <p:nvSpPr>
+          <p:cNvPr id="7" name="TextBox 6"/>
+          <p:cNvSpPr txBox="1"/>
           <p:nvPr/>
-        </p:nvPicPr>
-        <p:blipFill>
-          <a:blip r:embed="rId3">
-            <a:extLst>
-              <a:ext uri="{28A0092B-C50C-407E-A947-70E740481C1C}">
-                <a14:useLocalDpi xmlns:a14="http://schemas.microsoft.com/office/drawing/2010/main" val="0"/>
-              </a:ext>
-            </a:extLst>
-          </a:blip>
-          <a:stretch>
-            <a:fillRect/>
-          </a:stretch>
-        </p:blipFill>
-        <p:spPr>
-          <a:xfrm>
-            <a:off x="6015308" y="4858553"/>
-            <a:ext cx="2984313" cy="1856905"/>
+        </p:nvSpPr>
+        <p:spPr>
+          <a:xfrm>
+            <a:off x="5861784" y="3395901"/>
+            <a:ext cx="3205214" cy="2363724"/>
           </a:xfrm>
           <a:prstGeom prst="rect">
             <a:avLst/>
           </a:prstGeom>
-        </p:spPr>
-      </p:pic>
-      <p:pic>
-        <p:nvPicPr>
-          <p:cNvPr id="9" name="Picture 8"/>
-          <p:cNvPicPr>
-            <a:picLocks noChangeAspect="1"/>
-          </p:cNvPicPr>
-          <p:nvPr/>
-        </p:nvPicPr>
-        <p:blipFill>
-          <a:blip r:embed="rId4">
-            <a:extLst>
-              <a:ext uri="{28A0092B-C50C-407E-A947-70E740481C1C}">
-                <a14:useLocalDpi xmlns:a14="http://schemas.microsoft.com/office/drawing/2010/main" val="0"/>
-              </a:ext>
-            </a:extLst>
-          </a:blip>
-          <a:stretch>
-            <a:fillRect/>
-          </a:stretch>
-        </p:blipFill>
-        <p:spPr>
-          <a:xfrm>
-            <a:off x="198640" y="3128212"/>
-            <a:ext cx="5332396" cy="3273687"/>
-          </a:xfrm>
-          <a:prstGeom prst="rect">
-            <a:avLst/>
-          </a:prstGeom>
-        </p:spPr>
-      </p:pic>
+          <a:noFill/>
+        </p:spPr>
+        <p:txBody>
+          <a:bodyPr wrap="square" rtlCol="0">
+            <a:spAutoFit/>
+          </a:bodyPr>
+          <a:lstStyle/>
+          <a:p>
+            <a:pPr lvl="1">
+              <a:lnSpc>
+                <a:spcPct val="90000"/>
+              </a:lnSpc>
+              <a:spcBef>
+                <a:spcPts val="500"/>
+              </a:spcBef>
+            </a:pPr>
+            <a:r>
+              <a:rPr lang="en-US" sz="2400" dirty="0" smtClean="0">
+                <a:solidFill>
+                  <a:prstClr val="black"/>
+                </a:solidFill>
+              </a:rPr>
+              <a:t>This </a:t>
+            </a:r>
+            <a:r>
+              <a:rPr lang="en-US" sz="2400" dirty="0">
+                <a:solidFill>
+                  <a:prstClr val="black"/>
+                </a:solidFill>
+              </a:rPr>
+              <a:t>is expected because </a:t>
+            </a:r>
+            <a:r>
+              <a:rPr lang="en-US" sz="2400" dirty="0" smtClean="0">
+                <a:solidFill>
+                  <a:prstClr val="black"/>
+                </a:solidFill>
+              </a:rPr>
+              <a:t>the later portion of trajectory is updated the greatest number </a:t>
+            </a:r>
+            <a:r>
+              <a:rPr lang="en-US" sz="2400" dirty="0">
+                <a:solidFill>
+                  <a:prstClr val="black"/>
+                </a:solidFill>
+              </a:rPr>
+              <a:t>of times </a:t>
+            </a:r>
+          </a:p>
+          <a:p>
+            <a:endParaRPr lang="en-US" dirty="0"/>
+          </a:p>
+        </p:txBody>
+      </p:sp>
     </p:spTree>
     <p:extLst>
       <p:ext uri="{BB962C8B-B14F-4D97-AF65-F5344CB8AC3E}">
-        <p14:creationId xmlns:p14="http://schemas.microsoft.com/office/powerpoint/2010/main" val="303004292"/>
+        <p14:creationId xmlns:p14="http://schemas.microsoft.com/office/powerpoint/2010/main" val="1145173546"/>
       </p:ext>
     </p:extLst>
   </p:cSld>
@@ -6155,7 +5672,7 @@
           <a:p>
             <a:r>
               <a:rPr lang="en-US" dirty="0" smtClean="0"/>
-              <a:t>MCS Results – Bank Profiles </a:t>
+              <a:t>Conclusion</a:t>
             </a:r>
             <a:endParaRPr lang="en-US" dirty="0"/>
           </a:p>
@@ -6163,7 +5680,7 @@
       </p:sp>
       <p:sp>
         <p:nvSpPr>
-          <p:cNvPr id="5" name="Content Placeholder 4"/>
+          <p:cNvPr id="3" name="Content Placeholder 2"/>
           <p:cNvSpPr>
             <a:spLocks noGrp="1"/>
           </p:cNvSpPr>
@@ -6171,142 +5688,55 @@
             <p:ph idx="1"/>
           </p:nvPr>
         </p:nvSpPr>
-        <p:spPr>
-          <a:xfrm>
-            <a:off x="628650" y="1825625"/>
-            <a:ext cx="8245843" cy="1244834"/>
-          </a:xfrm>
-        </p:spPr>
+        <p:spPr/>
         <p:txBody>
           <a:bodyPr/>
           <a:lstStyle/>
           <a:p>
             <a:r>
               <a:rPr lang="en-US" dirty="0" smtClean="0"/>
-              <a:t>Largest difference is in the timing of bank reversals</a:t>
-            </a:r>
-          </a:p>
-          <a:p>
-            <a:pPr lvl="0"/>
-            <a:r>
-              <a:rPr lang="en-US" dirty="0">
-                <a:solidFill>
-                  <a:prstClr val="black"/>
-                </a:solidFill>
-              </a:rPr>
-              <a:t>Bank angle (and trajectory in general) deviates from the original trajectory most at the end</a:t>
-            </a:r>
-          </a:p>
-          <a:p>
+              <a:t>Despite the use of linearization requiring small, local updates, a convex approach to onboard trajectory redesign shows promise </a:t>
+            </a:r>
+          </a:p>
+          <a:p>
+            <a:r>
+              <a:rPr lang="en-US" dirty="0" smtClean="0"/>
+              <a:t>Use of updating has a number of potential applications</a:t>
+            </a:r>
+          </a:p>
+          <a:p>
+            <a:r>
+              <a:rPr lang="en-US" dirty="0" smtClean="0"/>
+              <a:t>If the target point is not reachable, the solution returned by the optimizer may be outside the region of validity of the linearized trajectory, or the optimization may return infeasible </a:t>
+            </a:r>
+          </a:p>
+          <a:p>
+            <a:pPr lvl="1"/>
+            <a:r>
+              <a:rPr lang="en-US" dirty="0" smtClean="0"/>
+              <a:t>Safeguarding is required</a:t>
+            </a:r>
+          </a:p>
+          <a:p>
+            <a:pPr lvl="1"/>
+            <a:r>
+              <a:rPr lang="en-US" dirty="0" smtClean="0"/>
+              <a:t>Consider the endpoint constraint as a penalty term in the objective </a:t>
+            </a:r>
+            <a:endParaRPr lang="en-US" dirty="0"/>
+          </a:p>
+          <a:p>
+            <a:pPr marL="457200" lvl="1" indent="0">
+              <a:buNone/>
+            </a:pPr>
             <a:endParaRPr lang="en-US" dirty="0" smtClean="0"/>
-          </a:p>
-          <a:p>
-            <a:endParaRPr lang="en-US" dirty="0"/>
-          </a:p>
-        </p:txBody>
-      </p:sp>
-      <p:pic>
-        <p:nvPicPr>
-          <p:cNvPr id="6" name="Picture 5"/>
-          <p:cNvPicPr>
-            <a:picLocks noChangeAspect="1"/>
-          </p:cNvPicPr>
-          <p:nvPr/>
-        </p:nvPicPr>
-        <p:blipFill>
-          <a:blip r:embed="rId2">
-            <a:extLst>
-              <a:ext uri="{28A0092B-C50C-407E-A947-70E740481C1C}">
-                <a14:useLocalDpi xmlns:a14="http://schemas.microsoft.com/office/drawing/2010/main" val="0"/>
-              </a:ext>
-            </a:extLst>
-          </a:blip>
-          <a:stretch>
-            <a:fillRect/>
-          </a:stretch>
-        </p:blipFill>
-        <p:spPr>
-          <a:xfrm>
-            <a:off x="259880" y="3197993"/>
-            <a:ext cx="5813843" cy="3488306"/>
-          </a:xfrm>
-          <a:prstGeom prst="rect">
-            <a:avLst/>
-          </a:prstGeom>
-        </p:spPr>
-      </p:pic>
-      <p:sp>
-        <p:nvSpPr>
-          <p:cNvPr id="7" name="TextBox 6"/>
-          <p:cNvSpPr txBox="1"/>
-          <p:nvPr/>
-        </p:nvSpPr>
-        <p:spPr>
-          <a:xfrm>
-            <a:off x="5861784" y="3395901"/>
-            <a:ext cx="3205214" cy="2363724"/>
-          </a:xfrm>
-          <a:prstGeom prst="rect">
-            <a:avLst/>
-          </a:prstGeom>
-          <a:noFill/>
-        </p:spPr>
-        <p:txBody>
-          <a:bodyPr wrap="square" rtlCol="0">
-            <a:spAutoFit/>
-          </a:bodyPr>
-          <a:lstStyle/>
-          <a:p>
-            <a:pPr lvl="1">
-              <a:lnSpc>
-                <a:spcPct val="90000"/>
-              </a:lnSpc>
-              <a:spcBef>
-                <a:spcPts val="500"/>
-              </a:spcBef>
-            </a:pPr>
-            <a:r>
-              <a:rPr lang="en-US" sz="2400" dirty="0" smtClean="0">
-                <a:solidFill>
-                  <a:prstClr val="black"/>
-                </a:solidFill>
-              </a:rPr>
-              <a:t>This </a:t>
-            </a:r>
-            <a:r>
-              <a:rPr lang="en-US" sz="2400" dirty="0">
-                <a:solidFill>
-                  <a:prstClr val="black"/>
-                </a:solidFill>
-              </a:rPr>
-              <a:t>is expected because </a:t>
-            </a:r>
-            <a:r>
-              <a:rPr lang="en-US" sz="2400" dirty="0" smtClean="0">
-                <a:solidFill>
-                  <a:prstClr val="black"/>
-                </a:solidFill>
-              </a:rPr>
-              <a:t>the later portion of trajectory is updated the greatest number </a:t>
-            </a:r>
-            <a:r>
-              <a:rPr lang="en-US" sz="2400" dirty="0">
-                <a:solidFill>
-                  <a:prstClr val="black"/>
-                </a:solidFill>
-              </a:rPr>
-              <a:t>of times </a:t>
-            </a:r>
-          </a:p>
-          <a:p>
-            <a:endParaRPr lang="en-US" dirty="0"/>
           </a:p>
         </p:txBody>
       </p:sp>
     </p:spTree>
     <p:extLst>
       <p:ext uri="{BB962C8B-B14F-4D97-AF65-F5344CB8AC3E}">
-        <p14:creationId xmlns:p14="http://schemas.microsoft.com/office/powerpoint/2010/main" val="1145173546"/>
+        <p14:creationId xmlns:p14="http://schemas.microsoft.com/office/powerpoint/2010/main" val="2442241489"/>
       </p:ext>
     </p:extLst>
   </p:cSld>
@@ -6343,88 +5773,669 @@
             <p:ph type="title"/>
           </p:nvPr>
         </p:nvSpPr>
-        <p:spPr/>
-        <p:txBody>
-          <a:bodyPr/>
-          <a:lstStyle/>
-          <a:p>
-            <a:r>
-              <a:rPr lang="en-US" dirty="0" smtClean="0"/>
-              <a:t>Conclusion</a:t>
-            </a:r>
-            <a:endParaRPr lang="en-US" dirty="0"/>
-          </a:p>
-        </p:txBody>
-      </p:sp>
-      <p:sp>
-        <p:nvSpPr>
-          <p:cNvPr id="3" name="Content Placeholder 2"/>
-          <p:cNvSpPr>
-            <a:spLocks noGrp="1"/>
-          </p:cNvSpPr>
-          <p:nvPr>
-            <p:ph idx="1"/>
-          </p:nvPr>
-        </p:nvSpPr>
-        <p:spPr/>
-        <p:txBody>
-          <a:bodyPr/>
-          <a:lstStyle/>
-          <a:p>
-            <a:r>
-              <a:rPr lang="en-US" dirty="0" smtClean="0"/>
-              <a:t>Despite the use of linearization requiring small, local updates, a convex approach to onboard trajectory redesign shows promise </a:t>
-            </a:r>
-          </a:p>
-          <a:p>
-            <a:r>
-              <a:rPr lang="en-US" dirty="0" smtClean="0"/>
-              <a:t>Use of updating has a number of potential applications</a:t>
-            </a:r>
-          </a:p>
-          <a:p>
-            <a:r>
-              <a:rPr lang="en-US" dirty="0" smtClean="0"/>
-              <a:t>If the target point is not reachable, the solution returned by the optimizer may be outside the region of validity of the linearized trajectory, or the optimization may return infeasible </a:t>
-            </a:r>
-          </a:p>
-          <a:p>
-            <a:pPr lvl="1"/>
-            <a:r>
-              <a:rPr lang="en-US" dirty="0" smtClean="0"/>
-              <a:t>Safeguarding is required</a:t>
-            </a:r>
-          </a:p>
-          <a:p>
-            <a:pPr lvl="1"/>
-            <a:r>
-              <a:rPr lang="en-US" dirty="0" smtClean="0"/>
-              <a:t>Consider the endpoint constraint as a penalty term in the objective </a:t>
-            </a:r>
-            <a:endParaRPr lang="en-US" dirty="0"/>
-          </a:p>
-          <a:p>
-            <a:pPr marL="457200" lvl="1" indent="0">
-              <a:buNone/>
-            </a:pPr>
-            <a:endParaRPr lang="en-US" dirty="0" smtClean="0"/>
-          </a:p>
-        </p:txBody>
-      </p:sp>
+        <p:spPr>
+          <a:xfrm>
+            <a:off x="2333883" y="89649"/>
+            <a:ext cx="2995999" cy="611532"/>
+          </a:xfrm>
+        </p:spPr>
+        <p:txBody>
+          <a:bodyPr/>
+          <a:lstStyle/>
+          <a:p>
+            <a:r>
+              <a:rPr lang="en-US" dirty="0" smtClean="0">
+                <a:solidFill>
+                  <a:schemeClr val="bg1"/>
+                </a:solidFill>
+              </a:rPr>
+              <a:t>System Flow</a:t>
+            </a:r>
+            <a:endParaRPr lang="en-US" dirty="0">
+              <a:solidFill>
+                <a:schemeClr val="bg1"/>
+              </a:solidFill>
+            </a:endParaRPr>
+          </a:p>
+        </p:txBody>
+      </p:sp>
+      <p:sp>
+        <p:nvSpPr>
+          <p:cNvPr id="4" name="Rounded Rectangle 3"/>
+          <p:cNvSpPr/>
+          <p:nvPr/>
+        </p:nvSpPr>
+        <p:spPr>
+          <a:xfrm>
+            <a:off x="163213" y="1046204"/>
+            <a:ext cx="1978625" cy="1169774"/>
+          </a:xfrm>
+          <a:prstGeom prst="roundRect">
+            <a:avLst/>
+          </a:prstGeom>
+        </p:spPr>
+        <p:style>
+          <a:lnRef idx="1">
+            <a:schemeClr val="accent1"/>
+          </a:lnRef>
+          <a:fillRef idx="2">
+            <a:schemeClr val="accent1"/>
+          </a:fillRef>
+          <a:effectRef idx="1">
+            <a:schemeClr val="accent1"/>
+          </a:effectRef>
+          <a:fontRef idx="minor">
+            <a:schemeClr val="dk1"/>
+          </a:fontRef>
+        </p:style>
+        <p:txBody>
+          <a:bodyPr rtlCol="0" anchor="ctr"/>
+          <a:lstStyle/>
+          <a:p>
+            <a:pPr algn="ctr"/>
+            <a:r>
+              <a:rPr lang="en-US" sz="1600" dirty="0" smtClean="0"/>
+              <a:t>Truth model,</a:t>
+            </a:r>
+          </a:p>
+          <a:p>
+            <a:pPr algn="ctr"/>
+            <a:r>
+              <a:rPr lang="en-US" sz="1600" dirty="0" smtClean="0"/>
+              <a:t>a particular realization of the uncertainty space</a:t>
+            </a:r>
+            <a:endParaRPr lang="en-US" sz="1600" dirty="0"/>
+          </a:p>
+        </p:txBody>
+      </p:sp>
+      <p:cxnSp>
+        <p:nvCxnSpPr>
+          <p:cNvPr id="8" name="Straight Arrow Connector 7"/>
+          <p:cNvCxnSpPr>
+            <a:stCxn id="4" idx="2"/>
+            <a:endCxn id="30" idx="0"/>
+          </p:cNvCxnSpPr>
+          <p:nvPr/>
+        </p:nvCxnSpPr>
+        <p:spPr>
+          <a:xfrm flipH="1">
+            <a:off x="1152525" y="2215978"/>
+            <a:ext cx="1" cy="255373"/>
+          </a:xfrm>
+          <a:prstGeom prst="straightConnector1">
+            <a:avLst/>
+          </a:prstGeom>
+          <a:ln>
+            <a:tailEnd type="triangle"/>
+          </a:ln>
+        </p:spPr>
+        <p:style>
+          <a:lnRef idx="1">
+            <a:schemeClr val="accent1"/>
+          </a:lnRef>
+          <a:fillRef idx="0">
+            <a:schemeClr val="accent1"/>
+          </a:fillRef>
+          <a:effectRef idx="0">
+            <a:schemeClr val="accent1"/>
+          </a:effectRef>
+          <a:fontRef idx="minor">
+            <a:schemeClr val="tx1"/>
+          </a:fontRef>
+        </p:style>
+      </p:cxnSp>
+      <p:sp>
+        <p:nvSpPr>
+          <p:cNvPr id="30" name="Rounded Rectangle 29"/>
+          <p:cNvSpPr/>
+          <p:nvPr/>
+        </p:nvSpPr>
+        <p:spPr>
+          <a:xfrm>
+            <a:off x="254600" y="2471351"/>
+            <a:ext cx="1795849" cy="836141"/>
+          </a:xfrm>
+          <a:prstGeom prst="roundRect">
+            <a:avLst/>
+          </a:prstGeom>
+        </p:spPr>
+        <p:style>
+          <a:lnRef idx="1">
+            <a:schemeClr val="accent4"/>
+          </a:lnRef>
+          <a:fillRef idx="2">
+            <a:schemeClr val="accent4"/>
+          </a:fillRef>
+          <a:effectRef idx="1">
+            <a:schemeClr val="accent4"/>
+          </a:effectRef>
+          <a:fontRef idx="minor">
+            <a:schemeClr val="dk1"/>
+          </a:fontRef>
+        </p:style>
+        <p:txBody>
+          <a:bodyPr rtlCol="0" anchor="ctr"/>
+          <a:lstStyle/>
+          <a:p>
+            <a:pPr algn="ctr"/>
+            <a:r>
+              <a:rPr lang="en-US" sz="1600" dirty="0"/>
+              <a:t>Knowledge </a:t>
+            </a:r>
+            <a:r>
+              <a:rPr lang="en-US" sz="1600" dirty="0" smtClean="0"/>
+              <a:t>errors, measurement noise</a:t>
+            </a:r>
+            <a:endParaRPr lang="en-US" sz="1600" dirty="0"/>
+          </a:p>
+        </p:txBody>
+      </p:sp>
+      <p:sp>
+        <p:nvSpPr>
+          <p:cNvPr id="43" name="Rounded Rectangle 42"/>
+          <p:cNvSpPr/>
+          <p:nvPr/>
+        </p:nvSpPr>
+        <p:spPr>
+          <a:xfrm>
+            <a:off x="2577671" y="2304535"/>
+            <a:ext cx="1978625" cy="1169774"/>
+          </a:xfrm>
+          <a:prstGeom prst="roundRect">
+            <a:avLst/>
+          </a:prstGeom>
+        </p:spPr>
+        <p:style>
+          <a:lnRef idx="1">
+            <a:schemeClr val="accent1"/>
+          </a:lnRef>
+          <a:fillRef idx="2">
+            <a:schemeClr val="accent1"/>
+          </a:fillRef>
+          <a:effectRef idx="1">
+            <a:schemeClr val="accent1"/>
+          </a:effectRef>
+          <a:fontRef idx="minor">
+            <a:schemeClr val="dk1"/>
+          </a:fontRef>
+        </p:style>
+        <p:txBody>
+          <a:bodyPr rtlCol="0" anchor="ctr"/>
+          <a:lstStyle/>
+          <a:p>
+            <a:pPr algn="ctr"/>
+            <a:r>
+              <a:rPr lang="en-US" sz="1600" dirty="0"/>
+              <a:t>Navigation system model</a:t>
+            </a:r>
+          </a:p>
+        </p:txBody>
+      </p:sp>
+      <p:sp>
+        <p:nvSpPr>
+          <p:cNvPr id="44" name="Rounded Rectangle 43"/>
+          <p:cNvSpPr/>
+          <p:nvPr/>
+        </p:nvSpPr>
+        <p:spPr>
+          <a:xfrm>
+            <a:off x="2669058" y="3807942"/>
+            <a:ext cx="1795849" cy="836141"/>
+          </a:xfrm>
+          <a:prstGeom prst="roundRect">
+            <a:avLst/>
+          </a:prstGeom>
+        </p:spPr>
+        <p:style>
+          <a:lnRef idx="1">
+            <a:schemeClr val="accent4"/>
+          </a:lnRef>
+          <a:fillRef idx="2">
+            <a:schemeClr val="accent4"/>
+          </a:fillRef>
+          <a:effectRef idx="1">
+            <a:schemeClr val="accent4"/>
+          </a:effectRef>
+          <a:fontRef idx="minor">
+            <a:schemeClr val="dk1"/>
+          </a:fontRef>
+        </p:style>
+        <p:txBody>
+          <a:bodyPr rtlCol="0" anchor="ctr"/>
+          <a:lstStyle/>
+          <a:p>
+            <a:pPr algn="ctr"/>
+            <a:r>
+              <a:rPr lang="en-US" sz="1600" dirty="0" smtClean="0"/>
+              <a:t>Estimation</a:t>
+            </a:r>
+          </a:p>
+          <a:p>
+            <a:pPr algn="ctr"/>
+            <a:r>
+              <a:rPr lang="en-US" sz="1600" dirty="0" smtClean="0"/>
+              <a:t> (aero filters, EKF, observers)</a:t>
+            </a:r>
+            <a:endParaRPr lang="en-US" sz="1600" dirty="0"/>
+          </a:p>
+        </p:txBody>
+      </p:sp>
+      <p:sp>
+        <p:nvSpPr>
+          <p:cNvPr id="45" name="Rounded Rectangle 44"/>
+          <p:cNvSpPr/>
+          <p:nvPr/>
+        </p:nvSpPr>
+        <p:spPr>
+          <a:xfrm>
+            <a:off x="163211" y="3641125"/>
+            <a:ext cx="1978625" cy="1169774"/>
+          </a:xfrm>
+          <a:prstGeom prst="roundRect">
+            <a:avLst/>
+          </a:prstGeom>
+        </p:spPr>
+        <p:style>
+          <a:lnRef idx="1">
+            <a:schemeClr val="accent1"/>
+          </a:lnRef>
+          <a:fillRef idx="2">
+            <a:schemeClr val="accent1"/>
+          </a:fillRef>
+          <a:effectRef idx="1">
+            <a:schemeClr val="accent1"/>
+          </a:effectRef>
+          <a:fontRef idx="minor">
+            <a:schemeClr val="dk1"/>
+          </a:fontRef>
+        </p:style>
+        <p:txBody>
+          <a:bodyPr rtlCol="0" anchor="ctr"/>
+          <a:lstStyle/>
+          <a:p>
+            <a:pPr algn="ctr"/>
+            <a:r>
+              <a:rPr lang="en-US" sz="1600" dirty="0" smtClean="0"/>
+              <a:t>Nominal model,</a:t>
+            </a:r>
+          </a:p>
+          <a:p>
+            <a:pPr algn="ctr"/>
+            <a:r>
+              <a:rPr lang="en-US" sz="1600" dirty="0" smtClean="0"/>
+              <a:t>typically mean of each uncertainty is used</a:t>
+            </a:r>
+            <a:endParaRPr lang="en-US" sz="1600" dirty="0"/>
+          </a:p>
+        </p:txBody>
+      </p:sp>
+      <p:sp>
+        <p:nvSpPr>
+          <p:cNvPr id="51" name="Rounded Rectangle 50"/>
+          <p:cNvSpPr/>
+          <p:nvPr/>
+        </p:nvSpPr>
+        <p:spPr>
+          <a:xfrm>
+            <a:off x="5180056" y="3641125"/>
+            <a:ext cx="1978625" cy="1169774"/>
+          </a:xfrm>
+          <a:prstGeom prst="roundRect">
+            <a:avLst/>
+          </a:prstGeom>
+        </p:spPr>
+        <p:style>
+          <a:lnRef idx="1">
+            <a:schemeClr val="accent1"/>
+          </a:lnRef>
+          <a:fillRef idx="2">
+            <a:schemeClr val="accent1"/>
+          </a:fillRef>
+          <a:effectRef idx="1">
+            <a:schemeClr val="accent1"/>
+          </a:effectRef>
+          <a:fontRef idx="minor">
+            <a:schemeClr val="dk1"/>
+          </a:fontRef>
+        </p:style>
+        <p:txBody>
+          <a:bodyPr rtlCol="0" anchor="ctr"/>
+          <a:lstStyle/>
+          <a:p>
+            <a:pPr algn="ctr"/>
+            <a:r>
+              <a:rPr lang="en-US" sz="1600" dirty="0" smtClean="0"/>
+              <a:t>Prediction model </a:t>
+            </a:r>
+          </a:p>
+          <a:p>
+            <a:pPr algn="ctr"/>
+            <a:r>
+              <a:rPr lang="en-US" sz="1600" dirty="0" smtClean="0"/>
+              <a:t>(if needed, not all guidance predicts future states)</a:t>
+            </a:r>
+          </a:p>
+        </p:txBody>
+      </p:sp>
+      <p:cxnSp>
+        <p:nvCxnSpPr>
+          <p:cNvPr id="55" name="Straight Arrow Connector 54"/>
+          <p:cNvCxnSpPr>
+            <a:stCxn id="30" idx="3"/>
+            <a:endCxn id="43" idx="1"/>
+          </p:cNvCxnSpPr>
+          <p:nvPr/>
+        </p:nvCxnSpPr>
+        <p:spPr>
+          <a:xfrm>
+            <a:off x="2050449" y="2889422"/>
+            <a:ext cx="527222" cy="0"/>
+          </a:xfrm>
+          <a:prstGeom prst="straightConnector1">
+            <a:avLst/>
+          </a:prstGeom>
+          <a:ln>
+            <a:tailEnd type="triangle"/>
+          </a:ln>
+        </p:spPr>
+        <p:style>
+          <a:lnRef idx="1">
+            <a:schemeClr val="accent1"/>
+          </a:lnRef>
+          <a:fillRef idx="0">
+            <a:schemeClr val="accent1"/>
+          </a:fillRef>
+          <a:effectRef idx="0">
+            <a:schemeClr val="accent1"/>
+          </a:effectRef>
+          <a:fontRef idx="minor">
+            <a:schemeClr val="tx1"/>
+          </a:fontRef>
+        </p:style>
+      </p:cxnSp>
+      <p:cxnSp>
+        <p:nvCxnSpPr>
+          <p:cNvPr id="57" name="Straight Arrow Connector 56"/>
+          <p:cNvCxnSpPr>
+            <a:stCxn id="43" idx="2"/>
+            <a:endCxn id="44" idx="0"/>
+          </p:cNvCxnSpPr>
+          <p:nvPr/>
+        </p:nvCxnSpPr>
+        <p:spPr>
+          <a:xfrm flipH="1">
+            <a:off x="3566983" y="3474309"/>
+            <a:ext cx="1" cy="333633"/>
+          </a:xfrm>
+          <a:prstGeom prst="straightConnector1">
+            <a:avLst/>
+          </a:prstGeom>
+          <a:ln>
+            <a:tailEnd type="triangle"/>
+          </a:ln>
+        </p:spPr>
+        <p:style>
+          <a:lnRef idx="1">
+            <a:schemeClr val="accent1"/>
+          </a:lnRef>
+          <a:fillRef idx="0">
+            <a:schemeClr val="accent1"/>
+          </a:fillRef>
+          <a:effectRef idx="0">
+            <a:schemeClr val="accent1"/>
+          </a:effectRef>
+          <a:fontRef idx="minor">
+            <a:schemeClr val="tx1"/>
+          </a:fontRef>
+        </p:style>
+      </p:cxnSp>
+      <p:cxnSp>
+        <p:nvCxnSpPr>
+          <p:cNvPr id="59" name="Straight Arrow Connector 58"/>
+          <p:cNvCxnSpPr>
+            <a:stCxn id="44" idx="3"/>
+            <a:endCxn id="51" idx="1"/>
+          </p:cNvCxnSpPr>
+          <p:nvPr/>
+        </p:nvCxnSpPr>
+        <p:spPr>
+          <a:xfrm flipV="1">
+            <a:off x="4464907" y="4226012"/>
+            <a:ext cx="715149" cy="1"/>
+          </a:xfrm>
+          <a:prstGeom prst="straightConnector1">
+            <a:avLst/>
+          </a:prstGeom>
+          <a:ln>
+            <a:tailEnd type="triangle"/>
+          </a:ln>
+        </p:spPr>
+        <p:style>
+          <a:lnRef idx="1">
+            <a:schemeClr val="accent1"/>
+          </a:lnRef>
+          <a:fillRef idx="0">
+            <a:schemeClr val="accent1"/>
+          </a:fillRef>
+          <a:effectRef idx="0">
+            <a:schemeClr val="accent1"/>
+          </a:effectRef>
+          <a:fontRef idx="minor">
+            <a:schemeClr val="tx1"/>
+          </a:fontRef>
+        </p:style>
+      </p:cxnSp>
+      <p:cxnSp>
+        <p:nvCxnSpPr>
+          <p:cNvPr id="61" name="Straight Arrow Connector 60"/>
+          <p:cNvCxnSpPr>
+            <a:stCxn id="45" idx="3"/>
+            <a:endCxn id="44" idx="1"/>
+          </p:cNvCxnSpPr>
+          <p:nvPr/>
+        </p:nvCxnSpPr>
+        <p:spPr>
+          <a:xfrm>
+            <a:off x="2141836" y="4226012"/>
+            <a:ext cx="527222" cy="1"/>
+          </a:xfrm>
+          <a:prstGeom prst="straightConnector1">
+            <a:avLst/>
+          </a:prstGeom>
+          <a:ln>
+            <a:tailEnd type="triangle"/>
+          </a:ln>
+        </p:spPr>
+        <p:style>
+          <a:lnRef idx="1">
+            <a:schemeClr val="accent1"/>
+          </a:lnRef>
+          <a:fillRef idx="0">
+            <a:schemeClr val="accent1"/>
+          </a:fillRef>
+          <a:effectRef idx="0">
+            <a:schemeClr val="accent1"/>
+          </a:effectRef>
+          <a:fontRef idx="minor">
+            <a:schemeClr val="tx1"/>
+          </a:fontRef>
+        </p:style>
+      </p:cxnSp>
+      <p:sp>
+        <p:nvSpPr>
+          <p:cNvPr id="62" name="Rounded Rectangle 61"/>
+          <p:cNvSpPr/>
+          <p:nvPr/>
+        </p:nvSpPr>
+        <p:spPr>
+          <a:xfrm>
+            <a:off x="5271443" y="2455841"/>
+            <a:ext cx="1795849" cy="836141"/>
+          </a:xfrm>
+          <a:prstGeom prst="roundRect">
+            <a:avLst/>
+          </a:prstGeom>
+        </p:spPr>
+        <p:style>
+          <a:lnRef idx="1">
+            <a:schemeClr val="accent4"/>
+          </a:lnRef>
+          <a:fillRef idx="2">
+            <a:schemeClr val="accent4"/>
+          </a:fillRef>
+          <a:effectRef idx="1">
+            <a:schemeClr val="accent4"/>
+          </a:effectRef>
+          <a:fontRef idx="minor">
+            <a:schemeClr val="dk1"/>
+          </a:fontRef>
+        </p:style>
+        <p:txBody>
+          <a:bodyPr rtlCol="0" anchor="ctr"/>
+          <a:lstStyle/>
+          <a:p>
+            <a:pPr algn="ctr"/>
+            <a:r>
+              <a:rPr lang="en-US" sz="1600" dirty="0" smtClean="0"/>
+              <a:t>Guidance algorithm</a:t>
+            </a:r>
+            <a:endParaRPr lang="en-US" sz="1600" dirty="0"/>
+          </a:p>
+        </p:txBody>
+      </p:sp>
+      <p:cxnSp>
+        <p:nvCxnSpPr>
+          <p:cNvPr id="66" name="Straight Arrow Connector 65"/>
+          <p:cNvCxnSpPr>
+            <a:stCxn id="51" idx="0"/>
+            <a:endCxn id="62" idx="2"/>
+          </p:cNvCxnSpPr>
+          <p:nvPr/>
+        </p:nvCxnSpPr>
+        <p:spPr>
+          <a:xfrm flipH="1" flipV="1">
+            <a:off x="6169368" y="3291982"/>
+            <a:ext cx="1" cy="349143"/>
+          </a:xfrm>
+          <a:prstGeom prst="straightConnector1">
+            <a:avLst/>
+          </a:prstGeom>
+          <a:ln>
+            <a:tailEnd type="triangle"/>
+          </a:ln>
+        </p:spPr>
+        <p:style>
+          <a:lnRef idx="1">
+            <a:schemeClr val="accent1"/>
+          </a:lnRef>
+          <a:fillRef idx="0">
+            <a:schemeClr val="accent1"/>
+          </a:fillRef>
+          <a:effectRef idx="0">
+            <a:schemeClr val="accent1"/>
+          </a:effectRef>
+          <a:fontRef idx="minor">
+            <a:schemeClr val="tx1"/>
+          </a:fontRef>
+        </p:style>
+      </p:cxnSp>
+      <p:cxnSp>
+        <p:nvCxnSpPr>
+          <p:cNvPr id="68" name="Elbow Connector 67"/>
+          <p:cNvCxnSpPr>
+            <a:stCxn id="44" idx="3"/>
+            <a:endCxn id="43" idx="3"/>
+          </p:cNvCxnSpPr>
+          <p:nvPr/>
+        </p:nvCxnSpPr>
+        <p:spPr>
+          <a:xfrm flipV="1">
+            <a:off x="4464907" y="2889422"/>
+            <a:ext cx="91389" cy="1336591"/>
+          </a:xfrm>
+          <a:prstGeom prst="bentConnector3">
+            <a:avLst>
+              <a:gd name="adj1" fmla="val 314083"/>
+            </a:avLst>
+          </a:prstGeom>
+          <a:ln>
+            <a:tailEnd type="triangle"/>
+          </a:ln>
+        </p:spPr>
+        <p:style>
+          <a:lnRef idx="1">
+            <a:schemeClr val="accent1"/>
+          </a:lnRef>
+          <a:fillRef idx="0">
+            <a:schemeClr val="accent1"/>
+          </a:fillRef>
+          <a:effectRef idx="0">
+            <a:schemeClr val="accent1"/>
+          </a:effectRef>
+          <a:fontRef idx="minor">
+            <a:schemeClr val="tx1"/>
+          </a:fontRef>
+        </p:style>
+      </p:cxnSp>
+      <p:cxnSp>
+        <p:nvCxnSpPr>
+          <p:cNvPr id="13" name="Elbow Connector 12"/>
+          <p:cNvCxnSpPr>
+            <a:stCxn id="43" idx="0"/>
+            <a:endCxn id="62" idx="0"/>
+          </p:cNvCxnSpPr>
+          <p:nvPr/>
+        </p:nvCxnSpPr>
+        <p:spPr>
+          <a:xfrm rot="16200000" flipH="1">
+            <a:off x="4792523" y="1078996"/>
+            <a:ext cx="151306" cy="2602384"/>
+          </a:xfrm>
+          <a:prstGeom prst="bentConnector3">
+            <a:avLst>
+              <a:gd name="adj1" fmla="val -151085"/>
+            </a:avLst>
+          </a:prstGeom>
+          <a:ln>
+            <a:tailEnd type="triangle"/>
+          </a:ln>
+        </p:spPr>
+        <p:style>
+          <a:lnRef idx="1">
+            <a:schemeClr val="accent1"/>
+          </a:lnRef>
+          <a:fillRef idx="0">
+            <a:schemeClr val="accent1"/>
+          </a:fillRef>
+          <a:effectRef idx="0">
+            <a:schemeClr val="accent1"/>
+          </a:effectRef>
+          <a:fontRef idx="minor">
+            <a:schemeClr val="tx1"/>
+          </a:fontRef>
+        </p:style>
+      </p:cxnSp>
     </p:spTree>
     <p:extLst>
       <p:ext uri="{BB962C8B-B14F-4D97-AF65-F5344CB8AC3E}">
-        <p14:creationId xmlns:p14="http://schemas.microsoft.com/office/powerpoint/2010/main" val="2442241489"/>
+        <p14:creationId xmlns:p14="http://schemas.microsoft.com/office/powerpoint/2010/main" val="4088294837"/>
       </p:ext>
     </p:extLst>
   </p:cSld>
   <p:clrMapOvr>
     <a:masterClrMapping/>
   </p:clrMapOvr>
+  <p:timing>
+    <p:tnLst>
+      <p:par>
+        <p:cTn id="1" dur="indefinite" restart="never" nodeType="tmRoot"/>
+      </p:par>
+    </p:tnLst>
+  </p:timing>
 </p:sld>
 </file>
 
-<file path=ppt/slides/slide2.xml><?xml version="1.0" encoding="utf-8"?>
+<file path=ppt/slides/slide18.xml><?xml version="1.0" encoding="utf-8"?>
 <p:sld xmlns:a="http://schemas.openxmlformats.org/drawingml/2006/main" xmlns:r="http://schemas.openxmlformats.org/officeDocument/2006/relationships" xmlns:p="http://schemas.openxmlformats.org/presentationml/2006/main">
   <p:cSld>
     <p:spTree>
@@ -7026,7 +7037,7 @@
     </p:spTree>
     <p:extLst>
       <p:ext uri="{BB962C8B-B14F-4D97-AF65-F5344CB8AC3E}">
-        <p14:creationId xmlns:p14="http://schemas.microsoft.com/office/powerpoint/2010/main" val="3945937503"/>
+        <p14:creationId xmlns:p14="http://schemas.microsoft.com/office/powerpoint/2010/main" val="2461492035"/>
       </p:ext>
     </p:extLst>
   </p:cSld>
@@ -7040,6 +7051,127 @@
       </p:par>
     </p:tnLst>
   </p:timing>
+</p:sld>
+</file>
+
+<file path=ppt/slides/slide2.xml><?xml version="1.0" encoding="utf-8"?>
+<p:sld xmlns:a="http://schemas.openxmlformats.org/drawingml/2006/main" xmlns:r="http://schemas.openxmlformats.org/officeDocument/2006/relationships" xmlns:p="http://schemas.openxmlformats.org/presentationml/2006/main">
+  <p:cSld>
+    <p:spTree>
+      <p:nvGrpSpPr>
+        <p:cNvPr id="1" name=""/>
+        <p:cNvGrpSpPr/>
+        <p:nvPr/>
+      </p:nvGrpSpPr>
+      <p:grpSpPr>
+        <a:xfrm>
+          <a:off x="0" y="0"/>
+          <a:ext cx="0" cy="0"/>
+          <a:chOff x="0" y="0"/>
+          <a:chExt cx="0" cy="0"/>
+        </a:xfrm>
+      </p:grpSpPr>
+      <p:sp>
+        <p:nvSpPr>
+          <p:cNvPr id="2" name="Title 1"/>
+          <p:cNvSpPr>
+            <a:spLocks noGrp="1"/>
+          </p:cNvSpPr>
+          <p:nvPr>
+            <p:ph type="title"/>
+          </p:nvPr>
+        </p:nvSpPr>
+        <p:spPr/>
+        <p:txBody>
+          <a:bodyPr/>
+          <a:lstStyle/>
+          <a:p>
+            <a:r>
+              <a:rPr lang="en-US" dirty="0"/>
+              <a:t>V</a:t>
+            </a:r>
+            <a:r>
+              <a:rPr lang="en-US" dirty="0" smtClean="0"/>
+              <a:t>ariance Minimization</a:t>
+            </a:r>
+            <a:endParaRPr lang="en-US" dirty="0"/>
+          </a:p>
+        </p:txBody>
+      </p:sp>
+      <p:sp>
+        <p:nvSpPr>
+          <p:cNvPr id="3" name="Content Placeholder 2"/>
+          <p:cNvSpPr>
+            <a:spLocks noGrp="1"/>
+          </p:cNvSpPr>
+          <p:nvPr>
+            <p:ph idx="1"/>
+          </p:nvPr>
+        </p:nvSpPr>
+        <p:spPr>
+          <a:xfrm>
+            <a:off x="628650" y="1825624"/>
+            <a:ext cx="7886700" cy="4857397"/>
+          </a:xfrm>
+        </p:spPr>
+        <p:txBody>
+          <a:bodyPr/>
+          <a:lstStyle/>
+          <a:p>
+            <a:r>
+              <a:rPr lang="en-US" dirty="0" smtClean="0"/>
+              <a:t>Consider first the LTV case, with unconstrained control</a:t>
+            </a:r>
+          </a:p>
+          <a:p>
+            <a:r>
+              <a:rPr lang="en-US" dirty="0" smtClean="0"/>
+              <a:t>For suitable choice of norm on the final covariance matrix, the problem </a:t>
+            </a:r>
+            <a:r>
+              <a:rPr lang="en-US" smtClean="0"/>
+              <a:t>reduces to </a:t>
+            </a:r>
+            <a:r>
+              <a:rPr lang="en-US" dirty="0" smtClean="0"/>
+              <a:t>standard LQR with a particular boundary condition</a:t>
+            </a:r>
+          </a:p>
+          <a:p>
+            <a:pPr lvl="1"/>
+            <a:r>
+              <a:rPr lang="en-US" dirty="0" smtClean="0"/>
+              <a:t>The required norm is the trace operator</a:t>
+            </a:r>
+          </a:p>
+          <a:p>
+            <a:pPr lvl="1"/>
+            <a:r>
+              <a:rPr lang="en-US" dirty="0" smtClean="0"/>
+              <a:t>The LQ state weight matrix Q = I</a:t>
+            </a:r>
+          </a:p>
+          <a:p>
+            <a:r>
+              <a:rPr lang="en-US" dirty="0" smtClean="0"/>
+              <a:t>The trace is a suitable choice in many cases. Geometrically, it is related to the size of the covariance ellipse, while ignoring directional information</a:t>
+            </a:r>
+          </a:p>
+          <a:p>
+            <a:endParaRPr lang="en-US" dirty="0" smtClean="0"/>
+          </a:p>
+        </p:txBody>
+      </p:sp>
+    </p:spTree>
+    <p:extLst>
+      <p:ext uri="{BB962C8B-B14F-4D97-AF65-F5344CB8AC3E}">
+        <p14:creationId xmlns:p14="http://schemas.microsoft.com/office/powerpoint/2010/main" val="3096368325"/>
+      </p:ext>
+    </p:extLst>
+  </p:cSld>
+  <p:clrMapOvr>
+    <a:masterClrMapping/>
+  </p:clrMapOvr>
 </p:sld>
 </file>
 
@@ -7076,12 +7208,8 @@
           <a:lstStyle/>
           <a:p>
             <a:r>
-              <a:rPr lang="en-US" dirty="0"/>
-              <a:t>V</a:t>
-            </a:r>
-            <a:r>
               <a:rPr lang="en-US" dirty="0" smtClean="0"/>
-              <a:t>ariance Minimization</a:t>
+              <a:t>Trace Norm</a:t>
             </a:r>
             <a:endParaRPr lang="en-US" dirty="0"/>
           </a:p>
@@ -7097,64 +7225,37 @@
             <p:ph idx="1"/>
           </p:nvPr>
         </p:nvSpPr>
-        <p:spPr>
-          <a:xfrm>
-            <a:off x="628650" y="1825624"/>
-            <a:ext cx="7886700" cy="4857397"/>
-          </a:xfrm>
-        </p:spPr>
+        <p:spPr/>
         <p:txBody>
           <a:bodyPr/>
           <a:lstStyle/>
           <a:p>
             <a:r>
               <a:rPr lang="en-US" dirty="0" smtClean="0"/>
-              <a:t>Consider first the LTV case, with unconstrained control</a:t>
-            </a:r>
-          </a:p>
-          <a:p>
+              <a:t>From the broader class of </a:t>
+            </a:r>
+            <a:r>
+              <a:rPr lang="en-US" dirty="0" err="1" smtClean="0"/>
+              <a:t>Schatten</a:t>
+            </a:r>
             <a:r>
               <a:rPr lang="en-US" dirty="0" smtClean="0"/>
-              <a:t>For suitable choice of norm on the final covariance matrix, the problem </a:t>
-            </a:r>
-            <a:r>
-              <a:rPr lang="en-US" smtClean="0"/>
-              <a:t>reduces to </a:t>
-            </a:r>
+              <a:t> p-norms with p=1</a:t>
+            </a:r>
+          </a:p>
+          <a:p>
             <a:r>
               <a:rPr lang="en-US" dirty="0" smtClean="0"/>
-              <a:t>standard LQR with a particular boundary condition</a:t>
-            </a:r>
-          </a:p>
-          <a:p>
-            <a:pPr lvl="1"/>
-            <a:r>
-              <a:rPr lang="en-US" dirty="0" smtClean="0"/>
-              <a:t>The required norm is the trace operator</a:t>
-            </a:r>
-          </a:p>
-          <a:p>
-            <a:pPr lvl="1"/>
-            <a:r>
-              <a:rPr lang="en-US" dirty="0" smtClean="0"/>
-              <a:t>The LQ state weight matrix Q = I</a:t>
-            </a:r>
-          </a:p>
-          <a:p>
-            <a:r>
-              <a:rPr lang="en-US" dirty="0" smtClean="0"/>
-              <a:t>The trace is a suitable choice in many cases. Geometrically, it is related to the size of the covariance ellipse, while ignoring directional information</a:t>
-            </a:r>
-          </a:p>
-          <a:p>
-            <a:endParaRPr lang="en-US" dirty="0" smtClean="0"/>
+              <a:t>Also called the nuclear norm, equal to the sum of the singular values (= eigenvalues because covariance is positive semi-definite)</a:t>
+            </a:r>
+            <a:endParaRPr lang="en-US" dirty="0"/>
           </a:p>
         </p:txBody>
       </p:sp>
     </p:spTree>
     <p:extLst>
       <p:ext uri="{BB962C8B-B14F-4D97-AF65-F5344CB8AC3E}">
-        <p14:creationId xmlns:p14="http://schemas.microsoft.com/office/powerpoint/2010/main" val="3096368325"/>
+        <p14:creationId xmlns:p14="http://schemas.microsoft.com/office/powerpoint/2010/main" val="3713997120"/>
       </p:ext>
     </p:extLst>
   </p:cSld>
@@ -7198,96 +7299,6 @@
           <a:p>
             <a:r>
               <a:rPr lang="en-US" dirty="0" smtClean="0"/>
-              <a:t>Trace Norm</a:t>
-            </a:r>
-            <a:endParaRPr lang="en-US" dirty="0"/>
-          </a:p>
-        </p:txBody>
-      </p:sp>
-      <p:sp>
-        <p:nvSpPr>
-          <p:cNvPr id="3" name="Content Placeholder 2"/>
-          <p:cNvSpPr>
-            <a:spLocks noGrp="1"/>
-          </p:cNvSpPr>
-          <p:nvPr>
-            <p:ph idx="1"/>
-          </p:nvPr>
-        </p:nvSpPr>
-        <p:spPr/>
-        <p:txBody>
-          <a:bodyPr/>
-          <a:lstStyle/>
-          <a:p>
-            <a:r>
-              <a:rPr lang="en-US" dirty="0" smtClean="0"/>
-              <a:t>From the broader class of </a:t>
-            </a:r>
-            <a:r>
-              <a:rPr lang="en-US" dirty="0" err="1" smtClean="0"/>
-              <a:t>Schatten</a:t>
-            </a:r>
-            <a:r>
-              <a:rPr lang="en-US" dirty="0" smtClean="0"/>
-              <a:t> p-norms with p=1</a:t>
-            </a:r>
-          </a:p>
-          <a:p>
-            <a:r>
-              <a:rPr lang="en-US" dirty="0" smtClean="0"/>
-              <a:t>Also called the nuclear norm, equal to the sum of the singular values (= eigenvalues because covariance is positive semi-definite)</a:t>
-            </a:r>
-            <a:endParaRPr lang="en-US" dirty="0"/>
-          </a:p>
-        </p:txBody>
-      </p:sp>
-    </p:spTree>
-    <p:extLst>
-      <p:ext uri="{BB962C8B-B14F-4D97-AF65-F5344CB8AC3E}">
-        <p14:creationId xmlns:p14="http://schemas.microsoft.com/office/powerpoint/2010/main" val="3713997120"/>
-      </p:ext>
-    </p:extLst>
-  </p:cSld>
-  <p:clrMapOvr>
-    <a:masterClrMapping/>
-  </p:clrMapOvr>
-</p:sld>
-</file>
-
-<file path=ppt/slides/slide5.xml><?xml version="1.0" encoding="utf-8"?>
-<p:sld xmlns:a="http://schemas.openxmlformats.org/drawingml/2006/main" xmlns:r="http://schemas.openxmlformats.org/officeDocument/2006/relationships" xmlns:p="http://schemas.openxmlformats.org/presentationml/2006/main">
-  <p:cSld>
-    <p:spTree>
-      <p:nvGrpSpPr>
-        <p:cNvPr id="1" name=""/>
-        <p:cNvGrpSpPr/>
-        <p:nvPr/>
-      </p:nvGrpSpPr>
-      <p:grpSpPr>
-        <a:xfrm>
-          <a:off x="0" y="0"/>
-          <a:ext cx="0" cy="0"/>
-          <a:chOff x="0" y="0"/>
-          <a:chExt cx="0" cy="0"/>
-        </a:xfrm>
-      </p:grpSpPr>
-      <p:sp>
-        <p:nvSpPr>
-          <p:cNvPr id="2" name="Title 1"/>
-          <p:cNvSpPr>
-            <a:spLocks noGrp="1"/>
-          </p:cNvSpPr>
-          <p:nvPr>
-            <p:ph type="title"/>
-          </p:nvPr>
-        </p:nvSpPr>
-        <p:spPr/>
-        <p:txBody>
-          <a:bodyPr/>
-          <a:lstStyle/>
-          <a:p>
-            <a:r>
-              <a:rPr lang="en-US" dirty="0" smtClean="0"/>
               <a:t>Variance Minimization</a:t>
             </a:r>
             <a:endParaRPr lang="en-US" dirty="0"/>
@@ -7383,7 +7394,7 @@
 </p:sld>
 </file>
 
-<file path=ppt/slides/slide6.xml><?xml version="1.0" encoding="utf-8"?>
+<file path=ppt/slides/slide5.xml><?xml version="1.0" encoding="utf-8"?>
 <p:sld xmlns:a="http://schemas.openxmlformats.org/drawingml/2006/main" xmlns:r="http://schemas.openxmlformats.org/officeDocument/2006/relationships" xmlns:p="http://schemas.openxmlformats.org/presentationml/2006/main">
   <p:cSld>
     <p:spTree>
@@ -8085,7 +8096,7 @@
 </p:sld>
 </file>
 
-<file path=ppt/slides/slide7.xml><?xml version="1.0" encoding="utf-8"?>
+<file path=ppt/slides/slide6.xml><?xml version="1.0" encoding="utf-8"?>
 <p:sld xmlns:a="http://schemas.openxmlformats.org/drawingml/2006/main" xmlns:r="http://schemas.openxmlformats.org/officeDocument/2006/relationships" xmlns:p="http://schemas.openxmlformats.org/presentationml/2006/main">
   <p:cSld>
     <p:spTree>
@@ -8192,6 +8203,120 @@
 </p:sld>
 </file>
 
+<file path=ppt/slides/slide7.xml><?xml version="1.0" encoding="utf-8"?>
+<p:sld xmlns:a="http://schemas.openxmlformats.org/drawingml/2006/main" xmlns:r="http://schemas.openxmlformats.org/officeDocument/2006/relationships" xmlns:p="http://schemas.openxmlformats.org/presentationml/2006/main">
+  <p:cSld>
+    <p:spTree>
+      <p:nvGrpSpPr>
+        <p:cNvPr id="1" name=""/>
+        <p:cNvGrpSpPr/>
+        <p:nvPr/>
+      </p:nvGrpSpPr>
+      <p:grpSpPr>
+        <a:xfrm>
+          <a:off x="0" y="0"/>
+          <a:ext cx="0" cy="0"/>
+          <a:chOff x="0" y="0"/>
+          <a:chExt cx="0" cy="0"/>
+        </a:xfrm>
+      </p:grpSpPr>
+      <p:sp>
+        <p:nvSpPr>
+          <p:cNvPr id="2" name="Title 1"/>
+          <p:cNvSpPr>
+            <a:spLocks noGrp="1"/>
+          </p:cNvSpPr>
+          <p:nvPr>
+            <p:ph type="title"/>
+          </p:nvPr>
+        </p:nvSpPr>
+        <p:spPr/>
+        <p:txBody>
+          <a:bodyPr/>
+          <a:lstStyle/>
+          <a:p>
+            <a:r>
+              <a:rPr lang="en-US" dirty="0" smtClean="0"/>
+              <a:t>Entry Trajectory Updating</a:t>
+            </a:r>
+            <a:endParaRPr lang="en-US" dirty="0"/>
+          </a:p>
+        </p:txBody>
+      </p:sp>
+      <p:sp>
+        <p:nvSpPr>
+          <p:cNvPr id="3" name="Content Placeholder 2"/>
+          <p:cNvSpPr>
+            <a:spLocks noGrp="1"/>
+          </p:cNvSpPr>
+          <p:nvPr>
+            <p:ph idx="1"/>
+          </p:nvPr>
+        </p:nvSpPr>
+        <p:spPr>
+          <a:xfrm>
+            <a:off x="628650" y="1792119"/>
+            <a:ext cx="8361346" cy="5561582"/>
+          </a:xfrm>
+        </p:spPr>
+        <p:txBody>
+          <a:bodyPr/>
+          <a:lstStyle/>
+          <a:p>
+            <a:r>
+              <a:rPr lang="en-US" dirty="0" smtClean="0"/>
+              <a:t>The vehicle enters the atmosphere with a trajectory designed that will deliver it to the target under nominal conditions </a:t>
+            </a:r>
+          </a:p>
+          <a:p>
+            <a:r>
+              <a:rPr lang="en-US" dirty="0"/>
+              <a:t>Under off-nominal conditions, the vehicle will deviate from the trajectory that was planned, </a:t>
+            </a:r>
+            <a:r>
+              <a:rPr lang="en-US" dirty="0" smtClean="0"/>
+              <a:t>sometimes even </a:t>
+            </a:r>
+            <a:r>
+              <a:rPr lang="en-US" dirty="0"/>
+              <a:t>with the aid of </a:t>
+            </a:r>
+            <a:r>
+              <a:rPr lang="en-US" dirty="0" smtClean="0"/>
+              <a:t>closed-loop guidance </a:t>
+            </a:r>
+          </a:p>
+          <a:p>
+            <a:pPr lvl="1"/>
+            <a:r>
+              <a:rPr lang="en-US" dirty="0" smtClean="0"/>
+              <a:t>Vehicle may arrive at the target under poor conditions (e.g. outside of parachute deployment conditions) or may violate important path constraints </a:t>
+            </a:r>
+          </a:p>
+          <a:p>
+            <a:r>
+              <a:rPr lang="en-US" dirty="0" smtClean="0"/>
+              <a:t>Goal: use current estimated vehicle state and redesign a path to the target while satisfying constraints (e.g. parachute deploy conditions, path constraints)</a:t>
+            </a:r>
+          </a:p>
+          <a:p>
+            <a:endParaRPr lang="en-US" dirty="0" smtClean="0"/>
+          </a:p>
+        </p:txBody>
+      </p:sp>
+    </p:spTree>
+    <p:extLst>
+      <p:ext uri="{BB962C8B-B14F-4D97-AF65-F5344CB8AC3E}">
+        <p14:creationId xmlns:p14="http://schemas.microsoft.com/office/powerpoint/2010/main" val="1411460258"/>
+      </p:ext>
+    </p:extLst>
+  </p:cSld>
+  <p:clrMapOvr>
+    <a:masterClrMapping/>
+  </p:clrMapOvr>
+</p:sld>
+</file>
+
 <file path=ppt/slides/slide8.xml><?xml version="1.0" encoding="utf-8"?>
 <p:sld xmlns:a="http://schemas.openxmlformats.org/drawingml/2006/main" xmlns:r="http://schemas.openxmlformats.org/officeDocument/2006/relationships" xmlns:p="http://schemas.openxmlformats.org/presentationml/2006/main">
   <p:cSld>
@@ -8219,14 +8344,19 @@
             <p:ph type="title"/>
           </p:nvPr>
         </p:nvSpPr>
-        <p:spPr/>
+        <p:spPr>
+          <a:xfrm>
+            <a:off x="628650" y="1079157"/>
+            <a:ext cx="7886700" cy="853160"/>
+          </a:xfrm>
+        </p:spPr>
         <p:txBody>
           <a:bodyPr/>
           <a:lstStyle/>
           <a:p>
             <a:r>
               <a:rPr lang="en-US" dirty="0" smtClean="0"/>
-              <a:t>Entry Trajectory Updating</a:t>
+              <a:t>Proposed Approach</a:t>
             </a:r>
             <a:endParaRPr lang="en-US" dirty="0"/>
           </a:p>
@@ -8244,59 +8374,113 @@
         </p:nvSpPr>
         <p:spPr>
           <a:xfrm>
-            <a:off x="628650" y="1792119"/>
-            <a:ext cx="8361346" cy="5561582"/>
-          </a:xfrm>
-        </p:spPr>
-        <p:txBody>
-          <a:bodyPr/>
-          <a:lstStyle/>
-          <a:p>
-            <a:r>
-              <a:rPr lang="en-US" dirty="0" smtClean="0"/>
-              <a:t>The vehicle enters the atmosphere with a trajectory designed that will deliver it to the target under nominal conditions </a:t>
-            </a:r>
-          </a:p>
-          <a:p>
-            <a:r>
-              <a:rPr lang="en-US" dirty="0"/>
-              <a:t>Under off-nominal conditions, the vehicle will deviate from the trajectory that was planned, </a:t>
-            </a:r>
-            <a:r>
-              <a:rPr lang="en-US" dirty="0" smtClean="0"/>
-              <a:t>sometimes even </a:t>
-            </a:r>
-            <a:r>
-              <a:rPr lang="en-US" dirty="0"/>
-              <a:t>with the aid of </a:t>
-            </a:r>
-            <a:r>
-              <a:rPr lang="en-US" dirty="0" smtClean="0"/>
-              <a:t>closed-loop guidance </a:t>
+            <a:off x="628650" y="1916153"/>
+            <a:ext cx="7886700" cy="4792655"/>
+          </a:xfrm>
+        </p:spPr>
+        <p:txBody>
+          <a:bodyPr/>
+          <a:lstStyle/>
+          <a:p>
+            <a:r>
+              <a:rPr lang="en-US" sz="2400" dirty="0" smtClean="0"/>
+              <a:t>Trajectory update is posed an optimal control problem</a:t>
             </a:r>
           </a:p>
           <a:p>
             <a:pPr lvl="1"/>
             <a:r>
-              <a:rPr lang="en-US" dirty="0" smtClean="0"/>
-              <a:t>Vehicle may arrive at the target under poor conditions (e.g. outside of parachute deployment conditions) or may violate important path constraints </a:t>
-            </a:r>
-          </a:p>
-          <a:p>
-            <a:r>
-              <a:rPr lang="en-US" dirty="0" smtClean="0"/>
-              <a:t>Goal: use current estimated vehicle state and redesign a path to the target while satisfying constraints (e.g. parachute deploy conditions, path constraints)</a:t>
-            </a:r>
-          </a:p>
-          <a:p>
-            <a:endParaRPr lang="en-US" dirty="0" smtClean="0"/>
+              <a:rPr lang="en-US" sz="2000" dirty="0" smtClean="0"/>
+              <a:t>Objective is to minimize distance to original trajectory while satisfying constraints </a:t>
+            </a:r>
+          </a:p>
+          <a:p>
+            <a:r>
+              <a:rPr lang="en-US" sz="2400" dirty="0" smtClean="0"/>
+              <a:t>Use energy as independent variable </a:t>
+            </a:r>
+          </a:p>
+          <a:p>
+            <a:r>
+              <a:rPr lang="en-US" sz="2400" dirty="0" err="1" smtClean="0"/>
+              <a:t>Convexify</a:t>
+            </a:r>
+            <a:r>
+              <a:rPr lang="en-US" sz="2400" dirty="0" smtClean="0"/>
+              <a:t> </a:t>
+            </a:r>
+          </a:p>
+          <a:p>
+            <a:pPr lvl="1"/>
+            <a:r>
+              <a:rPr lang="en-US" sz="2000" dirty="0" smtClean="0"/>
+              <a:t>Treat bank angle as additional state, use bank rate as the control variable</a:t>
+            </a:r>
+          </a:p>
+          <a:p>
+            <a:pPr lvl="1"/>
+            <a:r>
+              <a:rPr lang="en-US" sz="2000" dirty="0" smtClean="0"/>
+              <a:t>Linearize the equations of motion </a:t>
+            </a:r>
+          </a:p>
+          <a:p>
+            <a:pPr lvl="1"/>
+            <a:r>
+              <a:rPr lang="en-US" sz="2000" dirty="0" smtClean="0"/>
+              <a:t>Unlike powered descent case, </a:t>
+            </a:r>
+            <a:r>
+              <a:rPr lang="en-US" sz="2000" dirty="0" err="1" smtClean="0"/>
+              <a:t>convexification</a:t>
+            </a:r>
+            <a:r>
+              <a:rPr lang="en-US" sz="2000" dirty="0" smtClean="0"/>
+              <a:t> is not lossless </a:t>
+            </a:r>
+          </a:p>
+          <a:p>
+            <a:r>
+              <a:rPr lang="en-US" sz="2400" dirty="0" smtClean="0"/>
+              <a:t>Discretize (or transcribe) into second-order cone program</a:t>
+            </a:r>
+          </a:p>
+          <a:p>
+            <a:pPr lvl="1"/>
+            <a:r>
+              <a:rPr lang="en-US" sz="2000" dirty="0" err="1" smtClean="0"/>
+              <a:t>Chebyshev</a:t>
+            </a:r>
+            <a:r>
+              <a:rPr lang="en-US" sz="2000" dirty="0" smtClean="0"/>
+              <a:t> </a:t>
+            </a:r>
+            <a:r>
+              <a:rPr lang="en-US" sz="2000" dirty="0" err="1"/>
+              <a:t>p</a:t>
+            </a:r>
+            <a:r>
+              <a:rPr lang="en-US" sz="2000" dirty="0" err="1" smtClean="0"/>
+              <a:t>seudospectral</a:t>
+            </a:r>
+            <a:r>
+              <a:rPr lang="en-US" sz="2000" dirty="0" smtClean="0"/>
+              <a:t> method </a:t>
+            </a:r>
+          </a:p>
+          <a:p>
+            <a:r>
+              <a:rPr lang="en-US" sz="2400" dirty="0" smtClean="0"/>
+              <a:t>Solve the resulting SOCP using efficient interior-point solver</a:t>
+            </a:r>
+            <a:endParaRPr lang="en-US" sz="2400" dirty="0"/>
           </a:p>
         </p:txBody>
       </p:sp>
     </p:spTree>
     <p:extLst>
       <p:ext uri="{BB962C8B-B14F-4D97-AF65-F5344CB8AC3E}">
-        <p14:creationId xmlns:p14="http://schemas.microsoft.com/office/powerpoint/2010/main" val="1411460258"/>
+        <p14:creationId xmlns:p14="http://schemas.microsoft.com/office/powerpoint/2010/main" val="3047953510"/>
       </p:ext>
     </p:extLst>
   </p:cSld>
@@ -8333,19 +8517,14 @@
             <p:ph type="title"/>
           </p:nvPr>
         </p:nvSpPr>
-        <p:spPr>
-          <a:xfrm>
-            <a:off x="628650" y="1079157"/>
-            <a:ext cx="7886700" cy="853160"/>
-          </a:xfrm>
-        </p:spPr>
+        <p:spPr/>
         <p:txBody>
           <a:bodyPr/>
           <a:lstStyle/>
           <a:p>
             <a:r>
               <a:rPr lang="en-US" dirty="0" smtClean="0"/>
-              <a:t>Proposed Approach</a:t>
+              <a:t>Convex Optimization </a:t>
             </a:r>
             <a:endParaRPr lang="en-US" dirty="0"/>
           </a:p>
@@ -8361,115 +8540,53 @@
             <p:ph idx="1"/>
           </p:nvPr>
         </p:nvSpPr>
-        <p:spPr>
-          <a:xfrm>
-            <a:off x="628650" y="1916153"/>
-            <a:ext cx="7886700" cy="4792655"/>
-          </a:xfrm>
-        </p:spPr>
+        <p:spPr/>
         <p:txBody>
           <a:bodyPr/>
           <a:lstStyle/>
           <a:p>
             <a:r>
               <a:rPr lang="en-US" sz="2400" dirty="0" smtClean="0"/>
-              <a:t>Trajectory update is posed an optimal control problem</a:t>
+              <a:t>(Iterative) Convex optimization approaches to non-convex optimal control problems have exploded in interest due to efficient, polynomial time solvers and guaranteed global solution when the problem is feasible</a:t>
+            </a:r>
+          </a:p>
+          <a:p>
+            <a:r>
+              <a:rPr lang="en-US" sz="2400" dirty="0" smtClean="0"/>
+              <a:t>A variety of aerospace problems have been solved including ascent trajectory design, powered descent trajectory design, interplanetary transfers, and entry</a:t>
+            </a:r>
+          </a:p>
+          <a:p>
+            <a:r>
+              <a:rPr lang="en-US" sz="2400" dirty="0" smtClean="0"/>
+              <a:t>While these convex optimization guarantees solution of feasible sub-problems, not all methods have guaranteed convergence, and those that do typically require an </a:t>
+            </a:r>
+            <a:r>
+              <a:rPr lang="en-US" sz="2400" dirty="0"/>
+              <a:t>unknown number of </a:t>
+            </a:r>
+            <a:r>
+              <a:rPr lang="en-US" sz="2400" dirty="0" smtClean="0"/>
+              <a:t>iterations</a:t>
             </a:r>
           </a:p>
           <a:p>
             <a:pPr lvl="1"/>
             <a:r>
               <a:rPr lang="en-US" sz="2000" dirty="0" smtClean="0"/>
-              <a:t>Objective is to minimize distance to original trajectory while satisfying constraints </a:t>
-            </a:r>
-          </a:p>
-          <a:p>
-            <a:r>
-              <a:rPr lang="en-US" sz="2400" dirty="0" smtClean="0"/>
-              <a:t>Use energy as independent variable </a:t>
-            </a:r>
-          </a:p>
-          <a:p>
-            <a:r>
-              <a:rPr lang="en-US" sz="2400" dirty="0" err="1" smtClean="0"/>
-              <a:t>Convexify</a:t>
-            </a:r>
-            <a:r>
-              <a:rPr lang="en-US" sz="2400" dirty="0" smtClean="0"/>
-              <a:t> </a:t>
-            </a:r>
-          </a:p>
-          <a:p>
-            <a:pPr lvl="1"/>
-            <a:r>
-              <a:rPr lang="en-US" sz="2000" dirty="0" smtClean="0"/>
-              <a:t>Treat bank angle as additional state, use bank rate as the control variable</a:t>
-            </a:r>
-          </a:p>
-          <a:p>
-            <a:pPr lvl="1"/>
-            <a:r>
-              <a:rPr lang="en-US" sz="2000" dirty="0" smtClean="0"/>
-              <a:t>Linearize the equations of motion </a:t>
-            </a:r>
-          </a:p>
-          <a:p>
-            <a:pPr lvl="1"/>
-            <a:r>
-              <a:rPr lang="en-US" sz="2000" dirty="0" smtClean="0"/>
-              <a:t>Unlike powered descent case, </a:t>
-            </a:r>
-            <a:r>
-              <a:rPr lang="en-US" sz="2000" dirty="0" err="1" smtClean="0"/>
-              <a:t>convexification</a:t>
-            </a:r>
-            <a:r>
-              <a:rPr lang="en-US" sz="2000" dirty="0" smtClean="0"/>
-              <a:t> is not lossless </a:t>
-            </a:r>
-          </a:p>
-          <a:p>
-            <a:r>
-              <a:rPr lang="en-US" sz="2400" dirty="0" smtClean="0"/>
-              <a:t>Discretize (or transcribe) into second-order cone program</a:t>
-            </a:r>
-          </a:p>
-          <a:p>
-            <a:pPr lvl="1"/>
-            <a:r>
-              <a:rPr lang="en-US" sz="2000" dirty="0" err="1" smtClean="0"/>
-              <a:t>Chebyshev</a:t>
-            </a:r>
-            <a:r>
-              <a:rPr lang="en-US" sz="2000" dirty="0" smtClean="0"/>
-              <a:t> </a:t>
-            </a:r>
-            <a:r>
-              <a:rPr lang="en-US" sz="2000" dirty="0" err="1"/>
-              <a:t>p</a:t>
-            </a:r>
-            <a:r>
-              <a:rPr lang="en-US" sz="2000" dirty="0" err="1" smtClean="0"/>
-              <a:t>seudospectral</a:t>
-            </a:r>
-            <a:r>
-              <a:rPr lang="en-US" sz="2000" dirty="0" smtClean="0"/>
-              <a:t> method </a:t>
-            </a:r>
-          </a:p>
-          <a:p>
-            <a:r>
-              <a:rPr lang="en-US" sz="2400" dirty="0" smtClean="0"/>
-              <a:t>Solve the resulting SOCP using efficient interior-point solver</a:t>
-            </a:r>
-            <a:endParaRPr lang="en-US" sz="2400" dirty="0"/>
+              <a:t>The proposed approach does not involve multiple iterations</a:t>
+            </a:r>
+            <a:endParaRPr lang="en-US" sz="2000" dirty="0"/>
+          </a:p>
+          <a:p>
+            <a:endParaRPr lang="en-US" dirty="0"/>
           </a:p>
         </p:txBody>
       </p:sp>
     </p:spTree>
     <p:extLst>
       <p:ext uri="{BB962C8B-B14F-4D97-AF65-F5344CB8AC3E}">
-        <p14:creationId xmlns:p14="http://schemas.microsoft.com/office/powerpoint/2010/main" val="3047953510"/>
+        <p14:creationId xmlns:p14="http://schemas.microsoft.com/office/powerpoint/2010/main" val="3747838991"/>
       </p:ext>
     </p:extLst>
   </p:cSld>

--- a/Documents/Qual Exam.pptx
+++ b/Documents/Qual Exam.pptx
@@ -5,27 +5,31 @@
     <p:sldMasterId id="2147483660" r:id="rId1"/>
   </p:sldMasterIdLst>
   <p:notesMasterIdLst>
-    <p:notesMasterId r:id="rId20"/>
+    <p:notesMasterId r:id="rId24"/>
   </p:notesMasterIdLst>
   <p:sldIdLst>
     <p:sldId id="275" r:id="rId2"/>
-    <p:sldId id="260" r:id="rId3"/>
-    <p:sldId id="263" r:id="rId4"/>
-    <p:sldId id="262" r:id="rId5"/>
-    <p:sldId id="261" r:id="rId6"/>
-    <p:sldId id="264" r:id="rId7"/>
-    <p:sldId id="265" r:id="rId8"/>
-    <p:sldId id="266" r:id="rId9"/>
-    <p:sldId id="267" r:id="rId10"/>
-    <p:sldId id="268" r:id="rId11"/>
-    <p:sldId id="269" r:id="rId12"/>
-    <p:sldId id="270" r:id="rId13"/>
-    <p:sldId id="271" r:id="rId14"/>
-    <p:sldId id="272" r:id="rId15"/>
-    <p:sldId id="273" r:id="rId16"/>
-    <p:sldId id="274" r:id="rId17"/>
-    <p:sldId id="277" r:id="rId18"/>
-    <p:sldId id="278" r:id="rId19"/>
+    <p:sldId id="280" r:id="rId3"/>
+    <p:sldId id="281" r:id="rId4"/>
+    <p:sldId id="260" r:id="rId5"/>
+    <p:sldId id="263" r:id="rId6"/>
+    <p:sldId id="262" r:id="rId7"/>
+    <p:sldId id="279" r:id="rId8"/>
+    <p:sldId id="261" r:id="rId9"/>
+    <p:sldId id="282" r:id="rId10"/>
+    <p:sldId id="264" r:id="rId11"/>
+    <p:sldId id="265" r:id="rId12"/>
+    <p:sldId id="266" r:id="rId13"/>
+    <p:sldId id="267" r:id="rId14"/>
+    <p:sldId id="268" r:id="rId15"/>
+    <p:sldId id="269" r:id="rId16"/>
+    <p:sldId id="270" r:id="rId17"/>
+    <p:sldId id="271" r:id="rId18"/>
+    <p:sldId id="272" r:id="rId19"/>
+    <p:sldId id="273" r:id="rId20"/>
+    <p:sldId id="274" r:id="rId21"/>
+    <p:sldId id="277" r:id="rId22"/>
+    <p:sldId id="278" r:id="rId23"/>
   </p:sldIdLst>
   <p:sldSz cx="9144000" cy="6858000" type="screen4x3"/>
   <p:notesSz cx="6858000" cy="9144000"/>
@@ -130,10 +134,14 @@
         <p14:section name="Default Section" id="{C65E65E8-8D10-45BF-9402-B68D0796393C}">
           <p14:sldIdLst>
             <p14:sldId id="275"/>
+            <p14:sldId id="280"/>
+            <p14:sldId id="281"/>
             <p14:sldId id="260"/>
             <p14:sldId id="263"/>
             <p14:sldId id="262"/>
+            <p14:sldId id="279"/>
             <p14:sldId id="261"/>
+            <p14:sldId id="282"/>
           </p14:sldIdLst>
         </p14:section>
         <p14:section name="Convex Update" id="{84CEB627-9745-4B28-B0BB-7AB7D074EB20}">
@@ -248,7 +256,7 @@
           <a:p>
             <a:fld id="{AEBE7A69-640E-417A-A462-9E49D1368F72}" type="datetimeFigureOut">
               <a:rPr lang="en-US" smtClean="0"/>
-              <a:t>11/6/2018</a:t>
+              <a:t>11/20/2018</a:t>
             </a:fld>
             <a:endParaRPr lang="en-US"/>
           </a:p>
@@ -615,7 +623,7 @@
           <a:p>
             <a:fld id="{3F6F7F58-9784-4543-B74A-850450AD4D21}" type="slidenum">
               <a:rPr lang="en-US" smtClean="0"/>
-              <a:t>5</a:t>
+              <a:t>8</a:t>
             </a:fld>
             <a:endParaRPr lang="en-US"/>
           </a:p>
@@ -715,7 +723,7 @@
           <a:p>
             <a:fld id="{4BAF2748-3477-4185-BA7E-C3C95536F5B5}" type="slidenum">
               <a:rPr lang="en-US" smtClean="0"/>
-              <a:t>6</a:t>
+              <a:t>10</a:t>
             </a:fld>
             <a:endParaRPr lang="en-US"/>
           </a:p>
@@ -837,7 +845,7 @@
           <a:p>
             <a:fld id="{4BAF2748-3477-4185-BA7E-C3C95536F5B5}" type="slidenum">
               <a:rPr lang="en-US" smtClean="0"/>
-              <a:t>7</a:t>
+              <a:t>11</a:t>
             </a:fld>
             <a:endParaRPr lang="en-US"/>
           </a:p>
@@ -952,7 +960,7 @@
           <a:p>
             <a:fld id="{4BAF2748-3477-4185-BA7E-C3C95536F5B5}" type="slidenum">
               <a:rPr lang="en-US" smtClean="0"/>
-              <a:t>8</a:t>
+              <a:t>12</a:t>
             </a:fld>
             <a:endParaRPr lang="en-US"/>
           </a:p>
@@ -1044,7 +1052,7 @@
           <a:p>
             <a:fld id="{4BAF2748-3477-4185-BA7E-C3C95536F5B5}" type="slidenum">
               <a:rPr lang="en-US" smtClean="0"/>
-              <a:t>10</a:t>
+              <a:t>14</a:t>
             </a:fld>
             <a:endParaRPr lang="en-US"/>
           </a:p>
@@ -1128,7 +1136,7 @@
           <a:p>
             <a:fld id="{4BAF2748-3477-4185-BA7E-C3C95536F5B5}" type="slidenum">
               <a:rPr lang="en-US" smtClean="0"/>
-              <a:t>11</a:t>
+              <a:t>15</a:t>
             </a:fld>
             <a:endParaRPr lang="en-US"/>
           </a:p>
@@ -1226,7 +1234,7 @@
           <a:p>
             <a:fld id="{4BAF2748-3477-4185-BA7E-C3C95536F5B5}" type="slidenum">
               <a:rPr lang="en-US" smtClean="0"/>
-              <a:t>12</a:t>
+              <a:t>16</a:t>
             </a:fld>
             <a:endParaRPr lang="en-US"/>
           </a:p>
@@ -1332,7 +1340,7 @@
           <a:p>
             <a:fld id="{4BAF2748-3477-4185-BA7E-C3C95536F5B5}" type="slidenum">
               <a:rPr lang="en-US" smtClean="0"/>
-              <a:t>13</a:t>
+              <a:t>17</a:t>
             </a:fld>
             <a:endParaRPr lang="en-US"/>
           </a:p>
@@ -1438,7 +1446,7 @@
           <a:p>
             <a:fld id="{97591DF4-FFBB-4E8C-8E87-255A2EADF72A}" type="slidenum">
               <a:rPr lang="en-US" smtClean="0"/>
-              <a:t>18</a:t>
+              <a:t>22</a:t>
             </a:fld>
             <a:endParaRPr lang="en-US"/>
           </a:p>
@@ -1710,7 +1718,7 @@
           <a:p>
             <a:fld id="{26DDC68E-15D0-3D4A-B51F-159227E9B510}" type="datetimeFigureOut">
               <a:rPr lang="en-US" smtClean="0"/>
-              <a:t>11/6/2018</a:t>
+              <a:t>11/20/2018</a:t>
             </a:fld>
             <a:endParaRPr lang="en-US"/>
           </a:p>
@@ -1920,7 +1928,7 @@
           <a:p>
             <a:fld id="{26DDC68E-15D0-3D4A-B51F-159227E9B510}" type="datetimeFigureOut">
               <a:rPr lang="en-US" smtClean="0"/>
-              <a:t>11/6/2018</a:t>
+              <a:t>11/20/2018</a:t>
             </a:fld>
             <a:endParaRPr lang="en-US"/>
           </a:p>
@@ -2130,7 +2138,7 @@
           <a:p>
             <a:fld id="{26DDC68E-15D0-3D4A-B51F-159227E9B510}" type="datetimeFigureOut">
               <a:rPr lang="en-US" smtClean="0"/>
-              <a:t>11/6/2018</a:t>
+              <a:t>11/20/2018</a:t>
             </a:fld>
             <a:endParaRPr lang="en-US"/>
           </a:p>
@@ -2404,7 +2412,7 @@
           <a:p>
             <a:fld id="{26DDC68E-15D0-3D4A-B51F-159227E9B510}" type="datetimeFigureOut">
               <a:rPr lang="en-US" smtClean="0"/>
-              <a:t>11/6/2018</a:t>
+              <a:t>11/20/2018</a:t>
             </a:fld>
             <a:endParaRPr lang="en-US"/>
           </a:p>
@@ -2674,7 +2682,7 @@
           <a:p>
             <a:fld id="{26DDC68E-15D0-3D4A-B51F-159227E9B510}" type="datetimeFigureOut">
               <a:rPr lang="en-US" smtClean="0"/>
-              <a:t>11/6/2018</a:t>
+              <a:t>11/20/2018</a:t>
             </a:fld>
             <a:endParaRPr lang="en-US"/>
           </a:p>
@@ -3080,7 +3088,7 @@
           <a:p>
             <a:fld id="{26DDC68E-15D0-3D4A-B51F-159227E9B510}" type="datetimeFigureOut">
               <a:rPr lang="en-US" smtClean="0"/>
-              <a:t>11/6/2018</a:t>
+              <a:t>11/20/2018</a:t>
             </a:fld>
             <a:endParaRPr lang="en-US"/>
           </a:p>
@@ -3230,7 +3238,7 @@
           <a:p>
             <a:fld id="{26DDC68E-15D0-3D4A-B51F-159227E9B510}" type="datetimeFigureOut">
               <a:rPr lang="en-US" smtClean="0"/>
-              <a:t>11/6/2018</a:t>
+              <a:t>11/20/2018</a:t>
             </a:fld>
             <a:endParaRPr lang="en-US"/>
           </a:p>
@@ -3349,7 +3357,7 @@
           <a:p>
             <a:fld id="{26DDC68E-15D0-3D4A-B51F-159227E9B510}" type="datetimeFigureOut">
               <a:rPr lang="en-US" smtClean="0"/>
-              <a:t>11/6/2018</a:t>
+              <a:t>11/20/2018</a:t>
             </a:fld>
             <a:endParaRPr lang="en-US"/>
           </a:p>
@@ -3659,7 +3667,7 @@
           <a:p>
             <a:fld id="{26DDC68E-15D0-3D4A-B51F-159227E9B510}" type="datetimeFigureOut">
               <a:rPr lang="en-US" smtClean="0"/>
-              <a:t>11/6/2018</a:t>
+              <a:t>11/20/2018</a:t>
             </a:fld>
             <a:endParaRPr lang="en-US"/>
           </a:p>
@@ -3949,7 +3957,7 @@
           <a:p>
             <a:fld id="{26DDC68E-15D0-3D4A-B51F-159227E9B510}" type="datetimeFigureOut">
               <a:rPr lang="en-US" smtClean="0"/>
-              <a:t>11/6/2018</a:t>
+              <a:t>11/20/2018</a:t>
             </a:fld>
             <a:endParaRPr lang="en-US"/>
           </a:p>
@@ -4577,6 +4585,506 @@
           <a:chExt cx="0" cy="0"/>
         </a:xfrm>
       </p:grpSpPr>
+      <p:sp>
+        <p:nvSpPr>
+          <p:cNvPr id="2" name="Title 1"/>
+          <p:cNvSpPr>
+            <a:spLocks noGrp="1"/>
+          </p:cNvSpPr>
+          <p:nvPr>
+            <p:ph type="title"/>
+          </p:nvPr>
+        </p:nvSpPr>
+        <p:spPr/>
+        <p:txBody>
+          <a:bodyPr/>
+          <a:lstStyle/>
+          <a:p>
+            <a:r>
+              <a:rPr lang="en-US" dirty="0" smtClean="0"/>
+              <a:t>Introduction</a:t>
+            </a:r>
+            <a:endParaRPr lang="en-US" dirty="0"/>
+          </a:p>
+        </p:txBody>
+      </p:sp>
+      <p:sp>
+        <p:nvSpPr>
+          <p:cNvPr id="3" name="Content Placeholder 2"/>
+          <p:cNvSpPr>
+            <a:spLocks noGrp="1"/>
+          </p:cNvSpPr>
+          <p:nvPr>
+            <p:ph idx="1"/>
+          </p:nvPr>
+        </p:nvSpPr>
+        <p:spPr/>
+        <p:txBody>
+          <a:bodyPr/>
+          <a:lstStyle/>
+          <a:p>
+            <a:r>
+              <a:rPr lang="en-US" dirty="0" smtClean="0"/>
+              <a:t>Future Mars missions will have challenging requirements that necessitate closed-loop entry guidance</a:t>
+            </a:r>
+          </a:p>
+          <a:p>
+            <a:r>
+              <a:rPr lang="en-US" dirty="0" smtClean="0"/>
+              <a:t>The ability to design a trajectory onboard increases autonomy and can be used in entry guidance</a:t>
+            </a:r>
+          </a:p>
+          <a:p>
+            <a:pPr lvl="1"/>
+            <a:r>
+              <a:rPr lang="en-US" dirty="0" smtClean="0"/>
+              <a:t>Trajectory generation can be used in reference tracking methods, or as the basis for a numerical predictor-corrector method via frequent design</a:t>
+            </a:r>
+          </a:p>
+          <a:p>
+            <a:r>
+              <a:rPr lang="en-US" dirty="0" smtClean="0"/>
+              <a:t>Generating an optimal trajectory onboard is difficult due to limited computing resources</a:t>
+            </a:r>
+          </a:p>
+          <a:p>
+            <a:endParaRPr lang="en-US" dirty="0" smtClean="0"/>
+          </a:p>
+          <a:p>
+            <a:endParaRPr lang="en-US" dirty="0"/>
+          </a:p>
+        </p:txBody>
+      </p:sp>
+    </p:spTree>
+    <p:extLst>
+      <p:ext uri="{BB962C8B-B14F-4D97-AF65-F5344CB8AC3E}">
+        <p14:creationId xmlns:p14="http://schemas.microsoft.com/office/powerpoint/2010/main" val="2368961217"/>
+      </p:ext>
+    </p:extLst>
+  </p:cSld>
+  <p:clrMapOvr>
+    <a:masterClrMapping/>
+  </p:clrMapOvr>
+  <p:timing>
+    <p:tnLst>
+      <p:par>
+        <p:cTn id="1" dur="indefinite" restart="never" nodeType="tmRoot"/>
+      </p:par>
+    </p:tnLst>
+  </p:timing>
+</p:sld>
+</file>
+
+<file path=ppt/slides/slide11.xml><?xml version="1.0" encoding="utf-8"?>
+<p:sld xmlns:a="http://schemas.openxmlformats.org/drawingml/2006/main" xmlns:r="http://schemas.openxmlformats.org/officeDocument/2006/relationships" xmlns:p="http://schemas.openxmlformats.org/presentationml/2006/main">
+  <p:cSld>
+    <p:spTree>
+      <p:nvGrpSpPr>
+        <p:cNvPr id="1" name=""/>
+        <p:cNvGrpSpPr/>
+        <p:nvPr/>
+      </p:nvGrpSpPr>
+      <p:grpSpPr>
+        <a:xfrm>
+          <a:off x="0" y="0"/>
+          <a:ext cx="0" cy="0"/>
+          <a:chOff x="0" y="0"/>
+          <a:chExt cx="0" cy="0"/>
+        </a:xfrm>
+      </p:grpSpPr>
+      <p:sp>
+        <p:nvSpPr>
+          <p:cNvPr id="2" name="Title 1"/>
+          <p:cNvSpPr>
+            <a:spLocks noGrp="1"/>
+          </p:cNvSpPr>
+          <p:nvPr>
+            <p:ph type="title"/>
+          </p:nvPr>
+        </p:nvSpPr>
+        <p:spPr/>
+        <p:txBody>
+          <a:bodyPr/>
+          <a:lstStyle/>
+          <a:p>
+            <a:r>
+              <a:rPr lang="en-US" dirty="0" smtClean="0"/>
+              <a:t>Entry Trajectory Updating</a:t>
+            </a:r>
+            <a:endParaRPr lang="en-US" dirty="0"/>
+          </a:p>
+        </p:txBody>
+      </p:sp>
+      <p:sp>
+        <p:nvSpPr>
+          <p:cNvPr id="3" name="Content Placeholder 2"/>
+          <p:cNvSpPr>
+            <a:spLocks noGrp="1"/>
+          </p:cNvSpPr>
+          <p:nvPr>
+            <p:ph idx="1"/>
+          </p:nvPr>
+        </p:nvSpPr>
+        <p:spPr>
+          <a:xfrm>
+            <a:off x="628650" y="1792119"/>
+            <a:ext cx="8361346" cy="5561582"/>
+          </a:xfrm>
+        </p:spPr>
+        <p:txBody>
+          <a:bodyPr/>
+          <a:lstStyle/>
+          <a:p>
+            <a:r>
+              <a:rPr lang="en-US" dirty="0" smtClean="0"/>
+              <a:t>The vehicle enters the atmosphere with a trajectory designed that will deliver it to the target under nominal conditions </a:t>
+            </a:r>
+          </a:p>
+          <a:p>
+            <a:r>
+              <a:rPr lang="en-US" dirty="0"/>
+              <a:t>Under off-nominal conditions, the vehicle will deviate from the trajectory that was planned, </a:t>
+            </a:r>
+            <a:r>
+              <a:rPr lang="en-US" dirty="0" smtClean="0"/>
+              <a:t>sometimes even </a:t>
+            </a:r>
+            <a:r>
+              <a:rPr lang="en-US" dirty="0"/>
+              <a:t>with the aid of </a:t>
+            </a:r>
+            <a:r>
+              <a:rPr lang="en-US" dirty="0" smtClean="0"/>
+              <a:t>closed-loop guidance </a:t>
+            </a:r>
+          </a:p>
+          <a:p>
+            <a:pPr lvl="1"/>
+            <a:r>
+              <a:rPr lang="en-US" dirty="0" smtClean="0"/>
+              <a:t>Vehicle may arrive at the target under poor conditions (e.g. outside of parachute deployment conditions) or may violate important path constraints </a:t>
+            </a:r>
+          </a:p>
+          <a:p>
+            <a:r>
+              <a:rPr lang="en-US" dirty="0" smtClean="0"/>
+              <a:t>Goal: use current estimated vehicle state and redesign a path to the target while satisfying constraints (e.g. parachute deploy conditions, path constraints)</a:t>
+            </a:r>
+          </a:p>
+          <a:p>
+            <a:endParaRPr lang="en-US" dirty="0" smtClean="0"/>
+          </a:p>
+        </p:txBody>
+      </p:sp>
+    </p:spTree>
+    <p:extLst>
+      <p:ext uri="{BB962C8B-B14F-4D97-AF65-F5344CB8AC3E}">
+        <p14:creationId xmlns:p14="http://schemas.microsoft.com/office/powerpoint/2010/main" val="1411460258"/>
+      </p:ext>
+    </p:extLst>
+  </p:cSld>
+  <p:clrMapOvr>
+    <a:masterClrMapping/>
+  </p:clrMapOvr>
+</p:sld>
+</file>
+
+<file path=ppt/slides/slide12.xml><?xml version="1.0" encoding="utf-8"?>
+<p:sld xmlns:a="http://schemas.openxmlformats.org/drawingml/2006/main" xmlns:r="http://schemas.openxmlformats.org/officeDocument/2006/relationships" xmlns:p="http://schemas.openxmlformats.org/presentationml/2006/main">
+  <p:cSld>
+    <p:spTree>
+      <p:nvGrpSpPr>
+        <p:cNvPr id="1" name=""/>
+        <p:cNvGrpSpPr/>
+        <p:nvPr/>
+      </p:nvGrpSpPr>
+      <p:grpSpPr>
+        <a:xfrm>
+          <a:off x="0" y="0"/>
+          <a:ext cx="0" cy="0"/>
+          <a:chOff x="0" y="0"/>
+          <a:chExt cx="0" cy="0"/>
+        </a:xfrm>
+      </p:grpSpPr>
+      <p:sp>
+        <p:nvSpPr>
+          <p:cNvPr id="2" name="Title 1"/>
+          <p:cNvSpPr>
+            <a:spLocks noGrp="1"/>
+          </p:cNvSpPr>
+          <p:nvPr>
+            <p:ph type="title"/>
+          </p:nvPr>
+        </p:nvSpPr>
+        <p:spPr>
+          <a:xfrm>
+            <a:off x="628650" y="1079157"/>
+            <a:ext cx="7886700" cy="853160"/>
+          </a:xfrm>
+        </p:spPr>
+        <p:txBody>
+          <a:bodyPr/>
+          <a:lstStyle/>
+          <a:p>
+            <a:r>
+              <a:rPr lang="en-US" dirty="0" smtClean="0"/>
+              <a:t>Proposed Approach</a:t>
+            </a:r>
+            <a:endParaRPr lang="en-US" dirty="0"/>
+          </a:p>
+        </p:txBody>
+      </p:sp>
+      <p:sp>
+        <p:nvSpPr>
+          <p:cNvPr id="3" name="Content Placeholder 2"/>
+          <p:cNvSpPr>
+            <a:spLocks noGrp="1"/>
+          </p:cNvSpPr>
+          <p:nvPr>
+            <p:ph idx="1"/>
+          </p:nvPr>
+        </p:nvSpPr>
+        <p:spPr>
+          <a:xfrm>
+            <a:off x="628650" y="1916153"/>
+            <a:ext cx="7886700" cy="4792655"/>
+          </a:xfrm>
+        </p:spPr>
+        <p:txBody>
+          <a:bodyPr/>
+          <a:lstStyle/>
+          <a:p>
+            <a:r>
+              <a:rPr lang="en-US" sz="2400" dirty="0" smtClean="0"/>
+              <a:t>Trajectory update is posed an optimal control problem</a:t>
+            </a:r>
+          </a:p>
+          <a:p>
+            <a:pPr lvl="1"/>
+            <a:r>
+              <a:rPr lang="en-US" sz="2000" dirty="0" smtClean="0"/>
+              <a:t>Objective is to minimize distance to original trajectory while satisfying constraints </a:t>
+            </a:r>
+          </a:p>
+          <a:p>
+            <a:r>
+              <a:rPr lang="en-US" sz="2400" dirty="0" smtClean="0"/>
+              <a:t>Use energy as independent variable </a:t>
+            </a:r>
+          </a:p>
+          <a:p>
+            <a:r>
+              <a:rPr lang="en-US" sz="2400" dirty="0" err="1" smtClean="0"/>
+              <a:t>Convexify</a:t>
+            </a:r>
+            <a:r>
+              <a:rPr lang="en-US" sz="2400" dirty="0" smtClean="0"/>
+              <a:t> </a:t>
+            </a:r>
+          </a:p>
+          <a:p>
+            <a:pPr lvl="1"/>
+            <a:r>
+              <a:rPr lang="en-US" sz="2000" dirty="0" smtClean="0"/>
+              <a:t>Treat bank angle as additional state, use bank rate as the control variable</a:t>
+            </a:r>
+          </a:p>
+          <a:p>
+            <a:pPr lvl="1"/>
+            <a:r>
+              <a:rPr lang="en-US" sz="2000" dirty="0" smtClean="0"/>
+              <a:t>Linearize the equations of motion </a:t>
+            </a:r>
+          </a:p>
+          <a:p>
+            <a:pPr lvl="1"/>
+            <a:r>
+              <a:rPr lang="en-US" sz="2000" dirty="0" smtClean="0"/>
+              <a:t>Unlike powered descent case, </a:t>
+            </a:r>
+            <a:r>
+              <a:rPr lang="en-US" sz="2000" dirty="0" err="1" smtClean="0"/>
+              <a:t>convexification</a:t>
+            </a:r>
+            <a:r>
+              <a:rPr lang="en-US" sz="2000" dirty="0" smtClean="0"/>
+              <a:t> is not lossless </a:t>
+            </a:r>
+          </a:p>
+          <a:p>
+            <a:r>
+              <a:rPr lang="en-US" sz="2400" dirty="0" smtClean="0"/>
+              <a:t>Discretize (or transcribe) into second-order cone program</a:t>
+            </a:r>
+          </a:p>
+          <a:p>
+            <a:pPr lvl="1"/>
+            <a:r>
+              <a:rPr lang="en-US" sz="2000" dirty="0" err="1" smtClean="0"/>
+              <a:t>Chebyshev</a:t>
+            </a:r>
+            <a:r>
+              <a:rPr lang="en-US" sz="2000" dirty="0" smtClean="0"/>
+              <a:t> </a:t>
+            </a:r>
+            <a:r>
+              <a:rPr lang="en-US" sz="2000" dirty="0" err="1"/>
+              <a:t>p</a:t>
+            </a:r>
+            <a:r>
+              <a:rPr lang="en-US" sz="2000" dirty="0" err="1" smtClean="0"/>
+              <a:t>seudospectral</a:t>
+            </a:r>
+            <a:r>
+              <a:rPr lang="en-US" sz="2000" dirty="0" smtClean="0"/>
+              <a:t> method </a:t>
+            </a:r>
+          </a:p>
+          <a:p>
+            <a:r>
+              <a:rPr lang="en-US" sz="2400" dirty="0" smtClean="0"/>
+              <a:t>Solve the resulting SOCP using efficient interior-point solver</a:t>
+            </a:r>
+            <a:endParaRPr lang="en-US" sz="2400" dirty="0"/>
+          </a:p>
+        </p:txBody>
+      </p:sp>
+    </p:spTree>
+    <p:extLst>
+      <p:ext uri="{BB962C8B-B14F-4D97-AF65-F5344CB8AC3E}">
+        <p14:creationId xmlns:p14="http://schemas.microsoft.com/office/powerpoint/2010/main" val="3047953510"/>
+      </p:ext>
+    </p:extLst>
+  </p:cSld>
+  <p:clrMapOvr>
+    <a:masterClrMapping/>
+  </p:clrMapOvr>
+</p:sld>
+</file>
+
+<file path=ppt/slides/slide13.xml><?xml version="1.0" encoding="utf-8"?>
+<p:sld xmlns:a="http://schemas.openxmlformats.org/drawingml/2006/main" xmlns:r="http://schemas.openxmlformats.org/officeDocument/2006/relationships" xmlns:p="http://schemas.openxmlformats.org/presentationml/2006/main">
+  <p:cSld>
+    <p:spTree>
+      <p:nvGrpSpPr>
+        <p:cNvPr id="1" name=""/>
+        <p:cNvGrpSpPr/>
+        <p:nvPr/>
+      </p:nvGrpSpPr>
+      <p:grpSpPr>
+        <a:xfrm>
+          <a:off x="0" y="0"/>
+          <a:ext cx="0" cy="0"/>
+          <a:chOff x="0" y="0"/>
+          <a:chExt cx="0" cy="0"/>
+        </a:xfrm>
+      </p:grpSpPr>
+      <p:sp>
+        <p:nvSpPr>
+          <p:cNvPr id="2" name="Title 1"/>
+          <p:cNvSpPr>
+            <a:spLocks noGrp="1"/>
+          </p:cNvSpPr>
+          <p:nvPr>
+            <p:ph type="title"/>
+          </p:nvPr>
+        </p:nvSpPr>
+        <p:spPr/>
+        <p:txBody>
+          <a:bodyPr/>
+          <a:lstStyle/>
+          <a:p>
+            <a:r>
+              <a:rPr lang="en-US" dirty="0" smtClean="0"/>
+              <a:t>Convex Optimization </a:t>
+            </a:r>
+            <a:endParaRPr lang="en-US" dirty="0"/>
+          </a:p>
+        </p:txBody>
+      </p:sp>
+      <p:sp>
+        <p:nvSpPr>
+          <p:cNvPr id="3" name="Content Placeholder 2"/>
+          <p:cNvSpPr>
+            <a:spLocks noGrp="1"/>
+          </p:cNvSpPr>
+          <p:nvPr>
+            <p:ph idx="1"/>
+          </p:nvPr>
+        </p:nvSpPr>
+        <p:spPr/>
+        <p:txBody>
+          <a:bodyPr/>
+          <a:lstStyle/>
+          <a:p>
+            <a:r>
+              <a:rPr lang="en-US" sz="2400" dirty="0" smtClean="0"/>
+              <a:t>(Iterative) Convex optimization approaches to non-convex optimal control problems have exploded in interest due to efficient, polynomial time solvers and guaranteed global solution when the problem is feasible</a:t>
+            </a:r>
+          </a:p>
+          <a:p>
+            <a:r>
+              <a:rPr lang="en-US" sz="2400" dirty="0" smtClean="0"/>
+              <a:t>A variety of aerospace problems have been solved including ascent trajectory design, powered descent trajectory design, interplanetary transfers, and entry</a:t>
+            </a:r>
+          </a:p>
+          <a:p>
+            <a:r>
+              <a:rPr lang="en-US" sz="2400" dirty="0" smtClean="0"/>
+              <a:t>While these convex optimization guarantees solution of feasible sub-problems, not all methods have guaranteed convergence, and those that do typically require an </a:t>
+            </a:r>
+            <a:r>
+              <a:rPr lang="en-US" sz="2400" dirty="0"/>
+              <a:t>unknown number of </a:t>
+            </a:r>
+            <a:r>
+              <a:rPr lang="en-US" sz="2400" dirty="0" smtClean="0"/>
+              <a:t>iterations</a:t>
+            </a:r>
+          </a:p>
+          <a:p>
+            <a:pPr lvl="1"/>
+            <a:r>
+              <a:rPr lang="en-US" sz="2000" dirty="0" smtClean="0"/>
+              <a:t>The proposed approach does not involve multiple iterations</a:t>
+            </a:r>
+            <a:endParaRPr lang="en-US" sz="2000" dirty="0"/>
+          </a:p>
+          <a:p>
+            <a:endParaRPr lang="en-US" dirty="0"/>
+          </a:p>
+        </p:txBody>
+      </p:sp>
+    </p:spTree>
+    <p:extLst>
+      <p:ext uri="{BB962C8B-B14F-4D97-AF65-F5344CB8AC3E}">
+        <p14:creationId xmlns:p14="http://schemas.microsoft.com/office/powerpoint/2010/main" val="3747838991"/>
+      </p:ext>
+    </p:extLst>
+  </p:cSld>
+  <p:clrMapOvr>
+    <a:masterClrMapping/>
+  </p:clrMapOvr>
+</p:sld>
+</file>
+
+<file path=ppt/slides/slide14.xml><?xml version="1.0" encoding="utf-8"?>
+<p:sld xmlns:a="http://schemas.openxmlformats.org/drawingml/2006/main" xmlns:r="http://schemas.openxmlformats.org/officeDocument/2006/relationships" xmlns:p="http://schemas.openxmlformats.org/presentationml/2006/main">
+  <p:cSld>
+    <p:spTree>
+      <p:nvGrpSpPr>
+        <p:cNvPr id="1" name=""/>
+        <p:cNvGrpSpPr/>
+        <p:nvPr/>
+      </p:nvGrpSpPr>
+      <p:grpSpPr>
+        <a:xfrm>
+          <a:off x="0" y="0"/>
+          <a:ext cx="0" cy="0"/>
+          <a:chOff x="0" y="0"/>
+          <a:chExt cx="0" cy="0"/>
+        </a:xfrm>
+      </p:grpSpPr>
       <p:pic>
         <p:nvPicPr>
           <p:cNvPr id="15" name="Picture 14"/>
@@ -4794,7 +5302,7 @@
 </p:sld>
 </file>
 
-<file path=ppt/slides/slide11.xml><?xml version="1.0" encoding="utf-8"?>
+<file path=ppt/slides/slide15.xml><?xml version="1.0" encoding="utf-8"?>
 <p:sld xmlns:a="http://schemas.openxmlformats.org/drawingml/2006/main" xmlns:r="http://schemas.openxmlformats.org/officeDocument/2006/relationships" xmlns:p="http://schemas.openxmlformats.org/presentationml/2006/main">
   <p:cSld>
     <p:spTree>
@@ -4971,664 +5479,6 @@
     <p:extLst>
       <p:ext uri="{BB962C8B-B14F-4D97-AF65-F5344CB8AC3E}">
         <p14:creationId xmlns:p14="http://schemas.microsoft.com/office/powerpoint/2010/main" val="860064350"/>
-      </p:ext>
-    </p:extLst>
-  </p:cSld>
-  <p:clrMapOvr>
-    <a:masterClrMapping/>
-  </p:clrMapOvr>
-</p:sld>
-</file>
-
-<file path=ppt/slides/slide12.xml><?xml version="1.0" encoding="utf-8"?>
-<p:sld xmlns:a="http://schemas.openxmlformats.org/drawingml/2006/main" xmlns:r="http://schemas.openxmlformats.org/officeDocument/2006/relationships" xmlns:p="http://schemas.openxmlformats.org/presentationml/2006/main">
-  <p:cSld>
-    <p:spTree>
-      <p:nvGrpSpPr>
-        <p:cNvPr id="1" name=""/>
-        <p:cNvGrpSpPr/>
-        <p:nvPr/>
-      </p:nvGrpSpPr>
-      <p:grpSpPr>
-        <a:xfrm>
-          <a:off x="0" y="0"/>
-          <a:ext cx="0" cy="0"/>
-          <a:chOff x="0" y="0"/>
-          <a:chExt cx="0" cy="0"/>
-        </a:xfrm>
-      </p:grpSpPr>
-      <p:sp>
-        <p:nvSpPr>
-          <p:cNvPr id="2" name="Title 1"/>
-          <p:cNvSpPr>
-            <a:spLocks noGrp="1"/>
-          </p:cNvSpPr>
-          <p:nvPr>
-            <p:ph type="title"/>
-          </p:nvPr>
-        </p:nvSpPr>
-        <p:spPr/>
-        <p:txBody>
-          <a:bodyPr/>
-          <a:lstStyle/>
-          <a:p>
-            <a:r>
-              <a:rPr lang="en-US" dirty="0" smtClean="0"/>
-              <a:t>Monte Carlo Simulation</a:t>
-            </a:r>
-            <a:endParaRPr lang="en-US" dirty="0"/>
-          </a:p>
-        </p:txBody>
-      </p:sp>
-      <p:sp>
-        <p:nvSpPr>
-          <p:cNvPr id="3" name="Content Placeholder 2"/>
-          <p:cNvSpPr>
-            <a:spLocks noGrp="1"/>
-          </p:cNvSpPr>
-          <p:nvPr>
-            <p:ph idx="1"/>
-          </p:nvPr>
-        </p:nvSpPr>
-        <p:spPr/>
-        <p:txBody>
-          <a:bodyPr/>
-          <a:lstStyle/>
-          <a:p>
-            <a:r>
-              <a:rPr lang="en-US" sz="2400" dirty="0" smtClean="0"/>
-              <a:t>Vehicle is nominally L/D = 0.24 with initial state subject to MSL-like dispersions</a:t>
-            </a:r>
-            <a:endParaRPr lang="en-US" sz="2400" dirty="0"/>
-          </a:p>
-          <a:p>
-            <a:r>
-              <a:rPr lang="en-US" sz="2400" dirty="0" err="1" smtClean="0"/>
-              <a:t>MarsGRAM</a:t>
-            </a:r>
-            <a:r>
-              <a:rPr lang="en-US" sz="2400" dirty="0" smtClean="0"/>
-              <a:t> is used for environment modeling</a:t>
-            </a:r>
-          </a:p>
-          <a:p>
-            <a:r>
-              <a:rPr lang="en-US" sz="2400" dirty="0" smtClean="0"/>
-              <a:t>Uncertainty is added to lift and drag coefficients</a:t>
-            </a:r>
-          </a:p>
-          <a:p>
-            <a:pPr lvl="1"/>
-            <a:r>
-              <a:rPr lang="en-US" sz="2000" dirty="0" smtClean="0"/>
-              <a:t>Gaussian with 3</a:t>
-            </a:r>
-            <a:r>
-              <a:rPr lang="el-GR" sz="2000" dirty="0" smtClean="0"/>
-              <a:t>σ</a:t>
-            </a:r>
-            <a:r>
-              <a:rPr lang="en-US" sz="2000" dirty="0" smtClean="0"/>
-              <a:t> = 10%</a:t>
-            </a:r>
-          </a:p>
-          <a:p>
-            <a:r>
-              <a:rPr lang="en-US" sz="2400" dirty="0" smtClean="0"/>
-              <a:t>Updates occurs at 10 second intervals and stops at 600 m/s </a:t>
-            </a:r>
-          </a:p>
-          <a:p>
-            <a:r>
-              <a:rPr lang="en-US" sz="2400" dirty="0" smtClean="0"/>
-              <a:t>Bank angle limited to ±90°, and bank rate limited to 20°/s</a:t>
-            </a:r>
-          </a:p>
-          <a:p>
-            <a:r>
-              <a:rPr lang="en-US" sz="2400" dirty="0" smtClean="0"/>
-              <a:t>200 samples chosen by </a:t>
-            </a:r>
-            <a:r>
-              <a:rPr lang="en-US" sz="2400" dirty="0" err="1" smtClean="0"/>
-              <a:t>Sobol</a:t>
-            </a:r>
-            <a:r>
-              <a:rPr lang="en-US" sz="2400" dirty="0" smtClean="0"/>
-              <a:t>’ sequence</a:t>
-            </a:r>
-          </a:p>
-          <a:p>
-            <a:r>
-              <a:rPr lang="en-US" sz="2400" dirty="0" smtClean="0"/>
-              <a:t>Trajectories terminate when they reach the correct downrange distance</a:t>
-            </a:r>
-          </a:p>
-          <a:p>
-            <a:pPr lvl="1"/>
-            <a:r>
-              <a:rPr lang="en-US" sz="2000" dirty="0" smtClean="0"/>
-              <a:t>Simple logic, but should expect variations in final altitude and velocity despite energy as independent variable  </a:t>
-            </a:r>
-          </a:p>
-        </p:txBody>
-      </p:sp>
-    </p:spTree>
-    <p:extLst>
-      <p:ext uri="{BB962C8B-B14F-4D97-AF65-F5344CB8AC3E}">
-        <p14:creationId xmlns:p14="http://schemas.microsoft.com/office/powerpoint/2010/main" val="3505934654"/>
-      </p:ext>
-    </p:extLst>
-  </p:cSld>
-  <p:clrMapOvr>
-    <a:masterClrMapping/>
-  </p:clrMapOvr>
-</p:sld>
-</file>
-
-<file path=ppt/slides/slide13.xml><?xml version="1.0" encoding="utf-8"?>
-<p:sld xmlns:a="http://schemas.openxmlformats.org/drawingml/2006/main" xmlns:r="http://schemas.openxmlformats.org/officeDocument/2006/relationships" xmlns:p="http://schemas.openxmlformats.org/presentationml/2006/main">
-  <p:cSld>
-    <p:spTree>
-      <p:nvGrpSpPr>
-        <p:cNvPr id="1" name=""/>
-        <p:cNvGrpSpPr/>
-        <p:nvPr/>
-      </p:nvGrpSpPr>
-      <p:grpSpPr>
-        <a:xfrm>
-          <a:off x="0" y="0"/>
-          <a:ext cx="0" cy="0"/>
-          <a:chOff x="0" y="0"/>
-          <a:chExt cx="0" cy="0"/>
-        </a:xfrm>
-      </p:grpSpPr>
-      <p:sp>
-        <p:nvSpPr>
-          <p:cNvPr id="2" name="Title 1"/>
-          <p:cNvSpPr>
-            <a:spLocks noGrp="1"/>
-          </p:cNvSpPr>
-          <p:nvPr>
-            <p:ph type="title"/>
-          </p:nvPr>
-        </p:nvSpPr>
-        <p:spPr/>
-        <p:txBody>
-          <a:bodyPr/>
-          <a:lstStyle/>
-          <a:p>
-            <a:r>
-              <a:rPr lang="en-US" dirty="0" smtClean="0"/>
-              <a:t>MCS Results - </a:t>
-            </a:r>
-            <a:r>
-              <a:rPr lang="en-US" dirty="0" err="1" smtClean="0"/>
-              <a:t>Groundtrack</a:t>
-            </a:r>
-            <a:endParaRPr lang="en-US" dirty="0"/>
-          </a:p>
-        </p:txBody>
-      </p:sp>
-      <p:sp>
-        <p:nvSpPr>
-          <p:cNvPr id="3" name="Content Placeholder 2"/>
-          <p:cNvSpPr>
-            <a:spLocks noGrp="1"/>
-          </p:cNvSpPr>
-          <p:nvPr>
-            <p:ph idx="1"/>
-          </p:nvPr>
-        </p:nvSpPr>
-        <p:spPr>
-          <a:xfrm>
-            <a:off x="628650" y="1777500"/>
-            <a:ext cx="7886700" cy="1398838"/>
-          </a:xfrm>
-        </p:spPr>
-        <p:txBody>
-          <a:bodyPr/>
-          <a:lstStyle/>
-          <a:p>
-            <a:r>
-              <a:rPr lang="en-US" sz="2400" dirty="0" smtClean="0"/>
-              <a:t>Excellent </a:t>
-            </a:r>
-            <a:r>
-              <a:rPr lang="en-US" sz="2400" dirty="0" err="1" smtClean="0"/>
-              <a:t>crossrange</a:t>
-            </a:r>
-            <a:r>
-              <a:rPr lang="en-US" sz="2400" dirty="0" smtClean="0"/>
-              <a:t> performance due to coupled update to longitudinal and lateral channels </a:t>
-            </a:r>
-          </a:p>
-          <a:p>
-            <a:r>
-              <a:rPr lang="en-US" sz="2400" dirty="0" smtClean="0"/>
-              <a:t>Interestingly, a small number of samples even have an additional reversal</a:t>
-            </a:r>
-            <a:endParaRPr lang="en-US" sz="2400" dirty="0"/>
-          </a:p>
-        </p:txBody>
-      </p:sp>
-      <p:pic>
-        <p:nvPicPr>
-          <p:cNvPr id="5" name="Picture 4"/>
-          <p:cNvPicPr>
-            <a:picLocks noChangeAspect="1"/>
-          </p:cNvPicPr>
-          <p:nvPr/>
-        </p:nvPicPr>
-        <p:blipFill>
-          <a:blip r:embed="rId3">
-            <a:extLst>
-              <a:ext uri="{28A0092B-C50C-407E-A947-70E740481C1C}">
-                <a14:useLocalDpi xmlns:a14="http://schemas.microsoft.com/office/drawing/2010/main" val="0"/>
-              </a:ext>
-            </a:extLst>
-          </a:blip>
-          <a:stretch>
-            <a:fillRect/>
-          </a:stretch>
-        </p:blipFill>
-        <p:spPr>
-          <a:xfrm>
-            <a:off x="1600247" y="3272588"/>
-            <a:ext cx="5750999" cy="3498601"/>
-          </a:xfrm>
-          <a:prstGeom prst="rect">
-            <a:avLst/>
-          </a:prstGeom>
-        </p:spPr>
-      </p:pic>
-    </p:spTree>
-    <p:extLst>
-      <p:ext uri="{BB962C8B-B14F-4D97-AF65-F5344CB8AC3E}">
-        <p14:creationId xmlns:p14="http://schemas.microsoft.com/office/powerpoint/2010/main" val="1826672569"/>
-      </p:ext>
-    </p:extLst>
-  </p:cSld>
-  <p:clrMapOvr>
-    <a:masterClrMapping/>
-  </p:clrMapOvr>
-</p:sld>
-</file>
-
-<file path=ppt/slides/slide14.xml><?xml version="1.0" encoding="utf-8"?>
-<p:sld xmlns:a="http://schemas.openxmlformats.org/drawingml/2006/main" xmlns:r="http://schemas.openxmlformats.org/officeDocument/2006/relationships" xmlns:p="http://schemas.openxmlformats.org/presentationml/2006/main">
-  <p:cSld>
-    <p:spTree>
-      <p:nvGrpSpPr>
-        <p:cNvPr id="1" name=""/>
-        <p:cNvGrpSpPr/>
-        <p:nvPr/>
-      </p:nvGrpSpPr>
-      <p:grpSpPr>
-        <a:xfrm>
-          <a:off x="0" y="0"/>
-          <a:ext cx="0" cy="0"/>
-          <a:chOff x="0" y="0"/>
-          <a:chExt cx="0" cy="0"/>
-        </a:xfrm>
-      </p:grpSpPr>
-      <p:sp>
-        <p:nvSpPr>
-          <p:cNvPr id="2" name="Title 1"/>
-          <p:cNvSpPr>
-            <a:spLocks noGrp="1"/>
-          </p:cNvSpPr>
-          <p:nvPr>
-            <p:ph type="title"/>
-          </p:nvPr>
-        </p:nvSpPr>
-        <p:spPr>
-          <a:xfrm>
-            <a:off x="628649" y="964938"/>
-            <a:ext cx="8370972" cy="611532"/>
-          </a:xfrm>
-        </p:spPr>
-        <p:txBody>
-          <a:bodyPr/>
-          <a:lstStyle/>
-          <a:p>
-            <a:r>
-              <a:rPr lang="en-US" dirty="0" smtClean="0"/>
-              <a:t>MCS Results – Altitude/Velocity</a:t>
-            </a:r>
-            <a:endParaRPr lang="en-US" dirty="0"/>
-          </a:p>
-        </p:txBody>
-      </p:sp>
-      <p:sp>
-        <p:nvSpPr>
-          <p:cNvPr id="3" name="Content Placeholder 2"/>
-          <p:cNvSpPr>
-            <a:spLocks noGrp="1"/>
-          </p:cNvSpPr>
-          <p:nvPr>
-            <p:ph idx="1"/>
-          </p:nvPr>
-        </p:nvSpPr>
-        <p:spPr>
-          <a:xfrm>
-            <a:off x="628649" y="1690690"/>
-            <a:ext cx="7886700" cy="1437522"/>
-          </a:xfrm>
-        </p:spPr>
-        <p:txBody>
-          <a:bodyPr/>
-          <a:lstStyle/>
-          <a:p>
-            <a:r>
-              <a:rPr lang="en-US" sz="2400" dirty="0" smtClean="0"/>
-              <a:t>Although some trajectories exit the parachute deployment conditions, all but three pass through the box</a:t>
-            </a:r>
-          </a:p>
-          <a:p>
-            <a:pPr lvl="1"/>
-            <a:r>
-              <a:rPr lang="en-US" sz="2000" dirty="0" smtClean="0"/>
-              <a:t>Solved by considering triggering logic that explicitly accounts for parachute conditions </a:t>
-            </a:r>
-          </a:p>
-          <a:p>
-            <a:pPr marL="0" indent="0">
-              <a:buNone/>
-            </a:pPr>
-            <a:endParaRPr lang="en-US" dirty="0"/>
-          </a:p>
-        </p:txBody>
-      </p:sp>
-      <p:pic>
-        <p:nvPicPr>
-          <p:cNvPr id="7" name="Picture 6"/>
-          <p:cNvPicPr>
-            <a:picLocks noChangeAspect="1"/>
-          </p:cNvPicPr>
-          <p:nvPr/>
-        </p:nvPicPr>
-        <p:blipFill>
-          <a:blip r:embed="rId2">
-            <a:extLst>
-              <a:ext uri="{28A0092B-C50C-407E-A947-70E740481C1C}">
-                <a14:useLocalDpi xmlns:a14="http://schemas.microsoft.com/office/drawing/2010/main" val="0"/>
-              </a:ext>
-            </a:extLst>
-          </a:blip>
-          <a:stretch>
-            <a:fillRect/>
-          </a:stretch>
-        </p:blipFill>
-        <p:spPr>
-          <a:xfrm>
-            <a:off x="6015308" y="3001647"/>
-            <a:ext cx="2984313" cy="1856906"/>
-          </a:xfrm>
-          <a:prstGeom prst="rect">
-            <a:avLst/>
-          </a:prstGeom>
-        </p:spPr>
-      </p:pic>
-      <p:pic>
-        <p:nvPicPr>
-          <p:cNvPr id="8" name="Picture 7"/>
-          <p:cNvPicPr>
-            <a:picLocks noChangeAspect="1"/>
-          </p:cNvPicPr>
-          <p:nvPr/>
-        </p:nvPicPr>
-        <p:blipFill>
-          <a:blip r:embed="rId3">
-            <a:extLst>
-              <a:ext uri="{28A0092B-C50C-407E-A947-70E740481C1C}">
-                <a14:useLocalDpi xmlns:a14="http://schemas.microsoft.com/office/drawing/2010/main" val="0"/>
-              </a:ext>
-            </a:extLst>
-          </a:blip>
-          <a:stretch>
-            <a:fillRect/>
-          </a:stretch>
-        </p:blipFill>
-        <p:spPr>
-          <a:xfrm>
-            <a:off x="6015308" y="4858553"/>
-            <a:ext cx="2984313" cy="1856905"/>
-          </a:xfrm>
-          <a:prstGeom prst="rect">
-            <a:avLst/>
-          </a:prstGeom>
-        </p:spPr>
-      </p:pic>
-      <p:pic>
-        <p:nvPicPr>
-          <p:cNvPr id="9" name="Picture 8"/>
-          <p:cNvPicPr>
-            <a:picLocks noChangeAspect="1"/>
-          </p:cNvPicPr>
-          <p:nvPr/>
-        </p:nvPicPr>
-        <p:blipFill>
-          <a:blip r:embed="rId4">
-            <a:extLst>
-              <a:ext uri="{28A0092B-C50C-407E-A947-70E740481C1C}">
-                <a14:useLocalDpi xmlns:a14="http://schemas.microsoft.com/office/drawing/2010/main" val="0"/>
-              </a:ext>
-            </a:extLst>
-          </a:blip>
-          <a:stretch>
-            <a:fillRect/>
-          </a:stretch>
-        </p:blipFill>
-        <p:spPr>
-          <a:xfrm>
-            <a:off x="198640" y="3128212"/>
-            <a:ext cx="5332396" cy="3273687"/>
-          </a:xfrm>
-          <a:prstGeom prst="rect">
-            <a:avLst/>
-          </a:prstGeom>
-        </p:spPr>
-      </p:pic>
-    </p:spTree>
-    <p:extLst>
-      <p:ext uri="{BB962C8B-B14F-4D97-AF65-F5344CB8AC3E}">
-        <p14:creationId xmlns:p14="http://schemas.microsoft.com/office/powerpoint/2010/main" val="303004292"/>
-      </p:ext>
-    </p:extLst>
-  </p:cSld>
-  <p:clrMapOvr>
-    <a:masterClrMapping/>
-  </p:clrMapOvr>
-</p:sld>
-</file>
-
-<file path=ppt/slides/slide15.xml><?xml version="1.0" encoding="utf-8"?>
-<p:sld xmlns:a="http://schemas.openxmlformats.org/drawingml/2006/main" xmlns:r="http://schemas.openxmlformats.org/officeDocument/2006/relationships" xmlns:p="http://schemas.openxmlformats.org/presentationml/2006/main">
-  <p:cSld>
-    <p:spTree>
-      <p:nvGrpSpPr>
-        <p:cNvPr id="1" name=""/>
-        <p:cNvGrpSpPr/>
-        <p:nvPr/>
-      </p:nvGrpSpPr>
-      <p:grpSpPr>
-        <a:xfrm>
-          <a:off x="0" y="0"/>
-          <a:ext cx="0" cy="0"/>
-          <a:chOff x="0" y="0"/>
-          <a:chExt cx="0" cy="0"/>
-        </a:xfrm>
-      </p:grpSpPr>
-      <p:sp>
-        <p:nvSpPr>
-          <p:cNvPr id="2" name="Title 1"/>
-          <p:cNvSpPr>
-            <a:spLocks noGrp="1"/>
-          </p:cNvSpPr>
-          <p:nvPr>
-            <p:ph type="title"/>
-          </p:nvPr>
-        </p:nvSpPr>
-        <p:spPr/>
-        <p:txBody>
-          <a:bodyPr/>
-          <a:lstStyle/>
-          <a:p>
-            <a:r>
-              <a:rPr lang="en-US" dirty="0" smtClean="0"/>
-              <a:t>MCS Results – Bank Profiles </a:t>
-            </a:r>
-            <a:endParaRPr lang="en-US" dirty="0"/>
-          </a:p>
-        </p:txBody>
-      </p:sp>
-      <p:sp>
-        <p:nvSpPr>
-          <p:cNvPr id="5" name="Content Placeholder 4"/>
-          <p:cNvSpPr>
-            <a:spLocks noGrp="1"/>
-          </p:cNvSpPr>
-          <p:nvPr>
-            <p:ph idx="1"/>
-          </p:nvPr>
-        </p:nvSpPr>
-        <p:spPr>
-          <a:xfrm>
-            <a:off x="628650" y="1825625"/>
-            <a:ext cx="8245843" cy="1244834"/>
-          </a:xfrm>
-        </p:spPr>
-        <p:txBody>
-          <a:bodyPr/>
-          <a:lstStyle/>
-          <a:p>
-            <a:r>
-              <a:rPr lang="en-US" dirty="0" smtClean="0"/>
-              <a:t>Largest difference is in the timing of bank reversals</a:t>
-            </a:r>
-          </a:p>
-          <a:p>
-            <a:pPr lvl="0"/>
-            <a:r>
-              <a:rPr lang="en-US" dirty="0">
-                <a:solidFill>
-                  <a:prstClr val="black"/>
-                </a:solidFill>
-              </a:rPr>
-              <a:t>Bank angle (and trajectory in general) deviates from the original trajectory most at the end</a:t>
-            </a:r>
-          </a:p>
-          <a:p>
-            <a:endParaRPr lang="en-US" dirty="0" smtClean="0"/>
-          </a:p>
-          <a:p>
-            <a:endParaRPr lang="en-US" dirty="0"/>
-          </a:p>
-        </p:txBody>
-      </p:sp>
-      <p:pic>
-        <p:nvPicPr>
-          <p:cNvPr id="6" name="Picture 5"/>
-          <p:cNvPicPr>
-            <a:picLocks noChangeAspect="1"/>
-          </p:cNvPicPr>
-          <p:nvPr/>
-        </p:nvPicPr>
-        <p:blipFill>
-          <a:blip r:embed="rId2">
-            <a:extLst>
-              <a:ext uri="{28A0092B-C50C-407E-A947-70E740481C1C}">
-                <a14:useLocalDpi xmlns:a14="http://schemas.microsoft.com/office/drawing/2010/main" val="0"/>
-              </a:ext>
-            </a:extLst>
-          </a:blip>
-          <a:stretch>
-            <a:fillRect/>
-          </a:stretch>
-        </p:blipFill>
-        <p:spPr>
-          <a:xfrm>
-            <a:off x="259880" y="3197993"/>
-            <a:ext cx="5813843" cy="3488306"/>
-          </a:xfrm>
-          <a:prstGeom prst="rect">
-            <a:avLst/>
-          </a:prstGeom>
-        </p:spPr>
-      </p:pic>
-      <p:sp>
-        <p:nvSpPr>
-          <p:cNvPr id="7" name="TextBox 6"/>
-          <p:cNvSpPr txBox="1"/>
-          <p:nvPr/>
-        </p:nvSpPr>
-        <p:spPr>
-          <a:xfrm>
-            <a:off x="5861784" y="3395901"/>
-            <a:ext cx="3205214" cy="2363724"/>
-          </a:xfrm>
-          <a:prstGeom prst="rect">
-            <a:avLst/>
-          </a:prstGeom>
-          <a:noFill/>
-        </p:spPr>
-        <p:txBody>
-          <a:bodyPr wrap="square" rtlCol="0">
-            <a:spAutoFit/>
-          </a:bodyPr>
-          <a:lstStyle/>
-          <a:p>
-            <a:pPr lvl="1">
-              <a:lnSpc>
-                <a:spcPct val="90000"/>
-              </a:lnSpc>
-              <a:spcBef>
-                <a:spcPts val="500"/>
-              </a:spcBef>
-            </a:pPr>
-            <a:r>
-              <a:rPr lang="en-US" sz="2400" dirty="0" smtClean="0">
-                <a:solidFill>
-                  <a:prstClr val="black"/>
-                </a:solidFill>
-              </a:rPr>
-              <a:t>This </a:t>
-            </a:r>
-            <a:r>
-              <a:rPr lang="en-US" sz="2400" dirty="0">
-                <a:solidFill>
-                  <a:prstClr val="black"/>
-                </a:solidFill>
-              </a:rPr>
-              <a:t>is expected because </a:t>
-            </a:r>
-            <a:r>
-              <a:rPr lang="en-US" sz="2400" dirty="0" smtClean="0">
-                <a:solidFill>
-                  <a:prstClr val="black"/>
-                </a:solidFill>
-              </a:rPr>
-              <a:t>the later portion of trajectory is updated the greatest number </a:t>
-            </a:r>
-            <a:r>
-              <a:rPr lang="en-US" sz="2400" dirty="0">
-                <a:solidFill>
-                  <a:prstClr val="black"/>
-                </a:solidFill>
-              </a:rPr>
-              <a:t>of times </a:t>
-            </a:r>
-          </a:p>
-          <a:p>
-            <a:endParaRPr lang="en-US" dirty="0"/>
-          </a:p>
-        </p:txBody>
-      </p:sp>
-    </p:spTree>
-    <p:extLst>
-      <p:ext uri="{BB962C8B-B14F-4D97-AF65-F5344CB8AC3E}">
-        <p14:creationId xmlns:p14="http://schemas.microsoft.com/office/powerpoint/2010/main" val="1145173546"/>
       </p:ext>
     </p:extLst>
   </p:cSld>
@@ -5672,6 +5522,792 @@
           <a:p>
             <a:r>
               <a:rPr lang="en-US" dirty="0" smtClean="0"/>
+              <a:t>Monte Carlo Simulation</a:t>
+            </a:r>
+            <a:endParaRPr lang="en-US" dirty="0"/>
+          </a:p>
+        </p:txBody>
+      </p:sp>
+      <p:sp>
+        <p:nvSpPr>
+          <p:cNvPr id="3" name="Content Placeholder 2"/>
+          <p:cNvSpPr>
+            <a:spLocks noGrp="1"/>
+          </p:cNvSpPr>
+          <p:nvPr>
+            <p:ph idx="1"/>
+          </p:nvPr>
+        </p:nvSpPr>
+        <p:spPr/>
+        <p:txBody>
+          <a:bodyPr/>
+          <a:lstStyle/>
+          <a:p>
+            <a:r>
+              <a:rPr lang="en-US" sz="2400" dirty="0" smtClean="0"/>
+              <a:t>Vehicle is nominally L/D = 0.24 with initial state subject to MSL-like dispersions</a:t>
+            </a:r>
+            <a:endParaRPr lang="en-US" sz="2400" dirty="0"/>
+          </a:p>
+          <a:p>
+            <a:r>
+              <a:rPr lang="en-US" sz="2400" dirty="0" err="1" smtClean="0"/>
+              <a:t>MarsGRAM</a:t>
+            </a:r>
+            <a:r>
+              <a:rPr lang="en-US" sz="2400" dirty="0" smtClean="0"/>
+              <a:t> is used for environment modeling</a:t>
+            </a:r>
+          </a:p>
+          <a:p>
+            <a:r>
+              <a:rPr lang="en-US" sz="2400" dirty="0" smtClean="0"/>
+              <a:t>Uncertainty is added to lift and drag coefficients</a:t>
+            </a:r>
+          </a:p>
+          <a:p>
+            <a:pPr lvl="1"/>
+            <a:r>
+              <a:rPr lang="en-US" sz="2000" dirty="0" smtClean="0"/>
+              <a:t>Gaussian with 3</a:t>
+            </a:r>
+            <a:r>
+              <a:rPr lang="el-GR" sz="2000" dirty="0" smtClean="0"/>
+              <a:t>σ</a:t>
+            </a:r>
+            <a:r>
+              <a:rPr lang="en-US" sz="2000" dirty="0" smtClean="0"/>
+              <a:t> = 10%</a:t>
+            </a:r>
+          </a:p>
+          <a:p>
+            <a:r>
+              <a:rPr lang="en-US" sz="2400" dirty="0" smtClean="0"/>
+              <a:t>Updates occurs at 10 second intervals and stops at 600 m/s </a:t>
+            </a:r>
+          </a:p>
+          <a:p>
+            <a:r>
+              <a:rPr lang="en-US" sz="2400" dirty="0" smtClean="0"/>
+              <a:t>Bank angle limited to ±90°, and bank rate limited to 20°/s</a:t>
+            </a:r>
+          </a:p>
+          <a:p>
+            <a:r>
+              <a:rPr lang="en-US" sz="2400" dirty="0" smtClean="0"/>
+              <a:t>200 samples chosen by </a:t>
+            </a:r>
+            <a:r>
+              <a:rPr lang="en-US" sz="2400" dirty="0" err="1" smtClean="0"/>
+              <a:t>Sobol</a:t>
+            </a:r>
+            <a:r>
+              <a:rPr lang="en-US" sz="2400" dirty="0" smtClean="0"/>
+              <a:t>’ sequence</a:t>
+            </a:r>
+          </a:p>
+          <a:p>
+            <a:r>
+              <a:rPr lang="en-US" sz="2400" dirty="0" smtClean="0"/>
+              <a:t>Trajectories terminate when they reach the correct downrange distance</a:t>
+            </a:r>
+          </a:p>
+          <a:p>
+            <a:pPr lvl="1"/>
+            <a:r>
+              <a:rPr lang="en-US" sz="2000" dirty="0" smtClean="0"/>
+              <a:t>Simple logic, but should expect variations in final altitude and velocity despite energy as independent variable  </a:t>
+            </a:r>
+          </a:p>
+        </p:txBody>
+      </p:sp>
+    </p:spTree>
+    <p:extLst>
+      <p:ext uri="{BB962C8B-B14F-4D97-AF65-F5344CB8AC3E}">
+        <p14:creationId xmlns:p14="http://schemas.microsoft.com/office/powerpoint/2010/main" val="3505934654"/>
+      </p:ext>
+    </p:extLst>
+  </p:cSld>
+  <p:clrMapOvr>
+    <a:masterClrMapping/>
+  </p:clrMapOvr>
+</p:sld>
+</file>
+
+<file path=ppt/slides/slide17.xml><?xml version="1.0" encoding="utf-8"?>
+<p:sld xmlns:a="http://schemas.openxmlformats.org/drawingml/2006/main" xmlns:r="http://schemas.openxmlformats.org/officeDocument/2006/relationships" xmlns:p="http://schemas.openxmlformats.org/presentationml/2006/main">
+  <p:cSld>
+    <p:spTree>
+      <p:nvGrpSpPr>
+        <p:cNvPr id="1" name=""/>
+        <p:cNvGrpSpPr/>
+        <p:nvPr/>
+      </p:nvGrpSpPr>
+      <p:grpSpPr>
+        <a:xfrm>
+          <a:off x="0" y="0"/>
+          <a:ext cx="0" cy="0"/>
+          <a:chOff x="0" y="0"/>
+          <a:chExt cx="0" cy="0"/>
+        </a:xfrm>
+      </p:grpSpPr>
+      <p:sp>
+        <p:nvSpPr>
+          <p:cNvPr id="2" name="Title 1"/>
+          <p:cNvSpPr>
+            <a:spLocks noGrp="1"/>
+          </p:cNvSpPr>
+          <p:nvPr>
+            <p:ph type="title"/>
+          </p:nvPr>
+        </p:nvSpPr>
+        <p:spPr/>
+        <p:txBody>
+          <a:bodyPr/>
+          <a:lstStyle/>
+          <a:p>
+            <a:r>
+              <a:rPr lang="en-US" dirty="0" smtClean="0"/>
+              <a:t>MCS Results - </a:t>
+            </a:r>
+            <a:r>
+              <a:rPr lang="en-US" dirty="0" err="1" smtClean="0"/>
+              <a:t>Groundtrack</a:t>
+            </a:r>
+            <a:endParaRPr lang="en-US" dirty="0"/>
+          </a:p>
+        </p:txBody>
+      </p:sp>
+      <p:sp>
+        <p:nvSpPr>
+          <p:cNvPr id="3" name="Content Placeholder 2"/>
+          <p:cNvSpPr>
+            <a:spLocks noGrp="1"/>
+          </p:cNvSpPr>
+          <p:nvPr>
+            <p:ph idx="1"/>
+          </p:nvPr>
+        </p:nvSpPr>
+        <p:spPr>
+          <a:xfrm>
+            <a:off x="628650" y="1777500"/>
+            <a:ext cx="7886700" cy="1398838"/>
+          </a:xfrm>
+        </p:spPr>
+        <p:txBody>
+          <a:bodyPr/>
+          <a:lstStyle/>
+          <a:p>
+            <a:r>
+              <a:rPr lang="en-US" sz="2400" dirty="0" smtClean="0"/>
+              <a:t>Excellent </a:t>
+            </a:r>
+            <a:r>
+              <a:rPr lang="en-US" sz="2400" dirty="0" err="1" smtClean="0"/>
+              <a:t>crossrange</a:t>
+            </a:r>
+            <a:r>
+              <a:rPr lang="en-US" sz="2400" dirty="0" smtClean="0"/>
+              <a:t> performance due to coupled update to longitudinal and lateral channels </a:t>
+            </a:r>
+          </a:p>
+          <a:p>
+            <a:r>
+              <a:rPr lang="en-US" sz="2400" dirty="0" smtClean="0"/>
+              <a:t>Interestingly, a small number of samples even have an additional reversal</a:t>
+            </a:r>
+            <a:endParaRPr lang="en-US" sz="2400" dirty="0"/>
+          </a:p>
+        </p:txBody>
+      </p:sp>
+      <p:pic>
+        <p:nvPicPr>
+          <p:cNvPr id="5" name="Picture 4"/>
+          <p:cNvPicPr>
+            <a:picLocks noChangeAspect="1"/>
+          </p:cNvPicPr>
+          <p:nvPr/>
+        </p:nvPicPr>
+        <p:blipFill>
+          <a:blip r:embed="rId3">
+            <a:extLst>
+              <a:ext uri="{28A0092B-C50C-407E-A947-70E740481C1C}">
+                <a14:useLocalDpi xmlns:a14="http://schemas.microsoft.com/office/drawing/2010/main" val="0"/>
+              </a:ext>
+            </a:extLst>
+          </a:blip>
+          <a:stretch>
+            <a:fillRect/>
+          </a:stretch>
+        </p:blipFill>
+        <p:spPr>
+          <a:xfrm>
+            <a:off x="1600247" y="3272588"/>
+            <a:ext cx="5750999" cy="3498601"/>
+          </a:xfrm>
+          <a:prstGeom prst="rect">
+            <a:avLst/>
+          </a:prstGeom>
+        </p:spPr>
+      </p:pic>
+    </p:spTree>
+    <p:extLst>
+      <p:ext uri="{BB962C8B-B14F-4D97-AF65-F5344CB8AC3E}">
+        <p14:creationId xmlns:p14="http://schemas.microsoft.com/office/powerpoint/2010/main" val="1826672569"/>
+      </p:ext>
+    </p:extLst>
+  </p:cSld>
+  <p:clrMapOvr>
+    <a:masterClrMapping/>
+  </p:clrMapOvr>
+</p:sld>
+</file>
+
+<file path=ppt/slides/slide18.xml><?xml version="1.0" encoding="utf-8"?>
+<p:sld xmlns:a="http://schemas.openxmlformats.org/drawingml/2006/main" xmlns:r="http://schemas.openxmlformats.org/officeDocument/2006/relationships" xmlns:p="http://schemas.openxmlformats.org/presentationml/2006/main">
+  <p:cSld>
+    <p:spTree>
+      <p:nvGrpSpPr>
+        <p:cNvPr id="1" name=""/>
+        <p:cNvGrpSpPr/>
+        <p:nvPr/>
+      </p:nvGrpSpPr>
+      <p:grpSpPr>
+        <a:xfrm>
+          <a:off x="0" y="0"/>
+          <a:ext cx="0" cy="0"/>
+          <a:chOff x="0" y="0"/>
+          <a:chExt cx="0" cy="0"/>
+        </a:xfrm>
+      </p:grpSpPr>
+      <p:sp>
+        <p:nvSpPr>
+          <p:cNvPr id="2" name="Title 1"/>
+          <p:cNvSpPr>
+            <a:spLocks noGrp="1"/>
+          </p:cNvSpPr>
+          <p:nvPr>
+            <p:ph type="title"/>
+          </p:nvPr>
+        </p:nvSpPr>
+        <p:spPr>
+          <a:xfrm>
+            <a:off x="628649" y="964938"/>
+            <a:ext cx="8370972" cy="611532"/>
+          </a:xfrm>
+        </p:spPr>
+        <p:txBody>
+          <a:bodyPr/>
+          <a:lstStyle/>
+          <a:p>
+            <a:r>
+              <a:rPr lang="en-US" dirty="0" smtClean="0"/>
+              <a:t>MCS Results – Altitude/Velocity</a:t>
+            </a:r>
+            <a:endParaRPr lang="en-US" dirty="0"/>
+          </a:p>
+        </p:txBody>
+      </p:sp>
+      <p:sp>
+        <p:nvSpPr>
+          <p:cNvPr id="3" name="Content Placeholder 2"/>
+          <p:cNvSpPr>
+            <a:spLocks noGrp="1"/>
+          </p:cNvSpPr>
+          <p:nvPr>
+            <p:ph idx="1"/>
+          </p:nvPr>
+        </p:nvSpPr>
+        <p:spPr>
+          <a:xfrm>
+            <a:off x="628649" y="1690690"/>
+            <a:ext cx="7886700" cy="1437522"/>
+          </a:xfrm>
+        </p:spPr>
+        <p:txBody>
+          <a:bodyPr/>
+          <a:lstStyle/>
+          <a:p>
+            <a:r>
+              <a:rPr lang="en-US" sz="2400" dirty="0" smtClean="0"/>
+              <a:t>Although some trajectories exit the parachute deployment conditions, all but three pass through the box</a:t>
+            </a:r>
+          </a:p>
+          <a:p>
+            <a:pPr lvl="1"/>
+            <a:r>
+              <a:rPr lang="en-US" sz="2000" dirty="0" smtClean="0"/>
+              <a:t>Solved by considering triggering logic that explicitly accounts for parachute conditions </a:t>
+            </a:r>
+          </a:p>
+          <a:p>
+            <a:pPr marL="0" indent="0">
+              <a:buNone/>
+            </a:pPr>
+            <a:endParaRPr lang="en-US" dirty="0"/>
+          </a:p>
+        </p:txBody>
+      </p:sp>
+      <p:pic>
+        <p:nvPicPr>
+          <p:cNvPr id="7" name="Picture 6"/>
+          <p:cNvPicPr>
+            <a:picLocks noChangeAspect="1"/>
+          </p:cNvPicPr>
+          <p:nvPr/>
+        </p:nvPicPr>
+        <p:blipFill>
+          <a:blip r:embed="rId2">
+            <a:extLst>
+              <a:ext uri="{28A0092B-C50C-407E-A947-70E740481C1C}">
+                <a14:useLocalDpi xmlns:a14="http://schemas.microsoft.com/office/drawing/2010/main" val="0"/>
+              </a:ext>
+            </a:extLst>
+          </a:blip>
+          <a:stretch>
+            <a:fillRect/>
+          </a:stretch>
+        </p:blipFill>
+        <p:spPr>
+          <a:xfrm>
+            <a:off x="6015308" y="3001647"/>
+            <a:ext cx="2984313" cy="1856906"/>
+          </a:xfrm>
+          <a:prstGeom prst="rect">
+            <a:avLst/>
+          </a:prstGeom>
+        </p:spPr>
+      </p:pic>
+      <p:pic>
+        <p:nvPicPr>
+          <p:cNvPr id="8" name="Picture 7"/>
+          <p:cNvPicPr>
+            <a:picLocks noChangeAspect="1"/>
+          </p:cNvPicPr>
+          <p:nvPr/>
+        </p:nvPicPr>
+        <p:blipFill>
+          <a:blip r:embed="rId3">
+            <a:extLst>
+              <a:ext uri="{28A0092B-C50C-407E-A947-70E740481C1C}">
+                <a14:useLocalDpi xmlns:a14="http://schemas.microsoft.com/office/drawing/2010/main" val="0"/>
+              </a:ext>
+            </a:extLst>
+          </a:blip>
+          <a:stretch>
+            <a:fillRect/>
+          </a:stretch>
+        </p:blipFill>
+        <p:spPr>
+          <a:xfrm>
+            <a:off x="6015308" y="4858553"/>
+            <a:ext cx="2984313" cy="1856905"/>
+          </a:xfrm>
+          <a:prstGeom prst="rect">
+            <a:avLst/>
+          </a:prstGeom>
+        </p:spPr>
+      </p:pic>
+      <p:pic>
+        <p:nvPicPr>
+          <p:cNvPr id="9" name="Picture 8"/>
+          <p:cNvPicPr>
+            <a:picLocks noChangeAspect="1"/>
+          </p:cNvPicPr>
+          <p:nvPr/>
+        </p:nvPicPr>
+        <p:blipFill>
+          <a:blip r:embed="rId4">
+            <a:extLst>
+              <a:ext uri="{28A0092B-C50C-407E-A947-70E740481C1C}">
+                <a14:useLocalDpi xmlns:a14="http://schemas.microsoft.com/office/drawing/2010/main" val="0"/>
+              </a:ext>
+            </a:extLst>
+          </a:blip>
+          <a:stretch>
+            <a:fillRect/>
+          </a:stretch>
+        </p:blipFill>
+        <p:spPr>
+          <a:xfrm>
+            <a:off x="198640" y="3128212"/>
+            <a:ext cx="5332396" cy="3273687"/>
+          </a:xfrm>
+          <a:prstGeom prst="rect">
+            <a:avLst/>
+          </a:prstGeom>
+        </p:spPr>
+      </p:pic>
+    </p:spTree>
+    <p:extLst>
+      <p:ext uri="{BB962C8B-B14F-4D97-AF65-F5344CB8AC3E}">
+        <p14:creationId xmlns:p14="http://schemas.microsoft.com/office/powerpoint/2010/main" val="303004292"/>
+      </p:ext>
+    </p:extLst>
+  </p:cSld>
+  <p:clrMapOvr>
+    <a:masterClrMapping/>
+  </p:clrMapOvr>
+</p:sld>
+</file>
+
+<file path=ppt/slides/slide19.xml><?xml version="1.0" encoding="utf-8"?>
+<p:sld xmlns:a="http://schemas.openxmlformats.org/drawingml/2006/main" xmlns:r="http://schemas.openxmlformats.org/officeDocument/2006/relationships" xmlns:p="http://schemas.openxmlformats.org/presentationml/2006/main">
+  <p:cSld>
+    <p:spTree>
+      <p:nvGrpSpPr>
+        <p:cNvPr id="1" name=""/>
+        <p:cNvGrpSpPr/>
+        <p:nvPr/>
+      </p:nvGrpSpPr>
+      <p:grpSpPr>
+        <a:xfrm>
+          <a:off x="0" y="0"/>
+          <a:ext cx="0" cy="0"/>
+          <a:chOff x="0" y="0"/>
+          <a:chExt cx="0" cy="0"/>
+        </a:xfrm>
+      </p:grpSpPr>
+      <p:sp>
+        <p:nvSpPr>
+          <p:cNvPr id="2" name="Title 1"/>
+          <p:cNvSpPr>
+            <a:spLocks noGrp="1"/>
+          </p:cNvSpPr>
+          <p:nvPr>
+            <p:ph type="title"/>
+          </p:nvPr>
+        </p:nvSpPr>
+        <p:spPr/>
+        <p:txBody>
+          <a:bodyPr/>
+          <a:lstStyle/>
+          <a:p>
+            <a:r>
+              <a:rPr lang="en-US" dirty="0" smtClean="0"/>
+              <a:t>MCS Results – Bank Profiles </a:t>
+            </a:r>
+            <a:endParaRPr lang="en-US" dirty="0"/>
+          </a:p>
+        </p:txBody>
+      </p:sp>
+      <p:sp>
+        <p:nvSpPr>
+          <p:cNvPr id="5" name="Content Placeholder 4"/>
+          <p:cNvSpPr>
+            <a:spLocks noGrp="1"/>
+          </p:cNvSpPr>
+          <p:nvPr>
+            <p:ph idx="1"/>
+          </p:nvPr>
+        </p:nvSpPr>
+        <p:spPr>
+          <a:xfrm>
+            <a:off x="628650" y="1825625"/>
+            <a:ext cx="8245843" cy="1244834"/>
+          </a:xfrm>
+        </p:spPr>
+        <p:txBody>
+          <a:bodyPr/>
+          <a:lstStyle/>
+          <a:p>
+            <a:r>
+              <a:rPr lang="en-US" dirty="0" smtClean="0"/>
+              <a:t>Largest difference is in the timing of bank reversals</a:t>
+            </a:r>
+          </a:p>
+          <a:p>
+            <a:pPr lvl="0"/>
+            <a:r>
+              <a:rPr lang="en-US" dirty="0">
+                <a:solidFill>
+                  <a:prstClr val="black"/>
+                </a:solidFill>
+              </a:rPr>
+              <a:t>Bank angle (and trajectory in general) deviates from the original trajectory most at the end</a:t>
+            </a:r>
+          </a:p>
+          <a:p>
+            <a:endParaRPr lang="en-US" dirty="0" smtClean="0"/>
+          </a:p>
+          <a:p>
+            <a:endParaRPr lang="en-US" dirty="0"/>
+          </a:p>
+        </p:txBody>
+      </p:sp>
+      <p:pic>
+        <p:nvPicPr>
+          <p:cNvPr id="6" name="Picture 5"/>
+          <p:cNvPicPr>
+            <a:picLocks noChangeAspect="1"/>
+          </p:cNvPicPr>
+          <p:nvPr/>
+        </p:nvPicPr>
+        <p:blipFill>
+          <a:blip r:embed="rId2">
+            <a:extLst>
+              <a:ext uri="{28A0092B-C50C-407E-A947-70E740481C1C}">
+                <a14:useLocalDpi xmlns:a14="http://schemas.microsoft.com/office/drawing/2010/main" val="0"/>
+              </a:ext>
+            </a:extLst>
+          </a:blip>
+          <a:stretch>
+            <a:fillRect/>
+          </a:stretch>
+        </p:blipFill>
+        <p:spPr>
+          <a:xfrm>
+            <a:off x="259880" y="3197993"/>
+            <a:ext cx="5813843" cy="3488306"/>
+          </a:xfrm>
+          <a:prstGeom prst="rect">
+            <a:avLst/>
+          </a:prstGeom>
+        </p:spPr>
+      </p:pic>
+      <p:sp>
+        <p:nvSpPr>
+          <p:cNvPr id="7" name="TextBox 6"/>
+          <p:cNvSpPr txBox="1"/>
+          <p:nvPr/>
+        </p:nvSpPr>
+        <p:spPr>
+          <a:xfrm>
+            <a:off x="5861784" y="3395901"/>
+            <a:ext cx="3205214" cy="2363724"/>
+          </a:xfrm>
+          <a:prstGeom prst="rect">
+            <a:avLst/>
+          </a:prstGeom>
+          <a:noFill/>
+        </p:spPr>
+        <p:txBody>
+          <a:bodyPr wrap="square" rtlCol="0">
+            <a:spAutoFit/>
+          </a:bodyPr>
+          <a:lstStyle/>
+          <a:p>
+            <a:pPr lvl="1">
+              <a:lnSpc>
+                <a:spcPct val="90000"/>
+              </a:lnSpc>
+              <a:spcBef>
+                <a:spcPts val="500"/>
+              </a:spcBef>
+            </a:pPr>
+            <a:r>
+              <a:rPr lang="en-US" sz="2400" dirty="0" smtClean="0">
+                <a:solidFill>
+                  <a:prstClr val="black"/>
+                </a:solidFill>
+              </a:rPr>
+              <a:t>This </a:t>
+            </a:r>
+            <a:r>
+              <a:rPr lang="en-US" sz="2400" dirty="0">
+                <a:solidFill>
+                  <a:prstClr val="black"/>
+                </a:solidFill>
+              </a:rPr>
+              <a:t>is expected because </a:t>
+            </a:r>
+            <a:r>
+              <a:rPr lang="en-US" sz="2400" dirty="0" smtClean="0">
+                <a:solidFill>
+                  <a:prstClr val="black"/>
+                </a:solidFill>
+              </a:rPr>
+              <a:t>the later portion of trajectory is updated the greatest number </a:t>
+            </a:r>
+            <a:r>
+              <a:rPr lang="en-US" sz="2400" dirty="0">
+                <a:solidFill>
+                  <a:prstClr val="black"/>
+                </a:solidFill>
+              </a:rPr>
+              <a:t>of times </a:t>
+            </a:r>
+          </a:p>
+          <a:p>
+            <a:endParaRPr lang="en-US" dirty="0"/>
+          </a:p>
+        </p:txBody>
+      </p:sp>
+    </p:spTree>
+    <p:extLst>
+      <p:ext uri="{BB962C8B-B14F-4D97-AF65-F5344CB8AC3E}">
+        <p14:creationId xmlns:p14="http://schemas.microsoft.com/office/powerpoint/2010/main" val="1145173546"/>
+      </p:ext>
+    </p:extLst>
+  </p:cSld>
+  <p:clrMapOvr>
+    <a:masterClrMapping/>
+  </p:clrMapOvr>
+</p:sld>
+</file>
+
+<file path=ppt/slides/slide2.xml><?xml version="1.0" encoding="utf-8"?>
+<p:sld xmlns:a="http://schemas.openxmlformats.org/drawingml/2006/main" xmlns:r="http://schemas.openxmlformats.org/officeDocument/2006/relationships" xmlns:p="http://schemas.openxmlformats.org/presentationml/2006/main">
+  <p:cSld>
+    <p:spTree>
+      <p:nvGrpSpPr>
+        <p:cNvPr id="1" name=""/>
+        <p:cNvGrpSpPr/>
+        <p:nvPr/>
+      </p:nvGrpSpPr>
+      <p:grpSpPr>
+        <a:xfrm>
+          <a:off x="0" y="0"/>
+          <a:ext cx="0" cy="0"/>
+          <a:chOff x="0" y="0"/>
+          <a:chExt cx="0" cy="0"/>
+        </a:xfrm>
+      </p:grpSpPr>
+      <p:sp>
+        <p:nvSpPr>
+          <p:cNvPr id="2" name="Title 1"/>
+          <p:cNvSpPr>
+            <a:spLocks noGrp="1"/>
+          </p:cNvSpPr>
+          <p:nvPr>
+            <p:ph type="title"/>
+          </p:nvPr>
+        </p:nvSpPr>
+        <p:spPr>
+          <a:xfrm>
+            <a:off x="628650" y="1079156"/>
+            <a:ext cx="7886700" cy="1248407"/>
+          </a:xfrm>
+        </p:spPr>
+        <p:txBody>
+          <a:bodyPr/>
+          <a:lstStyle/>
+          <a:p>
+            <a:r>
+              <a:rPr lang="en-US" dirty="0" smtClean="0"/>
+              <a:t>Switch Time Optimization for Rapid Trajectory Design</a:t>
+            </a:r>
+            <a:endParaRPr lang="en-US" dirty="0"/>
+          </a:p>
+        </p:txBody>
+      </p:sp>
+      <p:sp>
+        <p:nvSpPr>
+          <p:cNvPr id="3" name="Content Placeholder 2"/>
+          <p:cNvSpPr>
+            <a:spLocks noGrp="1"/>
+          </p:cNvSpPr>
+          <p:nvPr>
+            <p:ph idx="1"/>
+          </p:nvPr>
+        </p:nvSpPr>
+        <p:spPr>
+          <a:xfrm>
+            <a:off x="628650" y="2576944"/>
+            <a:ext cx="7886700" cy="4281055"/>
+          </a:xfrm>
+        </p:spPr>
+        <p:txBody>
+          <a:bodyPr/>
+          <a:lstStyle/>
+          <a:p>
+            <a:r>
+              <a:rPr lang="en-US" dirty="0" smtClean="0"/>
+              <a:t>Simple </a:t>
+            </a:r>
+            <a:r>
+              <a:rPr lang="en-US" dirty="0" err="1" smtClean="0"/>
+              <a:t>parametrization</a:t>
+            </a:r>
+            <a:r>
+              <a:rPr lang="en-US" dirty="0" smtClean="0"/>
+              <a:t> for robust, near-optimal altitude performance intended for parachute architectures </a:t>
+            </a:r>
+          </a:p>
+          <a:p>
+            <a:r>
+              <a:rPr lang="en-US" dirty="0" smtClean="0"/>
+              <a:t>Can show that this </a:t>
+            </a:r>
+            <a:r>
+              <a:rPr lang="en-US" dirty="0" err="1" smtClean="0"/>
+              <a:t>parametrization</a:t>
+            </a:r>
+            <a:r>
+              <a:rPr lang="en-US" dirty="0" smtClean="0"/>
+              <a:t> also allows for near-optimal minimum velocity performance, suitable for SRP applications</a:t>
+            </a:r>
+          </a:p>
+          <a:p>
+            <a:r>
+              <a:rPr lang="en-US" dirty="0" smtClean="0"/>
+              <a:t>If-then logic used is discontinuous; </a:t>
+            </a:r>
+            <a:r>
+              <a:rPr lang="en-US" dirty="0" err="1" smtClean="0"/>
+              <a:t>Nelder</a:t>
+            </a:r>
+            <a:r>
+              <a:rPr lang="en-US" dirty="0" smtClean="0"/>
+              <a:t>-Mead simplex method has been used for optimization</a:t>
+            </a:r>
+          </a:p>
+          <a:p>
+            <a:r>
+              <a:rPr lang="en-US" dirty="0" smtClean="0"/>
+              <a:t>Results from hybrid OC literature suggest a gradient based solution is possible and preferable </a:t>
+            </a:r>
+            <a:endParaRPr lang="en-US" dirty="0"/>
+          </a:p>
+        </p:txBody>
+      </p:sp>
+    </p:spTree>
+    <p:extLst>
+      <p:ext uri="{BB962C8B-B14F-4D97-AF65-F5344CB8AC3E}">
+        <p14:creationId xmlns:p14="http://schemas.microsoft.com/office/powerpoint/2010/main" val="949813023"/>
+      </p:ext>
+    </p:extLst>
+  </p:cSld>
+  <p:clrMapOvr>
+    <a:masterClrMapping/>
+  </p:clrMapOvr>
+</p:sld>
+</file>
+
+<file path=ppt/slides/slide20.xml><?xml version="1.0" encoding="utf-8"?>
+<p:sld xmlns:a="http://schemas.openxmlformats.org/drawingml/2006/main" xmlns:r="http://schemas.openxmlformats.org/officeDocument/2006/relationships" xmlns:p="http://schemas.openxmlformats.org/presentationml/2006/main">
+  <p:cSld>
+    <p:spTree>
+      <p:nvGrpSpPr>
+        <p:cNvPr id="1" name=""/>
+        <p:cNvGrpSpPr/>
+        <p:nvPr/>
+      </p:nvGrpSpPr>
+      <p:grpSpPr>
+        <a:xfrm>
+          <a:off x="0" y="0"/>
+          <a:ext cx="0" cy="0"/>
+          <a:chOff x="0" y="0"/>
+          <a:chExt cx="0" cy="0"/>
+        </a:xfrm>
+      </p:grpSpPr>
+      <p:sp>
+        <p:nvSpPr>
+          <p:cNvPr id="2" name="Title 1"/>
+          <p:cNvSpPr>
+            <a:spLocks noGrp="1"/>
+          </p:cNvSpPr>
+          <p:nvPr>
+            <p:ph type="title"/>
+          </p:nvPr>
+        </p:nvSpPr>
+        <p:spPr/>
+        <p:txBody>
+          <a:bodyPr/>
+          <a:lstStyle/>
+          <a:p>
+            <a:r>
+              <a:rPr lang="en-US" dirty="0" smtClean="0"/>
               <a:t>Conclusion</a:t>
             </a:r>
             <a:endParaRPr lang="en-US" dirty="0"/>
@@ -5746,7 +6382,7 @@
 </p:sld>
 </file>
 
-<file path=ppt/slides/slide17.xml><?xml version="1.0" encoding="utf-8"?>
+<file path=ppt/slides/slide21.xml><?xml version="1.0" encoding="utf-8"?>
 <p:sld xmlns:a="http://schemas.openxmlformats.org/drawingml/2006/main" xmlns:r="http://schemas.openxmlformats.org/officeDocument/2006/relationships" xmlns:p="http://schemas.openxmlformats.org/presentationml/2006/main">
   <p:cSld>
     <p:spTree>
@@ -6435,7 +7071,7 @@
 </p:sld>
 </file>
 
-<file path=ppt/slides/slide18.xml><?xml version="1.0" encoding="utf-8"?>
+<file path=ppt/slides/slide22.xml><?xml version="1.0" encoding="utf-8"?>
 <p:sld xmlns:a="http://schemas.openxmlformats.org/drawingml/2006/main" xmlns:r="http://schemas.openxmlformats.org/officeDocument/2006/relationships" xmlns:p="http://schemas.openxmlformats.org/presentationml/2006/main">
   <p:cSld>
     <p:spTree>
@@ -7054,127 +7690,6 @@
 </p:sld>
 </file>
 
-<file path=ppt/slides/slide2.xml><?xml version="1.0" encoding="utf-8"?>
-<p:sld xmlns:a="http://schemas.openxmlformats.org/drawingml/2006/main" xmlns:r="http://schemas.openxmlformats.org/officeDocument/2006/relationships" xmlns:p="http://schemas.openxmlformats.org/presentationml/2006/main">
-  <p:cSld>
-    <p:spTree>
-      <p:nvGrpSpPr>
-        <p:cNvPr id="1" name=""/>
-        <p:cNvGrpSpPr/>
-        <p:nvPr/>
-      </p:nvGrpSpPr>
-      <p:grpSpPr>
-        <a:xfrm>
-          <a:off x="0" y="0"/>
-          <a:ext cx="0" cy="0"/>
-          <a:chOff x="0" y="0"/>
-          <a:chExt cx="0" cy="0"/>
-        </a:xfrm>
-      </p:grpSpPr>
-      <p:sp>
-        <p:nvSpPr>
-          <p:cNvPr id="2" name="Title 1"/>
-          <p:cNvSpPr>
-            <a:spLocks noGrp="1"/>
-          </p:cNvSpPr>
-          <p:nvPr>
-            <p:ph type="title"/>
-          </p:nvPr>
-        </p:nvSpPr>
-        <p:spPr/>
-        <p:txBody>
-          <a:bodyPr/>
-          <a:lstStyle/>
-          <a:p>
-            <a:r>
-              <a:rPr lang="en-US" dirty="0"/>
-              <a:t>V</a:t>
-            </a:r>
-            <a:r>
-              <a:rPr lang="en-US" dirty="0" smtClean="0"/>
-              <a:t>ariance Minimization</a:t>
-            </a:r>
-            <a:endParaRPr lang="en-US" dirty="0"/>
-          </a:p>
-        </p:txBody>
-      </p:sp>
-      <p:sp>
-        <p:nvSpPr>
-          <p:cNvPr id="3" name="Content Placeholder 2"/>
-          <p:cNvSpPr>
-            <a:spLocks noGrp="1"/>
-          </p:cNvSpPr>
-          <p:nvPr>
-            <p:ph idx="1"/>
-          </p:nvPr>
-        </p:nvSpPr>
-        <p:spPr>
-          <a:xfrm>
-            <a:off x="628650" y="1825624"/>
-            <a:ext cx="7886700" cy="4857397"/>
-          </a:xfrm>
-        </p:spPr>
-        <p:txBody>
-          <a:bodyPr/>
-          <a:lstStyle/>
-          <a:p>
-            <a:r>
-              <a:rPr lang="en-US" dirty="0" smtClean="0"/>
-              <a:t>Consider first the LTV case, with unconstrained control</a:t>
-            </a:r>
-          </a:p>
-          <a:p>
-            <a:r>
-              <a:rPr lang="en-US" dirty="0" smtClean="0"/>
-              <a:t>For suitable choice of norm on the final covariance matrix, the problem </a:t>
-            </a:r>
-            <a:r>
-              <a:rPr lang="en-US" smtClean="0"/>
-              <a:t>reduces to </a:t>
-            </a:r>
-            <a:r>
-              <a:rPr lang="en-US" dirty="0" smtClean="0"/>
-              <a:t>standard LQR with a particular boundary condition</a:t>
-            </a:r>
-          </a:p>
-          <a:p>
-            <a:pPr lvl="1"/>
-            <a:r>
-              <a:rPr lang="en-US" dirty="0" smtClean="0"/>
-              <a:t>The required norm is the trace operator</a:t>
-            </a:r>
-          </a:p>
-          <a:p>
-            <a:pPr lvl="1"/>
-            <a:r>
-              <a:rPr lang="en-US" dirty="0" smtClean="0"/>
-              <a:t>The LQ state weight matrix Q = I</a:t>
-            </a:r>
-          </a:p>
-          <a:p>
-            <a:r>
-              <a:rPr lang="en-US" dirty="0" smtClean="0"/>
-              <a:t>The trace is a suitable choice in many cases. Geometrically, it is related to the size of the covariance ellipse, while ignoring directional information</a:t>
-            </a:r>
-          </a:p>
-          <a:p>
-            <a:endParaRPr lang="en-US" dirty="0" smtClean="0"/>
-          </a:p>
-        </p:txBody>
-      </p:sp>
-    </p:spTree>
-    <p:extLst>
-      <p:ext uri="{BB962C8B-B14F-4D97-AF65-F5344CB8AC3E}">
-        <p14:creationId xmlns:p14="http://schemas.microsoft.com/office/powerpoint/2010/main" val="3096368325"/>
-      </p:ext>
-    </p:extLst>
-  </p:cSld>
-  <p:clrMapOvr>
-    <a:masterClrMapping/>
-  </p:clrMapOvr>
-</p:sld>
-</file>
-
 <file path=ppt/slides/slide3.xml><?xml version="1.0" encoding="utf-8"?>
 <p:sld xmlns:a="http://schemas.openxmlformats.org/drawingml/2006/main" xmlns:r="http://schemas.openxmlformats.org/officeDocument/2006/relationships" xmlns:p="http://schemas.openxmlformats.org/presentationml/2006/main">
   <p:cSld>
@@ -7202,14 +7717,19 @@
             <p:ph type="title"/>
           </p:nvPr>
         </p:nvSpPr>
-        <p:spPr/>
+        <p:spPr>
+          <a:xfrm>
+            <a:off x="628650" y="1079156"/>
+            <a:ext cx="7886700" cy="1231781"/>
+          </a:xfrm>
+        </p:spPr>
         <p:txBody>
           <a:bodyPr/>
           <a:lstStyle/>
           <a:p>
             <a:r>
               <a:rPr lang="en-US" dirty="0" smtClean="0"/>
-              <a:t>Trace Norm</a:t>
+              <a:t>Chance Constrained Nonlinear Optimal Control</a:t>
             </a:r>
             <a:endParaRPr lang="en-US" dirty="0"/>
           </a:p>
@@ -7225,29 +7745,16 @@
             <p:ph idx="1"/>
           </p:nvPr>
         </p:nvSpPr>
-        <p:spPr/>
-        <p:txBody>
-          <a:bodyPr/>
-          <a:lstStyle/>
-          <a:p>
-            <a:r>
-              <a:rPr lang="en-US" dirty="0" smtClean="0"/>
-              <a:t>From the broader class of </a:t>
-            </a:r>
-            <a:r>
-              <a:rPr lang="en-US" dirty="0" err="1" smtClean="0"/>
-              <a:t>Schatten</a:t>
-            </a:r>
-            <a:r>
-              <a:rPr lang="en-US" dirty="0" smtClean="0"/>
-              <a:t> p-norms with p=1</a:t>
-            </a:r>
-          </a:p>
-          <a:p>
-            <a:r>
-              <a:rPr lang="en-US" dirty="0" smtClean="0"/>
-              <a:t>Also called the nuclear norm, equal to the sum of the singular values (= eigenvalues because covariance is positive semi-definite)</a:t>
-            </a:r>
+        <p:spPr>
+          <a:xfrm>
+            <a:off x="628650" y="2510443"/>
+            <a:ext cx="7886700" cy="3666519"/>
+          </a:xfrm>
+        </p:spPr>
+        <p:txBody>
+          <a:bodyPr/>
+          <a:lstStyle/>
+          <a:p>
             <a:endParaRPr lang="en-US" dirty="0"/>
           </a:p>
         </p:txBody>
@@ -7255,7 +7762,7 @@
     </p:spTree>
     <p:extLst>
       <p:ext uri="{BB962C8B-B14F-4D97-AF65-F5344CB8AC3E}">
-        <p14:creationId xmlns:p14="http://schemas.microsoft.com/office/powerpoint/2010/main" val="3713997120"/>
+        <p14:creationId xmlns:p14="http://schemas.microsoft.com/office/powerpoint/2010/main" val="3996060571"/>
       </p:ext>
     </p:extLst>
   </p:cSld>
@@ -7298,6 +7805,217 @@
           <a:lstStyle/>
           <a:p>
             <a:r>
+              <a:rPr lang="en-US" dirty="0"/>
+              <a:t>V</a:t>
+            </a:r>
+            <a:r>
+              <a:rPr lang="en-US" dirty="0" smtClean="0"/>
+              <a:t>ariance Minimization</a:t>
+            </a:r>
+            <a:endParaRPr lang="en-US" dirty="0"/>
+          </a:p>
+        </p:txBody>
+      </p:sp>
+      <p:sp>
+        <p:nvSpPr>
+          <p:cNvPr id="3" name="Content Placeholder 2"/>
+          <p:cNvSpPr>
+            <a:spLocks noGrp="1"/>
+          </p:cNvSpPr>
+          <p:nvPr>
+            <p:ph idx="1"/>
+          </p:nvPr>
+        </p:nvSpPr>
+        <p:spPr>
+          <a:xfrm>
+            <a:off x="628650" y="1825624"/>
+            <a:ext cx="7886700" cy="4857397"/>
+          </a:xfrm>
+        </p:spPr>
+        <p:txBody>
+          <a:bodyPr/>
+          <a:lstStyle/>
+          <a:p>
+            <a:r>
+              <a:rPr lang="en-US" dirty="0" smtClean="0"/>
+              <a:t>Consider first the LTV case, with unconstrained control</a:t>
+            </a:r>
+          </a:p>
+          <a:p>
+            <a:r>
+              <a:rPr lang="en-US" dirty="0" smtClean="0"/>
+              <a:t>For suitable choice of norm on the final covariance matrix, the problem </a:t>
+            </a:r>
+            <a:r>
+              <a:rPr lang="en-US" smtClean="0"/>
+              <a:t>reduces to </a:t>
+            </a:r>
+            <a:r>
+              <a:rPr lang="en-US" dirty="0" smtClean="0"/>
+              <a:t>standard LQR with a particular boundary condition</a:t>
+            </a:r>
+          </a:p>
+          <a:p>
+            <a:pPr lvl="1"/>
+            <a:r>
+              <a:rPr lang="en-US" dirty="0" smtClean="0"/>
+              <a:t>The required norm is the trace operator</a:t>
+            </a:r>
+          </a:p>
+          <a:p>
+            <a:pPr lvl="1"/>
+            <a:r>
+              <a:rPr lang="en-US" dirty="0" smtClean="0"/>
+              <a:t>The LQ state weight matrix Q = I</a:t>
+            </a:r>
+          </a:p>
+          <a:p>
+            <a:r>
+              <a:rPr lang="en-US" dirty="0" smtClean="0"/>
+              <a:t>The trace is a suitable choice in many cases. Geometrically, it is related to the size of the covariance ellipse, while ignoring directional information</a:t>
+            </a:r>
+          </a:p>
+          <a:p>
+            <a:endParaRPr lang="en-US" dirty="0" smtClean="0"/>
+          </a:p>
+        </p:txBody>
+      </p:sp>
+    </p:spTree>
+    <p:extLst>
+      <p:ext uri="{BB962C8B-B14F-4D97-AF65-F5344CB8AC3E}">
+        <p14:creationId xmlns:p14="http://schemas.microsoft.com/office/powerpoint/2010/main" val="3096368325"/>
+      </p:ext>
+    </p:extLst>
+  </p:cSld>
+  <p:clrMapOvr>
+    <a:masterClrMapping/>
+  </p:clrMapOvr>
+</p:sld>
+</file>
+
+<file path=ppt/slides/slide5.xml><?xml version="1.0" encoding="utf-8"?>
+<p:sld xmlns:a="http://schemas.openxmlformats.org/drawingml/2006/main" xmlns:r="http://schemas.openxmlformats.org/officeDocument/2006/relationships" xmlns:p="http://schemas.openxmlformats.org/presentationml/2006/main">
+  <p:cSld>
+    <p:spTree>
+      <p:nvGrpSpPr>
+        <p:cNvPr id="1" name=""/>
+        <p:cNvGrpSpPr/>
+        <p:nvPr/>
+      </p:nvGrpSpPr>
+      <p:grpSpPr>
+        <a:xfrm>
+          <a:off x="0" y="0"/>
+          <a:ext cx="0" cy="0"/>
+          <a:chOff x="0" y="0"/>
+          <a:chExt cx="0" cy="0"/>
+        </a:xfrm>
+      </p:grpSpPr>
+      <p:sp>
+        <p:nvSpPr>
+          <p:cNvPr id="2" name="Title 1"/>
+          <p:cNvSpPr>
+            <a:spLocks noGrp="1"/>
+          </p:cNvSpPr>
+          <p:nvPr>
+            <p:ph type="title"/>
+          </p:nvPr>
+        </p:nvSpPr>
+        <p:spPr/>
+        <p:txBody>
+          <a:bodyPr/>
+          <a:lstStyle/>
+          <a:p>
+            <a:r>
+              <a:rPr lang="en-US" dirty="0" smtClean="0"/>
+              <a:t>Trace Norm</a:t>
+            </a:r>
+            <a:endParaRPr lang="en-US" dirty="0"/>
+          </a:p>
+        </p:txBody>
+      </p:sp>
+      <p:sp>
+        <p:nvSpPr>
+          <p:cNvPr id="3" name="Content Placeholder 2"/>
+          <p:cNvSpPr>
+            <a:spLocks noGrp="1"/>
+          </p:cNvSpPr>
+          <p:nvPr>
+            <p:ph idx="1"/>
+          </p:nvPr>
+        </p:nvSpPr>
+        <p:spPr/>
+        <p:txBody>
+          <a:bodyPr/>
+          <a:lstStyle/>
+          <a:p>
+            <a:r>
+              <a:rPr lang="en-US" dirty="0" smtClean="0"/>
+              <a:t>From the broader class of </a:t>
+            </a:r>
+            <a:r>
+              <a:rPr lang="en-US" dirty="0" err="1" smtClean="0"/>
+              <a:t>Schatten</a:t>
+            </a:r>
+            <a:r>
+              <a:rPr lang="en-US" dirty="0" smtClean="0"/>
+              <a:t> p-norms with p=1</a:t>
+            </a:r>
+          </a:p>
+          <a:p>
+            <a:r>
+              <a:rPr lang="en-US" dirty="0" smtClean="0"/>
+              <a:t>Also called the nuclear norm, equal to the sum of the singular values (= eigenvalues because covariance is positive semi-definite)</a:t>
+            </a:r>
+            <a:endParaRPr lang="en-US" dirty="0"/>
+          </a:p>
+        </p:txBody>
+      </p:sp>
+    </p:spTree>
+    <p:extLst>
+      <p:ext uri="{BB962C8B-B14F-4D97-AF65-F5344CB8AC3E}">
+        <p14:creationId xmlns:p14="http://schemas.microsoft.com/office/powerpoint/2010/main" val="3713997120"/>
+      </p:ext>
+    </p:extLst>
+  </p:cSld>
+  <p:clrMapOvr>
+    <a:masterClrMapping/>
+  </p:clrMapOvr>
+</p:sld>
+</file>
+
+<file path=ppt/slides/slide6.xml><?xml version="1.0" encoding="utf-8"?>
+<p:sld xmlns:a="http://schemas.openxmlformats.org/drawingml/2006/main" xmlns:r="http://schemas.openxmlformats.org/officeDocument/2006/relationships" xmlns:p="http://schemas.openxmlformats.org/presentationml/2006/main">
+  <p:cSld>
+    <p:spTree>
+      <p:nvGrpSpPr>
+        <p:cNvPr id="1" name=""/>
+        <p:cNvGrpSpPr/>
+        <p:nvPr/>
+      </p:nvGrpSpPr>
+      <p:grpSpPr>
+        <a:xfrm>
+          <a:off x="0" y="0"/>
+          <a:ext cx="0" cy="0"/>
+          <a:chOff x="0" y="0"/>
+          <a:chExt cx="0" cy="0"/>
+        </a:xfrm>
+      </p:grpSpPr>
+      <p:sp>
+        <p:nvSpPr>
+          <p:cNvPr id="2" name="Title 1"/>
+          <p:cNvSpPr>
+            <a:spLocks noGrp="1"/>
+          </p:cNvSpPr>
+          <p:nvPr>
+            <p:ph type="title"/>
+          </p:nvPr>
+        </p:nvSpPr>
+        <p:spPr/>
+        <p:txBody>
+          <a:bodyPr/>
+          <a:lstStyle/>
+          <a:p>
+            <a:r>
               <a:rPr lang="en-US" dirty="0" smtClean="0"/>
               <a:t>Variance Minimization</a:t>
             </a:r>
@@ -7394,7 +8112,119 @@
 </p:sld>
 </file>
 
-<file path=ppt/slides/slide5.xml><?xml version="1.0" encoding="utf-8"?>
+<file path=ppt/slides/slide7.xml><?xml version="1.0" encoding="utf-8"?>
+<p:sld xmlns:a="http://schemas.openxmlformats.org/drawingml/2006/main" xmlns:r="http://schemas.openxmlformats.org/officeDocument/2006/relationships" xmlns:p="http://schemas.openxmlformats.org/presentationml/2006/main">
+  <p:cSld>
+    <p:spTree>
+      <p:nvGrpSpPr>
+        <p:cNvPr id="1" name=""/>
+        <p:cNvGrpSpPr/>
+        <p:nvPr/>
+      </p:nvGrpSpPr>
+      <p:grpSpPr>
+        <a:xfrm>
+          <a:off x="0" y="0"/>
+          <a:ext cx="0" cy="0"/>
+          <a:chOff x="0" y="0"/>
+          <a:chExt cx="0" cy="0"/>
+        </a:xfrm>
+      </p:grpSpPr>
+      <p:sp>
+        <p:nvSpPr>
+          <p:cNvPr id="2" name="Title 1"/>
+          <p:cNvSpPr>
+            <a:spLocks noGrp="1"/>
+          </p:cNvSpPr>
+          <p:nvPr>
+            <p:ph type="title"/>
+          </p:nvPr>
+        </p:nvSpPr>
+        <p:spPr/>
+        <p:txBody>
+          <a:bodyPr/>
+          <a:lstStyle/>
+          <a:p>
+            <a:r>
+              <a:rPr lang="en-US" dirty="0" smtClean="0"/>
+              <a:t>Applications</a:t>
+            </a:r>
+            <a:endParaRPr lang="en-US" dirty="0"/>
+          </a:p>
+        </p:txBody>
+      </p:sp>
+      <p:sp>
+        <p:nvSpPr>
+          <p:cNvPr id="3" name="Content Placeholder 2"/>
+          <p:cNvSpPr>
+            <a:spLocks noGrp="1"/>
+          </p:cNvSpPr>
+          <p:nvPr>
+            <p:ph idx="1"/>
+          </p:nvPr>
+        </p:nvSpPr>
+        <p:spPr/>
+        <p:txBody>
+          <a:bodyPr/>
+          <a:lstStyle/>
+          <a:p>
+            <a:r>
+              <a:rPr lang="en-US" dirty="0" smtClean="0"/>
+              <a:t>Powered descent vehicle design seeks to minimize propellant use under uncertainty </a:t>
+            </a:r>
+          </a:p>
+          <a:p>
+            <a:pPr lvl="1"/>
+            <a:r>
+              <a:rPr lang="en-US" dirty="0" smtClean="0"/>
+              <a:t>J = -m(</a:t>
+            </a:r>
+            <a:r>
+              <a:rPr lang="en-US" dirty="0" err="1" smtClean="0"/>
+              <a:t>tf</a:t>
+            </a:r>
+            <a:r>
+              <a:rPr lang="en-US" dirty="0" smtClean="0"/>
+              <a:t>) + </a:t>
+            </a:r>
+            <a:r>
+              <a:rPr lang="en-US" dirty="0" err="1" smtClean="0"/>
+              <a:t>nV</a:t>
+            </a:r>
+            <a:r>
+              <a:rPr lang="en-US" dirty="0" smtClean="0"/>
+              <a:t>[m]</a:t>
+            </a:r>
+          </a:p>
+          <a:p>
+            <a:r>
+              <a:rPr lang="en-US" dirty="0" smtClean="0"/>
+              <a:t>Powered descent guidance</a:t>
+            </a:r>
+          </a:p>
+          <a:p>
+            <a:pPr lvl="1"/>
+            <a:r>
+              <a:rPr lang="en-US" dirty="0" smtClean="0"/>
+              <a:t>J =</a:t>
+            </a:r>
+            <a:endParaRPr lang="en-US" dirty="0"/>
+          </a:p>
+        </p:txBody>
+      </p:sp>
+    </p:spTree>
+    <p:extLst>
+      <p:ext uri="{BB962C8B-B14F-4D97-AF65-F5344CB8AC3E}">
+        <p14:creationId xmlns:p14="http://schemas.microsoft.com/office/powerpoint/2010/main" val="3220044604"/>
+      </p:ext>
+    </p:extLst>
+  </p:cSld>
+  <p:clrMapOvr>
+    <a:masterClrMapping/>
+  </p:clrMapOvr>
+</p:sld>
+</file>
+
+<file path=ppt/slides/slide8.xml><?xml version="1.0" encoding="utf-8"?>
 <p:sld xmlns:a="http://schemas.openxmlformats.org/drawingml/2006/main" xmlns:r="http://schemas.openxmlformats.org/officeDocument/2006/relationships" xmlns:p="http://schemas.openxmlformats.org/presentationml/2006/main">
   <p:cSld>
     <p:spTree>
@@ -7736,7 +8566,7 @@
         <p:spPr>
           <a:xfrm>
             <a:off x="6145822" y="2185307"/>
-            <a:ext cx="1500091" cy="300082"/>
+            <a:ext cx="2206758" cy="300082"/>
           </a:xfrm>
           <a:prstGeom prst="rect">
             <a:avLst/>
@@ -7749,13 +8579,21 @@
           </a:bodyPr>
           <a:lstStyle/>
           <a:p>
+            <a:r>
+              <a:rPr lang="en-US" sz="1350" dirty="0" smtClean="0">
+                <a:solidFill>
+                  <a:srgbClr val="FF0000"/>
+                </a:solidFill>
+              </a:rPr>
+              <a:t>Constraint boundary, </a:t>
+            </a:r>
             <a:r>
               <a:rPr lang="en-US" sz="1350" dirty="0">
                 <a:solidFill>
                   <a:srgbClr val="FF0000"/>
                 </a:solidFill>
               </a:rPr>
-              <a:t>Constraint, c(x) = 0</a:t>
+              <a:t>c(x) = 0</a:t>
             </a:r>
           </a:p>
         </p:txBody>
@@ -7826,8 +8664,8 @@
         </p:nvSpPr>
         <p:spPr>
           <a:xfrm>
-            <a:off x="960237" y="1242353"/>
-            <a:ext cx="1438985" cy="507831"/>
+            <a:off x="909616" y="2173406"/>
+            <a:ext cx="1093815" cy="507831"/>
           </a:xfrm>
           <a:prstGeom prst="rect">
             <a:avLst/>
@@ -7843,9 +8681,7 @@
             <a:r>
               <a:rPr lang="en-US" sz="1350" dirty="0">
                 <a:solidFill>
-                  <a:schemeClr val="accent1">
-                    <a:lumMod val="75000"/>
-                  </a:schemeClr>
+                  <a:schemeClr val="bg1"/>
                 </a:solidFill>
               </a:rPr>
               <a:t>Subset with probability P</a:t>
@@ -7861,8 +8697,8 @@
         </p:nvSpPr>
         <p:spPr>
           <a:xfrm>
-            <a:off x="543365" y="4634426"/>
-            <a:ext cx="6664325" cy="1131079"/>
+            <a:off x="346194" y="4009206"/>
+            <a:ext cx="7669759" cy="1131079"/>
           </a:xfrm>
           <a:prstGeom prst="rect">
             <a:avLst/>
@@ -7870,7 +8706,7 @@
           <a:noFill/>
         </p:spPr>
         <p:txBody>
-          <a:bodyPr wrap="none" rtlCol="0">
+          <a:bodyPr wrap="square" rtlCol="0">
             <a:spAutoFit/>
           </a:bodyPr>
           <a:lstStyle/>
@@ -7887,7 +8723,15 @@
             </a:pPr>
             <a:r>
               <a:rPr lang="en-US" sz="1350" dirty="0"/>
-              <a:t>Given: an initial set and a constraint to be satisfied with probability P</a:t>
+              <a:t>Given: an </a:t>
+            </a:r>
+            <a:r>
+              <a:rPr lang="en-US" sz="1350" dirty="0" smtClean="0"/>
+              <a:t>initial uncertainty set (possibly unbounded) </a:t>
+            </a:r>
+            <a:r>
+              <a:rPr lang="en-US" sz="1350" dirty="0"/>
+              <a:t>and a constraint to be satisfied with probability P</a:t>
             </a:r>
           </a:p>
           <a:p>
@@ -7917,8 +8761,21 @@
             </a:pPr>
             <a:r>
               <a:rPr lang="en-US" sz="1350" dirty="0"/>
-              <a:t>If the subset does not violate the constraints, then the probabilistic constraint is satisfied</a:t>
-            </a:r>
+              <a:t>If the </a:t>
+            </a:r>
+            <a:r>
+              <a:rPr lang="en-US" sz="1350" dirty="0" smtClean="0"/>
+              <a:t>mapped subset </a:t>
+            </a:r>
+            <a:r>
+              <a:rPr lang="en-US" sz="1350" dirty="0"/>
+              <a:t>does not violate the constraints, then the probabilistic constraint is </a:t>
+            </a:r>
+            <a:r>
+              <a:rPr lang="en-US" sz="1350" dirty="0" smtClean="0"/>
+              <a:t>satisfied</a:t>
+            </a:r>
+            <a:endParaRPr lang="en-US" sz="1350" dirty="0"/>
           </a:p>
         </p:txBody>
       </p:sp>
@@ -8001,7 +8858,7 @@
         </p:nvSpPr>
         <p:spPr>
           <a:xfrm>
-            <a:off x="5846316" y="2677525"/>
+            <a:off x="5945170" y="2688771"/>
             <a:ext cx="2160399" cy="507831"/>
           </a:xfrm>
           <a:prstGeom prst="rect">
@@ -8023,7 +8880,27 @@
                   </a:schemeClr>
                 </a:solidFill>
               </a:rPr>
-              <a:t>This subset satisfies c(x) &lt; 0 with probability at least P</a:t>
+              <a:t>This subset satisfies c(x) &lt; 0 with probability </a:t>
+            </a:r>
+            <a:r>
+              <a:rPr lang="en-US" sz="1350" u="sng" dirty="0">
+                <a:solidFill>
+                  <a:schemeClr val="accent1">
+                    <a:lumMod val="75000"/>
+                  </a:schemeClr>
+                </a:solidFill>
+              </a:rPr>
+              <a:t>at least</a:t>
+            </a:r>
+            <a:r>
+              <a:rPr lang="en-US" sz="1350" dirty="0">
+                <a:solidFill>
+                  <a:schemeClr val="accent1">
+                    <a:lumMod val="75000"/>
+                  </a:schemeClr>
+                </a:solidFill>
+              </a:rPr>
+              <a:t> P</a:t>
             </a:r>
           </a:p>
         </p:txBody>
@@ -8083,404 +8960,84 @@
           </a:p>
         </p:txBody>
       </p:sp>
+      <p:cxnSp>
+        <p:nvCxnSpPr>
+          <p:cNvPr id="10" name="Straight Arrow Connector 9"/>
+          <p:cNvCxnSpPr/>
+          <p:nvPr/>
+        </p:nvCxnSpPr>
+        <p:spPr>
+          <a:xfrm flipH="1" flipV="1">
+            <a:off x="5488415" y="2724399"/>
+            <a:ext cx="456755" cy="91818"/>
+          </a:xfrm>
+          <a:prstGeom prst="straightConnector1">
+            <a:avLst/>
+          </a:prstGeom>
+          <a:ln>
+            <a:tailEnd type="triangle"/>
+          </a:ln>
+        </p:spPr>
+        <p:style>
+          <a:lnRef idx="1">
+            <a:schemeClr val="accent1"/>
+          </a:lnRef>
+          <a:fillRef idx="0">
+            <a:schemeClr val="accent1"/>
+          </a:fillRef>
+          <a:effectRef idx="0">
+            <a:schemeClr val="accent1"/>
+          </a:effectRef>
+          <a:fontRef idx="minor">
+            <a:schemeClr val="tx1"/>
+          </a:fontRef>
+        </p:style>
+      </p:cxnSp>
+      <p:sp>
+        <p:nvSpPr>
+          <p:cNvPr id="23" name="TextBox 22"/>
+          <p:cNvSpPr txBox="1"/>
+          <p:nvPr/>
+        </p:nvSpPr>
+        <p:spPr>
+          <a:xfrm>
+            <a:off x="6532509" y="5707863"/>
+            <a:ext cx="2010413" cy="938719"/>
+          </a:xfrm>
+          <a:prstGeom prst="rect">
+            <a:avLst/>
+          </a:prstGeom>
+          <a:noFill/>
+        </p:spPr>
+        <p:txBody>
+          <a:bodyPr wrap="square" rtlCol="0">
+            <a:spAutoFit/>
+          </a:bodyPr>
+          <a:lstStyle/>
+          <a:p>
+            <a:r>
+              <a:rPr lang="en-US" sz="1100" dirty="0" smtClean="0"/>
+              <a:t>If F(x) </a:t>
+            </a:r>
+            <a:r>
+              <a:rPr lang="en-US" sz="1100" dirty="0"/>
+              <a:t>is injective, the constraint is satisfied with probability P, i.e., no conservatism is </a:t>
+            </a:r>
+            <a:r>
+              <a:rPr lang="en-US" sz="1100" dirty="0" smtClean="0"/>
+              <a:t>introduced</a:t>
+            </a:r>
+            <a:endParaRPr lang="en-US" sz="1100" dirty="0"/>
+          </a:p>
+          <a:p>
+            <a:endParaRPr lang="en-US" sz="1100" dirty="0"/>
+          </a:p>
+        </p:txBody>
+      </p:sp>
     </p:spTree>
     <p:extLst>
       <p:ext uri="{BB962C8B-B14F-4D97-AF65-F5344CB8AC3E}">
         <p14:creationId xmlns:p14="http://schemas.microsoft.com/office/powerpoint/2010/main" val="2776971855"/>
-      </p:ext>
-    </p:extLst>
-  </p:cSld>
-  <p:clrMapOvr>
-    <a:masterClrMapping/>
-  </p:clrMapOvr>
-</p:sld>
-</file>
-
-<file path=ppt/slides/slide6.xml><?xml version="1.0" encoding="utf-8"?>
-<p:sld xmlns:a="http://schemas.openxmlformats.org/drawingml/2006/main" xmlns:r="http://schemas.openxmlformats.org/officeDocument/2006/relationships" xmlns:p="http://schemas.openxmlformats.org/presentationml/2006/main">
-  <p:cSld>
-    <p:spTree>
-      <p:nvGrpSpPr>
-        <p:cNvPr id="1" name=""/>
-        <p:cNvGrpSpPr/>
-        <p:nvPr/>
-      </p:nvGrpSpPr>
-      <p:grpSpPr>
-        <a:xfrm>
-          <a:off x="0" y="0"/>
-          <a:ext cx="0" cy="0"/>
-          <a:chOff x="0" y="0"/>
-          <a:chExt cx="0" cy="0"/>
-        </a:xfrm>
-      </p:grpSpPr>
-      <p:sp>
-        <p:nvSpPr>
-          <p:cNvPr id="2" name="Title 1"/>
-          <p:cNvSpPr>
-            <a:spLocks noGrp="1"/>
-          </p:cNvSpPr>
-          <p:nvPr>
-            <p:ph type="title"/>
-          </p:nvPr>
-        </p:nvSpPr>
-        <p:spPr/>
-        <p:txBody>
-          <a:bodyPr/>
-          <a:lstStyle/>
-          <a:p>
-            <a:r>
-              <a:rPr lang="en-US" dirty="0" smtClean="0"/>
-              <a:t>Introduction</a:t>
-            </a:r>
-            <a:endParaRPr lang="en-US" dirty="0"/>
-          </a:p>
-        </p:txBody>
-      </p:sp>
-      <p:sp>
-        <p:nvSpPr>
-          <p:cNvPr id="3" name="Content Placeholder 2"/>
-          <p:cNvSpPr>
-            <a:spLocks noGrp="1"/>
-          </p:cNvSpPr>
-          <p:nvPr>
-            <p:ph idx="1"/>
-          </p:nvPr>
-        </p:nvSpPr>
-        <p:spPr/>
-        <p:txBody>
-          <a:bodyPr/>
-          <a:lstStyle/>
-          <a:p>
-            <a:r>
-              <a:rPr lang="en-US" dirty="0" smtClean="0"/>
-              <a:t>Future Mars missions will have challenging requirements that necessitate closed-loop entry guidance</a:t>
-            </a:r>
-          </a:p>
-          <a:p>
-            <a:r>
-              <a:rPr lang="en-US" dirty="0" smtClean="0"/>
-              <a:t>The ability to design a trajectory onboard increases autonomy and can be used in entry guidance</a:t>
-            </a:r>
-          </a:p>
-          <a:p>
-            <a:pPr lvl="1"/>
-            <a:r>
-              <a:rPr lang="en-US" dirty="0" smtClean="0"/>
-              <a:t>Trajectory generation can be used in reference tracking methods, or as the basis for a numerical predictor-corrector method via frequent design</a:t>
-            </a:r>
-          </a:p>
-          <a:p>
-            <a:r>
-              <a:rPr lang="en-US" dirty="0" smtClean="0"/>
-              <a:t>Generating an optimal trajectory onboard is difficult due to limited computing resources</a:t>
-            </a:r>
-          </a:p>
-          <a:p>
-            <a:endParaRPr lang="en-US" dirty="0" smtClean="0"/>
-          </a:p>
-          <a:p>
-            <a:endParaRPr lang="en-US" dirty="0"/>
-          </a:p>
-        </p:txBody>
-      </p:sp>
-    </p:spTree>
-    <p:extLst>
-      <p:ext uri="{BB962C8B-B14F-4D97-AF65-F5344CB8AC3E}">
-        <p14:creationId xmlns:p14="http://schemas.microsoft.com/office/powerpoint/2010/main" val="2368961217"/>
-      </p:ext>
-    </p:extLst>
-  </p:cSld>
-  <p:clrMapOvr>
-    <a:masterClrMapping/>
-  </p:clrMapOvr>
-  <p:timing>
-    <p:tnLst>
-      <p:par>
-        <p:cTn id="1" dur="indefinite" restart="never" nodeType="tmRoot"/>
-      </p:par>
-    </p:tnLst>
-  </p:timing>
-</p:sld>
-</file>
-
-<file path=ppt/slides/slide7.xml><?xml version="1.0" encoding="utf-8"?>
-<p:sld xmlns:a="http://schemas.openxmlformats.org/drawingml/2006/main" xmlns:r="http://schemas.openxmlformats.org/officeDocument/2006/relationships" xmlns:p="http://schemas.openxmlformats.org/presentationml/2006/main">
-  <p:cSld>
-    <p:spTree>
-      <p:nvGrpSpPr>
-        <p:cNvPr id="1" name=""/>
-        <p:cNvGrpSpPr/>
-        <p:nvPr/>
-      </p:nvGrpSpPr>
-      <p:grpSpPr>
-        <a:xfrm>
-          <a:off x="0" y="0"/>
-          <a:ext cx="0" cy="0"/>
-          <a:chOff x="0" y="0"/>
-          <a:chExt cx="0" cy="0"/>
-        </a:xfrm>
-      </p:grpSpPr>
-      <p:sp>
-        <p:nvSpPr>
-          <p:cNvPr id="2" name="Title 1"/>
-          <p:cNvSpPr>
-            <a:spLocks noGrp="1"/>
-          </p:cNvSpPr>
-          <p:nvPr>
-            <p:ph type="title"/>
-          </p:nvPr>
-        </p:nvSpPr>
-        <p:spPr/>
-        <p:txBody>
-          <a:bodyPr/>
-          <a:lstStyle/>
-          <a:p>
-            <a:r>
-              <a:rPr lang="en-US" dirty="0" smtClean="0"/>
-              <a:t>Entry Trajectory Updating</a:t>
-            </a:r>
-            <a:endParaRPr lang="en-US" dirty="0"/>
-          </a:p>
-        </p:txBody>
-      </p:sp>
-      <p:sp>
-        <p:nvSpPr>
-          <p:cNvPr id="3" name="Content Placeholder 2"/>
-          <p:cNvSpPr>
-            <a:spLocks noGrp="1"/>
-          </p:cNvSpPr>
-          <p:nvPr>
-            <p:ph idx="1"/>
-          </p:nvPr>
-        </p:nvSpPr>
-        <p:spPr>
-          <a:xfrm>
-            <a:off x="628650" y="1792119"/>
-            <a:ext cx="8361346" cy="5561582"/>
-          </a:xfrm>
-        </p:spPr>
-        <p:txBody>
-          <a:bodyPr/>
-          <a:lstStyle/>
-          <a:p>
-            <a:r>
-              <a:rPr lang="en-US" dirty="0" smtClean="0"/>
-              <a:t>The vehicle enters the atmosphere with a trajectory designed that will deliver it to the target under nominal conditions </a:t>
-            </a:r>
-          </a:p>
-          <a:p>
-            <a:r>
-              <a:rPr lang="en-US" dirty="0"/>
-              <a:t>Under off-nominal conditions, the vehicle will deviate from the trajectory that was planned, </a:t>
-            </a:r>
-            <a:r>
-              <a:rPr lang="en-US" dirty="0" smtClean="0"/>
-              <a:t>sometimes even </a:t>
-            </a:r>
-            <a:r>
-              <a:rPr lang="en-US" dirty="0"/>
-              <a:t>with the aid of </a:t>
-            </a:r>
-            <a:r>
-              <a:rPr lang="en-US" dirty="0" smtClean="0"/>
-              <a:t>closed-loop guidance </a:t>
-            </a:r>
-          </a:p>
-          <a:p>
-            <a:pPr lvl="1"/>
-            <a:r>
-              <a:rPr lang="en-US" dirty="0" smtClean="0"/>
-              <a:t>Vehicle may arrive at the target under poor conditions (e.g. outside of parachute deployment conditions) or may violate important path constraints </a:t>
-            </a:r>
-          </a:p>
-          <a:p>
-            <a:r>
-              <a:rPr lang="en-US" dirty="0" smtClean="0"/>
-              <a:t>Goal: use current estimated vehicle state and redesign a path to the target while satisfying constraints (e.g. parachute deploy conditions, path constraints)</a:t>
-            </a:r>
-          </a:p>
-          <a:p>
-            <a:endParaRPr lang="en-US" dirty="0" smtClean="0"/>
-          </a:p>
-        </p:txBody>
-      </p:sp>
-    </p:spTree>
-    <p:extLst>
-      <p:ext uri="{BB962C8B-B14F-4D97-AF65-F5344CB8AC3E}">
-        <p14:creationId xmlns:p14="http://schemas.microsoft.com/office/powerpoint/2010/main" val="1411460258"/>
-      </p:ext>
-    </p:extLst>
-  </p:cSld>
-  <p:clrMapOvr>
-    <a:masterClrMapping/>
-  </p:clrMapOvr>
-</p:sld>
-</file>
-
-<file path=ppt/slides/slide8.xml><?xml version="1.0" encoding="utf-8"?>
-<p:sld xmlns:a="http://schemas.openxmlformats.org/drawingml/2006/main" xmlns:r="http://schemas.openxmlformats.org/officeDocument/2006/relationships" xmlns:p="http://schemas.openxmlformats.org/presentationml/2006/main">
-  <p:cSld>
-    <p:spTree>
-      <p:nvGrpSpPr>
-        <p:cNvPr id="1" name=""/>
-        <p:cNvGrpSpPr/>
-        <p:nvPr/>
-      </p:nvGrpSpPr>
-      <p:grpSpPr>
-        <a:xfrm>
-          <a:off x="0" y="0"/>
-          <a:ext cx="0" cy="0"/>
-          <a:chOff x="0" y="0"/>
-          <a:chExt cx="0" cy="0"/>
-        </a:xfrm>
-      </p:grpSpPr>
-      <p:sp>
-        <p:nvSpPr>
-          <p:cNvPr id="2" name="Title 1"/>
-          <p:cNvSpPr>
-            <a:spLocks noGrp="1"/>
-          </p:cNvSpPr>
-          <p:nvPr>
-            <p:ph type="title"/>
-          </p:nvPr>
-        </p:nvSpPr>
-        <p:spPr>
-          <a:xfrm>
-            <a:off x="628650" y="1079157"/>
-            <a:ext cx="7886700" cy="853160"/>
-          </a:xfrm>
-        </p:spPr>
-        <p:txBody>
-          <a:bodyPr/>
-          <a:lstStyle/>
-          <a:p>
-            <a:r>
-              <a:rPr lang="en-US" dirty="0" smtClean="0"/>
-              <a:t>Proposed Approach</a:t>
-            </a:r>
-            <a:endParaRPr lang="en-US" dirty="0"/>
-          </a:p>
-        </p:txBody>
-      </p:sp>
-      <p:sp>
-        <p:nvSpPr>
-          <p:cNvPr id="3" name="Content Placeholder 2"/>
-          <p:cNvSpPr>
-            <a:spLocks noGrp="1"/>
-          </p:cNvSpPr>
-          <p:nvPr>
-            <p:ph idx="1"/>
-          </p:nvPr>
-        </p:nvSpPr>
-        <p:spPr>
-          <a:xfrm>
-            <a:off x="628650" y="1916153"/>
-            <a:ext cx="7886700" cy="4792655"/>
-          </a:xfrm>
-        </p:spPr>
-        <p:txBody>
-          <a:bodyPr/>
-          <a:lstStyle/>
-          <a:p>
-            <a:r>
-              <a:rPr lang="en-US" sz="2400" dirty="0" smtClean="0"/>
-              <a:t>Trajectory update is posed an optimal control problem</a:t>
-            </a:r>
-          </a:p>
-          <a:p>
-            <a:pPr lvl="1"/>
-            <a:r>
-              <a:rPr lang="en-US" sz="2000" dirty="0" smtClean="0"/>
-              <a:t>Objective is to minimize distance to original trajectory while satisfying constraints </a:t>
-            </a:r>
-          </a:p>
-          <a:p>
-            <a:r>
-              <a:rPr lang="en-US" sz="2400" dirty="0" smtClean="0"/>
-              <a:t>Use energy as independent variable </a:t>
-            </a:r>
-          </a:p>
-          <a:p>
-            <a:r>
-              <a:rPr lang="en-US" sz="2400" dirty="0" err="1" smtClean="0"/>
-              <a:t>Convexify</a:t>
-            </a:r>
-            <a:r>
-              <a:rPr lang="en-US" sz="2400" dirty="0" smtClean="0"/>
-              <a:t> </a:t>
-            </a:r>
-          </a:p>
-          <a:p>
-            <a:pPr lvl="1"/>
-            <a:r>
-              <a:rPr lang="en-US" sz="2000" dirty="0" smtClean="0"/>
-              <a:t>Treat bank angle as additional state, use bank rate as the control variable</a:t>
-            </a:r>
-          </a:p>
-          <a:p>
-            <a:pPr lvl="1"/>
-            <a:r>
-              <a:rPr lang="en-US" sz="2000" dirty="0" smtClean="0"/>
-              <a:t>Linearize the equations of motion </a:t>
-            </a:r>
-          </a:p>
-          <a:p>
-            <a:pPr lvl="1"/>
-            <a:r>
-              <a:rPr lang="en-US" sz="2000" dirty="0" smtClean="0"/>
-              <a:t>Unlike powered descent case, </a:t>
-            </a:r>
-            <a:r>
-              <a:rPr lang="en-US" sz="2000" dirty="0" err="1" smtClean="0"/>
-              <a:t>convexification</a:t>
-            </a:r>
-            <a:r>
-              <a:rPr lang="en-US" sz="2000" dirty="0" smtClean="0"/>
-              <a:t> is not lossless </a:t>
-            </a:r>
-          </a:p>
-          <a:p>
-            <a:r>
-              <a:rPr lang="en-US" sz="2400" dirty="0" smtClean="0"/>
-              <a:t>Discretize (or transcribe) into second-order cone program</a:t>
-            </a:r>
-          </a:p>
-          <a:p>
-            <a:pPr lvl="1"/>
-            <a:r>
-              <a:rPr lang="en-US" sz="2000" dirty="0" err="1" smtClean="0"/>
-              <a:t>Chebyshev</a:t>
-            </a:r>
-            <a:r>
-              <a:rPr lang="en-US" sz="2000" dirty="0" smtClean="0"/>
-              <a:t> </a:t>
-            </a:r>
-            <a:r>
-              <a:rPr lang="en-US" sz="2000" dirty="0" err="1"/>
-              <a:t>p</a:t>
-            </a:r>
-            <a:r>
-              <a:rPr lang="en-US" sz="2000" dirty="0" err="1" smtClean="0"/>
-              <a:t>seudospectral</a:t>
-            </a:r>
-            <a:r>
-              <a:rPr lang="en-US" sz="2000" dirty="0" smtClean="0"/>
-              <a:t> method </a:t>
-            </a:r>
-          </a:p>
-          <a:p>
-            <a:r>
-              <a:rPr lang="en-US" sz="2400" dirty="0" smtClean="0"/>
-              <a:t>Solve the resulting SOCP using efficient interior-point solver</a:t>
-            </a:r>
-            <a:endParaRPr lang="en-US" sz="2400" dirty="0"/>
-          </a:p>
-        </p:txBody>
-      </p:sp>
-    </p:spTree>
-    <p:extLst>
-      <p:ext uri="{BB962C8B-B14F-4D97-AF65-F5344CB8AC3E}">
-        <p14:creationId xmlns:p14="http://schemas.microsoft.com/office/powerpoint/2010/main" val="3047953510"/>
       </p:ext>
     </p:extLst>
   </p:cSld>
@@ -8509,84 +9066,333 @@
       </p:grpSpPr>
       <p:sp>
         <p:nvSpPr>
-          <p:cNvPr id="2" name="Title 1"/>
-          <p:cNvSpPr>
-            <a:spLocks noGrp="1"/>
-          </p:cNvSpPr>
-          <p:nvPr>
-            <p:ph type="title"/>
-          </p:nvPr>
-        </p:nvSpPr>
-        <p:spPr/>
-        <p:txBody>
-          <a:bodyPr/>
+          <p:cNvPr id="2" name="TextBox 1"/>
+          <p:cNvSpPr txBox="1"/>
+          <p:nvPr/>
+        </p:nvSpPr>
+        <p:spPr>
+          <a:xfrm>
+            <a:off x="271848" y="1261760"/>
+            <a:ext cx="4805803" cy="369332"/>
+          </a:xfrm>
+          <a:prstGeom prst="rect">
+            <a:avLst/>
+          </a:prstGeom>
+          <a:noFill/>
+        </p:spPr>
+        <p:txBody>
+          <a:bodyPr wrap="none" rtlCol="0">
+            <a:spAutoFit/>
+          </a:bodyPr>
           <a:lstStyle/>
           <a:p>
             <a:r>
               <a:rPr lang="en-US" dirty="0" smtClean="0"/>
-              <a:t>Convex Optimization </a:t>
+              <a:t>Tractable approximation for Gaussian uncertainty</a:t>
             </a:r>
             <a:endParaRPr lang="en-US" dirty="0"/>
           </a:p>
         </p:txBody>
       </p:sp>
-      <p:sp>
-        <p:nvSpPr>
-          <p:cNvPr id="3" name="Content Placeholder 2"/>
-          <p:cNvSpPr>
-            <a:spLocks noGrp="1"/>
-          </p:cNvSpPr>
-          <p:nvPr>
-            <p:ph idx="1"/>
-          </p:nvPr>
-        </p:nvSpPr>
-        <p:spPr/>
-        <p:txBody>
-          <a:bodyPr/>
-          <a:lstStyle/>
-          <a:p>
-            <a:r>
-              <a:rPr lang="en-US" sz="2400" dirty="0" smtClean="0"/>
-              <a:t>(Iterative) Convex optimization approaches to non-convex optimal control problems have exploded in interest due to efficient, polynomial time solvers and guaranteed global solution when the problem is feasible</a:t>
-            </a:r>
-          </a:p>
-          <a:p>
-            <a:r>
-              <a:rPr lang="en-US" sz="2400" dirty="0" smtClean="0"/>
-              <a:t>A variety of aerospace problems have been solved including ascent trajectory design, powered descent trajectory design, interplanetary transfers, and entry</a:t>
-            </a:r>
-          </a:p>
-          <a:p>
-            <a:r>
-              <a:rPr lang="en-US" sz="2400" dirty="0" smtClean="0"/>
-              <a:t>While these convex optimization guarantees solution of feasible sub-problems, not all methods have guaranteed convergence, and those that do typically require an </a:t>
-            </a:r>
-            <a:r>
-              <a:rPr lang="en-US" sz="2400" dirty="0"/>
-              <a:t>unknown number of </a:t>
-            </a:r>
-            <a:r>
-              <a:rPr lang="en-US" sz="2400" dirty="0" smtClean="0"/>
-              <a:t>iterations</a:t>
-            </a:r>
-          </a:p>
-          <a:p>
-            <a:pPr lvl="1"/>
-            <a:r>
-              <a:rPr lang="en-US" sz="2000" dirty="0" smtClean="0"/>
-              <a:t>The proposed approach does not involve multiple iterations</a:t>
-            </a:r>
-            <a:endParaRPr lang="en-US" sz="2000" dirty="0"/>
-          </a:p>
-          <a:p>
-            <a:endParaRPr lang="en-US" dirty="0"/>
-          </a:p>
-        </p:txBody>
-      </p:sp>
+      <mc:AlternateContent xmlns:mc="http://schemas.openxmlformats.org/markup-compatibility/2006">
+        <mc:Choice xmlns:a14="http://schemas.microsoft.com/office/drawing/2010/main" Requires="a14">
+          <p:sp>
+            <p:nvSpPr>
+              <p:cNvPr id="3" name="TextBox 2"/>
+              <p:cNvSpPr txBox="1"/>
+              <p:nvPr/>
+            </p:nvSpPr>
+            <p:spPr>
+              <a:xfrm>
+                <a:off x="2759676" y="2726724"/>
+                <a:ext cx="5486400" cy="1754326"/>
+              </a:xfrm>
+              <a:prstGeom prst="rect">
+                <a:avLst/>
+              </a:prstGeom>
+              <a:noFill/>
+            </p:spPr>
+            <p:txBody>
+              <a:bodyPr wrap="square" rtlCol="0">
+                <a:spAutoFit/>
+              </a:bodyPr>
+              <a:lstStyle/>
+              <a:p>
+                <a:r>
+                  <a:rPr lang="en-US" dirty="0" smtClean="0"/>
+                  <a:t>For a given precision matrix </a:t>
+                </a:r>
+                <a14:m>
+                  <m:oMath xmlns:m="http://schemas.openxmlformats.org/officeDocument/2006/math">
+                    <m:r>
+                      <a:rPr lang="en-US" b="0" i="1" smtClean="0">
+                        <a:latin typeface="Cambria Math" panose="02040503050406030204" pitchFamily="18" charset="0"/>
+                      </a:rPr>
+                      <m:t>𝑃</m:t>
+                    </m:r>
+                    <m:r>
+                      <a:rPr lang="en-US" b="0" i="1" smtClean="0">
+                        <a:latin typeface="Cambria Math" panose="02040503050406030204" pitchFamily="18" charset="0"/>
+                      </a:rPr>
+                      <m:t>=</m:t>
+                    </m:r>
+                    <m:sSup>
+                      <m:sSupPr>
+                        <m:ctrlPr>
+                          <a:rPr lang="en-US" b="0" i="1" smtClean="0">
+                            <a:latin typeface="Cambria Math" panose="02040503050406030204" pitchFamily="18" charset="0"/>
+                          </a:rPr>
+                        </m:ctrlPr>
+                      </m:sSupPr>
+                      <m:e>
+                        <m:r>
+                          <a:rPr lang="en-US" b="0" i="1" smtClean="0">
+                            <a:latin typeface="Cambria Math" panose="02040503050406030204" pitchFamily="18" charset="0"/>
+                          </a:rPr>
+                          <m:t>𝐶</m:t>
+                        </m:r>
+                      </m:e>
+                      <m:sup>
+                        <m:r>
+                          <a:rPr lang="en-US" b="0" i="1" smtClean="0">
+                            <a:latin typeface="Cambria Math" panose="02040503050406030204" pitchFamily="18" charset="0"/>
+                          </a:rPr>
+                          <m:t>−1</m:t>
+                        </m:r>
+                      </m:sup>
+                    </m:sSup>
+                  </m:oMath>
+                </a14:m>
+                <a:r>
+                  <a:rPr lang="en-US" dirty="0" smtClean="0"/>
+                  <a:t>,  we can associate an ellipsoidal set </a:t>
+                </a:r>
+                <a14:m>
+                  <m:oMath xmlns:m="http://schemas.openxmlformats.org/officeDocument/2006/math">
+                    <m:r>
+                      <m:rPr>
+                        <m:sty m:val="p"/>
+                      </m:rPr>
+                      <a:rPr lang="en-US" b="0" i="0" smtClean="0">
+                        <a:latin typeface="Cambria Math" panose="02040503050406030204" pitchFamily="18" charset="0"/>
+                      </a:rPr>
+                      <m:t>E</m:t>
+                    </m:r>
+                    <m:r>
+                      <a:rPr lang="en-US" b="0" i="0" smtClean="0">
+                        <a:latin typeface="Cambria Math" panose="02040503050406030204" pitchFamily="18" charset="0"/>
+                      </a:rPr>
+                      <m:t>= </m:t>
+                    </m:r>
+                    <m:d>
+                      <m:dPr>
+                        <m:begChr m:val="{"/>
+                        <m:endChr m:val="}"/>
+                        <m:ctrlPr>
+                          <a:rPr lang="en-US" i="1" smtClean="0">
+                            <a:latin typeface="Cambria Math" panose="02040503050406030204" pitchFamily="18" charset="0"/>
+                          </a:rPr>
+                        </m:ctrlPr>
+                      </m:dPr>
+                      <m:e>
+                        <m:sSup>
+                          <m:sSupPr>
+                            <m:ctrlPr>
+                              <a:rPr lang="en-US" i="1" smtClean="0">
+                                <a:latin typeface="Cambria Math" panose="02040503050406030204" pitchFamily="18" charset="0"/>
+                              </a:rPr>
+                            </m:ctrlPr>
+                          </m:sSupPr>
+                          <m:e>
+                            <m:r>
+                              <a:rPr lang="en-US" b="0" i="1" smtClean="0">
+                                <a:latin typeface="Cambria Math" panose="02040503050406030204" pitchFamily="18" charset="0"/>
+                              </a:rPr>
+                              <m:t>𝑥</m:t>
+                            </m:r>
+                            <m:r>
+                              <a:rPr lang="en-US" b="0" i="1" smtClean="0">
+                                <a:latin typeface="Cambria Math" panose="02040503050406030204" pitchFamily="18" charset="0"/>
+                              </a:rPr>
+                              <m:t> | </m:t>
+                            </m:r>
+                            <m:r>
+                              <a:rPr lang="en-US" b="0" i="1" smtClean="0">
+                                <a:latin typeface="Cambria Math" panose="02040503050406030204" pitchFamily="18" charset="0"/>
+                              </a:rPr>
+                              <m:t>𝑥</m:t>
+                            </m:r>
+                          </m:e>
+                          <m:sup>
+                            <m:r>
+                              <a:rPr lang="en-US" b="0" i="1" smtClean="0">
+                                <a:latin typeface="Cambria Math" panose="02040503050406030204" pitchFamily="18" charset="0"/>
+                              </a:rPr>
+                              <m:t>𝑇</m:t>
+                            </m:r>
+                          </m:sup>
+                        </m:sSup>
+                        <m:r>
+                          <a:rPr lang="en-US" b="0" i="1" smtClean="0">
+                            <a:latin typeface="Cambria Math" panose="02040503050406030204" pitchFamily="18" charset="0"/>
+                          </a:rPr>
+                          <m:t>𝑃𝑥</m:t>
+                        </m:r>
+                        <m:r>
+                          <a:rPr lang="en-US" b="0" i="1" smtClean="0">
+                            <a:latin typeface="Cambria Math" panose="02040503050406030204" pitchFamily="18" charset="0"/>
+                          </a:rPr>
+                          <m:t>≤</m:t>
+                        </m:r>
+                        <m:sSup>
+                          <m:sSupPr>
+                            <m:ctrlPr>
+                              <a:rPr lang="en-US" b="0" i="1" smtClean="0">
+                                <a:latin typeface="Cambria Math" panose="02040503050406030204" pitchFamily="18" charset="0"/>
+                              </a:rPr>
+                            </m:ctrlPr>
+                          </m:sSupPr>
+                          <m:e>
+                            <m:r>
+                              <a:rPr lang="en-US" b="0" i="1" smtClean="0">
+                                <a:latin typeface="Cambria Math" panose="02040503050406030204" pitchFamily="18" charset="0"/>
+                              </a:rPr>
+                              <m:t>𝑟</m:t>
+                            </m:r>
+                          </m:e>
+                          <m:sup>
+                            <m:r>
+                              <a:rPr lang="en-US" b="0" i="1" smtClean="0">
+                                <a:latin typeface="Cambria Math" panose="02040503050406030204" pitchFamily="18" charset="0"/>
+                              </a:rPr>
+                              <m:t>2</m:t>
+                            </m:r>
+                          </m:sup>
+                        </m:sSup>
+                      </m:e>
+                    </m:d>
+                  </m:oMath>
+                </a14:m>
+                <a:r>
+                  <a:rPr lang="en-US" dirty="0" smtClean="0"/>
+                  <a:t>. </a:t>
+                </a:r>
+              </a:p>
+              <a:p>
+                <a:endParaRPr lang="en-US" dirty="0"/>
+              </a:p>
+              <a:p>
+                <a:r>
+                  <a:rPr lang="en-US" dirty="0" smtClean="0"/>
+                  <a:t>We can also compute the radius r such that the ellipsoid contains a given fraction of the total probability, i.e. </a:t>
+                </a:r>
+                <a14:m>
+                  <m:oMath xmlns:m="http://schemas.openxmlformats.org/officeDocument/2006/math">
+                    <m:r>
+                      <a:rPr lang="en-US" b="0" i="1" smtClean="0">
+                        <a:latin typeface="Cambria Math" panose="02040503050406030204" pitchFamily="18" charset="0"/>
+                      </a:rPr>
+                      <m:t>𝑃</m:t>
+                    </m:r>
+                    <m:d>
+                      <m:dPr>
+                        <m:begChr m:val="["/>
+                        <m:endChr m:val="]"/>
+                        <m:ctrlPr>
+                          <a:rPr lang="en-US" b="0" i="1" smtClean="0">
+                            <a:latin typeface="Cambria Math" panose="02040503050406030204" pitchFamily="18" charset="0"/>
+                          </a:rPr>
+                        </m:ctrlPr>
+                      </m:dPr>
+                      <m:e>
+                        <m:r>
+                          <a:rPr lang="en-US" b="0" i="1" smtClean="0">
+                            <a:latin typeface="Cambria Math" panose="02040503050406030204" pitchFamily="18" charset="0"/>
+                          </a:rPr>
+                          <m:t>𝑥</m:t>
+                        </m:r>
+                        <m:r>
+                          <a:rPr lang="en-US" b="0" i="1" smtClean="0">
+                            <a:latin typeface="Cambria Math" panose="02040503050406030204" pitchFamily="18" charset="0"/>
+                          </a:rPr>
+                          <m:t>∈</m:t>
+                        </m:r>
+                        <m:r>
+                          <a:rPr lang="en-US" b="0" i="1" smtClean="0">
+                            <a:latin typeface="Cambria Math" panose="02040503050406030204" pitchFamily="18" charset="0"/>
+                          </a:rPr>
+                          <m:t>𝐸</m:t>
+                        </m:r>
+                      </m:e>
+                    </m:d>
+                    <m:r>
+                      <a:rPr lang="en-US" b="0" i="1" smtClean="0">
+                        <a:latin typeface="Cambria Math" panose="02040503050406030204" pitchFamily="18" charset="0"/>
+                      </a:rPr>
+                      <m:t>=1−</m:t>
+                    </m:r>
+                    <m:r>
+                      <a:rPr lang="en-US" b="0" i="1" smtClean="0">
+                        <a:latin typeface="Cambria Math" panose="02040503050406030204" pitchFamily="18" charset="0"/>
+                      </a:rPr>
+                      <m:t>𝛿</m:t>
+                    </m:r>
+                    <m:r>
+                      <a:rPr lang="en-US" b="0" i="1" smtClean="0">
+                        <a:latin typeface="Cambria Math" panose="02040503050406030204" pitchFamily="18" charset="0"/>
+                      </a:rPr>
+                      <m:t> </m:t>
+                    </m:r>
+                  </m:oMath>
+                </a14:m>
+                <a:endParaRPr lang="en-US" dirty="0"/>
+              </a:p>
+            </p:txBody>
+          </p:sp>
+        </mc:Choice>
+        <mc:Fallback>
+          <p:sp>
+            <p:nvSpPr>
+              <p:cNvPr id="3" name="TextBox 2"/>
+              <p:cNvSpPr txBox="1">
+                <a:spLocks noRot="1" noChangeAspect="1" noMove="1" noResize="1" noEditPoints="1" noAdjustHandles="1" noChangeArrowheads="1" noChangeShapeType="1" noTextEdit="1"/>
+              </p:cNvSpPr>
+              <p:nvPr/>
+            </p:nvSpPr>
+            <p:spPr>
+              <a:xfrm>
+                <a:off x="2759676" y="2726724"/>
+                <a:ext cx="5486400" cy="1754326"/>
+              </a:xfrm>
+              <a:prstGeom prst="rect">
+                <a:avLst/>
+              </a:prstGeom>
+              <a:blipFill rotWithShape="0">
+                <a:blip r:embed="rId2"/>
+                <a:stretch>
+                  <a:fillRect l="-1000" t="-1736" r="-111"/>
+                </a:stretch>
+              </a:blipFill>
+            </p:spPr>
+            <p:txBody>
+              <a:bodyPr/>
+              <a:lstStyle/>
+              <a:p>
+                <a:r>
+                  <a:rPr lang="en-US">
+                    <a:noFill/>
+                  </a:rPr>
+                  <a:t> </a:t>
+                </a:r>
+              </a:p>
+            </p:txBody>
+          </p:sp>
+        </mc:Fallback>
+      </mc:AlternateContent>
     </p:spTree>
     <p:extLst>
       <p:ext uri="{BB962C8B-B14F-4D97-AF65-F5344CB8AC3E}">
-        <p14:creationId xmlns:p14="http://schemas.microsoft.com/office/powerpoint/2010/main" val="3747838991"/>
+        <p14:creationId xmlns:p14="http://schemas.microsoft.com/office/powerpoint/2010/main" val="4074423147"/>
       </p:ext>
     </p:extLst>
   </p:cSld>

--- a/Documents/Qual Exam.pptx
+++ b/Documents/Qual Exam.pptx
@@ -5,31 +5,37 @@
     <p:sldMasterId id="2147483660" r:id="rId1"/>
   </p:sldMasterIdLst>
   <p:notesMasterIdLst>
-    <p:notesMasterId r:id="rId24"/>
+    <p:notesMasterId r:id="rId30"/>
   </p:notesMasterIdLst>
   <p:sldIdLst>
     <p:sldId id="275" r:id="rId2"/>
-    <p:sldId id="280" r:id="rId3"/>
-    <p:sldId id="281" r:id="rId4"/>
-    <p:sldId id="260" r:id="rId5"/>
-    <p:sldId id="263" r:id="rId6"/>
-    <p:sldId id="262" r:id="rId7"/>
-    <p:sldId id="279" r:id="rId8"/>
-    <p:sldId id="261" r:id="rId9"/>
-    <p:sldId id="282" r:id="rId10"/>
-    <p:sldId id="264" r:id="rId11"/>
-    <p:sldId id="265" r:id="rId12"/>
-    <p:sldId id="266" r:id="rId13"/>
-    <p:sldId id="267" r:id="rId14"/>
-    <p:sldId id="268" r:id="rId15"/>
-    <p:sldId id="269" r:id="rId16"/>
-    <p:sldId id="270" r:id="rId17"/>
-    <p:sldId id="271" r:id="rId18"/>
-    <p:sldId id="272" r:id="rId19"/>
-    <p:sldId id="273" r:id="rId20"/>
-    <p:sldId id="274" r:id="rId21"/>
-    <p:sldId id="277" r:id="rId22"/>
-    <p:sldId id="278" r:id="rId23"/>
+    <p:sldId id="283" r:id="rId3"/>
+    <p:sldId id="284" r:id="rId4"/>
+    <p:sldId id="287" r:id="rId5"/>
+    <p:sldId id="285" r:id="rId6"/>
+    <p:sldId id="288" r:id="rId7"/>
+    <p:sldId id="286" r:id="rId8"/>
+    <p:sldId id="280" r:id="rId9"/>
+    <p:sldId id="281" r:id="rId10"/>
+    <p:sldId id="260" r:id="rId11"/>
+    <p:sldId id="263" r:id="rId12"/>
+    <p:sldId id="262" r:id="rId13"/>
+    <p:sldId id="279" r:id="rId14"/>
+    <p:sldId id="261" r:id="rId15"/>
+    <p:sldId id="282" r:id="rId16"/>
+    <p:sldId id="264" r:id="rId17"/>
+    <p:sldId id="265" r:id="rId18"/>
+    <p:sldId id="266" r:id="rId19"/>
+    <p:sldId id="267" r:id="rId20"/>
+    <p:sldId id="268" r:id="rId21"/>
+    <p:sldId id="269" r:id="rId22"/>
+    <p:sldId id="270" r:id="rId23"/>
+    <p:sldId id="271" r:id="rId24"/>
+    <p:sldId id="272" r:id="rId25"/>
+    <p:sldId id="273" r:id="rId26"/>
+    <p:sldId id="274" r:id="rId27"/>
+    <p:sldId id="277" r:id="rId28"/>
+    <p:sldId id="278" r:id="rId29"/>
   </p:sldIdLst>
   <p:sldSz cx="9144000" cy="6858000" type="screen4x3"/>
   <p:notesSz cx="6858000" cy="9144000"/>
@@ -134,6 +140,12 @@
         <p14:section name="Default Section" id="{C65E65E8-8D10-45BF-9402-B68D0796393C}">
           <p14:sldIdLst>
             <p14:sldId id="275"/>
+            <p14:sldId id="283"/>
+            <p14:sldId id="284"/>
+            <p14:sldId id="287"/>
+            <p14:sldId id="285"/>
+            <p14:sldId id="288"/>
+            <p14:sldId id="286"/>
             <p14:sldId id="280"/>
             <p14:sldId id="281"/>
             <p14:sldId id="260"/>
@@ -623,7 +635,7 @@
           <a:p>
             <a:fld id="{3F6F7F58-9784-4543-B74A-850450AD4D21}" type="slidenum">
               <a:rPr lang="en-US" smtClean="0"/>
-              <a:t>8</a:t>
+              <a:t>14</a:t>
             </a:fld>
             <a:endParaRPr lang="en-US"/>
           </a:p>
@@ -723,7 +735,7 @@
           <a:p>
             <a:fld id="{4BAF2748-3477-4185-BA7E-C3C95536F5B5}" type="slidenum">
               <a:rPr lang="en-US" smtClean="0"/>
-              <a:t>10</a:t>
+              <a:t>16</a:t>
             </a:fld>
             <a:endParaRPr lang="en-US"/>
           </a:p>
@@ -845,7 +857,7 @@
           <a:p>
             <a:fld id="{4BAF2748-3477-4185-BA7E-C3C95536F5B5}" type="slidenum">
               <a:rPr lang="en-US" smtClean="0"/>
-              <a:t>11</a:t>
+              <a:t>17</a:t>
             </a:fld>
             <a:endParaRPr lang="en-US"/>
           </a:p>
@@ -960,7 +972,7 @@
           <a:p>
             <a:fld id="{4BAF2748-3477-4185-BA7E-C3C95536F5B5}" type="slidenum">
               <a:rPr lang="en-US" smtClean="0"/>
-              <a:t>12</a:t>
+              <a:t>18</a:t>
             </a:fld>
             <a:endParaRPr lang="en-US"/>
           </a:p>
@@ -1052,7 +1064,7 @@
           <a:p>
             <a:fld id="{4BAF2748-3477-4185-BA7E-C3C95536F5B5}" type="slidenum">
               <a:rPr lang="en-US" smtClean="0"/>
-              <a:t>14</a:t>
+              <a:t>20</a:t>
             </a:fld>
             <a:endParaRPr lang="en-US"/>
           </a:p>
@@ -1136,7 +1148,7 @@
           <a:p>
             <a:fld id="{4BAF2748-3477-4185-BA7E-C3C95536F5B5}" type="slidenum">
               <a:rPr lang="en-US" smtClean="0"/>
-              <a:t>15</a:t>
+              <a:t>21</a:t>
             </a:fld>
             <a:endParaRPr lang="en-US"/>
           </a:p>
@@ -1234,7 +1246,7 @@
           <a:p>
             <a:fld id="{4BAF2748-3477-4185-BA7E-C3C95536F5B5}" type="slidenum">
               <a:rPr lang="en-US" smtClean="0"/>
-              <a:t>16</a:t>
+              <a:t>22</a:t>
             </a:fld>
             <a:endParaRPr lang="en-US"/>
           </a:p>
@@ -1340,7 +1352,7 @@
           <a:p>
             <a:fld id="{4BAF2748-3477-4185-BA7E-C3C95536F5B5}" type="slidenum">
               <a:rPr lang="en-US" smtClean="0"/>
-              <a:t>17</a:t>
+              <a:t>23</a:t>
             </a:fld>
             <a:endParaRPr lang="en-US"/>
           </a:p>
@@ -1446,7 +1458,7 @@
           <a:p>
             <a:fld id="{97591DF4-FFBB-4E8C-8E87-255A2EADF72A}" type="slidenum">
               <a:rPr lang="en-US" smtClean="0"/>
-              <a:t>22</a:t>
+              <a:t>28</a:t>
             </a:fld>
             <a:endParaRPr lang="en-US"/>
           </a:p>
@@ -4601,8 +4613,12 @@
           <a:lstStyle/>
           <a:p>
             <a:r>
-              <a:rPr lang="en-US" dirty="0" smtClean="0"/>
-              <a:t>Introduction</a:t>
+              <a:rPr lang="en-US" dirty="0"/>
+              <a:t>V</a:t>
+            </a:r>
+            <a:r>
+              <a:rPr lang="en-US" dirty="0" smtClean="0"/>
+              <a:t>ariance Minimization</a:t>
             </a:r>
             <a:endParaRPr lang="en-US" dirty="0"/>
           </a:p>
@@ -4618,60 +4634,70 @@
             <p:ph idx="1"/>
           </p:nvPr>
         </p:nvSpPr>
-        <p:spPr/>
-        <p:txBody>
-          <a:bodyPr/>
-          <a:lstStyle/>
-          <a:p>
-            <a:r>
-              <a:rPr lang="en-US" dirty="0" smtClean="0"/>
-              <a:t>Future Mars missions will have challenging requirements that necessitate closed-loop entry guidance</a:t>
-            </a:r>
-          </a:p>
-          <a:p>
-            <a:r>
-              <a:rPr lang="en-US" dirty="0" smtClean="0"/>
-              <a:t>The ability to design a trajectory onboard increases autonomy and can be used in entry guidance</a:t>
+        <p:spPr>
+          <a:xfrm>
+            <a:off x="628650" y="1825624"/>
+            <a:ext cx="7886700" cy="4857397"/>
+          </a:xfrm>
+        </p:spPr>
+        <p:txBody>
+          <a:bodyPr/>
+          <a:lstStyle/>
+          <a:p>
+            <a:r>
+              <a:rPr lang="en-US" dirty="0" smtClean="0"/>
+              <a:t>Consider first the LTV case, with unconstrained control</a:t>
+            </a:r>
+          </a:p>
+          <a:p>
+            <a:r>
+              <a:rPr lang="en-US" dirty="0" smtClean="0"/>
+              <a:t>For suitable choice of norm on the final covariance matrix, the problem </a:t>
+            </a:r>
+            <a:r>
+              <a:rPr lang="en-US" smtClean="0"/>
+              <a:t>reduces to </a:t>
+            </a:r>
+            <a:r>
+              <a:rPr lang="en-US" dirty="0" smtClean="0"/>
+              <a:t>standard LQR with a particular boundary condition</a:t>
             </a:r>
           </a:p>
           <a:p>
             <a:pPr lvl="1"/>
             <a:r>
               <a:rPr lang="en-US" dirty="0" smtClean="0"/>
-              <a:t>Trajectory generation can be used in reference tracking methods, or as the basis for a numerical predictor-corrector method via frequent design</a:t>
-            </a:r>
-          </a:p>
-          <a:p>
-            <a:r>
-              <a:rPr lang="en-US" dirty="0" smtClean="0"/>
-              <a:t>Generating an optimal trajectory onboard is difficult due to limited computing resources</a:t>
+              <a:t>The required norm is the trace operator</a:t>
+            </a:r>
+          </a:p>
+          <a:p>
+            <a:pPr lvl="1"/>
+            <a:r>
+              <a:rPr lang="en-US" dirty="0" smtClean="0"/>
+              <a:t>The LQ state weight matrix Q = I</a:t>
+            </a:r>
+          </a:p>
+          <a:p>
+            <a:r>
+              <a:rPr lang="en-US" dirty="0" smtClean="0"/>
+              <a:t>The trace is a suitable choice in many cases. Geometrically, it is related to the size of the covariance ellipse, while ignoring directional information</a:t>
             </a:r>
           </a:p>
           <a:p>
             <a:endParaRPr lang="en-US" dirty="0" smtClean="0"/>
-          </a:p>
-          <a:p>
-            <a:endParaRPr lang="en-US" dirty="0"/>
           </a:p>
         </p:txBody>
       </p:sp>
     </p:spTree>
     <p:extLst>
       <p:ext uri="{BB962C8B-B14F-4D97-AF65-F5344CB8AC3E}">
-        <p14:creationId xmlns:p14="http://schemas.microsoft.com/office/powerpoint/2010/main" val="2368961217"/>
+        <p14:creationId xmlns:p14="http://schemas.microsoft.com/office/powerpoint/2010/main" val="3096368325"/>
       </p:ext>
     </p:extLst>
   </p:cSld>
   <p:clrMapOvr>
     <a:masterClrMapping/>
   </p:clrMapOvr>
-  <p:timing>
-    <p:tnLst>
-      <p:par>
-        <p:cTn id="1" dur="indefinite" restart="never" nodeType="tmRoot"/>
-      </p:par>
-    </p:tnLst>
-  </p:timing>
 </p:sld>
 </file>
 
@@ -4709,7 +4735,7 @@
           <a:p>
             <a:r>
               <a:rPr lang="en-US" dirty="0" smtClean="0"/>
-              <a:t>Entry Trajectory Updating</a:t>
+              <a:t>Trace Norm</a:t>
             </a:r>
             <a:endParaRPr lang="en-US" dirty="0"/>
           </a:p>
@@ -4725,61 +4751,37 @@
             <p:ph idx="1"/>
           </p:nvPr>
         </p:nvSpPr>
-        <p:spPr>
-          <a:xfrm>
-            <a:off x="628650" y="1792119"/>
-            <a:ext cx="8361346" cy="5561582"/>
-          </a:xfrm>
-        </p:spPr>
-        <p:txBody>
-          <a:bodyPr/>
-          <a:lstStyle/>
-          <a:p>
-            <a:r>
-              <a:rPr lang="en-US" dirty="0" smtClean="0"/>
-              <a:t>The vehicle enters the atmosphere with a trajectory designed that will deliver it to the target under nominal conditions </a:t>
-            </a:r>
-          </a:p>
-          <a:p>
-            <a:r>
-              <a:rPr lang="en-US" dirty="0"/>
-              <a:t>Under off-nominal conditions, the vehicle will deviate from the trajectory that was planned, </a:t>
-            </a:r>
-            <a:r>
-              <a:rPr lang="en-US" dirty="0" smtClean="0"/>
-              <a:t>sometimes even </a:t>
-            </a:r>
-            <a:r>
-              <a:rPr lang="en-US" dirty="0"/>
-              <a:t>with the aid of </a:t>
-            </a:r>
-            <a:r>
-              <a:rPr lang="en-US" dirty="0" smtClean="0"/>
-              <a:t>closed-loop guidance </a:t>
-            </a:r>
-          </a:p>
-          <a:p>
-            <a:pPr lvl="1"/>
-            <a:r>
-              <a:rPr lang="en-US" dirty="0" smtClean="0"/>
-              <a:t>Vehicle may arrive at the target under poor conditions (e.g. outside of parachute deployment conditions) or may violate important path constraints </a:t>
-            </a:r>
-          </a:p>
-          <a:p>
-            <a:r>
-              <a:rPr lang="en-US" dirty="0" smtClean="0"/>
-              <a:t>Goal: use current estimated vehicle state and redesign a path to the target while satisfying constraints (e.g. parachute deploy conditions, path constraints)</a:t>
-            </a:r>
-          </a:p>
-          <a:p>
-            <a:endParaRPr lang="en-US" dirty="0" smtClean="0"/>
+        <p:spPr/>
+        <p:txBody>
+          <a:bodyPr/>
+          <a:lstStyle/>
+          <a:p>
+            <a:r>
+              <a:rPr lang="en-US" dirty="0" smtClean="0"/>
+              <a:t>From the broader class of </a:t>
+            </a:r>
+            <a:r>
+              <a:rPr lang="en-US" dirty="0" err="1" smtClean="0"/>
+              <a:t>Schatten</a:t>
+            </a:r>
+            <a:r>
+              <a:rPr lang="en-US" dirty="0" smtClean="0"/>
+              <a:t> p-norms with p=1</a:t>
+            </a:r>
+          </a:p>
+          <a:p>
+            <a:r>
+              <a:rPr lang="en-US" dirty="0" smtClean="0"/>
+              <a:t>Also called the nuclear norm, equal to the sum of the singular values (= eigenvalues because covariance is positive semi-definite)</a:t>
+            </a:r>
+            <a:endParaRPr lang="en-US" dirty="0"/>
           </a:p>
         </p:txBody>
       </p:sp>
     </p:spTree>
     <p:extLst>
       <p:ext uri="{BB962C8B-B14F-4D97-AF65-F5344CB8AC3E}">
-        <p14:creationId xmlns:p14="http://schemas.microsoft.com/office/powerpoint/2010/main" val="1411460258"/>
+        <p14:creationId xmlns:p14="http://schemas.microsoft.com/office/powerpoint/2010/main" val="3713997120"/>
       </p:ext>
     </p:extLst>
   </p:cSld>
@@ -4816,19 +4818,14 @@
             <p:ph type="title"/>
           </p:nvPr>
         </p:nvSpPr>
-        <p:spPr>
-          <a:xfrm>
-            <a:off x="628650" y="1079157"/>
-            <a:ext cx="7886700" cy="853160"/>
-          </a:xfrm>
-        </p:spPr>
-        <p:txBody>
-          <a:bodyPr/>
-          <a:lstStyle/>
-          <a:p>
-            <a:r>
-              <a:rPr lang="en-US" dirty="0" smtClean="0"/>
-              <a:t>Proposed Approach</a:t>
+        <p:spPr/>
+        <p:txBody>
+          <a:bodyPr/>
+          <a:lstStyle/>
+          <a:p>
+            <a:r>
+              <a:rPr lang="en-US" dirty="0" smtClean="0"/>
+              <a:t>Variance Minimization</a:t>
             </a:r>
             <a:endParaRPr lang="en-US" dirty="0"/>
           </a:p>
@@ -4846,113 +4843,74 @@
         </p:nvSpPr>
         <p:spPr>
           <a:xfrm>
-            <a:off x="628650" y="1916153"/>
-            <a:ext cx="7886700" cy="4792655"/>
-          </a:xfrm>
-        </p:spPr>
-        <p:txBody>
-          <a:bodyPr/>
-          <a:lstStyle/>
-          <a:p>
-            <a:r>
-              <a:rPr lang="en-US" sz="2400" dirty="0" smtClean="0"/>
-              <a:t>Trajectory update is posed an optimal control problem</a:t>
+            <a:off x="628650" y="1825624"/>
+            <a:ext cx="7886700" cy="4909283"/>
+          </a:xfrm>
+        </p:spPr>
+        <p:txBody>
+          <a:bodyPr/>
+          <a:lstStyle/>
+          <a:p>
+            <a:r>
+              <a:rPr lang="en-US" dirty="0"/>
+              <a:t>Next consider the same scenario with bounded control inputs</a:t>
             </a:r>
           </a:p>
           <a:p>
             <a:pPr lvl="1"/>
             <a:r>
-              <a:rPr lang="en-US" sz="2000" dirty="0" smtClean="0"/>
-              <a:t>Objective is to minimize distance to original trajectory while satisfying constraints </a:t>
-            </a:r>
-          </a:p>
-          <a:p>
-            <a:r>
-              <a:rPr lang="en-US" sz="2400" dirty="0" smtClean="0"/>
-              <a:t>Use energy as independent variable </a:t>
-            </a:r>
-          </a:p>
-          <a:p>
-            <a:r>
-              <a:rPr lang="en-US" sz="2400" dirty="0" err="1" smtClean="0"/>
-              <a:t>Convexify</a:t>
-            </a:r>
-            <a:r>
-              <a:rPr lang="en-US" sz="2400" dirty="0" smtClean="0"/>
-              <a:t> </a:t>
+              <a:rPr lang="en-US" dirty="0"/>
+              <a:t>The optimal control law is bang-bang in nature</a:t>
             </a:r>
           </a:p>
           <a:p>
             <a:pPr lvl="1"/>
             <a:r>
-              <a:rPr lang="en-US" sz="2000" dirty="0" smtClean="0"/>
-              <a:t>Treat bank angle as additional state, use bank rate as the control variable</a:t>
-            </a:r>
-          </a:p>
-          <a:p>
-            <a:pPr lvl="1"/>
-            <a:r>
-              <a:rPr lang="en-US" sz="2000" dirty="0" smtClean="0"/>
-              <a:t>Linearize the equations of motion </a:t>
-            </a:r>
-          </a:p>
-          <a:p>
-            <a:pPr lvl="1"/>
-            <a:r>
-              <a:rPr lang="en-US" sz="2000" dirty="0" smtClean="0"/>
-              <a:t>Unlike powered descent case, </a:t>
-            </a:r>
-            <a:r>
-              <a:rPr lang="en-US" sz="2000" dirty="0" err="1" smtClean="0"/>
-              <a:t>convexification</a:t>
-            </a:r>
-            <a:r>
-              <a:rPr lang="en-US" sz="2000" dirty="0" smtClean="0"/>
-              <a:t> is not lossless </a:t>
-            </a:r>
-          </a:p>
-          <a:p>
-            <a:r>
-              <a:rPr lang="en-US" sz="2400" dirty="0" smtClean="0"/>
-              <a:t>Discretize (or transcribe) into second-order cone program</a:t>
-            </a:r>
-          </a:p>
-          <a:p>
-            <a:pPr lvl="1"/>
-            <a:r>
-              <a:rPr lang="en-US" sz="2000" dirty="0" err="1" smtClean="0"/>
-              <a:t>Chebyshev</a:t>
-            </a:r>
-            <a:r>
-              <a:rPr lang="en-US" sz="2000" dirty="0" smtClean="0"/>
-              <a:t> </a:t>
-            </a:r>
-            <a:r>
-              <a:rPr lang="en-US" sz="2000" dirty="0" err="1"/>
-              <a:t>p</a:t>
-            </a:r>
-            <a:r>
-              <a:rPr lang="en-US" sz="2000" dirty="0" err="1" smtClean="0"/>
-              <a:t>seudospectral</a:t>
-            </a:r>
-            <a:r>
-              <a:rPr lang="en-US" sz="2000" dirty="0" smtClean="0"/>
-              <a:t> method </a:t>
-            </a:r>
-          </a:p>
-          <a:p>
-            <a:r>
-              <a:rPr lang="en-US" sz="2400" dirty="0" smtClean="0"/>
-              <a:t>Solve the resulting SOCP using efficient interior-point solver</a:t>
-            </a:r>
-            <a:endParaRPr lang="en-US" sz="2400" dirty="0"/>
+              <a:rPr lang="en-US" dirty="0"/>
+              <a:t>Can no longer decouple mean and covariance problems </a:t>
+            </a:r>
+            <a:endParaRPr lang="en-US" dirty="0" smtClean="0"/>
+          </a:p>
+          <a:p>
+            <a:r>
+              <a:rPr lang="en-US" dirty="0" smtClean="0"/>
+              <a:t>In zero mean case, optimal control in linear feedback is achieved as K -&gt; </a:t>
+            </a:r>
+            <a:r>
+              <a:rPr lang="en-US" dirty="0" err="1" smtClean="0"/>
+              <a:t>inf</a:t>
+            </a:r>
+            <a:r>
+              <a:rPr lang="en-US" dirty="0" smtClean="0"/>
+              <a:t>, resulting in bang-bang control = </a:t>
+            </a:r>
+            <a:r>
+              <a:rPr lang="en-US" dirty="0" err="1" smtClean="0"/>
+              <a:t>Umax</a:t>
+            </a:r>
+            <a:r>
+              <a:rPr lang="en-US" dirty="0" smtClean="0"/>
+              <a:t>*sign(x)</a:t>
+            </a:r>
+            <a:endParaRPr lang="en-US" dirty="0"/>
+          </a:p>
+          <a:p>
+            <a:r>
+              <a:rPr lang="en-US" dirty="0" smtClean="0"/>
+              <a:t>Even for linear problems, we turn to an optimization approach: find the optimal mean trajectory such that covariance is minimized under </a:t>
+            </a:r>
+            <a:r>
+              <a:rPr lang="en-US" smtClean="0"/>
+              <a:t>discontinuous feedback</a:t>
+            </a:r>
+            <a:endParaRPr lang="en-US" dirty="0"/>
           </a:p>
         </p:txBody>
       </p:sp>
     </p:spTree>
     <p:extLst>
       <p:ext uri="{BB962C8B-B14F-4D97-AF65-F5344CB8AC3E}">
-        <p14:creationId xmlns:p14="http://schemas.microsoft.com/office/powerpoint/2010/main" val="3047953510"/>
+        <p14:creationId xmlns:p14="http://schemas.microsoft.com/office/powerpoint/2010/main" val="1023245691"/>
       </p:ext>
     </p:extLst>
   </p:cSld>
@@ -4996,3156 +4954,6 @@
           <a:p>
             <a:r>
               <a:rPr lang="en-US" dirty="0" smtClean="0"/>
-              <a:t>Convex Optimization </a:t>
-            </a:r>
-            <a:endParaRPr lang="en-US" dirty="0"/>
-          </a:p>
-        </p:txBody>
-      </p:sp>
-      <p:sp>
-        <p:nvSpPr>
-          <p:cNvPr id="3" name="Content Placeholder 2"/>
-          <p:cNvSpPr>
-            <a:spLocks noGrp="1"/>
-          </p:cNvSpPr>
-          <p:nvPr>
-            <p:ph idx="1"/>
-          </p:nvPr>
-        </p:nvSpPr>
-        <p:spPr/>
-        <p:txBody>
-          <a:bodyPr/>
-          <a:lstStyle/>
-          <a:p>
-            <a:r>
-              <a:rPr lang="en-US" sz="2400" dirty="0" smtClean="0"/>
-              <a:t>(Iterative) Convex optimization approaches to non-convex optimal control problems have exploded in interest due to efficient, polynomial time solvers and guaranteed global solution when the problem is feasible</a:t>
-            </a:r>
-          </a:p>
-          <a:p>
-            <a:r>
-              <a:rPr lang="en-US" sz="2400" dirty="0" smtClean="0"/>
-              <a:t>A variety of aerospace problems have been solved including ascent trajectory design, powered descent trajectory design, interplanetary transfers, and entry</a:t>
-            </a:r>
-          </a:p>
-          <a:p>
-            <a:r>
-              <a:rPr lang="en-US" sz="2400" dirty="0" smtClean="0"/>
-              <a:t>While these convex optimization guarantees solution of feasible sub-problems, not all methods have guaranteed convergence, and those that do typically require an </a:t>
-            </a:r>
-            <a:r>
-              <a:rPr lang="en-US" sz="2400" dirty="0"/>
-              <a:t>unknown number of </a:t>
-            </a:r>
-            <a:r>
-              <a:rPr lang="en-US" sz="2400" dirty="0" smtClean="0"/>
-              <a:t>iterations</a:t>
-            </a:r>
-          </a:p>
-          <a:p>
-            <a:pPr lvl="1"/>
-            <a:r>
-              <a:rPr lang="en-US" sz="2000" dirty="0" smtClean="0"/>
-              <a:t>The proposed approach does not involve multiple iterations</a:t>
-            </a:r>
-            <a:endParaRPr lang="en-US" sz="2000" dirty="0"/>
-          </a:p>
-          <a:p>
-            <a:endParaRPr lang="en-US" dirty="0"/>
-          </a:p>
-        </p:txBody>
-      </p:sp>
-    </p:spTree>
-    <p:extLst>
-      <p:ext uri="{BB962C8B-B14F-4D97-AF65-F5344CB8AC3E}">
-        <p14:creationId xmlns:p14="http://schemas.microsoft.com/office/powerpoint/2010/main" val="3747838991"/>
-      </p:ext>
-    </p:extLst>
-  </p:cSld>
-  <p:clrMapOvr>
-    <a:masterClrMapping/>
-  </p:clrMapOvr>
-</p:sld>
-</file>
-
-<file path=ppt/slides/slide14.xml><?xml version="1.0" encoding="utf-8"?>
-<p:sld xmlns:a="http://schemas.openxmlformats.org/drawingml/2006/main" xmlns:r="http://schemas.openxmlformats.org/officeDocument/2006/relationships" xmlns:p="http://schemas.openxmlformats.org/presentationml/2006/main">
-  <p:cSld>
-    <p:spTree>
-      <p:nvGrpSpPr>
-        <p:cNvPr id="1" name=""/>
-        <p:cNvGrpSpPr/>
-        <p:nvPr/>
-      </p:nvGrpSpPr>
-      <p:grpSpPr>
-        <a:xfrm>
-          <a:off x="0" y="0"/>
-          <a:ext cx="0" cy="0"/>
-          <a:chOff x="0" y="0"/>
-          <a:chExt cx="0" cy="0"/>
-        </a:xfrm>
-      </p:grpSpPr>
-      <p:pic>
-        <p:nvPicPr>
-          <p:cNvPr id="15" name="Picture 14"/>
-          <p:cNvPicPr>
-            <a:picLocks noChangeAspect="1"/>
-          </p:cNvPicPr>
-          <p:nvPr/>
-        </p:nvPicPr>
-        <p:blipFill>
-          <a:blip r:embed="rId3">
-            <a:extLst>
-              <a:ext uri="{28A0092B-C50C-407E-A947-70E740481C1C}">
-                <a14:useLocalDpi xmlns:a14="http://schemas.microsoft.com/office/drawing/2010/main" val="0"/>
-              </a:ext>
-            </a:extLst>
-          </a:blip>
-          <a:stretch>
-            <a:fillRect/>
-          </a:stretch>
-        </p:blipFill>
-        <p:spPr>
-          <a:xfrm>
-            <a:off x="199123" y="3081561"/>
-            <a:ext cx="5897785" cy="3593228"/>
-          </a:xfrm>
-          <a:prstGeom prst="rect">
-            <a:avLst/>
-          </a:prstGeom>
-        </p:spPr>
-      </p:pic>
-      <p:sp>
-        <p:nvSpPr>
-          <p:cNvPr id="2" name="Title 1"/>
-          <p:cNvSpPr>
-            <a:spLocks noGrp="1"/>
-          </p:cNvSpPr>
-          <p:nvPr>
-            <p:ph type="title"/>
-          </p:nvPr>
-        </p:nvSpPr>
-        <p:spPr>
-          <a:xfrm>
-            <a:off x="628650" y="1003841"/>
-            <a:ext cx="7886700" cy="611532"/>
-          </a:xfrm>
-        </p:spPr>
-        <p:txBody>
-          <a:bodyPr/>
-          <a:lstStyle/>
-          <a:p>
-            <a:r>
-              <a:rPr lang="en-US" dirty="0" smtClean="0"/>
-              <a:t>Single Trajectory Demonstration</a:t>
-            </a:r>
-            <a:endParaRPr lang="en-US" dirty="0"/>
-          </a:p>
-        </p:txBody>
-      </p:sp>
-      <p:sp>
-        <p:nvSpPr>
-          <p:cNvPr id="3" name="Content Placeholder 2"/>
-          <p:cNvSpPr>
-            <a:spLocks noGrp="1"/>
-          </p:cNvSpPr>
-          <p:nvPr>
-            <p:ph idx="1"/>
-          </p:nvPr>
-        </p:nvSpPr>
-        <p:spPr>
-          <a:xfrm>
-            <a:off x="628650" y="1825625"/>
-            <a:ext cx="7886700" cy="1514341"/>
-          </a:xfrm>
-        </p:spPr>
-        <p:txBody>
-          <a:bodyPr/>
-          <a:lstStyle/>
-          <a:p>
-            <a:r>
-              <a:rPr lang="en-US" sz="2400" dirty="0" smtClean="0"/>
-              <a:t>Updates occur at 30s interval, and ceases below 1000 m/s </a:t>
-            </a:r>
-          </a:p>
-          <a:p>
-            <a:r>
-              <a:rPr lang="en-US" sz="2400" dirty="0" smtClean="0"/>
-              <a:t>4% less drag, 4% more lift, and perturbations to atmospheric density are applied</a:t>
-            </a:r>
-            <a:endParaRPr lang="en-US" sz="2400" dirty="0"/>
-          </a:p>
-        </p:txBody>
-      </p:sp>
-      <p:sp>
-        <p:nvSpPr>
-          <p:cNvPr id="6" name="Oval 5"/>
-          <p:cNvSpPr/>
-          <p:nvPr/>
-        </p:nvSpPr>
-        <p:spPr>
-          <a:xfrm>
-            <a:off x="5541651" y="3591729"/>
-            <a:ext cx="336884" cy="333875"/>
-          </a:xfrm>
-          <a:prstGeom prst="ellipse">
-            <a:avLst/>
-          </a:prstGeom>
-          <a:noFill/>
-          <a:ln w="28575">
-            <a:solidFill>
-              <a:schemeClr val="tx1"/>
-            </a:solidFill>
-          </a:ln>
-        </p:spPr>
-        <p:style>
-          <a:lnRef idx="2">
-            <a:schemeClr val="accent1">
-              <a:shade val="50000"/>
-            </a:schemeClr>
-          </a:lnRef>
-          <a:fillRef idx="1">
-            <a:schemeClr val="accent1"/>
-          </a:fillRef>
-          <a:effectRef idx="0">
-            <a:schemeClr val="accent1"/>
-          </a:effectRef>
-          <a:fontRef idx="minor">
-            <a:schemeClr val="lt1"/>
-          </a:fontRef>
-        </p:style>
-        <p:txBody>
-          <a:bodyPr rtlCol="0" anchor="ctr"/>
-          <a:lstStyle/>
-          <a:p>
-            <a:pPr algn="ctr"/>
-            <a:endParaRPr lang="en-US"/>
-          </a:p>
-        </p:txBody>
-      </p:sp>
-      <p:sp>
-        <p:nvSpPr>
-          <p:cNvPr id="7" name="TextBox 6"/>
-          <p:cNvSpPr txBox="1"/>
-          <p:nvPr/>
-        </p:nvSpPr>
-        <p:spPr>
-          <a:xfrm>
-            <a:off x="6629306" y="2966817"/>
-            <a:ext cx="2418442" cy="2585323"/>
-          </a:xfrm>
-          <a:prstGeom prst="rect">
-            <a:avLst/>
-          </a:prstGeom>
-          <a:noFill/>
-        </p:spPr>
-        <p:txBody>
-          <a:bodyPr wrap="square" rtlCol="0">
-            <a:spAutoFit/>
-          </a:bodyPr>
-          <a:lstStyle/>
-          <a:p>
-            <a:r>
-              <a:rPr lang="en-US" dirty="0" smtClean="0"/>
-              <a:t>Mismatch between state predicted by update 2 (green) and actual state due to parametric uncertainty and off-nominal atmospheric conditions is corrected by the following updates</a:t>
-            </a:r>
-            <a:endParaRPr lang="en-US" dirty="0"/>
-          </a:p>
-        </p:txBody>
-      </p:sp>
-      <p:cxnSp>
-        <p:nvCxnSpPr>
-          <p:cNvPr id="11" name="Straight Arrow Connector 10"/>
-          <p:cNvCxnSpPr/>
-          <p:nvPr/>
-        </p:nvCxnSpPr>
-        <p:spPr>
-          <a:xfrm flipH="1">
-            <a:off x="5958038" y="3760470"/>
-            <a:ext cx="596766" cy="0"/>
-          </a:xfrm>
-          <a:prstGeom prst="straightConnector1">
-            <a:avLst/>
-          </a:prstGeom>
-          <a:ln w="22225">
-            <a:solidFill>
-              <a:schemeClr val="tx1"/>
-            </a:solidFill>
-            <a:tailEnd type="triangle"/>
-          </a:ln>
-        </p:spPr>
-        <p:style>
-          <a:lnRef idx="1">
-            <a:schemeClr val="accent1"/>
-          </a:lnRef>
-          <a:fillRef idx="0">
-            <a:schemeClr val="accent1"/>
-          </a:fillRef>
-          <a:effectRef idx="0">
-            <a:schemeClr val="accent1"/>
-          </a:effectRef>
-          <a:fontRef idx="minor">
-            <a:schemeClr val="tx1"/>
-          </a:fontRef>
-        </p:style>
-      </p:cxnSp>
-    </p:spTree>
-    <p:extLst>
-      <p:ext uri="{BB962C8B-B14F-4D97-AF65-F5344CB8AC3E}">
-        <p14:creationId xmlns:p14="http://schemas.microsoft.com/office/powerpoint/2010/main" val="2507780609"/>
-      </p:ext>
-    </p:extLst>
-  </p:cSld>
-  <p:clrMapOvr>
-    <a:masterClrMapping/>
-  </p:clrMapOvr>
-</p:sld>
-</file>
-
-<file path=ppt/slides/slide15.xml><?xml version="1.0" encoding="utf-8"?>
-<p:sld xmlns:a="http://schemas.openxmlformats.org/drawingml/2006/main" xmlns:r="http://schemas.openxmlformats.org/officeDocument/2006/relationships" xmlns:p="http://schemas.openxmlformats.org/presentationml/2006/main">
-  <p:cSld>
-    <p:spTree>
-      <p:nvGrpSpPr>
-        <p:cNvPr id="1" name=""/>
-        <p:cNvGrpSpPr/>
-        <p:nvPr/>
-      </p:nvGrpSpPr>
-      <p:grpSpPr>
-        <a:xfrm>
-          <a:off x="0" y="0"/>
-          <a:ext cx="0" cy="0"/>
-          <a:chOff x="0" y="0"/>
-          <a:chExt cx="0" cy="0"/>
-        </a:xfrm>
-      </p:grpSpPr>
-      <p:sp>
-        <p:nvSpPr>
-          <p:cNvPr id="2" name="Title 1"/>
-          <p:cNvSpPr>
-            <a:spLocks noGrp="1"/>
-          </p:cNvSpPr>
-          <p:nvPr>
-            <p:ph type="title"/>
-          </p:nvPr>
-        </p:nvSpPr>
-        <p:spPr>
-          <a:xfrm>
-            <a:off x="628650" y="1061034"/>
-            <a:ext cx="7886700" cy="611532"/>
-          </a:xfrm>
-        </p:spPr>
-        <p:txBody>
-          <a:bodyPr/>
-          <a:lstStyle/>
-          <a:p>
-            <a:r>
-              <a:rPr lang="en-US" dirty="0" smtClean="0"/>
-              <a:t>Single Trajectory (Cont.)</a:t>
-            </a:r>
-            <a:endParaRPr lang="en-US" dirty="0"/>
-          </a:p>
-        </p:txBody>
-      </p:sp>
-      <p:sp>
-        <p:nvSpPr>
-          <p:cNvPr id="3" name="Content Placeholder 2"/>
-          <p:cNvSpPr>
-            <a:spLocks noGrp="1"/>
-          </p:cNvSpPr>
-          <p:nvPr>
-            <p:ph idx="1"/>
-          </p:nvPr>
-        </p:nvSpPr>
-        <p:spPr>
-          <a:xfrm>
-            <a:off x="314325" y="1957386"/>
-            <a:ext cx="8515350" cy="1418089"/>
-          </a:xfrm>
-        </p:spPr>
-        <p:txBody>
-          <a:bodyPr/>
-          <a:lstStyle/>
-          <a:p>
-            <a:r>
-              <a:rPr lang="en-US" sz="2400" dirty="0" smtClean="0"/>
-              <a:t>The initial trajectory was optimized for high altitude</a:t>
-            </a:r>
-          </a:p>
-          <a:p>
-            <a:r>
-              <a:rPr lang="en-US" sz="2400" dirty="0" smtClean="0"/>
-              <a:t>The updates retain aspects of the original trajectory, e.g., altitude performance remains excellent </a:t>
-            </a:r>
-            <a:endParaRPr lang="en-US" sz="2400" dirty="0"/>
-          </a:p>
-        </p:txBody>
-      </p:sp>
-      <p:pic>
-        <p:nvPicPr>
-          <p:cNvPr id="4" name="Picture 3"/>
-          <p:cNvPicPr>
-            <a:picLocks noChangeAspect="1"/>
-          </p:cNvPicPr>
-          <p:nvPr/>
-        </p:nvPicPr>
-        <p:blipFill>
-          <a:blip r:embed="rId3">
-            <a:extLst>
-              <a:ext uri="{28A0092B-C50C-407E-A947-70E740481C1C}">
-                <a14:useLocalDpi xmlns:a14="http://schemas.microsoft.com/office/drawing/2010/main" val="0"/>
-              </a:ext>
-            </a:extLst>
-          </a:blip>
-          <a:stretch>
-            <a:fillRect/>
-          </a:stretch>
-        </p:blipFill>
-        <p:spPr>
-          <a:xfrm>
-            <a:off x="3801980" y="3484527"/>
-            <a:ext cx="5216892" cy="3202776"/>
-          </a:xfrm>
-          <a:prstGeom prst="rect">
-            <a:avLst/>
-          </a:prstGeom>
-        </p:spPr>
-      </p:pic>
-      <p:sp>
-        <p:nvSpPr>
-          <p:cNvPr id="5" name="TextBox 4"/>
-          <p:cNvSpPr txBox="1"/>
-          <p:nvPr/>
-        </p:nvSpPr>
-        <p:spPr>
-          <a:xfrm>
-            <a:off x="4456500" y="5303519"/>
-            <a:ext cx="1212782" cy="738664"/>
-          </a:xfrm>
-          <a:prstGeom prst="rect">
-            <a:avLst/>
-          </a:prstGeom>
-          <a:noFill/>
-        </p:spPr>
-        <p:txBody>
-          <a:bodyPr wrap="square" rtlCol="0">
-            <a:spAutoFit/>
-          </a:bodyPr>
-          <a:lstStyle/>
-          <a:p>
-            <a:r>
-              <a:rPr lang="en-US" sz="1400" dirty="0" smtClean="0"/>
-              <a:t>Parachute deployment box</a:t>
-            </a:r>
-            <a:endParaRPr lang="en-US" sz="1400" dirty="0"/>
-          </a:p>
-        </p:txBody>
-      </p:sp>
-      <p:sp>
-        <p:nvSpPr>
-          <p:cNvPr id="6" name="TextBox 5"/>
-          <p:cNvSpPr txBox="1"/>
-          <p:nvPr/>
-        </p:nvSpPr>
-        <p:spPr>
-          <a:xfrm>
-            <a:off x="314325" y="3190877"/>
-            <a:ext cx="3583907" cy="1569660"/>
-          </a:xfrm>
-          <a:prstGeom prst="rect">
-            <a:avLst/>
-          </a:prstGeom>
-          <a:noFill/>
-        </p:spPr>
-        <p:txBody>
-          <a:bodyPr wrap="square" rtlCol="0">
-            <a:spAutoFit/>
-          </a:bodyPr>
-          <a:lstStyle/>
-          <a:p>
-            <a:pPr marL="285750" indent="-285750">
-              <a:buFont typeface="Arial" panose="020B0604020202020204" pitchFamily="34" charset="0"/>
-              <a:buChar char="•"/>
-            </a:pPr>
-            <a:r>
-              <a:rPr lang="en-US" sz="2400" dirty="0" smtClean="0"/>
-              <a:t>All trajectories end at the same energy level due to use of energy as independent variable </a:t>
-            </a:r>
-            <a:endParaRPr lang="en-US" sz="2400" dirty="0"/>
-          </a:p>
-        </p:txBody>
-      </p:sp>
-    </p:spTree>
-    <p:extLst>
-      <p:ext uri="{BB962C8B-B14F-4D97-AF65-F5344CB8AC3E}">
-        <p14:creationId xmlns:p14="http://schemas.microsoft.com/office/powerpoint/2010/main" val="860064350"/>
-      </p:ext>
-    </p:extLst>
-  </p:cSld>
-  <p:clrMapOvr>
-    <a:masterClrMapping/>
-  </p:clrMapOvr>
-</p:sld>
-</file>
-
-<file path=ppt/slides/slide16.xml><?xml version="1.0" encoding="utf-8"?>
-<p:sld xmlns:a="http://schemas.openxmlformats.org/drawingml/2006/main" xmlns:r="http://schemas.openxmlformats.org/officeDocument/2006/relationships" xmlns:p="http://schemas.openxmlformats.org/presentationml/2006/main">
-  <p:cSld>
-    <p:spTree>
-      <p:nvGrpSpPr>
-        <p:cNvPr id="1" name=""/>
-        <p:cNvGrpSpPr/>
-        <p:nvPr/>
-      </p:nvGrpSpPr>
-      <p:grpSpPr>
-        <a:xfrm>
-          <a:off x="0" y="0"/>
-          <a:ext cx="0" cy="0"/>
-          <a:chOff x="0" y="0"/>
-          <a:chExt cx="0" cy="0"/>
-        </a:xfrm>
-      </p:grpSpPr>
-      <p:sp>
-        <p:nvSpPr>
-          <p:cNvPr id="2" name="Title 1"/>
-          <p:cNvSpPr>
-            <a:spLocks noGrp="1"/>
-          </p:cNvSpPr>
-          <p:nvPr>
-            <p:ph type="title"/>
-          </p:nvPr>
-        </p:nvSpPr>
-        <p:spPr/>
-        <p:txBody>
-          <a:bodyPr/>
-          <a:lstStyle/>
-          <a:p>
-            <a:r>
-              <a:rPr lang="en-US" dirty="0" smtClean="0"/>
-              <a:t>Monte Carlo Simulation</a:t>
-            </a:r>
-            <a:endParaRPr lang="en-US" dirty="0"/>
-          </a:p>
-        </p:txBody>
-      </p:sp>
-      <p:sp>
-        <p:nvSpPr>
-          <p:cNvPr id="3" name="Content Placeholder 2"/>
-          <p:cNvSpPr>
-            <a:spLocks noGrp="1"/>
-          </p:cNvSpPr>
-          <p:nvPr>
-            <p:ph idx="1"/>
-          </p:nvPr>
-        </p:nvSpPr>
-        <p:spPr/>
-        <p:txBody>
-          <a:bodyPr/>
-          <a:lstStyle/>
-          <a:p>
-            <a:r>
-              <a:rPr lang="en-US" sz="2400" dirty="0" smtClean="0"/>
-              <a:t>Vehicle is nominally L/D = 0.24 with initial state subject to MSL-like dispersions</a:t>
-            </a:r>
-            <a:endParaRPr lang="en-US" sz="2400" dirty="0"/>
-          </a:p>
-          <a:p>
-            <a:r>
-              <a:rPr lang="en-US" sz="2400" dirty="0" err="1" smtClean="0"/>
-              <a:t>MarsGRAM</a:t>
-            </a:r>
-            <a:r>
-              <a:rPr lang="en-US" sz="2400" dirty="0" smtClean="0"/>
-              <a:t> is used for environment modeling</a:t>
-            </a:r>
-          </a:p>
-          <a:p>
-            <a:r>
-              <a:rPr lang="en-US" sz="2400" dirty="0" smtClean="0"/>
-              <a:t>Uncertainty is added to lift and drag coefficients</a:t>
-            </a:r>
-          </a:p>
-          <a:p>
-            <a:pPr lvl="1"/>
-            <a:r>
-              <a:rPr lang="en-US" sz="2000" dirty="0" smtClean="0"/>
-              <a:t>Gaussian with 3</a:t>
-            </a:r>
-            <a:r>
-              <a:rPr lang="el-GR" sz="2000" dirty="0" smtClean="0"/>
-              <a:t>σ</a:t>
-            </a:r>
-            <a:r>
-              <a:rPr lang="en-US" sz="2000" dirty="0" smtClean="0"/>
-              <a:t> = 10%</a:t>
-            </a:r>
-          </a:p>
-          <a:p>
-            <a:r>
-              <a:rPr lang="en-US" sz="2400" dirty="0" smtClean="0"/>
-              <a:t>Updates occurs at 10 second intervals and stops at 600 m/s </a:t>
-            </a:r>
-          </a:p>
-          <a:p>
-            <a:r>
-              <a:rPr lang="en-US" sz="2400" dirty="0" smtClean="0"/>
-              <a:t>Bank angle limited to ±90°, and bank rate limited to 20°/s</a:t>
-            </a:r>
-          </a:p>
-          <a:p>
-            <a:r>
-              <a:rPr lang="en-US" sz="2400" dirty="0" smtClean="0"/>
-              <a:t>200 samples chosen by </a:t>
-            </a:r>
-            <a:r>
-              <a:rPr lang="en-US" sz="2400" dirty="0" err="1" smtClean="0"/>
-              <a:t>Sobol</a:t>
-            </a:r>
-            <a:r>
-              <a:rPr lang="en-US" sz="2400" dirty="0" smtClean="0"/>
-              <a:t>’ sequence</a:t>
-            </a:r>
-          </a:p>
-          <a:p>
-            <a:r>
-              <a:rPr lang="en-US" sz="2400" dirty="0" smtClean="0"/>
-              <a:t>Trajectories terminate when they reach the correct downrange distance</a:t>
-            </a:r>
-          </a:p>
-          <a:p>
-            <a:pPr lvl="1"/>
-            <a:r>
-              <a:rPr lang="en-US" sz="2000" dirty="0" smtClean="0"/>
-              <a:t>Simple logic, but should expect variations in final altitude and velocity despite energy as independent variable  </a:t>
-            </a:r>
-          </a:p>
-        </p:txBody>
-      </p:sp>
-    </p:spTree>
-    <p:extLst>
-      <p:ext uri="{BB962C8B-B14F-4D97-AF65-F5344CB8AC3E}">
-        <p14:creationId xmlns:p14="http://schemas.microsoft.com/office/powerpoint/2010/main" val="3505934654"/>
-      </p:ext>
-    </p:extLst>
-  </p:cSld>
-  <p:clrMapOvr>
-    <a:masterClrMapping/>
-  </p:clrMapOvr>
-</p:sld>
-</file>
-
-<file path=ppt/slides/slide17.xml><?xml version="1.0" encoding="utf-8"?>
-<p:sld xmlns:a="http://schemas.openxmlformats.org/drawingml/2006/main" xmlns:r="http://schemas.openxmlformats.org/officeDocument/2006/relationships" xmlns:p="http://schemas.openxmlformats.org/presentationml/2006/main">
-  <p:cSld>
-    <p:spTree>
-      <p:nvGrpSpPr>
-        <p:cNvPr id="1" name=""/>
-        <p:cNvGrpSpPr/>
-        <p:nvPr/>
-      </p:nvGrpSpPr>
-      <p:grpSpPr>
-        <a:xfrm>
-          <a:off x="0" y="0"/>
-          <a:ext cx="0" cy="0"/>
-          <a:chOff x="0" y="0"/>
-          <a:chExt cx="0" cy="0"/>
-        </a:xfrm>
-      </p:grpSpPr>
-      <p:sp>
-        <p:nvSpPr>
-          <p:cNvPr id="2" name="Title 1"/>
-          <p:cNvSpPr>
-            <a:spLocks noGrp="1"/>
-          </p:cNvSpPr>
-          <p:nvPr>
-            <p:ph type="title"/>
-          </p:nvPr>
-        </p:nvSpPr>
-        <p:spPr/>
-        <p:txBody>
-          <a:bodyPr/>
-          <a:lstStyle/>
-          <a:p>
-            <a:r>
-              <a:rPr lang="en-US" dirty="0" smtClean="0"/>
-              <a:t>MCS Results - </a:t>
-            </a:r>
-            <a:r>
-              <a:rPr lang="en-US" dirty="0" err="1" smtClean="0"/>
-              <a:t>Groundtrack</a:t>
-            </a:r>
-            <a:endParaRPr lang="en-US" dirty="0"/>
-          </a:p>
-        </p:txBody>
-      </p:sp>
-      <p:sp>
-        <p:nvSpPr>
-          <p:cNvPr id="3" name="Content Placeholder 2"/>
-          <p:cNvSpPr>
-            <a:spLocks noGrp="1"/>
-          </p:cNvSpPr>
-          <p:nvPr>
-            <p:ph idx="1"/>
-          </p:nvPr>
-        </p:nvSpPr>
-        <p:spPr>
-          <a:xfrm>
-            <a:off x="628650" y="1777500"/>
-            <a:ext cx="7886700" cy="1398838"/>
-          </a:xfrm>
-        </p:spPr>
-        <p:txBody>
-          <a:bodyPr/>
-          <a:lstStyle/>
-          <a:p>
-            <a:r>
-              <a:rPr lang="en-US" sz="2400" dirty="0" smtClean="0"/>
-              <a:t>Excellent </a:t>
-            </a:r>
-            <a:r>
-              <a:rPr lang="en-US" sz="2400" dirty="0" err="1" smtClean="0"/>
-              <a:t>crossrange</a:t>
-            </a:r>
-            <a:r>
-              <a:rPr lang="en-US" sz="2400" dirty="0" smtClean="0"/>
-              <a:t> performance due to coupled update to longitudinal and lateral channels </a:t>
-            </a:r>
-          </a:p>
-          <a:p>
-            <a:r>
-              <a:rPr lang="en-US" sz="2400" dirty="0" smtClean="0"/>
-              <a:t>Interestingly, a small number of samples even have an additional reversal</a:t>
-            </a:r>
-            <a:endParaRPr lang="en-US" sz="2400" dirty="0"/>
-          </a:p>
-        </p:txBody>
-      </p:sp>
-      <p:pic>
-        <p:nvPicPr>
-          <p:cNvPr id="5" name="Picture 4"/>
-          <p:cNvPicPr>
-            <a:picLocks noChangeAspect="1"/>
-          </p:cNvPicPr>
-          <p:nvPr/>
-        </p:nvPicPr>
-        <p:blipFill>
-          <a:blip r:embed="rId3">
-            <a:extLst>
-              <a:ext uri="{28A0092B-C50C-407E-A947-70E740481C1C}">
-                <a14:useLocalDpi xmlns:a14="http://schemas.microsoft.com/office/drawing/2010/main" val="0"/>
-              </a:ext>
-            </a:extLst>
-          </a:blip>
-          <a:stretch>
-            <a:fillRect/>
-          </a:stretch>
-        </p:blipFill>
-        <p:spPr>
-          <a:xfrm>
-            <a:off x="1600247" y="3272588"/>
-            <a:ext cx="5750999" cy="3498601"/>
-          </a:xfrm>
-          <a:prstGeom prst="rect">
-            <a:avLst/>
-          </a:prstGeom>
-        </p:spPr>
-      </p:pic>
-    </p:spTree>
-    <p:extLst>
-      <p:ext uri="{BB962C8B-B14F-4D97-AF65-F5344CB8AC3E}">
-        <p14:creationId xmlns:p14="http://schemas.microsoft.com/office/powerpoint/2010/main" val="1826672569"/>
-      </p:ext>
-    </p:extLst>
-  </p:cSld>
-  <p:clrMapOvr>
-    <a:masterClrMapping/>
-  </p:clrMapOvr>
-</p:sld>
-</file>
-
-<file path=ppt/slides/slide18.xml><?xml version="1.0" encoding="utf-8"?>
-<p:sld xmlns:a="http://schemas.openxmlformats.org/drawingml/2006/main" xmlns:r="http://schemas.openxmlformats.org/officeDocument/2006/relationships" xmlns:p="http://schemas.openxmlformats.org/presentationml/2006/main">
-  <p:cSld>
-    <p:spTree>
-      <p:nvGrpSpPr>
-        <p:cNvPr id="1" name=""/>
-        <p:cNvGrpSpPr/>
-        <p:nvPr/>
-      </p:nvGrpSpPr>
-      <p:grpSpPr>
-        <a:xfrm>
-          <a:off x="0" y="0"/>
-          <a:ext cx="0" cy="0"/>
-          <a:chOff x="0" y="0"/>
-          <a:chExt cx="0" cy="0"/>
-        </a:xfrm>
-      </p:grpSpPr>
-      <p:sp>
-        <p:nvSpPr>
-          <p:cNvPr id="2" name="Title 1"/>
-          <p:cNvSpPr>
-            <a:spLocks noGrp="1"/>
-          </p:cNvSpPr>
-          <p:nvPr>
-            <p:ph type="title"/>
-          </p:nvPr>
-        </p:nvSpPr>
-        <p:spPr>
-          <a:xfrm>
-            <a:off x="628649" y="964938"/>
-            <a:ext cx="8370972" cy="611532"/>
-          </a:xfrm>
-        </p:spPr>
-        <p:txBody>
-          <a:bodyPr/>
-          <a:lstStyle/>
-          <a:p>
-            <a:r>
-              <a:rPr lang="en-US" dirty="0" smtClean="0"/>
-              <a:t>MCS Results – Altitude/Velocity</a:t>
-            </a:r>
-            <a:endParaRPr lang="en-US" dirty="0"/>
-          </a:p>
-        </p:txBody>
-      </p:sp>
-      <p:sp>
-        <p:nvSpPr>
-          <p:cNvPr id="3" name="Content Placeholder 2"/>
-          <p:cNvSpPr>
-            <a:spLocks noGrp="1"/>
-          </p:cNvSpPr>
-          <p:nvPr>
-            <p:ph idx="1"/>
-          </p:nvPr>
-        </p:nvSpPr>
-        <p:spPr>
-          <a:xfrm>
-            <a:off x="628649" y="1690690"/>
-            <a:ext cx="7886700" cy="1437522"/>
-          </a:xfrm>
-        </p:spPr>
-        <p:txBody>
-          <a:bodyPr/>
-          <a:lstStyle/>
-          <a:p>
-            <a:r>
-              <a:rPr lang="en-US" sz="2400" dirty="0" smtClean="0"/>
-              <a:t>Although some trajectories exit the parachute deployment conditions, all but three pass through the box</a:t>
-            </a:r>
-          </a:p>
-          <a:p>
-            <a:pPr lvl="1"/>
-            <a:r>
-              <a:rPr lang="en-US" sz="2000" dirty="0" smtClean="0"/>
-              <a:t>Solved by considering triggering logic that explicitly accounts for parachute conditions </a:t>
-            </a:r>
-          </a:p>
-          <a:p>
-            <a:pPr marL="0" indent="0">
-              <a:buNone/>
-            </a:pPr>
-            <a:endParaRPr lang="en-US" dirty="0"/>
-          </a:p>
-        </p:txBody>
-      </p:sp>
-      <p:pic>
-        <p:nvPicPr>
-          <p:cNvPr id="7" name="Picture 6"/>
-          <p:cNvPicPr>
-            <a:picLocks noChangeAspect="1"/>
-          </p:cNvPicPr>
-          <p:nvPr/>
-        </p:nvPicPr>
-        <p:blipFill>
-          <a:blip r:embed="rId2">
-            <a:extLst>
-              <a:ext uri="{28A0092B-C50C-407E-A947-70E740481C1C}">
-                <a14:useLocalDpi xmlns:a14="http://schemas.microsoft.com/office/drawing/2010/main" val="0"/>
-              </a:ext>
-            </a:extLst>
-          </a:blip>
-          <a:stretch>
-            <a:fillRect/>
-          </a:stretch>
-        </p:blipFill>
-        <p:spPr>
-          <a:xfrm>
-            <a:off x="6015308" y="3001647"/>
-            <a:ext cx="2984313" cy="1856906"/>
-          </a:xfrm>
-          <a:prstGeom prst="rect">
-            <a:avLst/>
-          </a:prstGeom>
-        </p:spPr>
-      </p:pic>
-      <p:pic>
-        <p:nvPicPr>
-          <p:cNvPr id="8" name="Picture 7"/>
-          <p:cNvPicPr>
-            <a:picLocks noChangeAspect="1"/>
-          </p:cNvPicPr>
-          <p:nvPr/>
-        </p:nvPicPr>
-        <p:blipFill>
-          <a:blip r:embed="rId3">
-            <a:extLst>
-              <a:ext uri="{28A0092B-C50C-407E-A947-70E740481C1C}">
-                <a14:useLocalDpi xmlns:a14="http://schemas.microsoft.com/office/drawing/2010/main" val="0"/>
-              </a:ext>
-            </a:extLst>
-          </a:blip>
-          <a:stretch>
-            <a:fillRect/>
-          </a:stretch>
-        </p:blipFill>
-        <p:spPr>
-          <a:xfrm>
-            <a:off x="6015308" y="4858553"/>
-            <a:ext cx="2984313" cy="1856905"/>
-          </a:xfrm>
-          <a:prstGeom prst="rect">
-            <a:avLst/>
-          </a:prstGeom>
-        </p:spPr>
-      </p:pic>
-      <p:pic>
-        <p:nvPicPr>
-          <p:cNvPr id="9" name="Picture 8"/>
-          <p:cNvPicPr>
-            <a:picLocks noChangeAspect="1"/>
-          </p:cNvPicPr>
-          <p:nvPr/>
-        </p:nvPicPr>
-        <p:blipFill>
-          <a:blip r:embed="rId4">
-            <a:extLst>
-              <a:ext uri="{28A0092B-C50C-407E-A947-70E740481C1C}">
-                <a14:useLocalDpi xmlns:a14="http://schemas.microsoft.com/office/drawing/2010/main" val="0"/>
-              </a:ext>
-            </a:extLst>
-          </a:blip>
-          <a:stretch>
-            <a:fillRect/>
-          </a:stretch>
-        </p:blipFill>
-        <p:spPr>
-          <a:xfrm>
-            <a:off x="198640" y="3128212"/>
-            <a:ext cx="5332396" cy="3273687"/>
-          </a:xfrm>
-          <a:prstGeom prst="rect">
-            <a:avLst/>
-          </a:prstGeom>
-        </p:spPr>
-      </p:pic>
-    </p:spTree>
-    <p:extLst>
-      <p:ext uri="{BB962C8B-B14F-4D97-AF65-F5344CB8AC3E}">
-        <p14:creationId xmlns:p14="http://schemas.microsoft.com/office/powerpoint/2010/main" val="303004292"/>
-      </p:ext>
-    </p:extLst>
-  </p:cSld>
-  <p:clrMapOvr>
-    <a:masterClrMapping/>
-  </p:clrMapOvr>
-</p:sld>
-</file>
-
-<file path=ppt/slides/slide19.xml><?xml version="1.0" encoding="utf-8"?>
-<p:sld xmlns:a="http://schemas.openxmlformats.org/drawingml/2006/main" xmlns:r="http://schemas.openxmlformats.org/officeDocument/2006/relationships" xmlns:p="http://schemas.openxmlformats.org/presentationml/2006/main">
-  <p:cSld>
-    <p:spTree>
-      <p:nvGrpSpPr>
-        <p:cNvPr id="1" name=""/>
-        <p:cNvGrpSpPr/>
-        <p:nvPr/>
-      </p:nvGrpSpPr>
-      <p:grpSpPr>
-        <a:xfrm>
-          <a:off x="0" y="0"/>
-          <a:ext cx="0" cy="0"/>
-          <a:chOff x="0" y="0"/>
-          <a:chExt cx="0" cy="0"/>
-        </a:xfrm>
-      </p:grpSpPr>
-      <p:sp>
-        <p:nvSpPr>
-          <p:cNvPr id="2" name="Title 1"/>
-          <p:cNvSpPr>
-            <a:spLocks noGrp="1"/>
-          </p:cNvSpPr>
-          <p:nvPr>
-            <p:ph type="title"/>
-          </p:nvPr>
-        </p:nvSpPr>
-        <p:spPr/>
-        <p:txBody>
-          <a:bodyPr/>
-          <a:lstStyle/>
-          <a:p>
-            <a:r>
-              <a:rPr lang="en-US" dirty="0" smtClean="0"/>
-              <a:t>MCS Results – Bank Profiles </a:t>
-            </a:r>
-            <a:endParaRPr lang="en-US" dirty="0"/>
-          </a:p>
-        </p:txBody>
-      </p:sp>
-      <p:sp>
-        <p:nvSpPr>
-          <p:cNvPr id="5" name="Content Placeholder 4"/>
-          <p:cNvSpPr>
-            <a:spLocks noGrp="1"/>
-          </p:cNvSpPr>
-          <p:nvPr>
-            <p:ph idx="1"/>
-          </p:nvPr>
-        </p:nvSpPr>
-        <p:spPr>
-          <a:xfrm>
-            <a:off x="628650" y="1825625"/>
-            <a:ext cx="8245843" cy="1244834"/>
-          </a:xfrm>
-        </p:spPr>
-        <p:txBody>
-          <a:bodyPr/>
-          <a:lstStyle/>
-          <a:p>
-            <a:r>
-              <a:rPr lang="en-US" dirty="0" smtClean="0"/>
-              <a:t>Largest difference is in the timing of bank reversals</a:t>
-            </a:r>
-          </a:p>
-          <a:p>
-            <a:pPr lvl="0"/>
-            <a:r>
-              <a:rPr lang="en-US" dirty="0">
-                <a:solidFill>
-                  <a:prstClr val="black"/>
-                </a:solidFill>
-              </a:rPr>
-              <a:t>Bank angle (and trajectory in general) deviates from the original trajectory most at the end</a:t>
-            </a:r>
-          </a:p>
-          <a:p>
-            <a:endParaRPr lang="en-US" dirty="0" smtClean="0"/>
-          </a:p>
-          <a:p>
-            <a:endParaRPr lang="en-US" dirty="0"/>
-          </a:p>
-        </p:txBody>
-      </p:sp>
-      <p:pic>
-        <p:nvPicPr>
-          <p:cNvPr id="6" name="Picture 5"/>
-          <p:cNvPicPr>
-            <a:picLocks noChangeAspect="1"/>
-          </p:cNvPicPr>
-          <p:nvPr/>
-        </p:nvPicPr>
-        <p:blipFill>
-          <a:blip r:embed="rId2">
-            <a:extLst>
-              <a:ext uri="{28A0092B-C50C-407E-A947-70E740481C1C}">
-                <a14:useLocalDpi xmlns:a14="http://schemas.microsoft.com/office/drawing/2010/main" val="0"/>
-              </a:ext>
-            </a:extLst>
-          </a:blip>
-          <a:stretch>
-            <a:fillRect/>
-          </a:stretch>
-        </p:blipFill>
-        <p:spPr>
-          <a:xfrm>
-            <a:off x="259880" y="3197993"/>
-            <a:ext cx="5813843" cy="3488306"/>
-          </a:xfrm>
-          <a:prstGeom prst="rect">
-            <a:avLst/>
-          </a:prstGeom>
-        </p:spPr>
-      </p:pic>
-      <p:sp>
-        <p:nvSpPr>
-          <p:cNvPr id="7" name="TextBox 6"/>
-          <p:cNvSpPr txBox="1"/>
-          <p:nvPr/>
-        </p:nvSpPr>
-        <p:spPr>
-          <a:xfrm>
-            <a:off x="5861784" y="3395901"/>
-            <a:ext cx="3205214" cy="2363724"/>
-          </a:xfrm>
-          <a:prstGeom prst="rect">
-            <a:avLst/>
-          </a:prstGeom>
-          <a:noFill/>
-        </p:spPr>
-        <p:txBody>
-          <a:bodyPr wrap="square" rtlCol="0">
-            <a:spAutoFit/>
-          </a:bodyPr>
-          <a:lstStyle/>
-          <a:p>
-            <a:pPr lvl="1">
-              <a:lnSpc>
-                <a:spcPct val="90000"/>
-              </a:lnSpc>
-              <a:spcBef>
-                <a:spcPts val="500"/>
-              </a:spcBef>
-            </a:pPr>
-            <a:r>
-              <a:rPr lang="en-US" sz="2400" dirty="0" smtClean="0">
-                <a:solidFill>
-                  <a:prstClr val="black"/>
-                </a:solidFill>
-              </a:rPr>
-              <a:t>This </a:t>
-            </a:r>
-            <a:r>
-              <a:rPr lang="en-US" sz="2400" dirty="0">
-                <a:solidFill>
-                  <a:prstClr val="black"/>
-                </a:solidFill>
-              </a:rPr>
-              <a:t>is expected because </a:t>
-            </a:r>
-            <a:r>
-              <a:rPr lang="en-US" sz="2400" dirty="0" smtClean="0">
-                <a:solidFill>
-                  <a:prstClr val="black"/>
-                </a:solidFill>
-              </a:rPr>
-              <a:t>the later portion of trajectory is updated the greatest number </a:t>
-            </a:r>
-            <a:r>
-              <a:rPr lang="en-US" sz="2400" dirty="0">
-                <a:solidFill>
-                  <a:prstClr val="black"/>
-                </a:solidFill>
-              </a:rPr>
-              <a:t>of times </a:t>
-            </a:r>
-          </a:p>
-          <a:p>
-            <a:endParaRPr lang="en-US" dirty="0"/>
-          </a:p>
-        </p:txBody>
-      </p:sp>
-    </p:spTree>
-    <p:extLst>
-      <p:ext uri="{BB962C8B-B14F-4D97-AF65-F5344CB8AC3E}">
-        <p14:creationId xmlns:p14="http://schemas.microsoft.com/office/powerpoint/2010/main" val="1145173546"/>
-      </p:ext>
-    </p:extLst>
-  </p:cSld>
-  <p:clrMapOvr>
-    <a:masterClrMapping/>
-  </p:clrMapOvr>
-</p:sld>
-</file>
-
-<file path=ppt/slides/slide2.xml><?xml version="1.0" encoding="utf-8"?>
-<p:sld xmlns:a="http://schemas.openxmlformats.org/drawingml/2006/main" xmlns:r="http://schemas.openxmlformats.org/officeDocument/2006/relationships" xmlns:p="http://schemas.openxmlformats.org/presentationml/2006/main">
-  <p:cSld>
-    <p:spTree>
-      <p:nvGrpSpPr>
-        <p:cNvPr id="1" name=""/>
-        <p:cNvGrpSpPr/>
-        <p:nvPr/>
-      </p:nvGrpSpPr>
-      <p:grpSpPr>
-        <a:xfrm>
-          <a:off x="0" y="0"/>
-          <a:ext cx="0" cy="0"/>
-          <a:chOff x="0" y="0"/>
-          <a:chExt cx="0" cy="0"/>
-        </a:xfrm>
-      </p:grpSpPr>
-      <p:sp>
-        <p:nvSpPr>
-          <p:cNvPr id="2" name="Title 1"/>
-          <p:cNvSpPr>
-            <a:spLocks noGrp="1"/>
-          </p:cNvSpPr>
-          <p:nvPr>
-            <p:ph type="title"/>
-          </p:nvPr>
-        </p:nvSpPr>
-        <p:spPr>
-          <a:xfrm>
-            <a:off x="628650" y="1079156"/>
-            <a:ext cx="7886700" cy="1248407"/>
-          </a:xfrm>
-        </p:spPr>
-        <p:txBody>
-          <a:bodyPr/>
-          <a:lstStyle/>
-          <a:p>
-            <a:r>
-              <a:rPr lang="en-US" dirty="0" smtClean="0"/>
-              <a:t>Switch Time Optimization for Rapid Trajectory Design</a:t>
-            </a:r>
-            <a:endParaRPr lang="en-US" dirty="0"/>
-          </a:p>
-        </p:txBody>
-      </p:sp>
-      <p:sp>
-        <p:nvSpPr>
-          <p:cNvPr id="3" name="Content Placeholder 2"/>
-          <p:cNvSpPr>
-            <a:spLocks noGrp="1"/>
-          </p:cNvSpPr>
-          <p:nvPr>
-            <p:ph idx="1"/>
-          </p:nvPr>
-        </p:nvSpPr>
-        <p:spPr>
-          <a:xfrm>
-            <a:off x="628650" y="2576944"/>
-            <a:ext cx="7886700" cy="4281055"/>
-          </a:xfrm>
-        </p:spPr>
-        <p:txBody>
-          <a:bodyPr/>
-          <a:lstStyle/>
-          <a:p>
-            <a:r>
-              <a:rPr lang="en-US" dirty="0" smtClean="0"/>
-              <a:t>Simple </a:t>
-            </a:r>
-            <a:r>
-              <a:rPr lang="en-US" dirty="0" err="1" smtClean="0"/>
-              <a:t>parametrization</a:t>
-            </a:r>
-            <a:r>
-              <a:rPr lang="en-US" dirty="0" smtClean="0"/>
-              <a:t> for robust, near-optimal altitude performance intended for parachute architectures </a:t>
-            </a:r>
-          </a:p>
-          <a:p>
-            <a:r>
-              <a:rPr lang="en-US" dirty="0" smtClean="0"/>
-              <a:t>Can show that this </a:t>
-            </a:r>
-            <a:r>
-              <a:rPr lang="en-US" dirty="0" err="1" smtClean="0"/>
-              <a:t>parametrization</a:t>
-            </a:r>
-            <a:r>
-              <a:rPr lang="en-US" dirty="0" smtClean="0"/>
-              <a:t> also allows for near-optimal minimum velocity performance, suitable for SRP applications</a:t>
-            </a:r>
-          </a:p>
-          <a:p>
-            <a:r>
-              <a:rPr lang="en-US" dirty="0" smtClean="0"/>
-              <a:t>If-then logic used is discontinuous; </a:t>
-            </a:r>
-            <a:r>
-              <a:rPr lang="en-US" dirty="0" err="1" smtClean="0"/>
-              <a:t>Nelder</a:t>
-            </a:r>
-            <a:r>
-              <a:rPr lang="en-US" dirty="0" smtClean="0"/>
-              <a:t>-Mead simplex method has been used for optimization</a:t>
-            </a:r>
-          </a:p>
-          <a:p>
-            <a:r>
-              <a:rPr lang="en-US" dirty="0" smtClean="0"/>
-              <a:t>Results from hybrid OC literature suggest a gradient based solution is possible and preferable </a:t>
-            </a:r>
-            <a:endParaRPr lang="en-US" dirty="0"/>
-          </a:p>
-        </p:txBody>
-      </p:sp>
-    </p:spTree>
-    <p:extLst>
-      <p:ext uri="{BB962C8B-B14F-4D97-AF65-F5344CB8AC3E}">
-        <p14:creationId xmlns:p14="http://schemas.microsoft.com/office/powerpoint/2010/main" val="949813023"/>
-      </p:ext>
-    </p:extLst>
-  </p:cSld>
-  <p:clrMapOvr>
-    <a:masterClrMapping/>
-  </p:clrMapOvr>
-</p:sld>
-</file>
-
-<file path=ppt/slides/slide20.xml><?xml version="1.0" encoding="utf-8"?>
-<p:sld xmlns:a="http://schemas.openxmlformats.org/drawingml/2006/main" xmlns:r="http://schemas.openxmlformats.org/officeDocument/2006/relationships" xmlns:p="http://schemas.openxmlformats.org/presentationml/2006/main">
-  <p:cSld>
-    <p:spTree>
-      <p:nvGrpSpPr>
-        <p:cNvPr id="1" name=""/>
-        <p:cNvGrpSpPr/>
-        <p:nvPr/>
-      </p:nvGrpSpPr>
-      <p:grpSpPr>
-        <a:xfrm>
-          <a:off x="0" y="0"/>
-          <a:ext cx="0" cy="0"/>
-          <a:chOff x="0" y="0"/>
-          <a:chExt cx="0" cy="0"/>
-        </a:xfrm>
-      </p:grpSpPr>
-      <p:sp>
-        <p:nvSpPr>
-          <p:cNvPr id="2" name="Title 1"/>
-          <p:cNvSpPr>
-            <a:spLocks noGrp="1"/>
-          </p:cNvSpPr>
-          <p:nvPr>
-            <p:ph type="title"/>
-          </p:nvPr>
-        </p:nvSpPr>
-        <p:spPr/>
-        <p:txBody>
-          <a:bodyPr/>
-          <a:lstStyle/>
-          <a:p>
-            <a:r>
-              <a:rPr lang="en-US" dirty="0" smtClean="0"/>
-              <a:t>Conclusion</a:t>
-            </a:r>
-            <a:endParaRPr lang="en-US" dirty="0"/>
-          </a:p>
-        </p:txBody>
-      </p:sp>
-      <p:sp>
-        <p:nvSpPr>
-          <p:cNvPr id="3" name="Content Placeholder 2"/>
-          <p:cNvSpPr>
-            <a:spLocks noGrp="1"/>
-          </p:cNvSpPr>
-          <p:nvPr>
-            <p:ph idx="1"/>
-          </p:nvPr>
-        </p:nvSpPr>
-        <p:spPr/>
-        <p:txBody>
-          <a:bodyPr/>
-          <a:lstStyle/>
-          <a:p>
-            <a:r>
-              <a:rPr lang="en-US" dirty="0" smtClean="0"/>
-              <a:t>Despite the use of linearization requiring small, local updates, a convex approach to onboard trajectory redesign shows promise </a:t>
-            </a:r>
-          </a:p>
-          <a:p>
-            <a:r>
-              <a:rPr lang="en-US" dirty="0" smtClean="0"/>
-              <a:t>Use of updating has a number of potential applications</a:t>
-            </a:r>
-          </a:p>
-          <a:p>
-            <a:r>
-              <a:rPr lang="en-US" dirty="0" smtClean="0"/>
-              <a:t>If the target point is not reachable, the solution returned by the optimizer may be outside the region of validity of the linearized trajectory, or the optimization may return infeasible </a:t>
-            </a:r>
-          </a:p>
-          <a:p>
-            <a:pPr lvl="1"/>
-            <a:r>
-              <a:rPr lang="en-US" dirty="0" smtClean="0"/>
-              <a:t>Safeguarding is required</a:t>
-            </a:r>
-          </a:p>
-          <a:p>
-            <a:pPr lvl="1"/>
-            <a:r>
-              <a:rPr lang="en-US" dirty="0" smtClean="0"/>
-              <a:t>Consider the endpoint constraint as a penalty term in the objective </a:t>
-            </a:r>
-            <a:endParaRPr lang="en-US" dirty="0"/>
-          </a:p>
-          <a:p>
-            <a:pPr marL="457200" lvl="1" indent="0">
-              <a:buNone/>
-            </a:pPr>
-            <a:endParaRPr lang="en-US" dirty="0" smtClean="0"/>
-          </a:p>
-        </p:txBody>
-      </p:sp>
-    </p:spTree>
-    <p:extLst>
-      <p:ext uri="{BB962C8B-B14F-4D97-AF65-F5344CB8AC3E}">
-        <p14:creationId xmlns:p14="http://schemas.microsoft.com/office/powerpoint/2010/main" val="2442241489"/>
-      </p:ext>
-    </p:extLst>
-  </p:cSld>
-  <p:clrMapOvr>
-    <a:masterClrMapping/>
-  </p:clrMapOvr>
-</p:sld>
-</file>
-
-<file path=ppt/slides/slide21.xml><?xml version="1.0" encoding="utf-8"?>
-<p:sld xmlns:a="http://schemas.openxmlformats.org/drawingml/2006/main" xmlns:r="http://schemas.openxmlformats.org/officeDocument/2006/relationships" xmlns:p="http://schemas.openxmlformats.org/presentationml/2006/main">
-  <p:cSld>
-    <p:spTree>
-      <p:nvGrpSpPr>
-        <p:cNvPr id="1" name=""/>
-        <p:cNvGrpSpPr/>
-        <p:nvPr/>
-      </p:nvGrpSpPr>
-      <p:grpSpPr>
-        <a:xfrm>
-          <a:off x="0" y="0"/>
-          <a:ext cx="0" cy="0"/>
-          <a:chOff x="0" y="0"/>
-          <a:chExt cx="0" cy="0"/>
-        </a:xfrm>
-      </p:grpSpPr>
-      <p:sp>
-        <p:nvSpPr>
-          <p:cNvPr id="2" name="Title 1"/>
-          <p:cNvSpPr>
-            <a:spLocks noGrp="1"/>
-          </p:cNvSpPr>
-          <p:nvPr>
-            <p:ph type="title"/>
-          </p:nvPr>
-        </p:nvSpPr>
-        <p:spPr>
-          <a:xfrm>
-            <a:off x="2333883" y="89649"/>
-            <a:ext cx="2995999" cy="611532"/>
-          </a:xfrm>
-        </p:spPr>
-        <p:txBody>
-          <a:bodyPr/>
-          <a:lstStyle/>
-          <a:p>
-            <a:r>
-              <a:rPr lang="en-US" dirty="0" smtClean="0">
-                <a:solidFill>
-                  <a:schemeClr val="bg1"/>
-                </a:solidFill>
-              </a:rPr>
-              <a:t>System Flow</a:t>
-            </a:r>
-            <a:endParaRPr lang="en-US" dirty="0">
-              <a:solidFill>
-                <a:schemeClr val="bg1"/>
-              </a:solidFill>
-            </a:endParaRPr>
-          </a:p>
-        </p:txBody>
-      </p:sp>
-      <p:sp>
-        <p:nvSpPr>
-          <p:cNvPr id="4" name="Rounded Rectangle 3"/>
-          <p:cNvSpPr/>
-          <p:nvPr/>
-        </p:nvSpPr>
-        <p:spPr>
-          <a:xfrm>
-            <a:off x="163213" y="1046204"/>
-            <a:ext cx="1978625" cy="1169774"/>
-          </a:xfrm>
-          <a:prstGeom prst="roundRect">
-            <a:avLst/>
-          </a:prstGeom>
-        </p:spPr>
-        <p:style>
-          <a:lnRef idx="1">
-            <a:schemeClr val="accent1"/>
-          </a:lnRef>
-          <a:fillRef idx="2">
-            <a:schemeClr val="accent1"/>
-          </a:fillRef>
-          <a:effectRef idx="1">
-            <a:schemeClr val="accent1"/>
-          </a:effectRef>
-          <a:fontRef idx="minor">
-            <a:schemeClr val="dk1"/>
-          </a:fontRef>
-        </p:style>
-        <p:txBody>
-          <a:bodyPr rtlCol="0" anchor="ctr"/>
-          <a:lstStyle/>
-          <a:p>
-            <a:pPr algn="ctr"/>
-            <a:r>
-              <a:rPr lang="en-US" sz="1600" dirty="0" smtClean="0"/>
-              <a:t>Truth model,</a:t>
-            </a:r>
-          </a:p>
-          <a:p>
-            <a:pPr algn="ctr"/>
-            <a:r>
-              <a:rPr lang="en-US" sz="1600" dirty="0" smtClean="0"/>
-              <a:t>a particular realization of the uncertainty space</a:t>
-            </a:r>
-            <a:endParaRPr lang="en-US" sz="1600" dirty="0"/>
-          </a:p>
-        </p:txBody>
-      </p:sp>
-      <p:cxnSp>
-        <p:nvCxnSpPr>
-          <p:cNvPr id="8" name="Straight Arrow Connector 7"/>
-          <p:cNvCxnSpPr>
-            <a:stCxn id="4" idx="2"/>
-            <a:endCxn id="30" idx="0"/>
-          </p:cNvCxnSpPr>
-          <p:nvPr/>
-        </p:nvCxnSpPr>
-        <p:spPr>
-          <a:xfrm flipH="1">
-            <a:off x="1152525" y="2215978"/>
-            <a:ext cx="1" cy="255373"/>
-          </a:xfrm>
-          <a:prstGeom prst="straightConnector1">
-            <a:avLst/>
-          </a:prstGeom>
-          <a:ln>
-            <a:tailEnd type="triangle"/>
-          </a:ln>
-        </p:spPr>
-        <p:style>
-          <a:lnRef idx="1">
-            <a:schemeClr val="accent1"/>
-          </a:lnRef>
-          <a:fillRef idx="0">
-            <a:schemeClr val="accent1"/>
-          </a:fillRef>
-          <a:effectRef idx="0">
-            <a:schemeClr val="accent1"/>
-          </a:effectRef>
-          <a:fontRef idx="minor">
-            <a:schemeClr val="tx1"/>
-          </a:fontRef>
-        </p:style>
-      </p:cxnSp>
-      <p:sp>
-        <p:nvSpPr>
-          <p:cNvPr id="30" name="Rounded Rectangle 29"/>
-          <p:cNvSpPr/>
-          <p:nvPr/>
-        </p:nvSpPr>
-        <p:spPr>
-          <a:xfrm>
-            <a:off x="254600" y="2471351"/>
-            <a:ext cx="1795849" cy="836141"/>
-          </a:xfrm>
-          <a:prstGeom prst="roundRect">
-            <a:avLst/>
-          </a:prstGeom>
-        </p:spPr>
-        <p:style>
-          <a:lnRef idx="1">
-            <a:schemeClr val="accent4"/>
-          </a:lnRef>
-          <a:fillRef idx="2">
-            <a:schemeClr val="accent4"/>
-          </a:fillRef>
-          <a:effectRef idx="1">
-            <a:schemeClr val="accent4"/>
-          </a:effectRef>
-          <a:fontRef idx="minor">
-            <a:schemeClr val="dk1"/>
-          </a:fontRef>
-        </p:style>
-        <p:txBody>
-          <a:bodyPr rtlCol="0" anchor="ctr"/>
-          <a:lstStyle/>
-          <a:p>
-            <a:pPr algn="ctr"/>
-            <a:r>
-              <a:rPr lang="en-US" sz="1600" dirty="0"/>
-              <a:t>Knowledge </a:t>
-            </a:r>
-            <a:r>
-              <a:rPr lang="en-US" sz="1600" dirty="0" smtClean="0"/>
-              <a:t>errors, measurement noise</a:t>
-            </a:r>
-            <a:endParaRPr lang="en-US" sz="1600" dirty="0"/>
-          </a:p>
-        </p:txBody>
-      </p:sp>
-      <p:sp>
-        <p:nvSpPr>
-          <p:cNvPr id="43" name="Rounded Rectangle 42"/>
-          <p:cNvSpPr/>
-          <p:nvPr/>
-        </p:nvSpPr>
-        <p:spPr>
-          <a:xfrm>
-            <a:off x="2577671" y="2304535"/>
-            <a:ext cx="1978625" cy="1169774"/>
-          </a:xfrm>
-          <a:prstGeom prst="roundRect">
-            <a:avLst/>
-          </a:prstGeom>
-        </p:spPr>
-        <p:style>
-          <a:lnRef idx="1">
-            <a:schemeClr val="accent1"/>
-          </a:lnRef>
-          <a:fillRef idx="2">
-            <a:schemeClr val="accent1"/>
-          </a:fillRef>
-          <a:effectRef idx="1">
-            <a:schemeClr val="accent1"/>
-          </a:effectRef>
-          <a:fontRef idx="minor">
-            <a:schemeClr val="dk1"/>
-          </a:fontRef>
-        </p:style>
-        <p:txBody>
-          <a:bodyPr rtlCol="0" anchor="ctr"/>
-          <a:lstStyle/>
-          <a:p>
-            <a:pPr algn="ctr"/>
-            <a:r>
-              <a:rPr lang="en-US" sz="1600" dirty="0"/>
-              <a:t>Navigation system model</a:t>
-            </a:r>
-          </a:p>
-        </p:txBody>
-      </p:sp>
-      <p:sp>
-        <p:nvSpPr>
-          <p:cNvPr id="44" name="Rounded Rectangle 43"/>
-          <p:cNvSpPr/>
-          <p:nvPr/>
-        </p:nvSpPr>
-        <p:spPr>
-          <a:xfrm>
-            <a:off x="2669058" y="3807942"/>
-            <a:ext cx="1795849" cy="836141"/>
-          </a:xfrm>
-          <a:prstGeom prst="roundRect">
-            <a:avLst/>
-          </a:prstGeom>
-        </p:spPr>
-        <p:style>
-          <a:lnRef idx="1">
-            <a:schemeClr val="accent4"/>
-          </a:lnRef>
-          <a:fillRef idx="2">
-            <a:schemeClr val="accent4"/>
-          </a:fillRef>
-          <a:effectRef idx="1">
-            <a:schemeClr val="accent4"/>
-          </a:effectRef>
-          <a:fontRef idx="minor">
-            <a:schemeClr val="dk1"/>
-          </a:fontRef>
-        </p:style>
-        <p:txBody>
-          <a:bodyPr rtlCol="0" anchor="ctr"/>
-          <a:lstStyle/>
-          <a:p>
-            <a:pPr algn="ctr"/>
-            <a:r>
-              <a:rPr lang="en-US" sz="1600" dirty="0" smtClean="0"/>
-              <a:t>Estimation</a:t>
-            </a:r>
-          </a:p>
-          <a:p>
-            <a:pPr algn="ctr"/>
-            <a:r>
-              <a:rPr lang="en-US" sz="1600" dirty="0" smtClean="0"/>
-              <a:t> (aero filters, EKF, observers)</a:t>
-            </a:r>
-            <a:endParaRPr lang="en-US" sz="1600" dirty="0"/>
-          </a:p>
-        </p:txBody>
-      </p:sp>
-      <p:sp>
-        <p:nvSpPr>
-          <p:cNvPr id="45" name="Rounded Rectangle 44"/>
-          <p:cNvSpPr/>
-          <p:nvPr/>
-        </p:nvSpPr>
-        <p:spPr>
-          <a:xfrm>
-            <a:off x="163211" y="3641125"/>
-            <a:ext cx="1978625" cy="1169774"/>
-          </a:xfrm>
-          <a:prstGeom prst="roundRect">
-            <a:avLst/>
-          </a:prstGeom>
-        </p:spPr>
-        <p:style>
-          <a:lnRef idx="1">
-            <a:schemeClr val="accent1"/>
-          </a:lnRef>
-          <a:fillRef idx="2">
-            <a:schemeClr val="accent1"/>
-          </a:fillRef>
-          <a:effectRef idx="1">
-            <a:schemeClr val="accent1"/>
-          </a:effectRef>
-          <a:fontRef idx="minor">
-            <a:schemeClr val="dk1"/>
-          </a:fontRef>
-        </p:style>
-        <p:txBody>
-          <a:bodyPr rtlCol="0" anchor="ctr"/>
-          <a:lstStyle/>
-          <a:p>
-            <a:pPr algn="ctr"/>
-            <a:r>
-              <a:rPr lang="en-US" sz="1600" dirty="0" smtClean="0"/>
-              <a:t>Nominal model,</a:t>
-            </a:r>
-          </a:p>
-          <a:p>
-            <a:pPr algn="ctr"/>
-            <a:r>
-              <a:rPr lang="en-US" sz="1600" dirty="0" smtClean="0"/>
-              <a:t>typically mean of each uncertainty is used</a:t>
-            </a:r>
-            <a:endParaRPr lang="en-US" sz="1600" dirty="0"/>
-          </a:p>
-        </p:txBody>
-      </p:sp>
-      <p:sp>
-        <p:nvSpPr>
-          <p:cNvPr id="51" name="Rounded Rectangle 50"/>
-          <p:cNvSpPr/>
-          <p:nvPr/>
-        </p:nvSpPr>
-        <p:spPr>
-          <a:xfrm>
-            <a:off x="5180056" y="3641125"/>
-            <a:ext cx="1978625" cy="1169774"/>
-          </a:xfrm>
-          <a:prstGeom prst="roundRect">
-            <a:avLst/>
-          </a:prstGeom>
-        </p:spPr>
-        <p:style>
-          <a:lnRef idx="1">
-            <a:schemeClr val="accent1"/>
-          </a:lnRef>
-          <a:fillRef idx="2">
-            <a:schemeClr val="accent1"/>
-          </a:fillRef>
-          <a:effectRef idx="1">
-            <a:schemeClr val="accent1"/>
-          </a:effectRef>
-          <a:fontRef idx="minor">
-            <a:schemeClr val="dk1"/>
-          </a:fontRef>
-        </p:style>
-        <p:txBody>
-          <a:bodyPr rtlCol="0" anchor="ctr"/>
-          <a:lstStyle/>
-          <a:p>
-            <a:pPr algn="ctr"/>
-            <a:r>
-              <a:rPr lang="en-US" sz="1600" dirty="0" smtClean="0"/>
-              <a:t>Prediction model </a:t>
-            </a:r>
-          </a:p>
-          <a:p>
-            <a:pPr algn="ctr"/>
-            <a:r>
-              <a:rPr lang="en-US" sz="1600" dirty="0" smtClean="0"/>
-              <a:t>(if needed, not all guidance predicts future states)</a:t>
-            </a:r>
-          </a:p>
-        </p:txBody>
-      </p:sp>
-      <p:cxnSp>
-        <p:nvCxnSpPr>
-          <p:cNvPr id="55" name="Straight Arrow Connector 54"/>
-          <p:cNvCxnSpPr>
-            <a:stCxn id="30" idx="3"/>
-            <a:endCxn id="43" idx="1"/>
-          </p:cNvCxnSpPr>
-          <p:nvPr/>
-        </p:nvCxnSpPr>
-        <p:spPr>
-          <a:xfrm>
-            <a:off x="2050449" y="2889422"/>
-            <a:ext cx="527222" cy="0"/>
-          </a:xfrm>
-          <a:prstGeom prst="straightConnector1">
-            <a:avLst/>
-          </a:prstGeom>
-          <a:ln>
-            <a:tailEnd type="triangle"/>
-          </a:ln>
-        </p:spPr>
-        <p:style>
-          <a:lnRef idx="1">
-            <a:schemeClr val="accent1"/>
-          </a:lnRef>
-          <a:fillRef idx="0">
-            <a:schemeClr val="accent1"/>
-          </a:fillRef>
-          <a:effectRef idx="0">
-            <a:schemeClr val="accent1"/>
-          </a:effectRef>
-          <a:fontRef idx="minor">
-            <a:schemeClr val="tx1"/>
-          </a:fontRef>
-        </p:style>
-      </p:cxnSp>
-      <p:cxnSp>
-        <p:nvCxnSpPr>
-          <p:cNvPr id="57" name="Straight Arrow Connector 56"/>
-          <p:cNvCxnSpPr>
-            <a:stCxn id="43" idx="2"/>
-            <a:endCxn id="44" idx="0"/>
-          </p:cNvCxnSpPr>
-          <p:nvPr/>
-        </p:nvCxnSpPr>
-        <p:spPr>
-          <a:xfrm flipH="1">
-            <a:off x="3566983" y="3474309"/>
-            <a:ext cx="1" cy="333633"/>
-          </a:xfrm>
-          <a:prstGeom prst="straightConnector1">
-            <a:avLst/>
-          </a:prstGeom>
-          <a:ln>
-            <a:tailEnd type="triangle"/>
-          </a:ln>
-        </p:spPr>
-        <p:style>
-          <a:lnRef idx="1">
-            <a:schemeClr val="accent1"/>
-          </a:lnRef>
-          <a:fillRef idx="0">
-            <a:schemeClr val="accent1"/>
-          </a:fillRef>
-          <a:effectRef idx="0">
-            <a:schemeClr val="accent1"/>
-          </a:effectRef>
-          <a:fontRef idx="minor">
-            <a:schemeClr val="tx1"/>
-          </a:fontRef>
-        </p:style>
-      </p:cxnSp>
-      <p:cxnSp>
-        <p:nvCxnSpPr>
-          <p:cNvPr id="59" name="Straight Arrow Connector 58"/>
-          <p:cNvCxnSpPr>
-            <a:stCxn id="44" idx="3"/>
-            <a:endCxn id="51" idx="1"/>
-          </p:cNvCxnSpPr>
-          <p:nvPr/>
-        </p:nvCxnSpPr>
-        <p:spPr>
-          <a:xfrm flipV="1">
-            <a:off x="4464907" y="4226012"/>
-            <a:ext cx="715149" cy="1"/>
-          </a:xfrm>
-          <a:prstGeom prst="straightConnector1">
-            <a:avLst/>
-          </a:prstGeom>
-          <a:ln>
-            <a:tailEnd type="triangle"/>
-          </a:ln>
-        </p:spPr>
-        <p:style>
-          <a:lnRef idx="1">
-            <a:schemeClr val="accent1"/>
-          </a:lnRef>
-          <a:fillRef idx="0">
-            <a:schemeClr val="accent1"/>
-          </a:fillRef>
-          <a:effectRef idx="0">
-            <a:schemeClr val="accent1"/>
-          </a:effectRef>
-          <a:fontRef idx="minor">
-            <a:schemeClr val="tx1"/>
-          </a:fontRef>
-        </p:style>
-      </p:cxnSp>
-      <p:cxnSp>
-        <p:nvCxnSpPr>
-          <p:cNvPr id="61" name="Straight Arrow Connector 60"/>
-          <p:cNvCxnSpPr>
-            <a:stCxn id="45" idx="3"/>
-            <a:endCxn id="44" idx="1"/>
-          </p:cNvCxnSpPr>
-          <p:nvPr/>
-        </p:nvCxnSpPr>
-        <p:spPr>
-          <a:xfrm>
-            <a:off x="2141836" y="4226012"/>
-            <a:ext cx="527222" cy="1"/>
-          </a:xfrm>
-          <a:prstGeom prst="straightConnector1">
-            <a:avLst/>
-          </a:prstGeom>
-          <a:ln>
-            <a:tailEnd type="triangle"/>
-          </a:ln>
-        </p:spPr>
-        <p:style>
-          <a:lnRef idx="1">
-            <a:schemeClr val="accent1"/>
-          </a:lnRef>
-          <a:fillRef idx="0">
-            <a:schemeClr val="accent1"/>
-          </a:fillRef>
-          <a:effectRef idx="0">
-            <a:schemeClr val="accent1"/>
-          </a:effectRef>
-          <a:fontRef idx="minor">
-            <a:schemeClr val="tx1"/>
-          </a:fontRef>
-        </p:style>
-      </p:cxnSp>
-      <p:sp>
-        <p:nvSpPr>
-          <p:cNvPr id="62" name="Rounded Rectangle 61"/>
-          <p:cNvSpPr/>
-          <p:nvPr/>
-        </p:nvSpPr>
-        <p:spPr>
-          <a:xfrm>
-            <a:off x="5271443" y="2455841"/>
-            <a:ext cx="1795849" cy="836141"/>
-          </a:xfrm>
-          <a:prstGeom prst="roundRect">
-            <a:avLst/>
-          </a:prstGeom>
-        </p:spPr>
-        <p:style>
-          <a:lnRef idx="1">
-            <a:schemeClr val="accent4"/>
-          </a:lnRef>
-          <a:fillRef idx="2">
-            <a:schemeClr val="accent4"/>
-          </a:fillRef>
-          <a:effectRef idx="1">
-            <a:schemeClr val="accent4"/>
-          </a:effectRef>
-          <a:fontRef idx="minor">
-            <a:schemeClr val="dk1"/>
-          </a:fontRef>
-        </p:style>
-        <p:txBody>
-          <a:bodyPr rtlCol="0" anchor="ctr"/>
-          <a:lstStyle/>
-          <a:p>
-            <a:pPr algn="ctr"/>
-            <a:r>
-              <a:rPr lang="en-US" sz="1600" dirty="0" smtClean="0"/>
-              <a:t>Guidance algorithm</a:t>
-            </a:r>
-            <a:endParaRPr lang="en-US" sz="1600" dirty="0"/>
-          </a:p>
-        </p:txBody>
-      </p:sp>
-      <p:cxnSp>
-        <p:nvCxnSpPr>
-          <p:cNvPr id="66" name="Straight Arrow Connector 65"/>
-          <p:cNvCxnSpPr>
-            <a:stCxn id="51" idx="0"/>
-            <a:endCxn id="62" idx="2"/>
-          </p:cNvCxnSpPr>
-          <p:nvPr/>
-        </p:nvCxnSpPr>
-        <p:spPr>
-          <a:xfrm flipH="1" flipV="1">
-            <a:off x="6169368" y="3291982"/>
-            <a:ext cx="1" cy="349143"/>
-          </a:xfrm>
-          <a:prstGeom prst="straightConnector1">
-            <a:avLst/>
-          </a:prstGeom>
-          <a:ln>
-            <a:tailEnd type="triangle"/>
-          </a:ln>
-        </p:spPr>
-        <p:style>
-          <a:lnRef idx="1">
-            <a:schemeClr val="accent1"/>
-          </a:lnRef>
-          <a:fillRef idx="0">
-            <a:schemeClr val="accent1"/>
-          </a:fillRef>
-          <a:effectRef idx="0">
-            <a:schemeClr val="accent1"/>
-          </a:effectRef>
-          <a:fontRef idx="minor">
-            <a:schemeClr val="tx1"/>
-          </a:fontRef>
-        </p:style>
-      </p:cxnSp>
-      <p:cxnSp>
-        <p:nvCxnSpPr>
-          <p:cNvPr id="68" name="Elbow Connector 67"/>
-          <p:cNvCxnSpPr>
-            <a:stCxn id="44" idx="3"/>
-            <a:endCxn id="43" idx="3"/>
-          </p:cNvCxnSpPr>
-          <p:nvPr/>
-        </p:nvCxnSpPr>
-        <p:spPr>
-          <a:xfrm flipV="1">
-            <a:off x="4464907" y="2889422"/>
-            <a:ext cx="91389" cy="1336591"/>
-          </a:xfrm>
-          <a:prstGeom prst="bentConnector3">
-            <a:avLst>
-              <a:gd name="adj1" fmla="val 314083"/>
-            </a:avLst>
-          </a:prstGeom>
-          <a:ln>
-            <a:tailEnd type="triangle"/>
-          </a:ln>
-        </p:spPr>
-        <p:style>
-          <a:lnRef idx="1">
-            <a:schemeClr val="accent1"/>
-          </a:lnRef>
-          <a:fillRef idx="0">
-            <a:schemeClr val="accent1"/>
-          </a:fillRef>
-          <a:effectRef idx="0">
-            <a:schemeClr val="accent1"/>
-          </a:effectRef>
-          <a:fontRef idx="minor">
-            <a:schemeClr val="tx1"/>
-          </a:fontRef>
-        </p:style>
-      </p:cxnSp>
-      <p:cxnSp>
-        <p:nvCxnSpPr>
-          <p:cNvPr id="13" name="Elbow Connector 12"/>
-          <p:cNvCxnSpPr>
-            <a:stCxn id="43" idx="0"/>
-            <a:endCxn id="62" idx="0"/>
-          </p:cNvCxnSpPr>
-          <p:nvPr/>
-        </p:nvCxnSpPr>
-        <p:spPr>
-          <a:xfrm rot="16200000" flipH="1">
-            <a:off x="4792523" y="1078996"/>
-            <a:ext cx="151306" cy="2602384"/>
-          </a:xfrm>
-          <a:prstGeom prst="bentConnector3">
-            <a:avLst>
-              <a:gd name="adj1" fmla="val -151085"/>
-            </a:avLst>
-          </a:prstGeom>
-          <a:ln>
-            <a:tailEnd type="triangle"/>
-          </a:ln>
-        </p:spPr>
-        <p:style>
-          <a:lnRef idx="1">
-            <a:schemeClr val="accent1"/>
-          </a:lnRef>
-          <a:fillRef idx="0">
-            <a:schemeClr val="accent1"/>
-          </a:fillRef>
-          <a:effectRef idx="0">
-            <a:schemeClr val="accent1"/>
-          </a:effectRef>
-          <a:fontRef idx="minor">
-            <a:schemeClr val="tx1"/>
-          </a:fontRef>
-        </p:style>
-      </p:cxnSp>
-    </p:spTree>
-    <p:extLst>
-      <p:ext uri="{BB962C8B-B14F-4D97-AF65-F5344CB8AC3E}">
-        <p14:creationId xmlns:p14="http://schemas.microsoft.com/office/powerpoint/2010/main" val="4088294837"/>
-      </p:ext>
-    </p:extLst>
-  </p:cSld>
-  <p:clrMapOvr>
-    <a:masterClrMapping/>
-  </p:clrMapOvr>
-  <p:timing>
-    <p:tnLst>
-      <p:par>
-        <p:cTn id="1" dur="indefinite" restart="never" nodeType="tmRoot"/>
-      </p:par>
-    </p:tnLst>
-  </p:timing>
-</p:sld>
-</file>
-
-<file path=ppt/slides/slide22.xml><?xml version="1.0" encoding="utf-8"?>
-<p:sld xmlns:a="http://schemas.openxmlformats.org/drawingml/2006/main" xmlns:r="http://schemas.openxmlformats.org/officeDocument/2006/relationships" xmlns:p="http://schemas.openxmlformats.org/presentationml/2006/main">
-  <p:cSld>
-    <p:spTree>
-      <p:nvGrpSpPr>
-        <p:cNvPr id="1" name=""/>
-        <p:cNvGrpSpPr/>
-        <p:nvPr/>
-      </p:nvGrpSpPr>
-      <p:grpSpPr>
-        <a:xfrm>
-          <a:off x="0" y="0"/>
-          <a:ext cx="0" cy="0"/>
-          <a:chOff x="0" y="0"/>
-          <a:chExt cx="0" cy="0"/>
-        </a:xfrm>
-      </p:grpSpPr>
-      <p:sp>
-        <p:nvSpPr>
-          <p:cNvPr id="2" name="Title 1"/>
-          <p:cNvSpPr>
-            <a:spLocks noGrp="1"/>
-          </p:cNvSpPr>
-          <p:nvPr>
-            <p:ph type="title"/>
-          </p:nvPr>
-        </p:nvSpPr>
-        <p:spPr>
-          <a:xfrm>
-            <a:off x="2333883" y="89649"/>
-            <a:ext cx="2995999" cy="611532"/>
-          </a:xfrm>
-        </p:spPr>
-        <p:txBody>
-          <a:bodyPr/>
-          <a:lstStyle/>
-          <a:p>
-            <a:r>
-              <a:rPr lang="en-US" dirty="0" smtClean="0">
-                <a:solidFill>
-                  <a:schemeClr val="bg1"/>
-                </a:solidFill>
-              </a:rPr>
-              <a:t>Modeling</a:t>
-            </a:r>
-            <a:endParaRPr lang="en-US" dirty="0">
-              <a:solidFill>
-                <a:schemeClr val="bg1"/>
-              </a:solidFill>
-            </a:endParaRPr>
-          </a:p>
-        </p:txBody>
-      </p:sp>
-      <p:sp>
-        <p:nvSpPr>
-          <p:cNvPr id="4" name="Rounded Rectangle 3"/>
-          <p:cNvSpPr/>
-          <p:nvPr/>
-        </p:nvSpPr>
-        <p:spPr>
-          <a:xfrm>
-            <a:off x="1714499" y="1766685"/>
-            <a:ext cx="1758117" cy="898586"/>
-          </a:xfrm>
-          <a:prstGeom prst="roundRect">
-            <a:avLst/>
-          </a:prstGeom>
-        </p:spPr>
-        <p:style>
-          <a:lnRef idx="1">
-            <a:schemeClr val="accent1"/>
-          </a:lnRef>
-          <a:fillRef idx="2">
-            <a:schemeClr val="accent1"/>
-          </a:fillRef>
-          <a:effectRef idx="1">
-            <a:schemeClr val="accent1"/>
-          </a:effectRef>
-          <a:fontRef idx="minor">
-            <a:schemeClr val="dk1"/>
-          </a:fontRef>
-        </p:style>
-        <p:txBody>
-          <a:bodyPr rtlCol="0" anchor="ctr"/>
-          <a:lstStyle/>
-          <a:p>
-            <a:pPr algn="ctr"/>
-            <a:r>
-              <a:rPr lang="en-US" sz="1600" dirty="0" smtClean="0"/>
-              <a:t>True State</a:t>
-            </a:r>
-            <a:endParaRPr lang="en-US" sz="1600" dirty="0"/>
-          </a:p>
-        </p:txBody>
-      </p:sp>
-      <p:sp>
-        <p:nvSpPr>
-          <p:cNvPr id="44" name="Rounded Rectangle 43"/>
-          <p:cNvSpPr/>
-          <p:nvPr/>
-        </p:nvSpPr>
-        <p:spPr>
-          <a:xfrm>
-            <a:off x="3831880" y="1797907"/>
-            <a:ext cx="1795849" cy="836141"/>
-          </a:xfrm>
-          <a:prstGeom prst="roundRect">
-            <a:avLst/>
-          </a:prstGeom>
-        </p:spPr>
-        <p:style>
-          <a:lnRef idx="1">
-            <a:schemeClr val="accent4"/>
-          </a:lnRef>
-          <a:fillRef idx="2">
-            <a:schemeClr val="accent4"/>
-          </a:fillRef>
-          <a:effectRef idx="1">
-            <a:schemeClr val="accent4"/>
-          </a:effectRef>
-          <a:fontRef idx="minor">
-            <a:schemeClr val="dk1"/>
-          </a:fontRef>
-        </p:style>
-        <p:txBody>
-          <a:bodyPr rtlCol="0" anchor="ctr"/>
-          <a:lstStyle/>
-          <a:p>
-            <a:pPr algn="ctr"/>
-            <a:r>
-              <a:rPr lang="en-US" sz="1600" dirty="0" smtClean="0"/>
-              <a:t>Estimation</a:t>
-            </a:r>
-          </a:p>
-        </p:txBody>
-      </p:sp>
-      <p:sp>
-        <p:nvSpPr>
-          <p:cNvPr id="45" name="Rounded Rectangle 44"/>
-          <p:cNvSpPr/>
-          <p:nvPr/>
-        </p:nvSpPr>
-        <p:spPr>
-          <a:xfrm>
-            <a:off x="3850746" y="3020896"/>
-            <a:ext cx="1758117" cy="898586"/>
-          </a:xfrm>
-          <a:prstGeom prst="roundRect">
-            <a:avLst/>
-          </a:prstGeom>
-        </p:spPr>
-        <p:style>
-          <a:lnRef idx="1">
-            <a:schemeClr val="accent1"/>
-          </a:lnRef>
-          <a:fillRef idx="2">
-            <a:schemeClr val="accent1"/>
-          </a:fillRef>
-          <a:effectRef idx="1">
-            <a:schemeClr val="accent1"/>
-          </a:effectRef>
-          <a:fontRef idx="minor">
-            <a:schemeClr val="dk1"/>
-          </a:fontRef>
-        </p:style>
-        <p:txBody>
-          <a:bodyPr rtlCol="0" anchor="ctr"/>
-          <a:lstStyle/>
-          <a:p>
-            <a:pPr algn="ctr"/>
-            <a:r>
-              <a:rPr lang="en-US" sz="1600" dirty="0" smtClean="0"/>
-              <a:t>Estimated State</a:t>
-            </a:r>
-            <a:endParaRPr lang="en-US" sz="1600" dirty="0"/>
-          </a:p>
-        </p:txBody>
-      </p:sp>
-      <p:sp>
-        <p:nvSpPr>
-          <p:cNvPr id="62" name="Rounded Rectangle 61"/>
-          <p:cNvSpPr/>
-          <p:nvPr/>
-        </p:nvSpPr>
-        <p:spPr>
-          <a:xfrm>
-            <a:off x="3831881" y="4313807"/>
-            <a:ext cx="1795849" cy="836141"/>
-          </a:xfrm>
-          <a:prstGeom prst="roundRect">
-            <a:avLst/>
-          </a:prstGeom>
-        </p:spPr>
-        <p:style>
-          <a:lnRef idx="1">
-            <a:schemeClr val="accent4"/>
-          </a:lnRef>
-          <a:fillRef idx="2">
-            <a:schemeClr val="accent4"/>
-          </a:fillRef>
-          <a:effectRef idx="1">
-            <a:schemeClr val="accent4"/>
-          </a:effectRef>
-          <a:fontRef idx="minor">
-            <a:schemeClr val="dk1"/>
-          </a:fontRef>
-        </p:style>
-        <p:txBody>
-          <a:bodyPr rtlCol="0" anchor="ctr"/>
-          <a:lstStyle/>
-          <a:p>
-            <a:pPr algn="ctr"/>
-            <a:r>
-              <a:rPr lang="en-US" sz="1600" dirty="0" smtClean="0"/>
-              <a:t>Guidance algorithm</a:t>
-            </a:r>
-            <a:endParaRPr lang="en-US" sz="1600" dirty="0"/>
-          </a:p>
-        </p:txBody>
-      </p:sp>
-      <p:sp>
-        <p:nvSpPr>
-          <p:cNvPr id="29" name="Rounded Rectangle 28"/>
-          <p:cNvSpPr/>
-          <p:nvPr/>
-        </p:nvSpPr>
-        <p:spPr>
-          <a:xfrm>
-            <a:off x="6207499" y="1766684"/>
-            <a:ext cx="1758117" cy="898586"/>
-          </a:xfrm>
-          <a:prstGeom prst="roundRect">
-            <a:avLst/>
-          </a:prstGeom>
-        </p:spPr>
-        <p:style>
-          <a:lnRef idx="1">
-            <a:schemeClr val="accent1"/>
-          </a:lnRef>
-          <a:fillRef idx="2">
-            <a:schemeClr val="accent1"/>
-          </a:fillRef>
-          <a:effectRef idx="1">
-            <a:schemeClr val="accent1"/>
-          </a:effectRef>
-          <a:fontRef idx="minor">
-            <a:schemeClr val="dk1"/>
-          </a:fontRef>
-        </p:style>
-        <p:txBody>
-          <a:bodyPr rtlCol="0" anchor="ctr"/>
-          <a:lstStyle/>
-          <a:p>
-            <a:pPr algn="ctr"/>
-            <a:r>
-              <a:rPr lang="en-US" sz="1600" dirty="0" smtClean="0"/>
-              <a:t>Measurement Noise</a:t>
-            </a:r>
-            <a:endParaRPr lang="en-US" sz="1600" dirty="0"/>
-          </a:p>
-        </p:txBody>
-      </p:sp>
-      <p:cxnSp>
-        <p:nvCxnSpPr>
-          <p:cNvPr id="18" name="Straight Arrow Connector 17"/>
-          <p:cNvCxnSpPr>
-            <a:stCxn id="4" idx="3"/>
-            <a:endCxn id="44" idx="1"/>
-          </p:cNvCxnSpPr>
-          <p:nvPr/>
-        </p:nvCxnSpPr>
-        <p:spPr>
-          <a:xfrm>
-            <a:off x="3472616" y="2215978"/>
-            <a:ext cx="359264" cy="0"/>
-          </a:xfrm>
-          <a:prstGeom prst="straightConnector1">
-            <a:avLst/>
-          </a:prstGeom>
-          <a:ln>
-            <a:tailEnd type="triangle"/>
-          </a:ln>
-        </p:spPr>
-        <p:style>
-          <a:lnRef idx="1">
-            <a:schemeClr val="accent1"/>
-          </a:lnRef>
-          <a:fillRef idx="0">
-            <a:schemeClr val="accent1"/>
-          </a:fillRef>
-          <a:effectRef idx="0">
-            <a:schemeClr val="accent1"/>
-          </a:effectRef>
-          <a:fontRef idx="minor">
-            <a:schemeClr val="tx1"/>
-          </a:fontRef>
-        </p:style>
-      </p:cxnSp>
-      <p:cxnSp>
-        <p:nvCxnSpPr>
-          <p:cNvPr id="20" name="Straight Arrow Connector 19"/>
-          <p:cNvCxnSpPr>
-            <a:stCxn id="29" idx="1"/>
-            <a:endCxn id="44" idx="3"/>
-          </p:cNvCxnSpPr>
-          <p:nvPr/>
-        </p:nvCxnSpPr>
-        <p:spPr>
-          <a:xfrm flipH="1">
-            <a:off x="5627729" y="2215977"/>
-            <a:ext cx="579770" cy="1"/>
-          </a:xfrm>
-          <a:prstGeom prst="straightConnector1">
-            <a:avLst/>
-          </a:prstGeom>
-          <a:ln>
-            <a:tailEnd type="triangle"/>
-          </a:ln>
-        </p:spPr>
-        <p:style>
-          <a:lnRef idx="1">
-            <a:schemeClr val="accent1"/>
-          </a:lnRef>
-          <a:fillRef idx="0">
-            <a:schemeClr val="accent1"/>
-          </a:fillRef>
-          <a:effectRef idx="0">
-            <a:schemeClr val="accent1"/>
-          </a:effectRef>
-          <a:fontRef idx="minor">
-            <a:schemeClr val="tx1"/>
-          </a:fontRef>
-        </p:style>
-      </p:cxnSp>
-      <p:cxnSp>
-        <p:nvCxnSpPr>
-          <p:cNvPr id="22" name="Straight Arrow Connector 21"/>
-          <p:cNvCxnSpPr>
-            <a:stCxn id="44" idx="2"/>
-            <a:endCxn id="45" idx="0"/>
-          </p:cNvCxnSpPr>
-          <p:nvPr/>
-        </p:nvCxnSpPr>
-        <p:spPr>
-          <a:xfrm>
-            <a:off x="4729805" y="2634048"/>
-            <a:ext cx="0" cy="386848"/>
-          </a:xfrm>
-          <a:prstGeom prst="straightConnector1">
-            <a:avLst/>
-          </a:prstGeom>
-          <a:ln>
-            <a:tailEnd type="triangle"/>
-          </a:ln>
-        </p:spPr>
-        <p:style>
-          <a:lnRef idx="1">
-            <a:schemeClr val="accent1"/>
-          </a:lnRef>
-          <a:fillRef idx="0">
-            <a:schemeClr val="accent1"/>
-          </a:fillRef>
-          <a:effectRef idx="0">
-            <a:schemeClr val="accent1"/>
-          </a:effectRef>
-          <a:fontRef idx="minor">
-            <a:schemeClr val="tx1"/>
-          </a:fontRef>
-        </p:style>
-      </p:cxnSp>
-      <p:cxnSp>
-        <p:nvCxnSpPr>
-          <p:cNvPr id="24" name="Straight Arrow Connector 23"/>
-          <p:cNvCxnSpPr>
-            <a:stCxn id="45" idx="2"/>
-            <a:endCxn id="62" idx="0"/>
-          </p:cNvCxnSpPr>
-          <p:nvPr/>
-        </p:nvCxnSpPr>
-        <p:spPr>
-          <a:xfrm>
-            <a:off x="4729805" y="3919482"/>
-            <a:ext cx="1" cy="394325"/>
-          </a:xfrm>
-          <a:prstGeom prst="straightConnector1">
-            <a:avLst/>
-          </a:prstGeom>
-          <a:ln>
-            <a:tailEnd type="triangle"/>
-          </a:ln>
-        </p:spPr>
-        <p:style>
-          <a:lnRef idx="1">
-            <a:schemeClr val="accent1"/>
-          </a:lnRef>
-          <a:fillRef idx="0">
-            <a:schemeClr val="accent1"/>
-          </a:fillRef>
-          <a:effectRef idx="0">
-            <a:schemeClr val="accent1"/>
-          </a:effectRef>
-          <a:fontRef idx="minor">
-            <a:schemeClr val="tx1"/>
-          </a:fontRef>
-        </p:style>
-      </p:cxnSp>
-      <p:sp>
-        <p:nvSpPr>
-          <p:cNvPr id="38" name="Rounded Rectangle 37"/>
-          <p:cNvSpPr/>
-          <p:nvPr/>
-        </p:nvSpPr>
-        <p:spPr>
-          <a:xfrm>
-            <a:off x="3831881" y="5470771"/>
-            <a:ext cx="1795849" cy="836141"/>
-          </a:xfrm>
-          <a:prstGeom prst="roundRect">
-            <a:avLst/>
-          </a:prstGeom>
-        </p:spPr>
-        <p:style>
-          <a:lnRef idx="1">
-            <a:schemeClr val="accent4"/>
-          </a:lnRef>
-          <a:fillRef idx="2">
-            <a:schemeClr val="accent4"/>
-          </a:fillRef>
-          <a:effectRef idx="1">
-            <a:schemeClr val="accent4"/>
-          </a:effectRef>
-          <a:fontRef idx="minor">
-            <a:schemeClr val="dk1"/>
-          </a:fontRef>
-        </p:style>
-        <p:txBody>
-          <a:bodyPr rtlCol="0" anchor="ctr"/>
-          <a:lstStyle/>
-          <a:p>
-            <a:pPr algn="ctr"/>
-            <a:r>
-              <a:rPr lang="en-US" sz="1600" dirty="0" smtClean="0"/>
-              <a:t>Propagation</a:t>
-            </a:r>
-          </a:p>
-        </p:txBody>
-      </p:sp>
-      <p:cxnSp>
-        <p:nvCxnSpPr>
-          <p:cNvPr id="26" name="Elbow Connector 25"/>
-          <p:cNvCxnSpPr>
-            <a:stCxn id="38" idx="1"/>
-            <a:endCxn id="4" idx="1"/>
-          </p:cNvCxnSpPr>
-          <p:nvPr/>
-        </p:nvCxnSpPr>
-        <p:spPr>
-          <a:xfrm rot="10800000">
-            <a:off x="1714499" y="2215978"/>
-            <a:ext cx="2117382" cy="3672864"/>
-          </a:xfrm>
-          <a:prstGeom prst="bentConnector3">
-            <a:avLst>
-              <a:gd name="adj1" fmla="val 110796"/>
-            </a:avLst>
-          </a:prstGeom>
-          <a:ln>
-            <a:tailEnd type="triangle"/>
-          </a:ln>
-        </p:spPr>
-        <p:style>
-          <a:lnRef idx="1">
-            <a:schemeClr val="accent1"/>
-          </a:lnRef>
-          <a:fillRef idx="0">
-            <a:schemeClr val="accent1"/>
-          </a:fillRef>
-          <a:effectRef idx="0">
-            <a:schemeClr val="accent1"/>
-          </a:effectRef>
-          <a:fontRef idx="minor">
-            <a:schemeClr val="tx1"/>
-          </a:fontRef>
-        </p:style>
-      </p:cxnSp>
-      <p:cxnSp>
-        <p:nvCxnSpPr>
-          <p:cNvPr id="28" name="Straight Arrow Connector 27"/>
-          <p:cNvCxnSpPr>
-            <a:stCxn id="62" idx="2"/>
-            <a:endCxn id="38" idx="0"/>
-          </p:cNvCxnSpPr>
-          <p:nvPr/>
-        </p:nvCxnSpPr>
-        <p:spPr>
-          <a:xfrm>
-            <a:off x="4729806" y="5149948"/>
-            <a:ext cx="0" cy="320823"/>
-          </a:xfrm>
-          <a:prstGeom prst="straightConnector1">
-            <a:avLst/>
-          </a:prstGeom>
-          <a:ln>
-            <a:tailEnd type="triangle"/>
-          </a:ln>
-        </p:spPr>
-        <p:style>
-          <a:lnRef idx="1">
-            <a:schemeClr val="accent1"/>
-          </a:lnRef>
-          <a:fillRef idx="0">
-            <a:schemeClr val="accent1"/>
-          </a:fillRef>
-          <a:effectRef idx="0">
-            <a:schemeClr val="accent1"/>
-          </a:effectRef>
-          <a:fontRef idx="minor">
-            <a:schemeClr val="tx1"/>
-          </a:fontRef>
-        </p:style>
-      </p:cxnSp>
-      <p:sp>
-        <p:nvSpPr>
-          <p:cNvPr id="46" name="Rounded Rectangle 45"/>
-          <p:cNvSpPr/>
-          <p:nvPr/>
-        </p:nvSpPr>
-        <p:spPr>
-          <a:xfrm>
-            <a:off x="6169767" y="5439548"/>
-            <a:ext cx="1758117" cy="898586"/>
-          </a:xfrm>
-          <a:prstGeom prst="roundRect">
-            <a:avLst/>
-          </a:prstGeom>
-        </p:spPr>
-        <p:style>
-          <a:lnRef idx="1">
-            <a:schemeClr val="accent1"/>
-          </a:lnRef>
-          <a:fillRef idx="2">
-            <a:schemeClr val="accent1"/>
-          </a:fillRef>
-          <a:effectRef idx="1">
-            <a:schemeClr val="accent1"/>
-          </a:effectRef>
-          <a:fontRef idx="minor">
-            <a:schemeClr val="dk1"/>
-          </a:fontRef>
-        </p:style>
-        <p:txBody>
-          <a:bodyPr rtlCol="0" anchor="ctr"/>
-          <a:lstStyle/>
-          <a:p>
-            <a:pPr algn="ctr"/>
-            <a:r>
-              <a:rPr lang="en-US" sz="1600" dirty="0" smtClean="0"/>
-              <a:t>Process Noise</a:t>
-            </a:r>
-            <a:endParaRPr lang="en-US" sz="1600" dirty="0"/>
-          </a:p>
-        </p:txBody>
-      </p:sp>
-      <p:cxnSp>
-        <p:nvCxnSpPr>
-          <p:cNvPr id="32" name="Straight Arrow Connector 31"/>
-          <p:cNvCxnSpPr>
-            <a:stCxn id="46" idx="1"/>
-            <a:endCxn id="38" idx="3"/>
-          </p:cNvCxnSpPr>
-          <p:nvPr/>
-        </p:nvCxnSpPr>
-        <p:spPr>
-          <a:xfrm flipH="1">
-            <a:off x="5627730" y="5888841"/>
-            <a:ext cx="542037" cy="1"/>
-          </a:xfrm>
-          <a:prstGeom prst="straightConnector1">
-            <a:avLst/>
-          </a:prstGeom>
-          <a:ln>
-            <a:tailEnd type="triangle"/>
-          </a:ln>
-        </p:spPr>
-        <p:style>
-          <a:lnRef idx="1">
-            <a:schemeClr val="accent1"/>
-          </a:lnRef>
-          <a:fillRef idx="0">
-            <a:schemeClr val="accent1"/>
-          </a:fillRef>
-          <a:effectRef idx="0">
-            <a:schemeClr val="accent1"/>
-          </a:effectRef>
-          <a:fontRef idx="minor">
-            <a:schemeClr val="tx1"/>
-          </a:fontRef>
-        </p:style>
-      </p:cxnSp>
-    </p:spTree>
-    <p:extLst>
-      <p:ext uri="{BB962C8B-B14F-4D97-AF65-F5344CB8AC3E}">
-        <p14:creationId xmlns:p14="http://schemas.microsoft.com/office/powerpoint/2010/main" val="2461492035"/>
-      </p:ext>
-    </p:extLst>
-  </p:cSld>
-  <p:clrMapOvr>
-    <a:masterClrMapping/>
-  </p:clrMapOvr>
-  <p:timing>
-    <p:tnLst>
-      <p:par>
-        <p:cTn id="1" dur="indefinite" restart="never" nodeType="tmRoot"/>
-      </p:par>
-    </p:tnLst>
-  </p:timing>
-</p:sld>
-</file>
-
-<file path=ppt/slides/slide3.xml><?xml version="1.0" encoding="utf-8"?>
-<p:sld xmlns:a="http://schemas.openxmlformats.org/drawingml/2006/main" xmlns:r="http://schemas.openxmlformats.org/officeDocument/2006/relationships" xmlns:p="http://schemas.openxmlformats.org/presentationml/2006/main">
-  <p:cSld>
-    <p:spTree>
-      <p:nvGrpSpPr>
-        <p:cNvPr id="1" name=""/>
-        <p:cNvGrpSpPr/>
-        <p:nvPr/>
-      </p:nvGrpSpPr>
-      <p:grpSpPr>
-        <a:xfrm>
-          <a:off x="0" y="0"/>
-          <a:ext cx="0" cy="0"/>
-          <a:chOff x="0" y="0"/>
-          <a:chExt cx="0" cy="0"/>
-        </a:xfrm>
-      </p:grpSpPr>
-      <p:sp>
-        <p:nvSpPr>
-          <p:cNvPr id="2" name="Title 1"/>
-          <p:cNvSpPr>
-            <a:spLocks noGrp="1"/>
-          </p:cNvSpPr>
-          <p:nvPr>
-            <p:ph type="title"/>
-          </p:nvPr>
-        </p:nvSpPr>
-        <p:spPr>
-          <a:xfrm>
-            <a:off x="628650" y="1079156"/>
-            <a:ext cx="7886700" cy="1231781"/>
-          </a:xfrm>
-        </p:spPr>
-        <p:txBody>
-          <a:bodyPr/>
-          <a:lstStyle/>
-          <a:p>
-            <a:r>
-              <a:rPr lang="en-US" dirty="0" smtClean="0"/>
-              <a:t>Chance Constrained Nonlinear Optimal Control</a:t>
-            </a:r>
-            <a:endParaRPr lang="en-US" dirty="0"/>
-          </a:p>
-        </p:txBody>
-      </p:sp>
-      <p:sp>
-        <p:nvSpPr>
-          <p:cNvPr id="3" name="Content Placeholder 2"/>
-          <p:cNvSpPr>
-            <a:spLocks noGrp="1"/>
-          </p:cNvSpPr>
-          <p:nvPr>
-            <p:ph idx="1"/>
-          </p:nvPr>
-        </p:nvSpPr>
-        <p:spPr>
-          <a:xfrm>
-            <a:off x="628650" y="2510443"/>
-            <a:ext cx="7886700" cy="3666519"/>
-          </a:xfrm>
-        </p:spPr>
-        <p:txBody>
-          <a:bodyPr/>
-          <a:lstStyle/>
-          <a:p>
-            <a:endParaRPr lang="en-US" dirty="0"/>
-          </a:p>
-        </p:txBody>
-      </p:sp>
-    </p:spTree>
-    <p:extLst>
-      <p:ext uri="{BB962C8B-B14F-4D97-AF65-F5344CB8AC3E}">
-        <p14:creationId xmlns:p14="http://schemas.microsoft.com/office/powerpoint/2010/main" val="3996060571"/>
-      </p:ext>
-    </p:extLst>
-  </p:cSld>
-  <p:clrMapOvr>
-    <a:masterClrMapping/>
-  </p:clrMapOvr>
-</p:sld>
-</file>
-
-<file path=ppt/slides/slide4.xml><?xml version="1.0" encoding="utf-8"?>
-<p:sld xmlns:a="http://schemas.openxmlformats.org/drawingml/2006/main" xmlns:r="http://schemas.openxmlformats.org/officeDocument/2006/relationships" xmlns:p="http://schemas.openxmlformats.org/presentationml/2006/main">
-  <p:cSld>
-    <p:spTree>
-      <p:nvGrpSpPr>
-        <p:cNvPr id="1" name=""/>
-        <p:cNvGrpSpPr/>
-        <p:nvPr/>
-      </p:nvGrpSpPr>
-      <p:grpSpPr>
-        <a:xfrm>
-          <a:off x="0" y="0"/>
-          <a:ext cx="0" cy="0"/>
-          <a:chOff x="0" y="0"/>
-          <a:chExt cx="0" cy="0"/>
-        </a:xfrm>
-      </p:grpSpPr>
-      <p:sp>
-        <p:nvSpPr>
-          <p:cNvPr id="2" name="Title 1"/>
-          <p:cNvSpPr>
-            <a:spLocks noGrp="1"/>
-          </p:cNvSpPr>
-          <p:nvPr>
-            <p:ph type="title"/>
-          </p:nvPr>
-        </p:nvSpPr>
-        <p:spPr/>
-        <p:txBody>
-          <a:bodyPr/>
-          <a:lstStyle/>
-          <a:p>
-            <a:r>
-              <a:rPr lang="en-US" dirty="0"/>
-              <a:t>V</a:t>
-            </a:r>
-            <a:r>
-              <a:rPr lang="en-US" dirty="0" smtClean="0"/>
-              <a:t>ariance Minimization</a:t>
-            </a:r>
-            <a:endParaRPr lang="en-US" dirty="0"/>
-          </a:p>
-        </p:txBody>
-      </p:sp>
-      <p:sp>
-        <p:nvSpPr>
-          <p:cNvPr id="3" name="Content Placeholder 2"/>
-          <p:cNvSpPr>
-            <a:spLocks noGrp="1"/>
-          </p:cNvSpPr>
-          <p:nvPr>
-            <p:ph idx="1"/>
-          </p:nvPr>
-        </p:nvSpPr>
-        <p:spPr>
-          <a:xfrm>
-            <a:off x="628650" y="1825624"/>
-            <a:ext cx="7886700" cy="4857397"/>
-          </a:xfrm>
-        </p:spPr>
-        <p:txBody>
-          <a:bodyPr/>
-          <a:lstStyle/>
-          <a:p>
-            <a:r>
-              <a:rPr lang="en-US" dirty="0" smtClean="0"/>
-              <a:t>Consider first the LTV case, with unconstrained control</a:t>
-            </a:r>
-          </a:p>
-          <a:p>
-            <a:r>
-              <a:rPr lang="en-US" dirty="0" smtClean="0"/>
-              <a:t>For suitable choice of norm on the final covariance matrix, the problem </a:t>
-            </a:r>
-            <a:r>
-              <a:rPr lang="en-US" smtClean="0"/>
-              <a:t>reduces to </a:t>
-            </a:r>
-            <a:r>
-              <a:rPr lang="en-US" dirty="0" smtClean="0"/>
-              <a:t>standard LQR with a particular boundary condition</a:t>
-            </a:r>
-          </a:p>
-          <a:p>
-            <a:pPr lvl="1"/>
-            <a:r>
-              <a:rPr lang="en-US" dirty="0" smtClean="0"/>
-              <a:t>The required norm is the trace operator</a:t>
-            </a:r>
-          </a:p>
-          <a:p>
-            <a:pPr lvl="1"/>
-            <a:r>
-              <a:rPr lang="en-US" dirty="0" smtClean="0"/>
-              <a:t>The LQ state weight matrix Q = I</a:t>
-            </a:r>
-          </a:p>
-          <a:p>
-            <a:r>
-              <a:rPr lang="en-US" dirty="0" smtClean="0"/>
-              <a:t>The trace is a suitable choice in many cases. Geometrically, it is related to the size of the covariance ellipse, while ignoring directional information</a:t>
-            </a:r>
-          </a:p>
-          <a:p>
-            <a:endParaRPr lang="en-US" dirty="0" smtClean="0"/>
-          </a:p>
-        </p:txBody>
-      </p:sp>
-    </p:spTree>
-    <p:extLst>
-      <p:ext uri="{BB962C8B-B14F-4D97-AF65-F5344CB8AC3E}">
-        <p14:creationId xmlns:p14="http://schemas.microsoft.com/office/powerpoint/2010/main" val="3096368325"/>
-      </p:ext>
-    </p:extLst>
-  </p:cSld>
-  <p:clrMapOvr>
-    <a:masterClrMapping/>
-  </p:clrMapOvr>
-</p:sld>
-</file>
-
-<file path=ppt/slides/slide5.xml><?xml version="1.0" encoding="utf-8"?>
-<p:sld xmlns:a="http://schemas.openxmlformats.org/drawingml/2006/main" xmlns:r="http://schemas.openxmlformats.org/officeDocument/2006/relationships" xmlns:p="http://schemas.openxmlformats.org/presentationml/2006/main">
-  <p:cSld>
-    <p:spTree>
-      <p:nvGrpSpPr>
-        <p:cNvPr id="1" name=""/>
-        <p:cNvGrpSpPr/>
-        <p:nvPr/>
-      </p:nvGrpSpPr>
-      <p:grpSpPr>
-        <a:xfrm>
-          <a:off x="0" y="0"/>
-          <a:ext cx="0" cy="0"/>
-          <a:chOff x="0" y="0"/>
-          <a:chExt cx="0" cy="0"/>
-        </a:xfrm>
-      </p:grpSpPr>
-      <p:sp>
-        <p:nvSpPr>
-          <p:cNvPr id="2" name="Title 1"/>
-          <p:cNvSpPr>
-            <a:spLocks noGrp="1"/>
-          </p:cNvSpPr>
-          <p:nvPr>
-            <p:ph type="title"/>
-          </p:nvPr>
-        </p:nvSpPr>
-        <p:spPr/>
-        <p:txBody>
-          <a:bodyPr/>
-          <a:lstStyle/>
-          <a:p>
-            <a:r>
-              <a:rPr lang="en-US" dirty="0" smtClean="0"/>
-              <a:t>Trace Norm</a:t>
-            </a:r>
-            <a:endParaRPr lang="en-US" dirty="0"/>
-          </a:p>
-        </p:txBody>
-      </p:sp>
-      <p:sp>
-        <p:nvSpPr>
-          <p:cNvPr id="3" name="Content Placeholder 2"/>
-          <p:cNvSpPr>
-            <a:spLocks noGrp="1"/>
-          </p:cNvSpPr>
-          <p:nvPr>
-            <p:ph idx="1"/>
-          </p:nvPr>
-        </p:nvSpPr>
-        <p:spPr/>
-        <p:txBody>
-          <a:bodyPr/>
-          <a:lstStyle/>
-          <a:p>
-            <a:r>
-              <a:rPr lang="en-US" dirty="0" smtClean="0"/>
-              <a:t>From the broader class of </a:t>
-            </a:r>
-            <a:r>
-              <a:rPr lang="en-US" dirty="0" err="1" smtClean="0"/>
-              <a:t>Schatten</a:t>
-            </a:r>
-            <a:r>
-              <a:rPr lang="en-US" dirty="0" smtClean="0"/>
-              <a:t> p-norms with p=1</a:t>
-            </a:r>
-          </a:p>
-          <a:p>
-            <a:r>
-              <a:rPr lang="en-US" dirty="0" smtClean="0"/>
-              <a:t>Also called the nuclear norm, equal to the sum of the singular values (= eigenvalues because covariance is positive semi-definite)</a:t>
-            </a:r>
-            <a:endParaRPr lang="en-US" dirty="0"/>
-          </a:p>
-        </p:txBody>
-      </p:sp>
-    </p:spTree>
-    <p:extLst>
-      <p:ext uri="{BB962C8B-B14F-4D97-AF65-F5344CB8AC3E}">
-        <p14:creationId xmlns:p14="http://schemas.microsoft.com/office/powerpoint/2010/main" val="3713997120"/>
-      </p:ext>
-    </p:extLst>
-  </p:cSld>
-  <p:clrMapOvr>
-    <a:masterClrMapping/>
-  </p:clrMapOvr>
-</p:sld>
-</file>
-
-<file path=ppt/slides/slide6.xml><?xml version="1.0" encoding="utf-8"?>
-<p:sld xmlns:a="http://schemas.openxmlformats.org/drawingml/2006/main" xmlns:r="http://schemas.openxmlformats.org/officeDocument/2006/relationships" xmlns:p="http://schemas.openxmlformats.org/presentationml/2006/main">
-  <p:cSld>
-    <p:spTree>
-      <p:nvGrpSpPr>
-        <p:cNvPr id="1" name=""/>
-        <p:cNvGrpSpPr/>
-        <p:nvPr/>
-      </p:nvGrpSpPr>
-      <p:grpSpPr>
-        <a:xfrm>
-          <a:off x="0" y="0"/>
-          <a:ext cx="0" cy="0"/>
-          <a:chOff x="0" y="0"/>
-          <a:chExt cx="0" cy="0"/>
-        </a:xfrm>
-      </p:grpSpPr>
-      <p:sp>
-        <p:nvSpPr>
-          <p:cNvPr id="2" name="Title 1"/>
-          <p:cNvSpPr>
-            <a:spLocks noGrp="1"/>
-          </p:cNvSpPr>
-          <p:nvPr>
-            <p:ph type="title"/>
-          </p:nvPr>
-        </p:nvSpPr>
-        <p:spPr/>
-        <p:txBody>
-          <a:bodyPr/>
-          <a:lstStyle/>
-          <a:p>
-            <a:r>
-              <a:rPr lang="en-US" dirty="0" smtClean="0"/>
-              <a:t>Variance Minimization</a:t>
-            </a:r>
-            <a:endParaRPr lang="en-US" dirty="0"/>
-          </a:p>
-        </p:txBody>
-      </p:sp>
-      <p:sp>
-        <p:nvSpPr>
-          <p:cNvPr id="3" name="Content Placeholder 2"/>
-          <p:cNvSpPr>
-            <a:spLocks noGrp="1"/>
-          </p:cNvSpPr>
-          <p:nvPr>
-            <p:ph idx="1"/>
-          </p:nvPr>
-        </p:nvSpPr>
-        <p:spPr>
-          <a:xfrm>
-            <a:off x="628650" y="1825624"/>
-            <a:ext cx="7886700" cy="4909283"/>
-          </a:xfrm>
-        </p:spPr>
-        <p:txBody>
-          <a:bodyPr/>
-          <a:lstStyle/>
-          <a:p>
-            <a:r>
-              <a:rPr lang="en-US" dirty="0"/>
-              <a:t>Next consider the same scenario with bounded control inputs</a:t>
-            </a:r>
-          </a:p>
-          <a:p>
-            <a:pPr lvl="1"/>
-            <a:r>
-              <a:rPr lang="en-US" dirty="0"/>
-              <a:t>The optimal control law is bang-bang in nature</a:t>
-            </a:r>
-          </a:p>
-          <a:p>
-            <a:pPr lvl="1"/>
-            <a:r>
-              <a:rPr lang="en-US" dirty="0"/>
-              <a:t>Can no longer decouple mean and covariance problems </a:t>
-            </a:r>
-            <a:endParaRPr lang="en-US" dirty="0" smtClean="0"/>
-          </a:p>
-          <a:p>
-            <a:r>
-              <a:rPr lang="en-US" dirty="0" smtClean="0"/>
-              <a:t>In zero mean case, optimal control in linear feedback is achieved as K -&gt; </a:t>
-            </a:r>
-            <a:r>
-              <a:rPr lang="en-US" dirty="0" err="1" smtClean="0"/>
-              <a:t>inf</a:t>
-            </a:r>
-            <a:r>
-              <a:rPr lang="en-US" dirty="0" smtClean="0"/>
-              <a:t>, resulting in bang-bang control = </a:t>
-            </a:r>
-            <a:r>
-              <a:rPr lang="en-US" dirty="0" err="1" smtClean="0"/>
-              <a:t>Umax</a:t>
-            </a:r>
-            <a:r>
-              <a:rPr lang="en-US" dirty="0" smtClean="0"/>
-              <a:t>*sign(x)</a:t>
-            </a:r>
-            <a:endParaRPr lang="en-US" dirty="0"/>
-          </a:p>
-          <a:p>
-            <a:r>
-              <a:rPr lang="en-US" dirty="0" smtClean="0"/>
-              <a:t>Even for linear problems, we turn to an optimization approach: find the optimal mean trajectory such that covariance is minimized under </a:t>
-            </a:r>
-            <a:r>
-              <a:rPr lang="en-US" smtClean="0"/>
-              <a:t>discontinuous feedback</a:t>
-            </a:r>
-            <a:endParaRPr lang="en-US" dirty="0"/>
-          </a:p>
-        </p:txBody>
-      </p:sp>
-    </p:spTree>
-    <p:extLst>
-      <p:ext uri="{BB962C8B-B14F-4D97-AF65-F5344CB8AC3E}">
-        <p14:creationId xmlns:p14="http://schemas.microsoft.com/office/powerpoint/2010/main" val="1023245691"/>
-      </p:ext>
-    </p:extLst>
-  </p:cSld>
-  <p:clrMapOvr>
-    <a:masterClrMapping/>
-  </p:clrMapOvr>
-</p:sld>
-</file>
-
-<file path=ppt/slides/slide7.xml><?xml version="1.0" encoding="utf-8"?>
-<p:sld xmlns:a="http://schemas.openxmlformats.org/drawingml/2006/main" xmlns:r="http://schemas.openxmlformats.org/officeDocument/2006/relationships" xmlns:p="http://schemas.openxmlformats.org/presentationml/2006/main">
-  <p:cSld>
-    <p:spTree>
-      <p:nvGrpSpPr>
-        <p:cNvPr id="1" name=""/>
-        <p:cNvGrpSpPr/>
-        <p:nvPr/>
-      </p:nvGrpSpPr>
-      <p:grpSpPr>
-        <a:xfrm>
-          <a:off x="0" y="0"/>
-          <a:ext cx="0" cy="0"/>
-          <a:chOff x="0" y="0"/>
-          <a:chExt cx="0" cy="0"/>
-        </a:xfrm>
-      </p:grpSpPr>
-      <p:sp>
-        <p:nvSpPr>
-          <p:cNvPr id="2" name="Title 1"/>
-          <p:cNvSpPr>
-            <a:spLocks noGrp="1"/>
-          </p:cNvSpPr>
-          <p:nvPr>
-            <p:ph type="title"/>
-          </p:nvPr>
-        </p:nvSpPr>
-        <p:spPr/>
-        <p:txBody>
-          <a:bodyPr/>
-          <a:lstStyle/>
-          <a:p>
-            <a:r>
-              <a:rPr lang="en-US" dirty="0" smtClean="0"/>
               <a:t>Applications</a:t>
             </a:r>
             <a:endParaRPr lang="en-US" dirty="0"/>
@@ -8224,7 +5032,7 @@
 </p:sld>
 </file>
 
-<file path=ppt/slides/slide8.xml><?xml version="1.0" encoding="utf-8"?>
+<file path=ppt/slides/slide14.xml><?xml version="1.0" encoding="utf-8"?>
 <p:sld xmlns:a="http://schemas.openxmlformats.org/drawingml/2006/main" xmlns:r="http://schemas.openxmlformats.org/officeDocument/2006/relationships" xmlns:p="http://schemas.openxmlformats.org/presentationml/2006/main">
   <p:cSld>
     <p:spTree>
@@ -9047,7 +5855,7 @@
 </p:sld>
 </file>
 
-<file path=ppt/slides/slide9.xml><?xml version="1.0" encoding="utf-8"?>
+<file path=ppt/slides/slide15.xml><?xml version="1.0" encoding="utf-8"?>
 <p:sld xmlns:a="http://schemas.openxmlformats.org/drawingml/2006/main" xmlns:r="http://schemas.openxmlformats.org/officeDocument/2006/relationships" xmlns:p="http://schemas.openxmlformats.org/presentationml/2006/main">
   <p:cSld>
     <p:spTree>
@@ -9104,7 +5912,7 @@
             </p:nvSpPr>
             <p:spPr>
               <a:xfrm>
-                <a:off x="2759676" y="2726724"/>
+                <a:off x="271848" y="1849561"/>
                 <a:ext cx="5486400" cy="1754326"/>
               </a:xfrm>
               <a:prstGeom prst="rect">
@@ -9361,7 +6169,7 @@
             </p:nvSpPr>
             <p:spPr>
               <a:xfrm>
-                <a:off x="2759676" y="2726724"/>
+                <a:off x="271848" y="1849561"/>
                 <a:ext cx="5486400" cy="1754326"/>
               </a:xfrm>
               <a:prstGeom prst="rect">
@@ -9393,6 +6201,3796 @@
     <p:extLst>
       <p:ext uri="{BB962C8B-B14F-4D97-AF65-F5344CB8AC3E}">
         <p14:creationId xmlns:p14="http://schemas.microsoft.com/office/powerpoint/2010/main" val="4074423147"/>
+      </p:ext>
+    </p:extLst>
+  </p:cSld>
+  <p:clrMapOvr>
+    <a:masterClrMapping/>
+  </p:clrMapOvr>
+</p:sld>
+</file>
+
+<file path=ppt/slides/slide16.xml><?xml version="1.0" encoding="utf-8"?>
+<p:sld xmlns:a="http://schemas.openxmlformats.org/drawingml/2006/main" xmlns:r="http://schemas.openxmlformats.org/officeDocument/2006/relationships" xmlns:p="http://schemas.openxmlformats.org/presentationml/2006/main">
+  <p:cSld>
+    <p:spTree>
+      <p:nvGrpSpPr>
+        <p:cNvPr id="1" name=""/>
+        <p:cNvGrpSpPr/>
+        <p:nvPr/>
+      </p:nvGrpSpPr>
+      <p:grpSpPr>
+        <a:xfrm>
+          <a:off x="0" y="0"/>
+          <a:ext cx="0" cy="0"/>
+          <a:chOff x="0" y="0"/>
+          <a:chExt cx="0" cy="0"/>
+        </a:xfrm>
+      </p:grpSpPr>
+      <p:sp>
+        <p:nvSpPr>
+          <p:cNvPr id="2" name="Title 1"/>
+          <p:cNvSpPr>
+            <a:spLocks noGrp="1"/>
+          </p:cNvSpPr>
+          <p:nvPr>
+            <p:ph type="title"/>
+          </p:nvPr>
+        </p:nvSpPr>
+        <p:spPr/>
+        <p:txBody>
+          <a:bodyPr/>
+          <a:lstStyle/>
+          <a:p>
+            <a:r>
+              <a:rPr lang="en-US" dirty="0" smtClean="0"/>
+              <a:t>Introduction</a:t>
+            </a:r>
+            <a:endParaRPr lang="en-US" dirty="0"/>
+          </a:p>
+        </p:txBody>
+      </p:sp>
+      <p:sp>
+        <p:nvSpPr>
+          <p:cNvPr id="3" name="Content Placeholder 2"/>
+          <p:cNvSpPr>
+            <a:spLocks noGrp="1"/>
+          </p:cNvSpPr>
+          <p:nvPr>
+            <p:ph idx="1"/>
+          </p:nvPr>
+        </p:nvSpPr>
+        <p:spPr/>
+        <p:txBody>
+          <a:bodyPr/>
+          <a:lstStyle/>
+          <a:p>
+            <a:r>
+              <a:rPr lang="en-US" dirty="0" smtClean="0"/>
+              <a:t>Future Mars missions will have challenging requirements that necessitate closed-loop entry guidance</a:t>
+            </a:r>
+          </a:p>
+          <a:p>
+            <a:r>
+              <a:rPr lang="en-US" dirty="0" smtClean="0"/>
+              <a:t>The ability to design a trajectory onboard increases autonomy and can be used in entry guidance</a:t>
+            </a:r>
+          </a:p>
+          <a:p>
+            <a:pPr lvl="1"/>
+            <a:r>
+              <a:rPr lang="en-US" dirty="0" smtClean="0"/>
+              <a:t>Trajectory generation can be used in reference tracking methods, or as the basis for a numerical predictor-corrector method via frequent design</a:t>
+            </a:r>
+          </a:p>
+          <a:p>
+            <a:r>
+              <a:rPr lang="en-US" dirty="0" smtClean="0"/>
+              <a:t>Generating an optimal trajectory onboard is difficult due to limited computing resources</a:t>
+            </a:r>
+          </a:p>
+          <a:p>
+            <a:endParaRPr lang="en-US" dirty="0" smtClean="0"/>
+          </a:p>
+          <a:p>
+            <a:endParaRPr lang="en-US" dirty="0"/>
+          </a:p>
+        </p:txBody>
+      </p:sp>
+    </p:spTree>
+    <p:extLst>
+      <p:ext uri="{BB962C8B-B14F-4D97-AF65-F5344CB8AC3E}">
+        <p14:creationId xmlns:p14="http://schemas.microsoft.com/office/powerpoint/2010/main" val="2368961217"/>
+      </p:ext>
+    </p:extLst>
+  </p:cSld>
+  <p:clrMapOvr>
+    <a:masterClrMapping/>
+  </p:clrMapOvr>
+  <p:timing>
+    <p:tnLst>
+      <p:par>
+        <p:cTn id="1" dur="indefinite" restart="never" nodeType="tmRoot"/>
+      </p:par>
+    </p:tnLst>
+  </p:timing>
+</p:sld>
+</file>
+
+<file path=ppt/slides/slide17.xml><?xml version="1.0" encoding="utf-8"?>
+<p:sld xmlns:a="http://schemas.openxmlformats.org/drawingml/2006/main" xmlns:r="http://schemas.openxmlformats.org/officeDocument/2006/relationships" xmlns:p="http://schemas.openxmlformats.org/presentationml/2006/main">
+  <p:cSld>
+    <p:spTree>
+      <p:nvGrpSpPr>
+        <p:cNvPr id="1" name=""/>
+        <p:cNvGrpSpPr/>
+        <p:nvPr/>
+      </p:nvGrpSpPr>
+      <p:grpSpPr>
+        <a:xfrm>
+          <a:off x="0" y="0"/>
+          <a:ext cx="0" cy="0"/>
+          <a:chOff x="0" y="0"/>
+          <a:chExt cx="0" cy="0"/>
+        </a:xfrm>
+      </p:grpSpPr>
+      <p:sp>
+        <p:nvSpPr>
+          <p:cNvPr id="2" name="Title 1"/>
+          <p:cNvSpPr>
+            <a:spLocks noGrp="1"/>
+          </p:cNvSpPr>
+          <p:nvPr>
+            <p:ph type="title"/>
+          </p:nvPr>
+        </p:nvSpPr>
+        <p:spPr/>
+        <p:txBody>
+          <a:bodyPr/>
+          <a:lstStyle/>
+          <a:p>
+            <a:r>
+              <a:rPr lang="en-US" dirty="0" smtClean="0"/>
+              <a:t>Entry Trajectory Updating</a:t>
+            </a:r>
+            <a:endParaRPr lang="en-US" dirty="0"/>
+          </a:p>
+        </p:txBody>
+      </p:sp>
+      <p:sp>
+        <p:nvSpPr>
+          <p:cNvPr id="3" name="Content Placeholder 2"/>
+          <p:cNvSpPr>
+            <a:spLocks noGrp="1"/>
+          </p:cNvSpPr>
+          <p:nvPr>
+            <p:ph idx="1"/>
+          </p:nvPr>
+        </p:nvSpPr>
+        <p:spPr>
+          <a:xfrm>
+            <a:off x="628650" y="1792119"/>
+            <a:ext cx="8361346" cy="5561582"/>
+          </a:xfrm>
+        </p:spPr>
+        <p:txBody>
+          <a:bodyPr/>
+          <a:lstStyle/>
+          <a:p>
+            <a:r>
+              <a:rPr lang="en-US" dirty="0" smtClean="0"/>
+              <a:t>The vehicle enters the atmosphere with a trajectory designed that will deliver it to the target under nominal conditions </a:t>
+            </a:r>
+          </a:p>
+          <a:p>
+            <a:r>
+              <a:rPr lang="en-US" dirty="0"/>
+              <a:t>Under off-nominal conditions, the vehicle will deviate from the trajectory that was planned, </a:t>
+            </a:r>
+            <a:r>
+              <a:rPr lang="en-US" dirty="0" smtClean="0"/>
+              <a:t>sometimes even </a:t>
+            </a:r>
+            <a:r>
+              <a:rPr lang="en-US" dirty="0"/>
+              <a:t>with the aid of </a:t>
+            </a:r>
+            <a:r>
+              <a:rPr lang="en-US" dirty="0" smtClean="0"/>
+              <a:t>closed-loop guidance </a:t>
+            </a:r>
+          </a:p>
+          <a:p>
+            <a:pPr lvl="1"/>
+            <a:r>
+              <a:rPr lang="en-US" dirty="0" smtClean="0"/>
+              <a:t>Vehicle may arrive at the target under poor conditions (e.g. outside of parachute deployment conditions) or may violate important path constraints </a:t>
+            </a:r>
+          </a:p>
+          <a:p>
+            <a:r>
+              <a:rPr lang="en-US" dirty="0" smtClean="0"/>
+              <a:t>Goal: use current estimated vehicle state and redesign a path to the target while satisfying constraints (e.g. parachute deploy conditions, path constraints)</a:t>
+            </a:r>
+          </a:p>
+          <a:p>
+            <a:endParaRPr lang="en-US" dirty="0" smtClean="0"/>
+          </a:p>
+        </p:txBody>
+      </p:sp>
+    </p:spTree>
+    <p:extLst>
+      <p:ext uri="{BB962C8B-B14F-4D97-AF65-F5344CB8AC3E}">
+        <p14:creationId xmlns:p14="http://schemas.microsoft.com/office/powerpoint/2010/main" val="1411460258"/>
+      </p:ext>
+    </p:extLst>
+  </p:cSld>
+  <p:clrMapOvr>
+    <a:masterClrMapping/>
+  </p:clrMapOvr>
+</p:sld>
+</file>
+
+<file path=ppt/slides/slide18.xml><?xml version="1.0" encoding="utf-8"?>
+<p:sld xmlns:a="http://schemas.openxmlformats.org/drawingml/2006/main" xmlns:r="http://schemas.openxmlformats.org/officeDocument/2006/relationships" xmlns:p="http://schemas.openxmlformats.org/presentationml/2006/main">
+  <p:cSld>
+    <p:spTree>
+      <p:nvGrpSpPr>
+        <p:cNvPr id="1" name=""/>
+        <p:cNvGrpSpPr/>
+        <p:nvPr/>
+      </p:nvGrpSpPr>
+      <p:grpSpPr>
+        <a:xfrm>
+          <a:off x="0" y="0"/>
+          <a:ext cx="0" cy="0"/>
+          <a:chOff x="0" y="0"/>
+          <a:chExt cx="0" cy="0"/>
+        </a:xfrm>
+      </p:grpSpPr>
+      <p:sp>
+        <p:nvSpPr>
+          <p:cNvPr id="2" name="Title 1"/>
+          <p:cNvSpPr>
+            <a:spLocks noGrp="1"/>
+          </p:cNvSpPr>
+          <p:nvPr>
+            <p:ph type="title"/>
+          </p:nvPr>
+        </p:nvSpPr>
+        <p:spPr>
+          <a:xfrm>
+            <a:off x="628650" y="1079157"/>
+            <a:ext cx="7886700" cy="853160"/>
+          </a:xfrm>
+        </p:spPr>
+        <p:txBody>
+          <a:bodyPr/>
+          <a:lstStyle/>
+          <a:p>
+            <a:r>
+              <a:rPr lang="en-US" dirty="0" smtClean="0"/>
+              <a:t>Proposed Approach</a:t>
+            </a:r>
+            <a:endParaRPr lang="en-US" dirty="0"/>
+          </a:p>
+        </p:txBody>
+      </p:sp>
+      <p:sp>
+        <p:nvSpPr>
+          <p:cNvPr id="3" name="Content Placeholder 2"/>
+          <p:cNvSpPr>
+            <a:spLocks noGrp="1"/>
+          </p:cNvSpPr>
+          <p:nvPr>
+            <p:ph idx="1"/>
+          </p:nvPr>
+        </p:nvSpPr>
+        <p:spPr>
+          <a:xfrm>
+            <a:off x="628650" y="1916153"/>
+            <a:ext cx="7886700" cy="4792655"/>
+          </a:xfrm>
+        </p:spPr>
+        <p:txBody>
+          <a:bodyPr/>
+          <a:lstStyle/>
+          <a:p>
+            <a:r>
+              <a:rPr lang="en-US" sz="2400" dirty="0" smtClean="0"/>
+              <a:t>Trajectory update is posed an optimal control problem</a:t>
+            </a:r>
+          </a:p>
+          <a:p>
+            <a:pPr lvl="1"/>
+            <a:r>
+              <a:rPr lang="en-US" sz="2000" dirty="0" smtClean="0"/>
+              <a:t>Objective is to minimize distance to original trajectory while satisfying constraints </a:t>
+            </a:r>
+          </a:p>
+          <a:p>
+            <a:r>
+              <a:rPr lang="en-US" sz="2400" dirty="0" smtClean="0"/>
+              <a:t>Use energy as independent variable </a:t>
+            </a:r>
+          </a:p>
+          <a:p>
+            <a:r>
+              <a:rPr lang="en-US" sz="2400" dirty="0" err="1" smtClean="0"/>
+              <a:t>Convexify</a:t>
+            </a:r>
+            <a:r>
+              <a:rPr lang="en-US" sz="2400" dirty="0" smtClean="0"/>
+              <a:t> </a:t>
+            </a:r>
+          </a:p>
+          <a:p>
+            <a:pPr lvl="1"/>
+            <a:r>
+              <a:rPr lang="en-US" sz="2000" dirty="0" smtClean="0"/>
+              <a:t>Treat bank angle as additional state, use bank rate as the control variable</a:t>
+            </a:r>
+          </a:p>
+          <a:p>
+            <a:pPr lvl="1"/>
+            <a:r>
+              <a:rPr lang="en-US" sz="2000" dirty="0" smtClean="0"/>
+              <a:t>Linearize the equations of motion </a:t>
+            </a:r>
+          </a:p>
+          <a:p>
+            <a:pPr lvl="1"/>
+            <a:r>
+              <a:rPr lang="en-US" sz="2000" dirty="0" smtClean="0"/>
+              <a:t>Unlike powered descent case, </a:t>
+            </a:r>
+            <a:r>
+              <a:rPr lang="en-US" sz="2000" dirty="0" err="1" smtClean="0"/>
+              <a:t>convexification</a:t>
+            </a:r>
+            <a:r>
+              <a:rPr lang="en-US" sz="2000" dirty="0" smtClean="0"/>
+              <a:t> is not lossless </a:t>
+            </a:r>
+          </a:p>
+          <a:p>
+            <a:r>
+              <a:rPr lang="en-US" sz="2400" dirty="0" smtClean="0"/>
+              <a:t>Discretize (or transcribe) into second-order cone program</a:t>
+            </a:r>
+          </a:p>
+          <a:p>
+            <a:pPr lvl="1"/>
+            <a:r>
+              <a:rPr lang="en-US" sz="2000" dirty="0" err="1" smtClean="0"/>
+              <a:t>Chebyshev</a:t>
+            </a:r>
+            <a:r>
+              <a:rPr lang="en-US" sz="2000" dirty="0" smtClean="0"/>
+              <a:t> </a:t>
+            </a:r>
+            <a:r>
+              <a:rPr lang="en-US" sz="2000" dirty="0" err="1"/>
+              <a:t>p</a:t>
+            </a:r>
+            <a:r>
+              <a:rPr lang="en-US" sz="2000" dirty="0" err="1" smtClean="0"/>
+              <a:t>seudospectral</a:t>
+            </a:r>
+            <a:r>
+              <a:rPr lang="en-US" sz="2000" dirty="0" smtClean="0"/>
+              <a:t> method </a:t>
+            </a:r>
+          </a:p>
+          <a:p>
+            <a:r>
+              <a:rPr lang="en-US" sz="2400" dirty="0" smtClean="0"/>
+              <a:t>Solve the resulting SOCP using efficient interior-point solver</a:t>
+            </a:r>
+            <a:endParaRPr lang="en-US" sz="2400" dirty="0"/>
+          </a:p>
+        </p:txBody>
+      </p:sp>
+    </p:spTree>
+    <p:extLst>
+      <p:ext uri="{BB962C8B-B14F-4D97-AF65-F5344CB8AC3E}">
+        <p14:creationId xmlns:p14="http://schemas.microsoft.com/office/powerpoint/2010/main" val="3047953510"/>
+      </p:ext>
+    </p:extLst>
+  </p:cSld>
+  <p:clrMapOvr>
+    <a:masterClrMapping/>
+  </p:clrMapOvr>
+</p:sld>
+</file>
+
+<file path=ppt/slides/slide19.xml><?xml version="1.0" encoding="utf-8"?>
+<p:sld xmlns:a="http://schemas.openxmlformats.org/drawingml/2006/main" xmlns:r="http://schemas.openxmlformats.org/officeDocument/2006/relationships" xmlns:p="http://schemas.openxmlformats.org/presentationml/2006/main">
+  <p:cSld>
+    <p:spTree>
+      <p:nvGrpSpPr>
+        <p:cNvPr id="1" name=""/>
+        <p:cNvGrpSpPr/>
+        <p:nvPr/>
+      </p:nvGrpSpPr>
+      <p:grpSpPr>
+        <a:xfrm>
+          <a:off x="0" y="0"/>
+          <a:ext cx="0" cy="0"/>
+          <a:chOff x="0" y="0"/>
+          <a:chExt cx="0" cy="0"/>
+        </a:xfrm>
+      </p:grpSpPr>
+      <p:sp>
+        <p:nvSpPr>
+          <p:cNvPr id="2" name="Title 1"/>
+          <p:cNvSpPr>
+            <a:spLocks noGrp="1"/>
+          </p:cNvSpPr>
+          <p:nvPr>
+            <p:ph type="title"/>
+          </p:nvPr>
+        </p:nvSpPr>
+        <p:spPr/>
+        <p:txBody>
+          <a:bodyPr/>
+          <a:lstStyle/>
+          <a:p>
+            <a:r>
+              <a:rPr lang="en-US" dirty="0" smtClean="0"/>
+              <a:t>Convex Optimization </a:t>
+            </a:r>
+            <a:endParaRPr lang="en-US" dirty="0"/>
+          </a:p>
+        </p:txBody>
+      </p:sp>
+      <p:sp>
+        <p:nvSpPr>
+          <p:cNvPr id="3" name="Content Placeholder 2"/>
+          <p:cNvSpPr>
+            <a:spLocks noGrp="1"/>
+          </p:cNvSpPr>
+          <p:nvPr>
+            <p:ph idx="1"/>
+          </p:nvPr>
+        </p:nvSpPr>
+        <p:spPr/>
+        <p:txBody>
+          <a:bodyPr/>
+          <a:lstStyle/>
+          <a:p>
+            <a:r>
+              <a:rPr lang="en-US" sz="2400" dirty="0" smtClean="0"/>
+              <a:t>(Iterative) Convex optimization approaches to non-convex optimal control problems have exploded in interest due to efficient, polynomial time solvers and guaranteed global solution when the problem is feasible</a:t>
+            </a:r>
+          </a:p>
+          <a:p>
+            <a:r>
+              <a:rPr lang="en-US" sz="2400" dirty="0" smtClean="0"/>
+              <a:t>A variety of aerospace problems have been solved including ascent trajectory design, powered descent trajectory design, interplanetary transfers, and entry</a:t>
+            </a:r>
+          </a:p>
+          <a:p>
+            <a:r>
+              <a:rPr lang="en-US" sz="2400" dirty="0" smtClean="0"/>
+              <a:t>While these convex optimization guarantees solution of feasible sub-problems, not all methods have guaranteed convergence, and those that do typically require an </a:t>
+            </a:r>
+            <a:r>
+              <a:rPr lang="en-US" sz="2400" dirty="0"/>
+              <a:t>unknown number of </a:t>
+            </a:r>
+            <a:r>
+              <a:rPr lang="en-US" sz="2400" dirty="0" smtClean="0"/>
+              <a:t>iterations</a:t>
+            </a:r>
+          </a:p>
+          <a:p>
+            <a:pPr lvl="1"/>
+            <a:r>
+              <a:rPr lang="en-US" sz="2000" dirty="0" smtClean="0"/>
+              <a:t>The proposed approach does not involve multiple iterations</a:t>
+            </a:r>
+            <a:endParaRPr lang="en-US" sz="2000" dirty="0"/>
+          </a:p>
+          <a:p>
+            <a:endParaRPr lang="en-US" dirty="0"/>
+          </a:p>
+        </p:txBody>
+      </p:sp>
+    </p:spTree>
+    <p:extLst>
+      <p:ext uri="{BB962C8B-B14F-4D97-AF65-F5344CB8AC3E}">
+        <p14:creationId xmlns:p14="http://schemas.microsoft.com/office/powerpoint/2010/main" val="3747838991"/>
+      </p:ext>
+    </p:extLst>
+  </p:cSld>
+  <p:clrMapOvr>
+    <a:masterClrMapping/>
+  </p:clrMapOvr>
+</p:sld>
+</file>
+
+<file path=ppt/slides/slide2.xml><?xml version="1.0" encoding="utf-8"?>
+<p:sld xmlns:a="http://schemas.openxmlformats.org/drawingml/2006/main" xmlns:r="http://schemas.openxmlformats.org/officeDocument/2006/relationships" xmlns:p="http://schemas.openxmlformats.org/presentationml/2006/main">
+  <p:cSld>
+    <p:spTree>
+      <p:nvGrpSpPr>
+        <p:cNvPr id="1" name=""/>
+        <p:cNvGrpSpPr/>
+        <p:nvPr/>
+      </p:nvGrpSpPr>
+      <p:grpSpPr>
+        <a:xfrm>
+          <a:off x="0" y="0"/>
+          <a:ext cx="0" cy="0"/>
+          <a:chOff x="0" y="0"/>
+          <a:chExt cx="0" cy="0"/>
+        </a:xfrm>
+      </p:grpSpPr>
+      <p:sp>
+        <p:nvSpPr>
+          <p:cNvPr id="2" name="Title 1"/>
+          <p:cNvSpPr>
+            <a:spLocks noGrp="1"/>
+          </p:cNvSpPr>
+          <p:nvPr>
+            <p:ph type="title"/>
+          </p:nvPr>
+        </p:nvSpPr>
+        <p:spPr/>
+        <p:txBody>
+          <a:bodyPr/>
+          <a:lstStyle/>
+          <a:p>
+            <a:r>
+              <a:rPr lang="en-US" dirty="0" smtClean="0"/>
+              <a:t>Entry Descent and Landing </a:t>
+            </a:r>
+            <a:br>
+              <a:rPr lang="en-US" dirty="0" smtClean="0"/>
+            </a:br>
+            <a:r>
+              <a:rPr lang="en-US" dirty="0" smtClean="0"/>
+              <a:t>State of the Art</a:t>
+            </a:r>
+            <a:endParaRPr lang="en-US" dirty="0"/>
+          </a:p>
+        </p:txBody>
+      </p:sp>
+      <p:sp>
+        <p:nvSpPr>
+          <p:cNvPr id="3" name="Content Placeholder 2"/>
+          <p:cNvSpPr>
+            <a:spLocks noGrp="1"/>
+          </p:cNvSpPr>
+          <p:nvPr>
+            <p:ph idx="1"/>
+          </p:nvPr>
+        </p:nvSpPr>
+        <p:spPr>
+          <a:xfrm>
+            <a:off x="628650" y="2397211"/>
+            <a:ext cx="7886700" cy="3779752"/>
+          </a:xfrm>
+        </p:spPr>
+        <p:txBody>
+          <a:bodyPr/>
+          <a:lstStyle/>
+          <a:p>
+            <a:r>
+              <a:rPr lang="en-US" dirty="0" smtClean="0"/>
+              <a:t>Mars Science Laboratory -  Apollo entry guidance, DGB Chute, Sky-Crane Descent stage</a:t>
+            </a:r>
+          </a:p>
+          <a:p>
+            <a:r>
+              <a:rPr lang="en-US" dirty="0" smtClean="0"/>
+              <a:t>Reference trajectory designed for slow maneuvers and wide margins </a:t>
+            </a:r>
+          </a:p>
+          <a:p>
+            <a:r>
+              <a:rPr lang="en-US" dirty="0" smtClean="0"/>
+              <a:t>Closed-loop performance evaluated via Monte Carlo</a:t>
+            </a:r>
+          </a:p>
+          <a:p>
+            <a:pPr lvl="1"/>
+            <a:r>
+              <a:rPr lang="en-US" dirty="0" smtClean="0"/>
+              <a:t>Iteration with human in the loop </a:t>
+            </a:r>
+          </a:p>
+          <a:p>
+            <a:r>
+              <a:rPr lang="en-US" dirty="0" smtClean="0"/>
+              <a:t>Parachute architectures simply do not scale to high ballistic coefficients</a:t>
+            </a:r>
+            <a:endParaRPr lang="en-US" dirty="0"/>
+          </a:p>
+        </p:txBody>
+      </p:sp>
+    </p:spTree>
+    <p:extLst>
+      <p:ext uri="{BB962C8B-B14F-4D97-AF65-F5344CB8AC3E}">
+        <p14:creationId xmlns:p14="http://schemas.microsoft.com/office/powerpoint/2010/main" val="2733381749"/>
+      </p:ext>
+    </p:extLst>
+  </p:cSld>
+  <p:clrMapOvr>
+    <a:masterClrMapping/>
+  </p:clrMapOvr>
+</p:sld>
+</file>
+
+<file path=ppt/slides/slide20.xml><?xml version="1.0" encoding="utf-8"?>
+<p:sld xmlns:a="http://schemas.openxmlformats.org/drawingml/2006/main" xmlns:r="http://schemas.openxmlformats.org/officeDocument/2006/relationships" xmlns:p="http://schemas.openxmlformats.org/presentationml/2006/main">
+  <p:cSld>
+    <p:spTree>
+      <p:nvGrpSpPr>
+        <p:cNvPr id="1" name=""/>
+        <p:cNvGrpSpPr/>
+        <p:nvPr/>
+      </p:nvGrpSpPr>
+      <p:grpSpPr>
+        <a:xfrm>
+          <a:off x="0" y="0"/>
+          <a:ext cx="0" cy="0"/>
+          <a:chOff x="0" y="0"/>
+          <a:chExt cx="0" cy="0"/>
+        </a:xfrm>
+      </p:grpSpPr>
+      <p:pic>
+        <p:nvPicPr>
+          <p:cNvPr id="15" name="Picture 14"/>
+          <p:cNvPicPr>
+            <a:picLocks noChangeAspect="1"/>
+          </p:cNvPicPr>
+          <p:nvPr/>
+        </p:nvPicPr>
+        <p:blipFill>
+          <a:blip r:embed="rId3">
+            <a:extLst>
+              <a:ext uri="{28A0092B-C50C-407E-A947-70E740481C1C}">
+                <a14:useLocalDpi xmlns:a14="http://schemas.microsoft.com/office/drawing/2010/main" val="0"/>
+              </a:ext>
+            </a:extLst>
+          </a:blip>
+          <a:stretch>
+            <a:fillRect/>
+          </a:stretch>
+        </p:blipFill>
+        <p:spPr>
+          <a:xfrm>
+            <a:off x="199123" y="3081561"/>
+            <a:ext cx="5897785" cy="3593228"/>
+          </a:xfrm>
+          <a:prstGeom prst="rect">
+            <a:avLst/>
+          </a:prstGeom>
+        </p:spPr>
+      </p:pic>
+      <p:sp>
+        <p:nvSpPr>
+          <p:cNvPr id="2" name="Title 1"/>
+          <p:cNvSpPr>
+            <a:spLocks noGrp="1"/>
+          </p:cNvSpPr>
+          <p:nvPr>
+            <p:ph type="title"/>
+          </p:nvPr>
+        </p:nvSpPr>
+        <p:spPr>
+          <a:xfrm>
+            <a:off x="628650" y="1003841"/>
+            <a:ext cx="7886700" cy="611532"/>
+          </a:xfrm>
+        </p:spPr>
+        <p:txBody>
+          <a:bodyPr/>
+          <a:lstStyle/>
+          <a:p>
+            <a:r>
+              <a:rPr lang="en-US" dirty="0" smtClean="0"/>
+              <a:t>Single Trajectory Demonstration</a:t>
+            </a:r>
+            <a:endParaRPr lang="en-US" dirty="0"/>
+          </a:p>
+        </p:txBody>
+      </p:sp>
+      <p:sp>
+        <p:nvSpPr>
+          <p:cNvPr id="3" name="Content Placeholder 2"/>
+          <p:cNvSpPr>
+            <a:spLocks noGrp="1"/>
+          </p:cNvSpPr>
+          <p:nvPr>
+            <p:ph idx="1"/>
+          </p:nvPr>
+        </p:nvSpPr>
+        <p:spPr>
+          <a:xfrm>
+            <a:off x="628650" y="1825625"/>
+            <a:ext cx="7886700" cy="1514341"/>
+          </a:xfrm>
+        </p:spPr>
+        <p:txBody>
+          <a:bodyPr/>
+          <a:lstStyle/>
+          <a:p>
+            <a:r>
+              <a:rPr lang="en-US" sz="2400" dirty="0" smtClean="0"/>
+              <a:t>Updates occur at 30s interval, and ceases below 1000 m/s </a:t>
+            </a:r>
+          </a:p>
+          <a:p>
+            <a:r>
+              <a:rPr lang="en-US" sz="2400" dirty="0" smtClean="0"/>
+              <a:t>4% less drag, 4% more lift, and perturbations to atmospheric density are applied</a:t>
+            </a:r>
+            <a:endParaRPr lang="en-US" sz="2400" dirty="0"/>
+          </a:p>
+        </p:txBody>
+      </p:sp>
+      <p:sp>
+        <p:nvSpPr>
+          <p:cNvPr id="6" name="Oval 5"/>
+          <p:cNvSpPr/>
+          <p:nvPr/>
+        </p:nvSpPr>
+        <p:spPr>
+          <a:xfrm>
+            <a:off x="5541651" y="3591729"/>
+            <a:ext cx="336884" cy="333875"/>
+          </a:xfrm>
+          <a:prstGeom prst="ellipse">
+            <a:avLst/>
+          </a:prstGeom>
+          <a:noFill/>
+          <a:ln w="28575">
+            <a:solidFill>
+              <a:schemeClr val="tx1"/>
+            </a:solidFill>
+          </a:ln>
+        </p:spPr>
+        <p:style>
+          <a:lnRef idx="2">
+            <a:schemeClr val="accent1">
+              <a:shade val="50000"/>
+            </a:schemeClr>
+          </a:lnRef>
+          <a:fillRef idx="1">
+            <a:schemeClr val="accent1"/>
+          </a:fillRef>
+          <a:effectRef idx="0">
+            <a:schemeClr val="accent1"/>
+          </a:effectRef>
+          <a:fontRef idx="minor">
+            <a:schemeClr val="lt1"/>
+          </a:fontRef>
+        </p:style>
+        <p:txBody>
+          <a:bodyPr rtlCol="0" anchor="ctr"/>
+          <a:lstStyle/>
+          <a:p>
+            <a:pPr algn="ctr"/>
+            <a:endParaRPr lang="en-US"/>
+          </a:p>
+        </p:txBody>
+      </p:sp>
+      <p:sp>
+        <p:nvSpPr>
+          <p:cNvPr id="7" name="TextBox 6"/>
+          <p:cNvSpPr txBox="1"/>
+          <p:nvPr/>
+        </p:nvSpPr>
+        <p:spPr>
+          <a:xfrm>
+            <a:off x="6629306" y="2966817"/>
+            <a:ext cx="2418442" cy="2585323"/>
+          </a:xfrm>
+          <a:prstGeom prst="rect">
+            <a:avLst/>
+          </a:prstGeom>
+          <a:noFill/>
+        </p:spPr>
+        <p:txBody>
+          <a:bodyPr wrap="square" rtlCol="0">
+            <a:spAutoFit/>
+          </a:bodyPr>
+          <a:lstStyle/>
+          <a:p>
+            <a:r>
+              <a:rPr lang="en-US" dirty="0" smtClean="0"/>
+              <a:t>Mismatch between state predicted by update 2 (green) and actual state due to parametric uncertainty and off-nominal atmospheric conditions is corrected by the following updates</a:t>
+            </a:r>
+            <a:endParaRPr lang="en-US" dirty="0"/>
+          </a:p>
+        </p:txBody>
+      </p:sp>
+      <p:cxnSp>
+        <p:nvCxnSpPr>
+          <p:cNvPr id="11" name="Straight Arrow Connector 10"/>
+          <p:cNvCxnSpPr/>
+          <p:nvPr/>
+        </p:nvCxnSpPr>
+        <p:spPr>
+          <a:xfrm flipH="1">
+            <a:off x="5958038" y="3760470"/>
+            <a:ext cx="596766" cy="0"/>
+          </a:xfrm>
+          <a:prstGeom prst="straightConnector1">
+            <a:avLst/>
+          </a:prstGeom>
+          <a:ln w="22225">
+            <a:solidFill>
+              <a:schemeClr val="tx1"/>
+            </a:solidFill>
+            <a:tailEnd type="triangle"/>
+          </a:ln>
+        </p:spPr>
+        <p:style>
+          <a:lnRef idx="1">
+            <a:schemeClr val="accent1"/>
+          </a:lnRef>
+          <a:fillRef idx="0">
+            <a:schemeClr val="accent1"/>
+          </a:fillRef>
+          <a:effectRef idx="0">
+            <a:schemeClr val="accent1"/>
+          </a:effectRef>
+          <a:fontRef idx="minor">
+            <a:schemeClr val="tx1"/>
+          </a:fontRef>
+        </p:style>
+      </p:cxnSp>
+    </p:spTree>
+    <p:extLst>
+      <p:ext uri="{BB962C8B-B14F-4D97-AF65-F5344CB8AC3E}">
+        <p14:creationId xmlns:p14="http://schemas.microsoft.com/office/powerpoint/2010/main" val="2507780609"/>
+      </p:ext>
+    </p:extLst>
+  </p:cSld>
+  <p:clrMapOvr>
+    <a:masterClrMapping/>
+  </p:clrMapOvr>
+</p:sld>
+</file>
+
+<file path=ppt/slides/slide21.xml><?xml version="1.0" encoding="utf-8"?>
+<p:sld xmlns:a="http://schemas.openxmlformats.org/drawingml/2006/main" xmlns:r="http://schemas.openxmlformats.org/officeDocument/2006/relationships" xmlns:p="http://schemas.openxmlformats.org/presentationml/2006/main">
+  <p:cSld>
+    <p:spTree>
+      <p:nvGrpSpPr>
+        <p:cNvPr id="1" name=""/>
+        <p:cNvGrpSpPr/>
+        <p:nvPr/>
+      </p:nvGrpSpPr>
+      <p:grpSpPr>
+        <a:xfrm>
+          <a:off x="0" y="0"/>
+          <a:ext cx="0" cy="0"/>
+          <a:chOff x="0" y="0"/>
+          <a:chExt cx="0" cy="0"/>
+        </a:xfrm>
+      </p:grpSpPr>
+      <p:sp>
+        <p:nvSpPr>
+          <p:cNvPr id="2" name="Title 1"/>
+          <p:cNvSpPr>
+            <a:spLocks noGrp="1"/>
+          </p:cNvSpPr>
+          <p:nvPr>
+            <p:ph type="title"/>
+          </p:nvPr>
+        </p:nvSpPr>
+        <p:spPr>
+          <a:xfrm>
+            <a:off x="628650" y="1061034"/>
+            <a:ext cx="7886700" cy="611532"/>
+          </a:xfrm>
+        </p:spPr>
+        <p:txBody>
+          <a:bodyPr/>
+          <a:lstStyle/>
+          <a:p>
+            <a:r>
+              <a:rPr lang="en-US" dirty="0" smtClean="0"/>
+              <a:t>Single Trajectory (Cont.)</a:t>
+            </a:r>
+            <a:endParaRPr lang="en-US" dirty="0"/>
+          </a:p>
+        </p:txBody>
+      </p:sp>
+      <p:sp>
+        <p:nvSpPr>
+          <p:cNvPr id="3" name="Content Placeholder 2"/>
+          <p:cNvSpPr>
+            <a:spLocks noGrp="1"/>
+          </p:cNvSpPr>
+          <p:nvPr>
+            <p:ph idx="1"/>
+          </p:nvPr>
+        </p:nvSpPr>
+        <p:spPr>
+          <a:xfrm>
+            <a:off x="314325" y="1957386"/>
+            <a:ext cx="8515350" cy="1418089"/>
+          </a:xfrm>
+        </p:spPr>
+        <p:txBody>
+          <a:bodyPr/>
+          <a:lstStyle/>
+          <a:p>
+            <a:r>
+              <a:rPr lang="en-US" sz="2400" dirty="0" smtClean="0"/>
+              <a:t>The initial trajectory was optimized for high altitude</a:t>
+            </a:r>
+          </a:p>
+          <a:p>
+            <a:r>
+              <a:rPr lang="en-US" sz="2400" dirty="0" smtClean="0"/>
+              <a:t>The updates retain aspects of the original trajectory, e.g., altitude performance remains excellent </a:t>
+            </a:r>
+            <a:endParaRPr lang="en-US" sz="2400" dirty="0"/>
+          </a:p>
+        </p:txBody>
+      </p:sp>
+      <p:pic>
+        <p:nvPicPr>
+          <p:cNvPr id="4" name="Picture 3"/>
+          <p:cNvPicPr>
+            <a:picLocks noChangeAspect="1"/>
+          </p:cNvPicPr>
+          <p:nvPr/>
+        </p:nvPicPr>
+        <p:blipFill>
+          <a:blip r:embed="rId3">
+            <a:extLst>
+              <a:ext uri="{28A0092B-C50C-407E-A947-70E740481C1C}">
+                <a14:useLocalDpi xmlns:a14="http://schemas.microsoft.com/office/drawing/2010/main" val="0"/>
+              </a:ext>
+            </a:extLst>
+          </a:blip>
+          <a:stretch>
+            <a:fillRect/>
+          </a:stretch>
+        </p:blipFill>
+        <p:spPr>
+          <a:xfrm>
+            <a:off x="3801980" y="3484527"/>
+            <a:ext cx="5216892" cy="3202776"/>
+          </a:xfrm>
+          <a:prstGeom prst="rect">
+            <a:avLst/>
+          </a:prstGeom>
+        </p:spPr>
+      </p:pic>
+      <p:sp>
+        <p:nvSpPr>
+          <p:cNvPr id="5" name="TextBox 4"/>
+          <p:cNvSpPr txBox="1"/>
+          <p:nvPr/>
+        </p:nvSpPr>
+        <p:spPr>
+          <a:xfrm>
+            <a:off x="4456500" y="5303519"/>
+            <a:ext cx="1212782" cy="738664"/>
+          </a:xfrm>
+          <a:prstGeom prst="rect">
+            <a:avLst/>
+          </a:prstGeom>
+          <a:noFill/>
+        </p:spPr>
+        <p:txBody>
+          <a:bodyPr wrap="square" rtlCol="0">
+            <a:spAutoFit/>
+          </a:bodyPr>
+          <a:lstStyle/>
+          <a:p>
+            <a:r>
+              <a:rPr lang="en-US" sz="1400" dirty="0" smtClean="0"/>
+              <a:t>Parachute deployment box</a:t>
+            </a:r>
+            <a:endParaRPr lang="en-US" sz="1400" dirty="0"/>
+          </a:p>
+        </p:txBody>
+      </p:sp>
+      <p:sp>
+        <p:nvSpPr>
+          <p:cNvPr id="6" name="TextBox 5"/>
+          <p:cNvSpPr txBox="1"/>
+          <p:nvPr/>
+        </p:nvSpPr>
+        <p:spPr>
+          <a:xfrm>
+            <a:off x="314325" y="3190877"/>
+            <a:ext cx="3583907" cy="1569660"/>
+          </a:xfrm>
+          <a:prstGeom prst="rect">
+            <a:avLst/>
+          </a:prstGeom>
+          <a:noFill/>
+        </p:spPr>
+        <p:txBody>
+          <a:bodyPr wrap="square" rtlCol="0">
+            <a:spAutoFit/>
+          </a:bodyPr>
+          <a:lstStyle/>
+          <a:p>
+            <a:pPr marL="285750" indent="-285750">
+              <a:buFont typeface="Arial" panose="020B0604020202020204" pitchFamily="34" charset="0"/>
+              <a:buChar char="•"/>
+            </a:pPr>
+            <a:r>
+              <a:rPr lang="en-US" sz="2400" dirty="0" smtClean="0"/>
+              <a:t>All trajectories end at the same energy level due to use of energy as independent variable </a:t>
+            </a:r>
+            <a:endParaRPr lang="en-US" sz="2400" dirty="0"/>
+          </a:p>
+        </p:txBody>
+      </p:sp>
+    </p:spTree>
+    <p:extLst>
+      <p:ext uri="{BB962C8B-B14F-4D97-AF65-F5344CB8AC3E}">
+        <p14:creationId xmlns:p14="http://schemas.microsoft.com/office/powerpoint/2010/main" val="860064350"/>
+      </p:ext>
+    </p:extLst>
+  </p:cSld>
+  <p:clrMapOvr>
+    <a:masterClrMapping/>
+  </p:clrMapOvr>
+</p:sld>
+</file>
+
+<file path=ppt/slides/slide22.xml><?xml version="1.0" encoding="utf-8"?>
+<p:sld xmlns:a="http://schemas.openxmlformats.org/drawingml/2006/main" xmlns:r="http://schemas.openxmlformats.org/officeDocument/2006/relationships" xmlns:p="http://schemas.openxmlformats.org/presentationml/2006/main">
+  <p:cSld>
+    <p:spTree>
+      <p:nvGrpSpPr>
+        <p:cNvPr id="1" name=""/>
+        <p:cNvGrpSpPr/>
+        <p:nvPr/>
+      </p:nvGrpSpPr>
+      <p:grpSpPr>
+        <a:xfrm>
+          <a:off x="0" y="0"/>
+          <a:ext cx="0" cy="0"/>
+          <a:chOff x="0" y="0"/>
+          <a:chExt cx="0" cy="0"/>
+        </a:xfrm>
+      </p:grpSpPr>
+      <p:sp>
+        <p:nvSpPr>
+          <p:cNvPr id="2" name="Title 1"/>
+          <p:cNvSpPr>
+            <a:spLocks noGrp="1"/>
+          </p:cNvSpPr>
+          <p:nvPr>
+            <p:ph type="title"/>
+          </p:nvPr>
+        </p:nvSpPr>
+        <p:spPr/>
+        <p:txBody>
+          <a:bodyPr/>
+          <a:lstStyle/>
+          <a:p>
+            <a:r>
+              <a:rPr lang="en-US" dirty="0" smtClean="0"/>
+              <a:t>Monte Carlo Simulation</a:t>
+            </a:r>
+            <a:endParaRPr lang="en-US" dirty="0"/>
+          </a:p>
+        </p:txBody>
+      </p:sp>
+      <p:sp>
+        <p:nvSpPr>
+          <p:cNvPr id="3" name="Content Placeholder 2"/>
+          <p:cNvSpPr>
+            <a:spLocks noGrp="1"/>
+          </p:cNvSpPr>
+          <p:nvPr>
+            <p:ph idx="1"/>
+          </p:nvPr>
+        </p:nvSpPr>
+        <p:spPr/>
+        <p:txBody>
+          <a:bodyPr/>
+          <a:lstStyle/>
+          <a:p>
+            <a:r>
+              <a:rPr lang="en-US" sz="2400" dirty="0" smtClean="0"/>
+              <a:t>Vehicle is nominally L/D = 0.24 with initial state subject to MSL-like dispersions</a:t>
+            </a:r>
+            <a:endParaRPr lang="en-US" sz="2400" dirty="0"/>
+          </a:p>
+          <a:p>
+            <a:r>
+              <a:rPr lang="en-US" sz="2400" dirty="0" err="1" smtClean="0"/>
+              <a:t>MarsGRAM</a:t>
+            </a:r>
+            <a:r>
+              <a:rPr lang="en-US" sz="2400" dirty="0" smtClean="0"/>
+              <a:t> is used for environment modeling</a:t>
+            </a:r>
+          </a:p>
+          <a:p>
+            <a:r>
+              <a:rPr lang="en-US" sz="2400" dirty="0" smtClean="0"/>
+              <a:t>Uncertainty is added to lift and drag coefficients</a:t>
+            </a:r>
+          </a:p>
+          <a:p>
+            <a:pPr lvl="1"/>
+            <a:r>
+              <a:rPr lang="en-US" sz="2000" dirty="0" smtClean="0"/>
+              <a:t>Gaussian with 3</a:t>
+            </a:r>
+            <a:r>
+              <a:rPr lang="el-GR" sz="2000" dirty="0" smtClean="0"/>
+              <a:t>σ</a:t>
+            </a:r>
+            <a:r>
+              <a:rPr lang="en-US" sz="2000" dirty="0" smtClean="0"/>
+              <a:t> = 10%</a:t>
+            </a:r>
+          </a:p>
+          <a:p>
+            <a:r>
+              <a:rPr lang="en-US" sz="2400" dirty="0" smtClean="0"/>
+              <a:t>Updates occurs at 10 second intervals and stops at 600 m/s </a:t>
+            </a:r>
+          </a:p>
+          <a:p>
+            <a:r>
+              <a:rPr lang="en-US" sz="2400" dirty="0" smtClean="0"/>
+              <a:t>Bank angle limited to ±90°, and bank rate limited to 20°/s</a:t>
+            </a:r>
+          </a:p>
+          <a:p>
+            <a:r>
+              <a:rPr lang="en-US" sz="2400" dirty="0" smtClean="0"/>
+              <a:t>200 samples chosen by </a:t>
+            </a:r>
+            <a:r>
+              <a:rPr lang="en-US" sz="2400" dirty="0" err="1" smtClean="0"/>
+              <a:t>Sobol</a:t>
+            </a:r>
+            <a:r>
+              <a:rPr lang="en-US" sz="2400" dirty="0" smtClean="0"/>
+              <a:t>’ sequence</a:t>
+            </a:r>
+          </a:p>
+          <a:p>
+            <a:r>
+              <a:rPr lang="en-US" sz="2400" dirty="0" smtClean="0"/>
+              <a:t>Trajectories terminate when they reach the correct downrange distance</a:t>
+            </a:r>
+          </a:p>
+          <a:p>
+            <a:pPr lvl="1"/>
+            <a:r>
+              <a:rPr lang="en-US" sz="2000" dirty="0" smtClean="0"/>
+              <a:t>Simple logic, but should expect variations in final altitude and velocity despite energy as independent variable  </a:t>
+            </a:r>
+          </a:p>
+        </p:txBody>
+      </p:sp>
+    </p:spTree>
+    <p:extLst>
+      <p:ext uri="{BB962C8B-B14F-4D97-AF65-F5344CB8AC3E}">
+        <p14:creationId xmlns:p14="http://schemas.microsoft.com/office/powerpoint/2010/main" val="3505934654"/>
+      </p:ext>
+    </p:extLst>
+  </p:cSld>
+  <p:clrMapOvr>
+    <a:masterClrMapping/>
+  </p:clrMapOvr>
+</p:sld>
+</file>
+
+<file path=ppt/slides/slide23.xml><?xml version="1.0" encoding="utf-8"?>
+<p:sld xmlns:a="http://schemas.openxmlformats.org/drawingml/2006/main" xmlns:r="http://schemas.openxmlformats.org/officeDocument/2006/relationships" xmlns:p="http://schemas.openxmlformats.org/presentationml/2006/main">
+  <p:cSld>
+    <p:spTree>
+      <p:nvGrpSpPr>
+        <p:cNvPr id="1" name=""/>
+        <p:cNvGrpSpPr/>
+        <p:nvPr/>
+      </p:nvGrpSpPr>
+      <p:grpSpPr>
+        <a:xfrm>
+          <a:off x="0" y="0"/>
+          <a:ext cx="0" cy="0"/>
+          <a:chOff x="0" y="0"/>
+          <a:chExt cx="0" cy="0"/>
+        </a:xfrm>
+      </p:grpSpPr>
+      <p:sp>
+        <p:nvSpPr>
+          <p:cNvPr id="2" name="Title 1"/>
+          <p:cNvSpPr>
+            <a:spLocks noGrp="1"/>
+          </p:cNvSpPr>
+          <p:nvPr>
+            <p:ph type="title"/>
+          </p:nvPr>
+        </p:nvSpPr>
+        <p:spPr/>
+        <p:txBody>
+          <a:bodyPr/>
+          <a:lstStyle/>
+          <a:p>
+            <a:r>
+              <a:rPr lang="en-US" dirty="0" smtClean="0"/>
+              <a:t>MCS Results - </a:t>
+            </a:r>
+            <a:r>
+              <a:rPr lang="en-US" dirty="0" err="1" smtClean="0"/>
+              <a:t>Groundtrack</a:t>
+            </a:r>
+            <a:endParaRPr lang="en-US" dirty="0"/>
+          </a:p>
+        </p:txBody>
+      </p:sp>
+      <p:sp>
+        <p:nvSpPr>
+          <p:cNvPr id="3" name="Content Placeholder 2"/>
+          <p:cNvSpPr>
+            <a:spLocks noGrp="1"/>
+          </p:cNvSpPr>
+          <p:nvPr>
+            <p:ph idx="1"/>
+          </p:nvPr>
+        </p:nvSpPr>
+        <p:spPr>
+          <a:xfrm>
+            <a:off x="628650" y="1777500"/>
+            <a:ext cx="7886700" cy="1398838"/>
+          </a:xfrm>
+        </p:spPr>
+        <p:txBody>
+          <a:bodyPr/>
+          <a:lstStyle/>
+          <a:p>
+            <a:r>
+              <a:rPr lang="en-US" sz="2400" dirty="0" smtClean="0"/>
+              <a:t>Excellent </a:t>
+            </a:r>
+            <a:r>
+              <a:rPr lang="en-US" sz="2400" dirty="0" err="1" smtClean="0"/>
+              <a:t>crossrange</a:t>
+            </a:r>
+            <a:r>
+              <a:rPr lang="en-US" sz="2400" dirty="0" smtClean="0"/>
+              <a:t> performance due to coupled update to longitudinal and lateral channels </a:t>
+            </a:r>
+          </a:p>
+          <a:p>
+            <a:r>
+              <a:rPr lang="en-US" sz="2400" dirty="0" smtClean="0"/>
+              <a:t>Interestingly, a small number of samples even have an additional reversal</a:t>
+            </a:r>
+            <a:endParaRPr lang="en-US" sz="2400" dirty="0"/>
+          </a:p>
+        </p:txBody>
+      </p:sp>
+      <p:pic>
+        <p:nvPicPr>
+          <p:cNvPr id="5" name="Picture 4"/>
+          <p:cNvPicPr>
+            <a:picLocks noChangeAspect="1"/>
+          </p:cNvPicPr>
+          <p:nvPr/>
+        </p:nvPicPr>
+        <p:blipFill>
+          <a:blip r:embed="rId3">
+            <a:extLst>
+              <a:ext uri="{28A0092B-C50C-407E-A947-70E740481C1C}">
+                <a14:useLocalDpi xmlns:a14="http://schemas.microsoft.com/office/drawing/2010/main" val="0"/>
+              </a:ext>
+            </a:extLst>
+          </a:blip>
+          <a:stretch>
+            <a:fillRect/>
+          </a:stretch>
+        </p:blipFill>
+        <p:spPr>
+          <a:xfrm>
+            <a:off x="1600247" y="3272588"/>
+            <a:ext cx="5750999" cy="3498601"/>
+          </a:xfrm>
+          <a:prstGeom prst="rect">
+            <a:avLst/>
+          </a:prstGeom>
+        </p:spPr>
+      </p:pic>
+    </p:spTree>
+    <p:extLst>
+      <p:ext uri="{BB962C8B-B14F-4D97-AF65-F5344CB8AC3E}">
+        <p14:creationId xmlns:p14="http://schemas.microsoft.com/office/powerpoint/2010/main" val="1826672569"/>
+      </p:ext>
+    </p:extLst>
+  </p:cSld>
+  <p:clrMapOvr>
+    <a:masterClrMapping/>
+  </p:clrMapOvr>
+</p:sld>
+</file>
+
+<file path=ppt/slides/slide24.xml><?xml version="1.0" encoding="utf-8"?>
+<p:sld xmlns:a="http://schemas.openxmlformats.org/drawingml/2006/main" xmlns:r="http://schemas.openxmlformats.org/officeDocument/2006/relationships" xmlns:p="http://schemas.openxmlformats.org/presentationml/2006/main">
+  <p:cSld>
+    <p:spTree>
+      <p:nvGrpSpPr>
+        <p:cNvPr id="1" name=""/>
+        <p:cNvGrpSpPr/>
+        <p:nvPr/>
+      </p:nvGrpSpPr>
+      <p:grpSpPr>
+        <a:xfrm>
+          <a:off x="0" y="0"/>
+          <a:ext cx="0" cy="0"/>
+          <a:chOff x="0" y="0"/>
+          <a:chExt cx="0" cy="0"/>
+        </a:xfrm>
+      </p:grpSpPr>
+      <p:sp>
+        <p:nvSpPr>
+          <p:cNvPr id="2" name="Title 1"/>
+          <p:cNvSpPr>
+            <a:spLocks noGrp="1"/>
+          </p:cNvSpPr>
+          <p:nvPr>
+            <p:ph type="title"/>
+          </p:nvPr>
+        </p:nvSpPr>
+        <p:spPr>
+          <a:xfrm>
+            <a:off x="628649" y="964938"/>
+            <a:ext cx="8370972" cy="611532"/>
+          </a:xfrm>
+        </p:spPr>
+        <p:txBody>
+          <a:bodyPr/>
+          <a:lstStyle/>
+          <a:p>
+            <a:r>
+              <a:rPr lang="en-US" dirty="0" smtClean="0"/>
+              <a:t>MCS Results – Altitude/Velocity</a:t>
+            </a:r>
+            <a:endParaRPr lang="en-US" dirty="0"/>
+          </a:p>
+        </p:txBody>
+      </p:sp>
+      <p:sp>
+        <p:nvSpPr>
+          <p:cNvPr id="3" name="Content Placeholder 2"/>
+          <p:cNvSpPr>
+            <a:spLocks noGrp="1"/>
+          </p:cNvSpPr>
+          <p:nvPr>
+            <p:ph idx="1"/>
+          </p:nvPr>
+        </p:nvSpPr>
+        <p:spPr>
+          <a:xfrm>
+            <a:off x="628649" y="1690690"/>
+            <a:ext cx="7886700" cy="1437522"/>
+          </a:xfrm>
+        </p:spPr>
+        <p:txBody>
+          <a:bodyPr/>
+          <a:lstStyle/>
+          <a:p>
+            <a:r>
+              <a:rPr lang="en-US" sz="2400" dirty="0" smtClean="0"/>
+              <a:t>Although some trajectories exit the parachute deployment conditions, all but three pass through the box</a:t>
+            </a:r>
+          </a:p>
+          <a:p>
+            <a:pPr lvl="1"/>
+            <a:r>
+              <a:rPr lang="en-US" sz="2000" dirty="0" smtClean="0"/>
+              <a:t>Solved by considering triggering logic that explicitly accounts for parachute conditions </a:t>
+            </a:r>
+          </a:p>
+          <a:p>
+            <a:pPr marL="0" indent="0">
+              <a:buNone/>
+            </a:pPr>
+            <a:endParaRPr lang="en-US" dirty="0"/>
+          </a:p>
+        </p:txBody>
+      </p:sp>
+      <p:pic>
+        <p:nvPicPr>
+          <p:cNvPr id="7" name="Picture 6"/>
+          <p:cNvPicPr>
+            <a:picLocks noChangeAspect="1"/>
+          </p:cNvPicPr>
+          <p:nvPr/>
+        </p:nvPicPr>
+        <p:blipFill>
+          <a:blip r:embed="rId2">
+            <a:extLst>
+              <a:ext uri="{28A0092B-C50C-407E-A947-70E740481C1C}">
+                <a14:useLocalDpi xmlns:a14="http://schemas.microsoft.com/office/drawing/2010/main" val="0"/>
+              </a:ext>
+            </a:extLst>
+          </a:blip>
+          <a:stretch>
+            <a:fillRect/>
+          </a:stretch>
+        </p:blipFill>
+        <p:spPr>
+          <a:xfrm>
+            <a:off x="6015308" y="3001647"/>
+            <a:ext cx="2984313" cy="1856906"/>
+          </a:xfrm>
+          <a:prstGeom prst="rect">
+            <a:avLst/>
+          </a:prstGeom>
+        </p:spPr>
+      </p:pic>
+      <p:pic>
+        <p:nvPicPr>
+          <p:cNvPr id="8" name="Picture 7"/>
+          <p:cNvPicPr>
+            <a:picLocks noChangeAspect="1"/>
+          </p:cNvPicPr>
+          <p:nvPr/>
+        </p:nvPicPr>
+        <p:blipFill>
+          <a:blip r:embed="rId3">
+            <a:extLst>
+              <a:ext uri="{28A0092B-C50C-407E-A947-70E740481C1C}">
+                <a14:useLocalDpi xmlns:a14="http://schemas.microsoft.com/office/drawing/2010/main" val="0"/>
+              </a:ext>
+            </a:extLst>
+          </a:blip>
+          <a:stretch>
+            <a:fillRect/>
+          </a:stretch>
+        </p:blipFill>
+        <p:spPr>
+          <a:xfrm>
+            <a:off x="6015308" y="4858553"/>
+            <a:ext cx="2984313" cy="1856905"/>
+          </a:xfrm>
+          <a:prstGeom prst="rect">
+            <a:avLst/>
+          </a:prstGeom>
+        </p:spPr>
+      </p:pic>
+      <p:pic>
+        <p:nvPicPr>
+          <p:cNvPr id="9" name="Picture 8"/>
+          <p:cNvPicPr>
+            <a:picLocks noChangeAspect="1"/>
+          </p:cNvPicPr>
+          <p:nvPr/>
+        </p:nvPicPr>
+        <p:blipFill>
+          <a:blip r:embed="rId4">
+            <a:extLst>
+              <a:ext uri="{28A0092B-C50C-407E-A947-70E740481C1C}">
+                <a14:useLocalDpi xmlns:a14="http://schemas.microsoft.com/office/drawing/2010/main" val="0"/>
+              </a:ext>
+            </a:extLst>
+          </a:blip>
+          <a:stretch>
+            <a:fillRect/>
+          </a:stretch>
+        </p:blipFill>
+        <p:spPr>
+          <a:xfrm>
+            <a:off x="198640" y="3128212"/>
+            <a:ext cx="5332396" cy="3273687"/>
+          </a:xfrm>
+          <a:prstGeom prst="rect">
+            <a:avLst/>
+          </a:prstGeom>
+        </p:spPr>
+      </p:pic>
+    </p:spTree>
+    <p:extLst>
+      <p:ext uri="{BB962C8B-B14F-4D97-AF65-F5344CB8AC3E}">
+        <p14:creationId xmlns:p14="http://schemas.microsoft.com/office/powerpoint/2010/main" val="303004292"/>
+      </p:ext>
+    </p:extLst>
+  </p:cSld>
+  <p:clrMapOvr>
+    <a:masterClrMapping/>
+  </p:clrMapOvr>
+</p:sld>
+</file>
+
+<file path=ppt/slides/slide25.xml><?xml version="1.0" encoding="utf-8"?>
+<p:sld xmlns:a="http://schemas.openxmlformats.org/drawingml/2006/main" xmlns:r="http://schemas.openxmlformats.org/officeDocument/2006/relationships" xmlns:p="http://schemas.openxmlformats.org/presentationml/2006/main">
+  <p:cSld>
+    <p:spTree>
+      <p:nvGrpSpPr>
+        <p:cNvPr id="1" name=""/>
+        <p:cNvGrpSpPr/>
+        <p:nvPr/>
+      </p:nvGrpSpPr>
+      <p:grpSpPr>
+        <a:xfrm>
+          <a:off x="0" y="0"/>
+          <a:ext cx="0" cy="0"/>
+          <a:chOff x="0" y="0"/>
+          <a:chExt cx="0" cy="0"/>
+        </a:xfrm>
+      </p:grpSpPr>
+      <p:sp>
+        <p:nvSpPr>
+          <p:cNvPr id="2" name="Title 1"/>
+          <p:cNvSpPr>
+            <a:spLocks noGrp="1"/>
+          </p:cNvSpPr>
+          <p:nvPr>
+            <p:ph type="title"/>
+          </p:nvPr>
+        </p:nvSpPr>
+        <p:spPr/>
+        <p:txBody>
+          <a:bodyPr/>
+          <a:lstStyle/>
+          <a:p>
+            <a:r>
+              <a:rPr lang="en-US" dirty="0" smtClean="0"/>
+              <a:t>MCS Results – Bank Profiles </a:t>
+            </a:r>
+            <a:endParaRPr lang="en-US" dirty="0"/>
+          </a:p>
+        </p:txBody>
+      </p:sp>
+      <p:sp>
+        <p:nvSpPr>
+          <p:cNvPr id="5" name="Content Placeholder 4"/>
+          <p:cNvSpPr>
+            <a:spLocks noGrp="1"/>
+          </p:cNvSpPr>
+          <p:nvPr>
+            <p:ph idx="1"/>
+          </p:nvPr>
+        </p:nvSpPr>
+        <p:spPr>
+          <a:xfrm>
+            <a:off x="628650" y="1825625"/>
+            <a:ext cx="8245843" cy="1244834"/>
+          </a:xfrm>
+        </p:spPr>
+        <p:txBody>
+          <a:bodyPr/>
+          <a:lstStyle/>
+          <a:p>
+            <a:r>
+              <a:rPr lang="en-US" dirty="0" smtClean="0"/>
+              <a:t>Largest difference is in the timing of bank reversals</a:t>
+            </a:r>
+          </a:p>
+          <a:p>
+            <a:pPr lvl="0"/>
+            <a:r>
+              <a:rPr lang="en-US" dirty="0">
+                <a:solidFill>
+                  <a:prstClr val="black"/>
+                </a:solidFill>
+              </a:rPr>
+              <a:t>Bank angle (and trajectory in general) deviates from the original trajectory most at the end</a:t>
+            </a:r>
+          </a:p>
+          <a:p>
+            <a:endParaRPr lang="en-US" dirty="0" smtClean="0"/>
+          </a:p>
+          <a:p>
+            <a:endParaRPr lang="en-US" dirty="0"/>
+          </a:p>
+        </p:txBody>
+      </p:sp>
+      <p:pic>
+        <p:nvPicPr>
+          <p:cNvPr id="6" name="Picture 5"/>
+          <p:cNvPicPr>
+            <a:picLocks noChangeAspect="1"/>
+          </p:cNvPicPr>
+          <p:nvPr/>
+        </p:nvPicPr>
+        <p:blipFill>
+          <a:blip r:embed="rId2">
+            <a:extLst>
+              <a:ext uri="{28A0092B-C50C-407E-A947-70E740481C1C}">
+                <a14:useLocalDpi xmlns:a14="http://schemas.microsoft.com/office/drawing/2010/main" val="0"/>
+              </a:ext>
+            </a:extLst>
+          </a:blip>
+          <a:stretch>
+            <a:fillRect/>
+          </a:stretch>
+        </p:blipFill>
+        <p:spPr>
+          <a:xfrm>
+            <a:off x="259880" y="3197993"/>
+            <a:ext cx="5813843" cy="3488306"/>
+          </a:xfrm>
+          <a:prstGeom prst="rect">
+            <a:avLst/>
+          </a:prstGeom>
+        </p:spPr>
+      </p:pic>
+      <p:sp>
+        <p:nvSpPr>
+          <p:cNvPr id="7" name="TextBox 6"/>
+          <p:cNvSpPr txBox="1"/>
+          <p:nvPr/>
+        </p:nvSpPr>
+        <p:spPr>
+          <a:xfrm>
+            <a:off x="5861784" y="3395901"/>
+            <a:ext cx="3205214" cy="2363724"/>
+          </a:xfrm>
+          <a:prstGeom prst="rect">
+            <a:avLst/>
+          </a:prstGeom>
+          <a:noFill/>
+        </p:spPr>
+        <p:txBody>
+          <a:bodyPr wrap="square" rtlCol="0">
+            <a:spAutoFit/>
+          </a:bodyPr>
+          <a:lstStyle/>
+          <a:p>
+            <a:pPr lvl="1">
+              <a:lnSpc>
+                <a:spcPct val="90000"/>
+              </a:lnSpc>
+              <a:spcBef>
+                <a:spcPts val="500"/>
+              </a:spcBef>
+            </a:pPr>
+            <a:r>
+              <a:rPr lang="en-US" sz="2400" dirty="0" smtClean="0">
+                <a:solidFill>
+                  <a:prstClr val="black"/>
+                </a:solidFill>
+              </a:rPr>
+              <a:t>This </a:t>
+            </a:r>
+            <a:r>
+              <a:rPr lang="en-US" sz="2400" dirty="0">
+                <a:solidFill>
+                  <a:prstClr val="black"/>
+                </a:solidFill>
+              </a:rPr>
+              <a:t>is expected because </a:t>
+            </a:r>
+            <a:r>
+              <a:rPr lang="en-US" sz="2400" dirty="0" smtClean="0">
+                <a:solidFill>
+                  <a:prstClr val="black"/>
+                </a:solidFill>
+              </a:rPr>
+              <a:t>the later portion of trajectory is updated the greatest number </a:t>
+            </a:r>
+            <a:r>
+              <a:rPr lang="en-US" sz="2400" dirty="0">
+                <a:solidFill>
+                  <a:prstClr val="black"/>
+                </a:solidFill>
+              </a:rPr>
+              <a:t>of times </a:t>
+            </a:r>
+          </a:p>
+          <a:p>
+            <a:endParaRPr lang="en-US" dirty="0"/>
+          </a:p>
+        </p:txBody>
+      </p:sp>
+    </p:spTree>
+    <p:extLst>
+      <p:ext uri="{BB962C8B-B14F-4D97-AF65-F5344CB8AC3E}">
+        <p14:creationId xmlns:p14="http://schemas.microsoft.com/office/powerpoint/2010/main" val="1145173546"/>
+      </p:ext>
+    </p:extLst>
+  </p:cSld>
+  <p:clrMapOvr>
+    <a:masterClrMapping/>
+  </p:clrMapOvr>
+</p:sld>
+</file>
+
+<file path=ppt/slides/slide26.xml><?xml version="1.0" encoding="utf-8"?>
+<p:sld xmlns:a="http://schemas.openxmlformats.org/drawingml/2006/main" xmlns:r="http://schemas.openxmlformats.org/officeDocument/2006/relationships" xmlns:p="http://schemas.openxmlformats.org/presentationml/2006/main">
+  <p:cSld>
+    <p:spTree>
+      <p:nvGrpSpPr>
+        <p:cNvPr id="1" name=""/>
+        <p:cNvGrpSpPr/>
+        <p:nvPr/>
+      </p:nvGrpSpPr>
+      <p:grpSpPr>
+        <a:xfrm>
+          <a:off x="0" y="0"/>
+          <a:ext cx="0" cy="0"/>
+          <a:chOff x="0" y="0"/>
+          <a:chExt cx="0" cy="0"/>
+        </a:xfrm>
+      </p:grpSpPr>
+      <p:sp>
+        <p:nvSpPr>
+          <p:cNvPr id="2" name="Title 1"/>
+          <p:cNvSpPr>
+            <a:spLocks noGrp="1"/>
+          </p:cNvSpPr>
+          <p:nvPr>
+            <p:ph type="title"/>
+          </p:nvPr>
+        </p:nvSpPr>
+        <p:spPr/>
+        <p:txBody>
+          <a:bodyPr/>
+          <a:lstStyle/>
+          <a:p>
+            <a:r>
+              <a:rPr lang="en-US" dirty="0" smtClean="0"/>
+              <a:t>Conclusion</a:t>
+            </a:r>
+            <a:endParaRPr lang="en-US" dirty="0"/>
+          </a:p>
+        </p:txBody>
+      </p:sp>
+      <p:sp>
+        <p:nvSpPr>
+          <p:cNvPr id="3" name="Content Placeholder 2"/>
+          <p:cNvSpPr>
+            <a:spLocks noGrp="1"/>
+          </p:cNvSpPr>
+          <p:nvPr>
+            <p:ph idx="1"/>
+          </p:nvPr>
+        </p:nvSpPr>
+        <p:spPr/>
+        <p:txBody>
+          <a:bodyPr/>
+          <a:lstStyle/>
+          <a:p>
+            <a:r>
+              <a:rPr lang="en-US" dirty="0" smtClean="0"/>
+              <a:t>Despite the use of linearization requiring small, local updates, a convex approach to onboard trajectory redesign shows promise </a:t>
+            </a:r>
+          </a:p>
+          <a:p>
+            <a:r>
+              <a:rPr lang="en-US" dirty="0" smtClean="0"/>
+              <a:t>Use of updating has a number of potential applications</a:t>
+            </a:r>
+          </a:p>
+          <a:p>
+            <a:r>
+              <a:rPr lang="en-US" dirty="0" smtClean="0"/>
+              <a:t>If the target point is not reachable, the solution returned by the optimizer may be outside the region of validity of the linearized trajectory, or the optimization may return infeasible </a:t>
+            </a:r>
+          </a:p>
+          <a:p>
+            <a:pPr lvl="1"/>
+            <a:r>
+              <a:rPr lang="en-US" dirty="0" smtClean="0"/>
+              <a:t>Safeguarding is required</a:t>
+            </a:r>
+          </a:p>
+          <a:p>
+            <a:pPr lvl="1"/>
+            <a:r>
+              <a:rPr lang="en-US" dirty="0" smtClean="0"/>
+              <a:t>Consider the endpoint constraint as a penalty term in the objective </a:t>
+            </a:r>
+            <a:endParaRPr lang="en-US" dirty="0"/>
+          </a:p>
+          <a:p>
+            <a:pPr marL="457200" lvl="1" indent="0">
+              <a:buNone/>
+            </a:pPr>
+            <a:endParaRPr lang="en-US" dirty="0" smtClean="0"/>
+          </a:p>
+        </p:txBody>
+      </p:sp>
+    </p:spTree>
+    <p:extLst>
+      <p:ext uri="{BB962C8B-B14F-4D97-AF65-F5344CB8AC3E}">
+        <p14:creationId xmlns:p14="http://schemas.microsoft.com/office/powerpoint/2010/main" val="2442241489"/>
+      </p:ext>
+    </p:extLst>
+  </p:cSld>
+  <p:clrMapOvr>
+    <a:masterClrMapping/>
+  </p:clrMapOvr>
+</p:sld>
+</file>
+
+<file path=ppt/slides/slide27.xml><?xml version="1.0" encoding="utf-8"?>
+<p:sld xmlns:a="http://schemas.openxmlformats.org/drawingml/2006/main" xmlns:r="http://schemas.openxmlformats.org/officeDocument/2006/relationships" xmlns:p="http://schemas.openxmlformats.org/presentationml/2006/main">
+  <p:cSld>
+    <p:spTree>
+      <p:nvGrpSpPr>
+        <p:cNvPr id="1" name=""/>
+        <p:cNvGrpSpPr/>
+        <p:nvPr/>
+      </p:nvGrpSpPr>
+      <p:grpSpPr>
+        <a:xfrm>
+          <a:off x="0" y="0"/>
+          <a:ext cx="0" cy="0"/>
+          <a:chOff x="0" y="0"/>
+          <a:chExt cx="0" cy="0"/>
+        </a:xfrm>
+      </p:grpSpPr>
+      <p:sp>
+        <p:nvSpPr>
+          <p:cNvPr id="2" name="Title 1"/>
+          <p:cNvSpPr>
+            <a:spLocks noGrp="1"/>
+          </p:cNvSpPr>
+          <p:nvPr>
+            <p:ph type="title"/>
+          </p:nvPr>
+        </p:nvSpPr>
+        <p:spPr>
+          <a:xfrm>
+            <a:off x="2333883" y="89649"/>
+            <a:ext cx="2995999" cy="611532"/>
+          </a:xfrm>
+        </p:spPr>
+        <p:txBody>
+          <a:bodyPr/>
+          <a:lstStyle/>
+          <a:p>
+            <a:r>
+              <a:rPr lang="en-US" dirty="0" smtClean="0">
+                <a:solidFill>
+                  <a:schemeClr val="bg1"/>
+                </a:solidFill>
+              </a:rPr>
+              <a:t>System Flow</a:t>
+            </a:r>
+            <a:endParaRPr lang="en-US" dirty="0">
+              <a:solidFill>
+                <a:schemeClr val="bg1"/>
+              </a:solidFill>
+            </a:endParaRPr>
+          </a:p>
+        </p:txBody>
+      </p:sp>
+      <p:sp>
+        <p:nvSpPr>
+          <p:cNvPr id="4" name="Rounded Rectangle 3"/>
+          <p:cNvSpPr/>
+          <p:nvPr/>
+        </p:nvSpPr>
+        <p:spPr>
+          <a:xfrm>
+            <a:off x="163213" y="1046204"/>
+            <a:ext cx="1978625" cy="1169774"/>
+          </a:xfrm>
+          <a:prstGeom prst="roundRect">
+            <a:avLst/>
+          </a:prstGeom>
+        </p:spPr>
+        <p:style>
+          <a:lnRef idx="1">
+            <a:schemeClr val="accent1"/>
+          </a:lnRef>
+          <a:fillRef idx="2">
+            <a:schemeClr val="accent1"/>
+          </a:fillRef>
+          <a:effectRef idx="1">
+            <a:schemeClr val="accent1"/>
+          </a:effectRef>
+          <a:fontRef idx="minor">
+            <a:schemeClr val="dk1"/>
+          </a:fontRef>
+        </p:style>
+        <p:txBody>
+          <a:bodyPr rtlCol="0" anchor="ctr"/>
+          <a:lstStyle/>
+          <a:p>
+            <a:pPr algn="ctr"/>
+            <a:r>
+              <a:rPr lang="en-US" sz="1600" dirty="0" smtClean="0"/>
+              <a:t>Truth model,</a:t>
+            </a:r>
+          </a:p>
+          <a:p>
+            <a:pPr algn="ctr"/>
+            <a:r>
+              <a:rPr lang="en-US" sz="1600" dirty="0" smtClean="0"/>
+              <a:t>a particular realization of the uncertainty space</a:t>
+            </a:r>
+            <a:endParaRPr lang="en-US" sz="1600" dirty="0"/>
+          </a:p>
+        </p:txBody>
+      </p:sp>
+      <p:cxnSp>
+        <p:nvCxnSpPr>
+          <p:cNvPr id="8" name="Straight Arrow Connector 7"/>
+          <p:cNvCxnSpPr>
+            <a:stCxn id="4" idx="2"/>
+            <a:endCxn id="30" idx="0"/>
+          </p:cNvCxnSpPr>
+          <p:nvPr/>
+        </p:nvCxnSpPr>
+        <p:spPr>
+          <a:xfrm flipH="1">
+            <a:off x="1152525" y="2215978"/>
+            <a:ext cx="1" cy="255373"/>
+          </a:xfrm>
+          <a:prstGeom prst="straightConnector1">
+            <a:avLst/>
+          </a:prstGeom>
+          <a:ln>
+            <a:tailEnd type="triangle"/>
+          </a:ln>
+        </p:spPr>
+        <p:style>
+          <a:lnRef idx="1">
+            <a:schemeClr val="accent1"/>
+          </a:lnRef>
+          <a:fillRef idx="0">
+            <a:schemeClr val="accent1"/>
+          </a:fillRef>
+          <a:effectRef idx="0">
+            <a:schemeClr val="accent1"/>
+          </a:effectRef>
+          <a:fontRef idx="minor">
+            <a:schemeClr val="tx1"/>
+          </a:fontRef>
+        </p:style>
+      </p:cxnSp>
+      <p:sp>
+        <p:nvSpPr>
+          <p:cNvPr id="30" name="Rounded Rectangle 29"/>
+          <p:cNvSpPr/>
+          <p:nvPr/>
+        </p:nvSpPr>
+        <p:spPr>
+          <a:xfrm>
+            <a:off x="254600" y="2471351"/>
+            <a:ext cx="1795849" cy="836141"/>
+          </a:xfrm>
+          <a:prstGeom prst="roundRect">
+            <a:avLst/>
+          </a:prstGeom>
+        </p:spPr>
+        <p:style>
+          <a:lnRef idx="1">
+            <a:schemeClr val="accent4"/>
+          </a:lnRef>
+          <a:fillRef idx="2">
+            <a:schemeClr val="accent4"/>
+          </a:fillRef>
+          <a:effectRef idx="1">
+            <a:schemeClr val="accent4"/>
+          </a:effectRef>
+          <a:fontRef idx="minor">
+            <a:schemeClr val="dk1"/>
+          </a:fontRef>
+        </p:style>
+        <p:txBody>
+          <a:bodyPr rtlCol="0" anchor="ctr"/>
+          <a:lstStyle/>
+          <a:p>
+            <a:pPr algn="ctr"/>
+            <a:r>
+              <a:rPr lang="en-US" sz="1600" dirty="0"/>
+              <a:t>Knowledge </a:t>
+            </a:r>
+            <a:r>
+              <a:rPr lang="en-US" sz="1600" dirty="0" smtClean="0"/>
+              <a:t>errors, measurement noise</a:t>
+            </a:r>
+            <a:endParaRPr lang="en-US" sz="1600" dirty="0"/>
+          </a:p>
+        </p:txBody>
+      </p:sp>
+      <p:sp>
+        <p:nvSpPr>
+          <p:cNvPr id="43" name="Rounded Rectangle 42"/>
+          <p:cNvSpPr/>
+          <p:nvPr/>
+        </p:nvSpPr>
+        <p:spPr>
+          <a:xfrm>
+            <a:off x="2577671" y="2304535"/>
+            <a:ext cx="1978625" cy="1169774"/>
+          </a:xfrm>
+          <a:prstGeom prst="roundRect">
+            <a:avLst/>
+          </a:prstGeom>
+        </p:spPr>
+        <p:style>
+          <a:lnRef idx="1">
+            <a:schemeClr val="accent1"/>
+          </a:lnRef>
+          <a:fillRef idx="2">
+            <a:schemeClr val="accent1"/>
+          </a:fillRef>
+          <a:effectRef idx="1">
+            <a:schemeClr val="accent1"/>
+          </a:effectRef>
+          <a:fontRef idx="minor">
+            <a:schemeClr val="dk1"/>
+          </a:fontRef>
+        </p:style>
+        <p:txBody>
+          <a:bodyPr rtlCol="0" anchor="ctr"/>
+          <a:lstStyle/>
+          <a:p>
+            <a:pPr algn="ctr"/>
+            <a:r>
+              <a:rPr lang="en-US" sz="1600" dirty="0"/>
+              <a:t>Navigation system model</a:t>
+            </a:r>
+          </a:p>
+        </p:txBody>
+      </p:sp>
+      <p:sp>
+        <p:nvSpPr>
+          <p:cNvPr id="44" name="Rounded Rectangle 43"/>
+          <p:cNvSpPr/>
+          <p:nvPr/>
+        </p:nvSpPr>
+        <p:spPr>
+          <a:xfrm>
+            <a:off x="2669058" y="3807942"/>
+            <a:ext cx="1795849" cy="836141"/>
+          </a:xfrm>
+          <a:prstGeom prst="roundRect">
+            <a:avLst/>
+          </a:prstGeom>
+        </p:spPr>
+        <p:style>
+          <a:lnRef idx="1">
+            <a:schemeClr val="accent4"/>
+          </a:lnRef>
+          <a:fillRef idx="2">
+            <a:schemeClr val="accent4"/>
+          </a:fillRef>
+          <a:effectRef idx="1">
+            <a:schemeClr val="accent4"/>
+          </a:effectRef>
+          <a:fontRef idx="minor">
+            <a:schemeClr val="dk1"/>
+          </a:fontRef>
+        </p:style>
+        <p:txBody>
+          <a:bodyPr rtlCol="0" anchor="ctr"/>
+          <a:lstStyle/>
+          <a:p>
+            <a:pPr algn="ctr"/>
+            <a:r>
+              <a:rPr lang="en-US" sz="1600" dirty="0" smtClean="0"/>
+              <a:t>Estimation</a:t>
+            </a:r>
+          </a:p>
+          <a:p>
+            <a:pPr algn="ctr"/>
+            <a:r>
+              <a:rPr lang="en-US" sz="1600" dirty="0" smtClean="0"/>
+              <a:t> (aero filters, EKF, observers)</a:t>
+            </a:r>
+            <a:endParaRPr lang="en-US" sz="1600" dirty="0"/>
+          </a:p>
+        </p:txBody>
+      </p:sp>
+      <p:sp>
+        <p:nvSpPr>
+          <p:cNvPr id="45" name="Rounded Rectangle 44"/>
+          <p:cNvSpPr/>
+          <p:nvPr/>
+        </p:nvSpPr>
+        <p:spPr>
+          <a:xfrm>
+            <a:off x="163211" y="3641125"/>
+            <a:ext cx="1978625" cy="1169774"/>
+          </a:xfrm>
+          <a:prstGeom prst="roundRect">
+            <a:avLst/>
+          </a:prstGeom>
+        </p:spPr>
+        <p:style>
+          <a:lnRef idx="1">
+            <a:schemeClr val="accent1"/>
+          </a:lnRef>
+          <a:fillRef idx="2">
+            <a:schemeClr val="accent1"/>
+          </a:fillRef>
+          <a:effectRef idx="1">
+            <a:schemeClr val="accent1"/>
+          </a:effectRef>
+          <a:fontRef idx="minor">
+            <a:schemeClr val="dk1"/>
+          </a:fontRef>
+        </p:style>
+        <p:txBody>
+          <a:bodyPr rtlCol="0" anchor="ctr"/>
+          <a:lstStyle/>
+          <a:p>
+            <a:pPr algn="ctr"/>
+            <a:r>
+              <a:rPr lang="en-US" sz="1600" dirty="0" smtClean="0"/>
+              <a:t>Nominal model,</a:t>
+            </a:r>
+          </a:p>
+          <a:p>
+            <a:pPr algn="ctr"/>
+            <a:r>
+              <a:rPr lang="en-US" sz="1600" dirty="0" smtClean="0"/>
+              <a:t>typically mean of each uncertainty is used</a:t>
+            </a:r>
+            <a:endParaRPr lang="en-US" sz="1600" dirty="0"/>
+          </a:p>
+        </p:txBody>
+      </p:sp>
+      <p:sp>
+        <p:nvSpPr>
+          <p:cNvPr id="51" name="Rounded Rectangle 50"/>
+          <p:cNvSpPr/>
+          <p:nvPr/>
+        </p:nvSpPr>
+        <p:spPr>
+          <a:xfrm>
+            <a:off x="5180056" y="3641125"/>
+            <a:ext cx="1978625" cy="1169774"/>
+          </a:xfrm>
+          <a:prstGeom prst="roundRect">
+            <a:avLst/>
+          </a:prstGeom>
+        </p:spPr>
+        <p:style>
+          <a:lnRef idx="1">
+            <a:schemeClr val="accent1"/>
+          </a:lnRef>
+          <a:fillRef idx="2">
+            <a:schemeClr val="accent1"/>
+          </a:fillRef>
+          <a:effectRef idx="1">
+            <a:schemeClr val="accent1"/>
+          </a:effectRef>
+          <a:fontRef idx="minor">
+            <a:schemeClr val="dk1"/>
+          </a:fontRef>
+        </p:style>
+        <p:txBody>
+          <a:bodyPr rtlCol="0" anchor="ctr"/>
+          <a:lstStyle/>
+          <a:p>
+            <a:pPr algn="ctr"/>
+            <a:r>
+              <a:rPr lang="en-US" sz="1600" dirty="0" smtClean="0"/>
+              <a:t>Prediction model </a:t>
+            </a:r>
+          </a:p>
+          <a:p>
+            <a:pPr algn="ctr"/>
+            <a:r>
+              <a:rPr lang="en-US" sz="1600" dirty="0" smtClean="0"/>
+              <a:t>(if needed, not all guidance predicts future states)</a:t>
+            </a:r>
+          </a:p>
+        </p:txBody>
+      </p:sp>
+      <p:cxnSp>
+        <p:nvCxnSpPr>
+          <p:cNvPr id="55" name="Straight Arrow Connector 54"/>
+          <p:cNvCxnSpPr>
+            <a:stCxn id="30" idx="3"/>
+            <a:endCxn id="43" idx="1"/>
+          </p:cNvCxnSpPr>
+          <p:nvPr/>
+        </p:nvCxnSpPr>
+        <p:spPr>
+          <a:xfrm>
+            <a:off x="2050449" y="2889422"/>
+            <a:ext cx="527222" cy="0"/>
+          </a:xfrm>
+          <a:prstGeom prst="straightConnector1">
+            <a:avLst/>
+          </a:prstGeom>
+          <a:ln>
+            <a:tailEnd type="triangle"/>
+          </a:ln>
+        </p:spPr>
+        <p:style>
+          <a:lnRef idx="1">
+            <a:schemeClr val="accent1"/>
+          </a:lnRef>
+          <a:fillRef idx="0">
+            <a:schemeClr val="accent1"/>
+          </a:fillRef>
+          <a:effectRef idx="0">
+            <a:schemeClr val="accent1"/>
+          </a:effectRef>
+          <a:fontRef idx="minor">
+            <a:schemeClr val="tx1"/>
+          </a:fontRef>
+        </p:style>
+      </p:cxnSp>
+      <p:cxnSp>
+        <p:nvCxnSpPr>
+          <p:cNvPr id="57" name="Straight Arrow Connector 56"/>
+          <p:cNvCxnSpPr>
+            <a:stCxn id="43" idx="2"/>
+            <a:endCxn id="44" idx="0"/>
+          </p:cNvCxnSpPr>
+          <p:nvPr/>
+        </p:nvCxnSpPr>
+        <p:spPr>
+          <a:xfrm flipH="1">
+            <a:off x="3566983" y="3474309"/>
+            <a:ext cx="1" cy="333633"/>
+          </a:xfrm>
+          <a:prstGeom prst="straightConnector1">
+            <a:avLst/>
+          </a:prstGeom>
+          <a:ln>
+            <a:tailEnd type="triangle"/>
+          </a:ln>
+        </p:spPr>
+        <p:style>
+          <a:lnRef idx="1">
+            <a:schemeClr val="accent1"/>
+          </a:lnRef>
+          <a:fillRef idx="0">
+            <a:schemeClr val="accent1"/>
+          </a:fillRef>
+          <a:effectRef idx="0">
+            <a:schemeClr val="accent1"/>
+          </a:effectRef>
+          <a:fontRef idx="minor">
+            <a:schemeClr val="tx1"/>
+          </a:fontRef>
+        </p:style>
+      </p:cxnSp>
+      <p:cxnSp>
+        <p:nvCxnSpPr>
+          <p:cNvPr id="59" name="Straight Arrow Connector 58"/>
+          <p:cNvCxnSpPr>
+            <a:stCxn id="44" idx="3"/>
+            <a:endCxn id="51" idx="1"/>
+          </p:cNvCxnSpPr>
+          <p:nvPr/>
+        </p:nvCxnSpPr>
+        <p:spPr>
+          <a:xfrm flipV="1">
+            <a:off x="4464907" y="4226012"/>
+            <a:ext cx="715149" cy="1"/>
+          </a:xfrm>
+          <a:prstGeom prst="straightConnector1">
+            <a:avLst/>
+          </a:prstGeom>
+          <a:ln>
+            <a:tailEnd type="triangle"/>
+          </a:ln>
+        </p:spPr>
+        <p:style>
+          <a:lnRef idx="1">
+            <a:schemeClr val="accent1"/>
+          </a:lnRef>
+          <a:fillRef idx="0">
+            <a:schemeClr val="accent1"/>
+          </a:fillRef>
+          <a:effectRef idx="0">
+            <a:schemeClr val="accent1"/>
+          </a:effectRef>
+          <a:fontRef idx="minor">
+            <a:schemeClr val="tx1"/>
+          </a:fontRef>
+        </p:style>
+      </p:cxnSp>
+      <p:cxnSp>
+        <p:nvCxnSpPr>
+          <p:cNvPr id="61" name="Straight Arrow Connector 60"/>
+          <p:cNvCxnSpPr>
+            <a:stCxn id="45" idx="3"/>
+            <a:endCxn id="44" idx="1"/>
+          </p:cNvCxnSpPr>
+          <p:nvPr/>
+        </p:nvCxnSpPr>
+        <p:spPr>
+          <a:xfrm>
+            <a:off x="2141836" y="4226012"/>
+            <a:ext cx="527222" cy="1"/>
+          </a:xfrm>
+          <a:prstGeom prst="straightConnector1">
+            <a:avLst/>
+          </a:prstGeom>
+          <a:ln>
+            <a:tailEnd type="triangle"/>
+          </a:ln>
+        </p:spPr>
+        <p:style>
+          <a:lnRef idx="1">
+            <a:schemeClr val="accent1"/>
+          </a:lnRef>
+          <a:fillRef idx="0">
+            <a:schemeClr val="accent1"/>
+          </a:fillRef>
+          <a:effectRef idx="0">
+            <a:schemeClr val="accent1"/>
+          </a:effectRef>
+          <a:fontRef idx="minor">
+            <a:schemeClr val="tx1"/>
+          </a:fontRef>
+        </p:style>
+      </p:cxnSp>
+      <p:sp>
+        <p:nvSpPr>
+          <p:cNvPr id="62" name="Rounded Rectangle 61"/>
+          <p:cNvSpPr/>
+          <p:nvPr/>
+        </p:nvSpPr>
+        <p:spPr>
+          <a:xfrm>
+            <a:off x="5271443" y="2455841"/>
+            <a:ext cx="1795849" cy="836141"/>
+          </a:xfrm>
+          <a:prstGeom prst="roundRect">
+            <a:avLst/>
+          </a:prstGeom>
+        </p:spPr>
+        <p:style>
+          <a:lnRef idx="1">
+            <a:schemeClr val="accent4"/>
+          </a:lnRef>
+          <a:fillRef idx="2">
+            <a:schemeClr val="accent4"/>
+          </a:fillRef>
+          <a:effectRef idx="1">
+            <a:schemeClr val="accent4"/>
+          </a:effectRef>
+          <a:fontRef idx="minor">
+            <a:schemeClr val="dk1"/>
+          </a:fontRef>
+        </p:style>
+        <p:txBody>
+          <a:bodyPr rtlCol="0" anchor="ctr"/>
+          <a:lstStyle/>
+          <a:p>
+            <a:pPr algn="ctr"/>
+            <a:r>
+              <a:rPr lang="en-US" sz="1600" dirty="0" smtClean="0"/>
+              <a:t>Guidance algorithm</a:t>
+            </a:r>
+            <a:endParaRPr lang="en-US" sz="1600" dirty="0"/>
+          </a:p>
+        </p:txBody>
+      </p:sp>
+      <p:cxnSp>
+        <p:nvCxnSpPr>
+          <p:cNvPr id="66" name="Straight Arrow Connector 65"/>
+          <p:cNvCxnSpPr>
+            <a:stCxn id="51" idx="0"/>
+            <a:endCxn id="62" idx="2"/>
+          </p:cNvCxnSpPr>
+          <p:nvPr/>
+        </p:nvCxnSpPr>
+        <p:spPr>
+          <a:xfrm flipH="1" flipV="1">
+            <a:off x="6169368" y="3291982"/>
+            <a:ext cx="1" cy="349143"/>
+          </a:xfrm>
+          <a:prstGeom prst="straightConnector1">
+            <a:avLst/>
+          </a:prstGeom>
+          <a:ln>
+            <a:tailEnd type="triangle"/>
+          </a:ln>
+        </p:spPr>
+        <p:style>
+          <a:lnRef idx="1">
+            <a:schemeClr val="accent1"/>
+          </a:lnRef>
+          <a:fillRef idx="0">
+            <a:schemeClr val="accent1"/>
+          </a:fillRef>
+          <a:effectRef idx="0">
+            <a:schemeClr val="accent1"/>
+          </a:effectRef>
+          <a:fontRef idx="minor">
+            <a:schemeClr val="tx1"/>
+          </a:fontRef>
+        </p:style>
+      </p:cxnSp>
+      <p:cxnSp>
+        <p:nvCxnSpPr>
+          <p:cNvPr id="68" name="Elbow Connector 67"/>
+          <p:cNvCxnSpPr>
+            <a:stCxn id="44" idx="3"/>
+            <a:endCxn id="43" idx="3"/>
+          </p:cNvCxnSpPr>
+          <p:nvPr/>
+        </p:nvCxnSpPr>
+        <p:spPr>
+          <a:xfrm flipV="1">
+            <a:off x="4464907" y="2889422"/>
+            <a:ext cx="91389" cy="1336591"/>
+          </a:xfrm>
+          <a:prstGeom prst="bentConnector3">
+            <a:avLst>
+              <a:gd name="adj1" fmla="val 314083"/>
+            </a:avLst>
+          </a:prstGeom>
+          <a:ln>
+            <a:tailEnd type="triangle"/>
+          </a:ln>
+        </p:spPr>
+        <p:style>
+          <a:lnRef idx="1">
+            <a:schemeClr val="accent1"/>
+          </a:lnRef>
+          <a:fillRef idx="0">
+            <a:schemeClr val="accent1"/>
+          </a:fillRef>
+          <a:effectRef idx="0">
+            <a:schemeClr val="accent1"/>
+          </a:effectRef>
+          <a:fontRef idx="minor">
+            <a:schemeClr val="tx1"/>
+          </a:fontRef>
+        </p:style>
+      </p:cxnSp>
+      <p:cxnSp>
+        <p:nvCxnSpPr>
+          <p:cNvPr id="13" name="Elbow Connector 12"/>
+          <p:cNvCxnSpPr>
+            <a:stCxn id="43" idx="0"/>
+            <a:endCxn id="62" idx="0"/>
+          </p:cNvCxnSpPr>
+          <p:nvPr/>
+        </p:nvCxnSpPr>
+        <p:spPr>
+          <a:xfrm rot="16200000" flipH="1">
+            <a:off x="4792523" y="1078996"/>
+            <a:ext cx="151306" cy="2602384"/>
+          </a:xfrm>
+          <a:prstGeom prst="bentConnector3">
+            <a:avLst>
+              <a:gd name="adj1" fmla="val -151085"/>
+            </a:avLst>
+          </a:prstGeom>
+          <a:ln>
+            <a:tailEnd type="triangle"/>
+          </a:ln>
+        </p:spPr>
+        <p:style>
+          <a:lnRef idx="1">
+            <a:schemeClr val="accent1"/>
+          </a:lnRef>
+          <a:fillRef idx="0">
+            <a:schemeClr val="accent1"/>
+          </a:fillRef>
+          <a:effectRef idx="0">
+            <a:schemeClr val="accent1"/>
+          </a:effectRef>
+          <a:fontRef idx="minor">
+            <a:schemeClr val="tx1"/>
+          </a:fontRef>
+        </p:style>
+      </p:cxnSp>
+    </p:spTree>
+    <p:extLst>
+      <p:ext uri="{BB962C8B-B14F-4D97-AF65-F5344CB8AC3E}">
+        <p14:creationId xmlns:p14="http://schemas.microsoft.com/office/powerpoint/2010/main" val="4088294837"/>
+      </p:ext>
+    </p:extLst>
+  </p:cSld>
+  <p:clrMapOvr>
+    <a:masterClrMapping/>
+  </p:clrMapOvr>
+  <p:timing>
+    <p:tnLst>
+      <p:par>
+        <p:cTn id="1" dur="indefinite" restart="never" nodeType="tmRoot"/>
+      </p:par>
+    </p:tnLst>
+  </p:timing>
+</p:sld>
+</file>
+
+<file path=ppt/slides/slide28.xml><?xml version="1.0" encoding="utf-8"?>
+<p:sld xmlns:a="http://schemas.openxmlformats.org/drawingml/2006/main" xmlns:r="http://schemas.openxmlformats.org/officeDocument/2006/relationships" xmlns:p="http://schemas.openxmlformats.org/presentationml/2006/main">
+  <p:cSld>
+    <p:spTree>
+      <p:nvGrpSpPr>
+        <p:cNvPr id="1" name=""/>
+        <p:cNvGrpSpPr/>
+        <p:nvPr/>
+      </p:nvGrpSpPr>
+      <p:grpSpPr>
+        <a:xfrm>
+          <a:off x="0" y="0"/>
+          <a:ext cx="0" cy="0"/>
+          <a:chOff x="0" y="0"/>
+          <a:chExt cx="0" cy="0"/>
+        </a:xfrm>
+      </p:grpSpPr>
+      <p:sp>
+        <p:nvSpPr>
+          <p:cNvPr id="2" name="Title 1"/>
+          <p:cNvSpPr>
+            <a:spLocks noGrp="1"/>
+          </p:cNvSpPr>
+          <p:nvPr>
+            <p:ph type="title"/>
+          </p:nvPr>
+        </p:nvSpPr>
+        <p:spPr>
+          <a:xfrm>
+            <a:off x="2333883" y="89649"/>
+            <a:ext cx="2995999" cy="611532"/>
+          </a:xfrm>
+        </p:spPr>
+        <p:txBody>
+          <a:bodyPr/>
+          <a:lstStyle/>
+          <a:p>
+            <a:r>
+              <a:rPr lang="en-US" dirty="0" smtClean="0">
+                <a:solidFill>
+                  <a:schemeClr val="bg1"/>
+                </a:solidFill>
+              </a:rPr>
+              <a:t>Modeling</a:t>
+            </a:r>
+            <a:endParaRPr lang="en-US" dirty="0">
+              <a:solidFill>
+                <a:schemeClr val="bg1"/>
+              </a:solidFill>
+            </a:endParaRPr>
+          </a:p>
+        </p:txBody>
+      </p:sp>
+      <p:sp>
+        <p:nvSpPr>
+          <p:cNvPr id="4" name="Rounded Rectangle 3"/>
+          <p:cNvSpPr/>
+          <p:nvPr/>
+        </p:nvSpPr>
+        <p:spPr>
+          <a:xfrm>
+            <a:off x="1714499" y="1766685"/>
+            <a:ext cx="1758117" cy="898586"/>
+          </a:xfrm>
+          <a:prstGeom prst="roundRect">
+            <a:avLst/>
+          </a:prstGeom>
+        </p:spPr>
+        <p:style>
+          <a:lnRef idx="1">
+            <a:schemeClr val="accent1"/>
+          </a:lnRef>
+          <a:fillRef idx="2">
+            <a:schemeClr val="accent1"/>
+          </a:fillRef>
+          <a:effectRef idx="1">
+            <a:schemeClr val="accent1"/>
+          </a:effectRef>
+          <a:fontRef idx="minor">
+            <a:schemeClr val="dk1"/>
+          </a:fontRef>
+        </p:style>
+        <p:txBody>
+          <a:bodyPr rtlCol="0" anchor="ctr"/>
+          <a:lstStyle/>
+          <a:p>
+            <a:pPr algn="ctr"/>
+            <a:r>
+              <a:rPr lang="en-US" sz="1600" dirty="0" smtClean="0"/>
+              <a:t>True State</a:t>
+            </a:r>
+            <a:endParaRPr lang="en-US" sz="1600" dirty="0"/>
+          </a:p>
+        </p:txBody>
+      </p:sp>
+      <p:sp>
+        <p:nvSpPr>
+          <p:cNvPr id="44" name="Rounded Rectangle 43"/>
+          <p:cNvSpPr/>
+          <p:nvPr/>
+        </p:nvSpPr>
+        <p:spPr>
+          <a:xfrm>
+            <a:off x="3831880" y="1797907"/>
+            <a:ext cx="1795849" cy="836141"/>
+          </a:xfrm>
+          <a:prstGeom prst="roundRect">
+            <a:avLst/>
+          </a:prstGeom>
+        </p:spPr>
+        <p:style>
+          <a:lnRef idx="1">
+            <a:schemeClr val="accent4"/>
+          </a:lnRef>
+          <a:fillRef idx="2">
+            <a:schemeClr val="accent4"/>
+          </a:fillRef>
+          <a:effectRef idx="1">
+            <a:schemeClr val="accent4"/>
+          </a:effectRef>
+          <a:fontRef idx="minor">
+            <a:schemeClr val="dk1"/>
+          </a:fontRef>
+        </p:style>
+        <p:txBody>
+          <a:bodyPr rtlCol="0" anchor="ctr"/>
+          <a:lstStyle/>
+          <a:p>
+            <a:pPr algn="ctr"/>
+            <a:r>
+              <a:rPr lang="en-US" sz="1600" dirty="0" smtClean="0"/>
+              <a:t>Estimation</a:t>
+            </a:r>
+          </a:p>
+        </p:txBody>
+      </p:sp>
+      <p:sp>
+        <p:nvSpPr>
+          <p:cNvPr id="45" name="Rounded Rectangle 44"/>
+          <p:cNvSpPr/>
+          <p:nvPr/>
+        </p:nvSpPr>
+        <p:spPr>
+          <a:xfrm>
+            <a:off x="3850746" y="3020896"/>
+            <a:ext cx="1758117" cy="898586"/>
+          </a:xfrm>
+          <a:prstGeom prst="roundRect">
+            <a:avLst/>
+          </a:prstGeom>
+        </p:spPr>
+        <p:style>
+          <a:lnRef idx="1">
+            <a:schemeClr val="accent1"/>
+          </a:lnRef>
+          <a:fillRef idx="2">
+            <a:schemeClr val="accent1"/>
+          </a:fillRef>
+          <a:effectRef idx="1">
+            <a:schemeClr val="accent1"/>
+          </a:effectRef>
+          <a:fontRef idx="minor">
+            <a:schemeClr val="dk1"/>
+          </a:fontRef>
+        </p:style>
+        <p:txBody>
+          <a:bodyPr rtlCol="0" anchor="ctr"/>
+          <a:lstStyle/>
+          <a:p>
+            <a:pPr algn="ctr"/>
+            <a:r>
+              <a:rPr lang="en-US" sz="1600" dirty="0" smtClean="0"/>
+              <a:t>Estimated State</a:t>
+            </a:r>
+            <a:endParaRPr lang="en-US" sz="1600" dirty="0"/>
+          </a:p>
+        </p:txBody>
+      </p:sp>
+      <p:sp>
+        <p:nvSpPr>
+          <p:cNvPr id="62" name="Rounded Rectangle 61"/>
+          <p:cNvSpPr/>
+          <p:nvPr/>
+        </p:nvSpPr>
+        <p:spPr>
+          <a:xfrm>
+            <a:off x="3831881" y="4313807"/>
+            <a:ext cx="1795849" cy="836141"/>
+          </a:xfrm>
+          <a:prstGeom prst="roundRect">
+            <a:avLst/>
+          </a:prstGeom>
+        </p:spPr>
+        <p:style>
+          <a:lnRef idx="1">
+            <a:schemeClr val="accent4"/>
+          </a:lnRef>
+          <a:fillRef idx="2">
+            <a:schemeClr val="accent4"/>
+          </a:fillRef>
+          <a:effectRef idx="1">
+            <a:schemeClr val="accent4"/>
+          </a:effectRef>
+          <a:fontRef idx="minor">
+            <a:schemeClr val="dk1"/>
+          </a:fontRef>
+        </p:style>
+        <p:txBody>
+          <a:bodyPr rtlCol="0" anchor="ctr"/>
+          <a:lstStyle/>
+          <a:p>
+            <a:pPr algn="ctr"/>
+            <a:r>
+              <a:rPr lang="en-US" sz="1600" dirty="0" smtClean="0"/>
+              <a:t>Guidance algorithm</a:t>
+            </a:r>
+            <a:endParaRPr lang="en-US" sz="1600" dirty="0"/>
+          </a:p>
+        </p:txBody>
+      </p:sp>
+      <p:sp>
+        <p:nvSpPr>
+          <p:cNvPr id="29" name="Rounded Rectangle 28"/>
+          <p:cNvSpPr/>
+          <p:nvPr/>
+        </p:nvSpPr>
+        <p:spPr>
+          <a:xfrm>
+            <a:off x="6207499" y="1766684"/>
+            <a:ext cx="1758117" cy="898586"/>
+          </a:xfrm>
+          <a:prstGeom prst="roundRect">
+            <a:avLst/>
+          </a:prstGeom>
+        </p:spPr>
+        <p:style>
+          <a:lnRef idx="1">
+            <a:schemeClr val="accent1"/>
+          </a:lnRef>
+          <a:fillRef idx="2">
+            <a:schemeClr val="accent1"/>
+          </a:fillRef>
+          <a:effectRef idx="1">
+            <a:schemeClr val="accent1"/>
+          </a:effectRef>
+          <a:fontRef idx="minor">
+            <a:schemeClr val="dk1"/>
+          </a:fontRef>
+        </p:style>
+        <p:txBody>
+          <a:bodyPr rtlCol="0" anchor="ctr"/>
+          <a:lstStyle/>
+          <a:p>
+            <a:pPr algn="ctr"/>
+            <a:r>
+              <a:rPr lang="en-US" sz="1600" dirty="0" smtClean="0"/>
+              <a:t>Measurement Noise</a:t>
+            </a:r>
+            <a:endParaRPr lang="en-US" sz="1600" dirty="0"/>
+          </a:p>
+        </p:txBody>
+      </p:sp>
+      <p:cxnSp>
+        <p:nvCxnSpPr>
+          <p:cNvPr id="18" name="Straight Arrow Connector 17"/>
+          <p:cNvCxnSpPr>
+            <a:stCxn id="4" idx="3"/>
+            <a:endCxn id="44" idx="1"/>
+          </p:cNvCxnSpPr>
+          <p:nvPr/>
+        </p:nvCxnSpPr>
+        <p:spPr>
+          <a:xfrm>
+            <a:off x="3472616" y="2215978"/>
+            <a:ext cx="359264" cy="0"/>
+          </a:xfrm>
+          <a:prstGeom prst="straightConnector1">
+            <a:avLst/>
+          </a:prstGeom>
+          <a:ln>
+            <a:tailEnd type="triangle"/>
+          </a:ln>
+        </p:spPr>
+        <p:style>
+          <a:lnRef idx="1">
+            <a:schemeClr val="accent1"/>
+          </a:lnRef>
+          <a:fillRef idx="0">
+            <a:schemeClr val="accent1"/>
+          </a:fillRef>
+          <a:effectRef idx="0">
+            <a:schemeClr val="accent1"/>
+          </a:effectRef>
+          <a:fontRef idx="minor">
+            <a:schemeClr val="tx1"/>
+          </a:fontRef>
+        </p:style>
+      </p:cxnSp>
+      <p:cxnSp>
+        <p:nvCxnSpPr>
+          <p:cNvPr id="20" name="Straight Arrow Connector 19"/>
+          <p:cNvCxnSpPr>
+            <a:stCxn id="29" idx="1"/>
+            <a:endCxn id="44" idx="3"/>
+          </p:cNvCxnSpPr>
+          <p:nvPr/>
+        </p:nvCxnSpPr>
+        <p:spPr>
+          <a:xfrm flipH="1">
+            <a:off x="5627729" y="2215977"/>
+            <a:ext cx="579770" cy="1"/>
+          </a:xfrm>
+          <a:prstGeom prst="straightConnector1">
+            <a:avLst/>
+          </a:prstGeom>
+          <a:ln>
+            <a:tailEnd type="triangle"/>
+          </a:ln>
+        </p:spPr>
+        <p:style>
+          <a:lnRef idx="1">
+            <a:schemeClr val="accent1"/>
+          </a:lnRef>
+          <a:fillRef idx="0">
+            <a:schemeClr val="accent1"/>
+          </a:fillRef>
+          <a:effectRef idx="0">
+            <a:schemeClr val="accent1"/>
+          </a:effectRef>
+          <a:fontRef idx="minor">
+            <a:schemeClr val="tx1"/>
+          </a:fontRef>
+        </p:style>
+      </p:cxnSp>
+      <p:cxnSp>
+        <p:nvCxnSpPr>
+          <p:cNvPr id="22" name="Straight Arrow Connector 21"/>
+          <p:cNvCxnSpPr>
+            <a:stCxn id="44" idx="2"/>
+            <a:endCxn id="45" idx="0"/>
+          </p:cNvCxnSpPr>
+          <p:nvPr/>
+        </p:nvCxnSpPr>
+        <p:spPr>
+          <a:xfrm>
+            <a:off x="4729805" y="2634048"/>
+            <a:ext cx="0" cy="386848"/>
+          </a:xfrm>
+          <a:prstGeom prst="straightConnector1">
+            <a:avLst/>
+          </a:prstGeom>
+          <a:ln>
+            <a:tailEnd type="triangle"/>
+          </a:ln>
+        </p:spPr>
+        <p:style>
+          <a:lnRef idx="1">
+            <a:schemeClr val="accent1"/>
+          </a:lnRef>
+          <a:fillRef idx="0">
+            <a:schemeClr val="accent1"/>
+          </a:fillRef>
+          <a:effectRef idx="0">
+            <a:schemeClr val="accent1"/>
+          </a:effectRef>
+          <a:fontRef idx="minor">
+            <a:schemeClr val="tx1"/>
+          </a:fontRef>
+        </p:style>
+      </p:cxnSp>
+      <p:cxnSp>
+        <p:nvCxnSpPr>
+          <p:cNvPr id="24" name="Straight Arrow Connector 23"/>
+          <p:cNvCxnSpPr>
+            <a:stCxn id="45" idx="2"/>
+            <a:endCxn id="62" idx="0"/>
+          </p:cNvCxnSpPr>
+          <p:nvPr/>
+        </p:nvCxnSpPr>
+        <p:spPr>
+          <a:xfrm>
+            <a:off x="4729805" y="3919482"/>
+            <a:ext cx="1" cy="394325"/>
+          </a:xfrm>
+          <a:prstGeom prst="straightConnector1">
+            <a:avLst/>
+          </a:prstGeom>
+          <a:ln>
+            <a:tailEnd type="triangle"/>
+          </a:ln>
+        </p:spPr>
+        <p:style>
+          <a:lnRef idx="1">
+            <a:schemeClr val="accent1"/>
+          </a:lnRef>
+          <a:fillRef idx="0">
+            <a:schemeClr val="accent1"/>
+          </a:fillRef>
+          <a:effectRef idx="0">
+            <a:schemeClr val="accent1"/>
+          </a:effectRef>
+          <a:fontRef idx="minor">
+            <a:schemeClr val="tx1"/>
+          </a:fontRef>
+        </p:style>
+      </p:cxnSp>
+      <p:sp>
+        <p:nvSpPr>
+          <p:cNvPr id="38" name="Rounded Rectangle 37"/>
+          <p:cNvSpPr/>
+          <p:nvPr/>
+        </p:nvSpPr>
+        <p:spPr>
+          <a:xfrm>
+            <a:off x="3831881" y="5470771"/>
+            <a:ext cx="1795849" cy="836141"/>
+          </a:xfrm>
+          <a:prstGeom prst="roundRect">
+            <a:avLst/>
+          </a:prstGeom>
+        </p:spPr>
+        <p:style>
+          <a:lnRef idx="1">
+            <a:schemeClr val="accent4"/>
+          </a:lnRef>
+          <a:fillRef idx="2">
+            <a:schemeClr val="accent4"/>
+          </a:fillRef>
+          <a:effectRef idx="1">
+            <a:schemeClr val="accent4"/>
+          </a:effectRef>
+          <a:fontRef idx="minor">
+            <a:schemeClr val="dk1"/>
+          </a:fontRef>
+        </p:style>
+        <p:txBody>
+          <a:bodyPr rtlCol="0" anchor="ctr"/>
+          <a:lstStyle/>
+          <a:p>
+            <a:pPr algn="ctr"/>
+            <a:r>
+              <a:rPr lang="en-US" sz="1600" dirty="0" smtClean="0"/>
+              <a:t>Propagation</a:t>
+            </a:r>
+          </a:p>
+        </p:txBody>
+      </p:sp>
+      <p:cxnSp>
+        <p:nvCxnSpPr>
+          <p:cNvPr id="26" name="Elbow Connector 25"/>
+          <p:cNvCxnSpPr>
+            <a:stCxn id="38" idx="1"/>
+            <a:endCxn id="4" idx="1"/>
+          </p:cNvCxnSpPr>
+          <p:nvPr/>
+        </p:nvCxnSpPr>
+        <p:spPr>
+          <a:xfrm rot="10800000">
+            <a:off x="1714499" y="2215978"/>
+            <a:ext cx="2117382" cy="3672864"/>
+          </a:xfrm>
+          <a:prstGeom prst="bentConnector3">
+            <a:avLst>
+              <a:gd name="adj1" fmla="val 110796"/>
+            </a:avLst>
+          </a:prstGeom>
+          <a:ln>
+            <a:tailEnd type="triangle"/>
+          </a:ln>
+        </p:spPr>
+        <p:style>
+          <a:lnRef idx="1">
+            <a:schemeClr val="accent1"/>
+          </a:lnRef>
+          <a:fillRef idx="0">
+            <a:schemeClr val="accent1"/>
+          </a:fillRef>
+          <a:effectRef idx="0">
+            <a:schemeClr val="accent1"/>
+          </a:effectRef>
+          <a:fontRef idx="minor">
+            <a:schemeClr val="tx1"/>
+          </a:fontRef>
+        </p:style>
+      </p:cxnSp>
+      <p:cxnSp>
+        <p:nvCxnSpPr>
+          <p:cNvPr id="28" name="Straight Arrow Connector 27"/>
+          <p:cNvCxnSpPr>
+            <a:stCxn id="62" idx="2"/>
+            <a:endCxn id="38" idx="0"/>
+          </p:cNvCxnSpPr>
+          <p:nvPr/>
+        </p:nvCxnSpPr>
+        <p:spPr>
+          <a:xfrm>
+            <a:off x="4729806" y="5149948"/>
+            <a:ext cx="0" cy="320823"/>
+          </a:xfrm>
+          <a:prstGeom prst="straightConnector1">
+            <a:avLst/>
+          </a:prstGeom>
+          <a:ln>
+            <a:tailEnd type="triangle"/>
+          </a:ln>
+        </p:spPr>
+        <p:style>
+          <a:lnRef idx="1">
+            <a:schemeClr val="accent1"/>
+          </a:lnRef>
+          <a:fillRef idx="0">
+            <a:schemeClr val="accent1"/>
+          </a:fillRef>
+          <a:effectRef idx="0">
+            <a:schemeClr val="accent1"/>
+          </a:effectRef>
+          <a:fontRef idx="minor">
+            <a:schemeClr val="tx1"/>
+          </a:fontRef>
+        </p:style>
+      </p:cxnSp>
+      <p:sp>
+        <p:nvSpPr>
+          <p:cNvPr id="46" name="Rounded Rectangle 45"/>
+          <p:cNvSpPr/>
+          <p:nvPr/>
+        </p:nvSpPr>
+        <p:spPr>
+          <a:xfrm>
+            <a:off x="6169767" y="5439548"/>
+            <a:ext cx="1758117" cy="898586"/>
+          </a:xfrm>
+          <a:prstGeom prst="roundRect">
+            <a:avLst/>
+          </a:prstGeom>
+        </p:spPr>
+        <p:style>
+          <a:lnRef idx="1">
+            <a:schemeClr val="accent1"/>
+          </a:lnRef>
+          <a:fillRef idx="2">
+            <a:schemeClr val="accent1"/>
+          </a:fillRef>
+          <a:effectRef idx="1">
+            <a:schemeClr val="accent1"/>
+          </a:effectRef>
+          <a:fontRef idx="minor">
+            <a:schemeClr val="dk1"/>
+          </a:fontRef>
+        </p:style>
+        <p:txBody>
+          <a:bodyPr rtlCol="0" anchor="ctr"/>
+          <a:lstStyle/>
+          <a:p>
+            <a:pPr algn="ctr"/>
+            <a:r>
+              <a:rPr lang="en-US" sz="1600" dirty="0" smtClean="0"/>
+              <a:t>Process Noise</a:t>
+            </a:r>
+            <a:endParaRPr lang="en-US" sz="1600" dirty="0"/>
+          </a:p>
+        </p:txBody>
+      </p:sp>
+      <p:cxnSp>
+        <p:nvCxnSpPr>
+          <p:cNvPr id="32" name="Straight Arrow Connector 31"/>
+          <p:cNvCxnSpPr>
+            <a:stCxn id="46" idx="1"/>
+            <a:endCxn id="38" idx="3"/>
+          </p:cNvCxnSpPr>
+          <p:nvPr/>
+        </p:nvCxnSpPr>
+        <p:spPr>
+          <a:xfrm flipH="1">
+            <a:off x="5627730" y="5888841"/>
+            <a:ext cx="542037" cy="1"/>
+          </a:xfrm>
+          <a:prstGeom prst="straightConnector1">
+            <a:avLst/>
+          </a:prstGeom>
+          <a:ln>
+            <a:tailEnd type="triangle"/>
+          </a:ln>
+        </p:spPr>
+        <p:style>
+          <a:lnRef idx="1">
+            <a:schemeClr val="accent1"/>
+          </a:lnRef>
+          <a:fillRef idx="0">
+            <a:schemeClr val="accent1"/>
+          </a:fillRef>
+          <a:effectRef idx="0">
+            <a:schemeClr val="accent1"/>
+          </a:effectRef>
+          <a:fontRef idx="minor">
+            <a:schemeClr val="tx1"/>
+          </a:fontRef>
+        </p:style>
+      </p:cxnSp>
+    </p:spTree>
+    <p:extLst>
+      <p:ext uri="{BB962C8B-B14F-4D97-AF65-F5344CB8AC3E}">
+        <p14:creationId xmlns:p14="http://schemas.microsoft.com/office/powerpoint/2010/main" val="2461492035"/>
+      </p:ext>
+    </p:extLst>
+  </p:cSld>
+  <p:clrMapOvr>
+    <a:masterClrMapping/>
+  </p:clrMapOvr>
+  <p:timing>
+    <p:tnLst>
+      <p:par>
+        <p:cTn id="1" dur="indefinite" restart="never" nodeType="tmRoot"/>
+      </p:par>
+    </p:tnLst>
+  </p:timing>
+</p:sld>
+</file>
+
+<file path=ppt/slides/slide3.xml><?xml version="1.0" encoding="utf-8"?>
+<p:sld xmlns:a="http://schemas.openxmlformats.org/drawingml/2006/main" xmlns:r="http://schemas.openxmlformats.org/officeDocument/2006/relationships" xmlns:p="http://schemas.openxmlformats.org/presentationml/2006/main">
+  <p:cSld>
+    <p:spTree>
+      <p:nvGrpSpPr>
+        <p:cNvPr id="1" name=""/>
+        <p:cNvGrpSpPr/>
+        <p:nvPr/>
+      </p:nvGrpSpPr>
+      <p:grpSpPr>
+        <a:xfrm>
+          <a:off x="0" y="0"/>
+          <a:ext cx="0" cy="0"/>
+          <a:chOff x="0" y="0"/>
+          <a:chExt cx="0" cy="0"/>
+        </a:xfrm>
+      </p:grpSpPr>
+      <p:sp>
+        <p:nvSpPr>
+          <p:cNvPr id="2" name="Title 1"/>
+          <p:cNvSpPr>
+            <a:spLocks noGrp="1"/>
+          </p:cNvSpPr>
+          <p:nvPr>
+            <p:ph type="title"/>
+          </p:nvPr>
+        </p:nvSpPr>
+        <p:spPr/>
+        <p:txBody>
+          <a:bodyPr/>
+          <a:lstStyle/>
+          <a:p>
+            <a:r>
+              <a:rPr lang="en-US" dirty="0" smtClean="0"/>
+              <a:t>EDL </a:t>
+            </a:r>
+            <a:r>
+              <a:rPr lang="en-US" dirty="0" err="1" smtClean="0"/>
+              <a:t>ConOps</a:t>
+            </a:r>
+            <a:endParaRPr lang="en-US" dirty="0"/>
+          </a:p>
+        </p:txBody>
+      </p:sp>
+      <p:sp>
+        <p:nvSpPr>
+          <p:cNvPr id="3" name="Content Placeholder 2"/>
+          <p:cNvSpPr>
+            <a:spLocks noGrp="1"/>
+          </p:cNvSpPr>
+          <p:nvPr>
+            <p:ph idx="1"/>
+          </p:nvPr>
+        </p:nvSpPr>
+        <p:spPr/>
+        <p:txBody>
+          <a:bodyPr/>
+          <a:lstStyle/>
+          <a:p>
+            <a:endParaRPr lang="en-US"/>
+          </a:p>
+        </p:txBody>
+      </p:sp>
+    </p:spTree>
+    <p:extLst>
+      <p:ext uri="{BB962C8B-B14F-4D97-AF65-F5344CB8AC3E}">
+        <p14:creationId xmlns:p14="http://schemas.microsoft.com/office/powerpoint/2010/main" val="2087670528"/>
+      </p:ext>
+    </p:extLst>
+  </p:cSld>
+  <p:clrMapOvr>
+    <a:masterClrMapping/>
+  </p:clrMapOvr>
+</p:sld>
+</file>
+
+<file path=ppt/slides/slide4.xml><?xml version="1.0" encoding="utf-8"?>
+<p:sld xmlns:a="http://schemas.openxmlformats.org/drawingml/2006/main" xmlns:r="http://schemas.openxmlformats.org/officeDocument/2006/relationships" xmlns:p="http://schemas.openxmlformats.org/presentationml/2006/main">
+  <p:cSld>
+    <p:spTree>
+      <p:nvGrpSpPr>
+        <p:cNvPr id="1" name=""/>
+        <p:cNvGrpSpPr/>
+        <p:nvPr/>
+      </p:nvGrpSpPr>
+      <p:grpSpPr>
+        <a:xfrm>
+          <a:off x="0" y="0"/>
+          <a:ext cx="0" cy="0"/>
+          <a:chOff x="0" y="0"/>
+          <a:chExt cx="0" cy="0"/>
+        </a:xfrm>
+      </p:grpSpPr>
+      <p:sp>
+        <p:nvSpPr>
+          <p:cNvPr id="2" name="Title 1"/>
+          <p:cNvSpPr>
+            <a:spLocks noGrp="1"/>
+          </p:cNvSpPr>
+          <p:nvPr>
+            <p:ph type="title"/>
+          </p:nvPr>
+        </p:nvSpPr>
+        <p:spPr/>
+        <p:txBody>
+          <a:bodyPr/>
+          <a:lstStyle/>
+          <a:p>
+            <a:r>
+              <a:rPr lang="en-US" dirty="0" smtClean="0"/>
+              <a:t>Broadly…</a:t>
+            </a:r>
+            <a:endParaRPr lang="en-US" dirty="0"/>
+          </a:p>
+        </p:txBody>
+      </p:sp>
+      <p:sp>
+        <p:nvSpPr>
+          <p:cNvPr id="3" name="Content Placeholder 2"/>
+          <p:cNvSpPr>
+            <a:spLocks noGrp="1"/>
+          </p:cNvSpPr>
+          <p:nvPr>
+            <p:ph idx="1"/>
+          </p:nvPr>
+        </p:nvSpPr>
+        <p:spPr/>
+        <p:txBody>
+          <a:bodyPr/>
+          <a:lstStyle/>
+          <a:p>
+            <a:r>
+              <a:rPr lang="en-US" dirty="0" smtClean="0"/>
+              <a:t>I am interested in closed loop performance of constrained, nonlinear systems subject to parametric uncertainty and/or </a:t>
+            </a:r>
+            <a:r>
+              <a:rPr lang="en-US" dirty="0" err="1" smtClean="0"/>
+              <a:t>stochasticity</a:t>
+            </a:r>
+            <a:r>
+              <a:rPr lang="en-US" dirty="0" smtClean="0"/>
+              <a:t> </a:t>
+            </a:r>
+          </a:p>
+          <a:p>
+            <a:r>
+              <a:rPr lang="en-US" dirty="0" smtClean="0"/>
+              <a:t>I want to exploit knowledge of the probabilistic nature of the uncertainty to improve performance</a:t>
+            </a:r>
+          </a:p>
+          <a:p>
+            <a:endParaRPr lang="en-US" dirty="0"/>
+          </a:p>
+        </p:txBody>
+      </p:sp>
+    </p:spTree>
+    <p:extLst>
+      <p:ext uri="{BB962C8B-B14F-4D97-AF65-F5344CB8AC3E}">
+        <p14:creationId xmlns:p14="http://schemas.microsoft.com/office/powerpoint/2010/main" val="3867321581"/>
+      </p:ext>
+    </p:extLst>
+  </p:cSld>
+  <p:clrMapOvr>
+    <a:masterClrMapping/>
+  </p:clrMapOvr>
+</p:sld>
+</file>
+
+<file path=ppt/slides/slide5.xml><?xml version="1.0" encoding="utf-8"?>
+<p:sld xmlns:a="http://schemas.openxmlformats.org/drawingml/2006/main" xmlns:r="http://schemas.openxmlformats.org/officeDocument/2006/relationships" xmlns:p="http://schemas.openxmlformats.org/presentationml/2006/main">
+  <p:cSld>
+    <p:spTree>
+      <p:nvGrpSpPr>
+        <p:cNvPr id="1" name=""/>
+        <p:cNvGrpSpPr/>
+        <p:nvPr/>
+      </p:nvGrpSpPr>
+      <p:grpSpPr>
+        <a:xfrm>
+          <a:off x="0" y="0"/>
+          <a:ext cx="0" cy="0"/>
+          <a:chOff x="0" y="0"/>
+          <a:chExt cx="0" cy="0"/>
+        </a:xfrm>
+      </p:grpSpPr>
+      <p:sp>
+        <p:nvSpPr>
+          <p:cNvPr id="2" name="Title 1"/>
+          <p:cNvSpPr>
+            <a:spLocks noGrp="1"/>
+          </p:cNvSpPr>
+          <p:nvPr>
+            <p:ph type="title"/>
+          </p:nvPr>
+        </p:nvSpPr>
+        <p:spPr/>
+        <p:txBody>
+          <a:bodyPr/>
+          <a:lstStyle/>
+          <a:p>
+            <a:r>
+              <a:rPr lang="en-US" dirty="0" smtClean="0"/>
+              <a:t>Literature Review</a:t>
+            </a:r>
+            <a:endParaRPr lang="en-US" dirty="0"/>
+          </a:p>
+        </p:txBody>
+      </p:sp>
+      <p:sp>
+        <p:nvSpPr>
+          <p:cNvPr id="3" name="Content Placeholder 2"/>
+          <p:cNvSpPr>
+            <a:spLocks noGrp="1"/>
+          </p:cNvSpPr>
+          <p:nvPr>
+            <p:ph idx="1"/>
+          </p:nvPr>
+        </p:nvSpPr>
+        <p:spPr/>
+        <p:txBody>
+          <a:bodyPr/>
+          <a:lstStyle/>
+          <a:p>
+            <a:r>
+              <a:rPr lang="en-US" dirty="0" smtClean="0"/>
+              <a:t>Linear Exponential Gaussian (weights higher moments)</a:t>
+            </a:r>
+          </a:p>
+          <a:p>
+            <a:r>
+              <a:rPr lang="en-US" dirty="0" smtClean="0"/>
+              <a:t>Desensitized optimal control penalizes the partial derivatives of the objective function </a:t>
+            </a:r>
+            <a:r>
+              <a:rPr lang="en-US" dirty="0" err="1" smtClean="0"/>
+              <a:t>wrt</a:t>
+            </a:r>
+            <a:r>
+              <a:rPr lang="en-US" dirty="0" smtClean="0"/>
+              <a:t> parameters</a:t>
+            </a:r>
+          </a:p>
+          <a:p>
+            <a:r>
+              <a:rPr lang="en-US" dirty="0" smtClean="0"/>
+              <a:t>Mean-Variance trades off mean performance and robustness</a:t>
+            </a:r>
+          </a:p>
+          <a:p>
+            <a:pPr lvl="1"/>
+            <a:r>
+              <a:rPr lang="en-US" dirty="0" smtClean="0"/>
+              <a:t>Decreasing the sensitivity of open-loop optimal solutions in decision making under uncertainty</a:t>
+            </a:r>
+          </a:p>
+          <a:p>
+            <a:pPr lvl="1"/>
+            <a:endParaRPr lang="en-US" dirty="0"/>
+          </a:p>
+        </p:txBody>
+      </p:sp>
+    </p:spTree>
+    <p:extLst>
+      <p:ext uri="{BB962C8B-B14F-4D97-AF65-F5344CB8AC3E}">
+        <p14:creationId xmlns:p14="http://schemas.microsoft.com/office/powerpoint/2010/main" val="1712482433"/>
+      </p:ext>
+    </p:extLst>
+  </p:cSld>
+  <p:clrMapOvr>
+    <a:masterClrMapping/>
+  </p:clrMapOvr>
+</p:sld>
+</file>
+
+<file path=ppt/slides/slide6.xml><?xml version="1.0" encoding="utf-8"?>
+<p:sld xmlns:a="http://schemas.openxmlformats.org/drawingml/2006/main" xmlns:r="http://schemas.openxmlformats.org/officeDocument/2006/relationships" xmlns:p="http://schemas.openxmlformats.org/presentationml/2006/main">
+  <p:cSld>
+    <p:spTree>
+      <p:nvGrpSpPr>
+        <p:cNvPr id="1" name=""/>
+        <p:cNvGrpSpPr/>
+        <p:nvPr/>
+      </p:nvGrpSpPr>
+      <p:grpSpPr>
+        <a:xfrm>
+          <a:off x="0" y="0"/>
+          <a:ext cx="0" cy="0"/>
+          <a:chOff x="0" y="0"/>
+          <a:chExt cx="0" cy="0"/>
+        </a:xfrm>
+      </p:grpSpPr>
+      <p:sp>
+        <p:nvSpPr>
+          <p:cNvPr id="2" name="Title 1"/>
+          <p:cNvSpPr>
+            <a:spLocks noGrp="1"/>
+          </p:cNvSpPr>
+          <p:nvPr>
+            <p:ph type="title"/>
+          </p:nvPr>
+        </p:nvSpPr>
+        <p:spPr/>
+        <p:txBody>
+          <a:bodyPr/>
+          <a:lstStyle/>
+          <a:p>
+            <a:r>
+              <a:rPr lang="en-US" dirty="0" smtClean="0"/>
+              <a:t>Literature Review </a:t>
+            </a:r>
+            <a:endParaRPr lang="en-US" dirty="0"/>
+          </a:p>
+        </p:txBody>
+      </p:sp>
+      <p:sp>
+        <p:nvSpPr>
+          <p:cNvPr id="3" name="Content Placeholder 2"/>
+          <p:cNvSpPr>
+            <a:spLocks noGrp="1"/>
+          </p:cNvSpPr>
+          <p:nvPr>
+            <p:ph idx="1"/>
+          </p:nvPr>
+        </p:nvSpPr>
+        <p:spPr>
+          <a:xfrm>
+            <a:off x="628650" y="1825625"/>
+            <a:ext cx="8185836" cy="4351338"/>
+          </a:xfrm>
+        </p:spPr>
+        <p:txBody>
+          <a:bodyPr/>
+          <a:lstStyle/>
+          <a:p>
+            <a:r>
+              <a:rPr lang="en-US" dirty="0" smtClean="0"/>
+              <a:t>Optimal Trajectory Generation with Probabilistic System Uncertainty Using Polynomial Chaos (Fisher, Bhattacharya)</a:t>
+            </a:r>
+          </a:p>
+          <a:p>
+            <a:pPr lvl="1"/>
+            <a:r>
+              <a:rPr lang="en-US" dirty="0" smtClean="0"/>
+              <a:t>Derived expressions for minimum expectation and minimum variance objectives in terms of PCE coefficients</a:t>
+            </a:r>
+          </a:p>
+          <a:p>
+            <a:pPr lvl="1"/>
+            <a:r>
+              <a:rPr lang="en-US" dirty="0" smtClean="0"/>
+              <a:t>Considered open loop</a:t>
+            </a:r>
+          </a:p>
+          <a:p>
+            <a:r>
+              <a:rPr lang="en-US" dirty="0" smtClean="0"/>
+              <a:t>Stochastic Trajectory Optimization for Mechanical Systems with Parametric Uncertainties</a:t>
+            </a:r>
+          </a:p>
+          <a:p>
+            <a:pPr lvl="1"/>
+            <a:r>
+              <a:rPr lang="en-US" dirty="0" smtClean="0"/>
+              <a:t>Extended Differential Dynamic Programming to stochastic systems using polynomial chaos </a:t>
+            </a:r>
+            <a:endParaRPr lang="en-US" dirty="0"/>
+          </a:p>
+        </p:txBody>
+      </p:sp>
+    </p:spTree>
+    <p:extLst>
+      <p:ext uri="{BB962C8B-B14F-4D97-AF65-F5344CB8AC3E}">
+        <p14:creationId xmlns:p14="http://schemas.microsoft.com/office/powerpoint/2010/main" val="3403497036"/>
+      </p:ext>
+    </p:extLst>
+  </p:cSld>
+  <p:clrMapOvr>
+    <a:masterClrMapping/>
+  </p:clrMapOvr>
+</p:sld>
+</file>
+
+<file path=ppt/slides/slide7.xml><?xml version="1.0" encoding="utf-8"?>
+<p:sld xmlns:a="http://schemas.openxmlformats.org/drawingml/2006/main" xmlns:r="http://schemas.openxmlformats.org/officeDocument/2006/relationships" xmlns:p="http://schemas.openxmlformats.org/presentationml/2006/main">
+  <p:cSld>
+    <p:spTree>
+      <p:nvGrpSpPr>
+        <p:cNvPr id="1" name=""/>
+        <p:cNvGrpSpPr/>
+        <p:nvPr/>
+      </p:nvGrpSpPr>
+      <p:grpSpPr>
+        <a:xfrm>
+          <a:off x="0" y="0"/>
+          <a:ext cx="0" cy="0"/>
+          <a:chOff x="0" y="0"/>
+          <a:chExt cx="0" cy="0"/>
+        </a:xfrm>
+      </p:grpSpPr>
+      <p:sp>
+        <p:nvSpPr>
+          <p:cNvPr id="2" name="Title 1"/>
+          <p:cNvSpPr>
+            <a:spLocks noGrp="1"/>
+          </p:cNvSpPr>
+          <p:nvPr>
+            <p:ph type="title"/>
+          </p:nvPr>
+        </p:nvSpPr>
+        <p:spPr/>
+        <p:txBody>
+          <a:bodyPr/>
+          <a:lstStyle/>
+          <a:p>
+            <a:endParaRPr lang="en-US"/>
+          </a:p>
+        </p:txBody>
+      </p:sp>
+      <p:sp>
+        <p:nvSpPr>
+          <p:cNvPr id="3" name="Content Placeholder 2"/>
+          <p:cNvSpPr>
+            <a:spLocks noGrp="1"/>
+          </p:cNvSpPr>
+          <p:nvPr>
+            <p:ph idx="1"/>
+          </p:nvPr>
+        </p:nvSpPr>
+        <p:spPr/>
+        <p:txBody>
+          <a:bodyPr/>
+          <a:lstStyle/>
+          <a:p>
+            <a:r>
+              <a:rPr lang="en-US" dirty="0" smtClean="0"/>
+              <a:t>Desensitized control does not make proper use of statistical information</a:t>
+            </a:r>
+          </a:p>
+          <a:p>
+            <a:pPr lvl="1"/>
+            <a:r>
+              <a:rPr lang="en-US" dirty="0" smtClean="0"/>
+              <a:t>Indeed, performance evaluations are conducted using parameters governed by distributions and we can use this information explicitly </a:t>
+            </a:r>
+          </a:p>
+          <a:p>
+            <a:r>
+              <a:rPr lang="en-US" dirty="0" smtClean="0"/>
+              <a:t>Few papers discuss closed-loop approaches </a:t>
+            </a:r>
+          </a:p>
+          <a:p>
+            <a:pPr lvl="1"/>
+            <a:r>
+              <a:rPr lang="en-US" dirty="0" smtClean="0"/>
+              <a:t>Those that do avoid the issue of control constraints and instead impose arbitrary limits on the feedback gains or exclude feedback gains from</a:t>
+            </a:r>
+          </a:p>
+        </p:txBody>
+      </p:sp>
+    </p:spTree>
+    <p:extLst>
+      <p:ext uri="{BB962C8B-B14F-4D97-AF65-F5344CB8AC3E}">
+        <p14:creationId xmlns:p14="http://schemas.microsoft.com/office/powerpoint/2010/main" val="4273695452"/>
+      </p:ext>
+    </p:extLst>
+  </p:cSld>
+  <p:clrMapOvr>
+    <a:masterClrMapping/>
+  </p:clrMapOvr>
+</p:sld>
+</file>
+
+<file path=ppt/slides/slide8.xml><?xml version="1.0" encoding="utf-8"?>
+<p:sld xmlns:a="http://schemas.openxmlformats.org/drawingml/2006/main" xmlns:r="http://schemas.openxmlformats.org/officeDocument/2006/relationships" xmlns:p="http://schemas.openxmlformats.org/presentationml/2006/main">
+  <p:cSld>
+    <p:spTree>
+      <p:nvGrpSpPr>
+        <p:cNvPr id="1" name=""/>
+        <p:cNvGrpSpPr/>
+        <p:nvPr/>
+      </p:nvGrpSpPr>
+      <p:grpSpPr>
+        <a:xfrm>
+          <a:off x="0" y="0"/>
+          <a:ext cx="0" cy="0"/>
+          <a:chOff x="0" y="0"/>
+          <a:chExt cx="0" cy="0"/>
+        </a:xfrm>
+      </p:grpSpPr>
+      <p:sp>
+        <p:nvSpPr>
+          <p:cNvPr id="2" name="Title 1"/>
+          <p:cNvSpPr>
+            <a:spLocks noGrp="1"/>
+          </p:cNvSpPr>
+          <p:nvPr>
+            <p:ph type="title"/>
+          </p:nvPr>
+        </p:nvSpPr>
+        <p:spPr>
+          <a:xfrm>
+            <a:off x="628650" y="1079156"/>
+            <a:ext cx="7886700" cy="1248407"/>
+          </a:xfrm>
+        </p:spPr>
+        <p:txBody>
+          <a:bodyPr/>
+          <a:lstStyle/>
+          <a:p>
+            <a:r>
+              <a:rPr lang="en-US" dirty="0" smtClean="0"/>
+              <a:t>Switch Time Optimization for Rapid Trajectory Design</a:t>
+            </a:r>
+            <a:endParaRPr lang="en-US" dirty="0"/>
+          </a:p>
+        </p:txBody>
+      </p:sp>
+      <p:sp>
+        <p:nvSpPr>
+          <p:cNvPr id="3" name="Content Placeholder 2"/>
+          <p:cNvSpPr>
+            <a:spLocks noGrp="1"/>
+          </p:cNvSpPr>
+          <p:nvPr>
+            <p:ph idx="1"/>
+          </p:nvPr>
+        </p:nvSpPr>
+        <p:spPr>
+          <a:xfrm>
+            <a:off x="628650" y="2576944"/>
+            <a:ext cx="7886700" cy="4281055"/>
+          </a:xfrm>
+        </p:spPr>
+        <p:txBody>
+          <a:bodyPr/>
+          <a:lstStyle/>
+          <a:p>
+            <a:r>
+              <a:rPr lang="en-US" dirty="0" smtClean="0"/>
+              <a:t>Simple </a:t>
+            </a:r>
+            <a:r>
+              <a:rPr lang="en-US" dirty="0" err="1" smtClean="0"/>
+              <a:t>parametrization</a:t>
+            </a:r>
+            <a:r>
+              <a:rPr lang="en-US" dirty="0" smtClean="0"/>
+              <a:t> for robust, near-optimal altitude performance intended for parachute architectures </a:t>
+            </a:r>
+          </a:p>
+          <a:p>
+            <a:r>
+              <a:rPr lang="en-US" dirty="0" smtClean="0"/>
+              <a:t>Can show that this </a:t>
+            </a:r>
+            <a:r>
+              <a:rPr lang="en-US" dirty="0" err="1" smtClean="0"/>
+              <a:t>parametrization</a:t>
+            </a:r>
+            <a:r>
+              <a:rPr lang="en-US" dirty="0" smtClean="0"/>
+              <a:t> also allows for near-optimal minimum velocity performance, suitable for SRP applications</a:t>
+            </a:r>
+          </a:p>
+          <a:p>
+            <a:r>
+              <a:rPr lang="en-US" dirty="0" smtClean="0"/>
+              <a:t>If-then logic used is discontinuous; </a:t>
+            </a:r>
+            <a:r>
+              <a:rPr lang="en-US" dirty="0" err="1" smtClean="0"/>
+              <a:t>Nelder</a:t>
+            </a:r>
+            <a:r>
+              <a:rPr lang="en-US" dirty="0" smtClean="0"/>
+              <a:t>-Mead simplex method has been used for optimization</a:t>
+            </a:r>
+          </a:p>
+          <a:p>
+            <a:r>
+              <a:rPr lang="en-US" dirty="0" smtClean="0"/>
+              <a:t>Results from hybrid OC literature suggest a gradient based solution is possible and preferable </a:t>
+            </a:r>
+            <a:endParaRPr lang="en-US" dirty="0"/>
+          </a:p>
+        </p:txBody>
+      </p:sp>
+    </p:spTree>
+    <p:extLst>
+      <p:ext uri="{BB962C8B-B14F-4D97-AF65-F5344CB8AC3E}">
+        <p14:creationId xmlns:p14="http://schemas.microsoft.com/office/powerpoint/2010/main" val="949813023"/>
+      </p:ext>
+    </p:extLst>
+  </p:cSld>
+  <p:clrMapOvr>
+    <a:masterClrMapping/>
+  </p:clrMapOvr>
+</p:sld>
+</file>
+
+<file path=ppt/slides/slide9.xml><?xml version="1.0" encoding="utf-8"?>
+<p:sld xmlns:a="http://schemas.openxmlformats.org/drawingml/2006/main" xmlns:r="http://schemas.openxmlformats.org/officeDocument/2006/relationships" xmlns:p="http://schemas.openxmlformats.org/presentationml/2006/main">
+  <p:cSld>
+    <p:spTree>
+      <p:nvGrpSpPr>
+        <p:cNvPr id="1" name=""/>
+        <p:cNvGrpSpPr/>
+        <p:nvPr/>
+      </p:nvGrpSpPr>
+      <p:grpSpPr>
+        <a:xfrm>
+          <a:off x="0" y="0"/>
+          <a:ext cx="0" cy="0"/>
+          <a:chOff x="0" y="0"/>
+          <a:chExt cx="0" cy="0"/>
+        </a:xfrm>
+      </p:grpSpPr>
+      <p:sp>
+        <p:nvSpPr>
+          <p:cNvPr id="2" name="Title 1"/>
+          <p:cNvSpPr>
+            <a:spLocks noGrp="1"/>
+          </p:cNvSpPr>
+          <p:nvPr>
+            <p:ph type="title"/>
+          </p:nvPr>
+        </p:nvSpPr>
+        <p:spPr>
+          <a:xfrm>
+            <a:off x="628650" y="1079156"/>
+            <a:ext cx="7886700" cy="1231781"/>
+          </a:xfrm>
+        </p:spPr>
+        <p:txBody>
+          <a:bodyPr/>
+          <a:lstStyle/>
+          <a:p>
+            <a:r>
+              <a:rPr lang="en-US" dirty="0" smtClean="0"/>
+              <a:t>Chance Constrained Nonlinear Optimal Control</a:t>
+            </a:r>
+            <a:endParaRPr lang="en-US" dirty="0"/>
+          </a:p>
+        </p:txBody>
+      </p:sp>
+      <p:sp>
+        <p:nvSpPr>
+          <p:cNvPr id="3" name="Content Placeholder 2"/>
+          <p:cNvSpPr>
+            <a:spLocks noGrp="1"/>
+          </p:cNvSpPr>
+          <p:nvPr>
+            <p:ph idx="1"/>
+          </p:nvPr>
+        </p:nvSpPr>
+        <p:spPr>
+          <a:xfrm>
+            <a:off x="628650" y="2510443"/>
+            <a:ext cx="7886700" cy="3666519"/>
+          </a:xfrm>
+        </p:spPr>
+        <p:txBody>
+          <a:bodyPr/>
+          <a:lstStyle/>
+          <a:p>
+            <a:endParaRPr lang="en-US" dirty="0"/>
+          </a:p>
+        </p:txBody>
+      </p:sp>
+    </p:spTree>
+    <p:extLst>
+      <p:ext uri="{BB962C8B-B14F-4D97-AF65-F5344CB8AC3E}">
+        <p14:creationId xmlns:p14="http://schemas.microsoft.com/office/powerpoint/2010/main" val="3996060571"/>
       </p:ext>
     </p:extLst>
   </p:cSld>

--- a/Documents/Qual Exam.pptx
+++ b/Documents/Qual Exam.pptx
@@ -5,37 +5,38 @@
     <p:sldMasterId id="2147483660" r:id="rId1"/>
   </p:sldMasterIdLst>
   <p:notesMasterIdLst>
-    <p:notesMasterId r:id="rId30"/>
+    <p:notesMasterId r:id="rId31"/>
   </p:notesMasterIdLst>
   <p:sldIdLst>
     <p:sldId id="275" r:id="rId2"/>
     <p:sldId id="283" r:id="rId3"/>
     <p:sldId id="284" r:id="rId4"/>
-    <p:sldId id="287" r:id="rId5"/>
-    <p:sldId id="285" r:id="rId6"/>
-    <p:sldId id="288" r:id="rId7"/>
-    <p:sldId id="286" r:id="rId8"/>
-    <p:sldId id="280" r:id="rId9"/>
-    <p:sldId id="281" r:id="rId10"/>
-    <p:sldId id="260" r:id="rId11"/>
-    <p:sldId id="263" r:id="rId12"/>
-    <p:sldId id="262" r:id="rId13"/>
-    <p:sldId id="279" r:id="rId14"/>
-    <p:sldId id="261" r:id="rId15"/>
-    <p:sldId id="282" r:id="rId16"/>
-    <p:sldId id="264" r:id="rId17"/>
-    <p:sldId id="265" r:id="rId18"/>
-    <p:sldId id="266" r:id="rId19"/>
-    <p:sldId id="267" r:id="rId20"/>
-    <p:sldId id="268" r:id="rId21"/>
-    <p:sldId id="269" r:id="rId22"/>
-    <p:sldId id="270" r:id="rId23"/>
-    <p:sldId id="271" r:id="rId24"/>
-    <p:sldId id="272" r:id="rId25"/>
-    <p:sldId id="273" r:id="rId26"/>
-    <p:sldId id="274" r:id="rId27"/>
-    <p:sldId id="277" r:id="rId28"/>
-    <p:sldId id="278" r:id="rId29"/>
+    <p:sldId id="280" r:id="rId5"/>
+    <p:sldId id="289" r:id="rId6"/>
+    <p:sldId id="287" r:id="rId7"/>
+    <p:sldId id="285" r:id="rId8"/>
+    <p:sldId id="288" r:id="rId9"/>
+    <p:sldId id="286" r:id="rId10"/>
+    <p:sldId id="281" r:id="rId11"/>
+    <p:sldId id="260" r:id="rId12"/>
+    <p:sldId id="263" r:id="rId13"/>
+    <p:sldId id="262" r:id="rId14"/>
+    <p:sldId id="279" r:id="rId15"/>
+    <p:sldId id="261" r:id="rId16"/>
+    <p:sldId id="282" r:id="rId17"/>
+    <p:sldId id="264" r:id="rId18"/>
+    <p:sldId id="265" r:id="rId19"/>
+    <p:sldId id="266" r:id="rId20"/>
+    <p:sldId id="267" r:id="rId21"/>
+    <p:sldId id="268" r:id="rId22"/>
+    <p:sldId id="269" r:id="rId23"/>
+    <p:sldId id="270" r:id="rId24"/>
+    <p:sldId id="271" r:id="rId25"/>
+    <p:sldId id="272" r:id="rId26"/>
+    <p:sldId id="273" r:id="rId27"/>
+    <p:sldId id="274" r:id="rId28"/>
+    <p:sldId id="277" r:id="rId29"/>
+    <p:sldId id="278" r:id="rId30"/>
   </p:sldIdLst>
   <p:sldSz cx="9144000" cy="6858000" type="screen4x3"/>
   <p:notesSz cx="6858000" cy="9144000"/>
@@ -142,11 +143,12 @@
             <p14:sldId id="275"/>
             <p14:sldId id="283"/>
             <p14:sldId id="284"/>
+            <p14:sldId id="280"/>
+            <p14:sldId id="289"/>
             <p14:sldId id="287"/>
             <p14:sldId id="285"/>
             <p14:sldId id="288"/>
             <p14:sldId id="286"/>
-            <p14:sldId id="280"/>
             <p14:sldId id="281"/>
             <p14:sldId id="260"/>
             <p14:sldId id="263"/>
@@ -268,7 +270,7 @@
           <a:p>
             <a:fld id="{AEBE7A69-640E-417A-A462-9E49D1368F72}" type="datetimeFigureOut">
               <a:rPr lang="en-US" smtClean="0"/>
-              <a:t>11/20/2018</a:t>
+              <a:t>11/26/2018</a:t>
             </a:fld>
             <a:endParaRPr lang="en-US"/>
           </a:p>
@@ -635,7 +637,7 @@
           <a:p>
             <a:fld id="{3F6F7F58-9784-4543-B74A-850450AD4D21}" type="slidenum">
               <a:rPr lang="en-US" smtClean="0"/>
-              <a:t>14</a:t>
+              <a:t>15</a:t>
             </a:fld>
             <a:endParaRPr lang="en-US"/>
           </a:p>
@@ -735,7 +737,7 @@
           <a:p>
             <a:fld id="{4BAF2748-3477-4185-BA7E-C3C95536F5B5}" type="slidenum">
               <a:rPr lang="en-US" smtClean="0"/>
-              <a:t>16</a:t>
+              <a:t>17</a:t>
             </a:fld>
             <a:endParaRPr lang="en-US"/>
           </a:p>
@@ -857,7 +859,7 @@
           <a:p>
             <a:fld id="{4BAF2748-3477-4185-BA7E-C3C95536F5B5}" type="slidenum">
               <a:rPr lang="en-US" smtClean="0"/>
-              <a:t>17</a:t>
+              <a:t>18</a:t>
             </a:fld>
             <a:endParaRPr lang="en-US"/>
           </a:p>
@@ -972,7 +974,7 @@
           <a:p>
             <a:fld id="{4BAF2748-3477-4185-BA7E-C3C95536F5B5}" type="slidenum">
               <a:rPr lang="en-US" smtClean="0"/>
-              <a:t>18</a:t>
+              <a:t>19</a:t>
             </a:fld>
             <a:endParaRPr lang="en-US"/>
           </a:p>
@@ -1064,7 +1066,7 @@
           <a:p>
             <a:fld id="{4BAF2748-3477-4185-BA7E-C3C95536F5B5}" type="slidenum">
               <a:rPr lang="en-US" smtClean="0"/>
-              <a:t>20</a:t>
+              <a:t>21</a:t>
             </a:fld>
             <a:endParaRPr lang="en-US"/>
           </a:p>
@@ -1148,7 +1150,7 @@
           <a:p>
             <a:fld id="{4BAF2748-3477-4185-BA7E-C3C95536F5B5}" type="slidenum">
               <a:rPr lang="en-US" smtClean="0"/>
-              <a:t>21</a:t>
+              <a:t>22</a:t>
             </a:fld>
             <a:endParaRPr lang="en-US"/>
           </a:p>
@@ -1246,7 +1248,7 @@
           <a:p>
             <a:fld id="{4BAF2748-3477-4185-BA7E-C3C95536F5B5}" type="slidenum">
               <a:rPr lang="en-US" smtClean="0"/>
-              <a:t>22</a:t>
+              <a:t>23</a:t>
             </a:fld>
             <a:endParaRPr lang="en-US"/>
           </a:p>
@@ -1352,7 +1354,7 @@
           <a:p>
             <a:fld id="{4BAF2748-3477-4185-BA7E-C3C95536F5B5}" type="slidenum">
               <a:rPr lang="en-US" smtClean="0"/>
-              <a:t>23</a:t>
+              <a:t>24</a:t>
             </a:fld>
             <a:endParaRPr lang="en-US"/>
           </a:p>
@@ -1458,7 +1460,7 @@
           <a:p>
             <a:fld id="{97591DF4-FFBB-4E8C-8E87-255A2EADF72A}" type="slidenum">
               <a:rPr lang="en-US" smtClean="0"/>
-              <a:t>28</a:t>
+              <a:t>29</a:t>
             </a:fld>
             <a:endParaRPr lang="en-US"/>
           </a:p>
@@ -1730,7 +1732,7 @@
           <a:p>
             <a:fld id="{26DDC68E-15D0-3D4A-B51F-159227E9B510}" type="datetimeFigureOut">
               <a:rPr lang="en-US" smtClean="0"/>
-              <a:t>11/20/2018</a:t>
+              <a:t>11/26/2018</a:t>
             </a:fld>
             <a:endParaRPr lang="en-US"/>
           </a:p>
@@ -1940,7 +1942,7 @@
           <a:p>
             <a:fld id="{26DDC68E-15D0-3D4A-B51F-159227E9B510}" type="datetimeFigureOut">
               <a:rPr lang="en-US" smtClean="0"/>
-              <a:t>11/20/2018</a:t>
+              <a:t>11/26/2018</a:t>
             </a:fld>
             <a:endParaRPr lang="en-US"/>
           </a:p>
@@ -2150,7 +2152,7 @@
           <a:p>
             <a:fld id="{26DDC68E-15D0-3D4A-B51F-159227E9B510}" type="datetimeFigureOut">
               <a:rPr lang="en-US" smtClean="0"/>
-              <a:t>11/20/2018</a:t>
+              <a:t>11/26/2018</a:t>
             </a:fld>
             <a:endParaRPr lang="en-US"/>
           </a:p>
@@ -2424,7 +2426,7 @@
           <a:p>
             <a:fld id="{26DDC68E-15D0-3D4A-B51F-159227E9B510}" type="datetimeFigureOut">
               <a:rPr lang="en-US" smtClean="0"/>
-              <a:t>11/20/2018</a:t>
+              <a:t>11/26/2018</a:t>
             </a:fld>
             <a:endParaRPr lang="en-US"/>
           </a:p>
@@ -2694,7 +2696,7 @@
           <a:p>
             <a:fld id="{26DDC68E-15D0-3D4A-B51F-159227E9B510}" type="datetimeFigureOut">
               <a:rPr lang="en-US" smtClean="0"/>
-              <a:t>11/20/2018</a:t>
+              <a:t>11/26/2018</a:t>
             </a:fld>
             <a:endParaRPr lang="en-US"/>
           </a:p>
@@ -3100,7 +3102,7 @@
           <a:p>
             <a:fld id="{26DDC68E-15D0-3D4A-B51F-159227E9B510}" type="datetimeFigureOut">
               <a:rPr lang="en-US" smtClean="0"/>
-              <a:t>11/20/2018</a:t>
+              <a:t>11/26/2018</a:t>
             </a:fld>
             <a:endParaRPr lang="en-US"/>
           </a:p>
@@ -3250,7 +3252,7 @@
           <a:p>
             <a:fld id="{26DDC68E-15D0-3D4A-B51F-159227E9B510}" type="datetimeFigureOut">
               <a:rPr lang="en-US" smtClean="0"/>
-              <a:t>11/20/2018</a:t>
+              <a:t>11/26/2018</a:t>
             </a:fld>
             <a:endParaRPr lang="en-US"/>
           </a:p>
@@ -3369,7 +3371,7 @@
           <a:p>
             <a:fld id="{26DDC68E-15D0-3D4A-B51F-159227E9B510}" type="datetimeFigureOut">
               <a:rPr lang="en-US" smtClean="0"/>
-              <a:t>11/20/2018</a:t>
+              <a:t>11/26/2018</a:t>
             </a:fld>
             <a:endParaRPr lang="en-US"/>
           </a:p>
@@ -3679,7 +3681,7 @@
           <a:p>
             <a:fld id="{26DDC68E-15D0-3D4A-B51F-159227E9B510}" type="datetimeFigureOut">
               <a:rPr lang="en-US" smtClean="0"/>
-              <a:t>11/20/2018</a:t>
+              <a:t>11/26/2018</a:t>
             </a:fld>
             <a:endParaRPr lang="en-US"/>
           </a:p>
@@ -3969,7 +3971,7 @@
           <a:p>
             <a:fld id="{26DDC68E-15D0-3D4A-B51F-159227E9B510}" type="datetimeFigureOut">
               <a:rPr lang="en-US" smtClean="0"/>
-              <a:t>11/20/2018</a:t>
+              <a:t>11/26/2018</a:t>
             </a:fld>
             <a:endParaRPr lang="en-US"/>
           </a:p>
@@ -4531,7 +4533,15 @@
           <a:p>
             <a:r>
               <a:rPr lang="en-US" dirty="0" smtClean="0"/>
-              <a:t>Entry phase (convex updating)</a:t>
+              <a:t>Entry phase </a:t>
+            </a:r>
+            <a:r>
+              <a:rPr lang="en-US" dirty="0" smtClean="0"/>
+              <a:t>(hybrid opt, convex </a:t>
+            </a:r>
+            <a:r>
+              <a:rPr lang="en-US" dirty="0" smtClean="0"/>
+              <a:t>updating)</a:t>
             </a:r>
           </a:p>
           <a:p>
@@ -4607,18 +4617,19 @@
             <p:ph type="title"/>
           </p:nvPr>
         </p:nvSpPr>
-        <p:spPr/>
-        <p:txBody>
-          <a:bodyPr/>
-          <a:lstStyle/>
-          <a:p>
-            <a:r>
-              <a:rPr lang="en-US" dirty="0"/>
-              <a:t>V</a:t>
-            </a:r>
-            <a:r>
-              <a:rPr lang="en-US" dirty="0" smtClean="0"/>
-              <a:t>ariance Minimization</a:t>
+        <p:spPr>
+          <a:xfrm>
+            <a:off x="628650" y="1079156"/>
+            <a:ext cx="7886700" cy="1231781"/>
+          </a:xfrm>
+        </p:spPr>
+        <p:txBody>
+          <a:bodyPr/>
+          <a:lstStyle/>
+          <a:p>
+            <a:r>
+              <a:rPr lang="en-US" dirty="0" smtClean="0"/>
+              <a:t>Chance Constrained Nonlinear Optimal Control</a:t>
             </a:r>
             <a:endParaRPr lang="en-US" dirty="0"/>
           </a:p>
@@ -4636,62 +4647,22 @@
         </p:nvSpPr>
         <p:spPr>
           <a:xfrm>
-            <a:off x="628650" y="1825624"/>
-            <a:ext cx="7886700" cy="4857397"/>
-          </a:xfrm>
-        </p:spPr>
-        <p:txBody>
-          <a:bodyPr/>
-          <a:lstStyle/>
-          <a:p>
-            <a:r>
-              <a:rPr lang="en-US" dirty="0" smtClean="0"/>
-              <a:t>Consider first the LTV case, with unconstrained control</a:t>
-            </a:r>
-          </a:p>
-          <a:p>
-            <a:r>
-              <a:rPr lang="en-US" dirty="0" smtClean="0"/>
-              <a:t>For suitable choice of norm on the final covariance matrix, the problem </a:t>
-            </a:r>
-            <a:r>
-              <a:rPr lang="en-US" smtClean="0"/>
-              <a:t>reduces to </a:t>
-            </a:r>
-            <a:r>
-              <a:rPr lang="en-US" dirty="0" smtClean="0"/>
-              <a:t>standard LQR with a particular boundary condition</a:t>
-            </a:r>
-          </a:p>
-          <a:p>
-            <a:pPr lvl="1"/>
-            <a:r>
-              <a:rPr lang="en-US" dirty="0" smtClean="0"/>
-              <a:t>The required norm is the trace operator</a:t>
-            </a:r>
-          </a:p>
-          <a:p>
-            <a:pPr lvl="1"/>
-            <a:r>
-              <a:rPr lang="en-US" dirty="0" smtClean="0"/>
-              <a:t>The LQ state weight matrix Q = I</a:t>
-            </a:r>
-          </a:p>
-          <a:p>
-            <a:r>
-              <a:rPr lang="en-US" dirty="0" smtClean="0"/>
-              <a:t>The trace is a suitable choice in many cases. Geometrically, it is related to the size of the covariance ellipse, while ignoring directional information</a:t>
-            </a:r>
-          </a:p>
-          <a:p>
-            <a:endParaRPr lang="en-US" dirty="0" smtClean="0"/>
+            <a:off x="628650" y="2510443"/>
+            <a:ext cx="7886700" cy="3666519"/>
+          </a:xfrm>
+        </p:spPr>
+        <p:txBody>
+          <a:bodyPr/>
+          <a:lstStyle/>
+          <a:p>
+            <a:endParaRPr lang="en-US" dirty="0"/>
           </a:p>
         </p:txBody>
       </p:sp>
     </p:spTree>
     <p:extLst>
       <p:ext uri="{BB962C8B-B14F-4D97-AF65-F5344CB8AC3E}">
-        <p14:creationId xmlns:p14="http://schemas.microsoft.com/office/powerpoint/2010/main" val="3096368325"/>
+        <p14:creationId xmlns:p14="http://schemas.microsoft.com/office/powerpoint/2010/main" val="3996060571"/>
       </p:ext>
     </p:extLst>
   </p:cSld>
@@ -4734,8 +4705,12 @@
           <a:lstStyle/>
           <a:p>
             <a:r>
-              <a:rPr lang="en-US" dirty="0" smtClean="0"/>
-              <a:t>Trace Norm</a:t>
+              <a:rPr lang="en-US" dirty="0"/>
+              <a:t>V</a:t>
+            </a:r>
+            <a:r>
+              <a:rPr lang="en-US" dirty="0" smtClean="0"/>
+              <a:t>ariance Minimization</a:t>
             </a:r>
             <a:endParaRPr lang="en-US" dirty="0"/>
           </a:p>
@@ -4751,37 +4726,64 @@
             <p:ph idx="1"/>
           </p:nvPr>
         </p:nvSpPr>
-        <p:spPr/>
-        <p:txBody>
-          <a:bodyPr/>
-          <a:lstStyle/>
-          <a:p>
-            <a:r>
-              <a:rPr lang="en-US" dirty="0" smtClean="0"/>
-              <a:t>From the broader class of </a:t>
-            </a:r>
-            <a:r>
-              <a:rPr lang="en-US" dirty="0" err="1" smtClean="0"/>
-              <a:t>Schatten</a:t>
-            </a:r>
-            <a:r>
-              <a:rPr lang="en-US" dirty="0" smtClean="0"/>
-              <a:t> p-norms with p=1</a:t>
-            </a:r>
-          </a:p>
-          <a:p>
-            <a:r>
-              <a:rPr lang="en-US" dirty="0" smtClean="0"/>
-              <a:t>Also called the nuclear norm, equal to the sum of the singular values (= eigenvalues because covariance is positive semi-definite)</a:t>
-            </a:r>
-            <a:endParaRPr lang="en-US" dirty="0"/>
+        <p:spPr>
+          <a:xfrm>
+            <a:off x="628650" y="1825624"/>
+            <a:ext cx="7886700" cy="4857397"/>
+          </a:xfrm>
+        </p:spPr>
+        <p:txBody>
+          <a:bodyPr/>
+          <a:lstStyle/>
+          <a:p>
+            <a:r>
+              <a:rPr lang="en-US" dirty="0" smtClean="0"/>
+              <a:t>Consider first the LTV case, with unconstrained control</a:t>
+            </a:r>
+          </a:p>
+          <a:p>
+            <a:r>
+              <a:rPr lang="en-US" dirty="0" smtClean="0"/>
+              <a:t>For suitable choice of norm on the final covariance matrix, the problem </a:t>
+            </a:r>
+            <a:r>
+              <a:rPr lang="en-US" smtClean="0"/>
+              <a:t>reduces to </a:t>
+            </a:r>
+            <a:r>
+              <a:rPr lang="en-US" dirty="0" smtClean="0"/>
+              <a:t>standard LQR with a particular boundary condition</a:t>
+            </a:r>
+          </a:p>
+          <a:p>
+            <a:pPr lvl="1"/>
+            <a:r>
+              <a:rPr lang="en-US" dirty="0" smtClean="0"/>
+              <a:t>The required norm is the trace operator</a:t>
+            </a:r>
+          </a:p>
+          <a:p>
+            <a:pPr lvl="1"/>
+            <a:r>
+              <a:rPr lang="en-US" dirty="0" smtClean="0"/>
+              <a:t>The LQ state weight matrix Q = I</a:t>
+            </a:r>
+          </a:p>
+          <a:p>
+            <a:r>
+              <a:rPr lang="en-US" dirty="0" smtClean="0"/>
+              <a:t>The trace is a suitable choice in many cases. Geometrically, it is related to the size of the covariance ellipse, while ignoring directional information</a:t>
+            </a:r>
+          </a:p>
+          <a:p>
+            <a:endParaRPr lang="en-US" dirty="0" smtClean="0"/>
           </a:p>
         </p:txBody>
       </p:sp>
     </p:spTree>
     <p:extLst>
       <p:ext uri="{BB962C8B-B14F-4D97-AF65-F5344CB8AC3E}">
-        <p14:creationId xmlns:p14="http://schemas.microsoft.com/office/powerpoint/2010/main" val="3713997120"/>
+        <p14:creationId xmlns:p14="http://schemas.microsoft.com/office/powerpoint/2010/main" val="3096368325"/>
       </p:ext>
     </p:extLst>
   </p:cSld>
@@ -4825,7 +4827,7 @@
           <a:p>
             <a:r>
               <a:rPr lang="en-US" dirty="0" smtClean="0"/>
-              <a:t>Variance Minimization</a:t>
+              <a:t>Trace Norm</a:t>
             </a:r>
             <a:endParaRPr lang="en-US" dirty="0"/>
           </a:p>
@@ -4841,67 +4843,28 @@
             <p:ph idx="1"/>
           </p:nvPr>
         </p:nvSpPr>
-        <p:spPr>
-          <a:xfrm>
-            <a:off x="628650" y="1825624"/>
-            <a:ext cx="7886700" cy="4909283"/>
-          </a:xfrm>
-        </p:spPr>
-        <p:txBody>
-          <a:bodyPr/>
-          <a:lstStyle/>
-          <a:p>
-            <a:r>
-              <a:rPr lang="en-US" dirty="0"/>
-              <a:t>Next consider the same scenario with bounded control inputs</a:t>
-            </a:r>
-          </a:p>
-          <a:p>
-            <a:pPr lvl="1"/>
-            <a:r>
-              <a:rPr lang="en-US" dirty="0"/>
-              <a:t>The optimal control law is bang-bang in nature</a:t>
-            </a:r>
-          </a:p>
-          <a:p>
-            <a:pPr lvl="1"/>
-            <a:r>
-              <a:rPr lang="en-US" dirty="0"/>
-              <a:t>Can no longer decouple mean and covariance problems </a:t>
-            </a:r>
-            <a:endParaRPr lang="en-US" dirty="0" smtClean="0"/>
-          </a:p>
-          <a:p>
-            <a:r>
-              <a:rPr lang="en-US" dirty="0" smtClean="0"/>
-              <a:t>In zero mean case, optimal control in linear feedback is achieved as K -&gt; </a:t>
+        <p:spPr/>
+        <p:txBody>
+          <a:bodyPr/>
+          <a:lstStyle/>
+          <a:p>
+            <a:r>
+              <a:rPr lang="en-US" dirty="0" smtClean="0"/>
+              <a:t>From the broader class of </a:t>
             </a:r>
             <a:r>
               <a:rPr lang="en-US" dirty="0" err="1" smtClean="0"/>
-              <a:t>inf</a:t>
-            </a:r>
-            <a:r>
-              <a:rPr lang="en-US" dirty="0" smtClean="0"/>
-              <a:t>, resulting in bang-bang control = </a:t>
-            </a:r>
-            <a:r>
-              <a:rPr lang="en-US" dirty="0" err="1" smtClean="0"/>
-              <a:t>Umax</a:t>
-            </a:r>
-            <a:r>
-              <a:rPr lang="en-US" dirty="0" smtClean="0"/>
-              <a:t>*sign(x)</a:t>
-            </a:r>
-            <a:endParaRPr lang="en-US" dirty="0"/>
-          </a:p>
-          <a:p>
-            <a:r>
-              <a:rPr lang="en-US" dirty="0" smtClean="0"/>
-              <a:t>Even for linear problems, we turn to an optimization approach: find the optimal mean trajectory such that covariance is minimized under </a:t>
-            </a:r>
-            <a:r>
-              <a:rPr lang="en-US" smtClean="0"/>
-              <a:t>discontinuous feedback</a:t>
+              <a:t>Schatten</a:t>
+            </a:r>
+            <a:r>
+              <a:rPr lang="en-US" dirty="0" smtClean="0"/>
+              <a:t> p-norms with p=1</a:t>
+            </a:r>
+          </a:p>
+          <a:p>
+            <a:r>
+              <a:rPr lang="en-US" dirty="0" smtClean="0"/>
+              <a:t>Also called the nuclear norm, equal to the sum of the singular values (= eigenvalues because covariance is positive semi-definite)</a:t>
             </a:r>
             <a:endParaRPr lang="en-US" dirty="0"/>
           </a:p>
@@ -4910,7 +4873,7 @@
     </p:spTree>
     <p:extLst>
       <p:ext uri="{BB962C8B-B14F-4D97-AF65-F5344CB8AC3E}">
-        <p14:creationId xmlns:p14="http://schemas.microsoft.com/office/powerpoint/2010/main" val="1023245691"/>
+        <p14:creationId xmlns:p14="http://schemas.microsoft.com/office/powerpoint/2010/main" val="3713997120"/>
       </p:ext>
     </p:extLst>
   </p:cSld>
@@ -4954,6 +4917,139 @@
           <a:p>
             <a:r>
               <a:rPr lang="en-US" dirty="0" smtClean="0"/>
+              <a:t>Variance Minimization</a:t>
+            </a:r>
+            <a:endParaRPr lang="en-US" dirty="0"/>
+          </a:p>
+        </p:txBody>
+      </p:sp>
+      <p:sp>
+        <p:nvSpPr>
+          <p:cNvPr id="3" name="Content Placeholder 2"/>
+          <p:cNvSpPr>
+            <a:spLocks noGrp="1"/>
+          </p:cNvSpPr>
+          <p:nvPr>
+            <p:ph idx="1"/>
+          </p:nvPr>
+        </p:nvSpPr>
+        <p:spPr>
+          <a:xfrm>
+            <a:off x="628650" y="1825624"/>
+            <a:ext cx="7886700" cy="4909283"/>
+          </a:xfrm>
+        </p:spPr>
+        <p:txBody>
+          <a:bodyPr/>
+          <a:lstStyle/>
+          <a:p>
+            <a:r>
+              <a:rPr lang="en-US" dirty="0"/>
+              <a:t>Next consider the same scenario with bounded control inputs</a:t>
+            </a:r>
+          </a:p>
+          <a:p>
+            <a:pPr lvl="1"/>
+            <a:r>
+              <a:rPr lang="en-US" dirty="0"/>
+              <a:t>The optimal control law is bang-bang in nature</a:t>
+            </a:r>
+          </a:p>
+          <a:p>
+            <a:pPr lvl="1"/>
+            <a:r>
+              <a:rPr lang="en-US" dirty="0"/>
+              <a:t>Can no longer decouple mean and covariance problems </a:t>
+            </a:r>
+            <a:endParaRPr lang="en-US" dirty="0" smtClean="0"/>
+          </a:p>
+          <a:p>
+            <a:r>
+              <a:rPr lang="en-US" dirty="0" smtClean="0"/>
+              <a:t>In zero mean case, optimal control in linear feedback is achieved as K -&gt; </a:t>
+            </a:r>
+            <a:r>
+              <a:rPr lang="en-US" dirty="0" err="1" smtClean="0"/>
+              <a:t>inf</a:t>
+            </a:r>
+            <a:r>
+              <a:rPr lang="en-US" dirty="0" smtClean="0"/>
+              <a:t>, resulting in bang-bang control = </a:t>
+            </a:r>
+            <a:r>
+              <a:rPr lang="en-US" dirty="0" smtClean="0"/>
+              <a:t>-</a:t>
+            </a:r>
+            <a:r>
+              <a:rPr lang="en-US" dirty="0" err="1" smtClean="0"/>
+              <a:t>Umax</a:t>
+            </a:r>
+            <a:r>
+              <a:rPr lang="en-US" dirty="0" smtClean="0"/>
+              <a:t>*sign(x</a:t>
+            </a:r>
+            <a:r>
+              <a:rPr lang="en-US" dirty="0" smtClean="0"/>
+              <a:t>)</a:t>
+            </a:r>
+            <a:endParaRPr lang="en-US" dirty="0"/>
+          </a:p>
+          <a:p>
+            <a:r>
+              <a:rPr lang="en-US" dirty="0" smtClean="0"/>
+              <a:t>Even for linear problems, we turn to an optimization approach: find the optimal mean trajectory such that covariance is minimized under discontinuous feedback</a:t>
+            </a:r>
+            <a:endParaRPr lang="en-US" dirty="0"/>
+          </a:p>
+        </p:txBody>
+      </p:sp>
+    </p:spTree>
+    <p:extLst>
+      <p:ext uri="{BB962C8B-B14F-4D97-AF65-F5344CB8AC3E}">
+        <p14:creationId xmlns:p14="http://schemas.microsoft.com/office/powerpoint/2010/main" val="1023245691"/>
+      </p:ext>
+    </p:extLst>
+  </p:cSld>
+  <p:clrMapOvr>
+    <a:masterClrMapping/>
+  </p:clrMapOvr>
+</p:sld>
+</file>
+
+<file path=ppt/slides/slide14.xml><?xml version="1.0" encoding="utf-8"?>
+<p:sld xmlns:a="http://schemas.openxmlformats.org/drawingml/2006/main" xmlns:r="http://schemas.openxmlformats.org/officeDocument/2006/relationships" xmlns:p="http://schemas.openxmlformats.org/presentationml/2006/main">
+  <p:cSld>
+    <p:spTree>
+      <p:nvGrpSpPr>
+        <p:cNvPr id="1" name=""/>
+        <p:cNvGrpSpPr/>
+        <p:nvPr/>
+      </p:nvGrpSpPr>
+      <p:grpSpPr>
+        <a:xfrm>
+          <a:off x="0" y="0"/>
+          <a:ext cx="0" cy="0"/>
+          <a:chOff x="0" y="0"/>
+          <a:chExt cx="0" cy="0"/>
+        </a:xfrm>
+      </p:grpSpPr>
+      <p:sp>
+        <p:nvSpPr>
+          <p:cNvPr id="2" name="Title 1"/>
+          <p:cNvSpPr>
+            <a:spLocks noGrp="1"/>
+          </p:cNvSpPr>
+          <p:nvPr>
+            <p:ph type="title"/>
+          </p:nvPr>
+        </p:nvSpPr>
+        <p:spPr/>
+        <p:txBody>
+          <a:bodyPr/>
+          <a:lstStyle/>
+          <a:p>
+            <a:r>
+              <a:rPr lang="en-US" dirty="0" smtClean="0"/>
               <a:t>Applications</a:t>
             </a:r>
             <a:endParaRPr lang="en-US" dirty="0"/>
@@ -5032,7 +5128,7 @@
 </p:sld>
 </file>
 
-<file path=ppt/slides/slide14.xml><?xml version="1.0" encoding="utf-8"?>
+<file path=ppt/slides/slide15.xml><?xml version="1.0" encoding="utf-8"?>
 <p:sld xmlns:a="http://schemas.openxmlformats.org/drawingml/2006/main" xmlns:r="http://schemas.openxmlformats.org/officeDocument/2006/relationships" xmlns:p="http://schemas.openxmlformats.org/presentationml/2006/main">
   <p:cSld>
     <p:spTree>
@@ -5855,7 +5951,7 @@
 </p:sld>
 </file>
 
-<file path=ppt/slides/slide15.xml><?xml version="1.0" encoding="utf-8"?>
+<file path=ppt/slides/slide16.xml><?xml version="1.0" encoding="utf-8"?>
 <p:sld xmlns:a="http://schemas.openxmlformats.org/drawingml/2006/main" xmlns:r="http://schemas.openxmlformats.org/officeDocument/2006/relationships" xmlns:p="http://schemas.openxmlformats.org/presentationml/2006/main">
   <p:cSld>
     <p:spTree>
@@ -5902,8 +5998,8 @@
           </a:p>
         </p:txBody>
       </p:sp>
-      <mc:AlternateContent xmlns:mc="http://schemas.openxmlformats.org/markup-compatibility/2006">
-        <mc:Choice xmlns:a14="http://schemas.microsoft.com/office/drawing/2010/main" Requires="a14">
+      <mc:AlternateContent xmlns:mc="http://schemas.openxmlformats.org/markup-compatibility/2006" xmlns:a14="http://schemas.microsoft.com/office/drawing/2010/main">
+        <mc:Choice Requires="a14">
           <p:sp>
             <p:nvSpPr>
               <p:cNvPr id="3" name="TextBox 2"/>
@@ -6158,7 +6254,7 @@
             </p:txBody>
           </p:sp>
         </mc:Choice>
-        <mc:Fallback>
+        <mc:Fallback xmlns="">
           <p:sp>
             <p:nvSpPr>
               <p:cNvPr id="3" name="TextBox 2"/>
@@ -6210,7 +6306,7 @@
 </p:sld>
 </file>
 
-<file path=ppt/slides/slide16.xml><?xml version="1.0" encoding="utf-8"?>
+<file path=ppt/slides/slide17.xml><?xml version="1.0" encoding="utf-8"?>
 <p:sld xmlns:a="http://schemas.openxmlformats.org/drawingml/2006/main" xmlns:r="http://schemas.openxmlformats.org/officeDocument/2006/relationships" xmlns:p="http://schemas.openxmlformats.org/presentationml/2006/main">
   <p:cSld>
     <p:spTree>
@@ -6317,120 +6413,6 @@
 </p:sld>
 </file>
 
-<file path=ppt/slides/slide17.xml><?xml version="1.0" encoding="utf-8"?>
-<p:sld xmlns:a="http://schemas.openxmlformats.org/drawingml/2006/main" xmlns:r="http://schemas.openxmlformats.org/officeDocument/2006/relationships" xmlns:p="http://schemas.openxmlformats.org/presentationml/2006/main">
-  <p:cSld>
-    <p:spTree>
-      <p:nvGrpSpPr>
-        <p:cNvPr id="1" name=""/>
-        <p:cNvGrpSpPr/>
-        <p:nvPr/>
-      </p:nvGrpSpPr>
-      <p:grpSpPr>
-        <a:xfrm>
-          <a:off x="0" y="0"/>
-          <a:ext cx="0" cy="0"/>
-          <a:chOff x="0" y="0"/>
-          <a:chExt cx="0" cy="0"/>
-        </a:xfrm>
-      </p:grpSpPr>
-      <p:sp>
-        <p:nvSpPr>
-          <p:cNvPr id="2" name="Title 1"/>
-          <p:cNvSpPr>
-            <a:spLocks noGrp="1"/>
-          </p:cNvSpPr>
-          <p:nvPr>
-            <p:ph type="title"/>
-          </p:nvPr>
-        </p:nvSpPr>
-        <p:spPr/>
-        <p:txBody>
-          <a:bodyPr/>
-          <a:lstStyle/>
-          <a:p>
-            <a:r>
-              <a:rPr lang="en-US" dirty="0" smtClean="0"/>
-              <a:t>Entry Trajectory Updating</a:t>
-            </a:r>
-            <a:endParaRPr lang="en-US" dirty="0"/>
-          </a:p>
-        </p:txBody>
-      </p:sp>
-      <p:sp>
-        <p:nvSpPr>
-          <p:cNvPr id="3" name="Content Placeholder 2"/>
-          <p:cNvSpPr>
-            <a:spLocks noGrp="1"/>
-          </p:cNvSpPr>
-          <p:nvPr>
-            <p:ph idx="1"/>
-          </p:nvPr>
-        </p:nvSpPr>
-        <p:spPr>
-          <a:xfrm>
-            <a:off x="628650" y="1792119"/>
-            <a:ext cx="8361346" cy="5561582"/>
-          </a:xfrm>
-        </p:spPr>
-        <p:txBody>
-          <a:bodyPr/>
-          <a:lstStyle/>
-          <a:p>
-            <a:r>
-              <a:rPr lang="en-US" dirty="0" smtClean="0"/>
-              <a:t>The vehicle enters the atmosphere with a trajectory designed that will deliver it to the target under nominal conditions </a:t>
-            </a:r>
-          </a:p>
-          <a:p>
-            <a:r>
-              <a:rPr lang="en-US" dirty="0"/>
-              <a:t>Under off-nominal conditions, the vehicle will deviate from the trajectory that was planned, </a:t>
-            </a:r>
-            <a:r>
-              <a:rPr lang="en-US" dirty="0" smtClean="0"/>
-              <a:t>sometimes even </a:t>
-            </a:r>
-            <a:r>
-              <a:rPr lang="en-US" dirty="0"/>
-              <a:t>with the aid of </a:t>
-            </a:r>
-            <a:r>
-              <a:rPr lang="en-US" dirty="0" smtClean="0"/>
-              <a:t>closed-loop guidance </a:t>
-            </a:r>
-          </a:p>
-          <a:p>
-            <a:pPr lvl="1"/>
-            <a:r>
-              <a:rPr lang="en-US" dirty="0" smtClean="0"/>
-              <a:t>Vehicle may arrive at the target under poor conditions (e.g. outside of parachute deployment conditions) or may violate important path constraints </a:t>
-            </a:r>
-          </a:p>
-          <a:p>
-            <a:r>
-              <a:rPr lang="en-US" dirty="0" smtClean="0"/>
-              <a:t>Goal: use current estimated vehicle state and redesign a path to the target while satisfying constraints (e.g. parachute deploy conditions, path constraints)</a:t>
-            </a:r>
-          </a:p>
-          <a:p>
-            <a:endParaRPr lang="en-US" dirty="0" smtClean="0"/>
-          </a:p>
-        </p:txBody>
-      </p:sp>
-    </p:spTree>
-    <p:extLst>
-      <p:ext uri="{BB962C8B-B14F-4D97-AF65-F5344CB8AC3E}">
-        <p14:creationId xmlns:p14="http://schemas.microsoft.com/office/powerpoint/2010/main" val="1411460258"/>
-      </p:ext>
-    </p:extLst>
-  </p:cSld>
-  <p:clrMapOvr>
-    <a:masterClrMapping/>
-  </p:clrMapOvr>
-</p:sld>
-</file>
-
 <file path=ppt/slides/slide18.xml><?xml version="1.0" encoding="utf-8"?>
 <p:sld xmlns:a="http://schemas.openxmlformats.org/drawingml/2006/main" xmlns:r="http://schemas.openxmlformats.org/officeDocument/2006/relationships" xmlns:p="http://schemas.openxmlformats.org/presentationml/2006/main">
   <p:cSld>
@@ -6458,19 +6440,14 @@
             <p:ph type="title"/>
           </p:nvPr>
         </p:nvSpPr>
-        <p:spPr>
-          <a:xfrm>
-            <a:off x="628650" y="1079157"/>
-            <a:ext cx="7886700" cy="853160"/>
-          </a:xfrm>
-        </p:spPr>
-        <p:txBody>
-          <a:bodyPr/>
-          <a:lstStyle/>
-          <a:p>
-            <a:r>
-              <a:rPr lang="en-US" dirty="0" smtClean="0"/>
-              <a:t>Proposed Approach</a:t>
+        <p:spPr/>
+        <p:txBody>
+          <a:bodyPr/>
+          <a:lstStyle/>
+          <a:p>
+            <a:r>
+              <a:rPr lang="en-US" dirty="0" smtClean="0"/>
+              <a:t>Entry Trajectory Updating</a:t>
             </a:r>
             <a:endParaRPr lang="en-US" dirty="0"/>
           </a:p>
@@ -6488,113 +6465,59 @@
         </p:nvSpPr>
         <p:spPr>
           <a:xfrm>
-            <a:off x="628650" y="1916153"/>
-            <a:ext cx="7886700" cy="4792655"/>
-          </a:xfrm>
-        </p:spPr>
-        <p:txBody>
-          <a:bodyPr/>
-          <a:lstStyle/>
-          <a:p>
-            <a:r>
-              <a:rPr lang="en-US" sz="2400" dirty="0" smtClean="0"/>
-              <a:t>Trajectory update is posed an optimal control problem</a:t>
+            <a:off x="628650" y="1792119"/>
+            <a:ext cx="8361346" cy="5561582"/>
+          </a:xfrm>
+        </p:spPr>
+        <p:txBody>
+          <a:bodyPr/>
+          <a:lstStyle/>
+          <a:p>
+            <a:r>
+              <a:rPr lang="en-US" dirty="0" smtClean="0"/>
+              <a:t>The vehicle enters the atmosphere with a trajectory designed that will deliver it to the target under nominal conditions </a:t>
+            </a:r>
+          </a:p>
+          <a:p>
+            <a:r>
+              <a:rPr lang="en-US" dirty="0"/>
+              <a:t>Under off-nominal conditions, the vehicle will deviate from the trajectory that was planned, </a:t>
+            </a:r>
+            <a:r>
+              <a:rPr lang="en-US" dirty="0" smtClean="0"/>
+              <a:t>sometimes even </a:t>
+            </a:r>
+            <a:r>
+              <a:rPr lang="en-US" dirty="0"/>
+              <a:t>with the aid of </a:t>
+            </a:r>
+            <a:r>
+              <a:rPr lang="en-US" dirty="0" smtClean="0"/>
+              <a:t>closed-loop guidance </a:t>
             </a:r>
           </a:p>
           <a:p>
             <a:pPr lvl="1"/>
             <a:r>
-              <a:rPr lang="en-US" sz="2000" dirty="0" smtClean="0"/>
-              <a:t>Objective is to minimize distance to original trajectory while satisfying constraints </a:t>
-            </a:r>
-          </a:p>
-          <a:p>
-            <a:r>
-              <a:rPr lang="en-US" sz="2400" dirty="0" smtClean="0"/>
-              <a:t>Use energy as independent variable </a:t>
-            </a:r>
-          </a:p>
-          <a:p>
-            <a:r>
-              <a:rPr lang="en-US" sz="2400" dirty="0" err="1" smtClean="0"/>
-              <a:t>Convexify</a:t>
-            </a:r>
-            <a:r>
-              <a:rPr lang="en-US" sz="2400" dirty="0" smtClean="0"/>
-              <a:t> </a:t>
-            </a:r>
-          </a:p>
-          <a:p>
-            <a:pPr lvl="1"/>
-            <a:r>
-              <a:rPr lang="en-US" sz="2000" dirty="0" smtClean="0"/>
-              <a:t>Treat bank angle as additional state, use bank rate as the control variable</a:t>
-            </a:r>
-          </a:p>
-          <a:p>
-            <a:pPr lvl="1"/>
-            <a:r>
-              <a:rPr lang="en-US" sz="2000" dirty="0" smtClean="0"/>
-              <a:t>Linearize the equations of motion </a:t>
-            </a:r>
-          </a:p>
-          <a:p>
-            <a:pPr lvl="1"/>
-            <a:r>
-              <a:rPr lang="en-US" sz="2000" dirty="0" smtClean="0"/>
-              <a:t>Unlike powered descent case, </a:t>
-            </a:r>
-            <a:r>
-              <a:rPr lang="en-US" sz="2000" dirty="0" err="1" smtClean="0"/>
-              <a:t>convexification</a:t>
-            </a:r>
-            <a:r>
-              <a:rPr lang="en-US" sz="2000" dirty="0" smtClean="0"/>
-              <a:t> is not lossless </a:t>
-            </a:r>
-          </a:p>
-          <a:p>
-            <a:r>
-              <a:rPr lang="en-US" sz="2400" dirty="0" smtClean="0"/>
-              <a:t>Discretize (or transcribe) into second-order cone program</a:t>
-            </a:r>
-          </a:p>
-          <a:p>
-            <a:pPr lvl="1"/>
-            <a:r>
-              <a:rPr lang="en-US" sz="2000" dirty="0" err="1" smtClean="0"/>
-              <a:t>Chebyshev</a:t>
-            </a:r>
-            <a:r>
-              <a:rPr lang="en-US" sz="2000" dirty="0" smtClean="0"/>
-              <a:t> </a:t>
-            </a:r>
-            <a:r>
-              <a:rPr lang="en-US" sz="2000" dirty="0" err="1"/>
-              <a:t>p</a:t>
-            </a:r>
-            <a:r>
-              <a:rPr lang="en-US" sz="2000" dirty="0" err="1" smtClean="0"/>
-              <a:t>seudospectral</a:t>
-            </a:r>
-            <a:r>
-              <a:rPr lang="en-US" sz="2000" dirty="0" smtClean="0"/>
-              <a:t> method </a:t>
-            </a:r>
-          </a:p>
-          <a:p>
-            <a:r>
-              <a:rPr lang="en-US" sz="2400" dirty="0" smtClean="0"/>
-              <a:t>Solve the resulting SOCP using efficient interior-point solver</a:t>
-            </a:r>
-            <a:endParaRPr lang="en-US" sz="2400" dirty="0"/>
+              <a:rPr lang="en-US" dirty="0" smtClean="0"/>
+              <a:t>Vehicle may arrive at the target under poor conditions (e.g. outside of parachute deployment conditions) or may violate important path constraints </a:t>
+            </a:r>
+          </a:p>
+          <a:p>
+            <a:r>
+              <a:rPr lang="en-US" dirty="0" smtClean="0"/>
+              <a:t>Goal: use current estimated vehicle state and redesign a path to the target while satisfying constraints (e.g. parachute deploy conditions, path constraints)</a:t>
+            </a:r>
+          </a:p>
+          <a:p>
+            <a:endParaRPr lang="en-US" dirty="0" smtClean="0"/>
           </a:p>
         </p:txBody>
       </p:sp>
     </p:spTree>
     <p:extLst>
       <p:ext uri="{BB962C8B-B14F-4D97-AF65-F5344CB8AC3E}">
-        <p14:creationId xmlns:p14="http://schemas.microsoft.com/office/powerpoint/2010/main" val="3047953510"/>
+        <p14:creationId xmlns:p14="http://schemas.microsoft.com/office/powerpoint/2010/main" val="1411460258"/>
       </p:ext>
     </p:extLst>
   </p:cSld>
@@ -6631,14 +6554,19 @@
             <p:ph type="title"/>
           </p:nvPr>
         </p:nvSpPr>
-        <p:spPr/>
-        <p:txBody>
-          <a:bodyPr/>
-          <a:lstStyle/>
-          <a:p>
-            <a:r>
-              <a:rPr lang="en-US" dirty="0" smtClean="0"/>
-              <a:t>Convex Optimization </a:t>
+        <p:spPr>
+          <a:xfrm>
+            <a:off x="628650" y="1079157"/>
+            <a:ext cx="7886700" cy="853160"/>
+          </a:xfrm>
+        </p:spPr>
+        <p:txBody>
+          <a:bodyPr/>
+          <a:lstStyle/>
+          <a:p>
+            <a:r>
+              <a:rPr lang="en-US" dirty="0" smtClean="0"/>
+              <a:t>Proposed Approach</a:t>
             </a:r>
             <a:endParaRPr lang="en-US" dirty="0"/>
           </a:p>
@@ -6654,53 +6582,115 @@
             <p:ph idx="1"/>
           </p:nvPr>
         </p:nvSpPr>
-        <p:spPr/>
+        <p:spPr>
+          <a:xfrm>
+            <a:off x="628650" y="1916153"/>
+            <a:ext cx="7886700" cy="4792655"/>
+          </a:xfrm>
+        </p:spPr>
         <p:txBody>
           <a:bodyPr/>
           <a:lstStyle/>
           <a:p>
             <a:r>
               <a:rPr lang="en-US" sz="2400" dirty="0" smtClean="0"/>
-              <a:t>(Iterative) Convex optimization approaches to non-convex optimal control problems have exploded in interest due to efficient, polynomial time solvers and guaranteed global solution when the problem is feasible</a:t>
+              <a:t>Trajectory update is posed an optimal control problem</a:t>
+            </a:r>
+          </a:p>
+          <a:p>
+            <a:pPr lvl="1"/>
+            <a:r>
+              <a:rPr lang="en-US" sz="2000" dirty="0" smtClean="0"/>
+              <a:t>Objective is to minimize distance to original trajectory while satisfying constraints </a:t>
             </a:r>
           </a:p>
           <a:p>
             <a:r>
               <a:rPr lang="en-US" sz="2400" dirty="0" smtClean="0"/>
-              <a:t>A variety of aerospace problems have been solved including ascent trajectory design, powered descent trajectory design, interplanetary transfers, and entry</a:t>
-            </a:r>
-          </a:p>
-          <a:p>
+              <a:t>Use energy as independent variable </a:t>
+            </a:r>
+          </a:p>
+          <a:p>
+            <a:r>
+              <a:rPr lang="en-US" sz="2400" dirty="0" err="1" smtClean="0"/>
+              <a:t>Convexify</a:t>
+            </a:r>
             <a:r>
               <a:rPr lang="en-US" sz="2400" dirty="0" smtClean="0"/>
-              <a:t>While these convex optimization guarantees solution of feasible sub-problems, not all methods have guaranteed convergence, and those that do typically require an </a:t>
-            </a:r>
-            <a:r>
-              <a:rPr lang="en-US" sz="2400" dirty="0"/>
-              <a:t>unknown number of </a:t>
-            </a:r>
+              <a:t> </a:t>
+            </a:r>
+          </a:p>
+          <a:p>
+            <a:pPr lvl="1"/>
+            <a:r>
+              <a:rPr lang="en-US" sz="2000" dirty="0" smtClean="0"/>
+              <a:t>Treat bank angle as additional state, use bank rate as the control variable</a:t>
+            </a:r>
+          </a:p>
+          <a:p>
+            <a:pPr lvl="1"/>
+            <a:r>
+              <a:rPr lang="en-US" sz="2000" dirty="0" smtClean="0"/>
+              <a:t>Linearize the equations of motion </a:t>
+            </a:r>
+          </a:p>
+          <a:p>
+            <a:pPr lvl="1"/>
+            <a:r>
+              <a:rPr lang="en-US" sz="2000" dirty="0" smtClean="0"/>
+              <a:t>Unlike powered descent case, </a:t>
+            </a:r>
+            <a:r>
+              <a:rPr lang="en-US" sz="2000" dirty="0" err="1" smtClean="0"/>
+              <a:t>convexification</a:t>
+            </a:r>
+            <a:r>
+              <a:rPr lang="en-US" sz="2000" dirty="0" smtClean="0"/>
+              <a:t> is not lossless </a:t>
+            </a:r>
+          </a:p>
+          <a:p>
             <a:r>
               <a:rPr lang="en-US" sz="2400" dirty="0" smtClean="0"/>
-              <a:t>iterations</a:t>
+              <a:t>Discretize (or transcribe) into second-order cone program</a:t>
             </a:r>
           </a:p>
           <a:p>
             <a:pPr lvl="1"/>
             <a:r>
+              <a:rPr lang="en-US" sz="2000" dirty="0" err="1" smtClean="0"/>
+              <a:t>Chebyshev</a:t>
+            </a:r>
+            <a:r>
               <a:rPr lang="en-US" sz="2000" dirty="0" smtClean="0"/>
-              <a:t>The proposed approach does not involve multiple iterations</a:t>
-            </a:r>
-            <a:endParaRPr lang="en-US" sz="2000" dirty="0"/>
-          </a:p>
-          <a:p>
-            <a:endParaRPr lang="en-US" dirty="0"/>
+              <a:t> </a:t>
+            </a:r>
+            <a:r>
+              <a:rPr lang="en-US" sz="2000" dirty="0" err="1"/>
+              <a:t>p</a:t>
+            </a:r>
+            <a:r>
+              <a:rPr lang="en-US" sz="2000" dirty="0" err="1" smtClean="0"/>
+              <a:t>seudospectral</a:t>
+            </a:r>
+            <a:r>
+              <a:rPr lang="en-US" sz="2000" dirty="0" smtClean="0"/>
+              <a:t> method </a:t>
+            </a:r>
+          </a:p>
+          <a:p>
+            <a:r>
+              <a:rPr lang="en-US" sz="2400" dirty="0" smtClean="0"/>
+              <a:t>Solve the resulting SOCP using efficient interior-point solver</a:t>
+            </a:r>
+            <a:endParaRPr lang="en-US" sz="2400" dirty="0"/>
           </a:p>
         </p:txBody>
       </p:sp>
     </p:spTree>
     <p:extLst>
       <p:ext uri="{BB962C8B-B14F-4D97-AF65-F5344CB8AC3E}">
-        <p14:creationId xmlns:p14="http://schemas.microsoft.com/office/powerpoint/2010/main" val="3747838991"/>
+        <p14:creationId xmlns:p14="http://schemas.microsoft.com/office/powerpoint/2010/main" val="3047953510"/>
       </p:ext>
     </p:extLst>
   </p:cSld>
@@ -6824,6 +6814,112 @@
 </file>
 
 <file path=ppt/slides/slide20.xml><?xml version="1.0" encoding="utf-8"?>
+<p:sld xmlns:a="http://schemas.openxmlformats.org/drawingml/2006/main" xmlns:r="http://schemas.openxmlformats.org/officeDocument/2006/relationships" xmlns:p="http://schemas.openxmlformats.org/presentationml/2006/main">
+  <p:cSld>
+    <p:spTree>
+      <p:nvGrpSpPr>
+        <p:cNvPr id="1" name=""/>
+        <p:cNvGrpSpPr/>
+        <p:nvPr/>
+      </p:nvGrpSpPr>
+      <p:grpSpPr>
+        <a:xfrm>
+          <a:off x="0" y="0"/>
+          <a:ext cx="0" cy="0"/>
+          <a:chOff x="0" y="0"/>
+          <a:chExt cx="0" cy="0"/>
+        </a:xfrm>
+      </p:grpSpPr>
+      <p:sp>
+        <p:nvSpPr>
+          <p:cNvPr id="2" name="Title 1"/>
+          <p:cNvSpPr>
+            <a:spLocks noGrp="1"/>
+          </p:cNvSpPr>
+          <p:nvPr>
+            <p:ph type="title"/>
+          </p:nvPr>
+        </p:nvSpPr>
+        <p:spPr/>
+        <p:txBody>
+          <a:bodyPr/>
+          <a:lstStyle/>
+          <a:p>
+            <a:r>
+              <a:rPr lang="en-US" dirty="0" smtClean="0"/>
+              <a:t>Convex Optimization </a:t>
+            </a:r>
+            <a:endParaRPr lang="en-US" dirty="0"/>
+          </a:p>
+        </p:txBody>
+      </p:sp>
+      <p:sp>
+        <p:nvSpPr>
+          <p:cNvPr id="3" name="Content Placeholder 2"/>
+          <p:cNvSpPr>
+            <a:spLocks noGrp="1"/>
+          </p:cNvSpPr>
+          <p:nvPr>
+            <p:ph idx="1"/>
+          </p:nvPr>
+        </p:nvSpPr>
+        <p:spPr/>
+        <p:txBody>
+          <a:bodyPr/>
+          <a:lstStyle/>
+          <a:p>
+            <a:r>
+              <a:rPr lang="en-US" sz="2400" dirty="0" smtClean="0"/>
+              <a:t>(Iterative) Convex optimization approaches to non-convex optimal control problems have exploded in interest due to efficient, polynomial time solvers and guaranteed global solution when the problem is feasible</a:t>
+            </a:r>
+          </a:p>
+          <a:p>
+            <a:r>
+              <a:rPr lang="en-US" sz="2400" dirty="0" smtClean="0"/>
+              <a:t>A variety of aerospace problems have been solved including ascent trajectory design, powered descent trajectory design, interplanetary transfers, and entry</a:t>
+            </a:r>
+          </a:p>
+          <a:p>
+            <a:r>
+              <a:rPr lang="en-US" sz="2400" dirty="0" smtClean="0"/>
+              <a:t>While these convex optimization guarantees solution of feasible sub-problems, not all methods have guaranteed convergence, and those that do typically require an </a:t>
+            </a:r>
+            <a:r>
+              <a:rPr lang="en-US" sz="2400" dirty="0"/>
+              <a:t>unknown number of </a:t>
+            </a:r>
+            <a:r>
+              <a:rPr lang="en-US" sz="2400" dirty="0" smtClean="0"/>
+              <a:t>iterations</a:t>
+            </a:r>
+          </a:p>
+          <a:p>
+            <a:pPr lvl="1"/>
+            <a:r>
+              <a:rPr lang="en-US" sz="2000" dirty="0" smtClean="0"/>
+              <a:t>The proposed approach does not involve multiple iterations</a:t>
+            </a:r>
+            <a:endParaRPr lang="en-US" sz="2000" dirty="0"/>
+          </a:p>
+          <a:p>
+            <a:endParaRPr lang="en-US" dirty="0"/>
+          </a:p>
+        </p:txBody>
+      </p:sp>
+    </p:spTree>
+    <p:extLst>
+      <p:ext uri="{BB962C8B-B14F-4D97-AF65-F5344CB8AC3E}">
+        <p14:creationId xmlns:p14="http://schemas.microsoft.com/office/powerpoint/2010/main" val="3747838991"/>
+      </p:ext>
+    </p:extLst>
+  </p:cSld>
+  <p:clrMapOvr>
+    <a:masterClrMapping/>
+  </p:clrMapOvr>
+</p:sld>
+</file>
+
+<file path=ppt/slides/slide21.xml><?xml version="1.0" encoding="utf-8"?>
 <p:sld xmlns:a="http://schemas.openxmlformats.org/drawingml/2006/main" xmlns:r="http://schemas.openxmlformats.org/officeDocument/2006/relationships" xmlns:p="http://schemas.openxmlformats.org/presentationml/2006/main">
   <p:cSld>
     <p:spTree>
@@ -7057,7 +7153,7 @@
 </p:sld>
 </file>
 
-<file path=ppt/slides/slide21.xml><?xml version="1.0" encoding="utf-8"?>
+<file path=ppt/slides/slide22.xml><?xml version="1.0" encoding="utf-8"?>
 <p:sld xmlns:a="http://schemas.openxmlformats.org/drawingml/2006/main" xmlns:r="http://schemas.openxmlformats.org/officeDocument/2006/relationships" xmlns:p="http://schemas.openxmlformats.org/presentationml/2006/main">
   <p:cSld>
     <p:spTree>
@@ -7234,152 +7330,6 @@
     <p:extLst>
       <p:ext uri="{BB962C8B-B14F-4D97-AF65-F5344CB8AC3E}">
         <p14:creationId xmlns:p14="http://schemas.microsoft.com/office/powerpoint/2010/main" val="860064350"/>
-      </p:ext>
-    </p:extLst>
-  </p:cSld>
-  <p:clrMapOvr>
-    <a:masterClrMapping/>
-  </p:clrMapOvr>
-</p:sld>
-</file>
-
-<file path=ppt/slides/slide22.xml><?xml version="1.0" encoding="utf-8"?>
-<p:sld xmlns:a="http://schemas.openxmlformats.org/drawingml/2006/main" xmlns:r="http://schemas.openxmlformats.org/officeDocument/2006/relationships" xmlns:p="http://schemas.openxmlformats.org/presentationml/2006/main">
-  <p:cSld>
-    <p:spTree>
-      <p:nvGrpSpPr>
-        <p:cNvPr id="1" name=""/>
-        <p:cNvGrpSpPr/>
-        <p:nvPr/>
-      </p:nvGrpSpPr>
-      <p:grpSpPr>
-        <a:xfrm>
-          <a:off x="0" y="0"/>
-          <a:ext cx="0" cy="0"/>
-          <a:chOff x="0" y="0"/>
-          <a:chExt cx="0" cy="0"/>
-        </a:xfrm>
-      </p:grpSpPr>
-      <p:sp>
-        <p:nvSpPr>
-          <p:cNvPr id="2" name="Title 1"/>
-          <p:cNvSpPr>
-            <a:spLocks noGrp="1"/>
-          </p:cNvSpPr>
-          <p:nvPr>
-            <p:ph type="title"/>
-          </p:nvPr>
-        </p:nvSpPr>
-        <p:spPr/>
-        <p:txBody>
-          <a:bodyPr/>
-          <a:lstStyle/>
-          <a:p>
-            <a:r>
-              <a:rPr lang="en-US" dirty="0" smtClean="0"/>
-              <a:t>Monte Carlo Simulation</a:t>
-            </a:r>
-            <a:endParaRPr lang="en-US" dirty="0"/>
-          </a:p>
-        </p:txBody>
-      </p:sp>
-      <p:sp>
-        <p:nvSpPr>
-          <p:cNvPr id="3" name="Content Placeholder 2"/>
-          <p:cNvSpPr>
-            <a:spLocks noGrp="1"/>
-          </p:cNvSpPr>
-          <p:nvPr>
-            <p:ph idx="1"/>
-          </p:nvPr>
-        </p:nvSpPr>
-        <p:spPr/>
-        <p:txBody>
-          <a:bodyPr/>
-          <a:lstStyle/>
-          <a:p>
-            <a:r>
-              <a:rPr lang="en-US" sz="2400" dirty="0" smtClean="0"/>
-              <a:t>Vehicle is nominally L/D = 0.24 with initial state subject to MSL-like dispersions</a:t>
-            </a:r>
-            <a:endParaRPr lang="en-US" sz="2400" dirty="0"/>
-          </a:p>
-          <a:p>
-            <a:r>
-              <a:rPr lang="en-US" sz="2400" dirty="0" err="1" smtClean="0"/>
-              <a:t>MarsGRAM</a:t>
-            </a:r>
-            <a:r>
-              <a:rPr lang="en-US" sz="2400" dirty="0" smtClean="0"/>
-              <a:t> is used for environment modeling</a:t>
-            </a:r>
-          </a:p>
-          <a:p>
-            <a:r>
-              <a:rPr lang="en-US" sz="2400" dirty="0" smtClean="0"/>
-              <a:t>Uncertainty is added to lift and drag coefficients</a:t>
-            </a:r>
-          </a:p>
-          <a:p>
-            <a:pPr lvl="1"/>
-            <a:r>
-              <a:rPr lang="en-US" sz="2000" dirty="0" smtClean="0"/>
-              <a:t>Gaussian with 3</a:t>
-            </a:r>
-            <a:r>
-              <a:rPr lang="el-GR" sz="2000" dirty="0" smtClean="0"/>
-              <a:t>σ</a:t>
-            </a:r>
-            <a:r>
-              <a:rPr lang="en-US" sz="2000" dirty="0" smtClean="0"/>
-              <a:t> = 10%</a:t>
-            </a:r>
-          </a:p>
-          <a:p>
-            <a:r>
-              <a:rPr lang="en-US" sz="2400" dirty="0" smtClean="0"/>
-              <a:t>Updates occurs at 10 second intervals and stops at 600 m/s </a:t>
-            </a:r>
-          </a:p>
-          <a:p>
-            <a:r>
-              <a:rPr lang="en-US" sz="2400" dirty="0" smtClean="0"/>
-              <a:t>Bank angle limited to ±90°, and bank rate limited to 20°/s</a:t>
-            </a:r>
-          </a:p>
-          <a:p>
-            <a:r>
-              <a:rPr lang="en-US" sz="2400" dirty="0" smtClean="0"/>
-              <a:t>200 samples chosen by </a:t>
-            </a:r>
-            <a:r>
-              <a:rPr lang="en-US" sz="2400" dirty="0" err="1" smtClean="0"/>
-              <a:t>Sobol</a:t>
-            </a:r>
-            <a:r>
-              <a:rPr lang="en-US" sz="2400" dirty="0" smtClean="0"/>
-              <a:t>’ sequence</a:t>
-            </a:r>
-          </a:p>
-          <a:p>
-            <a:r>
-              <a:rPr lang="en-US" sz="2400" dirty="0" smtClean="0"/>
-              <a:t>Trajectories terminate when they reach the correct downrange distance</a:t>
-            </a:r>
-          </a:p>
-          <a:p>
-            <a:pPr lvl="1"/>
-            <a:r>
-              <a:rPr lang="en-US" sz="2000" dirty="0" smtClean="0"/>
-              <a:t>Simple logic, but should expect variations in final altitude and velocity despite energy as independent variable  </a:t>
-            </a:r>
-          </a:p>
-        </p:txBody>
-      </p:sp>
-    </p:spTree>
-    <p:extLst>
-      <p:ext uri="{BB962C8B-B14F-4D97-AF65-F5344CB8AC3E}">
-        <p14:creationId xmlns:p14="http://schemas.microsoft.com/office/powerpoint/2010/main" val="3505934654"/>
       </p:ext>
     </p:extLst>
   </p:cSld>
@@ -7423,11 +7373,7 @@
           <a:p>
             <a:r>
               <a:rPr lang="en-US" dirty="0" smtClean="0"/>
-              <a:t>MCS Results - </a:t>
-            </a:r>
-            <a:r>
-              <a:rPr lang="en-US" dirty="0" err="1" smtClean="0"/>
-              <a:t>Groundtrack</a:t>
+              <a:t>Monte Carlo Simulation</a:t>
             </a:r>
             <a:endParaRPr lang="en-US" dirty="0"/>
           </a:p>
@@ -7443,72 +7389,93 @@
             <p:ph idx="1"/>
           </p:nvPr>
         </p:nvSpPr>
-        <p:spPr>
-          <a:xfrm>
-            <a:off x="628650" y="1777500"/>
-            <a:ext cx="7886700" cy="1398838"/>
-          </a:xfrm>
-        </p:spPr>
+        <p:spPr/>
         <p:txBody>
           <a:bodyPr/>
           <a:lstStyle/>
           <a:p>
             <a:r>
               <a:rPr lang="en-US" sz="2400" dirty="0" smtClean="0"/>
-              <a:t>Excellent </a:t>
-            </a:r>
+              <a:t>Vehicle is nominally L/D = 0.24 with initial state subject to MSL-like dispersions</a:t>
+            </a:r>
+            <a:endParaRPr lang="en-US" sz="2400" dirty="0"/>
+          </a:p>
+          <a:p>
             <a:r>
               <a:rPr lang="en-US" sz="2400" dirty="0" err="1" smtClean="0"/>
-              <a:t>crossrange</a:t>
+              <a:t>MarsGRAM</a:t>
             </a:r>
             <a:r>
               <a:rPr lang="en-US" sz="2400" dirty="0" smtClean="0"/>
-              <a:t> performance due to coupled update to longitudinal and lateral channels </a:t>
+              <a:t> is used for environment modeling</a:t>
             </a:r>
           </a:p>
           <a:p>
             <a:r>
               <a:rPr lang="en-US" sz="2400" dirty="0" smtClean="0"/>
-              <a:t>Interestingly, a small number of samples even have an additional reversal</a:t>
-            </a:r>
-            <a:endParaRPr lang="en-US" sz="2400" dirty="0"/>
-          </a:p>
-        </p:txBody>
-      </p:sp>
-      <p:pic>
-        <p:nvPicPr>
-          <p:cNvPr id="5" name="Picture 4"/>
-          <p:cNvPicPr>
-            <a:picLocks noChangeAspect="1"/>
-          </p:cNvPicPr>
-          <p:nvPr/>
-        </p:nvPicPr>
-        <p:blipFill>
-          <a:blip r:embed="rId3">
-            <a:extLst>
-              <a:ext uri="{28A0092B-C50C-407E-A947-70E740481C1C}">
-                <a14:useLocalDpi xmlns:a14="http://schemas.microsoft.com/office/drawing/2010/main" val="0"/>
-              </a:ext>
-            </a:extLst>
-          </a:blip>
-          <a:stretch>
-            <a:fillRect/>
-          </a:stretch>
-        </p:blipFill>
-        <p:spPr>
-          <a:xfrm>
-            <a:off x="1600247" y="3272588"/>
-            <a:ext cx="5750999" cy="3498601"/>
-          </a:xfrm>
-          <a:prstGeom prst="rect">
-            <a:avLst/>
-          </a:prstGeom>
-        </p:spPr>
-      </p:pic>
+              <a:t>Uncertainty is added to lift and drag coefficients</a:t>
+            </a:r>
+          </a:p>
+          <a:p>
+            <a:pPr lvl="1"/>
+            <a:r>
+              <a:rPr lang="en-US" sz="2000" dirty="0" smtClean="0"/>
+              <a:t>Gaussian with 3</a:t>
+            </a:r>
+            <a:r>
+              <a:rPr lang="el-GR" sz="2000" dirty="0" smtClean="0"/>
+              <a:t>σ</a:t>
+            </a:r>
+            <a:r>
+              <a:rPr lang="en-US" sz="2000" dirty="0" smtClean="0"/>
+              <a:t> = 10%</a:t>
+            </a:r>
+          </a:p>
+          <a:p>
+            <a:r>
+              <a:rPr lang="en-US" sz="2400" dirty="0" smtClean="0"/>
+              <a:t>Updates occurs at 10 second intervals and stops at 600 m/s </a:t>
+            </a:r>
+          </a:p>
+          <a:p>
+            <a:r>
+              <a:rPr lang="en-US" sz="2400" dirty="0" smtClean="0"/>
+              <a:t>Bank angle limited to ±90°, and bank rate limited to 20°/s</a:t>
+            </a:r>
+          </a:p>
+          <a:p>
+            <a:r>
+              <a:rPr lang="en-US" sz="2400" dirty="0" smtClean="0"/>
+              <a:t>200 samples chosen by </a:t>
+            </a:r>
+            <a:r>
+              <a:rPr lang="en-US" sz="2400" dirty="0" err="1" smtClean="0"/>
+              <a:t>Sobol</a:t>
+            </a:r>
+            <a:r>
+              <a:rPr lang="en-US" sz="2400" dirty="0" smtClean="0"/>
+              <a:t>’ sequence</a:t>
+            </a:r>
+          </a:p>
+          <a:p>
+            <a:r>
+              <a:rPr lang="en-US" sz="2400" dirty="0" smtClean="0"/>
+              <a:t>Trajectories terminate when they reach the correct downrange distance</a:t>
+            </a:r>
+          </a:p>
+          <a:p>
+            <a:pPr lvl="1"/>
+            <a:r>
+              <a:rPr lang="en-US" sz="2000" dirty="0" smtClean="0"/>
+              <a:t>Simple logic, but should expect variations in final altitude and velocity despite energy as independent variable  </a:t>
+            </a:r>
+          </a:p>
+        </p:txBody>
+      </p:sp>
     </p:spTree>
     <p:extLst>
       <p:ext uri="{BB962C8B-B14F-4D97-AF65-F5344CB8AC3E}">
-        <p14:creationId xmlns:p14="http://schemas.microsoft.com/office/powerpoint/2010/main" val="1826672569"/>
+        <p14:creationId xmlns:p14="http://schemas.microsoft.com/office/powerpoint/2010/main" val="3505934654"/>
       </p:ext>
     </p:extLst>
   </p:cSld>
@@ -7545,19 +7512,18 @@
             <p:ph type="title"/>
           </p:nvPr>
         </p:nvSpPr>
-        <p:spPr>
-          <a:xfrm>
-            <a:off x="628649" y="964938"/>
-            <a:ext cx="8370972" cy="611532"/>
-          </a:xfrm>
-        </p:spPr>
-        <p:txBody>
-          <a:bodyPr/>
-          <a:lstStyle/>
-          <a:p>
-            <a:r>
-              <a:rPr lang="en-US" dirty="0" smtClean="0"/>
-              <a:t>MCS Results – Altitude/Velocity</a:t>
+        <p:spPr/>
+        <p:txBody>
+          <a:bodyPr/>
+          <a:lstStyle/>
+          <a:p>
+            <a:r>
+              <a:rPr lang="en-US" dirty="0" smtClean="0"/>
+              <a:t>MCS Results - </a:t>
+            </a:r>
+            <a:r>
+              <a:rPr lang="en-US" dirty="0" err="1" smtClean="0"/>
+              <a:t>Groundtrack</a:t>
             </a:r>
             <a:endParaRPr lang="en-US" dirty="0"/>
           </a:p>
@@ -7575,8 +7541,8 @@
         </p:nvSpPr>
         <p:spPr>
           <a:xfrm>
-            <a:off x="628649" y="1690690"/>
-            <a:ext cx="7886700" cy="1437522"/>
+            <a:off x="628650" y="1777500"/>
+            <a:ext cx="7886700" cy="1398838"/>
           </a:xfrm>
         </p:spPr>
         <p:txBody>
@@ -7585,57 +7551,29 @@
           <a:p>
             <a:r>
               <a:rPr lang="en-US" sz="2400" dirty="0" smtClean="0"/>
-              <a:t>Although some trajectories exit the parachute deployment conditions, all but three pass through the box</a:t>
-            </a:r>
-          </a:p>
-          <a:p>
-            <a:pPr lvl="1"/>
-            <a:r>
-              <a:rPr lang="en-US" sz="2000" dirty="0" smtClean="0"/>
-              <a:t>Solved by considering triggering logic that explicitly accounts for parachute conditions </a:t>
-            </a:r>
-          </a:p>
-          <a:p>
-            <a:pPr marL="0" indent="0">
-              <a:buNone/>
-            </a:pPr>
-            <a:endParaRPr lang="en-US" dirty="0"/>
+              <a:t>Excellent </a:t>
+            </a:r>
+            <a:r>
+              <a:rPr lang="en-US" sz="2400" dirty="0" err="1" smtClean="0"/>
+              <a:t>crossrange</a:t>
+            </a:r>
+            <a:r>
+              <a:rPr lang="en-US" sz="2400" dirty="0" smtClean="0"/>
+              <a:t> performance due to coupled update to longitudinal and lateral channels </a:t>
+            </a:r>
+          </a:p>
+          <a:p>
+            <a:r>
+              <a:rPr lang="en-US" sz="2400" dirty="0" smtClean="0"/>
+              <a:t>Interestingly, a small number of samples even have an additional reversal</a:t>
+            </a:r>
+            <a:endParaRPr lang="en-US" sz="2400" dirty="0"/>
           </a:p>
         </p:txBody>
       </p:sp>
       <p:pic>
         <p:nvPicPr>
-          <p:cNvPr id="7" name="Picture 6"/>
-          <p:cNvPicPr>
-            <a:picLocks noChangeAspect="1"/>
-          </p:cNvPicPr>
-          <p:nvPr/>
-        </p:nvPicPr>
-        <p:blipFill>
-          <a:blip r:embed="rId2">
-            <a:extLst>
-              <a:ext uri="{28A0092B-C50C-407E-A947-70E740481C1C}">
-                <a14:useLocalDpi xmlns:a14="http://schemas.microsoft.com/office/drawing/2010/main" val="0"/>
-              </a:ext>
-            </a:extLst>
-          </a:blip>
-          <a:stretch>
-            <a:fillRect/>
-          </a:stretch>
-        </p:blipFill>
-        <p:spPr>
-          <a:xfrm>
-            <a:off x="6015308" y="3001647"/>
-            <a:ext cx="2984313" cy="1856906"/>
-          </a:xfrm>
-          <a:prstGeom prst="rect">
-            <a:avLst/>
-          </a:prstGeom>
-        </p:spPr>
-      </p:pic>
-      <p:pic>
-        <p:nvPicPr>
-          <p:cNvPr id="8" name="Picture 7"/>
+          <p:cNvPr id="5" name="Picture 4"/>
           <p:cNvPicPr>
             <a:picLocks noChangeAspect="1"/>
           </p:cNvPicPr>
@@ -7655,38 +7593,8 @@
         </p:blipFill>
         <p:spPr>
           <a:xfrm>
-            <a:off x="6015308" y="4858553"/>
-            <a:ext cx="2984313" cy="1856905"/>
-          </a:xfrm>
-          <a:prstGeom prst="rect">
-            <a:avLst/>
-          </a:prstGeom>
-        </p:spPr>
-      </p:pic>
-      <p:pic>
-        <p:nvPicPr>
-          <p:cNvPr id="9" name="Picture 8"/>
-          <p:cNvPicPr>
-            <a:picLocks noChangeAspect="1"/>
-          </p:cNvPicPr>
-          <p:nvPr/>
-        </p:nvPicPr>
-        <p:blipFill>
-          <a:blip r:embed="rId4">
-            <a:extLst>
-              <a:ext uri="{28A0092B-C50C-407E-A947-70E740481C1C}">
-                <a14:useLocalDpi xmlns:a14="http://schemas.microsoft.com/office/drawing/2010/main" val="0"/>
-              </a:ext>
-            </a:extLst>
-          </a:blip>
-          <a:stretch>
-            <a:fillRect/>
-          </a:stretch>
-        </p:blipFill>
-        <p:spPr>
-          <a:xfrm>
-            <a:off x="198640" y="3128212"/>
-            <a:ext cx="5332396" cy="3273687"/>
+            <a:off x="1600247" y="3272588"/>
+            <a:ext cx="5750999" cy="3498601"/>
           </a:xfrm>
           <a:prstGeom prst="rect">
             <a:avLst/>
@@ -7696,7 +7604,7 @@
     </p:spTree>
     <p:extLst>
       <p:ext uri="{BB962C8B-B14F-4D97-AF65-F5344CB8AC3E}">
-        <p14:creationId xmlns:p14="http://schemas.microsoft.com/office/powerpoint/2010/main" val="303004292"/>
+        <p14:creationId xmlns:p14="http://schemas.microsoft.com/office/powerpoint/2010/main" val="1826672569"/>
       </p:ext>
     </p:extLst>
   </p:cSld>
@@ -7733,14 +7641,19 @@
             <p:ph type="title"/>
           </p:nvPr>
         </p:nvSpPr>
-        <p:spPr/>
-        <p:txBody>
-          <a:bodyPr/>
-          <a:lstStyle/>
-          <a:p>
-            <a:r>
-              <a:rPr lang="en-US" dirty="0" smtClean="0"/>
-              <a:t>MCS Results – Bank Profiles </a:t>
+        <p:spPr>
+          <a:xfrm>
+            <a:off x="628649" y="964938"/>
+            <a:ext cx="8370972" cy="611532"/>
+          </a:xfrm>
+        </p:spPr>
+        <p:txBody>
+          <a:bodyPr/>
+          <a:lstStyle/>
+          <a:p>
+            <a:r>
+              <a:rPr lang="en-US" dirty="0" smtClean="0"/>
+              <a:t>MCS Results – Altitude/Velocity</a:t>
             </a:r>
             <a:endParaRPr lang="en-US" dirty="0"/>
           </a:p>
@@ -7748,7 +7661,7 @@
       </p:sp>
       <p:sp>
         <p:nvSpPr>
-          <p:cNvPr id="5" name="Content Placeholder 4"/>
+          <p:cNvPr id="3" name="Content Placeholder 2"/>
           <p:cNvSpPr>
             <a:spLocks noGrp="1"/>
           </p:cNvSpPr>
@@ -7758,41 +7671,37 @@
         </p:nvSpPr>
         <p:spPr>
           <a:xfrm>
-            <a:off x="628650" y="1825625"/>
-            <a:ext cx="8245843" cy="1244834"/>
-          </a:xfrm>
-        </p:spPr>
-        <p:txBody>
-          <a:bodyPr/>
-          <a:lstStyle/>
-          <a:p>
-            <a:r>
-              <a:rPr lang="en-US" dirty="0" smtClean="0"/>
-              <a:t>Largest difference is in the timing of bank reversals</a:t>
-            </a:r>
-          </a:p>
-          <a:p>
-            <a:pPr lvl="0"/>
-            <a:r>
-              <a:rPr lang="en-US" dirty="0">
-                <a:solidFill>
-                  <a:prstClr val="black"/>
-                </a:solidFill>
-              </a:rPr>
-              <a:t>Bank angle (and trajectory in general) deviates from the original trajectory most at the end</a:t>
-            </a:r>
-          </a:p>
-          <a:p>
-            <a:endParaRPr lang="en-US" dirty="0" smtClean="0"/>
-          </a:p>
-          <a:p>
+            <a:off x="628649" y="1690690"/>
+            <a:ext cx="7886700" cy="1437522"/>
+          </a:xfrm>
+        </p:spPr>
+        <p:txBody>
+          <a:bodyPr/>
+          <a:lstStyle/>
+          <a:p>
+            <a:r>
+              <a:rPr lang="en-US" sz="2400" dirty="0" smtClean="0"/>
+              <a:t>Although some trajectories exit the parachute deployment conditions, all but three pass through the box</a:t>
+            </a:r>
+          </a:p>
+          <a:p>
+            <a:pPr lvl="1"/>
+            <a:r>
+              <a:rPr lang="en-US" sz="2000" dirty="0" smtClean="0"/>
+              <a:t>Solved by considering triggering logic that explicitly accounts for parachute conditions </a:t>
+            </a:r>
+          </a:p>
+          <a:p>
+            <a:pPr marL="0" indent="0">
+              <a:buNone/>
+            </a:pPr>
             <a:endParaRPr lang="en-US" dirty="0"/>
           </a:p>
         </p:txBody>
       </p:sp>
       <p:pic>
         <p:nvPicPr>
-          <p:cNvPr id="6" name="Picture 5"/>
+          <p:cNvPr id="7" name="Picture 6"/>
           <p:cNvPicPr>
             <a:picLocks noChangeAspect="1"/>
           </p:cNvPicPr>
@@ -7812,86 +7721,78 @@
         </p:blipFill>
         <p:spPr>
           <a:xfrm>
-            <a:off x="259880" y="3197993"/>
-            <a:ext cx="5813843" cy="3488306"/>
+            <a:off x="6015308" y="3001647"/>
+            <a:ext cx="2984313" cy="1856906"/>
           </a:xfrm>
           <a:prstGeom prst="rect">
             <a:avLst/>
           </a:prstGeom>
         </p:spPr>
       </p:pic>
-      <p:sp>
-        <p:nvSpPr>
-          <p:cNvPr id="7" name="TextBox 6"/>
-          <p:cNvSpPr txBox="1"/>
+      <p:pic>
+        <p:nvPicPr>
+          <p:cNvPr id="8" name="Picture 7"/>
+          <p:cNvPicPr>
+            <a:picLocks noChangeAspect="1"/>
+          </p:cNvPicPr>
           <p:nvPr/>
-        </p:nvSpPr>
-        <p:spPr>
-          <a:xfrm>
-            <a:off x="5861784" y="3395901"/>
-            <a:ext cx="3205214" cy="2363724"/>
+        </p:nvPicPr>
+        <p:blipFill>
+          <a:blip r:embed="rId3">
+            <a:extLst>
+              <a:ext uri="{28A0092B-C50C-407E-A947-70E740481C1C}">
+                <a14:useLocalDpi xmlns:a14="http://schemas.microsoft.com/office/drawing/2010/main" val="0"/>
+              </a:ext>
+            </a:extLst>
+          </a:blip>
+          <a:stretch>
+            <a:fillRect/>
+          </a:stretch>
+        </p:blipFill>
+        <p:spPr>
+          <a:xfrm>
+            <a:off x="6015308" y="4858553"/>
+            <a:ext cx="2984313" cy="1856905"/>
           </a:xfrm>
           <a:prstGeom prst="rect">
             <a:avLst/>
           </a:prstGeom>
-          <a:noFill/>
-        </p:spPr>
-        <p:txBody>
-          <a:bodyPr wrap="square" rtlCol="0">
-            <a:spAutoFit/>
-          </a:bodyPr>
-          <a:lstStyle/>
-          <a:p>
-            <a:pPr lvl="1">
-              <a:lnSpc>
-                <a:spcPct val="90000"/>
-              </a:lnSpc>
-              <a:spcBef>
-                <a:spcPts val="500"/>
-              </a:spcBef>
-            </a:pPr>
-            <a:r>
-              <a:rPr lang="en-US" sz="2400" dirty="0" smtClean="0">
-                <a:solidFill>
-                  <a:prstClr val="black"/>
-                </a:solidFill>
-              </a:rPr>
-              <a:t>This </a:t>
-            </a:r>
-            <a:r>
-              <a:rPr lang="en-US" sz="2400" dirty="0">
-                <a:solidFill>
-                  <a:prstClr val="black"/>
-                </a:solidFill>
-              </a:rPr>
-              <a:t>is expected because </a:t>
-            </a:r>
-            <a:r>
-              <a:rPr lang="en-US" sz="2400" dirty="0" smtClean="0">
-                <a:solidFill>
-                  <a:prstClr val="black"/>
-                </a:solidFill>
-              </a:rPr>
-              <a:t>the later portion of trajectory is updated the greatest number </a:t>
-            </a:r>
-            <a:r>
-              <a:rPr lang="en-US" sz="2400" dirty="0">
-                <a:solidFill>
-                  <a:prstClr val="black"/>
-                </a:solidFill>
-              </a:rPr>
-              <a:t>of times </a:t>
-            </a:r>
-          </a:p>
-          <a:p>
-            <a:endParaRPr lang="en-US" dirty="0"/>
-          </a:p>
-        </p:txBody>
-      </p:sp>
+        </p:spPr>
+      </p:pic>
+      <p:pic>
+        <p:nvPicPr>
+          <p:cNvPr id="9" name="Picture 8"/>
+          <p:cNvPicPr>
+            <a:picLocks noChangeAspect="1"/>
+          </p:cNvPicPr>
+          <p:nvPr/>
+        </p:nvPicPr>
+        <p:blipFill>
+          <a:blip r:embed="rId4">
+            <a:extLst>
+              <a:ext uri="{28A0092B-C50C-407E-A947-70E740481C1C}">
+                <a14:useLocalDpi xmlns:a14="http://schemas.microsoft.com/office/drawing/2010/main" val="0"/>
+              </a:ext>
+            </a:extLst>
+          </a:blip>
+          <a:stretch>
+            <a:fillRect/>
+          </a:stretch>
+        </p:blipFill>
+        <p:spPr>
+          <a:xfrm>
+            <a:off x="198640" y="3128212"/>
+            <a:ext cx="5332396" cy="3273687"/>
+          </a:xfrm>
+          <a:prstGeom prst="rect">
+            <a:avLst/>
+          </a:prstGeom>
+        </p:spPr>
+      </p:pic>
     </p:spTree>
     <p:extLst>
       <p:ext uri="{BB962C8B-B14F-4D97-AF65-F5344CB8AC3E}">
-        <p14:creationId xmlns:p14="http://schemas.microsoft.com/office/powerpoint/2010/main" val="1145173546"/>
+        <p14:creationId xmlns:p14="http://schemas.microsoft.com/office/powerpoint/2010/main" val="303004292"/>
       </p:ext>
     </p:extLst>
   </p:cSld>
@@ -7935,6 +7836,201 @@
           <a:p>
             <a:r>
               <a:rPr lang="en-US" dirty="0" smtClean="0"/>
+              <a:t>MCS Results – Bank Profiles </a:t>
+            </a:r>
+            <a:endParaRPr lang="en-US" dirty="0"/>
+          </a:p>
+        </p:txBody>
+      </p:sp>
+      <p:sp>
+        <p:nvSpPr>
+          <p:cNvPr id="5" name="Content Placeholder 4"/>
+          <p:cNvSpPr>
+            <a:spLocks noGrp="1"/>
+          </p:cNvSpPr>
+          <p:nvPr>
+            <p:ph idx="1"/>
+          </p:nvPr>
+        </p:nvSpPr>
+        <p:spPr>
+          <a:xfrm>
+            <a:off x="628650" y="1825625"/>
+            <a:ext cx="8245843" cy="1244834"/>
+          </a:xfrm>
+        </p:spPr>
+        <p:txBody>
+          <a:bodyPr/>
+          <a:lstStyle/>
+          <a:p>
+            <a:r>
+              <a:rPr lang="en-US" dirty="0" smtClean="0"/>
+              <a:t>Largest difference is in the timing of bank reversals</a:t>
+            </a:r>
+          </a:p>
+          <a:p>
+            <a:pPr lvl="0"/>
+            <a:r>
+              <a:rPr lang="en-US" dirty="0">
+                <a:solidFill>
+                  <a:prstClr val="black"/>
+                </a:solidFill>
+              </a:rPr>
+              <a:t>Bank angle (and trajectory in general) deviates from the original trajectory most at the end</a:t>
+            </a:r>
+          </a:p>
+          <a:p>
+            <a:endParaRPr lang="en-US" dirty="0" smtClean="0"/>
+          </a:p>
+          <a:p>
+            <a:endParaRPr lang="en-US" dirty="0"/>
+          </a:p>
+        </p:txBody>
+      </p:sp>
+      <p:pic>
+        <p:nvPicPr>
+          <p:cNvPr id="6" name="Picture 5"/>
+          <p:cNvPicPr>
+            <a:picLocks noChangeAspect="1"/>
+          </p:cNvPicPr>
+          <p:nvPr/>
+        </p:nvPicPr>
+        <p:blipFill>
+          <a:blip r:embed="rId2">
+            <a:extLst>
+              <a:ext uri="{28A0092B-C50C-407E-A947-70E740481C1C}">
+                <a14:useLocalDpi xmlns:a14="http://schemas.microsoft.com/office/drawing/2010/main" val="0"/>
+              </a:ext>
+            </a:extLst>
+          </a:blip>
+          <a:stretch>
+            <a:fillRect/>
+          </a:stretch>
+        </p:blipFill>
+        <p:spPr>
+          <a:xfrm>
+            <a:off x="259880" y="3197993"/>
+            <a:ext cx="5813843" cy="3488306"/>
+          </a:xfrm>
+          <a:prstGeom prst="rect">
+            <a:avLst/>
+          </a:prstGeom>
+        </p:spPr>
+      </p:pic>
+      <p:sp>
+        <p:nvSpPr>
+          <p:cNvPr id="7" name="TextBox 6"/>
+          <p:cNvSpPr txBox="1"/>
+          <p:nvPr/>
+        </p:nvSpPr>
+        <p:spPr>
+          <a:xfrm>
+            <a:off x="5861784" y="3395901"/>
+            <a:ext cx="3205214" cy="2363724"/>
+          </a:xfrm>
+          <a:prstGeom prst="rect">
+            <a:avLst/>
+          </a:prstGeom>
+          <a:noFill/>
+        </p:spPr>
+        <p:txBody>
+          <a:bodyPr wrap="square" rtlCol="0">
+            <a:spAutoFit/>
+          </a:bodyPr>
+          <a:lstStyle/>
+          <a:p>
+            <a:pPr lvl="1">
+              <a:lnSpc>
+                <a:spcPct val="90000"/>
+              </a:lnSpc>
+              <a:spcBef>
+                <a:spcPts val="500"/>
+              </a:spcBef>
+            </a:pPr>
+            <a:r>
+              <a:rPr lang="en-US" sz="2400" dirty="0" smtClean="0">
+                <a:solidFill>
+                  <a:prstClr val="black"/>
+                </a:solidFill>
+              </a:rPr>
+              <a:t>This </a:t>
+            </a:r>
+            <a:r>
+              <a:rPr lang="en-US" sz="2400" dirty="0">
+                <a:solidFill>
+                  <a:prstClr val="black"/>
+                </a:solidFill>
+              </a:rPr>
+              <a:t>is expected because </a:t>
+            </a:r>
+            <a:r>
+              <a:rPr lang="en-US" sz="2400" dirty="0" smtClean="0">
+                <a:solidFill>
+                  <a:prstClr val="black"/>
+                </a:solidFill>
+              </a:rPr>
+              <a:t>the later portion of trajectory is updated the greatest number </a:t>
+            </a:r>
+            <a:r>
+              <a:rPr lang="en-US" sz="2400" dirty="0">
+                <a:solidFill>
+                  <a:prstClr val="black"/>
+                </a:solidFill>
+              </a:rPr>
+              <a:t>of times </a:t>
+            </a:r>
+          </a:p>
+          <a:p>
+            <a:endParaRPr lang="en-US" dirty="0"/>
+          </a:p>
+        </p:txBody>
+      </p:sp>
+    </p:spTree>
+    <p:extLst>
+      <p:ext uri="{BB962C8B-B14F-4D97-AF65-F5344CB8AC3E}">
+        <p14:creationId xmlns:p14="http://schemas.microsoft.com/office/powerpoint/2010/main" val="1145173546"/>
+      </p:ext>
+    </p:extLst>
+  </p:cSld>
+  <p:clrMapOvr>
+    <a:masterClrMapping/>
+  </p:clrMapOvr>
+</p:sld>
+</file>
+
+<file path=ppt/slides/slide27.xml><?xml version="1.0" encoding="utf-8"?>
+<p:sld xmlns:a="http://schemas.openxmlformats.org/drawingml/2006/main" xmlns:r="http://schemas.openxmlformats.org/officeDocument/2006/relationships" xmlns:p="http://schemas.openxmlformats.org/presentationml/2006/main">
+  <p:cSld>
+    <p:spTree>
+      <p:nvGrpSpPr>
+        <p:cNvPr id="1" name=""/>
+        <p:cNvGrpSpPr/>
+        <p:nvPr/>
+      </p:nvGrpSpPr>
+      <p:grpSpPr>
+        <a:xfrm>
+          <a:off x="0" y="0"/>
+          <a:ext cx="0" cy="0"/>
+          <a:chOff x="0" y="0"/>
+          <a:chExt cx="0" cy="0"/>
+        </a:xfrm>
+      </p:grpSpPr>
+      <p:sp>
+        <p:nvSpPr>
+          <p:cNvPr id="2" name="Title 1"/>
+          <p:cNvSpPr>
+            <a:spLocks noGrp="1"/>
+          </p:cNvSpPr>
+          <p:nvPr>
+            <p:ph type="title"/>
+          </p:nvPr>
+        </p:nvSpPr>
+        <p:spPr/>
+        <p:txBody>
+          <a:bodyPr/>
+          <a:lstStyle/>
+          <a:p>
+            <a:r>
+              <a:rPr lang="en-US" dirty="0" smtClean="0"/>
               <a:t>Conclusion</a:t>
             </a:r>
             <a:endParaRPr lang="en-US" dirty="0"/>
@@ -8009,7 +8105,7 @@
 </p:sld>
 </file>
 
-<file path=ppt/slides/slide27.xml><?xml version="1.0" encoding="utf-8"?>
+<file path=ppt/slides/slide28.xml><?xml version="1.0" encoding="utf-8"?>
 <p:sld xmlns:a="http://schemas.openxmlformats.org/drawingml/2006/main" xmlns:r="http://schemas.openxmlformats.org/officeDocument/2006/relationships" xmlns:p="http://schemas.openxmlformats.org/presentationml/2006/main">
   <p:cSld>
     <p:spTree>
@@ -8698,7 +8794,7 @@
 </p:sld>
 </file>
 
-<file path=ppt/slides/slide28.xml><?xml version="1.0" encoding="utf-8"?>
+<file path=ppt/slides/slide29.xml><?xml version="1.0" encoding="utf-8"?>
 <p:sld xmlns:a="http://schemas.openxmlformats.org/drawingml/2006/main" xmlns:r="http://schemas.openxmlformats.org/officeDocument/2006/relationships" xmlns:p="http://schemas.openxmlformats.org/presentationml/2006/main">
   <p:cSld>
     <p:spTree>
@@ -9376,7 +9472,31 @@
           <a:bodyPr/>
           <a:lstStyle/>
           <a:p>
-            <a:endParaRPr lang="en-US"/>
+            <a:r>
+              <a:rPr lang="en-US" dirty="0" smtClean="0"/>
+              <a:t>Entry phase – vehicle is guided by orienting the lift vector, controlled by reaction control thrusters</a:t>
+            </a:r>
+          </a:p>
+          <a:p>
+            <a:r>
+              <a:rPr lang="en-US" dirty="0" smtClean="0"/>
+              <a:t>Powered descent phase – supersonic </a:t>
+            </a:r>
+            <a:r>
+              <a:rPr lang="en-US" dirty="0" err="1" smtClean="0"/>
+              <a:t>retropropulsion</a:t>
+            </a:r>
+            <a:r>
+              <a:rPr lang="en-US" dirty="0" smtClean="0"/>
+              <a:t> is used to null nearly all of the vehicle’s remaining velocity </a:t>
+            </a:r>
+          </a:p>
+          <a:p>
+            <a:r>
+              <a:rPr lang="en-US" dirty="0" smtClean="0"/>
+              <a:t>Landing phase – vertical powered descent phase to soft touchdown</a:t>
+            </a:r>
+            <a:endParaRPr lang="en-US" dirty="0"/>
           </a:p>
         </p:txBody>
       </p:sp>
@@ -9420,14 +9540,27 @@
             <p:ph type="title"/>
           </p:nvPr>
         </p:nvSpPr>
-        <p:spPr/>
-        <p:txBody>
-          <a:bodyPr/>
-          <a:lstStyle/>
-          <a:p>
-            <a:r>
-              <a:rPr lang="en-US" dirty="0" smtClean="0"/>
-              <a:t>Broadly…</a:t>
+        <p:spPr>
+          <a:xfrm>
+            <a:off x="628650" y="1079156"/>
+            <a:ext cx="7886700" cy="1248407"/>
+          </a:xfrm>
+        </p:spPr>
+        <p:txBody>
+          <a:bodyPr/>
+          <a:lstStyle/>
+          <a:p>
+            <a:r>
+              <a:rPr lang="en-US" dirty="0" smtClean="0"/>
+              <a:t>Switch Time Optimization for Rapid </a:t>
+            </a:r>
+            <a:r>
+              <a:rPr lang="en-US" dirty="0" smtClean="0"/>
+              <a:t>Entry Trajectory </a:t>
+            </a:r>
+            <a:r>
+              <a:rPr lang="en-US" dirty="0" smtClean="0"/>
+              <a:t>Design</a:t>
             </a:r>
             <a:endParaRPr lang="en-US" dirty="0"/>
           </a:p>
@@ -9443,31 +9576,62 @@
             <p:ph idx="1"/>
           </p:nvPr>
         </p:nvSpPr>
-        <p:spPr/>
-        <p:txBody>
-          <a:bodyPr/>
-          <a:lstStyle/>
-          <a:p>
-            <a:r>
-              <a:rPr lang="en-US" dirty="0" smtClean="0"/>
-              <a:t>I am interested in closed loop performance of constrained, nonlinear systems subject to parametric uncertainty and/or </a:t>
+        <p:spPr>
+          <a:xfrm>
+            <a:off x="628650" y="2576944"/>
+            <a:ext cx="7886700" cy="4281055"/>
+          </a:xfrm>
+        </p:spPr>
+        <p:txBody>
+          <a:bodyPr/>
+          <a:lstStyle/>
+          <a:p>
+            <a:r>
+              <a:rPr lang="en-US" dirty="0" smtClean="0"/>
+              <a:t>Simple </a:t>
+            </a:r>
+            <a:r>
+              <a:rPr lang="en-US" dirty="0" smtClean="0"/>
+              <a:t>parameterization </a:t>
+            </a:r>
+            <a:r>
+              <a:rPr lang="en-US" dirty="0" smtClean="0"/>
+              <a:t>for robust, near-optimal altitude performance intended for parachute architectures </a:t>
+            </a:r>
+          </a:p>
+          <a:p>
+            <a:r>
+              <a:rPr lang="en-US" dirty="0" smtClean="0"/>
+              <a:t>Can show that this </a:t>
+            </a:r>
+            <a:r>
+              <a:rPr lang="en-US" dirty="0" smtClean="0"/>
+              <a:t>parameterization </a:t>
+            </a:r>
+            <a:r>
+              <a:rPr lang="en-US" dirty="0" smtClean="0"/>
+              <a:t>also allows for near-optimal minimum velocity performance, suitable for SRP applications</a:t>
+            </a:r>
+          </a:p>
+          <a:p>
+            <a:r>
+              <a:rPr lang="en-US" dirty="0" smtClean="0"/>
+              <a:t>If-then logic used is discontinuous; </a:t>
             </a:r>
             <a:r>
               <a:rPr lang="en-US" dirty="0" err="1" smtClean="0"/>
-              <a:t>stochasticity</a:t>
-            </a:r>
-            <a:r>
-              <a:rPr lang="en-US" dirty="0" smtClean="0"/>
-              <a:t> </a:t>
-            </a:r>
-          </a:p>
-          <a:p>
-            <a:r>
-              <a:rPr lang="en-US" dirty="0" smtClean="0"/>
-              <a:t>I want to exploit knowledge of the probabilistic nature of the uncertainty to improve performance</a:t>
-            </a:r>
-          </a:p>
-          <a:p>
+              <a:t>Nelder</a:t>
+            </a:r>
+            <a:r>
+              <a:rPr lang="en-US" dirty="0" smtClean="0"/>
+              <a:t>-Mead simplex method has been used for optimization</a:t>
+            </a:r>
+          </a:p>
+          <a:p>
+            <a:r>
+              <a:rPr lang="en-US" dirty="0" smtClean="0"/>
+              <a:t>Results from hybrid OC literature suggest a gradient based solution is possible and preferable </a:t>
+            </a:r>
             <a:endParaRPr lang="en-US" dirty="0"/>
           </a:p>
         </p:txBody>
@@ -9475,7 +9639,7 @@
     </p:spTree>
     <p:extLst>
       <p:ext uri="{BB962C8B-B14F-4D97-AF65-F5344CB8AC3E}">
-        <p14:creationId xmlns:p14="http://schemas.microsoft.com/office/powerpoint/2010/main" val="3867321581"/>
+        <p14:creationId xmlns:p14="http://schemas.microsoft.com/office/powerpoint/2010/main" val="949813023"/>
       </p:ext>
     </p:extLst>
   </p:cSld>
@@ -9519,7 +9683,7 @@
           <a:p>
             <a:r>
               <a:rPr lang="en-US" dirty="0" smtClean="0"/>
-              <a:t>Literature Review</a:t>
+              <a:t>Switch Time Opt</a:t>
             </a:r>
             <a:endParaRPr lang="en-US" dirty="0"/>
           </a:p>
@@ -9542,38 +9706,32 @@
           <a:p>
             <a:r>
               <a:rPr lang="en-US" dirty="0" smtClean="0"/>
-              <a:t>Linear Exponential Gaussian (weights higher moments)</a:t>
-            </a:r>
-          </a:p>
-          <a:p>
-            <a:r>
-              <a:rPr lang="en-US" dirty="0" smtClean="0"/>
-              <a:t>Desensitized optimal control penalizes the partial derivatives of the objective function </a:t>
+              <a:t>Gradients with respect to switch times cannot be easily evaluated via finite difference, and automatic differentiation fails due to the discontinuous logic</a:t>
+            </a:r>
+          </a:p>
+          <a:p>
+            <a:r>
+              <a:rPr lang="en-US" dirty="0" smtClean="0"/>
+              <a:t>Solved very efficient via SQP method (</a:t>
             </a:r>
             <a:r>
               <a:rPr lang="en-US" dirty="0" err="1" smtClean="0"/>
-              <a:t>wrt</a:t>
-            </a:r>
-            <a:r>
-              <a:rPr lang="en-US" dirty="0" smtClean="0"/>
-              <a:t> parameters</a:t>
-            </a:r>
-          </a:p>
-          <a:p>
-            <a:r>
-              <a:rPr lang="en-US" dirty="0" smtClean="0"/>
-              <a:t>Mean-Variance trades off mean performance and robustness</a:t>
-            </a:r>
-          </a:p>
-          <a:p>
-            <a:pPr lvl="1"/>
-            <a:r>
-              <a:rPr lang="en-US" dirty="0" smtClean="0"/>
-              <a:t>Decreasing the sensitivity of open-loop optimal solutions in decision making under uncertainty</a:t>
-            </a:r>
-          </a:p>
-          <a:p>
-            <a:pPr lvl="1"/>
+              <a:t>quasiNewton</a:t>
+            </a:r>
+            <a:r>
+              <a:rPr lang="en-US" dirty="0" smtClean="0"/>
+              <a:t> method, BFGS update to inverse Hessian)</a:t>
+            </a:r>
+          </a:p>
+          <a:p>
+            <a:r>
+              <a:rPr lang="en-US" dirty="0" smtClean="0"/>
+              <a:t>We left margins heuristically, assumed a fixed % was sufficient for closed </a:t>
+            </a:r>
+            <a:r>
+              <a:rPr lang="en-US" smtClean="0"/>
+              <a:t>loop trajectories </a:t>
+            </a:r>
             <a:endParaRPr lang="en-US" dirty="0"/>
           </a:p>
         </p:txBody>
@@ -9581,7 +9739,7 @@
     </p:spTree>
     <p:extLst>
       <p:ext uri="{BB962C8B-B14F-4D97-AF65-F5344CB8AC3E}">
-        <p14:creationId xmlns:p14="http://schemas.microsoft.com/office/powerpoint/2010/main" val="1712482433"/>
+        <p14:creationId xmlns:p14="http://schemas.microsoft.com/office/powerpoint/2010/main" val="4101162675"/>
       </p:ext>
     </p:extLst>
   </p:cSld>
@@ -9625,7 +9783,7 @@
           <a:p>
             <a:r>
               <a:rPr lang="en-US" dirty="0" smtClean="0"/>
-              <a:t>Literature Review </a:t>
+              <a:t>Broadly…</a:t>
             </a:r>
             <a:endParaRPr lang="en-US" dirty="0"/>
           </a:p>
@@ -9641,47 +9799,31 @@
             <p:ph idx="1"/>
           </p:nvPr>
         </p:nvSpPr>
-        <p:spPr>
-          <a:xfrm>
-            <a:off x="628650" y="1825625"/>
-            <a:ext cx="8185836" cy="4351338"/>
-          </a:xfrm>
-        </p:spPr>
-        <p:txBody>
-          <a:bodyPr/>
-          <a:lstStyle/>
-          <a:p>
-            <a:r>
-              <a:rPr lang="en-US" dirty="0" smtClean="0"/>
-              <a:t>Optimal Trajectory Generation with Probabilistic System Uncertainty Using Polynomial Chaos (Fisher, Bhattacharya)</a:t>
-            </a:r>
-          </a:p>
-          <a:p>
-            <a:pPr lvl="1"/>
-            <a:r>
-              <a:rPr lang="en-US" dirty="0" smtClean="0"/>
-              <a:t>Derived expressions for minimum expectation and minimum variance objectives in terms of PCE coefficients</a:t>
-            </a:r>
-          </a:p>
-          <a:p>
-            <a:pPr lvl="1"/>
-            <a:r>
-              <a:rPr lang="en-US" dirty="0" smtClean="0"/>
-              <a:t>Considered open loop</a:t>
-            </a:r>
-          </a:p>
-          <a:p>
-            <a:r>
-              <a:rPr lang="en-US" dirty="0" smtClean="0"/>
-              <a:t>Stochastic Trajectory Optimization for Mechanical Systems with Parametric Uncertainties</a:t>
-            </a:r>
-          </a:p>
-          <a:p>
-            <a:pPr lvl="1"/>
-            <a:r>
-              <a:rPr lang="en-US" dirty="0" smtClean="0"/>
-              <a:t>Extended Differential Dynamic Programming to stochastic systems using polynomial chaos </a:t>
-            </a:r>
+        <p:spPr/>
+        <p:txBody>
+          <a:bodyPr/>
+          <a:lstStyle/>
+          <a:p>
+            <a:r>
+              <a:rPr lang="en-US" dirty="0" smtClean="0"/>
+              <a:t>I am interested in closed loop performance of constrained, nonlinear systems subject to parametric uncertainty and/or </a:t>
+            </a:r>
+            <a:r>
+              <a:rPr lang="en-US" dirty="0" err="1" smtClean="0"/>
+              <a:t>stochasticity</a:t>
+            </a:r>
+            <a:r>
+              <a:rPr lang="en-US" dirty="0" smtClean="0"/>
+              <a:t> </a:t>
+            </a:r>
+          </a:p>
+          <a:p>
+            <a:r>
+              <a:rPr lang="en-US" dirty="0" smtClean="0"/>
+              <a:t>I want to exploit knowledge of the probabilistic nature of the uncertainty to improve performance</a:t>
+            </a:r>
+          </a:p>
+          <a:p>
             <a:endParaRPr lang="en-US" dirty="0"/>
           </a:p>
         </p:txBody>
@@ -9689,7 +9831,7 @@
     </p:spTree>
     <p:extLst>
       <p:ext uri="{BB962C8B-B14F-4D97-AF65-F5344CB8AC3E}">
-        <p14:creationId xmlns:p14="http://schemas.microsoft.com/office/powerpoint/2010/main" val="3403497036"/>
+        <p14:creationId xmlns:p14="http://schemas.microsoft.com/office/powerpoint/2010/main" val="3867321581"/>
       </p:ext>
     </p:extLst>
   </p:cSld>
@@ -9731,7 +9873,11 @@
           <a:bodyPr/>
           <a:lstStyle/>
           <a:p>
-            <a:endParaRPr lang="en-US"/>
+            <a:r>
+              <a:rPr lang="en-US" dirty="0" smtClean="0"/>
+              <a:t>Literature Review</a:t>
+            </a:r>
+            <a:endParaRPr lang="en-US" dirty="0"/>
           </a:p>
         </p:txBody>
       </p:sp>
@@ -9752,35 +9898,46 @@
           <a:p>
             <a:r>
               <a:rPr lang="en-US" dirty="0" smtClean="0"/>
-              <a:t>Desensitized control does not make proper use of statistical information</a:t>
+              <a:t>Linear Exponential Gaussian (weights higher moments)</a:t>
+            </a:r>
+          </a:p>
+          <a:p>
+            <a:r>
+              <a:rPr lang="en-US" dirty="0" smtClean="0"/>
+              <a:t>Desensitized optimal control penalizes the partial derivatives of the objective function </a:t>
+            </a:r>
+            <a:r>
+              <a:rPr lang="en-US" dirty="0" err="1" smtClean="0"/>
+              <a:t>wrt</a:t>
+            </a:r>
+            <a:r>
+              <a:rPr lang="en-US" dirty="0" smtClean="0"/>
+              <a:t> parameters</a:t>
+            </a:r>
+          </a:p>
+          <a:p>
+            <a:r>
+              <a:rPr lang="en-US" dirty="0" smtClean="0"/>
+              <a:t>Mean-Variance trades off mean performance and robustness</a:t>
             </a:r>
           </a:p>
           <a:p>
             <a:pPr lvl="1"/>
             <a:r>
               <a:rPr lang="en-US" dirty="0" smtClean="0"/>
-              <a:t>Indeed, performance evaluations are conducted using parameters governed by distributions and we can use this information explicitly </a:t>
-            </a:r>
-          </a:p>
-          <a:p>
-            <a:r>
-              <a:rPr lang="en-US" dirty="0" smtClean="0"/>
-              <a:t>Few papers discuss closed-loop approaches </a:t>
+              <a:t>Decreasing the sensitivity of open-loop optimal solutions in decision making under uncertainty</a:t>
             </a:r>
           </a:p>
           <a:p>
             <a:pPr lvl="1"/>
-            <a:r>
-              <a:rPr lang="en-US" dirty="0" smtClean="0"/>
-              <a:t>Those that do avoid the issue of control constraints and instead impose arbitrary limits on the feedback gains or exclude feedback gains from</a:t>
-            </a:r>
+            <a:endParaRPr lang="en-US" dirty="0"/>
           </a:p>
         </p:txBody>
       </p:sp>
     </p:spTree>
     <p:extLst>
       <p:ext uri="{BB962C8B-B14F-4D97-AF65-F5344CB8AC3E}">
-        <p14:creationId xmlns:p14="http://schemas.microsoft.com/office/powerpoint/2010/main" val="4273695452"/>
+        <p14:creationId xmlns:p14="http://schemas.microsoft.com/office/powerpoint/2010/main" val="1712482433"/>
       </p:ext>
     </p:extLst>
   </p:cSld>
@@ -9817,19 +9974,14 @@
             <p:ph type="title"/>
           </p:nvPr>
         </p:nvSpPr>
-        <p:spPr>
-          <a:xfrm>
-            <a:off x="628650" y="1079156"/>
-            <a:ext cx="7886700" cy="1248407"/>
-          </a:xfrm>
-        </p:spPr>
-        <p:txBody>
-          <a:bodyPr/>
-          <a:lstStyle/>
-          <a:p>
-            <a:r>
-              <a:rPr lang="en-US" dirty="0" smtClean="0"/>
-              <a:t>Switch Time Optimization for Rapid Trajectory Design</a:t>
+        <p:spPr/>
+        <p:txBody>
+          <a:bodyPr/>
+          <a:lstStyle/>
+          <a:p>
+            <a:r>
+              <a:rPr lang="en-US" dirty="0" smtClean="0"/>
+              <a:t>Literature Review </a:t>
             </a:r>
             <a:endParaRPr lang="en-US" dirty="0"/>
           </a:p>
@@ -9847,59 +9999,44 @@
         </p:nvSpPr>
         <p:spPr>
           <a:xfrm>
-            <a:off x="628650" y="2576944"/>
-            <a:ext cx="7886700" cy="4281055"/>
-          </a:xfrm>
-        </p:spPr>
-        <p:txBody>
-          <a:bodyPr/>
-          <a:lstStyle/>
-          <a:p>
-            <a:r>
-              <a:rPr lang="en-US" dirty="0" smtClean="0"/>
-              <a:t>Simple </a:t>
-            </a:r>
-            <a:r>
-              <a:rPr lang="en-US" dirty="0" err="1" smtClean="0"/>
-              <a:t>parametrization</a:t>
-            </a:r>
-            <a:r>
-              <a:rPr lang="en-US" dirty="0" smtClean="0"/>
-              <a:t> for robust, near-optimal altitude performance intended for parachute architectures </a:t>
-            </a:r>
-          </a:p>
-          <a:p>
-            <a:r>
-              <a:rPr lang="en-US" dirty="0" smtClean="0"/>
-              <a:t>Can show that this </a:t>
-            </a:r>
-            <a:r>
-              <a:rPr lang="en-US" dirty="0" err="1" smtClean="0"/>
-              <a:t>parametrization</a:t>
-            </a:r>
-            <a:r>
-              <a:rPr lang="en-US" dirty="0" smtClean="0"/>
-              <a:t> also allows for near-optimal minimum velocity performance, suitable for SRP applications</a:t>
-            </a:r>
-          </a:p>
-          <a:p>
-            <a:r>
-              <a:rPr lang="en-US" dirty="0" smtClean="0"/>
-              <a:t>If-then logic used is discontinuous; </a:t>
-            </a:r>
-            <a:r>
-              <a:rPr lang="en-US" dirty="0" err="1" smtClean="0"/>
-              <a:t>Nelder</a:t>
-            </a:r>
-            <a:r>
-              <a:rPr lang="en-US" dirty="0" smtClean="0"/>
-              <a:t>-Mead simplex method has been used for optimization</a:t>
-            </a:r>
-          </a:p>
-          <a:p>
-            <a:r>
-              <a:rPr lang="en-US" dirty="0" smtClean="0"/>
-              <a:t>Results from hybrid OC literature suggest a gradient based solution is possible and preferable </a:t>
+            <a:off x="628650" y="1825625"/>
+            <a:ext cx="8185836" cy="4351338"/>
+          </a:xfrm>
+        </p:spPr>
+        <p:txBody>
+          <a:bodyPr/>
+          <a:lstStyle/>
+          <a:p>
+            <a:r>
+              <a:rPr lang="en-US" dirty="0" smtClean="0"/>
+              <a:t>Optimal Trajectory Generation with Probabilistic System Uncertainty Using Polynomial Chaos (Fisher, Bhattacharya)</a:t>
+            </a:r>
+          </a:p>
+          <a:p>
+            <a:pPr lvl="1"/>
+            <a:r>
+              <a:rPr lang="en-US" dirty="0" smtClean="0"/>
+              <a:t>Derived expressions for minimum expectation and minimum variance objectives in terms of PCE coefficients</a:t>
+            </a:r>
+          </a:p>
+          <a:p>
+            <a:pPr lvl="1"/>
+            <a:r>
+              <a:rPr lang="en-US" dirty="0" smtClean="0"/>
+              <a:t>Considered open loop</a:t>
+            </a:r>
+          </a:p>
+          <a:p>
+            <a:r>
+              <a:rPr lang="en-US" dirty="0" smtClean="0"/>
+              <a:t>Stochastic Trajectory Optimization for Mechanical Systems with Parametric Uncertainties</a:t>
+            </a:r>
+          </a:p>
+          <a:p>
+            <a:pPr lvl="1"/>
+            <a:r>
+              <a:rPr lang="en-US" dirty="0" smtClean="0"/>
+              <a:t>Extended Differential Dynamic Programming to stochastic systems using polynomial chaos </a:t>
             </a:r>
             <a:endParaRPr lang="en-US" dirty="0"/>
           </a:p>
@@ -9908,7 +10045,7 @@
     </p:spTree>
     <p:extLst>
       <p:ext uri="{BB962C8B-B14F-4D97-AF65-F5344CB8AC3E}">
-        <p14:creationId xmlns:p14="http://schemas.microsoft.com/office/powerpoint/2010/main" val="949813023"/>
+        <p14:creationId xmlns:p14="http://schemas.microsoft.com/office/powerpoint/2010/main" val="3403497036"/>
       </p:ext>
     </p:extLst>
   </p:cSld>
@@ -9945,21 +10082,12 @@
             <p:ph type="title"/>
           </p:nvPr>
         </p:nvSpPr>
-        <p:spPr>
-          <a:xfrm>
-            <a:off x="628650" y="1079156"/>
-            <a:ext cx="7886700" cy="1231781"/>
-          </a:xfrm>
-        </p:spPr>
-        <p:txBody>
-          <a:bodyPr/>
-          <a:lstStyle/>
-          <a:p>
-            <a:r>
-              <a:rPr lang="en-US" dirty="0" smtClean="0"/>
-              <a:t>Chance Constrained Nonlinear Optimal Control</a:t>
-            </a:r>
-            <a:endParaRPr lang="en-US" dirty="0"/>
+        <p:spPr/>
+        <p:txBody>
+          <a:bodyPr/>
+          <a:lstStyle/>
+          <a:p>
+            <a:endParaRPr lang="en-US"/>
           </a:p>
         </p:txBody>
       </p:sp>
@@ -9973,24 +10101,54 @@
             <p:ph idx="1"/>
           </p:nvPr>
         </p:nvSpPr>
-        <p:spPr>
-          <a:xfrm>
-            <a:off x="628650" y="2510443"/>
-            <a:ext cx="7886700" cy="3666519"/>
-          </a:xfrm>
-        </p:spPr>
-        <p:txBody>
-          <a:bodyPr/>
-          <a:lstStyle/>
-          <a:p>
-            <a:endParaRPr lang="en-US" dirty="0"/>
+        <p:spPr/>
+        <p:txBody>
+          <a:bodyPr/>
+          <a:lstStyle/>
+          <a:p>
+            <a:r>
+              <a:rPr lang="en-US" dirty="0" smtClean="0"/>
+              <a:t>Desensitized control does not make proper use of statistical information</a:t>
+            </a:r>
+          </a:p>
+          <a:p>
+            <a:pPr lvl="1"/>
+            <a:r>
+              <a:rPr lang="en-US" dirty="0" smtClean="0"/>
+              <a:t>Indeed, performance evaluations are conducted using parameters governed by distributions and we can use this information explicitly </a:t>
+            </a:r>
+          </a:p>
+          <a:p>
+            <a:r>
+              <a:rPr lang="en-US" dirty="0" smtClean="0"/>
+              <a:t>Few papers discuss closed-loop approaches </a:t>
+            </a:r>
+          </a:p>
+          <a:p>
+            <a:pPr lvl="1"/>
+            <a:r>
+              <a:rPr lang="en-US" dirty="0" smtClean="0"/>
+              <a:t>Those that do avoid the issue of control constraints and instead impose arbitrary limits on the feedback gains or exclude feedback gains </a:t>
+            </a:r>
+            <a:r>
+              <a:rPr lang="en-US" dirty="0" smtClean="0"/>
+              <a:t>from</a:t>
+            </a:r>
+          </a:p>
+          <a:p>
+            <a:pPr lvl="1"/>
+            <a:r>
+              <a:rPr lang="en-US" dirty="0" smtClean="0"/>
+              <a:t>Generally only demonstrate on 2d examples </a:t>
+            </a:r>
+            <a:endParaRPr lang="en-US" dirty="0" smtClean="0"/>
           </a:p>
         </p:txBody>
       </p:sp>
     </p:spTree>
     <p:extLst>
       <p:ext uri="{BB962C8B-B14F-4D97-AF65-F5344CB8AC3E}">
-        <p14:creationId xmlns:p14="http://schemas.microsoft.com/office/powerpoint/2010/main" val="3996060571"/>
+        <p14:creationId xmlns:p14="http://schemas.microsoft.com/office/powerpoint/2010/main" val="4273695452"/>
       </p:ext>
     </p:extLst>
   </p:cSld>

--- a/Documents/Qual Exam.pptx
+++ b/Documents/Qual Exam.pptx
@@ -5,38 +5,43 @@
     <p:sldMasterId id="2147483660" r:id="rId1"/>
   </p:sldMasterIdLst>
   <p:notesMasterIdLst>
-    <p:notesMasterId r:id="rId31"/>
+    <p:notesMasterId r:id="rId36"/>
   </p:notesMasterIdLst>
   <p:sldIdLst>
-    <p:sldId id="275" r:id="rId2"/>
-    <p:sldId id="283" r:id="rId3"/>
-    <p:sldId id="284" r:id="rId4"/>
-    <p:sldId id="280" r:id="rId5"/>
-    <p:sldId id="289" r:id="rId6"/>
-    <p:sldId id="287" r:id="rId7"/>
-    <p:sldId id="285" r:id="rId8"/>
-    <p:sldId id="288" r:id="rId9"/>
-    <p:sldId id="286" r:id="rId10"/>
-    <p:sldId id="281" r:id="rId11"/>
-    <p:sldId id="260" r:id="rId12"/>
-    <p:sldId id="263" r:id="rId13"/>
-    <p:sldId id="262" r:id="rId14"/>
-    <p:sldId id="279" r:id="rId15"/>
-    <p:sldId id="261" r:id="rId16"/>
-    <p:sldId id="282" r:id="rId17"/>
-    <p:sldId id="264" r:id="rId18"/>
-    <p:sldId id="265" r:id="rId19"/>
-    <p:sldId id="266" r:id="rId20"/>
-    <p:sldId id="267" r:id="rId21"/>
-    <p:sldId id="268" r:id="rId22"/>
-    <p:sldId id="269" r:id="rId23"/>
-    <p:sldId id="270" r:id="rId24"/>
-    <p:sldId id="271" r:id="rId25"/>
-    <p:sldId id="272" r:id="rId26"/>
-    <p:sldId id="273" r:id="rId27"/>
-    <p:sldId id="274" r:id="rId28"/>
-    <p:sldId id="277" r:id="rId29"/>
-    <p:sldId id="278" r:id="rId30"/>
+    <p:sldId id="291" r:id="rId2"/>
+    <p:sldId id="275" r:id="rId3"/>
+    <p:sldId id="283" r:id="rId4"/>
+    <p:sldId id="284" r:id="rId5"/>
+    <p:sldId id="287" r:id="rId6"/>
+    <p:sldId id="285" r:id="rId7"/>
+    <p:sldId id="288" r:id="rId8"/>
+    <p:sldId id="294" r:id="rId9"/>
+    <p:sldId id="297" r:id="rId10"/>
+    <p:sldId id="286" r:id="rId11"/>
+    <p:sldId id="280" r:id="rId12"/>
+    <p:sldId id="289" r:id="rId13"/>
+    <p:sldId id="281" r:id="rId14"/>
+    <p:sldId id="261" r:id="rId15"/>
+    <p:sldId id="293" r:id="rId16"/>
+    <p:sldId id="260" r:id="rId17"/>
+    <p:sldId id="262" r:id="rId18"/>
+    <p:sldId id="295" r:id="rId19"/>
+    <p:sldId id="279" r:id="rId20"/>
+    <p:sldId id="296" r:id="rId21"/>
+    <p:sldId id="264" r:id="rId22"/>
+    <p:sldId id="265" r:id="rId23"/>
+    <p:sldId id="266" r:id="rId24"/>
+    <p:sldId id="267" r:id="rId25"/>
+    <p:sldId id="268" r:id="rId26"/>
+    <p:sldId id="269" r:id="rId27"/>
+    <p:sldId id="270" r:id="rId28"/>
+    <p:sldId id="271" r:id="rId29"/>
+    <p:sldId id="272" r:id="rId30"/>
+    <p:sldId id="273" r:id="rId31"/>
+    <p:sldId id="274" r:id="rId32"/>
+    <p:sldId id="263" r:id="rId33"/>
+    <p:sldId id="277" r:id="rId34"/>
+    <p:sldId id="278" r:id="rId35"/>
   </p:sldIdLst>
   <p:sldSz cx="9144000" cy="6858000" type="screen4x3"/>
   <p:notesSz cx="6858000" cy="9144000"/>
@@ -138,24 +143,40 @@
   <p:extLst>
     <p:ext uri="{521415D9-36F7-43E2-AB2F-B90AF26B5E84}">
       <p14:sectionLst xmlns:p14="http://schemas.microsoft.com/office/powerpoint/2010/main">
-        <p14:section name="Default Section" id="{C65E65E8-8D10-45BF-9402-B68D0796393C}">
+        <p14:section name="EDL Background" id="{C65E65E8-8D10-45BF-9402-B68D0796393C}">
           <p14:sldIdLst>
+            <p14:sldId id="291"/>
             <p14:sldId id="275"/>
             <p14:sldId id="283"/>
             <p14:sldId id="284"/>
-            <p14:sldId id="280"/>
-            <p14:sldId id="289"/>
+          </p14:sldIdLst>
+        </p14:section>
+        <p14:section name="Literature Review" id="{81EFE7E6-E373-43A1-BF4F-5ECAEC3BCAB3}">
+          <p14:sldIdLst>
             <p14:sldId id="287"/>
             <p14:sldId id="285"/>
             <p14:sldId id="288"/>
+            <p14:sldId id="294"/>
+            <p14:sldId id="297"/>
             <p14:sldId id="286"/>
+          </p14:sldIdLst>
+        </p14:section>
+        <p14:section name="Entry Trajectory Design" id="{240A505C-ADCD-469E-9A98-A168ACAB57E7}">
+          <p14:sldIdLst>
+            <p14:sldId id="280"/>
+            <p14:sldId id="289"/>
+          </p14:sldIdLst>
+        </p14:section>
+        <p14:section name="CL Optimal Traj Design" id="{C9424A24-2285-4B8E-96C2-F05C14A5D7F7}">
+          <p14:sldIdLst>
             <p14:sldId id="281"/>
+            <p14:sldId id="261"/>
+            <p14:sldId id="293"/>
             <p14:sldId id="260"/>
-            <p14:sldId id="263"/>
             <p14:sldId id="262"/>
+            <p14:sldId id="295"/>
             <p14:sldId id="279"/>
-            <p14:sldId id="261"/>
-            <p14:sldId id="282"/>
+            <p14:sldId id="296"/>
           </p14:sldIdLst>
         </p14:section>
         <p14:section name="Convex Update" id="{84CEB627-9745-4B28-B0BB-7AB7D074EB20}">
@@ -175,6 +196,7 @@
         </p14:section>
         <p14:section name="Backup" id="{50A3E535-C32B-4C74-986A-6758D517A34D}">
           <p14:sldIdLst>
+            <p14:sldId id="263"/>
             <p14:sldId id="277"/>
             <p14:sldId id="278"/>
           </p14:sldIdLst>
@@ -270,7 +292,7 @@
           <a:p>
             <a:fld id="{AEBE7A69-640E-417A-A462-9E49D1368F72}" type="datetimeFigureOut">
               <a:rPr lang="en-US" smtClean="0"/>
-              <a:t>11/26/2018</a:t>
+              <a:t>11/29/2018</a:t>
             </a:fld>
             <a:endParaRPr lang="en-US"/>
           </a:p>
@@ -582,41 +604,7 @@
           <a:bodyPr/>
           <a:lstStyle/>
           <a:p>
-            <a:r>
-              <a:rPr lang="en-US" dirty="0" smtClean="0"/>
-              <a:t>The more states involved in the constraint, the more checks we have to perform. For a 1-D constraint, we only have to check a line’s worth of points. However, we don’t need to check constraints for every possible</a:t>
-            </a:r>
-            <a:r>
-              <a:rPr lang="en-US" baseline="0" dirty="0" smtClean="0"/>
-              <a:t> x and every possible y, we only need to check for points (</a:t>
-            </a:r>
-            <a:r>
-              <a:rPr lang="en-US" baseline="0" dirty="0" err="1" smtClean="0"/>
-              <a:t>x,y</a:t>
-            </a:r>
-            <a:r>
-              <a:rPr lang="en-US" baseline="0" dirty="0" smtClean="0"/>
-              <a:t>) that are in the reachable set. </a:t>
-            </a:r>
-          </a:p>
-          <a:p>
-            <a:endParaRPr lang="en-US" baseline="0" dirty="0" smtClean="0"/>
-          </a:p>
-          <a:p>
-            <a:r>
-              <a:rPr lang="en-US" baseline="0" dirty="0" smtClean="0"/>
-              <a:t>A little more work, and we can also simply check points that are extremal, but this requires determining which points are extremals.</a:t>
-            </a:r>
-          </a:p>
-          <a:p>
-            <a:endParaRPr lang="en-US" baseline="0" dirty="0" smtClean="0"/>
-          </a:p>
-          <a:p>
-            <a:r>
-              <a:rPr lang="en-US" baseline="0" dirty="0" smtClean="0"/>
-              <a:t>Many common approaches introduce conservatism, for example by using probabilistic inequalities based on moments (which are not tight in general). This approach has zero conservatism when F is invertible. If F is not, then some conservatism is introduced but likely still much smaller than </a:t>
-            </a:r>
-            <a:endParaRPr lang="en-US" dirty="0"/>
+            <a:endParaRPr lang="en-US"/>
           </a:p>
         </p:txBody>
       </p:sp>
@@ -635,9 +623,9 @@
           <a:bodyPr/>
           <a:lstStyle/>
           <a:p>
-            <a:fld id="{3F6F7F58-9784-4543-B74A-850450AD4D21}" type="slidenum">
+            <a:fld id="{97591DF4-FFBB-4E8C-8E87-255A2EADF72A}" type="slidenum">
               <a:rPr lang="en-US" smtClean="0"/>
-              <a:t>15</a:t>
+              <a:t>1</a:t>
             </a:fld>
             <a:endParaRPr lang="en-US"/>
           </a:p>
@@ -646,7 +634,113 @@
     </p:spTree>
     <p:extLst>
       <p:ext uri="{BB962C8B-B14F-4D97-AF65-F5344CB8AC3E}">
-        <p14:creationId xmlns:p14="http://schemas.microsoft.com/office/powerpoint/2010/main" val="3187440342"/>
+        <p14:creationId xmlns:p14="http://schemas.microsoft.com/office/powerpoint/2010/main" val="1363722892"/>
+      </p:ext>
+    </p:extLst>
+  </p:cSld>
+  <p:clrMapOvr>
+    <a:masterClrMapping/>
+  </p:clrMapOvr>
+</p:notes>
+</file>
+
+<file path=ppt/notesSlides/notesSlide10.xml><?xml version="1.0" encoding="utf-8"?>
+<p:notes xmlns:a="http://schemas.openxmlformats.org/drawingml/2006/main" xmlns:r="http://schemas.openxmlformats.org/officeDocument/2006/relationships" xmlns:p="http://schemas.openxmlformats.org/presentationml/2006/main">
+  <p:cSld>
+    <p:spTree>
+      <p:nvGrpSpPr>
+        <p:cNvPr id="1" name=""/>
+        <p:cNvGrpSpPr/>
+        <p:nvPr/>
+      </p:nvGrpSpPr>
+      <p:grpSpPr>
+        <a:xfrm>
+          <a:off x="0" y="0"/>
+          <a:ext cx="0" cy="0"/>
+          <a:chOff x="0" y="0"/>
+          <a:chExt cx="0" cy="0"/>
+        </a:xfrm>
+      </p:grpSpPr>
+      <p:sp>
+        <p:nvSpPr>
+          <p:cNvPr id="2" name="Slide Image Placeholder 1"/>
+          <p:cNvSpPr>
+            <a:spLocks noGrp="1" noRot="1" noChangeAspect="1"/>
+          </p:cNvSpPr>
+          <p:nvPr>
+            <p:ph type="sldImg"/>
+          </p:nvPr>
+        </p:nvSpPr>
+        <p:spPr/>
+      </p:sp>
+      <p:sp>
+        <p:nvSpPr>
+          <p:cNvPr id="3" name="Notes Placeholder 2"/>
+          <p:cNvSpPr>
+            <a:spLocks noGrp="1"/>
+          </p:cNvSpPr>
+          <p:nvPr>
+            <p:ph type="body" idx="1"/>
+          </p:nvPr>
+        </p:nvSpPr>
+        <p:spPr/>
+        <p:txBody>
+          <a:bodyPr/>
+          <a:lstStyle/>
+          <a:p>
+            <a:r>
+              <a:rPr lang="en-US" dirty="0" smtClean="0"/>
+              <a:t>The full state vector</a:t>
+            </a:r>
+            <a:r>
+              <a:rPr lang="en-US" baseline="0" dirty="0" smtClean="0"/>
+              <a:t> is propagated </a:t>
+            </a:r>
+            <a:r>
+              <a:rPr lang="en-US" baseline="0" dirty="0" err="1" smtClean="0"/>
+              <a:t>inertially</a:t>
+            </a:r>
+            <a:r>
+              <a:rPr lang="en-US" baseline="0" dirty="0" smtClean="0"/>
+              <a:t> using IMU data</a:t>
+            </a:r>
+          </a:p>
+          <a:p>
+            <a:r>
+              <a:rPr lang="en-US" baseline="0" dirty="0" smtClean="0"/>
+              <a:t>Accelerations are measured (with measurement errors) in body axes then converted (with orientation errors) into wind axes as lift and drag</a:t>
+            </a:r>
+            <a:endParaRPr lang="en-US" dirty="0"/>
+          </a:p>
+        </p:txBody>
+      </p:sp>
+      <p:sp>
+        <p:nvSpPr>
+          <p:cNvPr id="4" name="Slide Number Placeholder 3"/>
+          <p:cNvSpPr>
+            <a:spLocks noGrp="1"/>
+          </p:cNvSpPr>
+          <p:nvPr>
+            <p:ph type="sldNum" sz="quarter" idx="10"/>
+          </p:nvPr>
+        </p:nvSpPr>
+        <p:spPr/>
+        <p:txBody>
+          <a:bodyPr/>
+          <a:lstStyle/>
+          <a:p>
+            <a:fld id="{97591DF4-FFBB-4E8C-8E87-255A2EADF72A}" type="slidenum">
+              <a:rPr lang="en-US" smtClean="0"/>
+              <a:t>34</a:t>
+            </a:fld>
+            <a:endParaRPr lang="en-US"/>
+          </a:p>
+        </p:txBody>
+      </p:sp>
+    </p:spTree>
+    <p:extLst>
+      <p:ext uri="{BB962C8B-B14F-4D97-AF65-F5344CB8AC3E}">
+        <p14:creationId xmlns:p14="http://schemas.microsoft.com/office/powerpoint/2010/main" val="1212559077"/>
       </p:ext>
     </p:extLst>
   </p:cSld>
@@ -702,20 +796,38 @@
           <a:p>
             <a:r>
               <a:rPr lang="en-US" dirty="0" smtClean="0"/>
-              <a:t>Can either augment an existing approach, or form the basis for a</a:t>
+              <a:t>The more states involved in the constraint, the more checks we have to perform. For a 1-D constraint, we only have to check a line’s worth of points. However, we don’t need to check constraints for every possible</a:t>
             </a:r>
             <a:r>
               <a:rPr lang="en-US" baseline="0" dirty="0" smtClean="0"/>
-              <a:t> new one </a:t>
-            </a:r>
-          </a:p>
-          <a:p>
+              <a:t> x and every possible y, we only need to check for points (</a:t>
+            </a:r>
+            <a:r>
+              <a:rPr lang="en-US" baseline="0" dirty="0" err="1" smtClean="0"/>
+              <a:t>x,y</a:t>
+            </a:r>
             <a:r>
               <a:rPr lang="en-US" baseline="0" dirty="0" smtClean="0"/>
-              <a:t>Need to balance computation requirements</a:t>
-            </a:r>
-          </a:p>
-          <a:p>
+              <a:t>) that are in the reachable set. </a:t>
+            </a:r>
+          </a:p>
+          <a:p>
+            <a:endParaRPr lang="en-US" baseline="0" dirty="0" smtClean="0"/>
+          </a:p>
+          <a:p>
+            <a:r>
+              <a:rPr lang="en-US" baseline="0" dirty="0" smtClean="0"/>
+              <a:t>A little more work, and we can also simply check points that are extremal, but this requires determining which points are extremals.</a:t>
+            </a:r>
+          </a:p>
+          <a:p>
+            <a:endParaRPr lang="en-US" baseline="0" dirty="0" smtClean="0"/>
+          </a:p>
+          <a:p>
+            <a:r>
+              <a:rPr lang="en-US" baseline="0" dirty="0" smtClean="0"/>
+              <a:t>Many common approaches introduce conservatism, for example by using probabilistic inequalities based on moments (which are not tight in general). This approach has zero conservatism when F is invertible. If F is not, then some conservatism is introduced but likely still much smaller than </a:t>
+            </a:r>
             <a:endParaRPr lang="en-US" dirty="0"/>
           </a:p>
         </p:txBody>
@@ -735,9 +847,9 @@
           <a:bodyPr/>
           <a:lstStyle/>
           <a:p>
-            <a:fld id="{4BAF2748-3477-4185-BA7E-C3C95536F5B5}" type="slidenum">
+            <a:fld id="{3F6F7F58-9784-4543-B74A-850450AD4D21}" type="slidenum">
               <a:rPr lang="en-US" smtClean="0"/>
-              <a:t>17</a:t>
+              <a:t>14</a:t>
             </a:fld>
             <a:endParaRPr lang="en-US"/>
           </a:p>
@@ -746,7 +858,7 @@
     </p:spTree>
     <p:extLst>
       <p:ext uri="{BB962C8B-B14F-4D97-AF65-F5344CB8AC3E}">
-        <p14:creationId xmlns:p14="http://schemas.microsoft.com/office/powerpoint/2010/main" val="3169339874"/>
+        <p14:creationId xmlns:p14="http://schemas.microsoft.com/office/powerpoint/2010/main" val="3187440342"/>
       </p:ext>
     </p:extLst>
   </p:cSld>
@@ -802,40 +914,18 @@
           <a:p>
             <a:r>
               <a:rPr lang="en-US" dirty="0" smtClean="0"/>
-              <a:t>Entry vehicle flies with an angle of attack to generate lift</a:t>
-            </a:r>
-          </a:p>
-          <a:p>
-            <a:r>
-              <a:rPr lang="en-US" dirty="0" smtClean="0"/>
-              <a:t>Vehicle is steered toward the target via rotation of the vehicle about the velocity vector to orient the lift vector </a:t>
-            </a:r>
-          </a:p>
-          <a:p>
-            <a:pPr marL="0" marR="0" indent="0" algn="l" defTabSz="914400" rtl="0" eaLnBrk="1" fontAlgn="auto" latinLnBrk="0" hangingPunct="1">
-              <a:lnSpc>
-                <a:spcPct val="100000"/>
-              </a:lnSpc>
-              <a:spcBef>
-                <a:spcPts val="0"/>
-              </a:spcBef>
-              <a:spcAft>
-                <a:spcPts val="0"/>
-              </a:spcAft>
-              <a:buClrTx/>
-              <a:buSzTx/>
-              <a:buFontTx/>
-              <a:buNone/>
-              <a:tabLst/>
-              <a:defRPr/>
-            </a:pPr>
-            <a:r>
-              <a:rPr lang="en-US" dirty="0" smtClean="0"/>
-              <a:t>Many potential applications, including updates to a reference trajectory in a tracking approach, and predictor-corrector-like method based on regular repeated updates </a:t>
-            </a:r>
-          </a:p>
-          <a:p>
-            <a:endParaRPr lang="en-US" dirty="0" smtClean="0"/>
+              <a:t>Can either augment an existing approach, or form the basis for a</a:t>
+            </a:r>
+            <a:r>
+              <a:rPr lang="en-US" baseline="0" dirty="0" smtClean="0"/>
+              <a:t> new one </a:t>
+            </a:r>
+          </a:p>
+          <a:p>
+            <a:r>
+              <a:rPr lang="en-US" baseline="0" dirty="0" smtClean="0"/>
+              <a:t>Need to balance computation requirements</a:t>
+            </a:r>
           </a:p>
           <a:p>
             <a:endParaRPr lang="en-US" dirty="0"/>
@@ -859,7 +949,7 @@
           <a:p>
             <a:fld id="{4BAF2748-3477-4185-BA7E-C3C95536F5B5}" type="slidenum">
               <a:rPr lang="en-US" smtClean="0"/>
-              <a:t>18</a:t>
+              <a:t>21</a:t>
             </a:fld>
             <a:endParaRPr lang="en-US"/>
           </a:p>
@@ -868,7 +958,7 @@
     </p:spTree>
     <p:extLst>
       <p:ext uri="{BB962C8B-B14F-4D97-AF65-F5344CB8AC3E}">
-        <p14:creationId xmlns:p14="http://schemas.microsoft.com/office/powerpoint/2010/main" val="2590776145"/>
+        <p14:creationId xmlns:p14="http://schemas.microsoft.com/office/powerpoint/2010/main" val="3169339874"/>
       </p:ext>
     </p:extLst>
   </p:cSld>
@@ -924,35 +1014,42 @@
           <a:p>
             <a:r>
               <a:rPr lang="en-US" dirty="0" smtClean="0"/>
-              <a:t>Minimizing distance to original trajectory keeps</a:t>
-            </a:r>
-            <a:r>
-              <a:rPr lang="en-US" baseline="0" dirty="0" smtClean="0"/>
-              <a:t> the linearization as accurate as possible </a:t>
-            </a:r>
+              <a:t>Entry vehicle flies with an angle of attack to generate lift</a:t>
+            </a:r>
+          </a:p>
+          <a:p>
+            <a:r>
+              <a:rPr lang="en-US" dirty="0" smtClean="0"/>
+              <a:t>Vehicle is steered toward the target via rotation of the vehicle about the velocity vector to orient the lift vector </a:t>
+            </a:r>
+          </a:p>
+          <a:p>
+            <a:pPr marL="0" marR="0" indent="0" algn="l" defTabSz="914400" rtl="0" eaLnBrk="1" fontAlgn="auto" latinLnBrk="0" hangingPunct="1">
+              <a:lnSpc>
+                <a:spcPct val="100000"/>
+              </a:lnSpc>
+              <a:spcBef>
+                <a:spcPts val="0"/>
+              </a:spcBef>
+              <a:spcAft>
+                <a:spcPts val="0"/>
+              </a:spcAft>
+              <a:buClrTx/>
+              <a:buSzTx/>
+              <a:buFontTx/>
+              <a:buNone/>
+              <a:tabLst/>
+              <a:defRPr/>
+            </a:pPr>
+            <a:r>
+              <a:rPr lang="en-US" dirty="0" smtClean="0"/>
+              <a:t>Many potential applications, including updates to a reference trajectory in a tracking approach, and predictor-corrector-like method based on regular repeated updates </a:t>
+            </a:r>
+          </a:p>
+          <a:p>
             <a:endParaRPr lang="en-US" dirty="0" smtClean="0"/>
           </a:p>
           <a:p>
-            <a:r>
-              <a:rPr lang="en-US" dirty="0" smtClean="0"/>
-              <a:t>Treating the bank rate</a:t>
-            </a:r>
-            <a:r>
-              <a:rPr lang="en-US" baseline="0" dirty="0" smtClean="0"/>
-              <a:t> as control allows us to limit it, as an added benefit </a:t>
-            </a:r>
-          </a:p>
-          <a:p>
-            <a:r>
-              <a:rPr lang="en-US" baseline="0" dirty="0" smtClean="0"/>
-              <a:t>Normal approaches are iterative, ours solves only a single problem </a:t>
-            </a:r>
-          </a:p>
-          <a:p>
-            <a:r>
-              <a:rPr lang="en-US" baseline="0" dirty="0" smtClean="0"/>
-              <a:t>Bank limit becomes a path constraint, rather than control constraint </a:t>
-            </a:r>
             <a:endParaRPr lang="en-US" dirty="0"/>
           </a:p>
         </p:txBody>
@@ -974,7 +1071,7 @@
           <a:p>
             <a:fld id="{4BAF2748-3477-4185-BA7E-C3C95536F5B5}" type="slidenum">
               <a:rPr lang="en-US" smtClean="0"/>
-              <a:t>19</a:t>
+              <a:t>22</a:t>
             </a:fld>
             <a:endParaRPr lang="en-US"/>
           </a:p>
@@ -983,7 +1080,7 @@
     </p:spTree>
     <p:extLst>
       <p:ext uri="{BB962C8B-B14F-4D97-AF65-F5344CB8AC3E}">
-        <p14:creationId xmlns:p14="http://schemas.microsoft.com/office/powerpoint/2010/main" val="1127205344"/>
+        <p14:creationId xmlns:p14="http://schemas.microsoft.com/office/powerpoint/2010/main" val="2590776145"/>
       </p:ext>
     </p:extLst>
   </p:cSld>
@@ -1039,11 +1136,34 @@
           <a:p>
             <a:r>
               <a:rPr lang="en-US" dirty="0" smtClean="0"/>
-              <a:t>Corrections</a:t>
+              <a:t>Minimizing distance to original trajectory keeps</a:t>
             </a:r>
             <a:r>
               <a:rPr lang="en-US" baseline="0" dirty="0" smtClean="0"/>
-              <a:t> are fairly substantial even for relatively small perturbations </a:t>
+              <a:t> the linearization as accurate as possible </a:t>
+            </a:r>
+            <a:endParaRPr lang="en-US" dirty="0" smtClean="0"/>
+          </a:p>
+          <a:p>
+            <a:r>
+              <a:rPr lang="en-US" dirty="0" smtClean="0"/>
+              <a:t>Treating the bank rate</a:t>
+            </a:r>
+            <a:r>
+              <a:rPr lang="en-US" baseline="0" dirty="0" smtClean="0"/>
+              <a:t> as control allows us to limit it, as an added benefit </a:t>
+            </a:r>
+          </a:p>
+          <a:p>
+            <a:r>
+              <a:rPr lang="en-US" baseline="0" dirty="0" smtClean="0"/>
+              <a:t>Normal approaches are iterative, ours solves only a single problem </a:t>
+            </a:r>
+          </a:p>
+          <a:p>
+            <a:r>
+              <a:rPr lang="en-US" baseline="0" dirty="0" smtClean="0"/>
+              <a:t>Bank limit becomes a path constraint, rather than control constraint </a:t>
             </a:r>
             <a:endParaRPr lang="en-US" dirty="0"/>
           </a:p>
@@ -1066,7 +1186,7 @@
           <a:p>
             <a:fld id="{4BAF2748-3477-4185-BA7E-C3C95536F5B5}" type="slidenum">
               <a:rPr lang="en-US" smtClean="0"/>
-              <a:t>21</a:t>
+              <a:t>23</a:t>
             </a:fld>
             <a:endParaRPr lang="en-US"/>
           </a:p>
@@ -1075,7 +1195,7 @@
     </p:spTree>
     <p:extLst>
       <p:ext uri="{BB962C8B-B14F-4D97-AF65-F5344CB8AC3E}">
-        <p14:creationId xmlns:p14="http://schemas.microsoft.com/office/powerpoint/2010/main" val="80136126"/>
+        <p14:creationId xmlns:p14="http://schemas.microsoft.com/office/powerpoint/2010/main" val="1127205344"/>
       </p:ext>
     </p:extLst>
   </p:cSld>
@@ -1129,6 +1249,14 @@
           <a:bodyPr/>
           <a:lstStyle/>
           <a:p>
+            <a:r>
+              <a:rPr lang="en-US" dirty="0" smtClean="0"/>
+              <a:t>Corrections</a:t>
+            </a:r>
+            <a:r>
+              <a:rPr lang="en-US" baseline="0" dirty="0" smtClean="0"/>
+              <a:t> are fairly substantial even for relatively small perturbations </a:t>
+            </a:r>
             <a:endParaRPr lang="en-US" dirty="0"/>
           </a:p>
         </p:txBody>
@@ -1150,7 +1278,7 @@
           <a:p>
             <a:fld id="{4BAF2748-3477-4185-BA7E-C3C95536F5B5}" type="slidenum">
               <a:rPr lang="en-US" smtClean="0"/>
-              <a:t>22</a:t>
+              <a:t>25</a:t>
             </a:fld>
             <a:endParaRPr lang="en-US"/>
           </a:p>
@@ -1159,7 +1287,7 @@
     </p:spTree>
     <p:extLst>
       <p:ext uri="{BB962C8B-B14F-4D97-AF65-F5344CB8AC3E}">
-        <p14:creationId xmlns:p14="http://schemas.microsoft.com/office/powerpoint/2010/main" val="2057775336"/>
+        <p14:creationId xmlns:p14="http://schemas.microsoft.com/office/powerpoint/2010/main" val="80136126"/>
       </p:ext>
     </p:extLst>
   </p:cSld>
@@ -1213,20 +1341,6 @@
           <a:bodyPr/>
           <a:lstStyle/>
           <a:p>
-            <a:r>
-              <a:rPr lang="en-US" dirty="0" smtClean="0"/>
-              <a:t>No tracking, flown open-loop</a:t>
-            </a:r>
-            <a:r>
-              <a:rPr lang="en-US" baseline="0" dirty="0" smtClean="0"/>
-              <a:t> between plans, NO ADD’L LATERAL CONTROL</a:t>
-            </a:r>
-          </a:p>
-          <a:p>
-            <a:r>
-              <a:rPr lang="en-US" baseline="0" dirty="0" smtClean="0"/>
-              <a:t>Low discrepancy sampling</a:t>
-            </a:r>
             <a:endParaRPr lang="en-US" dirty="0"/>
           </a:p>
         </p:txBody>
@@ -1248,7 +1362,7 @@
           <a:p>
             <a:fld id="{4BAF2748-3477-4185-BA7E-C3C95536F5B5}" type="slidenum">
               <a:rPr lang="en-US" smtClean="0"/>
-              <a:t>23</a:t>
+              <a:t>26</a:t>
             </a:fld>
             <a:endParaRPr lang="en-US"/>
           </a:p>
@@ -1257,7 +1371,7 @@
     </p:spTree>
     <p:extLst>
       <p:ext uri="{BB962C8B-B14F-4D97-AF65-F5344CB8AC3E}">
-        <p14:creationId xmlns:p14="http://schemas.microsoft.com/office/powerpoint/2010/main" val="456280378"/>
+        <p14:creationId xmlns:p14="http://schemas.microsoft.com/office/powerpoint/2010/main" val="2057775336"/>
       </p:ext>
     </p:extLst>
   </p:cSld>
@@ -1313,25 +1427,17 @@
           <a:p>
             <a:r>
               <a:rPr lang="en-US" dirty="0" smtClean="0"/>
-              <a:t>Note the difference</a:t>
+              <a:t>No tracking, flown open-loop</a:t>
             </a:r>
             <a:r>
               <a:rPr lang="en-US" baseline="0" dirty="0" smtClean="0"/>
-              <a:t> in scale between the axes </a:t>
+              <a:t> between plans, NO ADD’L LATERAL CONTROL</a:t>
             </a:r>
           </a:p>
           <a:p>
             <a:r>
               <a:rPr lang="en-US" baseline="0" dirty="0" smtClean="0"/>
-              <a:t>Also, not all trajectories are plotted, too unclear otherwise (that’s why there are samples at +- 1km </a:t>
-            </a:r>
-            <a:r>
-              <a:rPr lang="en-US" baseline="0" dirty="0" err="1" smtClean="0"/>
-              <a:t>crossrange</a:t>
-            </a:r>
-            <a:r>
-              <a:rPr lang="en-US" baseline="0" dirty="0" smtClean="0"/>
-              <a:t> not seen in the plots </a:t>
+              <a:t>Low discrepancy sampling</a:t>
             </a:r>
             <a:endParaRPr lang="en-US" dirty="0"/>
           </a:p>
@@ -1354,7 +1460,7 @@
           <a:p>
             <a:fld id="{4BAF2748-3477-4185-BA7E-C3C95536F5B5}" type="slidenum">
               <a:rPr lang="en-US" smtClean="0"/>
-              <a:t>24</a:t>
+              <a:t>27</a:t>
             </a:fld>
             <a:endParaRPr lang="en-US"/>
           </a:p>
@@ -1363,7 +1469,7 @@
     </p:spTree>
     <p:extLst>
       <p:ext uri="{BB962C8B-B14F-4D97-AF65-F5344CB8AC3E}">
-        <p14:creationId xmlns:p14="http://schemas.microsoft.com/office/powerpoint/2010/main" val="2708615837"/>
+        <p14:creationId xmlns:p14="http://schemas.microsoft.com/office/powerpoint/2010/main" val="456280378"/>
       </p:ext>
     </p:extLst>
   </p:cSld>
@@ -1419,25 +1525,25 @@
           <a:p>
             <a:r>
               <a:rPr lang="en-US" dirty="0" smtClean="0"/>
-              <a:t>The full state vector</a:t>
+              <a:t>Note the difference</a:t>
             </a:r>
             <a:r>
               <a:rPr lang="en-US" baseline="0" dirty="0" smtClean="0"/>
-              <a:t> is propagated </a:t>
+              <a:t> in scale between the axes </a:t>
+            </a:r>
+          </a:p>
+          <a:p>
+            <a:r>
+              <a:rPr lang="en-US" baseline="0" dirty="0" smtClean="0"/>
+              <a:t>Also, not all trajectories are plotted, too unclear otherwise (that’s why there are samples at +- 1km </a:t>
             </a:r>
             <a:r>
               <a:rPr lang="en-US" baseline="0" dirty="0" err="1" smtClean="0"/>
-              <a:t>inertially</a:t>
+              <a:t>crossrange</a:t>
             </a:r>
             <a:r>
               <a:rPr lang="en-US" baseline="0" dirty="0" smtClean="0"/>
-              <a:t> using IMU data</a:t>
-            </a:r>
-          </a:p>
-          <a:p>
-            <a:r>
-              <a:rPr lang="en-US" baseline="0" dirty="0" smtClean="0"/>
-              <a:t>Accelerations are measured (with measurement errors) in body axes then converted (with orientation errors) into wind axes as lift and drag</a:t>
+              <a:t> not seen in the plots </a:t>
             </a:r>
             <a:endParaRPr lang="en-US" dirty="0"/>
           </a:p>
@@ -1458,9 +1564,9 @@
           <a:bodyPr/>
           <a:lstStyle/>
           <a:p>
-            <a:fld id="{97591DF4-FFBB-4E8C-8E87-255A2EADF72A}" type="slidenum">
+            <a:fld id="{4BAF2748-3477-4185-BA7E-C3C95536F5B5}" type="slidenum">
               <a:rPr lang="en-US" smtClean="0"/>
-              <a:t>29</a:t>
+              <a:t>28</a:t>
             </a:fld>
             <a:endParaRPr lang="en-US"/>
           </a:p>
@@ -1469,7 +1575,7 @@
     </p:spTree>
     <p:extLst>
       <p:ext uri="{BB962C8B-B14F-4D97-AF65-F5344CB8AC3E}">
-        <p14:creationId xmlns:p14="http://schemas.microsoft.com/office/powerpoint/2010/main" val="1212559077"/>
+        <p14:creationId xmlns:p14="http://schemas.microsoft.com/office/powerpoint/2010/main" val="2708615837"/>
       </p:ext>
     </p:extLst>
   </p:cSld>
@@ -1730,9 +1836,9 @@
           <a:bodyPr/>
           <a:lstStyle/>
           <a:p>
-            <a:fld id="{26DDC68E-15D0-3D4A-B51F-159227E9B510}" type="datetimeFigureOut">
+            <a:fld id="{D7E3E3E1-DA1C-4C78-804D-A460EDC7CDF7}" type="datetime1">
               <a:rPr lang="en-US" smtClean="0"/>
-              <a:t>11/26/2018</a:t>
+              <a:t>11/30/2018</a:t>
             </a:fld>
             <a:endParaRPr lang="en-US"/>
           </a:p>
@@ -1940,9 +2046,9 @@
           <a:bodyPr/>
           <a:lstStyle/>
           <a:p>
-            <a:fld id="{26DDC68E-15D0-3D4A-B51F-159227E9B510}" type="datetimeFigureOut">
+            <a:fld id="{4C2A3942-AC9F-4900-AF3E-729F0CBF5F5D}" type="datetime1">
               <a:rPr lang="en-US" smtClean="0"/>
-              <a:t>11/26/2018</a:t>
+              <a:t>11/30/2018</a:t>
             </a:fld>
             <a:endParaRPr lang="en-US"/>
           </a:p>
@@ -2150,9 +2256,9 @@
           <a:bodyPr/>
           <a:lstStyle/>
           <a:p>
-            <a:fld id="{26DDC68E-15D0-3D4A-B51F-159227E9B510}" type="datetimeFigureOut">
+            <a:fld id="{DACEE8DD-B545-4020-BC5A-D34F01A5A26F}" type="datetime1">
               <a:rPr lang="en-US" smtClean="0"/>
-              <a:t>11/26/2018</a:t>
+              <a:t>11/30/2018</a:t>
             </a:fld>
             <a:endParaRPr lang="en-US"/>
           </a:p>
@@ -2424,9 +2530,9 @@
           <a:bodyPr/>
           <a:lstStyle/>
           <a:p>
-            <a:fld id="{26DDC68E-15D0-3D4A-B51F-159227E9B510}" type="datetimeFigureOut">
+            <a:fld id="{EBF51373-0B92-4095-A9F0-284D7FA8B7E7}" type="datetime1">
               <a:rPr lang="en-US" smtClean="0"/>
-              <a:t>11/26/2018</a:t>
+              <a:t>11/30/2018</a:t>
             </a:fld>
             <a:endParaRPr lang="en-US"/>
           </a:p>
@@ -2694,9 +2800,9 @@
           <a:bodyPr/>
           <a:lstStyle/>
           <a:p>
-            <a:fld id="{26DDC68E-15D0-3D4A-B51F-159227E9B510}" type="datetimeFigureOut">
+            <a:fld id="{C305B270-32AD-407D-ACAC-1BAAEC86FBA1}" type="datetime1">
               <a:rPr lang="en-US" smtClean="0"/>
-              <a:t>11/26/2018</a:t>
+              <a:t>11/30/2018</a:t>
             </a:fld>
             <a:endParaRPr lang="en-US"/>
           </a:p>
@@ -3100,9 +3206,9 @@
           <a:bodyPr/>
           <a:lstStyle/>
           <a:p>
-            <a:fld id="{26DDC68E-15D0-3D4A-B51F-159227E9B510}" type="datetimeFigureOut">
+            <a:fld id="{0CF93851-941C-4C07-9120-0ED7F14644ED}" type="datetime1">
               <a:rPr lang="en-US" smtClean="0"/>
-              <a:t>11/26/2018</a:t>
+              <a:t>11/30/2018</a:t>
             </a:fld>
             <a:endParaRPr lang="en-US"/>
           </a:p>
@@ -3250,9 +3356,9 @@
           <a:bodyPr/>
           <a:lstStyle/>
           <a:p>
-            <a:fld id="{26DDC68E-15D0-3D4A-B51F-159227E9B510}" type="datetimeFigureOut">
+            <a:fld id="{1FB6BAEA-AA53-4BB6-9F04-4C9702B1758A}" type="datetime1">
               <a:rPr lang="en-US" smtClean="0"/>
-              <a:t>11/26/2018</a:t>
+              <a:t>11/30/2018</a:t>
             </a:fld>
             <a:endParaRPr lang="en-US"/>
           </a:p>
@@ -3369,9 +3475,9 @@
           <a:bodyPr/>
           <a:lstStyle/>
           <a:p>
-            <a:fld id="{26DDC68E-15D0-3D4A-B51F-159227E9B510}" type="datetimeFigureOut">
+            <a:fld id="{09592BD6-EE29-41DA-BA01-5F7FA8E99330}" type="datetime1">
               <a:rPr lang="en-US" smtClean="0"/>
-              <a:t>11/26/2018</a:t>
+              <a:t>11/30/2018</a:t>
             </a:fld>
             <a:endParaRPr lang="en-US"/>
           </a:p>
@@ -3679,9 +3785,9 @@
           <a:bodyPr/>
           <a:lstStyle/>
           <a:p>
-            <a:fld id="{26DDC68E-15D0-3D4A-B51F-159227E9B510}" type="datetimeFigureOut">
+            <a:fld id="{6D95DC4E-C18F-4F5B-9620-0E1784FD1310}" type="datetime1">
               <a:rPr lang="en-US" smtClean="0"/>
-              <a:t>11/26/2018</a:t>
+              <a:t>11/30/2018</a:t>
             </a:fld>
             <a:endParaRPr lang="en-US"/>
           </a:p>
@@ -3969,9 +4075,9 @@
           <a:bodyPr/>
           <a:lstStyle/>
           <a:p>
-            <a:fld id="{26DDC68E-15D0-3D4A-B51F-159227E9B510}" type="datetimeFigureOut">
+            <a:fld id="{EEAFA30E-B105-4824-A3D3-A5B7E7C3137B}" type="datetime1">
               <a:rPr lang="en-US" smtClean="0"/>
-              <a:t>11/26/2018</a:t>
+              <a:t>11/30/2018</a:t>
             </a:fld>
             <a:endParaRPr lang="en-US"/>
           </a:p>
@@ -4188,6 +4294,7 @@
       </p:par>
     </p:tnLst>
   </p:timing>
+  <p:hf sldNum="0" hdr="0" ftr="0"/>
   <p:txStyles>
     <p:titleStyle>
       <a:lvl1pPr algn="l" defTabSz="914400" rtl="0" eaLnBrk="1" latinLnBrk="0" hangingPunct="1">
@@ -4490,7 +4597,7 @@
       </p:grpSpPr>
       <p:sp>
         <p:nvSpPr>
-          <p:cNvPr id="2" name="Title 1"/>
+          <p:cNvPr id="4" name="Title 3"/>
           <p:cNvSpPr>
             <a:spLocks noGrp="1"/>
           </p:cNvSpPr>
@@ -4504,8 +4611,12 @@
           <a:lstStyle/>
           <a:p>
             <a:r>
-              <a:rPr lang="en-US" dirty="0" smtClean="0"/>
-              <a:t>Outline</a:t>
+              <a:rPr lang="en-US" dirty="0"/>
+              <a:t>A Stochastic Optimal Control </a:t>
+            </a:r>
+            <a:r>
+              <a:rPr lang="en-US" dirty="0" smtClean="0"/>
+              <a:t>Approach to Mars EDL</a:t>
             </a:r>
             <a:endParaRPr lang="en-US" dirty="0"/>
           </a:p>
@@ -4513,7 +4624,7 @@
       </p:sp>
       <p:sp>
         <p:nvSpPr>
-          <p:cNvPr id="3" name="Content Placeholder 2"/>
+          <p:cNvPr id="5" name="Content Placeholder 4"/>
           <p:cNvSpPr>
             <a:spLocks noGrp="1"/>
           </p:cNvSpPr>
@@ -4523,64 +4634,69 @@
         </p:nvSpPr>
         <p:spPr>
           <a:xfrm>
-            <a:off x="628650" y="1825624"/>
-            <a:ext cx="7886700" cy="4678269"/>
-          </a:xfrm>
-        </p:spPr>
-        <p:txBody>
-          <a:bodyPr/>
-          <a:lstStyle/>
-          <a:p>
-            <a:r>
-              <a:rPr lang="en-US" dirty="0" smtClean="0"/>
-              <a:t>Entry phase </a:t>
-            </a:r>
-            <a:r>
-              <a:rPr lang="en-US" dirty="0" smtClean="0"/>
-              <a:t>(hybrid opt, convex </a:t>
-            </a:r>
-            <a:r>
-              <a:rPr lang="en-US" dirty="0" smtClean="0"/>
-              <a:t>updating)</a:t>
-            </a:r>
-          </a:p>
-          <a:p>
-            <a:r>
-              <a:rPr lang="en-US" dirty="0" smtClean="0"/>
-              <a:t>SRP phase (nonlinear feedback control)</a:t>
-            </a:r>
-          </a:p>
-          <a:p>
-            <a:r>
-              <a:rPr lang="en-US" dirty="0" smtClean="0"/>
-              <a:t>Multi-phase optimal control (create reference for initialization entry, and to track in SRP phase potentially)</a:t>
-            </a:r>
-          </a:p>
-          <a:p>
-            <a:r>
-              <a:rPr lang="en-US" dirty="0" smtClean="0"/>
-              <a:t>Adaptive SRP initiation via free initial condition OCP?</a:t>
-            </a:r>
-          </a:p>
-          <a:p>
-            <a:r>
-              <a:rPr lang="en-US" dirty="0" smtClean="0"/>
-              <a:t>Free final time via free initial condition?</a:t>
-            </a:r>
-          </a:p>
-          <a:p>
-            <a:r>
-              <a:rPr lang="en-US" dirty="0" smtClean="0"/>
-              <a:t>Non-standard control objectives: risk sensitive, minimally covariant trajectories </a:t>
+            <a:off x="628650" y="2493033"/>
+            <a:ext cx="7886700" cy="3683929"/>
+          </a:xfrm>
+        </p:spPr>
+        <p:txBody>
+          <a:bodyPr/>
+          <a:lstStyle/>
+          <a:p>
+            <a:pPr marL="0" indent="0">
+              <a:buNone/>
+            </a:pPr>
+            <a:r>
+              <a:rPr lang="en-US" dirty="0" smtClean="0"/>
+              <a:t>Connor Noyes</a:t>
+            </a:r>
+          </a:p>
+          <a:p>
+            <a:pPr marL="0" indent="0">
+              <a:buNone/>
+            </a:pPr>
+            <a:r>
+              <a:rPr lang="en-US" dirty="0" smtClean="0"/>
+              <a:t>December 5</a:t>
+            </a:r>
+            <a:r>
+              <a:rPr lang="en-US" baseline="30000" dirty="0" smtClean="0"/>
+              <a:t>th</a:t>
+            </a:r>
+            <a:r>
+              <a:rPr lang="en-US" dirty="0" smtClean="0"/>
+              <a:t>, 2018</a:t>
             </a:r>
             <a:endParaRPr lang="en-US" dirty="0"/>
+          </a:p>
+        </p:txBody>
+      </p:sp>
+      <p:sp>
+        <p:nvSpPr>
+          <p:cNvPr id="6" name="Date Placeholder 5"/>
+          <p:cNvSpPr>
+            <a:spLocks noGrp="1"/>
+          </p:cNvSpPr>
+          <p:nvPr>
+            <p:ph type="dt" sz="half" idx="10"/>
+          </p:nvPr>
+        </p:nvSpPr>
+        <p:spPr/>
+        <p:txBody>
+          <a:bodyPr/>
+          <a:lstStyle/>
+          <a:p>
+            <a:fld id="{D65BF523-FE77-4845-B5F2-255A016D8311}" type="datetime1">
+              <a:rPr lang="en-US" smtClean="0"/>
+              <a:t>11/30/2018</a:t>
+            </a:fld>
+            <a:endParaRPr lang="en-US"/>
           </a:p>
         </p:txBody>
       </p:sp>
     </p:spTree>
     <p:extLst>
       <p:ext uri="{BB962C8B-B14F-4D97-AF65-F5344CB8AC3E}">
-        <p14:creationId xmlns:p14="http://schemas.microsoft.com/office/powerpoint/2010/main" val="1132782950"/>
+        <p14:creationId xmlns:p14="http://schemas.microsoft.com/office/powerpoint/2010/main" val="1898850686"/>
       </p:ext>
     </p:extLst>
   </p:cSld>
@@ -4620,18 +4736,18 @@
         <p:spPr>
           <a:xfrm>
             <a:off x="628650" y="1079156"/>
-            <a:ext cx="7886700" cy="1231781"/>
-          </a:xfrm>
-        </p:spPr>
-        <p:txBody>
-          <a:bodyPr/>
-          <a:lstStyle/>
-          <a:p>
-            <a:r>
-              <a:rPr lang="en-US" dirty="0" smtClean="0"/>
-              <a:t>Chance Constrained Nonlinear Optimal Control</a:t>
-            </a:r>
-            <a:endParaRPr lang="en-US" dirty="0"/>
+            <a:ext cx="7886700" cy="1051569"/>
+          </a:xfrm>
+        </p:spPr>
+        <p:txBody>
+          <a:bodyPr/>
+          <a:lstStyle/>
+          <a:p>
+            <a:r>
+              <a:rPr lang="en-US" sz="3600" dirty="0" smtClean="0"/>
+              <a:t>Drawbacks/Limitations of Existing Approaches</a:t>
+            </a:r>
+            <a:endParaRPr lang="en-US" sz="3600" dirty="0"/>
           </a:p>
         </p:txBody>
       </p:sp>
@@ -4647,22 +4763,113 @@
         </p:nvSpPr>
         <p:spPr>
           <a:xfrm>
-            <a:off x="628650" y="2510443"/>
-            <a:ext cx="7886700" cy="3666519"/>
-          </a:xfrm>
-        </p:spPr>
-        <p:txBody>
-          <a:bodyPr/>
-          <a:lstStyle/>
-          <a:p>
-            <a:endParaRPr lang="en-US" dirty="0"/>
+            <a:off x="628650" y="2130725"/>
+            <a:ext cx="7886700" cy="4304583"/>
+          </a:xfrm>
+        </p:spPr>
+        <p:txBody>
+          <a:bodyPr/>
+          <a:lstStyle/>
+          <a:p>
+            <a:r>
+              <a:rPr lang="en-US" sz="2400" dirty="0" smtClean="0"/>
+              <a:t>Desensitized control does not make </a:t>
+            </a:r>
+            <a:r>
+              <a:rPr lang="en-US" sz="2400" dirty="0" smtClean="0"/>
+              <a:t>use </a:t>
+            </a:r>
+            <a:r>
+              <a:rPr lang="en-US" sz="2400" dirty="0" smtClean="0"/>
+              <a:t>of statistical information</a:t>
+            </a:r>
+          </a:p>
+          <a:p>
+            <a:pPr lvl="1"/>
+            <a:r>
+              <a:rPr lang="en-US" sz="2000" dirty="0" smtClean="0"/>
+              <a:t>Indeed, performance evaluations are conducted using parameters governed by distributions and we can use this information explicitly </a:t>
+            </a:r>
+          </a:p>
+          <a:p>
+            <a:r>
+              <a:rPr lang="en-US" sz="2400" dirty="0" smtClean="0"/>
+              <a:t>Few papers discuss closed-loop approaches </a:t>
+            </a:r>
+          </a:p>
+          <a:p>
+            <a:pPr lvl="1"/>
+            <a:r>
+              <a:rPr lang="en-US" sz="2000" dirty="0" smtClean="0"/>
+              <a:t>Those that do avoid the issue of control constraints and instead impose arbitrary limits on the feedback gains or exclude feedback gains </a:t>
+            </a:r>
+            <a:r>
+              <a:rPr lang="en-US" sz="2000" dirty="0" smtClean="0"/>
+              <a:t>from the optimization process entirely</a:t>
+            </a:r>
+            <a:endParaRPr lang="en-US" sz="2000" dirty="0" smtClean="0"/>
+          </a:p>
+          <a:p>
+            <a:r>
+              <a:rPr lang="en-US" sz="2400" dirty="0" smtClean="0"/>
+              <a:t>Generally only </a:t>
+            </a:r>
+            <a:r>
+              <a:rPr lang="en-US" sz="2400" dirty="0" smtClean="0"/>
+              <a:t>demonstrated </a:t>
+            </a:r>
+            <a:r>
+              <a:rPr lang="en-US" sz="2400" dirty="0" smtClean="0"/>
+              <a:t>on 2d </a:t>
+            </a:r>
+            <a:r>
+              <a:rPr lang="en-US" sz="2400" dirty="0" smtClean="0"/>
+              <a:t>examples, many proposed solutions do not scale well with increasing dimension</a:t>
+            </a:r>
+          </a:p>
+          <a:p>
+            <a:r>
+              <a:rPr lang="en-US" sz="2400" dirty="0" smtClean="0"/>
+              <a:t>PCE only display spectral convergence for smooth systems</a:t>
+            </a:r>
+          </a:p>
+          <a:p>
+            <a:pPr lvl="1"/>
+            <a:r>
+              <a:rPr lang="en-US" sz="2000" dirty="0" smtClean="0"/>
+              <a:t>Saturation nonlinearity slows convergence as a result </a:t>
+            </a:r>
+            <a:endParaRPr lang="en-US" sz="2000" dirty="0" smtClean="0"/>
+          </a:p>
+        </p:txBody>
+      </p:sp>
+      <p:sp>
+        <p:nvSpPr>
+          <p:cNvPr id="4" name="Date Placeholder 3"/>
+          <p:cNvSpPr>
+            <a:spLocks noGrp="1"/>
+          </p:cNvSpPr>
+          <p:nvPr>
+            <p:ph type="dt" sz="half" idx="10"/>
+          </p:nvPr>
+        </p:nvSpPr>
+        <p:spPr/>
+        <p:txBody>
+          <a:bodyPr/>
+          <a:lstStyle/>
+          <a:p>
+            <a:fld id="{7E2110A7-166C-49B2-9D48-0EC3D7BA312D}" type="datetime1">
+              <a:rPr lang="en-US" smtClean="0"/>
+              <a:t>11/30/2018</a:t>
+            </a:fld>
+            <a:endParaRPr lang="en-US"/>
           </a:p>
         </p:txBody>
       </p:sp>
     </p:spTree>
     <p:extLst>
       <p:ext uri="{BB962C8B-B14F-4D97-AF65-F5344CB8AC3E}">
-        <p14:creationId xmlns:p14="http://schemas.microsoft.com/office/powerpoint/2010/main" val="3996060571"/>
+        <p14:creationId xmlns:p14="http://schemas.microsoft.com/office/powerpoint/2010/main" val="4273695452"/>
       </p:ext>
     </p:extLst>
   </p:cSld>
@@ -4699,91 +4906,105 @@
             <p:ph type="title"/>
           </p:nvPr>
         </p:nvSpPr>
+        <p:spPr>
+          <a:xfrm>
+            <a:off x="628650" y="1079156"/>
+            <a:ext cx="7886700" cy="1248407"/>
+          </a:xfrm>
+        </p:spPr>
+        <p:txBody>
+          <a:bodyPr/>
+          <a:lstStyle/>
+          <a:p>
+            <a:r>
+              <a:rPr lang="en-US" dirty="0" smtClean="0"/>
+              <a:t>Switch Time Optimization for Rapid Entry Trajectory Design</a:t>
+            </a:r>
+            <a:endParaRPr lang="en-US" dirty="0"/>
+          </a:p>
+        </p:txBody>
+      </p:sp>
+      <p:sp>
+        <p:nvSpPr>
+          <p:cNvPr id="3" name="Content Placeholder 2"/>
+          <p:cNvSpPr>
+            <a:spLocks noGrp="1"/>
+          </p:cNvSpPr>
+          <p:nvPr>
+            <p:ph idx="1"/>
+          </p:nvPr>
+        </p:nvSpPr>
+        <p:spPr>
+          <a:xfrm>
+            <a:off x="628650" y="2576944"/>
+            <a:ext cx="7886700" cy="4281055"/>
+          </a:xfrm>
+        </p:spPr>
+        <p:txBody>
+          <a:bodyPr/>
+          <a:lstStyle/>
+          <a:p>
+            <a:r>
+              <a:rPr lang="en-US" dirty="0" smtClean="0"/>
+              <a:t>Simple parameterization for robust, near-optimal altitude performance intended for parachute architectures </a:t>
+            </a:r>
+          </a:p>
+          <a:p>
+            <a:r>
+              <a:rPr lang="en-US" dirty="0" smtClean="0"/>
+              <a:t>Can show that this parameterization also allows for near-optimal minimum velocity performance, suitable for SRP applications</a:t>
+            </a:r>
+          </a:p>
+          <a:p>
+            <a:r>
+              <a:rPr lang="en-US" dirty="0" smtClean="0"/>
+              <a:t>If-then logic used is discontinuous; </a:t>
+            </a:r>
+            <a:r>
+              <a:rPr lang="en-US" dirty="0" err="1" smtClean="0"/>
+              <a:t>Nelder</a:t>
+            </a:r>
+            <a:r>
+              <a:rPr lang="en-US" dirty="0" smtClean="0"/>
+              <a:t>-Mead simplex method has been used for optimization</a:t>
+            </a:r>
+          </a:p>
+          <a:p>
+            <a:r>
+              <a:rPr lang="en-US" dirty="0" smtClean="0"/>
+              <a:t>Results from hybrid OC literature suggest a gradient based solution is possible and preferable </a:t>
+            </a:r>
+            <a:endParaRPr lang="en-US" dirty="0"/>
+          </a:p>
+        </p:txBody>
+      </p:sp>
+      <p:sp>
+        <p:nvSpPr>
+          <p:cNvPr id="4" name="Date Placeholder 3"/>
+          <p:cNvSpPr>
+            <a:spLocks noGrp="1"/>
+          </p:cNvSpPr>
+          <p:nvPr>
+            <p:ph type="dt" sz="half" idx="10"/>
+          </p:nvPr>
+        </p:nvSpPr>
         <p:spPr/>
         <p:txBody>
           <a:bodyPr/>
           <a:lstStyle/>
           <a:p>
-            <a:r>
-              <a:rPr lang="en-US" dirty="0"/>
-              <a:t>V</a:t>
-            </a:r>
-            <a:r>
-              <a:rPr lang="en-US" dirty="0" smtClean="0"/>
-              <a:t>ariance Minimization</a:t>
-            </a:r>
-            <a:endParaRPr lang="en-US" dirty="0"/>
-          </a:p>
-        </p:txBody>
-      </p:sp>
-      <p:sp>
-        <p:nvSpPr>
-          <p:cNvPr id="3" name="Content Placeholder 2"/>
-          <p:cNvSpPr>
-            <a:spLocks noGrp="1"/>
-          </p:cNvSpPr>
-          <p:nvPr>
-            <p:ph idx="1"/>
-          </p:nvPr>
-        </p:nvSpPr>
-        <p:spPr>
-          <a:xfrm>
-            <a:off x="628650" y="1825624"/>
-            <a:ext cx="7886700" cy="4857397"/>
-          </a:xfrm>
-        </p:spPr>
-        <p:txBody>
-          <a:bodyPr/>
-          <a:lstStyle/>
-          <a:p>
-            <a:r>
-              <a:rPr lang="en-US" dirty="0" smtClean="0"/>
-              <a:t>Consider first the LTV case, with unconstrained control</a:t>
-            </a:r>
-          </a:p>
-          <a:p>
-            <a:r>
-              <a:rPr lang="en-US" dirty="0" smtClean="0"/>
-              <a:t>For suitable choice of norm on the final covariance matrix, the problem </a:t>
-            </a:r>
-            <a:r>
+            <a:fld id="{C5C4825F-DB45-4B89-B3FE-04D1625C0B44}" type="datetime1">
               <a:rPr lang="en-US" smtClean="0"/>
-              <a:t>reduces to </a:t>
-            </a:r>
-            <a:r>
-              <a:rPr lang="en-US" dirty="0" smtClean="0"/>
-              <a:t>standard LQR with a particular boundary condition</a:t>
-            </a:r>
-          </a:p>
-          <a:p>
-            <a:pPr lvl="1"/>
-            <a:r>
-              <a:rPr lang="en-US" dirty="0" smtClean="0"/>
-              <a:t>The required norm is the trace operator</a:t>
-            </a:r>
-          </a:p>
-          <a:p>
-            <a:pPr lvl="1"/>
-            <a:r>
-              <a:rPr lang="en-US" dirty="0" smtClean="0"/>
-              <a:t>The LQ state weight matrix Q = I</a:t>
-            </a:r>
-          </a:p>
-          <a:p>
-            <a:r>
-              <a:rPr lang="en-US" dirty="0" smtClean="0"/>
-              <a:t>The trace is a suitable choice in many cases. Geometrically, it is related to the size of the covariance ellipse, while ignoring directional information</a:t>
-            </a:r>
-          </a:p>
-          <a:p>
-            <a:endParaRPr lang="en-US" dirty="0" smtClean="0"/>
+              <a:t>11/30/2018</a:t>
+            </a:fld>
+            <a:endParaRPr lang="en-US"/>
           </a:p>
         </p:txBody>
       </p:sp>
     </p:spTree>
     <p:extLst>
       <p:ext uri="{BB962C8B-B14F-4D97-AF65-F5344CB8AC3E}">
-        <p14:creationId xmlns:p14="http://schemas.microsoft.com/office/powerpoint/2010/main" val="3096368325"/>
+        <p14:creationId xmlns:p14="http://schemas.microsoft.com/office/powerpoint/2010/main" val="949813023"/>
       </p:ext>
     </p:extLst>
   </p:cSld>
@@ -4827,7 +5048,7 @@
           <a:p>
             <a:r>
               <a:rPr lang="en-US" dirty="0" smtClean="0"/>
-              <a:t>Trace Norm</a:t>
+              <a:t>Switch Time Opt</a:t>
             </a:r>
             <a:endParaRPr lang="en-US" dirty="0"/>
           </a:p>
@@ -4850,30 +5071,63 @@
           <a:p>
             <a:r>
               <a:rPr lang="en-US" dirty="0" smtClean="0"/>
-              <a:t>From the broader class of </a:t>
+              <a:t>Gradients with respect to switch times cannot be easily evaluated via finite difference, and automatic differentiation fails due to the discontinuous logic</a:t>
+            </a:r>
+          </a:p>
+          <a:p>
+            <a:r>
+              <a:rPr lang="en-US" dirty="0" smtClean="0"/>
+              <a:t>Solved very efficient via SQP method (</a:t>
             </a:r>
             <a:r>
               <a:rPr lang="en-US" dirty="0" err="1" smtClean="0"/>
-              <a:t>Schatten</a:t>
-            </a:r>
-            <a:r>
-              <a:rPr lang="en-US" dirty="0" smtClean="0"/>
-              <a:t> p-norms with p=1</a:t>
-            </a:r>
-          </a:p>
-          <a:p>
-            <a:r>
-              <a:rPr lang="en-US" dirty="0" smtClean="0"/>
-              <a:t>Also called the nuclear norm, equal to the sum of the singular values (= eigenvalues because covariance is positive semi-definite)</a:t>
+              <a:t>quasiNewton</a:t>
+            </a:r>
+            <a:r>
+              <a:rPr lang="en-US" dirty="0" smtClean="0"/>
+              <a:t> method, BFGS update to inverse Hessian)</a:t>
+            </a:r>
+          </a:p>
+          <a:p>
+            <a:r>
+              <a:rPr lang="en-US" dirty="0" smtClean="0"/>
+              <a:t>We left margins heuristically, assumed a fixed % was sufficient for closed </a:t>
+            </a:r>
+            <a:r>
+              <a:rPr lang="en-US" smtClean="0"/>
+              <a:t>loop trajectories </a:t>
             </a:r>
             <a:endParaRPr lang="en-US" dirty="0"/>
+          </a:p>
+        </p:txBody>
+      </p:sp>
+      <p:sp>
+        <p:nvSpPr>
+          <p:cNvPr id="4" name="Date Placeholder 3"/>
+          <p:cNvSpPr>
+            <a:spLocks noGrp="1"/>
+          </p:cNvSpPr>
+          <p:nvPr>
+            <p:ph type="dt" sz="half" idx="10"/>
+          </p:nvPr>
+        </p:nvSpPr>
+        <p:spPr/>
+        <p:txBody>
+          <a:bodyPr/>
+          <a:lstStyle/>
+          <a:p>
+            <a:fld id="{581CF2A1-F6C1-4B7E-AC26-04453B5C8EE3}" type="datetime1">
+              <a:rPr lang="en-US" smtClean="0"/>
+              <a:t>11/30/2018</a:t>
+            </a:fld>
+            <a:endParaRPr lang="en-US"/>
           </a:p>
         </p:txBody>
       </p:sp>
     </p:spTree>
     <p:extLst>
       <p:ext uri="{BB962C8B-B14F-4D97-AF65-F5344CB8AC3E}">
-        <p14:creationId xmlns:p14="http://schemas.microsoft.com/office/powerpoint/2010/main" val="3713997120"/>
+        <p14:creationId xmlns:p14="http://schemas.microsoft.com/office/powerpoint/2010/main" val="4101162675"/>
       </p:ext>
     </p:extLst>
   </p:cSld>
@@ -4910,103 +5164,85 @@
             <p:ph type="title"/>
           </p:nvPr>
         </p:nvSpPr>
+        <p:spPr>
+          <a:xfrm>
+            <a:off x="628650" y="1079156"/>
+            <a:ext cx="7886700" cy="1231781"/>
+          </a:xfrm>
+        </p:spPr>
+        <p:txBody>
+          <a:bodyPr/>
+          <a:lstStyle/>
+          <a:p>
+            <a:r>
+              <a:rPr lang="en-US" dirty="0" smtClean="0"/>
+              <a:t>Chance Constrained Nonlinear Optimal Control</a:t>
+            </a:r>
+            <a:endParaRPr lang="en-US" dirty="0"/>
+          </a:p>
+        </p:txBody>
+      </p:sp>
+      <p:sp>
+        <p:nvSpPr>
+          <p:cNvPr id="3" name="Content Placeholder 2"/>
+          <p:cNvSpPr>
+            <a:spLocks noGrp="1"/>
+          </p:cNvSpPr>
+          <p:nvPr>
+            <p:ph idx="1"/>
+          </p:nvPr>
+        </p:nvSpPr>
+        <p:spPr>
+          <a:xfrm>
+            <a:off x="628650" y="2510443"/>
+            <a:ext cx="7886700" cy="3666519"/>
+          </a:xfrm>
+        </p:spPr>
+        <p:txBody>
+          <a:bodyPr/>
+          <a:lstStyle/>
+          <a:p>
+            <a:r>
+              <a:rPr lang="en-US" dirty="0" smtClean="0"/>
+              <a:t>(Covariance minimization is just one particular objective)</a:t>
+            </a:r>
+          </a:p>
+          <a:p>
+            <a:r>
+              <a:rPr lang="en-US" dirty="0" smtClean="0"/>
+              <a:t>For Gaussian uncertainty, we cannot guarantee that constraints will be met due to unboundedness, instead they must be met with a specified probability</a:t>
+            </a:r>
+            <a:endParaRPr lang="en-US" dirty="0"/>
+          </a:p>
+        </p:txBody>
+      </p:sp>
+      <p:sp>
+        <p:nvSpPr>
+          <p:cNvPr id="4" name="Date Placeholder 3"/>
+          <p:cNvSpPr>
+            <a:spLocks noGrp="1"/>
+          </p:cNvSpPr>
+          <p:nvPr>
+            <p:ph type="dt" sz="half" idx="10"/>
+          </p:nvPr>
+        </p:nvSpPr>
         <p:spPr/>
         <p:txBody>
           <a:bodyPr/>
           <a:lstStyle/>
           <a:p>
-            <a:r>
-              <a:rPr lang="en-US" dirty="0" smtClean="0"/>
-              <a:t>Variance Minimization</a:t>
-            </a:r>
-            <a:endParaRPr lang="en-US" dirty="0"/>
-          </a:p>
-        </p:txBody>
-      </p:sp>
-      <p:sp>
-        <p:nvSpPr>
-          <p:cNvPr id="3" name="Content Placeholder 2"/>
-          <p:cNvSpPr>
-            <a:spLocks noGrp="1"/>
-          </p:cNvSpPr>
-          <p:nvPr>
-            <p:ph idx="1"/>
-          </p:nvPr>
-        </p:nvSpPr>
-        <p:spPr>
-          <a:xfrm>
-            <a:off x="628650" y="1825624"/>
-            <a:ext cx="7886700" cy="4909283"/>
-          </a:xfrm>
-        </p:spPr>
-        <p:txBody>
-          <a:bodyPr/>
-          <a:lstStyle/>
-          <a:p>
-            <a:r>
-              <a:rPr lang="en-US" dirty="0"/>
-              <a:t>Next consider the same scenario with bounded control inputs</a:t>
-            </a:r>
-          </a:p>
-          <a:p>
-            <a:pPr lvl="1"/>
-            <a:r>
-              <a:rPr lang="en-US" dirty="0"/>
-              <a:t>The optimal control law is bang-bang in nature</a:t>
-            </a:r>
-          </a:p>
-          <a:p>
-            <a:pPr lvl="1"/>
-            <a:r>
-              <a:rPr lang="en-US" dirty="0"/>
-              <a:t>Can no longer decouple mean and covariance problems </a:t>
-            </a:r>
-            <a:endParaRPr lang="en-US" dirty="0" smtClean="0"/>
-          </a:p>
-          <a:p>
-            <a:r>
-              <a:rPr lang="en-US" dirty="0" smtClean="0"/>
-              <a:t>In zero mean case, optimal control in linear feedback is achieved as K -&gt; </a:t>
-            </a:r>
-            <a:r>
-              <a:rPr lang="en-US" dirty="0" err="1" smtClean="0"/>
-              <a:t>inf</a:t>
-            </a:r>
-            <a:r>
-              <a:rPr lang="en-US" dirty="0" smtClean="0"/>
-              <a:t>, resulting in bang-bang control = </a:t>
-            </a:r>
-            <a:r>
-              <a:rPr lang="en-US" dirty="0" smtClean="0"/>
-              <a:t>-</a:t>
-            </a:r>
-            <a:r>
-              <a:rPr lang="en-US" dirty="0" err="1" smtClean="0"/>
-              <a:t>Umax</a:t>
-            </a:r>
-            <a:r>
-              <a:rPr lang="en-US" dirty="0" smtClean="0"/>
-              <a:t>*sign(x</a:t>
-            </a:r>
-            <a:r>
-              <a:rPr lang="en-US" dirty="0" smtClean="0"/>
-              <a:t>)</a:t>
-            </a:r>
-            <a:endParaRPr lang="en-US" dirty="0"/>
-          </a:p>
-          <a:p>
-            <a:r>
-              <a:rPr lang="en-US" dirty="0" smtClean="0"/>
-              <a:t>Even for linear problems, we turn to an optimization approach: find the optimal mean trajectory such that covariance is minimized under discontinuous feedback</a:t>
-            </a:r>
-            <a:endParaRPr lang="en-US" dirty="0"/>
+            <a:fld id="{9DF99ACD-61C7-4DA6-A8C9-329CC9B75ECD}" type="datetime1">
+              <a:rPr lang="en-US" smtClean="0"/>
+              <a:t>11/30/2018</a:t>
+            </a:fld>
+            <a:endParaRPr lang="en-US"/>
           </a:p>
         </p:txBody>
       </p:sp>
     </p:spTree>
     <p:extLst>
       <p:ext uri="{BB962C8B-B14F-4D97-AF65-F5344CB8AC3E}">
-        <p14:creationId xmlns:p14="http://schemas.microsoft.com/office/powerpoint/2010/main" val="1023245691"/>
+        <p14:creationId xmlns:p14="http://schemas.microsoft.com/office/powerpoint/2010/main" val="3996060571"/>
       </p:ext>
     </p:extLst>
   </p:cSld>
@@ -5017,118 +5253,6 @@
 </file>
 
 <file path=ppt/slides/slide14.xml><?xml version="1.0" encoding="utf-8"?>
-<p:sld xmlns:a="http://schemas.openxmlformats.org/drawingml/2006/main" xmlns:r="http://schemas.openxmlformats.org/officeDocument/2006/relationships" xmlns:p="http://schemas.openxmlformats.org/presentationml/2006/main">
-  <p:cSld>
-    <p:spTree>
-      <p:nvGrpSpPr>
-        <p:cNvPr id="1" name=""/>
-        <p:cNvGrpSpPr/>
-        <p:nvPr/>
-      </p:nvGrpSpPr>
-      <p:grpSpPr>
-        <a:xfrm>
-          <a:off x="0" y="0"/>
-          <a:ext cx="0" cy="0"/>
-          <a:chOff x="0" y="0"/>
-          <a:chExt cx="0" cy="0"/>
-        </a:xfrm>
-      </p:grpSpPr>
-      <p:sp>
-        <p:nvSpPr>
-          <p:cNvPr id="2" name="Title 1"/>
-          <p:cNvSpPr>
-            <a:spLocks noGrp="1"/>
-          </p:cNvSpPr>
-          <p:nvPr>
-            <p:ph type="title"/>
-          </p:nvPr>
-        </p:nvSpPr>
-        <p:spPr/>
-        <p:txBody>
-          <a:bodyPr/>
-          <a:lstStyle/>
-          <a:p>
-            <a:r>
-              <a:rPr lang="en-US" dirty="0" smtClean="0"/>
-              <a:t>Applications</a:t>
-            </a:r>
-            <a:endParaRPr lang="en-US" dirty="0"/>
-          </a:p>
-        </p:txBody>
-      </p:sp>
-      <p:sp>
-        <p:nvSpPr>
-          <p:cNvPr id="3" name="Content Placeholder 2"/>
-          <p:cNvSpPr>
-            <a:spLocks noGrp="1"/>
-          </p:cNvSpPr>
-          <p:nvPr>
-            <p:ph idx="1"/>
-          </p:nvPr>
-        </p:nvSpPr>
-        <p:spPr/>
-        <p:txBody>
-          <a:bodyPr/>
-          <a:lstStyle/>
-          <a:p>
-            <a:r>
-              <a:rPr lang="en-US" dirty="0" smtClean="0"/>
-              <a:t>Powered descent vehicle design seeks to minimize propellant use under uncertainty </a:t>
-            </a:r>
-          </a:p>
-          <a:p>
-            <a:pPr lvl="1"/>
-            <a:r>
-              <a:rPr lang="en-US" dirty="0" smtClean="0"/>
-              <a:t>J = -m(</a:t>
-            </a:r>
-            <a:r>
-              <a:rPr lang="en-US" dirty="0" err="1" smtClean="0"/>
-              <a:t>tf</a:t>
-            </a:r>
-            <a:r>
-              <a:rPr lang="en-US" dirty="0" smtClean="0"/>
-              <a:t>) + </a:t>
-            </a:r>
-            <a:r>
-              <a:rPr lang="en-US" dirty="0" err="1" smtClean="0"/>
-              <a:t>nV</a:t>
-            </a:r>
-            <a:r>
-              <a:rPr lang="en-US" dirty="0" smtClean="0"/>
-              <a:t>[m]</a:t>
-            </a:r>
-          </a:p>
-          <a:p>
-            <a:r>
-              <a:rPr lang="en-US" dirty="0" smtClean="0"/>
-              <a:t>Powered descent guidance</a:t>
-            </a:r>
-          </a:p>
-          <a:p>
-            <a:pPr lvl="1"/>
-            <a:r>
-              <a:rPr lang="en-US" dirty="0" smtClean="0"/>
-              <a:t>J =</a:t>
-            </a:r>
-            <a:endParaRPr lang="en-US" dirty="0"/>
-          </a:p>
-        </p:txBody>
-      </p:sp>
-    </p:spTree>
-    <p:extLst>
-      <p:ext uri="{BB962C8B-B14F-4D97-AF65-F5344CB8AC3E}">
-        <p14:creationId xmlns:p14="http://schemas.microsoft.com/office/powerpoint/2010/main" val="3220044604"/>
-      </p:ext>
-    </p:extLst>
-  </p:cSld>
-  <p:clrMapOvr>
-    <a:masterClrMapping/>
-  </p:clrMapOvr>
-</p:sld>
-</file>
-
-<file path=ppt/slides/slide15.xml><?xml version="1.0" encoding="utf-8"?>
 <p:sld xmlns:a="http://schemas.openxmlformats.org/drawingml/2006/main" xmlns:r="http://schemas.openxmlformats.org/officeDocument/2006/relationships" xmlns:p="http://schemas.openxmlformats.org/presentationml/2006/main">
   <p:cSld>
     <p:spTree>
@@ -5355,7 +5479,15 @@
             <a:lstStyle/>
             <a:p>
               <a:pPr algn="ctr"/>
-              <a:endParaRPr lang="en-US" sz="1350"/>
+              <a:r>
+                <a:rPr lang="en-US" sz="1350" dirty="0" smtClean="0"/>
+                <a:t>Y</a:t>
+              </a:r>
+              <a:r>
+                <a:rPr lang="en-US" sz="1350" baseline="-25000" dirty="0" smtClean="0"/>
+                <a:t>P</a:t>
+              </a:r>
+              <a:endParaRPr lang="en-US" sz="1350" baseline="-25000" dirty="0"/>
             </a:p>
           </p:txBody>
         </p:sp>
@@ -5441,7 +5573,7 @@
         <p:spPr>
           <a:xfrm>
             <a:off x="5535131" y="3399985"/>
-            <a:ext cx="1174552" cy="300082"/>
+            <a:ext cx="1341265" cy="300082"/>
           </a:xfrm>
           <a:prstGeom prst="rect">
             <a:avLst/>
@@ -5456,8 +5588,13 @@
           <a:p>
             <a:r>
               <a:rPr lang="en-US" sz="1350" dirty="0"/>
-              <a:t>Reachable Set</a:t>
-            </a:r>
+              <a:t>Reachable </a:t>
+            </a:r>
+            <a:r>
+              <a:rPr lang="en-US" sz="1350" dirty="0" smtClean="0"/>
+              <a:t>Set, Y</a:t>
+            </a:r>
+            <a:endParaRPr lang="en-US" sz="1350" dirty="0"/>
           </a:p>
         </p:txBody>
       </p:sp>
@@ -5492,12 +5629,20 @@
               <a:t>Constraint boundary, </a:t>
             </a:r>
             <a:r>
+              <a:rPr lang="en-US" sz="1350" dirty="0" smtClean="0">
+                <a:solidFill>
+                  <a:srgbClr val="FF0000"/>
+                </a:solidFill>
+              </a:rPr>
+              <a:t>c(y) </a:t>
+            </a:r>
+            <a:r>
               <a:rPr lang="en-US" sz="1350" dirty="0">
                 <a:solidFill>
                   <a:srgbClr val="FF0000"/>
                 </a:solidFill>
               </a:rPr>
-              <a:t>c(x) = 0</a:t>
+              <a:t>= 0</a:t>
             </a:r>
           </a:p>
         </p:txBody>
@@ -5511,7 +5656,7 @@
         <p:spPr>
           <a:xfrm>
             <a:off x="355855" y="3436912"/>
-            <a:ext cx="842538" cy="300082"/>
+            <a:ext cx="1014060" cy="300082"/>
           </a:xfrm>
           <a:prstGeom prst="rect">
             <a:avLst/>
@@ -5526,8 +5671,13 @@
           <a:p>
             <a:r>
               <a:rPr lang="en-US" sz="1350" dirty="0"/>
-              <a:t>Initial Set</a:t>
-            </a:r>
+              <a:t>Initial </a:t>
+            </a:r>
+            <a:r>
+              <a:rPr lang="en-US" sz="1350" dirty="0" smtClean="0"/>
+              <a:t>Set, X</a:t>
+            </a:r>
+            <a:endParaRPr lang="en-US" sz="1350" dirty="0"/>
           </a:p>
         </p:txBody>
       </p:sp>
@@ -5569,7 +5719,7 @@
         <p:spPr>
           <a:xfrm>
             <a:off x="909616" y="2173406"/>
-            <a:ext cx="1093815" cy="507831"/>
+            <a:ext cx="1093815" cy="715581"/>
           </a:xfrm>
           <a:prstGeom prst="rect">
             <a:avLst/>
@@ -5582,13 +5732,37 @@
           </a:bodyPr>
           <a:lstStyle/>
           <a:p>
+            <a:r>
+              <a:rPr lang="en-US" sz="1350" dirty="0" smtClean="0">
+                <a:solidFill>
+                  <a:schemeClr val="bg1"/>
+                </a:solidFill>
+              </a:rPr>
+              <a:t>Subset X</a:t>
+            </a:r>
+            <a:r>
+              <a:rPr lang="en-US" sz="1350" baseline="-25000" dirty="0" smtClean="0">
+                <a:solidFill>
+                  <a:schemeClr val="bg1"/>
+                </a:solidFill>
+              </a:rPr>
+              <a:t>P</a:t>
+            </a:r>
+            <a:r>
+              <a:rPr lang="en-US" sz="1350" dirty="0" smtClean="0">
+                <a:solidFill>
+                  <a:schemeClr val="bg1"/>
+                </a:solidFill>
+              </a:rPr>
+              <a:t> </a:t>
+            </a:r>
             <a:r>
               <a:rPr lang="en-US" sz="1350" dirty="0">
                 <a:solidFill>
                   <a:schemeClr val="bg1"/>
                 </a:solidFill>
               </a:rPr>
-              <a:t>Subset with probability P</a:t>
+              <a:t>with probability P</a:t>
             </a:r>
           </a:p>
         </p:txBody>
@@ -5617,8 +5791,13 @@
           <a:p>
             <a:r>
               <a:rPr lang="en-US" sz="1350" u="sng" dirty="0"/>
-              <a:t>Idea: Use reachable set to turn probabilistic constraint into deterministic</a:t>
-            </a:r>
+              <a:t>Idea: Use reachable set to turn probabilistic constraint into </a:t>
+            </a:r>
+            <a:r>
+              <a:rPr lang="en-US" sz="1350" u="sng" dirty="0" smtClean="0"/>
+              <a:t>deterministic constraints</a:t>
+            </a:r>
+            <a:endParaRPr lang="en-US" sz="1350" u="sng" dirty="0"/>
           </a:p>
           <a:p>
             <a:pPr marL="257175" indent="-257175">
@@ -5677,7 +5856,7 @@
             </a:r>
             <a:r>
               <a:rPr lang="en-US" sz="1350" dirty="0" smtClean="0"/>
-              <a:t>satisfied</a:t>
+              <a:t>satisfied, i.e.</a:t>
             </a:r>
             <a:endParaRPr lang="en-US" sz="1350" dirty="0"/>
           </a:p>
@@ -5784,7 +5963,27 @@
                   </a:schemeClr>
                 </a:solidFill>
               </a:rPr>
-              <a:t>This subset satisfies c(x) &lt; 0 with probability </a:t>
+              <a:t>This subset satisfies </a:t>
+            </a:r>
+            <a:r>
+              <a:rPr lang="en-US" sz="1350" dirty="0" smtClean="0">
+                <a:solidFill>
+                  <a:schemeClr val="accent1">
+                    <a:lumMod val="75000"/>
+                  </a:schemeClr>
+                </a:solidFill>
+              </a:rPr>
+              <a:t>c(y) </a:t>
+            </a:r>
+            <a:r>
+              <a:rPr lang="en-US" sz="1350" dirty="0">
+                <a:solidFill>
+                  <a:schemeClr val="accent1">
+                    <a:lumMod val="75000"/>
+                  </a:schemeClr>
+                </a:solidFill>
+              </a:rPr>
+              <a:t>&lt; 0 with probability </a:t>
             </a:r>
             <a:r>
               <a:rPr lang="en-US" sz="1350" u="sng" dirty="0">
@@ -5804,8 +6003,25 @@
                   </a:schemeClr>
                 </a:solidFill>
               </a:rPr>
-              <a:t> P</a:t>
-            </a:r>
+              <a:t> </a:t>
+            </a:r>
+            <a:r>
+              <a:rPr lang="en-US" sz="1350" dirty="0" smtClean="0">
+                <a:solidFill>
+                  <a:schemeClr val="accent1">
+                    <a:lumMod val="75000"/>
+                  </a:schemeClr>
+                </a:solidFill>
+              </a:rPr>
+              <a:t>P</a:t>
+            </a:r>
+            <a:endParaRPr lang="en-US" sz="1350" dirty="0">
+              <a:solidFill>
+                <a:schemeClr val="accent1">
+                  <a:lumMod val="75000"/>
+                </a:schemeClr>
+              </a:solidFill>
+            </a:endParaRPr>
           </a:p>
         </p:txBody>
       </p:sp>
@@ -5905,7 +6121,7 @@
         </p:nvSpPr>
         <p:spPr>
           <a:xfrm>
-            <a:off x="6532509" y="5707863"/>
+            <a:off x="7082941" y="3125558"/>
             <a:ext cx="2010413" cy="938719"/>
           </a:xfrm>
           <a:prstGeom prst="rect">
@@ -5935,6 +6151,394 @@
           </a:p>
           <a:p>
             <a:endParaRPr lang="en-US" sz="1100" dirty="0"/>
+          </a:p>
+        </p:txBody>
+      </p:sp>
+      <mc:AlternateContent xmlns:mc="http://schemas.openxmlformats.org/markup-compatibility/2006">
+        <mc:Choice xmlns:a14="http://schemas.microsoft.com/office/drawing/2010/main" Requires="a14">
+          <p:sp>
+            <p:nvSpPr>
+              <p:cNvPr id="2" name="TextBox 1"/>
+              <p:cNvSpPr txBox="1"/>
+              <p:nvPr/>
+            </p:nvSpPr>
+            <p:spPr>
+              <a:xfrm>
+                <a:off x="2937608" y="5140272"/>
+                <a:ext cx="2247282" cy="276999"/>
+              </a:xfrm>
+              <a:prstGeom prst="rect">
+                <a:avLst/>
+              </a:prstGeom>
+              <a:noFill/>
+            </p:spPr>
+            <p:txBody>
+              <a:bodyPr wrap="none" lIns="0" tIns="0" rIns="0" bIns="0" rtlCol="0">
+                <a:spAutoFit/>
+              </a:bodyPr>
+              <a:lstStyle/>
+              <a:p>
+                <a:r>
+                  <a:rPr lang="en-US" b="0" dirty="0" smtClean="0"/>
+                  <a:t>Let </a:t>
+                </a:r>
+                <a14:m>
+                  <m:oMath xmlns:m="http://schemas.openxmlformats.org/officeDocument/2006/math">
+                    <m:r>
+                      <a:rPr lang="en-US" b="0" i="1" smtClean="0">
+                        <a:latin typeface="Cambria Math" panose="02040503050406030204" pitchFamily="18" charset="0"/>
+                      </a:rPr>
+                      <m:t>𝐶</m:t>
+                    </m:r>
+                    <m:r>
+                      <a:rPr lang="en-US" b="0" i="1" smtClean="0">
+                        <a:latin typeface="Cambria Math" panose="02040503050406030204" pitchFamily="18" charset="0"/>
+                      </a:rPr>
+                      <m:t>=</m:t>
+                    </m:r>
+                    <m:d>
+                      <m:dPr>
+                        <m:begChr m:val="{"/>
+                        <m:endChr m:val="|"/>
+                        <m:ctrlPr>
+                          <a:rPr lang="en-US" b="0" i="1" smtClean="0">
+                            <a:latin typeface="Cambria Math" panose="02040503050406030204" pitchFamily="18" charset="0"/>
+                          </a:rPr>
+                        </m:ctrlPr>
+                      </m:dPr>
+                      <m:e>
+                        <m:r>
+                          <a:rPr lang="en-US" b="0" i="1" smtClean="0">
+                            <a:latin typeface="Cambria Math" panose="02040503050406030204" pitchFamily="18" charset="0"/>
+                          </a:rPr>
+                          <m:t>𝑦</m:t>
+                        </m:r>
+                        <m:r>
+                          <a:rPr lang="en-US" b="0" i="1" smtClean="0">
+                            <a:latin typeface="Cambria Math" panose="02040503050406030204" pitchFamily="18" charset="0"/>
+                          </a:rPr>
+                          <m:t>  </m:t>
+                        </m:r>
+                      </m:e>
+                    </m:d>
+                    <m:r>
+                      <a:rPr lang="en-US" b="0" i="1" smtClean="0">
+                        <a:latin typeface="Cambria Math" panose="02040503050406030204" pitchFamily="18" charset="0"/>
+                      </a:rPr>
+                      <m:t> </m:t>
+                    </m:r>
+                    <m:r>
+                      <a:rPr lang="en-US" b="0" i="1" smtClean="0">
+                        <a:latin typeface="Cambria Math" panose="02040503050406030204" pitchFamily="18" charset="0"/>
+                      </a:rPr>
+                      <m:t>𝑐</m:t>
+                    </m:r>
+                    <m:d>
+                      <m:dPr>
+                        <m:ctrlPr>
+                          <a:rPr lang="en-US" b="0" i="1" smtClean="0">
+                            <a:latin typeface="Cambria Math" panose="02040503050406030204" pitchFamily="18" charset="0"/>
+                          </a:rPr>
+                        </m:ctrlPr>
+                      </m:dPr>
+                      <m:e>
+                        <m:r>
+                          <a:rPr lang="en-US" b="0" i="1" smtClean="0">
+                            <a:latin typeface="Cambria Math" panose="02040503050406030204" pitchFamily="18" charset="0"/>
+                          </a:rPr>
+                          <m:t>𝑦</m:t>
+                        </m:r>
+                      </m:e>
+                    </m:d>
+                    <m:r>
+                      <a:rPr lang="en-US" b="0" i="1" smtClean="0">
+                        <a:latin typeface="Cambria Math" panose="02040503050406030204" pitchFamily="18" charset="0"/>
+                      </a:rPr>
+                      <m:t>≤</m:t>
+                    </m:r>
+                    <m:r>
+                      <a:rPr lang="en-US" b="0" i="1" smtClean="0">
+                        <a:latin typeface="Cambria Math" panose="02040503050406030204" pitchFamily="18" charset="0"/>
+                      </a:rPr>
+                      <m:t>0</m:t>
+                    </m:r>
+                    <m:r>
+                      <a:rPr lang="en-US" b="0" i="1" smtClean="0">
+                        <a:latin typeface="Cambria Math" panose="02040503050406030204" pitchFamily="18" charset="0"/>
+                      </a:rPr>
+                      <m:t>}</m:t>
+                    </m:r>
+                  </m:oMath>
+                </a14:m>
+                <a:endParaRPr lang="en-US" b="0" i="1" dirty="0" smtClean="0">
+                  <a:latin typeface="Cambria Math" panose="02040503050406030204" pitchFamily="18" charset="0"/>
+                </a:endParaRPr>
+              </a:p>
+            </p:txBody>
+          </p:sp>
+        </mc:Choice>
+        <mc:Fallback>
+          <p:sp>
+            <p:nvSpPr>
+              <p:cNvPr id="2" name="TextBox 1"/>
+              <p:cNvSpPr txBox="1">
+                <a:spLocks noRot="1" noChangeAspect="1" noMove="1" noResize="1" noEditPoints="1" noAdjustHandles="1" noChangeArrowheads="1" noChangeShapeType="1" noTextEdit="1"/>
+              </p:cNvSpPr>
+              <p:nvPr/>
+            </p:nvSpPr>
+            <p:spPr>
+              <a:xfrm>
+                <a:off x="2937608" y="5140272"/>
+                <a:ext cx="2247282" cy="276999"/>
+              </a:xfrm>
+              <a:prstGeom prst="rect">
+                <a:avLst/>
+              </a:prstGeom>
+              <a:blipFill rotWithShape="0">
+                <a:blip r:embed="rId3"/>
+                <a:stretch>
+                  <a:fillRect l="-6504" t="-28261" r="-1897" b="-50000"/>
+                </a:stretch>
+              </a:blipFill>
+            </p:spPr>
+            <p:txBody>
+              <a:bodyPr/>
+              <a:lstStyle/>
+              <a:p>
+                <a:r>
+                  <a:rPr lang="en-US">
+                    <a:noFill/>
+                  </a:rPr>
+                  <a:t> </a:t>
+                </a:r>
+              </a:p>
+            </p:txBody>
+          </p:sp>
+        </mc:Fallback>
+      </mc:AlternateContent>
+      <mc:AlternateContent xmlns:mc="http://schemas.openxmlformats.org/markup-compatibility/2006">
+        <mc:Choice xmlns:a14="http://schemas.microsoft.com/office/drawing/2010/main" Requires="a14">
+          <p:sp>
+            <p:nvSpPr>
+              <p:cNvPr id="3" name="TextBox 2"/>
+              <p:cNvSpPr txBox="1"/>
+              <p:nvPr/>
+            </p:nvSpPr>
+            <p:spPr>
+              <a:xfrm>
+                <a:off x="2937608" y="5453333"/>
+                <a:ext cx="3309560" cy="276999"/>
+              </a:xfrm>
+              <a:prstGeom prst="rect">
+                <a:avLst/>
+              </a:prstGeom>
+              <a:noFill/>
+            </p:spPr>
+            <p:txBody>
+              <a:bodyPr wrap="none" lIns="0" tIns="0" rIns="0" bIns="0" rtlCol="0">
+                <a:spAutoFit/>
+              </a:bodyPr>
+              <a:lstStyle/>
+              <a:p>
+                <a:r>
+                  <a:rPr lang="en-US" dirty="0" smtClean="0"/>
+                  <a:t>Then, </a:t>
+                </a:r>
+                <a14:m>
+                  <m:oMath xmlns:m="http://schemas.openxmlformats.org/officeDocument/2006/math">
+                    <m:r>
+                      <a:rPr lang="en-US" i="1">
+                        <a:latin typeface="Cambria Math" panose="02040503050406030204" pitchFamily="18" charset="0"/>
+                      </a:rPr>
+                      <m:t>𝑌</m:t>
+                    </m:r>
+                    <m:r>
+                      <a:rPr lang="en-US" i="1">
+                        <a:latin typeface="Cambria Math" panose="02040503050406030204" pitchFamily="18" charset="0"/>
+                      </a:rPr>
+                      <m:t>⊆</m:t>
+                    </m:r>
+                    <m:r>
+                      <a:rPr lang="en-US" i="1">
+                        <a:latin typeface="Cambria Math" panose="02040503050406030204" pitchFamily="18" charset="0"/>
+                      </a:rPr>
+                      <m:t>𝐶</m:t>
+                    </m:r>
+                    <m:r>
+                      <a:rPr lang="en-US" i="1">
+                        <a:latin typeface="Cambria Math" panose="02040503050406030204" pitchFamily="18" charset="0"/>
+                      </a:rPr>
+                      <m:t> ⇒ </m:t>
+                    </m:r>
+                    <m:r>
+                      <a:rPr lang="en-US" i="1">
+                        <a:latin typeface="Cambria Math" panose="02040503050406030204" pitchFamily="18" charset="0"/>
+                      </a:rPr>
+                      <m:t>𝑃</m:t>
+                    </m:r>
+                    <m:d>
+                      <m:dPr>
+                        <m:begChr m:val="["/>
+                        <m:endChr m:val="]"/>
+                        <m:ctrlPr>
+                          <a:rPr lang="en-US" i="1">
+                            <a:latin typeface="Cambria Math" panose="02040503050406030204" pitchFamily="18" charset="0"/>
+                          </a:rPr>
+                        </m:ctrlPr>
+                      </m:dPr>
+                      <m:e>
+                        <m:r>
+                          <a:rPr lang="en-US" i="1">
+                            <a:latin typeface="Cambria Math" panose="02040503050406030204" pitchFamily="18" charset="0"/>
+                          </a:rPr>
+                          <m:t>𝑦</m:t>
+                        </m:r>
+                        <m:r>
+                          <a:rPr lang="en-US" i="1">
+                            <a:latin typeface="Cambria Math" panose="02040503050406030204" pitchFamily="18" charset="0"/>
+                          </a:rPr>
+                          <m:t>∈</m:t>
+                        </m:r>
+                        <m:r>
+                          <a:rPr lang="en-US" i="1">
+                            <a:latin typeface="Cambria Math" panose="02040503050406030204" pitchFamily="18" charset="0"/>
+                          </a:rPr>
+                          <m:t>𝐶</m:t>
+                        </m:r>
+                      </m:e>
+                    </m:d>
+                    <m:r>
+                      <a:rPr lang="en-US" i="1">
+                        <a:latin typeface="Cambria Math" panose="02040503050406030204" pitchFamily="18" charset="0"/>
+                      </a:rPr>
+                      <m:t>≥</m:t>
+                    </m:r>
+                    <m:r>
+                      <a:rPr lang="en-US" i="1">
+                        <a:latin typeface="Cambria Math" panose="02040503050406030204" pitchFamily="18" charset="0"/>
+                      </a:rPr>
+                      <m:t>1</m:t>
+                    </m:r>
+                    <m:r>
+                      <a:rPr lang="en-US" i="1">
+                        <a:latin typeface="Cambria Math" panose="02040503050406030204" pitchFamily="18" charset="0"/>
+                      </a:rPr>
+                      <m:t>−</m:t>
+                    </m:r>
+                    <m:r>
+                      <a:rPr lang="en-US" i="1">
+                        <a:latin typeface="Cambria Math" panose="02040503050406030204" pitchFamily="18" charset="0"/>
+                      </a:rPr>
+                      <m:t>𝛿</m:t>
+                    </m:r>
+                  </m:oMath>
+                </a14:m>
+                <a:endParaRPr lang="en-US" dirty="0"/>
+              </a:p>
+            </p:txBody>
+          </p:sp>
+        </mc:Choice>
+        <mc:Fallback>
+          <p:sp>
+            <p:nvSpPr>
+              <p:cNvPr id="3" name="TextBox 2"/>
+              <p:cNvSpPr txBox="1">
+                <a:spLocks noRot="1" noChangeAspect="1" noMove="1" noResize="1" noEditPoints="1" noAdjustHandles="1" noChangeArrowheads="1" noChangeShapeType="1" noTextEdit="1"/>
+              </p:cNvSpPr>
+              <p:nvPr/>
+            </p:nvSpPr>
+            <p:spPr>
+              <a:xfrm>
+                <a:off x="2937608" y="5453333"/>
+                <a:ext cx="3309560" cy="276999"/>
+              </a:xfrm>
+              <a:prstGeom prst="rect">
+                <a:avLst/>
+              </a:prstGeom>
+              <a:blipFill rotWithShape="0">
+                <a:blip r:embed="rId4"/>
+                <a:stretch>
+                  <a:fillRect l="-4420" t="-28889" r="-1289" b="-51111"/>
+                </a:stretch>
+              </a:blipFill>
+            </p:spPr>
+            <p:txBody>
+              <a:bodyPr/>
+              <a:lstStyle/>
+              <a:p>
+                <a:r>
+                  <a:rPr lang="en-US">
+                    <a:noFill/>
+                  </a:rPr>
+                  <a:t> </a:t>
+                </a:r>
+              </a:p>
+            </p:txBody>
+          </p:sp>
+        </mc:Fallback>
+      </mc:AlternateContent>
+      <p:sp>
+        <p:nvSpPr>
+          <p:cNvPr id="12" name="TextBox 11"/>
+          <p:cNvSpPr txBox="1"/>
+          <p:nvPr/>
+        </p:nvSpPr>
+        <p:spPr>
+          <a:xfrm>
+            <a:off x="450825" y="5768376"/>
+            <a:ext cx="4515403" cy="923330"/>
+          </a:xfrm>
+          <a:prstGeom prst="rect">
+            <a:avLst/>
+          </a:prstGeom>
+          <a:noFill/>
+        </p:spPr>
+        <p:txBody>
+          <a:bodyPr wrap="none" rtlCol="0">
+            <a:spAutoFit/>
+          </a:bodyPr>
+          <a:lstStyle/>
+          <a:p>
+            <a:r>
+              <a:rPr lang="en-US" dirty="0" smtClean="0"/>
+              <a:t>Two problems: </a:t>
+            </a:r>
+          </a:p>
+          <a:p>
+            <a:r>
+              <a:rPr lang="en-US" dirty="0" smtClean="0"/>
+              <a:t>How to compute the reachable set efficiently?</a:t>
+            </a:r>
+          </a:p>
+          <a:p>
+            <a:r>
+              <a:rPr lang="en-US" dirty="0" smtClean="0"/>
+              <a:t>How to impose constraints on the entire set?</a:t>
+            </a:r>
+            <a:endParaRPr lang="en-US" dirty="0"/>
+          </a:p>
+        </p:txBody>
+      </p:sp>
+      <p:sp>
+        <p:nvSpPr>
+          <p:cNvPr id="13" name="Date Placeholder 12"/>
+          <p:cNvSpPr>
+            <a:spLocks noGrp="1"/>
+          </p:cNvSpPr>
+          <p:nvPr>
+            <p:ph type="dt" sz="half" idx="10"/>
+          </p:nvPr>
+        </p:nvSpPr>
+        <p:spPr/>
+        <p:txBody>
+          <a:bodyPr/>
+          <a:lstStyle/>
+          <a:p>
+            <a:fld id="{8FD96B2B-987B-4DCA-84AB-91974E8B873F}" type="datetime1">
+              <a:rPr lang="en-US" smtClean="0"/>
+              <a:t>11/30/2018</a:t>
+            </a:fld>
+            <a:endParaRPr lang="en-US"/>
           </a:p>
         </p:txBody>
       </p:sp>
@@ -5942,6 +6546,525 @@
     <p:extLst>
       <p:ext uri="{BB962C8B-B14F-4D97-AF65-F5344CB8AC3E}">
         <p14:creationId xmlns:p14="http://schemas.microsoft.com/office/powerpoint/2010/main" val="2776971855"/>
+      </p:ext>
+    </p:extLst>
+  </p:cSld>
+  <p:clrMapOvr>
+    <a:masterClrMapping/>
+  </p:clrMapOvr>
+</p:sld>
+</file>
+
+<file path=ppt/slides/slide15.xml><?xml version="1.0" encoding="utf-8"?>
+<p:sld xmlns:a="http://schemas.openxmlformats.org/drawingml/2006/main" xmlns:r="http://schemas.openxmlformats.org/officeDocument/2006/relationships" xmlns:p="http://schemas.openxmlformats.org/presentationml/2006/main">
+  <p:cSld>
+    <p:spTree>
+      <p:nvGrpSpPr>
+        <p:cNvPr id="1" name=""/>
+        <p:cNvGrpSpPr/>
+        <p:nvPr/>
+      </p:nvGrpSpPr>
+      <p:grpSpPr>
+        <a:xfrm>
+          <a:off x="0" y="0"/>
+          <a:ext cx="0" cy="0"/>
+          <a:chOff x="0" y="0"/>
+          <a:chExt cx="0" cy="0"/>
+        </a:xfrm>
+      </p:grpSpPr>
+      <p:sp>
+        <p:nvSpPr>
+          <p:cNvPr id="2" name="Title 1"/>
+          <p:cNvSpPr>
+            <a:spLocks noGrp="1"/>
+          </p:cNvSpPr>
+          <p:nvPr>
+            <p:ph type="title"/>
+          </p:nvPr>
+        </p:nvSpPr>
+        <p:spPr/>
+        <p:txBody>
+          <a:bodyPr/>
+          <a:lstStyle/>
+          <a:p>
+            <a:r>
+              <a:rPr lang="en-US" dirty="0" smtClean="0"/>
+              <a:t>Current Approach</a:t>
+            </a:r>
+            <a:endParaRPr lang="en-US" dirty="0"/>
+          </a:p>
+        </p:txBody>
+      </p:sp>
+      <p:sp>
+        <p:nvSpPr>
+          <p:cNvPr id="4" name="TextBox 3"/>
+          <p:cNvSpPr txBox="1"/>
+          <p:nvPr/>
+        </p:nvSpPr>
+        <p:spPr>
+          <a:xfrm>
+            <a:off x="628650" y="3140014"/>
+            <a:ext cx="1761508" cy="369332"/>
+          </a:xfrm>
+          <a:prstGeom prst="rect">
+            <a:avLst/>
+          </a:prstGeom>
+          <a:noFill/>
+        </p:spPr>
+        <p:txBody>
+          <a:bodyPr wrap="none" rtlCol="0">
+            <a:spAutoFit/>
+          </a:bodyPr>
+          <a:lstStyle/>
+          <a:p>
+            <a:r>
+              <a:rPr lang="en-US" dirty="0" smtClean="0"/>
+              <a:t>Original Problem</a:t>
+            </a:r>
+            <a:endParaRPr lang="en-US" dirty="0"/>
+          </a:p>
+        </p:txBody>
+      </p:sp>
+      <p:sp>
+        <p:nvSpPr>
+          <p:cNvPr id="5" name="TextBox 4"/>
+          <p:cNvSpPr txBox="1"/>
+          <p:nvPr/>
+        </p:nvSpPr>
+        <p:spPr>
+          <a:xfrm>
+            <a:off x="3217648" y="3140014"/>
+            <a:ext cx="2547429" cy="369332"/>
+          </a:xfrm>
+          <a:prstGeom prst="rect">
+            <a:avLst/>
+          </a:prstGeom>
+          <a:noFill/>
+        </p:spPr>
+        <p:txBody>
+          <a:bodyPr wrap="none" rtlCol="0">
+            <a:spAutoFit/>
+          </a:bodyPr>
+          <a:lstStyle/>
+          <a:p>
+            <a:r>
+              <a:rPr lang="en-US" dirty="0" smtClean="0"/>
+              <a:t>Constraint Reformulation</a:t>
+            </a:r>
+            <a:endParaRPr lang="en-US" dirty="0"/>
+          </a:p>
+        </p:txBody>
+      </p:sp>
+      <p:sp>
+        <p:nvSpPr>
+          <p:cNvPr id="7" name="TextBox 6"/>
+          <p:cNvSpPr txBox="1"/>
+          <p:nvPr/>
+        </p:nvSpPr>
+        <p:spPr>
+          <a:xfrm>
+            <a:off x="6161257" y="3140014"/>
+            <a:ext cx="2808461" cy="369332"/>
+          </a:xfrm>
+          <a:prstGeom prst="rect">
+            <a:avLst/>
+          </a:prstGeom>
+          <a:noFill/>
+        </p:spPr>
+        <p:txBody>
+          <a:bodyPr wrap="none" rtlCol="0">
+            <a:spAutoFit/>
+          </a:bodyPr>
+          <a:lstStyle/>
+          <a:p>
+            <a:r>
+              <a:rPr lang="en-US" dirty="0" smtClean="0"/>
+              <a:t>Finite Constraint Relaxation </a:t>
+            </a:r>
+            <a:endParaRPr lang="en-US" dirty="0"/>
+          </a:p>
+        </p:txBody>
+      </p:sp>
+      <p:pic>
+        <p:nvPicPr>
+          <p:cNvPr id="8" name="Picture 7"/>
+          <p:cNvPicPr>
+            <a:picLocks noChangeAspect="1"/>
+          </p:cNvPicPr>
+          <p:nvPr/>
+        </p:nvPicPr>
+        <p:blipFill>
+          <a:blip r:embed="rId2">
+            <a:extLst>
+              <a:ext uri="{28A0092B-C50C-407E-A947-70E740481C1C}">
+                <a14:useLocalDpi xmlns:a14="http://schemas.microsoft.com/office/drawing/2010/main" val="0"/>
+              </a:ext>
+            </a:extLst>
+          </a:blip>
+          <a:stretch>
+            <a:fillRect/>
+          </a:stretch>
+        </p:blipFill>
+        <p:spPr>
+          <a:xfrm>
+            <a:off x="517585" y="3604238"/>
+            <a:ext cx="2233524" cy="2287604"/>
+          </a:xfrm>
+          <a:prstGeom prst="rect">
+            <a:avLst/>
+          </a:prstGeom>
+        </p:spPr>
+      </p:pic>
+      <p:sp>
+        <p:nvSpPr>
+          <p:cNvPr id="9" name="Date Placeholder 8"/>
+          <p:cNvSpPr>
+            <a:spLocks noGrp="1"/>
+          </p:cNvSpPr>
+          <p:nvPr>
+            <p:ph type="dt" sz="half" idx="10"/>
+          </p:nvPr>
+        </p:nvSpPr>
+        <p:spPr/>
+        <p:txBody>
+          <a:bodyPr/>
+          <a:lstStyle/>
+          <a:p>
+            <a:fld id="{15C82A65-9BD9-46BE-A84A-20244D58A9DA}" type="datetime1">
+              <a:rPr lang="en-US" smtClean="0"/>
+              <a:t>11/30/2018</a:t>
+            </a:fld>
+            <a:endParaRPr lang="en-US"/>
+          </a:p>
+        </p:txBody>
+      </p:sp>
+      <p:pic>
+        <p:nvPicPr>
+          <p:cNvPr id="11" name="Picture 10"/>
+          <p:cNvPicPr>
+            <a:picLocks noChangeAspect="1"/>
+          </p:cNvPicPr>
+          <p:nvPr/>
+        </p:nvPicPr>
+        <p:blipFill>
+          <a:blip r:embed="rId3">
+            <a:extLst>
+              <a:ext uri="{28A0092B-C50C-407E-A947-70E740481C1C}">
+                <a14:useLocalDpi xmlns:a14="http://schemas.microsoft.com/office/drawing/2010/main" val="0"/>
+              </a:ext>
+            </a:extLst>
+          </a:blip>
+          <a:stretch>
+            <a:fillRect/>
+          </a:stretch>
+        </p:blipFill>
+        <p:spPr>
+          <a:xfrm>
+            <a:off x="3160263" y="3638742"/>
+            <a:ext cx="2800584" cy="2518436"/>
+          </a:xfrm>
+          <a:prstGeom prst="rect">
+            <a:avLst/>
+          </a:prstGeom>
+        </p:spPr>
+      </p:pic>
+      <p:sp>
+        <p:nvSpPr>
+          <p:cNvPr id="12" name="TextBox 11"/>
+          <p:cNvSpPr txBox="1"/>
+          <p:nvPr/>
+        </p:nvSpPr>
+        <p:spPr>
+          <a:xfrm>
+            <a:off x="628650" y="1722531"/>
+            <a:ext cx="8204799" cy="1200329"/>
+          </a:xfrm>
+          <a:prstGeom prst="rect">
+            <a:avLst/>
+          </a:prstGeom>
+          <a:noFill/>
+        </p:spPr>
+        <p:txBody>
+          <a:bodyPr wrap="square" rtlCol="0">
+            <a:spAutoFit/>
+          </a:bodyPr>
+          <a:lstStyle/>
+          <a:p>
+            <a:pPr marL="285750" indent="-285750">
+              <a:buFont typeface="Arial" panose="020B0604020202020204" pitchFamily="34" charset="0"/>
+              <a:buChar char="•"/>
+            </a:pPr>
+            <a:r>
+              <a:rPr lang="en-US" dirty="0" smtClean="0"/>
+              <a:t>Reachable set is approximated by an ellipse around nominal trajectory based on the state covariance</a:t>
+            </a:r>
+          </a:p>
+          <a:p>
+            <a:pPr marL="285750" indent="-285750">
+              <a:buFont typeface="Arial" panose="020B0604020202020204" pitchFamily="34" charset="0"/>
+              <a:buChar char="•"/>
+            </a:pPr>
+            <a:r>
+              <a:rPr lang="en-US" dirty="0" smtClean="0"/>
+              <a:t>Constraints are imposed on a finite number of points on the boundary of the ellipse, computed from the columns of the square root of the covariance matrix</a:t>
+            </a:r>
+            <a:endParaRPr lang="en-US" dirty="0"/>
+          </a:p>
+        </p:txBody>
+      </p:sp>
+      <p:pic>
+        <p:nvPicPr>
+          <p:cNvPr id="13" name="Picture 12"/>
+          <p:cNvPicPr>
+            <a:picLocks noChangeAspect="1"/>
+          </p:cNvPicPr>
+          <p:nvPr/>
+        </p:nvPicPr>
+        <p:blipFill>
+          <a:blip r:embed="rId4">
+            <a:extLst>
+              <a:ext uri="{28A0092B-C50C-407E-A947-70E740481C1C}">
+                <a14:useLocalDpi xmlns:a14="http://schemas.microsoft.com/office/drawing/2010/main" val="0"/>
+              </a:ext>
+            </a:extLst>
+          </a:blip>
+          <a:stretch>
+            <a:fillRect/>
+          </a:stretch>
+        </p:blipFill>
+        <p:spPr>
+          <a:xfrm>
+            <a:off x="5996002" y="3669674"/>
+            <a:ext cx="3147998" cy="2487504"/>
+          </a:xfrm>
+          <a:prstGeom prst="rect">
+            <a:avLst/>
+          </a:prstGeom>
+        </p:spPr>
+      </p:pic>
+      <p:sp>
+        <p:nvSpPr>
+          <p:cNvPr id="14" name="Rectangle 13"/>
+          <p:cNvSpPr/>
+          <p:nvPr/>
+        </p:nvSpPr>
+        <p:spPr>
+          <a:xfrm>
+            <a:off x="517585" y="3604238"/>
+            <a:ext cx="2346385" cy="2416999"/>
+          </a:xfrm>
+          <a:prstGeom prst="rect">
+            <a:avLst/>
+          </a:prstGeom>
+          <a:noFill/>
+        </p:spPr>
+        <p:style>
+          <a:lnRef idx="2">
+            <a:schemeClr val="accent1">
+              <a:shade val="50000"/>
+            </a:schemeClr>
+          </a:lnRef>
+          <a:fillRef idx="1">
+            <a:schemeClr val="accent1"/>
+          </a:fillRef>
+          <a:effectRef idx="0">
+            <a:schemeClr val="accent1"/>
+          </a:effectRef>
+          <a:fontRef idx="minor">
+            <a:schemeClr val="lt1"/>
+          </a:fontRef>
+        </p:style>
+        <p:txBody>
+          <a:bodyPr rtlCol="0" anchor="ctr"/>
+          <a:lstStyle/>
+          <a:p>
+            <a:pPr algn="ctr"/>
+            <a:endParaRPr lang="en-US"/>
+          </a:p>
+        </p:txBody>
+      </p:sp>
+      <p:sp>
+        <p:nvSpPr>
+          <p:cNvPr id="15" name="Rectangle 14"/>
+          <p:cNvSpPr/>
+          <p:nvPr/>
+        </p:nvSpPr>
+        <p:spPr>
+          <a:xfrm>
+            <a:off x="3217574" y="3608386"/>
+            <a:ext cx="2648383" cy="2548792"/>
+          </a:xfrm>
+          <a:prstGeom prst="rect">
+            <a:avLst/>
+          </a:prstGeom>
+          <a:noFill/>
+        </p:spPr>
+        <p:style>
+          <a:lnRef idx="2">
+            <a:schemeClr val="accent1">
+              <a:shade val="50000"/>
+            </a:schemeClr>
+          </a:lnRef>
+          <a:fillRef idx="1">
+            <a:schemeClr val="accent1"/>
+          </a:fillRef>
+          <a:effectRef idx="0">
+            <a:schemeClr val="accent1"/>
+          </a:effectRef>
+          <a:fontRef idx="minor">
+            <a:schemeClr val="lt1"/>
+          </a:fontRef>
+        </p:style>
+        <p:txBody>
+          <a:bodyPr rtlCol="0" anchor="ctr"/>
+          <a:lstStyle/>
+          <a:p>
+            <a:pPr algn="ctr"/>
+            <a:endParaRPr lang="en-US"/>
+          </a:p>
+        </p:txBody>
+      </p:sp>
+      <p:sp>
+        <p:nvSpPr>
+          <p:cNvPr id="16" name="Rectangle 15"/>
+          <p:cNvSpPr/>
+          <p:nvPr/>
+        </p:nvSpPr>
+        <p:spPr>
+          <a:xfrm>
+            <a:off x="6161257" y="3582028"/>
+            <a:ext cx="2870600" cy="2548792"/>
+          </a:xfrm>
+          <a:prstGeom prst="rect">
+            <a:avLst/>
+          </a:prstGeom>
+          <a:noFill/>
+        </p:spPr>
+        <p:style>
+          <a:lnRef idx="2">
+            <a:schemeClr val="accent1">
+              <a:shade val="50000"/>
+            </a:schemeClr>
+          </a:lnRef>
+          <a:fillRef idx="1">
+            <a:schemeClr val="accent1"/>
+          </a:fillRef>
+          <a:effectRef idx="0">
+            <a:schemeClr val="accent1"/>
+          </a:effectRef>
+          <a:fontRef idx="minor">
+            <a:schemeClr val="lt1"/>
+          </a:fontRef>
+        </p:style>
+        <p:txBody>
+          <a:bodyPr rtlCol="0" anchor="ctr"/>
+          <a:lstStyle/>
+          <a:p>
+            <a:pPr algn="ctr"/>
+            <a:endParaRPr lang="en-US"/>
+          </a:p>
+        </p:txBody>
+      </p:sp>
+      <p:sp>
+        <p:nvSpPr>
+          <p:cNvPr id="17" name="TextBox 16"/>
+          <p:cNvSpPr txBox="1"/>
+          <p:nvPr/>
+        </p:nvSpPr>
+        <p:spPr>
+          <a:xfrm>
+            <a:off x="3096885" y="6244824"/>
+            <a:ext cx="3398806" cy="461665"/>
+          </a:xfrm>
+          <a:prstGeom prst="rect">
+            <a:avLst/>
+          </a:prstGeom>
+          <a:noFill/>
+        </p:spPr>
+        <p:txBody>
+          <a:bodyPr wrap="square" rtlCol="0">
+            <a:spAutoFit/>
+          </a:bodyPr>
+          <a:lstStyle/>
+          <a:p>
+            <a:r>
+              <a:rPr lang="en-US" sz="1200" dirty="0" smtClean="0"/>
+              <a:t>The boundary of the ellipse under consideration is decided by the level of constraint satisfaction</a:t>
+            </a:r>
+            <a:endParaRPr lang="en-US" sz="1200" dirty="0"/>
+          </a:p>
+        </p:txBody>
+      </p:sp>
+      <p:cxnSp>
+        <p:nvCxnSpPr>
+          <p:cNvPr id="19" name="Straight Arrow Connector 18"/>
+          <p:cNvCxnSpPr/>
+          <p:nvPr/>
+        </p:nvCxnSpPr>
+        <p:spPr>
+          <a:xfrm flipV="1">
+            <a:off x="5339751" y="6061249"/>
+            <a:ext cx="235386" cy="210832"/>
+          </a:xfrm>
+          <a:prstGeom prst="straightConnector1">
+            <a:avLst/>
+          </a:prstGeom>
+          <a:ln>
+            <a:tailEnd type="triangle"/>
+          </a:ln>
+        </p:spPr>
+        <p:style>
+          <a:lnRef idx="1">
+            <a:schemeClr val="accent1"/>
+          </a:lnRef>
+          <a:fillRef idx="0">
+            <a:schemeClr val="accent1"/>
+          </a:fillRef>
+          <a:effectRef idx="0">
+            <a:schemeClr val="accent1"/>
+          </a:effectRef>
+          <a:fontRef idx="minor">
+            <a:schemeClr val="tx1"/>
+          </a:fontRef>
+        </p:style>
+      </p:cxnSp>
+      <p:cxnSp>
+        <p:nvCxnSpPr>
+          <p:cNvPr id="21" name="Straight Arrow Connector 20"/>
+          <p:cNvCxnSpPr/>
+          <p:nvPr/>
+        </p:nvCxnSpPr>
+        <p:spPr>
+          <a:xfrm flipH="1" flipV="1">
+            <a:off x="2686051" y="5753819"/>
+            <a:ext cx="410834" cy="518262"/>
+          </a:xfrm>
+          <a:prstGeom prst="straightConnector1">
+            <a:avLst/>
+          </a:prstGeom>
+          <a:ln>
+            <a:tailEnd type="triangle"/>
+          </a:ln>
+        </p:spPr>
+        <p:style>
+          <a:lnRef idx="1">
+            <a:schemeClr val="accent1"/>
+          </a:lnRef>
+          <a:fillRef idx="0">
+            <a:schemeClr val="accent1"/>
+          </a:fillRef>
+          <a:effectRef idx="0">
+            <a:schemeClr val="accent1"/>
+          </a:effectRef>
+          <a:fontRef idx="minor">
+            <a:schemeClr val="tx1"/>
+          </a:fontRef>
+        </p:style>
+      </p:cxnSp>
+    </p:spTree>
+    <p:extLst>
+      <p:ext uri="{BB962C8B-B14F-4D97-AF65-F5344CB8AC3E}">
+        <p14:creationId xmlns:p14="http://schemas.microsoft.com/office/powerpoint/2010/main" val="1810734739"/>
       </p:ext>
     </p:extLst>
   </p:cSld>
@@ -5970,333 +7093,129 @@
       </p:grpSpPr>
       <p:sp>
         <p:nvSpPr>
-          <p:cNvPr id="2" name="TextBox 1"/>
-          <p:cNvSpPr txBox="1"/>
-          <p:nvPr/>
-        </p:nvSpPr>
-        <p:spPr>
-          <a:xfrm>
-            <a:off x="271848" y="1261760"/>
-            <a:ext cx="4805803" cy="369332"/>
-          </a:xfrm>
-          <a:prstGeom prst="rect">
-            <a:avLst/>
-          </a:prstGeom>
-          <a:noFill/>
-        </p:spPr>
-        <p:txBody>
-          <a:bodyPr wrap="none" rtlCol="0">
-            <a:spAutoFit/>
-          </a:bodyPr>
-          <a:lstStyle/>
-          <a:p>
-            <a:r>
-              <a:rPr lang="en-US" dirty="0" smtClean="0"/>
-              <a:t>Tractable approximation for Gaussian uncertainty</a:t>
+          <p:cNvPr id="2" name="Title 1"/>
+          <p:cNvSpPr>
+            <a:spLocks noGrp="1"/>
+          </p:cNvSpPr>
+          <p:nvPr>
+            <p:ph type="title"/>
+          </p:nvPr>
+        </p:nvSpPr>
+        <p:spPr/>
+        <p:txBody>
+          <a:bodyPr/>
+          <a:lstStyle/>
+          <a:p>
+            <a:r>
+              <a:rPr lang="en-US" dirty="0" smtClean="0"/>
+              <a:t>Covariance </a:t>
+            </a:r>
+            <a:r>
+              <a:rPr lang="en-US" dirty="0" smtClean="0"/>
+              <a:t>Minimization</a:t>
             </a:r>
             <a:endParaRPr lang="en-US" dirty="0"/>
           </a:p>
         </p:txBody>
       </p:sp>
-      <mc:AlternateContent xmlns:mc="http://schemas.openxmlformats.org/markup-compatibility/2006" xmlns:a14="http://schemas.microsoft.com/office/drawing/2010/main">
-        <mc:Choice Requires="a14">
-          <p:sp>
-            <p:nvSpPr>
-              <p:cNvPr id="3" name="TextBox 2"/>
-              <p:cNvSpPr txBox="1"/>
-              <p:nvPr/>
-            </p:nvSpPr>
-            <p:spPr>
-              <a:xfrm>
-                <a:off x="271848" y="1849561"/>
-                <a:ext cx="5486400" cy="1754326"/>
-              </a:xfrm>
-              <a:prstGeom prst="rect">
-                <a:avLst/>
-              </a:prstGeom>
-              <a:noFill/>
-            </p:spPr>
-            <p:txBody>
-              <a:bodyPr wrap="square" rtlCol="0">
-                <a:spAutoFit/>
-              </a:bodyPr>
-              <a:lstStyle/>
-              <a:p>
-                <a:r>
-                  <a:rPr lang="en-US" dirty="0" smtClean="0"/>
-                  <a:t>For a given precision matrix </a:t>
-                </a:r>
-                <a14:m>
-                  <m:oMath xmlns:m="http://schemas.openxmlformats.org/officeDocument/2006/math">
-                    <m:r>
-                      <a:rPr lang="en-US" b="0" i="1" smtClean="0">
-                        <a:latin typeface="Cambria Math" panose="02040503050406030204" pitchFamily="18" charset="0"/>
-                      </a:rPr>
-                      <m:t>𝑃</m:t>
-                    </m:r>
-                    <m:r>
-                      <a:rPr lang="en-US" b="0" i="1" smtClean="0">
-                        <a:latin typeface="Cambria Math" panose="02040503050406030204" pitchFamily="18" charset="0"/>
-                      </a:rPr>
-                      <m:t>=</m:t>
-                    </m:r>
-                    <m:sSup>
-                      <m:sSupPr>
-                        <m:ctrlPr>
-                          <a:rPr lang="en-US" b="0" i="1" smtClean="0">
-                            <a:latin typeface="Cambria Math" panose="02040503050406030204" pitchFamily="18" charset="0"/>
-                          </a:rPr>
-                        </m:ctrlPr>
-                      </m:sSupPr>
-                      <m:e>
-                        <m:r>
-                          <a:rPr lang="en-US" b="0" i="1" smtClean="0">
-                            <a:latin typeface="Cambria Math" panose="02040503050406030204" pitchFamily="18" charset="0"/>
-                          </a:rPr>
-                          <m:t>𝐶</m:t>
-                        </m:r>
-                      </m:e>
-                      <m:sup>
-                        <m:r>
-                          <a:rPr lang="en-US" b="0" i="1" smtClean="0">
-                            <a:latin typeface="Cambria Math" panose="02040503050406030204" pitchFamily="18" charset="0"/>
-                          </a:rPr>
-                          <m:t>−1</m:t>
-                        </m:r>
-                      </m:sup>
-                    </m:sSup>
-                  </m:oMath>
-                </a14:m>
-                <a:r>
-                  <a:rPr lang="en-US" dirty="0" smtClean="0"/>
-                  <a:t>,  we can associate an ellipsoidal set </a:t>
-                </a:r>
-                <a14:m>
-                  <m:oMath xmlns:m="http://schemas.openxmlformats.org/officeDocument/2006/math">
-                    <m:r>
-                      <m:rPr>
-                        <m:sty m:val="p"/>
-                      </m:rPr>
-                      <a:rPr lang="en-US" b="0" i="0" smtClean="0">
-                        <a:latin typeface="Cambria Math" panose="02040503050406030204" pitchFamily="18" charset="0"/>
-                      </a:rPr>
-                      <m:t>E</m:t>
-                    </m:r>
-                    <m:r>
-                      <a:rPr lang="en-US" b="0" i="0" smtClean="0">
-                        <a:latin typeface="Cambria Math" panose="02040503050406030204" pitchFamily="18" charset="0"/>
-                      </a:rPr>
-                      <m:t>= </m:t>
-                    </m:r>
-                    <m:d>
-                      <m:dPr>
-                        <m:begChr m:val="{"/>
-                        <m:endChr m:val="}"/>
-                        <m:ctrlPr>
-                          <a:rPr lang="en-US" i="1" smtClean="0">
-                            <a:latin typeface="Cambria Math" panose="02040503050406030204" pitchFamily="18" charset="0"/>
-                          </a:rPr>
-                        </m:ctrlPr>
-                      </m:dPr>
-                      <m:e>
-                        <m:sSup>
-                          <m:sSupPr>
-                            <m:ctrlPr>
-                              <a:rPr lang="en-US" i="1" smtClean="0">
-                                <a:latin typeface="Cambria Math" panose="02040503050406030204" pitchFamily="18" charset="0"/>
-                              </a:rPr>
-                            </m:ctrlPr>
-                          </m:sSupPr>
-                          <m:e>
-                            <m:r>
-                              <a:rPr lang="en-US" b="0" i="1" smtClean="0">
-                                <a:latin typeface="Cambria Math" panose="02040503050406030204" pitchFamily="18" charset="0"/>
-                              </a:rPr>
-                              <m:t>𝑥</m:t>
-                            </m:r>
-                            <m:r>
-                              <a:rPr lang="en-US" b="0" i="1" smtClean="0">
-                                <a:latin typeface="Cambria Math" panose="02040503050406030204" pitchFamily="18" charset="0"/>
-                              </a:rPr>
-                              <m:t> | </m:t>
-                            </m:r>
-                            <m:r>
-                              <a:rPr lang="en-US" b="0" i="1" smtClean="0">
-                                <a:latin typeface="Cambria Math" panose="02040503050406030204" pitchFamily="18" charset="0"/>
-                              </a:rPr>
-                              <m:t>𝑥</m:t>
-                            </m:r>
-                          </m:e>
-                          <m:sup>
-                            <m:r>
-                              <a:rPr lang="en-US" b="0" i="1" smtClean="0">
-                                <a:latin typeface="Cambria Math" panose="02040503050406030204" pitchFamily="18" charset="0"/>
-                              </a:rPr>
-                              <m:t>𝑇</m:t>
-                            </m:r>
-                          </m:sup>
-                        </m:sSup>
-                        <m:r>
-                          <a:rPr lang="en-US" b="0" i="1" smtClean="0">
-                            <a:latin typeface="Cambria Math" panose="02040503050406030204" pitchFamily="18" charset="0"/>
-                          </a:rPr>
-                          <m:t>𝑃𝑥</m:t>
-                        </m:r>
-                        <m:r>
-                          <a:rPr lang="en-US" b="0" i="1" smtClean="0">
-                            <a:latin typeface="Cambria Math" panose="02040503050406030204" pitchFamily="18" charset="0"/>
-                          </a:rPr>
-                          <m:t>≤</m:t>
-                        </m:r>
-                        <m:sSup>
-                          <m:sSupPr>
-                            <m:ctrlPr>
-                              <a:rPr lang="en-US" b="0" i="1" smtClean="0">
-                                <a:latin typeface="Cambria Math" panose="02040503050406030204" pitchFamily="18" charset="0"/>
-                              </a:rPr>
-                            </m:ctrlPr>
-                          </m:sSupPr>
-                          <m:e>
-                            <m:r>
-                              <a:rPr lang="en-US" b="0" i="1" smtClean="0">
-                                <a:latin typeface="Cambria Math" panose="02040503050406030204" pitchFamily="18" charset="0"/>
-                              </a:rPr>
-                              <m:t>𝑟</m:t>
-                            </m:r>
-                          </m:e>
-                          <m:sup>
-                            <m:r>
-                              <a:rPr lang="en-US" b="0" i="1" smtClean="0">
-                                <a:latin typeface="Cambria Math" panose="02040503050406030204" pitchFamily="18" charset="0"/>
-                              </a:rPr>
-                              <m:t>2</m:t>
-                            </m:r>
-                          </m:sup>
-                        </m:sSup>
-                      </m:e>
-                    </m:d>
-                  </m:oMath>
-                </a14:m>
-                <a:r>
-                  <a:rPr lang="en-US" dirty="0" smtClean="0"/>
-                  <a:t>. </a:t>
-                </a:r>
-              </a:p>
-              <a:p>
-                <a:endParaRPr lang="en-US" dirty="0"/>
-              </a:p>
-              <a:p>
-                <a:r>
-                  <a:rPr lang="en-US" dirty="0" smtClean="0"/>
-                  <a:t>We can also compute the radius r such that the ellipsoid contains a given fraction of the total probability, i.e. </a:t>
-                </a:r>
-                <a14:m>
-                  <m:oMath xmlns:m="http://schemas.openxmlformats.org/officeDocument/2006/math">
-                    <m:r>
-                      <a:rPr lang="en-US" b="0" i="1" smtClean="0">
-                        <a:latin typeface="Cambria Math" panose="02040503050406030204" pitchFamily="18" charset="0"/>
-                      </a:rPr>
-                      <m:t>𝑃</m:t>
-                    </m:r>
-                    <m:d>
-                      <m:dPr>
-                        <m:begChr m:val="["/>
-                        <m:endChr m:val="]"/>
-                        <m:ctrlPr>
-                          <a:rPr lang="en-US" b="0" i="1" smtClean="0">
-                            <a:latin typeface="Cambria Math" panose="02040503050406030204" pitchFamily="18" charset="0"/>
-                          </a:rPr>
-                        </m:ctrlPr>
-                      </m:dPr>
-                      <m:e>
-                        <m:r>
-                          <a:rPr lang="en-US" b="0" i="1" smtClean="0">
-                            <a:latin typeface="Cambria Math" panose="02040503050406030204" pitchFamily="18" charset="0"/>
-                          </a:rPr>
-                          <m:t>𝑥</m:t>
-                        </m:r>
-                        <m:r>
-                          <a:rPr lang="en-US" b="0" i="1" smtClean="0">
-                            <a:latin typeface="Cambria Math" panose="02040503050406030204" pitchFamily="18" charset="0"/>
-                          </a:rPr>
-                          <m:t>∈</m:t>
-                        </m:r>
-                        <m:r>
-                          <a:rPr lang="en-US" b="0" i="1" smtClean="0">
-                            <a:latin typeface="Cambria Math" panose="02040503050406030204" pitchFamily="18" charset="0"/>
-                          </a:rPr>
-                          <m:t>𝐸</m:t>
-                        </m:r>
-                      </m:e>
-                    </m:d>
-                    <m:r>
-                      <a:rPr lang="en-US" b="0" i="1" smtClean="0">
-                        <a:latin typeface="Cambria Math" panose="02040503050406030204" pitchFamily="18" charset="0"/>
-                      </a:rPr>
-                      <m:t>=1−</m:t>
-                    </m:r>
-                    <m:r>
-                      <a:rPr lang="en-US" b="0" i="1" smtClean="0">
-                        <a:latin typeface="Cambria Math" panose="02040503050406030204" pitchFamily="18" charset="0"/>
-                      </a:rPr>
-                      <m:t>𝛿</m:t>
-                    </m:r>
-                    <m:r>
-                      <a:rPr lang="en-US" b="0" i="1" smtClean="0">
-                        <a:latin typeface="Cambria Math" panose="02040503050406030204" pitchFamily="18" charset="0"/>
-                      </a:rPr>
-                      <m:t> </m:t>
-                    </m:r>
-                  </m:oMath>
-                </a14:m>
-                <a:endParaRPr lang="en-US" dirty="0"/>
-              </a:p>
-            </p:txBody>
-          </p:sp>
-        </mc:Choice>
-        <mc:Fallback xmlns="">
-          <p:sp>
-            <p:nvSpPr>
-              <p:cNvPr id="3" name="TextBox 2"/>
-              <p:cNvSpPr txBox="1">
-                <a:spLocks noRot="1" noChangeAspect="1" noMove="1" noResize="1" noEditPoints="1" noAdjustHandles="1" noChangeArrowheads="1" noChangeShapeType="1" noTextEdit="1"/>
-              </p:cNvSpPr>
-              <p:nvPr/>
-            </p:nvSpPr>
-            <p:spPr>
-              <a:xfrm>
-                <a:off x="271848" y="1849561"/>
-                <a:ext cx="5486400" cy="1754326"/>
-              </a:xfrm>
-              <a:prstGeom prst="rect">
-                <a:avLst/>
-              </a:prstGeom>
-              <a:blipFill rotWithShape="0">
-                <a:blip r:embed="rId2"/>
-                <a:stretch>
-                  <a:fillRect l="-1000" t="-1736" r="-111"/>
-                </a:stretch>
-              </a:blipFill>
-            </p:spPr>
-            <p:txBody>
-              <a:bodyPr/>
-              <a:lstStyle/>
-              <a:p>
-                <a:r>
-                  <a:rPr lang="en-US">
-                    <a:noFill/>
-                  </a:rPr>
-                  <a:t> </a:t>
-                </a:r>
-              </a:p>
-            </p:txBody>
-          </p:sp>
-        </mc:Fallback>
-      </mc:AlternateContent>
+      <p:sp>
+        <p:nvSpPr>
+          <p:cNvPr id="3" name="Content Placeholder 2"/>
+          <p:cNvSpPr>
+            <a:spLocks noGrp="1"/>
+          </p:cNvSpPr>
+          <p:nvPr>
+            <p:ph idx="1"/>
+          </p:nvPr>
+        </p:nvSpPr>
+        <p:spPr>
+          <a:xfrm>
+            <a:off x="628650" y="1825624"/>
+            <a:ext cx="7886700" cy="4857397"/>
+          </a:xfrm>
+        </p:spPr>
+        <p:txBody>
+          <a:bodyPr/>
+          <a:lstStyle/>
+          <a:p>
+            <a:r>
+              <a:rPr lang="en-US" dirty="0" smtClean="0"/>
+              <a:t>Consider first the LTV case, with unconstrained control</a:t>
+            </a:r>
+          </a:p>
+          <a:p>
+            <a:r>
+              <a:rPr lang="en-US" dirty="0" smtClean="0"/>
+              <a:t>For suitable choice of norm on the final covariance matrix, the problem reduces to standard LQR with a particular boundary condition</a:t>
+            </a:r>
+          </a:p>
+          <a:p>
+            <a:pPr lvl="1"/>
+            <a:r>
+              <a:rPr lang="en-US" dirty="0" smtClean="0"/>
+              <a:t>The required norm is the trace operator</a:t>
+            </a:r>
+          </a:p>
+          <a:p>
+            <a:pPr lvl="1"/>
+            <a:r>
+              <a:rPr lang="en-US" dirty="0" smtClean="0"/>
+              <a:t>The LQ state weight matrix Q = I</a:t>
+            </a:r>
+          </a:p>
+          <a:p>
+            <a:r>
+              <a:rPr lang="en-US" dirty="0" smtClean="0"/>
+              <a:t>The trace is a suitable choice in many </a:t>
+            </a:r>
+            <a:r>
+              <a:rPr lang="en-US" dirty="0" smtClean="0"/>
+              <a:t>cases</a:t>
+            </a:r>
+          </a:p>
+          <a:p>
+            <a:pPr lvl="1"/>
+            <a:r>
+              <a:rPr lang="en-US" dirty="0" smtClean="0"/>
+              <a:t>Geometrically</a:t>
+            </a:r>
+            <a:r>
+              <a:rPr lang="en-US" dirty="0" smtClean="0"/>
+              <a:t>, it is related to the size of the covariance ellipse, while ignoring directional information</a:t>
+            </a:r>
+          </a:p>
+          <a:p>
+            <a:endParaRPr lang="en-US" dirty="0" smtClean="0"/>
+          </a:p>
+        </p:txBody>
+      </p:sp>
+      <p:sp>
+        <p:nvSpPr>
+          <p:cNvPr id="4" name="Date Placeholder 3"/>
+          <p:cNvSpPr>
+            <a:spLocks noGrp="1"/>
+          </p:cNvSpPr>
+          <p:nvPr>
+            <p:ph type="dt" sz="half" idx="10"/>
+          </p:nvPr>
+        </p:nvSpPr>
+        <p:spPr/>
+        <p:txBody>
+          <a:bodyPr/>
+          <a:lstStyle/>
+          <a:p>
+            <a:fld id="{00B1D89B-5FC1-44E0-BDF5-5035AB8FD380}" type="datetime1">
+              <a:rPr lang="en-US" smtClean="0"/>
+              <a:t>11/30/2018</a:t>
+            </a:fld>
+            <a:endParaRPr lang="en-US"/>
+          </a:p>
+        </p:txBody>
+      </p:sp>
     </p:spTree>
     <p:extLst>
       <p:ext uri="{BB962C8B-B14F-4D97-AF65-F5344CB8AC3E}">
-        <p14:creationId xmlns:p14="http://schemas.microsoft.com/office/powerpoint/2010/main" val="4074423147"/>
+        <p14:creationId xmlns:p14="http://schemas.microsoft.com/office/powerpoint/2010/main" val="3096368325"/>
       </p:ext>
     </p:extLst>
   </p:cSld>
@@ -6340,7 +7259,7 @@
           <a:p>
             <a:r>
               <a:rPr lang="en-US" dirty="0" smtClean="0"/>
-              <a:t>Introduction</a:t>
+              <a:t>Variance Minimization</a:t>
             </a:r>
             <a:endParaRPr lang="en-US" dirty="0"/>
           </a:p>
@@ -6356,60 +7275,101 @@
             <p:ph idx="1"/>
           </p:nvPr>
         </p:nvSpPr>
+        <p:spPr>
+          <a:xfrm>
+            <a:off x="628650" y="1825624"/>
+            <a:ext cx="7886700" cy="4909283"/>
+          </a:xfrm>
+        </p:spPr>
+        <p:txBody>
+          <a:bodyPr/>
+          <a:lstStyle/>
+          <a:p>
+            <a:r>
+              <a:rPr lang="en-US" dirty="0"/>
+              <a:t>Next consider the same scenario with bounded control inputs</a:t>
+            </a:r>
+          </a:p>
+          <a:p>
+            <a:pPr lvl="1"/>
+            <a:r>
+              <a:rPr lang="en-US" dirty="0"/>
+              <a:t>The optimal control law is bang-bang in nature</a:t>
+            </a:r>
+          </a:p>
+          <a:p>
+            <a:pPr lvl="1"/>
+            <a:r>
+              <a:rPr lang="en-US" dirty="0"/>
+              <a:t>Can no longer decouple mean and covariance problems </a:t>
+            </a:r>
+            <a:endParaRPr lang="en-US" dirty="0" smtClean="0"/>
+          </a:p>
+          <a:p>
+            <a:r>
+              <a:rPr lang="en-US" dirty="0" smtClean="0"/>
+              <a:t>In zero mean case, optimal control in linear feedback is achieved as K -&gt; </a:t>
+            </a:r>
+            <a:r>
+              <a:rPr lang="en-US" dirty="0" err="1" smtClean="0"/>
+              <a:t>inf</a:t>
+            </a:r>
+            <a:r>
+              <a:rPr lang="en-US" dirty="0" smtClean="0"/>
+              <a:t>, resulting in bang-bang control = -</a:t>
+            </a:r>
+            <a:r>
+              <a:rPr lang="en-US" dirty="0" err="1" smtClean="0"/>
+              <a:t>Umax</a:t>
+            </a:r>
+            <a:r>
+              <a:rPr lang="en-US" dirty="0" smtClean="0"/>
+              <a:t>*sign(x)</a:t>
+            </a:r>
+            <a:endParaRPr lang="en-US" dirty="0"/>
+          </a:p>
+          <a:p>
+            <a:r>
+              <a:rPr lang="en-US" dirty="0" smtClean="0"/>
+              <a:t>Even for linear problems, we turn to an optimization approach: find the optimal mean trajectory such that covariance is minimized under discontinuous feedback</a:t>
+            </a:r>
+            <a:endParaRPr lang="en-US" dirty="0"/>
+          </a:p>
+        </p:txBody>
+      </p:sp>
+      <p:sp>
+        <p:nvSpPr>
+          <p:cNvPr id="4" name="Date Placeholder 3"/>
+          <p:cNvSpPr>
+            <a:spLocks noGrp="1"/>
+          </p:cNvSpPr>
+          <p:nvPr>
+            <p:ph type="dt" sz="half" idx="10"/>
+          </p:nvPr>
+        </p:nvSpPr>
         <p:spPr/>
         <p:txBody>
           <a:bodyPr/>
           <a:lstStyle/>
           <a:p>
-            <a:r>
-              <a:rPr lang="en-US" dirty="0" smtClean="0"/>
-              <a:t>Future Mars missions will have challenging requirements that necessitate closed-loop entry guidance</a:t>
-            </a:r>
-          </a:p>
-          <a:p>
-            <a:r>
-              <a:rPr lang="en-US" dirty="0" smtClean="0"/>
-              <a:t>The ability to design a trajectory onboard increases autonomy and can be used in entry guidance</a:t>
-            </a:r>
-          </a:p>
-          <a:p>
-            <a:pPr lvl="1"/>
-            <a:r>
-              <a:rPr lang="en-US" dirty="0" smtClean="0"/>
-              <a:t>Trajectory generation can be used in reference tracking methods, or as the basis for a numerical predictor-corrector method via frequent design</a:t>
-            </a:r>
-          </a:p>
-          <a:p>
-            <a:r>
-              <a:rPr lang="en-US" dirty="0" smtClean="0"/>
-              <a:t>Generating an optimal trajectory onboard is difficult due to limited computing resources</a:t>
-            </a:r>
-          </a:p>
-          <a:p>
-            <a:endParaRPr lang="en-US" dirty="0" smtClean="0"/>
-          </a:p>
-          <a:p>
-            <a:endParaRPr lang="en-US" dirty="0"/>
+            <a:fld id="{654B51E4-67EB-4079-B5AA-F6AC5D100AB5}" type="datetime1">
+              <a:rPr lang="en-US" smtClean="0"/>
+              <a:t>11/30/2018</a:t>
+            </a:fld>
+            <a:endParaRPr lang="en-US"/>
           </a:p>
         </p:txBody>
       </p:sp>
     </p:spTree>
     <p:extLst>
       <p:ext uri="{BB962C8B-B14F-4D97-AF65-F5344CB8AC3E}">
-        <p14:creationId xmlns:p14="http://schemas.microsoft.com/office/powerpoint/2010/main" val="2368961217"/>
+        <p14:creationId xmlns:p14="http://schemas.microsoft.com/office/powerpoint/2010/main" val="1023245691"/>
       </p:ext>
     </p:extLst>
   </p:cSld>
   <p:clrMapOvr>
     <a:masterClrMapping/>
   </p:clrMapOvr>
-  <p:timing>
-    <p:tnLst>
-      <p:par>
-        <p:cTn id="1" dur="indefinite" restart="never" nodeType="tmRoot"/>
-      </p:par>
-    </p:tnLst>
-  </p:timing>
 </p:sld>
 </file>
 
@@ -6430,14 +7390,173 @@
           <a:chExt cx="0" cy="0"/>
         </a:xfrm>
       </p:grpSpPr>
-      <p:sp>
-        <p:nvSpPr>
-          <p:cNvPr id="2" name="Title 1"/>
-          <p:cNvSpPr>
-            <a:spLocks noGrp="1"/>
-          </p:cNvSpPr>
-          <p:nvPr>
-            <p:ph type="title"/>
+      <mc:AlternateContent xmlns:mc="http://schemas.openxmlformats.org/markup-compatibility/2006">
+        <mc:Choice xmlns:a14="http://schemas.microsoft.com/office/drawing/2010/main" Requires="a14">
+          <p:sp>
+            <p:nvSpPr>
+              <p:cNvPr id="2" name="Title 1"/>
+              <p:cNvSpPr>
+                <a:spLocks noGrp="1"/>
+              </p:cNvSpPr>
+              <p:nvPr>
+                <p:ph type="title"/>
+              </p:nvPr>
+            </p:nvSpPr>
+            <p:spPr/>
+            <p:txBody>
+              <a:bodyPr/>
+              <a:lstStyle/>
+              <a:p>
+                <a:r>
+                  <a:rPr lang="en-US" dirty="0" smtClean="0"/>
+                  <a:t>1D Example: </a:t>
+                </a:r>
+                <a14:m>
+                  <m:oMath xmlns:m="http://schemas.openxmlformats.org/officeDocument/2006/math">
+                    <m:acc>
+                      <m:accPr>
+                        <m:chr m:val="̇"/>
+                        <m:ctrlPr>
+                          <a:rPr lang="en-US" i="1" smtClean="0">
+                            <a:latin typeface="Cambria Math" panose="02040503050406030204" pitchFamily="18" charset="0"/>
+                          </a:rPr>
+                        </m:ctrlPr>
+                      </m:accPr>
+                      <m:e>
+                        <m:r>
+                          <a:rPr lang="en-US" b="0" i="1" smtClean="0">
+                            <a:latin typeface="Cambria Math" panose="02040503050406030204" pitchFamily="18" charset="0"/>
+                          </a:rPr>
+                          <m:t>𝑥</m:t>
+                        </m:r>
+                      </m:e>
+                    </m:acc>
+                    <m:r>
+                      <a:rPr lang="en-US" b="0" i="1" smtClean="0">
+                        <a:latin typeface="Cambria Math" panose="02040503050406030204" pitchFamily="18" charset="0"/>
+                      </a:rPr>
+                      <m:t>=−</m:t>
+                    </m:r>
+                    <m:r>
+                      <a:rPr lang="en-US" b="0" i="1" smtClean="0">
+                        <a:latin typeface="Cambria Math" panose="02040503050406030204" pitchFamily="18" charset="0"/>
+                      </a:rPr>
+                      <m:t>𝑐</m:t>
+                    </m:r>
+                    <m:d>
+                      <m:dPr>
+                        <m:begChr m:val="|"/>
+                        <m:endChr m:val="|"/>
+                        <m:ctrlPr>
+                          <a:rPr lang="en-US" b="0" i="1" smtClean="0">
+                            <a:latin typeface="Cambria Math" panose="02040503050406030204" pitchFamily="18" charset="0"/>
+                          </a:rPr>
+                        </m:ctrlPr>
+                      </m:dPr>
+                      <m:e>
+                        <m:r>
+                          <a:rPr lang="en-US" b="0" i="1" smtClean="0">
+                            <a:latin typeface="Cambria Math" panose="02040503050406030204" pitchFamily="18" charset="0"/>
+                          </a:rPr>
+                          <m:t>𝑥</m:t>
+                        </m:r>
+                      </m:e>
+                    </m:d>
+                    <m:r>
+                      <a:rPr lang="en-US" b="0" i="1" smtClean="0">
+                        <a:latin typeface="Cambria Math" panose="02040503050406030204" pitchFamily="18" charset="0"/>
+                      </a:rPr>
+                      <m:t>𝑥</m:t>
+                    </m:r>
+                    <m:r>
+                      <a:rPr lang="en-US" b="0" i="1" smtClean="0">
+                        <a:latin typeface="Cambria Math" panose="02040503050406030204" pitchFamily="18" charset="0"/>
+                      </a:rPr>
+                      <m:t>+</m:t>
+                    </m:r>
+                    <m:r>
+                      <a:rPr lang="en-US" b="0" i="1" smtClean="0">
+                        <a:latin typeface="Cambria Math" panose="02040503050406030204" pitchFamily="18" charset="0"/>
+                      </a:rPr>
+                      <m:t>𝑢</m:t>
+                    </m:r>
+                  </m:oMath>
+                </a14:m>
+                <a:endParaRPr lang="en-US" dirty="0"/>
+              </a:p>
+            </p:txBody>
+          </p:sp>
+        </mc:Choice>
+        <mc:Fallback>
+          <p:sp>
+            <p:nvSpPr>
+              <p:cNvPr id="2" name="Title 1"/>
+              <p:cNvSpPr>
+                <a:spLocks noGrp="1" noRot="1" noChangeAspect="1" noMove="1" noResize="1" noEditPoints="1" noAdjustHandles="1" noChangeArrowheads="1" noChangeShapeType="1" noTextEdit="1"/>
+              </p:cNvSpPr>
+              <p:nvPr>
+                <p:ph type="title"/>
+              </p:nvPr>
+            </p:nvSpPr>
+            <p:spPr>
+              <a:blipFill rotWithShape="0">
+                <a:blip r:embed="rId2"/>
+                <a:stretch>
+                  <a:fillRect l="-3091" t="-31000" b="-62000"/>
+                </a:stretch>
+              </a:blipFill>
+            </p:spPr>
+            <p:txBody>
+              <a:bodyPr/>
+              <a:lstStyle/>
+              <a:p>
+                <a:r>
+                  <a:rPr lang="en-US">
+                    <a:noFill/>
+                  </a:rPr>
+                  <a:t> </a:t>
+                </a:r>
+              </a:p>
+            </p:txBody>
+          </p:sp>
+        </mc:Fallback>
+      </mc:AlternateContent>
+      <p:pic>
+        <p:nvPicPr>
+          <p:cNvPr id="5" name="Content Placeholder 4"/>
+          <p:cNvPicPr>
+            <a:picLocks noGrp="1" noChangeAspect="1"/>
+          </p:cNvPicPr>
+          <p:nvPr>
+            <p:ph idx="1"/>
+          </p:nvPr>
+        </p:nvPicPr>
+        <p:blipFill rotWithShape="1">
+          <a:blip r:embed="rId3">
+            <a:extLst>
+              <a:ext uri="{28A0092B-C50C-407E-A947-70E740481C1C}">
+                <a14:useLocalDpi xmlns:a14="http://schemas.microsoft.com/office/drawing/2010/main" val="0"/>
+              </a:ext>
+            </a:extLst>
+          </a:blip>
+          <a:srcRect l="9630" r="7113"/>
+          <a:stretch/>
+        </p:blipFill>
+        <p:spPr>
+          <a:xfrm>
+            <a:off x="628650" y="1690689"/>
+            <a:ext cx="7954633" cy="4992779"/>
+          </a:xfrm>
+        </p:spPr>
+      </p:pic>
+      <p:sp>
+        <p:nvSpPr>
+          <p:cNvPr id="4" name="Date Placeholder 3"/>
+          <p:cNvSpPr>
+            <a:spLocks noGrp="1"/>
+          </p:cNvSpPr>
+          <p:nvPr>
+            <p:ph type="dt" sz="half" idx="10"/>
           </p:nvPr>
         </p:nvSpPr>
         <p:spPr/>
@@ -6445,79 +7564,18 @@
           <a:bodyPr/>
           <a:lstStyle/>
           <a:p>
-            <a:r>
-              <a:rPr lang="en-US" dirty="0" smtClean="0"/>
-              <a:t>Entry Trajectory Updating</a:t>
-            </a:r>
-            <a:endParaRPr lang="en-US" dirty="0"/>
-          </a:p>
-        </p:txBody>
-      </p:sp>
-      <p:sp>
-        <p:nvSpPr>
-          <p:cNvPr id="3" name="Content Placeholder 2"/>
-          <p:cNvSpPr>
-            <a:spLocks noGrp="1"/>
-          </p:cNvSpPr>
-          <p:nvPr>
-            <p:ph idx="1"/>
-          </p:nvPr>
-        </p:nvSpPr>
-        <p:spPr>
-          <a:xfrm>
-            <a:off x="628650" y="1792119"/>
-            <a:ext cx="8361346" cy="5561582"/>
-          </a:xfrm>
-        </p:spPr>
-        <p:txBody>
-          <a:bodyPr/>
-          <a:lstStyle/>
-          <a:p>
-            <a:r>
-              <a:rPr lang="en-US" dirty="0" smtClean="0"/>
-              <a:t>The vehicle enters the atmosphere with a trajectory designed that will deliver it to the target under nominal conditions </a:t>
-            </a:r>
-          </a:p>
-          <a:p>
-            <a:r>
-              <a:rPr lang="en-US" dirty="0"/>
-              <a:t>Under off-nominal conditions, the vehicle will deviate from the trajectory that was planned, </a:t>
-            </a:r>
-            <a:r>
-              <a:rPr lang="en-US" dirty="0" smtClean="0"/>
-              <a:t>sometimes even </a:t>
-            </a:r>
-            <a:r>
-              <a:rPr lang="en-US" dirty="0"/>
-              <a:t>with the aid of </a:t>
-            </a:r>
-            <a:r>
-              <a:rPr lang="en-US" dirty="0" smtClean="0"/>
-              <a:t>closed-loop guidance </a:t>
-            </a:r>
-          </a:p>
-          <a:p>
-            <a:pPr lvl="1"/>
-            <a:r>
-              <a:rPr lang="en-US" dirty="0" smtClean="0"/>
-              <a:t>Vehicle may arrive at the target under poor conditions (e.g. outside of parachute deployment conditions) or may violate important path constraints </a:t>
-            </a:r>
-          </a:p>
-          <a:p>
-            <a:r>
-              <a:rPr lang="en-US" dirty="0" smtClean="0"/>
-              <a:t>Goal: use current estimated vehicle state and redesign a path to the target while satisfying constraints (e.g. parachute deploy conditions, path constraints)</a:t>
-            </a:r>
-          </a:p>
-          <a:p>
-            <a:endParaRPr lang="en-US" dirty="0" smtClean="0"/>
+            <a:fld id="{DACEE8DD-B545-4020-BC5A-D34F01A5A26F}" type="datetime1">
+              <a:rPr lang="en-US" smtClean="0"/>
+              <a:t>11/30/2018</a:t>
+            </a:fld>
+            <a:endParaRPr lang="en-US"/>
           </a:p>
         </p:txBody>
       </p:sp>
     </p:spTree>
     <p:extLst>
       <p:ext uri="{BB962C8B-B14F-4D97-AF65-F5344CB8AC3E}">
-        <p14:creationId xmlns:p14="http://schemas.microsoft.com/office/powerpoint/2010/main" val="1411460258"/>
+        <p14:creationId xmlns:p14="http://schemas.microsoft.com/office/powerpoint/2010/main" val="2390427066"/>
       </p:ext>
     </p:extLst>
   </p:cSld>
@@ -6556,17 +7614,28 @@
         </p:nvSpPr>
         <p:spPr>
           <a:xfrm>
-            <a:off x="628650" y="1079157"/>
-            <a:ext cx="7886700" cy="853160"/>
-          </a:xfrm>
-        </p:spPr>
-        <p:txBody>
-          <a:bodyPr/>
-          <a:lstStyle/>
-          <a:p>
-            <a:r>
-              <a:rPr lang="en-US" dirty="0" smtClean="0"/>
-              <a:t>Proposed Approach</a:t>
+            <a:off x="628649" y="1079157"/>
+            <a:ext cx="8869034" cy="1258600"/>
+          </a:xfrm>
+        </p:spPr>
+        <p:txBody>
+          <a:bodyPr/>
+          <a:lstStyle/>
+          <a:p>
+            <a:r>
+              <a:rPr lang="en-US" dirty="0" smtClean="0"/>
+              <a:t>Application: </a:t>
+            </a:r>
+            <a:br>
+              <a:rPr lang="en-US" dirty="0" smtClean="0"/>
+            </a:br>
+            <a:r>
+              <a:rPr lang="en-US" dirty="0" smtClean="0"/>
+              <a:t>Supersonic </a:t>
+            </a:r>
+            <a:r>
+              <a:rPr lang="en-US" dirty="0" err="1" smtClean="0"/>
+              <a:t>Retropropulsion</a:t>
             </a:r>
             <a:endParaRPr lang="en-US" dirty="0"/>
           </a:p>
@@ -6584,113 +7653,95 @@
         </p:nvSpPr>
         <p:spPr>
           <a:xfrm>
-            <a:off x="628650" y="1916153"/>
-            <a:ext cx="7886700" cy="4792655"/>
-          </a:xfrm>
-        </p:spPr>
-        <p:txBody>
-          <a:bodyPr/>
-          <a:lstStyle/>
-          <a:p>
-            <a:r>
-              <a:rPr lang="en-US" sz="2400" dirty="0" smtClean="0"/>
-              <a:t>Trajectory update is posed an optimal control problem</a:t>
-            </a:r>
+            <a:off x="628650" y="2337757"/>
+            <a:ext cx="7886700" cy="3839205"/>
+          </a:xfrm>
+        </p:spPr>
+        <p:txBody>
+          <a:bodyPr/>
+          <a:lstStyle/>
+          <a:p>
+            <a:r>
+              <a:rPr lang="en-US" dirty="0"/>
+              <a:t>During vehicle design, </a:t>
+            </a:r>
+            <a:r>
+              <a:rPr lang="en-US" dirty="0" smtClean="0"/>
+              <a:t>we </a:t>
+            </a:r>
+            <a:r>
+              <a:rPr lang="en-US" dirty="0" smtClean="0"/>
+              <a:t>seek </a:t>
+            </a:r>
+            <a:r>
+              <a:rPr lang="en-US" dirty="0" smtClean="0"/>
+              <a:t>to minimize propellant use under </a:t>
+            </a:r>
+            <a:r>
+              <a:rPr lang="en-US" dirty="0" smtClean="0"/>
+              <a:t>uncertainty during the powered descent phase  </a:t>
+            </a:r>
+            <a:endParaRPr lang="en-US" dirty="0" smtClean="0"/>
           </a:p>
           <a:p>
             <a:pPr lvl="1"/>
             <a:r>
-              <a:rPr lang="en-US" sz="2000" dirty="0" smtClean="0"/>
-              <a:t>Objective is to minimize distance to original trajectory while satisfying constraints </a:t>
-            </a:r>
-          </a:p>
-          <a:p>
-            <a:r>
-              <a:rPr lang="en-US" sz="2400" dirty="0" smtClean="0"/>
-              <a:t>Use energy as independent variable </a:t>
-            </a:r>
-          </a:p>
-          <a:p>
-            <a:r>
-              <a:rPr lang="en-US" sz="2400" dirty="0" err="1" smtClean="0"/>
-              <a:t>Convexify</a:t>
-            </a:r>
-            <a:r>
-              <a:rPr lang="en-US" sz="2400" dirty="0" smtClean="0"/>
-              <a:t> </a:t>
+              <a:rPr lang="en-US" dirty="0" smtClean="0"/>
+              <a:t>J = -m(</a:t>
+            </a:r>
+            <a:r>
+              <a:rPr lang="en-US" dirty="0" err="1" smtClean="0"/>
+              <a:t>tf</a:t>
+            </a:r>
+            <a:r>
+              <a:rPr lang="en-US" dirty="0" smtClean="0"/>
+              <a:t>)</a:t>
             </a:r>
           </a:p>
           <a:p>
             <a:pPr lvl="1"/>
             <a:r>
-              <a:rPr lang="en-US" sz="2000" dirty="0" smtClean="0"/>
-              <a:t>Treat bank angle as additional state, use bank rate as the control variable</a:t>
-            </a:r>
-          </a:p>
-          <a:p>
-            <a:pPr lvl="1"/>
-            <a:r>
-              <a:rPr lang="en-US" sz="2000" dirty="0" smtClean="0"/>
-              <a:t>Linearize the equations of motion </a:t>
-            </a:r>
-          </a:p>
-          <a:p>
-            <a:pPr lvl="1"/>
-            <a:r>
-              <a:rPr lang="en-US" sz="2000" dirty="0" smtClean="0"/>
-              <a:t>Unlike powered descent case, </a:t>
-            </a:r>
-            <a:r>
-              <a:rPr lang="en-US" sz="2000" dirty="0" err="1" smtClean="0"/>
-              <a:t>convexification</a:t>
-            </a:r>
-            <a:r>
-              <a:rPr lang="en-US" sz="2000" dirty="0" smtClean="0"/>
-              <a:t> is not lossless </a:t>
-            </a:r>
-          </a:p>
-          <a:p>
-            <a:r>
-              <a:rPr lang="en-US" sz="2400" dirty="0" smtClean="0"/>
-              <a:t>Discretize (or transcribe) into second-order cone program</a:t>
-            </a:r>
-          </a:p>
-          <a:p>
-            <a:pPr lvl="1"/>
-            <a:r>
-              <a:rPr lang="en-US" sz="2000" dirty="0" err="1" smtClean="0"/>
-              <a:t>Chebyshev</a:t>
-            </a:r>
-            <a:r>
-              <a:rPr lang="en-US" sz="2000" dirty="0" smtClean="0"/>
-              <a:t> </a:t>
-            </a:r>
-            <a:r>
-              <a:rPr lang="en-US" sz="2000" dirty="0" err="1"/>
-              <a:t>p</a:t>
-            </a:r>
-            <a:r>
-              <a:rPr lang="en-US" sz="2000" dirty="0" err="1" smtClean="0"/>
-              <a:t>seudospectral</a:t>
-            </a:r>
-            <a:r>
-              <a:rPr lang="en-US" sz="2000" dirty="0" smtClean="0"/>
-              <a:t> method </a:t>
-            </a:r>
-          </a:p>
-          <a:p>
-            <a:r>
-              <a:rPr lang="en-US" sz="2400" dirty="0" smtClean="0"/>
-              <a:t>Solve the resulting SOCP using efficient interior-point solver</a:t>
-            </a:r>
-            <a:endParaRPr lang="en-US" sz="2400" dirty="0"/>
+              <a:rPr lang="en-US" dirty="0" smtClean="0"/>
+              <a:t>This allows us to deliver the heaviest payload to the surface</a:t>
+            </a:r>
+            <a:endParaRPr lang="en-US" dirty="0" smtClean="0"/>
+          </a:p>
+          <a:p>
+            <a:r>
+              <a:rPr lang="en-US" dirty="0" smtClean="0"/>
+              <a:t>The system is subject to bounded thrust magnitude, glide-slope constraint that prevents shallow flight</a:t>
+            </a:r>
+            <a:endParaRPr lang="en-US" dirty="0" smtClean="0"/>
+          </a:p>
+        </p:txBody>
+      </p:sp>
+      <p:sp>
+        <p:nvSpPr>
+          <p:cNvPr id="4" name="Date Placeholder 3"/>
+          <p:cNvSpPr>
+            <a:spLocks noGrp="1"/>
+          </p:cNvSpPr>
+          <p:nvPr>
+            <p:ph type="dt" sz="half" idx="10"/>
+          </p:nvPr>
+        </p:nvSpPr>
+        <p:spPr/>
+        <p:txBody>
+          <a:bodyPr/>
+          <a:lstStyle/>
+          <a:p>
+            <a:fld id="{FA3B38A7-CC6F-4E29-89B7-25D234EC0321}" type="datetime1">
+              <a:rPr lang="en-US" smtClean="0"/>
+              <a:t>11/30/2018</a:t>
+            </a:fld>
+            <a:endParaRPr lang="en-US"/>
           </a:p>
         </p:txBody>
       </p:sp>
     </p:spTree>
     <p:extLst>
       <p:ext uri="{BB962C8B-B14F-4D97-AF65-F5344CB8AC3E}">
-        <p14:creationId xmlns:p14="http://schemas.microsoft.com/office/powerpoint/2010/main" val="3047953510"/>
+        <p14:creationId xmlns:p14="http://schemas.microsoft.com/office/powerpoint/2010/main" val="3220044604"/>
       </p:ext>
     </p:extLst>
   </p:cSld>
@@ -6734,14 +7785,7 @@
           <a:p>
             <a:r>
               <a:rPr lang="en-US" dirty="0" smtClean="0"/>
-              <a:t>Entry Descent and Landing </a:t>
-            </a:r>
-            <a:br>
-              <a:rPr lang="en-US" dirty="0" smtClean="0"/>
-            </a:br>
-            <a:r>
-              <a:rPr lang="en-US" dirty="0" smtClean="0"/>
-              <a:t>State of the Art</a:t>
+              <a:t>Outline</a:t>
             </a:r>
             <a:endParaRPr lang="en-US" dirty="0"/>
           </a:p>
@@ -6759,51 +7803,87 @@
         </p:nvSpPr>
         <p:spPr>
           <a:xfrm>
-            <a:off x="628650" y="2397211"/>
-            <a:ext cx="7886700" cy="3779752"/>
-          </a:xfrm>
-        </p:spPr>
-        <p:txBody>
-          <a:bodyPr/>
-          <a:lstStyle/>
-          <a:p>
-            <a:r>
-              <a:rPr lang="en-US" dirty="0" smtClean="0"/>
-              <a:t>Mars Science Laboratory -  Apollo entry guidance, DGB Chute, Sky-Crane Descent stage</a:t>
-            </a:r>
-          </a:p>
-          <a:p>
-            <a:r>
-              <a:rPr lang="en-US" dirty="0" smtClean="0"/>
-              <a:t>Reference trajectory designed for slow maneuvers and wide margins </a:t>
-            </a:r>
-          </a:p>
-          <a:p>
-            <a:r>
-              <a:rPr lang="en-US" dirty="0" smtClean="0"/>
-              <a:t>Closed-loop performance evaluated via Monte Carlo</a:t>
-            </a:r>
-          </a:p>
-          <a:p>
-            <a:pPr lvl="1"/>
-            <a:r>
-              <a:rPr lang="en-US" dirty="0" smtClean="0"/>
-              <a:t>Iteration with human in the loop </a:t>
-            </a:r>
-          </a:p>
-          <a:p>
-            <a:r>
-              <a:rPr lang="en-US" dirty="0" smtClean="0"/>
-              <a:t>Parachute architectures simply do not scale to high ballistic coefficients</a:t>
+            <a:off x="628650" y="1825624"/>
+            <a:ext cx="7886700" cy="4678269"/>
+          </a:xfrm>
+        </p:spPr>
+        <p:txBody>
+          <a:bodyPr/>
+          <a:lstStyle/>
+          <a:p>
+            <a:r>
+              <a:rPr lang="en-US" dirty="0" smtClean="0"/>
+              <a:t>Entry phase (hybrid opt, convex updating)</a:t>
+            </a:r>
+          </a:p>
+          <a:p>
+            <a:r>
+              <a:rPr lang="en-US" dirty="0" smtClean="0"/>
+              <a:t>SRP phase </a:t>
+            </a:r>
+            <a:r>
+              <a:rPr lang="en-US" dirty="0" smtClean="0"/>
+              <a:t>(robust solutions via optimal </a:t>
+            </a:r>
+            <a:r>
+              <a:rPr lang="en-US" dirty="0" smtClean="0"/>
+              <a:t>control)</a:t>
+            </a:r>
+          </a:p>
+          <a:p>
+            <a:r>
+              <a:rPr lang="en-US" dirty="0" smtClean="0"/>
+              <a:t>Multi-phase optimal control (create reference for initialization entry, and to track in SRP phase potentially)</a:t>
+            </a:r>
+          </a:p>
+          <a:p>
+            <a:r>
+              <a:rPr lang="en-US" dirty="0" smtClean="0"/>
+              <a:t>Adaptive SRP initiation via free initial condition OCP?</a:t>
+            </a:r>
+          </a:p>
+          <a:p>
+            <a:r>
+              <a:rPr lang="en-US" dirty="0" smtClean="0"/>
+              <a:t>Free final time via free initial condition?</a:t>
+            </a:r>
+          </a:p>
+          <a:p>
+            <a:r>
+              <a:rPr lang="en-US" dirty="0" smtClean="0"/>
+              <a:t>Non-standard control objectives: risk sensitive, minimally covariant trajectories </a:t>
             </a:r>
             <a:endParaRPr lang="en-US" dirty="0"/>
+          </a:p>
+        </p:txBody>
+      </p:sp>
+      <p:sp>
+        <p:nvSpPr>
+          <p:cNvPr id="4" name="Date Placeholder 3"/>
+          <p:cNvSpPr>
+            <a:spLocks noGrp="1"/>
+          </p:cNvSpPr>
+          <p:nvPr>
+            <p:ph type="dt" sz="half" idx="10"/>
+          </p:nvPr>
+        </p:nvSpPr>
+        <p:spPr/>
+        <p:txBody>
+          <a:bodyPr/>
+          <a:lstStyle/>
+          <a:p>
+            <a:fld id="{AAF8337C-28E0-45D7-BFAB-A5636CB463D0}" type="datetime1">
+              <a:rPr lang="en-US" smtClean="0"/>
+              <a:t>11/30/2018</a:t>
+            </a:fld>
+            <a:endParaRPr lang="en-US"/>
           </a:p>
         </p:txBody>
       </p:sp>
     </p:spTree>
     <p:extLst>
       <p:ext uri="{BB962C8B-B14F-4D97-AF65-F5344CB8AC3E}">
-        <p14:creationId xmlns:p14="http://schemas.microsoft.com/office/powerpoint/2010/main" val="2733381749"/>
+        <p14:creationId xmlns:p14="http://schemas.microsoft.com/office/powerpoint/2010/main" val="1132782950"/>
       </p:ext>
     </p:extLst>
   </p:cSld>
@@ -6832,6 +7912,1174 @@
       </p:grpSpPr>
       <p:sp>
         <p:nvSpPr>
+          <p:cNvPr id="4" name="5-Point Star 3"/>
+          <p:cNvSpPr/>
+          <p:nvPr/>
+        </p:nvSpPr>
+        <p:spPr>
+          <a:xfrm>
+            <a:off x="4290825" y="1365145"/>
+            <a:ext cx="246888" cy="246888"/>
+          </a:xfrm>
+          <a:prstGeom prst="star5">
+            <a:avLst/>
+          </a:prstGeom>
+        </p:spPr>
+        <p:style>
+          <a:lnRef idx="2">
+            <a:schemeClr val="accent1">
+              <a:shade val="50000"/>
+            </a:schemeClr>
+          </a:lnRef>
+          <a:fillRef idx="1">
+            <a:schemeClr val="accent1"/>
+          </a:fillRef>
+          <a:effectRef idx="0">
+            <a:schemeClr val="accent1"/>
+          </a:effectRef>
+          <a:fontRef idx="minor">
+            <a:schemeClr val="lt1"/>
+          </a:fontRef>
+        </p:style>
+        <p:txBody>
+          <a:bodyPr rtlCol="0" anchor="ctr"/>
+          <a:lstStyle/>
+          <a:p>
+            <a:pPr algn="ctr"/>
+            <a:endParaRPr lang="en-US" sz="1350"/>
+          </a:p>
+        </p:txBody>
+      </p:sp>
+      <p:sp>
+        <p:nvSpPr>
+          <p:cNvPr id="13" name="Oval 12"/>
+          <p:cNvSpPr/>
+          <p:nvPr/>
+        </p:nvSpPr>
+        <p:spPr>
+          <a:xfrm>
+            <a:off x="3823540" y="941429"/>
+            <a:ext cx="1161288" cy="1161288"/>
+          </a:xfrm>
+          <a:prstGeom prst="ellipse">
+            <a:avLst/>
+          </a:prstGeom>
+          <a:noFill/>
+          <a:ln>
+            <a:solidFill>
+              <a:srgbClr val="FF0000"/>
+            </a:solidFill>
+          </a:ln>
+        </p:spPr>
+        <p:style>
+          <a:lnRef idx="2">
+            <a:schemeClr val="accent1">
+              <a:shade val="50000"/>
+            </a:schemeClr>
+          </a:lnRef>
+          <a:fillRef idx="1">
+            <a:schemeClr val="accent1"/>
+          </a:fillRef>
+          <a:effectRef idx="0">
+            <a:schemeClr val="accent1"/>
+          </a:effectRef>
+          <a:fontRef idx="minor">
+            <a:schemeClr val="lt1"/>
+          </a:fontRef>
+        </p:style>
+        <p:txBody>
+          <a:bodyPr rtlCol="0" anchor="ctr"/>
+          <a:lstStyle/>
+          <a:p>
+            <a:pPr algn="ctr"/>
+            <a:endParaRPr lang="en-US" sz="1350"/>
+          </a:p>
+        </p:txBody>
+      </p:sp>
+      <p:sp>
+        <p:nvSpPr>
+          <p:cNvPr id="15" name="Freeform 14"/>
+          <p:cNvSpPr/>
+          <p:nvPr/>
+        </p:nvSpPr>
+        <p:spPr>
+          <a:xfrm>
+            <a:off x="4295106" y="1674159"/>
+            <a:ext cx="1045652" cy="3752270"/>
+          </a:xfrm>
+          <a:custGeom>
+            <a:avLst/>
+            <a:gdLst>
+              <a:gd name="connsiteX0" fmla="*/ 189902 w 1394202"/>
+              <a:gd name="connsiteY0" fmla="*/ 5432612 h 5432612"/>
+              <a:gd name="connsiteX1" fmla="*/ 95773 w 1394202"/>
+              <a:gd name="connsiteY1" fmla="*/ 2918012 h 5432612"/>
+              <a:gd name="connsiteX2" fmla="*/ 1373243 w 1394202"/>
+              <a:gd name="connsiteY2" fmla="*/ 793376 h 5432612"/>
+              <a:gd name="connsiteX3" fmla="*/ 889149 w 1394202"/>
+              <a:gd name="connsiteY3" fmla="*/ 0 h 5432612"/>
+            </a:gdLst>
+            <a:ahLst/>
+            <a:cxnLst>
+              <a:cxn ang="0">
+                <a:pos x="connsiteX0" y="connsiteY0"/>
+              </a:cxn>
+              <a:cxn ang="0">
+                <a:pos x="connsiteX1" y="connsiteY1"/>
+              </a:cxn>
+              <a:cxn ang="0">
+                <a:pos x="connsiteX2" y="connsiteY2"/>
+              </a:cxn>
+              <a:cxn ang="0">
+                <a:pos x="connsiteX3" y="connsiteY3"/>
+              </a:cxn>
+            </a:cxnLst>
+            <a:rect l="l" t="t" r="r" b="b"/>
+            <a:pathLst>
+              <a:path w="1394202" h="5432612">
+                <a:moveTo>
+                  <a:pt x="189902" y="5432612"/>
+                </a:moveTo>
+                <a:cubicBezTo>
+                  <a:pt x="44225" y="4561915"/>
+                  <a:pt x="-101451" y="3691218"/>
+                  <a:pt x="95773" y="2918012"/>
+                </a:cubicBezTo>
+                <a:cubicBezTo>
+                  <a:pt x="292997" y="2144806"/>
+                  <a:pt x="1241014" y="1279711"/>
+                  <a:pt x="1373243" y="793376"/>
+                </a:cubicBezTo>
+                <a:cubicBezTo>
+                  <a:pt x="1505472" y="307041"/>
+                  <a:pt x="972073" y="127747"/>
+                  <a:pt x="889149" y="0"/>
+                </a:cubicBezTo>
+              </a:path>
+            </a:pathLst>
+          </a:custGeom>
+          <a:noFill/>
+          <a:ln>
+            <a:solidFill>
+              <a:schemeClr val="tx1"/>
+            </a:solidFill>
+          </a:ln>
+        </p:spPr>
+        <p:style>
+          <a:lnRef idx="2">
+            <a:schemeClr val="accent1">
+              <a:shade val="50000"/>
+            </a:schemeClr>
+          </a:lnRef>
+          <a:fillRef idx="1">
+            <a:schemeClr val="accent1"/>
+          </a:fillRef>
+          <a:effectRef idx="0">
+            <a:schemeClr val="accent1"/>
+          </a:effectRef>
+          <a:fontRef idx="minor">
+            <a:schemeClr val="lt1"/>
+          </a:fontRef>
+        </p:style>
+        <p:txBody>
+          <a:bodyPr rtlCol="0" anchor="ctr"/>
+          <a:lstStyle/>
+          <a:p>
+            <a:pPr algn="ctr"/>
+            <a:endParaRPr lang="en-US" sz="1350"/>
+          </a:p>
+        </p:txBody>
+      </p:sp>
+      <p:sp>
+        <p:nvSpPr>
+          <p:cNvPr id="16" name="TextBox 15"/>
+          <p:cNvSpPr txBox="1"/>
+          <p:nvPr/>
+        </p:nvSpPr>
+        <p:spPr>
+          <a:xfrm>
+            <a:off x="5182612" y="941428"/>
+            <a:ext cx="1688732" cy="300082"/>
+          </a:xfrm>
+          <a:prstGeom prst="rect">
+            <a:avLst/>
+          </a:prstGeom>
+          <a:noFill/>
+        </p:spPr>
+        <p:txBody>
+          <a:bodyPr wrap="none" rtlCol="0">
+            <a:spAutoFit/>
+          </a:bodyPr>
+          <a:lstStyle/>
+          <a:p>
+            <a:r>
+              <a:rPr lang="en-US" sz="1350" dirty="0"/>
+              <a:t>Targeted Landing Site</a:t>
+            </a:r>
+            <a:endParaRPr lang="en-US" sz="1350" dirty="0"/>
+          </a:p>
+        </p:txBody>
+      </p:sp>
+      <p:cxnSp>
+        <p:nvCxnSpPr>
+          <p:cNvPr id="18" name="Straight Arrow Connector 17"/>
+          <p:cNvCxnSpPr>
+            <a:stCxn id="16" idx="1"/>
+            <a:endCxn id="4" idx="4"/>
+          </p:cNvCxnSpPr>
+          <p:nvPr/>
+        </p:nvCxnSpPr>
+        <p:spPr>
+          <a:xfrm flipH="1">
+            <a:off x="4537713" y="1091469"/>
+            <a:ext cx="644899" cy="367979"/>
+          </a:xfrm>
+          <a:prstGeom prst="straightConnector1">
+            <a:avLst/>
+          </a:prstGeom>
+          <a:ln>
+            <a:solidFill>
+              <a:schemeClr val="tx1"/>
+            </a:solidFill>
+            <a:tailEnd type="triangle"/>
+          </a:ln>
+        </p:spPr>
+        <p:style>
+          <a:lnRef idx="1">
+            <a:schemeClr val="accent1"/>
+          </a:lnRef>
+          <a:fillRef idx="0">
+            <a:schemeClr val="accent1"/>
+          </a:fillRef>
+          <a:effectRef idx="0">
+            <a:schemeClr val="accent1"/>
+          </a:effectRef>
+          <a:fontRef idx="minor">
+            <a:schemeClr val="tx1"/>
+          </a:fontRef>
+        </p:style>
+      </p:cxnSp>
+      <p:sp>
+        <p:nvSpPr>
+          <p:cNvPr id="19" name="TextBox 18"/>
+          <p:cNvSpPr txBox="1"/>
+          <p:nvPr/>
+        </p:nvSpPr>
+        <p:spPr>
+          <a:xfrm>
+            <a:off x="5678324" y="1535659"/>
+            <a:ext cx="3014800" cy="300082"/>
+          </a:xfrm>
+          <a:prstGeom prst="rect">
+            <a:avLst/>
+          </a:prstGeom>
+          <a:noFill/>
+        </p:spPr>
+        <p:txBody>
+          <a:bodyPr wrap="none" rtlCol="0">
+            <a:spAutoFit/>
+          </a:bodyPr>
+          <a:lstStyle/>
+          <a:p>
+            <a:r>
+              <a:rPr lang="en-US" sz="1350" dirty="0"/>
+              <a:t>Optimal SRP Ignition (Nominal Scenario)</a:t>
+            </a:r>
+            <a:endParaRPr lang="en-US" sz="1350" dirty="0"/>
+          </a:p>
+        </p:txBody>
+      </p:sp>
+      <p:cxnSp>
+        <p:nvCxnSpPr>
+          <p:cNvPr id="21" name="Straight Arrow Connector 20"/>
+          <p:cNvCxnSpPr/>
+          <p:nvPr/>
+        </p:nvCxnSpPr>
+        <p:spPr>
+          <a:xfrm flipH="1">
+            <a:off x="4992223" y="1664074"/>
+            <a:ext cx="716357" cy="0"/>
+          </a:xfrm>
+          <a:prstGeom prst="straightConnector1">
+            <a:avLst/>
+          </a:prstGeom>
+          <a:ln>
+            <a:solidFill>
+              <a:schemeClr val="tx1"/>
+            </a:solidFill>
+            <a:tailEnd type="triangle"/>
+          </a:ln>
+        </p:spPr>
+        <p:style>
+          <a:lnRef idx="1">
+            <a:schemeClr val="accent1"/>
+          </a:lnRef>
+          <a:fillRef idx="0">
+            <a:schemeClr val="accent1"/>
+          </a:fillRef>
+          <a:effectRef idx="0">
+            <a:schemeClr val="accent1"/>
+          </a:effectRef>
+          <a:fontRef idx="minor">
+            <a:schemeClr val="tx1"/>
+          </a:fontRef>
+        </p:style>
+      </p:cxnSp>
+      <p:sp>
+        <p:nvSpPr>
+          <p:cNvPr id="22" name="TextBox 21"/>
+          <p:cNvSpPr txBox="1"/>
+          <p:nvPr/>
+        </p:nvSpPr>
+        <p:spPr>
+          <a:xfrm>
+            <a:off x="4527628" y="3472576"/>
+            <a:ext cx="2996002" cy="715581"/>
+          </a:xfrm>
+          <a:prstGeom prst="rect">
+            <a:avLst/>
+          </a:prstGeom>
+          <a:noFill/>
+        </p:spPr>
+        <p:txBody>
+          <a:bodyPr wrap="square" rtlCol="0">
+            <a:spAutoFit/>
+          </a:bodyPr>
+          <a:lstStyle/>
+          <a:p>
+            <a:r>
+              <a:rPr lang="en-US" sz="1350" dirty="0"/>
+              <a:t>Entry trajectory, steered by bank angle commands, executed by small</a:t>
+            </a:r>
+          </a:p>
+          <a:p>
+            <a:r>
+              <a:rPr lang="en-US" sz="1350" dirty="0"/>
+              <a:t>RCS thrusters</a:t>
+            </a:r>
+            <a:endParaRPr lang="en-US" sz="1350" dirty="0"/>
+          </a:p>
+        </p:txBody>
+      </p:sp>
+      <p:sp>
+        <p:nvSpPr>
+          <p:cNvPr id="23" name="TextBox 22"/>
+          <p:cNvSpPr txBox="1"/>
+          <p:nvPr/>
+        </p:nvSpPr>
+        <p:spPr>
+          <a:xfrm>
+            <a:off x="4624381" y="5211556"/>
+            <a:ext cx="2155526" cy="300082"/>
+          </a:xfrm>
+          <a:prstGeom prst="rect">
+            <a:avLst/>
+          </a:prstGeom>
+          <a:noFill/>
+        </p:spPr>
+        <p:txBody>
+          <a:bodyPr wrap="none" rtlCol="0">
+            <a:spAutoFit/>
+          </a:bodyPr>
+          <a:lstStyle/>
+          <a:p>
+            <a:r>
+              <a:rPr lang="en-US" sz="1350" dirty="0"/>
+              <a:t>Atmospheric entry interface</a:t>
+            </a:r>
+            <a:endParaRPr lang="en-US" sz="1350" dirty="0"/>
+          </a:p>
+        </p:txBody>
+      </p:sp>
+      <p:sp>
+        <p:nvSpPr>
+          <p:cNvPr id="26" name="TextBox 25"/>
+          <p:cNvSpPr txBox="1"/>
+          <p:nvPr/>
+        </p:nvSpPr>
+        <p:spPr>
+          <a:xfrm>
+            <a:off x="2531410" y="5149429"/>
+            <a:ext cx="994952" cy="300082"/>
+          </a:xfrm>
+          <a:prstGeom prst="rect">
+            <a:avLst/>
+          </a:prstGeom>
+          <a:noFill/>
+        </p:spPr>
+        <p:txBody>
+          <a:bodyPr wrap="none" rtlCol="0">
+            <a:spAutoFit/>
+          </a:bodyPr>
+          <a:lstStyle/>
+          <a:p>
+            <a:r>
+              <a:rPr lang="en-US" sz="1350" dirty="0"/>
+              <a:t>Downrange</a:t>
+            </a:r>
+            <a:endParaRPr lang="en-US" sz="1350" dirty="0"/>
+          </a:p>
+        </p:txBody>
+      </p:sp>
+      <p:cxnSp>
+        <p:nvCxnSpPr>
+          <p:cNvPr id="28" name="Straight Arrow Connector 27"/>
+          <p:cNvCxnSpPr>
+            <a:stCxn id="26" idx="0"/>
+          </p:cNvCxnSpPr>
+          <p:nvPr/>
+        </p:nvCxnSpPr>
+        <p:spPr>
+          <a:xfrm flipH="1" flipV="1">
+            <a:off x="3001809" y="4377018"/>
+            <a:ext cx="27077" cy="772411"/>
+          </a:xfrm>
+          <a:prstGeom prst="straightConnector1">
+            <a:avLst/>
+          </a:prstGeom>
+          <a:ln>
+            <a:solidFill>
+              <a:schemeClr val="tx1"/>
+            </a:solidFill>
+            <a:tailEnd type="triangle"/>
+          </a:ln>
+        </p:spPr>
+        <p:style>
+          <a:lnRef idx="1">
+            <a:schemeClr val="accent1"/>
+          </a:lnRef>
+          <a:fillRef idx="0">
+            <a:schemeClr val="accent1"/>
+          </a:fillRef>
+          <a:effectRef idx="0">
+            <a:schemeClr val="accent1"/>
+          </a:effectRef>
+          <a:fontRef idx="minor">
+            <a:schemeClr val="tx1"/>
+          </a:fontRef>
+        </p:style>
+      </p:cxnSp>
+      <p:sp>
+        <p:nvSpPr>
+          <p:cNvPr id="29" name="TextBox 28"/>
+          <p:cNvSpPr txBox="1"/>
+          <p:nvPr/>
+        </p:nvSpPr>
+        <p:spPr>
+          <a:xfrm>
+            <a:off x="4007132" y="5670630"/>
+            <a:ext cx="960776" cy="300082"/>
+          </a:xfrm>
+          <a:prstGeom prst="rect">
+            <a:avLst/>
+          </a:prstGeom>
+          <a:noFill/>
+        </p:spPr>
+        <p:txBody>
+          <a:bodyPr wrap="none" rtlCol="0">
+            <a:spAutoFit/>
+          </a:bodyPr>
+          <a:lstStyle/>
+          <a:p>
+            <a:r>
+              <a:rPr lang="en-US" sz="1350" dirty="0" err="1"/>
+              <a:t>Crossrange</a:t>
+            </a:r>
+            <a:endParaRPr lang="en-US" sz="1350" dirty="0"/>
+          </a:p>
+        </p:txBody>
+      </p:sp>
+      <p:cxnSp>
+        <p:nvCxnSpPr>
+          <p:cNvPr id="31" name="Straight Arrow Connector 30"/>
+          <p:cNvCxnSpPr>
+            <a:stCxn id="29" idx="3"/>
+          </p:cNvCxnSpPr>
+          <p:nvPr/>
+        </p:nvCxnSpPr>
+        <p:spPr>
+          <a:xfrm flipV="1">
+            <a:off x="4967908" y="5809130"/>
+            <a:ext cx="538663" cy="11541"/>
+          </a:xfrm>
+          <a:prstGeom prst="straightConnector1">
+            <a:avLst/>
+          </a:prstGeom>
+          <a:ln>
+            <a:solidFill>
+              <a:schemeClr val="tx1"/>
+            </a:solidFill>
+            <a:tailEnd type="triangle"/>
+          </a:ln>
+        </p:spPr>
+        <p:style>
+          <a:lnRef idx="1">
+            <a:schemeClr val="accent1"/>
+          </a:lnRef>
+          <a:fillRef idx="0">
+            <a:schemeClr val="accent1"/>
+          </a:fillRef>
+          <a:effectRef idx="0">
+            <a:schemeClr val="accent1"/>
+          </a:effectRef>
+          <a:fontRef idx="minor">
+            <a:schemeClr val="tx1"/>
+          </a:fontRef>
+        </p:style>
+      </p:cxnSp>
+      <p:cxnSp>
+        <p:nvCxnSpPr>
+          <p:cNvPr id="33" name="Straight Arrow Connector 32"/>
+          <p:cNvCxnSpPr>
+            <a:stCxn id="29" idx="1"/>
+          </p:cNvCxnSpPr>
+          <p:nvPr/>
+        </p:nvCxnSpPr>
+        <p:spPr>
+          <a:xfrm flipH="1" flipV="1">
+            <a:off x="3449172" y="5809130"/>
+            <a:ext cx="557960" cy="11541"/>
+          </a:xfrm>
+          <a:prstGeom prst="straightConnector1">
+            <a:avLst/>
+          </a:prstGeom>
+          <a:ln>
+            <a:solidFill>
+              <a:schemeClr val="tx1"/>
+            </a:solidFill>
+            <a:tailEnd type="triangle"/>
+          </a:ln>
+        </p:spPr>
+        <p:style>
+          <a:lnRef idx="1">
+            <a:schemeClr val="accent1"/>
+          </a:lnRef>
+          <a:fillRef idx="0">
+            <a:schemeClr val="accent1"/>
+          </a:fillRef>
+          <a:effectRef idx="0">
+            <a:schemeClr val="accent1"/>
+          </a:effectRef>
+          <a:fontRef idx="minor">
+            <a:schemeClr val="tx1"/>
+          </a:fontRef>
+        </p:style>
+      </p:cxnSp>
+      <p:sp>
+        <p:nvSpPr>
+          <p:cNvPr id="37" name="TextBox 36"/>
+          <p:cNvSpPr txBox="1"/>
+          <p:nvPr/>
+        </p:nvSpPr>
+        <p:spPr>
+          <a:xfrm>
+            <a:off x="327831" y="1202409"/>
+            <a:ext cx="3451303" cy="923330"/>
+          </a:xfrm>
+          <a:prstGeom prst="rect">
+            <a:avLst/>
+          </a:prstGeom>
+          <a:noFill/>
+        </p:spPr>
+        <p:txBody>
+          <a:bodyPr wrap="square" rtlCol="0">
+            <a:spAutoFit/>
+          </a:bodyPr>
+          <a:lstStyle/>
+          <a:p>
+            <a:r>
+              <a:rPr lang="en-US" sz="1350" dirty="0"/>
+              <a:t>For the same optimal altitude, velocity, and flight path angle, any point on the red circle will produce an equivalent SRP trajectory so long as the heading points to the target </a:t>
+            </a:r>
+            <a:endParaRPr lang="en-US" sz="1350" dirty="0"/>
+          </a:p>
+        </p:txBody>
+      </p:sp>
+      <p:sp>
+        <p:nvSpPr>
+          <p:cNvPr id="39" name="Oval 38"/>
+          <p:cNvSpPr/>
+          <p:nvPr/>
+        </p:nvSpPr>
+        <p:spPr>
+          <a:xfrm>
+            <a:off x="4267380" y="5214947"/>
+            <a:ext cx="273608" cy="273608"/>
+          </a:xfrm>
+          <a:prstGeom prst="ellipse">
+            <a:avLst/>
+          </a:prstGeom>
+        </p:spPr>
+        <p:style>
+          <a:lnRef idx="2">
+            <a:schemeClr val="accent1">
+              <a:shade val="50000"/>
+            </a:schemeClr>
+          </a:lnRef>
+          <a:fillRef idx="1">
+            <a:schemeClr val="accent1"/>
+          </a:fillRef>
+          <a:effectRef idx="0">
+            <a:schemeClr val="accent1"/>
+          </a:effectRef>
+          <a:fontRef idx="minor">
+            <a:schemeClr val="lt1"/>
+          </a:fontRef>
+        </p:style>
+        <p:txBody>
+          <a:bodyPr rtlCol="0" anchor="ctr"/>
+          <a:lstStyle/>
+          <a:p>
+            <a:pPr algn="ctr"/>
+            <a:endParaRPr lang="en-US" sz="1350"/>
+          </a:p>
+        </p:txBody>
+      </p:sp>
+      <p:sp>
+        <p:nvSpPr>
+          <p:cNvPr id="41" name="TextBox 40"/>
+          <p:cNvSpPr txBox="1"/>
+          <p:nvPr/>
+        </p:nvSpPr>
+        <p:spPr>
+          <a:xfrm>
+            <a:off x="329206" y="2228736"/>
+            <a:ext cx="3197156" cy="1131079"/>
+          </a:xfrm>
+          <a:prstGeom prst="rect">
+            <a:avLst/>
+          </a:prstGeom>
+          <a:noFill/>
+        </p:spPr>
+        <p:txBody>
+          <a:bodyPr wrap="square" rtlCol="0">
+            <a:spAutoFit/>
+          </a:bodyPr>
+          <a:lstStyle/>
+          <a:p>
+            <a:r>
+              <a:rPr lang="en-US" sz="1350" dirty="0"/>
+              <a:t>This is interesting because it means that unlike with parachute architectures which try hard to arrive </a:t>
+            </a:r>
+            <a:r>
+              <a:rPr lang="en-US" sz="1350" dirty="0" smtClean="0"/>
+              <a:t>near </a:t>
+            </a:r>
+            <a:r>
+              <a:rPr lang="en-US" sz="1350" dirty="0"/>
+              <a:t>zero </a:t>
+            </a:r>
+            <a:r>
+              <a:rPr lang="en-US" sz="1350" dirty="0" err="1"/>
+              <a:t>crossrange</a:t>
+            </a:r>
+            <a:r>
+              <a:rPr lang="en-US" sz="1350" dirty="0"/>
+              <a:t>, there is no such restriction on </a:t>
+            </a:r>
+            <a:r>
+              <a:rPr lang="en-US" sz="1350" dirty="0" smtClean="0"/>
+              <a:t>SRP-based landings</a:t>
+            </a:r>
+            <a:endParaRPr lang="en-US" sz="1350" dirty="0"/>
+          </a:p>
+        </p:txBody>
+      </p:sp>
+    </p:spTree>
+    <p:extLst>
+      <p:ext uri="{BB962C8B-B14F-4D97-AF65-F5344CB8AC3E}">
+        <p14:creationId xmlns:p14="http://schemas.microsoft.com/office/powerpoint/2010/main" val="738796558"/>
+      </p:ext>
+    </p:extLst>
+  </p:cSld>
+  <p:clrMapOvr>
+    <a:masterClrMapping/>
+  </p:clrMapOvr>
+</p:sld>
+</file>
+
+<file path=ppt/slides/slide21.xml><?xml version="1.0" encoding="utf-8"?>
+<p:sld xmlns:a="http://schemas.openxmlformats.org/drawingml/2006/main" xmlns:r="http://schemas.openxmlformats.org/officeDocument/2006/relationships" xmlns:p="http://schemas.openxmlformats.org/presentationml/2006/main">
+  <p:cSld>
+    <p:spTree>
+      <p:nvGrpSpPr>
+        <p:cNvPr id="1" name=""/>
+        <p:cNvGrpSpPr/>
+        <p:nvPr/>
+      </p:nvGrpSpPr>
+      <p:grpSpPr>
+        <a:xfrm>
+          <a:off x="0" y="0"/>
+          <a:ext cx="0" cy="0"/>
+          <a:chOff x="0" y="0"/>
+          <a:chExt cx="0" cy="0"/>
+        </a:xfrm>
+      </p:grpSpPr>
+      <p:sp>
+        <p:nvSpPr>
+          <p:cNvPr id="2" name="Title 1"/>
+          <p:cNvSpPr>
+            <a:spLocks noGrp="1"/>
+          </p:cNvSpPr>
+          <p:nvPr>
+            <p:ph type="title"/>
+          </p:nvPr>
+        </p:nvSpPr>
+        <p:spPr/>
+        <p:txBody>
+          <a:bodyPr/>
+          <a:lstStyle/>
+          <a:p>
+            <a:r>
+              <a:rPr lang="en-US" dirty="0" smtClean="0"/>
+              <a:t>Introduction</a:t>
+            </a:r>
+            <a:endParaRPr lang="en-US" dirty="0"/>
+          </a:p>
+        </p:txBody>
+      </p:sp>
+      <p:sp>
+        <p:nvSpPr>
+          <p:cNvPr id="3" name="Content Placeholder 2"/>
+          <p:cNvSpPr>
+            <a:spLocks noGrp="1"/>
+          </p:cNvSpPr>
+          <p:nvPr>
+            <p:ph idx="1"/>
+          </p:nvPr>
+        </p:nvSpPr>
+        <p:spPr/>
+        <p:txBody>
+          <a:bodyPr/>
+          <a:lstStyle/>
+          <a:p>
+            <a:r>
+              <a:rPr lang="en-US" dirty="0" smtClean="0"/>
+              <a:t>Future Mars missions will have challenging requirements that necessitate closed-loop entry guidance</a:t>
+            </a:r>
+          </a:p>
+          <a:p>
+            <a:r>
+              <a:rPr lang="en-US" dirty="0" smtClean="0"/>
+              <a:t>The ability to design a trajectory onboard increases autonomy and can be used in entry guidance</a:t>
+            </a:r>
+          </a:p>
+          <a:p>
+            <a:pPr lvl="1"/>
+            <a:r>
+              <a:rPr lang="en-US" dirty="0" smtClean="0"/>
+              <a:t>Trajectory generation can be used in reference tracking methods, or as the basis for a numerical predictor-corrector method via frequent design</a:t>
+            </a:r>
+          </a:p>
+          <a:p>
+            <a:r>
+              <a:rPr lang="en-US" dirty="0" smtClean="0"/>
+              <a:t>Generating an optimal trajectory onboard is difficult due to limited computing resources</a:t>
+            </a:r>
+          </a:p>
+          <a:p>
+            <a:endParaRPr lang="en-US" dirty="0" smtClean="0"/>
+          </a:p>
+          <a:p>
+            <a:endParaRPr lang="en-US" dirty="0"/>
+          </a:p>
+        </p:txBody>
+      </p:sp>
+      <p:sp>
+        <p:nvSpPr>
+          <p:cNvPr id="4" name="Date Placeholder 3"/>
+          <p:cNvSpPr>
+            <a:spLocks noGrp="1"/>
+          </p:cNvSpPr>
+          <p:nvPr>
+            <p:ph type="dt" sz="half" idx="10"/>
+          </p:nvPr>
+        </p:nvSpPr>
+        <p:spPr/>
+        <p:txBody>
+          <a:bodyPr/>
+          <a:lstStyle/>
+          <a:p>
+            <a:fld id="{2B95A4FC-FB7C-4AB5-B4A7-5F2CB3788E89}" type="datetime1">
+              <a:rPr lang="en-US" smtClean="0"/>
+              <a:t>11/30/2018</a:t>
+            </a:fld>
+            <a:endParaRPr lang="en-US"/>
+          </a:p>
+        </p:txBody>
+      </p:sp>
+    </p:spTree>
+    <p:extLst>
+      <p:ext uri="{BB962C8B-B14F-4D97-AF65-F5344CB8AC3E}">
+        <p14:creationId xmlns:p14="http://schemas.microsoft.com/office/powerpoint/2010/main" val="2368961217"/>
+      </p:ext>
+    </p:extLst>
+  </p:cSld>
+  <p:clrMapOvr>
+    <a:masterClrMapping/>
+  </p:clrMapOvr>
+  <p:timing>
+    <p:tnLst>
+      <p:par>
+        <p:cTn id="1" dur="indefinite" restart="never" nodeType="tmRoot"/>
+      </p:par>
+    </p:tnLst>
+  </p:timing>
+</p:sld>
+</file>
+
+<file path=ppt/slides/slide22.xml><?xml version="1.0" encoding="utf-8"?>
+<p:sld xmlns:a="http://schemas.openxmlformats.org/drawingml/2006/main" xmlns:r="http://schemas.openxmlformats.org/officeDocument/2006/relationships" xmlns:p="http://schemas.openxmlformats.org/presentationml/2006/main">
+  <p:cSld>
+    <p:spTree>
+      <p:nvGrpSpPr>
+        <p:cNvPr id="1" name=""/>
+        <p:cNvGrpSpPr/>
+        <p:nvPr/>
+      </p:nvGrpSpPr>
+      <p:grpSpPr>
+        <a:xfrm>
+          <a:off x="0" y="0"/>
+          <a:ext cx="0" cy="0"/>
+          <a:chOff x="0" y="0"/>
+          <a:chExt cx="0" cy="0"/>
+        </a:xfrm>
+      </p:grpSpPr>
+      <p:sp>
+        <p:nvSpPr>
+          <p:cNvPr id="2" name="Title 1"/>
+          <p:cNvSpPr>
+            <a:spLocks noGrp="1"/>
+          </p:cNvSpPr>
+          <p:nvPr>
+            <p:ph type="title"/>
+          </p:nvPr>
+        </p:nvSpPr>
+        <p:spPr/>
+        <p:txBody>
+          <a:bodyPr/>
+          <a:lstStyle/>
+          <a:p>
+            <a:r>
+              <a:rPr lang="en-US" dirty="0" smtClean="0"/>
+              <a:t>Entry Trajectory Updating</a:t>
+            </a:r>
+            <a:endParaRPr lang="en-US" dirty="0"/>
+          </a:p>
+        </p:txBody>
+      </p:sp>
+      <p:sp>
+        <p:nvSpPr>
+          <p:cNvPr id="3" name="Content Placeholder 2"/>
+          <p:cNvSpPr>
+            <a:spLocks noGrp="1"/>
+          </p:cNvSpPr>
+          <p:nvPr>
+            <p:ph idx="1"/>
+          </p:nvPr>
+        </p:nvSpPr>
+        <p:spPr>
+          <a:xfrm>
+            <a:off x="628650" y="1792119"/>
+            <a:ext cx="8361346" cy="5561582"/>
+          </a:xfrm>
+        </p:spPr>
+        <p:txBody>
+          <a:bodyPr/>
+          <a:lstStyle/>
+          <a:p>
+            <a:r>
+              <a:rPr lang="en-US" dirty="0" smtClean="0"/>
+              <a:t>The vehicle enters the atmosphere with a trajectory designed that will deliver it to the target under nominal conditions </a:t>
+            </a:r>
+          </a:p>
+          <a:p>
+            <a:r>
+              <a:rPr lang="en-US" dirty="0"/>
+              <a:t>Under off-nominal conditions, the vehicle will deviate from the trajectory that was planned, </a:t>
+            </a:r>
+            <a:r>
+              <a:rPr lang="en-US" dirty="0" smtClean="0"/>
+              <a:t>sometimes even </a:t>
+            </a:r>
+            <a:r>
+              <a:rPr lang="en-US" dirty="0"/>
+              <a:t>with the aid of </a:t>
+            </a:r>
+            <a:r>
+              <a:rPr lang="en-US" dirty="0" smtClean="0"/>
+              <a:t>closed-loop guidance </a:t>
+            </a:r>
+          </a:p>
+          <a:p>
+            <a:pPr lvl="1"/>
+            <a:r>
+              <a:rPr lang="en-US" dirty="0" smtClean="0"/>
+              <a:t>Vehicle may arrive at the target under poor conditions (e.g. outside of parachute deployment conditions) or may violate important path constraints </a:t>
+            </a:r>
+          </a:p>
+          <a:p>
+            <a:r>
+              <a:rPr lang="en-US" dirty="0" smtClean="0"/>
+              <a:t>Goal: use current estimated vehicle state and redesign a path to the target while satisfying constraints (e.g. parachute deploy conditions, path constraints)</a:t>
+            </a:r>
+          </a:p>
+          <a:p>
+            <a:endParaRPr lang="en-US" dirty="0" smtClean="0"/>
+          </a:p>
+        </p:txBody>
+      </p:sp>
+      <p:sp>
+        <p:nvSpPr>
+          <p:cNvPr id="4" name="Date Placeholder 3"/>
+          <p:cNvSpPr>
+            <a:spLocks noGrp="1"/>
+          </p:cNvSpPr>
+          <p:nvPr>
+            <p:ph type="dt" sz="half" idx="10"/>
+          </p:nvPr>
+        </p:nvSpPr>
+        <p:spPr/>
+        <p:txBody>
+          <a:bodyPr/>
+          <a:lstStyle/>
+          <a:p>
+            <a:fld id="{63A7C39B-4337-4284-8FCA-2CFCA1AD45E4}" type="datetime1">
+              <a:rPr lang="en-US" smtClean="0"/>
+              <a:t>11/30/2018</a:t>
+            </a:fld>
+            <a:endParaRPr lang="en-US"/>
+          </a:p>
+        </p:txBody>
+      </p:sp>
+    </p:spTree>
+    <p:extLst>
+      <p:ext uri="{BB962C8B-B14F-4D97-AF65-F5344CB8AC3E}">
+        <p14:creationId xmlns:p14="http://schemas.microsoft.com/office/powerpoint/2010/main" val="1411460258"/>
+      </p:ext>
+    </p:extLst>
+  </p:cSld>
+  <p:clrMapOvr>
+    <a:masterClrMapping/>
+  </p:clrMapOvr>
+</p:sld>
+</file>
+
+<file path=ppt/slides/slide23.xml><?xml version="1.0" encoding="utf-8"?>
+<p:sld xmlns:a="http://schemas.openxmlformats.org/drawingml/2006/main" xmlns:r="http://schemas.openxmlformats.org/officeDocument/2006/relationships" xmlns:p="http://schemas.openxmlformats.org/presentationml/2006/main">
+  <p:cSld>
+    <p:spTree>
+      <p:nvGrpSpPr>
+        <p:cNvPr id="1" name=""/>
+        <p:cNvGrpSpPr/>
+        <p:nvPr/>
+      </p:nvGrpSpPr>
+      <p:grpSpPr>
+        <a:xfrm>
+          <a:off x="0" y="0"/>
+          <a:ext cx="0" cy="0"/>
+          <a:chOff x="0" y="0"/>
+          <a:chExt cx="0" cy="0"/>
+        </a:xfrm>
+      </p:grpSpPr>
+      <p:sp>
+        <p:nvSpPr>
+          <p:cNvPr id="2" name="Title 1"/>
+          <p:cNvSpPr>
+            <a:spLocks noGrp="1"/>
+          </p:cNvSpPr>
+          <p:nvPr>
+            <p:ph type="title"/>
+          </p:nvPr>
+        </p:nvSpPr>
+        <p:spPr>
+          <a:xfrm>
+            <a:off x="628650" y="1079157"/>
+            <a:ext cx="7886700" cy="853160"/>
+          </a:xfrm>
+        </p:spPr>
+        <p:txBody>
+          <a:bodyPr/>
+          <a:lstStyle/>
+          <a:p>
+            <a:r>
+              <a:rPr lang="en-US" dirty="0" smtClean="0"/>
+              <a:t>Proposed Approach</a:t>
+            </a:r>
+            <a:endParaRPr lang="en-US" dirty="0"/>
+          </a:p>
+        </p:txBody>
+      </p:sp>
+      <p:sp>
+        <p:nvSpPr>
+          <p:cNvPr id="3" name="Content Placeholder 2"/>
+          <p:cNvSpPr>
+            <a:spLocks noGrp="1"/>
+          </p:cNvSpPr>
+          <p:nvPr>
+            <p:ph idx="1"/>
+          </p:nvPr>
+        </p:nvSpPr>
+        <p:spPr>
+          <a:xfrm>
+            <a:off x="628650" y="1916153"/>
+            <a:ext cx="7886700" cy="4792655"/>
+          </a:xfrm>
+        </p:spPr>
+        <p:txBody>
+          <a:bodyPr/>
+          <a:lstStyle/>
+          <a:p>
+            <a:r>
+              <a:rPr lang="en-US" sz="2400" dirty="0" smtClean="0"/>
+              <a:t>Trajectory update is posed an optimal control problem</a:t>
+            </a:r>
+          </a:p>
+          <a:p>
+            <a:pPr lvl="1"/>
+            <a:r>
+              <a:rPr lang="en-US" sz="2000" dirty="0" smtClean="0"/>
+              <a:t>Objective is to minimize distance to original trajectory while satisfying constraints </a:t>
+            </a:r>
+          </a:p>
+          <a:p>
+            <a:r>
+              <a:rPr lang="en-US" sz="2400" dirty="0" smtClean="0"/>
+              <a:t>Use energy as independent variable </a:t>
+            </a:r>
+          </a:p>
+          <a:p>
+            <a:r>
+              <a:rPr lang="en-US" sz="2400" dirty="0" err="1" smtClean="0"/>
+              <a:t>Convexify</a:t>
+            </a:r>
+            <a:r>
+              <a:rPr lang="en-US" sz="2400" dirty="0" smtClean="0"/>
+              <a:t> </a:t>
+            </a:r>
+          </a:p>
+          <a:p>
+            <a:pPr lvl="1"/>
+            <a:r>
+              <a:rPr lang="en-US" sz="2000" dirty="0" smtClean="0"/>
+              <a:t>Treat bank angle as additional state, use bank rate as the control variable</a:t>
+            </a:r>
+          </a:p>
+          <a:p>
+            <a:pPr lvl="1"/>
+            <a:r>
+              <a:rPr lang="en-US" sz="2000" dirty="0" smtClean="0"/>
+              <a:t>Linearize the equations of motion </a:t>
+            </a:r>
+          </a:p>
+          <a:p>
+            <a:pPr lvl="1"/>
+            <a:r>
+              <a:rPr lang="en-US" sz="2000" dirty="0" smtClean="0"/>
+              <a:t>Unlike powered descent case, </a:t>
+            </a:r>
+            <a:r>
+              <a:rPr lang="en-US" sz="2000" dirty="0" err="1" smtClean="0"/>
+              <a:t>convexification</a:t>
+            </a:r>
+            <a:r>
+              <a:rPr lang="en-US" sz="2000" dirty="0" smtClean="0"/>
+              <a:t> is not lossless </a:t>
+            </a:r>
+          </a:p>
+          <a:p>
+            <a:r>
+              <a:rPr lang="en-US" sz="2400" dirty="0" smtClean="0"/>
+              <a:t>Discretize (or transcribe) into second-order cone program</a:t>
+            </a:r>
+          </a:p>
+          <a:p>
+            <a:pPr lvl="1"/>
+            <a:r>
+              <a:rPr lang="en-US" sz="2000" dirty="0" err="1" smtClean="0"/>
+              <a:t>Chebyshev</a:t>
+            </a:r>
+            <a:r>
+              <a:rPr lang="en-US" sz="2000" dirty="0" smtClean="0"/>
+              <a:t> </a:t>
+            </a:r>
+            <a:r>
+              <a:rPr lang="en-US" sz="2000" dirty="0" err="1"/>
+              <a:t>p</a:t>
+            </a:r>
+            <a:r>
+              <a:rPr lang="en-US" sz="2000" dirty="0" err="1" smtClean="0"/>
+              <a:t>seudospectral</a:t>
+            </a:r>
+            <a:r>
+              <a:rPr lang="en-US" sz="2000" dirty="0" smtClean="0"/>
+              <a:t> method </a:t>
+            </a:r>
+          </a:p>
+          <a:p>
+            <a:r>
+              <a:rPr lang="en-US" sz="2400" dirty="0" smtClean="0"/>
+              <a:t>Solve the resulting SOCP using efficient interior-point solver</a:t>
+            </a:r>
+            <a:endParaRPr lang="en-US" sz="2400" dirty="0"/>
+          </a:p>
+        </p:txBody>
+      </p:sp>
+      <p:sp>
+        <p:nvSpPr>
+          <p:cNvPr id="4" name="Date Placeholder 3"/>
+          <p:cNvSpPr>
+            <a:spLocks noGrp="1"/>
+          </p:cNvSpPr>
+          <p:nvPr>
+            <p:ph type="dt" sz="half" idx="10"/>
+          </p:nvPr>
+        </p:nvSpPr>
+        <p:spPr/>
+        <p:txBody>
+          <a:bodyPr/>
+          <a:lstStyle/>
+          <a:p>
+            <a:fld id="{CB9C015D-D165-4AE2-B291-D92CBC321699}" type="datetime1">
+              <a:rPr lang="en-US" smtClean="0"/>
+              <a:t>11/30/2018</a:t>
+            </a:fld>
+            <a:endParaRPr lang="en-US"/>
+          </a:p>
+        </p:txBody>
+      </p:sp>
+    </p:spTree>
+    <p:extLst>
+      <p:ext uri="{BB962C8B-B14F-4D97-AF65-F5344CB8AC3E}">
+        <p14:creationId xmlns:p14="http://schemas.microsoft.com/office/powerpoint/2010/main" val="3047953510"/>
+      </p:ext>
+    </p:extLst>
+  </p:cSld>
+  <p:clrMapOvr>
+    <a:masterClrMapping/>
+  </p:clrMapOvr>
+</p:sld>
+</file>
+
+<file path=ppt/slides/slide24.xml><?xml version="1.0" encoding="utf-8"?>
+<p:sld xmlns:a="http://schemas.openxmlformats.org/drawingml/2006/main" xmlns:r="http://schemas.openxmlformats.org/officeDocument/2006/relationships" xmlns:p="http://schemas.openxmlformats.org/presentationml/2006/main">
+  <p:cSld>
+    <p:spTree>
+      <p:nvGrpSpPr>
+        <p:cNvPr id="1" name=""/>
+        <p:cNvGrpSpPr/>
+        <p:nvPr/>
+      </p:nvGrpSpPr>
+      <p:grpSpPr>
+        <a:xfrm>
+          <a:off x="0" y="0"/>
+          <a:ext cx="0" cy="0"/>
+          <a:chOff x="0" y="0"/>
+          <a:chExt cx="0" cy="0"/>
+        </a:xfrm>
+      </p:grpSpPr>
+      <p:sp>
+        <p:nvSpPr>
           <p:cNvPr id="2" name="Title 1"/>
           <p:cNvSpPr>
             <a:spLocks noGrp="1"/>
@@ -6903,6 +9151,29 @@
           </a:p>
           <a:p>
             <a:endParaRPr lang="en-US" dirty="0"/>
+          </a:p>
+        </p:txBody>
+      </p:sp>
+      <p:sp>
+        <p:nvSpPr>
+          <p:cNvPr id="4" name="Date Placeholder 3"/>
+          <p:cNvSpPr>
+            <a:spLocks noGrp="1"/>
+          </p:cNvSpPr>
+          <p:nvPr>
+            <p:ph type="dt" sz="half" idx="10"/>
+          </p:nvPr>
+        </p:nvSpPr>
+        <p:spPr/>
+        <p:txBody>
+          <a:bodyPr/>
+          <a:lstStyle/>
+          <a:p>
+            <a:fld id="{1B70D959-720B-40AD-A907-A3DAF7E49ADF}" type="datetime1">
+              <a:rPr lang="en-US" smtClean="0"/>
+              <a:t>11/30/2018</a:t>
+            </a:fld>
+            <a:endParaRPr lang="en-US"/>
           </a:p>
         </p:txBody>
       </p:sp>
@@ -6919,7 +9190,7 @@
 </p:sld>
 </file>
 
-<file path=ppt/slides/slide21.xml><?xml version="1.0" encoding="utf-8"?>
+<file path=ppt/slides/slide25.xml><?xml version="1.0" encoding="utf-8"?>
 <p:sld xmlns:a="http://schemas.openxmlformats.org/drawingml/2006/main" xmlns:r="http://schemas.openxmlformats.org/officeDocument/2006/relationships" xmlns:p="http://schemas.openxmlformats.org/presentationml/2006/main">
   <p:cSld>
     <p:spTree>
@@ -7140,659 +9411,33 @@
           </a:fontRef>
         </p:style>
       </p:cxnSp>
+      <p:sp>
+        <p:nvSpPr>
+          <p:cNvPr id="4" name="Date Placeholder 3"/>
+          <p:cNvSpPr>
+            <a:spLocks noGrp="1"/>
+          </p:cNvSpPr>
+          <p:nvPr>
+            <p:ph type="dt" sz="half" idx="10"/>
+          </p:nvPr>
+        </p:nvSpPr>
+        <p:spPr/>
+        <p:txBody>
+          <a:bodyPr/>
+          <a:lstStyle/>
+          <a:p>
+            <a:fld id="{63760E42-F9C3-4B21-BAE1-FC94C983BF94}" type="datetime1">
+              <a:rPr lang="en-US" smtClean="0"/>
+              <a:t>11/30/2018</a:t>
+            </a:fld>
+            <a:endParaRPr lang="en-US"/>
+          </a:p>
+        </p:txBody>
+      </p:sp>
     </p:spTree>
     <p:extLst>
       <p:ext uri="{BB962C8B-B14F-4D97-AF65-F5344CB8AC3E}">
         <p14:creationId xmlns:p14="http://schemas.microsoft.com/office/powerpoint/2010/main" val="2507780609"/>
-      </p:ext>
-    </p:extLst>
-  </p:cSld>
-  <p:clrMapOvr>
-    <a:masterClrMapping/>
-  </p:clrMapOvr>
-</p:sld>
-</file>
-
-<file path=ppt/slides/slide22.xml><?xml version="1.0" encoding="utf-8"?>
-<p:sld xmlns:a="http://schemas.openxmlformats.org/drawingml/2006/main" xmlns:r="http://schemas.openxmlformats.org/officeDocument/2006/relationships" xmlns:p="http://schemas.openxmlformats.org/presentationml/2006/main">
-  <p:cSld>
-    <p:spTree>
-      <p:nvGrpSpPr>
-        <p:cNvPr id="1" name=""/>
-        <p:cNvGrpSpPr/>
-        <p:nvPr/>
-      </p:nvGrpSpPr>
-      <p:grpSpPr>
-        <a:xfrm>
-          <a:off x="0" y="0"/>
-          <a:ext cx="0" cy="0"/>
-          <a:chOff x="0" y="0"/>
-          <a:chExt cx="0" cy="0"/>
-        </a:xfrm>
-      </p:grpSpPr>
-      <p:sp>
-        <p:nvSpPr>
-          <p:cNvPr id="2" name="Title 1"/>
-          <p:cNvSpPr>
-            <a:spLocks noGrp="1"/>
-          </p:cNvSpPr>
-          <p:nvPr>
-            <p:ph type="title"/>
-          </p:nvPr>
-        </p:nvSpPr>
-        <p:spPr>
-          <a:xfrm>
-            <a:off x="628650" y="1061034"/>
-            <a:ext cx="7886700" cy="611532"/>
-          </a:xfrm>
-        </p:spPr>
-        <p:txBody>
-          <a:bodyPr/>
-          <a:lstStyle/>
-          <a:p>
-            <a:r>
-              <a:rPr lang="en-US" dirty="0" smtClean="0"/>
-              <a:t>Single Trajectory (Cont.)</a:t>
-            </a:r>
-            <a:endParaRPr lang="en-US" dirty="0"/>
-          </a:p>
-        </p:txBody>
-      </p:sp>
-      <p:sp>
-        <p:nvSpPr>
-          <p:cNvPr id="3" name="Content Placeholder 2"/>
-          <p:cNvSpPr>
-            <a:spLocks noGrp="1"/>
-          </p:cNvSpPr>
-          <p:nvPr>
-            <p:ph idx="1"/>
-          </p:nvPr>
-        </p:nvSpPr>
-        <p:spPr>
-          <a:xfrm>
-            <a:off x="314325" y="1957386"/>
-            <a:ext cx="8515350" cy="1418089"/>
-          </a:xfrm>
-        </p:spPr>
-        <p:txBody>
-          <a:bodyPr/>
-          <a:lstStyle/>
-          <a:p>
-            <a:r>
-              <a:rPr lang="en-US" sz="2400" dirty="0" smtClean="0"/>
-              <a:t>The initial trajectory was optimized for high altitude</a:t>
-            </a:r>
-          </a:p>
-          <a:p>
-            <a:r>
-              <a:rPr lang="en-US" sz="2400" dirty="0" smtClean="0"/>
-              <a:t>The updates retain aspects of the original trajectory, e.g., altitude performance remains excellent </a:t>
-            </a:r>
-            <a:endParaRPr lang="en-US" sz="2400" dirty="0"/>
-          </a:p>
-        </p:txBody>
-      </p:sp>
-      <p:pic>
-        <p:nvPicPr>
-          <p:cNvPr id="4" name="Picture 3"/>
-          <p:cNvPicPr>
-            <a:picLocks noChangeAspect="1"/>
-          </p:cNvPicPr>
-          <p:nvPr/>
-        </p:nvPicPr>
-        <p:blipFill>
-          <a:blip r:embed="rId3">
-            <a:extLst>
-              <a:ext uri="{28A0092B-C50C-407E-A947-70E740481C1C}">
-                <a14:useLocalDpi xmlns:a14="http://schemas.microsoft.com/office/drawing/2010/main" val="0"/>
-              </a:ext>
-            </a:extLst>
-          </a:blip>
-          <a:stretch>
-            <a:fillRect/>
-          </a:stretch>
-        </p:blipFill>
-        <p:spPr>
-          <a:xfrm>
-            <a:off x="3801980" y="3484527"/>
-            <a:ext cx="5216892" cy="3202776"/>
-          </a:xfrm>
-          <a:prstGeom prst="rect">
-            <a:avLst/>
-          </a:prstGeom>
-        </p:spPr>
-      </p:pic>
-      <p:sp>
-        <p:nvSpPr>
-          <p:cNvPr id="5" name="TextBox 4"/>
-          <p:cNvSpPr txBox="1"/>
-          <p:nvPr/>
-        </p:nvSpPr>
-        <p:spPr>
-          <a:xfrm>
-            <a:off x="4456500" y="5303519"/>
-            <a:ext cx="1212782" cy="738664"/>
-          </a:xfrm>
-          <a:prstGeom prst="rect">
-            <a:avLst/>
-          </a:prstGeom>
-          <a:noFill/>
-        </p:spPr>
-        <p:txBody>
-          <a:bodyPr wrap="square" rtlCol="0">
-            <a:spAutoFit/>
-          </a:bodyPr>
-          <a:lstStyle/>
-          <a:p>
-            <a:r>
-              <a:rPr lang="en-US" sz="1400" dirty="0" smtClean="0"/>
-              <a:t>Parachute deployment box</a:t>
-            </a:r>
-            <a:endParaRPr lang="en-US" sz="1400" dirty="0"/>
-          </a:p>
-        </p:txBody>
-      </p:sp>
-      <p:sp>
-        <p:nvSpPr>
-          <p:cNvPr id="6" name="TextBox 5"/>
-          <p:cNvSpPr txBox="1"/>
-          <p:nvPr/>
-        </p:nvSpPr>
-        <p:spPr>
-          <a:xfrm>
-            <a:off x="314325" y="3190877"/>
-            <a:ext cx="3583907" cy="1569660"/>
-          </a:xfrm>
-          <a:prstGeom prst="rect">
-            <a:avLst/>
-          </a:prstGeom>
-          <a:noFill/>
-        </p:spPr>
-        <p:txBody>
-          <a:bodyPr wrap="square" rtlCol="0">
-            <a:spAutoFit/>
-          </a:bodyPr>
-          <a:lstStyle/>
-          <a:p>
-            <a:pPr marL="285750" indent="-285750">
-              <a:buFont typeface="Arial" panose="020B0604020202020204" pitchFamily="34" charset="0"/>
-              <a:buChar char="•"/>
-            </a:pPr>
-            <a:r>
-              <a:rPr lang="en-US" sz="2400" dirty="0" smtClean="0"/>
-              <a:t>All trajectories end at the same energy level due to use of energy as independent variable </a:t>
-            </a:r>
-            <a:endParaRPr lang="en-US" sz="2400" dirty="0"/>
-          </a:p>
-        </p:txBody>
-      </p:sp>
-    </p:spTree>
-    <p:extLst>
-      <p:ext uri="{BB962C8B-B14F-4D97-AF65-F5344CB8AC3E}">
-        <p14:creationId xmlns:p14="http://schemas.microsoft.com/office/powerpoint/2010/main" val="860064350"/>
-      </p:ext>
-    </p:extLst>
-  </p:cSld>
-  <p:clrMapOvr>
-    <a:masterClrMapping/>
-  </p:clrMapOvr>
-</p:sld>
-</file>
-
-<file path=ppt/slides/slide23.xml><?xml version="1.0" encoding="utf-8"?>
-<p:sld xmlns:a="http://schemas.openxmlformats.org/drawingml/2006/main" xmlns:r="http://schemas.openxmlformats.org/officeDocument/2006/relationships" xmlns:p="http://schemas.openxmlformats.org/presentationml/2006/main">
-  <p:cSld>
-    <p:spTree>
-      <p:nvGrpSpPr>
-        <p:cNvPr id="1" name=""/>
-        <p:cNvGrpSpPr/>
-        <p:nvPr/>
-      </p:nvGrpSpPr>
-      <p:grpSpPr>
-        <a:xfrm>
-          <a:off x="0" y="0"/>
-          <a:ext cx="0" cy="0"/>
-          <a:chOff x="0" y="0"/>
-          <a:chExt cx="0" cy="0"/>
-        </a:xfrm>
-      </p:grpSpPr>
-      <p:sp>
-        <p:nvSpPr>
-          <p:cNvPr id="2" name="Title 1"/>
-          <p:cNvSpPr>
-            <a:spLocks noGrp="1"/>
-          </p:cNvSpPr>
-          <p:nvPr>
-            <p:ph type="title"/>
-          </p:nvPr>
-        </p:nvSpPr>
-        <p:spPr/>
-        <p:txBody>
-          <a:bodyPr/>
-          <a:lstStyle/>
-          <a:p>
-            <a:r>
-              <a:rPr lang="en-US" dirty="0" smtClean="0"/>
-              <a:t>Monte Carlo Simulation</a:t>
-            </a:r>
-            <a:endParaRPr lang="en-US" dirty="0"/>
-          </a:p>
-        </p:txBody>
-      </p:sp>
-      <p:sp>
-        <p:nvSpPr>
-          <p:cNvPr id="3" name="Content Placeholder 2"/>
-          <p:cNvSpPr>
-            <a:spLocks noGrp="1"/>
-          </p:cNvSpPr>
-          <p:nvPr>
-            <p:ph idx="1"/>
-          </p:nvPr>
-        </p:nvSpPr>
-        <p:spPr/>
-        <p:txBody>
-          <a:bodyPr/>
-          <a:lstStyle/>
-          <a:p>
-            <a:r>
-              <a:rPr lang="en-US" sz="2400" dirty="0" smtClean="0"/>
-              <a:t>Vehicle is nominally L/D = 0.24 with initial state subject to MSL-like dispersions</a:t>
-            </a:r>
-            <a:endParaRPr lang="en-US" sz="2400" dirty="0"/>
-          </a:p>
-          <a:p>
-            <a:r>
-              <a:rPr lang="en-US" sz="2400" dirty="0" err="1" smtClean="0"/>
-              <a:t>MarsGRAM</a:t>
-            </a:r>
-            <a:r>
-              <a:rPr lang="en-US" sz="2400" dirty="0" smtClean="0"/>
-              <a:t> is used for environment modeling</a:t>
-            </a:r>
-          </a:p>
-          <a:p>
-            <a:r>
-              <a:rPr lang="en-US" sz="2400" dirty="0" smtClean="0"/>
-              <a:t>Uncertainty is added to lift and drag coefficients</a:t>
-            </a:r>
-          </a:p>
-          <a:p>
-            <a:pPr lvl="1"/>
-            <a:r>
-              <a:rPr lang="en-US" sz="2000" dirty="0" smtClean="0"/>
-              <a:t>Gaussian with 3</a:t>
-            </a:r>
-            <a:r>
-              <a:rPr lang="el-GR" sz="2000" dirty="0" smtClean="0"/>
-              <a:t>σ</a:t>
-            </a:r>
-            <a:r>
-              <a:rPr lang="en-US" sz="2000" dirty="0" smtClean="0"/>
-              <a:t> = 10%</a:t>
-            </a:r>
-          </a:p>
-          <a:p>
-            <a:r>
-              <a:rPr lang="en-US" sz="2400" dirty="0" smtClean="0"/>
-              <a:t>Updates occurs at 10 second intervals and stops at 600 m/s </a:t>
-            </a:r>
-          </a:p>
-          <a:p>
-            <a:r>
-              <a:rPr lang="en-US" sz="2400" dirty="0" smtClean="0"/>
-              <a:t>Bank angle limited to ±90°, and bank rate limited to 20°/s</a:t>
-            </a:r>
-          </a:p>
-          <a:p>
-            <a:r>
-              <a:rPr lang="en-US" sz="2400" dirty="0" smtClean="0"/>
-              <a:t>200 samples chosen by </a:t>
-            </a:r>
-            <a:r>
-              <a:rPr lang="en-US" sz="2400" dirty="0" err="1" smtClean="0"/>
-              <a:t>Sobol</a:t>
-            </a:r>
-            <a:r>
-              <a:rPr lang="en-US" sz="2400" dirty="0" smtClean="0"/>
-              <a:t>’ sequence</a:t>
-            </a:r>
-          </a:p>
-          <a:p>
-            <a:r>
-              <a:rPr lang="en-US" sz="2400" dirty="0" smtClean="0"/>
-              <a:t>Trajectories terminate when they reach the correct downrange distance</a:t>
-            </a:r>
-          </a:p>
-          <a:p>
-            <a:pPr lvl="1"/>
-            <a:r>
-              <a:rPr lang="en-US" sz="2000" dirty="0" smtClean="0"/>
-              <a:t>Simple logic, but should expect variations in final altitude and velocity despite energy as independent variable  </a:t>
-            </a:r>
-          </a:p>
-        </p:txBody>
-      </p:sp>
-    </p:spTree>
-    <p:extLst>
-      <p:ext uri="{BB962C8B-B14F-4D97-AF65-F5344CB8AC3E}">
-        <p14:creationId xmlns:p14="http://schemas.microsoft.com/office/powerpoint/2010/main" val="3505934654"/>
-      </p:ext>
-    </p:extLst>
-  </p:cSld>
-  <p:clrMapOvr>
-    <a:masterClrMapping/>
-  </p:clrMapOvr>
-</p:sld>
-</file>
-
-<file path=ppt/slides/slide24.xml><?xml version="1.0" encoding="utf-8"?>
-<p:sld xmlns:a="http://schemas.openxmlformats.org/drawingml/2006/main" xmlns:r="http://schemas.openxmlformats.org/officeDocument/2006/relationships" xmlns:p="http://schemas.openxmlformats.org/presentationml/2006/main">
-  <p:cSld>
-    <p:spTree>
-      <p:nvGrpSpPr>
-        <p:cNvPr id="1" name=""/>
-        <p:cNvGrpSpPr/>
-        <p:nvPr/>
-      </p:nvGrpSpPr>
-      <p:grpSpPr>
-        <a:xfrm>
-          <a:off x="0" y="0"/>
-          <a:ext cx="0" cy="0"/>
-          <a:chOff x="0" y="0"/>
-          <a:chExt cx="0" cy="0"/>
-        </a:xfrm>
-      </p:grpSpPr>
-      <p:sp>
-        <p:nvSpPr>
-          <p:cNvPr id="2" name="Title 1"/>
-          <p:cNvSpPr>
-            <a:spLocks noGrp="1"/>
-          </p:cNvSpPr>
-          <p:nvPr>
-            <p:ph type="title"/>
-          </p:nvPr>
-        </p:nvSpPr>
-        <p:spPr/>
-        <p:txBody>
-          <a:bodyPr/>
-          <a:lstStyle/>
-          <a:p>
-            <a:r>
-              <a:rPr lang="en-US" dirty="0" smtClean="0"/>
-              <a:t>MCS Results - </a:t>
-            </a:r>
-            <a:r>
-              <a:rPr lang="en-US" dirty="0" err="1" smtClean="0"/>
-              <a:t>Groundtrack</a:t>
-            </a:r>
-            <a:endParaRPr lang="en-US" dirty="0"/>
-          </a:p>
-        </p:txBody>
-      </p:sp>
-      <p:sp>
-        <p:nvSpPr>
-          <p:cNvPr id="3" name="Content Placeholder 2"/>
-          <p:cNvSpPr>
-            <a:spLocks noGrp="1"/>
-          </p:cNvSpPr>
-          <p:nvPr>
-            <p:ph idx="1"/>
-          </p:nvPr>
-        </p:nvSpPr>
-        <p:spPr>
-          <a:xfrm>
-            <a:off x="628650" y="1777500"/>
-            <a:ext cx="7886700" cy="1398838"/>
-          </a:xfrm>
-        </p:spPr>
-        <p:txBody>
-          <a:bodyPr/>
-          <a:lstStyle/>
-          <a:p>
-            <a:r>
-              <a:rPr lang="en-US" sz="2400" dirty="0" smtClean="0"/>
-              <a:t>Excellent </a:t>
-            </a:r>
-            <a:r>
-              <a:rPr lang="en-US" sz="2400" dirty="0" err="1" smtClean="0"/>
-              <a:t>crossrange</a:t>
-            </a:r>
-            <a:r>
-              <a:rPr lang="en-US" sz="2400" dirty="0" smtClean="0"/>
-              <a:t> performance due to coupled update to longitudinal and lateral channels </a:t>
-            </a:r>
-          </a:p>
-          <a:p>
-            <a:r>
-              <a:rPr lang="en-US" sz="2400" dirty="0" smtClean="0"/>
-              <a:t>Interestingly, a small number of samples even have an additional reversal</a:t>
-            </a:r>
-            <a:endParaRPr lang="en-US" sz="2400" dirty="0"/>
-          </a:p>
-        </p:txBody>
-      </p:sp>
-      <p:pic>
-        <p:nvPicPr>
-          <p:cNvPr id="5" name="Picture 4"/>
-          <p:cNvPicPr>
-            <a:picLocks noChangeAspect="1"/>
-          </p:cNvPicPr>
-          <p:nvPr/>
-        </p:nvPicPr>
-        <p:blipFill>
-          <a:blip r:embed="rId3">
-            <a:extLst>
-              <a:ext uri="{28A0092B-C50C-407E-A947-70E740481C1C}">
-                <a14:useLocalDpi xmlns:a14="http://schemas.microsoft.com/office/drawing/2010/main" val="0"/>
-              </a:ext>
-            </a:extLst>
-          </a:blip>
-          <a:stretch>
-            <a:fillRect/>
-          </a:stretch>
-        </p:blipFill>
-        <p:spPr>
-          <a:xfrm>
-            <a:off x="1600247" y="3272588"/>
-            <a:ext cx="5750999" cy="3498601"/>
-          </a:xfrm>
-          <a:prstGeom prst="rect">
-            <a:avLst/>
-          </a:prstGeom>
-        </p:spPr>
-      </p:pic>
-    </p:spTree>
-    <p:extLst>
-      <p:ext uri="{BB962C8B-B14F-4D97-AF65-F5344CB8AC3E}">
-        <p14:creationId xmlns:p14="http://schemas.microsoft.com/office/powerpoint/2010/main" val="1826672569"/>
-      </p:ext>
-    </p:extLst>
-  </p:cSld>
-  <p:clrMapOvr>
-    <a:masterClrMapping/>
-  </p:clrMapOvr>
-</p:sld>
-</file>
-
-<file path=ppt/slides/slide25.xml><?xml version="1.0" encoding="utf-8"?>
-<p:sld xmlns:a="http://schemas.openxmlformats.org/drawingml/2006/main" xmlns:r="http://schemas.openxmlformats.org/officeDocument/2006/relationships" xmlns:p="http://schemas.openxmlformats.org/presentationml/2006/main">
-  <p:cSld>
-    <p:spTree>
-      <p:nvGrpSpPr>
-        <p:cNvPr id="1" name=""/>
-        <p:cNvGrpSpPr/>
-        <p:nvPr/>
-      </p:nvGrpSpPr>
-      <p:grpSpPr>
-        <a:xfrm>
-          <a:off x="0" y="0"/>
-          <a:ext cx="0" cy="0"/>
-          <a:chOff x="0" y="0"/>
-          <a:chExt cx="0" cy="0"/>
-        </a:xfrm>
-      </p:grpSpPr>
-      <p:sp>
-        <p:nvSpPr>
-          <p:cNvPr id="2" name="Title 1"/>
-          <p:cNvSpPr>
-            <a:spLocks noGrp="1"/>
-          </p:cNvSpPr>
-          <p:nvPr>
-            <p:ph type="title"/>
-          </p:nvPr>
-        </p:nvSpPr>
-        <p:spPr>
-          <a:xfrm>
-            <a:off x="628649" y="964938"/>
-            <a:ext cx="8370972" cy="611532"/>
-          </a:xfrm>
-        </p:spPr>
-        <p:txBody>
-          <a:bodyPr/>
-          <a:lstStyle/>
-          <a:p>
-            <a:r>
-              <a:rPr lang="en-US" dirty="0" smtClean="0"/>
-              <a:t>MCS Results – Altitude/Velocity</a:t>
-            </a:r>
-            <a:endParaRPr lang="en-US" dirty="0"/>
-          </a:p>
-        </p:txBody>
-      </p:sp>
-      <p:sp>
-        <p:nvSpPr>
-          <p:cNvPr id="3" name="Content Placeholder 2"/>
-          <p:cNvSpPr>
-            <a:spLocks noGrp="1"/>
-          </p:cNvSpPr>
-          <p:nvPr>
-            <p:ph idx="1"/>
-          </p:nvPr>
-        </p:nvSpPr>
-        <p:spPr>
-          <a:xfrm>
-            <a:off x="628649" y="1690690"/>
-            <a:ext cx="7886700" cy="1437522"/>
-          </a:xfrm>
-        </p:spPr>
-        <p:txBody>
-          <a:bodyPr/>
-          <a:lstStyle/>
-          <a:p>
-            <a:r>
-              <a:rPr lang="en-US" sz="2400" dirty="0" smtClean="0"/>
-              <a:t>Although some trajectories exit the parachute deployment conditions, all but three pass through the box</a:t>
-            </a:r>
-          </a:p>
-          <a:p>
-            <a:pPr lvl="1"/>
-            <a:r>
-              <a:rPr lang="en-US" sz="2000" dirty="0" smtClean="0"/>
-              <a:t>Solved by considering triggering logic that explicitly accounts for parachute conditions </a:t>
-            </a:r>
-          </a:p>
-          <a:p>
-            <a:pPr marL="0" indent="0">
-              <a:buNone/>
-            </a:pPr>
-            <a:endParaRPr lang="en-US" dirty="0"/>
-          </a:p>
-        </p:txBody>
-      </p:sp>
-      <p:pic>
-        <p:nvPicPr>
-          <p:cNvPr id="7" name="Picture 6"/>
-          <p:cNvPicPr>
-            <a:picLocks noChangeAspect="1"/>
-          </p:cNvPicPr>
-          <p:nvPr/>
-        </p:nvPicPr>
-        <p:blipFill>
-          <a:blip r:embed="rId2">
-            <a:extLst>
-              <a:ext uri="{28A0092B-C50C-407E-A947-70E740481C1C}">
-                <a14:useLocalDpi xmlns:a14="http://schemas.microsoft.com/office/drawing/2010/main" val="0"/>
-              </a:ext>
-            </a:extLst>
-          </a:blip>
-          <a:stretch>
-            <a:fillRect/>
-          </a:stretch>
-        </p:blipFill>
-        <p:spPr>
-          <a:xfrm>
-            <a:off x="6015308" y="3001647"/>
-            <a:ext cx="2984313" cy="1856906"/>
-          </a:xfrm>
-          <a:prstGeom prst="rect">
-            <a:avLst/>
-          </a:prstGeom>
-        </p:spPr>
-      </p:pic>
-      <p:pic>
-        <p:nvPicPr>
-          <p:cNvPr id="8" name="Picture 7"/>
-          <p:cNvPicPr>
-            <a:picLocks noChangeAspect="1"/>
-          </p:cNvPicPr>
-          <p:nvPr/>
-        </p:nvPicPr>
-        <p:blipFill>
-          <a:blip r:embed="rId3">
-            <a:extLst>
-              <a:ext uri="{28A0092B-C50C-407E-A947-70E740481C1C}">
-                <a14:useLocalDpi xmlns:a14="http://schemas.microsoft.com/office/drawing/2010/main" val="0"/>
-              </a:ext>
-            </a:extLst>
-          </a:blip>
-          <a:stretch>
-            <a:fillRect/>
-          </a:stretch>
-        </p:blipFill>
-        <p:spPr>
-          <a:xfrm>
-            <a:off x="6015308" y="4858553"/>
-            <a:ext cx="2984313" cy="1856905"/>
-          </a:xfrm>
-          <a:prstGeom prst="rect">
-            <a:avLst/>
-          </a:prstGeom>
-        </p:spPr>
-      </p:pic>
-      <p:pic>
-        <p:nvPicPr>
-          <p:cNvPr id="9" name="Picture 8"/>
-          <p:cNvPicPr>
-            <a:picLocks noChangeAspect="1"/>
-          </p:cNvPicPr>
-          <p:nvPr/>
-        </p:nvPicPr>
-        <p:blipFill>
-          <a:blip r:embed="rId4">
-            <a:extLst>
-              <a:ext uri="{28A0092B-C50C-407E-A947-70E740481C1C}">
-                <a14:useLocalDpi xmlns:a14="http://schemas.microsoft.com/office/drawing/2010/main" val="0"/>
-              </a:ext>
-            </a:extLst>
-          </a:blip>
-          <a:stretch>
-            <a:fillRect/>
-          </a:stretch>
-        </p:blipFill>
-        <p:spPr>
-          <a:xfrm>
-            <a:off x="198640" y="3128212"/>
-            <a:ext cx="5332396" cy="3273687"/>
-          </a:xfrm>
-          <a:prstGeom prst="rect">
-            <a:avLst/>
-          </a:prstGeom>
-        </p:spPr>
-      </p:pic>
-    </p:spTree>
-    <p:extLst>
-      <p:ext uri="{BB962C8B-B14F-4D97-AF65-F5344CB8AC3E}">
-        <p14:creationId xmlns:p14="http://schemas.microsoft.com/office/powerpoint/2010/main" val="303004292"/>
       </p:ext>
     </p:extLst>
   </p:cSld>
@@ -7829,14 +9474,19 @@
             <p:ph type="title"/>
           </p:nvPr>
         </p:nvSpPr>
-        <p:spPr/>
-        <p:txBody>
-          <a:bodyPr/>
-          <a:lstStyle/>
-          <a:p>
-            <a:r>
-              <a:rPr lang="en-US" dirty="0" smtClean="0"/>
-              <a:t>MCS Results – Bank Profiles </a:t>
+        <p:spPr>
+          <a:xfrm>
+            <a:off x="628650" y="1061034"/>
+            <a:ext cx="7886700" cy="611532"/>
+          </a:xfrm>
+        </p:spPr>
+        <p:txBody>
+          <a:bodyPr/>
+          <a:lstStyle/>
+          <a:p>
+            <a:r>
+              <a:rPr lang="en-US" dirty="0" smtClean="0"/>
+              <a:t>Single Trajectory (Cont.)</a:t>
             </a:r>
             <a:endParaRPr lang="en-US" dirty="0"/>
           </a:p>
@@ -7844,7 +9494,7 @@
       </p:sp>
       <p:sp>
         <p:nvSpPr>
-          <p:cNvPr id="5" name="Content Placeholder 4"/>
+          <p:cNvPr id="3" name="Content Placeholder 2"/>
           <p:cNvSpPr>
             <a:spLocks noGrp="1"/>
           </p:cNvSpPr>
@@ -7854,48 +9504,38 @@
         </p:nvSpPr>
         <p:spPr>
           <a:xfrm>
-            <a:off x="628650" y="1825625"/>
-            <a:ext cx="8245843" cy="1244834"/>
-          </a:xfrm>
-        </p:spPr>
-        <p:txBody>
-          <a:bodyPr/>
-          <a:lstStyle/>
-          <a:p>
-            <a:r>
-              <a:rPr lang="en-US" dirty="0" smtClean="0"/>
-              <a:t>Largest difference is in the timing of bank reversals</a:t>
-            </a:r>
-          </a:p>
-          <a:p>
-            <a:pPr lvl="0"/>
-            <a:r>
-              <a:rPr lang="en-US" dirty="0">
-                <a:solidFill>
-                  <a:prstClr val="black"/>
-                </a:solidFill>
-              </a:rPr>
-              <a:t>Bank angle (and trajectory in general) deviates from the original trajectory most at the end</a:t>
-            </a:r>
-          </a:p>
-          <a:p>
-            <a:endParaRPr lang="en-US" dirty="0" smtClean="0"/>
-          </a:p>
-          <a:p>
-            <a:endParaRPr lang="en-US" dirty="0"/>
+            <a:off x="314325" y="1957386"/>
+            <a:ext cx="8515350" cy="1418089"/>
+          </a:xfrm>
+        </p:spPr>
+        <p:txBody>
+          <a:bodyPr/>
+          <a:lstStyle/>
+          <a:p>
+            <a:r>
+              <a:rPr lang="en-US" sz="2400" dirty="0" smtClean="0"/>
+              <a:t>The initial trajectory was optimized for high altitude</a:t>
+            </a:r>
+          </a:p>
+          <a:p>
+            <a:r>
+              <a:rPr lang="en-US" sz="2400" dirty="0" smtClean="0"/>
+              <a:t>The updates retain aspects of the original trajectory, e.g., altitude performance remains excellent </a:t>
+            </a:r>
+            <a:endParaRPr lang="en-US" sz="2400" dirty="0"/>
           </a:p>
         </p:txBody>
       </p:sp>
       <p:pic>
         <p:nvPicPr>
-          <p:cNvPr id="6" name="Picture 5"/>
+          <p:cNvPr id="4" name="Picture 3"/>
           <p:cNvPicPr>
             <a:picLocks noChangeAspect="1"/>
           </p:cNvPicPr>
           <p:nvPr/>
         </p:nvPicPr>
         <p:blipFill>
-          <a:blip r:embed="rId2">
+          <a:blip r:embed="rId3">
             <a:extLst>
               <a:ext uri="{28A0092B-C50C-407E-A947-70E740481C1C}">
                 <a14:useLocalDpi xmlns:a14="http://schemas.microsoft.com/office/drawing/2010/main" val="0"/>
@@ -7908,8 +9548,8 @@
         </p:blipFill>
         <p:spPr>
           <a:xfrm>
-            <a:off x="259880" y="3197993"/>
-            <a:ext cx="5813843" cy="3488306"/>
+            <a:off x="3801980" y="3484527"/>
+            <a:ext cx="5216892" cy="3202776"/>
           </a:xfrm>
           <a:prstGeom prst="rect">
             <a:avLst/>
@@ -7918,14 +9558,14 @@
       </p:pic>
       <p:sp>
         <p:nvSpPr>
-          <p:cNvPr id="7" name="TextBox 6"/>
+          <p:cNvPr id="5" name="TextBox 4"/>
           <p:cNvSpPr txBox="1"/>
           <p:nvPr/>
         </p:nvSpPr>
         <p:spPr>
           <a:xfrm>
-            <a:off x="5861784" y="3395901"/>
-            <a:ext cx="3205214" cy="2363724"/>
+            <a:off x="4456500" y="5303519"/>
+            <a:ext cx="1212782" cy="738664"/>
           </a:xfrm>
           <a:prstGeom prst="rect">
             <a:avLst/>
@@ -7938,56 +9578,75 @@
           </a:bodyPr>
           <a:lstStyle/>
           <a:p>
-            <a:pPr lvl="1">
-              <a:lnSpc>
-                <a:spcPct val="90000"/>
-              </a:lnSpc>
-              <a:spcBef>
-                <a:spcPts val="500"/>
-              </a:spcBef>
+            <a:r>
+              <a:rPr lang="en-US" sz="1400" dirty="0" smtClean="0"/>
+              <a:t>Parachute deployment box</a:t>
+            </a:r>
+            <a:endParaRPr lang="en-US" sz="1400" dirty="0"/>
+          </a:p>
+        </p:txBody>
+      </p:sp>
+      <p:sp>
+        <p:nvSpPr>
+          <p:cNvPr id="6" name="TextBox 5"/>
+          <p:cNvSpPr txBox="1"/>
+          <p:nvPr/>
+        </p:nvSpPr>
+        <p:spPr>
+          <a:xfrm>
+            <a:off x="314325" y="3190877"/>
+            <a:ext cx="3583907" cy="1569660"/>
+          </a:xfrm>
+          <a:prstGeom prst="rect">
+            <a:avLst/>
+          </a:prstGeom>
+          <a:noFill/>
+        </p:spPr>
+        <p:txBody>
+          <a:bodyPr wrap="square" rtlCol="0">
+            <a:spAutoFit/>
+          </a:bodyPr>
+          <a:lstStyle/>
+          <a:p>
+            <a:pPr marL="285750" indent="-285750">
+              <a:buFont typeface="Arial" panose="020B0604020202020204" pitchFamily="34" charset="0"/>
+              <a:buChar char="•"/>
             </a:pPr>
             <a:r>
-              <a:rPr lang="en-US" sz="2400" dirty="0" smtClean="0">
-                <a:solidFill>
-                  <a:prstClr val="black"/>
-                </a:solidFill>
-              </a:rPr>
-              <a:t>This </a:t>
-            </a:r>
-            <a:r>
-              <a:rPr lang="en-US" sz="2400" dirty="0">
-                <a:solidFill>
-                  <a:prstClr val="black"/>
-                </a:solidFill>
-              </a:rPr>
-              <a:t>is expected because </a:t>
-            </a:r>
-            <a:r>
-              <a:rPr lang="en-US" sz="2400" dirty="0" smtClean="0">
-                <a:solidFill>
-                  <a:prstClr val="black"/>
-                </a:solidFill>
-              </a:rPr>
-              <a:t>the later portion of trajectory is updated the greatest number </a:t>
-            </a:r>
-            <a:r>
-              <a:rPr lang="en-US" sz="2400" dirty="0">
-                <a:solidFill>
-                  <a:prstClr val="black"/>
-                </a:solidFill>
-              </a:rPr>
-              <a:t>of times </a:t>
-            </a:r>
-          </a:p>
-          <a:p>
-            <a:endParaRPr lang="en-US" dirty="0"/>
+              <a:rPr lang="en-US" sz="2400" dirty="0" smtClean="0"/>
+              <a:t>All trajectories end at the same energy level due to use of energy as independent variable </a:t>
+            </a:r>
+            <a:endParaRPr lang="en-US" sz="2400" dirty="0"/>
+          </a:p>
+        </p:txBody>
+      </p:sp>
+      <p:sp>
+        <p:nvSpPr>
+          <p:cNvPr id="7" name="Date Placeholder 6"/>
+          <p:cNvSpPr>
+            <a:spLocks noGrp="1"/>
+          </p:cNvSpPr>
+          <p:nvPr>
+            <p:ph type="dt" sz="half" idx="10"/>
+          </p:nvPr>
+        </p:nvSpPr>
+        <p:spPr/>
+        <p:txBody>
+          <a:bodyPr/>
+          <a:lstStyle/>
+          <a:p>
+            <a:fld id="{A1DF8AFB-F03D-4DDC-BB5A-C9EED9FBE463}" type="datetime1">
+              <a:rPr lang="en-US" smtClean="0"/>
+              <a:t>11/30/2018</a:t>
+            </a:fld>
+            <a:endParaRPr lang="en-US"/>
           </a:p>
         </p:txBody>
       </p:sp>
     </p:spTree>
     <p:extLst>
       <p:ext uri="{BB962C8B-B14F-4D97-AF65-F5344CB8AC3E}">
-        <p14:creationId xmlns:p14="http://schemas.microsoft.com/office/powerpoint/2010/main" val="1145173546"/>
+        <p14:creationId xmlns:p14="http://schemas.microsoft.com/office/powerpoint/2010/main" val="860064350"/>
       </p:ext>
     </p:extLst>
   </p:cSld>
@@ -8031,7 +9690,7 @@
           <a:p>
             <a:r>
               <a:rPr lang="en-US" dirty="0" smtClean="0"/>
-              <a:t>Conclusion</a:t>
+              <a:t>Monte Carlo Simulation</a:t>
             </a:r>
             <a:endParaRPr lang="en-US" dirty="0"/>
           </a:p>
@@ -8053,49 +9712,110 @@
           <a:lstStyle/>
           <a:p>
             <a:r>
-              <a:rPr lang="en-US" dirty="0" smtClean="0"/>
-              <a:t>Despite the use of linearization requiring small, local updates, a convex approach to onboard trajectory redesign shows promise </a:t>
-            </a:r>
-          </a:p>
-          <a:p>
-            <a:r>
-              <a:rPr lang="en-US" dirty="0" smtClean="0"/>
-              <a:t>Use of updating has a number of potential applications</a:t>
-            </a:r>
-          </a:p>
-          <a:p>
-            <a:r>
-              <a:rPr lang="en-US" dirty="0" smtClean="0"/>
-              <a:t>If the target point is not reachable, the solution returned by the optimizer may be outside the region of validity of the linearized trajectory, or the optimization may return infeasible </a:t>
+              <a:rPr lang="en-US" sz="2400" dirty="0" smtClean="0"/>
+              <a:t>Vehicle is nominally L/D = 0.24 with initial state subject to MSL-like dispersions</a:t>
+            </a:r>
+            <a:endParaRPr lang="en-US" sz="2400" dirty="0"/>
+          </a:p>
+          <a:p>
+            <a:r>
+              <a:rPr lang="en-US" sz="2400" dirty="0" err="1" smtClean="0"/>
+              <a:t>MarsGRAM</a:t>
+            </a:r>
+            <a:r>
+              <a:rPr lang="en-US" sz="2400" dirty="0" smtClean="0"/>
+              <a:t> is used for environment modeling</a:t>
+            </a:r>
+          </a:p>
+          <a:p>
+            <a:r>
+              <a:rPr lang="en-US" sz="2400" dirty="0" smtClean="0"/>
+              <a:t>Uncertainty is added to lift and drag coefficients</a:t>
             </a:r>
           </a:p>
           <a:p>
             <a:pPr lvl="1"/>
             <a:r>
-              <a:rPr lang="en-US" dirty="0" smtClean="0"/>
-              <a:t>Safeguarding is required</a:t>
+              <a:rPr lang="en-US" sz="2000" dirty="0" smtClean="0"/>
+              <a:t>Gaussian with 3</a:t>
+            </a:r>
+            <a:r>
+              <a:rPr lang="el-GR" sz="2000" dirty="0" smtClean="0"/>
+              <a:t>σ</a:t>
+            </a:r>
+            <a:r>
+              <a:rPr lang="en-US" sz="2000" dirty="0" smtClean="0"/>
+              <a:t> = 10%</a:t>
+            </a:r>
+          </a:p>
+          <a:p>
+            <a:r>
+              <a:rPr lang="en-US" sz="2400" dirty="0" smtClean="0"/>
+              <a:t>Updates occurs at 10 second intervals and stops at 600 m/s </a:t>
+            </a:r>
+          </a:p>
+          <a:p>
+            <a:r>
+              <a:rPr lang="en-US" sz="2400" dirty="0" smtClean="0"/>
+              <a:t>Bank angle limited to ±90°, and bank rate limited to 20°/s</a:t>
+            </a:r>
+          </a:p>
+          <a:p>
+            <a:r>
+              <a:rPr lang="en-US" sz="2400" dirty="0" smtClean="0"/>
+              <a:t>200 samples chosen by </a:t>
+            </a:r>
+            <a:r>
+              <a:rPr lang="en-US" sz="2400" dirty="0" err="1" smtClean="0"/>
+              <a:t>Sobol</a:t>
+            </a:r>
+            <a:r>
+              <a:rPr lang="en-US" sz="2400" dirty="0" smtClean="0"/>
+              <a:t>’ sequence</a:t>
+            </a:r>
+          </a:p>
+          <a:p>
+            <a:r>
+              <a:rPr lang="en-US" sz="2400" dirty="0" smtClean="0"/>
+              <a:t>Trajectories terminate when they reach the correct downrange distance</a:t>
             </a:r>
           </a:p>
           <a:p>
             <a:pPr lvl="1"/>
             <a:r>
-              <a:rPr lang="en-US" dirty="0" smtClean="0"/>
-              <a:t>Consider the endpoint constraint as a penalty term in the objective </a:t>
-            </a:r>
-            <a:endParaRPr lang="en-US" dirty="0"/>
-          </a:p>
-          <a:p>
-            <a:pPr marL="457200" lvl="1" indent="0">
-              <a:buNone/>
-            </a:pPr>
-            <a:endParaRPr lang="en-US" dirty="0" smtClean="0"/>
+              <a:rPr lang="en-US" sz="2000" dirty="0" smtClean="0"/>
+              <a:t>Simple logic, but should expect variations in final altitude and velocity despite energy as independent variable  </a:t>
+            </a:r>
+          </a:p>
+        </p:txBody>
+      </p:sp>
+      <p:sp>
+        <p:nvSpPr>
+          <p:cNvPr id="4" name="Date Placeholder 3"/>
+          <p:cNvSpPr>
+            <a:spLocks noGrp="1"/>
+          </p:cNvSpPr>
+          <p:nvPr>
+            <p:ph type="dt" sz="half" idx="10"/>
+          </p:nvPr>
+        </p:nvSpPr>
+        <p:spPr/>
+        <p:txBody>
+          <a:bodyPr/>
+          <a:lstStyle/>
+          <a:p>
+            <a:fld id="{679CBB44-024B-49D9-BFBE-22296ADF2450}" type="datetime1">
+              <a:rPr lang="en-US" smtClean="0"/>
+              <a:t>11/30/2018</a:t>
+            </a:fld>
+            <a:endParaRPr lang="en-US"/>
           </a:p>
         </p:txBody>
       </p:sp>
     </p:spTree>
     <p:extLst>
       <p:ext uri="{BB962C8B-B14F-4D97-AF65-F5344CB8AC3E}">
-        <p14:creationId xmlns:p14="http://schemas.microsoft.com/office/powerpoint/2010/main" val="2442241489"/>
+        <p14:creationId xmlns:p14="http://schemas.microsoft.com/office/powerpoint/2010/main" val="3505934654"/>
       </p:ext>
     </p:extLst>
   </p:cSld>
@@ -8132,6 +9852,967 @@
             <p:ph type="title"/>
           </p:nvPr>
         </p:nvSpPr>
+        <p:spPr/>
+        <p:txBody>
+          <a:bodyPr/>
+          <a:lstStyle/>
+          <a:p>
+            <a:r>
+              <a:rPr lang="en-US" dirty="0" smtClean="0"/>
+              <a:t>MCS Results - </a:t>
+            </a:r>
+            <a:r>
+              <a:rPr lang="en-US" dirty="0" err="1" smtClean="0"/>
+              <a:t>Groundtrack</a:t>
+            </a:r>
+            <a:endParaRPr lang="en-US" dirty="0"/>
+          </a:p>
+        </p:txBody>
+      </p:sp>
+      <p:sp>
+        <p:nvSpPr>
+          <p:cNvPr id="3" name="Content Placeholder 2"/>
+          <p:cNvSpPr>
+            <a:spLocks noGrp="1"/>
+          </p:cNvSpPr>
+          <p:nvPr>
+            <p:ph idx="1"/>
+          </p:nvPr>
+        </p:nvSpPr>
+        <p:spPr>
+          <a:xfrm>
+            <a:off x="628650" y="1777500"/>
+            <a:ext cx="7886700" cy="1398838"/>
+          </a:xfrm>
+        </p:spPr>
+        <p:txBody>
+          <a:bodyPr/>
+          <a:lstStyle/>
+          <a:p>
+            <a:r>
+              <a:rPr lang="en-US" sz="2400" dirty="0" smtClean="0"/>
+              <a:t>Excellent </a:t>
+            </a:r>
+            <a:r>
+              <a:rPr lang="en-US" sz="2400" dirty="0" err="1" smtClean="0"/>
+              <a:t>crossrange</a:t>
+            </a:r>
+            <a:r>
+              <a:rPr lang="en-US" sz="2400" dirty="0" smtClean="0"/>
+              <a:t> performance due to coupled update to longitudinal and lateral channels </a:t>
+            </a:r>
+          </a:p>
+          <a:p>
+            <a:r>
+              <a:rPr lang="en-US" sz="2400" dirty="0" smtClean="0"/>
+              <a:t>Interestingly, a small number of samples even have an additional reversal</a:t>
+            </a:r>
+            <a:endParaRPr lang="en-US" sz="2400" dirty="0"/>
+          </a:p>
+        </p:txBody>
+      </p:sp>
+      <p:pic>
+        <p:nvPicPr>
+          <p:cNvPr id="5" name="Picture 4"/>
+          <p:cNvPicPr>
+            <a:picLocks noChangeAspect="1"/>
+          </p:cNvPicPr>
+          <p:nvPr/>
+        </p:nvPicPr>
+        <p:blipFill>
+          <a:blip r:embed="rId3">
+            <a:extLst>
+              <a:ext uri="{28A0092B-C50C-407E-A947-70E740481C1C}">
+                <a14:useLocalDpi xmlns:a14="http://schemas.microsoft.com/office/drawing/2010/main" val="0"/>
+              </a:ext>
+            </a:extLst>
+          </a:blip>
+          <a:stretch>
+            <a:fillRect/>
+          </a:stretch>
+        </p:blipFill>
+        <p:spPr>
+          <a:xfrm>
+            <a:off x="1600247" y="3272588"/>
+            <a:ext cx="5750999" cy="3498601"/>
+          </a:xfrm>
+          <a:prstGeom prst="rect">
+            <a:avLst/>
+          </a:prstGeom>
+        </p:spPr>
+      </p:pic>
+      <p:sp>
+        <p:nvSpPr>
+          <p:cNvPr id="4" name="Date Placeholder 3"/>
+          <p:cNvSpPr>
+            <a:spLocks noGrp="1"/>
+          </p:cNvSpPr>
+          <p:nvPr>
+            <p:ph type="dt" sz="half" idx="10"/>
+          </p:nvPr>
+        </p:nvSpPr>
+        <p:spPr/>
+        <p:txBody>
+          <a:bodyPr/>
+          <a:lstStyle/>
+          <a:p>
+            <a:fld id="{8BD01A7A-C5C0-478A-8BE6-564915217820}" type="datetime1">
+              <a:rPr lang="en-US" smtClean="0"/>
+              <a:t>11/30/2018</a:t>
+            </a:fld>
+            <a:endParaRPr lang="en-US"/>
+          </a:p>
+        </p:txBody>
+      </p:sp>
+    </p:spTree>
+    <p:extLst>
+      <p:ext uri="{BB962C8B-B14F-4D97-AF65-F5344CB8AC3E}">
+        <p14:creationId xmlns:p14="http://schemas.microsoft.com/office/powerpoint/2010/main" val="1826672569"/>
+      </p:ext>
+    </p:extLst>
+  </p:cSld>
+  <p:clrMapOvr>
+    <a:masterClrMapping/>
+  </p:clrMapOvr>
+</p:sld>
+</file>
+
+<file path=ppt/slides/slide29.xml><?xml version="1.0" encoding="utf-8"?>
+<p:sld xmlns:a="http://schemas.openxmlformats.org/drawingml/2006/main" xmlns:r="http://schemas.openxmlformats.org/officeDocument/2006/relationships" xmlns:p="http://schemas.openxmlformats.org/presentationml/2006/main">
+  <p:cSld>
+    <p:spTree>
+      <p:nvGrpSpPr>
+        <p:cNvPr id="1" name=""/>
+        <p:cNvGrpSpPr/>
+        <p:nvPr/>
+      </p:nvGrpSpPr>
+      <p:grpSpPr>
+        <a:xfrm>
+          <a:off x="0" y="0"/>
+          <a:ext cx="0" cy="0"/>
+          <a:chOff x="0" y="0"/>
+          <a:chExt cx="0" cy="0"/>
+        </a:xfrm>
+      </p:grpSpPr>
+      <p:sp>
+        <p:nvSpPr>
+          <p:cNvPr id="2" name="Title 1"/>
+          <p:cNvSpPr>
+            <a:spLocks noGrp="1"/>
+          </p:cNvSpPr>
+          <p:nvPr>
+            <p:ph type="title"/>
+          </p:nvPr>
+        </p:nvSpPr>
+        <p:spPr>
+          <a:xfrm>
+            <a:off x="628649" y="964938"/>
+            <a:ext cx="8370972" cy="611532"/>
+          </a:xfrm>
+        </p:spPr>
+        <p:txBody>
+          <a:bodyPr/>
+          <a:lstStyle/>
+          <a:p>
+            <a:r>
+              <a:rPr lang="en-US" dirty="0" smtClean="0"/>
+              <a:t>MCS Results – Altitude/Velocity</a:t>
+            </a:r>
+            <a:endParaRPr lang="en-US" dirty="0"/>
+          </a:p>
+        </p:txBody>
+      </p:sp>
+      <p:sp>
+        <p:nvSpPr>
+          <p:cNvPr id="3" name="Content Placeholder 2"/>
+          <p:cNvSpPr>
+            <a:spLocks noGrp="1"/>
+          </p:cNvSpPr>
+          <p:nvPr>
+            <p:ph idx="1"/>
+          </p:nvPr>
+        </p:nvSpPr>
+        <p:spPr>
+          <a:xfrm>
+            <a:off x="628649" y="1690690"/>
+            <a:ext cx="7886700" cy="1437522"/>
+          </a:xfrm>
+        </p:spPr>
+        <p:txBody>
+          <a:bodyPr/>
+          <a:lstStyle/>
+          <a:p>
+            <a:r>
+              <a:rPr lang="en-US" sz="2400" dirty="0" smtClean="0"/>
+              <a:t>Although some trajectories exit the parachute deployment conditions, all but three pass through the box</a:t>
+            </a:r>
+          </a:p>
+          <a:p>
+            <a:pPr lvl="1"/>
+            <a:r>
+              <a:rPr lang="en-US" sz="2000" dirty="0" smtClean="0"/>
+              <a:t>Solved by considering triggering logic that explicitly accounts for parachute conditions </a:t>
+            </a:r>
+          </a:p>
+          <a:p>
+            <a:pPr marL="0" indent="0">
+              <a:buNone/>
+            </a:pPr>
+            <a:endParaRPr lang="en-US" dirty="0"/>
+          </a:p>
+        </p:txBody>
+      </p:sp>
+      <p:pic>
+        <p:nvPicPr>
+          <p:cNvPr id="7" name="Picture 6"/>
+          <p:cNvPicPr>
+            <a:picLocks noChangeAspect="1"/>
+          </p:cNvPicPr>
+          <p:nvPr/>
+        </p:nvPicPr>
+        <p:blipFill>
+          <a:blip r:embed="rId2">
+            <a:extLst>
+              <a:ext uri="{28A0092B-C50C-407E-A947-70E740481C1C}">
+                <a14:useLocalDpi xmlns:a14="http://schemas.microsoft.com/office/drawing/2010/main" val="0"/>
+              </a:ext>
+            </a:extLst>
+          </a:blip>
+          <a:stretch>
+            <a:fillRect/>
+          </a:stretch>
+        </p:blipFill>
+        <p:spPr>
+          <a:xfrm>
+            <a:off x="6015308" y="3001647"/>
+            <a:ext cx="2984313" cy="1856906"/>
+          </a:xfrm>
+          <a:prstGeom prst="rect">
+            <a:avLst/>
+          </a:prstGeom>
+        </p:spPr>
+      </p:pic>
+      <p:pic>
+        <p:nvPicPr>
+          <p:cNvPr id="8" name="Picture 7"/>
+          <p:cNvPicPr>
+            <a:picLocks noChangeAspect="1"/>
+          </p:cNvPicPr>
+          <p:nvPr/>
+        </p:nvPicPr>
+        <p:blipFill>
+          <a:blip r:embed="rId3">
+            <a:extLst>
+              <a:ext uri="{28A0092B-C50C-407E-A947-70E740481C1C}">
+                <a14:useLocalDpi xmlns:a14="http://schemas.microsoft.com/office/drawing/2010/main" val="0"/>
+              </a:ext>
+            </a:extLst>
+          </a:blip>
+          <a:stretch>
+            <a:fillRect/>
+          </a:stretch>
+        </p:blipFill>
+        <p:spPr>
+          <a:xfrm>
+            <a:off x="6015308" y="4858553"/>
+            <a:ext cx="2984313" cy="1856905"/>
+          </a:xfrm>
+          <a:prstGeom prst="rect">
+            <a:avLst/>
+          </a:prstGeom>
+        </p:spPr>
+      </p:pic>
+      <p:pic>
+        <p:nvPicPr>
+          <p:cNvPr id="9" name="Picture 8"/>
+          <p:cNvPicPr>
+            <a:picLocks noChangeAspect="1"/>
+          </p:cNvPicPr>
+          <p:nvPr/>
+        </p:nvPicPr>
+        <p:blipFill>
+          <a:blip r:embed="rId4">
+            <a:extLst>
+              <a:ext uri="{28A0092B-C50C-407E-A947-70E740481C1C}">
+                <a14:useLocalDpi xmlns:a14="http://schemas.microsoft.com/office/drawing/2010/main" val="0"/>
+              </a:ext>
+            </a:extLst>
+          </a:blip>
+          <a:stretch>
+            <a:fillRect/>
+          </a:stretch>
+        </p:blipFill>
+        <p:spPr>
+          <a:xfrm>
+            <a:off x="198640" y="3128212"/>
+            <a:ext cx="5332396" cy="3273687"/>
+          </a:xfrm>
+          <a:prstGeom prst="rect">
+            <a:avLst/>
+          </a:prstGeom>
+        </p:spPr>
+      </p:pic>
+      <p:sp>
+        <p:nvSpPr>
+          <p:cNvPr id="4" name="Date Placeholder 3"/>
+          <p:cNvSpPr>
+            <a:spLocks noGrp="1"/>
+          </p:cNvSpPr>
+          <p:nvPr>
+            <p:ph type="dt" sz="half" idx="10"/>
+          </p:nvPr>
+        </p:nvSpPr>
+        <p:spPr/>
+        <p:txBody>
+          <a:bodyPr/>
+          <a:lstStyle/>
+          <a:p>
+            <a:fld id="{B92B01C8-369C-4ED9-9DA7-8545D43DBD83}" type="datetime1">
+              <a:rPr lang="en-US" smtClean="0"/>
+              <a:t>11/30/2018</a:t>
+            </a:fld>
+            <a:endParaRPr lang="en-US"/>
+          </a:p>
+        </p:txBody>
+      </p:sp>
+    </p:spTree>
+    <p:extLst>
+      <p:ext uri="{BB962C8B-B14F-4D97-AF65-F5344CB8AC3E}">
+        <p14:creationId xmlns:p14="http://schemas.microsoft.com/office/powerpoint/2010/main" val="303004292"/>
+      </p:ext>
+    </p:extLst>
+  </p:cSld>
+  <p:clrMapOvr>
+    <a:masterClrMapping/>
+  </p:clrMapOvr>
+</p:sld>
+</file>
+
+<file path=ppt/slides/slide3.xml><?xml version="1.0" encoding="utf-8"?>
+<p:sld xmlns:a="http://schemas.openxmlformats.org/drawingml/2006/main" xmlns:r="http://schemas.openxmlformats.org/officeDocument/2006/relationships" xmlns:p="http://schemas.openxmlformats.org/presentationml/2006/main">
+  <p:cSld>
+    <p:spTree>
+      <p:nvGrpSpPr>
+        <p:cNvPr id="1" name=""/>
+        <p:cNvGrpSpPr/>
+        <p:nvPr/>
+      </p:nvGrpSpPr>
+      <p:grpSpPr>
+        <a:xfrm>
+          <a:off x="0" y="0"/>
+          <a:ext cx="0" cy="0"/>
+          <a:chOff x="0" y="0"/>
+          <a:chExt cx="0" cy="0"/>
+        </a:xfrm>
+      </p:grpSpPr>
+      <p:sp>
+        <p:nvSpPr>
+          <p:cNvPr id="2" name="Title 1"/>
+          <p:cNvSpPr>
+            <a:spLocks noGrp="1"/>
+          </p:cNvSpPr>
+          <p:nvPr>
+            <p:ph type="title"/>
+          </p:nvPr>
+        </p:nvSpPr>
+        <p:spPr/>
+        <p:txBody>
+          <a:bodyPr/>
+          <a:lstStyle/>
+          <a:p>
+            <a:r>
+              <a:rPr lang="en-US" dirty="0" smtClean="0"/>
+              <a:t>Entry Descent and Landing </a:t>
+            </a:r>
+            <a:br>
+              <a:rPr lang="en-US" dirty="0" smtClean="0"/>
+            </a:br>
+            <a:r>
+              <a:rPr lang="en-US" dirty="0" smtClean="0"/>
+              <a:t>State of the Art</a:t>
+            </a:r>
+            <a:endParaRPr lang="en-US" dirty="0"/>
+          </a:p>
+        </p:txBody>
+      </p:sp>
+      <p:sp>
+        <p:nvSpPr>
+          <p:cNvPr id="3" name="Content Placeholder 2"/>
+          <p:cNvSpPr>
+            <a:spLocks noGrp="1"/>
+          </p:cNvSpPr>
+          <p:nvPr>
+            <p:ph idx="1"/>
+          </p:nvPr>
+        </p:nvSpPr>
+        <p:spPr>
+          <a:xfrm>
+            <a:off x="628650" y="2397211"/>
+            <a:ext cx="7886700" cy="3779752"/>
+          </a:xfrm>
+        </p:spPr>
+        <p:txBody>
+          <a:bodyPr/>
+          <a:lstStyle/>
+          <a:p>
+            <a:r>
+              <a:rPr lang="en-US" dirty="0" smtClean="0"/>
+              <a:t>Mars Science Laboratory -  Apollo entry guidance, DGB Chute, Sky-Crane Descent stage</a:t>
+            </a:r>
+          </a:p>
+          <a:p>
+            <a:r>
+              <a:rPr lang="en-US" dirty="0" smtClean="0"/>
+              <a:t>Reference trajectory designed for slow maneuvers and wide margins </a:t>
+            </a:r>
+          </a:p>
+          <a:p>
+            <a:r>
+              <a:rPr lang="en-US" dirty="0" smtClean="0"/>
+              <a:t>Closed-loop performance evaluated via Monte Carlo</a:t>
+            </a:r>
+          </a:p>
+          <a:p>
+            <a:pPr lvl="1"/>
+            <a:r>
+              <a:rPr lang="en-US" dirty="0" smtClean="0"/>
+              <a:t>Iteration with human in the loop </a:t>
+            </a:r>
+          </a:p>
+          <a:p>
+            <a:r>
+              <a:rPr lang="en-US" dirty="0" smtClean="0"/>
+              <a:t>Parachute architectures simply do not scale to high ballistic coefficients</a:t>
+            </a:r>
+            <a:endParaRPr lang="en-US" dirty="0"/>
+          </a:p>
+        </p:txBody>
+      </p:sp>
+      <p:sp>
+        <p:nvSpPr>
+          <p:cNvPr id="4" name="Date Placeholder 3"/>
+          <p:cNvSpPr>
+            <a:spLocks noGrp="1"/>
+          </p:cNvSpPr>
+          <p:nvPr>
+            <p:ph type="dt" sz="half" idx="10"/>
+          </p:nvPr>
+        </p:nvSpPr>
+        <p:spPr/>
+        <p:txBody>
+          <a:bodyPr/>
+          <a:lstStyle/>
+          <a:p>
+            <a:fld id="{E0514563-7F99-4AB4-938D-7B22B938DBF8}" type="datetime1">
+              <a:rPr lang="en-US" smtClean="0"/>
+              <a:t>11/30/2018</a:t>
+            </a:fld>
+            <a:endParaRPr lang="en-US"/>
+          </a:p>
+        </p:txBody>
+      </p:sp>
+    </p:spTree>
+    <p:extLst>
+      <p:ext uri="{BB962C8B-B14F-4D97-AF65-F5344CB8AC3E}">
+        <p14:creationId xmlns:p14="http://schemas.microsoft.com/office/powerpoint/2010/main" val="2733381749"/>
+      </p:ext>
+    </p:extLst>
+  </p:cSld>
+  <p:clrMapOvr>
+    <a:masterClrMapping/>
+  </p:clrMapOvr>
+</p:sld>
+</file>
+
+<file path=ppt/slides/slide30.xml><?xml version="1.0" encoding="utf-8"?>
+<p:sld xmlns:a="http://schemas.openxmlformats.org/drawingml/2006/main" xmlns:r="http://schemas.openxmlformats.org/officeDocument/2006/relationships" xmlns:p="http://schemas.openxmlformats.org/presentationml/2006/main">
+  <p:cSld>
+    <p:spTree>
+      <p:nvGrpSpPr>
+        <p:cNvPr id="1" name=""/>
+        <p:cNvGrpSpPr/>
+        <p:nvPr/>
+      </p:nvGrpSpPr>
+      <p:grpSpPr>
+        <a:xfrm>
+          <a:off x="0" y="0"/>
+          <a:ext cx="0" cy="0"/>
+          <a:chOff x="0" y="0"/>
+          <a:chExt cx="0" cy="0"/>
+        </a:xfrm>
+      </p:grpSpPr>
+      <p:sp>
+        <p:nvSpPr>
+          <p:cNvPr id="2" name="Title 1"/>
+          <p:cNvSpPr>
+            <a:spLocks noGrp="1"/>
+          </p:cNvSpPr>
+          <p:nvPr>
+            <p:ph type="title"/>
+          </p:nvPr>
+        </p:nvSpPr>
+        <p:spPr/>
+        <p:txBody>
+          <a:bodyPr/>
+          <a:lstStyle/>
+          <a:p>
+            <a:r>
+              <a:rPr lang="en-US" dirty="0" smtClean="0"/>
+              <a:t>MCS Results – Bank Profiles </a:t>
+            </a:r>
+            <a:endParaRPr lang="en-US" dirty="0"/>
+          </a:p>
+        </p:txBody>
+      </p:sp>
+      <p:sp>
+        <p:nvSpPr>
+          <p:cNvPr id="5" name="Content Placeholder 4"/>
+          <p:cNvSpPr>
+            <a:spLocks noGrp="1"/>
+          </p:cNvSpPr>
+          <p:nvPr>
+            <p:ph idx="1"/>
+          </p:nvPr>
+        </p:nvSpPr>
+        <p:spPr>
+          <a:xfrm>
+            <a:off x="628650" y="1825625"/>
+            <a:ext cx="8245843" cy="1244834"/>
+          </a:xfrm>
+        </p:spPr>
+        <p:txBody>
+          <a:bodyPr/>
+          <a:lstStyle/>
+          <a:p>
+            <a:r>
+              <a:rPr lang="en-US" dirty="0" smtClean="0"/>
+              <a:t>Largest difference is in the timing of bank reversals</a:t>
+            </a:r>
+          </a:p>
+          <a:p>
+            <a:pPr lvl="0"/>
+            <a:r>
+              <a:rPr lang="en-US" dirty="0">
+                <a:solidFill>
+                  <a:prstClr val="black"/>
+                </a:solidFill>
+              </a:rPr>
+              <a:t>Bank angle (and trajectory in general) deviates from the original trajectory most at the end</a:t>
+            </a:r>
+          </a:p>
+          <a:p>
+            <a:endParaRPr lang="en-US" dirty="0" smtClean="0"/>
+          </a:p>
+          <a:p>
+            <a:endParaRPr lang="en-US" dirty="0"/>
+          </a:p>
+        </p:txBody>
+      </p:sp>
+      <p:pic>
+        <p:nvPicPr>
+          <p:cNvPr id="6" name="Picture 5"/>
+          <p:cNvPicPr>
+            <a:picLocks noChangeAspect="1"/>
+          </p:cNvPicPr>
+          <p:nvPr/>
+        </p:nvPicPr>
+        <p:blipFill>
+          <a:blip r:embed="rId2">
+            <a:extLst>
+              <a:ext uri="{28A0092B-C50C-407E-A947-70E740481C1C}">
+                <a14:useLocalDpi xmlns:a14="http://schemas.microsoft.com/office/drawing/2010/main" val="0"/>
+              </a:ext>
+            </a:extLst>
+          </a:blip>
+          <a:stretch>
+            <a:fillRect/>
+          </a:stretch>
+        </p:blipFill>
+        <p:spPr>
+          <a:xfrm>
+            <a:off x="259880" y="3197993"/>
+            <a:ext cx="5813843" cy="3488306"/>
+          </a:xfrm>
+          <a:prstGeom prst="rect">
+            <a:avLst/>
+          </a:prstGeom>
+        </p:spPr>
+      </p:pic>
+      <p:sp>
+        <p:nvSpPr>
+          <p:cNvPr id="7" name="TextBox 6"/>
+          <p:cNvSpPr txBox="1"/>
+          <p:nvPr/>
+        </p:nvSpPr>
+        <p:spPr>
+          <a:xfrm>
+            <a:off x="5861784" y="3395901"/>
+            <a:ext cx="3205214" cy="2363724"/>
+          </a:xfrm>
+          <a:prstGeom prst="rect">
+            <a:avLst/>
+          </a:prstGeom>
+          <a:noFill/>
+        </p:spPr>
+        <p:txBody>
+          <a:bodyPr wrap="square" rtlCol="0">
+            <a:spAutoFit/>
+          </a:bodyPr>
+          <a:lstStyle/>
+          <a:p>
+            <a:pPr lvl="1">
+              <a:lnSpc>
+                <a:spcPct val="90000"/>
+              </a:lnSpc>
+              <a:spcBef>
+                <a:spcPts val="500"/>
+              </a:spcBef>
+            </a:pPr>
+            <a:r>
+              <a:rPr lang="en-US" sz="2400" dirty="0" smtClean="0">
+                <a:solidFill>
+                  <a:prstClr val="black"/>
+                </a:solidFill>
+              </a:rPr>
+              <a:t>This </a:t>
+            </a:r>
+            <a:r>
+              <a:rPr lang="en-US" sz="2400" dirty="0">
+                <a:solidFill>
+                  <a:prstClr val="black"/>
+                </a:solidFill>
+              </a:rPr>
+              <a:t>is expected because </a:t>
+            </a:r>
+            <a:r>
+              <a:rPr lang="en-US" sz="2400" dirty="0" smtClean="0">
+                <a:solidFill>
+                  <a:prstClr val="black"/>
+                </a:solidFill>
+              </a:rPr>
+              <a:t>the later portion of trajectory is updated the greatest number </a:t>
+            </a:r>
+            <a:r>
+              <a:rPr lang="en-US" sz="2400" dirty="0">
+                <a:solidFill>
+                  <a:prstClr val="black"/>
+                </a:solidFill>
+              </a:rPr>
+              <a:t>of times </a:t>
+            </a:r>
+          </a:p>
+          <a:p>
+            <a:endParaRPr lang="en-US" dirty="0"/>
+          </a:p>
+        </p:txBody>
+      </p:sp>
+      <p:sp>
+        <p:nvSpPr>
+          <p:cNvPr id="3" name="Date Placeholder 2"/>
+          <p:cNvSpPr>
+            <a:spLocks noGrp="1"/>
+          </p:cNvSpPr>
+          <p:nvPr>
+            <p:ph type="dt" sz="half" idx="10"/>
+          </p:nvPr>
+        </p:nvSpPr>
+        <p:spPr/>
+        <p:txBody>
+          <a:bodyPr/>
+          <a:lstStyle/>
+          <a:p>
+            <a:fld id="{EBD2AF92-CB4E-4AF0-A3E1-DF2CCF33E74C}" type="datetime1">
+              <a:rPr lang="en-US" smtClean="0"/>
+              <a:t>11/30/2018</a:t>
+            </a:fld>
+            <a:endParaRPr lang="en-US"/>
+          </a:p>
+        </p:txBody>
+      </p:sp>
+    </p:spTree>
+    <p:extLst>
+      <p:ext uri="{BB962C8B-B14F-4D97-AF65-F5344CB8AC3E}">
+        <p14:creationId xmlns:p14="http://schemas.microsoft.com/office/powerpoint/2010/main" val="1145173546"/>
+      </p:ext>
+    </p:extLst>
+  </p:cSld>
+  <p:clrMapOvr>
+    <a:masterClrMapping/>
+  </p:clrMapOvr>
+</p:sld>
+</file>
+
+<file path=ppt/slides/slide31.xml><?xml version="1.0" encoding="utf-8"?>
+<p:sld xmlns:a="http://schemas.openxmlformats.org/drawingml/2006/main" xmlns:r="http://schemas.openxmlformats.org/officeDocument/2006/relationships" xmlns:p="http://schemas.openxmlformats.org/presentationml/2006/main">
+  <p:cSld>
+    <p:spTree>
+      <p:nvGrpSpPr>
+        <p:cNvPr id="1" name=""/>
+        <p:cNvGrpSpPr/>
+        <p:nvPr/>
+      </p:nvGrpSpPr>
+      <p:grpSpPr>
+        <a:xfrm>
+          <a:off x="0" y="0"/>
+          <a:ext cx="0" cy="0"/>
+          <a:chOff x="0" y="0"/>
+          <a:chExt cx="0" cy="0"/>
+        </a:xfrm>
+      </p:grpSpPr>
+      <p:sp>
+        <p:nvSpPr>
+          <p:cNvPr id="2" name="Title 1"/>
+          <p:cNvSpPr>
+            <a:spLocks noGrp="1"/>
+          </p:cNvSpPr>
+          <p:nvPr>
+            <p:ph type="title"/>
+          </p:nvPr>
+        </p:nvSpPr>
+        <p:spPr/>
+        <p:txBody>
+          <a:bodyPr/>
+          <a:lstStyle/>
+          <a:p>
+            <a:r>
+              <a:rPr lang="en-US" dirty="0" smtClean="0"/>
+              <a:t>Conclusion</a:t>
+            </a:r>
+            <a:endParaRPr lang="en-US" dirty="0"/>
+          </a:p>
+        </p:txBody>
+      </p:sp>
+      <p:sp>
+        <p:nvSpPr>
+          <p:cNvPr id="3" name="Content Placeholder 2"/>
+          <p:cNvSpPr>
+            <a:spLocks noGrp="1"/>
+          </p:cNvSpPr>
+          <p:nvPr>
+            <p:ph idx="1"/>
+          </p:nvPr>
+        </p:nvSpPr>
+        <p:spPr/>
+        <p:txBody>
+          <a:bodyPr/>
+          <a:lstStyle/>
+          <a:p>
+            <a:r>
+              <a:rPr lang="en-US" dirty="0" smtClean="0"/>
+              <a:t>Despite the use of linearization requiring small, local updates, a convex approach to onboard trajectory redesign shows promise </a:t>
+            </a:r>
+          </a:p>
+          <a:p>
+            <a:r>
+              <a:rPr lang="en-US" dirty="0" smtClean="0"/>
+              <a:t>Use of updating has a number of potential applications</a:t>
+            </a:r>
+          </a:p>
+          <a:p>
+            <a:r>
+              <a:rPr lang="en-US" dirty="0" smtClean="0"/>
+              <a:t>If the target point is not reachable, the solution returned by the optimizer may be outside the region of validity of the linearized trajectory, or the optimization may return infeasible </a:t>
+            </a:r>
+          </a:p>
+          <a:p>
+            <a:pPr lvl="1"/>
+            <a:r>
+              <a:rPr lang="en-US" dirty="0" smtClean="0"/>
+              <a:t>Safeguarding is required</a:t>
+            </a:r>
+          </a:p>
+          <a:p>
+            <a:pPr lvl="1"/>
+            <a:r>
+              <a:rPr lang="en-US" dirty="0" smtClean="0"/>
+              <a:t>Consider the endpoint constraint as a penalty term in the objective </a:t>
+            </a:r>
+            <a:endParaRPr lang="en-US" dirty="0"/>
+          </a:p>
+          <a:p>
+            <a:pPr marL="457200" lvl="1" indent="0">
+              <a:buNone/>
+            </a:pPr>
+            <a:endParaRPr lang="en-US" dirty="0" smtClean="0"/>
+          </a:p>
+        </p:txBody>
+      </p:sp>
+      <p:sp>
+        <p:nvSpPr>
+          <p:cNvPr id="4" name="Date Placeholder 3"/>
+          <p:cNvSpPr>
+            <a:spLocks noGrp="1"/>
+          </p:cNvSpPr>
+          <p:nvPr>
+            <p:ph type="dt" sz="half" idx="10"/>
+          </p:nvPr>
+        </p:nvSpPr>
+        <p:spPr/>
+        <p:txBody>
+          <a:bodyPr/>
+          <a:lstStyle/>
+          <a:p>
+            <a:fld id="{16114025-B9CF-47AC-9FCF-5709863A9187}" type="datetime1">
+              <a:rPr lang="en-US" smtClean="0"/>
+              <a:t>11/30/2018</a:t>
+            </a:fld>
+            <a:endParaRPr lang="en-US"/>
+          </a:p>
+        </p:txBody>
+      </p:sp>
+    </p:spTree>
+    <p:extLst>
+      <p:ext uri="{BB962C8B-B14F-4D97-AF65-F5344CB8AC3E}">
+        <p14:creationId xmlns:p14="http://schemas.microsoft.com/office/powerpoint/2010/main" val="2442241489"/>
+      </p:ext>
+    </p:extLst>
+  </p:cSld>
+  <p:clrMapOvr>
+    <a:masterClrMapping/>
+  </p:clrMapOvr>
+</p:sld>
+</file>
+
+<file path=ppt/slides/slide32.xml><?xml version="1.0" encoding="utf-8"?>
+<p:sld xmlns:a="http://schemas.openxmlformats.org/drawingml/2006/main" xmlns:r="http://schemas.openxmlformats.org/officeDocument/2006/relationships" xmlns:p="http://schemas.openxmlformats.org/presentationml/2006/main">
+  <p:cSld>
+    <p:spTree>
+      <p:nvGrpSpPr>
+        <p:cNvPr id="1" name=""/>
+        <p:cNvGrpSpPr/>
+        <p:nvPr/>
+      </p:nvGrpSpPr>
+      <p:grpSpPr>
+        <a:xfrm>
+          <a:off x="0" y="0"/>
+          <a:ext cx="0" cy="0"/>
+          <a:chOff x="0" y="0"/>
+          <a:chExt cx="0" cy="0"/>
+        </a:xfrm>
+      </p:grpSpPr>
+      <p:sp>
+        <p:nvSpPr>
+          <p:cNvPr id="2" name="Title 1"/>
+          <p:cNvSpPr>
+            <a:spLocks noGrp="1"/>
+          </p:cNvSpPr>
+          <p:nvPr>
+            <p:ph type="title"/>
+          </p:nvPr>
+        </p:nvSpPr>
+        <p:spPr/>
+        <p:txBody>
+          <a:bodyPr/>
+          <a:lstStyle/>
+          <a:p>
+            <a:r>
+              <a:rPr lang="en-US" dirty="0" smtClean="0"/>
+              <a:t>Trace Norm</a:t>
+            </a:r>
+            <a:endParaRPr lang="en-US" dirty="0"/>
+          </a:p>
+        </p:txBody>
+      </p:sp>
+      <p:sp>
+        <p:nvSpPr>
+          <p:cNvPr id="3" name="Content Placeholder 2"/>
+          <p:cNvSpPr>
+            <a:spLocks noGrp="1"/>
+          </p:cNvSpPr>
+          <p:nvPr>
+            <p:ph idx="1"/>
+          </p:nvPr>
+        </p:nvSpPr>
+        <p:spPr/>
+        <p:txBody>
+          <a:bodyPr/>
+          <a:lstStyle/>
+          <a:p>
+            <a:r>
+              <a:rPr lang="en-US" dirty="0" smtClean="0"/>
+              <a:t>From the broader class of </a:t>
+            </a:r>
+            <a:r>
+              <a:rPr lang="en-US" dirty="0" err="1" smtClean="0"/>
+              <a:t>Schatten</a:t>
+            </a:r>
+            <a:r>
+              <a:rPr lang="en-US" dirty="0" smtClean="0"/>
+              <a:t> p-norms with p=1</a:t>
+            </a:r>
+          </a:p>
+          <a:p>
+            <a:r>
+              <a:rPr lang="en-US" dirty="0" smtClean="0"/>
+              <a:t>Also called the nuclear norm, equal to the sum of the singular values (= eigenvalues because covariance is positive semi-definite)</a:t>
+            </a:r>
+            <a:endParaRPr lang="en-US" dirty="0"/>
+          </a:p>
+        </p:txBody>
+      </p:sp>
+      <p:sp>
+        <p:nvSpPr>
+          <p:cNvPr id="4" name="Date Placeholder 3"/>
+          <p:cNvSpPr>
+            <a:spLocks noGrp="1"/>
+          </p:cNvSpPr>
+          <p:nvPr>
+            <p:ph type="dt" sz="half" idx="10"/>
+          </p:nvPr>
+        </p:nvSpPr>
+        <p:spPr/>
+        <p:txBody>
+          <a:bodyPr/>
+          <a:lstStyle/>
+          <a:p>
+            <a:fld id="{8F89CBAE-3EB9-4813-AFB5-1F0A5A73B72E}" type="datetime1">
+              <a:rPr lang="en-US" smtClean="0"/>
+              <a:t>11/30/2018</a:t>
+            </a:fld>
+            <a:endParaRPr lang="en-US"/>
+          </a:p>
+        </p:txBody>
+      </p:sp>
+    </p:spTree>
+    <p:extLst>
+      <p:ext uri="{BB962C8B-B14F-4D97-AF65-F5344CB8AC3E}">
+        <p14:creationId xmlns:p14="http://schemas.microsoft.com/office/powerpoint/2010/main" val="3713997120"/>
+      </p:ext>
+    </p:extLst>
+  </p:cSld>
+  <p:clrMapOvr>
+    <a:masterClrMapping/>
+  </p:clrMapOvr>
+</p:sld>
+</file>
+
+<file path=ppt/slides/slide33.xml><?xml version="1.0" encoding="utf-8"?>
+<p:sld xmlns:a="http://schemas.openxmlformats.org/drawingml/2006/main" xmlns:r="http://schemas.openxmlformats.org/officeDocument/2006/relationships" xmlns:p="http://schemas.openxmlformats.org/presentationml/2006/main">
+  <p:cSld>
+    <p:spTree>
+      <p:nvGrpSpPr>
+        <p:cNvPr id="1" name=""/>
+        <p:cNvGrpSpPr/>
+        <p:nvPr/>
+      </p:nvGrpSpPr>
+      <p:grpSpPr>
+        <a:xfrm>
+          <a:off x="0" y="0"/>
+          <a:ext cx="0" cy="0"/>
+          <a:chOff x="0" y="0"/>
+          <a:chExt cx="0" cy="0"/>
+        </a:xfrm>
+      </p:grpSpPr>
+      <p:sp>
+        <p:nvSpPr>
+          <p:cNvPr id="2" name="Title 1"/>
+          <p:cNvSpPr>
+            <a:spLocks noGrp="1"/>
+          </p:cNvSpPr>
+          <p:nvPr>
+            <p:ph type="title"/>
+          </p:nvPr>
+        </p:nvSpPr>
         <p:spPr>
           <a:xfrm>
             <a:off x="2333883" y="89649"/>
@@ -8774,6 +11455,29 @@
           </a:fontRef>
         </p:style>
       </p:cxnSp>
+      <p:sp>
+        <p:nvSpPr>
+          <p:cNvPr id="3" name="Date Placeholder 2"/>
+          <p:cNvSpPr>
+            <a:spLocks noGrp="1"/>
+          </p:cNvSpPr>
+          <p:nvPr>
+            <p:ph type="dt" sz="half" idx="10"/>
+          </p:nvPr>
+        </p:nvSpPr>
+        <p:spPr/>
+        <p:txBody>
+          <a:bodyPr/>
+          <a:lstStyle/>
+          <a:p>
+            <a:fld id="{5788DFC6-753D-4508-95EF-CA4952364244}" type="datetime1">
+              <a:rPr lang="en-US" smtClean="0"/>
+              <a:t>11/30/2018</a:t>
+            </a:fld>
+            <a:endParaRPr lang="en-US"/>
+          </a:p>
+        </p:txBody>
+      </p:sp>
     </p:spTree>
     <p:extLst>
       <p:ext uri="{BB962C8B-B14F-4D97-AF65-F5344CB8AC3E}">
@@ -8794,7 +11498,7 @@
 </p:sld>
 </file>
 
-<file path=ppt/slides/slide29.xml><?xml version="1.0" encoding="utf-8"?>
+<file path=ppt/slides/slide34.xml><?xml version="1.0" encoding="utf-8"?>
 <p:sld xmlns:a="http://schemas.openxmlformats.org/drawingml/2006/main" xmlns:r="http://schemas.openxmlformats.org/officeDocument/2006/relationships" xmlns:p="http://schemas.openxmlformats.org/presentationml/2006/main">
   <p:cSld>
     <p:spTree>
@@ -9393,6 +12097,29 @@
           </a:fontRef>
         </p:style>
       </p:cxnSp>
+      <p:sp>
+        <p:nvSpPr>
+          <p:cNvPr id="3" name="Date Placeholder 2"/>
+          <p:cNvSpPr>
+            <a:spLocks noGrp="1"/>
+          </p:cNvSpPr>
+          <p:nvPr>
+            <p:ph type="dt" sz="half" idx="10"/>
+          </p:nvPr>
+        </p:nvSpPr>
+        <p:spPr/>
+        <p:txBody>
+          <a:bodyPr/>
+          <a:lstStyle/>
+          <a:p>
+            <a:fld id="{B0501EA2-D0F5-487D-B1CC-0561614CE5FC}" type="datetime1">
+              <a:rPr lang="en-US" smtClean="0"/>
+              <a:t>11/30/2018</a:t>
+            </a:fld>
+            <a:endParaRPr lang="en-US"/>
+          </a:p>
+        </p:txBody>
+      </p:sp>
     </p:spTree>
     <p:extLst>
       <p:ext uri="{BB962C8B-B14F-4D97-AF65-F5344CB8AC3E}">
@@ -9413,106 +12140,6 @@
 </p:sld>
 </file>
 
-<file path=ppt/slides/slide3.xml><?xml version="1.0" encoding="utf-8"?>
-<p:sld xmlns:a="http://schemas.openxmlformats.org/drawingml/2006/main" xmlns:r="http://schemas.openxmlformats.org/officeDocument/2006/relationships" xmlns:p="http://schemas.openxmlformats.org/presentationml/2006/main">
-  <p:cSld>
-    <p:spTree>
-      <p:nvGrpSpPr>
-        <p:cNvPr id="1" name=""/>
-        <p:cNvGrpSpPr/>
-        <p:nvPr/>
-      </p:nvGrpSpPr>
-      <p:grpSpPr>
-        <a:xfrm>
-          <a:off x="0" y="0"/>
-          <a:ext cx="0" cy="0"/>
-          <a:chOff x="0" y="0"/>
-          <a:chExt cx="0" cy="0"/>
-        </a:xfrm>
-      </p:grpSpPr>
-      <p:sp>
-        <p:nvSpPr>
-          <p:cNvPr id="2" name="Title 1"/>
-          <p:cNvSpPr>
-            <a:spLocks noGrp="1"/>
-          </p:cNvSpPr>
-          <p:nvPr>
-            <p:ph type="title"/>
-          </p:nvPr>
-        </p:nvSpPr>
-        <p:spPr/>
-        <p:txBody>
-          <a:bodyPr/>
-          <a:lstStyle/>
-          <a:p>
-            <a:r>
-              <a:rPr lang="en-US" dirty="0" smtClean="0"/>
-              <a:t>EDL </a:t>
-            </a:r>
-            <a:r>
-              <a:rPr lang="en-US" dirty="0" err="1" smtClean="0"/>
-              <a:t>ConOps</a:t>
-            </a:r>
-            <a:endParaRPr lang="en-US" dirty="0"/>
-          </a:p>
-        </p:txBody>
-      </p:sp>
-      <p:sp>
-        <p:nvSpPr>
-          <p:cNvPr id="3" name="Content Placeholder 2"/>
-          <p:cNvSpPr>
-            <a:spLocks noGrp="1"/>
-          </p:cNvSpPr>
-          <p:nvPr>
-            <p:ph idx="1"/>
-          </p:nvPr>
-        </p:nvSpPr>
-        <p:spPr/>
-        <p:txBody>
-          <a:bodyPr/>
-          <a:lstStyle/>
-          <a:p>
-            <a:r>
-              <a:rPr lang="en-US" dirty="0" smtClean="0"/>
-              <a:t>Entry phase – vehicle is guided by orienting the lift vector, controlled by reaction control thrusters</a:t>
-            </a:r>
-          </a:p>
-          <a:p>
-            <a:r>
-              <a:rPr lang="en-US" dirty="0" smtClean="0"/>
-              <a:t>Powered descent phase – supersonic </a:t>
-            </a:r>
-            <a:r>
-              <a:rPr lang="en-US" dirty="0" err="1" smtClean="0"/>
-              <a:t>retropropulsion</a:t>
-            </a:r>
-            <a:r>
-              <a:rPr lang="en-US" dirty="0" smtClean="0"/>
-              <a:t> is used to null nearly all of the vehicle’s remaining velocity </a:t>
-            </a:r>
-          </a:p>
-          <a:p>
-            <a:r>
-              <a:rPr lang="en-US" dirty="0" smtClean="0"/>
-              <a:t>Landing phase – vertical powered descent phase to soft touchdown</a:t>
-            </a:r>
-            <a:endParaRPr lang="en-US" dirty="0"/>
-          </a:p>
-        </p:txBody>
-      </p:sp>
-    </p:spTree>
-    <p:extLst>
-      <p:ext uri="{BB962C8B-B14F-4D97-AF65-F5344CB8AC3E}">
-        <p14:creationId xmlns:p14="http://schemas.microsoft.com/office/powerpoint/2010/main" val="2087670528"/>
-      </p:ext>
-    </p:extLst>
-  </p:cSld>
-  <p:clrMapOvr>
-    <a:masterClrMapping/>
-  </p:clrMapOvr>
-</p:sld>
-</file>
-
 <file path=ppt/slides/slide4.xml><?xml version="1.0" encoding="utf-8"?>
 <p:sld xmlns:a="http://schemas.openxmlformats.org/drawingml/2006/main" xmlns:r="http://schemas.openxmlformats.org/officeDocument/2006/relationships" xmlns:p="http://schemas.openxmlformats.org/presentationml/2006/main">
   <p:cSld>
@@ -9540,27 +12167,18 @@
             <p:ph type="title"/>
           </p:nvPr>
         </p:nvSpPr>
-        <p:spPr>
-          <a:xfrm>
-            <a:off x="628650" y="1079156"/>
-            <a:ext cx="7886700" cy="1248407"/>
-          </a:xfrm>
-        </p:spPr>
-        <p:txBody>
-          <a:bodyPr/>
-          <a:lstStyle/>
-          <a:p>
-            <a:r>
-              <a:rPr lang="en-US" dirty="0" smtClean="0"/>
-              <a:t>Switch Time Optimization for Rapid </a:t>
-            </a:r>
-            <a:r>
-              <a:rPr lang="en-US" dirty="0" smtClean="0"/>
-              <a:t>Entry Trajectory </a:t>
-            </a:r>
-            <a:r>
-              <a:rPr lang="en-US" dirty="0" smtClean="0"/>
-              <a:t>Design</a:t>
+        <p:spPr/>
+        <p:txBody>
+          <a:bodyPr/>
+          <a:lstStyle/>
+          <a:p>
+            <a:r>
+              <a:rPr lang="en-US" dirty="0" smtClean="0"/>
+              <a:t>EDL </a:t>
+            </a:r>
+            <a:r>
+              <a:rPr lang="en-US" dirty="0" smtClean="0"/>
+              <a:t>Concept of Operations</a:t>
             </a:r>
             <a:endParaRPr lang="en-US" dirty="0"/>
           </a:p>
@@ -9576,70 +12194,66 @@
             <p:ph idx="1"/>
           </p:nvPr>
         </p:nvSpPr>
-        <p:spPr>
-          <a:xfrm>
-            <a:off x="628650" y="2576944"/>
-            <a:ext cx="7886700" cy="4281055"/>
-          </a:xfrm>
-        </p:spPr>
-        <p:txBody>
-          <a:bodyPr/>
-          <a:lstStyle/>
-          <a:p>
-            <a:r>
-              <a:rPr lang="en-US" dirty="0" smtClean="0"/>
-              <a:t>Simple </a:t>
-            </a:r>
-            <a:r>
-              <a:rPr lang="en-US" dirty="0" smtClean="0"/>
-              <a:t>parameterization </a:t>
-            </a:r>
-            <a:r>
-              <a:rPr lang="en-US" dirty="0" smtClean="0"/>
-              <a:t>for robust, near-optimal altitude performance intended for parachute architectures </a:t>
-            </a:r>
-          </a:p>
-          <a:p>
-            <a:r>
-              <a:rPr lang="en-US" dirty="0" smtClean="0"/>
-              <a:t>Can show that this </a:t>
-            </a:r>
-            <a:r>
-              <a:rPr lang="en-US" dirty="0" smtClean="0"/>
-              <a:t>parameterization </a:t>
-            </a:r>
-            <a:r>
-              <a:rPr lang="en-US" dirty="0" smtClean="0"/>
-              <a:t>also allows for near-optimal minimum velocity performance, suitable for SRP applications</a:t>
-            </a:r>
-          </a:p>
-          <a:p>
-            <a:r>
-              <a:rPr lang="en-US" dirty="0" smtClean="0"/>
-              <a:t>If-then logic used is discontinuous; </a:t>
+        <p:spPr/>
+        <p:txBody>
+          <a:bodyPr/>
+          <a:lstStyle/>
+          <a:p>
+            <a:r>
+              <a:rPr lang="en-US" dirty="0" smtClean="0"/>
+              <a:t>Entry phase – vehicle is guided by orienting the lift vector, controlled by reaction control thrusters</a:t>
+            </a:r>
+          </a:p>
+          <a:p>
+            <a:r>
+              <a:rPr lang="en-US" dirty="0" smtClean="0"/>
+              <a:t>Powered descent phase – supersonic </a:t>
             </a:r>
             <a:r>
               <a:rPr lang="en-US" dirty="0" err="1" smtClean="0"/>
-              <a:t>Nelder</a:t>
-            </a:r>
-            <a:r>
-              <a:rPr lang="en-US" dirty="0" smtClean="0"/>
-              <a:t>-Mead simplex method has been used for optimization</a:t>
-            </a:r>
-          </a:p>
-          <a:p>
-            <a:r>
-              <a:rPr lang="en-US" dirty="0" smtClean="0"/>
-              <a:t>Results from hybrid OC literature suggest a gradient based solution is possible and preferable </a:t>
+              <a:t>retropropulsion</a:t>
+            </a:r>
+            <a:r>
+              <a:rPr lang="en-US" dirty="0" smtClean="0"/>
+              <a:t> is used to null nearly all of the vehicle’s remaining velocity </a:t>
+            </a:r>
+          </a:p>
+          <a:p>
+            <a:r>
+              <a:rPr lang="en-US" dirty="0" smtClean="0"/>
+              <a:t>Landing phase – vertical powered descent phase to soft touchdown</a:t>
             </a:r>
             <a:endParaRPr lang="en-US" dirty="0"/>
+          </a:p>
+        </p:txBody>
+      </p:sp>
+      <p:sp>
+        <p:nvSpPr>
+          <p:cNvPr id="4" name="Date Placeholder 3"/>
+          <p:cNvSpPr>
+            <a:spLocks noGrp="1"/>
+          </p:cNvSpPr>
+          <p:nvPr>
+            <p:ph type="dt" sz="half" idx="10"/>
+          </p:nvPr>
+        </p:nvSpPr>
+        <p:spPr/>
+        <p:txBody>
+          <a:bodyPr/>
+          <a:lstStyle/>
+          <a:p>
+            <a:fld id="{3E46D0C7-BBF8-4570-BEBF-CB2C66043DE9}" type="datetime1">
+              <a:rPr lang="en-US" smtClean="0"/>
+              <a:t>11/30/2018</a:t>
+            </a:fld>
+            <a:endParaRPr lang="en-US"/>
           </a:p>
         </p:txBody>
       </p:sp>
     </p:spTree>
     <p:extLst>
       <p:ext uri="{BB962C8B-B14F-4D97-AF65-F5344CB8AC3E}">
-        <p14:creationId xmlns:p14="http://schemas.microsoft.com/office/powerpoint/2010/main" val="949813023"/>
+        <p14:creationId xmlns:p14="http://schemas.microsoft.com/office/powerpoint/2010/main" val="2087670528"/>
       </p:ext>
     </p:extLst>
   </p:cSld>
@@ -9683,7 +12297,7 @@
           <a:p>
             <a:r>
               <a:rPr lang="en-US" dirty="0" smtClean="0"/>
-              <a:t>Switch Time Opt</a:t>
+              <a:t>Broadly…</a:t>
             </a:r>
             <a:endParaRPr lang="en-US" dirty="0"/>
           </a:p>
@@ -9706,40 +12320,55 @@
           <a:p>
             <a:r>
               <a:rPr lang="en-US" dirty="0" smtClean="0"/>
-              <a:t>Gradients with respect to switch times cannot be easily evaluated via finite difference, and automatic differentiation fails due to the discontinuous logic</a:t>
-            </a:r>
-          </a:p>
-          <a:p>
-            <a:r>
-              <a:rPr lang="en-US" dirty="0" smtClean="0"/>
-              <a:t>Solved very efficient via SQP method (</a:t>
+              <a:t>I am interested in closed loop performance of constrained, nonlinear systems subject to parametric uncertainty and/or </a:t>
             </a:r>
             <a:r>
               <a:rPr lang="en-US" dirty="0" err="1" smtClean="0"/>
-              <a:t>quasiNewton</a:t>
-            </a:r>
-            <a:r>
-              <a:rPr lang="en-US" dirty="0" smtClean="0"/>
-              <a:t> method, BFGS update to inverse Hessian)</a:t>
-            </a:r>
-          </a:p>
-          <a:p>
-            <a:r>
-              <a:rPr lang="en-US" dirty="0" smtClean="0"/>
-              <a:t>We left margins heuristically, assumed a fixed % was sufficient for closed </a:t>
-            </a:r>
-            <a:r>
+              <a:t>stochasticity</a:t>
+            </a:r>
+            <a:r>
+              <a:rPr lang="en-US" dirty="0" smtClean="0"/>
+              <a:t> </a:t>
+            </a:r>
+          </a:p>
+          <a:p>
+            <a:r>
+              <a:rPr lang="en-US" dirty="0" smtClean="0"/>
+              <a:t>I want to exploit knowledge of the probabilistic nature of the uncertainty to improve performance</a:t>
+            </a:r>
+          </a:p>
+          <a:p>
+            <a:endParaRPr lang="en-US" dirty="0"/>
+          </a:p>
+        </p:txBody>
+      </p:sp>
+      <p:sp>
+        <p:nvSpPr>
+          <p:cNvPr id="4" name="Date Placeholder 3"/>
+          <p:cNvSpPr>
+            <a:spLocks noGrp="1"/>
+          </p:cNvSpPr>
+          <p:nvPr>
+            <p:ph type="dt" sz="half" idx="10"/>
+          </p:nvPr>
+        </p:nvSpPr>
+        <p:spPr/>
+        <p:txBody>
+          <a:bodyPr/>
+          <a:lstStyle/>
+          <a:p>
+            <a:fld id="{2E9BCE13-D08C-4922-8CC7-C0D374DE3A5E}" type="datetime1">
               <a:rPr lang="en-US" smtClean="0"/>
-              <a:t>loop trajectories </a:t>
-            </a:r>
-            <a:endParaRPr lang="en-US" dirty="0"/>
+              <a:t>11/30/2018</a:t>
+            </a:fld>
+            <a:endParaRPr lang="en-US"/>
           </a:p>
         </p:txBody>
       </p:sp>
     </p:spTree>
     <p:extLst>
       <p:ext uri="{BB962C8B-B14F-4D97-AF65-F5344CB8AC3E}">
-        <p14:creationId xmlns:p14="http://schemas.microsoft.com/office/powerpoint/2010/main" val="4101162675"/>
+        <p14:creationId xmlns:p14="http://schemas.microsoft.com/office/powerpoint/2010/main" val="3867321581"/>
       </p:ext>
     </p:extLst>
   </p:cSld>
@@ -9783,7 +12412,11 @@
           <a:p>
             <a:r>
               <a:rPr lang="en-US" dirty="0" smtClean="0"/>
-              <a:t>Broadly…</a:t>
+              <a:t>Literature </a:t>
+            </a:r>
+            <a:r>
+              <a:rPr lang="en-US" dirty="0" smtClean="0"/>
+              <a:t>Review </a:t>
             </a:r>
             <a:endParaRPr lang="en-US" dirty="0"/>
           </a:p>
@@ -9806,32 +12439,93 @@
           <a:p>
             <a:r>
               <a:rPr lang="en-US" dirty="0" smtClean="0"/>
-              <a:t>I am interested in closed loop performance of constrained, nonlinear systems subject to parametric uncertainty and/or </a:t>
+              <a:t>Linear Exponential Gaussian (weights higher moments</a:t>
+            </a:r>
+            <a:r>
+              <a:rPr lang="en-US" dirty="0" smtClean="0"/>
+              <a:t>)</a:t>
+            </a:r>
+          </a:p>
+          <a:p>
+            <a:r>
+              <a:rPr lang="en-US" dirty="0" smtClean="0"/>
+              <a:t>Control of </a:t>
             </a:r>
             <a:r>
               <a:rPr lang="en-US" dirty="0" err="1" smtClean="0"/>
-              <a:t>stochasticity</a:t>
+              <a:t>Liouville</a:t>
+            </a:r>
+            <a:r>
+              <a:rPr lang="en-US" dirty="0" smtClean="0"/>
+              <a:t> equation</a:t>
+            </a:r>
+            <a:endParaRPr lang="en-US" dirty="0" smtClean="0"/>
+          </a:p>
+          <a:p>
+            <a:r>
+              <a:rPr lang="en-US" dirty="0" smtClean="0"/>
+              <a:t>Desensitized optimal control penalizes the partial derivatives of the objective function </a:t>
+            </a:r>
+            <a:r>
+              <a:rPr lang="en-US" dirty="0" err="1" smtClean="0"/>
+              <a:t>wrt</a:t>
             </a:r>
             <a:r>
               <a:rPr lang="en-US" dirty="0" smtClean="0"/>
               <a:t> </a:t>
             </a:r>
-          </a:p>
-          <a:p>
-            <a:r>
-              <a:rPr lang="en-US" dirty="0" smtClean="0"/>
-              <a:t>I want to exploit knowledge of the probabilistic nature of the uncertainty to improve performance</a:t>
-            </a:r>
-          </a:p>
-          <a:p>
+            <a:r>
+              <a:rPr lang="en-US" dirty="0" smtClean="0"/>
+              <a:t>parameters, or places constraints on sensitivities </a:t>
+            </a:r>
+            <a:endParaRPr lang="en-US" dirty="0" smtClean="0"/>
+          </a:p>
+          <a:p>
+            <a:r>
+              <a:rPr lang="en-US" dirty="0" smtClean="0"/>
+              <a:t>Mean-Variance trades off mean performance and robustness</a:t>
+            </a:r>
+          </a:p>
+          <a:p>
+            <a:pPr lvl="1"/>
+            <a:r>
+              <a:rPr lang="en-US" dirty="0" smtClean="0"/>
+              <a:t>Decreasing the sensitivity of open-loop optimal solutions in decision making under uncertainty</a:t>
+            </a:r>
+          </a:p>
+          <a:p>
+            <a:pPr lvl="1"/>
             <a:endParaRPr lang="en-US" dirty="0"/>
+          </a:p>
+        </p:txBody>
+      </p:sp>
+      <p:sp>
+        <p:nvSpPr>
+          <p:cNvPr id="4" name="Date Placeholder 3"/>
+          <p:cNvSpPr>
+            <a:spLocks noGrp="1"/>
+          </p:cNvSpPr>
+          <p:nvPr>
+            <p:ph type="dt" sz="half" idx="10"/>
+          </p:nvPr>
+        </p:nvSpPr>
+        <p:spPr/>
+        <p:txBody>
+          <a:bodyPr/>
+          <a:lstStyle/>
+          <a:p>
+            <a:fld id="{254BC335-DBB6-4EC5-981C-ED25FB0DA65F}" type="datetime1">
+              <a:rPr lang="en-US" smtClean="0"/>
+              <a:t>11/30/2018</a:t>
+            </a:fld>
+            <a:endParaRPr lang="en-US"/>
           </a:p>
         </p:txBody>
       </p:sp>
     </p:spTree>
     <p:extLst>
       <p:ext uri="{BB962C8B-B14F-4D97-AF65-F5344CB8AC3E}">
-        <p14:creationId xmlns:p14="http://schemas.microsoft.com/office/powerpoint/2010/main" val="3867321581"/>
+        <p14:creationId xmlns:p14="http://schemas.microsoft.com/office/powerpoint/2010/main" val="1712482433"/>
       </p:ext>
     </p:extLst>
   </p:cSld>
@@ -9875,7 +12569,7 @@
           <a:p>
             <a:r>
               <a:rPr lang="en-US" dirty="0" smtClean="0"/>
-              <a:t>Literature Review</a:t>
+              <a:t>Literature Review </a:t>
             </a:r>
             <a:endParaRPr lang="en-US" dirty="0"/>
           </a:p>
@@ -9891,53 +12585,78 @@
             <p:ph idx="1"/>
           </p:nvPr>
         </p:nvSpPr>
+        <p:spPr>
+          <a:xfrm>
+            <a:off x="628650" y="1825625"/>
+            <a:ext cx="8185836" cy="4351338"/>
+          </a:xfrm>
+        </p:spPr>
+        <p:txBody>
+          <a:bodyPr/>
+          <a:lstStyle/>
+          <a:p>
+            <a:r>
+              <a:rPr lang="en-US" dirty="0" smtClean="0"/>
+              <a:t>Optimal Trajectory Generation with Probabilistic System Uncertainty Using Polynomial Chaos (Fisher, Bhattacharya)</a:t>
+            </a:r>
+          </a:p>
+          <a:p>
+            <a:pPr lvl="1"/>
+            <a:r>
+              <a:rPr lang="en-US" dirty="0" smtClean="0"/>
+              <a:t>Derived expressions for minimum expectation and minimum variance objectives in terms of PCE coefficients</a:t>
+            </a:r>
+          </a:p>
+          <a:p>
+            <a:pPr lvl="1"/>
+            <a:r>
+              <a:rPr lang="en-US" dirty="0" smtClean="0"/>
+              <a:t>Considered open loop</a:t>
+            </a:r>
+          </a:p>
+          <a:p>
+            <a:r>
+              <a:rPr lang="en-US" dirty="0" smtClean="0"/>
+              <a:t>Stochastic Trajectory Optimization for Mechanical Systems with Parametric Uncertainties</a:t>
+            </a:r>
+          </a:p>
+          <a:p>
+            <a:pPr lvl="1"/>
+            <a:r>
+              <a:rPr lang="en-US" dirty="0" smtClean="0"/>
+              <a:t>Extended Differential Dynamic Programming to stochastic systems using polynomial chaos </a:t>
+            </a:r>
+            <a:endParaRPr lang="en-US" dirty="0"/>
+          </a:p>
+        </p:txBody>
+      </p:sp>
+      <p:sp>
+        <p:nvSpPr>
+          <p:cNvPr id="4" name="Date Placeholder 3"/>
+          <p:cNvSpPr>
+            <a:spLocks noGrp="1"/>
+          </p:cNvSpPr>
+          <p:nvPr>
+            <p:ph type="dt" sz="half" idx="10"/>
+          </p:nvPr>
+        </p:nvSpPr>
         <p:spPr/>
         <p:txBody>
           <a:bodyPr/>
           <a:lstStyle/>
           <a:p>
-            <a:r>
-              <a:rPr lang="en-US" dirty="0" smtClean="0"/>
-              <a:t>Linear Exponential Gaussian (weights higher moments)</a:t>
-            </a:r>
-          </a:p>
-          <a:p>
-            <a:r>
-              <a:rPr lang="en-US" dirty="0" smtClean="0"/>
-              <a:t>Desensitized optimal control penalizes the partial derivatives of the objective function </a:t>
-            </a:r>
-            <a:r>
-              <a:rPr lang="en-US" dirty="0" err="1" smtClean="0"/>
-              <a:t>wrt</a:t>
-            </a:r>
-            <a:r>
-              <a:rPr lang="en-US" dirty="0" smtClean="0"/>
-              <a:t> parameters</a:t>
-            </a:r>
-          </a:p>
-          <a:p>
-            <a:r>
-              <a:rPr lang="en-US" dirty="0" smtClean="0"/>
-              <a:t>Mean-Variance trades off mean performance and robustness</a:t>
-            </a:r>
-          </a:p>
-          <a:p>
-            <a:pPr lvl="1"/>
-            <a:r>
-              <a:rPr lang="en-US" dirty="0" smtClean="0"/>
-              <a:t>Decreasing the sensitivity of open-loop optimal solutions in decision making under uncertainty</a:t>
-            </a:r>
-          </a:p>
-          <a:p>
-            <a:pPr lvl="1"/>
-            <a:endParaRPr lang="en-US" dirty="0"/>
+            <a:fld id="{36135E0D-215F-4675-BD12-2A0CC5452F32}" type="datetime1">
+              <a:rPr lang="en-US" smtClean="0"/>
+              <a:t>11/30/2018</a:t>
+            </a:fld>
+            <a:endParaRPr lang="en-US"/>
           </a:p>
         </p:txBody>
       </p:sp>
     </p:spTree>
     <p:extLst>
       <p:ext uri="{BB962C8B-B14F-4D97-AF65-F5344CB8AC3E}">
-        <p14:creationId xmlns:p14="http://schemas.microsoft.com/office/powerpoint/2010/main" val="1712482433"/>
+        <p14:creationId xmlns:p14="http://schemas.microsoft.com/office/powerpoint/2010/main" val="3403497036"/>
       </p:ext>
     </p:extLst>
   </p:cSld>
@@ -9981,7 +12700,7 @@
           <a:p>
             <a:r>
               <a:rPr lang="en-US" dirty="0" smtClean="0"/>
-              <a:t>Literature Review </a:t>
+              <a:t>Also Related</a:t>
             </a:r>
             <a:endParaRPr lang="en-US" dirty="0"/>
           </a:p>
@@ -9997,55 +12716,52 @@
             <p:ph idx="1"/>
           </p:nvPr>
         </p:nvSpPr>
-        <p:spPr>
-          <a:xfrm>
-            <a:off x="628650" y="1825625"/>
-            <a:ext cx="8185836" cy="4351338"/>
-          </a:xfrm>
-        </p:spPr>
-        <p:txBody>
-          <a:bodyPr/>
-          <a:lstStyle/>
-          <a:p>
-            <a:r>
-              <a:rPr lang="en-US" dirty="0" smtClean="0"/>
-              <a:t>Optimal Trajectory Generation with Probabilistic System Uncertainty Using Polynomial Chaos (Fisher, Bhattacharya)</a:t>
-            </a:r>
-          </a:p>
-          <a:p>
-            <a:pPr lvl="1"/>
-            <a:r>
-              <a:rPr lang="en-US" dirty="0" smtClean="0"/>
-              <a:t>Derived expressions for minimum expectation and minimum variance objectives in terms of PCE coefficients</a:t>
-            </a:r>
-          </a:p>
-          <a:p>
-            <a:pPr lvl="1"/>
-            <a:r>
-              <a:rPr lang="en-US" dirty="0" smtClean="0"/>
-              <a:t>Considered open loop</a:t>
-            </a:r>
-          </a:p>
-          <a:p>
-            <a:r>
-              <a:rPr lang="en-US" dirty="0" smtClean="0"/>
-              <a:t>Stochastic Trajectory Optimization for Mechanical Systems with Parametric Uncertainties</a:t>
-            </a:r>
-          </a:p>
-          <a:p>
-            <a:pPr lvl="1"/>
-            <a:r>
-              <a:rPr lang="en-US" dirty="0" smtClean="0"/>
-              <a:t>Extended Differential Dynamic Programming to stochastic systems using polynomial chaos </a:t>
+        <p:spPr/>
+        <p:txBody>
+          <a:bodyPr/>
+          <a:lstStyle/>
+          <a:p>
+            <a:r>
+              <a:rPr lang="en-US" dirty="0" smtClean="0"/>
+              <a:t>Tube-based formulations (MPC), invariant sets</a:t>
+            </a:r>
+          </a:p>
+          <a:p>
+            <a:r>
+              <a:rPr lang="en-US" dirty="0" smtClean="0"/>
+              <a:t>PDF shaping</a:t>
             </a:r>
             <a:endParaRPr lang="en-US" dirty="0"/>
+          </a:p>
+        </p:txBody>
+      </p:sp>
+      <p:sp>
+        <p:nvSpPr>
+          <p:cNvPr id="4" name="Date Placeholder 3"/>
+          <p:cNvSpPr>
+            <a:spLocks noGrp="1"/>
+          </p:cNvSpPr>
+          <p:nvPr>
+            <p:ph type="dt" sz="half" idx="10"/>
+          </p:nvPr>
+        </p:nvSpPr>
+        <p:spPr/>
+        <p:txBody>
+          <a:bodyPr/>
+          <a:lstStyle/>
+          <a:p>
+            <a:fld id="{DACEE8DD-B545-4020-BC5A-D34F01A5A26F}" type="datetime1">
+              <a:rPr lang="en-US" smtClean="0"/>
+              <a:t>11/30/2018</a:t>
+            </a:fld>
+            <a:endParaRPr lang="en-US"/>
           </a:p>
         </p:txBody>
       </p:sp>
     </p:spTree>
     <p:extLst>
       <p:ext uri="{BB962C8B-B14F-4D97-AF65-F5344CB8AC3E}">
-        <p14:creationId xmlns:p14="http://schemas.microsoft.com/office/powerpoint/2010/main" val="3403497036"/>
+        <p14:creationId xmlns:p14="http://schemas.microsoft.com/office/powerpoint/2010/main" val="3837855066"/>
       </p:ext>
     </p:extLst>
   </p:cSld>
@@ -10087,68 +12803,70 @@
           <a:bodyPr/>
           <a:lstStyle/>
           <a:p>
+            <a:r>
+              <a:rPr lang="en-US" dirty="0" smtClean="0"/>
+              <a:t>Existing Applications to EDL</a:t>
+            </a:r>
+            <a:endParaRPr lang="en-US" dirty="0"/>
+          </a:p>
+        </p:txBody>
+      </p:sp>
+      <p:sp>
+        <p:nvSpPr>
+          <p:cNvPr id="3" name="Content Placeholder 2"/>
+          <p:cNvSpPr>
+            <a:spLocks noGrp="1"/>
+          </p:cNvSpPr>
+          <p:nvPr>
+            <p:ph idx="1"/>
+          </p:nvPr>
+        </p:nvSpPr>
+        <p:spPr/>
+        <p:txBody>
+          <a:bodyPr/>
+          <a:lstStyle/>
+          <a:p>
+            <a:r>
+              <a:rPr lang="en-US" dirty="0" smtClean="0"/>
+              <a:t>Desensitized entry and powered descent without explicit enforcement of constraints</a:t>
+            </a:r>
+          </a:p>
+          <a:p>
+            <a:r>
+              <a:rPr lang="en-US" dirty="0" smtClean="0"/>
+              <a:t>Variance penalization without confirmation of benefits</a:t>
+            </a:r>
+            <a:endParaRPr lang="en-US" dirty="0"/>
+          </a:p>
+        </p:txBody>
+      </p:sp>
+      <p:sp>
+        <p:nvSpPr>
+          <p:cNvPr id="4" name="Date Placeholder 3"/>
+          <p:cNvSpPr>
+            <a:spLocks noGrp="1"/>
+          </p:cNvSpPr>
+          <p:nvPr>
+            <p:ph type="dt" sz="half" idx="10"/>
+          </p:nvPr>
+        </p:nvSpPr>
+        <p:spPr/>
+        <p:txBody>
+          <a:bodyPr/>
+          <a:lstStyle/>
+          <a:p>
+            <a:fld id="{DACEE8DD-B545-4020-BC5A-D34F01A5A26F}" type="datetime1">
+              <a:rPr lang="en-US" smtClean="0"/>
+              <a:t>11/30/2018</a:t>
+            </a:fld>
             <a:endParaRPr lang="en-US"/>
-          </a:p>
-        </p:txBody>
-      </p:sp>
-      <p:sp>
-        <p:nvSpPr>
-          <p:cNvPr id="3" name="Content Placeholder 2"/>
-          <p:cNvSpPr>
-            <a:spLocks noGrp="1"/>
-          </p:cNvSpPr>
-          <p:nvPr>
-            <p:ph idx="1"/>
-          </p:nvPr>
-        </p:nvSpPr>
-        <p:spPr/>
-        <p:txBody>
-          <a:bodyPr/>
-          <a:lstStyle/>
-          <a:p>
-            <a:r>
-              <a:rPr lang="en-US" dirty="0" smtClean="0"/>
-              <a:t>Desensitized control does not make proper use of statistical information</a:t>
-            </a:r>
-          </a:p>
-          <a:p>
-            <a:pPr lvl="1"/>
-            <a:r>
-              <a:rPr lang="en-US" dirty="0" smtClean="0"/>
-              <a:t>Indeed, performance evaluations are conducted using parameters governed by distributions and we can use this information explicitly </a:t>
-            </a:r>
-          </a:p>
-          <a:p>
-            <a:r>
-              <a:rPr lang="en-US" dirty="0" smtClean="0"/>
-              <a:t>Few papers discuss closed-loop approaches </a:t>
-            </a:r>
-          </a:p>
-          <a:p>
-            <a:pPr lvl="1"/>
-            <a:r>
-              <a:rPr lang="en-US" dirty="0" smtClean="0"/>
-              <a:t>Those that do avoid the issue of control constraints and instead impose arbitrary limits on the feedback gains or exclude feedback gains </a:t>
-            </a:r>
-            <a:r>
-              <a:rPr lang="en-US" dirty="0" smtClean="0"/>
-              <a:t>from</a:t>
-            </a:r>
-          </a:p>
-          <a:p>
-            <a:pPr lvl="1"/>
-            <a:r>
-              <a:rPr lang="en-US" dirty="0" smtClean="0"/>
-              <a:t>Generally only demonstrate on 2d examples </a:t>
-            </a:r>
-            <a:endParaRPr lang="en-US" dirty="0" smtClean="0"/>
           </a:p>
         </p:txBody>
       </p:sp>
     </p:spTree>
     <p:extLst>
       <p:ext uri="{BB962C8B-B14F-4D97-AF65-F5344CB8AC3E}">
-        <p14:creationId xmlns:p14="http://schemas.microsoft.com/office/powerpoint/2010/main" val="4273695452"/>
+        <p14:creationId xmlns:p14="http://schemas.microsoft.com/office/powerpoint/2010/main" val="761289405"/>
       </p:ext>
     </p:extLst>
   </p:cSld>

--- a/Documents/Qual Exam.pptx
+++ b/Documents/Qual Exam.pptx
@@ -5,43 +5,45 @@
     <p:sldMasterId id="2147483660" r:id="rId1"/>
   </p:sldMasterIdLst>
   <p:notesMasterIdLst>
-    <p:notesMasterId r:id="rId36"/>
+    <p:notesMasterId r:id="rId38"/>
   </p:notesMasterIdLst>
   <p:sldIdLst>
     <p:sldId id="291" r:id="rId2"/>
     <p:sldId id="275" r:id="rId3"/>
     <p:sldId id="283" r:id="rId4"/>
     <p:sldId id="284" r:id="rId5"/>
-    <p:sldId id="287" r:id="rId6"/>
-    <p:sldId id="285" r:id="rId7"/>
-    <p:sldId id="288" r:id="rId8"/>
-    <p:sldId id="294" r:id="rId9"/>
-    <p:sldId id="297" r:id="rId10"/>
-    <p:sldId id="286" r:id="rId11"/>
-    <p:sldId id="280" r:id="rId12"/>
-    <p:sldId id="289" r:id="rId13"/>
-    <p:sldId id="281" r:id="rId14"/>
-    <p:sldId id="261" r:id="rId15"/>
-    <p:sldId id="293" r:id="rId16"/>
-    <p:sldId id="260" r:id="rId17"/>
-    <p:sldId id="262" r:id="rId18"/>
-    <p:sldId id="295" r:id="rId19"/>
-    <p:sldId id="279" r:id="rId20"/>
-    <p:sldId id="296" r:id="rId21"/>
-    <p:sldId id="264" r:id="rId22"/>
-    <p:sldId id="265" r:id="rId23"/>
-    <p:sldId id="266" r:id="rId24"/>
-    <p:sldId id="267" r:id="rId25"/>
-    <p:sldId id="268" r:id="rId26"/>
-    <p:sldId id="269" r:id="rId27"/>
-    <p:sldId id="270" r:id="rId28"/>
-    <p:sldId id="271" r:id="rId29"/>
-    <p:sldId id="272" r:id="rId30"/>
-    <p:sldId id="273" r:id="rId31"/>
-    <p:sldId id="274" r:id="rId32"/>
-    <p:sldId id="263" r:id="rId33"/>
-    <p:sldId id="277" r:id="rId34"/>
-    <p:sldId id="278" r:id="rId35"/>
+    <p:sldId id="298" r:id="rId6"/>
+    <p:sldId id="299" r:id="rId7"/>
+    <p:sldId id="287" r:id="rId8"/>
+    <p:sldId id="285" r:id="rId9"/>
+    <p:sldId id="288" r:id="rId10"/>
+    <p:sldId id="294" r:id="rId11"/>
+    <p:sldId id="297" r:id="rId12"/>
+    <p:sldId id="286" r:id="rId13"/>
+    <p:sldId id="280" r:id="rId14"/>
+    <p:sldId id="289" r:id="rId15"/>
+    <p:sldId id="281" r:id="rId16"/>
+    <p:sldId id="261" r:id="rId17"/>
+    <p:sldId id="293" r:id="rId18"/>
+    <p:sldId id="260" r:id="rId19"/>
+    <p:sldId id="262" r:id="rId20"/>
+    <p:sldId id="295" r:id="rId21"/>
+    <p:sldId id="279" r:id="rId22"/>
+    <p:sldId id="296" r:id="rId23"/>
+    <p:sldId id="264" r:id="rId24"/>
+    <p:sldId id="265" r:id="rId25"/>
+    <p:sldId id="266" r:id="rId26"/>
+    <p:sldId id="267" r:id="rId27"/>
+    <p:sldId id="268" r:id="rId28"/>
+    <p:sldId id="269" r:id="rId29"/>
+    <p:sldId id="270" r:id="rId30"/>
+    <p:sldId id="271" r:id="rId31"/>
+    <p:sldId id="272" r:id="rId32"/>
+    <p:sldId id="273" r:id="rId33"/>
+    <p:sldId id="274" r:id="rId34"/>
+    <p:sldId id="263" r:id="rId35"/>
+    <p:sldId id="277" r:id="rId36"/>
+    <p:sldId id="278" r:id="rId37"/>
   </p:sldIdLst>
   <p:sldSz cx="9144000" cy="6858000" type="screen4x3"/>
   <p:notesSz cx="6858000" cy="9144000"/>
@@ -149,6 +151,8 @@
             <p14:sldId id="275"/>
             <p14:sldId id="283"/>
             <p14:sldId id="284"/>
+            <p14:sldId id="298"/>
+            <p14:sldId id="299"/>
           </p14:sldIdLst>
         </p14:section>
         <p14:section name="Literature Review" id="{81EFE7E6-E373-43A1-BF4F-5ECAEC3BCAB3}">
@@ -292,7 +296,7 @@
           <a:p>
             <a:fld id="{AEBE7A69-640E-417A-A462-9E49D1368F72}" type="datetimeFigureOut">
               <a:rPr lang="en-US" smtClean="0"/>
-              <a:t>11/29/2018</a:t>
+              <a:t>12/1/2018</a:t>
             </a:fld>
             <a:endParaRPr lang="en-US"/>
           </a:p>
@@ -731,7 +735,7 @@
           <a:p>
             <a:fld id="{97591DF4-FFBB-4E8C-8E87-255A2EADF72A}" type="slidenum">
               <a:rPr lang="en-US" smtClean="0"/>
-              <a:t>34</a:t>
+              <a:t>36</a:t>
             </a:fld>
             <a:endParaRPr lang="en-US"/>
           </a:p>
@@ -849,7 +853,7 @@
           <a:p>
             <a:fld id="{3F6F7F58-9784-4543-B74A-850450AD4D21}" type="slidenum">
               <a:rPr lang="en-US" smtClean="0"/>
-              <a:t>14</a:t>
+              <a:t>16</a:t>
             </a:fld>
             <a:endParaRPr lang="en-US"/>
           </a:p>
@@ -949,7 +953,7 @@
           <a:p>
             <a:fld id="{4BAF2748-3477-4185-BA7E-C3C95536F5B5}" type="slidenum">
               <a:rPr lang="en-US" smtClean="0"/>
-              <a:t>21</a:t>
+              <a:t>23</a:t>
             </a:fld>
             <a:endParaRPr lang="en-US"/>
           </a:p>
@@ -1071,7 +1075,7 @@
           <a:p>
             <a:fld id="{4BAF2748-3477-4185-BA7E-C3C95536F5B5}" type="slidenum">
               <a:rPr lang="en-US" smtClean="0"/>
-              <a:t>22</a:t>
+              <a:t>24</a:t>
             </a:fld>
             <a:endParaRPr lang="en-US"/>
           </a:p>
@@ -1186,7 +1190,7 @@
           <a:p>
             <a:fld id="{4BAF2748-3477-4185-BA7E-C3C95536F5B5}" type="slidenum">
               <a:rPr lang="en-US" smtClean="0"/>
-              <a:t>23</a:t>
+              <a:t>25</a:t>
             </a:fld>
             <a:endParaRPr lang="en-US"/>
           </a:p>
@@ -1278,7 +1282,7 @@
           <a:p>
             <a:fld id="{4BAF2748-3477-4185-BA7E-C3C95536F5B5}" type="slidenum">
               <a:rPr lang="en-US" smtClean="0"/>
-              <a:t>25</a:t>
+              <a:t>27</a:t>
             </a:fld>
             <a:endParaRPr lang="en-US"/>
           </a:p>
@@ -1362,7 +1366,7 @@
           <a:p>
             <a:fld id="{4BAF2748-3477-4185-BA7E-C3C95536F5B5}" type="slidenum">
               <a:rPr lang="en-US" smtClean="0"/>
-              <a:t>26</a:t>
+              <a:t>28</a:t>
             </a:fld>
             <a:endParaRPr lang="en-US"/>
           </a:p>
@@ -1460,7 +1464,7 @@
           <a:p>
             <a:fld id="{4BAF2748-3477-4185-BA7E-C3C95536F5B5}" type="slidenum">
               <a:rPr lang="en-US" smtClean="0"/>
-              <a:t>27</a:t>
+              <a:t>29</a:t>
             </a:fld>
             <a:endParaRPr lang="en-US"/>
           </a:p>
@@ -1566,7 +1570,7 @@
           <a:p>
             <a:fld id="{4BAF2748-3477-4185-BA7E-C3C95536F5B5}" type="slidenum">
               <a:rPr lang="en-US" smtClean="0"/>
-              <a:t>28</a:t>
+              <a:t>30</a:t>
             </a:fld>
             <a:endParaRPr lang="en-US"/>
           </a:p>
@@ -1838,7 +1842,7 @@
           <a:p>
             <a:fld id="{D7E3E3E1-DA1C-4C78-804D-A460EDC7CDF7}" type="datetime1">
               <a:rPr lang="en-US" smtClean="0"/>
-              <a:t>11/30/2018</a:t>
+              <a:t>12/1/2018</a:t>
             </a:fld>
             <a:endParaRPr lang="en-US"/>
           </a:p>
@@ -2048,7 +2052,7 @@
           <a:p>
             <a:fld id="{4C2A3942-AC9F-4900-AF3E-729F0CBF5F5D}" type="datetime1">
               <a:rPr lang="en-US" smtClean="0"/>
-              <a:t>11/30/2018</a:t>
+              <a:t>12/1/2018</a:t>
             </a:fld>
             <a:endParaRPr lang="en-US"/>
           </a:p>
@@ -2258,7 +2262,7 @@
           <a:p>
             <a:fld id="{DACEE8DD-B545-4020-BC5A-D34F01A5A26F}" type="datetime1">
               <a:rPr lang="en-US" smtClean="0"/>
-              <a:t>11/30/2018</a:t>
+              <a:t>12/1/2018</a:t>
             </a:fld>
             <a:endParaRPr lang="en-US"/>
           </a:p>
@@ -2532,7 +2536,7 @@
           <a:p>
             <a:fld id="{EBF51373-0B92-4095-A9F0-284D7FA8B7E7}" type="datetime1">
               <a:rPr lang="en-US" smtClean="0"/>
-              <a:t>11/30/2018</a:t>
+              <a:t>12/1/2018</a:t>
             </a:fld>
             <a:endParaRPr lang="en-US"/>
           </a:p>
@@ -2802,7 +2806,7 @@
           <a:p>
             <a:fld id="{C305B270-32AD-407D-ACAC-1BAAEC86FBA1}" type="datetime1">
               <a:rPr lang="en-US" smtClean="0"/>
-              <a:t>11/30/2018</a:t>
+              <a:t>12/1/2018</a:t>
             </a:fld>
             <a:endParaRPr lang="en-US"/>
           </a:p>
@@ -3208,7 +3212,7 @@
           <a:p>
             <a:fld id="{0CF93851-941C-4C07-9120-0ED7F14644ED}" type="datetime1">
               <a:rPr lang="en-US" smtClean="0"/>
-              <a:t>11/30/2018</a:t>
+              <a:t>12/1/2018</a:t>
             </a:fld>
             <a:endParaRPr lang="en-US"/>
           </a:p>
@@ -3358,7 +3362,7 @@
           <a:p>
             <a:fld id="{1FB6BAEA-AA53-4BB6-9F04-4C9702B1758A}" type="datetime1">
               <a:rPr lang="en-US" smtClean="0"/>
-              <a:t>11/30/2018</a:t>
+              <a:t>12/1/2018</a:t>
             </a:fld>
             <a:endParaRPr lang="en-US"/>
           </a:p>
@@ -3477,7 +3481,7 @@
           <a:p>
             <a:fld id="{09592BD6-EE29-41DA-BA01-5F7FA8E99330}" type="datetime1">
               <a:rPr lang="en-US" smtClean="0"/>
-              <a:t>11/30/2018</a:t>
+              <a:t>12/1/2018</a:t>
             </a:fld>
             <a:endParaRPr lang="en-US"/>
           </a:p>
@@ -3787,7 +3791,7 @@
           <a:p>
             <a:fld id="{6D95DC4E-C18F-4F5B-9620-0E1784FD1310}" type="datetime1">
               <a:rPr lang="en-US" smtClean="0"/>
-              <a:t>11/30/2018</a:t>
+              <a:t>12/1/2018</a:t>
             </a:fld>
             <a:endParaRPr lang="en-US"/>
           </a:p>
@@ -4077,7 +4081,7 @@
           <a:p>
             <a:fld id="{EEAFA30E-B105-4824-A3D3-A5B7E7C3137B}" type="datetime1">
               <a:rPr lang="en-US" smtClean="0"/>
-              <a:t>11/30/2018</a:t>
+              <a:t>12/1/2018</a:t>
             </a:fld>
             <a:endParaRPr lang="en-US"/>
           </a:p>
@@ -4687,7 +4691,7 @@
           <a:p>
             <a:fld id="{D65BF523-FE77-4845-B5F2-255A016D8311}" type="datetime1">
               <a:rPr lang="en-US" smtClean="0"/>
-              <a:t>11/30/2018</a:t>
+              <a:t>12/1/2018</a:t>
             </a:fld>
             <a:endParaRPr lang="en-US"/>
           </a:p>
@@ -4733,21 +4737,16 @@
             <p:ph type="title"/>
           </p:nvPr>
         </p:nvSpPr>
-        <p:spPr>
-          <a:xfrm>
-            <a:off x="628650" y="1079156"/>
-            <a:ext cx="7886700" cy="1051569"/>
-          </a:xfrm>
-        </p:spPr>
-        <p:txBody>
-          <a:bodyPr/>
-          <a:lstStyle/>
-          <a:p>
-            <a:r>
-              <a:rPr lang="en-US" sz="3600" dirty="0" smtClean="0"/>
-              <a:t>Drawbacks/Limitations of Existing Approaches</a:t>
-            </a:r>
-            <a:endParaRPr lang="en-US" sz="3600" dirty="0"/>
+        <p:spPr/>
+        <p:txBody>
+          <a:bodyPr/>
+          <a:lstStyle/>
+          <a:p>
+            <a:r>
+              <a:rPr lang="en-US" dirty="0" smtClean="0"/>
+              <a:t>Also Related</a:t>
+            </a:r>
+            <a:endParaRPr lang="en-US" dirty="0"/>
           </a:p>
         </p:txBody>
       </p:sp>
@@ -4761,85 +4760,22 @@
             <p:ph idx="1"/>
           </p:nvPr>
         </p:nvSpPr>
-        <p:spPr>
-          <a:xfrm>
-            <a:off x="628650" y="2130725"/>
-            <a:ext cx="7886700" cy="4304583"/>
-          </a:xfrm>
-        </p:spPr>
-        <p:txBody>
-          <a:bodyPr/>
-          <a:lstStyle/>
-          <a:p>
-            <a:r>
-              <a:rPr lang="en-US" sz="2400" dirty="0" smtClean="0"/>
-              <a:t>Desensitized control does not make </a:t>
-            </a:r>
-            <a:r>
-              <a:rPr lang="en-US" sz="2400" dirty="0" smtClean="0"/>
-              <a:t>use </a:t>
-            </a:r>
-            <a:r>
-              <a:rPr lang="en-US" sz="2400" dirty="0" smtClean="0"/>
-              <a:t>of statistical information</a:t>
-            </a:r>
-          </a:p>
-          <a:p>
-            <a:pPr lvl="1"/>
-            <a:r>
-              <a:rPr lang="en-US" sz="2000" dirty="0" smtClean="0"/>
-              <a:t>Indeed, performance evaluations are conducted using parameters governed by distributions and we can use this information explicitly </a:t>
-            </a:r>
-          </a:p>
-          <a:p>
-            <a:r>
-              <a:rPr lang="en-US" sz="2400" dirty="0" smtClean="0"/>
-              <a:t>Few papers discuss closed-loop approaches </a:t>
-            </a:r>
-          </a:p>
-          <a:p>
-            <a:pPr lvl="1"/>
-            <a:r>
-              <a:rPr lang="en-US" sz="2000" dirty="0" smtClean="0"/>
-              <a:t>Those that do avoid the issue of control constraints and instead impose arbitrary limits on the feedback gains or exclude feedback gains </a:t>
-            </a:r>
-            <a:r>
-              <a:rPr lang="en-US" sz="2000" dirty="0" smtClean="0"/>
-              <a:t>from the optimization process entirely</a:t>
-            </a:r>
-            <a:endParaRPr lang="en-US" sz="2000" dirty="0" smtClean="0"/>
-          </a:p>
-          <a:p>
-            <a:r>
-              <a:rPr lang="en-US" sz="2400" dirty="0" smtClean="0"/>
-              <a:t>Generally only </a:t>
-            </a:r>
-            <a:r>
-              <a:rPr lang="en-US" sz="2400" dirty="0" smtClean="0"/>
-              <a:t>demonstrated </a:t>
-            </a:r>
-            <a:r>
-              <a:rPr lang="en-US" sz="2400" dirty="0" smtClean="0"/>
-              <a:t>on 2d </a:t>
-            </a:r>
-            <a:r>
-              <a:rPr lang="en-US" sz="2400" dirty="0" smtClean="0"/>
-              <a:t>examples, many proposed solutions do not scale well with increasing dimension</a:t>
-            </a:r>
-          </a:p>
-          <a:p>
-            <a:r>
-              <a:rPr lang="en-US" sz="2400" dirty="0" smtClean="0"/>
-              <a:t>PCE only display spectral convergence for smooth systems</a:t>
-            </a:r>
-          </a:p>
-          <a:p>
-            <a:pPr lvl="1"/>
-            <a:r>
-              <a:rPr lang="en-US" sz="2000" dirty="0" smtClean="0"/>
-              <a:t>Saturation nonlinearity slows convergence as a result </a:t>
-            </a:r>
-            <a:endParaRPr lang="en-US" sz="2000" dirty="0" smtClean="0"/>
+        <p:spPr/>
+        <p:txBody>
+          <a:bodyPr/>
+          <a:lstStyle/>
+          <a:p>
+            <a:r>
+              <a:rPr lang="en-US" dirty="0" smtClean="0"/>
+              <a:t>Tube-based formulations (MPC), invariant sets</a:t>
+            </a:r>
+          </a:p>
+          <a:p>
+            <a:r>
+              <a:rPr lang="en-US" dirty="0" smtClean="0"/>
+              <a:t>PDF shaping</a:t>
+            </a:r>
+            <a:endParaRPr lang="en-US" dirty="0"/>
           </a:p>
         </p:txBody>
       </p:sp>
@@ -4858,9 +4794,9 @@
           <a:bodyPr/>
           <a:lstStyle/>
           <a:p>
-            <a:fld id="{7E2110A7-166C-49B2-9D48-0EC3D7BA312D}" type="datetime1">
+            <a:fld id="{DACEE8DD-B545-4020-BC5A-D34F01A5A26F}" type="datetime1">
               <a:rPr lang="en-US" smtClean="0"/>
-              <a:t>11/30/2018</a:t>
+              <a:t>12/1/2018</a:t>
             </a:fld>
             <a:endParaRPr lang="en-US"/>
           </a:p>
@@ -4869,7 +4805,7 @@
     </p:spTree>
     <p:extLst>
       <p:ext uri="{BB962C8B-B14F-4D97-AF65-F5344CB8AC3E}">
-        <p14:creationId xmlns:p14="http://schemas.microsoft.com/office/powerpoint/2010/main" val="4273695452"/>
+        <p14:creationId xmlns:p14="http://schemas.microsoft.com/office/powerpoint/2010/main" val="3837855066"/>
       </p:ext>
     </p:extLst>
   </p:cSld>
@@ -4906,19 +4842,14 @@
             <p:ph type="title"/>
           </p:nvPr>
         </p:nvSpPr>
-        <p:spPr>
-          <a:xfrm>
-            <a:off x="628650" y="1079156"/>
-            <a:ext cx="7886700" cy="1248407"/>
-          </a:xfrm>
-        </p:spPr>
-        <p:txBody>
-          <a:bodyPr/>
-          <a:lstStyle/>
-          <a:p>
-            <a:r>
-              <a:rPr lang="en-US" dirty="0" smtClean="0"/>
-              <a:t>Switch Time Optimization for Rapid Entry Trajectory Design</a:t>
+        <p:spPr/>
+        <p:txBody>
+          <a:bodyPr/>
+          <a:lstStyle/>
+          <a:p>
+            <a:r>
+              <a:rPr lang="en-US" dirty="0" smtClean="0"/>
+              <a:t>Existing Applications to EDL</a:t>
             </a:r>
             <a:endParaRPr lang="en-US" dirty="0"/>
           </a:p>
@@ -4934,45 +4865,20 @@
             <p:ph idx="1"/>
           </p:nvPr>
         </p:nvSpPr>
-        <p:spPr>
-          <a:xfrm>
-            <a:off x="628650" y="2576944"/>
-            <a:ext cx="7886700" cy="4281055"/>
-          </a:xfrm>
-        </p:spPr>
-        <p:txBody>
-          <a:bodyPr/>
-          <a:lstStyle/>
-          <a:p>
-            <a:r>
-              <a:rPr lang="en-US" dirty="0" smtClean="0"/>
-              <a:t>Simple parameterization for robust, near-optimal altitude performance intended for parachute architectures </a:t>
-            </a:r>
-          </a:p>
-          <a:p>
-            <a:r>
-              <a:rPr lang="en-US" dirty="0" smtClean="0"/>
-              <a:t>Can show that this parameterization also allows for near-optimal minimum velocity performance, suitable for SRP applications</a:t>
-            </a:r>
-          </a:p>
-          <a:p>
-            <a:r>
-              <a:rPr lang="en-US" dirty="0" smtClean="0"/>
-              <a:t>If-then logic used is discontinuous; </a:t>
-            </a:r>
-            <a:r>
-              <a:rPr lang="en-US" dirty="0" err="1" smtClean="0"/>
-              <a:t>Nelder</a:t>
-            </a:r>
-            <a:r>
-              <a:rPr lang="en-US" dirty="0" smtClean="0"/>
-              <a:t>-Mead simplex method has been used for optimization</a:t>
-            </a:r>
-          </a:p>
-          <a:p>
-            <a:r>
-              <a:rPr lang="en-US" dirty="0" smtClean="0"/>
-              <a:t>Results from hybrid OC literature suggest a gradient based solution is possible and preferable </a:t>
+        <p:spPr/>
+        <p:txBody>
+          <a:bodyPr/>
+          <a:lstStyle/>
+          <a:p>
+            <a:r>
+              <a:rPr lang="en-US" dirty="0" smtClean="0"/>
+              <a:t>Desensitized entry and powered descent without explicit enforcement of constraints</a:t>
+            </a:r>
+          </a:p>
+          <a:p>
+            <a:r>
+              <a:rPr lang="en-US" dirty="0" smtClean="0"/>
+              <a:t>Variance penalization without confirmation of benefits</a:t>
             </a:r>
             <a:endParaRPr lang="en-US" dirty="0"/>
           </a:p>
@@ -4993,9 +4899,9 @@
           <a:bodyPr/>
           <a:lstStyle/>
           <a:p>
-            <a:fld id="{C5C4825F-DB45-4B89-B3FE-04D1625C0B44}" type="datetime1">
+            <a:fld id="{DACEE8DD-B545-4020-BC5A-D34F01A5A26F}" type="datetime1">
               <a:rPr lang="en-US" smtClean="0"/>
-              <a:t>11/30/2018</a:t>
+              <a:t>12/1/2018</a:t>
             </a:fld>
             <a:endParaRPr lang="en-US"/>
           </a:p>
@@ -5004,7 +4910,7 @@
     </p:spTree>
     <p:extLst>
       <p:ext uri="{BB962C8B-B14F-4D97-AF65-F5344CB8AC3E}">
-        <p14:creationId xmlns:p14="http://schemas.microsoft.com/office/powerpoint/2010/main" val="949813023"/>
+        <p14:creationId xmlns:p14="http://schemas.microsoft.com/office/powerpoint/2010/main" val="761289405"/>
       </p:ext>
     </p:extLst>
   </p:cSld>
@@ -5041,84 +4947,108 @@
             <p:ph type="title"/>
           </p:nvPr>
         </p:nvSpPr>
+        <p:spPr>
+          <a:xfrm>
+            <a:off x="628650" y="1079156"/>
+            <a:ext cx="7886700" cy="1051569"/>
+          </a:xfrm>
+        </p:spPr>
+        <p:txBody>
+          <a:bodyPr/>
+          <a:lstStyle/>
+          <a:p>
+            <a:r>
+              <a:rPr lang="en-US" sz="3600" dirty="0" smtClean="0"/>
+              <a:t>Drawbacks/Limitations of Existing Approaches</a:t>
+            </a:r>
+            <a:endParaRPr lang="en-US" sz="3600" dirty="0"/>
+          </a:p>
+        </p:txBody>
+      </p:sp>
+      <p:sp>
+        <p:nvSpPr>
+          <p:cNvPr id="3" name="Content Placeholder 2"/>
+          <p:cNvSpPr>
+            <a:spLocks noGrp="1"/>
+          </p:cNvSpPr>
+          <p:nvPr>
+            <p:ph idx="1"/>
+          </p:nvPr>
+        </p:nvSpPr>
+        <p:spPr>
+          <a:xfrm>
+            <a:off x="628650" y="2130725"/>
+            <a:ext cx="7886700" cy="4304583"/>
+          </a:xfrm>
+        </p:spPr>
+        <p:txBody>
+          <a:bodyPr/>
+          <a:lstStyle/>
+          <a:p>
+            <a:r>
+              <a:rPr lang="en-US" sz="2400" dirty="0" smtClean="0"/>
+              <a:t>Desensitized control does not make use of statistical information</a:t>
+            </a:r>
+          </a:p>
+          <a:p>
+            <a:pPr lvl="1"/>
+            <a:r>
+              <a:rPr lang="en-US" sz="2000" dirty="0" smtClean="0"/>
+              <a:t>Indeed, performance evaluations are conducted using parameters governed by distributions and we can use this information explicitly </a:t>
+            </a:r>
+          </a:p>
+          <a:p>
+            <a:r>
+              <a:rPr lang="en-US" sz="2400" dirty="0" smtClean="0"/>
+              <a:t>Few papers discuss closed-loop approaches </a:t>
+            </a:r>
+          </a:p>
+          <a:p>
+            <a:pPr lvl="1"/>
+            <a:r>
+              <a:rPr lang="en-US" sz="2000" dirty="0" smtClean="0"/>
+              <a:t>Those that do avoid the issue of control constraints and instead impose arbitrary limits on the feedback gains or exclude feedback gains from the optimization process entirely</a:t>
+            </a:r>
+          </a:p>
+          <a:p>
+            <a:r>
+              <a:rPr lang="en-US" sz="2400" dirty="0" smtClean="0"/>
+              <a:t>Generally only demonstrated on 2d examples, many proposed solutions do not scale well with increasing dimension</a:t>
+            </a:r>
+          </a:p>
+          <a:p>
+            <a:r>
+              <a:rPr lang="en-US" sz="2400" dirty="0" smtClean="0"/>
+              <a:t>PCE only display spectral convergence for smooth systems</a:t>
+            </a:r>
+          </a:p>
+          <a:p>
+            <a:pPr lvl="1"/>
+            <a:r>
+              <a:rPr lang="en-US" sz="2000" dirty="0" smtClean="0"/>
+              <a:t>Saturation nonlinearity slows convergence as a result </a:t>
+            </a:r>
+          </a:p>
+        </p:txBody>
+      </p:sp>
+      <p:sp>
+        <p:nvSpPr>
+          <p:cNvPr id="4" name="Date Placeholder 3"/>
+          <p:cNvSpPr>
+            <a:spLocks noGrp="1"/>
+          </p:cNvSpPr>
+          <p:nvPr>
+            <p:ph type="dt" sz="half" idx="10"/>
+          </p:nvPr>
+        </p:nvSpPr>
         <p:spPr/>
         <p:txBody>
           <a:bodyPr/>
           <a:lstStyle/>
           <a:p>
-            <a:r>
-              <a:rPr lang="en-US" dirty="0" smtClean="0"/>
-              <a:t>Switch Time Opt</a:t>
-            </a:r>
-            <a:endParaRPr lang="en-US" dirty="0"/>
-          </a:p>
-        </p:txBody>
-      </p:sp>
-      <p:sp>
-        <p:nvSpPr>
-          <p:cNvPr id="3" name="Content Placeholder 2"/>
-          <p:cNvSpPr>
-            <a:spLocks noGrp="1"/>
-          </p:cNvSpPr>
-          <p:nvPr>
-            <p:ph idx="1"/>
-          </p:nvPr>
-        </p:nvSpPr>
-        <p:spPr/>
-        <p:txBody>
-          <a:bodyPr/>
-          <a:lstStyle/>
-          <a:p>
-            <a:r>
-              <a:rPr lang="en-US" dirty="0" smtClean="0"/>
-              <a:t>Gradients with respect to switch times cannot be easily evaluated via finite difference, and automatic differentiation fails due to the discontinuous logic</a:t>
-            </a:r>
-          </a:p>
-          <a:p>
-            <a:r>
-              <a:rPr lang="en-US" dirty="0" smtClean="0"/>
-              <a:t>Solved very efficient via SQP method (</a:t>
-            </a:r>
-            <a:r>
-              <a:rPr lang="en-US" dirty="0" err="1" smtClean="0"/>
-              <a:t>quasiNewton</a:t>
-            </a:r>
-            <a:r>
-              <a:rPr lang="en-US" dirty="0" smtClean="0"/>
-              <a:t> method, BFGS update to inverse Hessian)</a:t>
-            </a:r>
-          </a:p>
-          <a:p>
-            <a:r>
-              <a:rPr lang="en-US" dirty="0" smtClean="0"/>
-              <a:t>We left margins heuristically, assumed a fixed % was sufficient for closed </a:t>
-            </a:r>
-            <a:r>
+            <a:fld id="{7E2110A7-166C-49B2-9D48-0EC3D7BA312D}" type="datetime1">
               <a:rPr lang="en-US" smtClean="0"/>
-              <a:t>loop trajectories </a:t>
-            </a:r>
-            <a:endParaRPr lang="en-US" dirty="0"/>
-          </a:p>
-        </p:txBody>
-      </p:sp>
-      <p:sp>
-        <p:nvSpPr>
-          <p:cNvPr id="4" name="Date Placeholder 3"/>
-          <p:cNvSpPr>
-            <a:spLocks noGrp="1"/>
-          </p:cNvSpPr>
-          <p:nvPr>
-            <p:ph type="dt" sz="half" idx="10"/>
-          </p:nvPr>
-        </p:nvSpPr>
-        <p:spPr/>
-        <p:txBody>
-          <a:bodyPr/>
-          <a:lstStyle/>
-          <a:p>
-            <a:fld id="{581CF2A1-F6C1-4B7E-AC26-04453B5C8EE3}" type="datetime1">
-              <a:rPr lang="en-US" smtClean="0"/>
-              <a:t>11/30/2018</a:t>
+              <a:t>12/1/2018</a:t>
             </a:fld>
             <a:endParaRPr lang="en-US"/>
           </a:p>
@@ -5127,7 +5057,7 @@
     </p:spTree>
     <p:extLst>
       <p:ext uri="{BB962C8B-B14F-4D97-AF65-F5344CB8AC3E}">
-        <p14:creationId xmlns:p14="http://schemas.microsoft.com/office/powerpoint/2010/main" val="4101162675"/>
+        <p14:creationId xmlns:p14="http://schemas.microsoft.com/office/powerpoint/2010/main" val="4273695452"/>
       </p:ext>
     </p:extLst>
   </p:cSld>
@@ -5167,6 +5097,264 @@
         <p:spPr>
           <a:xfrm>
             <a:off x="628650" y="1079156"/>
+            <a:ext cx="7886700" cy="1248407"/>
+          </a:xfrm>
+        </p:spPr>
+        <p:txBody>
+          <a:bodyPr/>
+          <a:lstStyle/>
+          <a:p>
+            <a:r>
+              <a:rPr lang="en-US" dirty="0" smtClean="0"/>
+              <a:t>Switch Time Optimization for Rapid Entry Trajectory Design</a:t>
+            </a:r>
+            <a:endParaRPr lang="en-US" dirty="0"/>
+          </a:p>
+        </p:txBody>
+      </p:sp>
+      <p:sp>
+        <p:nvSpPr>
+          <p:cNvPr id="3" name="Content Placeholder 2"/>
+          <p:cNvSpPr>
+            <a:spLocks noGrp="1"/>
+          </p:cNvSpPr>
+          <p:nvPr>
+            <p:ph idx="1"/>
+          </p:nvPr>
+        </p:nvSpPr>
+        <p:spPr>
+          <a:xfrm>
+            <a:off x="628650" y="2576944"/>
+            <a:ext cx="7886700" cy="4281055"/>
+          </a:xfrm>
+        </p:spPr>
+        <p:txBody>
+          <a:bodyPr/>
+          <a:lstStyle/>
+          <a:p>
+            <a:r>
+              <a:rPr lang="en-US" dirty="0" smtClean="0"/>
+              <a:t>Simple parameterization for robust, near-optimal altitude performance intended for parachute architectures </a:t>
+            </a:r>
+          </a:p>
+          <a:p>
+            <a:r>
+              <a:rPr lang="en-US" dirty="0" smtClean="0"/>
+              <a:t>Can show that this parameterization also allows for near-optimal minimum velocity performance, suitable for SRP applications</a:t>
+            </a:r>
+          </a:p>
+          <a:p>
+            <a:r>
+              <a:rPr lang="en-US" dirty="0" smtClean="0"/>
+              <a:t>If-then logic used is discontinuous; </a:t>
+            </a:r>
+            <a:r>
+              <a:rPr lang="en-US" dirty="0" err="1" smtClean="0"/>
+              <a:t>Nelder</a:t>
+            </a:r>
+            <a:r>
+              <a:rPr lang="en-US" dirty="0" smtClean="0"/>
+              <a:t>-Mead simplex method has been used for optimization</a:t>
+            </a:r>
+          </a:p>
+          <a:p>
+            <a:r>
+              <a:rPr lang="en-US" dirty="0" smtClean="0"/>
+              <a:t>Results from hybrid OC literature suggest a gradient based solution is possible and preferable </a:t>
+            </a:r>
+            <a:endParaRPr lang="en-US" dirty="0"/>
+          </a:p>
+        </p:txBody>
+      </p:sp>
+      <p:sp>
+        <p:nvSpPr>
+          <p:cNvPr id="4" name="Date Placeholder 3"/>
+          <p:cNvSpPr>
+            <a:spLocks noGrp="1"/>
+          </p:cNvSpPr>
+          <p:nvPr>
+            <p:ph type="dt" sz="half" idx="10"/>
+          </p:nvPr>
+        </p:nvSpPr>
+        <p:spPr/>
+        <p:txBody>
+          <a:bodyPr/>
+          <a:lstStyle/>
+          <a:p>
+            <a:fld id="{C5C4825F-DB45-4B89-B3FE-04D1625C0B44}" type="datetime1">
+              <a:rPr lang="en-US" smtClean="0"/>
+              <a:t>12/1/2018</a:t>
+            </a:fld>
+            <a:endParaRPr lang="en-US"/>
+          </a:p>
+        </p:txBody>
+      </p:sp>
+    </p:spTree>
+    <p:extLst>
+      <p:ext uri="{BB962C8B-B14F-4D97-AF65-F5344CB8AC3E}">
+        <p14:creationId xmlns:p14="http://schemas.microsoft.com/office/powerpoint/2010/main" val="949813023"/>
+      </p:ext>
+    </p:extLst>
+  </p:cSld>
+  <p:clrMapOvr>
+    <a:masterClrMapping/>
+  </p:clrMapOvr>
+</p:sld>
+</file>
+
+<file path=ppt/slides/slide14.xml><?xml version="1.0" encoding="utf-8"?>
+<p:sld xmlns:a="http://schemas.openxmlformats.org/drawingml/2006/main" xmlns:r="http://schemas.openxmlformats.org/officeDocument/2006/relationships" xmlns:p="http://schemas.openxmlformats.org/presentationml/2006/main">
+  <p:cSld>
+    <p:spTree>
+      <p:nvGrpSpPr>
+        <p:cNvPr id="1" name=""/>
+        <p:cNvGrpSpPr/>
+        <p:nvPr/>
+      </p:nvGrpSpPr>
+      <p:grpSpPr>
+        <a:xfrm>
+          <a:off x="0" y="0"/>
+          <a:ext cx="0" cy="0"/>
+          <a:chOff x="0" y="0"/>
+          <a:chExt cx="0" cy="0"/>
+        </a:xfrm>
+      </p:grpSpPr>
+      <p:sp>
+        <p:nvSpPr>
+          <p:cNvPr id="2" name="Title 1"/>
+          <p:cNvSpPr>
+            <a:spLocks noGrp="1"/>
+          </p:cNvSpPr>
+          <p:nvPr>
+            <p:ph type="title"/>
+          </p:nvPr>
+        </p:nvSpPr>
+        <p:spPr/>
+        <p:txBody>
+          <a:bodyPr/>
+          <a:lstStyle/>
+          <a:p>
+            <a:r>
+              <a:rPr lang="en-US" dirty="0" smtClean="0"/>
+              <a:t>Switch Time Opt</a:t>
+            </a:r>
+            <a:endParaRPr lang="en-US" dirty="0"/>
+          </a:p>
+        </p:txBody>
+      </p:sp>
+      <p:sp>
+        <p:nvSpPr>
+          <p:cNvPr id="3" name="Content Placeholder 2"/>
+          <p:cNvSpPr>
+            <a:spLocks noGrp="1"/>
+          </p:cNvSpPr>
+          <p:nvPr>
+            <p:ph idx="1"/>
+          </p:nvPr>
+        </p:nvSpPr>
+        <p:spPr/>
+        <p:txBody>
+          <a:bodyPr/>
+          <a:lstStyle/>
+          <a:p>
+            <a:r>
+              <a:rPr lang="en-US" dirty="0" smtClean="0"/>
+              <a:t>Gradients with respect to switch times cannot be easily evaluated via finite difference, and automatic differentiation fails due to the discontinuous logic</a:t>
+            </a:r>
+          </a:p>
+          <a:p>
+            <a:r>
+              <a:rPr lang="en-US" dirty="0" smtClean="0"/>
+              <a:t>Solved very efficient via SQP method (</a:t>
+            </a:r>
+            <a:r>
+              <a:rPr lang="en-US" dirty="0" err="1" smtClean="0"/>
+              <a:t>quasiNewton</a:t>
+            </a:r>
+            <a:r>
+              <a:rPr lang="en-US" dirty="0" smtClean="0"/>
+              <a:t> method, BFGS update to inverse Hessian)</a:t>
+            </a:r>
+          </a:p>
+          <a:p>
+            <a:r>
+              <a:rPr lang="en-US" dirty="0" smtClean="0"/>
+              <a:t>We left margins heuristically, assumed a fixed % was sufficient for closed </a:t>
+            </a:r>
+            <a:r>
+              <a:rPr lang="en-US" smtClean="0"/>
+              <a:t>loop trajectories </a:t>
+            </a:r>
+            <a:endParaRPr lang="en-US" dirty="0"/>
+          </a:p>
+        </p:txBody>
+      </p:sp>
+      <p:sp>
+        <p:nvSpPr>
+          <p:cNvPr id="4" name="Date Placeholder 3"/>
+          <p:cNvSpPr>
+            <a:spLocks noGrp="1"/>
+          </p:cNvSpPr>
+          <p:nvPr>
+            <p:ph type="dt" sz="half" idx="10"/>
+          </p:nvPr>
+        </p:nvSpPr>
+        <p:spPr/>
+        <p:txBody>
+          <a:bodyPr/>
+          <a:lstStyle/>
+          <a:p>
+            <a:fld id="{581CF2A1-F6C1-4B7E-AC26-04453B5C8EE3}" type="datetime1">
+              <a:rPr lang="en-US" smtClean="0"/>
+              <a:t>12/1/2018</a:t>
+            </a:fld>
+            <a:endParaRPr lang="en-US"/>
+          </a:p>
+        </p:txBody>
+      </p:sp>
+    </p:spTree>
+    <p:extLst>
+      <p:ext uri="{BB962C8B-B14F-4D97-AF65-F5344CB8AC3E}">
+        <p14:creationId xmlns:p14="http://schemas.microsoft.com/office/powerpoint/2010/main" val="4101162675"/>
+      </p:ext>
+    </p:extLst>
+  </p:cSld>
+  <p:clrMapOvr>
+    <a:masterClrMapping/>
+  </p:clrMapOvr>
+</p:sld>
+</file>
+
+<file path=ppt/slides/slide15.xml><?xml version="1.0" encoding="utf-8"?>
+<p:sld xmlns:a="http://schemas.openxmlformats.org/drawingml/2006/main" xmlns:r="http://schemas.openxmlformats.org/officeDocument/2006/relationships" xmlns:p="http://schemas.openxmlformats.org/presentationml/2006/main">
+  <p:cSld>
+    <p:spTree>
+      <p:nvGrpSpPr>
+        <p:cNvPr id="1" name=""/>
+        <p:cNvGrpSpPr/>
+        <p:nvPr/>
+      </p:nvGrpSpPr>
+      <p:grpSpPr>
+        <a:xfrm>
+          <a:off x="0" y="0"/>
+          <a:ext cx="0" cy="0"/>
+          <a:chOff x="0" y="0"/>
+          <a:chExt cx="0" cy="0"/>
+        </a:xfrm>
+      </p:grpSpPr>
+      <p:sp>
+        <p:nvSpPr>
+          <p:cNvPr id="2" name="Title 1"/>
+          <p:cNvSpPr>
+            <a:spLocks noGrp="1"/>
+          </p:cNvSpPr>
+          <p:nvPr>
+            <p:ph type="title"/>
+          </p:nvPr>
+        </p:nvSpPr>
+        <p:spPr>
+          <a:xfrm>
+            <a:off x="628650" y="1079156"/>
             <a:ext cx="7886700" cy="1231781"/>
           </a:xfrm>
         </p:spPr>
@@ -5233,7 +5421,7 @@
           <a:p>
             <a:fld id="{9DF99ACD-61C7-4DA6-A8C9-329CC9B75ECD}" type="datetime1">
               <a:rPr lang="en-US" smtClean="0"/>
-              <a:t>11/30/2018</a:t>
+              <a:t>12/1/2018</a:t>
             </a:fld>
             <a:endParaRPr lang="en-US"/>
           </a:p>
@@ -5252,7 +5440,7 @@
 </p:sld>
 </file>
 
-<file path=ppt/slides/slide14.xml><?xml version="1.0" encoding="utf-8"?>
+<file path=ppt/slides/slide16.xml><?xml version="1.0" encoding="utf-8"?>
 <p:sld xmlns:a="http://schemas.openxmlformats.org/drawingml/2006/main" xmlns:r="http://schemas.openxmlformats.org/officeDocument/2006/relationships" xmlns:p="http://schemas.openxmlformats.org/presentationml/2006/main">
   <p:cSld>
     <p:spTree>
@@ -5626,15 +5814,7 @@
                   <a:srgbClr val="FF0000"/>
                 </a:solidFill>
               </a:rPr>
-              <a:t>Constraint boundary, </a:t>
-            </a:r>
-            <a:r>
-              <a:rPr lang="en-US" sz="1350" dirty="0" smtClean="0">
-                <a:solidFill>
-                  <a:srgbClr val="FF0000"/>
-                </a:solidFill>
-              </a:rPr>
-              <a:t>c(y) </a:t>
+              <a:t>Constraint boundary, c(y) </a:t>
             </a:r>
             <a:r>
               <a:rPr lang="en-US" sz="1350" dirty="0">
@@ -6154,8 +6334,8 @@
           </a:p>
         </p:txBody>
       </p:sp>
-      <mc:AlternateContent xmlns:mc="http://schemas.openxmlformats.org/markup-compatibility/2006">
-        <mc:Choice xmlns:a14="http://schemas.microsoft.com/office/drawing/2010/main" Requires="a14">
+      <mc:AlternateContent xmlns:mc="http://schemas.openxmlformats.org/markup-compatibility/2006" xmlns:a14="http://schemas.microsoft.com/office/drawing/2010/main">
+        <mc:Choice Requires="a14">
           <p:sp>
             <p:nvSpPr>
               <p:cNvPr id="2" name="TextBox 1"/>
@@ -6254,19 +6434,7 @@
                       <a:rPr lang="en-US" b="0" i="1" smtClean="0">
                         <a:latin typeface="Cambria Math" panose="02040503050406030204" pitchFamily="18" charset="0"/>
                       </a:rPr>
-                      <m:t>≤</m:t>
-                    </m:r>
-                    <m:r>
-                      <a:rPr lang="en-US" b="0" i="1" smtClean="0">
-                        <a:latin typeface="Cambria Math" panose="02040503050406030204" pitchFamily="18" charset="0"/>
-                      </a:rPr>
-                      <m:t>0</m:t>
-                    </m:r>
-                    <m:r>
-                      <a:rPr lang="en-US" b="0" i="1" smtClean="0">
-                        <a:latin typeface="Cambria Math" panose="02040503050406030204" pitchFamily="18" charset="0"/>
-                      </a:rPr>
-                      <m:t>}</m:t>
+                      <m:t>≤0}</m:t>
                     </m:r>
                   </m:oMath>
                 </a14:m>
@@ -6277,7 +6445,7 @@
             </p:txBody>
           </p:sp>
         </mc:Choice>
-        <mc:Fallback>
+        <mc:Fallback xmlns="">
           <p:sp>
             <p:nvSpPr>
               <p:cNvPr id="2" name="TextBox 1"/>
@@ -6316,8 +6484,8 @@
           </p:sp>
         </mc:Fallback>
       </mc:AlternateContent>
-      <mc:AlternateContent xmlns:mc="http://schemas.openxmlformats.org/markup-compatibility/2006">
-        <mc:Choice xmlns:a14="http://schemas.microsoft.com/office/drawing/2010/main" Requires="a14">
+      <mc:AlternateContent xmlns:mc="http://schemas.openxmlformats.org/markup-compatibility/2006" xmlns:a14="http://schemas.microsoft.com/office/drawing/2010/main">
+        <mc:Choice Requires="a14">
           <p:sp>
             <p:nvSpPr>
               <p:cNvPr id="3" name="TextBox 2"/>
@@ -6411,19 +6579,7 @@
                       <a:rPr lang="en-US" i="1">
                         <a:latin typeface="Cambria Math" panose="02040503050406030204" pitchFamily="18" charset="0"/>
                       </a:rPr>
-                      <m:t>≥</m:t>
-                    </m:r>
-                    <m:r>
-                      <a:rPr lang="en-US" i="1">
-                        <a:latin typeface="Cambria Math" panose="02040503050406030204" pitchFamily="18" charset="0"/>
-                      </a:rPr>
-                      <m:t>1</m:t>
-                    </m:r>
-                    <m:r>
-                      <a:rPr lang="en-US" i="1">
-                        <a:latin typeface="Cambria Math" panose="02040503050406030204" pitchFamily="18" charset="0"/>
-                      </a:rPr>
-                      <m:t>−</m:t>
+                      <m:t>≥1−</m:t>
                     </m:r>
                     <m:r>
                       <a:rPr lang="en-US" i="1">
@@ -6438,7 +6594,7 @@
             </p:txBody>
           </p:sp>
         </mc:Choice>
-        <mc:Fallback>
+        <mc:Fallback xmlns="">
           <p:sp>
             <p:nvSpPr>
               <p:cNvPr id="3" name="TextBox 2"/>
@@ -6536,7 +6692,7 @@
           <a:p>
             <a:fld id="{8FD96B2B-987B-4DCA-84AB-91974E8B873F}" type="datetime1">
               <a:rPr lang="en-US" smtClean="0"/>
-              <a:t>11/30/2018</a:t>
+              <a:t>12/1/2018</a:t>
             </a:fld>
             <a:endParaRPr lang="en-US"/>
           </a:p>
@@ -6555,7 +6711,7 @@
 </p:sld>
 </file>
 
-<file path=ppt/slides/slide15.xml><?xml version="1.0" encoding="utf-8"?>
+<file path=ppt/slides/slide17.xml><?xml version="1.0" encoding="utf-8"?>
 <p:sld xmlns:a="http://schemas.openxmlformats.org/drawingml/2006/main" xmlns:r="http://schemas.openxmlformats.org/officeDocument/2006/relationships" xmlns:p="http://schemas.openxmlformats.org/presentationml/2006/main">
   <p:cSld>
     <p:spTree>
@@ -6732,7 +6888,7 @@
           <a:p>
             <a:fld id="{15C82A65-9BD9-46BE-A84A-20244D58A9DA}" type="datetime1">
               <a:rPr lang="en-US" smtClean="0"/>
-              <a:t>11/30/2018</a:t>
+              <a:t>12/1/2018</a:t>
             </a:fld>
             <a:endParaRPr lang="en-US"/>
           </a:p>
@@ -7074,305 +7230,6 @@
 </p:sld>
 </file>
 
-<file path=ppt/slides/slide16.xml><?xml version="1.0" encoding="utf-8"?>
-<p:sld xmlns:a="http://schemas.openxmlformats.org/drawingml/2006/main" xmlns:r="http://schemas.openxmlformats.org/officeDocument/2006/relationships" xmlns:p="http://schemas.openxmlformats.org/presentationml/2006/main">
-  <p:cSld>
-    <p:spTree>
-      <p:nvGrpSpPr>
-        <p:cNvPr id="1" name=""/>
-        <p:cNvGrpSpPr/>
-        <p:nvPr/>
-      </p:nvGrpSpPr>
-      <p:grpSpPr>
-        <a:xfrm>
-          <a:off x="0" y="0"/>
-          <a:ext cx="0" cy="0"/>
-          <a:chOff x="0" y="0"/>
-          <a:chExt cx="0" cy="0"/>
-        </a:xfrm>
-      </p:grpSpPr>
-      <p:sp>
-        <p:nvSpPr>
-          <p:cNvPr id="2" name="Title 1"/>
-          <p:cNvSpPr>
-            <a:spLocks noGrp="1"/>
-          </p:cNvSpPr>
-          <p:nvPr>
-            <p:ph type="title"/>
-          </p:nvPr>
-        </p:nvSpPr>
-        <p:spPr/>
-        <p:txBody>
-          <a:bodyPr/>
-          <a:lstStyle/>
-          <a:p>
-            <a:r>
-              <a:rPr lang="en-US" dirty="0" smtClean="0"/>
-              <a:t>Covariance </a:t>
-            </a:r>
-            <a:r>
-              <a:rPr lang="en-US" dirty="0" smtClean="0"/>
-              <a:t>Minimization</a:t>
-            </a:r>
-            <a:endParaRPr lang="en-US" dirty="0"/>
-          </a:p>
-        </p:txBody>
-      </p:sp>
-      <p:sp>
-        <p:nvSpPr>
-          <p:cNvPr id="3" name="Content Placeholder 2"/>
-          <p:cNvSpPr>
-            <a:spLocks noGrp="1"/>
-          </p:cNvSpPr>
-          <p:nvPr>
-            <p:ph idx="1"/>
-          </p:nvPr>
-        </p:nvSpPr>
-        <p:spPr>
-          <a:xfrm>
-            <a:off x="628650" y="1825624"/>
-            <a:ext cx="7886700" cy="4857397"/>
-          </a:xfrm>
-        </p:spPr>
-        <p:txBody>
-          <a:bodyPr/>
-          <a:lstStyle/>
-          <a:p>
-            <a:r>
-              <a:rPr lang="en-US" dirty="0" smtClean="0"/>
-              <a:t>Consider first the LTV case, with unconstrained control</a:t>
-            </a:r>
-          </a:p>
-          <a:p>
-            <a:r>
-              <a:rPr lang="en-US" dirty="0" smtClean="0"/>
-              <a:t>For suitable choice of norm on the final covariance matrix, the problem reduces to standard LQR with a particular boundary condition</a:t>
-            </a:r>
-          </a:p>
-          <a:p>
-            <a:pPr lvl="1"/>
-            <a:r>
-              <a:rPr lang="en-US" dirty="0" smtClean="0"/>
-              <a:t>The required norm is the trace operator</a:t>
-            </a:r>
-          </a:p>
-          <a:p>
-            <a:pPr lvl="1"/>
-            <a:r>
-              <a:rPr lang="en-US" dirty="0" smtClean="0"/>
-              <a:t>The LQ state weight matrix Q = I</a:t>
-            </a:r>
-          </a:p>
-          <a:p>
-            <a:r>
-              <a:rPr lang="en-US" dirty="0" smtClean="0"/>
-              <a:t>The trace is a suitable choice in many </a:t>
-            </a:r>
-            <a:r>
-              <a:rPr lang="en-US" dirty="0" smtClean="0"/>
-              <a:t>cases</a:t>
-            </a:r>
-          </a:p>
-          <a:p>
-            <a:pPr lvl="1"/>
-            <a:r>
-              <a:rPr lang="en-US" dirty="0" smtClean="0"/>
-              <a:t>Geometrically</a:t>
-            </a:r>
-            <a:r>
-              <a:rPr lang="en-US" dirty="0" smtClean="0"/>
-              <a:t>, it is related to the size of the covariance ellipse, while ignoring directional information</a:t>
-            </a:r>
-          </a:p>
-          <a:p>
-            <a:endParaRPr lang="en-US" dirty="0" smtClean="0"/>
-          </a:p>
-        </p:txBody>
-      </p:sp>
-      <p:sp>
-        <p:nvSpPr>
-          <p:cNvPr id="4" name="Date Placeholder 3"/>
-          <p:cNvSpPr>
-            <a:spLocks noGrp="1"/>
-          </p:cNvSpPr>
-          <p:nvPr>
-            <p:ph type="dt" sz="half" idx="10"/>
-          </p:nvPr>
-        </p:nvSpPr>
-        <p:spPr/>
-        <p:txBody>
-          <a:bodyPr/>
-          <a:lstStyle/>
-          <a:p>
-            <a:fld id="{00B1D89B-5FC1-44E0-BDF5-5035AB8FD380}" type="datetime1">
-              <a:rPr lang="en-US" smtClean="0"/>
-              <a:t>11/30/2018</a:t>
-            </a:fld>
-            <a:endParaRPr lang="en-US"/>
-          </a:p>
-        </p:txBody>
-      </p:sp>
-    </p:spTree>
-    <p:extLst>
-      <p:ext uri="{BB962C8B-B14F-4D97-AF65-F5344CB8AC3E}">
-        <p14:creationId xmlns:p14="http://schemas.microsoft.com/office/powerpoint/2010/main" val="3096368325"/>
-      </p:ext>
-    </p:extLst>
-  </p:cSld>
-  <p:clrMapOvr>
-    <a:masterClrMapping/>
-  </p:clrMapOvr>
-</p:sld>
-</file>
-
-<file path=ppt/slides/slide17.xml><?xml version="1.0" encoding="utf-8"?>
-<p:sld xmlns:a="http://schemas.openxmlformats.org/drawingml/2006/main" xmlns:r="http://schemas.openxmlformats.org/officeDocument/2006/relationships" xmlns:p="http://schemas.openxmlformats.org/presentationml/2006/main">
-  <p:cSld>
-    <p:spTree>
-      <p:nvGrpSpPr>
-        <p:cNvPr id="1" name=""/>
-        <p:cNvGrpSpPr/>
-        <p:nvPr/>
-      </p:nvGrpSpPr>
-      <p:grpSpPr>
-        <a:xfrm>
-          <a:off x="0" y="0"/>
-          <a:ext cx="0" cy="0"/>
-          <a:chOff x="0" y="0"/>
-          <a:chExt cx="0" cy="0"/>
-        </a:xfrm>
-      </p:grpSpPr>
-      <p:sp>
-        <p:nvSpPr>
-          <p:cNvPr id="2" name="Title 1"/>
-          <p:cNvSpPr>
-            <a:spLocks noGrp="1"/>
-          </p:cNvSpPr>
-          <p:nvPr>
-            <p:ph type="title"/>
-          </p:nvPr>
-        </p:nvSpPr>
-        <p:spPr/>
-        <p:txBody>
-          <a:bodyPr/>
-          <a:lstStyle/>
-          <a:p>
-            <a:r>
-              <a:rPr lang="en-US" dirty="0" smtClean="0"/>
-              <a:t>Variance Minimization</a:t>
-            </a:r>
-            <a:endParaRPr lang="en-US" dirty="0"/>
-          </a:p>
-        </p:txBody>
-      </p:sp>
-      <p:sp>
-        <p:nvSpPr>
-          <p:cNvPr id="3" name="Content Placeholder 2"/>
-          <p:cNvSpPr>
-            <a:spLocks noGrp="1"/>
-          </p:cNvSpPr>
-          <p:nvPr>
-            <p:ph idx="1"/>
-          </p:nvPr>
-        </p:nvSpPr>
-        <p:spPr>
-          <a:xfrm>
-            <a:off x="628650" y="1825624"/>
-            <a:ext cx="7886700" cy="4909283"/>
-          </a:xfrm>
-        </p:spPr>
-        <p:txBody>
-          <a:bodyPr/>
-          <a:lstStyle/>
-          <a:p>
-            <a:r>
-              <a:rPr lang="en-US" dirty="0"/>
-              <a:t>Next consider the same scenario with bounded control inputs</a:t>
-            </a:r>
-          </a:p>
-          <a:p>
-            <a:pPr lvl="1"/>
-            <a:r>
-              <a:rPr lang="en-US" dirty="0"/>
-              <a:t>The optimal control law is bang-bang in nature</a:t>
-            </a:r>
-          </a:p>
-          <a:p>
-            <a:pPr lvl="1"/>
-            <a:r>
-              <a:rPr lang="en-US" dirty="0"/>
-              <a:t>Can no longer decouple mean and covariance problems </a:t>
-            </a:r>
-            <a:endParaRPr lang="en-US" dirty="0" smtClean="0"/>
-          </a:p>
-          <a:p>
-            <a:r>
-              <a:rPr lang="en-US" dirty="0" smtClean="0"/>
-              <a:t>In zero mean case, optimal control in linear feedback is achieved as K -&gt; </a:t>
-            </a:r>
-            <a:r>
-              <a:rPr lang="en-US" dirty="0" err="1" smtClean="0"/>
-              <a:t>inf</a:t>
-            </a:r>
-            <a:r>
-              <a:rPr lang="en-US" dirty="0" smtClean="0"/>
-              <a:t>, resulting in bang-bang control = -</a:t>
-            </a:r>
-            <a:r>
-              <a:rPr lang="en-US" dirty="0" err="1" smtClean="0"/>
-              <a:t>Umax</a:t>
-            </a:r>
-            <a:r>
-              <a:rPr lang="en-US" dirty="0" smtClean="0"/>
-              <a:t>*sign(x)</a:t>
-            </a:r>
-            <a:endParaRPr lang="en-US" dirty="0"/>
-          </a:p>
-          <a:p>
-            <a:r>
-              <a:rPr lang="en-US" dirty="0" smtClean="0"/>
-              <a:t>Even for linear problems, we turn to an optimization approach: find the optimal mean trajectory such that covariance is minimized under discontinuous feedback</a:t>
-            </a:r>
-            <a:endParaRPr lang="en-US" dirty="0"/>
-          </a:p>
-        </p:txBody>
-      </p:sp>
-      <p:sp>
-        <p:nvSpPr>
-          <p:cNvPr id="4" name="Date Placeholder 3"/>
-          <p:cNvSpPr>
-            <a:spLocks noGrp="1"/>
-          </p:cNvSpPr>
-          <p:nvPr>
-            <p:ph type="dt" sz="half" idx="10"/>
-          </p:nvPr>
-        </p:nvSpPr>
-        <p:spPr/>
-        <p:txBody>
-          <a:bodyPr/>
-          <a:lstStyle/>
-          <a:p>
-            <a:fld id="{654B51E4-67EB-4079-B5AA-F6AC5D100AB5}" type="datetime1">
-              <a:rPr lang="en-US" smtClean="0"/>
-              <a:t>11/30/2018</a:t>
-            </a:fld>
-            <a:endParaRPr lang="en-US"/>
-          </a:p>
-        </p:txBody>
-      </p:sp>
-    </p:spTree>
-    <p:extLst>
-      <p:ext uri="{BB962C8B-B14F-4D97-AF65-F5344CB8AC3E}">
-        <p14:creationId xmlns:p14="http://schemas.microsoft.com/office/powerpoint/2010/main" val="1023245691"/>
-      </p:ext>
-    </p:extLst>
-  </p:cSld>
-  <p:clrMapOvr>
-    <a:masterClrMapping/>
-  </p:clrMapOvr>
-</p:sld>
-</file>
-
 <file path=ppt/slides/slide18.xml><?xml version="1.0" encoding="utf-8"?>
 <p:sld xmlns:a="http://schemas.openxmlformats.org/drawingml/2006/main" xmlns:r="http://schemas.openxmlformats.org/officeDocument/2006/relationships" xmlns:p="http://schemas.openxmlformats.org/presentationml/2006/main">
   <p:cSld>
@@ -7390,8 +7247,429 @@
           <a:chExt cx="0" cy="0"/>
         </a:xfrm>
       </p:grpSpPr>
-      <mc:AlternateContent xmlns:mc="http://schemas.openxmlformats.org/markup-compatibility/2006">
-        <mc:Choice xmlns:a14="http://schemas.microsoft.com/office/drawing/2010/main" Requires="a14">
+      <p:sp>
+        <p:nvSpPr>
+          <p:cNvPr id="2" name="Title 1"/>
+          <p:cNvSpPr>
+            <a:spLocks noGrp="1"/>
+          </p:cNvSpPr>
+          <p:nvPr>
+            <p:ph type="title"/>
+          </p:nvPr>
+        </p:nvSpPr>
+        <p:spPr/>
+        <p:txBody>
+          <a:bodyPr/>
+          <a:lstStyle/>
+          <a:p>
+            <a:r>
+              <a:rPr lang="en-US" dirty="0" smtClean="0"/>
+              <a:t>Covariance Minimization</a:t>
+            </a:r>
+            <a:endParaRPr lang="en-US" dirty="0"/>
+          </a:p>
+        </p:txBody>
+      </p:sp>
+      <p:sp>
+        <p:nvSpPr>
+          <p:cNvPr id="3" name="Content Placeholder 2"/>
+          <p:cNvSpPr>
+            <a:spLocks noGrp="1"/>
+          </p:cNvSpPr>
+          <p:nvPr>
+            <p:ph idx="1"/>
+          </p:nvPr>
+        </p:nvSpPr>
+        <p:spPr>
+          <a:xfrm>
+            <a:off x="628650" y="1825624"/>
+            <a:ext cx="7886700" cy="4857397"/>
+          </a:xfrm>
+        </p:spPr>
+        <p:txBody>
+          <a:bodyPr/>
+          <a:lstStyle/>
+          <a:p>
+            <a:r>
+              <a:rPr lang="en-US" dirty="0" smtClean="0"/>
+              <a:t>Consider first the LTV case, with unconstrained control</a:t>
+            </a:r>
+          </a:p>
+          <a:p>
+            <a:r>
+              <a:rPr lang="en-US" dirty="0" smtClean="0"/>
+              <a:t>For suitable choice of norm on the final covariance matrix, the problem reduces to standard LQR with a particular boundary condition</a:t>
+            </a:r>
+          </a:p>
+          <a:p>
+            <a:pPr lvl="1"/>
+            <a:r>
+              <a:rPr lang="en-US" dirty="0" smtClean="0"/>
+              <a:t>The required norm is the trace operator</a:t>
+            </a:r>
+          </a:p>
+          <a:p>
+            <a:pPr lvl="1"/>
+            <a:r>
+              <a:rPr lang="en-US" dirty="0" smtClean="0"/>
+              <a:t>The LQ state weight matrix Q = I</a:t>
+            </a:r>
+          </a:p>
+          <a:p>
+            <a:r>
+              <a:rPr lang="en-US" dirty="0" smtClean="0"/>
+              <a:t>The trace is a suitable choice in many cases</a:t>
+            </a:r>
+          </a:p>
+          <a:p>
+            <a:pPr lvl="1"/>
+            <a:r>
+              <a:rPr lang="en-US" dirty="0" smtClean="0"/>
+              <a:t>Geometrically, it is related to the size of the covariance ellipse, while ignoring directional information</a:t>
+            </a:r>
+          </a:p>
+          <a:p>
+            <a:endParaRPr lang="en-US" dirty="0" smtClean="0"/>
+          </a:p>
+        </p:txBody>
+      </p:sp>
+      <p:sp>
+        <p:nvSpPr>
+          <p:cNvPr id="4" name="Date Placeholder 3"/>
+          <p:cNvSpPr>
+            <a:spLocks noGrp="1"/>
+          </p:cNvSpPr>
+          <p:nvPr>
+            <p:ph type="dt" sz="half" idx="10"/>
+          </p:nvPr>
+        </p:nvSpPr>
+        <p:spPr/>
+        <p:txBody>
+          <a:bodyPr/>
+          <a:lstStyle/>
+          <a:p>
+            <a:fld id="{00B1D89B-5FC1-44E0-BDF5-5035AB8FD380}" type="datetime1">
+              <a:rPr lang="en-US" smtClean="0"/>
+              <a:t>12/1/2018</a:t>
+            </a:fld>
+            <a:endParaRPr lang="en-US"/>
+          </a:p>
+        </p:txBody>
+      </p:sp>
+    </p:spTree>
+    <p:extLst>
+      <p:ext uri="{BB962C8B-B14F-4D97-AF65-F5344CB8AC3E}">
+        <p14:creationId xmlns:p14="http://schemas.microsoft.com/office/powerpoint/2010/main" val="3096368325"/>
+      </p:ext>
+    </p:extLst>
+  </p:cSld>
+  <p:clrMapOvr>
+    <a:masterClrMapping/>
+  </p:clrMapOvr>
+</p:sld>
+</file>
+
+<file path=ppt/slides/slide19.xml><?xml version="1.0" encoding="utf-8"?>
+<p:sld xmlns:a="http://schemas.openxmlformats.org/drawingml/2006/main" xmlns:r="http://schemas.openxmlformats.org/officeDocument/2006/relationships" xmlns:p="http://schemas.openxmlformats.org/presentationml/2006/main">
+  <p:cSld>
+    <p:spTree>
+      <p:nvGrpSpPr>
+        <p:cNvPr id="1" name=""/>
+        <p:cNvGrpSpPr/>
+        <p:nvPr/>
+      </p:nvGrpSpPr>
+      <p:grpSpPr>
+        <a:xfrm>
+          <a:off x="0" y="0"/>
+          <a:ext cx="0" cy="0"/>
+          <a:chOff x="0" y="0"/>
+          <a:chExt cx="0" cy="0"/>
+        </a:xfrm>
+      </p:grpSpPr>
+      <p:sp>
+        <p:nvSpPr>
+          <p:cNvPr id="2" name="Title 1"/>
+          <p:cNvSpPr>
+            <a:spLocks noGrp="1"/>
+          </p:cNvSpPr>
+          <p:nvPr>
+            <p:ph type="title"/>
+          </p:nvPr>
+        </p:nvSpPr>
+        <p:spPr/>
+        <p:txBody>
+          <a:bodyPr/>
+          <a:lstStyle/>
+          <a:p>
+            <a:r>
+              <a:rPr lang="en-US" dirty="0" smtClean="0"/>
+              <a:t>Variance Minimization</a:t>
+            </a:r>
+            <a:endParaRPr lang="en-US" dirty="0"/>
+          </a:p>
+        </p:txBody>
+      </p:sp>
+      <p:sp>
+        <p:nvSpPr>
+          <p:cNvPr id="3" name="Content Placeholder 2"/>
+          <p:cNvSpPr>
+            <a:spLocks noGrp="1"/>
+          </p:cNvSpPr>
+          <p:nvPr>
+            <p:ph idx="1"/>
+          </p:nvPr>
+        </p:nvSpPr>
+        <p:spPr>
+          <a:xfrm>
+            <a:off x="628650" y="1825624"/>
+            <a:ext cx="7886700" cy="4909283"/>
+          </a:xfrm>
+        </p:spPr>
+        <p:txBody>
+          <a:bodyPr/>
+          <a:lstStyle/>
+          <a:p>
+            <a:r>
+              <a:rPr lang="en-US" dirty="0"/>
+              <a:t>Next consider the same scenario with bounded control inputs</a:t>
+            </a:r>
+          </a:p>
+          <a:p>
+            <a:pPr lvl="1"/>
+            <a:r>
+              <a:rPr lang="en-US" dirty="0"/>
+              <a:t>The optimal control law is bang-bang in nature</a:t>
+            </a:r>
+          </a:p>
+          <a:p>
+            <a:pPr lvl="1"/>
+            <a:r>
+              <a:rPr lang="en-US" dirty="0"/>
+              <a:t>Can no longer decouple mean and covariance problems </a:t>
+            </a:r>
+            <a:endParaRPr lang="en-US" dirty="0" smtClean="0"/>
+          </a:p>
+          <a:p>
+            <a:r>
+              <a:rPr lang="en-US" dirty="0" smtClean="0"/>
+              <a:t>In zero mean case, optimal control in linear feedback is achieved as K -&gt; </a:t>
+            </a:r>
+            <a:r>
+              <a:rPr lang="en-US" dirty="0" err="1" smtClean="0"/>
+              <a:t>inf</a:t>
+            </a:r>
+            <a:r>
+              <a:rPr lang="en-US" dirty="0" smtClean="0"/>
+              <a:t>, resulting in bang-bang control = -</a:t>
+            </a:r>
+            <a:r>
+              <a:rPr lang="en-US" dirty="0" err="1" smtClean="0"/>
+              <a:t>Umax</a:t>
+            </a:r>
+            <a:r>
+              <a:rPr lang="en-US" dirty="0" smtClean="0"/>
+              <a:t>*sign(x)</a:t>
+            </a:r>
+            <a:endParaRPr lang="en-US" dirty="0"/>
+          </a:p>
+          <a:p>
+            <a:r>
+              <a:rPr lang="en-US" dirty="0" smtClean="0"/>
+              <a:t>Even for linear problems, we turn to an optimization approach: find the optimal mean trajectory such that covariance is minimized under discontinuous feedback</a:t>
+            </a:r>
+            <a:endParaRPr lang="en-US" dirty="0"/>
+          </a:p>
+        </p:txBody>
+      </p:sp>
+      <p:sp>
+        <p:nvSpPr>
+          <p:cNvPr id="4" name="Date Placeholder 3"/>
+          <p:cNvSpPr>
+            <a:spLocks noGrp="1"/>
+          </p:cNvSpPr>
+          <p:nvPr>
+            <p:ph type="dt" sz="half" idx="10"/>
+          </p:nvPr>
+        </p:nvSpPr>
+        <p:spPr/>
+        <p:txBody>
+          <a:bodyPr/>
+          <a:lstStyle/>
+          <a:p>
+            <a:fld id="{654B51E4-67EB-4079-B5AA-F6AC5D100AB5}" type="datetime1">
+              <a:rPr lang="en-US" smtClean="0"/>
+              <a:t>12/1/2018</a:t>
+            </a:fld>
+            <a:endParaRPr lang="en-US"/>
+          </a:p>
+        </p:txBody>
+      </p:sp>
+    </p:spTree>
+    <p:extLst>
+      <p:ext uri="{BB962C8B-B14F-4D97-AF65-F5344CB8AC3E}">
+        <p14:creationId xmlns:p14="http://schemas.microsoft.com/office/powerpoint/2010/main" val="1023245691"/>
+      </p:ext>
+    </p:extLst>
+  </p:cSld>
+  <p:clrMapOvr>
+    <a:masterClrMapping/>
+  </p:clrMapOvr>
+</p:sld>
+</file>
+
+<file path=ppt/slides/slide2.xml><?xml version="1.0" encoding="utf-8"?>
+<p:sld xmlns:a="http://schemas.openxmlformats.org/drawingml/2006/main" xmlns:r="http://schemas.openxmlformats.org/officeDocument/2006/relationships" xmlns:p="http://schemas.openxmlformats.org/presentationml/2006/main">
+  <p:cSld>
+    <p:spTree>
+      <p:nvGrpSpPr>
+        <p:cNvPr id="1" name=""/>
+        <p:cNvGrpSpPr/>
+        <p:nvPr/>
+      </p:nvGrpSpPr>
+      <p:grpSpPr>
+        <a:xfrm>
+          <a:off x="0" y="0"/>
+          <a:ext cx="0" cy="0"/>
+          <a:chOff x="0" y="0"/>
+          <a:chExt cx="0" cy="0"/>
+        </a:xfrm>
+      </p:grpSpPr>
+      <p:sp>
+        <p:nvSpPr>
+          <p:cNvPr id="2" name="Title 1"/>
+          <p:cNvSpPr>
+            <a:spLocks noGrp="1"/>
+          </p:cNvSpPr>
+          <p:nvPr>
+            <p:ph type="title"/>
+          </p:nvPr>
+        </p:nvSpPr>
+        <p:spPr/>
+        <p:txBody>
+          <a:bodyPr/>
+          <a:lstStyle/>
+          <a:p>
+            <a:r>
+              <a:rPr lang="en-US" dirty="0" smtClean="0"/>
+              <a:t>Outline</a:t>
+            </a:r>
+            <a:endParaRPr lang="en-US" dirty="0"/>
+          </a:p>
+        </p:txBody>
+      </p:sp>
+      <p:sp>
+        <p:nvSpPr>
+          <p:cNvPr id="3" name="Content Placeholder 2"/>
+          <p:cNvSpPr>
+            <a:spLocks noGrp="1"/>
+          </p:cNvSpPr>
+          <p:nvPr>
+            <p:ph idx="1"/>
+          </p:nvPr>
+        </p:nvSpPr>
+        <p:spPr>
+          <a:xfrm>
+            <a:off x="628650" y="1825624"/>
+            <a:ext cx="7886700" cy="4678269"/>
+          </a:xfrm>
+        </p:spPr>
+        <p:txBody>
+          <a:bodyPr/>
+          <a:lstStyle/>
+          <a:p>
+            <a:r>
+              <a:rPr lang="en-US" dirty="0" smtClean="0"/>
+              <a:t>Entry phase (hybrid opt, convex updating)</a:t>
+            </a:r>
+          </a:p>
+          <a:p>
+            <a:r>
+              <a:rPr lang="en-US" dirty="0" smtClean="0"/>
+              <a:t>SRP phase (robust solutions via optimal control)</a:t>
+            </a:r>
+          </a:p>
+          <a:p>
+            <a:r>
+              <a:rPr lang="en-US" dirty="0" smtClean="0"/>
+              <a:t>Multi-phase optimal control (create reference for initialization entry, and to track in SRP phase potentially)</a:t>
+            </a:r>
+          </a:p>
+          <a:p>
+            <a:r>
+              <a:rPr lang="en-US" dirty="0" smtClean="0"/>
+              <a:t>Adaptive SRP initiation via free initial condition OCP?</a:t>
+            </a:r>
+          </a:p>
+          <a:p>
+            <a:r>
+              <a:rPr lang="en-US" dirty="0" smtClean="0"/>
+              <a:t>Free final time via free initial condition?</a:t>
+            </a:r>
+          </a:p>
+          <a:p>
+            <a:r>
+              <a:rPr lang="en-US" dirty="0" smtClean="0"/>
+              <a:t>Non-standard control objectives: risk sensitive, minimally covariant trajectories </a:t>
+            </a:r>
+            <a:endParaRPr lang="en-US" dirty="0"/>
+          </a:p>
+        </p:txBody>
+      </p:sp>
+      <p:sp>
+        <p:nvSpPr>
+          <p:cNvPr id="4" name="Date Placeholder 3"/>
+          <p:cNvSpPr>
+            <a:spLocks noGrp="1"/>
+          </p:cNvSpPr>
+          <p:nvPr>
+            <p:ph type="dt" sz="half" idx="10"/>
+          </p:nvPr>
+        </p:nvSpPr>
+        <p:spPr/>
+        <p:txBody>
+          <a:bodyPr/>
+          <a:lstStyle/>
+          <a:p>
+            <a:fld id="{AAF8337C-28E0-45D7-BFAB-A5636CB463D0}" type="datetime1">
+              <a:rPr lang="en-US" smtClean="0"/>
+              <a:t>12/1/2018</a:t>
+            </a:fld>
+            <a:endParaRPr lang="en-US"/>
+          </a:p>
+        </p:txBody>
+      </p:sp>
+    </p:spTree>
+    <p:extLst>
+      <p:ext uri="{BB962C8B-B14F-4D97-AF65-F5344CB8AC3E}">
+        <p14:creationId xmlns:p14="http://schemas.microsoft.com/office/powerpoint/2010/main" val="1132782950"/>
+      </p:ext>
+    </p:extLst>
+  </p:cSld>
+  <p:clrMapOvr>
+    <a:masterClrMapping/>
+  </p:clrMapOvr>
+</p:sld>
+</file>
+
+<file path=ppt/slides/slide20.xml><?xml version="1.0" encoding="utf-8"?>
+<p:sld xmlns:a="http://schemas.openxmlformats.org/drawingml/2006/main" xmlns:r="http://schemas.openxmlformats.org/officeDocument/2006/relationships" xmlns:p="http://schemas.openxmlformats.org/presentationml/2006/main">
+  <p:cSld>
+    <p:spTree>
+      <p:nvGrpSpPr>
+        <p:cNvPr id="1" name=""/>
+        <p:cNvGrpSpPr/>
+        <p:nvPr/>
+      </p:nvGrpSpPr>
+      <p:grpSpPr>
+        <a:xfrm>
+          <a:off x="0" y="0"/>
+          <a:ext cx="0" cy="0"/>
+          <a:chOff x="0" y="0"/>
+          <a:chExt cx="0" cy="0"/>
+        </a:xfrm>
+      </p:grpSpPr>
+      <mc:AlternateContent xmlns:mc="http://schemas.openxmlformats.org/markup-compatibility/2006" xmlns:a14="http://schemas.microsoft.com/office/drawing/2010/main">
+        <mc:Choice Requires="a14">
           <p:sp>
             <p:nvSpPr>
               <p:cNvPr id="2" name="Title 1"/>
@@ -7487,7 +7765,7 @@
             </p:txBody>
           </p:sp>
         </mc:Choice>
-        <mc:Fallback>
+        <mc:Fallback xmlns="">
           <p:sp>
             <p:nvSpPr>
               <p:cNvPr id="2" name="Title 1"/>
@@ -7566,7 +7844,7 @@
           <a:p>
             <a:fld id="{DACEE8DD-B545-4020-BC5A-D34F01A5A26F}" type="datetime1">
               <a:rPr lang="en-US" smtClean="0"/>
-              <a:t>11/30/2018</a:t>
+              <a:t>12/1/2018</a:t>
             </a:fld>
             <a:endParaRPr lang="en-US"/>
           </a:p>
@@ -7585,7 +7863,7 @@
 </p:sld>
 </file>
 
-<file path=ppt/slides/slide19.xml><?xml version="1.0" encoding="utf-8"?>
+<file path=ppt/slides/slide21.xml><?xml version="1.0" encoding="utf-8"?>
 <p:sld xmlns:a="http://schemas.openxmlformats.org/drawingml/2006/main" xmlns:r="http://schemas.openxmlformats.org/officeDocument/2006/relationships" xmlns:p="http://schemas.openxmlformats.org/presentationml/2006/main">
   <p:cSld>
     <p:spTree>
@@ -7667,21 +7945,8 @@
             </a:r>
             <a:r>
               <a:rPr lang="en-US" dirty="0" smtClean="0"/>
-              <a:t>we </a:t>
-            </a:r>
-            <a:r>
-              <a:rPr lang="en-US" dirty="0" smtClean="0"/>
-              <a:t>seek </a:t>
-            </a:r>
-            <a:r>
-              <a:rPr lang="en-US" dirty="0" smtClean="0"/>
-              <a:t>to minimize propellant use under </a:t>
-            </a:r>
-            <a:r>
-              <a:rPr lang="en-US" dirty="0" smtClean="0"/>
-              <a:t>uncertainty during the powered descent phase  </a:t>
-            </a:r>
-            <a:endParaRPr lang="en-US" dirty="0" smtClean="0"/>
+              <a:t>we seek to minimize propellant use under uncertainty during the powered descent phase  </a:t>
+            </a:r>
           </a:p>
           <a:p>
             <a:pPr lvl="1"/>
@@ -7704,14 +7969,12 @@
               <a:rPr lang="en-US" dirty="0" smtClean="0"/>
               <a:t>This allows us to deliver the heaviest payload to the surface</a:t>
             </a:r>
-            <a:endParaRPr lang="en-US" dirty="0" smtClean="0"/>
           </a:p>
           <a:p>
             <a:r>
               <a:rPr lang="en-US" dirty="0" smtClean="0"/>
               <a:t>The system is subject to bounded thrust magnitude, glide-slope constraint that prevents shallow flight</a:t>
             </a:r>
-            <a:endParaRPr lang="en-US" dirty="0" smtClean="0"/>
           </a:p>
         </p:txBody>
       </p:sp>
@@ -7732,7 +7995,7 @@
           <a:p>
             <a:fld id="{FA3B38A7-CC6F-4E29-89B7-25D234EC0321}" type="datetime1">
               <a:rPr lang="en-US" smtClean="0"/>
-              <a:t>11/30/2018</a:t>
+              <a:t>12/1/2018</a:t>
             </a:fld>
             <a:endParaRPr lang="en-US"/>
           </a:p>
@@ -7751,149 +8014,7 @@
 </p:sld>
 </file>
 
-<file path=ppt/slides/slide2.xml><?xml version="1.0" encoding="utf-8"?>
-<p:sld xmlns:a="http://schemas.openxmlformats.org/drawingml/2006/main" xmlns:r="http://schemas.openxmlformats.org/officeDocument/2006/relationships" xmlns:p="http://schemas.openxmlformats.org/presentationml/2006/main">
-  <p:cSld>
-    <p:spTree>
-      <p:nvGrpSpPr>
-        <p:cNvPr id="1" name=""/>
-        <p:cNvGrpSpPr/>
-        <p:nvPr/>
-      </p:nvGrpSpPr>
-      <p:grpSpPr>
-        <a:xfrm>
-          <a:off x="0" y="0"/>
-          <a:ext cx="0" cy="0"/>
-          <a:chOff x="0" y="0"/>
-          <a:chExt cx="0" cy="0"/>
-        </a:xfrm>
-      </p:grpSpPr>
-      <p:sp>
-        <p:nvSpPr>
-          <p:cNvPr id="2" name="Title 1"/>
-          <p:cNvSpPr>
-            <a:spLocks noGrp="1"/>
-          </p:cNvSpPr>
-          <p:nvPr>
-            <p:ph type="title"/>
-          </p:nvPr>
-        </p:nvSpPr>
-        <p:spPr/>
-        <p:txBody>
-          <a:bodyPr/>
-          <a:lstStyle/>
-          <a:p>
-            <a:r>
-              <a:rPr lang="en-US" dirty="0" smtClean="0"/>
-              <a:t>Outline</a:t>
-            </a:r>
-            <a:endParaRPr lang="en-US" dirty="0"/>
-          </a:p>
-        </p:txBody>
-      </p:sp>
-      <p:sp>
-        <p:nvSpPr>
-          <p:cNvPr id="3" name="Content Placeholder 2"/>
-          <p:cNvSpPr>
-            <a:spLocks noGrp="1"/>
-          </p:cNvSpPr>
-          <p:nvPr>
-            <p:ph idx="1"/>
-          </p:nvPr>
-        </p:nvSpPr>
-        <p:spPr>
-          <a:xfrm>
-            <a:off x="628650" y="1825624"/>
-            <a:ext cx="7886700" cy="4678269"/>
-          </a:xfrm>
-        </p:spPr>
-        <p:txBody>
-          <a:bodyPr/>
-          <a:lstStyle/>
-          <a:p>
-            <a:r>
-              <a:rPr lang="en-US" dirty="0" smtClean="0"/>
-              <a:t>Entry phase (hybrid opt, convex updating)</a:t>
-            </a:r>
-          </a:p>
-          <a:p>
-            <a:r>
-              <a:rPr lang="en-US" dirty="0" smtClean="0"/>
-              <a:t>SRP phase </a:t>
-            </a:r>
-            <a:r>
-              <a:rPr lang="en-US" dirty="0" smtClean="0"/>
-              <a:t>(robust solutions via optimal </a:t>
-            </a:r>
-            <a:r>
-              <a:rPr lang="en-US" dirty="0" smtClean="0"/>
-              <a:t>control)</a:t>
-            </a:r>
-          </a:p>
-          <a:p>
-            <a:r>
-              <a:rPr lang="en-US" dirty="0" smtClean="0"/>
-              <a:t>Multi-phase optimal control (create reference for initialization entry, and to track in SRP phase potentially)</a:t>
-            </a:r>
-          </a:p>
-          <a:p>
-            <a:r>
-              <a:rPr lang="en-US" dirty="0" smtClean="0"/>
-              <a:t>Adaptive SRP initiation via free initial condition OCP?</a:t>
-            </a:r>
-          </a:p>
-          <a:p>
-            <a:r>
-              <a:rPr lang="en-US" dirty="0" smtClean="0"/>
-              <a:t>Free final time via free initial condition?</a:t>
-            </a:r>
-          </a:p>
-          <a:p>
-            <a:r>
-              <a:rPr lang="en-US" dirty="0" smtClean="0"/>
-              <a:t>Non-standard control objectives: risk sensitive, minimally covariant trajectories </a:t>
-            </a:r>
-            <a:endParaRPr lang="en-US" dirty="0"/>
-          </a:p>
-        </p:txBody>
-      </p:sp>
-      <p:sp>
-        <p:nvSpPr>
-          <p:cNvPr id="4" name="Date Placeholder 3"/>
-          <p:cNvSpPr>
-            <a:spLocks noGrp="1"/>
-          </p:cNvSpPr>
-          <p:nvPr>
-            <p:ph type="dt" sz="half" idx="10"/>
-          </p:nvPr>
-        </p:nvSpPr>
-        <p:spPr/>
-        <p:txBody>
-          <a:bodyPr/>
-          <a:lstStyle/>
-          <a:p>
-            <a:fld id="{AAF8337C-28E0-45D7-BFAB-A5636CB463D0}" type="datetime1">
-              <a:rPr lang="en-US" smtClean="0"/>
-              <a:t>11/30/2018</a:t>
-            </a:fld>
-            <a:endParaRPr lang="en-US"/>
-          </a:p>
-        </p:txBody>
-      </p:sp>
-    </p:spTree>
-    <p:extLst>
-      <p:ext uri="{BB962C8B-B14F-4D97-AF65-F5344CB8AC3E}">
-        <p14:creationId xmlns:p14="http://schemas.microsoft.com/office/powerpoint/2010/main" val="1132782950"/>
-      </p:ext>
-    </p:extLst>
-  </p:cSld>
-  <p:clrMapOvr>
-    <a:masterClrMapping/>
-  </p:clrMapOvr>
-</p:sld>
-</file>
-
-<file path=ppt/slides/slide20.xml><?xml version="1.0" encoding="utf-8"?>
+<file path=ppt/slides/slide22.xml><?xml version="1.0" encoding="utf-8"?>
 <p:sld xmlns:a="http://schemas.openxmlformats.org/drawingml/2006/main" xmlns:r="http://schemas.openxmlformats.org/officeDocument/2006/relationships" xmlns:p="http://schemas.openxmlformats.org/presentationml/2006/main">
   <p:cSld>
     <p:spTree>
@@ -8116,7 +8237,6 @@
               <a:rPr lang="en-US" sz="1350" dirty="0"/>
               <a:t>Targeted Landing Site</a:t>
             </a:r>
-            <a:endParaRPr lang="en-US" sz="1350" dirty="0"/>
           </a:p>
         </p:txBody>
       </p:sp>
@@ -8185,7 +8305,6 @@
               <a:rPr lang="en-US" sz="1350" dirty="0"/>
               <a:t>Optimal SRP Ignition (Nominal Scenario)</a:t>
             </a:r>
-            <a:endParaRPr lang="en-US" sz="1350" dirty="0"/>
           </a:p>
         </p:txBody>
       </p:sp>
@@ -8257,7 +8376,6 @@
               <a:rPr lang="en-US" sz="1350" dirty="0"/>
               <a:t>RCS thrusters</a:t>
             </a:r>
-            <a:endParaRPr lang="en-US" sz="1350" dirty="0"/>
           </a:p>
         </p:txBody>
       </p:sp>
@@ -8287,7 +8405,6 @@
               <a:rPr lang="en-US" sz="1350" dirty="0"/>
               <a:t>Atmospheric entry interface</a:t>
             </a:r>
-            <a:endParaRPr lang="en-US" sz="1350" dirty="0"/>
           </a:p>
         </p:txBody>
       </p:sp>
@@ -8317,7 +8434,6 @@
               <a:rPr lang="en-US" sz="1350" dirty="0"/>
               <a:t>Downrange</a:t>
             </a:r>
-            <a:endParaRPr lang="en-US" sz="1350" dirty="0"/>
           </a:p>
         </p:txBody>
       </p:sp>
@@ -8491,7 +8607,6 @@
               <a:rPr lang="en-US" sz="1350" dirty="0"/>
               <a:t>For the same optimal altitude, velocity, and flight path angle, any point on the red circle will produce an equivalent SRP trajectory so long as the heading points to the target </a:t>
             </a:r>
-            <a:endParaRPr lang="en-US" sz="1350" dirty="0"/>
           </a:p>
         </p:txBody>
       </p:sp>
@@ -8589,273 +8704,6 @@
     <p:extLst>
       <p:ext uri="{BB962C8B-B14F-4D97-AF65-F5344CB8AC3E}">
         <p14:creationId xmlns:p14="http://schemas.microsoft.com/office/powerpoint/2010/main" val="738796558"/>
-      </p:ext>
-    </p:extLst>
-  </p:cSld>
-  <p:clrMapOvr>
-    <a:masterClrMapping/>
-  </p:clrMapOvr>
-</p:sld>
-</file>
-
-<file path=ppt/slides/slide21.xml><?xml version="1.0" encoding="utf-8"?>
-<p:sld xmlns:a="http://schemas.openxmlformats.org/drawingml/2006/main" xmlns:r="http://schemas.openxmlformats.org/officeDocument/2006/relationships" xmlns:p="http://schemas.openxmlformats.org/presentationml/2006/main">
-  <p:cSld>
-    <p:spTree>
-      <p:nvGrpSpPr>
-        <p:cNvPr id="1" name=""/>
-        <p:cNvGrpSpPr/>
-        <p:nvPr/>
-      </p:nvGrpSpPr>
-      <p:grpSpPr>
-        <a:xfrm>
-          <a:off x="0" y="0"/>
-          <a:ext cx="0" cy="0"/>
-          <a:chOff x="0" y="0"/>
-          <a:chExt cx="0" cy="0"/>
-        </a:xfrm>
-      </p:grpSpPr>
-      <p:sp>
-        <p:nvSpPr>
-          <p:cNvPr id="2" name="Title 1"/>
-          <p:cNvSpPr>
-            <a:spLocks noGrp="1"/>
-          </p:cNvSpPr>
-          <p:nvPr>
-            <p:ph type="title"/>
-          </p:nvPr>
-        </p:nvSpPr>
-        <p:spPr/>
-        <p:txBody>
-          <a:bodyPr/>
-          <a:lstStyle/>
-          <a:p>
-            <a:r>
-              <a:rPr lang="en-US" dirty="0" smtClean="0"/>
-              <a:t>Introduction</a:t>
-            </a:r>
-            <a:endParaRPr lang="en-US" dirty="0"/>
-          </a:p>
-        </p:txBody>
-      </p:sp>
-      <p:sp>
-        <p:nvSpPr>
-          <p:cNvPr id="3" name="Content Placeholder 2"/>
-          <p:cNvSpPr>
-            <a:spLocks noGrp="1"/>
-          </p:cNvSpPr>
-          <p:nvPr>
-            <p:ph idx="1"/>
-          </p:nvPr>
-        </p:nvSpPr>
-        <p:spPr/>
-        <p:txBody>
-          <a:bodyPr/>
-          <a:lstStyle/>
-          <a:p>
-            <a:r>
-              <a:rPr lang="en-US" dirty="0" smtClean="0"/>
-              <a:t>Future Mars missions will have challenging requirements that necessitate closed-loop entry guidance</a:t>
-            </a:r>
-          </a:p>
-          <a:p>
-            <a:r>
-              <a:rPr lang="en-US" dirty="0" smtClean="0"/>
-              <a:t>The ability to design a trajectory onboard increases autonomy and can be used in entry guidance</a:t>
-            </a:r>
-          </a:p>
-          <a:p>
-            <a:pPr lvl="1"/>
-            <a:r>
-              <a:rPr lang="en-US" dirty="0" smtClean="0"/>
-              <a:t>Trajectory generation can be used in reference tracking methods, or as the basis for a numerical predictor-corrector method via frequent design</a:t>
-            </a:r>
-          </a:p>
-          <a:p>
-            <a:r>
-              <a:rPr lang="en-US" dirty="0" smtClean="0"/>
-              <a:t>Generating an optimal trajectory onboard is difficult due to limited computing resources</a:t>
-            </a:r>
-          </a:p>
-          <a:p>
-            <a:endParaRPr lang="en-US" dirty="0" smtClean="0"/>
-          </a:p>
-          <a:p>
-            <a:endParaRPr lang="en-US" dirty="0"/>
-          </a:p>
-        </p:txBody>
-      </p:sp>
-      <p:sp>
-        <p:nvSpPr>
-          <p:cNvPr id="4" name="Date Placeholder 3"/>
-          <p:cNvSpPr>
-            <a:spLocks noGrp="1"/>
-          </p:cNvSpPr>
-          <p:nvPr>
-            <p:ph type="dt" sz="half" idx="10"/>
-          </p:nvPr>
-        </p:nvSpPr>
-        <p:spPr/>
-        <p:txBody>
-          <a:bodyPr/>
-          <a:lstStyle/>
-          <a:p>
-            <a:fld id="{2B95A4FC-FB7C-4AB5-B4A7-5F2CB3788E89}" type="datetime1">
-              <a:rPr lang="en-US" smtClean="0"/>
-              <a:t>11/30/2018</a:t>
-            </a:fld>
-            <a:endParaRPr lang="en-US"/>
-          </a:p>
-        </p:txBody>
-      </p:sp>
-    </p:spTree>
-    <p:extLst>
-      <p:ext uri="{BB962C8B-B14F-4D97-AF65-F5344CB8AC3E}">
-        <p14:creationId xmlns:p14="http://schemas.microsoft.com/office/powerpoint/2010/main" val="2368961217"/>
-      </p:ext>
-    </p:extLst>
-  </p:cSld>
-  <p:clrMapOvr>
-    <a:masterClrMapping/>
-  </p:clrMapOvr>
-  <p:timing>
-    <p:tnLst>
-      <p:par>
-        <p:cTn id="1" dur="indefinite" restart="never" nodeType="tmRoot"/>
-      </p:par>
-    </p:tnLst>
-  </p:timing>
-</p:sld>
-</file>
-
-<file path=ppt/slides/slide22.xml><?xml version="1.0" encoding="utf-8"?>
-<p:sld xmlns:a="http://schemas.openxmlformats.org/drawingml/2006/main" xmlns:r="http://schemas.openxmlformats.org/officeDocument/2006/relationships" xmlns:p="http://schemas.openxmlformats.org/presentationml/2006/main">
-  <p:cSld>
-    <p:spTree>
-      <p:nvGrpSpPr>
-        <p:cNvPr id="1" name=""/>
-        <p:cNvGrpSpPr/>
-        <p:nvPr/>
-      </p:nvGrpSpPr>
-      <p:grpSpPr>
-        <a:xfrm>
-          <a:off x="0" y="0"/>
-          <a:ext cx="0" cy="0"/>
-          <a:chOff x="0" y="0"/>
-          <a:chExt cx="0" cy="0"/>
-        </a:xfrm>
-      </p:grpSpPr>
-      <p:sp>
-        <p:nvSpPr>
-          <p:cNvPr id="2" name="Title 1"/>
-          <p:cNvSpPr>
-            <a:spLocks noGrp="1"/>
-          </p:cNvSpPr>
-          <p:nvPr>
-            <p:ph type="title"/>
-          </p:nvPr>
-        </p:nvSpPr>
-        <p:spPr/>
-        <p:txBody>
-          <a:bodyPr/>
-          <a:lstStyle/>
-          <a:p>
-            <a:r>
-              <a:rPr lang="en-US" dirty="0" smtClean="0"/>
-              <a:t>Entry Trajectory Updating</a:t>
-            </a:r>
-            <a:endParaRPr lang="en-US" dirty="0"/>
-          </a:p>
-        </p:txBody>
-      </p:sp>
-      <p:sp>
-        <p:nvSpPr>
-          <p:cNvPr id="3" name="Content Placeholder 2"/>
-          <p:cNvSpPr>
-            <a:spLocks noGrp="1"/>
-          </p:cNvSpPr>
-          <p:nvPr>
-            <p:ph idx="1"/>
-          </p:nvPr>
-        </p:nvSpPr>
-        <p:spPr>
-          <a:xfrm>
-            <a:off x="628650" y="1792119"/>
-            <a:ext cx="8361346" cy="5561582"/>
-          </a:xfrm>
-        </p:spPr>
-        <p:txBody>
-          <a:bodyPr/>
-          <a:lstStyle/>
-          <a:p>
-            <a:r>
-              <a:rPr lang="en-US" dirty="0" smtClean="0"/>
-              <a:t>The vehicle enters the atmosphere with a trajectory designed that will deliver it to the target under nominal conditions </a:t>
-            </a:r>
-          </a:p>
-          <a:p>
-            <a:r>
-              <a:rPr lang="en-US" dirty="0"/>
-              <a:t>Under off-nominal conditions, the vehicle will deviate from the trajectory that was planned, </a:t>
-            </a:r>
-            <a:r>
-              <a:rPr lang="en-US" dirty="0" smtClean="0"/>
-              <a:t>sometimes even </a:t>
-            </a:r>
-            <a:r>
-              <a:rPr lang="en-US" dirty="0"/>
-              <a:t>with the aid of </a:t>
-            </a:r>
-            <a:r>
-              <a:rPr lang="en-US" dirty="0" smtClean="0"/>
-              <a:t>closed-loop guidance </a:t>
-            </a:r>
-          </a:p>
-          <a:p>
-            <a:pPr lvl="1"/>
-            <a:r>
-              <a:rPr lang="en-US" dirty="0" smtClean="0"/>
-              <a:t>Vehicle may arrive at the target under poor conditions (e.g. outside of parachute deployment conditions) or may violate important path constraints </a:t>
-            </a:r>
-          </a:p>
-          <a:p>
-            <a:r>
-              <a:rPr lang="en-US" dirty="0" smtClean="0"/>
-              <a:t>Goal: use current estimated vehicle state and redesign a path to the target while satisfying constraints (e.g. parachute deploy conditions, path constraints)</a:t>
-            </a:r>
-          </a:p>
-          <a:p>
-            <a:endParaRPr lang="en-US" dirty="0" smtClean="0"/>
-          </a:p>
-        </p:txBody>
-      </p:sp>
-      <p:sp>
-        <p:nvSpPr>
-          <p:cNvPr id="4" name="Date Placeholder 3"/>
-          <p:cNvSpPr>
-            <a:spLocks noGrp="1"/>
-          </p:cNvSpPr>
-          <p:nvPr>
-            <p:ph type="dt" sz="half" idx="10"/>
-          </p:nvPr>
-        </p:nvSpPr>
-        <p:spPr/>
-        <p:txBody>
-          <a:bodyPr/>
-          <a:lstStyle/>
-          <a:p>
-            <a:fld id="{63A7C39B-4337-4284-8FCA-2CFCA1AD45E4}" type="datetime1">
-              <a:rPr lang="en-US" smtClean="0"/>
-              <a:t>11/30/2018</a:t>
-            </a:fld>
-            <a:endParaRPr lang="en-US"/>
-          </a:p>
-        </p:txBody>
-      </p:sp>
-    </p:spTree>
-    <p:extLst>
-      <p:ext uri="{BB962C8B-B14F-4D97-AF65-F5344CB8AC3E}">
-        <p14:creationId xmlns:p14="http://schemas.microsoft.com/office/powerpoint/2010/main" val="1411460258"/>
       </p:ext>
     </p:extLst>
   </p:cSld>
@@ -8892,19 +8740,14 @@
             <p:ph type="title"/>
           </p:nvPr>
         </p:nvSpPr>
-        <p:spPr>
-          <a:xfrm>
-            <a:off x="628650" y="1079157"/>
-            <a:ext cx="7886700" cy="853160"/>
-          </a:xfrm>
-        </p:spPr>
-        <p:txBody>
-          <a:bodyPr/>
-          <a:lstStyle/>
-          <a:p>
-            <a:r>
-              <a:rPr lang="en-US" dirty="0" smtClean="0"/>
-              <a:t>Proposed Approach</a:t>
+        <p:spPr/>
+        <p:txBody>
+          <a:bodyPr/>
+          <a:lstStyle/>
+          <a:p>
+            <a:r>
+              <a:rPr lang="en-US" dirty="0" smtClean="0"/>
+              <a:t>Introduction</a:t>
             </a:r>
             <a:endParaRPr lang="en-US" dirty="0"/>
           </a:p>
@@ -8920,108 +8763,40 @@
             <p:ph idx="1"/>
           </p:nvPr>
         </p:nvSpPr>
-        <p:spPr>
-          <a:xfrm>
-            <a:off x="628650" y="1916153"/>
-            <a:ext cx="7886700" cy="4792655"/>
-          </a:xfrm>
-        </p:spPr>
-        <p:txBody>
-          <a:bodyPr/>
-          <a:lstStyle/>
-          <a:p>
-            <a:r>
-              <a:rPr lang="en-US" sz="2400" dirty="0" smtClean="0"/>
-              <a:t>Trajectory update is posed an optimal control problem</a:t>
+        <p:spPr/>
+        <p:txBody>
+          <a:bodyPr/>
+          <a:lstStyle/>
+          <a:p>
+            <a:r>
+              <a:rPr lang="en-US" dirty="0" smtClean="0"/>
+              <a:t>Future Mars missions will have challenging requirements that necessitate closed-loop entry guidance</a:t>
+            </a:r>
+          </a:p>
+          <a:p>
+            <a:r>
+              <a:rPr lang="en-US" dirty="0" smtClean="0"/>
+              <a:t>The ability to design a trajectory onboard increases autonomy and can be used in entry guidance</a:t>
             </a:r>
           </a:p>
           <a:p>
             <a:pPr lvl="1"/>
             <a:r>
-              <a:rPr lang="en-US" sz="2000" dirty="0" smtClean="0"/>
-              <a:t>Objective is to minimize distance to original trajectory while satisfying constraints </a:t>
-            </a:r>
-          </a:p>
-          <a:p>
-            <a:r>
-              <a:rPr lang="en-US" sz="2400" dirty="0" smtClean="0"/>
-              <a:t>Use energy as independent variable </a:t>
-            </a:r>
-          </a:p>
-          <a:p>
-            <a:r>
-              <a:rPr lang="en-US" sz="2400" dirty="0" err="1" smtClean="0"/>
-              <a:t>Convexify</a:t>
-            </a:r>
-            <a:r>
-              <a:rPr lang="en-US" sz="2400" dirty="0" smtClean="0"/>
-              <a:t> </a:t>
-            </a:r>
-          </a:p>
-          <a:p>
-            <a:pPr lvl="1"/>
-            <a:r>
-              <a:rPr lang="en-US" sz="2000" dirty="0" smtClean="0"/>
-              <a:t>Treat bank angle as additional state, use bank rate as the control variable</a:t>
-            </a:r>
-          </a:p>
-          <a:p>
-            <a:pPr lvl="1"/>
-            <a:r>
-              <a:rPr lang="en-US" sz="2000" dirty="0" smtClean="0"/>
-              <a:t>Linearize the equations of motion </a:t>
-            </a:r>
-          </a:p>
-          <a:p>
-            <a:pPr lvl="1"/>
-            <a:r>
-              <a:rPr lang="en-US" sz="2000" dirty="0" smtClean="0"/>
-              <a:t>Unlike powered descent case, </a:t>
-            </a:r>
-            <a:r>
-              <a:rPr lang="en-US" sz="2000" dirty="0" err="1" smtClean="0"/>
-              <a:t>convexification</a:t>
-            </a:r>
-            <a:r>
-              <a:rPr lang="en-US" sz="2000" dirty="0" smtClean="0"/>
-              <a:t> is not lossless </a:t>
-            </a:r>
-          </a:p>
-          <a:p>
-            <a:r>
-              <a:rPr lang="en-US" sz="2400" dirty="0" smtClean="0"/>
-              <a:t>Discretize (or transcribe) into second-order cone program</a:t>
-            </a:r>
-          </a:p>
-          <a:p>
-            <a:pPr lvl="1"/>
-            <a:r>
-              <a:rPr lang="en-US" sz="2000" dirty="0" err="1" smtClean="0"/>
-              <a:t>Chebyshev</a:t>
-            </a:r>
-            <a:r>
-              <a:rPr lang="en-US" sz="2000" dirty="0" smtClean="0"/>
-              <a:t> </a:t>
-            </a:r>
-            <a:r>
-              <a:rPr lang="en-US" sz="2000" dirty="0" err="1"/>
-              <a:t>p</a:t>
-            </a:r>
-            <a:r>
-              <a:rPr lang="en-US" sz="2000" dirty="0" err="1" smtClean="0"/>
-              <a:t>seudospectral</a:t>
-            </a:r>
-            <a:r>
-              <a:rPr lang="en-US" sz="2000" dirty="0" smtClean="0"/>
-              <a:t> method </a:t>
-            </a:r>
-          </a:p>
-          <a:p>
-            <a:r>
-              <a:rPr lang="en-US" sz="2400" dirty="0" smtClean="0"/>
-              <a:t>Solve the resulting SOCP using efficient interior-point solver</a:t>
-            </a:r>
-            <a:endParaRPr lang="en-US" sz="2400" dirty="0"/>
+              <a:rPr lang="en-US" dirty="0" smtClean="0"/>
+              <a:t>Trajectory generation can be used in reference tracking methods, or as the basis for a numerical predictor-corrector method via frequent design</a:t>
+            </a:r>
+          </a:p>
+          <a:p>
+            <a:r>
+              <a:rPr lang="en-US" dirty="0" smtClean="0"/>
+              <a:t>Generating an optimal trajectory onboard is difficult due to limited computing resources</a:t>
+            </a:r>
+          </a:p>
+          <a:p>
+            <a:endParaRPr lang="en-US" dirty="0" smtClean="0"/>
+          </a:p>
+          <a:p>
+            <a:endParaRPr lang="en-US" dirty="0"/>
           </a:p>
         </p:txBody>
       </p:sp>
@@ -9040,9 +8815,9 @@
           <a:bodyPr/>
           <a:lstStyle/>
           <a:p>
-            <a:fld id="{CB9C015D-D165-4AE2-B291-D92CBC321699}" type="datetime1">
+            <a:fld id="{2B95A4FC-FB7C-4AB5-B4A7-5F2CB3788E89}" type="datetime1">
               <a:rPr lang="en-US" smtClean="0"/>
-              <a:t>11/30/2018</a:t>
+              <a:t>12/1/2018</a:t>
             </a:fld>
             <a:endParaRPr lang="en-US"/>
           </a:p>
@@ -9051,13 +8826,20 @@
     </p:spTree>
     <p:extLst>
       <p:ext uri="{BB962C8B-B14F-4D97-AF65-F5344CB8AC3E}">
-        <p14:creationId xmlns:p14="http://schemas.microsoft.com/office/powerpoint/2010/main" val="3047953510"/>
+        <p14:creationId xmlns:p14="http://schemas.microsoft.com/office/powerpoint/2010/main" val="2368961217"/>
       </p:ext>
     </p:extLst>
   </p:cSld>
   <p:clrMapOvr>
     <a:masterClrMapping/>
   </p:clrMapOvr>
+  <p:timing>
+    <p:tnLst>
+      <p:par>
+        <p:cTn id="1" dur="indefinite" restart="never" nodeType="tmRoot"/>
+      </p:par>
+    </p:tnLst>
+  </p:timing>
 </p:sld>
 </file>
 
@@ -9095,6 +8877,339 @@
           <a:p>
             <a:r>
               <a:rPr lang="en-US" dirty="0" smtClean="0"/>
+              <a:t>Entry Trajectory Updating</a:t>
+            </a:r>
+            <a:endParaRPr lang="en-US" dirty="0"/>
+          </a:p>
+        </p:txBody>
+      </p:sp>
+      <p:sp>
+        <p:nvSpPr>
+          <p:cNvPr id="3" name="Content Placeholder 2"/>
+          <p:cNvSpPr>
+            <a:spLocks noGrp="1"/>
+          </p:cNvSpPr>
+          <p:nvPr>
+            <p:ph idx="1"/>
+          </p:nvPr>
+        </p:nvSpPr>
+        <p:spPr>
+          <a:xfrm>
+            <a:off x="628650" y="1792119"/>
+            <a:ext cx="8361346" cy="5561582"/>
+          </a:xfrm>
+        </p:spPr>
+        <p:txBody>
+          <a:bodyPr/>
+          <a:lstStyle/>
+          <a:p>
+            <a:r>
+              <a:rPr lang="en-US" dirty="0" smtClean="0"/>
+              <a:t>The vehicle enters the atmosphere with a trajectory designed that will deliver it to the target under nominal conditions </a:t>
+            </a:r>
+          </a:p>
+          <a:p>
+            <a:r>
+              <a:rPr lang="en-US" dirty="0"/>
+              <a:t>Under off-nominal conditions, the vehicle will deviate from the trajectory that was planned, </a:t>
+            </a:r>
+            <a:r>
+              <a:rPr lang="en-US" dirty="0" smtClean="0"/>
+              <a:t>sometimes even </a:t>
+            </a:r>
+            <a:r>
+              <a:rPr lang="en-US" dirty="0"/>
+              <a:t>with the aid of </a:t>
+            </a:r>
+            <a:r>
+              <a:rPr lang="en-US" dirty="0" smtClean="0"/>
+              <a:t>closed-loop guidance </a:t>
+            </a:r>
+          </a:p>
+          <a:p>
+            <a:pPr lvl="1"/>
+            <a:r>
+              <a:rPr lang="en-US" dirty="0" smtClean="0"/>
+              <a:t>Vehicle may arrive at the target under poor conditions (e.g. outside of parachute deployment conditions) or may violate important path constraints </a:t>
+            </a:r>
+          </a:p>
+          <a:p>
+            <a:r>
+              <a:rPr lang="en-US" dirty="0" smtClean="0"/>
+              <a:t>Goal: use current estimated vehicle state and redesign a path to the target while satisfying constraints (e.g. parachute deploy conditions, path constraints)</a:t>
+            </a:r>
+          </a:p>
+          <a:p>
+            <a:endParaRPr lang="en-US" dirty="0" smtClean="0"/>
+          </a:p>
+        </p:txBody>
+      </p:sp>
+      <p:sp>
+        <p:nvSpPr>
+          <p:cNvPr id="4" name="Date Placeholder 3"/>
+          <p:cNvSpPr>
+            <a:spLocks noGrp="1"/>
+          </p:cNvSpPr>
+          <p:nvPr>
+            <p:ph type="dt" sz="half" idx="10"/>
+          </p:nvPr>
+        </p:nvSpPr>
+        <p:spPr/>
+        <p:txBody>
+          <a:bodyPr/>
+          <a:lstStyle/>
+          <a:p>
+            <a:fld id="{63A7C39B-4337-4284-8FCA-2CFCA1AD45E4}" type="datetime1">
+              <a:rPr lang="en-US" smtClean="0"/>
+              <a:t>12/1/2018</a:t>
+            </a:fld>
+            <a:endParaRPr lang="en-US"/>
+          </a:p>
+        </p:txBody>
+      </p:sp>
+    </p:spTree>
+    <p:extLst>
+      <p:ext uri="{BB962C8B-B14F-4D97-AF65-F5344CB8AC3E}">
+        <p14:creationId xmlns:p14="http://schemas.microsoft.com/office/powerpoint/2010/main" val="1411460258"/>
+      </p:ext>
+    </p:extLst>
+  </p:cSld>
+  <p:clrMapOvr>
+    <a:masterClrMapping/>
+  </p:clrMapOvr>
+</p:sld>
+</file>
+
+<file path=ppt/slides/slide25.xml><?xml version="1.0" encoding="utf-8"?>
+<p:sld xmlns:a="http://schemas.openxmlformats.org/drawingml/2006/main" xmlns:r="http://schemas.openxmlformats.org/officeDocument/2006/relationships" xmlns:p="http://schemas.openxmlformats.org/presentationml/2006/main">
+  <p:cSld>
+    <p:spTree>
+      <p:nvGrpSpPr>
+        <p:cNvPr id="1" name=""/>
+        <p:cNvGrpSpPr/>
+        <p:nvPr/>
+      </p:nvGrpSpPr>
+      <p:grpSpPr>
+        <a:xfrm>
+          <a:off x="0" y="0"/>
+          <a:ext cx="0" cy="0"/>
+          <a:chOff x="0" y="0"/>
+          <a:chExt cx="0" cy="0"/>
+        </a:xfrm>
+      </p:grpSpPr>
+      <p:sp>
+        <p:nvSpPr>
+          <p:cNvPr id="2" name="Title 1"/>
+          <p:cNvSpPr>
+            <a:spLocks noGrp="1"/>
+          </p:cNvSpPr>
+          <p:nvPr>
+            <p:ph type="title"/>
+          </p:nvPr>
+        </p:nvSpPr>
+        <p:spPr>
+          <a:xfrm>
+            <a:off x="628650" y="1079157"/>
+            <a:ext cx="7886700" cy="853160"/>
+          </a:xfrm>
+        </p:spPr>
+        <p:txBody>
+          <a:bodyPr/>
+          <a:lstStyle/>
+          <a:p>
+            <a:r>
+              <a:rPr lang="en-US" dirty="0" smtClean="0"/>
+              <a:t>Proposed Approach</a:t>
+            </a:r>
+            <a:endParaRPr lang="en-US" dirty="0"/>
+          </a:p>
+        </p:txBody>
+      </p:sp>
+      <p:sp>
+        <p:nvSpPr>
+          <p:cNvPr id="3" name="Content Placeholder 2"/>
+          <p:cNvSpPr>
+            <a:spLocks noGrp="1"/>
+          </p:cNvSpPr>
+          <p:nvPr>
+            <p:ph idx="1"/>
+          </p:nvPr>
+        </p:nvSpPr>
+        <p:spPr>
+          <a:xfrm>
+            <a:off x="628650" y="1916153"/>
+            <a:ext cx="7886700" cy="4792655"/>
+          </a:xfrm>
+        </p:spPr>
+        <p:txBody>
+          <a:bodyPr/>
+          <a:lstStyle/>
+          <a:p>
+            <a:r>
+              <a:rPr lang="en-US" sz="2400" dirty="0" smtClean="0"/>
+              <a:t>Trajectory update is posed an optimal control problem</a:t>
+            </a:r>
+          </a:p>
+          <a:p>
+            <a:pPr lvl="1"/>
+            <a:r>
+              <a:rPr lang="en-US" sz="2000" dirty="0" smtClean="0"/>
+              <a:t>Objective is to minimize distance to original trajectory while satisfying constraints </a:t>
+            </a:r>
+          </a:p>
+          <a:p>
+            <a:r>
+              <a:rPr lang="en-US" sz="2400" dirty="0" smtClean="0"/>
+              <a:t>Use energy as independent variable </a:t>
+            </a:r>
+          </a:p>
+          <a:p>
+            <a:r>
+              <a:rPr lang="en-US" sz="2400" dirty="0" err="1" smtClean="0"/>
+              <a:t>Convexify</a:t>
+            </a:r>
+            <a:r>
+              <a:rPr lang="en-US" sz="2400" dirty="0" smtClean="0"/>
+              <a:t> </a:t>
+            </a:r>
+          </a:p>
+          <a:p>
+            <a:pPr lvl="1"/>
+            <a:r>
+              <a:rPr lang="en-US" sz="2000" dirty="0" smtClean="0"/>
+              <a:t>Treat bank angle as additional state, use bank rate as the control variable</a:t>
+            </a:r>
+          </a:p>
+          <a:p>
+            <a:pPr lvl="1"/>
+            <a:r>
+              <a:rPr lang="en-US" sz="2000" dirty="0" smtClean="0"/>
+              <a:t>Linearize the equations of motion </a:t>
+            </a:r>
+          </a:p>
+          <a:p>
+            <a:pPr lvl="1"/>
+            <a:r>
+              <a:rPr lang="en-US" sz="2000" dirty="0" smtClean="0"/>
+              <a:t>Unlike powered descent case, </a:t>
+            </a:r>
+            <a:r>
+              <a:rPr lang="en-US" sz="2000" dirty="0" err="1" smtClean="0"/>
+              <a:t>convexification</a:t>
+            </a:r>
+            <a:r>
+              <a:rPr lang="en-US" sz="2000" dirty="0" smtClean="0"/>
+              <a:t> is not lossless </a:t>
+            </a:r>
+          </a:p>
+          <a:p>
+            <a:r>
+              <a:rPr lang="en-US" sz="2400" dirty="0" smtClean="0"/>
+              <a:t>Discretize (or transcribe) into second-order cone program</a:t>
+            </a:r>
+          </a:p>
+          <a:p>
+            <a:pPr lvl="1"/>
+            <a:r>
+              <a:rPr lang="en-US" sz="2000" dirty="0" err="1" smtClean="0"/>
+              <a:t>Chebyshev</a:t>
+            </a:r>
+            <a:r>
+              <a:rPr lang="en-US" sz="2000" dirty="0" smtClean="0"/>
+              <a:t> </a:t>
+            </a:r>
+            <a:r>
+              <a:rPr lang="en-US" sz="2000" dirty="0" err="1"/>
+              <a:t>p</a:t>
+            </a:r>
+            <a:r>
+              <a:rPr lang="en-US" sz="2000" dirty="0" err="1" smtClean="0"/>
+              <a:t>seudospectral</a:t>
+            </a:r>
+            <a:r>
+              <a:rPr lang="en-US" sz="2000" dirty="0" smtClean="0"/>
+              <a:t> method </a:t>
+            </a:r>
+          </a:p>
+          <a:p>
+            <a:r>
+              <a:rPr lang="en-US" sz="2400" dirty="0" smtClean="0"/>
+              <a:t>Solve the resulting SOCP using efficient interior-point solver</a:t>
+            </a:r>
+            <a:endParaRPr lang="en-US" sz="2400" dirty="0"/>
+          </a:p>
+        </p:txBody>
+      </p:sp>
+      <p:sp>
+        <p:nvSpPr>
+          <p:cNvPr id="4" name="Date Placeholder 3"/>
+          <p:cNvSpPr>
+            <a:spLocks noGrp="1"/>
+          </p:cNvSpPr>
+          <p:nvPr>
+            <p:ph type="dt" sz="half" idx="10"/>
+          </p:nvPr>
+        </p:nvSpPr>
+        <p:spPr/>
+        <p:txBody>
+          <a:bodyPr/>
+          <a:lstStyle/>
+          <a:p>
+            <a:fld id="{CB9C015D-D165-4AE2-B291-D92CBC321699}" type="datetime1">
+              <a:rPr lang="en-US" smtClean="0"/>
+              <a:t>12/1/2018</a:t>
+            </a:fld>
+            <a:endParaRPr lang="en-US"/>
+          </a:p>
+        </p:txBody>
+      </p:sp>
+    </p:spTree>
+    <p:extLst>
+      <p:ext uri="{BB962C8B-B14F-4D97-AF65-F5344CB8AC3E}">
+        <p14:creationId xmlns:p14="http://schemas.microsoft.com/office/powerpoint/2010/main" val="3047953510"/>
+      </p:ext>
+    </p:extLst>
+  </p:cSld>
+  <p:clrMapOvr>
+    <a:masterClrMapping/>
+  </p:clrMapOvr>
+</p:sld>
+</file>
+
+<file path=ppt/slides/slide26.xml><?xml version="1.0" encoding="utf-8"?>
+<p:sld xmlns:a="http://schemas.openxmlformats.org/drawingml/2006/main" xmlns:r="http://schemas.openxmlformats.org/officeDocument/2006/relationships" xmlns:p="http://schemas.openxmlformats.org/presentationml/2006/main">
+  <p:cSld>
+    <p:spTree>
+      <p:nvGrpSpPr>
+        <p:cNvPr id="1" name=""/>
+        <p:cNvGrpSpPr/>
+        <p:nvPr/>
+      </p:nvGrpSpPr>
+      <p:grpSpPr>
+        <a:xfrm>
+          <a:off x="0" y="0"/>
+          <a:ext cx="0" cy="0"/>
+          <a:chOff x="0" y="0"/>
+          <a:chExt cx="0" cy="0"/>
+        </a:xfrm>
+      </p:grpSpPr>
+      <p:sp>
+        <p:nvSpPr>
+          <p:cNvPr id="2" name="Title 1"/>
+          <p:cNvSpPr>
+            <a:spLocks noGrp="1"/>
+          </p:cNvSpPr>
+          <p:nvPr>
+            <p:ph type="title"/>
+          </p:nvPr>
+        </p:nvSpPr>
+        <p:spPr/>
+        <p:txBody>
+          <a:bodyPr/>
+          <a:lstStyle/>
+          <a:p>
+            <a:r>
+              <a:rPr lang="en-US" dirty="0" smtClean="0"/>
               <a:t>Convex Optimization </a:t>
             </a:r>
             <a:endParaRPr lang="en-US" dirty="0"/>
@@ -9171,7 +9286,7 @@
           <a:p>
             <a:fld id="{1B70D959-720B-40AD-A907-A3DAF7E49ADF}" type="datetime1">
               <a:rPr lang="en-US" smtClean="0"/>
-              <a:t>11/30/2018</a:t>
+              <a:t>12/1/2018</a:t>
             </a:fld>
             <a:endParaRPr lang="en-US"/>
           </a:p>
@@ -9190,7 +9305,7 @@
 </p:sld>
 </file>
 
-<file path=ppt/slides/slide25.xml><?xml version="1.0" encoding="utf-8"?>
+<file path=ppt/slides/slide27.xml><?xml version="1.0" encoding="utf-8"?>
 <p:sld xmlns:a="http://schemas.openxmlformats.org/drawingml/2006/main" xmlns:r="http://schemas.openxmlformats.org/officeDocument/2006/relationships" xmlns:p="http://schemas.openxmlformats.org/presentationml/2006/main">
   <p:cSld>
     <p:spTree>
@@ -9428,7 +9543,7 @@
           <a:p>
             <a:fld id="{63760E42-F9C3-4B21-BAE1-FC94C983BF94}" type="datetime1">
               <a:rPr lang="en-US" smtClean="0"/>
-              <a:t>11/30/2018</a:t>
+              <a:t>12/1/2018</a:t>
             </a:fld>
             <a:endParaRPr lang="en-US"/>
           </a:p>
@@ -9438,384 +9553,6 @@
     <p:extLst>
       <p:ext uri="{BB962C8B-B14F-4D97-AF65-F5344CB8AC3E}">
         <p14:creationId xmlns:p14="http://schemas.microsoft.com/office/powerpoint/2010/main" val="2507780609"/>
-      </p:ext>
-    </p:extLst>
-  </p:cSld>
-  <p:clrMapOvr>
-    <a:masterClrMapping/>
-  </p:clrMapOvr>
-</p:sld>
-</file>
-
-<file path=ppt/slides/slide26.xml><?xml version="1.0" encoding="utf-8"?>
-<p:sld xmlns:a="http://schemas.openxmlformats.org/drawingml/2006/main" xmlns:r="http://schemas.openxmlformats.org/officeDocument/2006/relationships" xmlns:p="http://schemas.openxmlformats.org/presentationml/2006/main">
-  <p:cSld>
-    <p:spTree>
-      <p:nvGrpSpPr>
-        <p:cNvPr id="1" name=""/>
-        <p:cNvGrpSpPr/>
-        <p:nvPr/>
-      </p:nvGrpSpPr>
-      <p:grpSpPr>
-        <a:xfrm>
-          <a:off x="0" y="0"/>
-          <a:ext cx="0" cy="0"/>
-          <a:chOff x="0" y="0"/>
-          <a:chExt cx="0" cy="0"/>
-        </a:xfrm>
-      </p:grpSpPr>
-      <p:sp>
-        <p:nvSpPr>
-          <p:cNvPr id="2" name="Title 1"/>
-          <p:cNvSpPr>
-            <a:spLocks noGrp="1"/>
-          </p:cNvSpPr>
-          <p:nvPr>
-            <p:ph type="title"/>
-          </p:nvPr>
-        </p:nvSpPr>
-        <p:spPr>
-          <a:xfrm>
-            <a:off x="628650" y="1061034"/>
-            <a:ext cx="7886700" cy="611532"/>
-          </a:xfrm>
-        </p:spPr>
-        <p:txBody>
-          <a:bodyPr/>
-          <a:lstStyle/>
-          <a:p>
-            <a:r>
-              <a:rPr lang="en-US" dirty="0" smtClean="0"/>
-              <a:t>Single Trajectory (Cont.)</a:t>
-            </a:r>
-            <a:endParaRPr lang="en-US" dirty="0"/>
-          </a:p>
-        </p:txBody>
-      </p:sp>
-      <p:sp>
-        <p:nvSpPr>
-          <p:cNvPr id="3" name="Content Placeholder 2"/>
-          <p:cNvSpPr>
-            <a:spLocks noGrp="1"/>
-          </p:cNvSpPr>
-          <p:nvPr>
-            <p:ph idx="1"/>
-          </p:nvPr>
-        </p:nvSpPr>
-        <p:spPr>
-          <a:xfrm>
-            <a:off x="314325" y="1957386"/>
-            <a:ext cx="8515350" cy="1418089"/>
-          </a:xfrm>
-        </p:spPr>
-        <p:txBody>
-          <a:bodyPr/>
-          <a:lstStyle/>
-          <a:p>
-            <a:r>
-              <a:rPr lang="en-US" sz="2400" dirty="0" smtClean="0"/>
-              <a:t>The initial trajectory was optimized for high altitude</a:t>
-            </a:r>
-          </a:p>
-          <a:p>
-            <a:r>
-              <a:rPr lang="en-US" sz="2400" dirty="0" smtClean="0"/>
-              <a:t>The updates retain aspects of the original trajectory, e.g., altitude performance remains excellent </a:t>
-            </a:r>
-            <a:endParaRPr lang="en-US" sz="2400" dirty="0"/>
-          </a:p>
-        </p:txBody>
-      </p:sp>
-      <p:pic>
-        <p:nvPicPr>
-          <p:cNvPr id="4" name="Picture 3"/>
-          <p:cNvPicPr>
-            <a:picLocks noChangeAspect="1"/>
-          </p:cNvPicPr>
-          <p:nvPr/>
-        </p:nvPicPr>
-        <p:blipFill>
-          <a:blip r:embed="rId3">
-            <a:extLst>
-              <a:ext uri="{28A0092B-C50C-407E-A947-70E740481C1C}">
-                <a14:useLocalDpi xmlns:a14="http://schemas.microsoft.com/office/drawing/2010/main" val="0"/>
-              </a:ext>
-            </a:extLst>
-          </a:blip>
-          <a:stretch>
-            <a:fillRect/>
-          </a:stretch>
-        </p:blipFill>
-        <p:spPr>
-          <a:xfrm>
-            <a:off x="3801980" y="3484527"/>
-            <a:ext cx="5216892" cy="3202776"/>
-          </a:xfrm>
-          <a:prstGeom prst="rect">
-            <a:avLst/>
-          </a:prstGeom>
-        </p:spPr>
-      </p:pic>
-      <p:sp>
-        <p:nvSpPr>
-          <p:cNvPr id="5" name="TextBox 4"/>
-          <p:cNvSpPr txBox="1"/>
-          <p:nvPr/>
-        </p:nvSpPr>
-        <p:spPr>
-          <a:xfrm>
-            <a:off x="4456500" y="5303519"/>
-            <a:ext cx="1212782" cy="738664"/>
-          </a:xfrm>
-          <a:prstGeom prst="rect">
-            <a:avLst/>
-          </a:prstGeom>
-          <a:noFill/>
-        </p:spPr>
-        <p:txBody>
-          <a:bodyPr wrap="square" rtlCol="0">
-            <a:spAutoFit/>
-          </a:bodyPr>
-          <a:lstStyle/>
-          <a:p>
-            <a:r>
-              <a:rPr lang="en-US" sz="1400" dirty="0" smtClean="0"/>
-              <a:t>Parachute deployment box</a:t>
-            </a:r>
-            <a:endParaRPr lang="en-US" sz="1400" dirty="0"/>
-          </a:p>
-        </p:txBody>
-      </p:sp>
-      <p:sp>
-        <p:nvSpPr>
-          <p:cNvPr id="6" name="TextBox 5"/>
-          <p:cNvSpPr txBox="1"/>
-          <p:nvPr/>
-        </p:nvSpPr>
-        <p:spPr>
-          <a:xfrm>
-            <a:off x="314325" y="3190877"/>
-            <a:ext cx="3583907" cy="1569660"/>
-          </a:xfrm>
-          <a:prstGeom prst="rect">
-            <a:avLst/>
-          </a:prstGeom>
-          <a:noFill/>
-        </p:spPr>
-        <p:txBody>
-          <a:bodyPr wrap="square" rtlCol="0">
-            <a:spAutoFit/>
-          </a:bodyPr>
-          <a:lstStyle/>
-          <a:p>
-            <a:pPr marL="285750" indent="-285750">
-              <a:buFont typeface="Arial" panose="020B0604020202020204" pitchFamily="34" charset="0"/>
-              <a:buChar char="•"/>
-            </a:pPr>
-            <a:r>
-              <a:rPr lang="en-US" sz="2400" dirty="0" smtClean="0"/>
-              <a:t>All trajectories end at the same energy level due to use of energy as independent variable </a:t>
-            </a:r>
-            <a:endParaRPr lang="en-US" sz="2400" dirty="0"/>
-          </a:p>
-        </p:txBody>
-      </p:sp>
-      <p:sp>
-        <p:nvSpPr>
-          <p:cNvPr id="7" name="Date Placeholder 6"/>
-          <p:cNvSpPr>
-            <a:spLocks noGrp="1"/>
-          </p:cNvSpPr>
-          <p:nvPr>
-            <p:ph type="dt" sz="half" idx="10"/>
-          </p:nvPr>
-        </p:nvSpPr>
-        <p:spPr/>
-        <p:txBody>
-          <a:bodyPr/>
-          <a:lstStyle/>
-          <a:p>
-            <a:fld id="{A1DF8AFB-F03D-4DDC-BB5A-C9EED9FBE463}" type="datetime1">
-              <a:rPr lang="en-US" smtClean="0"/>
-              <a:t>11/30/2018</a:t>
-            </a:fld>
-            <a:endParaRPr lang="en-US"/>
-          </a:p>
-        </p:txBody>
-      </p:sp>
-    </p:spTree>
-    <p:extLst>
-      <p:ext uri="{BB962C8B-B14F-4D97-AF65-F5344CB8AC3E}">
-        <p14:creationId xmlns:p14="http://schemas.microsoft.com/office/powerpoint/2010/main" val="860064350"/>
-      </p:ext>
-    </p:extLst>
-  </p:cSld>
-  <p:clrMapOvr>
-    <a:masterClrMapping/>
-  </p:clrMapOvr>
-</p:sld>
-</file>
-
-<file path=ppt/slides/slide27.xml><?xml version="1.0" encoding="utf-8"?>
-<p:sld xmlns:a="http://schemas.openxmlformats.org/drawingml/2006/main" xmlns:r="http://schemas.openxmlformats.org/officeDocument/2006/relationships" xmlns:p="http://schemas.openxmlformats.org/presentationml/2006/main">
-  <p:cSld>
-    <p:spTree>
-      <p:nvGrpSpPr>
-        <p:cNvPr id="1" name=""/>
-        <p:cNvGrpSpPr/>
-        <p:nvPr/>
-      </p:nvGrpSpPr>
-      <p:grpSpPr>
-        <a:xfrm>
-          <a:off x="0" y="0"/>
-          <a:ext cx="0" cy="0"/>
-          <a:chOff x="0" y="0"/>
-          <a:chExt cx="0" cy="0"/>
-        </a:xfrm>
-      </p:grpSpPr>
-      <p:sp>
-        <p:nvSpPr>
-          <p:cNvPr id="2" name="Title 1"/>
-          <p:cNvSpPr>
-            <a:spLocks noGrp="1"/>
-          </p:cNvSpPr>
-          <p:nvPr>
-            <p:ph type="title"/>
-          </p:nvPr>
-        </p:nvSpPr>
-        <p:spPr/>
-        <p:txBody>
-          <a:bodyPr/>
-          <a:lstStyle/>
-          <a:p>
-            <a:r>
-              <a:rPr lang="en-US" dirty="0" smtClean="0"/>
-              <a:t>Monte Carlo Simulation</a:t>
-            </a:r>
-            <a:endParaRPr lang="en-US" dirty="0"/>
-          </a:p>
-        </p:txBody>
-      </p:sp>
-      <p:sp>
-        <p:nvSpPr>
-          <p:cNvPr id="3" name="Content Placeholder 2"/>
-          <p:cNvSpPr>
-            <a:spLocks noGrp="1"/>
-          </p:cNvSpPr>
-          <p:nvPr>
-            <p:ph idx="1"/>
-          </p:nvPr>
-        </p:nvSpPr>
-        <p:spPr/>
-        <p:txBody>
-          <a:bodyPr/>
-          <a:lstStyle/>
-          <a:p>
-            <a:r>
-              <a:rPr lang="en-US" sz="2400" dirty="0" smtClean="0"/>
-              <a:t>Vehicle is nominally L/D = 0.24 with initial state subject to MSL-like dispersions</a:t>
-            </a:r>
-            <a:endParaRPr lang="en-US" sz="2400" dirty="0"/>
-          </a:p>
-          <a:p>
-            <a:r>
-              <a:rPr lang="en-US" sz="2400" dirty="0" err="1" smtClean="0"/>
-              <a:t>MarsGRAM</a:t>
-            </a:r>
-            <a:r>
-              <a:rPr lang="en-US" sz="2400" dirty="0" smtClean="0"/>
-              <a:t> is used for environment modeling</a:t>
-            </a:r>
-          </a:p>
-          <a:p>
-            <a:r>
-              <a:rPr lang="en-US" sz="2400" dirty="0" smtClean="0"/>
-              <a:t>Uncertainty is added to lift and drag coefficients</a:t>
-            </a:r>
-          </a:p>
-          <a:p>
-            <a:pPr lvl="1"/>
-            <a:r>
-              <a:rPr lang="en-US" sz="2000" dirty="0" smtClean="0"/>
-              <a:t>Gaussian with 3</a:t>
-            </a:r>
-            <a:r>
-              <a:rPr lang="el-GR" sz="2000" dirty="0" smtClean="0"/>
-              <a:t>σ</a:t>
-            </a:r>
-            <a:r>
-              <a:rPr lang="en-US" sz="2000" dirty="0" smtClean="0"/>
-              <a:t> = 10%</a:t>
-            </a:r>
-          </a:p>
-          <a:p>
-            <a:r>
-              <a:rPr lang="en-US" sz="2400" dirty="0" smtClean="0"/>
-              <a:t>Updates occurs at 10 second intervals and stops at 600 m/s </a:t>
-            </a:r>
-          </a:p>
-          <a:p>
-            <a:r>
-              <a:rPr lang="en-US" sz="2400" dirty="0" smtClean="0"/>
-              <a:t>Bank angle limited to ±90°, and bank rate limited to 20°/s</a:t>
-            </a:r>
-          </a:p>
-          <a:p>
-            <a:r>
-              <a:rPr lang="en-US" sz="2400" dirty="0" smtClean="0"/>
-              <a:t>200 samples chosen by </a:t>
-            </a:r>
-            <a:r>
-              <a:rPr lang="en-US" sz="2400" dirty="0" err="1" smtClean="0"/>
-              <a:t>Sobol</a:t>
-            </a:r>
-            <a:r>
-              <a:rPr lang="en-US" sz="2400" dirty="0" smtClean="0"/>
-              <a:t>’ sequence</a:t>
-            </a:r>
-          </a:p>
-          <a:p>
-            <a:r>
-              <a:rPr lang="en-US" sz="2400" dirty="0" smtClean="0"/>
-              <a:t>Trajectories terminate when they reach the correct downrange distance</a:t>
-            </a:r>
-          </a:p>
-          <a:p>
-            <a:pPr lvl="1"/>
-            <a:r>
-              <a:rPr lang="en-US" sz="2000" dirty="0" smtClean="0"/>
-              <a:t>Simple logic, but should expect variations in final altitude and velocity despite energy as independent variable  </a:t>
-            </a:r>
-          </a:p>
-        </p:txBody>
-      </p:sp>
-      <p:sp>
-        <p:nvSpPr>
-          <p:cNvPr id="4" name="Date Placeholder 3"/>
-          <p:cNvSpPr>
-            <a:spLocks noGrp="1"/>
-          </p:cNvSpPr>
-          <p:nvPr>
-            <p:ph type="dt" sz="half" idx="10"/>
-          </p:nvPr>
-        </p:nvSpPr>
-        <p:spPr/>
-        <p:txBody>
-          <a:bodyPr/>
-          <a:lstStyle/>
-          <a:p>
-            <a:fld id="{679CBB44-024B-49D9-BFBE-22296ADF2450}" type="datetime1">
-              <a:rPr lang="en-US" smtClean="0"/>
-              <a:t>11/30/2018</a:t>
-            </a:fld>
-            <a:endParaRPr lang="en-US"/>
-          </a:p>
-        </p:txBody>
-      </p:sp>
-    </p:spTree>
-    <p:extLst>
-      <p:ext uri="{BB962C8B-B14F-4D97-AF65-F5344CB8AC3E}">
-        <p14:creationId xmlns:p14="http://schemas.microsoft.com/office/powerpoint/2010/main" val="3505934654"/>
       </p:ext>
     </p:extLst>
   </p:cSld>
@@ -9852,18 +9589,19 @@
             <p:ph type="title"/>
           </p:nvPr>
         </p:nvSpPr>
-        <p:spPr/>
-        <p:txBody>
-          <a:bodyPr/>
-          <a:lstStyle/>
-          <a:p>
-            <a:r>
-              <a:rPr lang="en-US" dirty="0" smtClean="0"/>
-              <a:t>MCS Results - </a:t>
-            </a:r>
-            <a:r>
-              <a:rPr lang="en-US" dirty="0" err="1" smtClean="0"/>
-              <a:t>Groundtrack</a:t>
+        <p:spPr>
+          <a:xfrm>
+            <a:off x="628650" y="1061034"/>
+            <a:ext cx="7886700" cy="611532"/>
+          </a:xfrm>
+        </p:spPr>
+        <p:txBody>
+          <a:bodyPr/>
+          <a:lstStyle/>
+          <a:p>
+            <a:r>
+              <a:rPr lang="en-US" dirty="0" smtClean="0"/>
+              <a:t>Single Trajectory (Cont.)</a:t>
             </a:r>
             <a:endParaRPr lang="en-US" dirty="0"/>
           </a:p>
@@ -9881,8 +9619,8 @@
         </p:nvSpPr>
         <p:spPr>
           <a:xfrm>
-            <a:off x="628650" y="1777500"/>
-            <a:ext cx="7886700" cy="1398838"/>
+            <a:off x="314325" y="1957386"/>
+            <a:ext cx="8515350" cy="1418089"/>
           </a:xfrm>
         </p:spPr>
         <p:txBody>
@@ -9891,21 +9629,13 @@
           <a:p>
             <a:r>
               <a:rPr lang="en-US" sz="2400" dirty="0" smtClean="0"/>
-              <a:t>Excellent </a:t>
-            </a:r>
-            <a:r>
-              <a:rPr lang="en-US" sz="2400" dirty="0" err="1" smtClean="0"/>
-              <a:t>crossrange</a:t>
-            </a:r>
+              <a:t>The initial trajectory was optimized for high altitude</a:t>
+            </a:r>
+          </a:p>
+          <a:p>
             <a:r>
               <a:rPr lang="en-US" sz="2400" dirty="0" smtClean="0"/>
-              <a:t> performance due to coupled update to longitudinal and lateral channels </a:t>
-            </a:r>
-          </a:p>
-          <a:p>
-            <a:r>
-              <a:rPr lang="en-US" sz="2400" dirty="0" smtClean="0"/>
-              <a:t>Interestingly, a small number of samples even have an additional reversal</a:t>
+              <a:t>The updates retain aspects of the original trajectory, e.g., altitude performance remains excellent </a:t>
             </a:r>
             <a:endParaRPr lang="en-US" sz="2400" dirty="0"/>
           </a:p>
@@ -9913,7 +9643,7 @@
       </p:sp>
       <p:pic>
         <p:nvPicPr>
-          <p:cNvPr id="5" name="Picture 4"/>
+          <p:cNvPr id="4" name="Picture 3"/>
           <p:cNvPicPr>
             <a:picLocks noChangeAspect="1"/>
           </p:cNvPicPr>
@@ -9933,8 +9663,8 @@
         </p:blipFill>
         <p:spPr>
           <a:xfrm>
-            <a:off x="1600247" y="3272588"/>
-            <a:ext cx="5750999" cy="3498601"/>
+            <a:off x="3801980" y="3484527"/>
+            <a:ext cx="5216892" cy="3202776"/>
           </a:xfrm>
           <a:prstGeom prst="rect">
             <a:avLst/>
@@ -9943,7 +9673,71 @@
       </p:pic>
       <p:sp>
         <p:nvSpPr>
-          <p:cNvPr id="4" name="Date Placeholder 3"/>
+          <p:cNvPr id="5" name="TextBox 4"/>
+          <p:cNvSpPr txBox="1"/>
+          <p:nvPr/>
+        </p:nvSpPr>
+        <p:spPr>
+          <a:xfrm>
+            <a:off x="4456500" y="5303519"/>
+            <a:ext cx="1212782" cy="738664"/>
+          </a:xfrm>
+          <a:prstGeom prst="rect">
+            <a:avLst/>
+          </a:prstGeom>
+          <a:noFill/>
+        </p:spPr>
+        <p:txBody>
+          <a:bodyPr wrap="square" rtlCol="0">
+            <a:spAutoFit/>
+          </a:bodyPr>
+          <a:lstStyle/>
+          <a:p>
+            <a:r>
+              <a:rPr lang="en-US" sz="1400" dirty="0" smtClean="0"/>
+              <a:t>Parachute deployment box</a:t>
+            </a:r>
+            <a:endParaRPr lang="en-US" sz="1400" dirty="0"/>
+          </a:p>
+        </p:txBody>
+      </p:sp>
+      <p:sp>
+        <p:nvSpPr>
+          <p:cNvPr id="6" name="TextBox 5"/>
+          <p:cNvSpPr txBox="1"/>
+          <p:nvPr/>
+        </p:nvSpPr>
+        <p:spPr>
+          <a:xfrm>
+            <a:off x="314325" y="3190877"/>
+            <a:ext cx="3583907" cy="1569660"/>
+          </a:xfrm>
+          <a:prstGeom prst="rect">
+            <a:avLst/>
+          </a:prstGeom>
+          <a:noFill/>
+        </p:spPr>
+        <p:txBody>
+          <a:bodyPr wrap="square" rtlCol="0">
+            <a:spAutoFit/>
+          </a:bodyPr>
+          <a:lstStyle/>
+          <a:p>
+            <a:pPr marL="285750" indent="-285750">
+              <a:buFont typeface="Arial" panose="020B0604020202020204" pitchFamily="34" charset="0"/>
+              <a:buChar char="•"/>
+            </a:pPr>
+            <a:r>
+              <a:rPr lang="en-US" sz="2400" dirty="0" smtClean="0"/>
+              <a:t>All trajectories end at the same energy level due to use of energy as independent variable </a:t>
+            </a:r>
+            <a:endParaRPr lang="en-US" sz="2400" dirty="0"/>
+          </a:p>
+        </p:txBody>
+      </p:sp>
+      <p:sp>
+        <p:nvSpPr>
+          <p:cNvPr id="7" name="Date Placeholder 6"/>
           <p:cNvSpPr>
             <a:spLocks noGrp="1"/>
           </p:cNvSpPr>
@@ -9956,9 +9750,9 @@
           <a:bodyPr/>
           <a:lstStyle/>
           <a:p>
-            <a:fld id="{8BD01A7A-C5C0-478A-8BE6-564915217820}" type="datetime1">
+            <a:fld id="{A1DF8AFB-F03D-4DDC-BB5A-C9EED9FBE463}" type="datetime1">
               <a:rPr lang="en-US" smtClean="0"/>
-              <a:t>11/30/2018</a:t>
+              <a:t>12/1/2018</a:t>
             </a:fld>
             <a:endParaRPr lang="en-US"/>
           </a:p>
@@ -9967,7 +9761,7 @@
     </p:spTree>
     <p:extLst>
       <p:ext uri="{BB962C8B-B14F-4D97-AF65-F5344CB8AC3E}">
-        <p14:creationId xmlns:p14="http://schemas.microsoft.com/office/powerpoint/2010/main" val="1826672569"/>
+        <p14:creationId xmlns:p14="http://schemas.microsoft.com/office/powerpoint/2010/main" val="860064350"/>
       </p:ext>
     </p:extLst>
   </p:cSld>
@@ -10004,19 +9798,14 @@
             <p:ph type="title"/>
           </p:nvPr>
         </p:nvSpPr>
-        <p:spPr>
-          <a:xfrm>
-            <a:off x="628649" y="964938"/>
-            <a:ext cx="8370972" cy="611532"/>
-          </a:xfrm>
-        </p:spPr>
-        <p:txBody>
-          <a:bodyPr/>
-          <a:lstStyle/>
-          <a:p>
-            <a:r>
-              <a:rPr lang="en-US" dirty="0" smtClean="0"/>
-              <a:t>MCS Results – Altitude/Velocity</a:t>
+        <p:spPr/>
+        <p:txBody>
+          <a:bodyPr/>
+          <a:lstStyle/>
+          <a:p>
+            <a:r>
+              <a:rPr lang="en-US" dirty="0" smtClean="0"/>
+              <a:t>Monte Carlo Simulation</a:t>
             </a:r>
             <a:endParaRPr lang="en-US" dirty="0"/>
           </a:p>
@@ -10032,126 +9821,89 @@
             <p:ph idx="1"/>
           </p:nvPr>
         </p:nvSpPr>
-        <p:spPr>
-          <a:xfrm>
-            <a:off x="628649" y="1690690"/>
-            <a:ext cx="7886700" cy="1437522"/>
-          </a:xfrm>
-        </p:spPr>
+        <p:spPr/>
         <p:txBody>
           <a:bodyPr/>
           <a:lstStyle/>
           <a:p>
             <a:r>
               <a:rPr lang="en-US" sz="2400" dirty="0" smtClean="0"/>
-              <a:t>Although some trajectories exit the parachute deployment conditions, all but three pass through the box</a:t>
+              <a:t>Vehicle is nominally L/D = 0.24 with initial state subject to MSL-like dispersions</a:t>
+            </a:r>
+            <a:endParaRPr lang="en-US" sz="2400" dirty="0"/>
+          </a:p>
+          <a:p>
+            <a:r>
+              <a:rPr lang="en-US" sz="2400" dirty="0" err="1" smtClean="0"/>
+              <a:t>MarsGRAM</a:t>
+            </a:r>
+            <a:r>
+              <a:rPr lang="en-US" sz="2400" dirty="0" smtClean="0"/>
+              <a:t> is used for environment modeling</a:t>
+            </a:r>
+          </a:p>
+          <a:p>
+            <a:r>
+              <a:rPr lang="en-US" sz="2400" dirty="0" smtClean="0"/>
+              <a:t>Uncertainty is added to lift and drag coefficients</a:t>
             </a:r>
           </a:p>
           <a:p>
             <a:pPr lvl="1"/>
             <a:r>
               <a:rPr lang="en-US" sz="2000" dirty="0" smtClean="0"/>
-              <a:t>Solved by considering triggering logic that explicitly accounts for parachute conditions </a:t>
-            </a:r>
-          </a:p>
-          <a:p>
-            <a:pPr marL="0" indent="0">
-              <a:buNone/>
-            </a:pPr>
-            <a:endParaRPr lang="en-US" dirty="0"/>
-          </a:p>
-        </p:txBody>
-      </p:sp>
-      <p:pic>
-        <p:nvPicPr>
-          <p:cNvPr id="7" name="Picture 6"/>
-          <p:cNvPicPr>
-            <a:picLocks noChangeAspect="1"/>
-          </p:cNvPicPr>
-          <p:nvPr/>
-        </p:nvPicPr>
-        <p:blipFill>
-          <a:blip r:embed="rId2">
-            <a:extLst>
-              <a:ext uri="{28A0092B-C50C-407E-A947-70E740481C1C}">
-                <a14:useLocalDpi xmlns:a14="http://schemas.microsoft.com/office/drawing/2010/main" val="0"/>
-              </a:ext>
-            </a:extLst>
-          </a:blip>
-          <a:stretch>
-            <a:fillRect/>
-          </a:stretch>
-        </p:blipFill>
-        <p:spPr>
-          <a:xfrm>
-            <a:off x="6015308" y="3001647"/>
-            <a:ext cx="2984313" cy="1856906"/>
-          </a:xfrm>
-          <a:prstGeom prst="rect">
-            <a:avLst/>
-          </a:prstGeom>
-        </p:spPr>
-      </p:pic>
-      <p:pic>
-        <p:nvPicPr>
-          <p:cNvPr id="8" name="Picture 7"/>
-          <p:cNvPicPr>
-            <a:picLocks noChangeAspect="1"/>
-          </p:cNvPicPr>
-          <p:nvPr/>
-        </p:nvPicPr>
-        <p:blipFill>
-          <a:blip r:embed="rId3">
-            <a:extLst>
-              <a:ext uri="{28A0092B-C50C-407E-A947-70E740481C1C}">
-                <a14:useLocalDpi xmlns:a14="http://schemas.microsoft.com/office/drawing/2010/main" val="0"/>
-              </a:ext>
-            </a:extLst>
-          </a:blip>
-          <a:stretch>
-            <a:fillRect/>
-          </a:stretch>
-        </p:blipFill>
-        <p:spPr>
-          <a:xfrm>
-            <a:off x="6015308" y="4858553"/>
-            <a:ext cx="2984313" cy="1856905"/>
-          </a:xfrm>
-          <a:prstGeom prst="rect">
-            <a:avLst/>
-          </a:prstGeom>
-        </p:spPr>
-      </p:pic>
-      <p:pic>
-        <p:nvPicPr>
-          <p:cNvPr id="9" name="Picture 8"/>
-          <p:cNvPicPr>
-            <a:picLocks noChangeAspect="1"/>
-          </p:cNvPicPr>
-          <p:nvPr/>
-        </p:nvPicPr>
-        <p:blipFill>
-          <a:blip r:embed="rId4">
-            <a:extLst>
-              <a:ext uri="{28A0092B-C50C-407E-A947-70E740481C1C}">
-                <a14:useLocalDpi xmlns:a14="http://schemas.microsoft.com/office/drawing/2010/main" val="0"/>
-              </a:ext>
-            </a:extLst>
-          </a:blip>
-          <a:stretch>
-            <a:fillRect/>
-          </a:stretch>
-        </p:blipFill>
-        <p:spPr>
-          <a:xfrm>
-            <a:off x="198640" y="3128212"/>
-            <a:ext cx="5332396" cy="3273687"/>
-          </a:xfrm>
-          <a:prstGeom prst="rect">
-            <a:avLst/>
-          </a:prstGeom>
-        </p:spPr>
-      </p:pic>
+              <a:t>Gaussian with 3</a:t>
+            </a:r>
+            <a:r>
+              <a:rPr lang="el-GR" sz="2000" dirty="0" smtClean="0"/>
+              <a:t>σ</a:t>
+            </a:r>
+            <a:r>
+              <a:rPr lang="en-US" sz="2000" dirty="0" smtClean="0"/>
+              <a:t> = 10%</a:t>
+            </a:r>
+          </a:p>
+          <a:p>
+            <a:r>
+              <a:rPr lang="en-US" sz="2400" dirty="0" smtClean="0"/>
+              <a:t>Updates occurs at 10 second intervals and stops at 600 m/s </a:t>
+            </a:r>
+          </a:p>
+          <a:p>
+            <a:r>
+              <a:rPr lang="en-US" sz="2400" dirty="0" smtClean="0"/>
+              <a:t>Bank angle limited to ±90°, and bank rate limited to 20°/s</a:t>
+            </a:r>
+          </a:p>
+          <a:p>
+            <a:r>
+              <a:rPr lang="en-US" sz="2400" dirty="0" smtClean="0"/>
+              <a:t>200 samples chosen by </a:t>
+            </a:r>
+            <a:r>
+              <a:rPr lang="en-US" sz="2400" dirty="0" err="1" smtClean="0"/>
+              <a:t>Sobol</a:t>
+            </a:r>
+            <a:r>
+              <a:rPr lang="en-US" sz="2400" dirty="0" smtClean="0"/>
+              <a:t>’ sequence</a:t>
+            </a:r>
+          </a:p>
+          <a:p>
+            <a:r>
+              <a:rPr lang="en-US" sz="2400" dirty="0" smtClean="0"/>
+              <a:t>Trajectories terminate when they reach the correct downrange distance</a:t>
+            </a:r>
+          </a:p>
+          <a:p>
+            <a:pPr lvl="1"/>
+            <a:r>
+              <a:rPr lang="en-US" sz="2000" dirty="0" smtClean="0"/>
+              <a:t>Simple logic, but should expect variations in final altitude and velocity despite energy as independent variable  </a:t>
+            </a:r>
+          </a:p>
+        </p:txBody>
+      </p:sp>
       <p:sp>
         <p:nvSpPr>
           <p:cNvPr id="4" name="Date Placeholder 3"/>
@@ -10167,9 +9919,9 @@
           <a:bodyPr/>
           <a:lstStyle/>
           <a:p>
-            <a:fld id="{B92B01C8-369C-4ED9-9DA7-8545D43DBD83}" type="datetime1">
+            <a:fld id="{679CBB44-024B-49D9-BFBE-22296ADF2450}" type="datetime1">
               <a:rPr lang="en-US" smtClean="0"/>
-              <a:t>11/30/2018</a:t>
+              <a:t>12/1/2018</a:t>
             </a:fld>
             <a:endParaRPr lang="en-US"/>
           </a:p>
@@ -10178,7 +9930,7 @@
     </p:spTree>
     <p:extLst>
       <p:ext uri="{BB962C8B-B14F-4D97-AF65-F5344CB8AC3E}">
-        <p14:creationId xmlns:p14="http://schemas.microsoft.com/office/powerpoint/2010/main" val="303004292"/>
+        <p14:creationId xmlns:p14="http://schemas.microsoft.com/office/powerpoint/2010/main" val="3505934654"/>
       </p:ext>
     </p:extLst>
   </p:cSld>
@@ -10305,7 +10057,7 @@
           <a:p>
             <a:fld id="{E0514563-7F99-4AB4-938D-7B22B938DBF8}" type="datetime1">
               <a:rPr lang="en-US" smtClean="0"/>
-              <a:t>11/30/2018</a:t>
+              <a:t>12/1/2018</a:t>
             </a:fld>
             <a:endParaRPr lang="en-US"/>
           </a:p>
@@ -10358,7 +10110,11 @@
           <a:p>
             <a:r>
               <a:rPr lang="en-US" dirty="0" smtClean="0"/>
-              <a:t>MCS Results – Bank Profiles </a:t>
+              <a:t>MCS Results - </a:t>
+            </a:r>
+            <a:r>
+              <a:rPr lang="en-US" dirty="0" err="1" smtClean="0"/>
+              <a:t>Groundtrack</a:t>
             </a:r>
             <a:endParaRPr lang="en-US" dirty="0"/>
           </a:p>
@@ -10366,7 +10122,7 @@
       </p:sp>
       <p:sp>
         <p:nvSpPr>
-          <p:cNvPr id="5" name="Content Placeholder 4"/>
+          <p:cNvPr id="3" name="Content Placeholder 2"/>
           <p:cNvSpPr>
             <a:spLocks noGrp="1"/>
           </p:cNvSpPr>
@@ -10376,48 +10132,46 @@
         </p:nvSpPr>
         <p:spPr>
           <a:xfrm>
-            <a:off x="628650" y="1825625"/>
-            <a:ext cx="8245843" cy="1244834"/>
-          </a:xfrm>
-        </p:spPr>
-        <p:txBody>
-          <a:bodyPr/>
-          <a:lstStyle/>
-          <a:p>
-            <a:r>
-              <a:rPr lang="en-US" dirty="0" smtClean="0"/>
-              <a:t>Largest difference is in the timing of bank reversals</a:t>
-            </a:r>
-          </a:p>
-          <a:p>
-            <a:pPr lvl="0"/>
-            <a:r>
-              <a:rPr lang="en-US" dirty="0">
-                <a:solidFill>
-                  <a:prstClr val="black"/>
-                </a:solidFill>
-              </a:rPr>
-              <a:t>Bank angle (and trajectory in general) deviates from the original trajectory most at the end</a:t>
-            </a:r>
-          </a:p>
-          <a:p>
-            <a:endParaRPr lang="en-US" dirty="0" smtClean="0"/>
-          </a:p>
-          <a:p>
-            <a:endParaRPr lang="en-US" dirty="0"/>
+            <a:off x="628650" y="1777500"/>
+            <a:ext cx="7886700" cy="1398838"/>
+          </a:xfrm>
+        </p:spPr>
+        <p:txBody>
+          <a:bodyPr/>
+          <a:lstStyle/>
+          <a:p>
+            <a:r>
+              <a:rPr lang="en-US" sz="2400" dirty="0" smtClean="0"/>
+              <a:t>Excellent </a:t>
+            </a:r>
+            <a:r>
+              <a:rPr lang="en-US" sz="2400" dirty="0" err="1" smtClean="0"/>
+              <a:t>crossrange</a:t>
+            </a:r>
+            <a:r>
+              <a:rPr lang="en-US" sz="2400" dirty="0" smtClean="0"/>
+              <a:t> performance due to coupled update to longitudinal and lateral channels </a:t>
+            </a:r>
+          </a:p>
+          <a:p>
+            <a:r>
+              <a:rPr lang="en-US" sz="2400" dirty="0" smtClean="0"/>
+              <a:t>Interestingly, a small number of samples even have an additional reversal</a:t>
+            </a:r>
+            <a:endParaRPr lang="en-US" sz="2400" dirty="0"/>
           </a:p>
         </p:txBody>
       </p:sp>
       <p:pic>
         <p:nvPicPr>
-          <p:cNvPr id="6" name="Picture 5"/>
+          <p:cNvPr id="5" name="Picture 4"/>
           <p:cNvPicPr>
             <a:picLocks noChangeAspect="1"/>
           </p:cNvPicPr>
           <p:nvPr/>
         </p:nvPicPr>
         <p:blipFill>
-          <a:blip r:embed="rId2">
+          <a:blip r:embed="rId3">
             <a:extLst>
               <a:ext uri="{28A0092B-C50C-407E-A947-70E740481C1C}">
                 <a14:useLocalDpi xmlns:a14="http://schemas.microsoft.com/office/drawing/2010/main" val="0"/>
@@ -10430,8 +10184,8 @@
         </p:blipFill>
         <p:spPr>
           <a:xfrm>
-            <a:off x="259880" y="3197993"/>
-            <a:ext cx="5813843" cy="3488306"/>
+            <a:off x="1600247" y="3272588"/>
+            <a:ext cx="5750999" cy="3498601"/>
           </a:xfrm>
           <a:prstGeom prst="rect">
             <a:avLst/>
@@ -10440,75 +10194,7 @@
       </p:pic>
       <p:sp>
         <p:nvSpPr>
-          <p:cNvPr id="7" name="TextBox 6"/>
-          <p:cNvSpPr txBox="1"/>
-          <p:nvPr/>
-        </p:nvSpPr>
-        <p:spPr>
-          <a:xfrm>
-            <a:off x="5861784" y="3395901"/>
-            <a:ext cx="3205214" cy="2363724"/>
-          </a:xfrm>
-          <a:prstGeom prst="rect">
-            <a:avLst/>
-          </a:prstGeom>
-          <a:noFill/>
-        </p:spPr>
-        <p:txBody>
-          <a:bodyPr wrap="square" rtlCol="0">
-            <a:spAutoFit/>
-          </a:bodyPr>
-          <a:lstStyle/>
-          <a:p>
-            <a:pPr lvl="1">
-              <a:lnSpc>
-                <a:spcPct val="90000"/>
-              </a:lnSpc>
-              <a:spcBef>
-                <a:spcPts val="500"/>
-              </a:spcBef>
-            </a:pPr>
-            <a:r>
-              <a:rPr lang="en-US" sz="2400" dirty="0" smtClean="0">
-                <a:solidFill>
-                  <a:prstClr val="black"/>
-                </a:solidFill>
-              </a:rPr>
-              <a:t>This </a:t>
-            </a:r>
-            <a:r>
-              <a:rPr lang="en-US" sz="2400" dirty="0">
-                <a:solidFill>
-                  <a:prstClr val="black"/>
-                </a:solidFill>
-              </a:rPr>
-              <a:t>is expected because </a:t>
-            </a:r>
-            <a:r>
-              <a:rPr lang="en-US" sz="2400" dirty="0" smtClean="0">
-                <a:solidFill>
-                  <a:prstClr val="black"/>
-                </a:solidFill>
-              </a:rPr>
-              <a:t>the later portion of trajectory is updated the greatest number </a:t>
-            </a:r>
-            <a:r>
-              <a:rPr lang="en-US" sz="2400" dirty="0">
-                <a:solidFill>
-                  <a:prstClr val="black"/>
-                </a:solidFill>
-              </a:rPr>
-              <a:t>of times </a:t>
-            </a:r>
-          </a:p>
-          <a:p>
-            <a:endParaRPr lang="en-US" dirty="0"/>
-          </a:p>
-        </p:txBody>
-      </p:sp>
-      <p:sp>
-        <p:nvSpPr>
-          <p:cNvPr id="3" name="Date Placeholder 2"/>
+          <p:cNvPr id="4" name="Date Placeholder 3"/>
           <p:cNvSpPr>
             <a:spLocks noGrp="1"/>
           </p:cNvSpPr>
@@ -10521,9 +10207,9 @@
           <a:bodyPr/>
           <a:lstStyle/>
           <a:p>
-            <a:fld id="{EBD2AF92-CB4E-4AF0-A3E1-DF2CCF33E74C}" type="datetime1">
+            <a:fld id="{8BD01A7A-C5C0-478A-8BE6-564915217820}" type="datetime1">
               <a:rPr lang="en-US" smtClean="0"/>
-              <a:t>11/30/2018</a:t>
+              <a:t>12/1/2018</a:t>
             </a:fld>
             <a:endParaRPr lang="en-US"/>
           </a:p>
@@ -10532,7 +10218,7 @@
     </p:spTree>
     <p:extLst>
       <p:ext uri="{BB962C8B-B14F-4D97-AF65-F5344CB8AC3E}">
-        <p14:creationId xmlns:p14="http://schemas.microsoft.com/office/powerpoint/2010/main" val="1145173546"/>
+        <p14:creationId xmlns:p14="http://schemas.microsoft.com/office/powerpoint/2010/main" val="1826672569"/>
       </p:ext>
     </p:extLst>
   </p:cSld>
@@ -10569,14 +10255,19 @@
             <p:ph type="title"/>
           </p:nvPr>
         </p:nvSpPr>
-        <p:spPr/>
-        <p:txBody>
-          <a:bodyPr/>
-          <a:lstStyle/>
-          <a:p>
-            <a:r>
-              <a:rPr lang="en-US" dirty="0" smtClean="0"/>
-              <a:t>Conclusion</a:t>
+        <p:spPr>
+          <a:xfrm>
+            <a:off x="628649" y="964938"/>
+            <a:ext cx="8370972" cy="611532"/>
+          </a:xfrm>
+        </p:spPr>
+        <p:txBody>
+          <a:bodyPr/>
+          <a:lstStyle/>
+          <a:p>
+            <a:r>
+              <a:rPr lang="en-US" dirty="0" smtClean="0"/>
+              <a:t>MCS Results – Altitude/Velocity</a:t>
             </a:r>
             <a:endParaRPr lang="en-US" dirty="0"/>
           </a:p>
@@ -10592,51 +10283,126 @@
             <p:ph idx="1"/>
           </p:nvPr>
         </p:nvSpPr>
-        <p:spPr/>
-        <p:txBody>
-          <a:bodyPr/>
-          <a:lstStyle/>
-          <a:p>
-            <a:r>
-              <a:rPr lang="en-US" dirty="0" smtClean="0"/>
-              <a:t>Despite the use of linearization requiring small, local updates, a convex approach to onboard trajectory redesign shows promise </a:t>
-            </a:r>
-          </a:p>
-          <a:p>
-            <a:r>
-              <a:rPr lang="en-US" dirty="0" smtClean="0"/>
-              <a:t>Use of updating has a number of potential applications</a:t>
-            </a:r>
-          </a:p>
-          <a:p>
-            <a:r>
-              <a:rPr lang="en-US" dirty="0" smtClean="0"/>
-              <a:t>If the target point is not reachable, the solution returned by the optimizer may be outside the region of validity of the linearized trajectory, or the optimization may return infeasible </a:t>
+        <p:spPr>
+          <a:xfrm>
+            <a:off x="628649" y="1690690"/>
+            <a:ext cx="7886700" cy="1437522"/>
+          </a:xfrm>
+        </p:spPr>
+        <p:txBody>
+          <a:bodyPr/>
+          <a:lstStyle/>
+          <a:p>
+            <a:r>
+              <a:rPr lang="en-US" sz="2400" dirty="0" smtClean="0"/>
+              <a:t>Although some trajectories exit the parachute deployment conditions, all but three pass through the box</a:t>
             </a:r>
           </a:p>
           <a:p>
             <a:pPr lvl="1"/>
             <a:r>
-              <a:rPr lang="en-US" dirty="0" smtClean="0"/>
-              <a:t>Safeguarding is required</a:t>
-            </a:r>
-          </a:p>
-          <a:p>
-            <a:pPr lvl="1"/>
-            <a:r>
-              <a:rPr lang="en-US" dirty="0" smtClean="0"/>
-              <a:t>Consider the endpoint constraint as a penalty term in the objective </a:t>
-            </a:r>
-            <a:endParaRPr lang="en-US" dirty="0"/>
-          </a:p>
-          <a:p>
-            <a:pPr marL="457200" lvl="1" indent="0">
+              <a:rPr lang="en-US" sz="2000" dirty="0" smtClean="0"/>
+              <a:t>Solved by considering triggering logic that explicitly accounts for parachute conditions </a:t>
+            </a:r>
+          </a:p>
+          <a:p>
+            <a:pPr marL="0" indent="0">
               <a:buNone/>
             </a:pPr>
-            <a:endParaRPr lang="en-US" dirty="0" smtClean="0"/>
-          </a:p>
-        </p:txBody>
-      </p:sp>
+            <a:endParaRPr lang="en-US" dirty="0"/>
+          </a:p>
+        </p:txBody>
+      </p:sp>
+      <p:pic>
+        <p:nvPicPr>
+          <p:cNvPr id="7" name="Picture 6"/>
+          <p:cNvPicPr>
+            <a:picLocks noChangeAspect="1"/>
+          </p:cNvPicPr>
+          <p:nvPr/>
+        </p:nvPicPr>
+        <p:blipFill>
+          <a:blip r:embed="rId2">
+            <a:extLst>
+              <a:ext uri="{28A0092B-C50C-407E-A947-70E740481C1C}">
+                <a14:useLocalDpi xmlns:a14="http://schemas.microsoft.com/office/drawing/2010/main" val="0"/>
+              </a:ext>
+            </a:extLst>
+          </a:blip>
+          <a:stretch>
+            <a:fillRect/>
+          </a:stretch>
+        </p:blipFill>
+        <p:spPr>
+          <a:xfrm>
+            <a:off x="6015308" y="3001647"/>
+            <a:ext cx="2984313" cy="1856906"/>
+          </a:xfrm>
+          <a:prstGeom prst="rect">
+            <a:avLst/>
+          </a:prstGeom>
+        </p:spPr>
+      </p:pic>
+      <p:pic>
+        <p:nvPicPr>
+          <p:cNvPr id="8" name="Picture 7"/>
+          <p:cNvPicPr>
+            <a:picLocks noChangeAspect="1"/>
+          </p:cNvPicPr>
+          <p:nvPr/>
+        </p:nvPicPr>
+        <p:blipFill>
+          <a:blip r:embed="rId3">
+            <a:extLst>
+              <a:ext uri="{28A0092B-C50C-407E-A947-70E740481C1C}">
+                <a14:useLocalDpi xmlns:a14="http://schemas.microsoft.com/office/drawing/2010/main" val="0"/>
+              </a:ext>
+            </a:extLst>
+          </a:blip>
+          <a:stretch>
+            <a:fillRect/>
+          </a:stretch>
+        </p:blipFill>
+        <p:spPr>
+          <a:xfrm>
+            <a:off x="6015308" y="4858553"/>
+            <a:ext cx="2984313" cy="1856905"/>
+          </a:xfrm>
+          <a:prstGeom prst="rect">
+            <a:avLst/>
+          </a:prstGeom>
+        </p:spPr>
+      </p:pic>
+      <p:pic>
+        <p:nvPicPr>
+          <p:cNvPr id="9" name="Picture 8"/>
+          <p:cNvPicPr>
+            <a:picLocks noChangeAspect="1"/>
+          </p:cNvPicPr>
+          <p:nvPr/>
+        </p:nvPicPr>
+        <p:blipFill>
+          <a:blip r:embed="rId4">
+            <a:extLst>
+              <a:ext uri="{28A0092B-C50C-407E-A947-70E740481C1C}">
+                <a14:useLocalDpi xmlns:a14="http://schemas.microsoft.com/office/drawing/2010/main" val="0"/>
+              </a:ext>
+            </a:extLst>
+          </a:blip>
+          <a:stretch>
+            <a:fillRect/>
+          </a:stretch>
+        </p:blipFill>
+        <p:spPr>
+          <a:xfrm>
+            <a:off x="198640" y="3128212"/>
+            <a:ext cx="5332396" cy="3273687"/>
+          </a:xfrm>
+          <a:prstGeom prst="rect">
+            <a:avLst/>
+          </a:prstGeom>
+        </p:spPr>
+      </p:pic>
       <p:sp>
         <p:nvSpPr>
           <p:cNvPr id="4" name="Date Placeholder 3"/>
@@ -10652,9 +10418,9 @@
           <a:bodyPr/>
           <a:lstStyle/>
           <a:p>
-            <a:fld id="{16114025-B9CF-47AC-9FCF-5709863A9187}" type="datetime1">
+            <a:fld id="{B92B01C8-369C-4ED9-9DA7-8545D43DBD83}" type="datetime1">
               <a:rPr lang="en-US" smtClean="0"/>
-              <a:t>11/30/2018</a:t>
+              <a:t>12/1/2018</a:t>
             </a:fld>
             <a:endParaRPr lang="en-US"/>
           </a:p>
@@ -10663,7 +10429,7 @@
     </p:spTree>
     <p:extLst>
       <p:ext uri="{BB962C8B-B14F-4D97-AF65-F5344CB8AC3E}">
-        <p14:creationId xmlns:p14="http://schemas.microsoft.com/office/powerpoint/2010/main" val="2442241489"/>
+        <p14:creationId xmlns:p14="http://schemas.microsoft.com/office/powerpoint/2010/main" val="303004292"/>
       </p:ext>
     </p:extLst>
   </p:cSld>
@@ -10707,7 +10473,7 @@
           <a:p>
             <a:r>
               <a:rPr lang="en-US" dirty="0" smtClean="0"/>
-              <a:t>Trace Norm</a:t>
+              <a:t>MCS Results – Bank Profiles </a:t>
             </a:r>
             <a:endParaRPr lang="en-US" dirty="0"/>
           </a:p>
@@ -10715,7 +10481,7 @@
       </p:sp>
       <p:sp>
         <p:nvSpPr>
-          <p:cNvPr id="3" name="Content Placeholder 2"/>
+          <p:cNvPr id="5" name="Content Placeholder 4"/>
           <p:cNvSpPr>
             <a:spLocks noGrp="1"/>
           </p:cNvSpPr>
@@ -10723,51 +10489,156 @@
             <p:ph idx="1"/>
           </p:nvPr>
         </p:nvSpPr>
+        <p:spPr>
+          <a:xfrm>
+            <a:off x="628650" y="1825625"/>
+            <a:ext cx="8245843" cy="1244834"/>
+          </a:xfrm>
+        </p:spPr>
+        <p:txBody>
+          <a:bodyPr/>
+          <a:lstStyle/>
+          <a:p>
+            <a:r>
+              <a:rPr lang="en-US" dirty="0" smtClean="0"/>
+              <a:t>Largest difference is in the timing of bank reversals</a:t>
+            </a:r>
+          </a:p>
+          <a:p>
+            <a:pPr lvl="0"/>
+            <a:r>
+              <a:rPr lang="en-US" dirty="0">
+                <a:solidFill>
+                  <a:prstClr val="black"/>
+                </a:solidFill>
+              </a:rPr>
+              <a:t>Bank angle (and trajectory in general) deviates from the original trajectory most at the end</a:t>
+            </a:r>
+          </a:p>
+          <a:p>
+            <a:endParaRPr lang="en-US" dirty="0" smtClean="0"/>
+          </a:p>
+          <a:p>
+            <a:endParaRPr lang="en-US" dirty="0"/>
+          </a:p>
+        </p:txBody>
+      </p:sp>
+      <p:pic>
+        <p:nvPicPr>
+          <p:cNvPr id="6" name="Picture 5"/>
+          <p:cNvPicPr>
+            <a:picLocks noChangeAspect="1"/>
+          </p:cNvPicPr>
+          <p:nvPr/>
+        </p:nvPicPr>
+        <p:blipFill>
+          <a:blip r:embed="rId2">
+            <a:extLst>
+              <a:ext uri="{28A0092B-C50C-407E-A947-70E740481C1C}">
+                <a14:useLocalDpi xmlns:a14="http://schemas.microsoft.com/office/drawing/2010/main" val="0"/>
+              </a:ext>
+            </a:extLst>
+          </a:blip>
+          <a:stretch>
+            <a:fillRect/>
+          </a:stretch>
+        </p:blipFill>
+        <p:spPr>
+          <a:xfrm>
+            <a:off x="259880" y="3197993"/>
+            <a:ext cx="5813843" cy="3488306"/>
+          </a:xfrm>
+          <a:prstGeom prst="rect">
+            <a:avLst/>
+          </a:prstGeom>
+        </p:spPr>
+      </p:pic>
+      <p:sp>
+        <p:nvSpPr>
+          <p:cNvPr id="7" name="TextBox 6"/>
+          <p:cNvSpPr txBox="1"/>
+          <p:nvPr/>
+        </p:nvSpPr>
+        <p:spPr>
+          <a:xfrm>
+            <a:off x="5861784" y="3395901"/>
+            <a:ext cx="3205214" cy="2363724"/>
+          </a:xfrm>
+          <a:prstGeom prst="rect">
+            <a:avLst/>
+          </a:prstGeom>
+          <a:noFill/>
+        </p:spPr>
+        <p:txBody>
+          <a:bodyPr wrap="square" rtlCol="0">
+            <a:spAutoFit/>
+          </a:bodyPr>
+          <a:lstStyle/>
+          <a:p>
+            <a:pPr lvl="1">
+              <a:lnSpc>
+                <a:spcPct val="90000"/>
+              </a:lnSpc>
+              <a:spcBef>
+                <a:spcPts val="500"/>
+              </a:spcBef>
+            </a:pPr>
+            <a:r>
+              <a:rPr lang="en-US" sz="2400" dirty="0" smtClean="0">
+                <a:solidFill>
+                  <a:prstClr val="black"/>
+                </a:solidFill>
+              </a:rPr>
+              <a:t>This </a:t>
+            </a:r>
+            <a:r>
+              <a:rPr lang="en-US" sz="2400" dirty="0">
+                <a:solidFill>
+                  <a:prstClr val="black"/>
+                </a:solidFill>
+              </a:rPr>
+              <a:t>is expected because </a:t>
+            </a:r>
+            <a:r>
+              <a:rPr lang="en-US" sz="2400" dirty="0" smtClean="0">
+                <a:solidFill>
+                  <a:prstClr val="black"/>
+                </a:solidFill>
+              </a:rPr>
+              <a:t>the later portion of trajectory is updated the greatest number </a:t>
+            </a:r>
+            <a:r>
+              <a:rPr lang="en-US" sz="2400" dirty="0">
+                <a:solidFill>
+                  <a:prstClr val="black"/>
+                </a:solidFill>
+              </a:rPr>
+              <a:t>of times </a:t>
+            </a:r>
+          </a:p>
+          <a:p>
+            <a:endParaRPr lang="en-US" dirty="0"/>
+          </a:p>
+        </p:txBody>
+      </p:sp>
+      <p:sp>
+        <p:nvSpPr>
+          <p:cNvPr id="3" name="Date Placeholder 2"/>
+          <p:cNvSpPr>
+            <a:spLocks noGrp="1"/>
+          </p:cNvSpPr>
+          <p:nvPr>
+            <p:ph type="dt" sz="half" idx="10"/>
+          </p:nvPr>
+        </p:nvSpPr>
         <p:spPr/>
         <p:txBody>
           <a:bodyPr/>
           <a:lstStyle/>
           <a:p>
-            <a:r>
-              <a:rPr lang="en-US" dirty="0" smtClean="0"/>
-              <a:t>From the broader class of </a:t>
-            </a:r>
-            <a:r>
-              <a:rPr lang="en-US" dirty="0" err="1" smtClean="0"/>
-              <a:t>Schatten</a:t>
-            </a:r>
-            <a:r>
-              <a:rPr lang="en-US" dirty="0" smtClean="0"/>
-              <a:t> p-norms with p=1</a:t>
-            </a:r>
-          </a:p>
-          <a:p>
-            <a:r>
-              <a:rPr lang="en-US" dirty="0" smtClean="0"/>
-              <a:t>Also called the nuclear norm, equal to the sum of the singular values (= eigenvalues because covariance is positive semi-definite)</a:t>
-            </a:r>
-            <a:endParaRPr lang="en-US" dirty="0"/>
-          </a:p>
-        </p:txBody>
-      </p:sp>
-      <p:sp>
-        <p:nvSpPr>
-          <p:cNvPr id="4" name="Date Placeholder 3"/>
-          <p:cNvSpPr>
-            <a:spLocks noGrp="1"/>
-          </p:cNvSpPr>
-          <p:nvPr>
-            <p:ph type="dt" sz="half" idx="10"/>
-          </p:nvPr>
-        </p:nvSpPr>
-        <p:spPr/>
-        <p:txBody>
-          <a:bodyPr/>
-          <a:lstStyle/>
-          <a:p>
-            <a:fld id="{8F89CBAE-3EB9-4813-AFB5-1F0A5A73B72E}" type="datetime1">
+            <a:fld id="{EBD2AF92-CB4E-4AF0-A3E1-DF2CCF33E74C}" type="datetime1">
               <a:rPr lang="en-US" smtClean="0"/>
-              <a:t>11/30/2018</a:t>
+              <a:t>12/1/2018</a:t>
             </a:fld>
             <a:endParaRPr lang="en-US"/>
           </a:p>
@@ -10776,7 +10647,7 @@
     </p:spTree>
     <p:extLst>
       <p:ext uri="{BB962C8B-B14F-4D97-AF65-F5344CB8AC3E}">
-        <p14:creationId xmlns:p14="http://schemas.microsoft.com/office/powerpoint/2010/main" val="3713997120"/>
+        <p14:creationId xmlns:p14="http://schemas.microsoft.com/office/powerpoint/2010/main" val="1145173546"/>
       </p:ext>
     </p:extLst>
   </p:cSld>
@@ -10813,6 +10684,250 @@
             <p:ph type="title"/>
           </p:nvPr>
         </p:nvSpPr>
+        <p:spPr/>
+        <p:txBody>
+          <a:bodyPr/>
+          <a:lstStyle/>
+          <a:p>
+            <a:r>
+              <a:rPr lang="en-US" dirty="0" smtClean="0"/>
+              <a:t>Conclusion</a:t>
+            </a:r>
+            <a:endParaRPr lang="en-US" dirty="0"/>
+          </a:p>
+        </p:txBody>
+      </p:sp>
+      <p:sp>
+        <p:nvSpPr>
+          <p:cNvPr id="3" name="Content Placeholder 2"/>
+          <p:cNvSpPr>
+            <a:spLocks noGrp="1"/>
+          </p:cNvSpPr>
+          <p:nvPr>
+            <p:ph idx="1"/>
+          </p:nvPr>
+        </p:nvSpPr>
+        <p:spPr/>
+        <p:txBody>
+          <a:bodyPr/>
+          <a:lstStyle/>
+          <a:p>
+            <a:r>
+              <a:rPr lang="en-US" dirty="0" smtClean="0"/>
+              <a:t>Despite the use of linearization requiring small, local updates, a convex approach to onboard trajectory redesign shows promise </a:t>
+            </a:r>
+          </a:p>
+          <a:p>
+            <a:r>
+              <a:rPr lang="en-US" dirty="0" smtClean="0"/>
+              <a:t>Use of updating has a number of potential applications</a:t>
+            </a:r>
+          </a:p>
+          <a:p>
+            <a:r>
+              <a:rPr lang="en-US" dirty="0" smtClean="0"/>
+              <a:t>If the target point is not reachable, the solution returned by the optimizer may be outside the region of validity of the linearized trajectory, or the optimization may return infeasible </a:t>
+            </a:r>
+          </a:p>
+          <a:p>
+            <a:pPr lvl="1"/>
+            <a:r>
+              <a:rPr lang="en-US" dirty="0" smtClean="0"/>
+              <a:t>Safeguarding is required</a:t>
+            </a:r>
+          </a:p>
+          <a:p>
+            <a:pPr lvl="1"/>
+            <a:r>
+              <a:rPr lang="en-US" dirty="0" smtClean="0"/>
+              <a:t>Consider the endpoint constraint as a penalty term in the objective </a:t>
+            </a:r>
+            <a:endParaRPr lang="en-US" dirty="0"/>
+          </a:p>
+          <a:p>
+            <a:pPr marL="457200" lvl="1" indent="0">
+              <a:buNone/>
+            </a:pPr>
+            <a:endParaRPr lang="en-US" dirty="0" smtClean="0"/>
+          </a:p>
+        </p:txBody>
+      </p:sp>
+      <p:sp>
+        <p:nvSpPr>
+          <p:cNvPr id="4" name="Date Placeholder 3"/>
+          <p:cNvSpPr>
+            <a:spLocks noGrp="1"/>
+          </p:cNvSpPr>
+          <p:nvPr>
+            <p:ph type="dt" sz="half" idx="10"/>
+          </p:nvPr>
+        </p:nvSpPr>
+        <p:spPr/>
+        <p:txBody>
+          <a:bodyPr/>
+          <a:lstStyle/>
+          <a:p>
+            <a:fld id="{16114025-B9CF-47AC-9FCF-5709863A9187}" type="datetime1">
+              <a:rPr lang="en-US" smtClean="0"/>
+              <a:t>12/1/2018</a:t>
+            </a:fld>
+            <a:endParaRPr lang="en-US"/>
+          </a:p>
+        </p:txBody>
+      </p:sp>
+    </p:spTree>
+    <p:extLst>
+      <p:ext uri="{BB962C8B-B14F-4D97-AF65-F5344CB8AC3E}">
+        <p14:creationId xmlns:p14="http://schemas.microsoft.com/office/powerpoint/2010/main" val="2442241489"/>
+      </p:ext>
+    </p:extLst>
+  </p:cSld>
+  <p:clrMapOvr>
+    <a:masterClrMapping/>
+  </p:clrMapOvr>
+</p:sld>
+</file>
+
+<file path=ppt/slides/slide34.xml><?xml version="1.0" encoding="utf-8"?>
+<p:sld xmlns:a="http://schemas.openxmlformats.org/drawingml/2006/main" xmlns:r="http://schemas.openxmlformats.org/officeDocument/2006/relationships" xmlns:p="http://schemas.openxmlformats.org/presentationml/2006/main">
+  <p:cSld>
+    <p:spTree>
+      <p:nvGrpSpPr>
+        <p:cNvPr id="1" name=""/>
+        <p:cNvGrpSpPr/>
+        <p:nvPr/>
+      </p:nvGrpSpPr>
+      <p:grpSpPr>
+        <a:xfrm>
+          <a:off x="0" y="0"/>
+          <a:ext cx="0" cy="0"/>
+          <a:chOff x="0" y="0"/>
+          <a:chExt cx="0" cy="0"/>
+        </a:xfrm>
+      </p:grpSpPr>
+      <p:sp>
+        <p:nvSpPr>
+          <p:cNvPr id="2" name="Title 1"/>
+          <p:cNvSpPr>
+            <a:spLocks noGrp="1"/>
+          </p:cNvSpPr>
+          <p:nvPr>
+            <p:ph type="title"/>
+          </p:nvPr>
+        </p:nvSpPr>
+        <p:spPr/>
+        <p:txBody>
+          <a:bodyPr/>
+          <a:lstStyle/>
+          <a:p>
+            <a:r>
+              <a:rPr lang="en-US" dirty="0" smtClean="0"/>
+              <a:t>Trace Norm</a:t>
+            </a:r>
+            <a:endParaRPr lang="en-US" dirty="0"/>
+          </a:p>
+        </p:txBody>
+      </p:sp>
+      <p:sp>
+        <p:nvSpPr>
+          <p:cNvPr id="3" name="Content Placeholder 2"/>
+          <p:cNvSpPr>
+            <a:spLocks noGrp="1"/>
+          </p:cNvSpPr>
+          <p:nvPr>
+            <p:ph idx="1"/>
+          </p:nvPr>
+        </p:nvSpPr>
+        <p:spPr/>
+        <p:txBody>
+          <a:bodyPr/>
+          <a:lstStyle/>
+          <a:p>
+            <a:r>
+              <a:rPr lang="en-US" dirty="0" smtClean="0"/>
+              <a:t>From the broader class of </a:t>
+            </a:r>
+            <a:r>
+              <a:rPr lang="en-US" dirty="0" err="1" smtClean="0"/>
+              <a:t>Schatten</a:t>
+            </a:r>
+            <a:r>
+              <a:rPr lang="en-US" dirty="0" smtClean="0"/>
+              <a:t> p-norms with p=1</a:t>
+            </a:r>
+          </a:p>
+          <a:p>
+            <a:r>
+              <a:rPr lang="en-US" dirty="0" smtClean="0"/>
+              <a:t>Also called the nuclear norm, equal to the sum of the singular values (= eigenvalues because covariance is positive semi-definite)</a:t>
+            </a:r>
+            <a:endParaRPr lang="en-US" dirty="0"/>
+          </a:p>
+        </p:txBody>
+      </p:sp>
+      <p:sp>
+        <p:nvSpPr>
+          <p:cNvPr id="4" name="Date Placeholder 3"/>
+          <p:cNvSpPr>
+            <a:spLocks noGrp="1"/>
+          </p:cNvSpPr>
+          <p:nvPr>
+            <p:ph type="dt" sz="half" idx="10"/>
+          </p:nvPr>
+        </p:nvSpPr>
+        <p:spPr/>
+        <p:txBody>
+          <a:bodyPr/>
+          <a:lstStyle/>
+          <a:p>
+            <a:fld id="{8F89CBAE-3EB9-4813-AFB5-1F0A5A73B72E}" type="datetime1">
+              <a:rPr lang="en-US" smtClean="0"/>
+              <a:t>12/1/2018</a:t>
+            </a:fld>
+            <a:endParaRPr lang="en-US"/>
+          </a:p>
+        </p:txBody>
+      </p:sp>
+    </p:spTree>
+    <p:extLst>
+      <p:ext uri="{BB962C8B-B14F-4D97-AF65-F5344CB8AC3E}">
+        <p14:creationId xmlns:p14="http://schemas.microsoft.com/office/powerpoint/2010/main" val="3713997120"/>
+      </p:ext>
+    </p:extLst>
+  </p:cSld>
+  <p:clrMapOvr>
+    <a:masterClrMapping/>
+  </p:clrMapOvr>
+</p:sld>
+</file>
+
+<file path=ppt/slides/slide35.xml><?xml version="1.0" encoding="utf-8"?>
+<p:sld xmlns:a="http://schemas.openxmlformats.org/drawingml/2006/main" xmlns:r="http://schemas.openxmlformats.org/officeDocument/2006/relationships" xmlns:p="http://schemas.openxmlformats.org/presentationml/2006/main">
+  <p:cSld>
+    <p:spTree>
+      <p:nvGrpSpPr>
+        <p:cNvPr id="1" name=""/>
+        <p:cNvGrpSpPr/>
+        <p:nvPr/>
+      </p:nvGrpSpPr>
+      <p:grpSpPr>
+        <a:xfrm>
+          <a:off x="0" y="0"/>
+          <a:ext cx="0" cy="0"/>
+          <a:chOff x="0" y="0"/>
+          <a:chExt cx="0" cy="0"/>
+        </a:xfrm>
+      </p:grpSpPr>
+      <p:sp>
+        <p:nvSpPr>
+          <p:cNvPr id="2" name="Title 1"/>
+          <p:cNvSpPr>
+            <a:spLocks noGrp="1"/>
+          </p:cNvSpPr>
+          <p:nvPr>
+            <p:ph type="title"/>
+          </p:nvPr>
+        </p:nvSpPr>
         <p:spPr>
           <a:xfrm>
             <a:off x="2333883" y="89649"/>
@@ -11472,7 +11587,7 @@
           <a:p>
             <a:fld id="{5788DFC6-753D-4508-95EF-CA4952364244}" type="datetime1">
               <a:rPr lang="en-US" smtClean="0"/>
-              <a:t>11/30/2018</a:t>
+              <a:t>12/1/2018</a:t>
             </a:fld>
             <a:endParaRPr lang="en-US"/>
           </a:p>
@@ -11498,7 +11613,7 @@
 </p:sld>
 </file>
 
-<file path=ppt/slides/slide34.xml><?xml version="1.0" encoding="utf-8"?>
+<file path=ppt/slides/slide36.xml><?xml version="1.0" encoding="utf-8"?>
 <p:sld xmlns:a="http://schemas.openxmlformats.org/drawingml/2006/main" xmlns:r="http://schemas.openxmlformats.org/officeDocument/2006/relationships" xmlns:p="http://schemas.openxmlformats.org/presentationml/2006/main">
   <p:cSld>
     <p:spTree>
@@ -12114,7 +12229,7 @@
           <a:p>
             <a:fld id="{B0501EA2-D0F5-487D-B1CC-0561614CE5FC}" type="datetime1">
               <a:rPr lang="en-US" smtClean="0"/>
-              <a:t>11/30/2018</a:t>
+              <a:t>12/1/2018</a:t>
             </a:fld>
             <a:endParaRPr lang="en-US"/>
           </a:p>
@@ -12174,11 +12289,7 @@
           <a:p>
             <a:r>
               <a:rPr lang="en-US" dirty="0" smtClean="0"/>
-              <a:t>EDL </a:t>
-            </a:r>
-            <a:r>
-              <a:rPr lang="en-US" dirty="0" smtClean="0"/>
-              <a:t>Concept of Operations</a:t>
+              <a:t>EDL Concept of Operations</a:t>
             </a:r>
             <a:endParaRPr lang="en-US" dirty="0"/>
           </a:p>
@@ -12244,7 +12355,7 @@
           <a:p>
             <a:fld id="{3E46D0C7-BBF8-4570-BEBF-CB2C66043DE9}" type="datetime1">
               <a:rPr lang="en-US" smtClean="0"/>
-              <a:t>11/30/2018</a:t>
+              <a:t>12/1/2018</a:t>
             </a:fld>
             <a:endParaRPr lang="en-US"/>
           </a:p>
@@ -12297,7 +12408,7 @@
           <a:p>
             <a:r>
               <a:rPr lang="en-US" dirty="0" smtClean="0"/>
-              <a:t>Broadly…</a:t>
+              <a:t>Features of the Entry Phase</a:t>
             </a:r>
             <a:endParaRPr lang="en-US" dirty="0"/>
           </a:p>
@@ -12320,24 +12431,14 @@
           <a:p>
             <a:r>
               <a:rPr lang="en-US" dirty="0" smtClean="0"/>
-              <a:t>I am interested in closed loop performance of constrained, nonlinear systems subject to parametric uncertainty and/or </a:t>
-            </a:r>
-            <a:r>
-              <a:rPr lang="en-US" dirty="0" err="1" smtClean="0"/>
-              <a:t>stochasticity</a:t>
-            </a:r>
-            <a:r>
-              <a:rPr lang="en-US" dirty="0" smtClean="0"/>
-              <a:t> </a:t>
-            </a:r>
-          </a:p>
-          <a:p>
-            <a:r>
-              <a:rPr lang="en-US" dirty="0" smtClean="0"/>
-              <a:t>I want to exploit knowledge of the probabilistic nature of the uncertainty to improve performance</a:t>
-            </a:r>
-          </a:p>
-          <a:p>
+              <a:t>Due to the exponentially increasing atmospheric density and nonlinear aerodynamics, the entry vehicle dynamics vary greatly over time </a:t>
+            </a:r>
+          </a:p>
+          <a:p>
+            <a:r>
+              <a:rPr lang="en-US" dirty="0" smtClean="0"/>
+              <a:t>Traditionally written in spherical coordinates</a:t>
+            </a:r>
             <a:endParaRPr lang="en-US" dirty="0"/>
           </a:p>
         </p:txBody>
@@ -12357,9 +12458,9 @@
           <a:bodyPr/>
           <a:lstStyle/>
           <a:p>
-            <a:fld id="{2E9BCE13-D08C-4922-8CC7-C0D374DE3A5E}" type="datetime1">
+            <a:fld id="{DACEE8DD-B545-4020-BC5A-D34F01A5A26F}" type="datetime1">
               <a:rPr lang="en-US" smtClean="0"/>
-              <a:t>11/30/2018</a:t>
+              <a:t>12/1/2018</a:t>
             </a:fld>
             <a:endParaRPr lang="en-US"/>
           </a:p>
@@ -12368,7 +12469,7 @@
     </p:spTree>
     <p:extLst>
       <p:ext uri="{BB962C8B-B14F-4D97-AF65-F5344CB8AC3E}">
-        <p14:creationId xmlns:p14="http://schemas.microsoft.com/office/powerpoint/2010/main" val="3867321581"/>
+        <p14:creationId xmlns:p14="http://schemas.microsoft.com/office/powerpoint/2010/main" val="2336696406"/>
       </p:ext>
     </p:extLst>
   </p:cSld>
@@ -12412,11 +12513,7 @@
           <a:p>
             <a:r>
               <a:rPr lang="en-US" dirty="0" smtClean="0"/>
-              <a:t>Literature </a:t>
-            </a:r>
-            <a:r>
-              <a:rPr lang="en-US" dirty="0" smtClean="0"/>
-              <a:t>Review </a:t>
+              <a:t>Features of the Powered Descent Phase</a:t>
             </a:r>
             <a:endParaRPr lang="en-US" dirty="0"/>
           </a:p>
@@ -12432,91 +12529,56 @@
             <p:ph idx="1"/>
           </p:nvPr>
         </p:nvSpPr>
+        <p:spPr>
+          <a:xfrm>
+            <a:off x="628650" y="2388973"/>
+            <a:ext cx="7886700" cy="3787990"/>
+          </a:xfrm>
+        </p:spPr>
+        <p:txBody>
+          <a:bodyPr/>
+          <a:lstStyle/>
+          <a:p>
+            <a:r>
+              <a:rPr lang="en-US" dirty="0" smtClean="0"/>
+              <a:t>When atmospheric drag is neglected (with reasonable assumption, and conservative effect), the dynamics are double integrator (+ affine gravity term in vertical direction), coupled with nonlinear mass dynamics</a:t>
+            </a:r>
+          </a:p>
+          <a:p>
+            <a:r>
+              <a:rPr lang="en-US" dirty="0" smtClean="0"/>
+              <a:t>Nonlinear</a:t>
+            </a:r>
+            <a:r>
+              <a:rPr lang="en-US" smtClean="0"/>
+              <a:t>, non-convex </a:t>
+            </a:r>
+            <a:r>
+              <a:rPr lang="en-US" dirty="0" smtClean="0"/>
+              <a:t>control constraints couple the coordinate directions, i.e., the thrust cannot be independently actuated in any direction</a:t>
+            </a:r>
+            <a:endParaRPr lang="en-US" dirty="0"/>
+          </a:p>
+        </p:txBody>
+      </p:sp>
+      <p:sp>
+        <p:nvSpPr>
+          <p:cNvPr id="4" name="Date Placeholder 3"/>
+          <p:cNvSpPr>
+            <a:spLocks noGrp="1"/>
+          </p:cNvSpPr>
+          <p:nvPr>
+            <p:ph type="dt" sz="half" idx="10"/>
+          </p:nvPr>
+        </p:nvSpPr>
         <p:spPr/>
         <p:txBody>
           <a:bodyPr/>
           <a:lstStyle/>
           <a:p>
-            <a:r>
-              <a:rPr lang="en-US" dirty="0" smtClean="0"/>
-              <a:t>Linear Exponential Gaussian (weights higher moments</a:t>
-            </a:r>
-            <a:r>
-              <a:rPr lang="en-US" dirty="0" smtClean="0"/>
-              <a:t>)</a:t>
-            </a:r>
-          </a:p>
-          <a:p>
-            <a:r>
-              <a:rPr lang="en-US" dirty="0" smtClean="0"/>
-              <a:t>Control of </a:t>
-            </a:r>
-            <a:r>
-              <a:rPr lang="en-US" dirty="0" err="1" smtClean="0"/>
-              <a:t>Liouville</a:t>
-            </a:r>
-            <a:r>
-              <a:rPr lang="en-US" dirty="0" smtClean="0"/>
-              <a:t> equation</a:t>
-            </a:r>
-            <a:endParaRPr lang="en-US" dirty="0" smtClean="0"/>
-          </a:p>
-          <a:p>
-            <a:r>
-              <a:rPr lang="en-US" dirty="0" smtClean="0"/>
-              <a:t>Desensitized optimal control penalizes the partial derivatives of the objective function </a:t>
-            </a:r>
-            <a:r>
-              <a:rPr lang="en-US" dirty="0" err="1" smtClean="0"/>
-              <a:t>wrt</a:t>
-            </a:r>
-            <a:r>
-              <a:rPr lang="en-US" dirty="0" smtClean="0"/>
-              <a:t> </a:t>
-            </a:r>
-            <a:r>
-              <a:rPr lang="en-US" dirty="0" smtClean="0"/>
-              <a:t>parameters, or places constraints on sensitivities </a:t>
-            </a:r>
-            <a:endParaRPr lang="en-US" dirty="0" smtClean="0"/>
-          </a:p>
-          <a:p>
-            <a:r>
-              <a:rPr lang="en-US" dirty="0" smtClean="0"/>
-              <a:t>Mean-Variance trades off mean performance and robustness</a:t>
-            </a:r>
-          </a:p>
-          <a:p>
-            <a:pPr lvl="1"/>
-            <a:r>
-              <a:rPr lang="en-US" dirty="0" smtClean="0"/>
-              <a:t>Decreasing the sensitivity of open-loop optimal solutions in decision making under uncertainty</a:t>
-            </a:r>
-          </a:p>
-          <a:p>
-            <a:pPr lvl="1"/>
-            <a:endParaRPr lang="en-US" dirty="0"/>
-          </a:p>
-        </p:txBody>
-      </p:sp>
-      <p:sp>
-        <p:nvSpPr>
-          <p:cNvPr id="4" name="Date Placeholder 3"/>
-          <p:cNvSpPr>
-            <a:spLocks noGrp="1"/>
-          </p:cNvSpPr>
-          <p:nvPr>
-            <p:ph type="dt" sz="half" idx="10"/>
-          </p:nvPr>
-        </p:nvSpPr>
-        <p:spPr/>
-        <p:txBody>
-          <a:bodyPr/>
-          <a:lstStyle/>
-          <a:p>
-            <a:fld id="{254BC335-DBB6-4EC5-981C-ED25FB0DA65F}" type="datetime1">
+            <a:fld id="{DACEE8DD-B545-4020-BC5A-D34F01A5A26F}" type="datetime1">
               <a:rPr lang="en-US" smtClean="0"/>
-              <a:t>11/30/2018</a:t>
+              <a:t>12/1/2018</a:t>
             </a:fld>
             <a:endParaRPr lang="en-US"/>
           </a:p>
@@ -12525,7 +12587,7 @@
     </p:spTree>
     <p:extLst>
       <p:ext uri="{BB962C8B-B14F-4D97-AF65-F5344CB8AC3E}">
-        <p14:creationId xmlns:p14="http://schemas.microsoft.com/office/powerpoint/2010/main" val="1712482433"/>
+        <p14:creationId xmlns:p14="http://schemas.microsoft.com/office/powerpoint/2010/main" val="3318295727"/>
       </p:ext>
     </p:extLst>
   </p:cSld>
@@ -12569,7 +12631,7 @@
           <a:p>
             <a:r>
               <a:rPr lang="en-US" dirty="0" smtClean="0"/>
-              <a:t>Literature Review </a:t>
+              <a:t>Broadly…</a:t>
             </a:r>
             <a:endParaRPr lang="en-US" dirty="0"/>
           </a:p>
@@ -12585,47 +12647,31 @@
             <p:ph idx="1"/>
           </p:nvPr>
         </p:nvSpPr>
-        <p:spPr>
-          <a:xfrm>
-            <a:off x="628650" y="1825625"/>
-            <a:ext cx="8185836" cy="4351338"/>
-          </a:xfrm>
-        </p:spPr>
-        <p:txBody>
-          <a:bodyPr/>
-          <a:lstStyle/>
-          <a:p>
-            <a:r>
-              <a:rPr lang="en-US" dirty="0" smtClean="0"/>
-              <a:t>Optimal Trajectory Generation with Probabilistic System Uncertainty Using Polynomial Chaos (Fisher, Bhattacharya)</a:t>
-            </a:r>
-          </a:p>
-          <a:p>
-            <a:pPr lvl="1"/>
-            <a:r>
-              <a:rPr lang="en-US" dirty="0" smtClean="0"/>
-              <a:t>Derived expressions for minimum expectation and minimum variance objectives in terms of PCE coefficients</a:t>
-            </a:r>
-          </a:p>
-          <a:p>
-            <a:pPr lvl="1"/>
-            <a:r>
-              <a:rPr lang="en-US" dirty="0" smtClean="0"/>
-              <a:t>Considered open loop</a:t>
-            </a:r>
-          </a:p>
-          <a:p>
-            <a:r>
-              <a:rPr lang="en-US" dirty="0" smtClean="0"/>
-              <a:t>Stochastic Trajectory Optimization for Mechanical Systems with Parametric Uncertainties</a:t>
-            </a:r>
-          </a:p>
-          <a:p>
-            <a:pPr lvl="1"/>
-            <a:r>
-              <a:rPr lang="en-US" dirty="0" smtClean="0"/>
-              <a:t>Extended Differential Dynamic Programming to stochastic systems using polynomial chaos </a:t>
-            </a:r>
+        <p:spPr/>
+        <p:txBody>
+          <a:bodyPr/>
+          <a:lstStyle/>
+          <a:p>
+            <a:r>
+              <a:rPr lang="en-US" dirty="0" smtClean="0"/>
+              <a:t>I am interested in closed loop performance of constrained, nonlinear systems subject to parametric uncertainty and/or </a:t>
+            </a:r>
+            <a:r>
+              <a:rPr lang="en-US" dirty="0" err="1" smtClean="0"/>
+              <a:t>stochasticity</a:t>
+            </a:r>
+            <a:r>
+              <a:rPr lang="en-US" dirty="0" smtClean="0"/>
+              <a:t> </a:t>
+            </a:r>
+          </a:p>
+          <a:p>
+            <a:r>
+              <a:rPr lang="en-US" dirty="0" smtClean="0"/>
+              <a:t>I want to exploit knowledge of the probabilistic nature of the uncertainty to improve performance</a:t>
+            </a:r>
+          </a:p>
+          <a:p>
             <a:endParaRPr lang="en-US" dirty="0"/>
           </a:p>
         </p:txBody>
@@ -12645,9 +12691,9 @@
           <a:bodyPr/>
           <a:lstStyle/>
           <a:p>
-            <a:fld id="{36135E0D-215F-4675-BD12-2A0CC5452F32}" type="datetime1">
+            <a:fld id="{2E9BCE13-D08C-4922-8CC7-C0D374DE3A5E}" type="datetime1">
               <a:rPr lang="en-US" smtClean="0"/>
-              <a:t>11/30/2018</a:t>
+              <a:t>12/1/2018</a:t>
             </a:fld>
             <a:endParaRPr lang="en-US"/>
           </a:p>
@@ -12656,7 +12702,7 @@
     </p:spTree>
     <p:extLst>
       <p:ext uri="{BB962C8B-B14F-4D97-AF65-F5344CB8AC3E}">
-        <p14:creationId xmlns:p14="http://schemas.microsoft.com/office/powerpoint/2010/main" val="3403497036"/>
+        <p14:creationId xmlns:p14="http://schemas.microsoft.com/office/powerpoint/2010/main" val="3867321581"/>
       </p:ext>
     </p:extLst>
   </p:cSld>
@@ -12700,7 +12746,7 @@
           <a:p>
             <a:r>
               <a:rPr lang="en-US" dirty="0" smtClean="0"/>
-              <a:t>Also Related</a:t>
+              <a:t>Literature Review </a:t>
             </a:r>
             <a:endParaRPr lang="en-US" dirty="0"/>
           </a:p>
@@ -12723,14 +12769,52 @@
           <a:p>
             <a:r>
               <a:rPr lang="en-US" dirty="0" smtClean="0"/>
-              <a:t>Tube-based formulations (MPC), invariant sets</a:t>
-            </a:r>
-          </a:p>
-          <a:p>
-            <a:r>
-              <a:rPr lang="en-US" dirty="0" smtClean="0"/>
-              <a:t>PDF shaping</a:t>
-            </a:r>
+              <a:t>Linear Exponential Gaussian (weights higher moments)</a:t>
+            </a:r>
+          </a:p>
+          <a:p>
+            <a:r>
+              <a:rPr lang="en-US" dirty="0" smtClean="0"/>
+              <a:t>Control of </a:t>
+            </a:r>
+            <a:r>
+              <a:rPr lang="en-US" dirty="0" err="1" smtClean="0"/>
+              <a:t>Liouville</a:t>
+            </a:r>
+            <a:r>
+              <a:rPr lang="en-US" dirty="0" smtClean="0"/>
+              <a:t> equation</a:t>
+            </a:r>
+          </a:p>
+          <a:p>
+            <a:r>
+              <a:rPr lang="en-US" dirty="0" smtClean="0"/>
+              <a:t>Desensitized optimal control penalizes the partial derivatives of the objective function </a:t>
+            </a:r>
+            <a:r>
+              <a:rPr lang="en-US" dirty="0" err="1" smtClean="0"/>
+              <a:t>wrt</a:t>
+            </a:r>
+            <a:r>
+              <a:rPr lang="en-US" dirty="0" smtClean="0"/>
+              <a:t> parameters, or places constraints on sensitivities </a:t>
+            </a:r>
+          </a:p>
+          <a:p>
+            <a:r>
+              <a:rPr lang="en-US" dirty="0" smtClean="0"/>
+              <a:t>Mean-Variance trades off mean performance and robustness</a:t>
+            </a:r>
+          </a:p>
+          <a:p>
+            <a:pPr lvl="1"/>
+            <a:r>
+              <a:rPr lang="en-US" dirty="0" smtClean="0"/>
+              <a:t>Decreasing the sensitivity of open-loop optimal solutions in decision making under uncertainty</a:t>
+            </a:r>
+          </a:p>
+          <a:p>
+            <a:pPr lvl="1"/>
             <a:endParaRPr lang="en-US" dirty="0"/>
           </a:p>
         </p:txBody>
@@ -12750,9 +12834,9 @@
           <a:bodyPr/>
           <a:lstStyle/>
           <a:p>
-            <a:fld id="{DACEE8DD-B545-4020-BC5A-D34F01A5A26F}" type="datetime1">
+            <a:fld id="{254BC335-DBB6-4EC5-981C-ED25FB0DA65F}" type="datetime1">
               <a:rPr lang="en-US" smtClean="0"/>
-              <a:t>11/30/2018</a:t>
+              <a:t>12/1/2018</a:t>
             </a:fld>
             <a:endParaRPr lang="en-US"/>
           </a:p>
@@ -12761,7 +12845,7 @@
     </p:spTree>
     <p:extLst>
       <p:ext uri="{BB962C8B-B14F-4D97-AF65-F5344CB8AC3E}">
-        <p14:creationId xmlns:p14="http://schemas.microsoft.com/office/powerpoint/2010/main" val="3837855066"/>
+        <p14:creationId xmlns:p14="http://schemas.microsoft.com/office/powerpoint/2010/main" val="1712482433"/>
       </p:ext>
     </p:extLst>
   </p:cSld>
@@ -12805,7 +12889,7 @@
           <a:p>
             <a:r>
               <a:rPr lang="en-US" dirty="0" smtClean="0"/>
-              <a:t>Existing Applications to EDL</a:t>
+              <a:t>Literature Review </a:t>
             </a:r>
             <a:endParaRPr lang="en-US" dirty="0"/>
           </a:p>
@@ -12821,43 +12905,69 @@
             <p:ph idx="1"/>
           </p:nvPr>
         </p:nvSpPr>
+        <p:spPr>
+          <a:xfrm>
+            <a:off x="628650" y="1825625"/>
+            <a:ext cx="8185836" cy="4351338"/>
+          </a:xfrm>
+        </p:spPr>
+        <p:txBody>
+          <a:bodyPr/>
+          <a:lstStyle/>
+          <a:p>
+            <a:r>
+              <a:rPr lang="en-US" dirty="0" smtClean="0"/>
+              <a:t>Optimal Trajectory Generation with Probabilistic System Uncertainty Using Polynomial Chaos (Fisher, Bhattacharya)</a:t>
+            </a:r>
+          </a:p>
+          <a:p>
+            <a:pPr lvl="1"/>
+            <a:r>
+              <a:rPr lang="en-US" dirty="0" smtClean="0"/>
+              <a:t>Derived expressions for minimum expectation and minimum variance objectives in terms of PCE coefficients</a:t>
+            </a:r>
+          </a:p>
+          <a:p>
+            <a:pPr lvl="1"/>
+            <a:r>
+              <a:rPr lang="en-US" dirty="0" smtClean="0"/>
+              <a:t>Considered open loop</a:t>
+            </a:r>
+          </a:p>
+          <a:p>
+            <a:r>
+              <a:rPr lang="en-US" dirty="0" smtClean="0"/>
+              <a:t>Stochastic Trajectory Optimization for Mechanical Systems with Parametric Uncertainties</a:t>
+            </a:r>
+          </a:p>
+          <a:p>
+            <a:pPr lvl="1"/>
+            <a:r>
+              <a:rPr lang="en-US" dirty="0" smtClean="0"/>
+              <a:t>Extended Differential Dynamic Programming to stochastic systems using polynomial chaos </a:t>
+            </a:r>
+            <a:endParaRPr lang="en-US" dirty="0"/>
+          </a:p>
+        </p:txBody>
+      </p:sp>
+      <p:sp>
+        <p:nvSpPr>
+          <p:cNvPr id="4" name="Date Placeholder 3"/>
+          <p:cNvSpPr>
+            <a:spLocks noGrp="1"/>
+          </p:cNvSpPr>
+          <p:nvPr>
+            <p:ph type="dt" sz="half" idx="10"/>
+          </p:nvPr>
+        </p:nvSpPr>
         <p:spPr/>
         <p:txBody>
           <a:bodyPr/>
           <a:lstStyle/>
           <a:p>
-            <a:r>
-              <a:rPr lang="en-US" dirty="0" smtClean="0"/>
-              <a:t>Desensitized entry and powered descent without explicit enforcement of constraints</a:t>
-            </a:r>
-          </a:p>
-          <a:p>
-            <a:r>
-              <a:rPr lang="en-US" dirty="0" smtClean="0"/>
-              <a:t>Variance penalization without confirmation of benefits</a:t>
-            </a:r>
-            <a:endParaRPr lang="en-US" dirty="0"/>
-          </a:p>
-        </p:txBody>
-      </p:sp>
-      <p:sp>
-        <p:nvSpPr>
-          <p:cNvPr id="4" name="Date Placeholder 3"/>
-          <p:cNvSpPr>
-            <a:spLocks noGrp="1"/>
-          </p:cNvSpPr>
-          <p:nvPr>
-            <p:ph type="dt" sz="half" idx="10"/>
-          </p:nvPr>
-        </p:nvSpPr>
-        <p:spPr/>
-        <p:txBody>
-          <a:bodyPr/>
-          <a:lstStyle/>
-          <a:p>
-            <a:fld id="{DACEE8DD-B545-4020-BC5A-D34F01A5A26F}" type="datetime1">
+            <a:fld id="{36135E0D-215F-4675-BD12-2A0CC5452F32}" type="datetime1">
               <a:rPr lang="en-US" smtClean="0"/>
-              <a:t>11/30/2018</a:t>
+              <a:t>12/1/2018</a:t>
             </a:fld>
             <a:endParaRPr lang="en-US"/>
           </a:p>
@@ -12866,7 +12976,7 @@
     </p:spTree>
     <p:extLst>
       <p:ext uri="{BB962C8B-B14F-4D97-AF65-F5344CB8AC3E}">
-        <p14:creationId xmlns:p14="http://schemas.microsoft.com/office/powerpoint/2010/main" val="761289405"/>
+        <p14:creationId xmlns:p14="http://schemas.microsoft.com/office/powerpoint/2010/main" val="3403497036"/>
       </p:ext>
     </p:extLst>
   </p:cSld>

--- a/Documents/Qual Exam.pptx
+++ b/Documents/Qual Exam.pptx
@@ -5,43 +5,50 @@
     <p:sldMasterId id="2147483660" r:id="rId1"/>
   </p:sldMasterIdLst>
   <p:notesMasterIdLst>
-    <p:notesMasterId r:id="rId36"/>
+    <p:notesMasterId r:id="rId43"/>
   </p:notesMasterIdLst>
   <p:sldIdLst>
     <p:sldId id="291" r:id="rId2"/>
-    <p:sldId id="275" r:id="rId3"/>
-    <p:sldId id="283" r:id="rId4"/>
-    <p:sldId id="284" r:id="rId5"/>
-    <p:sldId id="287" r:id="rId6"/>
-    <p:sldId id="285" r:id="rId7"/>
-    <p:sldId id="288" r:id="rId8"/>
-    <p:sldId id="294" r:id="rId9"/>
-    <p:sldId id="297" r:id="rId10"/>
-    <p:sldId id="286" r:id="rId11"/>
-    <p:sldId id="280" r:id="rId12"/>
-    <p:sldId id="289" r:id="rId13"/>
-    <p:sldId id="281" r:id="rId14"/>
-    <p:sldId id="261" r:id="rId15"/>
-    <p:sldId id="293" r:id="rId16"/>
-    <p:sldId id="260" r:id="rId17"/>
-    <p:sldId id="262" r:id="rId18"/>
-    <p:sldId id="295" r:id="rId19"/>
-    <p:sldId id="279" r:id="rId20"/>
-    <p:sldId id="296" r:id="rId21"/>
-    <p:sldId id="264" r:id="rId22"/>
-    <p:sldId id="265" r:id="rId23"/>
-    <p:sldId id="266" r:id="rId24"/>
-    <p:sldId id="267" r:id="rId25"/>
-    <p:sldId id="268" r:id="rId26"/>
-    <p:sldId id="269" r:id="rId27"/>
-    <p:sldId id="270" r:id="rId28"/>
-    <p:sldId id="271" r:id="rId29"/>
-    <p:sldId id="272" r:id="rId30"/>
-    <p:sldId id="273" r:id="rId31"/>
-    <p:sldId id="274" r:id="rId32"/>
-    <p:sldId id="263" r:id="rId33"/>
-    <p:sldId id="277" r:id="rId34"/>
-    <p:sldId id="278" r:id="rId35"/>
+    <p:sldId id="301" r:id="rId3"/>
+    <p:sldId id="275" r:id="rId4"/>
+    <p:sldId id="283" r:id="rId5"/>
+    <p:sldId id="284" r:id="rId6"/>
+    <p:sldId id="298" r:id="rId7"/>
+    <p:sldId id="299" r:id="rId8"/>
+    <p:sldId id="304" r:id="rId9"/>
+    <p:sldId id="287" r:id="rId10"/>
+    <p:sldId id="300" r:id="rId11"/>
+    <p:sldId id="285" r:id="rId12"/>
+    <p:sldId id="288" r:id="rId13"/>
+    <p:sldId id="294" r:id="rId14"/>
+    <p:sldId id="297" r:id="rId15"/>
+    <p:sldId id="286" r:id="rId16"/>
+    <p:sldId id="280" r:id="rId17"/>
+    <p:sldId id="289" r:id="rId18"/>
+    <p:sldId id="281" r:id="rId19"/>
+    <p:sldId id="261" r:id="rId20"/>
+    <p:sldId id="293" r:id="rId21"/>
+    <p:sldId id="302" r:id="rId22"/>
+    <p:sldId id="303" r:id="rId23"/>
+    <p:sldId id="260" r:id="rId24"/>
+    <p:sldId id="262" r:id="rId25"/>
+    <p:sldId id="295" r:id="rId26"/>
+    <p:sldId id="279" r:id="rId27"/>
+    <p:sldId id="296" r:id="rId28"/>
+    <p:sldId id="264" r:id="rId29"/>
+    <p:sldId id="265" r:id="rId30"/>
+    <p:sldId id="266" r:id="rId31"/>
+    <p:sldId id="267" r:id="rId32"/>
+    <p:sldId id="268" r:id="rId33"/>
+    <p:sldId id="269" r:id="rId34"/>
+    <p:sldId id="270" r:id="rId35"/>
+    <p:sldId id="271" r:id="rId36"/>
+    <p:sldId id="272" r:id="rId37"/>
+    <p:sldId id="273" r:id="rId38"/>
+    <p:sldId id="274" r:id="rId39"/>
+    <p:sldId id="263" r:id="rId40"/>
+    <p:sldId id="277" r:id="rId41"/>
+    <p:sldId id="278" r:id="rId42"/>
   </p:sldIdLst>
   <p:sldSz cx="9144000" cy="6858000" type="screen4x3"/>
   <p:notesSz cx="6858000" cy="9144000"/>
@@ -146,14 +153,19 @@
         <p14:section name="EDL Background" id="{C65E65E8-8D10-45BF-9402-B68D0796393C}">
           <p14:sldIdLst>
             <p14:sldId id="291"/>
+            <p14:sldId id="301"/>
             <p14:sldId id="275"/>
             <p14:sldId id="283"/>
             <p14:sldId id="284"/>
+            <p14:sldId id="298"/>
+            <p14:sldId id="299"/>
+            <p14:sldId id="304"/>
           </p14:sldIdLst>
         </p14:section>
         <p14:section name="Literature Review" id="{81EFE7E6-E373-43A1-BF4F-5ECAEC3BCAB3}">
           <p14:sldIdLst>
             <p14:sldId id="287"/>
+            <p14:sldId id="300"/>
             <p14:sldId id="285"/>
             <p14:sldId id="288"/>
             <p14:sldId id="294"/>
@@ -172,6 +184,8 @@
             <p14:sldId id="281"/>
             <p14:sldId id="261"/>
             <p14:sldId id="293"/>
+            <p14:sldId id="302"/>
+            <p14:sldId id="303"/>
             <p14:sldId id="260"/>
             <p14:sldId id="262"/>
             <p14:sldId id="295"/>
@@ -292,7 +306,7 @@
           <a:p>
             <a:fld id="{AEBE7A69-640E-417A-A462-9E49D1368F72}" type="datetimeFigureOut">
               <a:rPr lang="en-US" smtClean="0"/>
-              <a:t>11/29/2018</a:t>
+              <a:t>12/1/2018</a:t>
             </a:fld>
             <a:endParaRPr lang="en-US"/>
           </a:p>
@@ -690,6 +704,210 @@
           <a:p>
             <a:r>
               <a:rPr lang="en-US" dirty="0" smtClean="0"/>
+              <a:t>No tracking, flown open-loop</a:t>
+            </a:r>
+            <a:r>
+              <a:rPr lang="en-US" baseline="0" dirty="0" smtClean="0"/>
+              <a:t> between plans, NO ADD’L LATERAL CONTROL</a:t>
+            </a:r>
+          </a:p>
+          <a:p>
+            <a:r>
+              <a:rPr lang="en-US" baseline="0" dirty="0" smtClean="0"/>
+              <a:t>Low discrepancy sampling</a:t>
+            </a:r>
+            <a:endParaRPr lang="en-US" dirty="0"/>
+          </a:p>
+        </p:txBody>
+      </p:sp>
+      <p:sp>
+        <p:nvSpPr>
+          <p:cNvPr id="4" name="Slide Number Placeholder 3"/>
+          <p:cNvSpPr>
+            <a:spLocks noGrp="1"/>
+          </p:cNvSpPr>
+          <p:nvPr>
+            <p:ph type="sldNum" sz="quarter" idx="10"/>
+          </p:nvPr>
+        </p:nvSpPr>
+        <p:spPr/>
+        <p:txBody>
+          <a:bodyPr/>
+          <a:lstStyle/>
+          <a:p>
+            <a:fld id="{4BAF2748-3477-4185-BA7E-C3C95536F5B5}" type="slidenum">
+              <a:rPr lang="en-US" smtClean="0"/>
+              <a:t>34</a:t>
+            </a:fld>
+            <a:endParaRPr lang="en-US"/>
+          </a:p>
+        </p:txBody>
+      </p:sp>
+    </p:spTree>
+    <p:extLst>
+      <p:ext uri="{BB962C8B-B14F-4D97-AF65-F5344CB8AC3E}">
+        <p14:creationId xmlns:p14="http://schemas.microsoft.com/office/powerpoint/2010/main" val="456280378"/>
+      </p:ext>
+    </p:extLst>
+  </p:cSld>
+  <p:clrMapOvr>
+    <a:masterClrMapping/>
+  </p:clrMapOvr>
+</p:notes>
+</file>
+
+<file path=ppt/notesSlides/notesSlide11.xml><?xml version="1.0" encoding="utf-8"?>
+<p:notes xmlns:a="http://schemas.openxmlformats.org/drawingml/2006/main" xmlns:r="http://schemas.openxmlformats.org/officeDocument/2006/relationships" xmlns:p="http://schemas.openxmlformats.org/presentationml/2006/main">
+  <p:cSld>
+    <p:spTree>
+      <p:nvGrpSpPr>
+        <p:cNvPr id="1" name=""/>
+        <p:cNvGrpSpPr/>
+        <p:nvPr/>
+      </p:nvGrpSpPr>
+      <p:grpSpPr>
+        <a:xfrm>
+          <a:off x="0" y="0"/>
+          <a:ext cx="0" cy="0"/>
+          <a:chOff x="0" y="0"/>
+          <a:chExt cx="0" cy="0"/>
+        </a:xfrm>
+      </p:grpSpPr>
+      <p:sp>
+        <p:nvSpPr>
+          <p:cNvPr id="2" name="Slide Image Placeholder 1"/>
+          <p:cNvSpPr>
+            <a:spLocks noGrp="1" noRot="1" noChangeAspect="1"/>
+          </p:cNvSpPr>
+          <p:nvPr>
+            <p:ph type="sldImg"/>
+          </p:nvPr>
+        </p:nvSpPr>
+        <p:spPr/>
+      </p:sp>
+      <p:sp>
+        <p:nvSpPr>
+          <p:cNvPr id="3" name="Notes Placeholder 2"/>
+          <p:cNvSpPr>
+            <a:spLocks noGrp="1"/>
+          </p:cNvSpPr>
+          <p:nvPr>
+            <p:ph type="body" idx="1"/>
+          </p:nvPr>
+        </p:nvSpPr>
+        <p:spPr/>
+        <p:txBody>
+          <a:bodyPr/>
+          <a:lstStyle/>
+          <a:p>
+            <a:r>
+              <a:rPr lang="en-US" dirty="0" smtClean="0"/>
+              <a:t>Note the difference</a:t>
+            </a:r>
+            <a:r>
+              <a:rPr lang="en-US" baseline="0" dirty="0" smtClean="0"/>
+              <a:t> in scale between the axes </a:t>
+            </a:r>
+          </a:p>
+          <a:p>
+            <a:r>
+              <a:rPr lang="en-US" baseline="0" dirty="0" smtClean="0"/>
+              <a:t>Also, not all trajectories are plotted, too unclear otherwise (that’s why there are samples at +- 1km </a:t>
+            </a:r>
+            <a:r>
+              <a:rPr lang="en-US" baseline="0" dirty="0" err="1" smtClean="0"/>
+              <a:t>crossrange</a:t>
+            </a:r>
+            <a:r>
+              <a:rPr lang="en-US" baseline="0" dirty="0" smtClean="0"/>
+              <a:t> not seen in the plots </a:t>
+            </a:r>
+            <a:endParaRPr lang="en-US" dirty="0"/>
+          </a:p>
+        </p:txBody>
+      </p:sp>
+      <p:sp>
+        <p:nvSpPr>
+          <p:cNvPr id="4" name="Slide Number Placeholder 3"/>
+          <p:cNvSpPr>
+            <a:spLocks noGrp="1"/>
+          </p:cNvSpPr>
+          <p:nvPr>
+            <p:ph type="sldNum" sz="quarter" idx="10"/>
+          </p:nvPr>
+        </p:nvSpPr>
+        <p:spPr/>
+        <p:txBody>
+          <a:bodyPr/>
+          <a:lstStyle/>
+          <a:p>
+            <a:fld id="{4BAF2748-3477-4185-BA7E-C3C95536F5B5}" type="slidenum">
+              <a:rPr lang="en-US" smtClean="0"/>
+              <a:t>35</a:t>
+            </a:fld>
+            <a:endParaRPr lang="en-US"/>
+          </a:p>
+        </p:txBody>
+      </p:sp>
+    </p:spTree>
+    <p:extLst>
+      <p:ext uri="{BB962C8B-B14F-4D97-AF65-F5344CB8AC3E}">
+        <p14:creationId xmlns:p14="http://schemas.microsoft.com/office/powerpoint/2010/main" val="2708615837"/>
+      </p:ext>
+    </p:extLst>
+  </p:cSld>
+  <p:clrMapOvr>
+    <a:masterClrMapping/>
+  </p:clrMapOvr>
+</p:notes>
+</file>
+
+<file path=ppt/notesSlides/notesSlide12.xml><?xml version="1.0" encoding="utf-8"?>
+<p:notes xmlns:a="http://schemas.openxmlformats.org/drawingml/2006/main" xmlns:r="http://schemas.openxmlformats.org/officeDocument/2006/relationships" xmlns:p="http://schemas.openxmlformats.org/presentationml/2006/main">
+  <p:cSld>
+    <p:spTree>
+      <p:nvGrpSpPr>
+        <p:cNvPr id="1" name=""/>
+        <p:cNvGrpSpPr/>
+        <p:nvPr/>
+      </p:nvGrpSpPr>
+      <p:grpSpPr>
+        <a:xfrm>
+          <a:off x="0" y="0"/>
+          <a:ext cx="0" cy="0"/>
+          <a:chOff x="0" y="0"/>
+          <a:chExt cx="0" cy="0"/>
+        </a:xfrm>
+      </p:grpSpPr>
+      <p:sp>
+        <p:nvSpPr>
+          <p:cNvPr id="2" name="Slide Image Placeholder 1"/>
+          <p:cNvSpPr>
+            <a:spLocks noGrp="1" noRot="1" noChangeAspect="1"/>
+          </p:cNvSpPr>
+          <p:nvPr>
+            <p:ph type="sldImg"/>
+          </p:nvPr>
+        </p:nvSpPr>
+        <p:spPr/>
+      </p:sp>
+      <p:sp>
+        <p:nvSpPr>
+          <p:cNvPr id="3" name="Notes Placeholder 2"/>
+          <p:cNvSpPr>
+            <a:spLocks noGrp="1"/>
+          </p:cNvSpPr>
+          <p:nvPr>
+            <p:ph type="body" idx="1"/>
+          </p:nvPr>
+        </p:nvSpPr>
+        <p:spPr/>
+        <p:txBody>
+          <a:bodyPr/>
+          <a:lstStyle/>
+          <a:p>
+            <a:r>
+              <a:rPr lang="en-US" dirty="0" smtClean="0"/>
               <a:t>The full state vector</a:t>
             </a:r>
             <a:r>
@@ -731,7 +949,7 @@
           <a:p>
             <a:fld id="{97591DF4-FFBB-4E8C-8E87-255A2EADF72A}" type="slidenum">
               <a:rPr lang="en-US" smtClean="0"/>
-              <a:t>34</a:t>
+              <a:t>41</a:t>
             </a:fld>
             <a:endParaRPr lang="en-US"/>
           </a:p>
@@ -849,7 +1067,7 @@
           <a:p>
             <a:fld id="{3F6F7F58-9784-4543-B74A-850450AD4D21}" type="slidenum">
               <a:rPr lang="en-US" smtClean="0"/>
-              <a:t>14</a:t>
+              <a:t>19</a:t>
             </a:fld>
             <a:endParaRPr lang="en-US"/>
           </a:p>
@@ -914,21 +1132,32 @@
           <a:p>
             <a:r>
               <a:rPr lang="en-US" dirty="0" smtClean="0"/>
-              <a:t>Can either augment an existing approach, or form the basis for a</a:t>
+              <a:t>The finite size of the ellipse provides a very natural scaling for the sigma points, i.e. we choose the initial</a:t>
             </a:r>
             <a:r>
               <a:rPr lang="en-US" baseline="0" dirty="0" smtClean="0"/>
-              <a:t> new one </a:t>
+              <a:t> set of sigma points to be on the boundary of the initial ellipse</a:t>
             </a:r>
           </a:p>
           <a:p>
             <a:r>
               <a:rPr lang="en-US" baseline="0" dirty="0" smtClean="0"/>
-              <a:t>Need to balance computation requirements</a:t>
-            </a:r>
-          </a:p>
-          <a:p>
-            <a:endParaRPr lang="en-US" dirty="0"/>
+              <a:t>Can deal with parametric uncertainty in the same framework. Linear </a:t>
+            </a:r>
+            <a:r>
+              <a:rPr lang="en-US" baseline="0" dirty="0" err="1" smtClean="0"/>
+              <a:t>cov</a:t>
+            </a:r>
+            <a:r>
+              <a:rPr lang="en-US" baseline="0" dirty="0" smtClean="0"/>
+              <a:t> prop can deal with stochastic dynamics, how can we do that with sigma points? </a:t>
+            </a:r>
+          </a:p>
+          <a:p>
+            <a:r>
+              <a:rPr lang="en-US" baseline="0" dirty="0" smtClean="0"/>
+              <a:t>Answer: the total covariance is the state covariance P and the stochastic covariance Q along the diagonal [P 0; 0 Q]. Thus, any channel in which the noise acts increased the number of sigma points by 2</a:t>
+            </a:r>
           </a:p>
         </p:txBody>
       </p:sp>
@@ -947,7 +1176,7 @@
           <a:bodyPr/>
           <a:lstStyle/>
           <a:p>
-            <a:fld id="{4BAF2748-3477-4185-BA7E-C3C95536F5B5}" type="slidenum">
+            <a:fld id="{97591DF4-FFBB-4E8C-8E87-255A2EADF72A}" type="slidenum">
               <a:rPr lang="en-US" smtClean="0"/>
               <a:t>21</a:t>
             </a:fld>
@@ -958,7 +1187,7 @@
     </p:spTree>
     <p:extLst>
       <p:ext uri="{BB962C8B-B14F-4D97-AF65-F5344CB8AC3E}">
-        <p14:creationId xmlns:p14="http://schemas.microsoft.com/office/powerpoint/2010/main" val="3169339874"/>
+        <p14:creationId xmlns:p14="http://schemas.microsoft.com/office/powerpoint/2010/main" val="4170942181"/>
       </p:ext>
     </p:extLst>
   </p:cSld>
@@ -1014,42 +1243,24 @@
           <a:p>
             <a:r>
               <a:rPr lang="en-US" dirty="0" smtClean="0"/>
-              <a:t>Entry vehicle flies with an angle of attack to generate lift</a:t>
-            </a:r>
-          </a:p>
-          <a:p>
-            <a:r>
-              <a:rPr lang="en-US" dirty="0" smtClean="0"/>
-              <a:t>Vehicle is steered toward the target via rotation of the vehicle about the velocity vector to orient the lift vector </a:t>
-            </a:r>
-          </a:p>
-          <a:p>
-            <a:pPr marL="0" marR="0" indent="0" algn="l" defTabSz="914400" rtl="0" eaLnBrk="1" fontAlgn="auto" latinLnBrk="0" hangingPunct="1">
-              <a:lnSpc>
-                <a:spcPct val="100000"/>
-              </a:lnSpc>
-              <a:spcBef>
-                <a:spcPts val="0"/>
-              </a:spcBef>
-              <a:spcAft>
-                <a:spcPts val="0"/>
-              </a:spcAft>
-              <a:buClrTx/>
-              <a:buSzTx/>
-              <a:buFontTx/>
-              <a:buNone/>
-              <a:tabLst/>
-              <a:defRPr/>
-            </a:pPr>
-            <a:r>
-              <a:rPr lang="en-US" dirty="0" smtClean="0"/>
-              <a:t>Many potential applications, including updates to a reference trajectory in a tracking approach, and predictor-corrector-like method based on regular repeated updates </a:t>
-            </a:r>
-          </a:p>
-          <a:p>
-            <a:endParaRPr lang="en-US" dirty="0" smtClean="0"/>
-          </a:p>
-          <a:p>
+              <a:t>Provides a systematic way to bias the reference away from the constraints</a:t>
+            </a:r>
+          </a:p>
+          <a:p>
+            <a:r>
+              <a:rPr lang="en-US" dirty="0" smtClean="0"/>
+              <a:t>Fixed endpoint at the origin</a:t>
+            </a:r>
+          </a:p>
+          <a:p>
+            <a:r>
+              <a:rPr lang="en-US" dirty="0" smtClean="0"/>
+              <a:t>Drag effect is contracting, allows even the open</a:t>
+            </a:r>
+            <a:r>
+              <a:rPr lang="en-US" baseline="0" dirty="0" smtClean="0"/>
+              <a:t> loop scenarios to reduce the variance </a:t>
+            </a:r>
             <a:endParaRPr lang="en-US" dirty="0"/>
           </a:p>
         </p:txBody>
@@ -1069,9 +1280,9 @@
           <a:bodyPr/>
           <a:lstStyle/>
           <a:p>
-            <a:fld id="{4BAF2748-3477-4185-BA7E-C3C95536F5B5}" type="slidenum">
+            <a:fld id="{97591DF4-FFBB-4E8C-8E87-255A2EADF72A}" type="slidenum">
               <a:rPr lang="en-US" smtClean="0"/>
-              <a:t>22</a:t>
+              <a:t>25</a:t>
             </a:fld>
             <a:endParaRPr lang="en-US"/>
           </a:p>
@@ -1080,7 +1291,7 @@
     </p:spTree>
     <p:extLst>
       <p:ext uri="{BB962C8B-B14F-4D97-AF65-F5344CB8AC3E}">
-        <p14:creationId xmlns:p14="http://schemas.microsoft.com/office/powerpoint/2010/main" val="2590776145"/>
+        <p14:creationId xmlns:p14="http://schemas.microsoft.com/office/powerpoint/2010/main" val="3816364319"/>
       </p:ext>
     </p:extLst>
   </p:cSld>
@@ -1136,35 +1347,20 @@
           <a:p>
             <a:r>
               <a:rPr lang="en-US" dirty="0" smtClean="0"/>
-              <a:t>Minimizing distance to original trajectory keeps</a:t>
+              <a:t>Can either augment an existing approach, or form the basis for a</a:t>
             </a:r>
             <a:r>
               <a:rPr lang="en-US" baseline="0" dirty="0" smtClean="0"/>
-              <a:t> the linearization as accurate as possible </a:t>
-            </a:r>
-            <a:endParaRPr lang="en-US" dirty="0" smtClean="0"/>
-          </a:p>
-          <a:p>
-            <a:r>
-              <a:rPr lang="en-US" dirty="0" smtClean="0"/>
-              <a:t>Treating the bank rate</a:t>
-            </a:r>
+              <a:t> new one </a:t>
+            </a:r>
+          </a:p>
+          <a:p>
             <a:r>
               <a:rPr lang="en-US" baseline="0" dirty="0" smtClean="0"/>
-              <a:t> as control allows us to limit it, as an added benefit </a:t>
-            </a:r>
-          </a:p>
-          <a:p>
-            <a:r>
-              <a:rPr lang="en-US" baseline="0" dirty="0" smtClean="0"/>
-              <a:t>Normal approaches are iterative, ours solves only a single problem </a:t>
-            </a:r>
-          </a:p>
-          <a:p>
-            <a:r>
-              <a:rPr lang="en-US" baseline="0" dirty="0" smtClean="0"/>
-              <a:t>Bank limit becomes a path constraint, rather than control constraint </a:t>
-            </a:r>
+              <a:t>Need to balance computation requirements</a:t>
+            </a:r>
+          </a:p>
+          <a:p>
             <a:endParaRPr lang="en-US" dirty="0"/>
           </a:p>
         </p:txBody>
@@ -1186,7 +1382,7 @@
           <a:p>
             <a:fld id="{4BAF2748-3477-4185-BA7E-C3C95536F5B5}" type="slidenum">
               <a:rPr lang="en-US" smtClean="0"/>
-              <a:t>23</a:t>
+              <a:t>28</a:t>
             </a:fld>
             <a:endParaRPr lang="en-US"/>
           </a:p>
@@ -1195,7 +1391,7 @@
     </p:spTree>
     <p:extLst>
       <p:ext uri="{BB962C8B-B14F-4D97-AF65-F5344CB8AC3E}">
-        <p14:creationId xmlns:p14="http://schemas.microsoft.com/office/powerpoint/2010/main" val="1127205344"/>
+        <p14:creationId xmlns:p14="http://schemas.microsoft.com/office/powerpoint/2010/main" val="3169339874"/>
       </p:ext>
     </p:extLst>
   </p:cSld>
@@ -1251,12 +1447,42 @@
           <a:p>
             <a:r>
               <a:rPr lang="en-US" dirty="0" smtClean="0"/>
-              <a:t>Corrections</a:t>
-            </a:r>
-            <a:r>
-              <a:rPr lang="en-US" baseline="0" dirty="0" smtClean="0"/>
-              <a:t> are fairly substantial even for relatively small perturbations </a:t>
-            </a:r>
+              <a:t>Entry vehicle flies with an angle of attack to generate lift</a:t>
+            </a:r>
+          </a:p>
+          <a:p>
+            <a:r>
+              <a:rPr lang="en-US" dirty="0" smtClean="0"/>
+              <a:t>Vehicle is steered toward the target via rotation of the vehicle about the velocity vector to orient the lift vector </a:t>
+            </a:r>
+          </a:p>
+          <a:p>
+            <a:pPr marL="0" marR="0" indent="0" algn="l" defTabSz="914400" rtl="0" eaLnBrk="1" fontAlgn="auto" latinLnBrk="0" hangingPunct="1">
+              <a:lnSpc>
+                <a:spcPct val="100000"/>
+              </a:lnSpc>
+              <a:spcBef>
+                <a:spcPts val="0"/>
+              </a:spcBef>
+              <a:spcAft>
+                <a:spcPts val="0"/>
+              </a:spcAft>
+              <a:buClrTx/>
+              <a:buSzTx/>
+              <a:buFontTx/>
+              <a:buNone/>
+              <a:tabLst/>
+              <a:defRPr/>
+            </a:pPr>
+            <a:r>
+              <a:rPr lang="en-US" dirty="0" smtClean="0"/>
+              <a:t>Many potential applications, including updates to a reference trajectory in a tracking approach, and predictor-corrector-like method based on regular repeated updates </a:t>
+            </a:r>
+          </a:p>
+          <a:p>
+            <a:endParaRPr lang="en-US" dirty="0" smtClean="0"/>
+          </a:p>
+          <a:p>
             <a:endParaRPr lang="en-US" dirty="0"/>
           </a:p>
         </p:txBody>
@@ -1278,7 +1504,7 @@
           <a:p>
             <a:fld id="{4BAF2748-3477-4185-BA7E-C3C95536F5B5}" type="slidenum">
               <a:rPr lang="en-US" smtClean="0"/>
-              <a:t>25</a:t>
+              <a:t>29</a:t>
             </a:fld>
             <a:endParaRPr lang="en-US"/>
           </a:p>
@@ -1287,7 +1513,7 @@
     </p:spTree>
     <p:extLst>
       <p:ext uri="{BB962C8B-B14F-4D97-AF65-F5344CB8AC3E}">
-        <p14:creationId xmlns:p14="http://schemas.microsoft.com/office/powerpoint/2010/main" val="80136126"/>
+        <p14:creationId xmlns:p14="http://schemas.microsoft.com/office/powerpoint/2010/main" val="2590776145"/>
       </p:ext>
     </p:extLst>
   </p:cSld>
@@ -1341,6 +1567,37 @@
           <a:bodyPr/>
           <a:lstStyle/>
           <a:p>
+            <a:r>
+              <a:rPr lang="en-US" dirty="0" smtClean="0"/>
+              <a:t>Minimizing distance to original trajectory keeps</a:t>
+            </a:r>
+            <a:r>
+              <a:rPr lang="en-US" baseline="0" dirty="0" smtClean="0"/>
+              <a:t> the linearization as accurate as possible </a:t>
+            </a:r>
+            <a:endParaRPr lang="en-US" dirty="0" smtClean="0"/>
+          </a:p>
+          <a:p>
+            <a:r>
+              <a:rPr lang="en-US" dirty="0" smtClean="0"/>
+              <a:t>Treating the bank rate</a:t>
+            </a:r>
+            <a:r>
+              <a:rPr lang="en-US" baseline="0" dirty="0" smtClean="0"/>
+              <a:t> as control allows us to limit it, as an added benefit </a:t>
+            </a:r>
+          </a:p>
+          <a:p>
+            <a:r>
+              <a:rPr lang="en-US" baseline="0" dirty="0" smtClean="0"/>
+              <a:t>Normal approaches are iterative, ours solves only a single problem </a:t>
+            </a:r>
+          </a:p>
+          <a:p>
+            <a:r>
+              <a:rPr lang="en-US" baseline="0" dirty="0" smtClean="0"/>
+              <a:t>Bank limit becomes a path constraint, rather than control constraint </a:t>
+            </a:r>
             <a:endParaRPr lang="en-US" dirty="0"/>
           </a:p>
         </p:txBody>
@@ -1362,7 +1619,7 @@
           <a:p>
             <a:fld id="{4BAF2748-3477-4185-BA7E-C3C95536F5B5}" type="slidenum">
               <a:rPr lang="en-US" smtClean="0"/>
-              <a:t>26</a:t>
+              <a:t>30</a:t>
             </a:fld>
             <a:endParaRPr lang="en-US"/>
           </a:p>
@@ -1371,7 +1628,7 @@
     </p:spTree>
     <p:extLst>
       <p:ext uri="{BB962C8B-B14F-4D97-AF65-F5344CB8AC3E}">
-        <p14:creationId xmlns:p14="http://schemas.microsoft.com/office/powerpoint/2010/main" val="2057775336"/>
+        <p14:creationId xmlns:p14="http://schemas.microsoft.com/office/powerpoint/2010/main" val="1127205344"/>
       </p:ext>
     </p:extLst>
   </p:cSld>
@@ -1427,17 +1684,11 @@
           <a:p>
             <a:r>
               <a:rPr lang="en-US" dirty="0" smtClean="0"/>
-              <a:t>No tracking, flown open-loop</a:t>
+              <a:t>Corrections</a:t>
             </a:r>
             <a:r>
               <a:rPr lang="en-US" baseline="0" dirty="0" smtClean="0"/>
-              <a:t> between plans, NO ADD’L LATERAL CONTROL</a:t>
-            </a:r>
-          </a:p>
-          <a:p>
-            <a:r>
-              <a:rPr lang="en-US" baseline="0" dirty="0" smtClean="0"/>
-              <a:t>Low discrepancy sampling</a:t>
+              <a:t> are fairly substantial even for relatively small perturbations </a:t>
             </a:r>
             <a:endParaRPr lang="en-US" dirty="0"/>
           </a:p>
@@ -1460,7 +1711,7 @@
           <a:p>
             <a:fld id="{4BAF2748-3477-4185-BA7E-C3C95536F5B5}" type="slidenum">
               <a:rPr lang="en-US" smtClean="0"/>
-              <a:t>27</a:t>
+              <a:t>32</a:t>
             </a:fld>
             <a:endParaRPr lang="en-US"/>
           </a:p>
@@ -1469,7 +1720,7 @@
     </p:spTree>
     <p:extLst>
       <p:ext uri="{BB962C8B-B14F-4D97-AF65-F5344CB8AC3E}">
-        <p14:creationId xmlns:p14="http://schemas.microsoft.com/office/powerpoint/2010/main" val="456280378"/>
+        <p14:creationId xmlns:p14="http://schemas.microsoft.com/office/powerpoint/2010/main" val="80136126"/>
       </p:ext>
     </p:extLst>
   </p:cSld>
@@ -1523,28 +1774,6 @@
           <a:bodyPr/>
           <a:lstStyle/>
           <a:p>
-            <a:r>
-              <a:rPr lang="en-US" dirty="0" smtClean="0"/>
-              <a:t>Note the difference</a:t>
-            </a:r>
-            <a:r>
-              <a:rPr lang="en-US" baseline="0" dirty="0" smtClean="0"/>
-              <a:t> in scale between the axes </a:t>
-            </a:r>
-          </a:p>
-          <a:p>
-            <a:r>
-              <a:rPr lang="en-US" baseline="0" dirty="0" smtClean="0"/>
-              <a:t>Also, not all trajectories are plotted, too unclear otherwise (that’s why there are samples at +- 1km </a:t>
-            </a:r>
-            <a:r>
-              <a:rPr lang="en-US" baseline="0" dirty="0" err="1" smtClean="0"/>
-              <a:t>crossrange</a:t>
-            </a:r>
-            <a:r>
-              <a:rPr lang="en-US" baseline="0" dirty="0" smtClean="0"/>
-              <a:t> not seen in the plots </a:t>
-            </a:r>
             <a:endParaRPr lang="en-US" dirty="0"/>
           </a:p>
         </p:txBody>
@@ -1566,7 +1795,7 @@
           <a:p>
             <a:fld id="{4BAF2748-3477-4185-BA7E-C3C95536F5B5}" type="slidenum">
               <a:rPr lang="en-US" smtClean="0"/>
-              <a:t>28</a:t>
+              <a:t>33</a:t>
             </a:fld>
             <a:endParaRPr lang="en-US"/>
           </a:p>
@@ -1575,7 +1804,7 @@
     </p:spTree>
     <p:extLst>
       <p:ext uri="{BB962C8B-B14F-4D97-AF65-F5344CB8AC3E}">
-        <p14:creationId xmlns:p14="http://schemas.microsoft.com/office/powerpoint/2010/main" val="2708615837"/>
+        <p14:creationId xmlns:p14="http://schemas.microsoft.com/office/powerpoint/2010/main" val="2057775336"/>
       </p:ext>
     </p:extLst>
   </p:cSld>
@@ -1838,7 +2067,7 @@
           <a:p>
             <a:fld id="{D7E3E3E1-DA1C-4C78-804D-A460EDC7CDF7}" type="datetime1">
               <a:rPr lang="en-US" smtClean="0"/>
-              <a:t>11/30/2018</a:t>
+              <a:t>12/1/2018</a:t>
             </a:fld>
             <a:endParaRPr lang="en-US"/>
           </a:p>
@@ -2048,7 +2277,7 @@
           <a:p>
             <a:fld id="{4C2A3942-AC9F-4900-AF3E-729F0CBF5F5D}" type="datetime1">
               <a:rPr lang="en-US" smtClean="0"/>
-              <a:t>11/30/2018</a:t>
+              <a:t>12/1/2018</a:t>
             </a:fld>
             <a:endParaRPr lang="en-US"/>
           </a:p>
@@ -2258,7 +2487,7 @@
           <a:p>
             <a:fld id="{DACEE8DD-B545-4020-BC5A-D34F01A5A26F}" type="datetime1">
               <a:rPr lang="en-US" smtClean="0"/>
-              <a:t>11/30/2018</a:t>
+              <a:t>12/1/2018</a:t>
             </a:fld>
             <a:endParaRPr lang="en-US"/>
           </a:p>
@@ -2532,7 +2761,7 @@
           <a:p>
             <a:fld id="{EBF51373-0B92-4095-A9F0-284D7FA8B7E7}" type="datetime1">
               <a:rPr lang="en-US" smtClean="0"/>
-              <a:t>11/30/2018</a:t>
+              <a:t>12/1/2018</a:t>
             </a:fld>
             <a:endParaRPr lang="en-US"/>
           </a:p>
@@ -2802,7 +3031,7 @@
           <a:p>
             <a:fld id="{C305B270-32AD-407D-ACAC-1BAAEC86FBA1}" type="datetime1">
               <a:rPr lang="en-US" smtClean="0"/>
-              <a:t>11/30/2018</a:t>
+              <a:t>12/1/2018</a:t>
             </a:fld>
             <a:endParaRPr lang="en-US"/>
           </a:p>
@@ -3208,7 +3437,7 @@
           <a:p>
             <a:fld id="{0CF93851-941C-4C07-9120-0ED7F14644ED}" type="datetime1">
               <a:rPr lang="en-US" smtClean="0"/>
-              <a:t>11/30/2018</a:t>
+              <a:t>12/1/2018</a:t>
             </a:fld>
             <a:endParaRPr lang="en-US"/>
           </a:p>
@@ -3358,7 +3587,7 @@
           <a:p>
             <a:fld id="{1FB6BAEA-AA53-4BB6-9F04-4C9702B1758A}" type="datetime1">
               <a:rPr lang="en-US" smtClean="0"/>
-              <a:t>11/30/2018</a:t>
+              <a:t>12/1/2018</a:t>
             </a:fld>
             <a:endParaRPr lang="en-US"/>
           </a:p>
@@ -3477,7 +3706,7 @@
           <a:p>
             <a:fld id="{09592BD6-EE29-41DA-BA01-5F7FA8E99330}" type="datetime1">
               <a:rPr lang="en-US" smtClean="0"/>
-              <a:t>11/30/2018</a:t>
+              <a:t>12/1/2018</a:t>
             </a:fld>
             <a:endParaRPr lang="en-US"/>
           </a:p>
@@ -3787,7 +4016,7 @@
           <a:p>
             <a:fld id="{6D95DC4E-C18F-4F5B-9620-0E1784FD1310}" type="datetime1">
               <a:rPr lang="en-US" smtClean="0"/>
-              <a:t>11/30/2018</a:t>
+              <a:t>12/1/2018</a:t>
             </a:fld>
             <a:endParaRPr lang="en-US"/>
           </a:p>
@@ -4077,7 +4306,7 @@
           <a:p>
             <a:fld id="{EEAFA30E-B105-4824-A3D3-A5B7E7C3137B}" type="datetime1">
               <a:rPr lang="en-US" smtClean="0"/>
-              <a:t>11/30/2018</a:t>
+              <a:t>12/1/2018</a:t>
             </a:fld>
             <a:endParaRPr lang="en-US"/>
           </a:p>
@@ -4687,7 +4916,7 @@
           <a:p>
             <a:fld id="{D65BF523-FE77-4845-B5F2-255A016D8311}" type="datetime1">
               <a:rPr lang="en-US" smtClean="0"/>
-              <a:t>11/30/2018</a:t>
+              <a:t>12/1/2018</a:t>
             </a:fld>
             <a:endParaRPr lang="en-US"/>
           </a:p>
@@ -4733,21 +4962,16 @@
             <p:ph type="title"/>
           </p:nvPr>
         </p:nvSpPr>
-        <p:spPr>
-          <a:xfrm>
-            <a:off x="628650" y="1079156"/>
-            <a:ext cx="7886700" cy="1051569"/>
-          </a:xfrm>
-        </p:spPr>
-        <p:txBody>
-          <a:bodyPr/>
-          <a:lstStyle/>
-          <a:p>
-            <a:r>
-              <a:rPr lang="en-US" sz="3600" dirty="0" smtClean="0"/>
-              <a:t>Drawbacks/Limitations of Existing Approaches</a:t>
-            </a:r>
-            <a:endParaRPr lang="en-US" sz="3600" dirty="0"/>
+        <p:spPr/>
+        <p:txBody>
+          <a:bodyPr/>
+          <a:lstStyle/>
+          <a:p>
+            <a:r>
+              <a:rPr lang="en-US" dirty="0" smtClean="0"/>
+              <a:t>Entry Guidance Literature</a:t>
+            </a:r>
+            <a:endParaRPr lang="en-US" dirty="0"/>
           </a:p>
         </p:txBody>
       </p:sp>
@@ -4761,85 +4985,28 @@
             <p:ph idx="1"/>
           </p:nvPr>
         </p:nvSpPr>
-        <p:spPr>
-          <a:xfrm>
-            <a:off x="628650" y="2130725"/>
-            <a:ext cx="7886700" cy="4304583"/>
-          </a:xfrm>
-        </p:spPr>
-        <p:txBody>
-          <a:bodyPr/>
-          <a:lstStyle/>
-          <a:p>
-            <a:r>
-              <a:rPr lang="en-US" sz="2400" dirty="0" smtClean="0"/>
-              <a:t>Desensitized control does not make </a:t>
-            </a:r>
-            <a:r>
-              <a:rPr lang="en-US" sz="2400" dirty="0" smtClean="0"/>
-              <a:t>use </a:t>
-            </a:r>
-            <a:r>
-              <a:rPr lang="en-US" sz="2400" dirty="0" smtClean="0"/>
-              <a:t>of statistical information</a:t>
-            </a:r>
-          </a:p>
-          <a:p>
-            <a:pPr lvl="1"/>
-            <a:r>
-              <a:rPr lang="en-US" sz="2000" dirty="0" smtClean="0"/>
-              <a:t>Indeed, performance evaluations are conducted using parameters governed by distributions and we can use this information explicitly </a:t>
-            </a:r>
-          </a:p>
-          <a:p>
-            <a:r>
-              <a:rPr lang="en-US" sz="2400" dirty="0" smtClean="0"/>
-              <a:t>Few papers discuss closed-loop approaches </a:t>
-            </a:r>
-          </a:p>
-          <a:p>
-            <a:pPr lvl="1"/>
-            <a:r>
-              <a:rPr lang="en-US" sz="2000" dirty="0" smtClean="0"/>
-              <a:t>Those that do avoid the issue of control constraints and instead impose arbitrary limits on the feedback gains or exclude feedback gains </a:t>
-            </a:r>
-            <a:r>
-              <a:rPr lang="en-US" sz="2000" dirty="0" smtClean="0"/>
-              <a:t>from the optimization process entirely</a:t>
-            </a:r>
-            <a:endParaRPr lang="en-US" sz="2000" dirty="0" smtClean="0"/>
-          </a:p>
-          <a:p>
-            <a:r>
-              <a:rPr lang="en-US" sz="2400" dirty="0" smtClean="0"/>
-              <a:t>Generally only </a:t>
-            </a:r>
-            <a:r>
-              <a:rPr lang="en-US" sz="2400" dirty="0" smtClean="0"/>
-              <a:t>demonstrated </a:t>
-            </a:r>
-            <a:r>
-              <a:rPr lang="en-US" sz="2400" dirty="0" smtClean="0"/>
-              <a:t>on 2d </a:t>
-            </a:r>
-            <a:r>
-              <a:rPr lang="en-US" sz="2400" dirty="0" smtClean="0"/>
-              <a:t>examples, many proposed solutions do not scale well with increasing dimension</a:t>
-            </a:r>
-          </a:p>
-          <a:p>
-            <a:r>
-              <a:rPr lang="en-US" sz="2400" dirty="0" smtClean="0"/>
-              <a:t>PCE only display spectral convergence for smooth systems</a:t>
-            </a:r>
-          </a:p>
-          <a:p>
-            <a:pPr lvl="1"/>
-            <a:r>
-              <a:rPr lang="en-US" sz="2000" dirty="0" smtClean="0"/>
-              <a:t>Saturation nonlinearity slows convergence as a result </a:t>
-            </a:r>
-            <a:endParaRPr lang="en-US" sz="2000" dirty="0" smtClean="0"/>
+        <p:spPr/>
+        <p:txBody>
+          <a:bodyPr/>
+          <a:lstStyle/>
+          <a:p>
+            <a:r>
+              <a:rPr lang="en-US" dirty="0" smtClean="0"/>
+              <a:t>Drag tracking</a:t>
+            </a:r>
+          </a:p>
+          <a:p>
+            <a:r>
+              <a:rPr lang="en-US" dirty="0" smtClean="0"/>
+              <a:t>Neighboring optimal control</a:t>
+            </a:r>
+          </a:p>
+          <a:p>
+            <a:r>
+              <a:rPr lang="en-US" dirty="0" smtClean="0"/>
+              <a:t>Predictor-corrector </a:t>
+            </a:r>
+            <a:endParaRPr lang="en-US" dirty="0"/>
           </a:p>
         </p:txBody>
       </p:sp>
@@ -4858,9 +5025,9 @@
           <a:bodyPr/>
           <a:lstStyle/>
           <a:p>
-            <a:fld id="{7E2110A7-166C-49B2-9D48-0EC3D7BA312D}" type="datetime1">
+            <a:fld id="{DACEE8DD-B545-4020-BC5A-D34F01A5A26F}" type="datetime1">
               <a:rPr lang="en-US" smtClean="0"/>
-              <a:t>11/30/2018</a:t>
+              <a:t>12/1/2018</a:t>
             </a:fld>
             <a:endParaRPr lang="en-US"/>
           </a:p>
@@ -4869,7 +5036,7 @@
     </p:spTree>
     <p:extLst>
       <p:ext uri="{BB962C8B-B14F-4D97-AF65-F5344CB8AC3E}">
-        <p14:creationId xmlns:p14="http://schemas.microsoft.com/office/powerpoint/2010/main" val="4273695452"/>
+        <p14:creationId xmlns:p14="http://schemas.microsoft.com/office/powerpoint/2010/main" val="2417919666"/>
       </p:ext>
     </p:extLst>
   </p:cSld>
@@ -4906,19 +5073,14 @@
             <p:ph type="title"/>
           </p:nvPr>
         </p:nvSpPr>
-        <p:spPr>
-          <a:xfrm>
-            <a:off x="628650" y="1079156"/>
-            <a:ext cx="7886700" cy="1248407"/>
-          </a:xfrm>
-        </p:spPr>
-        <p:txBody>
-          <a:bodyPr/>
-          <a:lstStyle/>
-          <a:p>
-            <a:r>
-              <a:rPr lang="en-US" dirty="0" smtClean="0"/>
-              <a:t>Switch Time Optimization for Rapid Entry Trajectory Design</a:t>
+        <p:spPr/>
+        <p:txBody>
+          <a:bodyPr/>
+          <a:lstStyle/>
+          <a:p>
+            <a:r>
+              <a:rPr lang="en-US" dirty="0" smtClean="0"/>
+              <a:t>Literature Review </a:t>
             </a:r>
             <a:endParaRPr lang="en-US" dirty="0"/>
           </a:p>
@@ -4934,46 +5096,59 @@
             <p:ph idx="1"/>
           </p:nvPr>
         </p:nvSpPr>
-        <p:spPr>
-          <a:xfrm>
-            <a:off x="628650" y="2576944"/>
-            <a:ext cx="7886700" cy="4281055"/>
-          </a:xfrm>
-        </p:spPr>
-        <p:txBody>
-          <a:bodyPr/>
-          <a:lstStyle/>
-          <a:p>
-            <a:r>
-              <a:rPr lang="en-US" dirty="0" smtClean="0"/>
-              <a:t>Simple parameterization for robust, near-optimal altitude performance intended for parachute architectures </a:t>
-            </a:r>
-          </a:p>
-          <a:p>
-            <a:r>
-              <a:rPr lang="en-US" dirty="0" smtClean="0"/>
-              <a:t>Can show that this parameterization also allows for near-optimal minimum velocity performance, suitable for SRP applications</a:t>
-            </a:r>
-          </a:p>
-          <a:p>
-            <a:r>
-              <a:rPr lang="en-US" dirty="0" smtClean="0"/>
-              <a:t>If-then logic used is discontinuous; </a:t>
+        <p:spPr/>
+        <p:txBody>
+          <a:bodyPr/>
+          <a:lstStyle/>
+          <a:p>
+            <a:r>
+              <a:rPr lang="en-US" dirty="0" smtClean="0"/>
+              <a:t>Linear Exponential Gaussian (weights higher moments)</a:t>
+            </a:r>
+          </a:p>
+          <a:p>
+            <a:r>
+              <a:rPr lang="en-US" dirty="0" smtClean="0"/>
+              <a:t>Control of </a:t>
             </a:r>
             <a:r>
               <a:rPr lang="en-US" dirty="0" err="1" smtClean="0"/>
-              <a:t>Nelder</a:t>
-            </a:r>
-            <a:r>
-              <a:rPr lang="en-US" dirty="0" smtClean="0"/>
-              <a:t>-Mead simplex method has been used for optimization</a:t>
-            </a:r>
-          </a:p>
-          <a:p>
-            <a:r>
-              <a:rPr lang="en-US" dirty="0" smtClean="0"/>
-              <a:t>Results from hybrid OC literature suggest a gradient based solution is possible and preferable </a:t>
-            </a:r>
+              <a:t>Liouville</a:t>
+            </a:r>
+            <a:r>
+              <a:rPr lang="en-US" dirty="0" smtClean="0"/>
+              <a:t> equation</a:t>
+            </a:r>
+          </a:p>
+          <a:p>
+            <a:r>
+              <a:rPr lang="en-US" dirty="0" smtClean="0"/>
+              <a:t>Desensitized optimal control penalizes the partial derivatives of the objective function </a:t>
+            </a:r>
+            <a:r>
+              <a:rPr lang="en-US" dirty="0" err="1" smtClean="0"/>
+              <a:t>wrt</a:t>
+            </a:r>
+            <a:r>
+              <a:rPr lang="en-US" dirty="0" smtClean="0"/>
+              <a:t> parameters, or places constraints on sensitivities </a:t>
+            </a:r>
+          </a:p>
+          <a:p>
+            <a:r>
+              <a:rPr lang="en-US" dirty="0" smtClean="0"/>
+              <a:t>Mean-Variance trades off mean performance and robustness</a:t>
+            </a:r>
+          </a:p>
+          <a:p>
+            <a:pPr lvl="1"/>
+            <a:r>
+              <a:rPr lang="en-US" dirty="0" smtClean="0"/>
+              <a:t>Decreasing the sensitivity of open-loop optimal solutions in decision making under uncertainty</a:t>
+            </a:r>
+          </a:p>
+          <a:p>
+            <a:pPr lvl="1"/>
             <a:endParaRPr lang="en-US" dirty="0"/>
           </a:p>
         </p:txBody>
@@ -4993,9 +5168,9 @@
           <a:bodyPr/>
           <a:lstStyle/>
           <a:p>
-            <a:fld id="{C5C4825F-DB45-4B89-B3FE-04D1625C0B44}" type="datetime1">
+            <a:fld id="{254BC335-DBB6-4EC5-981C-ED25FB0DA65F}" type="datetime1">
               <a:rPr lang="en-US" smtClean="0"/>
-              <a:t>11/30/2018</a:t>
+              <a:t>12/1/2018</a:t>
             </a:fld>
             <a:endParaRPr lang="en-US"/>
           </a:p>
@@ -5004,7 +5179,7 @@
     </p:spTree>
     <p:extLst>
       <p:ext uri="{BB962C8B-B14F-4D97-AF65-F5344CB8AC3E}">
-        <p14:creationId xmlns:p14="http://schemas.microsoft.com/office/powerpoint/2010/main" val="949813023"/>
+        <p14:creationId xmlns:p14="http://schemas.microsoft.com/office/powerpoint/2010/main" val="1712482433"/>
       </p:ext>
     </p:extLst>
   </p:cSld>
@@ -5048,7 +5223,7 @@
           <a:p>
             <a:r>
               <a:rPr lang="en-US" dirty="0" smtClean="0"/>
-              <a:t>Switch Time Opt</a:t>
+              <a:t>Literature Review </a:t>
             </a:r>
             <a:endParaRPr lang="en-US" dirty="0"/>
           </a:p>
@@ -5064,61 +5239,69 @@
             <p:ph idx="1"/>
           </p:nvPr>
         </p:nvSpPr>
+        <p:spPr>
+          <a:xfrm>
+            <a:off x="628650" y="1825625"/>
+            <a:ext cx="8185836" cy="4351338"/>
+          </a:xfrm>
+        </p:spPr>
+        <p:txBody>
+          <a:bodyPr/>
+          <a:lstStyle/>
+          <a:p>
+            <a:r>
+              <a:rPr lang="en-US" dirty="0" smtClean="0"/>
+              <a:t>Optimal Trajectory Generation with Probabilistic System Uncertainty Using Polynomial Chaos (Fisher, Bhattacharya)</a:t>
+            </a:r>
+          </a:p>
+          <a:p>
+            <a:pPr lvl="1"/>
+            <a:r>
+              <a:rPr lang="en-US" dirty="0" smtClean="0"/>
+              <a:t>Derived expressions for minimum expectation and minimum variance objectives in terms of PCE coefficients</a:t>
+            </a:r>
+          </a:p>
+          <a:p>
+            <a:pPr lvl="1"/>
+            <a:r>
+              <a:rPr lang="en-US" dirty="0" smtClean="0"/>
+              <a:t>Considered open loop</a:t>
+            </a:r>
+          </a:p>
+          <a:p>
+            <a:r>
+              <a:rPr lang="en-US" dirty="0" smtClean="0"/>
+              <a:t>Stochastic Trajectory Optimization for Mechanical Systems with Parametric Uncertainties</a:t>
+            </a:r>
+          </a:p>
+          <a:p>
+            <a:pPr lvl="1"/>
+            <a:r>
+              <a:rPr lang="en-US" dirty="0" smtClean="0"/>
+              <a:t>Extended Differential Dynamic Programming to stochastic systems using polynomial chaos </a:t>
+            </a:r>
+            <a:endParaRPr lang="en-US" dirty="0"/>
+          </a:p>
+        </p:txBody>
+      </p:sp>
+      <p:sp>
+        <p:nvSpPr>
+          <p:cNvPr id="4" name="Date Placeholder 3"/>
+          <p:cNvSpPr>
+            <a:spLocks noGrp="1"/>
+          </p:cNvSpPr>
+          <p:nvPr>
+            <p:ph type="dt" sz="half" idx="10"/>
+          </p:nvPr>
+        </p:nvSpPr>
         <p:spPr/>
         <p:txBody>
           <a:bodyPr/>
           <a:lstStyle/>
           <a:p>
-            <a:r>
-              <a:rPr lang="en-US" dirty="0" smtClean="0"/>
-              <a:t>Gradients with respect to switch times cannot be easily evaluated via finite difference, and automatic differentiation fails due to the discontinuous logic</a:t>
-            </a:r>
-          </a:p>
-          <a:p>
-            <a:r>
-              <a:rPr lang="en-US" dirty="0" smtClean="0"/>
-              <a:t>Solved very efficient via SQP method (</a:t>
-            </a:r>
-            <a:r>
-              <a:rPr lang="en-US" dirty="0" err="1" smtClean="0"/>
-              <a:t>quasiNewton</a:t>
-            </a:r>
-            <a:r>
-              <a:rPr lang="en-US" dirty="0" smtClean="0"/>
-              <a:t> method, BFGS update to inverse Hessian)</a:t>
-            </a:r>
-          </a:p>
-          <a:p>
-            <a:r>
-              <a:rPr lang="en-US" dirty="0" smtClean="0"/>
-              <a:t>We left margins heuristically, assumed a fixed % was sufficient for closed </a:t>
-            </a:r>
-            <a:r>
+            <a:fld id="{36135E0D-215F-4675-BD12-2A0CC5452F32}" type="datetime1">
               <a:rPr lang="en-US" smtClean="0"/>
-              <a:t>loop trajectories </a:t>
-            </a:r>
-            <a:endParaRPr lang="en-US" dirty="0"/>
-          </a:p>
-        </p:txBody>
-      </p:sp>
-      <p:sp>
-        <p:nvSpPr>
-          <p:cNvPr id="4" name="Date Placeholder 3"/>
-          <p:cNvSpPr>
-            <a:spLocks noGrp="1"/>
-          </p:cNvSpPr>
-          <p:nvPr>
-            <p:ph type="dt" sz="half" idx="10"/>
-          </p:nvPr>
-        </p:nvSpPr>
-        <p:spPr/>
-        <p:txBody>
-          <a:bodyPr/>
-          <a:lstStyle/>
-          <a:p>
-            <a:fld id="{581CF2A1-F6C1-4B7E-AC26-04453B5C8EE3}" type="datetime1">
-              <a:rPr lang="en-US" smtClean="0"/>
-              <a:t>11/30/2018</a:t>
+              <a:t>12/1/2018</a:t>
             </a:fld>
             <a:endParaRPr lang="en-US"/>
           </a:p>
@@ -5127,7 +5310,7 @@
     </p:spTree>
     <p:extLst>
       <p:ext uri="{BB962C8B-B14F-4D97-AF65-F5344CB8AC3E}">
-        <p14:creationId xmlns:p14="http://schemas.microsoft.com/office/powerpoint/2010/main" val="4101162675"/>
+        <p14:creationId xmlns:p14="http://schemas.microsoft.com/office/powerpoint/2010/main" val="3403497036"/>
       </p:ext>
     </p:extLst>
   </p:cSld>
@@ -5164,6 +5347,621 @@
             <p:ph type="title"/>
           </p:nvPr>
         </p:nvSpPr>
+        <p:spPr/>
+        <p:txBody>
+          <a:bodyPr/>
+          <a:lstStyle/>
+          <a:p>
+            <a:r>
+              <a:rPr lang="en-US" dirty="0" smtClean="0"/>
+              <a:t>Also Related</a:t>
+            </a:r>
+            <a:endParaRPr lang="en-US" dirty="0"/>
+          </a:p>
+        </p:txBody>
+      </p:sp>
+      <p:sp>
+        <p:nvSpPr>
+          <p:cNvPr id="3" name="Content Placeholder 2"/>
+          <p:cNvSpPr>
+            <a:spLocks noGrp="1"/>
+          </p:cNvSpPr>
+          <p:nvPr>
+            <p:ph idx="1"/>
+          </p:nvPr>
+        </p:nvSpPr>
+        <p:spPr/>
+        <p:txBody>
+          <a:bodyPr/>
+          <a:lstStyle/>
+          <a:p>
+            <a:r>
+              <a:rPr lang="en-US" dirty="0" smtClean="0"/>
+              <a:t>Tube-based formulations (MPC), invariant sets</a:t>
+            </a:r>
+          </a:p>
+          <a:p>
+            <a:r>
+              <a:rPr lang="en-US" dirty="0" smtClean="0"/>
+              <a:t>PDF shaping</a:t>
+            </a:r>
+            <a:endParaRPr lang="en-US" dirty="0"/>
+          </a:p>
+        </p:txBody>
+      </p:sp>
+      <p:sp>
+        <p:nvSpPr>
+          <p:cNvPr id="4" name="Date Placeholder 3"/>
+          <p:cNvSpPr>
+            <a:spLocks noGrp="1"/>
+          </p:cNvSpPr>
+          <p:nvPr>
+            <p:ph type="dt" sz="half" idx="10"/>
+          </p:nvPr>
+        </p:nvSpPr>
+        <p:spPr/>
+        <p:txBody>
+          <a:bodyPr/>
+          <a:lstStyle/>
+          <a:p>
+            <a:fld id="{DACEE8DD-B545-4020-BC5A-D34F01A5A26F}" type="datetime1">
+              <a:rPr lang="en-US" smtClean="0"/>
+              <a:t>12/1/2018</a:t>
+            </a:fld>
+            <a:endParaRPr lang="en-US"/>
+          </a:p>
+        </p:txBody>
+      </p:sp>
+    </p:spTree>
+    <p:extLst>
+      <p:ext uri="{BB962C8B-B14F-4D97-AF65-F5344CB8AC3E}">
+        <p14:creationId xmlns:p14="http://schemas.microsoft.com/office/powerpoint/2010/main" val="3837855066"/>
+      </p:ext>
+    </p:extLst>
+  </p:cSld>
+  <p:clrMapOvr>
+    <a:masterClrMapping/>
+  </p:clrMapOvr>
+</p:sld>
+</file>
+
+<file path=ppt/slides/slide14.xml><?xml version="1.0" encoding="utf-8"?>
+<p:sld xmlns:a="http://schemas.openxmlformats.org/drawingml/2006/main" xmlns:r="http://schemas.openxmlformats.org/officeDocument/2006/relationships" xmlns:p="http://schemas.openxmlformats.org/presentationml/2006/main">
+  <p:cSld>
+    <p:spTree>
+      <p:nvGrpSpPr>
+        <p:cNvPr id="1" name=""/>
+        <p:cNvGrpSpPr/>
+        <p:nvPr/>
+      </p:nvGrpSpPr>
+      <p:grpSpPr>
+        <a:xfrm>
+          <a:off x="0" y="0"/>
+          <a:ext cx="0" cy="0"/>
+          <a:chOff x="0" y="0"/>
+          <a:chExt cx="0" cy="0"/>
+        </a:xfrm>
+      </p:grpSpPr>
+      <p:sp>
+        <p:nvSpPr>
+          <p:cNvPr id="2" name="Title 1"/>
+          <p:cNvSpPr>
+            <a:spLocks noGrp="1"/>
+          </p:cNvSpPr>
+          <p:nvPr>
+            <p:ph type="title"/>
+          </p:nvPr>
+        </p:nvSpPr>
+        <p:spPr/>
+        <p:txBody>
+          <a:bodyPr/>
+          <a:lstStyle/>
+          <a:p>
+            <a:r>
+              <a:rPr lang="en-US" dirty="0" smtClean="0"/>
+              <a:t>Existing Applications to EDL</a:t>
+            </a:r>
+            <a:endParaRPr lang="en-US" dirty="0"/>
+          </a:p>
+        </p:txBody>
+      </p:sp>
+      <p:sp>
+        <p:nvSpPr>
+          <p:cNvPr id="3" name="Content Placeholder 2"/>
+          <p:cNvSpPr>
+            <a:spLocks noGrp="1"/>
+          </p:cNvSpPr>
+          <p:nvPr>
+            <p:ph idx="1"/>
+          </p:nvPr>
+        </p:nvSpPr>
+        <p:spPr/>
+        <p:txBody>
+          <a:bodyPr/>
+          <a:lstStyle/>
+          <a:p>
+            <a:r>
+              <a:rPr lang="en-US" dirty="0" smtClean="0"/>
+              <a:t>Desensitized entry and powered descent without explicit enforcement of constraints</a:t>
+            </a:r>
+          </a:p>
+          <a:p>
+            <a:r>
+              <a:rPr lang="en-US" dirty="0" smtClean="0"/>
+              <a:t>Variance penalization without confirmation of benefits</a:t>
+            </a:r>
+            <a:endParaRPr lang="en-US" dirty="0"/>
+          </a:p>
+        </p:txBody>
+      </p:sp>
+      <p:sp>
+        <p:nvSpPr>
+          <p:cNvPr id="4" name="Date Placeholder 3"/>
+          <p:cNvSpPr>
+            <a:spLocks noGrp="1"/>
+          </p:cNvSpPr>
+          <p:nvPr>
+            <p:ph type="dt" sz="half" idx="10"/>
+          </p:nvPr>
+        </p:nvSpPr>
+        <p:spPr/>
+        <p:txBody>
+          <a:bodyPr/>
+          <a:lstStyle/>
+          <a:p>
+            <a:fld id="{DACEE8DD-B545-4020-BC5A-D34F01A5A26F}" type="datetime1">
+              <a:rPr lang="en-US" smtClean="0"/>
+              <a:t>12/1/2018</a:t>
+            </a:fld>
+            <a:endParaRPr lang="en-US"/>
+          </a:p>
+        </p:txBody>
+      </p:sp>
+    </p:spTree>
+    <p:extLst>
+      <p:ext uri="{BB962C8B-B14F-4D97-AF65-F5344CB8AC3E}">
+        <p14:creationId xmlns:p14="http://schemas.microsoft.com/office/powerpoint/2010/main" val="761289405"/>
+      </p:ext>
+    </p:extLst>
+  </p:cSld>
+  <p:clrMapOvr>
+    <a:masterClrMapping/>
+  </p:clrMapOvr>
+</p:sld>
+</file>
+
+<file path=ppt/slides/slide15.xml><?xml version="1.0" encoding="utf-8"?>
+<p:sld xmlns:a="http://schemas.openxmlformats.org/drawingml/2006/main" xmlns:r="http://schemas.openxmlformats.org/officeDocument/2006/relationships" xmlns:p="http://schemas.openxmlformats.org/presentationml/2006/main">
+  <p:cSld>
+    <p:spTree>
+      <p:nvGrpSpPr>
+        <p:cNvPr id="1" name=""/>
+        <p:cNvGrpSpPr/>
+        <p:nvPr/>
+      </p:nvGrpSpPr>
+      <p:grpSpPr>
+        <a:xfrm>
+          <a:off x="0" y="0"/>
+          <a:ext cx="0" cy="0"/>
+          <a:chOff x="0" y="0"/>
+          <a:chExt cx="0" cy="0"/>
+        </a:xfrm>
+      </p:grpSpPr>
+      <p:sp>
+        <p:nvSpPr>
+          <p:cNvPr id="2" name="Title 1"/>
+          <p:cNvSpPr>
+            <a:spLocks noGrp="1"/>
+          </p:cNvSpPr>
+          <p:nvPr>
+            <p:ph type="title"/>
+          </p:nvPr>
+        </p:nvSpPr>
+        <p:spPr>
+          <a:xfrm>
+            <a:off x="628650" y="1079156"/>
+            <a:ext cx="7886700" cy="1051569"/>
+          </a:xfrm>
+        </p:spPr>
+        <p:txBody>
+          <a:bodyPr/>
+          <a:lstStyle/>
+          <a:p>
+            <a:r>
+              <a:rPr lang="en-US" sz="3600" dirty="0" smtClean="0"/>
+              <a:t>Drawbacks/Limitations of Existing Approaches</a:t>
+            </a:r>
+            <a:endParaRPr lang="en-US" sz="3600" dirty="0"/>
+          </a:p>
+        </p:txBody>
+      </p:sp>
+      <p:sp>
+        <p:nvSpPr>
+          <p:cNvPr id="3" name="Content Placeholder 2"/>
+          <p:cNvSpPr>
+            <a:spLocks noGrp="1"/>
+          </p:cNvSpPr>
+          <p:nvPr>
+            <p:ph idx="1"/>
+          </p:nvPr>
+        </p:nvSpPr>
+        <p:spPr>
+          <a:xfrm>
+            <a:off x="628650" y="2130725"/>
+            <a:ext cx="7886700" cy="4304583"/>
+          </a:xfrm>
+        </p:spPr>
+        <p:txBody>
+          <a:bodyPr/>
+          <a:lstStyle/>
+          <a:p>
+            <a:r>
+              <a:rPr lang="en-US" sz="2400" dirty="0" smtClean="0"/>
+              <a:t>Desensitized control does not make use of statistical information</a:t>
+            </a:r>
+          </a:p>
+          <a:p>
+            <a:pPr lvl="1"/>
+            <a:r>
+              <a:rPr lang="en-US" sz="2000" dirty="0" smtClean="0"/>
+              <a:t>Indeed, performance evaluations are conducted using parameters governed by distributions and we can use this information explicitly </a:t>
+            </a:r>
+          </a:p>
+          <a:p>
+            <a:r>
+              <a:rPr lang="en-US" sz="2400" dirty="0" smtClean="0"/>
+              <a:t>Few papers discuss closed-loop approaches </a:t>
+            </a:r>
+          </a:p>
+          <a:p>
+            <a:pPr lvl="1"/>
+            <a:r>
+              <a:rPr lang="en-US" sz="2000" dirty="0" smtClean="0"/>
+              <a:t>Those that do avoid the issue of control constraints and instead impose arbitrary limits on the feedback gains or exclude feedback gains from the optimization process entirely</a:t>
+            </a:r>
+          </a:p>
+          <a:p>
+            <a:r>
+              <a:rPr lang="en-US" sz="2400" dirty="0" smtClean="0"/>
+              <a:t>Generally only demonstrated on 2d examples, many proposed solutions do not scale well with increasing dimension</a:t>
+            </a:r>
+          </a:p>
+          <a:p>
+            <a:r>
+              <a:rPr lang="en-US" sz="2400" dirty="0" smtClean="0"/>
+              <a:t>PCE only display spectral convergence for smooth systems</a:t>
+            </a:r>
+          </a:p>
+          <a:p>
+            <a:pPr lvl="1"/>
+            <a:r>
+              <a:rPr lang="en-US" sz="2000" dirty="0" smtClean="0"/>
+              <a:t>Saturation nonlinearity slows convergence as a result </a:t>
+            </a:r>
+          </a:p>
+        </p:txBody>
+      </p:sp>
+      <p:sp>
+        <p:nvSpPr>
+          <p:cNvPr id="4" name="Date Placeholder 3"/>
+          <p:cNvSpPr>
+            <a:spLocks noGrp="1"/>
+          </p:cNvSpPr>
+          <p:nvPr>
+            <p:ph type="dt" sz="half" idx="10"/>
+          </p:nvPr>
+        </p:nvSpPr>
+        <p:spPr/>
+        <p:txBody>
+          <a:bodyPr/>
+          <a:lstStyle/>
+          <a:p>
+            <a:fld id="{7E2110A7-166C-49B2-9D48-0EC3D7BA312D}" type="datetime1">
+              <a:rPr lang="en-US" smtClean="0"/>
+              <a:t>12/1/2018</a:t>
+            </a:fld>
+            <a:endParaRPr lang="en-US"/>
+          </a:p>
+        </p:txBody>
+      </p:sp>
+    </p:spTree>
+    <p:extLst>
+      <p:ext uri="{BB962C8B-B14F-4D97-AF65-F5344CB8AC3E}">
+        <p14:creationId xmlns:p14="http://schemas.microsoft.com/office/powerpoint/2010/main" val="4273695452"/>
+      </p:ext>
+    </p:extLst>
+  </p:cSld>
+  <p:clrMapOvr>
+    <a:masterClrMapping/>
+  </p:clrMapOvr>
+</p:sld>
+</file>
+
+<file path=ppt/slides/slide16.xml><?xml version="1.0" encoding="utf-8"?>
+<p:sld xmlns:a="http://schemas.openxmlformats.org/drawingml/2006/main" xmlns:r="http://schemas.openxmlformats.org/officeDocument/2006/relationships" xmlns:p="http://schemas.openxmlformats.org/presentationml/2006/main">
+  <p:cSld>
+    <p:spTree>
+      <p:nvGrpSpPr>
+        <p:cNvPr id="1" name=""/>
+        <p:cNvGrpSpPr/>
+        <p:nvPr/>
+      </p:nvGrpSpPr>
+      <p:grpSpPr>
+        <a:xfrm>
+          <a:off x="0" y="0"/>
+          <a:ext cx="0" cy="0"/>
+          <a:chOff x="0" y="0"/>
+          <a:chExt cx="0" cy="0"/>
+        </a:xfrm>
+      </p:grpSpPr>
+      <p:sp>
+        <p:nvSpPr>
+          <p:cNvPr id="2" name="Title 1"/>
+          <p:cNvSpPr>
+            <a:spLocks noGrp="1"/>
+          </p:cNvSpPr>
+          <p:nvPr>
+            <p:ph type="title"/>
+          </p:nvPr>
+        </p:nvSpPr>
+        <p:spPr>
+          <a:xfrm>
+            <a:off x="628650" y="1079156"/>
+            <a:ext cx="7886700" cy="1248407"/>
+          </a:xfrm>
+        </p:spPr>
+        <p:txBody>
+          <a:bodyPr/>
+          <a:lstStyle/>
+          <a:p>
+            <a:r>
+              <a:rPr lang="en-US" dirty="0" smtClean="0"/>
+              <a:t>Switch Time Optimization for Rapid Entry Trajectory Design</a:t>
+            </a:r>
+            <a:endParaRPr lang="en-US" dirty="0"/>
+          </a:p>
+        </p:txBody>
+      </p:sp>
+      <p:sp>
+        <p:nvSpPr>
+          <p:cNvPr id="3" name="Content Placeholder 2"/>
+          <p:cNvSpPr>
+            <a:spLocks noGrp="1"/>
+          </p:cNvSpPr>
+          <p:nvPr>
+            <p:ph idx="1"/>
+          </p:nvPr>
+        </p:nvSpPr>
+        <p:spPr>
+          <a:xfrm>
+            <a:off x="628650" y="2576944"/>
+            <a:ext cx="7886700" cy="4281055"/>
+          </a:xfrm>
+        </p:spPr>
+        <p:txBody>
+          <a:bodyPr/>
+          <a:lstStyle/>
+          <a:p>
+            <a:r>
+              <a:rPr lang="en-US" dirty="0" smtClean="0"/>
+              <a:t>Simple parameterization for robust, near-optimal altitude performance intended for parachute architectures </a:t>
+            </a:r>
+          </a:p>
+          <a:p>
+            <a:r>
+              <a:rPr lang="en-US" dirty="0" smtClean="0"/>
+              <a:t>Can show that this parameterization also allows for near-optimal minimum velocity performance, suitable for SRP applications</a:t>
+            </a:r>
+          </a:p>
+          <a:p>
+            <a:r>
+              <a:rPr lang="en-US" dirty="0" smtClean="0"/>
+              <a:t>If-then logic used is discontinuous; </a:t>
+            </a:r>
+            <a:r>
+              <a:rPr lang="en-US" dirty="0" err="1" smtClean="0"/>
+              <a:t>Nelder</a:t>
+            </a:r>
+            <a:r>
+              <a:rPr lang="en-US" dirty="0" smtClean="0"/>
+              <a:t>-Mead simplex method has been used for optimization</a:t>
+            </a:r>
+          </a:p>
+          <a:p>
+            <a:r>
+              <a:rPr lang="en-US" dirty="0" smtClean="0"/>
+              <a:t>Results from hybrid OC literature suggest a gradient based solution is possible and preferable </a:t>
+            </a:r>
+            <a:endParaRPr lang="en-US" dirty="0"/>
+          </a:p>
+        </p:txBody>
+      </p:sp>
+      <p:sp>
+        <p:nvSpPr>
+          <p:cNvPr id="4" name="Date Placeholder 3"/>
+          <p:cNvSpPr>
+            <a:spLocks noGrp="1"/>
+          </p:cNvSpPr>
+          <p:nvPr>
+            <p:ph type="dt" sz="half" idx="10"/>
+          </p:nvPr>
+        </p:nvSpPr>
+        <p:spPr/>
+        <p:txBody>
+          <a:bodyPr/>
+          <a:lstStyle/>
+          <a:p>
+            <a:fld id="{C5C4825F-DB45-4B89-B3FE-04D1625C0B44}" type="datetime1">
+              <a:rPr lang="en-US" smtClean="0"/>
+              <a:t>12/1/2018</a:t>
+            </a:fld>
+            <a:endParaRPr lang="en-US"/>
+          </a:p>
+        </p:txBody>
+      </p:sp>
+    </p:spTree>
+    <p:extLst>
+      <p:ext uri="{BB962C8B-B14F-4D97-AF65-F5344CB8AC3E}">
+        <p14:creationId xmlns:p14="http://schemas.microsoft.com/office/powerpoint/2010/main" val="949813023"/>
+      </p:ext>
+    </p:extLst>
+  </p:cSld>
+  <p:clrMapOvr>
+    <a:masterClrMapping/>
+  </p:clrMapOvr>
+</p:sld>
+</file>
+
+<file path=ppt/slides/slide17.xml><?xml version="1.0" encoding="utf-8"?>
+<p:sld xmlns:a="http://schemas.openxmlformats.org/drawingml/2006/main" xmlns:r="http://schemas.openxmlformats.org/officeDocument/2006/relationships" xmlns:p="http://schemas.openxmlformats.org/presentationml/2006/main">
+  <p:cSld>
+    <p:spTree>
+      <p:nvGrpSpPr>
+        <p:cNvPr id="1" name=""/>
+        <p:cNvGrpSpPr/>
+        <p:nvPr/>
+      </p:nvGrpSpPr>
+      <p:grpSpPr>
+        <a:xfrm>
+          <a:off x="0" y="0"/>
+          <a:ext cx="0" cy="0"/>
+          <a:chOff x="0" y="0"/>
+          <a:chExt cx="0" cy="0"/>
+        </a:xfrm>
+      </p:grpSpPr>
+      <p:sp>
+        <p:nvSpPr>
+          <p:cNvPr id="2" name="Title 1"/>
+          <p:cNvSpPr>
+            <a:spLocks noGrp="1"/>
+          </p:cNvSpPr>
+          <p:nvPr>
+            <p:ph type="title"/>
+          </p:nvPr>
+        </p:nvSpPr>
+        <p:spPr/>
+        <p:txBody>
+          <a:bodyPr/>
+          <a:lstStyle/>
+          <a:p>
+            <a:r>
+              <a:rPr lang="en-US" dirty="0" smtClean="0"/>
+              <a:t>Switch Time Opt</a:t>
+            </a:r>
+            <a:endParaRPr lang="en-US" dirty="0"/>
+          </a:p>
+        </p:txBody>
+      </p:sp>
+      <p:sp>
+        <p:nvSpPr>
+          <p:cNvPr id="3" name="Content Placeholder 2"/>
+          <p:cNvSpPr>
+            <a:spLocks noGrp="1"/>
+          </p:cNvSpPr>
+          <p:nvPr>
+            <p:ph idx="1"/>
+          </p:nvPr>
+        </p:nvSpPr>
+        <p:spPr/>
+        <p:txBody>
+          <a:bodyPr/>
+          <a:lstStyle/>
+          <a:p>
+            <a:r>
+              <a:rPr lang="en-US" dirty="0" smtClean="0"/>
+              <a:t>Gradients with respect to switch times cannot be easily evaluated via finite difference, and automatic differentiation fails due to the discontinuous logic</a:t>
+            </a:r>
+          </a:p>
+          <a:p>
+            <a:r>
+              <a:rPr lang="en-US" dirty="0" smtClean="0"/>
+              <a:t>Solved very efficient via SQP method (</a:t>
+            </a:r>
+            <a:r>
+              <a:rPr lang="en-US" dirty="0" err="1" smtClean="0"/>
+              <a:t>quasiNewton</a:t>
+            </a:r>
+            <a:r>
+              <a:rPr lang="en-US" dirty="0" smtClean="0"/>
+              <a:t> method, BFGS update to inverse Hessian)</a:t>
+            </a:r>
+          </a:p>
+          <a:p>
+            <a:r>
+              <a:rPr lang="en-US" dirty="0" smtClean="0"/>
+              <a:t>We left margins heuristically, assumed a fixed % was sufficient for closed </a:t>
+            </a:r>
+            <a:r>
+              <a:rPr lang="en-US" smtClean="0"/>
+              <a:t>loop trajectories </a:t>
+            </a:r>
+            <a:endParaRPr lang="en-US" dirty="0"/>
+          </a:p>
+        </p:txBody>
+      </p:sp>
+      <p:sp>
+        <p:nvSpPr>
+          <p:cNvPr id="4" name="Date Placeholder 3"/>
+          <p:cNvSpPr>
+            <a:spLocks noGrp="1"/>
+          </p:cNvSpPr>
+          <p:nvPr>
+            <p:ph type="dt" sz="half" idx="10"/>
+          </p:nvPr>
+        </p:nvSpPr>
+        <p:spPr/>
+        <p:txBody>
+          <a:bodyPr/>
+          <a:lstStyle/>
+          <a:p>
+            <a:fld id="{581CF2A1-F6C1-4B7E-AC26-04453B5C8EE3}" type="datetime1">
+              <a:rPr lang="en-US" smtClean="0"/>
+              <a:t>12/1/2018</a:t>
+            </a:fld>
+            <a:endParaRPr lang="en-US"/>
+          </a:p>
+        </p:txBody>
+      </p:sp>
+    </p:spTree>
+    <p:extLst>
+      <p:ext uri="{BB962C8B-B14F-4D97-AF65-F5344CB8AC3E}">
+        <p14:creationId xmlns:p14="http://schemas.microsoft.com/office/powerpoint/2010/main" val="4101162675"/>
+      </p:ext>
+    </p:extLst>
+  </p:cSld>
+  <p:clrMapOvr>
+    <a:masterClrMapping/>
+  </p:clrMapOvr>
+</p:sld>
+</file>
+
+<file path=ppt/slides/slide18.xml><?xml version="1.0" encoding="utf-8"?>
+<p:sld xmlns:a="http://schemas.openxmlformats.org/drawingml/2006/main" xmlns:r="http://schemas.openxmlformats.org/officeDocument/2006/relationships" xmlns:p="http://schemas.openxmlformats.org/presentationml/2006/main">
+  <p:cSld>
+    <p:spTree>
+      <p:nvGrpSpPr>
+        <p:cNvPr id="1" name=""/>
+        <p:cNvGrpSpPr/>
+        <p:nvPr/>
+      </p:nvGrpSpPr>
+      <p:grpSpPr>
+        <a:xfrm>
+          <a:off x="0" y="0"/>
+          <a:ext cx="0" cy="0"/>
+          <a:chOff x="0" y="0"/>
+          <a:chExt cx="0" cy="0"/>
+        </a:xfrm>
+      </p:grpSpPr>
+      <p:sp>
+        <p:nvSpPr>
+          <p:cNvPr id="2" name="Title 1"/>
+          <p:cNvSpPr>
+            <a:spLocks noGrp="1"/>
+          </p:cNvSpPr>
+          <p:nvPr>
+            <p:ph type="title"/>
+          </p:nvPr>
+        </p:nvSpPr>
         <p:spPr>
           <a:xfrm>
             <a:off x="628650" y="1079156"/>
@@ -5233,7 +6031,7 @@
           <a:p>
             <a:fld id="{9DF99ACD-61C7-4DA6-A8C9-329CC9B75ECD}" type="datetime1">
               <a:rPr lang="en-US" smtClean="0"/>
-              <a:t>11/30/2018</a:t>
+              <a:t>12/1/2018</a:t>
             </a:fld>
             <a:endParaRPr lang="en-US"/>
           </a:p>
@@ -5252,7 +6050,7 @@
 </p:sld>
 </file>
 
-<file path=ppt/slides/slide14.xml><?xml version="1.0" encoding="utf-8"?>
+<file path=ppt/slides/slide19.xml><?xml version="1.0" encoding="utf-8"?>
 <p:sld xmlns:a="http://schemas.openxmlformats.org/drawingml/2006/main" xmlns:r="http://schemas.openxmlformats.org/officeDocument/2006/relationships" xmlns:p="http://schemas.openxmlformats.org/presentationml/2006/main">
   <p:cSld>
     <p:spTree>
@@ -5626,15 +6424,7 @@
                   <a:srgbClr val="FF0000"/>
                 </a:solidFill>
               </a:rPr>
-              <a:t>Constraint boundary, </a:t>
-            </a:r>
-            <a:r>
-              <a:rPr lang="en-US" sz="1350" dirty="0" smtClean="0">
-                <a:solidFill>
-                  <a:srgbClr val="FF0000"/>
-                </a:solidFill>
-              </a:rPr>
-              <a:t>c(y) </a:t>
+              <a:t>Constraint boundary, c(y) </a:t>
             </a:r>
             <a:r>
               <a:rPr lang="en-US" sz="1350" dirty="0">
@@ -6154,8 +6944,8 @@
           </a:p>
         </p:txBody>
       </p:sp>
-      <mc:AlternateContent xmlns:mc="http://schemas.openxmlformats.org/markup-compatibility/2006">
-        <mc:Choice xmlns:a14="http://schemas.microsoft.com/office/drawing/2010/main" Requires="a14">
+      <mc:AlternateContent xmlns:mc="http://schemas.openxmlformats.org/markup-compatibility/2006" xmlns:a14="http://schemas.microsoft.com/office/drawing/2010/main">
+        <mc:Choice Requires="a14">
           <p:sp>
             <p:nvSpPr>
               <p:cNvPr id="2" name="TextBox 1"/>
@@ -6254,19 +7044,7 @@
                       <a:rPr lang="en-US" b="0" i="1" smtClean="0">
                         <a:latin typeface="Cambria Math" panose="02040503050406030204" pitchFamily="18" charset="0"/>
                       </a:rPr>
-                      <m:t>≤</m:t>
-                    </m:r>
-                    <m:r>
-                      <a:rPr lang="en-US" b="0" i="1" smtClean="0">
-                        <a:latin typeface="Cambria Math" panose="02040503050406030204" pitchFamily="18" charset="0"/>
-                      </a:rPr>
-                      <m:t>0</m:t>
-                    </m:r>
-                    <m:r>
-                      <a:rPr lang="en-US" b="0" i="1" smtClean="0">
-                        <a:latin typeface="Cambria Math" panose="02040503050406030204" pitchFamily="18" charset="0"/>
-                      </a:rPr>
-                      <m:t>}</m:t>
+                      <m:t>≤0}</m:t>
                     </m:r>
                   </m:oMath>
                 </a14:m>
@@ -6277,7 +7055,7 @@
             </p:txBody>
           </p:sp>
         </mc:Choice>
-        <mc:Fallback>
+        <mc:Fallback xmlns="">
           <p:sp>
             <p:nvSpPr>
               <p:cNvPr id="2" name="TextBox 1"/>
@@ -6316,8 +7094,8 @@
           </p:sp>
         </mc:Fallback>
       </mc:AlternateContent>
-      <mc:AlternateContent xmlns:mc="http://schemas.openxmlformats.org/markup-compatibility/2006">
-        <mc:Choice xmlns:a14="http://schemas.microsoft.com/office/drawing/2010/main" Requires="a14">
+      <mc:AlternateContent xmlns:mc="http://schemas.openxmlformats.org/markup-compatibility/2006" xmlns:a14="http://schemas.microsoft.com/office/drawing/2010/main">
+        <mc:Choice Requires="a14">
           <p:sp>
             <p:nvSpPr>
               <p:cNvPr id="3" name="TextBox 2"/>
@@ -6411,19 +7189,7 @@
                       <a:rPr lang="en-US" i="1">
                         <a:latin typeface="Cambria Math" panose="02040503050406030204" pitchFamily="18" charset="0"/>
                       </a:rPr>
-                      <m:t>≥</m:t>
-                    </m:r>
-                    <m:r>
-                      <a:rPr lang="en-US" i="1">
-                        <a:latin typeface="Cambria Math" panose="02040503050406030204" pitchFamily="18" charset="0"/>
-                      </a:rPr>
-                      <m:t>1</m:t>
-                    </m:r>
-                    <m:r>
-                      <a:rPr lang="en-US" i="1">
-                        <a:latin typeface="Cambria Math" panose="02040503050406030204" pitchFamily="18" charset="0"/>
-                      </a:rPr>
-                      <m:t>−</m:t>
+                      <m:t>≥1−</m:t>
                     </m:r>
                     <m:r>
                       <a:rPr lang="en-US" i="1">
@@ -6438,7 +7204,7 @@
             </p:txBody>
           </p:sp>
         </mc:Choice>
-        <mc:Fallback>
+        <mc:Fallback xmlns="">
           <p:sp>
             <p:nvSpPr>
               <p:cNvPr id="3" name="TextBox 2"/>
@@ -6536,7 +7302,7 @@
           <a:p>
             <a:fld id="{8FD96B2B-987B-4DCA-84AB-91974E8B873F}" type="datetime1">
               <a:rPr lang="en-US" smtClean="0"/>
-              <a:t>11/30/2018</a:t>
+              <a:t>12/1/2018</a:t>
             </a:fld>
             <a:endParaRPr lang="en-US"/>
           </a:p>
@@ -6555,7 +7321,120 @@
 </p:sld>
 </file>
 
-<file path=ppt/slides/slide15.xml><?xml version="1.0" encoding="utf-8"?>
+<file path=ppt/slides/slide2.xml><?xml version="1.0" encoding="utf-8"?>
+<p:sld xmlns:a="http://schemas.openxmlformats.org/drawingml/2006/main" xmlns:r="http://schemas.openxmlformats.org/officeDocument/2006/relationships" xmlns:p="http://schemas.openxmlformats.org/presentationml/2006/main">
+  <p:cSld>
+    <p:spTree>
+      <p:nvGrpSpPr>
+        <p:cNvPr id="1" name=""/>
+        <p:cNvGrpSpPr/>
+        <p:nvPr/>
+      </p:nvGrpSpPr>
+      <p:grpSpPr>
+        <a:xfrm>
+          <a:off x="0" y="0"/>
+          <a:ext cx="0" cy="0"/>
+          <a:chOff x="0" y="0"/>
+          <a:chExt cx="0" cy="0"/>
+        </a:xfrm>
+      </p:grpSpPr>
+      <p:sp>
+        <p:nvSpPr>
+          <p:cNvPr id="2" name="Title 1"/>
+          <p:cNvSpPr>
+            <a:spLocks noGrp="1"/>
+          </p:cNvSpPr>
+          <p:nvPr>
+            <p:ph type="title"/>
+          </p:nvPr>
+        </p:nvSpPr>
+        <p:spPr/>
+        <p:txBody>
+          <a:bodyPr/>
+          <a:lstStyle/>
+          <a:p>
+            <a:r>
+              <a:rPr lang="en-US" dirty="0" smtClean="0"/>
+              <a:t>Outline</a:t>
+            </a:r>
+            <a:endParaRPr lang="en-US" dirty="0"/>
+          </a:p>
+        </p:txBody>
+      </p:sp>
+      <p:sp>
+        <p:nvSpPr>
+          <p:cNvPr id="3" name="Content Placeholder 2"/>
+          <p:cNvSpPr>
+            <a:spLocks noGrp="1"/>
+          </p:cNvSpPr>
+          <p:nvPr>
+            <p:ph idx="1"/>
+          </p:nvPr>
+        </p:nvSpPr>
+        <p:spPr/>
+        <p:txBody>
+          <a:bodyPr/>
+          <a:lstStyle/>
+          <a:p>
+            <a:r>
+              <a:rPr lang="en-US" dirty="0" smtClean="0"/>
+              <a:t>EDL Overview</a:t>
+            </a:r>
+          </a:p>
+          <a:p>
+            <a:r>
+              <a:rPr lang="en-US" dirty="0" smtClean="0"/>
+              <a:t>EG Review</a:t>
+            </a:r>
+          </a:p>
+          <a:p>
+            <a:r>
+              <a:rPr lang="en-US" dirty="0" smtClean="0"/>
+              <a:t>Stochastic Review</a:t>
+            </a:r>
+          </a:p>
+          <a:p>
+            <a:endParaRPr lang="en-US" dirty="0" smtClean="0"/>
+          </a:p>
+        </p:txBody>
+      </p:sp>
+      <p:sp>
+        <p:nvSpPr>
+          <p:cNvPr id="4" name="Date Placeholder 3"/>
+          <p:cNvSpPr>
+            <a:spLocks noGrp="1"/>
+          </p:cNvSpPr>
+          <p:nvPr>
+            <p:ph type="dt" sz="half" idx="10"/>
+          </p:nvPr>
+        </p:nvSpPr>
+        <p:spPr/>
+        <p:txBody>
+          <a:bodyPr/>
+          <a:lstStyle/>
+          <a:p>
+            <a:fld id="{DACEE8DD-B545-4020-BC5A-D34F01A5A26F}" type="datetime1">
+              <a:rPr lang="en-US" smtClean="0"/>
+              <a:t>12/1/2018</a:t>
+            </a:fld>
+            <a:endParaRPr lang="en-US"/>
+          </a:p>
+        </p:txBody>
+      </p:sp>
+    </p:spTree>
+    <p:extLst>
+      <p:ext uri="{BB962C8B-B14F-4D97-AF65-F5344CB8AC3E}">
+        <p14:creationId xmlns:p14="http://schemas.microsoft.com/office/powerpoint/2010/main" val="1847376359"/>
+      </p:ext>
+    </p:extLst>
+  </p:cSld>
+  <p:clrMapOvr>
+    <a:masterClrMapping/>
+  </p:clrMapOvr>
+</p:sld>
+</file>
+
+<file path=ppt/slides/slide20.xml><?xml version="1.0" encoding="utf-8"?>
 <p:sld xmlns:a="http://schemas.openxmlformats.org/drawingml/2006/main" xmlns:r="http://schemas.openxmlformats.org/officeDocument/2006/relationships" xmlns:p="http://schemas.openxmlformats.org/presentationml/2006/main">
   <p:cSld>
     <p:spTree>
@@ -6732,7 +7611,7 @@
           <a:p>
             <a:fld id="{15C82A65-9BD9-46BE-A84A-20244D58A9DA}" type="datetime1">
               <a:rPr lang="en-US" smtClean="0"/>
-              <a:t>11/30/2018</a:t>
+              <a:t>12/1/2018</a:t>
             </a:fld>
             <a:endParaRPr lang="en-US"/>
           </a:p>
@@ -7074,7 +7953,7 @@
 </p:sld>
 </file>
 
-<file path=ppt/slides/slide16.xml><?xml version="1.0" encoding="utf-8"?>
+<file path=ppt/slides/slide21.xml><?xml version="1.0" encoding="utf-8"?>
 <p:sld xmlns:a="http://schemas.openxmlformats.org/drawingml/2006/main" xmlns:r="http://schemas.openxmlformats.org/officeDocument/2006/relationships" xmlns:p="http://schemas.openxmlformats.org/presentationml/2006/main">
   <p:cSld>
     <p:spTree>
@@ -7108,11 +7987,7 @@
           <a:p>
             <a:r>
               <a:rPr lang="en-US" dirty="0" smtClean="0"/>
-              <a:t>Covariance </a:t>
-            </a:r>
-            <a:r>
-              <a:rPr lang="en-US" dirty="0" smtClean="0"/>
-              <a:t>Minimization</a:t>
+              <a:t>Drawbacks/Limitations</a:t>
             </a:r>
             <a:endParaRPr lang="en-US" dirty="0"/>
           </a:p>
@@ -7128,64 +8003,56 @@
             <p:ph idx="1"/>
           </p:nvPr>
         </p:nvSpPr>
-        <p:spPr>
-          <a:xfrm>
-            <a:off x="628650" y="1825624"/>
-            <a:ext cx="7886700" cy="4857397"/>
-          </a:xfrm>
-        </p:spPr>
-        <p:txBody>
-          <a:bodyPr/>
-          <a:lstStyle/>
-          <a:p>
-            <a:r>
-              <a:rPr lang="en-US" dirty="0" smtClean="0"/>
-              <a:t>Consider first the LTV case, with unconstrained control</a:t>
-            </a:r>
-          </a:p>
-          <a:p>
-            <a:r>
-              <a:rPr lang="en-US" dirty="0" smtClean="0"/>
-              <a:t>For suitable choice of norm on the final covariance matrix, the problem reduces to standard LQR with a particular boundary condition</a:t>
+        <p:spPr/>
+        <p:txBody>
+          <a:bodyPr/>
+          <a:lstStyle/>
+          <a:p>
+            <a:r>
+              <a:rPr lang="en-US" sz="2400" dirty="0" smtClean="0"/>
+              <a:t>Use of linearized covariance propagation limits the size of ellipse under consideration</a:t>
             </a:r>
           </a:p>
           <a:p>
             <a:pPr lvl="1"/>
             <a:r>
-              <a:rPr lang="en-US" dirty="0" smtClean="0"/>
-              <a:t>The required norm is the trace operator</a:t>
+              <a:rPr lang="en-US" sz="2000" dirty="0" smtClean="0"/>
+              <a:t>Due to large uncertainty or stringent constraint satisfaction</a:t>
             </a:r>
           </a:p>
           <a:p>
             <a:pPr lvl="1"/>
             <a:r>
-              <a:rPr lang="en-US" dirty="0" smtClean="0"/>
-              <a:t>The LQ state weight matrix Q = I</a:t>
-            </a:r>
-          </a:p>
-          <a:p>
-            <a:r>
-              <a:rPr lang="en-US" dirty="0" smtClean="0"/>
-              <a:t>The trace is a suitable choice in many </a:t>
-            </a:r>
-            <a:r>
-              <a:rPr lang="en-US" dirty="0" smtClean="0"/>
-              <a:t>cases</a:t>
+              <a:rPr lang="en-US" sz="2000" dirty="0" smtClean="0"/>
+              <a:t>Strong nonlinearity or large ellipse will not accurately capture the state distribution, and the probabilistic bounds are not guaranteed to be satisfied</a:t>
+            </a:r>
+          </a:p>
+          <a:p>
+            <a:r>
+              <a:rPr lang="en-US" sz="2400" dirty="0" smtClean="0"/>
+              <a:t>Assumption of linear feedback control</a:t>
             </a:r>
           </a:p>
           <a:p>
             <a:pPr lvl="1"/>
             <a:r>
-              <a:rPr lang="en-US" dirty="0" smtClean="0"/>
-              <a:t>Geometrically</a:t>
-            </a:r>
-            <a:r>
-              <a:rPr lang="en-US" dirty="0" smtClean="0"/>
-              <a:t>, it is related to the size of the covariance ellipse, while ignoring directional information</a:t>
-            </a:r>
-          </a:p>
-          <a:p>
-            <a:endParaRPr lang="en-US" dirty="0" smtClean="0"/>
+              <a:rPr lang="en-US" sz="2000" dirty="0" smtClean="0"/>
+              <a:t>Naturally there may exist nonlinear controllers that outperform linear feedback </a:t>
+            </a:r>
+          </a:p>
+          <a:p>
+            <a:r>
+              <a:rPr lang="en-US" sz="2400" dirty="0" smtClean="0"/>
+              <a:t>Solution: Unscented transform scales as linear covariance propagation (when symmetry is not exploited)</a:t>
+            </a:r>
+          </a:p>
+          <a:p>
+            <a:pPr lvl="1"/>
+            <a:r>
+              <a:rPr lang="en-US" sz="2000" dirty="0" smtClean="0"/>
+              <a:t>Relies on sampled trajectories which allows arbitrary dynamics and controller structure</a:t>
+            </a:r>
+            <a:endParaRPr lang="en-US" sz="2000" dirty="0"/>
           </a:p>
         </p:txBody>
       </p:sp>
@@ -7204,9 +8071,9 @@
           <a:bodyPr/>
           <a:lstStyle/>
           <a:p>
-            <a:fld id="{00B1D89B-5FC1-44E0-BDF5-5035AB8FD380}" type="datetime1">
+            <a:fld id="{DACEE8DD-B545-4020-BC5A-D34F01A5A26F}" type="datetime1">
               <a:rPr lang="en-US" smtClean="0"/>
-              <a:t>11/30/2018</a:t>
+              <a:t>12/1/2018</a:t>
             </a:fld>
             <a:endParaRPr lang="en-US"/>
           </a:p>
@@ -7215,7 +8082,7 @@
     </p:spTree>
     <p:extLst>
       <p:ext uri="{BB962C8B-B14F-4D97-AF65-F5344CB8AC3E}">
-        <p14:creationId xmlns:p14="http://schemas.microsoft.com/office/powerpoint/2010/main" val="3096368325"/>
+        <p14:creationId xmlns:p14="http://schemas.microsoft.com/office/powerpoint/2010/main" val="1970808915"/>
       </p:ext>
     </p:extLst>
   </p:cSld>
@@ -7225,7 +8092,7 @@
 </p:sld>
 </file>
 
-<file path=ppt/slides/slide17.xml><?xml version="1.0" encoding="utf-8"?>
+<file path=ppt/slides/slide22.xml><?xml version="1.0" encoding="utf-8"?>
 <p:sld xmlns:a="http://schemas.openxmlformats.org/drawingml/2006/main" xmlns:r="http://schemas.openxmlformats.org/officeDocument/2006/relationships" xmlns:p="http://schemas.openxmlformats.org/presentationml/2006/main">
   <p:cSld>
     <p:spTree>
@@ -7259,7 +8126,7 @@
           <a:p>
             <a:r>
               <a:rPr lang="en-US" dirty="0" smtClean="0"/>
-              <a:t>Variance Minimization</a:t>
+              <a:t>Roadmap</a:t>
             </a:r>
             <a:endParaRPr lang="en-US" dirty="0"/>
           </a:p>
@@ -7275,66 +8142,30 @@
             <p:ph idx="1"/>
           </p:nvPr>
         </p:nvSpPr>
-        <p:spPr>
-          <a:xfrm>
-            <a:off x="628650" y="1825624"/>
-            <a:ext cx="7886700" cy="4909283"/>
-          </a:xfrm>
-        </p:spPr>
-        <p:txBody>
-          <a:bodyPr/>
-          <a:lstStyle/>
-          <a:p>
-            <a:r>
-              <a:rPr lang="en-US" dirty="0"/>
-              <a:t>Next consider the same scenario with bounded control inputs</a:t>
+        <p:spPr/>
+        <p:txBody>
+          <a:bodyPr/>
+          <a:lstStyle/>
+          <a:p>
+            <a:r>
+              <a:rPr lang="en-US" dirty="0" smtClean="0"/>
+              <a:t>Application to SRP with LQR controller</a:t>
             </a:r>
           </a:p>
           <a:p>
             <a:pPr lvl="1"/>
             <a:r>
-              <a:rPr lang="en-US" dirty="0"/>
-              <a:t>The optimal control law is bang-bang in nature</a:t>
-            </a:r>
-          </a:p>
-          <a:p>
-            <a:pPr lvl="1"/>
-            <a:r>
-              <a:rPr lang="en-US" dirty="0"/>
-              <a:t>Can no longer decouple mean and covariance problems </a:t>
-            </a:r>
-            <a:endParaRPr lang="en-US" dirty="0" smtClean="0"/>
-          </a:p>
-          <a:p>
-            <a:r>
-              <a:rPr lang="en-US" dirty="0" smtClean="0"/>
-              <a:t>In zero mean case, optimal control in linear feedback is achieved as K -&gt; </a:t>
-            </a:r>
-            <a:r>
-              <a:rPr lang="en-US" dirty="0" err="1" smtClean="0"/>
-              <a:t>inf</a:t>
-            </a:r>
-            <a:r>
-              <a:rPr lang="en-US" dirty="0" smtClean="0"/>
-              <a:t>, resulting in bang-bang control = -</a:t>
-            </a:r>
-            <a:r>
-              <a:rPr lang="en-US" dirty="0" err="1" smtClean="0"/>
-              <a:t>Umax</a:t>
-            </a:r>
-            <a:r>
-              <a:rPr lang="en-US" dirty="0" smtClean="0"/>
-              <a:t>*sign(x)</a:t>
+              <a:rPr lang="en-US" dirty="0" smtClean="0"/>
+              <a:t>Potential for improving NLP solution methodology via sequential convex programming; UT grows problem size but for specified gains, the problem remains convex</a:t>
+            </a:r>
+          </a:p>
+          <a:p>
+            <a:r>
+              <a:rPr lang="en-US" dirty="0" smtClean="0"/>
+              <a:t>Extension to output feedback scenario with application to entry phase coupled with Apollo guidance, where the feedback states are measured or estimated quantities </a:t>
             </a:r>
             <a:endParaRPr lang="en-US" dirty="0"/>
           </a:p>
-          <a:p>
-            <a:r>
-              <a:rPr lang="en-US" dirty="0" smtClean="0"/>
-              <a:t>Even for linear problems, we turn to an optimization approach: find the optimal mean trajectory such that covariance is minimized under discontinuous feedback</a:t>
-            </a:r>
-            <a:endParaRPr lang="en-US" dirty="0"/>
-          </a:p>
         </p:txBody>
       </p:sp>
       <p:sp>
@@ -7352,9 +8183,9 @@
           <a:bodyPr/>
           <a:lstStyle/>
           <a:p>
-            <a:fld id="{654B51E4-67EB-4079-B5AA-F6AC5D100AB5}" type="datetime1">
+            <a:fld id="{DACEE8DD-B545-4020-BC5A-D34F01A5A26F}" type="datetime1">
               <a:rPr lang="en-US" smtClean="0"/>
-              <a:t>11/30/2018</a:t>
+              <a:t>12/1/2018</a:t>
             </a:fld>
             <a:endParaRPr lang="en-US"/>
           </a:p>
@@ -7363,7 +8194,7 @@
     </p:spTree>
     <p:extLst>
       <p:ext uri="{BB962C8B-B14F-4D97-AF65-F5344CB8AC3E}">
-        <p14:creationId xmlns:p14="http://schemas.microsoft.com/office/powerpoint/2010/main" val="1023245691"/>
+        <p14:creationId xmlns:p14="http://schemas.microsoft.com/office/powerpoint/2010/main" val="925077115"/>
       </p:ext>
     </p:extLst>
   </p:cSld>
@@ -7373,7 +8204,7 @@
 </p:sld>
 </file>
 
-<file path=ppt/slides/slide18.xml><?xml version="1.0" encoding="utf-8"?>
+<file path=ppt/slides/slide23.xml><?xml version="1.0" encoding="utf-8"?>
 <p:sld xmlns:a="http://schemas.openxmlformats.org/drawingml/2006/main" xmlns:r="http://schemas.openxmlformats.org/officeDocument/2006/relationships" xmlns:p="http://schemas.openxmlformats.org/presentationml/2006/main">
   <p:cSld>
     <p:spTree>
@@ -7390,8 +8221,302 @@
           <a:chExt cx="0" cy="0"/>
         </a:xfrm>
       </p:grpSpPr>
-      <mc:AlternateContent xmlns:mc="http://schemas.openxmlformats.org/markup-compatibility/2006">
-        <mc:Choice xmlns:a14="http://schemas.microsoft.com/office/drawing/2010/main" Requires="a14">
+      <p:sp>
+        <p:nvSpPr>
+          <p:cNvPr id="2" name="Title 1"/>
+          <p:cNvSpPr>
+            <a:spLocks noGrp="1"/>
+          </p:cNvSpPr>
+          <p:nvPr>
+            <p:ph type="title"/>
+          </p:nvPr>
+        </p:nvSpPr>
+        <p:spPr/>
+        <p:txBody>
+          <a:bodyPr/>
+          <a:lstStyle/>
+          <a:p>
+            <a:r>
+              <a:rPr lang="en-US" dirty="0" smtClean="0"/>
+              <a:t>Covariance Minimization</a:t>
+            </a:r>
+            <a:endParaRPr lang="en-US" dirty="0"/>
+          </a:p>
+        </p:txBody>
+      </p:sp>
+      <p:sp>
+        <p:nvSpPr>
+          <p:cNvPr id="3" name="Content Placeholder 2"/>
+          <p:cNvSpPr>
+            <a:spLocks noGrp="1"/>
+          </p:cNvSpPr>
+          <p:nvPr>
+            <p:ph idx="1"/>
+          </p:nvPr>
+        </p:nvSpPr>
+        <p:spPr>
+          <a:xfrm>
+            <a:off x="628650" y="1825624"/>
+            <a:ext cx="7886700" cy="4857397"/>
+          </a:xfrm>
+        </p:spPr>
+        <p:txBody>
+          <a:bodyPr/>
+          <a:lstStyle/>
+          <a:p>
+            <a:r>
+              <a:rPr lang="en-US" dirty="0" smtClean="0"/>
+              <a:t>Consider first the LTV case, with unconstrained control</a:t>
+            </a:r>
+          </a:p>
+          <a:p>
+            <a:r>
+              <a:rPr lang="en-US" dirty="0" smtClean="0"/>
+              <a:t>For suitable choice of norm on the final covariance matrix, the problem reduces to standard LQR with a particular boundary condition</a:t>
+            </a:r>
+          </a:p>
+          <a:p>
+            <a:pPr lvl="1"/>
+            <a:r>
+              <a:rPr lang="en-US" dirty="0" smtClean="0"/>
+              <a:t>The required norm is the trace operator</a:t>
+            </a:r>
+          </a:p>
+          <a:p>
+            <a:pPr lvl="1"/>
+            <a:r>
+              <a:rPr lang="en-US" dirty="0" smtClean="0"/>
+              <a:t>The LQ state weight matrix Q = I</a:t>
+            </a:r>
+          </a:p>
+          <a:p>
+            <a:r>
+              <a:rPr lang="en-US" dirty="0" smtClean="0"/>
+              <a:t>The trace is a suitable choice in many cases</a:t>
+            </a:r>
+          </a:p>
+          <a:p>
+            <a:pPr lvl="1"/>
+            <a:r>
+              <a:rPr lang="en-US" dirty="0" smtClean="0"/>
+              <a:t>Geometrically, it is related to the size of the covariance ellipse, while ignoring directional information</a:t>
+            </a:r>
+          </a:p>
+          <a:p>
+            <a:endParaRPr lang="en-US" dirty="0" smtClean="0"/>
+          </a:p>
+        </p:txBody>
+      </p:sp>
+      <p:sp>
+        <p:nvSpPr>
+          <p:cNvPr id="4" name="Date Placeholder 3"/>
+          <p:cNvSpPr>
+            <a:spLocks noGrp="1"/>
+          </p:cNvSpPr>
+          <p:nvPr>
+            <p:ph type="dt" sz="half" idx="10"/>
+          </p:nvPr>
+        </p:nvSpPr>
+        <p:spPr/>
+        <p:txBody>
+          <a:bodyPr/>
+          <a:lstStyle/>
+          <a:p>
+            <a:fld id="{00B1D89B-5FC1-44E0-BDF5-5035AB8FD380}" type="datetime1">
+              <a:rPr lang="en-US" smtClean="0"/>
+              <a:t>12/1/2018</a:t>
+            </a:fld>
+            <a:endParaRPr lang="en-US"/>
+          </a:p>
+        </p:txBody>
+      </p:sp>
+    </p:spTree>
+    <p:extLst>
+      <p:ext uri="{BB962C8B-B14F-4D97-AF65-F5344CB8AC3E}">
+        <p14:creationId xmlns:p14="http://schemas.microsoft.com/office/powerpoint/2010/main" val="3096368325"/>
+      </p:ext>
+    </p:extLst>
+  </p:cSld>
+  <p:clrMapOvr>
+    <a:masterClrMapping/>
+  </p:clrMapOvr>
+</p:sld>
+</file>
+
+<file path=ppt/slides/slide24.xml><?xml version="1.0" encoding="utf-8"?>
+<p:sld xmlns:a="http://schemas.openxmlformats.org/drawingml/2006/main" xmlns:r="http://schemas.openxmlformats.org/officeDocument/2006/relationships" xmlns:p="http://schemas.openxmlformats.org/presentationml/2006/main">
+  <p:cSld>
+    <p:spTree>
+      <p:nvGrpSpPr>
+        <p:cNvPr id="1" name=""/>
+        <p:cNvGrpSpPr/>
+        <p:nvPr/>
+      </p:nvGrpSpPr>
+      <p:grpSpPr>
+        <a:xfrm>
+          <a:off x="0" y="0"/>
+          <a:ext cx="0" cy="0"/>
+          <a:chOff x="0" y="0"/>
+          <a:chExt cx="0" cy="0"/>
+        </a:xfrm>
+      </p:grpSpPr>
+      <p:sp>
+        <p:nvSpPr>
+          <p:cNvPr id="2" name="Title 1"/>
+          <p:cNvSpPr>
+            <a:spLocks noGrp="1"/>
+          </p:cNvSpPr>
+          <p:nvPr>
+            <p:ph type="title"/>
+          </p:nvPr>
+        </p:nvSpPr>
+        <p:spPr/>
+        <p:txBody>
+          <a:bodyPr/>
+          <a:lstStyle/>
+          <a:p>
+            <a:r>
+              <a:rPr lang="en-US" dirty="0" smtClean="0"/>
+              <a:t>Variance Minimization</a:t>
+            </a:r>
+            <a:endParaRPr lang="en-US" dirty="0"/>
+          </a:p>
+        </p:txBody>
+      </p:sp>
+      <p:sp>
+        <p:nvSpPr>
+          <p:cNvPr id="3" name="Content Placeholder 2"/>
+          <p:cNvSpPr>
+            <a:spLocks noGrp="1"/>
+          </p:cNvSpPr>
+          <p:nvPr>
+            <p:ph idx="1"/>
+          </p:nvPr>
+        </p:nvSpPr>
+        <p:spPr>
+          <a:xfrm>
+            <a:off x="628650" y="1825624"/>
+            <a:ext cx="7886700" cy="4909283"/>
+          </a:xfrm>
+        </p:spPr>
+        <p:txBody>
+          <a:bodyPr/>
+          <a:lstStyle/>
+          <a:p>
+            <a:r>
+              <a:rPr lang="en-US" dirty="0"/>
+              <a:t>Next consider the same scenario with bounded control inputs</a:t>
+            </a:r>
+          </a:p>
+          <a:p>
+            <a:pPr lvl="1"/>
+            <a:r>
+              <a:rPr lang="en-US" dirty="0"/>
+              <a:t>The optimal control law is bang-bang in nature</a:t>
+            </a:r>
+          </a:p>
+          <a:p>
+            <a:pPr lvl="1"/>
+            <a:r>
+              <a:rPr lang="en-US" dirty="0"/>
+              <a:t>Can no longer decouple mean and covariance problems </a:t>
+            </a:r>
+            <a:endParaRPr lang="en-US" dirty="0" smtClean="0"/>
+          </a:p>
+          <a:p>
+            <a:r>
+              <a:rPr lang="en-US" dirty="0" smtClean="0"/>
+              <a:t>In zero mean case, optimal control in linear feedback is achieved as K -&gt; </a:t>
+            </a:r>
+            <a:r>
+              <a:rPr lang="en-US" dirty="0" err="1" smtClean="0"/>
+              <a:t>inf</a:t>
+            </a:r>
+            <a:r>
+              <a:rPr lang="en-US" dirty="0" smtClean="0"/>
+              <a:t>, resulting in bang-bang control = -</a:t>
+            </a:r>
+            <a:r>
+              <a:rPr lang="en-US" dirty="0" err="1" smtClean="0"/>
+              <a:t>Umax</a:t>
+            </a:r>
+            <a:r>
+              <a:rPr lang="en-US" dirty="0" smtClean="0"/>
+              <a:t>*sign(x)</a:t>
+            </a:r>
+            <a:endParaRPr lang="en-US" dirty="0"/>
+          </a:p>
+          <a:p>
+            <a:r>
+              <a:rPr lang="en-US" dirty="0" smtClean="0"/>
+              <a:t>Even for linear problems, we turn to an optimization approach: find the optimal mean trajectory such that covariance is minimized under discontinuous feedback</a:t>
+            </a:r>
+            <a:endParaRPr lang="en-US" dirty="0"/>
+          </a:p>
+        </p:txBody>
+      </p:sp>
+      <p:sp>
+        <p:nvSpPr>
+          <p:cNvPr id="4" name="Date Placeholder 3"/>
+          <p:cNvSpPr>
+            <a:spLocks noGrp="1"/>
+          </p:cNvSpPr>
+          <p:nvPr>
+            <p:ph type="dt" sz="half" idx="10"/>
+          </p:nvPr>
+        </p:nvSpPr>
+        <p:spPr/>
+        <p:txBody>
+          <a:bodyPr/>
+          <a:lstStyle/>
+          <a:p>
+            <a:fld id="{654B51E4-67EB-4079-B5AA-F6AC5D100AB5}" type="datetime1">
+              <a:rPr lang="en-US" smtClean="0"/>
+              <a:t>12/1/2018</a:t>
+            </a:fld>
+            <a:endParaRPr lang="en-US"/>
+          </a:p>
+        </p:txBody>
+      </p:sp>
+    </p:spTree>
+    <p:extLst>
+      <p:ext uri="{BB962C8B-B14F-4D97-AF65-F5344CB8AC3E}">
+        <p14:creationId xmlns:p14="http://schemas.microsoft.com/office/powerpoint/2010/main" val="1023245691"/>
+      </p:ext>
+    </p:extLst>
+  </p:cSld>
+  <p:clrMapOvr>
+    <a:masterClrMapping/>
+  </p:clrMapOvr>
+  <p:timing>
+    <p:tnLst>
+      <p:par>
+        <p:cTn id="1" dur="indefinite" restart="never" nodeType="tmRoot"/>
+      </p:par>
+    </p:tnLst>
+  </p:timing>
+</p:sld>
+</file>
+
+<file path=ppt/slides/slide25.xml><?xml version="1.0" encoding="utf-8"?>
+<p:sld xmlns:a="http://schemas.openxmlformats.org/drawingml/2006/main" xmlns:r="http://schemas.openxmlformats.org/officeDocument/2006/relationships" xmlns:p="http://schemas.openxmlformats.org/presentationml/2006/main">
+  <p:cSld>
+    <p:spTree>
+      <p:nvGrpSpPr>
+        <p:cNvPr id="1" name=""/>
+        <p:cNvGrpSpPr/>
+        <p:nvPr/>
+      </p:nvGrpSpPr>
+      <p:grpSpPr>
+        <a:xfrm>
+          <a:off x="0" y="0"/>
+          <a:ext cx="0" cy="0"/>
+          <a:chOff x="0" y="0"/>
+          <a:chExt cx="0" cy="0"/>
+        </a:xfrm>
+      </p:grpSpPr>
+      <mc:AlternateContent xmlns:mc="http://schemas.openxmlformats.org/markup-compatibility/2006" xmlns:a14="http://schemas.microsoft.com/office/drawing/2010/main">
+        <mc:Choice Requires="a14">
           <p:sp>
             <p:nvSpPr>
               <p:cNvPr id="2" name="Title 1"/>
@@ -7487,7 +8612,7 @@
             </p:txBody>
           </p:sp>
         </mc:Choice>
-        <mc:Fallback>
+        <mc:Fallback xmlns="">
           <p:sp>
             <p:nvSpPr>
               <p:cNvPr id="2" name="Title 1"/>
@@ -7500,7 +8625,7 @@
             </p:nvSpPr>
             <p:spPr>
               <a:blipFill rotWithShape="0">
-                <a:blip r:embed="rId2"/>
+                <a:blip r:embed="rId3"/>
                 <a:stretch>
                   <a:fillRect l="-3091" t="-31000" b="-62000"/>
                 </a:stretch>
@@ -7532,7 +8657,7 @@
           </p:nvPr>
         </p:nvPicPr>
         <p:blipFill rotWithShape="1">
-          <a:blip r:embed="rId3">
+          <a:blip r:embed="rId4">
             <a:extLst>
               <a:ext uri="{28A0092B-C50C-407E-A947-70E740481C1C}">
                 <a14:useLocalDpi xmlns:a14="http://schemas.microsoft.com/office/drawing/2010/main" val="0"/>
@@ -7566,7 +8691,7 @@
           <a:p>
             <a:fld id="{DACEE8DD-B545-4020-BC5A-D34F01A5A26F}" type="datetime1">
               <a:rPr lang="en-US" smtClean="0"/>
-              <a:t>11/30/2018</a:t>
+              <a:t>12/1/2018</a:t>
             </a:fld>
             <a:endParaRPr lang="en-US"/>
           </a:p>
@@ -7582,10 +8707,17 @@
   <p:clrMapOvr>
     <a:masterClrMapping/>
   </p:clrMapOvr>
+  <p:timing>
+    <p:tnLst>
+      <p:par>
+        <p:cTn id="1" dur="indefinite" restart="never" nodeType="tmRoot"/>
+      </p:par>
+    </p:tnLst>
+  </p:timing>
 </p:sld>
 </file>
 
-<file path=ppt/slides/slide19.xml><?xml version="1.0" encoding="utf-8"?>
+<file path=ppt/slides/slide26.xml><?xml version="1.0" encoding="utf-8"?>
 <p:sld xmlns:a="http://schemas.openxmlformats.org/drawingml/2006/main" xmlns:r="http://schemas.openxmlformats.org/officeDocument/2006/relationships" xmlns:p="http://schemas.openxmlformats.org/presentationml/2006/main">
   <p:cSld>
     <p:spTree>
@@ -7667,21 +8799,8 @@
             </a:r>
             <a:r>
               <a:rPr lang="en-US" dirty="0" smtClean="0"/>
-              <a:t>we </a:t>
-            </a:r>
-            <a:r>
-              <a:rPr lang="en-US" dirty="0" smtClean="0"/>
-              <a:t>seek </a:t>
-            </a:r>
-            <a:r>
-              <a:rPr lang="en-US" dirty="0" smtClean="0"/>
-              <a:t>to minimize propellant use under </a:t>
-            </a:r>
-            <a:r>
-              <a:rPr lang="en-US" dirty="0" smtClean="0"/>
-              <a:t>uncertainty during the powered descent phase  </a:t>
-            </a:r>
-            <a:endParaRPr lang="en-US" dirty="0" smtClean="0"/>
+              <a:t>we seek to minimize propellant use under uncertainty during the powered descent phase  </a:t>
+            </a:r>
           </a:p>
           <a:p>
             <a:pPr lvl="1"/>
@@ -7704,14 +8823,12 @@
               <a:rPr lang="en-US" dirty="0" smtClean="0"/>
               <a:t>This allows us to deliver the heaviest payload to the surface</a:t>
             </a:r>
-            <a:endParaRPr lang="en-US" dirty="0" smtClean="0"/>
           </a:p>
           <a:p>
             <a:r>
               <a:rPr lang="en-US" dirty="0" smtClean="0"/>
               <a:t>The system is subject to bounded thrust magnitude, glide-slope constraint that prevents shallow flight</a:t>
             </a:r>
-            <a:endParaRPr lang="en-US" dirty="0" smtClean="0"/>
           </a:p>
         </p:txBody>
       </p:sp>
@@ -7732,7 +8849,7 @@
           <a:p>
             <a:fld id="{FA3B38A7-CC6F-4E29-89B7-25D234EC0321}" type="datetime1">
               <a:rPr lang="en-US" smtClean="0"/>
-              <a:t>11/30/2018</a:t>
+              <a:t>12/1/2018</a:t>
             </a:fld>
             <a:endParaRPr lang="en-US"/>
           </a:p>
@@ -7748,152 +8865,17 @@
   <p:clrMapOvr>
     <a:masterClrMapping/>
   </p:clrMapOvr>
+  <p:timing>
+    <p:tnLst>
+      <p:par>
+        <p:cTn id="1" dur="indefinite" restart="never" nodeType="tmRoot"/>
+      </p:par>
+    </p:tnLst>
+  </p:timing>
 </p:sld>
 </file>
 
-<file path=ppt/slides/slide2.xml><?xml version="1.0" encoding="utf-8"?>
-<p:sld xmlns:a="http://schemas.openxmlformats.org/drawingml/2006/main" xmlns:r="http://schemas.openxmlformats.org/officeDocument/2006/relationships" xmlns:p="http://schemas.openxmlformats.org/presentationml/2006/main">
-  <p:cSld>
-    <p:spTree>
-      <p:nvGrpSpPr>
-        <p:cNvPr id="1" name=""/>
-        <p:cNvGrpSpPr/>
-        <p:nvPr/>
-      </p:nvGrpSpPr>
-      <p:grpSpPr>
-        <a:xfrm>
-          <a:off x="0" y="0"/>
-          <a:ext cx="0" cy="0"/>
-          <a:chOff x="0" y="0"/>
-          <a:chExt cx="0" cy="0"/>
-        </a:xfrm>
-      </p:grpSpPr>
-      <p:sp>
-        <p:nvSpPr>
-          <p:cNvPr id="2" name="Title 1"/>
-          <p:cNvSpPr>
-            <a:spLocks noGrp="1"/>
-          </p:cNvSpPr>
-          <p:nvPr>
-            <p:ph type="title"/>
-          </p:nvPr>
-        </p:nvSpPr>
-        <p:spPr/>
-        <p:txBody>
-          <a:bodyPr/>
-          <a:lstStyle/>
-          <a:p>
-            <a:r>
-              <a:rPr lang="en-US" dirty="0" smtClean="0"/>
-              <a:t>Outline</a:t>
-            </a:r>
-            <a:endParaRPr lang="en-US" dirty="0"/>
-          </a:p>
-        </p:txBody>
-      </p:sp>
-      <p:sp>
-        <p:nvSpPr>
-          <p:cNvPr id="3" name="Content Placeholder 2"/>
-          <p:cNvSpPr>
-            <a:spLocks noGrp="1"/>
-          </p:cNvSpPr>
-          <p:nvPr>
-            <p:ph idx="1"/>
-          </p:nvPr>
-        </p:nvSpPr>
-        <p:spPr>
-          <a:xfrm>
-            <a:off x="628650" y="1825624"/>
-            <a:ext cx="7886700" cy="4678269"/>
-          </a:xfrm>
-        </p:spPr>
-        <p:txBody>
-          <a:bodyPr/>
-          <a:lstStyle/>
-          <a:p>
-            <a:r>
-              <a:rPr lang="en-US" dirty="0" smtClean="0"/>
-              <a:t>Entry phase (hybrid opt, convex updating)</a:t>
-            </a:r>
-          </a:p>
-          <a:p>
-            <a:r>
-              <a:rPr lang="en-US" dirty="0" smtClean="0"/>
-              <a:t>SRP phase </a:t>
-            </a:r>
-            <a:r>
-              <a:rPr lang="en-US" dirty="0" smtClean="0"/>
-              <a:t>(robust solutions via optimal </a:t>
-            </a:r>
-            <a:r>
-              <a:rPr lang="en-US" dirty="0" smtClean="0"/>
-              <a:t>control)</a:t>
-            </a:r>
-          </a:p>
-          <a:p>
-            <a:r>
-              <a:rPr lang="en-US" dirty="0" smtClean="0"/>
-              <a:t>Multi-phase optimal control (create reference for initialization entry, and to track in SRP phase potentially)</a:t>
-            </a:r>
-          </a:p>
-          <a:p>
-            <a:r>
-              <a:rPr lang="en-US" dirty="0" smtClean="0"/>
-              <a:t>Adaptive SRP initiation via free initial condition OCP?</a:t>
-            </a:r>
-          </a:p>
-          <a:p>
-            <a:r>
-              <a:rPr lang="en-US" dirty="0" smtClean="0"/>
-              <a:t>Free final time via free initial condition?</a:t>
-            </a:r>
-          </a:p>
-          <a:p>
-            <a:r>
-              <a:rPr lang="en-US" dirty="0" smtClean="0"/>
-              <a:t>Non-standard control objectives: risk sensitive, minimally covariant trajectories </a:t>
-            </a:r>
-            <a:endParaRPr lang="en-US" dirty="0"/>
-          </a:p>
-        </p:txBody>
-      </p:sp>
-      <p:sp>
-        <p:nvSpPr>
-          <p:cNvPr id="4" name="Date Placeholder 3"/>
-          <p:cNvSpPr>
-            <a:spLocks noGrp="1"/>
-          </p:cNvSpPr>
-          <p:nvPr>
-            <p:ph type="dt" sz="half" idx="10"/>
-          </p:nvPr>
-        </p:nvSpPr>
-        <p:spPr/>
-        <p:txBody>
-          <a:bodyPr/>
-          <a:lstStyle/>
-          <a:p>
-            <a:fld id="{AAF8337C-28E0-45D7-BFAB-A5636CB463D0}" type="datetime1">
-              <a:rPr lang="en-US" smtClean="0"/>
-              <a:t>11/30/2018</a:t>
-            </a:fld>
-            <a:endParaRPr lang="en-US"/>
-          </a:p>
-        </p:txBody>
-      </p:sp>
-    </p:spTree>
-    <p:extLst>
-      <p:ext uri="{BB962C8B-B14F-4D97-AF65-F5344CB8AC3E}">
-        <p14:creationId xmlns:p14="http://schemas.microsoft.com/office/powerpoint/2010/main" val="1132782950"/>
-      </p:ext>
-    </p:extLst>
-  </p:cSld>
-  <p:clrMapOvr>
-    <a:masterClrMapping/>
-  </p:clrMapOvr>
-</p:sld>
-</file>
-
-<file path=ppt/slides/slide20.xml><?xml version="1.0" encoding="utf-8"?>
+<file path=ppt/slides/slide27.xml><?xml version="1.0" encoding="utf-8"?>
 <p:sld xmlns:a="http://schemas.openxmlformats.org/drawingml/2006/main" xmlns:r="http://schemas.openxmlformats.org/officeDocument/2006/relationships" xmlns:p="http://schemas.openxmlformats.org/presentationml/2006/main">
   <p:cSld>
     <p:spTree>
@@ -8116,7 +9098,6 @@
               <a:rPr lang="en-US" sz="1350" dirty="0"/>
               <a:t>Targeted Landing Site</a:t>
             </a:r>
-            <a:endParaRPr lang="en-US" sz="1350" dirty="0"/>
           </a:p>
         </p:txBody>
       </p:sp>
@@ -8185,7 +9166,6 @@
               <a:rPr lang="en-US" sz="1350" dirty="0"/>
               <a:t>Optimal SRP Ignition (Nominal Scenario)</a:t>
             </a:r>
-            <a:endParaRPr lang="en-US" sz="1350" dirty="0"/>
           </a:p>
         </p:txBody>
       </p:sp>
@@ -8257,7 +9237,6 @@
               <a:rPr lang="en-US" sz="1350" dirty="0"/>
               <a:t>RCS thrusters</a:t>
             </a:r>
-            <a:endParaRPr lang="en-US" sz="1350" dirty="0"/>
           </a:p>
         </p:txBody>
       </p:sp>
@@ -8287,7 +9266,6 @@
               <a:rPr lang="en-US" sz="1350" dirty="0"/>
               <a:t>Atmospheric entry interface</a:t>
             </a:r>
-            <a:endParaRPr lang="en-US" sz="1350" dirty="0"/>
           </a:p>
         </p:txBody>
       </p:sp>
@@ -8317,7 +9295,6 @@
               <a:rPr lang="en-US" sz="1350" dirty="0"/>
               <a:t>Downrange</a:t>
             </a:r>
-            <a:endParaRPr lang="en-US" sz="1350" dirty="0"/>
           </a:p>
         </p:txBody>
       </p:sp>
@@ -8491,7 +9468,6 @@
               <a:rPr lang="en-US" sz="1350" dirty="0"/>
               <a:t>For the same optimal altitude, velocity, and flight path angle, any point on the red circle will produce an equivalent SRP trajectory so long as the heading points to the target </a:t>
             </a:r>
-            <a:endParaRPr lang="en-US" sz="1350" dirty="0"/>
           </a:p>
         </p:txBody>
       </p:sp>
@@ -8598,7 +9574,7 @@
 </p:sld>
 </file>
 
-<file path=ppt/slides/slide21.xml><?xml version="1.0" encoding="utf-8"?>
+<file path=ppt/slides/slide28.xml><?xml version="1.0" encoding="utf-8"?>
 <p:sld xmlns:a="http://schemas.openxmlformats.org/drawingml/2006/main" xmlns:r="http://schemas.openxmlformats.org/officeDocument/2006/relationships" xmlns:p="http://schemas.openxmlformats.org/presentationml/2006/main">
   <p:cSld>
     <p:spTree>
@@ -8702,7 +9678,7 @@
           <a:p>
             <a:fld id="{2B95A4FC-FB7C-4AB5-B4A7-5F2CB3788E89}" type="datetime1">
               <a:rPr lang="en-US" smtClean="0"/>
-              <a:t>11/30/2018</a:t>
+              <a:t>12/1/2018</a:t>
             </a:fld>
             <a:endParaRPr lang="en-US"/>
           </a:p>
@@ -8728,7 +9704,7 @@
 </p:sld>
 </file>
 
-<file path=ppt/slides/slide22.xml><?xml version="1.0" encoding="utf-8"?>
+<file path=ppt/slides/slide29.xml><?xml version="1.0" encoding="utf-8"?>
 <p:sld xmlns:a="http://schemas.openxmlformats.org/drawingml/2006/main" xmlns:r="http://schemas.openxmlformats.org/officeDocument/2006/relationships" xmlns:p="http://schemas.openxmlformats.org/presentationml/2006/main">
   <p:cSld>
     <p:spTree>
@@ -8846,7 +9822,7 @@
           <a:p>
             <a:fld id="{63A7C39B-4337-4284-8FCA-2CFCA1AD45E4}" type="datetime1">
               <a:rPr lang="en-US" smtClean="0"/>
-              <a:t>11/30/2018</a:t>
+              <a:t>12/1/2018</a:t>
             </a:fld>
             <a:endParaRPr lang="en-US"/>
           </a:p>
@@ -8865,7 +9841,7 @@
 </p:sld>
 </file>
 
-<file path=ppt/slides/slide23.xml><?xml version="1.0" encoding="utf-8"?>
+<file path=ppt/slides/slide3.xml><?xml version="1.0" encoding="utf-8"?>
 <p:sld xmlns:a="http://schemas.openxmlformats.org/drawingml/2006/main" xmlns:r="http://schemas.openxmlformats.org/officeDocument/2006/relationships" xmlns:p="http://schemas.openxmlformats.org/presentationml/2006/main">
   <p:cSld>
     <p:spTree>
@@ -8892,19 +9868,14 @@
             <p:ph type="title"/>
           </p:nvPr>
         </p:nvSpPr>
-        <p:spPr>
-          <a:xfrm>
-            <a:off x="628650" y="1079157"/>
-            <a:ext cx="7886700" cy="853160"/>
-          </a:xfrm>
-        </p:spPr>
-        <p:txBody>
-          <a:bodyPr/>
-          <a:lstStyle/>
-          <a:p>
-            <a:r>
-              <a:rPr lang="en-US" dirty="0" smtClean="0"/>
-              <a:t>Proposed Approach</a:t>
+        <p:spPr/>
+        <p:txBody>
+          <a:bodyPr/>
+          <a:lstStyle/>
+          <a:p>
+            <a:r>
+              <a:rPr lang="en-US" dirty="0" smtClean="0"/>
+              <a:t>Outline</a:t>
             </a:r>
             <a:endParaRPr lang="en-US" dirty="0"/>
           </a:p>
@@ -8922,106 +9893,49 @@
         </p:nvSpPr>
         <p:spPr>
           <a:xfrm>
-            <a:off x="628650" y="1916153"/>
-            <a:ext cx="7886700" cy="4792655"/>
-          </a:xfrm>
-        </p:spPr>
-        <p:txBody>
-          <a:bodyPr/>
-          <a:lstStyle/>
-          <a:p>
-            <a:r>
-              <a:rPr lang="en-US" sz="2400" dirty="0" smtClean="0"/>
-              <a:t>Trajectory update is posed an optimal control problem</a:t>
-            </a:r>
-          </a:p>
-          <a:p>
-            <a:pPr lvl="1"/>
-            <a:r>
-              <a:rPr lang="en-US" sz="2000" dirty="0" smtClean="0"/>
-              <a:t>Objective is to minimize distance to original trajectory while satisfying constraints </a:t>
-            </a:r>
-          </a:p>
-          <a:p>
-            <a:r>
-              <a:rPr lang="en-US" sz="2400" dirty="0" smtClean="0"/>
-              <a:t>Use energy as independent variable </a:t>
-            </a:r>
-          </a:p>
-          <a:p>
-            <a:r>
-              <a:rPr lang="en-US" sz="2400" dirty="0" err="1" smtClean="0"/>
-              <a:t>Convexify</a:t>
-            </a:r>
-            <a:r>
-              <a:rPr lang="en-US" sz="2400" dirty="0" smtClean="0"/>
-              <a:t> </a:t>
-            </a:r>
-          </a:p>
-          <a:p>
-            <a:pPr lvl="1"/>
-            <a:r>
-              <a:rPr lang="en-US" sz="2000" dirty="0" smtClean="0"/>
-              <a:t>Treat bank angle as additional state, use bank rate as the control variable</a:t>
-            </a:r>
-          </a:p>
-          <a:p>
-            <a:pPr lvl="1"/>
-            <a:r>
-              <a:rPr lang="en-US" sz="2000" dirty="0" smtClean="0"/>
-              <a:t>Linearize the equations of motion </a:t>
-            </a:r>
-          </a:p>
-          <a:p>
-            <a:pPr lvl="1"/>
-            <a:r>
-              <a:rPr lang="en-US" sz="2000" dirty="0" smtClean="0"/>
-              <a:t>Unlike powered descent case, </a:t>
-            </a:r>
-            <a:r>
-              <a:rPr lang="en-US" sz="2000" dirty="0" err="1" smtClean="0"/>
-              <a:t>convexification</a:t>
-            </a:r>
-            <a:r>
-              <a:rPr lang="en-US" sz="2000" dirty="0" smtClean="0"/>
-              <a:t> is not lossless </a:t>
-            </a:r>
-          </a:p>
-          <a:p>
-            <a:r>
-              <a:rPr lang="en-US" sz="2400" dirty="0" smtClean="0"/>
-              <a:t>Discretize (or transcribe) into second-order cone program</a:t>
-            </a:r>
-          </a:p>
-          <a:p>
-            <a:pPr lvl="1"/>
-            <a:r>
-              <a:rPr lang="en-US" sz="2000" dirty="0" err="1" smtClean="0"/>
-              <a:t>Chebyshev</a:t>
-            </a:r>
-            <a:r>
-              <a:rPr lang="en-US" sz="2000" dirty="0" smtClean="0"/>
-              <a:t> </a:t>
-            </a:r>
-            <a:r>
-              <a:rPr lang="en-US" sz="2000" dirty="0" err="1"/>
-              <a:t>p</a:t>
-            </a:r>
-            <a:r>
-              <a:rPr lang="en-US" sz="2000" dirty="0" err="1" smtClean="0"/>
-              <a:t>seudospectral</a:t>
-            </a:r>
-            <a:r>
-              <a:rPr lang="en-US" sz="2000" dirty="0" smtClean="0"/>
-              <a:t> method </a:t>
-            </a:r>
-          </a:p>
-          <a:p>
-            <a:r>
-              <a:rPr lang="en-US" sz="2400" dirty="0" smtClean="0"/>
-              <a:t>Solve the resulting SOCP using efficient interior-point solver</a:t>
-            </a:r>
-            <a:endParaRPr lang="en-US" sz="2400" dirty="0"/>
+            <a:off x="628650" y="1825624"/>
+            <a:ext cx="7886700" cy="4678269"/>
+          </a:xfrm>
+        </p:spPr>
+        <p:txBody>
+          <a:bodyPr/>
+          <a:lstStyle/>
+          <a:p>
+            <a:r>
+              <a:rPr lang="en-US" dirty="0" smtClean="0"/>
+              <a:t>Entry phase (hybrid opt, convex updating)</a:t>
+            </a:r>
+          </a:p>
+          <a:p>
+            <a:r>
+              <a:rPr lang="en-US" dirty="0" smtClean="0"/>
+              <a:t>SRP phase (robust solutions via optimal control)</a:t>
+            </a:r>
+          </a:p>
+          <a:p>
+            <a:r>
+              <a:rPr lang="en-US" dirty="0" smtClean="0"/>
+              <a:t>Multi-phase optimal control (create reference for initialization entry, and to track in SRP phase potentially)</a:t>
+            </a:r>
+          </a:p>
+          <a:p>
+            <a:r>
+              <a:rPr lang="en-US" dirty="0" smtClean="0"/>
+              <a:t>Adaptive SRP initiation via free initial condition OCP?</a:t>
+            </a:r>
+          </a:p>
+          <a:p>
+            <a:r>
+              <a:rPr lang="en-US" dirty="0" smtClean="0"/>
+              <a:t>Free final time via free initial condition?</a:t>
+            </a:r>
+          </a:p>
+          <a:p>
+            <a:r>
+              <a:rPr lang="en-US" dirty="0" smtClean="0"/>
+              <a:t>Non-standard control objectives: risk sensitive, minimally covariant trajectories </a:t>
+            </a:r>
+            <a:endParaRPr lang="en-US" dirty="0"/>
           </a:p>
         </p:txBody>
       </p:sp>
@@ -9040,9 +9954,9 @@
           <a:bodyPr/>
           <a:lstStyle/>
           <a:p>
-            <a:fld id="{CB9C015D-D165-4AE2-B291-D92CBC321699}" type="datetime1">
+            <a:fld id="{AAF8337C-28E0-45D7-BFAB-A5636CB463D0}" type="datetime1">
               <a:rPr lang="en-US" smtClean="0"/>
-              <a:t>11/30/2018</a:t>
+              <a:t>12/1/2018</a:t>
             </a:fld>
             <a:endParaRPr lang="en-US"/>
           </a:p>
@@ -9051,7 +9965,7 @@
     </p:spTree>
     <p:extLst>
       <p:ext uri="{BB962C8B-B14F-4D97-AF65-F5344CB8AC3E}">
-        <p14:creationId xmlns:p14="http://schemas.microsoft.com/office/powerpoint/2010/main" val="3047953510"/>
+        <p14:creationId xmlns:p14="http://schemas.microsoft.com/office/powerpoint/2010/main" val="1132782950"/>
       </p:ext>
     </p:extLst>
   </p:cSld>
@@ -9061,7 +9975,7 @@
 </p:sld>
 </file>
 
-<file path=ppt/slides/slide24.xml><?xml version="1.0" encoding="utf-8"?>
+<file path=ppt/slides/slide30.xml><?xml version="1.0" encoding="utf-8"?>
 <p:sld xmlns:a="http://schemas.openxmlformats.org/drawingml/2006/main" xmlns:r="http://schemas.openxmlformats.org/officeDocument/2006/relationships" xmlns:p="http://schemas.openxmlformats.org/presentationml/2006/main">
   <p:cSld>
     <p:spTree>
@@ -9088,6 +10002,202 @@
             <p:ph type="title"/>
           </p:nvPr>
         </p:nvSpPr>
+        <p:spPr>
+          <a:xfrm>
+            <a:off x="628650" y="1079157"/>
+            <a:ext cx="7886700" cy="853160"/>
+          </a:xfrm>
+        </p:spPr>
+        <p:txBody>
+          <a:bodyPr/>
+          <a:lstStyle/>
+          <a:p>
+            <a:r>
+              <a:rPr lang="en-US" dirty="0" smtClean="0"/>
+              <a:t>Proposed Approach</a:t>
+            </a:r>
+            <a:endParaRPr lang="en-US" dirty="0"/>
+          </a:p>
+        </p:txBody>
+      </p:sp>
+      <p:sp>
+        <p:nvSpPr>
+          <p:cNvPr id="3" name="Content Placeholder 2"/>
+          <p:cNvSpPr>
+            <a:spLocks noGrp="1"/>
+          </p:cNvSpPr>
+          <p:nvPr>
+            <p:ph idx="1"/>
+          </p:nvPr>
+        </p:nvSpPr>
+        <p:spPr>
+          <a:xfrm>
+            <a:off x="628650" y="1916153"/>
+            <a:ext cx="7886700" cy="4792655"/>
+          </a:xfrm>
+        </p:spPr>
+        <p:txBody>
+          <a:bodyPr/>
+          <a:lstStyle/>
+          <a:p>
+            <a:r>
+              <a:rPr lang="en-US" sz="2400" dirty="0" smtClean="0"/>
+              <a:t>Trajectory update is posed an optimal control problem</a:t>
+            </a:r>
+          </a:p>
+          <a:p>
+            <a:pPr lvl="1"/>
+            <a:r>
+              <a:rPr lang="en-US" sz="2000" dirty="0" smtClean="0"/>
+              <a:t>Objective is to minimize distance to original trajectory while satisfying constraints </a:t>
+            </a:r>
+          </a:p>
+          <a:p>
+            <a:r>
+              <a:rPr lang="en-US" sz="2400" dirty="0" smtClean="0"/>
+              <a:t>Use energy as independent variable </a:t>
+            </a:r>
+          </a:p>
+          <a:p>
+            <a:r>
+              <a:rPr lang="en-US" sz="2400" dirty="0" err="1" smtClean="0"/>
+              <a:t>Convexify</a:t>
+            </a:r>
+            <a:r>
+              <a:rPr lang="en-US" sz="2400" dirty="0" smtClean="0"/>
+              <a:t> </a:t>
+            </a:r>
+          </a:p>
+          <a:p>
+            <a:pPr lvl="1"/>
+            <a:r>
+              <a:rPr lang="en-US" sz="2000" dirty="0" smtClean="0"/>
+              <a:t>Treat bank angle as additional state, use bank rate as the control variable</a:t>
+            </a:r>
+          </a:p>
+          <a:p>
+            <a:pPr lvl="1"/>
+            <a:r>
+              <a:rPr lang="en-US" sz="2000" dirty="0" smtClean="0"/>
+              <a:t>Linearize the equations of motion </a:t>
+            </a:r>
+          </a:p>
+          <a:p>
+            <a:pPr lvl="1"/>
+            <a:r>
+              <a:rPr lang="en-US" sz="2000" dirty="0" smtClean="0"/>
+              <a:t>Unlike powered descent case, </a:t>
+            </a:r>
+            <a:r>
+              <a:rPr lang="en-US" sz="2000" dirty="0" err="1" smtClean="0"/>
+              <a:t>convexification</a:t>
+            </a:r>
+            <a:r>
+              <a:rPr lang="en-US" sz="2000" dirty="0" smtClean="0"/>
+              <a:t> is not lossless </a:t>
+            </a:r>
+          </a:p>
+          <a:p>
+            <a:r>
+              <a:rPr lang="en-US" sz="2400" dirty="0" smtClean="0"/>
+              <a:t>Discretize (or transcribe) into second-order cone program</a:t>
+            </a:r>
+          </a:p>
+          <a:p>
+            <a:pPr lvl="1"/>
+            <a:r>
+              <a:rPr lang="en-US" sz="2000" dirty="0" err="1" smtClean="0"/>
+              <a:t>Chebyshev</a:t>
+            </a:r>
+            <a:r>
+              <a:rPr lang="en-US" sz="2000" dirty="0" smtClean="0"/>
+              <a:t> </a:t>
+            </a:r>
+            <a:r>
+              <a:rPr lang="en-US" sz="2000" dirty="0" err="1"/>
+              <a:t>p</a:t>
+            </a:r>
+            <a:r>
+              <a:rPr lang="en-US" sz="2000" dirty="0" err="1" smtClean="0"/>
+              <a:t>seudospectral</a:t>
+            </a:r>
+            <a:r>
+              <a:rPr lang="en-US" sz="2000" dirty="0" smtClean="0"/>
+              <a:t> method </a:t>
+            </a:r>
+          </a:p>
+          <a:p>
+            <a:r>
+              <a:rPr lang="en-US" sz="2400" dirty="0" smtClean="0"/>
+              <a:t>Solve the resulting SOCP using efficient interior-point solver</a:t>
+            </a:r>
+            <a:endParaRPr lang="en-US" sz="2400" dirty="0"/>
+          </a:p>
+        </p:txBody>
+      </p:sp>
+      <p:sp>
+        <p:nvSpPr>
+          <p:cNvPr id="4" name="Date Placeholder 3"/>
+          <p:cNvSpPr>
+            <a:spLocks noGrp="1"/>
+          </p:cNvSpPr>
+          <p:nvPr>
+            <p:ph type="dt" sz="half" idx="10"/>
+          </p:nvPr>
+        </p:nvSpPr>
+        <p:spPr/>
+        <p:txBody>
+          <a:bodyPr/>
+          <a:lstStyle/>
+          <a:p>
+            <a:fld id="{CB9C015D-D165-4AE2-B291-D92CBC321699}" type="datetime1">
+              <a:rPr lang="en-US" smtClean="0"/>
+              <a:t>12/1/2018</a:t>
+            </a:fld>
+            <a:endParaRPr lang="en-US"/>
+          </a:p>
+        </p:txBody>
+      </p:sp>
+    </p:spTree>
+    <p:extLst>
+      <p:ext uri="{BB962C8B-B14F-4D97-AF65-F5344CB8AC3E}">
+        <p14:creationId xmlns:p14="http://schemas.microsoft.com/office/powerpoint/2010/main" val="3047953510"/>
+      </p:ext>
+    </p:extLst>
+  </p:cSld>
+  <p:clrMapOvr>
+    <a:masterClrMapping/>
+  </p:clrMapOvr>
+</p:sld>
+</file>
+
+<file path=ppt/slides/slide31.xml><?xml version="1.0" encoding="utf-8"?>
+<p:sld xmlns:a="http://schemas.openxmlformats.org/drawingml/2006/main" xmlns:r="http://schemas.openxmlformats.org/officeDocument/2006/relationships" xmlns:p="http://schemas.openxmlformats.org/presentationml/2006/main">
+  <p:cSld>
+    <p:spTree>
+      <p:nvGrpSpPr>
+        <p:cNvPr id="1" name=""/>
+        <p:cNvGrpSpPr/>
+        <p:nvPr/>
+      </p:nvGrpSpPr>
+      <p:grpSpPr>
+        <a:xfrm>
+          <a:off x="0" y="0"/>
+          <a:ext cx="0" cy="0"/>
+          <a:chOff x="0" y="0"/>
+          <a:chExt cx="0" cy="0"/>
+        </a:xfrm>
+      </p:grpSpPr>
+      <p:sp>
+        <p:nvSpPr>
+          <p:cNvPr id="2" name="Title 1"/>
+          <p:cNvSpPr>
+            <a:spLocks noGrp="1"/>
+          </p:cNvSpPr>
+          <p:nvPr>
+            <p:ph type="title"/>
+          </p:nvPr>
+        </p:nvSpPr>
         <p:spPr/>
         <p:txBody>
           <a:bodyPr/>
@@ -9171,7 +10281,7 @@
           <a:p>
             <a:fld id="{1B70D959-720B-40AD-A907-A3DAF7E49ADF}" type="datetime1">
               <a:rPr lang="en-US" smtClean="0"/>
-              <a:t>11/30/2018</a:t>
+              <a:t>12/1/2018</a:t>
             </a:fld>
             <a:endParaRPr lang="en-US"/>
           </a:p>
@@ -9190,7 +10300,7 @@
 </p:sld>
 </file>
 
-<file path=ppt/slides/slide25.xml><?xml version="1.0" encoding="utf-8"?>
+<file path=ppt/slides/slide32.xml><?xml version="1.0" encoding="utf-8"?>
 <p:sld xmlns:a="http://schemas.openxmlformats.org/drawingml/2006/main" xmlns:r="http://schemas.openxmlformats.org/officeDocument/2006/relationships" xmlns:p="http://schemas.openxmlformats.org/presentationml/2006/main">
   <p:cSld>
     <p:spTree>
@@ -9428,7 +10538,7 @@
           <a:p>
             <a:fld id="{63760E42-F9C3-4B21-BAE1-FC94C983BF94}" type="datetime1">
               <a:rPr lang="en-US" smtClean="0"/>
-              <a:t>11/30/2018</a:t>
+              <a:t>12/1/2018</a:t>
             </a:fld>
             <a:endParaRPr lang="en-US"/>
           </a:p>
@@ -9438,1345 +10548,6 @@
     <p:extLst>
       <p:ext uri="{BB962C8B-B14F-4D97-AF65-F5344CB8AC3E}">
         <p14:creationId xmlns:p14="http://schemas.microsoft.com/office/powerpoint/2010/main" val="2507780609"/>
-      </p:ext>
-    </p:extLst>
-  </p:cSld>
-  <p:clrMapOvr>
-    <a:masterClrMapping/>
-  </p:clrMapOvr>
-</p:sld>
-</file>
-
-<file path=ppt/slides/slide26.xml><?xml version="1.0" encoding="utf-8"?>
-<p:sld xmlns:a="http://schemas.openxmlformats.org/drawingml/2006/main" xmlns:r="http://schemas.openxmlformats.org/officeDocument/2006/relationships" xmlns:p="http://schemas.openxmlformats.org/presentationml/2006/main">
-  <p:cSld>
-    <p:spTree>
-      <p:nvGrpSpPr>
-        <p:cNvPr id="1" name=""/>
-        <p:cNvGrpSpPr/>
-        <p:nvPr/>
-      </p:nvGrpSpPr>
-      <p:grpSpPr>
-        <a:xfrm>
-          <a:off x="0" y="0"/>
-          <a:ext cx="0" cy="0"/>
-          <a:chOff x="0" y="0"/>
-          <a:chExt cx="0" cy="0"/>
-        </a:xfrm>
-      </p:grpSpPr>
-      <p:sp>
-        <p:nvSpPr>
-          <p:cNvPr id="2" name="Title 1"/>
-          <p:cNvSpPr>
-            <a:spLocks noGrp="1"/>
-          </p:cNvSpPr>
-          <p:nvPr>
-            <p:ph type="title"/>
-          </p:nvPr>
-        </p:nvSpPr>
-        <p:spPr>
-          <a:xfrm>
-            <a:off x="628650" y="1061034"/>
-            <a:ext cx="7886700" cy="611532"/>
-          </a:xfrm>
-        </p:spPr>
-        <p:txBody>
-          <a:bodyPr/>
-          <a:lstStyle/>
-          <a:p>
-            <a:r>
-              <a:rPr lang="en-US" dirty="0" smtClean="0"/>
-              <a:t>Single Trajectory (Cont.)</a:t>
-            </a:r>
-            <a:endParaRPr lang="en-US" dirty="0"/>
-          </a:p>
-        </p:txBody>
-      </p:sp>
-      <p:sp>
-        <p:nvSpPr>
-          <p:cNvPr id="3" name="Content Placeholder 2"/>
-          <p:cNvSpPr>
-            <a:spLocks noGrp="1"/>
-          </p:cNvSpPr>
-          <p:nvPr>
-            <p:ph idx="1"/>
-          </p:nvPr>
-        </p:nvSpPr>
-        <p:spPr>
-          <a:xfrm>
-            <a:off x="314325" y="1957386"/>
-            <a:ext cx="8515350" cy="1418089"/>
-          </a:xfrm>
-        </p:spPr>
-        <p:txBody>
-          <a:bodyPr/>
-          <a:lstStyle/>
-          <a:p>
-            <a:r>
-              <a:rPr lang="en-US" sz="2400" dirty="0" smtClean="0"/>
-              <a:t>The initial trajectory was optimized for high altitude</a:t>
-            </a:r>
-          </a:p>
-          <a:p>
-            <a:r>
-              <a:rPr lang="en-US" sz="2400" dirty="0" smtClean="0"/>
-              <a:t>The updates retain aspects of the original trajectory, e.g., altitude performance remains excellent </a:t>
-            </a:r>
-            <a:endParaRPr lang="en-US" sz="2400" dirty="0"/>
-          </a:p>
-        </p:txBody>
-      </p:sp>
-      <p:pic>
-        <p:nvPicPr>
-          <p:cNvPr id="4" name="Picture 3"/>
-          <p:cNvPicPr>
-            <a:picLocks noChangeAspect="1"/>
-          </p:cNvPicPr>
-          <p:nvPr/>
-        </p:nvPicPr>
-        <p:blipFill>
-          <a:blip r:embed="rId3">
-            <a:extLst>
-              <a:ext uri="{28A0092B-C50C-407E-A947-70E740481C1C}">
-                <a14:useLocalDpi xmlns:a14="http://schemas.microsoft.com/office/drawing/2010/main" val="0"/>
-              </a:ext>
-            </a:extLst>
-          </a:blip>
-          <a:stretch>
-            <a:fillRect/>
-          </a:stretch>
-        </p:blipFill>
-        <p:spPr>
-          <a:xfrm>
-            <a:off x="3801980" y="3484527"/>
-            <a:ext cx="5216892" cy="3202776"/>
-          </a:xfrm>
-          <a:prstGeom prst="rect">
-            <a:avLst/>
-          </a:prstGeom>
-        </p:spPr>
-      </p:pic>
-      <p:sp>
-        <p:nvSpPr>
-          <p:cNvPr id="5" name="TextBox 4"/>
-          <p:cNvSpPr txBox="1"/>
-          <p:nvPr/>
-        </p:nvSpPr>
-        <p:spPr>
-          <a:xfrm>
-            <a:off x="4456500" y="5303519"/>
-            <a:ext cx="1212782" cy="738664"/>
-          </a:xfrm>
-          <a:prstGeom prst="rect">
-            <a:avLst/>
-          </a:prstGeom>
-          <a:noFill/>
-        </p:spPr>
-        <p:txBody>
-          <a:bodyPr wrap="square" rtlCol="0">
-            <a:spAutoFit/>
-          </a:bodyPr>
-          <a:lstStyle/>
-          <a:p>
-            <a:r>
-              <a:rPr lang="en-US" sz="1400" dirty="0" smtClean="0"/>
-              <a:t>Parachute deployment box</a:t>
-            </a:r>
-            <a:endParaRPr lang="en-US" sz="1400" dirty="0"/>
-          </a:p>
-        </p:txBody>
-      </p:sp>
-      <p:sp>
-        <p:nvSpPr>
-          <p:cNvPr id="6" name="TextBox 5"/>
-          <p:cNvSpPr txBox="1"/>
-          <p:nvPr/>
-        </p:nvSpPr>
-        <p:spPr>
-          <a:xfrm>
-            <a:off x="314325" y="3190877"/>
-            <a:ext cx="3583907" cy="1569660"/>
-          </a:xfrm>
-          <a:prstGeom prst="rect">
-            <a:avLst/>
-          </a:prstGeom>
-          <a:noFill/>
-        </p:spPr>
-        <p:txBody>
-          <a:bodyPr wrap="square" rtlCol="0">
-            <a:spAutoFit/>
-          </a:bodyPr>
-          <a:lstStyle/>
-          <a:p>
-            <a:pPr marL="285750" indent="-285750">
-              <a:buFont typeface="Arial" panose="020B0604020202020204" pitchFamily="34" charset="0"/>
-              <a:buChar char="•"/>
-            </a:pPr>
-            <a:r>
-              <a:rPr lang="en-US" sz="2400" dirty="0" smtClean="0"/>
-              <a:t>All trajectories end at the same energy level due to use of energy as independent variable </a:t>
-            </a:r>
-            <a:endParaRPr lang="en-US" sz="2400" dirty="0"/>
-          </a:p>
-        </p:txBody>
-      </p:sp>
-      <p:sp>
-        <p:nvSpPr>
-          <p:cNvPr id="7" name="Date Placeholder 6"/>
-          <p:cNvSpPr>
-            <a:spLocks noGrp="1"/>
-          </p:cNvSpPr>
-          <p:nvPr>
-            <p:ph type="dt" sz="half" idx="10"/>
-          </p:nvPr>
-        </p:nvSpPr>
-        <p:spPr/>
-        <p:txBody>
-          <a:bodyPr/>
-          <a:lstStyle/>
-          <a:p>
-            <a:fld id="{A1DF8AFB-F03D-4DDC-BB5A-C9EED9FBE463}" type="datetime1">
-              <a:rPr lang="en-US" smtClean="0"/>
-              <a:t>11/30/2018</a:t>
-            </a:fld>
-            <a:endParaRPr lang="en-US"/>
-          </a:p>
-        </p:txBody>
-      </p:sp>
-    </p:spTree>
-    <p:extLst>
-      <p:ext uri="{BB962C8B-B14F-4D97-AF65-F5344CB8AC3E}">
-        <p14:creationId xmlns:p14="http://schemas.microsoft.com/office/powerpoint/2010/main" val="860064350"/>
-      </p:ext>
-    </p:extLst>
-  </p:cSld>
-  <p:clrMapOvr>
-    <a:masterClrMapping/>
-  </p:clrMapOvr>
-</p:sld>
-</file>
-
-<file path=ppt/slides/slide27.xml><?xml version="1.0" encoding="utf-8"?>
-<p:sld xmlns:a="http://schemas.openxmlformats.org/drawingml/2006/main" xmlns:r="http://schemas.openxmlformats.org/officeDocument/2006/relationships" xmlns:p="http://schemas.openxmlformats.org/presentationml/2006/main">
-  <p:cSld>
-    <p:spTree>
-      <p:nvGrpSpPr>
-        <p:cNvPr id="1" name=""/>
-        <p:cNvGrpSpPr/>
-        <p:nvPr/>
-      </p:nvGrpSpPr>
-      <p:grpSpPr>
-        <a:xfrm>
-          <a:off x="0" y="0"/>
-          <a:ext cx="0" cy="0"/>
-          <a:chOff x="0" y="0"/>
-          <a:chExt cx="0" cy="0"/>
-        </a:xfrm>
-      </p:grpSpPr>
-      <p:sp>
-        <p:nvSpPr>
-          <p:cNvPr id="2" name="Title 1"/>
-          <p:cNvSpPr>
-            <a:spLocks noGrp="1"/>
-          </p:cNvSpPr>
-          <p:nvPr>
-            <p:ph type="title"/>
-          </p:nvPr>
-        </p:nvSpPr>
-        <p:spPr/>
-        <p:txBody>
-          <a:bodyPr/>
-          <a:lstStyle/>
-          <a:p>
-            <a:r>
-              <a:rPr lang="en-US" dirty="0" smtClean="0"/>
-              <a:t>Monte Carlo Simulation</a:t>
-            </a:r>
-            <a:endParaRPr lang="en-US" dirty="0"/>
-          </a:p>
-        </p:txBody>
-      </p:sp>
-      <p:sp>
-        <p:nvSpPr>
-          <p:cNvPr id="3" name="Content Placeholder 2"/>
-          <p:cNvSpPr>
-            <a:spLocks noGrp="1"/>
-          </p:cNvSpPr>
-          <p:nvPr>
-            <p:ph idx="1"/>
-          </p:nvPr>
-        </p:nvSpPr>
-        <p:spPr/>
-        <p:txBody>
-          <a:bodyPr/>
-          <a:lstStyle/>
-          <a:p>
-            <a:r>
-              <a:rPr lang="en-US" sz="2400" dirty="0" smtClean="0"/>
-              <a:t>Vehicle is nominally L/D = 0.24 with initial state subject to MSL-like dispersions</a:t>
-            </a:r>
-            <a:endParaRPr lang="en-US" sz="2400" dirty="0"/>
-          </a:p>
-          <a:p>
-            <a:r>
-              <a:rPr lang="en-US" sz="2400" dirty="0" err="1" smtClean="0"/>
-              <a:t>MarsGRAM</a:t>
-            </a:r>
-            <a:r>
-              <a:rPr lang="en-US" sz="2400" dirty="0" smtClean="0"/>
-              <a:t> is used for environment modeling</a:t>
-            </a:r>
-          </a:p>
-          <a:p>
-            <a:r>
-              <a:rPr lang="en-US" sz="2400" dirty="0" smtClean="0"/>
-              <a:t>Uncertainty is added to lift and drag coefficients</a:t>
-            </a:r>
-          </a:p>
-          <a:p>
-            <a:pPr lvl="1"/>
-            <a:r>
-              <a:rPr lang="en-US" sz="2000" dirty="0" smtClean="0"/>
-              <a:t>Gaussian with 3</a:t>
-            </a:r>
-            <a:r>
-              <a:rPr lang="el-GR" sz="2000" dirty="0" smtClean="0"/>
-              <a:t>σ</a:t>
-            </a:r>
-            <a:r>
-              <a:rPr lang="en-US" sz="2000" dirty="0" smtClean="0"/>
-              <a:t> = 10%</a:t>
-            </a:r>
-          </a:p>
-          <a:p>
-            <a:r>
-              <a:rPr lang="en-US" sz="2400" dirty="0" smtClean="0"/>
-              <a:t>Updates occurs at 10 second intervals and stops at 600 m/s </a:t>
-            </a:r>
-          </a:p>
-          <a:p>
-            <a:r>
-              <a:rPr lang="en-US" sz="2400" dirty="0" smtClean="0"/>
-              <a:t>Bank angle limited to ±90°, and bank rate limited to 20°/s</a:t>
-            </a:r>
-          </a:p>
-          <a:p>
-            <a:r>
-              <a:rPr lang="en-US" sz="2400" dirty="0" smtClean="0"/>
-              <a:t>200 samples chosen by </a:t>
-            </a:r>
-            <a:r>
-              <a:rPr lang="en-US" sz="2400" dirty="0" err="1" smtClean="0"/>
-              <a:t>Sobol</a:t>
-            </a:r>
-            <a:r>
-              <a:rPr lang="en-US" sz="2400" dirty="0" smtClean="0"/>
-              <a:t>’ sequence</a:t>
-            </a:r>
-          </a:p>
-          <a:p>
-            <a:r>
-              <a:rPr lang="en-US" sz="2400" dirty="0" smtClean="0"/>
-              <a:t>Trajectories terminate when they reach the correct downrange distance</a:t>
-            </a:r>
-          </a:p>
-          <a:p>
-            <a:pPr lvl="1"/>
-            <a:r>
-              <a:rPr lang="en-US" sz="2000" dirty="0" smtClean="0"/>
-              <a:t>Simple logic, but should expect variations in final altitude and velocity despite energy as independent variable  </a:t>
-            </a:r>
-          </a:p>
-        </p:txBody>
-      </p:sp>
-      <p:sp>
-        <p:nvSpPr>
-          <p:cNvPr id="4" name="Date Placeholder 3"/>
-          <p:cNvSpPr>
-            <a:spLocks noGrp="1"/>
-          </p:cNvSpPr>
-          <p:nvPr>
-            <p:ph type="dt" sz="half" idx="10"/>
-          </p:nvPr>
-        </p:nvSpPr>
-        <p:spPr/>
-        <p:txBody>
-          <a:bodyPr/>
-          <a:lstStyle/>
-          <a:p>
-            <a:fld id="{679CBB44-024B-49D9-BFBE-22296ADF2450}" type="datetime1">
-              <a:rPr lang="en-US" smtClean="0"/>
-              <a:t>11/30/2018</a:t>
-            </a:fld>
-            <a:endParaRPr lang="en-US"/>
-          </a:p>
-        </p:txBody>
-      </p:sp>
-    </p:spTree>
-    <p:extLst>
-      <p:ext uri="{BB962C8B-B14F-4D97-AF65-F5344CB8AC3E}">
-        <p14:creationId xmlns:p14="http://schemas.microsoft.com/office/powerpoint/2010/main" val="3505934654"/>
-      </p:ext>
-    </p:extLst>
-  </p:cSld>
-  <p:clrMapOvr>
-    <a:masterClrMapping/>
-  </p:clrMapOvr>
-</p:sld>
-</file>
-
-<file path=ppt/slides/slide28.xml><?xml version="1.0" encoding="utf-8"?>
-<p:sld xmlns:a="http://schemas.openxmlformats.org/drawingml/2006/main" xmlns:r="http://schemas.openxmlformats.org/officeDocument/2006/relationships" xmlns:p="http://schemas.openxmlformats.org/presentationml/2006/main">
-  <p:cSld>
-    <p:spTree>
-      <p:nvGrpSpPr>
-        <p:cNvPr id="1" name=""/>
-        <p:cNvGrpSpPr/>
-        <p:nvPr/>
-      </p:nvGrpSpPr>
-      <p:grpSpPr>
-        <a:xfrm>
-          <a:off x="0" y="0"/>
-          <a:ext cx="0" cy="0"/>
-          <a:chOff x="0" y="0"/>
-          <a:chExt cx="0" cy="0"/>
-        </a:xfrm>
-      </p:grpSpPr>
-      <p:sp>
-        <p:nvSpPr>
-          <p:cNvPr id="2" name="Title 1"/>
-          <p:cNvSpPr>
-            <a:spLocks noGrp="1"/>
-          </p:cNvSpPr>
-          <p:nvPr>
-            <p:ph type="title"/>
-          </p:nvPr>
-        </p:nvSpPr>
-        <p:spPr/>
-        <p:txBody>
-          <a:bodyPr/>
-          <a:lstStyle/>
-          <a:p>
-            <a:r>
-              <a:rPr lang="en-US" dirty="0" smtClean="0"/>
-              <a:t>MCS Results - </a:t>
-            </a:r>
-            <a:r>
-              <a:rPr lang="en-US" dirty="0" err="1" smtClean="0"/>
-              <a:t>Groundtrack</a:t>
-            </a:r>
-            <a:endParaRPr lang="en-US" dirty="0"/>
-          </a:p>
-        </p:txBody>
-      </p:sp>
-      <p:sp>
-        <p:nvSpPr>
-          <p:cNvPr id="3" name="Content Placeholder 2"/>
-          <p:cNvSpPr>
-            <a:spLocks noGrp="1"/>
-          </p:cNvSpPr>
-          <p:nvPr>
-            <p:ph idx="1"/>
-          </p:nvPr>
-        </p:nvSpPr>
-        <p:spPr>
-          <a:xfrm>
-            <a:off x="628650" y="1777500"/>
-            <a:ext cx="7886700" cy="1398838"/>
-          </a:xfrm>
-        </p:spPr>
-        <p:txBody>
-          <a:bodyPr/>
-          <a:lstStyle/>
-          <a:p>
-            <a:r>
-              <a:rPr lang="en-US" sz="2400" dirty="0" smtClean="0"/>
-              <a:t>Excellent </a:t>
-            </a:r>
-            <a:r>
-              <a:rPr lang="en-US" sz="2400" dirty="0" err="1" smtClean="0"/>
-              <a:t>crossrange</a:t>
-            </a:r>
-            <a:r>
-              <a:rPr lang="en-US" sz="2400" dirty="0" smtClean="0"/>
-              <a:t> performance due to coupled update to longitudinal and lateral channels </a:t>
-            </a:r>
-          </a:p>
-          <a:p>
-            <a:r>
-              <a:rPr lang="en-US" sz="2400" dirty="0" smtClean="0"/>
-              <a:t>Interestingly, a small number of samples even have an additional reversal</a:t>
-            </a:r>
-            <a:endParaRPr lang="en-US" sz="2400" dirty="0"/>
-          </a:p>
-        </p:txBody>
-      </p:sp>
-      <p:pic>
-        <p:nvPicPr>
-          <p:cNvPr id="5" name="Picture 4"/>
-          <p:cNvPicPr>
-            <a:picLocks noChangeAspect="1"/>
-          </p:cNvPicPr>
-          <p:nvPr/>
-        </p:nvPicPr>
-        <p:blipFill>
-          <a:blip r:embed="rId3">
-            <a:extLst>
-              <a:ext uri="{28A0092B-C50C-407E-A947-70E740481C1C}">
-                <a14:useLocalDpi xmlns:a14="http://schemas.microsoft.com/office/drawing/2010/main" val="0"/>
-              </a:ext>
-            </a:extLst>
-          </a:blip>
-          <a:stretch>
-            <a:fillRect/>
-          </a:stretch>
-        </p:blipFill>
-        <p:spPr>
-          <a:xfrm>
-            <a:off x="1600247" y="3272588"/>
-            <a:ext cx="5750999" cy="3498601"/>
-          </a:xfrm>
-          <a:prstGeom prst="rect">
-            <a:avLst/>
-          </a:prstGeom>
-        </p:spPr>
-      </p:pic>
-      <p:sp>
-        <p:nvSpPr>
-          <p:cNvPr id="4" name="Date Placeholder 3"/>
-          <p:cNvSpPr>
-            <a:spLocks noGrp="1"/>
-          </p:cNvSpPr>
-          <p:nvPr>
-            <p:ph type="dt" sz="half" idx="10"/>
-          </p:nvPr>
-        </p:nvSpPr>
-        <p:spPr/>
-        <p:txBody>
-          <a:bodyPr/>
-          <a:lstStyle/>
-          <a:p>
-            <a:fld id="{8BD01A7A-C5C0-478A-8BE6-564915217820}" type="datetime1">
-              <a:rPr lang="en-US" smtClean="0"/>
-              <a:t>11/30/2018</a:t>
-            </a:fld>
-            <a:endParaRPr lang="en-US"/>
-          </a:p>
-        </p:txBody>
-      </p:sp>
-    </p:spTree>
-    <p:extLst>
-      <p:ext uri="{BB962C8B-B14F-4D97-AF65-F5344CB8AC3E}">
-        <p14:creationId xmlns:p14="http://schemas.microsoft.com/office/powerpoint/2010/main" val="1826672569"/>
-      </p:ext>
-    </p:extLst>
-  </p:cSld>
-  <p:clrMapOvr>
-    <a:masterClrMapping/>
-  </p:clrMapOvr>
-</p:sld>
-</file>
-
-<file path=ppt/slides/slide29.xml><?xml version="1.0" encoding="utf-8"?>
-<p:sld xmlns:a="http://schemas.openxmlformats.org/drawingml/2006/main" xmlns:r="http://schemas.openxmlformats.org/officeDocument/2006/relationships" xmlns:p="http://schemas.openxmlformats.org/presentationml/2006/main">
-  <p:cSld>
-    <p:spTree>
-      <p:nvGrpSpPr>
-        <p:cNvPr id="1" name=""/>
-        <p:cNvGrpSpPr/>
-        <p:nvPr/>
-      </p:nvGrpSpPr>
-      <p:grpSpPr>
-        <a:xfrm>
-          <a:off x="0" y="0"/>
-          <a:ext cx="0" cy="0"/>
-          <a:chOff x="0" y="0"/>
-          <a:chExt cx="0" cy="0"/>
-        </a:xfrm>
-      </p:grpSpPr>
-      <p:sp>
-        <p:nvSpPr>
-          <p:cNvPr id="2" name="Title 1"/>
-          <p:cNvSpPr>
-            <a:spLocks noGrp="1"/>
-          </p:cNvSpPr>
-          <p:nvPr>
-            <p:ph type="title"/>
-          </p:nvPr>
-        </p:nvSpPr>
-        <p:spPr>
-          <a:xfrm>
-            <a:off x="628649" y="964938"/>
-            <a:ext cx="8370972" cy="611532"/>
-          </a:xfrm>
-        </p:spPr>
-        <p:txBody>
-          <a:bodyPr/>
-          <a:lstStyle/>
-          <a:p>
-            <a:r>
-              <a:rPr lang="en-US" dirty="0" smtClean="0"/>
-              <a:t>MCS Results – Altitude/Velocity</a:t>
-            </a:r>
-            <a:endParaRPr lang="en-US" dirty="0"/>
-          </a:p>
-        </p:txBody>
-      </p:sp>
-      <p:sp>
-        <p:nvSpPr>
-          <p:cNvPr id="3" name="Content Placeholder 2"/>
-          <p:cNvSpPr>
-            <a:spLocks noGrp="1"/>
-          </p:cNvSpPr>
-          <p:nvPr>
-            <p:ph idx="1"/>
-          </p:nvPr>
-        </p:nvSpPr>
-        <p:spPr>
-          <a:xfrm>
-            <a:off x="628649" y="1690690"/>
-            <a:ext cx="7886700" cy="1437522"/>
-          </a:xfrm>
-        </p:spPr>
-        <p:txBody>
-          <a:bodyPr/>
-          <a:lstStyle/>
-          <a:p>
-            <a:r>
-              <a:rPr lang="en-US" sz="2400" dirty="0" smtClean="0"/>
-              <a:t>Although some trajectories exit the parachute deployment conditions, all but three pass through the box</a:t>
-            </a:r>
-          </a:p>
-          <a:p>
-            <a:pPr lvl="1"/>
-            <a:r>
-              <a:rPr lang="en-US" sz="2000" dirty="0" smtClean="0"/>
-              <a:t>Solved by considering triggering logic that explicitly accounts for parachute conditions </a:t>
-            </a:r>
-          </a:p>
-          <a:p>
-            <a:pPr marL="0" indent="0">
-              <a:buNone/>
-            </a:pPr>
-            <a:endParaRPr lang="en-US" dirty="0"/>
-          </a:p>
-        </p:txBody>
-      </p:sp>
-      <p:pic>
-        <p:nvPicPr>
-          <p:cNvPr id="7" name="Picture 6"/>
-          <p:cNvPicPr>
-            <a:picLocks noChangeAspect="1"/>
-          </p:cNvPicPr>
-          <p:nvPr/>
-        </p:nvPicPr>
-        <p:blipFill>
-          <a:blip r:embed="rId2">
-            <a:extLst>
-              <a:ext uri="{28A0092B-C50C-407E-A947-70E740481C1C}">
-                <a14:useLocalDpi xmlns:a14="http://schemas.microsoft.com/office/drawing/2010/main" val="0"/>
-              </a:ext>
-            </a:extLst>
-          </a:blip>
-          <a:stretch>
-            <a:fillRect/>
-          </a:stretch>
-        </p:blipFill>
-        <p:spPr>
-          <a:xfrm>
-            <a:off x="6015308" y="3001647"/>
-            <a:ext cx="2984313" cy="1856906"/>
-          </a:xfrm>
-          <a:prstGeom prst="rect">
-            <a:avLst/>
-          </a:prstGeom>
-        </p:spPr>
-      </p:pic>
-      <p:pic>
-        <p:nvPicPr>
-          <p:cNvPr id="8" name="Picture 7"/>
-          <p:cNvPicPr>
-            <a:picLocks noChangeAspect="1"/>
-          </p:cNvPicPr>
-          <p:nvPr/>
-        </p:nvPicPr>
-        <p:blipFill>
-          <a:blip r:embed="rId3">
-            <a:extLst>
-              <a:ext uri="{28A0092B-C50C-407E-A947-70E740481C1C}">
-                <a14:useLocalDpi xmlns:a14="http://schemas.microsoft.com/office/drawing/2010/main" val="0"/>
-              </a:ext>
-            </a:extLst>
-          </a:blip>
-          <a:stretch>
-            <a:fillRect/>
-          </a:stretch>
-        </p:blipFill>
-        <p:spPr>
-          <a:xfrm>
-            <a:off x="6015308" y="4858553"/>
-            <a:ext cx="2984313" cy="1856905"/>
-          </a:xfrm>
-          <a:prstGeom prst="rect">
-            <a:avLst/>
-          </a:prstGeom>
-        </p:spPr>
-      </p:pic>
-      <p:pic>
-        <p:nvPicPr>
-          <p:cNvPr id="9" name="Picture 8"/>
-          <p:cNvPicPr>
-            <a:picLocks noChangeAspect="1"/>
-          </p:cNvPicPr>
-          <p:nvPr/>
-        </p:nvPicPr>
-        <p:blipFill>
-          <a:blip r:embed="rId4">
-            <a:extLst>
-              <a:ext uri="{28A0092B-C50C-407E-A947-70E740481C1C}">
-                <a14:useLocalDpi xmlns:a14="http://schemas.microsoft.com/office/drawing/2010/main" val="0"/>
-              </a:ext>
-            </a:extLst>
-          </a:blip>
-          <a:stretch>
-            <a:fillRect/>
-          </a:stretch>
-        </p:blipFill>
-        <p:spPr>
-          <a:xfrm>
-            <a:off x="198640" y="3128212"/>
-            <a:ext cx="5332396" cy="3273687"/>
-          </a:xfrm>
-          <a:prstGeom prst="rect">
-            <a:avLst/>
-          </a:prstGeom>
-        </p:spPr>
-      </p:pic>
-      <p:sp>
-        <p:nvSpPr>
-          <p:cNvPr id="4" name="Date Placeholder 3"/>
-          <p:cNvSpPr>
-            <a:spLocks noGrp="1"/>
-          </p:cNvSpPr>
-          <p:nvPr>
-            <p:ph type="dt" sz="half" idx="10"/>
-          </p:nvPr>
-        </p:nvSpPr>
-        <p:spPr/>
-        <p:txBody>
-          <a:bodyPr/>
-          <a:lstStyle/>
-          <a:p>
-            <a:fld id="{B92B01C8-369C-4ED9-9DA7-8545D43DBD83}" type="datetime1">
-              <a:rPr lang="en-US" smtClean="0"/>
-              <a:t>11/30/2018</a:t>
-            </a:fld>
-            <a:endParaRPr lang="en-US"/>
-          </a:p>
-        </p:txBody>
-      </p:sp>
-    </p:spTree>
-    <p:extLst>
-      <p:ext uri="{BB962C8B-B14F-4D97-AF65-F5344CB8AC3E}">
-        <p14:creationId xmlns:p14="http://schemas.microsoft.com/office/powerpoint/2010/main" val="303004292"/>
-      </p:ext>
-    </p:extLst>
-  </p:cSld>
-  <p:clrMapOvr>
-    <a:masterClrMapping/>
-  </p:clrMapOvr>
-</p:sld>
-</file>
-
-<file path=ppt/slides/slide3.xml><?xml version="1.0" encoding="utf-8"?>
-<p:sld xmlns:a="http://schemas.openxmlformats.org/drawingml/2006/main" xmlns:r="http://schemas.openxmlformats.org/officeDocument/2006/relationships" xmlns:p="http://schemas.openxmlformats.org/presentationml/2006/main">
-  <p:cSld>
-    <p:spTree>
-      <p:nvGrpSpPr>
-        <p:cNvPr id="1" name=""/>
-        <p:cNvGrpSpPr/>
-        <p:nvPr/>
-      </p:nvGrpSpPr>
-      <p:grpSpPr>
-        <a:xfrm>
-          <a:off x="0" y="0"/>
-          <a:ext cx="0" cy="0"/>
-          <a:chOff x="0" y="0"/>
-          <a:chExt cx="0" cy="0"/>
-        </a:xfrm>
-      </p:grpSpPr>
-      <p:sp>
-        <p:nvSpPr>
-          <p:cNvPr id="2" name="Title 1"/>
-          <p:cNvSpPr>
-            <a:spLocks noGrp="1"/>
-          </p:cNvSpPr>
-          <p:nvPr>
-            <p:ph type="title"/>
-          </p:nvPr>
-        </p:nvSpPr>
-        <p:spPr/>
-        <p:txBody>
-          <a:bodyPr/>
-          <a:lstStyle/>
-          <a:p>
-            <a:r>
-              <a:rPr lang="en-US" dirty="0" smtClean="0"/>
-              <a:t>Entry Descent and Landing </a:t>
-            </a:r>
-            <a:br>
-              <a:rPr lang="en-US" dirty="0" smtClean="0"/>
-            </a:br>
-            <a:r>
-              <a:rPr lang="en-US" dirty="0" smtClean="0"/>
-              <a:t>State of the Art</a:t>
-            </a:r>
-            <a:endParaRPr lang="en-US" dirty="0"/>
-          </a:p>
-        </p:txBody>
-      </p:sp>
-      <p:sp>
-        <p:nvSpPr>
-          <p:cNvPr id="3" name="Content Placeholder 2"/>
-          <p:cNvSpPr>
-            <a:spLocks noGrp="1"/>
-          </p:cNvSpPr>
-          <p:nvPr>
-            <p:ph idx="1"/>
-          </p:nvPr>
-        </p:nvSpPr>
-        <p:spPr>
-          <a:xfrm>
-            <a:off x="628650" y="2397211"/>
-            <a:ext cx="7886700" cy="3779752"/>
-          </a:xfrm>
-        </p:spPr>
-        <p:txBody>
-          <a:bodyPr/>
-          <a:lstStyle/>
-          <a:p>
-            <a:r>
-              <a:rPr lang="en-US" dirty="0" smtClean="0"/>
-              <a:t>Mars Science Laboratory -  Apollo entry guidance, DGB Chute, Sky-Crane Descent stage</a:t>
-            </a:r>
-          </a:p>
-          <a:p>
-            <a:r>
-              <a:rPr lang="en-US" dirty="0" smtClean="0"/>
-              <a:t>Reference trajectory designed for slow maneuvers and wide margins </a:t>
-            </a:r>
-          </a:p>
-          <a:p>
-            <a:r>
-              <a:rPr lang="en-US" dirty="0" smtClean="0"/>
-              <a:t>Closed-loop performance evaluated via Monte Carlo</a:t>
-            </a:r>
-          </a:p>
-          <a:p>
-            <a:pPr lvl="1"/>
-            <a:r>
-              <a:rPr lang="en-US" dirty="0" smtClean="0"/>
-              <a:t>Iteration with human in the loop </a:t>
-            </a:r>
-          </a:p>
-          <a:p>
-            <a:r>
-              <a:rPr lang="en-US" dirty="0" smtClean="0"/>
-              <a:t>Parachute architectures simply do not scale to high ballistic coefficients</a:t>
-            </a:r>
-            <a:endParaRPr lang="en-US" dirty="0"/>
-          </a:p>
-        </p:txBody>
-      </p:sp>
-      <p:sp>
-        <p:nvSpPr>
-          <p:cNvPr id="4" name="Date Placeholder 3"/>
-          <p:cNvSpPr>
-            <a:spLocks noGrp="1"/>
-          </p:cNvSpPr>
-          <p:nvPr>
-            <p:ph type="dt" sz="half" idx="10"/>
-          </p:nvPr>
-        </p:nvSpPr>
-        <p:spPr/>
-        <p:txBody>
-          <a:bodyPr/>
-          <a:lstStyle/>
-          <a:p>
-            <a:fld id="{E0514563-7F99-4AB4-938D-7B22B938DBF8}" type="datetime1">
-              <a:rPr lang="en-US" smtClean="0"/>
-              <a:t>11/30/2018</a:t>
-            </a:fld>
-            <a:endParaRPr lang="en-US"/>
-          </a:p>
-        </p:txBody>
-      </p:sp>
-    </p:spTree>
-    <p:extLst>
-      <p:ext uri="{BB962C8B-B14F-4D97-AF65-F5344CB8AC3E}">
-        <p14:creationId xmlns:p14="http://schemas.microsoft.com/office/powerpoint/2010/main" val="2733381749"/>
-      </p:ext>
-    </p:extLst>
-  </p:cSld>
-  <p:clrMapOvr>
-    <a:masterClrMapping/>
-  </p:clrMapOvr>
-</p:sld>
-</file>
-
-<file path=ppt/slides/slide30.xml><?xml version="1.0" encoding="utf-8"?>
-<p:sld xmlns:a="http://schemas.openxmlformats.org/drawingml/2006/main" xmlns:r="http://schemas.openxmlformats.org/officeDocument/2006/relationships" xmlns:p="http://schemas.openxmlformats.org/presentationml/2006/main">
-  <p:cSld>
-    <p:spTree>
-      <p:nvGrpSpPr>
-        <p:cNvPr id="1" name=""/>
-        <p:cNvGrpSpPr/>
-        <p:nvPr/>
-      </p:nvGrpSpPr>
-      <p:grpSpPr>
-        <a:xfrm>
-          <a:off x="0" y="0"/>
-          <a:ext cx="0" cy="0"/>
-          <a:chOff x="0" y="0"/>
-          <a:chExt cx="0" cy="0"/>
-        </a:xfrm>
-      </p:grpSpPr>
-      <p:sp>
-        <p:nvSpPr>
-          <p:cNvPr id="2" name="Title 1"/>
-          <p:cNvSpPr>
-            <a:spLocks noGrp="1"/>
-          </p:cNvSpPr>
-          <p:nvPr>
-            <p:ph type="title"/>
-          </p:nvPr>
-        </p:nvSpPr>
-        <p:spPr/>
-        <p:txBody>
-          <a:bodyPr/>
-          <a:lstStyle/>
-          <a:p>
-            <a:r>
-              <a:rPr lang="en-US" dirty="0" smtClean="0"/>
-              <a:t>MCS Results – Bank Profiles </a:t>
-            </a:r>
-            <a:endParaRPr lang="en-US" dirty="0"/>
-          </a:p>
-        </p:txBody>
-      </p:sp>
-      <p:sp>
-        <p:nvSpPr>
-          <p:cNvPr id="5" name="Content Placeholder 4"/>
-          <p:cNvSpPr>
-            <a:spLocks noGrp="1"/>
-          </p:cNvSpPr>
-          <p:nvPr>
-            <p:ph idx="1"/>
-          </p:nvPr>
-        </p:nvSpPr>
-        <p:spPr>
-          <a:xfrm>
-            <a:off x="628650" y="1825625"/>
-            <a:ext cx="8245843" cy="1244834"/>
-          </a:xfrm>
-        </p:spPr>
-        <p:txBody>
-          <a:bodyPr/>
-          <a:lstStyle/>
-          <a:p>
-            <a:r>
-              <a:rPr lang="en-US" dirty="0" smtClean="0"/>
-              <a:t>Largest difference is in the timing of bank reversals</a:t>
-            </a:r>
-          </a:p>
-          <a:p>
-            <a:pPr lvl="0"/>
-            <a:r>
-              <a:rPr lang="en-US" dirty="0">
-                <a:solidFill>
-                  <a:prstClr val="black"/>
-                </a:solidFill>
-              </a:rPr>
-              <a:t>Bank angle (and trajectory in general) deviates from the original trajectory most at the end</a:t>
-            </a:r>
-          </a:p>
-          <a:p>
-            <a:endParaRPr lang="en-US" dirty="0" smtClean="0"/>
-          </a:p>
-          <a:p>
-            <a:endParaRPr lang="en-US" dirty="0"/>
-          </a:p>
-        </p:txBody>
-      </p:sp>
-      <p:pic>
-        <p:nvPicPr>
-          <p:cNvPr id="6" name="Picture 5"/>
-          <p:cNvPicPr>
-            <a:picLocks noChangeAspect="1"/>
-          </p:cNvPicPr>
-          <p:nvPr/>
-        </p:nvPicPr>
-        <p:blipFill>
-          <a:blip r:embed="rId2">
-            <a:extLst>
-              <a:ext uri="{28A0092B-C50C-407E-A947-70E740481C1C}">
-                <a14:useLocalDpi xmlns:a14="http://schemas.microsoft.com/office/drawing/2010/main" val="0"/>
-              </a:ext>
-            </a:extLst>
-          </a:blip>
-          <a:stretch>
-            <a:fillRect/>
-          </a:stretch>
-        </p:blipFill>
-        <p:spPr>
-          <a:xfrm>
-            <a:off x="259880" y="3197993"/>
-            <a:ext cx="5813843" cy="3488306"/>
-          </a:xfrm>
-          <a:prstGeom prst="rect">
-            <a:avLst/>
-          </a:prstGeom>
-        </p:spPr>
-      </p:pic>
-      <p:sp>
-        <p:nvSpPr>
-          <p:cNvPr id="7" name="TextBox 6"/>
-          <p:cNvSpPr txBox="1"/>
-          <p:nvPr/>
-        </p:nvSpPr>
-        <p:spPr>
-          <a:xfrm>
-            <a:off x="5861784" y="3395901"/>
-            <a:ext cx="3205214" cy="2363724"/>
-          </a:xfrm>
-          <a:prstGeom prst="rect">
-            <a:avLst/>
-          </a:prstGeom>
-          <a:noFill/>
-        </p:spPr>
-        <p:txBody>
-          <a:bodyPr wrap="square" rtlCol="0">
-            <a:spAutoFit/>
-          </a:bodyPr>
-          <a:lstStyle/>
-          <a:p>
-            <a:pPr lvl="1">
-              <a:lnSpc>
-                <a:spcPct val="90000"/>
-              </a:lnSpc>
-              <a:spcBef>
-                <a:spcPts val="500"/>
-              </a:spcBef>
-            </a:pPr>
-            <a:r>
-              <a:rPr lang="en-US" sz="2400" dirty="0" smtClean="0">
-                <a:solidFill>
-                  <a:prstClr val="black"/>
-                </a:solidFill>
-              </a:rPr>
-              <a:t>This </a:t>
-            </a:r>
-            <a:r>
-              <a:rPr lang="en-US" sz="2400" dirty="0">
-                <a:solidFill>
-                  <a:prstClr val="black"/>
-                </a:solidFill>
-              </a:rPr>
-              <a:t>is expected because </a:t>
-            </a:r>
-            <a:r>
-              <a:rPr lang="en-US" sz="2400" dirty="0" smtClean="0">
-                <a:solidFill>
-                  <a:prstClr val="black"/>
-                </a:solidFill>
-              </a:rPr>
-              <a:t>the later portion of trajectory is updated the greatest number </a:t>
-            </a:r>
-            <a:r>
-              <a:rPr lang="en-US" sz="2400" dirty="0">
-                <a:solidFill>
-                  <a:prstClr val="black"/>
-                </a:solidFill>
-              </a:rPr>
-              <a:t>of times </a:t>
-            </a:r>
-          </a:p>
-          <a:p>
-            <a:endParaRPr lang="en-US" dirty="0"/>
-          </a:p>
-        </p:txBody>
-      </p:sp>
-      <p:sp>
-        <p:nvSpPr>
-          <p:cNvPr id="3" name="Date Placeholder 2"/>
-          <p:cNvSpPr>
-            <a:spLocks noGrp="1"/>
-          </p:cNvSpPr>
-          <p:nvPr>
-            <p:ph type="dt" sz="half" idx="10"/>
-          </p:nvPr>
-        </p:nvSpPr>
-        <p:spPr/>
-        <p:txBody>
-          <a:bodyPr/>
-          <a:lstStyle/>
-          <a:p>
-            <a:fld id="{EBD2AF92-CB4E-4AF0-A3E1-DF2CCF33E74C}" type="datetime1">
-              <a:rPr lang="en-US" smtClean="0"/>
-              <a:t>11/30/2018</a:t>
-            </a:fld>
-            <a:endParaRPr lang="en-US"/>
-          </a:p>
-        </p:txBody>
-      </p:sp>
-    </p:spTree>
-    <p:extLst>
-      <p:ext uri="{BB962C8B-B14F-4D97-AF65-F5344CB8AC3E}">
-        <p14:creationId xmlns:p14="http://schemas.microsoft.com/office/powerpoint/2010/main" val="1145173546"/>
-      </p:ext>
-    </p:extLst>
-  </p:cSld>
-  <p:clrMapOvr>
-    <a:masterClrMapping/>
-  </p:clrMapOvr>
-</p:sld>
-</file>
-
-<file path=ppt/slides/slide31.xml><?xml version="1.0" encoding="utf-8"?>
-<p:sld xmlns:a="http://schemas.openxmlformats.org/drawingml/2006/main" xmlns:r="http://schemas.openxmlformats.org/officeDocument/2006/relationships" xmlns:p="http://schemas.openxmlformats.org/presentationml/2006/main">
-  <p:cSld>
-    <p:spTree>
-      <p:nvGrpSpPr>
-        <p:cNvPr id="1" name=""/>
-        <p:cNvGrpSpPr/>
-        <p:nvPr/>
-      </p:nvGrpSpPr>
-      <p:grpSpPr>
-        <a:xfrm>
-          <a:off x="0" y="0"/>
-          <a:ext cx="0" cy="0"/>
-          <a:chOff x="0" y="0"/>
-          <a:chExt cx="0" cy="0"/>
-        </a:xfrm>
-      </p:grpSpPr>
-      <p:sp>
-        <p:nvSpPr>
-          <p:cNvPr id="2" name="Title 1"/>
-          <p:cNvSpPr>
-            <a:spLocks noGrp="1"/>
-          </p:cNvSpPr>
-          <p:nvPr>
-            <p:ph type="title"/>
-          </p:nvPr>
-        </p:nvSpPr>
-        <p:spPr/>
-        <p:txBody>
-          <a:bodyPr/>
-          <a:lstStyle/>
-          <a:p>
-            <a:r>
-              <a:rPr lang="en-US" dirty="0" smtClean="0"/>
-              <a:t>Conclusion</a:t>
-            </a:r>
-            <a:endParaRPr lang="en-US" dirty="0"/>
-          </a:p>
-        </p:txBody>
-      </p:sp>
-      <p:sp>
-        <p:nvSpPr>
-          <p:cNvPr id="3" name="Content Placeholder 2"/>
-          <p:cNvSpPr>
-            <a:spLocks noGrp="1"/>
-          </p:cNvSpPr>
-          <p:nvPr>
-            <p:ph idx="1"/>
-          </p:nvPr>
-        </p:nvSpPr>
-        <p:spPr/>
-        <p:txBody>
-          <a:bodyPr/>
-          <a:lstStyle/>
-          <a:p>
-            <a:r>
-              <a:rPr lang="en-US" dirty="0" smtClean="0"/>
-              <a:t>Despite the use of linearization requiring small, local updates, a convex approach to onboard trajectory redesign shows promise </a:t>
-            </a:r>
-          </a:p>
-          <a:p>
-            <a:r>
-              <a:rPr lang="en-US" dirty="0" smtClean="0"/>
-              <a:t>Use of updating has a number of potential applications</a:t>
-            </a:r>
-          </a:p>
-          <a:p>
-            <a:r>
-              <a:rPr lang="en-US" dirty="0" smtClean="0"/>
-              <a:t>If the target point is not reachable, the solution returned by the optimizer may be outside the region of validity of the linearized trajectory, or the optimization may return infeasible </a:t>
-            </a:r>
-          </a:p>
-          <a:p>
-            <a:pPr lvl="1"/>
-            <a:r>
-              <a:rPr lang="en-US" dirty="0" smtClean="0"/>
-              <a:t>Safeguarding is required</a:t>
-            </a:r>
-          </a:p>
-          <a:p>
-            <a:pPr lvl="1"/>
-            <a:r>
-              <a:rPr lang="en-US" dirty="0" smtClean="0"/>
-              <a:t>Consider the endpoint constraint as a penalty term in the objective </a:t>
-            </a:r>
-            <a:endParaRPr lang="en-US" dirty="0"/>
-          </a:p>
-          <a:p>
-            <a:pPr marL="457200" lvl="1" indent="0">
-              <a:buNone/>
-            </a:pPr>
-            <a:endParaRPr lang="en-US" dirty="0" smtClean="0"/>
-          </a:p>
-        </p:txBody>
-      </p:sp>
-      <p:sp>
-        <p:nvSpPr>
-          <p:cNvPr id="4" name="Date Placeholder 3"/>
-          <p:cNvSpPr>
-            <a:spLocks noGrp="1"/>
-          </p:cNvSpPr>
-          <p:nvPr>
-            <p:ph type="dt" sz="half" idx="10"/>
-          </p:nvPr>
-        </p:nvSpPr>
-        <p:spPr/>
-        <p:txBody>
-          <a:bodyPr/>
-          <a:lstStyle/>
-          <a:p>
-            <a:fld id="{16114025-B9CF-47AC-9FCF-5709863A9187}" type="datetime1">
-              <a:rPr lang="en-US" smtClean="0"/>
-              <a:t>11/30/2018</a:t>
-            </a:fld>
-            <a:endParaRPr lang="en-US"/>
-          </a:p>
-        </p:txBody>
-      </p:sp>
-    </p:spTree>
-    <p:extLst>
-      <p:ext uri="{BB962C8B-B14F-4D97-AF65-F5344CB8AC3E}">
-        <p14:creationId xmlns:p14="http://schemas.microsoft.com/office/powerpoint/2010/main" val="2442241489"/>
-      </p:ext>
-    </p:extLst>
-  </p:cSld>
-  <p:clrMapOvr>
-    <a:masterClrMapping/>
-  </p:clrMapOvr>
-</p:sld>
-</file>
-
-<file path=ppt/slides/slide32.xml><?xml version="1.0" encoding="utf-8"?>
-<p:sld xmlns:a="http://schemas.openxmlformats.org/drawingml/2006/main" xmlns:r="http://schemas.openxmlformats.org/officeDocument/2006/relationships" xmlns:p="http://schemas.openxmlformats.org/presentationml/2006/main">
-  <p:cSld>
-    <p:spTree>
-      <p:nvGrpSpPr>
-        <p:cNvPr id="1" name=""/>
-        <p:cNvGrpSpPr/>
-        <p:nvPr/>
-      </p:nvGrpSpPr>
-      <p:grpSpPr>
-        <a:xfrm>
-          <a:off x="0" y="0"/>
-          <a:ext cx="0" cy="0"/>
-          <a:chOff x="0" y="0"/>
-          <a:chExt cx="0" cy="0"/>
-        </a:xfrm>
-      </p:grpSpPr>
-      <p:sp>
-        <p:nvSpPr>
-          <p:cNvPr id="2" name="Title 1"/>
-          <p:cNvSpPr>
-            <a:spLocks noGrp="1"/>
-          </p:cNvSpPr>
-          <p:nvPr>
-            <p:ph type="title"/>
-          </p:nvPr>
-        </p:nvSpPr>
-        <p:spPr/>
-        <p:txBody>
-          <a:bodyPr/>
-          <a:lstStyle/>
-          <a:p>
-            <a:r>
-              <a:rPr lang="en-US" dirty="0" smtClean="0"/>
-              <a:t>Trace Norm</a:t>
-            </a:r>
-            <a:endParaRPr lang="en-US" dirty="0"/>
-          </a:p>
-        </p:txBody>
-      </p:sp>
-      <p:sp>
-        <p:nvSpPr>
-          <p:cNvPr id="3" name="Content Placeholder 2"/>
-          <p:cNvSpPr>
-            <a:spLocks noGrp="1"/>
-          </p:cNvSpPr>
-          <p:nvPr>
-            <p:ph idx="1"/>
-          </p:nvPr>
-        </p:nvSpPr>
-        <p:spPr/>
-        <p:txBody>
-          <a:bodyPr/>
-          <a:lstStyle/>
-          <a:p>
-            <a:r>
-              <a:rPr lang="en-US" dirty="0" smtClean="0"/>
-              <a:t>From the broader class of </a:t>
-            </a:r>
-            <a:r>
-              <a:rPr lang="en-US" dirty="0" err="1" smtClean="0"/>
-              <a:t>Schatten</a:t>
-            </a:r>
-            <a:r>
-              <a:rPr lang="en-US" dirty="0" smtClean="0"/>
-              <a:t> p-norms with p=1</a:t>
-            </a:r>
-          </a:p>
-          <a:p>
-            <a:r>
-              <a:rPr lang="en-US" dirty="0" smtClean="0"/>
-              <a:t>Also called the nuclear norm, equal to the sum of the singular values (= eigenvalues because covariance is positive semi-definite)</a:t>
-            </a:r>
-            <a:endParaRPr lang="en-US" dirty="0"/>
-          </a:p>
-        </p:txBody>
-      </p:sp>
-      <p:sp>
-        <p:nvSpPr>
-          <p:cNvPr id="4" name="Date Placeholder 3"/>
-          <p:cNvSpPr>
-            <a:spLocks noGrp="1"/>
-          </p:cNvSpPr>
-          <p:nvPr>
-            <p:ph type="dt" sz="half" idx="10"/>
-          </p:nvPr>
-        </p:nvSpPr>
-        <p:spPr/>
-        <p:txBody>
-          <a:bodyPr/>
-          <a:lstStyle/>
-          <a:p>
-            <a:fld id="{8F89CBAE-3EB9-4813-AFB5-1F0A5A73B72E}" type="datetime1">
-              <a:rPr lang="en-US" smtClean="0"/>
-              <a:t>11/30/2018</a:t>
-            </a:fld>
-            <a:endParaRPr lang="en-US"/>
-          </a:p>
-        </p:txBody>
-      </p:sp>
-    </p:spTree>
-    <p:extLst>
-      <p:ext uri="{BB962C8B-B14F-4D97-AF65-F5344CB8AC3E}">
-        <p14:creationId xmlns:p14="http://schemas.microsoft.com/office/powerpoint/2010/main" val="3713997120"/>
       </p:ext>
     </p:extLst>
   </p:cSld>
@@ -10815,6 +10586,1349 @@
         </p:nvSpPr>
         <p:spPr>
           <a:xfrm>
+            <a:off x="628650" y="1061034"/>
+            <a:ext cx="7886700" cy="611532"/>
+          </a:xfrm>
+        </p:spPr>
+        <p:txBody>
+          <a:bodyPr/>
+          <a:lstStyle/>
+          <a:p>
+            <a:r>
+              <a:rPr lang="en-US" dirty="0" smtClean="0"/>
+              <a:t>Single Trajectory (Cont.)</a:t>
+            </a:r>
+            <a:endParaRPr lang="en-US" dirty="0"/>
+          </a:p>
+        </p:txBody>
+      </p:sp>
+      <p:sp>
+        <p:nvSpPr>
+          <p:cNvPr id="3" name="Content Placeholder 2"/>
+          <p:cNvSpPr>
+            <a:spLocks noGrp="1"/>
+          </p:cNvSpPr>
+          <p:nvPr>
+            <p:ph idx="1"/>
+          </p:nvPr>
+        </p:nvSpPr>
+        <p:spPr>
+          <a:xfrm>
+            <a:off x="314325" y="1957386"/>
+            <a:ext cx="8515350" cy="1418089"/>
+          </a:xfrm>
+        </p:spPr>
+        <p:txBody>
+          <a:bodyPr/>
+          <a:lstStyle/>
+          <a:p>
+            <a:r>
+              <a:rPr lang="en-US" sz="2400" dirty="0" smtClean="0"/>
+              <a:t>The initial trajectory was optimized for high altitude</a:t>
+            </a:r>
+          </a:p>
+          <a:p>
+            <a:r>
+              <a:rPr lang="en-US" sz="2400" dirty="0" smtClean="0"/>
+              <a:t>The updates retain aspects of the original trajectory, e.g., altitude performance remains excellent </a:t>
+            </a:r>
+            <a:endParaRPr lang="en-US" sz="2400" dirty="0"/>
+          </a:p>
+        </p:txBody>
+      </p:sp>
+      <p:pic>
+        <p:nvPicPr>
+          <p:cNvPr id="4" name="Picture 3"/>
+          <p:cNvPicPr>
+            <a:picLocks noChangeAspect="1"/>
+          </p:cNvPicPr>
+          <p:nvPr/>
+        </p:nvPicPr>
+        <p:blipFill>
+          <a:blip r:embed="rId3">
+            <a:extLst>
+              <a:ext uri="{28A0092B-C50C-407E-A947-70E740481C1C}">
+                <a14:useLocalDpi xmlns:a14="http://schemas.microsoft.com/office/drawing/2010/main" val="0"/>
+              </a:ext>
+            </a:extLst>
+          </a:blip>
+          <a:stretch>
+            <a:fillRect/>
+          </a:stretch>
+        </p:blipFill>
+        <p:spPr>
+          <a:xfrm>
+            <a:off x="3801980" y="3484527"/>
+            <a:ext cx="5216892" cy="3202776"/>
+          </a:xfrm>
+          <a:prstGeom prst="rect">
+            <a:avLst/>
+          </a:prstGeom>
+        </p:spPr>
+      </p:pic>
+      <p:sp>
+        <p:nvSpPr>
+          <p:cNvPr id="5" name="TextBox 4"/>
+          <p:cNvSpPr txBox="1"/>
+          <p:nvPr/>
+        </p:nvSpPr>
+        <p:spPr>
+          <a:xfrm>
+            <a:off x="4456500" y="5303519"/>
+            <a:ext cx="1212782" cy="738664"/>
+          </a:xfrm>
+          <a:prstGeom prst="rect">
+            <a:avLst/>
+          </a:prstGeom>
+          <a:noFill/>
+        </p:spPr>
+        <p:txBody>
+          <a:bodyPr wrap="square" rtlCol="0">
+            <a:spAutoFit/>
+          </a:bodyPr>
+          <a:lstStyle/>
+          <a:p>
+            <a:r>
+              <a:rPr lang="en-US" sz="1400" dirty="0" smtClean="0"/>
+              <a:t>Parachute deployment box</a:t>
+            </a:r>
+            <a:endParaRPr lang="en-US" sz="1400" dirty="0"/>
+          </a:p>
+        </p:txBody>
+      </p:sp>
+      <p:sp>
+        <p:nvSpPr>
+          <p:cNvPr id="6" name="TextBox 5"/>
+          <p:cNvSpPr txBox="1"/>
+          <p:nvPr/>
+        </p:nvSpPr>
+        <p:spPr>
+          <a:xfrm>
+            <a:off x="314325" y="3190877"/>
+            <a:ext cx="3583907" cy="1569660"/>
+          </a:xfrm>
+          <a:prstGeom prst="rect">
+            <a:avLst/>
+          </a:prstGeom>
+          <a:noFill/>
+        </p:spPr>
+        <p:txBody>
+          <a:bodyPr wrap="square" rtlCol="0">
+            <a:spAutoFit/>
+          </a:bodyPr>
+          <a:lstStyle/>
+          <a:p>
+            <a:pPr marL="285750" indent="-285750">
+              <a:buFont typeface="Arial" panose="020B0604020202020204" pitchFamily="34" charset="0"/>
+              <a:buChar char="•"/>
+            </a:pPr>
+            <a:r>
+              <a:rPr lang="en-US" sz="2400" dirty="0" smtClean="0"/>
+              <a:t>All trajectories end at the same energy level due to use of energy as independent variable </a:t>
+            </a:r>
+            <a:endParaRPr lang="en-US" sz="2400" dirty="0"/>
+          </a:p>
+        </p:txBody>
+      </p:sp>
+      <p:sp>
+        <p:nvSpPr>
+          <p:cNvPr id="7" name="Date Placeholder 6"/>
+          <p:cNvSpPr>
+            <a:spLocks noGrp="1"/>
+          </p:cNvSpPr>
+          <p:nvPr>
+            <p:ph type="dt" sz="half" idx="10"/>
+          </p:nvPr>
+        </p:nvSpPr>
+        <p:spPr/>
+        <p:txBody>
+          <a:bodyPr/>
+          <a:lstStyle/>
+          <a:p>
+            <a:fld id="{A1DF8AFB-F03D-4DDC-BB5A-C9EED9FBE463}" type="datetime1">
+              <a:rPr lang="en-US" smtClean="0"/>
+              <a:t>12/1/2018</a:t>
+            </a:fld>
+            <a:endParaRPr lang="en-US"/>
+          </a:p>
+        </p:txBody>
+      </p:sp>
+    </p:spTree>
+    <p:extLst>
+      <p:ext uri="{BB962C8B-B14F-4D97-AF65-F5344CB8AC3E}">
+        <p14:creationId xmlns:p14="http://schemas.microsoft.com/office/powerpoint/2010/main" val="860064350"/>
+      </p:ext>
+    </p:extLst>
+  </p:cSld>
+  <p:clrMapOvr>
+    <a:masterClrMapping/>
+  </p:clrMapOvr>
+</p:sld>
+</file>
+
+<file path=ppt/slides/slide34.xml><?xml version="1.0" encoding="utf-8"?>
+<p:sld xmlns:a="http://schemas.openxmlformats.org/drawingml/2006/main" xmlns:r="http://schemas.openxmlformats.org/officeDocument/2006/relationships" xmlns:p="http://schemas.openxmlformats.org/presentationml/2006/main">
+  <p:cSld>
+    <p:spTree>
+      <p:nvGrpSpPr>
+        <p:cNvPr id="1" name=""/>
+        <p:cNvGrpSpPr/>
+        <p:nvPr/>
+      </p:nvGrpSpPr>
+      <p:grpSpPr>
+        <a:xfrm>
+          <a:off x="0" y="0"/>
+          <a:ext cx="0" cy="0"/>
+          <a:chOff x="0" y="0"/>
+          <a:chExt cx="0" cy="0"/>
+        </a:xfrm>
+      </p:grpSpPr>
+      <p:sp>
+        <p:nvSpPr>
+          <p:cNvPr id="2" name="Title 1"/>
+          <p:cNvSpPr>
+            <a:spLocks noGrp="1"/>
+          </p:cNvSpPr>
+          <p:nvPr>
+            <p:ph type="title"/>
+          </p:nvPr>
+        </p:nvSpPr>
+        <p:spPr/>
+        <p:txBody>
+          <a:bodyPr/>
+          <a:lstStyle/>
+          <a:p>
+            <a:r>
+              <a:rPr lang="en-US" dirty="0" smtClean="0"/>
+              <a:t>Monte Carlo Simulation</a:t>
+            </a:r>
+            <a:endParaRPr lang="en-US" dirty="0"/>
+          </a:p>
+        </p:txBody>
+      </p:sp>
+      <p:sp>
+        <p:nvSpPr>
+          <p:cNvPr id="3" name="Content Placeholder 2"/>
+          <p:cNvSpPr>
+            <a:spLocks noGrp="1"/>
+          </p:cNvSpPr>
+          <p:nvPr>
+            <p:ph idx="1"/>
+          </p:nvPr>
+        </p:nvSpPr>
+        <p:spPr/>
+        <p:txBody>
+          <a:bodyPr/>
+          <a:lstStyle/>
+          <a:p>
+            <a:r>
+              <a:rPr lang="en-US" sz="2400" dirty="0" smtClean="0"/>
+              <a:t>Vehicle is nominally L/D = 0.24 with initial state subject to MSL-like dispersions</a:t>
+            </a:r>
+            <a:endParaRPr lang="en-US" sz="2400" dirty="0"/>
+          </a:p>
+          <a:p>
+            <a:r>
+              <a:rPr lang="en-US" sz="2400" dirty="0" err="1" smtClean="0"/>
+              <a:t>MarsGRAM</a:t>
+            </a:r>
+            <a:r>
+              <a:rPr lang="en-US" sz="2400" dirty="0" smtClean="0"/>
+              <a:t> is used for environment modeling</a:t>
+            </a:r>
+          </a:p>
+          <a:p>
+            <a:r>
+              <a:rPr lang="en-US" sz="2400" dirty="0" smtClean="0"/>
+              <a:t>Uncertainty is added to lift and drag coefficients</a:t>
+            </a:r>
+          </a:p>
+          <a:p>
+            <a:pPr lvl="1"/>
+            <a:r>
+              <a:rPr lang="en-US" sz="2000" dirty="0" smtClean="0"/>
+              <a:t>Gaussian with 3</a:t>
+            </a:r>
+            <a:r>
+              <a:rPr lang="el-GR" sz="2000" dirty="0" smtClean="0"/>
+              <a:t>σ</a:t>
+            </a:r>
+            <a:r>
+              <a:rPr lang="en-US" sz="2000" dirty="0" smtClean="0"/>
+              <a:t> = 10%</a:t>
+            </a:r>
+          </a:p>
+          <a:p>
+            <a:r>
+              <a:rPr lang="en-US" sz="2400" dirty="0" smtClean="0"/>
+              <a:t>Updates occurs at 10 second intervals and stops at 600 m/s </a:t>
+            </a:r>
+          </a:p>
+          <a:p>
+            <a:r>
+              <a:rPr lang="en-US" sz="2400" dirty="0" smtClean="0"/>
+              <a:t>Bank angle limited to ±90°, and bank rate limited to 20°/s</a:t>
+            </a:r>
+          </a:p>
+          <a:p>
+            <a:r>
+              <a:rPr lang="en-US" sz="2400" dirty="0" smtClean="0"/>
+              <a:t>200 samples chosen by </a:t>
+            </a:r>
+            <a:r>
+              <a:rPr lang="en-US" sz="2400" dirty="0" err="1" smtClean="0"/>
+              <a:t>Sobol</a:t>
+            </a:r>
+            <a:r>
+              <a:rPr lang="en-US" sz="2400" dirty="0" smtClean="0"/>
+              <a:t>’ sequence</a:t>
+            </a:r>
+          </a:p>
+          <a:p>
+            <a:r>
+              <a:rPr lang="en-US" sz="2400" dirty="0" smtClean="0"/>
+              <a:t>Trajectories terminate when they reach the correct downrange distance</a:t>
+            </a:r>
+          </a:p>
+          <a:p>
+            <a:pPr lvl="1"/>
+            <a:r>
+              <a:rPr lang="en-US" sz="2000" dirty="0" smtClean="0"/>
+              <a:t>Simple logic, but should expect variations in final altitude and velocity despite energy as independent variable  </a:t>
+            </a:r>
+          </a:p>
+        </p:txBody>
+      </p:sp>
+      <p:sp>
+        <p:nvSpPr>
+          <p:cNvPr id="4" name="Date Placeholder 3"/>
+          <p:cNvSpPr>
+            <a:spLocks noGrp="1"/>
+          </p:cNvSpPr>
+          <p:nvPr>
+            <p:ph type="dt" sz="half" idx="10"/>
+          </p:nvPr>
+        </p:nvSpPr>
+        <p:spPr/>
+        <p:txBody>
+          <a:bodyPr/>
+          <a:lstStyle/>
+          <a:p>
+            <a:fld id="{679CBB44-024B-49D9-BFBE-22296ADF2450}" type="datetime1">
+              <a:rPr lang="en-US" smtClean="0"/>
+              <a:t>12/1/2018</a:t>
+            </a:fld>
+            <a:endParaRPr lang="en-US"/>
+          </a:p>
+        </p:txBody>
+      </p:sp>
+    </p:spTree>
+    <p:extLst>
+      <p:ext uri="{BB962C8B-B14F-4D97-AF65-F5344CB8AC3E}">
+        <p14:creationId xmlns:p14="http://schemas.microsoft.com/office/powerpoint/2010/main" val="3505934654"/>
+      </p:ext>
+    </p:extLst>
+  </p:cSld>
+  <p:clrMapOvr>
+    <a:masterClrMapping/>
+  </p:clrMapOvr>
+</p:sld>
+</file>
+
+<file path=ppt/slides/slide35.xml><?xml version="1.0" encoding="utf-8"?>
+<p:sld xmlns:a="http://schemas.openxmlformats.org/drawingml/2006/main" xmlns:r="http://schemas.openxmlformats.org/officeDocument/2006/relationships" xmlns:p="http://schemas.openxmlformats.org/presentationml/2006/main">
+  <p:cSld>
+    <p:spTree>
+      <p:nvGrpSpPr>
+        <p:cNvPr id="1" name=""/>
+        <p:cNvGrpSpPr/>
+        <p:nvPr/>
+      </p:nvGrpSpPr>
+      <p:grpSpPr>
+        <a:xfrm>
+          <a:off x="0" y="0"/>
+          <a:ext cx="0" cy="0"/>
+          <a:chOff x="0" y="0"/>
+          <a:chExt cx="0" cy="0"/>
+        </a:xfrm>
+      </p:grpSpPr>
+      <p:sp>
+        <p:nvSpPr>
+          <p:cNvPr id="2" name="Title 1"/>
+          <p:cNvSpPr>
+            <a:spLocks noGrp="1"/>
+          </p:cNvSpPr>
+          <p:nvPr>
+            <p:ph type="title"/>
+          </p:nvPr>
+        </p:nvSpPr>
+        <p:spPr/>
+        <p:txBody>
+          <a:bodyPr/>
+          <a:lstStyle/>
+          <a:p>
+            <a:r>
+              <a:rPr lang="en-US" dirty="0" smtClean="0"/>
+              <a:t>MCS Results - </a:t>
+            </a:r>
+            <a:r>
+              <a:rPr lang="en-US" dirty="0" err="1" smtClean="0"/>
+              <a:t>Groundtrack</a:t>
+            </a:r>
+            <a:endParaRPr lang="en-US" dirty="0"/>
+          </a:p>
+        </p:txBody>
+      </p:sp>
+      <p:sp>
+        <p:nvSpPr>
+          <p:cNvPr id="3" name="Content Placeholder 2"/>
+          <p:cNvSpPr>
+            <a:spLocks noGrp="1"/>
+          </p:cNvSpPr>
+          <p:nvPr>
+            <p:ph idx="1"/>
+          </p:nvPr>
+        </p:nvSpPr>
+        <p:spPr>
+          <a:xfrm>
+            <a:off x="628650" y="1777500"/>
+            <a:ext cx="7886700" cy="1398838"/>
+          </a:xfrm>
+        </p:spPr>
+        <p:txBody>
+          <a:bodyPr/>
+          <a:lstStyle/>
+          <a:p>
+            <a:r>
+              <a:rPr lang="en-US" sz="2400" dirty="0" smtClean="0"/>
+              <a:t>Excellent </a:t>
+            </a:r>
+            <a:r>
+              <a:rPr lang="en-US" sz="2400" dirty="0" err="1" smtClean="0"/>
+              <a:t>crossrange</a:t>
+            </a:r>
+            <a:r>
+              <a:rPr lang="en-US" sz="2400" dirty="0" smtClean="0"/>
+              <a:t> performance due to coupled update to longitudinal and lateral channels </a:t>
+            </a:r>
+          </a:p>
+          <a:p>
+            <a:r>
+              <a:rPr lang="en-US" sz="2400" dirty="0" smtClean="0"/>
+              <a:t>Interestingly, a small number of samples even have an additional reversal</a:t>
+            </a:r>
+            <a:endParaRPr lang="en-US" sz="2400" dirty="0"/>
+          </a:p>
+        </p:txBody>
+      </p:sp>
+      <p:pic>
+        <p:nvPicPr>
+          <p:cNvPr id="5" name="Picture 4"/>
+          <p:cNvPicPr>
+            <a:picLocks noChangeAspect="1"/>
+          </p:cNvPicPr>
+          <p:nvPr/>
+        </p:nvPicPr>
+        <p:blipFill>
+          <a:blip r:embed="rId3">
+            <a:extLst>
+              <a:ext uri="{28A0092B-C50C-407E-A947-70E740481C1C}">
+                <a14:useLocalDpi xmlns:a14="http://schemas.microsoft.com/office/drawing/2010/main" val="0"/>
+              </a:ext>
+            </a:extLst>
+          </a:blip>
+          <a:stretch>
+            <a:fillRect/>
+          </a:stretch>
+        </p:blipFill>
+        <p:spPr>
+          <a:xfrm>
+            <a:off x="1600247" y="3272588"/>
+            <a:ext cx="5750999" cy="3498601"/>
+          </a:xfrm>
+          <a:prstGeom prst="rect">
+            <a:avLst/>
+          </a:prstGeom>
+        </p:spPr>
+      </p:pic>
+      <p:sp>
+        <p:nvSpPr>
+          <p:cNvPr id="4" name="Date Placeholder 3"/>
+          <p:cNvSpPr>
+            <a:spLocks noGrp="1"/>
+          </p:cNvSpPr>
+          <p:nvPr>
+            <p:ph type="dt" sz="half" idx="10"/>
+          </p:nvPr>
+        </p:nvSpPr>
+        <p:spPr/>
+        <p:txBody>
+          <a:bodyPr/>
+          <a:lstStyle/>
+          <a:p>
+            <a:fld id="{8BD01A7A-C5C0-478A-8BE6-564915217820}" type="datetime1">
+              <a:rPr lang="en-US" smtClean="0"/>
+              <a:t>12/1/2018</a:t>
+            </a:fld>
+            <a:endParaRPr lang="en-US"/>
+          </a:p>
+        </p:txBody>
+      </p:sp>
+    </p:spTree>
+    <p:extLst>
+      <p:ext uri="{BB962C8B-B14F-4D97-AF65-F5344CB8AC3E}">
+        <p14:creationId xmlns:p14="http://schemas.microsoft.com/office/powerpoint/2010/main" val="1826672569"/>
+      </p:ext>
+    </p:extLst>
+  </p:cSld>
+  <p:clrMapOvr>
+    <a:masterClrMapping/>
+  </p:clrMapOvr>
+</p:sld>
+</file>
+
+<file path=ppt/slides/slide36.xml><?xml version="1.0" encoding="utf-8"?>
+<p:sld xmlns:a="http://schemas.openxmlformats.org/drawingml/2006/main" xmlns:r="http://schemas.openxmlformats.org/officeDocument/2006/relationships" xmlns:p="http://schemas.openxmlformats.org/presentationml/2006/main">
+  <p:cSld>
+    <p:spTree>
+      <p:nvGrpSpPr>
+        <p:cNvPr id="1" name=""/>
+        <p:cNvGrpSpPr/>
+        <p:nvPr/>
+      </p:nvGrpSpPr>
+      <p:grpSpPr>
+        <a:xfrm>
+          <a:off x="0" y="0"/>
+          <a:ext cx="0" cy="0"/>
+          <a:chOff x="0" y="0"/>
+          <a:chExt cx="0" cy="0"/>
+        </a:xfrm>
+      </p:grpSpPr>
+      <p:sp>
+        <p:nvSpPr>
+          <p:cNvPr id="2" name="Title 1"/>
+          <p:cNvSpPr>
+            <a:spLocks noGrp="1"/>
+          </p:cNvSpPr>
+          <p:nvPr>
+            <p:ph type="title"/>
+          </p:nvPr>
+        </p:nvSpPr>
+        <p:spPr>
+          <a:xfrm>
+            <a:off x="628649" y="964938"/>
+            <a:ext cx="8370972" cy="611532"/>
+          </a:xfrm>
+        </p:spPr>
+        <p:txBody>
+          <a:bodyPr/>
+          <a:lstStyle/>
+          <a:p>
+            <a:r>
+              <a:rPr lang="en-US" dirty="0" smtClean="0"/>
+              <a:t>MCS Results – Altitude/Velocity</a:t>
+            </a:r>
+            <a:endParaRPr lang="en-US" dirty="0"/>
+          </a:p>
+        </p:txBody>
+      </p:sp>
+      <p:sp>
+        <p:nvSpPr>
+          <p:cNvPr id="3" name="Content Placeholder 2"/>
+          <p:cNvSpPr>
+            <a:spLocks noGrp="1"/>
+          </p:cNvSpPr>
+          <p:nvPr>
+            <p:ph idx="1"/>
+          </p:nvPr>
+        </p:nvSpPr>
+        <p:spPr>
+          <a:xfrm>
+            <a:off x="628649" y="1690690"/>
+            <a:ext cx="7886700" cy="1437522"/>
+          </a:xfrm>
+        </p:spPr>
+        <p:txBody>
+          <a:bodyPr/>
+          <a:lstStyle/>
+          <a:p>
+            <a:r>
+              <a:rPr lang="en-US" sz="2400" dirty="0" smtClean="0"/>
+              <a:t>Although some trajectories exit the parachute deployment conditions, all but three pass through the box</a:t>
+            </a:r>
+          </a:p>
+          <a:p>
+            <a:pPr lvl="1"/>
+            <a:r>
+              <a:rPr lang="en-US" sz="2000" dirty="0" smtClean="0"/>
+              <a:t>Solved by considering triggering logic that explicitly accounts for parachute conditions </a:t>
+            </a:r>
+          </a:p>
+          <a:p>
+            <a:pPr marL="0" indent="0">
+              <a:buNone/>
+            </a:pPr>
+            <a:endParaRPr lang="en-US" dirty="0"/>
+          </a:p>
+        </p:txBody>
+      </p:sp>
+      <p:pic>
+        <p:nvPicPr>
+          <p:cNvPr id="7" name="Picture 6"/>
+          <p:cNvPicPr>
+            <a:picLocks noChangeAspect="1"/>
+          </p:cNvPicPr>
+          <p:nvPr/>
+        </p:nvPicPr>
+        <p:blipFill>
+          <a:blip r:embed="rId2">
+            <a:extLst>
+              <a:ext uri="{28A0092B-C50C-407E-A947-70E740481C1C}">
+                <a14:useLocalDpi xmlns:a14="http://schemas.microsoft.com/office/drawing/2010/main" val="0"/>
+              </a:ext>
+            </a:extLst>
+          </a:blip>
+          <a:stretch>
+            <a:fillRect/>
+          </a:stretch>
+        </p:blipFill>
+        <p:spPr>
+          <a:xfrm>
+            <a:off x="6015308" y="3001647"/>
+            <a:ext cx="2984313" cy="1856906"/>
+          </a:xfrm>
+          <a:prstGeom prst="rect">
+            <a:avLst/>
+          </a:prstGeom>
+        </p:spPr>
+      </p:pic>
+      <p:pic>
+        <p:nvPicPr>
+          <p:cNvPr id="8" name="Picture 7"/>
+          <p:cNvPicPr>
+            <a:picLocks noChangeAspect="1"/>
+          </p:cNvPicPr>
+          <p:nvPr/>
+        </p:nvPicPr>
+        <p:blipFill>
+          <a:blip r:embed="rId3">
+            <a:extLst>
+              <a:ext uri="{28A0092B-C50C-407E-A947-70E740481C1C}">
+                <a14:useLocalDpi xmlns:a14="http://schemas.microsoft.com/office/drawing/2010/main" val="0"/>
+              </a:ext>
+            </a:extLst>
+          </a:blip>
+          <a:stretch>
+            <a:fillRect/>
+          </a:stretch>
+        </p:blipFill>
+        <p:spPr>
+          <a:xfrm>
+            <a:off x="6015308" y="4858553"/>
+            <a:ext cx="2984313" cy="1856905"/>
+          </a:xfrm>
+          <a:prstGeom prst="rect">
+            <a:avLst/>
+          </a:prstGeom>
+        </p:spPr>
+      </p:pic>
+      <p:pic>
+        <p:nvPicPr>
+          <p:cNvPr id="9" name="Picture 8"/>
+          <p:cNvPicPr>
+            <a:picLocks noChangeAspect="1"/>
+          </p:cNvPicPr>
+          <p:nvPr/>
+        </p:nvPicPr>
+        <p:blipFill>
+          <a:blip r:embed="rId4">
+            <a:extLst>
+              <a:ext uri="{28A0092B-C50C-407E-A947-70E740481C1C}">
+                <a14:useLocalDpi xmlns:a14="http://schemas.microsoft.com/office/drawing/2010/main" val="0"/>
+              </a:ext>
+            </a:extLst>
+          </a:blip>
+          <a:stretch>
+            <a:fillRect/>
+          </a:stretch>
+        </p:blipFill>
+        <p:spPr>
+          <a:xfrm>
+            <a:off x="198640" y="3128212"/>
+            <a:ext cx="5332396" cy="3273687"/>
+          </a:xfrm>
+          <a:prstGeom prst="rect">
+            <a:avLst/>
+          </a:prstGeom>
+        </p:spPr>
+      </p:pic>
+      <p:sp>
+        <p:nvSpPr>
+          <p:cNvPr id="4" name="Date Placeholder 3"/>
+          <p:cNvSpPr>
+            <a:spLocks noGrp="1"/>
+          </p:cNvSpPr>
+          <p:nvPr>
+            <p:ph type="dt" sz="half" idx="10"/>
+          </p:nvPr>
+        </p:nvSpPr>
+        <p:spPr/>
+        <p:txBody>
+          <a:bodyPr/>
+          <a:lstStyle/>
+          <a:p>
+            <a:fld id="{B92B01C8-369C-4ED9-9DA7-8545D43DBD83}" type="datetime1">
+              <a:rPr lang="en-US" smtClean="0"/>
+              <a:t>12/1/2018</a:t>
+            </a:fld>
+            <a:endParaRPr lang="en-US"/>
+          </a:p>
+        </p:txBody>
+      </p:sp>
+    </p:spTree>
+    <p:extLst>
+      <p:ext uri="{BB962C8B-B14F-4D97-AF65-F5344CB8AC3E}">
+        <p14:creationId xmlns:p14="http://schemas.microsoft.com/office/powerpoint/2010/main" val="303004292"/>
+      </p:ext>
+    </p:extLst>
+  </p:cSld>
+  <p:clrMapOvr>
+    <a:masterClrMapping/>
+  </p:clrMapOvr>
+</p:sld>
+</file>
+
+<file path=ppt/slides/slide37.xml><?xml version="1.0" encoding="utf-8"?>
+<p:sld xmlns:a="http://schemas.openxmlformats.org/drawingml/2006/main" xmlns:r="http://schemas.openxmlformats.org/officeDocument/2006/relationships" xmlns:p="http://schemas.openxmlformats.org/presentationml/2006/main">
+  <p:cSld>
+    <p:spTree>
+      <p:nvGrpSpPr>
+        <p:cNvPr id="1" name=""/>
+        <p:cNvGrpSpPr/>
+        <p:nvPr/>
+      </p:nvGrpSpPr>
+      <p:grpSpPr>
+        <a:xfrm>
+          <a:off x="0" y="0"/>
+          <a:ext cx="0" cy="0"/>
+          <a:chOff x="0" y="0"/>
+          <a:chExt cx="0" cy="0"/>
+        </a:xfrm>
+      </p:grpSpPr>
+      <p:sp>
+        <p:nvSpPr>
+          <p:cNvPr id="2" name="Title 1"/>
+          <p:cNvSpPr>
+            <a:spLocks noGrp="1"/>
+          </p:cNvSpPr>
+          <p:nvPr>
+            <p:ph type="title"/>
+          </p:nvPr>
+        </p:nvSpPr>
+        <p:spPr/>
+        <p:txBody>
+          <a:bodyPr/>
+          <a:lstStyle/>
+          <a:p>
+            <a:r>
+              <a:rPr lang="en-US" dirty="0" smtClean="0"/>
+              <a:t>MCS Results – Bank Profiles </a:t>
+            </a:r>
+            <a:endParaRPr lang="en-US" dirty="0"/>
+          </a:p>
+        </p:txBody>
+      </p:sp>
+      <p:sp>
+        <p:nvSpPr>
+          <p:cNvPr id="5" name="Content Placeholder 4"/>
+          <p:cNvSpPr>
+            <a:spLocks noGrp="1"/>
+          </p:cNvSpPr>
+          <p:nvPr>
+            <p:ph idx="1"/>
+          </p:nvPr>
+        </p:nvSpPr>
+        <p:spPr>
+          <a:xfrm>
+            <a:off x="628650" y="1825625"/>
+            <a:ext cx="8245843" cy="1244834"/>
+          </a:xfrm>
+        </p:spPr>
+        <p:txBody>
+          <a:bodyPr/>
+          <a:lstStyle/>
+          <a:p>
+            <a:r>
+              <a:rPr lang="en-US" dirty="0" smtClean="0"/>
+              <a:t>Largest difference is in the timing of bank reversals</a:t>
+            </a:r>
+          </a:p>
+          <a:p>
+            <a:pPr lvl="0"/>
+            <a:r>
+              <a:rPr lang="en-US" dirty="0">
+                <a:solidFill>
+                  <a:prstClr val="black"/>
+                </a:solidFill>
+              </a:rPr>
+              <a:t>Bank angle (and trajectory in general) deviates from the original trajectory most at the end</a:t>
+            </a:r>
+          </a:p>
+          <a:p>
+            <a:endParaRPr lang="en-US" dirty="0" smtClean="0"/>
+          </a:p>
+          <a:p>
+            <a:endParaRPr lang="en-US" dirty="0"/>
+          </a:p>
+        </p:txBody>
+      </p:sp>
+      <p:pic>
+        <p:nvPicPr>
+          <p:cNvPr id="6" name="Picture 5"/>
+          <p:cNvPicPr>
+            <a:picLocks noChangeAspect="1"/>
+          </p:cNvPicPr>
+          <p:nvPr/>
+        </p:nvPicPr>
+        <p:blipFill>
+          <a:blip r:embed="rId2">
+            <a:extLst>
+              <a:ext uri="{28A0092B-C50C-407E-A947-70E740481C1C}">
+                <a14:useLocalDpi xmlns:a14="http://schemas.microsoft.com/office/drawing/2010/main" val="0"/>
+              </a:ext>
+            </a:extLst>
+          </a:blip>
+          <a:stretch>
+            <a:fillRect/>
+          </a:stretch>
+        </p:blipFill>
+        <p:spPr>
+          <a:xfrm>
+            <a:off x="259880" y="3197993"/>
+            <a:ext cx="5813843" cy="3488306"/>
+          </a:xfrm>
+          <a:prstGeom prst="rect">
+            <a:avLst/>
+          </a:prstGeom>
+        </p:spPr>
+      </p:pic>
+      <p:sp>
+        <p:nvSpPr>
+          <p:cNvPr id="7" name="TextBox 6"/>
+          <p:cNvSpPr txBox="1"/>
+          <p:nvPr/>
+        </p:nvSpPr>
+        <p:spPr>
+          <a:xfrm>
+            <a:off x="5861784" y="3395901"/>
+            <a:ext cx="3205214" cy="2363724"/>
+          </a:xfrm>
+          <a:prstGeom prst="rect">
+            <a:avLst/>
+          </a:prstGeom>
+          <a:noFill/>
+        </p:spPr>
+        <p:txBody>
+          <a:bodyPr wrap="square" rtlCol="0">
+            <a:spAutoFit/>
+          </a:bodyPr>
+          <a:lstStyle/>
+          <a:p>
+            <a:pPr lvl="1">
+              <a:lnSpc>
+                <a:spcPct val="90000"/>
+              </a:lnSpc>
+              <a:spcBef>
+                <a:spcPts val="500"/>
+              </a:spcBef>
+            </a:pPr>
+            <a:r>
+              <a:rPr lang="en-US" sz="2400" dirty="0" smtClean="0">
+                <a:solidFill>
+                  <a:prstClr val="black"/>
+                </a:solidFill>
+              </a:rPr>
+              <a:t>This </a:t>
+            </a:r>
+            <a:r>
+              <a:rPr lang="en-US" sz="2400" dirty="0">
+                <a:solidFill>
+                  <a:prstClr val="black"/>
+                </a:solidFill>
+              </a:rPr>
+              <a:t>is expected because </a:t>
+            </a:r>
+            <a:r>
+              <a:rPr lang="en-US" sz="2400" dirty="0" smtClean="0">
+                <a:solidFill>
+                  <a:prstClr val="black"/>
+                </a:solidFill>
+              </a:rPr>
+              <a:t>the later portion of trajectory is updated the greatest number </a:t>
+            </a:r>
+            <a:r>
+              <a:rPr lang="en-US" sz="2400" dirty="0">
+                <a:solidFill>
+                  <a:prstClr val="black"/>
+                </a:solidFill>
+              </a:rPr>
+              <a:t>of times </a:t>
+            </a:r>
+          </a:p>
+          <a:p>
+            <a:endParaRPr lang="en-US" dirty="0"/>
+          </a:p>
+        </p:txBody>
+      </p:sp>
+      <p:sp>
+        <p:nvSpPr>
+          <p:cNvPr id="3" name="Date Placeholder 2"/>
+          <p:cNvSpPr>
+            <a:spLocks noGrp="1"/>
+          </p:cNvSpPr>
+          <p:nvPr>
+            <p:ph type="dt" sz="half" idx="10"/>
+          </p:nvPr>
+        </p:nvSpPr>
+        <p:spPr/>
+        <p:txBody>
+          <a:bodyPr/>
+          <a:lstStyle/>
+          <a:p>
+            <a:fld id="{EBD2AF92-CB4E-4AF0-A3E1-DF2CCF33E74C}" type="datetime1">
+              <a:rPr lang="en-US" smtClean="0"/>
+              <a:t>12/1/2018</a:t>
+            </a:fld>
+            <a:endParaRPr lang="en-US"/>
+          </a:p>
+        </p:txBody>
+      </p:sp>
+    </p:spTree>
+    <p:extLst>
+      <p:ext uri="{BB962C8B-B14F-4D97-AF65-F5344CB8AC3E}">
+        <p14:creationId xmlns:p14="http://schemas.microsoft.com/office/powerpoint/2010/main" val="1145173546"/>
+      </p:ext>
+    </p:extLst>
+  </p:cSld>
+  <p:clrMapOvr>
+    <a:masterClrMapping/>
+  </p:clrMapOvr>
+</p:sld>
+</file>
+
+<file path=ppt/slides/slide38.xml><?xml version="1.0" encoding="utf-8"?>
+<p:sld xmlns:a="http://schemas.openxmlformats.org/drawingml/2006/main" xmlns:r="http://schemas.openxmlformats.org/officeDocument/2006/relationships" xmlns:p="http://schemas.openxmlformats.org/presentationml/2006/main">
+  <p:cSld>
+    <p:spTree>
+      <p:nvGrpSpPr>
+        <p:cNvPr id="1" name=""/>
+        <p:cNvGrpSpPr/>
+        <p:nvPr/>
+      </p:nvGrpSpPr>
+      <p:grpSpPr>
+        <a:xfrm>
+          <a:off x="0" y="0"/>
+          <a:ext cx="0" cy="0"/>
+          <a:chOff x="0" y="0"/>
+          <a:chExt cx="0" cy="0"/>
+        </a:xfrm>
+      </p:grpSpPr>
+      <p:sp>
+        <p:nvSpPr>
+          <p:cNvPr id="2" name="Title 1"/>
+          <p:cNvSpPr>
+            <a:spLocks noGrp="1"/>
+          </p:cNvSpPr>
+          <p:nvPr>
+            <p:ph type="title"/>
+          </p:nvPr>
+        </p:nvSpPr>
+        <p:spPr/>
+        <p:txBody>
+          <a:bodyPr/>
+          <a:lstStyle/>
+          <a:p>
+            <a:r>
+              <a:rPr lang="en-US" dirty="0" smtClean="0"/>
+              <a:t>Conclusion</a:t>
+            </a:r>
+            <a:endParaRPr lang="en-US" dirty="0"/>
+          </a:p>
+        </p:txBody>
+      </p:sp>
+      <p:sp>
+        <p:nvSpPr>
+          <p:cNvPr id="3" name="Content Placeholder 2"/>
+          <p:cNvSpPr>
+            <a:spLocks noGrp="1"/>
+          </p:cNvSpPr>
+          <p:nvPr>
+            <p:ph idx="1"/>
+          </p:nvPr>
+        </p:nvSpPr>
+        <p:spPr/>
+        <p:txBody>
+          <a:bodyPr/>
+          <a:lstStyle/>
+          <a:p>
+            <a:r>
+              <a:rPr lang="en-US" dirty="0" smtClean="0"/>
+              <a:t>Despite the use of linearization requiring small, local updates, a convex approach to onboard trajectory redesign shows promise </a:t>
+            </a:r>
+          </a:p>
+          <a:p>
+            <a:r>
+              <a:rPr lang="en-US" dirty="0" smtClean="0"/>
+              <a:t>Use of updating has a number of potential applications</a:t>
+            </a:r>
+          </a:p>
+          <a:p>
+            <a:r>
+              <a:rPr lang="en-US" dirty="0" smtClean="0"/>
+              <a:t>If the target point is not reachable, the solution returned by the optimizer may be outside the region of validity of the linearized trajectory, or the optimization may return infeasible </a:t>
+            </a:r>
+          </a:p>
+          <a:p>
+            <a:pPr lvl="1"/>
+            <a:r>
+              <a:rPr lang="en-US" dirty="0" smtClean="0"/>
+              <a:t>Safeguarding is required</a:t>
+            </a:r>
+          </a:p>
+          <a:p>
+            <a:pPr lvl="1"/>
+            <a:r>
+              <a:rPr lang="en-US" dirty="0" smtClean="0"/>
+              <a:t>Consider the endpoint constraint as a penalty term in the objective </a:t>
+            </a:r>
+            <a:endParaRPr lang="en-US" dirty="0"/>
+          </a:p>
+          <a:p>
+            <a:pPr marL="457200" lvl="1" indent="0">
+              <a:buNone/>
+            </a:pPr>
+            <a:endParaRPr lang="en-US" dirty="0" smtClean="0"/>
+          </a:p>
+        </p:txBody>
+      </p:sp>
+      <p:sp>
+        <p:nvSpPr>
+          <p:cNvPr id="4" name="Date Placeholder 3"/>
+          <p:cNvSpPr>
+            <a:spLocks noGrp="1"/>
+          </p:cNvSpPr>
+          <p:nvPr>
+            <p:ph type="dt" sz="half" idx="10"/>
+          </p:nvPr>
+        </p:nvSpPr>
+        <p:spPr/>
+        <p:txBody>
+          <a:bodyPr/>
+          <a:lstStyle/>
+          <a:p>
+            <a:fld id="{16114025-B9CF-47AC-9FCF-5709863A9187}" type="datetime1">
+              <a:rPr lang="en-US" smtClean="0"/>
+              <a:t>12/1/2018</a:t>
+            </a:fld>
+            <a:endParaRPr lang="en-US"/>
+          </a:p>
+        </p:txBody>
+      </p:sp>
+    </p:spTree>
+    <p:extLst>
+      <p:ext uri="{BB962C8B-B14F-4D97-AF65-F5344CB8AC3E}">
+        <p14:creationId xmlns:p14="http://schemas.microsoft.com/office/powerpoint/2010/main" val="2442241489"/>
+      </p:ext>
+    </p:extLst>
+  </p:cSld>
+  <p:clrMapOvr>
+    <a:masterClrMapping/>
+  </p:clrMapOvr>
+</p:sld>
+</file>
+
+<file path=ppt/slides/slide39.xml><?xml version="1.0" encoding="utf-8"?>
+<p:sld xmlns:a="http://schemas.openxmlformats.org/drawingml/2006/main" xmlns:r="http://schemas.openxmlformats.org/officeDocument/2006/relationships" xmlns:p="http://schemas.openxmlformats.org/presentationml/2006/main">
+  <p:cSld>
+    <p:spTree>
+      <p:nvGrpSpPr>
+        <p:cNvPr id="1" name=""/>
+        <p:cNvGrpSpPr/>
+        <p:nvPr/>
+      </p:nvGrpSpPr>
+      <p:grpSpPr>
+        <a:xfrm>
+          <a:off x="0" y="0"/>
+          <a:ext cx="0" cy="0"/>
+          <a:chOff x="0" y="0"/>
+          <a:chExt cx="0" cy="0"/>
+        </a:xfrm>
+      </p:grpSpPr>
+      <p:sp>
+        <p:nvSpPr>
+          <p:cNvPr id="2" name="Title 1"/>
+          <p:cNvSpPr>
+            <a:spLocks noGrp="1"/>
+          </p:cNvSpPr>
+          <p:nvPr>
+            <p:ph type="title"/>
+          </p:nvPr>
+        </p:nvSpPr>
+        <p:spPr/>
+        <p:txBody>
+          <a:bodyPr/>
+          <a:lstStyle/>
+          <a:p>
+            <a:r>
+              <a:rPr lang="en-US" dirty="0" smtClean="0"/>
+              <a:t>Trace Norm</a:t>
+            </a:r>
+            <a:endParaRPr lang="en-US" dirty="0"/>
+          </a:p>
+        </p:txBody>
+      </p:sp>
+      <p:sp>
+        <p:nvSpPr>
+          <p:cNvPr id="3" name="Content Placeholder 2"/>
+          <p:cNvSpPr>
+            <a:spLocks noGrp="1"/>
+          </p:cNvSpPr>
+          <p:nvPr>
+            <p:ph idx="1"/>
+          </p:nvPr>
+        </p:nvSpPr>
+        <p:spPr/>
+        <p:txBody>
+          <a:bodyPr/>
+          <a:lstStyle/>
+          <a:p>
+            <a:r>
+              <a:rPr lang="en-US" dirty="0" smtClean="0"/>
+              <a:t>From the broader class of </a:t>
+            </a:r>
+            <a:r>
+              <a:rPr lang="en-US" dirty="0" err="1" smtClean="0"/>
+              <a:t>Schatten</a:t>
+            </a:r>
+            <a:r>
+              <a:rPr lang="en-US" dirty="0" smtClean="0"/>
+              <a:t> p-norms with p=1</a:t>
+            </a:r>
+          </a:p>
+          <a:p>
+            <a:r>
+              <a:rPr lang="en-US" dirty="0" smtClean="0"/>
+              <a:t>Also called the nuclear norm, equal to the sum of the singular values (= eigenvalues because covariance is positive semi-definite)</a:t>
+            </a:r>
+            <a:endParaRPr lang="en-US" dirty="0"/>
+          </a:p>
+        </p:txBody>
+      </p:sp>
+      <p:sp>
+        <p:nvSpPr>
+          <p:cNvPr id="4" name="Date Placeholder 3"/>
+          <p:cNvSpPr>
+            <a:spLocks noGrp="1"/>
+          </p:cNvSpPr>
+          <p:nvPr>
+            <p:ph type="dt" sz="half" idx="10"/>
+          </p:nvPr>
+        </p:nvSpPr>
+        <p:spPr/>
+        <p:txBody>
+          <a:bodyPr/>
+          <a:lstStyle/>
+          <a:p>
+            <a:fld id="{8F89CBAE-3EB9-4813-AFB5-1F0A5A73B72E}" type="datetime1">
+              <a:rPr lang="en-US" smtClean="0"/>
+              <a:t>12/1/2018</a:t>
+            </a:fld>
+            <a:endParaRPr lang="en-US"/>
+          </a:p>
+        </p:txBody>
+      </p:sp>
+    </p:spTree>
+    <p:extLst>
+      <p:ext uri="{BB962C8B-B14F-4D97-AF65-F5344CB8AC3E}">
+        <p14:creationId xmlns:p14="http://schemas.microsoft.com/office/powerpoint/2010/main" val="3713997120"/>
+      </p:ext>
+    </p:extLst>
+  </p:cSld>
+  <p:clrMapOvr>
+    <a:masterClrMapping/>
+  </p:clrMapOvr>
+</p:sld>
+</file>
+
+<file path=ppt/slides/slide4.xml><?xml version="1.0" encoding="utf-8"?>
+<p:sld xmlns:a="http://schemas.openxmlformats.org/drawingml/2006/main" xmlns:r="http://schemas.openxmlformats.org/officeDocument/2006/relationships" xmlns:p="http://schemas.openxmlformats.org/presentationml/2006/main">
+  <p:cSld>
+    <p:spTree>
+      <p:nvGrpSpPr>
+        <p:cNvPr id="1" name=""/>
+        <p:cNvGrpSpPr/>
+        <p:nvPr/>
+      </p:nvGrpSpPr>
+      <p:grpSpPr>
+        <a:xfrm>
+          <a:off x="0" y="0"/>
+          <a:ext cx="0" cy="0"/>
+          <a:chOff x="0" y="0"/>
+          <a:chExt cx="0" cy="0"/>
+        </a:xfrm>
+      </p:grpSpPr>
+      <p:sp>
+        <p:nvSpPr>
+          <p:cNvPr id="2" name="Title 1"/>
+          <p:cNvSpPr>
+            <a:spLocks noGrp="1"/>
+          </p:cNvSpPr>
+          <p:nvPr>
+            <p:ph type="title"/>
+          </p:nvPr>
+        </p:nvSpPr>
+        <p:spPr/>
+        <p:txBody>
+          <a:bodyPr/>
+          <a:lstStyle/>
+          <a:p>
+            <a:r>
+              <a:rPr lang="en-US" dirty="0" smtClean="0"/>
+              <a:t>Entry, Descent, </a:t>
+            </a:r>
+            <a:r>
+              <a:rPr lang="en-US" dirty="0" smtClean="0"/>
+              <a:t>and Landing </a:t>
+            </a:r>
+            <a:br>
+              <a:rPr lang="en-US" dirty="0" smtClean="0"/>
+            </a:br>
+            <a:r>
+              <a:rPr lang="en-US" dirty="0" smtClean="0"/>
+              <a:t>State of the Art</a:t>
+            </a:r>
+            <a:endParaRPr lang="en-US" dirty="0"/>
+          </a:p>
+        </p:txBody>
+      </p:sp>
+      <p:sp>
+        <p:nvSpPr>
+          <p:cNvPr id="3" name="Content Placeholder 2"/>
+          <p:cNvSpPr>
+            <a:spLocks noGrp="1"/>
+          </p:cNvSpPr>
+          <p:nvPr>
+            <p:ph idx="1"/>
+          </p:nvPr>
+        </p:nvSpPr>
+        <p:spPr>
+          <a:xfrm>
+            <a:off x="628650" y="2397211"/>
+            <a:ext cx="7886700" cy="3779752"/>
+          </a:xfrm>
+        </p:spPr>
+        <p:txBody>
+          <a:bodyPr/>
+          <a:lstStyle/>
+          <a:p>
+            <a:r>
+              <a:rPr lang="en-US" dirty="0" smtClean="0"/>
+              <a:t>Mars Science Laboratory -  Apollo entry guidance, DGB Chute, Sky-Crane Descent stage</a:t>
+            </a:r>
+          </a:p>
+          <a:p>
+            <a:r>
+              <a:rPr lang="en-US" dirty="0" smtClean="0"/>
+              <a:t>Reference trajectory designed for slow maneuvers and wide margins </a:t>
+            </a:r>
+          </a:p>
+          <a:p>
+            <a:r>
+              <a:rPr lang="en-US" dirty="0" smtClean="0"/>
+              <a:t>Closed-loop performance evaluated via Monte Carlo</a:t>
+            </a:r>
+          </a:p>
+          <a:p>
+            <a:pPr lvl="1"/>
+            <a:r>
+              <a:rPr lang="en-US" dirty="0" smtClean="0"/>
+              <a:t>Iteration with human in the loop </a:t>
+            </a:r>
+          </a:p>
+          <a:p>
+            <a:r>
+              <a:rPr lang="en-US" dirty="0" smtClean="0"/>
+              <a:t>Parachute architectures simply do not scale to high ballistic coefficients</a:t>
+            </a:r>
+            <a:endParaRPr lang="en-US" dirty="0"/>
+          </a:p>
+        </p:txBody>
+      </p:sp>
+      <p:sp>
+        <p:nvSpPr>
+          <p:cNvPr id="4" name="Date Placeholder 3"/>
+          <p:cNvSpPr>
+            <a:spLocks noGrp="1"/>
+          </p:cNvSpPr>
+          <p:nvPr>
+            <p:ph type="dt" sz="half" idx="10"/>
+          </p:nvPr>
+        </p:nvSpPr>
+        <p:spPr/>
+        <p:txBody>
+          <a:bodyPr/>
+          <a:lstStyle/>
+          <a:p>
+            <a:fld id="{E0514563-7F99-4AB4-938D-7B22B938DBF8}" type="datetime1">
+              <a:rPr lang="en-US" smtClean="0"/>
+              <a:t>12/1/2018</a:t>
+            </a:fld>
+            <a:endParaRPr lang="en-US"/>
+          </a:p>
+        </p:txBody>
+      </p:sp>
+    </p:spTree>
+    <p:extLst>
+      <p:ext uri="{BB962C8B-B14F-4D97-AF65-F5344CB8AC3E}">
+        <p14:creationId xmlns:p14="http://schemas.microsoft.com/office/powerpoint/2010/main" val="2733381749"/>
+      </p:ext>
+    </p:extLst>
+  </p:cSld>
+  <p:clrMapOvr>
+    <a:masterClrMapping/>
+  </p:clrMapOvr>
+</p:sld>
+</file>
+
+<file path=ppt/slides/slide40.xml><?xml version="1.0" encoding="utf-8"?>
+<p:sld xmlns:a="http://schemas.openxmlformats.org/drawingml/2006/main" xmlns:r="http://schemas.openxmlformats.org/officeDocument/2006/relationships" xmlns:p="http://schemas.openxmlformats.org/presentationml/2006/main">
+  <p:cSld>
+    <p:spTree>
+      <p:nvGrpSpPr>
+        <p:cNvPr id="1" name=""/>
+        <p:cNvGrpSpPr/>
+        <p:nvPr/>
+      </p:nvGrpSpPr>
+      <p:grpSpPr>
+        <a:xfrm>
+          <a:off x="0" y="0"/>
+          <a:ext cx="0" cy="0"/>
+          <a:chOff x="0" y="0"/>
+          <a:chExt cx="0" cy="0"/>
+        </a:xfrm>
+      </p:grpSpPr>
+      <p:sp>
+        <p:nvSpPr>
+          <p:cNvPr id="2" name="Title 1"/>
+          <p:cNvSpPr>
+            <a:spLocks noGrp="1"/>
+          </p:cNvSpPr>
+          <p:nvPr>
+            <p:ph type="title"/>
+          </p:nvPr>
+        </p:nvSpPr>
+        <p:spPr>
+          <a:xfrm>
             <a:off x="2333883" y="89649"/>
             <a:ext cx="2995999" cy="611532"/>
           </a:xfrm>
@@ -11472,7 +12586,7 @@
           <a:p>
             <a:fld id="{5788DFC6-753D-4508-95EF-CA4952364244}" type="datetime1">
               <a:rPr lang="en-US" smtClean="0"/>
-              <a:t>11/30/2018</a:t>
+              <a:t>12/1/2018</a:t>
             </a:fld>
             <a:endParaRPr lang="en-US"/>
           </a:p>
@@ -11498,7 +12612,7 @@
 </p:sld>
 </file>
 
-<file path=ppt/slides/slide34.xml><?xml version="1.0" encoding="utf-8"?>
+<file path=ppt/slides/slide41.xml><?xml version="1.0" encoding="utf-8"?>
 <p:sld xmlns:a="http://schemas.openxmlformats.org/drawingml/2006/main" xmlns:r="http://schemas.openxmlformats.org/officeDocument/2006/relationships" xmlns:p="http://schemas.openxmlformats.org/presentationml/2006/main">
   <p:cSld>
     <p:spTree>
@@ -12114,7 +13228,7 @@
           <a:p>
             <a:fld id="{B0501EA2-D0F5-487D-B1CC-0561614CE5FC}" type="datetime1">
               <a:rPr lang="en-US" smtClean="0"/>
-              <a:t>11/30/2018</a:t>
+              <a:t>12/1/2018</a:t>
             </a:fld>
             <a:endParaRPr lang="en-US"/>
           </a:p>
@@ -12140,129 +13254,6 @@
 </p:sld>
 </file>
 
-<file path=ppt/slides/slide4.xml><?xml version="1.0" encoding="utf-8"?>
-<p:sld xmlns:a="http://schemas.openxmlformats.org/drawingml/2006/main" xmlns:r="http://schemas.openxmlformats.org/officeDocument/2006/relationships" xmlns:p="http://schemas.openxmlformats.org/presentationml/2006/main">
-  <p:cSld>
-    <p:spTree>
-      <p:nvGrpSpPr>
-        <p:cNvPr id="1" name=""/>
-        <p:cNvGrpSpPr/>
-        <p:nvPr/>
-      </p:nvGrpSpPr>
-      <p:grpSpPr>
-        <a:xfrm>
-          <a:off x="0" y="0"/>
-          <a:ext cx="0" cy="0"/>
-          <a:chOff x="0" y="0"/>
-          <a:chExt cx="0" cy="0"/>
-        </a:xfrm>
-      </p:grpSpPr>
-      <p:sp>
-        <p:nvSpPr>
-          <p:cNvPr id="2" name="Title 1"/>
-          <p:cNvSpPr>
-            <a:spLocks noGrp="1"/>
-          </p:cNvSpPr>
-          <p:nvPr>
-            <p:ph type="title"/>
-          </p:nvPr>
-        </p:nvSpPr>
-        <p:spPr/>
-        <p:txBody>
-          <a:bodyPr/>
-          <a:lstStyle/>
-          <a:p>
-            <a:r>
-              <a:rPr lang="en-US" dirty="0" smtClean="0"/>
-              <a:t>EDL </a:t>
-            </a:r>
-            <a:r>
-              <a:rPr lang="en-US" dirty="0" smtClean="0"/>
-              <a:t>Concept of Operations</a:t>
-            </a:r>
-            <a:endParaRPr lang="en-US" dirty="0"/>
-          </a:p>
-        </p:txBody>
-      </p:sp>
-      <p:sp>
-        <p:nvSpPr>
-          <p:cNvPr id="3" name="Content Placeholder 2"/>
-          <p:cNvSpPr>
-            <a:spLocks noGrp="1"/>
-          </p:cNvSpPr>
-          <p:nvPr>
-            <p:ph idx="1"/>
-          </p:nvPr>
-        </p:nvSpPr>
-        <p:spPr/>
-        <p:txBody>
-          <a:bodyPr/>
-          <a:lstStyle/>
-          <a:p>
-            <a:r>
-              <a:rPr lang="en-US" dirty="0" smtClean="0"/>
-              <a:t>Entry phase – vehicle is guided by orienting the lift vector, controlled by reaction control thrusters</a:t>
-            </a:r>
-          </a:p>
-          <a:p>
-            <a:r>
-              <a:rPr lang="en-US" dirty="0" smtClean="0"/>
-              <a:t>Powered descent phase – supersonic </a:t>
-            </a:r>
-            <a:r>
-              <a:rPr lang="en-US" dirty="0" err="1" smtClean="0"/>
-              <a:t>retropropulsion</a:t>
-            </a:r>
-            <a:r>
-              <a:rPr lang="en-US" dirty="0" smtClean="0"/>
-              <a:t> is used to null nearly all of the vehicle’s remaining velocity </a:t>
-            </a:r>
-          </a:p>
-          <a:p>
-            <a:r>
-              <a:rPr lang="en-US" dirty="0" smtClean="0"/>
-              <a:t>Landing phase – vertical powered descent phase to soft touchdown</a:t>
-            </a:r>
-            <a:endParaRPr lang="en-US" dirty="0"/>
-          </a:p>
-        </p:txBody>
-      </p:sp>
-      <p:sp>
-        <p:nvSpPr>
-          <p:cNvPr id="4" name="Date Placeholder 3"/>
-          <p:cNvSpPr>
-            <a:spLocks noGrp="1"/>
-          </p:cNvSpPr>
-          <p:nvPr>
-            <p:ph type="dt" sz="half" idx="10"/>
-          </p:nvPr>
-        </p:nvSpPr>
-        <p:spPr/>
-        <p:txBody>
-          <a:bodyPr/>
-          <a:lstStyle/>
-          <a:p>
-            <a:fld id="{3E46D0C7-BBF8-4570-BEBF-CB2C66043DE9}" type="datetime1">
-              <a:rPr lang="en-US" smtClean="0"/>
-              <a:t>11/30/2018</a:t>
-            </a:fld>
-            <a:endParaRPr lang="en-US"/>
-          </a:p>
-        </p:txBody>
-      </p:sp>
-    </p:spTree>
-    <p:extLst>
-      <p:ext uri="{BB962C8B-B14F-4D97-AF65-F5344CB8AC3E}">
-        <p14:creationId xmlns:p14="http://schemas.microsoft.com/office/powerpoint/2010/main" val="2087670528"/>
-      </p:ext>
-    </p:extLst>
-  </p:cSld>
-  <p:clrMapOvr>
-    <a:masterClrMapping/>
-  </p:clrMapOvr>
-</p:sld>
-</file>
-
 <file path=ppt/slides/slide5.xml><?xml version="1.0" encoding="utf-8"?>
 <p:sld xmlns:a="http://schemas.openxmlformats.org/drawingml/2006/main" xmlns:r="http://schemas.openxmlformats.org/officeDocument/2006/relationships" xmlns:p="http://schemas.openxmlformats.org/presentationml/2006/main">
   <p:cSld>
@@ -12297,7 +13288,7 @@
           <a:p>
             <a:r>
               <a:rPr lang="en-US" dirty="0" smtClean="0"/>
-              <a:t>Broadly…</a:t>
+              <a:t>EDL Concept of Operations</a:t>
             </a:r>
             <a:endParaRPr lang="en-US" dirty="0"/>
           </a:p>
@@ -12320,24 +13311,28 @@
           <a:p>
             <a:r>
               <a:rPr lang="en-US" dirty="0" smtClean="0"/>
-              <a:t>I am interested in closed loop performance of constrained, nonlinear systems subject to parametric uncertainty and/or </a:t>
+              <a:t>Entry phase – vehicle is guided by orienting the lift vector, controlled by reaction control thrusters</a:t>
+            </a:r>
+          </a:p>
+          <a:p>
+            <a:r>
+              <a:rPr lang="en-US" dirty="0" smtClean="0"/>
+              <a:t>Powered descent phase – supersonic </a:t>
             </a:r>
             <a:r>
               <a:rPr lang="en-US" dirty="0" err="1" smtClean="0"/>
-              <a:t>stochasticity</a:t>
-            </a:r>
-            <a:r>
-              <a:rPr lang="en-US" dirty="0" smtClean="0"/>
-              <a:t> </a:t>
-            </a:r>
-          </a:p>
-          <a:p>
-            <a:r>
-              <a:rPr lang="en-US" dirty="0" smtClean="0"/>
-              <a:t>I want to exploit knowledge of the probabilistic nature of the uncertainty to improve performance</a:t>
-            </a:r>
-          </a:p>
-          <a:p>
+              <a:t>retropropulsion</a:t>
+            </a:r>
+            <a:r>
+              <a:rPr lang="en-US" dirty="0" smtClean="0"/>
+              <a:t> is used to null nearly all of the vehicle’s remaining velocity </a:t>
+            </a:r>
+          </a:p>
+          <a:p>
+            <a:r>
+              <a:rPr lang="en-US" dirty="0" smtClean="0"/>
+              <a:t>Landing phase – vertical powered descent phase to soft touchdown</a:t>
+            </a:r>
             <a:endParaRPr lang="en-US" dirty="0"/>
           </a:p>
         </p:txBody>
@@ -12357,9 +13352,9 @@
           <a:bodyPr/>
           <a:lstStyle/>
           <a:p>
-            <a:fld id="{2E9BCE13-D08C-4922-8CC7-C0D374DE3A5E}" type="datetime1">
+            <a:fld id="{3E46D0C7-BBF8-4570-BEBF-CB2C66043DE9}" type="datetime1">
               <a:rPr lang="en-US" smtClean="0"/>
-              <a:t>11/30/2018</a:t>
+              <a:t>12/1/2018</a:t>
             </a:fld>
             <a:endParaRPr lang="en-US"/>
           </a:p>
@@ -12368,7 +13363,7 @@
     </p:spTree>
     <p:extLst>
       <p:ext uri="{BB962C8B-B14F-4D97-AF65-F5344CB8AC3E}">
-        <p14:creationId xmlns:p14="http://schemas.microsoft.com/office/powerpoint/2010/main" val="3867321581"/>
+        <p14:creationId xmlns:p14="http://schemas.microsoft.com/office/powerpoint/2010/main" val="2087670528"/>
       </p:ext>
     </p:extLst>
   </p:cSld>
@@ -12412,11 +13407,7 @@
           <a:p>
             <a:r>
               <a:rPr lang="en-US" dirty="0" smtClean="0"/>
-              <a:t>Literature </a:t>
-            </a:r>
-            <a:r>
-              <a:rPr lang="en-US" dirty="0" smtClean="0"/>
-              <a:t>Review </a:t>
+              <a:t>Features of the Entry Phase</a:t>
             </a:r>
             <a:endParaRPr lang="en-US" dirty="0"/>
           </a:p>
@@ -12439,62 +13430,44 @@
           <a:p>
             <a:r>
               <a:rPr lang="en-US" dirty="0" smtClean="0"/>
-              <a:t>Linear Exponential Gaussian (weights higher moments</a:t>
-            </a:r>
-            <a:r>
-              <a:rPr lang="en-US" dirty="0" smtClean="0"/>
-              <a:t>)</a:t>
-            </a:r>
-          </a:p>
-          <a:p>
-            <a:r>
-              <a:rPr lang="en-US" dirty="0" smtClean="0"/>
-              <a:t>Control of </a:t>
-            </a:r>
+              <a:t>Expressed in spherical coordinates</a:t>
+            </a:r>
+          </a:p>
+          <a:p>
+            <a:pPr lvl="1"/>
+            <a:r>
+              <a:rPr lang="en-US" dirty="0" smtClean="0"/>
+              <a:t>State dimension = 6 </a:t>
+            </a:r>
+          </a:p>
+          <a:p>
+            <a:pPr lvl="1"/>
             <a:r>
               <a:rPr lang="en-US" dirty="0" err="1" smtClean="0"/>
-              <a:t>Liouville</a:t>
-            </a:r>
-            <a:r>
-              <a:rPr lang="en-US" dirty="0" smtClean="0"/>
-              <a:t> equation</a:t>
+              <a:t>Underactuated</a:t>
+            </a:r>
+            <a:r>
+              <a:rPr lang="en-US" dirty="0" smtClean="0"/>
+              <a:t> with only </a:t>
+            </a:r>
+            <a:r>
+              <a:rPr lang="en-US" smtClean="0"/>
+              <a:t>one control</a:t>
             </a:r>
             <a:endParaRPr lang="en-US" dirty="0" smtClean="0"/>
           </a:p>
           <a:p>
             <a:r>
               <a:rPr lang="en-US" dirty="0" smtClean="0"/>
-              <a:t>Desensitized optimal control penalizes the partial derivatives of the objective function </a:t>
-            </a:r>
-            <a:r>
-              <a:rPr lang="en-US" dirty="0" err="1" smtClean="0"/>
-              <a:t>wrt</a:t>
-            </a:r>
-            <a:r>
-              <a:rPr lang="en-US" dirty="0" smtClean="0"/>
-              <a:t> </a:t>
-            </a:r>
-            <a:r>
-              <a:rPr lang="en-US" dirty="0" smtClean="0"/>
-              <a:t>parameters, or places constraints on sensitivities </a:t>
-            </a:r>
-            <a:endParaRPr lang="en-US" dirty="0" smtClean="0"/>
-          </a:p>
-          <a:p>
-            <a:r>
-              <a:rPr lang="en-US" dirty="0" smtClean="0"/>
-              <a:t>Mean-Variance trades off mean performance and robustness</a:t>
+              <a:t>Exponential model of atmospheric density coupled with nonlinear aerodynamic forces result in a wide operating range</a:t>
             </a:r>
           </a:p>
           <a:p>
             <a:pPr lvl="1"/>
             <a:r>
               <a:rPr lang="en-US" dirty="0" smtClean="0"/>
-              <a:t>Decreasing the sensitivity of open-loop optimal solutions in decision making under uncertainty</a:t>
-            </a:r>
-          </a:p>
-          <a:p>
-            <a:pPr lvl="1"/>
+              <a:t>Linear static feedback is insufficient; gain scheduling or nonlinear control is required for high performance </a:t>
+            </a:r>
             <a:endParaRPr lang="en-US" dirty="0"/>
           </a:p>
         </p:txBody>
@@ -12514,9 +13487,9 @@
           <a:bodyPr/>
           <a:lstStyle/>
           <a:p>
-            <a:fld id="{254BC335-DBB6-4EC5-981C-ED25FB0DA65F}" type="datetime1">
+            <a:fld id="{DACEE8DD-B545-4020-BC5A-D34F01A5A26F}" type="datetime1">
               <a:rPr lang="en-US" smtClean="0"/>
-              <a:t>11/30/2018</a:t>
+              <a:t>12/1/2018</a:t>
             </a:fld>
             <a:endParaRPr lang="en-US"/>
           </a:p>
@@ -12525,7 +13498,7 @@
     </p:spTree>
     <p:extLst>
       <p:ext uri="{BB962C8B-B14F-4D97-AF65-F5344CB8AC3E}">
-        <p14:creationId xmlns:p14="http://schemas.microsoft.com/office/powerpoint/2010/main" val="1712482433"/>
+        <p14:creationId xmlns:p14="http://schemas.microsoft.com/office/powerpoint/2010/main" val="3707964683"/>
       </p:ext>
     </p:extLst>
   </p:cSld>
@@ -12569,7 +13542,7 @@
           <a:p>
             <a:r>
               <a:rPr lang="en-US" dirty="0" smtClean="0"/>
-              <a:t>Literature Review </a:t>
+              <a:t>Features of the Descent Phase</a:t>
             </a:r>
             <a:endParaRPr lang="en-US" dirty="0"/>
           </a:p>
@@ -12585,47 +13558,34 @@
             <p:ph idx="1"/>
           </p:nvPr>
         </p:nvSpPr>
-        <p:spPr>
-          <a:xfrm>
-            <a:off x="628650" y="1825625"/>
-            <a:ext cx="8185836" cy="4351338"/>
-          </a:xfrm>
-        </p:spPr>
-        <p:txBody>
-          <a:bodyPr/>
-          <a:lstStyle/>
-          <a:p>
-            <a:r>
-              <a:rPr lang="en-US" dirty="0" smtClean="0"/>
-              <a:t>Optimal Trajectory Generation with Probabilistic System Uncertainty Using Polynomial Chaos (Fisher, Bhattacharya)</a:t>
+        <p:spPr/>
+        <p:txBody>
+          <a:bodyPr/>
+          <a:lstStyle/>
+          <a:p>
+            <a:r>
+              <a:rPr lang="en-US" dirty="0" smtClean="0"/>
+              <a:t>Dynamics comprise three double integrators (+ affine gravity term in vertical direction), and nonlinear mass dynamics</a:t>
             </a:r>
           </a:p>
           <a:p>
             <a:pPr lvl="1"/>
             <a:r>
-              <a:rPr lang="en-US" dirty="0" smtClean="0"/>
-              <a:t>Derived expressions for minimum expectation and minimum variance objectives in terms of PCE coefficients</a:t>
-            </a:r>
-          </a:p>
-          <a:p>
-            <a:pPr lvl="1"/>
-            <a:r>
-              <a:rPr lang="en-US" dirty="0" smtClean="0"/>
-              <a:t>Considered open loop</a:t>
-            </a:r>
-          </a:p>
-          <a:p>
-            <a:r>
-              <a:rPr lang="en-US" dirty="0" smtClean="0"/>
-              <a:t>Stochastic Trajectory Optimization for Mechanical Systems with Parametric Uncertainties</a:t>
-            </a:r>
-          </a:p>
-          <a:p>
-            <a:pPr lvl="1"/>
-            <a:r>
-              <a:rPr lang="en-US" dirty="0" smtClean="0"/>
-              <a:t>Extended Differential Dynamic Programming to stochastic systems using polynomial chaos </a:t>
-            </a:r>
+              <a:rPr lang="en-US" dirty="0"/>
+              <a:t>State dimension = 7</a:t>
+            </a:r>
+            <a:endParaRPr lang="en-US" dirty="0" smtClean="0"/>
+          </a:p>
+          <a:p>
+            <a:r>
+              <a:rPr lang="en-US" dirty="0" smtClean="0"/>
+              <a:t>The vehicle’s thrust is subject to nonlinear, non-convex constraints that couple the coordinate directions</a:t>
+            </a:r>
+          </a:p>
+          <a:p>
+            <a:endParaRPr lang="en-US" dirty="0" smtClean="0"/>
+          </a:p>
+          <a:p>
             <a:endParaRPr lang="en-US" dirty="0"/>
           </a:p>
         </p:txBody>
@@ -12645,9 +13605,9 @@
           <a:bodyPr/>
           <a:lstStyle/>
           <a:p>
-            <a:fld id="{36135E0D-215F-4675-BD12-2A0CC5452F32}" type="datetime1">
+            <a:fld id="{DACEE8DD-B545-4020-BC5A-D34F01A5A26F}" type="datetime1">
               <a:rPr lang="en-US" smtClean="0"/>
-              <a:t>11/30/2018</a:t>
+              <a:t>12/1/2018</a:t>
             </a:fld>
             <a:endParaRPr lang="en-US"/>
           </a:p>
@@ -12656,7 +13616,7 @@
     </p:spTree>
     <p:extLst>
       <p:ext uri="{BB962C8B-B14F-4D97-AF65-F5344CB8AC3E}">
-        <p14:creationId xmlns:p14="http://schemas.microsoft.com/office/powerpoint/2010/main" val="3403497036"/>
+        <p14:creationId xmlns:p14="http://schemas.microsoft.com/office/powerpoint/2010/main" val="1392347977"/>
       </p:ext>
     </p:extLst>
   </p:cSld>
@@ -12700,7 +13660,7 @@
           <a:p>
             <a:r>
               <a:rPr lang="en-US" dirty="0" smtClean="0"/>
-              <a:t>Also Related</a:t>
+              <a:t>Overview of how our approach is different</a:t>
             </a:r>
             <a:endParaRPr lang="en-US" dirty="0"/>
           </a:p>
@@ -12716,20 +13676,39 @@
             <p:ph idx="1"/>
           </p:nvPr>
         </p:nvSpPr>
-        <p:spPr/>
-        <p:txBody>
-          <a:bodyPr/>
-          <a:lstStyle/>
-          <a:p>
-            <a:r>
-              <a:rPr lang="en-US" dirty="0" smtClean="0"/>
-              <a:t>Tube-based formulations (MPC), invariant sets</a:t>
-            </a:r>
-          </a:p>
-          <a:p>
-            <a:r>
-              <a:rPr lang="en-US" dirty="0" smtClean="0"/>
-              <a:t>PDF shaping</a:t>
+        <p:spPr>
+          <a:xfrm>
+            <a:off x="628650" y="2505075"/>
+            <a:ext cx="7886700" cy="3671888"/>
+          </a:xfrm>
+        </p:spPr>
+        <p:txBody>
+          <a:bodyPr/>
+          <a:lstStyle/>
+          <a:p>
+            <a:r>
+              <a:rPr lang="en-US" dirty="0" smtClean="0"/>
+              <a:t>Stochastic view of the problem; looking an entire tube of trajectories from the start</a:t>
+            </a:r>
+          </a:p>
+          <a:p>
+            <a:r>
+              <a:rPr lang="en-US" dirty="0" smtClean="0"/>
+              <a:t>Reversal of order; reference trajectory is designed in view of closed-loop performance </a:t>
+            </a:r>
+          </a:p>
+          <a:p>
+            <a:pPr lvl="1"/>
+            <a:r>
+              <a:rPr lang="en-US" dirty="0" smtClean="0"/>
+              <a:t>The process may still require iteration if the chosen controller parameters are insufficient</a:t>
+            </a:r>
+          </a:p>
+          <a:p>
+            <a:pPr lvl="1"/>
+            <a:r>
+              <a:rPr lang="en-US" dirty="0" smtClean="0"/>
+              <a:t>In NLP formulations gains and other controller parameters can be included in the optimization</a:t>
             </a:r>
             <a:endParaRPr lang="en-US" dirty="0"/>
           </a:p>
@@ -12752,7 +13731,7 @@
           <a:p>
             <a:fld id="{DACEE8DD-B545-4020-BC5A-D34F01A5A26F}" type="datetime1">
               <a:rPr lang="en-US" smtClean="0"/>
-              <a:t>11/30/2018</a:t>
+              <a:t>12/1/2018</a:t>
             </a:fld>
             <a:endParaRPr lang="en-US"/>
           </a:p>
@@ -12761,7 +13740,7 @@
     </p:spTree>
     <p:extLst>
       <p:ext uri="{BB962C8B-B14F-4D97-AF65-F5344CB8AC3E}">
-        <p14:creationId xmlns:p14="http://schemas.microsoft.com/office/powerpoint/2010/main" val="3837855066"/>
+        <p14:creationId xmlns:p14="http://schemas.microsoft.com/office/powerpoint/2010/main" val="2096765326"/>
       </p:ext>
     </p:extLst>
   </p:cSld>
@@ -12805,7 +13784,7 @@
           <a:p>
             <a:r>
               <a:rPr lang="en-US" dirty="0" smtClean="0"/>
-              <a:t>Existing Applications to EDL</a:t>
+              <a:t>Broadly…</a:t>
             </a:r>
             <a:endParaRPr lang="en-US" dirty="0"/>
           </a:p>
@@ -12828,14 +13807,24 @@
           <a:p>
             <a:r>
               <a:rPr lang="en-US" dirty="0" smtClean="0"/>
-              <a:t>Desensitized entry and powered descent without explicit enforcement of constraints</a:t>
-            </a:r>
-          </a:p>
-          <a:p>
-            <a:r>
-              <a:rPr lang="en-US" dirty="0" smtClean="0"/>
-              <a:t>Variance penalization without confirmation of benefits</a:t>
-            </a:r>
+              <a:t>I am interested in closed loop performance of constrained, nonlinear systems subject to parametric uncertainty and/or </a:t>
+            </a:r>
+            <a:r>
+              <a:rPr lang="en-US" dirty="0" err="1" smtClean="0"/>
+              <a:t>stochasticity</a:t>
+            </a:r>
+            <a:r>
+              <a:rPr lang="en-US" dirty="0" smtClean="0"/>
+              <a:t> </a:t>
+            </a:r>
+          </a:p>
+          <a:p>
+            <a:r>
+              <a:rPr lang="en-US" dirty="0" smtClean="0"/>
+              <a:t>I want to exploit knowledge of the probabilistic nature of the uncertainty to improve performance</a:t>
+            </a:r>
+          </a:p>
+          <a:p>
             <a:endParaRPr lang="en-US" dirty="0"/>
           </a:p>
         </p:txBody>
@@ -12855,9 +13844,9 @@
           <a:bodyPr/>
           <a:lstStyle/>
           <a:p>
-            <a:fld id="{DACEE8DD-B545-4020-BC5A-D34F01A5A26F}" type="datetime1">
+            <a:fld id="{2E9BCE13-D08C-4922-8CC7-C0D374DE3A5E}" type="datetime1">
               <a:rPr lang="en-US" smtClean="0"/>
-              <a:t>11/30/2018</a:t>
+              <a:t>12/1/2018</a:t>
             </a:fld>
             <a:endParaRPr lang="en-US"/>
           </a:p>
@@ -12866,7 +13855,7 @@
     </p:spTree>
     <p:extLst>
       <p:ext uri="{BB962C8B-B14F-4D97-AF65-F5344CB8AC3E}">
-        <p14:creationId xmlns:p14="http://schemas.microsoft.com/office/powerpoint/2010/main" val="761289405"/>
+        <p14:creationId xmlns:p14="http://schemas.microsoft.com/office/powerpoint/2010/main" val="3867321581"/>
       </p:ext>
     </p:extLst>
   </p:cSld>

--- a/Documents/Qual Exam.pptx
+++ b/Documents/Qual Exam.pptx
@@ -5,50 +5,55 @@
     <p:sldMasterId id="2147483660" r:id="rId1"/>
   </p:sldMasterIdLst>
   <p:notesMasterIdLst>
-    <p:notesMasterId r:id="rId43"/>
+    <p:notesMasterId r:id="rId48"/>
   </p:notesMasterIdLst>
   <p:sldIdLst>
     <p:sldId id="291" r:id="rId2"/>
     <p:sldId id="301" r:id="rId3"/>
-    <p:sldId id="275" r:id="rId4"/>
+    <p:sldId id="305" r:id="rId4"/>
     <p:sldId id="283" r:id="rId5"/>
     <p:sldId id="284" r:id="rId6"/>
     <p:sldId id="298" r:id="rId7"/>
     <p:sldId id="299" r:id="rId8"/>
     <p:sldId id="304" r:id="rId9"/>
-    <p:sldId id="287" r:id="rId10"/>
-    <p:sldId id="300" r:id="rId11"/>
-    <p:sldId id="285" r:id="rId12"/>
-    <p:sldId id="288" r:id="rId13"/>
-    <p:sldId id="294" r:id="rId14"/>
-    <p:sldId id="297" r:id="rId15"/>
-    <p:sldId id="286" r:id="rId16"/>
-    <p:sldId id="280" r:id="rId17"/>
-    <p:sldId id="289" r:id="rId18"/>
-    <p:sldId id="281" r:id="rId19"/>
-    <p:sldId id="261" r:id="rId20"/>
-    <p:sldId id="293" r:id="rId21"/>
-    <p:sldId id="302" r:id="rId22"/>
-    <p:sldId id="303" r:id="rId23"/>
-    <p:sldId id="260" r:id="rId24"/>
-    <p:sldId id="262" r:id="rId25"/>
-    <p:sldId id="295" r:id="rId26"/>
-    <p:sldId id="279" r:id="rId27"/>
-    <p:sldId id="296" r:id="rId28"/>
-    <p:sldId id="264" r:id="rId29"/>
-    <p:sldId id="265" r:id="rId30"/>
-    <p:sldId id="266" r:id="rId31"/>
-    <p:sldId id="267" r:id="rId32"/>
-    <p:sldId id="268" r:id="rId33"/>
-    <p:sldId id="269" r:id="rId34"/>
-    <p:sldId id="270" r:id="rId35"/>
-    <p:sldId id="271" r:id="rId36"/>
-    <p:sldId id="272" r:id="rId37"/>
-    <p:sldId id="273" r:id="rId38"/>
-    <p:sldId id="274" r:id="rId39"/>
-    <p:sldId id="263" r:id="rId40"/>
-    <p:sldId id="277" r:id="rId41"/>
-    <p:sldId id="278" r:id="rId42"/>
+    <p:sldId id="300" r:id="rId10"/>
+    <p:sldId id="312" r:id="rId11"/>
+    <p:sldId id="306" r:id="rId12"/>
+    <p:sldId id="286" r:id="rId13"/>
+    <p:sldId id="297" r:id="rId14"/>
+    <p:sldId id="281" r:id="rId15"/>
+    <p:sldId id="261" r:id="rId16"/>
+    <p:sldId id="293" r:id="rId17"/>
+    <p:sldId id="302" r:id="rId18"/>
+    <p:sldId id="303" r:id="rId19"/>
+    <p:sldId id="295" r:id="rId20"/>
+    <p:sldId id="279" r:id="rId21"/>
+    <p:sldId id="316" r:id="rId22"/>
+    <p:sldId id="280" r:id="rId23"/>
+    <p:sldId id="313" r:id="rId24"/>
+    <p:sldId id="289" r:id="rId25"/>
+    <p:sldId id="264" r:id="rId26"/>
+    <p:sldId id="265" r:id="rId27"/>
+    <p:sldId id="266" r:id="rId28"/>
+    <p:sldId id="267" r:id="rId29"/>
+    <p:sldId id="268" r:id="rId30"/>
+    <p:sldId id="269" r:id="rId31"/>
+    <p:sldId id="270" r:id="rId32"/>
+    <p:sldId id="271" r:id="rId33"/>
+    <p:sldId id="272" r:id="rId34"/>
+    <p:sldId id="273" r:id="rId35"/>
+    <p:sldId id="274" r:id="rId36"/>
+    <p:sldId id="296" r:id="rId37"/>
+    <p:sldId id="310" r:id="rId38"/>
+    <p:sldId id="263" r:id="rId39"/>
+    <p:sldId id="307" r:id="rId40"/>
+    <p:sldId id="308" r:id="rId41"/>
+    <p:sldId id="309" r:id="rId42"/>
+    <p:sldId id="277" r:id="rId43"/>
+    <p:sldId id="278" r:id="rId44"/>
+    <p:sldId id="311" r:id="rId45"/>
+    <p:sldId id="314" r:id="rId46"/>
+    <p:sldId id="315" r:id="rId47"/>
   </p:sldIdLst>
   <p:sldSz cx="9144000" cy="6858000" type="screen4x3"/>
   <p:notesSz cx="6858000" cy="9144000"/>
@@ -154,7 +159,7 @@
           <p14:sldIdLst>
             <p14:sldId id="291"/>
             <p14:sldId id="301"/>
-            <p14:sldId id="275"/>
+            <p14:sldId id="305"/>
             <p14:sldId id="283"/>
             <p14:sldId id="284"/>
             <p14:sldId id="298"/>
@@ -164,33 +169,30 @@
         </p14:section>
         <p14:section name="Literature Review" id="{81EFE7E6-E373-43A1-BF4F-5ECAEC3BCAB3}">
           <p14:sldIdLst>
-            <p14:sldId id="287"/>
             <p14:sldId id="300"/>
-            <p14:sldId id="285"/>
-            <p14:sldId id="288"/>
-            <p14:sldId id="294"/>
+            <p14:sldId id="312"/>
+            <p14:sldId id="306"/>
+            <p14:sldId id="286"/>
             <p14:sldId id="297"/>
-            <p14:sldId id="286"/>
           </p14:sldIdLst>
         </p14:section>
-        <p14:section name="Entry Trajectory Design" id="{240A505C-ADCD-469E-9A98-A168ACAB57E7}">
-          <p14:sldIdLst>
-            <p14:sldId id="280"/>
-            <p14:sldId id="289"/>
-          </p14:sldIdLst>
-        </p14:section>
-        <p14:section name="CL Optimal Traj Design" id="{C9424A24-2285-4B8E-96C2-F05C14A5D7F7}">
+        <p14:section name="CL Optimal Traj Design" id="{656D6418-8445-42B6-BA0F-2A89012FB630}">
           <p14:sldIdLst>
             <p14:sldId id="281"/>
             <p14:sldId id="261"/>
             <p14:sldId id="293"/>
             <p14:sldId id="302"/>
             <p14:sldId id="303"/>
-            <p14:sldId id="260"/>
-            <p14:sldId id="262"/>
             <p14:sldId id="295"/>
             <p14:sldId id="279"/>
-            <p14:sldId id="296"/>
+          </p14:sldIdLst>
+        </p14:section>
+        <p14:section name="Entry Trajectory Design" id="{240A505C-ADCD-469E-9A98-A168ACAB57E7}">
+          <p14:sldIdLst>
+            <p14:sldId id="316"/>
+            <p14:sldId id="280"/>
+            <p14:sldId id="313"/>
+            <p14:sldId id="289"/>
           </p14:sldIdLst>
         </p14:section>
         <p14:section name="Convex Update" id="{84CEB627-9745-4B28-B0BB-7AB7D074EB20}">
@@ -210,9 +212,17 @@
         </p14:section>
         <p14:section name="Backup" id="{50A3E535-C32B-4C74-986A-6758D517A34D}">
           <p14:sldIdLst>
+            <p14:sldId id="296"/>
+            <p14:sldId id="310"/>
             <p14:sldId id="263"/>
+            <p14:sldId id="307"/>
+            <p14:sldId id="308"/>
+            <p14:sldId id="309"/>
             <p14:sldId id="277"/>
             <p14:sldId id="278"/>
+            <p14:sldId id="311"/>
+            <p14:sldId id="314"/>
+            <p14:sldId id="315"/>
           </p14:sldIdLst>
         </p14:section>
       </p14:sectionLst>
@@ -306,7 +316,7 @@
           <a:p>
             <a:fld id="{AEBE7A69-640E-417A-A462-9E49D1368F72}" type="datetimeFigureOut">
               <a:rPr lang="en-US" smtClean="0"/>
-              <a:t>12/1/2018</a:t>
+              <a:t>12/2/2018</a:t>
             </a:fld>
             <a:endParaRPr lang="en-US"/>
           </a:p>
@@ -702,20 +712,6 @@
           <a:bodyPr/>
           <a:lstStyle/>
           <a:p>
-            <a:r>
-              <a:rPr lang="en-US" dirty="0" smtClean="0"/>
-              <a:t>No tracking, flown open-loop</a:t>
-            </a:r>
-            <a:r>
-              <a:rPr lang="en-US" baseline="0" dirty="0" smtClean="0"/>
-              <a:t> between plans, NO ADD’L LATERAL CONTROL</a:t>
-            </a:r>
-          </a:p>
-          <a:p>
-            <a:r>
-              <a:rPr lang="en-US" baseline="0" dirty="0" smtClean="0"/>
-              <a:t>Low discrepancy sampling</a:t>
-            </a:r>
             <a:endParaRPr lang="en-US" dirty="0"/>
           </a:p>
         </p:txBody>
@@ -737,7 +733,7 @@
           <a:p>
             <a:fld id="{4BAF2748-3477-4185-BA7E-C3C95536F5B5}" type="slidenum">
               <a:rPr lang="en-US" smtClean="0"/>
-              <a:t>34</a:t>
+              <a:t>30</a:t>
             </a:fld>
             <a:endParaRPr lang="en-US"/>
           </a:p>
@@ -746,7 +742,7 @@
     </p:spTree>
     <p:extLst>
       <p:ext uri="{BB962C8B-B14F-4D97-AF65-F5344CB8AC3E}">
-        <p14:creationId xmlns:p14="http://schemas.microsoft.com/office/powerpoint/2010/main" val="456280378"/>
+        <p14:creationId xmlns:p14="http://schemas.microsoft.com/office/powerpoint/2010/main" val="2057775336"/>
       </p:ext>
     </p:extLst>
   </p:cSld>
@@ -802,25 +798,17 @@
           <a:p>
             <a:r>
               <a:rPr lang="en-US" dirty="0" smtClean="0"/>
-              <a:t>Note the difference</a:t>
+              <a:t>No tracking, flown open-loop</a:t>
             </a:r>
             <a:r>
               <a:rPr lang="en-US" baseline="0" dirty="0" smtClean="0"/>
-              <a:t> in scale between the axes </a:t>
+              <a:t> between plans, NO ADD’L LATERAL CONTROL</a:t>
             </a:r>
           </a:p>
           <a:p>
             <a:r>
               <a:rPr lang="en-US" baseline="0" dirty="0" smtClean="0"/>
-              <a:t>Also, not all trajectories are plotted, too unclear otherwise (that’s why there are samples at +- 1km </a:t>
-            </a:r>
-            <a:r>
-              <a:rPr lang="en-US" baseline="0" dirty="0" err="1" smtClean="0"/>
-              <a:t>crossrange</a:t>
-            </a:r>
-            <a:r>
-              <a:rPr lang="en-US" baseline="0" dirty="0" smtClean="0"/>
-              <a:t> not seen in the plots </a:t>
+              <a:t>Low discrepancy sampling</a:t>
             </a:r>
             <a:endParaRPr lang="en-US" dirty="0"/>
           </a:p>
@@ -843,7 +831,7 @@
           <a:p>
             <a:fld id="{4BAF2748-3477-4185-BA7E-C3C95536F5B5}" type="slidenum">
               <a:rPr lang="en-US" smtClean="0"/>
-              <a:t>35</a:t>
+              <a:t>31</a:t>
             </a:fld>
             <a:endParaRPr lang="en-US"/>
           </a:p>
@@ -852,7 +840,7 @@
     </p:spTree>
     <p:extLst>
       <p:ext uri="{BB962C8B-B14F-4D97-AF65-F5344CB8AC3E}">
-        <p14:creationId xmlns:p14="http://schemas.microsoft.com/office/powerpoint/2010/main" val="2708615837"/>
+        <p14:creationId xmlns:p14="http://schemas.microsoft.com/office/powerpoint/2010/main" val="456280378"/>
       </p:ext>
     </p:extLst>
   </p:cSld>
@@ -908,6 +896,112 @@
           <a:p>
             <a:r>
               <a:rPr lang="en-US" dirty="0" smtClean="0"/>
+              <a:t>Note the difference</a:t>
+            </a:r>
+            <a:r>
+              <a:rPr lang="en-US" baseline="0" dirty="0" smtClean="0"/>
+              <a:t> in scale between the axes </a:t>
+            </a:r>
+          </a:p>
+          <a:p>
+            <a:r>
+              <a:rPr lang="en-US" baseline="0" dirty="0" smtClean="0"/>
+              <a:t>Also, not all trajectories are plotted, too unclear otherwise (that’s why there are samples at +- 1km </a:t>
+            </a:r>
+            <a:r>
+              <a:rPr lang="en-US" baseline="0" dirty="0" err="1" smtClean="0"/>
+              <a:t>crossrange</a:t>
+            </a:r>
+            <a:r>
+              <a:rPr lang="en-US" baseline="0" dirty="0" smtClean="0"/>
+              <a:t> not seen in the plots </a:t>
+            </a:r>
+            <a:endParaRPr lang="en-US" dirty="0"/>
+          </a:p>
+        </p:txBody>
+      </p:sp>
+      <p:sp>
+        <p:nvSpPr>
+          <p:cNvPr id="4" name="Slide Number Placeholder 3"/>
+          <p:cNvSpPr>
+            <a:spLocks noGrp="1"/>
+          </p:cNvSpPr>
+          <p:nvPr>
+            <p:ph type="sldNum" sz="quarter" idx="10"/>
+          </p:nvPr>
+        </p:nvSpPr>
+        <p:spPr/>
+        <p:txBody>
+          <a:bodyPr/>
+          <a:lstStyle/>
+          <a:p>
+            <a:fld id="{4BAF2748-3477-4185-BA7E-C3C95536F5B5}" type="slidenum">
+              <a:rPr lang="en-US" smtClean="0"/>
+              <a:t>32</a:t>
+            </a:fld>
+            <a:endParaRPr lang="en-US"/>
+          </a:p>
+        </p:txBody>
+      </p:sp>
+    </p:spTree>
+    <p:extLst>
+      <p:ext uri="{BB962C8B-B14F-4D97-AF65-F5344CB8AC3E}">
+        <p14:creationId xmlns:p14="http://schemas.microsoft.com/office/powerpoint/2010/main" val="2708615837"/>
+      </p:ext>
+    </p:extLst>
+  </p:cSld>
+  <p:clrMapOvr>
+    <a:masterClrMapping/>
+  </p:clrMapOvr>
+</p:notes>
+</file>
+
+<file path=ppt/notesSlides/notesSlide13.xml><?xml version="1.0" encoding="utf-8"?>
+<p:notes xmlns:a="http://schemas.openxmlformats.org/drawingml/2006/main" xmlns:r="http://schemas.openxmlformats.org/officeDocument/2006/relationships" xmlns:p="http://schemas.openxmlformats.org/presentationml/2006/main">
+  <p:cSld>
+    <p:spTree>
+      <p:nvGrpSpPr>
+        <p:cNvPr id="1" name=""/>
+        <p:cNvGrpSpPr/>
+        <p:nvPr/>
+      </p:nvGrpSpPr>
+      <p:grpSpPr>
+        <a:xfrm>
+          <a:off x="0" y="0"/>
+          <a:ext cx="0" cy="0"/>
+          <a:chOff x="0" y="0"/>
+          <a:chExt cx="0" cy="0"/>
+        </a:xfrm>
+      </p:grpSpPr>
+      <p:sp>
+        <p:nvSpPr>
+          <p:cNvPr id="2" name="Slide Image Placeholder 1"/>
+          <p:cNvSpPr>
+            <a:spLocks noGrp="1" noRot="1" noChangeAspect="1"/>
+          </p:cNvSpPr>
+          <p:nvPr>
+            <p:ph type="sldImg"/>
+          </p:nvPr>
+        </p:nvSpPr>
+        <p:spPr/>
+      </p:sp>
+      <p:sp>
+        <p:nvSpPr>
+          <p:cNvPr id="3" name="Notes Placeholder 2"/>
+          <p:cNvSpPr>
+            <a:spLocks noGrp="1"/>
+          </p:cNvSpPr>
+          <p:nvPr>
+            <p:ph type="body" idx="1"/>
+          </p:nvPr>
+        </p:nvSpPr>
+        <p:spPr/>
+        <p:txBody>
+          <a:bodyPr/>
+          <a:lstStyle/>
+          <a:p>
+            <a:r>
+              <a:rPr lang="en-US" dirty="0" smtClean="0"/>
               <a:t>The full state vector</a:t>
             </a:r>
             <a:r>
@@ -949,7 +1043,7 @@
           <a:p>
             <a:fld id="{97591DF4-FFBB-4E8C-8E87-255A2EADF72A}" type="slidenum">
               <a:rPr lang="en-US" smtClean="0"/>
-              <a:t>41</a:t>
+              <a:t>43</a:t>
             </a:fld>
             <a:endParaRPr lang="en-US"/>
           </a:p>
@@ -959,6 +1053,174 @@
     <p:extLst>
       <p:ext uri="{BB962C8B-B14F-4D97-AF65-F5344CB8AC3E}">
         <p14:creationId xmlns:p14="http://schemas.microsoft.com/office/powerpoint/2010/main" val="1212559077"/>
+      </p:ext>
+    </p:extLst>
+  </p:cSld>
+  <p:clrMapOvr>
+    <a:masterClrMapping/>
+  </p:clrMapOvr>
+</p:notes>
+</file>
+
+<file path=ppt/notesSlides/notesSlide14.xml><?xml version="1.0" encoding="utf-8"?>
+<p:notes xmlns:a="http://schemas.openxmlformats.org/drawingml/2006/main" xmlns:r="http://schemas.openxmlformats.org/officeDocument/2006/relationships" xmlns:p="http://schemas.openxmlformats.org/presentationml/2006/main">
+  <p:cSld>
+    <p:spTree>
+      <p:nvGrpSpPr>
+        <p:cNvPr id="1" name=""/>
+        <p:cNvGrpSpPr/>
+        <p:nvPr/>
+      </p:nvGrpSpPr>
+      <p:grpSpPr>
+        <a:xfrm>
+          <a:off x="0" y="0"/>
+          <a:ext cx="0" cy="0"/>
+          <a:chOff x="0" y="0"/>
+          <a:chExt cx="0" cy="0"/>
+        </a:xfrm>
+      </p:grpSpPr>
+      <p:sp>
+        <p:nvSpPr>
+          <p:cNvPr id="2" name="Slide Image Placeholder 1"/>
+          <p:cNvSpPr>
+            <a:spLocks noGrp="1" noRot="1" noChangeAspect="1"/>
+          </p:cNvSpPr>
+          <p:nvPr>
+            <p:ph type="sldImg"/>
+          </p:nvPr>
+        </p:nvSpPr>
+        <p:spPr/>
+      </p:sp>
+      <p:sp>
+        <p:nvSpPr>
+          <p:cNvPr id="3" name="Notes Placeholder 2"/>
+          <p:cNvSpPr>
+            <a:spLocks noGrp="1"/>
+          </p:cNvSpPr>
+          <p:nvPr>
+            <p:ph type="body" idx="1"/>
+          </p:nvPr>
+        </p:nvSpPr>
+        <p:spPr/>
+        <p:txBody>
+          <a:bodyPr/>
+          <a:lstStyle/>
+          <a:p>
+            <a:endParaRPr lang="en-US" dirty="0"/>
+          </a:p>
+        </p:txBody>
+      </p:sp>
+      <p:sp>
+        <p:nvSpPr>
+          <p:cNvPr id="4" name="Slide Number Placeholder 3"/>
+          <p:cNvSpPr>
+            <a:spLocks noGrp="1"/>
+          </p:cNvSpPr>
+          <p:nvPr>
+            <p:ph type="sldNum" sz="quarter" idx="10"/>
+          </p:nvPr>
+        </p:nvSpPr>
+        <p:spPr/>
+        <p:txBody>
+          <a:bodyPr/>
+          <a:lstStyle/>
+          <a:p>
+            <a:fld id="{97591DF4-FFBB-4E8C-8E87-255A2EADF72A}" type="slidenum">
+              <a:rPr lang="en-US" smtClean="0"/>
+              <a:t>44</a:t>
+            </a:fld>
+            <a:endParaRPr lang="en-US"/>
+          </a:p>
+        </p:txBody>
+      </p:sp>
+    </p:spTree>
+    <p:extLst>
+      <p:ext uri="{BB962C8B-B14F-4D97-AF65-F5344CB8AC3E}">
+        <p14:creationId xmlns:p14="http://schemas.microsoft.com/office/powerpoint/2010/main" val="3945445522"/>
+      </p:ext>
+    </p:extLst>
+  </p:cSld>
+  <p:clrMapOvr>
+    <a:masterClrMapping/>
+  </p:clrMapOvr>
+</p:notes>
+</file>
+
+<file path=ppt/notesSlides/notesSlide15.xml><?xml version="1.0" encoding="utf-8"?>
+<p:notes xmlns:a="http://schemas.openxmlformats.org/drawingml/2006/main" xmlns:r="http://schemas.openxmlformats.org/officeDocument/2006/relationships" xmlns:p="http://schemas.openxmlformats.org/presentationml/2006/main">
+  <p:cSld>
+    <p:spTree>
+      <p:nvGrpSpPr>
+        <p:cNvPr id="1" name=""/>
+        <p:cNvGrpSpPr/>
+        <p:nvPr/>
+      </p:nvGrpSpPr>
+      <p:grpSpPr>
+        <a:xfrm>
+          <a:off x="0" y="0"/>
+          <a:ext cx="0" cy="0"/>
+          <a:chOff x="0" y="0"/>
+          <a:chExt cx="0" cy="0"/>
+        </a:xfrm>
+      </p:grpSpPr>
+      <p:sp>
+        <p:nvSpPr>
+          <p:cNvPr id="2" name="Slide Image Placeholder 1"/>
+          <p:cNvSpPr>
+            <a:spLocks noGrp="1" noRot="1" noChangeAspect="1"/>
+          </p:cNvSpPr>
+          <p:nvPr>
+            <p:ph type="sldImg"/>
+          </p:nvPr>
+        </p:nvSpPr>
+        <p:spPr/>
+      </p:sp>
+      <p:sp>
+        <p:nvSpPr>
+          <p:cNvPr id="3" name="Notes Placeholder 2"/>
+          <p:cNvSpPr>
+            <a:spLocks noGrp="1"/>
+          </p:cNvSpPr>
+          <p:nvPr>
+            <p:ph type="body" idx="1"/>
+          </p:nvPr>
+        </p:nvSpPr>
+        <p:spPr/>
+        <p:txBody>
+          <a:bodyPr/>
+          <a:lstStyle/>
+          <a:p>
+            <a:endParaRPr lang="en-US" dirty="0"/>
+          </a:p>
+        </p:txBody>
+      </p:sp>
+      <p:sp>
+        <p:nvSpPr>
+          <p:cNvPr id="4" name="Slide Number Placeholder 3"/>
+          <p:cNvSpPr>
+            <a:spLocks noGrp="1"/>
+          </p:cNvSpPr>
+          <p:nvPr>
+            <p:ph type="sldNum" sz="quarter" idx="10"/>
+          </p:nvPr>
+        </p:nvSpPr>
+        <p:spPr/>
+        <p:txBody>
+          <a:bodyPr/>
+          <a:lstStyle/>
+          <a:p>
+            <a:fld id="{97591DF4-FFBB-4E8C-8E87-255A2EADF72A}" type="slidenum">
+              <a:rPr lang="en-US" smtClean="0"/>
+              <a:t>45</a:t>
+            </a:fld>
+            <a:endParaRPr lang="en-US"/>
+          </a:p>
+        </p:txBody>
+      </p:sp>
+    </p:spTree>
+    <p:extLst>
+      <p:ext uri="{BB962C8B-B14F-4D97-AF65-F5344CB8AC3E}">
+        <p14:creationId xmlns:p14="http://schemas.microsoft.com/office/powerpoint/2010/main" val="517784122"/>
       </p:ext>
     </p:extLst>
   </p:cSld>
@@ -1012,40 +1274,6 @@
           <a:bodyPr/>
           <a:lstStyle/>
           <a:p>
-            <a:r>
-              <a:rPr lang="en-US" dirty="0" smtClean="0"/>
-              <a:t>The more states involved in the constraint, the more checks we have to perform. For a 1-D constraint, we only have to check a line’s worth of points. However, we don’t need to check constraints for every possible</a:t>
-            </a:r>
-            <a:r>
-              <a:rPr lang="en-US" baseline="0" dirty="0" smtClean="0"/>
-              <a:t> x and every possible y, we only need to check for points (</a:t>
-            </a:r>
-            <a:r>
-              <a:rPr lang="en-US" baseline="0" dirty="0" err="1" smtClean="0"/>
-              <a:t>x,y</a:t>
-            </a:r>
-            <a:r>
-              <a:rPr lang="en-US" baseline="0" dirty="0" smtClean="0"/>
-              <a:t>) that are in the reachable set. </a:t>
-            </a:r>
-          </a:p>
-          <a:p>
-            <a:endParaRPr lang="en-US" baseline="0" dirty="0" smtClean="0"/>
-          </a:p>
-          <a:p>
-            <a:r>
-              <a:rPr lang="en-US" baseline="0" dirty="0" smtClean="0"/>
-              <a:t>A little more work, and we can also simply check points that are extremal, but this requires determining which points are extremals.</a:t>
-            </a:r>
-          </a:p>
-          <a:p>
-            <a:endParaRPr lang="en-US" baseline="0" dirty="0" smtClean="0"/>
-          </a:p>
-          <a:p>
-            <a:r>
-              <a:rPr lang="en-US" baseline="0" dirty="0" smtClean="0"/>
-              <a:t>Many common approaches introduce conservatism, for example by using probabilistic inequalities based on moments (which are not tight in general). This approach has zero conservatism when F is invertible. If F is not, then some conservatism is introduced but likely still much smaller than </a:t>
-            </a:r>
             <a:endParaRPr lang="en-US" dirty="0"/>
           </a:p>
         </p:txBody>
@@ -1065,9 +1293,9 @@
           <a:bodyPr/>
           <a:lstStyle/>
           <a:p>
-            <a:fld id="{3F6F7F58-9784-4543-B74A-850450AD4D21}" type="slidenum">
+            <a:fld id="{97591DF4-FFBB-4E8C-8E87-255A2EADF72A}" type="slidenum">
               <a:rPr lang="en-US" smtClean="0"/>
-              <a:t>19</a:t>
+              <a:t>4</a:t>
             </a:fld>
             <a:endParaRPr lang="en-US"/>
           </a:p>
@@ -1076,7 +1304,7 @@
     </p:spTree>
     <p:extLst>
       <p:ext uri="{BB962C8B-B14F-4D97-AF65-F5344CB8AC3E}">
-        <p14:creationId xmlns:p14="http://schemas.microsoft.com/office/powerpoint/2010/main" val="3187440342"/>
+        <p14:creationId xmlns:p14="http://schemas.microsoft.com/office/powerpoint/2010/main" val="4032977262"/>
       </p:ext>
     </p:extLst>
   </p:cSld>
@@ -1132,32 +1360,39 @@
           <a:p>
             <a:r>
               <a:rPr lang="en-US" dirty="0" smtClean="0"/>
-              <a:t>The finite size of the ellipse provides a very natural scaling for the sigma points, i.e. we choose the initial</a:t>
+              <a:t>The more states involved in the constraint, the more checks we have to perform. For a 1-D constraint, we only have to check a line’s worth of points. However, we don’t need to check constraints for every possible</a:t>
             </a:r>
             <a:r>
               <a:rPr lang="en-US" baseline="0" dirty="0" smtClean="0"/>
-              <a:t> set of sigma points to be on the boundary of the initial ellipse</a:t>
-            </a:r>
-          </a:p>
-          <a:p>
+              <a:t> x and every possible y, we only need to check for points (</a:t>
+            </a:r>
+            <a:r>
+              <a:rPr lang="en-US" baseline="0" dirty="0" err="1" smtClean="0"/>
+              <a:t>x,y</a:t>
+            </a:r>
             <a:r>
               <a:rPr lang="en-US" baseline="0" dirty="0" smtClean="0"/>
-              <a:t>Can deal with parametric uncertainty in the same framework. Linear </a:t>
-            </a:r>
-            <a:r>
-              <a:rPr lang="en-US" baseline="0" dirty="0" err="1" smtClean="0"/>
-              <a:t>cov</a:t>
-            </a:r>
+              <a:t>) that are in the reachable set. </a:t>
+            </a:r>
+          </a:p>
+          <a:p>
+            <a:endParaRPr lang="en-US" baseline="0" dirty="0" smtClean="0"/>
+          </a:p>
+          <a:p>
             <a:r>
               <a:rPr lang="en-US" baseline="0" dirty="0" smtClean="0"/>
-              <a:t> prop can deal with stochastic dynamics, how can we do that with sigma points? </a:t>
-            </a:r>
+              <a:t>A little more work, and we can also simply check points that are extremal, but this requires determining which points are extremals.</a:t>
+            </a:r>
+          </a:p>
+          <a:p>
+            <a:endParaRPr lang="en-US" baseline="0" dirty="0" smtClean="0"/>
           </a:p>
           <a:p>
             <a:r>
               <a:rPr lang="en-US" baseline="0" dirty="0" smtClean="0"/>
-              <a:t>Answer: the total covariance is the state covariance P and the stochastic covariance Q along the diagonal [P 0; 0 Q]. Thus, any channel in which the noise acts increased the number of sigma points by 2</a:t>
-            </a:r>
+              <a:t>Many common approaches introduce conservatism, for example by using probabilistic inequalities based on moments (which are not tight in general). This approach has zero conservatism when F is invertible. If F is not, then some conservatism is introduced but likely still much smaller than </a:t>
+            </a:r>
+            <a:endParaRPr lang="en-US" dirty="0"/>
           </a:p>
         </p:txBody>
       </p:sp>
@@ -1176,9 +1411,9 @@
           <a:bodyPr/>
           <a:lstStyle/>
           <a:p>
-            <a:fld id="{97591DF4-FFBB-4E8C-8E87-255A2EADF72A}" type="slidenum">
+            <a:fld id="{3F6F7F58-9784-4543-B74A-850450AD4D21}" type="slidenum">
               <a:rPr lang="en-US" smtClean="0"/>
-              <a:t>21</a:t>
+              <a:t>15</a:t>
             </a:fld>
             <a:endParaRPr lang="en-US"/>
           </a:p>
@@ -1187,7 +1422,7 @@
     </p:spTree>
     <p:extLst>
       <p:ext uri="{BB962C8B-B14F-4D97-AF65-F5344CB8AC3E}">
-        <p14:creationId xmlns:p14="http://schemas.microsoft.com/office/powerpoint/2010/main" val="4170942181"/>
+        <p14:creationId xmlns:p14="http://schemas.microsoft.com/office/powerpoint/2010/main" val="3187440342"/>
       </p:ext>
     </p:extLst>
   </p:cSld>
@@ -1243,25 +1478,32 @@
           <a:p>
             <a:r>
               <a:rPr lang="en-US" dirty="0" smtClean="0"/>
-              <a:t>Provides a systematic way to bias the reference away from the constraints</a:t>
-            </a:r>
-          </a:p>
-          <a:p>
-            <a:r>
-              <a:rPr lang="en-US" dirty="0" smtClean="0"/>
-              <a:t>Fixed endpoint at the origin</a:t>
-            </a:r>
-          </a:p>
-          <a:p>
-            <a:r>
-              <a:rPr lang="en-US" dirty="0" smtClean="0"/>
-              <a:t>Drag effect is contracting, allows even the open</a:t>
+              <a:t>The finite size of the ellipse provides a very natural scaling for the sigma points, i.e. we choose the initial</a:t>
             </a:r>
             <a:r>
               <a:rPr lang="en-US" baseline="0" dirty="0" smtClean="0"/>
-              <a:t> loop scenarios to reduce the variance </a:t>
-            </a:r>
-            <a:endParaRPr lang="en-US" dirty="0"/>
+              <a:t> set of sigma points to be on the boundary of the initial ellipse</a:t>
+            </a:r>
+          </a:p>
+          <a:p>
+            <a:r>
+              <a:rPr lang="en-US" baseline="0" dirty="0" smtClean="0"/>
+              <a:t>Can deal with parametric uncertainty in the same framework. Linear </a:t>
+            </a:r>
+            <a:r>
+              <a:rPr lang="en-US" baseline="0" dirty="0" err="1" smtClean="0"/>
+              <a:t>cov</a:t>
+            </a:r>
+            <a:r>
+              <a:rPr lang="en-US" baseline="0" dirty="0" smtClean="0"/>
+              <a:t> prop can deal with stochastic dynamics, how can we do that with sigma points? </a:t>
+            </a:r>
+          </a:p>
+          <a:p>
+            <a:r>
+              <a:rPr lang="en-US" baseline="0" dirty="0" smtClean="0"/>
+              <a:t>Answer: the total covariance is the state covariance P and the stochastic covariance Q along the diagonal [P 0; 0 Q]. Thus, any channel in which the noise acts increased the number of sigma points by 2</a:t>
+            </a:r>
           </a:p>
         </p:txBody>
       </p:sp>
@@ -1282,7 +1524,7 @@
           <a:p>
             <a:fld id="{97591DF4-FFBB-4E8C-8E87-255A2EADF72A}" type="slidenum">
               <a:rPr lang="en-US" smtClean="0"/>
-              <a:t>25</a:t>
+              <a:t>17</a:t>
             </a:fld>
             <a:endParaRPr lang="en-US"/>
           </a:p>
@@ -1291,7 +1533,7 @@
     </p:spTree>
     <p:extLst>
       <p:ext uri="{BB962C8B-B14F-4D97-AF65-F5344CB8AC3E}">
-        <p14:creationId xmlns:p14="http://schemas.microsoft.com/office/powerpoint/2010/main" val="3816364319"/>
+        <p14:creationId xmlns:p14="http://schemas.microsoft.com/office/powerpoint/2010/main" val="4170942181"/>
       </p:ext>
     </p:extLst>
   </p:cSld>
@@ -1347,20 +1589,8 @@
           <a:p>
             <a:r>
               <a:rPr lang="en-US" dirty="0" smtClean="0"/>
-              <a:t>Can either augment an existing approach, or form the basis for a</a:t>
-            </a:r>
-            <a:r>
-              <a:rPr lang="en-US" baseline="0" dirty="0" smtClean="0"/>
-              <a:t> new one </a:t>
-            </a:r>
-          </a:p>
-          <a:p>
-            <a:r>
-              <a:rPr lang="en-US" baseline="0" dirty="0" smtClean="0"/>
-              <a:t>Need to balance computation requirements</a:t>
-            </a:r>
-          </a:p>
-          <a:p>
+              <a:t>Problem can be thought of as 1-D velocity regulation with disregard for position state </a:t>
+            </a:r>
             <a:endParaRPr lang="en-US" dirty="0"/>
           </a:p>
         </p:txBody>
@@ -1380,9 +1610,9 @@
           <a:bodyPr/>
           <a:lstStyle/>
           <a:p>
-            <a:fld id="{4BAF2748-3477-4185-BA7E-C3C95536F5B5}" type="slidenum">
+            <a:fld id="{97591DF4-FFBB-4E8C-8E87-255A2EADF72A}" type="slidenum">
               <a:rPr lang="en-US" smtClean="0"/>
-              <a:t>28</a:t>
+              <a:t>19</a:t>
             </a:fld>
             <a:endParaRPr lang="en-US"/>
           </a:p>
@@ -1391,7 +1621,7 @@
     </p:spTree>
     <p:extLst>
       <p:ext uri="{BB962C8B-B14F-4D97-AF65-F5344CB8AC3E}">
-        <p14:creationId xmlns:p14="http://schemas.microsoft.com/office/powerpoint/2010/main" val="3169339874"/>
+        <p14:creationId xmlns:p14="http://schemas.microsoft.com/office/powerpoint/2010/main" val="3816364319"/>
       </p:ext>
     </p:extLst>
   </p:cSld>
@@ -1447,40 +1677,18 @@
           <a:p>
             <a:r>
               <a:rPr lang="en-US" dirty="0" smtClean="0"/>
-              <a:t>Entry vehicle flies with an angle of attack to generate lift</a:t>
-            </a:r>
-          </a:p>
-          <a:p>
-            <a:r>
-              <a:rPr lang="en-US" dirty="0" smtClean="0"/>
-              <a:t>Vehicle is steered toward the target via rotation of the vehicle about the velocity vector to orient the lift vector </a:t>
-            </a:r>
-          </a:p>
-          <a:p>
-            <a:pPr marL="0" marR="0" indent="0" algn="l" defTabSz="914400" rtl="0" eaLnBrk="1" fontAlgn="auto" latinLnBrk="0" hangingPunct="1">
-              <a:lnSpc>
-                <a:spcPct val="100000"/>
-              </a:lnSpc>
-              <a:spcBef>
-                <a:spcPts val="0"/>
-              </a:spcBef>
-              <a:spcAft>
-                <a:spcPts val="0"/>
-              </a:spcAft>
-              <a:buClrTx/>
-              <a:buSzTx/>
-              <a:buFontTx/>
-              <a:buNone/>
-              <a:tabLst/>
-              <a:defRPr/>
-            </a:pPr>
-            <a:r>
-              <a:rPr lang="en-US" dirty="0" smtClean="0"/>
-              <a:t>Many potential applications, including updates to a reference trajectory in a tracking approach, and predictor-corrector-like method based on regular repeated updates </a:t>
-            </a:r>
-          </a:p>
-          <a:p>
-            <a:endParaRPr lang="en-US" dirty="0" smtClean="0"/>
+              <a:t>Can either augment an existing approach, or form the basis for a</a:t>
+            </a:r>
+            <a:r>
+              <a:rPr lang="en-US" baseline="0" dirty="0" smtClean="0"/>
+              <a:t> new one </a:t>
+            </a:r>
+          </a:p>
+          <a:p>
+            <a:r>
+              <a:rPr lang="en-US" baseline="0" dirty="0" smtClean="0"/>
+              <a:t>Need to balance computation requirements</a:t>
+            </a:r>
           </a:p>
           <a:p>
             <a:endParaRPr lang="en-US" dirty="0"/>
@@ -1504,7 +1712,7 @@
           <a:p>
             <a:fld id="{4BAF2748-3477-4185-BA7E-C3C95536F5B5}" type="slidenum">
               <a:rPr lang="en-US" smtClean="0"/>
-              <a:t>29</a:t>
+              <a:t>25</a:t>
             </a:fld>
             <a:endParaRPr lang="en-US"/>
           </a:p>
@@ -1513,7 +1721,7 @@
     </p:spTree>
     <p:extLst>
       <p:ext uri="{BB962C8B-B14F-4D97-AF65-F5344CB8AC3E}">
-        <p14:creationId xmlns:p14="http://schemas.microsoft.com/office/powerpoint/2010/main" val="2590776145"/>
+        <p14:creationId xmlns:p14="http://schemas.microsoft.com/office/powerpoint/2010/main" val="3169339874"/>
       </p:ext>
     </p:extLst>
   </p:cSld>
@@ -1569,35 +1777,42 @@
           <a:p>
             <a:r>
               <a:rPr lang="en-US" dirty="0" smtClean="0"/>
-              <a:t>Minimizing distance to original trajectory keeps</a:t>
-            </a:r>
-            <a:r>
-              <a:rPr lang="en-US" baseline="0" dirty="0" smtClean="0"/>
-              <a:t> the linearization as accurate as possible </a:t>
-            </a:r>
+              <a:t>Entry vehicle flies with an angle of attack to generate lift</a:t>
+            </a:r>
+          </a:p>
+          <a:p>
+            <a:r>
+              <a:rPr lang="en-US" dirty="0" smtClean="0"/>
+              <a:t>Vehicle is steered toward the target via rotation of the vehicle about the velocity vector to orient the lift vector </a:t>
+            </a:r>
+          </a:p>
+          <a:p>
+            <a:pPr marL="0" marR="0" indent="0" algn="l" defTabSz="914400" rtl="0" eaLnBrk="1" fontAlgn="auto" latinLnBrk="0" hangingPunct="1">
+              <a:lnSpc>
+                <a:spcPct val="100000"/>
+              </a:lnSpc>
+              <a:spcBef>
+                <a:spcPts val="0"/>
+              </a:spcBef>
+              <a:spcAft>
+                <a:spcPts val="0"/>
+              </a:spcAft>
+              <a:buClrTx/>
+              <a:buSzTx/>
+              <a:buFontTx/>
+              <a:buNone/>
+              <a:tabLst/>
+              <a:defRPr/>
+            </a:pPr>
+            <a:r>
+              <a:rPr lang="en-US" dirty="0" smtClean="0"/>
+              <a:t>Many potential applications, including updates to a reference trajectory in a tracking approach, and predictor-corrector-like method based on regular repeated updates </a:t>
+            </a:r>
+          </a:p>
+          <a:p>
             <a:endParaRPr lang="en-US" dirty="0" smtClean="0"/>
           </a:p>
           <a:p>
-            <a:r>
-              <a:rPr lang="en-US" dirty="0" smtClean="0"/>
-              <a:t>Treating the bank rate</a:t>
-            </a:r>
-            <a:r>
-              <a:rPr lang="en-US" baseline="0" dirty="0" smtClean="0"/>
-              <a:t> as control allows us to limit it, as an added benefit </a:t>
-            </a:r>
-          </a:p>
-          <a:p>
-            <a:r>
-              <a:rPr lang="en-US" baseline="0" dirty="0" smtClean="0"/>
-              <a:t>Normal approaches are iterative, ours solves only a single problem </a:t>
-            </a:r>
-          </a:p>
-          <a:p>
-            <a:r>
-              <a:rPr lang="en-US" baseline="0" dirty="0" smtClean="0"/>
-              <a:t>Bank limit becomes a path constraint, rather than control constraint </a:t>
-            </a:r>
             <a:endParaRPr lang="en-US" dirty="0"/>
           </a:p>
         </p:txBody>
@@ -1619,7 +1834,7 @@
           <a:p>
             <a:fld id="{4BAF2748-3477-4185-BA7E-C3C95536F5B5}" type="slidenum">
               <a:rPr lang="en-US" smtClean="0"/>
-              <a:t>30</a:t>
+              <a:t>26</a:t>
             </a:fld>
             <a:endParaRPr lang="en-US"/>
           </a:p>
@@ -1628,7 +1843,7 @@
     </p:spTree>
     <p:extLst>
       <p:ext uri="{BB962C8B-B14F-4D97-AF65-F5344CB8AC3E}">
-        <p14:creationId xmlns:p14="http://schemas.microsoft.com/office/powerpoint/2010/main" val="1127205344"/>
+        <p14:creationId xmlns:p14="http://schemas.microsoft.com/office/powerpoint/2010/main" val="2590776145"/>
       </p:ext>
     </p:extLst>
   </p:cSld>
@@ -1684,11 +1899,34 @@
           <a:p>
             <a:r>
               <a:rPr lang="en-US" dirty="0" smtClean="0"/>
-              <a:t>Corrections</a:t>
+              <a:t>Minimizing distance to original trajectory keeps</a:t>
             </a:r>
             <a:r>
               <a:rPr lang="en-US" baseline="0" dirty="0" smtClean="0"/>
-              <a:t> are fairly substantial even for relatively small perturbations </a:t>
+              <a:t> the linearization as accurate as possible </a:t>
+            </a:r>
+            <a:endParaRPr lang="en-US" dirty="0" smtClean="0"/>
+          </a:p>
+          <a:p>
+            <a:r>
+              <a:rPr lang="en-US" dirty="0" smtClean="0"/>
+              <a:t>Treating the bank rate</a:t>
+            </a:r>
+            <a:r>
+              <a:rPr lang="en-US" baseline="0" dirty="0" smtClean="0"/>
+              <a:t> as control allows us to limit it, as an added benefit </a:t>
+            </a:r>
+          </a:p>
+          <a:p>
+            <a:r>
+              <a:rPr lang="en-US" baseline="0" dirty="0" smtClean="0"/>
+              <a:t>Normal approaches are iterative, ours solves only a single problem </a:t>
+            </a:r>
+          </a:p>
+          <a:p>
+            <a:r>
+              <a:rPr lang="en-US" baseline="0" dirty="0" smtClean="0"/>
+              <a:t>Bank limit becomes a path constraint, rather than control constraint </a:t>
             </a:r>
             <a:endParaRPr lang="en-US" dirty="0"/>
           </a:p>
@@ -1711,7 +1949,7 @@
           <a:p>
             <a:fld id="{4BAF2748-3477-4185-BA7E-C3C95536F5B5}" type="slidenum">
               <a:rPr lang="en-US" smtClean="0"/>
-              <a:t>32</a:t>
+              <a:t>27</a:t>
             </a:fld>
             <a:endParaRPr lang="en-US"/>
           </a:p>
@@ -1720,7 +1958,7 @@
     </p:spTree>
     <p:extLst>
       <p:ext uri="{BB962C8B-B14F-4D97-AF65-F5344CB8AC3E}">
-        <p14:creationId xmlns:p14="http://schemas.microsoft.com/office/powerpoint/2010/main" val="80136126"/>
+        <p14:creationId xmlns:p14="http://schemas.microsoft.com/office/powerpoint/2010/main" val="1127205344"/>
       </p:ext>
     </p:extLst>
   </p:cSld>
@@ -1774,6 +2012,14 @@
           <a:bodyPr/>
           <a:lstStyle/>
           <a:p>
+            <a:r>
+              <a:rPr lang="en-US" dirty="0" smtClean="0"/>
+              <a:t>Corrections</a:t>
+            </a:r>
+            <a:r>
+              <a:rPr lang="en-US" baseline="0" dirty="0" smtClean="0"/>
+              <a:t> are fairly substantial even for relatively small perturbations </a:t>
+            </a:r>
             <a:endParaRPr lang="en-US" dirty="0"/>
           </a:p>
         </p:txBody>
@@ -1795,7 +2041,7 @@
           <a:p>
             <a:fld id="{4BAF2748-3477-4185-BA7E-C3C95536F5B5}" type="slidenum">
               <a:rPr lang="en-US" smtClean="0"/>
-              <a:t>33</a:t>
+              <a:t>29</a:t>
             </a:fld>
             <a:endParaRPr lang="en-US"/>
           </a:p>
@@ -1804,7 +2050,7 @@
     </p:spTree>
     <p:extLst>
       <p:ext uri="{BB962C8B-B14F-4D97-AF65-F5344CB8AC3E}">
-        <p14:creationId xmlns:p14="http://schemas.microsoft.com/office/powerpoint/2010/main" val="2057775336"/>
+        <p14:creationId xmlns:p14="http://schemas.microsoft.com/office/powerpoint/2010/main" val="80136126"/>
       </p:ext>
     </p:extLst>
   </p:cSld>
@@ -2067,7 +2313,7 @@
           <a:p>
             <a:fld id="{D7E3E3E1-DA1C-4C78-804D-A460EDC7CDF7}" type="datetime1">
               <a:rPr lang="en-US" smtClean="0"/>
-              <a:t>12/1/2018</a:t>
+              <a:t>12/2/2018</a:t>
             </a:fld>
             <a:endParaRPr lang="en-US"/>
           </a:p>
@@ -2277,7 +2523,7 @@
           <a:p>
             <a:fld id="{4C2A3942-AC9F-4900-AF3E-729F0CBF5F5D}" type="datetime1">
               <a:rPr lang="en-US" smtClean="0"/>
-              <a:t>12/1/2018</a:t>
+              <a:t>12/2/2018</a:t>
             </a:fld>
             <a:endParaRPr lang="en-US"/>
           </a:p>
@@ -2487,7 +2733,7 @@
           <a:p>
             <a:fld id="{DACEE8DD-B545-4020-BC5A-D34F01A5A26F}" type="datetime1">
               <a:rPr lang="en-US" smtClean="0"/>
-              <a:t>12/1/2018</a:t>
+              <a:t>12/2/2018</a:t>
             </a:fld>
             <a:endParaRPr lang="en-US"/>
           </a:p>
@@ -2761,7 +3007,7 @@
           <a:p>
             <a:fld id="{EBF51373-0B92-4095-A9F0-284D7FA8B7E7}" type="datetime1">
               <a:rPr lang="en-US" smtClean="0"/>
-              <a:t>12/1/2018</a:t>
+              <a:t>12/2/2018</a:t>
             </a:fld>
             <a:endParaRPr lang="en-US"/>
           </a:p>
@@ -3031,7 +3277,7 @@
           <a:p>
             <a:fld id="{C305B270-32AD-407D-ACAC-1BAAEC86FBA1}" type="datetime1">
               <a:rPr lang="en-US" smtClean="0"/>
-              <a:t>12/1/2018</a:t>
+              <a:t>12/2/2018</a:t>
             </a:fld>
             <a:endParaRPr lang="en-US"/>
           </a:p>
@@ -3437,7 +3683,7 @@
           <a:p>
             <a:fld id="{0CF93851-941C-4C07-9120-0ED7F14644ED}" type="datetime1">
               <a:rPr lang="en-US" smtClean="0"/>
-              <a:t>12/1/2018</a:t>
+              <a:t>12/2/2018</a:t>
             </a:fld>
             <a:endParaRPr lang="en-US"/>
           </a:p>
@@ -3587,7 +3833,7 @@
           <a:p>
             <a:fld id="{1FB6BAEA-AA53-4BB6-9F04-4C9702B1758A}" type="datetime1">
               <a:rPr lang="en-US" smtClean="0"/>
-              <a:t>12/1/2018</a:t>
+              <a:t>12/2/2018</a:t>
             </a:fld>
             <a:endParaRPr lang="en-US"/>
           </a:p>
@@ -3706,7 +3952,7 @@
           <a:p>
             <a:fld id="{09592BD6-EE29-41DA-BA01-5F7FA8E99330}" type="datetime1">
               <a:rPr lang="en-US" smtClean="0"/>
-              <a:t>12/1/2018</a:t>
+              <a:t>12/2/2018</a:t>
             </a:fld>
             <a:endParaRPr lang="en-US"/>
           </a:p>
@@ -4016,7 +4262,7 @@
           <a:p>
             <a:fld id="{6D95DC4E-C18F-4F5B-9620-0E1784FD1310}" type="datetime1">
               <a:rPr lang="en-US" smtClean="0"/>
-              <a:t>12/1/2018</a:t>
+              <a:t>12/2/2018</a:t>
             </a:fld>
             <a:endParaRPr lang="en-US"/>
           </a:p>
@@ -4306,7 +4552,7 @@
           <a:p>
             <a:fld id="{EEAFA30E-B105-4824-A3D3-A5B7E7C3137B}" type="datetime1">
               <a:rPr lang="en-US" smtClean="0"/>
-              <a:t>12/1/2018</a:t>
+              <a:t>12/2/2018</a:t>
             </a:fld>
             <a:endParaRPr lang="en-US"/>
           </a:p>
@@ -4845,7 +5091,11 @@
             </a:r>
             <a:r>
               <a:rPr lang="en-US" dirty="0" smtClean="0"/>
-              <a:t>Approach to Mars EDL</a:t>
+              <a:t>Approach to Mars </a:t>
+            </a:r>
+            <a:r>
+              <a:rPr lang="en-US" dirty="0" smtClean="0"/>
+              <a:t>Entry, Descent, and Landing</a:t>
             </a:r>
             <a:endParaRPr lang="en-US" dirty="0"/>
           </a:p>
@@ -4863,8 +5113,8 @@
         </p:nvSpPr>
         <p:spPr>
           <a:xfrm>
-            <a:off x="628650" y="2493033"/>
-            <a:ext cx="7886700" cy="3683929"/>
+            <a:off x="628650" y="2909455"/>
+            <a:ext cx="7886700" cy="3267507"/>
           </a:xfrm>
         </p:spPr>
         <p:txBody>
@@ -4916,7 +5166,7 @@
           <a:p>
             <a:fld id="{D65BF523-FE77-4845-B5F2-255A016D8311}" type="datetime1">
               <a:rPr lang="en-US" smtClean="0"/>
-              <a:t>12/1/2018</a:t>
+              <a:t>12/2/2018</a:t>
             </a:fld>
             <a:endParaRPr lang="en-US"/>
           </a:p>
@@ -4969,7 +5219,7 @@
           <a:p>
             <a:r>
               <a:rPr lang="en-US" dirty="0" smtClean="0"/>
-              <a:t>Entry Guidance Literature</a:t>
+              <a:t>Powered Descent Literature</a:t>
             </a:r>
             <a:endParaRPr lang="en-US" dirty="0"/>
           </a:p>
@@ -4991,21 +5241,66 @@
           <a:lstStyle/>
           <a:p>
             <a:r>
-              <a:rPr lang="en-US" dirty="0" smtClean="0"/>
-              <a:t>Drag tracking</a:t>
-            </a:r>
-          </a:p>
-          <a:p>
-            <a:r>
-              <a:rPr lang="en-US" dirty="0" smtClean="0"/>
-              <a:t>Neighboring optimal control</a:t>
-            </a:r>
-          </a:p>
-          <a:p>
-            <a:r>
-              <a:rPr lang="en-US" dirty="0" smtClean="0"/>
-              <a:t>Predictor-corrector </a:t>
-            </a:r>
+              <a:rPr lang="en-US" sz="2400" dirty="0" smtClean="0"/>
+              <a:t>Polynomial guidance – analytical approach </a:t>
+            </a:r>
+          </a:p>
+          <a:p>
+            <a:pPr lvl="1"/>
+            <a:r>
+              <a:rPr lang="en-US" sz="2000" dirty="0" smtClean="0"/>
+              <a:t>Flown on Apollo moon landing</a:t>
+            </a:r>
+          </a:p>
+          <a:p>
+            <a:pPr lvl="1"/>
+            <a:r>
+              <a:rPr lang="en-US" sz="2000" dirty="0" smtClean="0"/>
+              <a:t>No optimality, satisfaction of constraints via time of flight search </a:t>
+            </a:r>
+          </a:p>
+          <a:p>
+            <a:r>
+              <a:rPr lang="en-US" sz="2400" dirty="0" smtClean="0"/>
+              <a:t>GFOLD – Convex optimization algorithm for fuel optimal powered descent</a:t>
+            </a:r>
+          </a:p>
+          <a:p>
+            <a:pPr lvl="1"/>
+            <a:r>
+              <a:rPr lang="en-US" sz="2000" dirty="0" smtClean="0"/>
+              <a:t>Guaranteed convergence for feasible problems with polynomial time complexity </a:t>
+            </a:r>
+          </a:p>
+          <a:p>
+            <a:pPr lvl="1"/>
+            <a:r>
+              <a:rPr lang="en-US" sz="2000" dirty="0" smtClean="0"/>
+              <a:t>Must solve problem repeatedly to search for optimal time of flight </a:t>
+            </a:r>
+          </a:p>
+          <a:p>
+            <a:r>
+              <a:rPr lang="en-US" sz="2400" dirty="0" smtClean="0"/>
+              <a:t>Reduction to nonlinear root-solving problem based on necessary conditions from </a:t>
+            </a:r>
+            <a:r>
+              <a:rPr lang="en-US" sz="2400" dirty="0" err="1" smtClean="0"/>
+              <a:t>Pontryagin’s</a:t>
+            </a:r>
+            <a:r>
+              <a:rPr lang="en-US" sz="2400" dirty="0" smtClean="0"/>
+              <a:t> maximum principle </a:t>
+            </a:r>
+          </a:p>
+          <a:p>
+            <a:pPr lvl="1"/>
+            <a:r>
+              <a:rPr lang="en-US" sz="2000" dirty="0" smtClean="0"/>
+              <a:t>No convergence guarantees</a:t>
+            </a:r>
+          </a:p>
+          <a:p>
             <a:endParaRPr lang="en-US" dirty="0"/>
           </a:p>
         </p:txBody>
@@ -5027,7 +5322,7 @@
           <a:p>
             <a:fld id="{DACEE8DD-B545-4020-BC5A-D34F01A5A26F}" type="datetime1">
               <a:rPr lang="en-US" smtClean="0"/>
-              <a:t>12/1/2018</a:t>
+              <a:t>12/2/2018</a:t>
             </a:fld>
             <a:endParaRPr lang="en-US"/>
           </a:p>
@@ -5036,7 +5331,7 @@
     </p:spTree>
     <p:extLst>
       <p:ext uri="{BB962C8B-B14F-4D97-AF65-F5344CB8AC3E}">
-        <p14:creationId xmlns:p14="http://schemas.microsoft.com/office/powerpoint/2010/main" val="2417919666"/>
+        <p14:creationId xmlns:p14="http://schemas.microsoft.com/office/powerpoint/2010/main" val="3069512479"/>
       </p:ext>
     </p:extLst>
   </p:cSld>
@@ -5080,7 +5375,7 @@
           <a:p>
             <a:r>
               <a:rPr lang="en-US" dirty="0" smtClean="0"/>
-              <a:t>Literature Review </a:t>
+              <a:t>Related work</a:t>
             </a:r>
             <a:endParaRPr lang="en-US" dirty="0"/>
           </a:p>
@@ -5102,54 +5397,69 @@
           <a:lstStyle/>
           <a:p>
             <a:r>
-              <a:rPr lang="en-US" dirty="0" smtClean="0"/>
-              <a:t>Linear Exponential Gaussian (weights higher moments)</a:t>
-            </a:r>
-          </a:p>
-          <a:p>
-            <a:r>
-              <a:rPr lang="en-US" dirty="0" smtClean="0"/>
-              <a:t>Control of </a:t>
-            </a:r>
-            <a:r>
-              <a:rPr lang="en-US" dirty="0" err="1" smtClean="0"/>
-              <a:t>Liouville</a:t>
-            </a:r>
-            <a:r>
-              <a:rPr lang="en-US" dirty="0" smtClean="0"/>
-              <a:t> equation</a:t>
-            </a:r>
-          </a:p>
-          <a:p>
-            <a:r>
-              <a:rPr lang="en-US" dirty="0" smtClean="0"/>
+              <a:rPr lang="en-US" sz="2400" dirty="0"/>
               <a:t>Desensitized optimal control penalizes the partial derivatives of the objective function </a:t>
             </a:r>
             <a:r>
-              <a:rPr lang="en-US" dirty="0" err="1" smtClean="0"/>
+              <a:rPr lang="en-US" sz="2400" dirty="0" err="1"/>
               <a:t>wrt</a:t>
             </a:r>
             <a:r>
-              <a:rPr lang="en-US" dirty="0" smtClean="0"/>
-              <a:t> parameters, or places constraints on sensitivities </a:t>
-            </a:r>
-          </a:p>
-          <a:p>
-            <a:r>
-              <a:rPr lang="en-US" dirty="0" smtClean="0"/>
-              <a:t>Mean-Variance trades off mean performance and robustness</a:t>
+              <a:rPr lang="en-US" sz="2400" dirty="0"/>
+              <a:t> </a:t>
+            </a:r>
+            <a:r>
+              <a:rPr lang="en-US" sz="2400" dirty="0" smtClean="0"/>
+              <a:t>parameters</a:t>
             </a:r>
           </a:p>
           <a:p>
             <a:pPr lvl="1"/>
             <a:r>
-              <a:rPr lang="en-US" dirty="0" smtClean="0"/>
+              <a:rPr lang="en-US" sz="2000" dirty="0" smtClean="0"/>
+              <a:t>Applied to entry phase and fuel-optimal powered descent </a:t>
+            </a:r>
+          </a:p>
+          <a:p>
+            <a:pPr lvl="1"/>
+            <a:r>
+              <a:rPr lang="en-US" sz="2000" dirty="0" smtClean="0"/>
+              <a:t>Closed relation between sensitivity and covariance reveals this is simply weighted covariance penalty </a:t>
+            </a:r>
+            <a:endParaRPr lang="en-US" sz="2000" dirty="0"/>
+          </a:p>
+          <a:p>
+            <a:r>
+              <a:rPr lang="en-US" sz="2400" dirty="0"/>
+              <a:t>Mean-Variance trades off mean performance and </a:t>
+            </a:r>
+            <a:r>
+              <a:rPr lang="en-US" sz="2400" dirty="0" smtClean="0"/>
+              <a:t>robustness: J = E[x] + </a:t>
+            </a:r>
+            <a:r>
+              <a:rPr lang="el-GR" sz="2400" dirty="0" smtClean="0"/>
+              <a:t>ε</a:t>
+            </a:r>
+            <a:r>
+              <a:rPr lang="en-US" sz="2400" dirty="0" smtClean="0"/>
+              <a:t>V[x]</a:t>
+            </a:r>
+            <a:endParaRPr lang="en-US" sz="2400" dirty="0"/>
+          </a:p>
+          <a:p>
+            <a:pPr lvl="1"/>
+            <a:r>
+              <a:rPr lang="en-US" sz="2000" dirty="0"/>
               <a:t>Decreasing the sensitivity of open-loop optimal solutions in decision making under uncertainty</a:t>
             </a:r>
           </a:p>
           <a:p>
-            <a:pPr lvl="1"/>
-            <a:endParaRPr lang="en-US" dirty="0"/>
+            <a:r>
+              <a:rPr lang="en-US" sz="2400" dirty="0" smtClean="0"/>
+              <a:t>A large number of papers deal with similar topics under a variety of different names</a:t>
+            </a:r>
+            <a:endParaRPr lang="en-US" sz="2400" dirty="0"/>
           </a:p>
         </p:txBody>
       </p:sp>
@@ -5168,9 +5478,9 @@
           <a:bodyPr/>
           <a:lstStyle/>
           <a:p>
-            <a:fld id="{254BC335-DBB6-4EC5-981C-ED25FB0DA65F}" type="datetime1">
+            <a:fld id="{DACEE8DD-B545-4020-BC5A-D34F01A5A26F}" type="datetime1">
               <a:rPr lang="en-US" smtClean="0"/>
-              <a:t>12/1/2018</a:t>
+              <a:t>12/2/2018</a:t>
             </a:fld>
             <a:endParaRPr lang="en-US"/>
           </a:p>
@@ -5179,7 +5489,7 @@
     </p:spTree>
     <p:extLst>
       <p:ext uri="{BB962C8B-B14F-4D97-AF65-F5344CB8AC3E}">
-        <p14:creationId xmlns:p14="http://schemas.microsoft.com/office/powerpoint/2010/main" val="1712482433"/>
+        <p14:creationId xmlns:p14="http://schemas.microsoft.com/office/powerpoint/2010/main" val="743411508"/>
       </p:ext>
     </p:extLst>
   </p:cSld>
@@ -5216,92 +5526,108 @@
             <p:ph type="title"/>
           </p:nvPr>
         </p:nvSpPr>
+        <p:spPr>
+          <a:xfrm>
+            <a:off x="628649" y="1079156"/>
+            <a:ext cx="8058151" cy="1051569"/>
+          </a:xfrm>
+        </p:spPr>
+        <p:txBody>
+          <a:bodyPr/>
+          <a:lstStyle/>
+          <a:p>
+            <a:r>
+              <a:rPr lang="en-US" sz="3600" dirty="0" smtClean="0"/>
+              <a:t>Drawbacks/Limitations of Existing Approaches</a:t>
+            </a:r>
+            <a:endParaRPr lang="en-US" sz="3600" dirty="0"/>
+          </a:p>
+        </p:txBody>
+      </p:sp>
+      <p:sp>
+        <p:nvSpPr>
+          <p:cNvPr id="3" name="Content Placeholder 2"/>
+          <p:cNvSpPr>
+            <a:spLocks noGrp="1"/>
+          </p:cNvSpPr>
+          <p:nvPr>
+            <p:ph idx="1"/>
+          </p:nvPr>
+        </p:nvSpPr>
+        <p:spPr>
+          <a:xfrm>
+            <a:off x="628650" y="2130725"/>
+            <a:ext cx="7886700" cy="4304583"/>
+          </a:xfrm>
+        </p:spPr>
+        <p:txBody>
+          <a:bodyPr/>
+          <a:lstStyle/>
+          <a:p>
+            <a:r>
+              <a:rPr lang="en-US" sz="2000" dirty="0" smtClean="0"/>
+              <a:t>Desensitized control does not make use of statistical information</a:t>
+            </a:r>
+          </a:p>
+          <a:p>
+            <a:pPr lvl="1"/>
+            <a:r>
+              <a:rPr lang="en-US" sz="1800" dirty="0" smtClean="0"/>
+              <a:t>Indeed, performance evaluations are conducted using parameters governed by distributions and we can use this information explicitly </a:t>
+            </a:r>
+          </a:p>
+          <a:p>
+            <a:r>
+              <a:rPr lang="en-US" sz="2000" dirty="0" smtClean="0"/>
+              <a:t>Few papers discuss closed-loop approaches </a:t>
+            </a:r>
+          </a:p>
+          <a:p>
+            <a:pPr lvl="1"/>
+            <a:r>
+              <a:rPr lang="en-US" sz="1800" dirty="0" smtClean="0"/>
+              <a:t>Those that do avoid the issue of control constraints and instead impose arbitrary limits on the feedback gains or exclude feedback gains from the optimization process entirely</a:t>
+            </a:r>
+          </a:p>
+          <a:p>
+            <a:r>
+              <a:rPr lang="en-US" sz="2000" dirty="0" smtClean="0"/>
+              <a:t>Generally only demonstrated on 2d examples, many proposed solutions do not scale well with increasing dimension</a:t>
+            </a:r>
+          </a:p>
+          <a:p>
+            <a:r>
+              <a:rPr lang="en-US" sz="2000" dirty="0" smtClean="0"/>
+              <a:t>PCE only display spectral convergence for smooth systems</a:t>
+            </a:r>
+          </a:p>
+          <a:p>
+            <a:pPr lvl="1"/>
+            <a:r>
+              <a:rPr lang="en-US" sz="1800" dirty="0" smtClean="0"/>
+              <a:t>Saturation nonlinearity slows convergence as a result </a:t>
+            </a:r>
+          </a:p>
+        </p:txBody>
+      </p:sp>
+      <p:sp>
+        <p:nvSpPr>
+          <p:cNvPr id="4" name="Date Placeholder 3"/>
+          <p:cNvSpPr>
+            <a:spLocks noGrp="1"/>
+          </p:cNvSpPr>
+          <p:nvPr>
+            <p:ph type="dt" sz="half" idx="10"/>
+          </p:nvPr>
+        </p:nvSpPr>
         <p:spPr/>
         <p:txBody>
           <a:bodyPr/>
           <a:lstStyle/>
           <a:p>
-            <a:r>
-              <a:rPr lang="en-US" dirty="0" smtClean="0"/>
-              <a:t>Literature Review </a:t>
-            </a:r>
-            <a:endParaRPr lang="en-US" dirty="0"/>
-          </a:p>
-        </p:txBody>
-      </p:sp>
-      <p:sp>
-        <p:nvSpPr>
-          <p:cNvPr id="3" name="Content Placeholder 2"/>
-          <p:cNvSpPr>
-            <a:spLocks noGrp="1"/>
-          </p:cNvSpPr>
-          <p:nvPr>
-            <p:ph idx="1"/>
-          </p:nvPr>
-        </p:nvSpPr>
-        <p:spPr>
-          <a:xfrm>
-            <a:off x="628650" y="1825625"/>
-            <a:ext cx="8185836" cy="4351338"/>
-          </a:xfrm>
-        </p:spPr>
-        <p:txBody>
-          <a:bodyPr/>
-          <a:lstStyle/>
-          <a:p>
-            <a:r>
-              <a:rPr lang="en-US" dirty="0" smtClean="0"/>
-              <a:t>Optimal Trajectory Generation with Probabilistic System Uncertainty Using Polynomial Chaos (Fisher, Bhattacharya)</a:t>
-            </a:r>
-          </a:p>
-          <a:p>
-            <a:pPr lvl="1"/>
-            <a:r>
-              <a:rPr lang="en-US" dirty="0" smtClean="0"/>
-              <a:t>Derived expressions for minimum expectation and minimum variance objectives in terms of PCE coefficients</a:t>
-            </a:r>
-          </a:p>
-          <a:p>
-            <a:pPr lvl="1"/>
-            <a:r>
-              <a:rPr lang="en-US" dirty="0" smtClean="0"/>
-              <a:t>Considered open loop</a:t>
-            </a:r>
-          </a:p>
-          <a:p>
-            <a:r>
-              <a:rPr lang="en-US" dirty="0" smtClean="0"/>
-              <a:t>Stochastic Trajectory Optimization for Mechanical Systems with Parametric Uncertainties</a:t>
-            </a:r>
-          </a:p>
-          <a:p>
-            <a:pPr lvl="1"/>
-            <a:r>
-              <a:rPr lang="en-US" dirty="0" smtClean="0"/>
-              <a:t>Extended Differential Dynamic Programming to stochastic systems using polynomial chaos </a:t>
-            </a:r>
-            <a:endParaRPr lang="en-US" dirty="0"/>
-          </a:p>
-        </p:txBody>
-      </p:sp>
-      <p:sp>
-        <p:nvSpPr>
-          <p:cNvPr id="4" name="Date Placeholder 3"/>
-          <p:cNvSpPr>
-            <a:spLocks noGrp="1"/>
-          </p:cNvSpPr>
-          <p:nvPr>
-            <p:ph type="dt" sz="half" idx="10"/>
-          </p:nvPr>
-        </p:nvSpPr>
-        <p:spPr/>
-        <p:txBody>
-          <a:bodyPr/>
-          <a:lstStyle/>
-          <a:p>
-            <a:fld id="{36135E0D-215F-4675-BD12-2A0CC5452F32}" type="datetime1">
+            <a:fld id="{7E2110A7-166C-49B2-9D48-0EC3D7BA312D}" type="datetime1">
               <a:rPr lang="en-US" smtClean="0"/>
-              <a:t>12/1/2018</a:t>
+              <a:t>12/2/2018</a:t>
             </a:fld>
             <a:endParaRPr lang="en-US"/>
           </a:p>
@@ -5310,7 +5636,7 @@
     </p:spTree>
     <p:extLst>
       <p:ext uri="{BB962C8B-B14F-4D97-AF65-F5344CB8AC3E}">
-        <p14:creationId xmlns:p14="http://schemas.microsoft.com/office/powerpoint/2010/main" val="3403497036"/>
+        <p14:creationId xmlns:p14="http://schemas.microsoft.com/office/powerpoint/2010/main" val="4273695452"/>
       </p:ext>
     </p:extLst>
   </p:cSld>
@@ -5354,7 +5680,7 @@
           <a:p>
             <a:r>
               <a:rPr lang="en-US" dirty="0" smtClean="0"/>
-              <a:t>Also Related</a:t>
+              <a:t>Existing Applications to EDL</a:t>
             </a:r>
             <a:endParaRPr lang="en-US" dirty="0"/>
           </a:p>
@@ -5376,16 +5702,54 @@
           <a:lstStyle/>
           <a:p>
             <a:r>
-              <a:rPr lang="en-US" dirty="0" smtClean="0"/>
-              <a:t>Tube-based formulations (MPC), invariant sets</a:t>
-            </a:r>
-          </a:p>
-          <a:p>
-            <a:r>
-              <a:rPr lang="en-US" dirty="0" smtClean="0"/>
-              <a:t>PDF shaping</a:t>
-            </a:r>
-            <a:endParaRPr lang="en-US" dirty="0"/>
+              <a:rPr lang="en-US" sz="2400" dirty="0" smtClean="0"/>
+              <a:t>Desensitized entry and powered descent </a:t>
+            </a:r>
+            <a:r>
+              <a:rPr lang="en-US" sz="2400" dirty="0" smtClean="0"/>
+              <a:t>without </a:t>
+            </a:r>
+            <a:r>
+              <a:rPr lang="en-US" sz="2400" dirty="0" smtClean="0"/>
+              <a:t>enforcement of </a:t>
+            </a:r>
+            <a:r>
+              <a:rPr lang="en-US" sz="2400" dirty="0" smtClean="0"/>
+              <a:t>constraints</a:t>
+            </a:r>
+          </a:p>
+          <a:p>
+            <a:pPr lvl="1"/>
+            <a:r>
+              <a:rPr lang="en-US" sz="2000" dirty="0" smtClean="0"/>
+              <a:t>Applied a heuristic that drives feedback gains to zero near the boundary of control constraints </a:t>
+            </a:r>
+            <a:endParaRPr lang="en-US" sz="2000" dirty="0" smtClean="0"/>
+          </a:p>
+          <a:p>
+            <a:r>
+              <a:rPr lang="en-US" sz="2400" dirty="0" smtClean="0"/>
+              <a:t>Variance penalization without confirmation of </a:t>
+            </a:r>
+            <a:r>
+              <a:rPr lang="en-US" sz="2400" dirty="0" smtClean="0"/>
+              <a:t>benefits</a:t>
+            </a:r>
+          </a:p>
+          <a:p>
+            <a:pPr lvl="1"/>
+            <a:r>
+              <a:rPr lang="en-US" sz="2000" dirty="0" smtClean="0"/>
+              <a:t>Linear covariance propagation was used but the control was never executed on the full nonlinear model in order to demonstrate that the linearized prediction was sufficient</a:t>
+            </a:r>
+          </a:p>
+          <a:p>
+            <a:pPr lvl="1"/>
+            <a:r>
+              <a:rPr lang="en-US" sz="2000" dirty="0" smtClean="0"/>
+              <a:t>Control saturation was not accounted for, which overestimates the effect the controller has on the true state covariance </a:t>
+            </a:r>
+            <a:endParaRPr lang="en-US" sz="2000" dirty="0"/>
           </a:p>
         </p:txBody>
       </p:sp>
@@ -5406,7 +5770,7 @@
           <a:p>
             <a:fld id="{DACEE8DD-B545-4020-BC5A-D34F01A5A26F}" type="datetime1">
               <a:rPr lang="en-US" smtClean="0"/>
-              <a:t>12/1/2018</a:t>
+              <a:t>12/2/2018</a:t>
             </a:fld>
             <a:endParaRPr lang="en-US"/>
           </a:p>
@@ -5415,7 +5779,7 @@
     </p:spTree>
     <p:extLst>
       <p:ext uri="{BB962C8B-B14F-4D97-AF65-F5344CB8AC3E}">
-        <p14:creationId xmlns:p14="http://schemas.microsoft.com/office/powerpoint/2010/main" val="3837855066"/>
+        <p14:creationId xmlns:p14="http://schemas.microsoft.com/office/powerpoint/2010/main" val="761289405"/>
       </p:ext>
     </p:extLst>
   </p:cSld>
@@ -5452,66 +5816,80 @@
             <p:ph type="title"/>
           </p:nvPr>
         </p:nvSpPr>
+        <p:spPr>
+          <a:xfrm>
+            <a:off x="628650" y="1079156"/>
+            <a:ext cx="7886700" cy="1231781"/>
+          </a:xfrm>
+        </p:spPr>
+        <p:txBody>
+          <a:bodyPr/>
+          <a:lstStyle/>
+          <a:p>
+            <a:r>
+              <a:rPr lang="en-US" dirty="0" smtClean="0"/>
+              <a:t>Chance Constrained Nonlinear Optimal Control</a:t>
+            </a:r>
+            <a:endParaRPr lang="en-US" dirty="0"/>
+          </a:p>
+        </p:txBody>
+      </p:sp>
+      <p:sp>
+        <p:nvSpPr>
+          <p:cNvPr id="3" name="Content Placeholder 2"/>
+          <p:cNvSpPr>
+            <a:spLocks noGrp="1"/>
+          </p:cNvSpPr>
+          <p:nvPr>
+            <p:ph idx="1"/>
+          </p:nvPr>
+        </p:nvSpPr>
+        <p:spPr>
+          <a:xfrm>
+            <a:off x="628650" y="2510443"/>
+            <a:ext cx="7886700" cy="3666519"/>
+          </a:xfrm>
+        </p:spPr>
+        <p:txBody>
+          <a:bodyPr/>
+          <a:lstStyle/>
+          <a:p>
+            <a:r>
+              <a:rPr lang="en-US" dirty="0" smtClean="0"/>
+              <a:t>(Covariance minimization is just one particular objective)</a:t>
+            </a:r>
+          </a:p>
+          <a:p>
+            <a:r>
+              <a:rPr lang="en-US" dirty="0" smtClean="0"/>
+              <a:t>For Gaussian uncertainty, we cannot guarantee that constraints will be met due to unboundedness, instead they must be met with a specified </a:t>
+            </a:r>
+            <a:r>
+              <a:rPr lang="en-US" dirty="0" smtClean="0"/>
+              <a:t>probability, this is referred to as a chance constraint</a:t>
+            </a:r>
+            <a:endParaRPr lang="en-US" dirty="0"/>
+          </a:p>
+        </p:txBody>
+      </p:sp>
+      <p:sp>
+        <p:nvSpPr>
+          <p:cNvPr id="4" name="Date Placeholder 3"/>
+          <p:cNvSpPr>
+            <a:spLocks noGrp="1"/>
+          </p:cNvSpPr>
+          <p:nvPr>
+            <p:ph type="dt" sz="half" idx="10"/>
+          </p:nvPr>
+        </p:nvSpPr>
         <p:spPr/>
         <p:txBody>
           <a:bodyPr/>
           <a:lstStyle/>
           <a:p>
-            <a:r>
-              <a:rPr lang="en-US" dirty="0" smtClean="0"/>
-              <a:t>Existing Applications to EDL</a:t>
-            </a:r>
-            <a:endParaRPr lang="en-US" dirty="0"/>
-          </a:p>
-        </p:txBody>
-      </p:sp>
-      <p:sp>
-        <p:nvSpPr>
-          <p:cNvPr id="3" name="Content Placeholder 2"/>
-          <p:cNvSpPr>
-            <a:spLocks noGrp="1"/>
-          </p:cNvSpPr>
-          <p:nvPr>
-            <p:ph idx="1"/>
-          </p:nvPr>
-        </p:nvSpPr>
-        <p:spPr/>
-        <p:txBody>
-          <a:bodyPr/>
-          <a:lstStyle/>
-          <a:p>
-            <a:r>
-              <a:rPr lang="en-US" dirty="0" smtClean="0"/>
-              <a:t>Desensitized entry and powered descent without explicit enforcement of constraints</a:t>
-            </a:r>
-          </a:p>
-          <a:p>
-            <a:r>
-              <a:rPr lang="en-US" dirty="0" smtClean="0"/>
-              <a:t>Variance penalization without confirmation of benefits</a:t>
-            </a:r>
-            <a:endParaRPr lang="en-US" dirty="0"/>
-          </a:p>
-        </p:txBody>
-      </p:sp>
-      <p:sp>
-        <p:nvSpPr>
-          <p:cNvPr id="4" name="Date Placeholder 3"/>
-          <p:cNvSpPr>
-            <a:spLocks noGrp="1"/>
-          </p:cNvSpPr>
-          <p:nvPr>
-            <p:ph type="dt" sz="half" idx="10"/>
-          </p:nvPr>
-        </p:nvSpPr>
-        <p:spPr/>
-        <p:txBody>
-          <a:bodyPr/>
-          <a:lstStyle/>
-          <a:p>
-            <a:fld id="{DACEE8DD-B545-4020-BC5A-D34F01A5A26F}" type="datetime1">
+            <a:fld id="{9DF99ACD-61C7-4DA6-A8C9-329CC9B75ECD}" type="datetime1">
               <a:rPr lang="en-US" smtClean="0"/>
-              <a:t>12/1/2018</a:t>
+              <a:t>12/2/2018</a:t>
             </a:fld>
             <a:endParaRPr lang="en-US"/>
           </a:p>
@@ -5520,7 +5898,7 @@
     </p:spTree>
     <p:extLst>
       <p:ext uri="{BB962C8B-B14F-4D97-AF65-F5344CB8AC3E}">
-        <p14:creationId xmlns:p14="http://schemas.microsoft.com/office/powerpoint/2010/main" val="761289405"/>
+        <p14:creationId xmlns:p14="http://schemas.microsoft.com/office/powerpoint/2010/main" val="3996060571"/>
       </p:ext>
     </p:extLst>
   </p:cSld>
@@ -5547,526 +5925,6 @@
           <a:chExt cx="0" cy="0"/>
         </a:xfrm>
       </p:grpSpPr>
-      <p:sp>
-        <p:nvSpPr>
-          <p:cNvPr id="2" name="Title 1"/>
-          <p:cNvSpPr>
-            <a:spLocks noGrp="1"/>
-          </p:cNvSpPr>
-          <p:nvPr>
-            <p:ph type="title"/>
-          </p:nvPr>
-        </p:nvSpPr>
-        <p:spPr>
-          <a:xfrm>
-            <a:off x="628650" y="1079156"/>
-            <a:ext cx="7886700" cy="1051569"/>
-          </a:xfrm>
-        </p:spPr>
-        <p:txBody>
-          <a:bodyPr/>
-          <a:lstStyle/>
-          <a:p>
-            <a:r>
-              <a:rPr lang="en-US" sz="3600" dirty="0" smtClean="0"/>
-              <a:t>Drawbacks/Limitations of Existing Approaches</a:t>
-            </a:r>
-            <a:endParaRPr lang="en-US" sz="3600" dirty="0"/>
-          </a:p>
-        </p:txBody>
-      </p:sp>
-      <p:sp>
-        <p:nvSpPr>
-          <p:cNvPr id="3" name="Content Placeholder 2"/>
-          <p:cNvSpPr>
-            <a:spLocks noGrp="1"/>
-          </p:cNvSpPr>
-          <p:nvPr>
-            <p:ph idx="1"/>
-          </p:nvPr>
-        </p:nvSpPr>
-        <p:spPr>
-          <a:xfrm>
-            <a:off x="628650" y="2130725"/>
-            <a:ext cx="7886700" cy="4304583"/>
-          </a:xfrm>
-        </p:spPr>
-        <p:txBody>
-          <a:bodyPr/>
-          <a:lstStyle/>
-          <a:p>
-            <a:r>
-              <a:rPr lang="en-US" sz="2400" dirty="0" smtClean="0"/>
-              <a:t>Desensitized control does not make use of statistical information</a:t>
-            </a:r>
-          </a:p>
-          <a:p>
-            <a:pPr lvl="1"/>
-            <a:r>
-              <a:rPr lang="en-US" sz="2000" dirty="0" smtClean="0"/>
-              <a:t>Indeed, performance evaluations are conducted using parameters governed by distributions and we can use this information explicitly </a:t>
-            </a:r>
-          </a:p>
-          <a:p>
-            <a:r>
-              <a:rPr lang="en-US" sz="2400" dirty="0" smtClean="0"/>
-              <a:t>Few papers discuss closed-loop approaches </a:t>
-            </a:r>
-          </a:p>
-          <a:p>
-            <a:pPr lvl="1"/>
-            <a:r>
-              <a:rPr lang="en-US" sz="2000" dirty="0" smtClean="0"/>
-              <a:t>Those that do avoid the issue of control constraints and instead impose arbitrary limits on the feedback gains or exclude feedback gains from the optimization process entirely</a:t>
-            </a:r>
-          </a:p>
-          <a:p>
-            <a:r>
-              <a:rPr lang="en-US" sz="2400" dirty="0" smtClean="0"/>
-              <a:t>Generally only demonstrated on 2d examples, many proposed solutions do not scale well with increasing dimension</a:t>
-            </a:r>
-          </a:p>
-          <a:p>
-            <a:r>
-              <a:rPr lang="en-US" sz="2400" dirty="0" smtClean="0"/>
-              <a:t>PCE only display spectral convergence for smooth systems</a:t>
-            </a:r>
-          </a:p>
-          <a:p>
-            <a:pPr lvl="1"/>
-            <a:r>
-              <a:rPr lang="en-US" sz="2000" dirty="0" smtClean="0"/>
-              <a:t>Saturation nonlinearity slows convergence as a result </a:t>
-            </a:r>
-          </a:p>
-        </p:txBody>
-      </p:sp>
-      <p:sp>
-        <p:nvSpPr>
-          <p:cNvPr id="4" name="Date Placeholder 3"/>
-          <p:cNvSpPr>
-            <a:spLocks noGrp="1"/>
-          </p:cNvSpPr>
-          <p:nvPr>
-            <p:ph type="dt" sz="half" idx="10"/>
-          </p:nvPr>
-        </p:nvSpPr>
-        <p:spPr/>
-        <p:txBody>
-          <a:bodyPr/>
-          <a:lstStyle/>
-          <a:p>
-            <a:fld id="{7E2110A7-166C-49B2-9D48-0EC3D7BA312D}" type="datetime1">
-              <a:rPr lang="en-US" smtClean="0"/>
-              <a:t>12/1/2018</a:t>
-            </a:fld>
-            <a:endParaRPr lang="en-US"/>
-          </a:p>
-        </p:txBody>
-      </p:sp>
-    </p:spTree>
-    <p:extLst>
-      <p:ext uri="{BB962C8B-B14F-4D97-AF65-F5344CB8AC3E}">
-        <p14:creationId xmlns:p14="http://schemas.microsoft.com/office/powerpoint/2010/main" val="4273695452"/>
-      </p:ext>
-    </p:extLst>
-  </p:cSld>
-  <p:clrMapOvr>
-    <a:masterClrMapping/>
-  </p:clrMapOvr>
-</p:sld>
-</file>
-
-<file path=ppt/slides/slide16.xml><?xml version="1.0" encoding="utf-8"?>
-<p:sld xmlns:a="http://schemas.openxmlformats.org/drawingml/2006/main" xmlns:r="http://schemas.openxmlformats.org/officeDocument/2006/relationships" xmlns:p="http://schemas.openxmlformats.org/presentationml/2006/main">
-  <p:cSld>
-    <p:spTree>
-      <p:nvGrpSpPr>
-        <p:cNvPr id="1" name=""/>
-        <p:cNvGrpSpPr/>
-        <p:nvPr/>
-      </p:nvGrpSpPr>
-      <p:grpSpPr>
-        <a:xfrm>
-          <a:off x="0" y="0"/>
-          <a:ext cx="0" cy="0"/>
-          <a:chOff x="0" y="0"/>
-          <a:chExt cx="0" cy="0"/>
-        </a:xfrm>
-      </p:grpSpPr>
-      <p:sp>
-        <p:nvSpPr>
-          <p:cNvPr id="2" name="Title 1"/>
-          <p:cNvSpPr>
-            <a:spLocks noGrp="1"/>
-          </p:cNvSpPr>
-          <p:nvPr>
-            <p:ph type="title"/>
-          </p:nvPr>
-        </p:nvSpPr>
-        <p:spPr>
-          <a:xfrm>
-            <a:off x="628650" y="1079156"/>
-            <a:ext cx="7886700" cy="1248407"/>
-          </a:xfrm>
-        </p:spPr>
-        <p:txBody>
-          <a:bodyPr/>
-          <a:lstStyle/>
-          <a:p>
-            <a:r>
-              <a:rPr lang="en-US" dirty="0" smtClean="0"/>
-              <a:t>Switch Time Optimization for Rapid Entry Trajectory Design</a:t>
-            </a:r>
-            <a:endParaRPr lang="en-US" dirty="0"/>
-          </a:p>
-        </p:txBody>
-      </p:sp>
-      <p:sp>
-        <p:nvSpPr>
-          <p:cNvPr id="3" name="Content Placeholder 2"/>
-          <p:cNvSpPr>
-            <a:spLocks noGrp="1"/>
-          </p:cNvSpPr>
-          <p:nvPr>
-            <p:ph idx="1"/>
-          </p:nvPr>
-        </p:nvSpPr>
-        <p:spPr>
-          <a:xfrm>
-            <a:off x="628650" y="2576944"/>
-            <a:ext cx="7886700" cy="4281055"/>
-          </a:xfrm>
-        </p:spPr>
-        <p:txBody>
-          <a:bodyPr/>
-          <a:lstStyle/>
-          <a:p>
-            <a:r>
-              <a:rPr lang="en-US" dirty="0" smtClean="0"/>
-              <a:t>Simple parameterization for robust, near-optimal altitude performance intended for parachute architectures </a:t>
-            </a:r>
-          </a:p>
-          <a:p>
-            <a:r>
-              <a:rPr lang="en-US" dirty="0" smtClean="0"/>
-              <a:t>Can show that this parameterization also allows for near-optimal minimum velocity performance, suitable for SRP applications</a:t>
-            </a:r>
-          </a:p>
-          <a:p>
-            <a:r>
-              <a:rPr lang="en-US" dirty="0" smtClean="0"/>
-              <a:t>If-then logic used is discontinuous; </a:t>
-            </a:r>
-            <a:r>
-              <a:rPr lang="en-US" dirty="0" err="1" smtClean="0"/>
-              <a:t>Nelder</a:t>
-            </a:r>
-            <a:r>
-              <a:rPr lang="en-US" dirty="0" smtClean="0"/>
-              <a:t>-Mead simplex method has been used for optimization</a:t>
-            </a:r>
-          </a:p>
-          <a:p>
-            <a:r>
-              <a:rPr lang="en-US" dirty="0" smtClean="0"/>
-              <a:t>Results from hybrid OC literature suggest a gradient based solution is possible and preferable </a:t>
-            </a:r>
-            <a:endParaRPr lang="en-US" dirty="0"/>
-          </a:p>
-        </p:txBody>
-      </p:sp>
-      <p:sp>
-        <p:nvSpPr>
-          <p:cNvPr id="4" name="Date Placeholder 3"/>
-          <p:cNvSpPr>
-            <a:spLocks noGrp="1"/>
-          </p:cNvSpPr>
-          <p:nvPr>
-            <p:ph type="dt" sz="half" idx="10"/>
-          </p:nvPr>
-        </p:nvSpPr>
-        <p:spPr/>
-        <p:txBody>
-          <a:bodyPr/>
-          <a:lstStyle/>
-          <a:p>
-            <a:fld id="{C5C4825F-DB45-4B89-B3FE-04D1625C0B44}" type="datetime1">
-              <a:rPr lang="en-US" smtClean="0"/>
-              <a:t>12/1/2018</a:t>
-            </a:fld>
-            <a:endParaRPr lang="en-US"/>
-          </a:p>
-        </p:txBody>
-      </p:sp>
-    </p:spTree>
-    <p:extLst>
-      <p:ext uri="{BB962C8B-B14F-4D97-AF65-F5344CB8AC3E}">
-        <p14:creationId xmlns:p14="http://schemas.microsoft.com/office/powerpoint/2010/main" val="949813023"/>
-      </p:ext>
-    </p:extLst>
-  </p:cSld>
-  <p:clrMapOvr>
-    <a:masterClrMapping/>
-  </p:clrMapOvr>
-</p:sld>
-</file>
-
-<file path=ppt/slides/slide17.xml><?xml version="1.0" encoding="utf-8"?>
-<p:sld xmlns:a="http://schemas.openxmlformats.org/drawingml/2006/main" xmlns:r="http://schemas.openxmlformats.org/officeDocument/2006/relationships" xmlns:p="http://schemas.openxmlformats.org/presentationml/2006/main">
-  <p:cSld>
-    <p:spTree>
-      <p:nvGrpSpPr>
-        <p:cNvPr id="1" name=""/>
-        <p:cNvGrpSpPr/>
-        <p:nvPr/>
-      </p:nvGrpSpPr>
-      <p:grpSpPr>
-        <a:xfrm>
-          <a:off x="0" y="0"/>
-          <a:ext cx="0" cy="0"/>
-          <a:chOff x="0" y="0"/>
-          <a:chExt cx="0" cy="0"/>
-        </a:xfrm>
-      </p:grpSpPr>
-      <p:sp>
-        <p:nvSpPr>
-          <p:cNvPr id="2" name="Title 1"/>
-          <p:cNvSpPr>
-            <a:spLocks noGrp="1"/>
-          </p:cNvSpPr>
-          <p:nvPr>
-            <p:ph type="title"/>
-          </p:nvPr>
-        </p:nvSpPr>
-        <p:spPr/>
-        <p:txBody>
-          <a:bodyPr/>
-          <a:lstStyle/>
-          <a:p>
-            <a:r>
-              <a:rPr lang="en-US" dirty="0" smtClean="0"/>
-              <a:t>Switch Time Opt</a:t>
-            </a:r>
-            <a:endParaRPr lang="en-US" dirty="0"/>
-          </a:p>
-        </p:txBody>
-      </p:sp>
-      <p:sp>
-        <p:nvSpPr>
-          <p:cNvPr id="3" name="Content Placeholder 2"/>
-          <p:cNvSpPr>
-            <a:spLocks noGrp="1"/>
-          </p:cNvSpPr>
-          <p:nvPr>
-            <p:ph idx="1"/>
-          </p:nvPr>
-        </p:nvSpPr>
-        <p:spPr/>
-        <p:txBody>
-          <a:bodyPr/>
-          <a:lstStyle/>
-          <a:p>
-            <a:r>
-              <a:rPr lang="en-US" dirty="0" smtClean="0"/>
-              <a:t>Gradients with respect to switch times cannot be easily evaluated via finite difference, and automatic differentiation fails due to the discontinuous logic</a:t>
-            </a:r>
-          </a:p>
-          <a:p>
-            <a:r>
-              <a:rPr lang="en-US" dirty="0" smtClean="0"/>
-              <a:t>Solved very efficient via SQP method (</a:t>
-            </a:r>
-            <a:r>
-              <a:rPr lang="en-US" dirty="0" err="1" smtClean="0"/>
-              <a:t>quasiNewton</a:t>
-            </a:r>
-            <a:r>
-              <a:rPr lang="en-US" dirty="0" smtClean="0"/>
-              <a:t> method, BFGS update to inverse Hessian)</a:t>
-            </a:r>
-          </a:p>
-          <a:p>
-            <a:r>
-              <a:rPr lang="en-US" dirty="0" smtClean="0"/>
-              <a:t>We left margins heuristically, assumed a fixed % was sufficient for closed </a:t>
-            </a:r>
-            <a:r>
-              <a:rPr lang="en-US" smtClean="0"/>
-              <a:t>loop trajectories </a:t>
-            </a:r>
-            <a:endParaRPr lang="en-US" dirty="0"/>
-          </a:p>
-        </p:txBody>
-      </p:sp>
-      <p:sp>
-        <p:nvSpPr>
-          <p:cNvPr id="4" name="Date Placeholder 3"/>
-          <p:cNvSpPr>
-            <a:spLocks noGrp="1"/>
-          </p:cNvSpPr>
-          <p:nvPr>
-            <p:ph type="dt" sz="half" idx="10"/>
-          </p:nvPr>
-        </p:nvSpPr>
-        <p:spPr/>
-        <p:txBody>
-          <a:bodyPr/>
-          <a:lstStyle/>
-          <a:p>
-            <a:fld id="{581CF2A1-F6C1-4B7E-AC26-04453B5C8EE3}" type="datetime1">
-              <a:rPr lang="en-US" smtClean="0"/>
-              <a:t>12/1/2018</a:t>
-            </a:fld>
-            <a:endParaRPr lang="en-US"/>
-          </a:p>
-        </p:txBody>
-      </p:sp>
-    </p:spTree>
-    <p:extLst>
-      <p:ext uri="{BB962C8B-B14F-4D97-AF65-F5344CB8AC3E}">
-        <p14:creationId xmlns:p14="http://schemas.microsoft.com/office/powerpoint/2010/main" val="4101162675"/>
-      </p:ext>
-    </p:extLst>
-  </p:cSld>
-  <p:clrMapOvr>
-    <a:masterClrMapping/>
-  </p:clrMapOvr>
-</p:sld>
-</file>
-
-<file path=ppt/slides/slide18.xml><?xml version="1.0" encoding="utf-8"?>
-<p:sld xmlns:a="http://schemas.openxmlformats.org/drawingml/2006/main" xmlns:r="http://schemas.openxmlformats.org/officeDocument/2006/relationships" xmlns:p="http://schemas.openxmlformats.org/presentationml/2006/main">
-  <p:cSld>
-    <p:spTree>
-      <p:nvGrpSpPr>
-        <p:cNvPr id="1" name=""/>
-        <p:cNvGrpSpPr/>
-        <p:nvPr/>
-      </p:nvGrpSpPr>
-      <p:grpSpPr>
-        <a:xfrm>
-          <a:off x="0" y="0"/>
-          <a:ext cx="0" cy="0"/>
-          <a:chOff x="0" y="0"/>
-          <a:chExt cx="0" cy="0"/>
-        </a:xfrm>
-      </p:grpSpPr>
-      <p:sp>
-        <p:nvSpPr>
-          <p:cNvPr id="2" name="Title 1"/>
-          <p:cNvSpPr>
-            <a:spLocks noGrp="1"/>
-          </p:cNvSpPr>
-          <p:nvPr>
-            <p:ph type="title"/>
-          </p:nvPr>
-        </p:nvSpPr>
-        <p:spPr>
-          <a:xfrm>
-            <a:off x="628650" y="1079156"/>
-            <a:ext cx="7886700" cy="1231781"/>
-          </a:xfrm>
-        </p:spPr>
-        <p:txBody>
-          <a:bodyPr/>
-          <a:lstStyle/>
-          <a:p>
-            <a:r>
-              <a:rPr lang="en-US" dirty="0" smtClean="0"/>
-              <a:t>Chance Constrained Nonlinear Optimal Control</a:t>
-            </a:r>
-            <a:endParaRPr lang="en-US" dirty="0"/>
-          </a:p>
-        </p:txBody>
-      </p:sp>
-      <p:sp>
-        <p:nvSpPr>
-          <p:cNvPr id="3" name="Content Placeholder 2"/>
-          <p:cNvSpPr>
-            <a:spLocks noGrp="1"/>
-          </p:cNvSpPr>
-          <p:nvPr>
-            <p:ph idx="1"/>
-          </p:nvPr>
-        </p:nvSpPr>
-        <p:spPr>
-          <a:xfrm>
-            <a:off x="628650" y="2510443"/>
-            <a:ext cx="7886700" cy="3666519"/>
-          </a:xfrm>
-        </p:spPr>
-        <p:txBody>
-          <a:bodyPr/>
-          <a:lstStyle/>
-          <a:p>
-            <a:r>
-              <a:rPr lang="en-US" dirty="0" smtClean="0"/>
-              <a:t>(Covariance minimization is just one particular objective)</a:t>
-            </a:r>
-          </a:p>
-          <a:p>
-            <a:r>
-              <a:rPr lang="en-US" dirty="0" smtClean="0"/>
-              <a:t>For Gaussian uncertainty, we cannot guarantee that constraints will be met due to unboundedness, instead they must be met with a specified probability</a:t>
-            </a:r>
-            <a:endParaRPr lang="en-US" dirty="0"/>
-          </a:p>
-        </p:txBody>
-      </p:sp>
-      <p:sp>
-        <p:nvSpPr>
-          <p:cNvPr id="4" name="Date Placeholder 3"/>
-          <p:cNvSpPr>
-            <a:spLocks noGrp="1"/>
-          </p:cNvSpPr>
-          <p:nvPr>
-            <p:ph type="dt" sz="half" idx="10"/>
-          </p:nvPr>
-        </p:nvSpPr>
-        <p:spPr/>
-        <p:txBody>
-          <a:bodyPr/>
-          <a:lstStyle/>
-          <a:p>
-            <a:fld id="{9DF99ACD-61C7-4DA6-A8C9-329CC9B75ECD}" type="datetime1">
-              <a:rPr lang="en-US" smtClean="0"/>
-              <a:t>12/1/2018</a:t>
-            </a:fld>
-            <a:endParaRPr lang="en-US"/>
-          </a:p>
-        </p:txBody>
-      </p:sp>
-    </p:spTree>
-    <p:extLst>
-      <p:ext uri="{BB962C8B-B14F-4D97-AF65-F5344CB8AC3E}">
-        <p14:creationId xmlns:p14="http://schemas.microsoft.com/office/powerpoint/2010/main" val="3996060571"/>
-      </p:ext>
-    </p:extLst>
-  </p:cSld>
-  <p:clrMapOvr>
-    <a:masterClrMapping/>
-  </p:clrMapOvr>
-</p:sld>
-</file>
-
-<file path=ppt/slides/slide19.xml><?xml version="1.0" encoding="utf-8"?>
-<p:sld xmlns:a="http://schemas.openxmlformats.org/drawingml/2006/main" xmlns:r="http://schemas.openxmlformats.org/officeDocument/2006/relationships" xmlns:p="http://schemas.openxmlformats.org/presentationml/2006/main">
-  <p:cSld>
-    <p:spTree>
-      <p:nvGrpSpPr>
-        <p:cNvPr id="1" name=""/>
-        <p:cNvGrpSpPr/>
-        <p:nvPr/>
-      </p:nvGrpSpPr>
-      <p:grpSpPr>
-        <a:xfrm>
-          <a:off x="0" y="0"/>
-          <a:ext cx="0" cy="0"/>
-          <a:chOff x="0" y="0"/>
-          <a:chExt cx="0" cy="0"/>
-        </a:xfrm>
-      </p:grpSpPr>
       <p:grpSp>
         <p:nvGrpSpPr>
           <p:cNvPr id="8" name="Group 7"/>
@@ -6075,7 +5933,7 @@
         </p:nvGrpSpPr>
         <p:grpSpPr>
           <a:xfrm>
-            <a:off x="450825" y="1493229"/>
+            <a:off x="471607" y="1264627"/>
             <a:ext cx="1948399" cy="1948399"/>
             <a:chOff x="601099" y="847972"/>
             <a:chExt cx="2597865" cy="2597865"/>
@@ -6181,7 +6039,7 @@
         </p:nvGrpSpPr>
         <p:grpSpPr>
           <a:xfrm>
-            <a:off x="3616041" y="1493228"/>
+            <a:off x="3636823" y="1264626"/>
             <a:ext cx="2434813" cy="1948399"/>
             <a:chOff x="4019533" y="847972"/>
             <a:chExt cx="3246417" cy="2597865"/>
@@ -6298,7 +6156,7 @@
         </p:nvCxnSpPr>
         <p:spPr>
           <a:xfrm>
-            <a:off x="2458845" y="2467427"/>
+            <a:off x="2479627" y="2238825"/>
             <a:ext cx="1368211" cy="0"/>
           </a:xfrm>
           <a:prstGeom prst="straightConnector1">
@@ -6334,7 +6192,7 @@
         </p:nvCxnSpPr>
         <p:spPr>
           <a:xfrm>
-            <a:off x="5156573" y="1328843"/>
+            <a:off x="5177355" y="1100241"/>
             <a:ext cx="906473" cy="921108"/>
           </a:xfrm>
           <a:prstGeom prst="line">
@@ -6370,7 +6228,7 @@
         </p:nvSpPr>
         <p:spPr>
           <a:xfrm>
-            <a:off x="5535131" y="3399985"/>
+            <a:off x="5555913" y="3171383"/>
             <a:ext cx="1341265" cy="300082"/>
           </a:xfrm>
           <a:prstGeom prst="rect">
@@ -6404,7 +6262,7 @@
         </p:nvSpPr>
         <p:spPr>
           <a:xfrm>
-            <a:off x="6145822" y="2185307"/>
+            <a:off x="6166604" y="1956705"/>
             <a:ext cx="2206758" cy="300082"/>
           </a:xfrm>
           <a:prstGeom prst="rect">
@@ -6445,7 +6303,7 @@
         </p:nvSpPr>
         <p:spPr>
           <a:xfrm>
-            <a:off x="355855" y="3436912"/>
+            <a:off x="376637" y="3208310"/>
             <a:ext cx="1014060" cy="300082"/>
           </a:xfrm>
           <a:prstGeom prst="rect">
@@ -6479,7 +6337,7 @@
         </p:nvSpPr>
         <p:spPr>
           <a:xfrm>
-            <a:off x="2947594" y="2185307"/>
+            <a:off x="2968376" y="1956705"/>
             <a:ext cx="445956" cy="300082"/>
           </a:xfrm>
           <a:prstGeom prst="rect">
@@ -6508,7 +6366,7 @@
         </p:nvSpPr>
         <p:spPr>
           <a:xfrm>
-            <a:off x="909616" y="2173406"/>
+            <a:off x="930398" y="1944804"/>
             <a:ext cx="1093815" cy="715581"/>
           </a:xfrm>
           <a:prstGeom prst="rect">
@@ -6660,7 +6518,7 @@
         </p:nvSpPr>
         <p:spPr>
           <a:xfrm>
-            <a:off x="5505339" y="1207727"/>
+            <a:off x="5526121" y="979125"/>
             <a:ext cx="2361416" cy="300082"/>
           </a:xfrm>
           <a:prstGeom prst="rect">
@@ -6695,7 +6553,7 @@
         </p:nvCxnSpPr>
         <p:spPr>
           <a:xfrm flipH="1">
-            <a:off x="5800726" y="1507809"/>
+            <a:off x="5821508" y="1279207"/>
             <a:ext cx="885321" cy="172401"/>
           </a:xfrm>
           <a:prstGeom prst="straightConnector1">
@@ -6731,7 +6589,7 @@
         </p:nvSpPr>
         <p:spPr>
           <a:xfrm>
-            <a:off x="5945170" y="2688771"/>
+            <a:off x="5965952" y="2460169"/>
             <a:ext cx="2160399" cy="507831"/>
           </a:xfrm>
           <a:prstGeom prst="rect">
@@ -6878,7 +6736,7 @@
         </p:nvCxnSpPr>
         <p:spPr>
           <a:xfrm flipH="1" flipV="1">
-            <a:off x="5488415" y="2724399"/>
+            <a:off x="5509197" y="2495797"/>
             <a:ext cx="456755" cy="91818"/>
           </a:xfrm>
           <a:prstGeom prst="straightConnector1">
@@ -6911,8 +6769,8 @@
         </p:nvSpPr>
         <p:spPr>
           <a:xfrm>
-            <a:off x="7082941" y="3125558"/>
-            <a:ext cx="2010413" cy="938719"/>
+            <a:off x="7135856" y="2937460"/>
+            <a:ext cx="1760194" cy="938719"/>
           </a:xfrm>
           <a:prstGeom prst="rect">
             <a:avLst/>
@@ -7251,7 +7109,7 @@
         </p:nvSpPr>
         <p:spPr>
           <a:xfrm>
-            <a:off x="450825" y="5768376"/>
+            <a:off x="2399224" y="5894686"/>
             <a:ext cx="4515403" cy="923330"/>
           </a:xfrm>
           <a:prstGeom prst="rect">
@@ -7302,7 +7160,7 @@
           <a:p>
             <a:fld id="{8FD96B2B-987B-4DCA-84AB-91974E8B873F}" type="datetime1">
               <a:rPr lang="en-US" smtClean="0"/>
-              <a:t>12/1/2018</a:t>
+              <a:t>12/2/2018</a:t>
             </a:fld>
             <a:endParaRPr lang="en-US"/>
           </a:p>
@@ -7321,120 +7179,7 @@
 </p:sld>
 </file>
 
-<file path=ppt/slides/slide2.xml><?xml version="1.0" encoding="utf-8"?>
-<p:sld xmlns:a="http://schemas.openxmlformats.org/drawingml/2006/main" xmlns:r="http://schemas.openxmlformats.org/officeDocument/2006/relationships" xmlns:p="http://schemas.openxmlformats.org/presentationml/2006/main">
-  <p:cSld>
-    <p:spTree>
-      <p:nvGrpSpPr>
-        <p:cNvPr id="1" name=""/>
-        <p:cNvGrpSpPr/>
-        <p:nvPr/>
-      </p:nvGrpSpPr>
-      <p:grpSpPr>
-        <a:xfrm>
-          <a:off x="0" y="0"/>
-          <a:ext cx="0" cy="0"/>
-          <a:chOff x="0" y="0"/>
-          <a:chExt cx="0" cy="0"/>
-        </a:xfrm>
-      </p:grpSpPr>
-      <p:sp>
-        <p:nvSpPr>
-          <p:cNvPr id="2" name="Title 1"/>
-          <p:cNvSpPr>
-            <a:spLocks noGrp="1"/>
-          </p:cNvSpPr>
-          <p:nvPr>
-            <p:ph type="title"/>
-          </p:nvPr>
-        </p:nvSpPr>
-        <p:spPr/>
-        <p:txBody>
-          <a:bodyPr/>
-          <a:lstStyle/>
-          <a:p>
-            <a:r>
-              <a:rPr lang="en-US" dirty="0" smtClean="0"/>
-              <a:t>Outline</a:t>
-            </a:r>
-            <a:endParaRPr lang="en-US" dirty="0"/>
-          </a:p>
-        </p:txBody>
-      </p:sp>
-      <p:sp>
-        <p:nvSpPr>
-          <p:cNvPr id="3" name="Content Placeholder 2"/>
-          <p:cNvSpPr>
-            <a:spLocks noGrp="1"/>
-          </p:cNvSpPr>
-          <p:nvPr>
-            <p:ph idx="1"/>
-          </p:nvPr>
-        </p:nvSpPr>
-        <p:spPr/>
-        <p:txBody>
-          <a:bodyPr/>
-          <a:lstStyle/>
-          <a:p>
-            <a:r>
-              <a:rPr lang="en-US" dirty="0" smtClean="0"/>
-              <a:t>EDL Overview</a:t>
-            </a:r>
-          </a:p>
-          <a:p>
-            <a:r>
-              <a:rPr lang="en-US" dirty="0" smtClean="0"/>
-              <a:t>EG Review</a:t>
-            </a:r>
-          </a:p>
-          <a:p>
-            <a:r>
-              <a:rPr lang="en-US" dirty="0" smtClean="0"/>
-              <a:t>Stochastic Review</a:t>
-            </a:r>
-          </a:p>
-          <a:p>
-            <a:endParaRPr lang="en-US" dirty="0" smtClean="0"/>
-          </a:p>
-        </p:txBody>
-      </p:sp>
-      <p:sp>
-        <p:nvSpPr>
-          <p:cNvPr id="4" name="Date Placeholder 3"/>
-          <p:cNvSpPr>
-            <a:spLocks noGrp="1"/>
-          </p:cNvSpPr>
-          <p:nvPr>
-            <p:ph type="dt" sz="half" idx="10"/>
-          </p:nvPr>
-        </p:nvSpPr>
-        <p:spPr/>
-        <p:txBody>
-          <a:bodyPr/>
-          <a:lstStyle/>
-          <a:p>
-            <a:fld id="{DACEE8DD-B545-4020-BC5A-D34F01A5A26F}" type="datetime1">
-              <a:rPr lang="en-US" smtClean="0"/>
-              <a:t>12/1/2018</a:t>
-            </a:fld>
-            <a:endParaRPr lang="en-US"/>
-          </a:p>
-        </p:txBody>
-      </p:sp>
-    </p:spTree>
-    <p:extLst>
-      <p:ext uri="{BB962C8B-B14F-4D97-AF65-F5344CB8AC3E}">
-        <p14:creationId xmlns:p14="http://schemas.microsoft.com/office/powerpoint/2010/main" val="1847376359"/>
-      </p:ext>
-    </p:extLst>
-  </p:cSld>
-  <p:clrMapOvr>
-    <a:masterClrMapping/>
-  </p:clrMapOvr>
-</p:sld>
-</file>
-
-<file path=ppt/slides/slide20.xml><?xml version="1.0" encoding="utf-8"?>
+<file path=ppt/slides/slide16.xml><?xml version="1.0" encoding="utf-8"?>
 <p:sld xmlns:a="http://schemas.openxmlformats.org/drawingml/2006/main" xmlns:r="http://schemas.openxmlformats.org/officeDocument/2006/relationships" xmlns:p="http://schemas.openxmlformats.org/presentationml/2006/main">
   <p:cSld>
     <p:spTree>
@@ -7611,7 +7356,7 @@
           <a:p>
             <a:fld id="{15C82A65-9BD9-46BE-A84A-20244D58A9DA}" type="datetime1">
               <a:rPr lang="en-US" smtClean="0"/>
-              <a:t>12/1/2018</a:t>
+              <a:t>12/2/2018</a:t>
             </a:fld>
             <a:endParaRPr lang="en-US"/>
           </a:p>
@@ -7953,7 +7698,7 @@
 </p:sld>
 </file>
 
-<file path=ppt/slides/slide21.xml><?xml version="1.0" encoding="utf-8"?>
+<file path=ppt/slides/slide17.xml><?xml version="1.0" encoding="utf-8"?>
 <p:sld xmlns:a="http://schemas.openxmlformats.org/drawingml/2006/main" xmlns:r="http://schemas.openxmlformats.org/officeDocument/2006/relationships" xmlns:p="http://schemas.openxmlformats.org/presentationml/2006/main">
   <p:cSld>
     <p:spTree>
@@ -8043,16 +7788,32 @@
           <a:p>
             <a:r>
               <a:rPr lang="en-US" sz="2400" dirty="0" smtClean="0"/>
-              <a:t>Solution: Unscented transform scales as linear covariance propagation (when symmetry is not exploited)</a:t>
-            </a:r>
+              <a:t>Solution: Unscented transform </a:t>
+            </a:r>
+            <a:endParaRPr lang="en-US" sz="2400" dirty="0" smtClean="0"/>
           </a:p>
           <a:p>
             <a:pPr lvl="1"/>
             <a:r>
-              <a:rPr lang="en-US" sz="2000" dirty="0" smtClean="0"/>
-              <a:t>Relies on sampled trajectories which allows arbitrary dynamics and controller structure</a:t>
-            </a:r>
-            <a:endParaRPr lang="en-US" sz="2000" dirty="0"/>
+              <a:rPr lang="en-US" sz="1600" dirty="0" smtClean="0"/>
+              <a:t>Relies </a:t>
+            </a:r>
+            <a:r>
+              <a:rPr lang="en-US" sz="1600" dirty="0" smtClean="0"/>
+              <a:t>on sampled trajectories which allows arbitrary dynamics and controller </a:t>
+            </a:r>
+            <a:r>
+              <a:rPr lang="en-US" sz="1600" dirty="0" smtClean="0"/>
+              <a:t>structure</a:t>
+            </a:r>
+          </a:p>
+          <a:p>
+            <a:pPr lvl="1"/>
+            <a:r>
+              <a:rPr lang="en-US" sz="1600" dirty="0" smtClean="0"/>
+              <a:t>Scales favorably with system dimension </a:t>
+            </a:r>
+            <a:endParaRPr lang="en-US" sz="1600" dirty="0"/>
           </a:p>
         </p:txBody>
       </p:sp>
@@ -8073,7 +7834,7 @@
           <a:p>
             <a:fld id="{DACEE8DD-B545-4020-BC5A-D34F01A5A26F}" type="datetime1">
               <a:rPr lang="en-US" smtClean="0"/>
-              <a:t>12/1/2018</a:t>
+              <a:t>12/2/2018</a:t>
             </a:fld>
             <a:endParaRPr lang="en-US"/>
           </a:p>
@@ -8092,7 +7853,7 @@
 </p:sld>
 </file>
 
-<file path=ppt/slides/slide22.xml><?xml version="1.0" encoding="utf-8"?>
+<file path=ppt/slides/slide18.xml><?xml version="1.0" encoding="utf-8"?>
 <p:sld xmlns:a="http://schemas.openxmlformats.org/drawingml/2006/main" xmlns:r="http://schemas.openxmlformats.org/officeDocument/2006/relationships" xmlns:p="http://schemas.openxmlformats.org/presentationml/2006/main">
   <p:cSld>
     <p:spTree>
@@ -8148,23 +7909,37 @@
           <a:lstStyle/>
           <a:p>
             <a:r>
-              <a:rPr lang="en-US" dirty="0" smtClean="0"/>
+              <a:rPr lang="en-US" sz="2400" dirty="0" smtClean="0"/>
               <a:t>Application to SRP with LQR controller</a:t>
             </a:r>
           </a:p>
           <a:p>
             <a:pPr lvl="1"/>
             <a:r>
-              <a:rPr lang="en-US" dirty="0" smtClean="0"/>
+              <a:rPr lang="en-US" sz="2000" dirty="0" smtClean="0"/>
               <a:t>Potential for improving NLP solution methodology via sequential convex programming; UT grows problem size but for specified gains, the problem remains convex</a:t>
             </a:r>
           </a:p>
           <a:p>
             <a:r>
-              <a:rPr lang="en-US" dirty="0" smtClean="0"/>
+              <a:rPr lang="en-US" sz="2400" dirty="0" smtClean="0"/>
               <a:t>Extension to output feedback scenario with application to entry phase coupled with Apollo guidance, where the feedback states are measured or estimated quantities </a:t>
             </a:r>
-            <a:endParaRPr lang="en-US" dirty="0"/>
+            <a:endParaRPr lang="en-US" sz="2400" dirty="0" smtClean="0"/>
+          </a:p>
+          <a:p>
+            <a:r>
+              <a:rPr lang="en-US" sz="2400" dirty="0" smtClean="0"/>
+              <a:t>Multi-phase formulation that allows optimal ignition coupled with robust entry phase to achieve even lower fuel consumption </a:t>
+            </a:r>
+            <a:endParaRPr lang="en-US" sz="2400" dirty="0" smtClean="0"/>
+          </a:p>
+          <a:p>
+            <a:r>
+              <a:rPr lang="en-US" sz="2400" dirty="0" smtClean="0"/>
+              <a:t>Reformulate the constraints to achieve tighter satisfaction, guarantees </a:t>
+            </a:r>
+            <a:endParaRPr lang="en-US" sz="2400" dirty="0"/>
           </a:p>
         </p:txBody>
       </p:sp>
@@ -8185,7 +7960,7 @@
           <a:p>
             <a:fld id="{DACEE8DD-B545-4020-BC5A-D34F01A5A26F}" type="datetime1">
               <a:rPr lang="en-US" smtClean="0"/>
-              <a:t>12/1/2018</a:t>
+              <a:t>12/2/2018</a:t>
             </a:fld>
             <a:endParaRPr lang="en-US"/>
           </a:p>
@@ -8195,293 +7970,6 @@
     <p:extLst>
       <p:ext uri="{BB962C8B-B14F-4D97-AF65-F5344CB8AC3E}">
         <p14:creationId xmlns:p14="http://schemas.microsoft.com/office/powerpoint/2010/main" val="925077115"/>
-      </p:ext>
-    </p:extLst>
-  </p:cSld>
-  <p:clrMapOvr>
-    <a:masterClrMapping/>
-  </p:clrMapOvr>
-</p:sld>
-</file>
-
-<file path=ppt/slides/slide23.xml><?xml version="1.0" encoding="utf-8"?>
-<p:sld xmlns:a="http://schemas.openxmlformats.org/drawingml/2006/main" xmlns:r="http://schemas.openxmlformats.org/officeDocument/2006/relationships" xmlns:p="http://schemas.openxmlformats.org/presentationml/2006/main">
-  <p:cSld>
-    <p:spTree>
-      <p:nvGrpSpPr>
-        <p:cNvPr id="1" name=""/>
-        <p:cNvGrpSpPr/>
-        <p:nvPr/>
-      </p:nvGrpSpPr>
-      <p:grpSpPr>
-        <a:xfrm>
-          <a:off x="0" y="0"/>
-          <a:ext cx="0" cy="0"/>
-          <a:chOff x="0" y="0"/>
-          <a:chExt cx="0" cy="0"/>
-        </a:xfrm>
-      </p:grpSpPr>
-      <p:sp>
-        <p:nvSpPr>
-          <p:cNvPr id="2" name="Title 1"/>
-          <p:cNvSpPr>
-            <a:spLocks noGrp="1"/>
-          </p:cNvSpPr>
-          <p:nvPr>
-            <p:ph type="title"/>
-          </p:nvPr>
-        </p:nvSpPr>
-        <p:spPr/>
-        <p:txBody>
-          <a:bodyPr/>
-          <a:lstStyle/>
-          <a:p>
-            <a:r>
-              <a:rPr lang="en-US" dirty="0" smtClean="0"/>
-              <a:t>Covariance Minimization</a:t>
-            </a:r>
-            <a:endParaRPr lang="en-US" dirty="0"/>
-          </a:p>
-        </p:txBody>
-      </p:sp>
-      <p:sp>
-        <p:nvSpPr>
-          <p:cNvPr id="3" name="Content Placeholder 2"/>
-          <p:cNvSpPr>
-            <a:spLocks noGrp="1"/>
-          </p:cNvSpPr>
-          <p:nvPr>
-            <p:ph idx="1"/>
-          </p:nvPr>
-        </p:nvSpPr>
-        <p:spPr>
-          <a:xfrm>
-            <a:off x="628650" y="1825624"/>
-            <a:ext cx="7886700" cy="4857397"/>
-          </a:xfrm>
-        </p:spPr>
-        <p:txBody>
-          <a:bodyPr/>
-          <a:lstStyle/>
-          <a:p>
-            <a:r>
-              <a:rPr lang="en-US" dirty="0" smtClean="0"/>
-              <a:t>Consider first the LTV case, with unconstrained control</a:t>
-            </a:r>
-          </a:p>
-          <a:p>
-            <a:r>
-              <a:rPr lang="en-US" dirty="0" smtClean="0"/>
-              <a:t>For suitable choice of norm on the final covariance matrix, the problem reduces to standard LQR with a particular boundary condition</a:t>
-            </a:r>
-          </a:p>
-          <a:p>
-            <a:pPr lvl="1"/>
-            <a:r>
-              <a:rPr lang="en-US" dirty="0" smtClean="0"/>
-              <a:t>The required norm is the trace operator</a:t>
-            </a:r>
-          </a:p>
-          <a:p>
-            <a:pPr lvl="1"/>
-            <a:r>
-              <a:rPr lang="en-US" dirty="0" smtClean="0"/>
-              <a:t>The LQ state weight matrix Q = I</a:t>
-            </a:r>
-          </a:p>
-          <a:p>
-            <a:r>
-              <a:rPr lang="en-US" dirty="0" smtClean="0"/>
-              <a:t>The trace is a suitable choice in many cases</a:t>
-            </a:r>
-          </a:p>
-          <a:p>
-            <a:pPr lvl="1"/>
-            <a:r>
-              <a:rPr lang="en-US" dirty="0" smtClean="0"/>
-              <a:t>Geometrically, it is related to the size of the covariance ellipse, while ignoring directional information</a:t>
-            </a:r>
-          </a:p>
-          <a:p>
-            <a:endParaRPr lang="en-US" dirty="0" smtClean="0"/>
-          </a:p>
-        </p:txBody>
-      </p:sp>
-      <p:sp>
-        <p:nvSpPr>
-          <p:cNvPr id="4" name="Date Placeholder 3"/>
-          <p:cNvSpPr>
-            <a:spLocks noGrp="1"/>
-          </p:cNvSpPr>
-          <p:nvPr>
-            <p:ph type="dt" sz="half" idx="10"/>
-          </p:nvPr>
-        </p:nvSpPr>
-        <p:spPr/>
-        <p:txBody>
-          <a:bodyPr/>
-          <a:lstStyle/>
-          <a:p>
-            <a:fld id="{00B1D89B-5FC1-44E0-BDF5-5035AB8FD380}" type="datetime1">
-              <a:rPr lang="en-US" smtClean="0"/>
-              <a:t>12/1/2018</a:t>
-            </a:fld>
-            <a:endParaRPr lang="en-US"/>
-          </a:p>
-        </p:txBody>
-      </p:sp>
-    </p:spTree>
-    <p:extLst>
-      <p:ext uri="{BB962C8B-B14F-4D97-AF65-F5344CB8AC3E}">
-        <p14:creationId xmlns:p14="http://schemas.microsoft.com/office/powerpoint/2010/main" val="3096368325"/>
-      </p:ext>
-    </p:extLst>
-  </p:cSld>
-  <p:clrMapOvr>
-    <a:masterClrMapping/>
-  </p:clrMapOvr>
-</p:sld>
-</file>
-
-<file path=ppt/slides/slide24.xml><?xml version="1.0" encoding="utf-8"?>
-<p:sld xmlns:a="http://schemas.openxmlformats.org/drawingml/2006/main" xmlns:r="http://schemas.openxmlformats.org/officeDocument/2006/relationships" xmlns:p="http://schemas.openxmlformats.org/presentationml/2006/main">
-  <p:cSld>
-    <p:spTree>
-      <p:nvGrpSpPr>
-        <p:cNvPr id="1" name=""/>
-        <p:cNvGrpSpPr/>
-        <p:nvPr/>
-      </p:nvGrpSpPr>
-      <p:grpSpPr>
-        <a:xfrm>
-          <a:off x="0" y="0"/>
-          <a:ext cx="0" cy="0"/>
-          <a:chOff x="0" y="0"/>
-          <a:chExt cx="0" cy="0"/>
-        </a:xfrm>
-      </p:grpSpPr>
-      <p:sp>
-        <p:nvSpPr>
-          <p:cNvPr id="2" name="Title 1"/>
-          <p:cNvSpPr>
-            <a:spLocks noGrp="1"/>
-          </p:cNvSpPr>
-          <p:nvPr>
-            <p:ph type="title"/>
-          </p:nvPr>
-        </p:nvSpPr>
-        <p:spPr/>
-        <p:txBody>
-          <a:bodyPr/>
-          <a:lstStyle/>
-          <a:p>
-            <a:r>
-              <a:rPr lang="en-US" dirty="0" smtClean="0"/>
-              <a:t>Variance Minimization</a:t>
-            </a:r>
-            <a:endParaRPr lang="en-US" dirty="0"/>
-          </a:p>
-        </p:txBody>
-      </p:sp>
-      <p:sp>
-        <p:nvSpPr>
-          <p:cNvPr id="3" name="Content Placeholder 2"/>
-          <p:cNvSpPr>
-            <a:spLocks noGrp="1"/>
-          </p:cNvSpPr>
-          <p:nvPr>
-            <p:ph idx="1"/>
-          </p:nvPr>
-        </p:nvSpPr>
-        <p:spPr>
-          <a:xfrm>
-            <a:off x="628650" y="1825624"/>
-            <a:ext cx="7886700" cy="4909283"/>
-          </a:xfrm>
-        </p:spPr>
-        <p:txBody>
-          <a:bodyPr/>
-          <a:lstStyle/>
-          <a:p>
-            <a:r>
-              <a:rPr lang="en-US" dirty="0"/>
-              <a:t>Next consider the same scenario with bounded control inputs</a:t>
-            </a:r>
-          </a:p>
-          <a:p>
-            <a:pPr lvl="1"/>
-            <a:r>
-              <a:rPr lang="en-US" dirty="0"/>
-              <a:t>The optimal control law is bang-bang in nature</a:t>
-            </a:r>
-          </a:p>
-          <a:p>
-            <a:pPr lvl="1"/>
-            <a:r>
-              <a:rPr lang="en-US" dirty="0"/>
-              <a:t>Can no longer decouple mean and covariance problems </a:t>
-            </a:r>
-            <a:endParaRPr lang="en-US" dirty="0" smtClean="0"/>
-          </a:p>
-          <a:p>
-            <a:r>
-              <a:rPr lang="en-US" dirty="0" smtClean="0"/>
-              <a:t>In zero mean case, optimal control in linear feedback is achieved as K -&gt; </a:t>
-            </a:r>
-            <a:r>
-              <a:rPr lang="en-US" dirty="0" err="1" smtClean="0"/>
-              <a:t>inf</a:t>
-            </a:r>
-            <a:r>
-              <a:rPr lang="en-US" dirty="0" smtClean="0"/>
-              <a:t>, resulting in bang-bang control = -</a:t>
-            </a:r>
-            <a:r>
-              <a:rPr lang="en-US" dirty="0" err="1" smtClean="0"/>
-              <a:t>Umax</a:t>
-            </a:r>
-            <a:r>
-              <a:rPr lang="en-US" dirty="0" smtClean="0"/>
-              <a:t>*sign(x)</a:t>
-            </a:r>
-            <a:endParaRPr lang="en-US" dirty="0"/>
-          </a:p>
-          <a:p>
-            <a:r>
-              <a:rPr lang="en-US" dirty="0" smtClean="0"/>
-              <a:t>Even for linear problems, we turn to an optimization approach: find the optimal mean trajectory such that covariance is minimized under discontinuous feedback</a:t>
-            </a:r>
-            <a:endParaRPr lang="en-US" dirty="0"/>
-          </a:p>
-        </p:txBody>
-      </p:sp>
-      <p:sp>
-        <p:nvSpPr>
-          <p:cNvPr id="4" name="Date Placeholder 3"/>
-          <p:cNvSpPr>
-            <a:spLocks noGrp="1"/>
-          </p:cNvSpPr>
-          <p:nvPr>
-            <p:ph type="dt" sz="half" idx="10"/>
-          </p:nvPr>
-        </p:nvSpPr>
-        <p:spPr/>
-        <p:txBody>
-          <a:bodyPr/>
-          <a:lstStyle/>
-          <a:p>
-            <a:fld id="{654B51E4-67EB-4079-B5AA-F6AC5D100AB5}" type="datetime1">
-              <a:rPr lang="en-US" smtClean="0"/>
-              <a:t>12/1/2018</a:t>
-            </a:fld>
-            <a:endParaRPr lang="en-US"/>
-          </a:p>
-        </p:txBody>
-      </p:sp>
-    </p:spTree>
-    <p:extLst>
-      <p:ext uri="{BB962C8B-B14F-4D97-AF65-F5344CB8AC3E}">
-        <p14:creationId xmlns:p14="http://schemas.microsoft.com/office/powerpoint/2010/main" val="1023245691"/>
       </p:ext>
     </p:extLst>
   </p:cSld>
@@ -8498,7 +7986,7 @@
 </p:sld>
 </file>
 
-<file path=ppt/slides/slide25.xml><?xml version="1.0" encoding="utf-8"?>
+<file path=ppt/slides/slide19.xml><?xml version="1.0" encoding="utf-8"?>
 <p:sld xmlns:a="http://schemas.openxmlformats.org/drawingml/2006/main" xmlns:r="http://schemas.openxmlformats.org/officeDocument/2006/relationships" xmlns:p="http://schemas.openxmlformats.org/presentationml/2006/main">
   <p:cSld>
     <p:spTree>
@@ -8646,9 +8134,32 @@
           </p:sp>
         </mc:Fallback>
       </mc:AlternateContent>
+      <p:sp>
+        <p:nvSpPr>
+          <p:cNvPr id="4" name="Date Placeholder 3"/>
+          <p:cNvSpPr>
+            <a:spLocks noGrp="1"/>
+          </p:cNvSpPr>
+          <p:nvPr>
+            <p:ph type="dt" sz="half" idx="10"/>
+          </p:nvPr>
+        </p:nvSpPr>
+        <p:spPr/>
+        <p:txBody>
+          <a:bodyPr/>
+          <a:lstStyle/>
+          <a:p>
+            <a:fld id="{DACEE8DD-B545-4020-BC5A-D34F01A5A26F}" type="datetime1">
+              <a:rPr lang="en-US" smtClean="0"/>
+              <a:t>12/2/2018</a:t>
+            </a:fld>
+            <a:endParaRPr lang="en-US"/>
+          </a:p>
+        </p:txBody>
+      </p:sp>
       <p:pic>
         <p:nvPicPr>
-          <p:cNvPr id="5" name="Content Placeholder 4"/>
+          <p:cNvPr id="6" name="Content Placeholder 5"/>
           <p:cNvPicPr>
             <a:picLocks noGrp="1" noChangeAspect="1"/>
           </p:cNvPicPr>
@@ -8664,36 +8175,118 @@
               </a:ext>
             </a:extLst>
           </a:blip>
-          <a:srcRect l="9630" r="7113"/>
+          <a:srcRect l="9156" t="4093" r="6786" b="7410"/>
           <a:stretch/>
         </p:blipFill>
         <p:spPr>
           <a:xfrm>
-            <a:off x="628650" y="1690689"/>
-            <a:ext cx="7954633" cy="4992779"/>
+            <a:off x="2942659" y="1922317"/>
+            <a:ext cx="6081846" cy="3345969"/>
           </a:xfrm>
         </p:spPr>
       </p:pic>
       <p:sp>
         <p:nvSpPr>
-          <p:cNvPr id="4" name="Date Placeholder 3"/>
-          <p:cNvSpPr>
-            <a:spLocks noGrp="1"/>
-          </p:cNvSpPr>
-          <p:nvPr>
-            <p:ph type="dt" sz="half" idx="10"/>
-          </p:nvPr>
-        </p:nvSpPr>
-        <p:spPr/>
-        <p:txBody>
-          <a:bodyPr/>
-          <a:lstStyle/>
-          <a:p>
-            <a:fld id="{DACEE8DD-B545-4020-BC5A-D34F01A5A26F}" type="datetime1">
-              <a:rPr lang="en-US" smtClean="0"/>
-              <a:t>12/1/2018</a:t>
-            </a:fld>
-            <a:endParaRPr lang="en-US"/>
+          <p:cNvPr id="7" name="TextBox 6"/>
+          <p:cNvSpPr txBox="1"/>
+          <p:nvPr/>
+        </p:nvSpPr>
+        <p:spPr>
+          <a:xfrm>
+            <a:off x="297060" y="5361806"/>
+            <a:ext cx="7371430" cy="923330"/>
+          </a:xfrm>
+          <a:prstGeom prst="rect">
+            <a:avLst/>
+          </a:prstGeom>
+          <a:noFill/>
+        </p:spPr>
+        <p:txBody>
+          <a:bodyPr wrap="square" rtlCol="0">
+            <a:spAutoFit/>
+          </a:bodyPr>
+          <a:lstStyle/>
+          <a:p>
+            <a:pPr marL="285750" indent="-285750">
+              <a:buFont typeface="Arial" panose="020B0604020202020204" pitchFamily="34" charset="0"/>
+              <a:buChar char="•"/>
+            </a:pPr>
+            <a:r>
+              <a:rPr lang="en-US" dirty="0" smtClean="0"/>
+              <a:t>The nonlinearity has a contracting effect, allowing even the open loop scenario to reduce the state variance</a:t>
+            </a:r>
+          </a:p>
+          <a:p>
+            <a:pPr marL="285750" indent="-285750">
+              <a:buFont typeface="Arial" panose="020B0604020202020204" pitchFamily="34" charset="0"/>
+              <a:buChar char="•"/>
+            </a:pPr>
+            <a:r>
+              <a:rPr lang="en-US" dirty="0" smtClean="0"/>
+              <a:t>Provides the optimal bias of the reference from the constraint(s)</a:t>
+            </a:r>
+            <a:endParaRPr lang="en-US" dirty="0"/>
+          </a:p>
+        </p:txBody>
+      </p:sp>
+      <p:sp>
+        <p:nvSpPr>
+          <p:cNvPr id="9" name="TextBox 8"/>
+          <p:cNvSpPr txBox="1"/>
+          <p:nvPr/>
+        </p:nvSpPr>
+        <p:spPr>
+          <a:xfrm>
+            <a:off x="297058" y="2790598"/>
+            <a:ext cx="2529269" cy="2862322"/>
+          </a:xfrm>
+          <a:prstGeom prst="rect">
+            <a:avLst/>
+          </a:prstGeom>
+          <a:noFill/>
+        </p:spPr>
+        <p:txBody>
+          <a:bodyPr wrap="square" rtlCol="0">
+            <a:spAutoFit/>
+          </a:bodyPr>
+          <a:lstStyle/>
+          <a:p>
+            <a:pPr marL="285750" indent="-285750">
+              <a:buFont typeface="Arial" panose="020B0604020202020204" pitchFamily="34" charset="0"/>
+              <a:buChar char="•"/>
+            </a:pPr>
+            <a:r>
+              <a:rPr lang="en-US" dirty="0"/>
+              <a:t>Uncertainty only in initial state</a:t>
+            </a:r>
+          </a:p>
+          <a:p>
+            <a:pPr marL="285750" indent="-285750">
+              <a:buFont typeface="Arial" panose="020B0604020202020204" pitchFamily="34" charset="0"/>
+              <a:buChar char="•"/>
+            </a:pPr>
+            <a:r>
+              <a:rPr lang="en-US" dirty="0"/>
+              <a:t>Fixed final condition at the </a:t>
+            </a:r>
+            <a:r>
+              <a:rPr lang="en-US" dirty="0" smtClean="0"/>
+              <a:t>origin</a:t>
+            </a:r>
+          </a:p>
+          <a:p>
+            <a:pPr marL="285750" indent="-285750">
+              <a:buFont typeface="Arial" panose="020B0604020202020204" pitchFamily="34" charset="0"/>
+              <a:buChar char="•"/>
+            </a:pPr>
+            <a:r>
+              <a:rPr lang="en-US" dirty="0" smtClean="0"/>
+              <a:t>Objective is to minimize the final variance, special case of mean-variance objective</a:t>
+            </a:r>
+            <a:endParaRPr lang="en-US" dirty="0"/>
+          </a:p>
+          <a:p>
+            <a:endParaRPr lang="en-US" dirty="0"/>
           </a:p>
         </p:txBody>
       </p:sp>
@@ -8701,6 +8294,966 @@
     <p:extLst>
       <p:ext uri="{BB962C8B-B14F-4D97-AF65-F5344CB8AC3E}">
         <p14:creationId xmlns:p14="http://schemas.microsoft.com/office/powerpoint/2010/main" val="2390427066"/>
+      </p:ext>
+    </p:extLst>
+  </p:cSld>
+  <p:clrMapOvr>
+    <a:masterClrMapping/>
+  </p:clrMapOvr>
+  <p:timing>
+    <p:tnLst>
+      <p:par>
+        <p:cTn id="1" dur="indefinite" restart="never" nodeType="tmRoot"/>
+      </p:par>
+    </p:tnLst>
+  </p:timing>
+</p:sld>
+</file>
+
+<file path=ppt/slides/slide2.xml><?xml version="1.0" encoding="utf-8"?>
+<p:sld xmlns:a="http://schemas.openxmlformats.org/drawingml/2006/main" xmlns:r="http://schemas.openxmlformats.org/officeDocument/2006/relationships" xmlns:p="http://schemas.openxmlformats.org/presentationml/2006/main">
+  <p:cSld>
+    <p:spTree>
+      <p:nvGrpSpPr>
+        <p:cNvPr id="1" name=""/>
+        <p:cNvGrpSpPr/>
+        <p:nvPr/>
+      </p:nvGrpSpPr>
+      <p:grpSpPr>
+        <a:xfrm>
+          <a:off x="0" y="0"/>
+          <a:ext cx="0" cy="0"/>
+          <a:chOff x="0" y="0"/>
+          <a:chExt cx="0" cy="0"/>
+        </a:xfrm>
+      </p:grpSpPr>
+      <p:sp>
+        <p:nvSpPr>
+          <p:cNvPr id="2" name="Title 1"/>
+          <p:cNvSpPr>
+            <a:spLocks noGrp="1"/>
+          </p:cNvSpPr>
+          <p:nvPr>
+            <p:ph type="title"/>
+          </p:nvPr>
+        </p:nvSpPr>
+        <p:spPr/>
+        <p:txBody>
+          <a:bodyPr/>
+          <a:lstStyle/>
+          <a:p>
+            <a:r>
+              <a:rPr lang="en-US" dirty="0" smtClean="0"/>
+              <a:t>Outline</a:t>
+            </a:r>
+            <a:endParaRPr lang="en-US" dirty="0"/>
+          </a:p>
+        </p:txBody>
+      </p:sp>
+      <p:sp>
+        <p:nvSpPr>
+          <p:cNvPr id="3" name="Content Placeholder 2"/>
+          <p:cNvSpPr>
+            <a:spLocks noGrp="1"/>
+          </p:cNvSpPr>
+          <p:nvPr>
+            <p:ph idx="1"/>
+          </p:nvPr>
+        </p:nvSpPr>
+        <p:spPr/>
+        <p:txBody>
+          <a:bodyPr/>
+          <a:lstStyle/>
+          <a:p>
+            <a:r>
+              <a:rPr lang="en-US" dirty="0" smtClean="0"/>
+              <a:t>EDL Overview</a:t>
+            </a:r>
+          </a:p>
+          <a:p>
+            <a:r>
+              <a:rPr lang="en-US" dirty="0" smtClean="0"/>
+              <a:t>EG Review</a:t>
+            </a:r>
+          </a:p>
+          <a:p>
+            <a:r>
+              <a:rPr lang="en-US" dirty="0" smtClean="0"/>
+              <a:t>Stochastic Literature </a:t>
+            </a:r>
+            <a:r>
+              <a:rPr lang="en-US" dirty="0" smtClean="0"/>
+              <a:t>Review</a:t>
+            </a:r>
+          </a:p>
+          <a:p>
+            <a:r>
+              <a:rPr lang="en-US" dirty="0" smtClean="0"/>
+              <a:t>My contributions, path forward to completion</a:t>
+            </a:r>
+            <a:endParaRPr lang="en-US" dirty="0" smtClean="0"/>
+          </a:p>
+        </p:txBody>
+      </p:sp>
+      <p:sp>
+        <p:nvSpPr>
+          <p:cNvPr id="4" name="Date Placeholder 3"/>
+          <p:cNvSpPr>
+            <a:spLocks noGrp="1"/>
+          </p:cNvSpPr>
+          <p:nvPr>
+            <p:ph type="dt" sz="half" idx="10"/>
+          </p:nvPr>
+        </p:nvSpPr>
+        <p:spPr/>
+        <p:txBody>
+          <a:bodyPr/>
+          <a:lstStyle/>
+          <a:p>
+            <a:fld id="{DACEE8DD-B545-4020-BC5A-D34F01A5A26F}" type="datetime1">
+              <a:rPr lang="en-US" smtClean="0"/>
+              <a:t>12/2/2018</a:t>
+            </a:fld>
+            <a:endParaRPr lang="en-US"/>
+          </a:p>
+        </p:txBody>
+      </p:sp>
+    </p:spTree>
+    <p:extLst>
+      <p:ext uri="{BB962C8B-B14F-4D97-AF65-F5344CB8AC3E}">
+        <p14:creationId xmlns:p14="http://schemas.microsoft.com/office/powerpoint/2010/main" val="1847376359"/>
+      </p:ext>
+    </p:extLst>
+  </p:cSld>
+  <p:clrMapOvr>
+    <a:masterClrMapping/>
+  </p:clrMapOvr>
+</p:sld>
+</file>
+
+<file path=ppt/slides/slide20.xml><?xml version="1.0" encoding="utf-8"?>
+<p:sld xmlns:a="http://schemas.openxmlformats.org/drawingml/2006/main" xmlns:r="http://schemas.openxmlformats.org/officeDocument/2006/relationships" xmlns:p="http://schemas.openxmlformats.org/presentationml/2006/main">
+  <p:cSld>
+    <p:spTree>
+      <p:nvGrpSpPr>
+        <p:cNvPr id="1" name=""/>
+        <p:cNvGrpSpPr/>
+        <p:nvPr/>
+      </p:nvGrpSpPr>
+      <p:grpSpPr>
+        <a:xfrm>
+          <a:off x="0" y="0"/>
+          <a:ext cx="0" cy="0"/>
+          <a:chOff x="0" y="0"/>
+          <a:chExt cx="0" cy="0"/>
+        </a:xfrm>
+      </p:grpSpPr>
+      <p:sp>
+        <p:nvSpPr>
+          <p:cNvPr id="2" name="Title 1"/>
+          <p:cNvSpPr>
+            <a:spLocks noGrp="1"/>
+          </p:cNvSpPr>
+          <p:nvPr>
+            <p:ph type="title"/>
+          </p:nvPr>
+        </p:nvSpPr>
+        <p:spPr>
+          <a:xfrm>
+            <a:off x="628649" y="1079157"/>
+            <a:ext cx="8869034" cy="1258600"/>
+          </a:xfrm>
+        </p:spPr>
+        <p:txBody>
+          <a:bodyPr/>
+          <a:lstStyle/>
+          <a:p>
+            <a:r>
+              <a:rPr lang="en-US" dirty="0" smtClean="0"/>
+              <a:t>Application: </a:t>
+            </a:r>
+            <a:br>
+              <a:rPr lang="en-US" dirty="0" smtClean="0"/>
+            </a:br>
+            <a:r>
+              <a:rPr lang="en-US" dirty="0" smtClean="0"/>
+              <a:t>Supersonic </a:t>
+            </a:r>
+            <a:r>
+              <a:rPr lang="en-US" dirty="0" err="1" smtClean="0"/>
+              <a:t>Retropropulsion</a:t>
+            </a:r>
+            <a:endParaRPr lang="en-US" dirty="0"/>
+          </a:p>
+        </p:txBody>
+      </p:sp>
+      <p:sp>
+        <p:nvSpPr>
+          <p:cNvPr id="3" name="Content Placeholder 2"/>
+          <p:cNvSpPr>
+            <a:spLocks noGrp="1"/>
+          </p:cNvSpPr>
+          <p:nvPr>
+            <p:ph idx="1"/>
+          </p:nvPr>
+        </p:nvSpPr>
+        <p:spPr>
+          <a:xfrm>
+            <a:off x="628650" y="2337757"/>
+            <a:ext cx="7886700" cy="3839205"/>
+          </a:xfrm>
+        </p:spPr>
+        <p:txBody>
+          <a:bodyPr/>
+          <a:lstStyle/>
+          <a:p>
+            <a:r>
+              <a:rPr lang="en-US" dirty="0"/>
+              <a:t>During vehicle design, </a:t>
+            </a:r>
+            <a:r>
+              <a:rPr lang="en-US" dirty="0" smtClean="0"/>
+              <a:t>we seek to minimize propellant use under uncertainty during the powered descent phase  </a:t>
+            </a:r>
+          </a:p>
+          <a:p>
+            <a:pPr lvl="1"/>
+            <a:r>
+              <a:rPr lang="en-US" dirty="0" smtClean="0"/>
+              <a:t>J = -m(</a:t>
+            </a:r>
+            <a:r>
+              <a:rPr lang="en-US" dirty="0" err="1" smtClean="0"/>
+              <a:t>tf</a:t>
+            </a:r>
+            <a:r>
+              <a:rPr lang="en-US" dirty="0" smtClean="0"/>
+              <a:t>)</a:t>
+            </a:r>
+          </a:p>
+          <a:p>
+            <a:pPr lvl="1"/>
+            <a:r>
+              <a:rPr lang="en-US" dirty="0" smtClean="0"/>
+              <a:t>This allows us to deliver the heaviest payload to the surface</a:t>
+            </a:r>
+          </a:p>
+          <a:p>
+            <a:r>
+              <a:rPr lang="en-US" dirty="0" smtClean="0"/>
+              <a:t>The system is subject to bounded thrust magnitude, glide-slope constraint that prevents shallow flight</a:t>
+            </a:r>
+          </a:p>
+        </p:txBody>
+      </p:sp>
+      <p:sp>
+        <p:nvSpPr>
+          <p:cNvPr id="4" name="Date Placeholder 3"/>
+          <p:cNvSpPr>
+            <a:spLocks noGrp="1"/>
+          </p:cNvSpPr>
+          <p:nvPr>
+            <p:ph type="dt" sz="half" idx="10"/>
+          </p:nvPr>
+        </p:nvSpPr>
+        <p:spPr/>
+        <p:txBody>
+          <a:bodyPr/>
+          <a:lstStyle/>
+          <a:p>
+            <a:fld id="{FA3B38A7-CC6F-4E29-89B7-25D234EC0321}" type="datetime1">
+              <a:rPr lang="en-US" smtClean="0"/>
+              <a:t>12/2/2018</a:t>
+            </a:fld>
+            <a:endParaRPr lang="en-US"/>
+          </a:p>
+        </p:txBody>
+      </p:sp>
+    </p:spTree>
+    <p:extLst>
+      <p:ext uri="{BB962C8B-B14F-4D97-AF65-F5344CB8AC3E}">
+        <p14:creationId xmlns:p14="http://schemas.microsoft.com/office/powerpoint/2010/main" val="3220044604"/>
+      </p:ext>
+    </p:extLst>
+  </p:cSld>
+  <p:clrMapOvr>
+    <a:masterClrMapping/>
+  </p:clrMapOvr>
+  <p:timing>
+    <p:tnLst>
+      <p:par>
+        <p:cTn id="1" dur="indefinite" restart="never" nodeType="tmRoot"/>
+      </p:par>
+    </p:tnLst>
+  </p:timing>
+</p:sld>
+</file>
+
+<file path=ppt/slides/slide21.xml><?xml version="1.0" encoding="utf-8"?>
+<p:sld xmlns:a="http://schemas.openxmlformats.org/drawingml/2006/main" xmlns:r="http://schemas.openxmlformats.org/officeDocument/2006/relationships" xmlns:p="http://schemas.openxmlformats.org/presentationml/2006/main">
+  <p:cSld>
+    <p:spTree>
+      <p:nvGrpSpPr>
+        <p:cNvPr id="1" name=""/>
+        <p:cNvGrpSpPr/>
+        <p:nvPr/>
+      </p:nvGrpSpPr>
+      <p:grpSpPr>
+        <a:xfrm>
+          <a:off x="0" y="0"/>
+          <a:ext cx="0" cy="0"/>
+          <a:chOff x="0" y="0"/>
+          <a:chExt cx="0" cy="0"/>
+        </a:xfrm>
+      </p:grpSpPr>
+      <p:sp>
+        <p:nvSpPr>
+          <p:cNvPr id="2" name="Title 1"/>
+          <p:cNvSpPr>
+            <a:spLocks noGrp="1"/>
+          </p:cNvSpPr>
+          <p:nvPr>
+            <p:ph type="title"/>
+          </p:nvPr>
+        </p:nvSpPr>
+        <p:spPr/>
+        <p:txBody>
+          <a:bodyPr/>
+          <a:lstStyle/>
+          <a:p>
+            <a:r>
+              <a:rPr lang="en-US" dirty="0" smtClean="0"/>
+              <a:t>Application: Entry Guidance </a:t>
+            </a:r>
+            <a:endParaRPr lang="en-US" dirty="0"/>
+          </a:p>
+        </p:txBody>
+      </p:sp>
+      <p:sp>
+        <p:nvSpPr>
+          <p:cNvPr id="3" name="Content Placeholder 2"/>
+          <p:cNvSpPr>
+            <a:spLocks noGrp="1"/>
+          </p:cNvSpPr>
+          <p:nvPr>
+            <p:ph idx="1"/>
+          </p:nvPr>
+        </p:nvSpPr>
+        <p:spPr/>
+        <p:txBody>
+          <a:bodyPr/>
+          <a:lstStyle/>
+          <a:p>
+            <a:endParaRPr lang="en-US"/>
+          </a:p>
+        </p:txBody>
+      </p:sp>
+      <p:sp>
+        <p:nvSpPr>
+          <p:cNvPr id="4" name="Date Placeholder 3"/>
+          <p:cNvSpPr>
+            <a:spLocks noGrp="1"/>
+          </p:cNvSpPr>
+          <p:nvPr>
+            <p:ph type="dt" sz="half" idx="10"/>
+          </p:nvPr>
+        </p:nvSpPr>
+        <p:spPr/>
+        <p:txBody>
+          <a:bodyPr/>
+          <a:lstStyle/>
+          <a:p>
+            <a:fld id="{DACEE8DD-B545-4020-BC5A-D34F01A5A26F}" type="datetime1">
+              <a:rPr lang="en-US" smtClean="0"/>
+              <a:t>12/2/2018</a:t>
+            </a:fld>
+            <a:endParaRPr lang="en-US"/>
+          </a:p>
+        </p:txBody>
+      </p:sp>
+    </p:spTree>
+    <p:extLst>
+      <p:ext uri="{BB962C8B-B14F-4D97-AF65-F5344CB8AC3E}">
+        <p14:creationId xmlns:p14="http://schemas.microsoft.com/office/powerpoint/2010/main" val="3772574033"/>
+      </p:ext>
+    </p:extLst>
+  </p:cSld>
+  <p:clrMapOvr>
+    <a:masterClrMapping/>
+  </p:clrMapOvr>
+</p:sld>
+</file>
+
+<file path=ppt/slides/slide22.xml><?xml version="1.0" encoding="utf-8"?>
+<p:sld xmlns:a="http://schemas.openxmlformats.org/drawingml/2006/main" xmlns:r="http://schemas.openxmlformats.org/officeDocument/2006/relationships" xmlns:p="http://schemas.openxmlformats.org/presentationml/2006/main">
+  <p:cSld>
+    <p:spTree>
+      <p:nvGrpSpPr>
+        <p:cNvPr id="1" name=""/>
+        <p:cNvGrpSpPr/>
+        <p:nvPr/>
+      </p:nvGrpSpPr>
+      <p:grpSpPr>
+        <a:xfrm>
+          <a:off x="0" y="0"/>
+          <a:ext cx="0" cy="0"/>
+          <a:chOff x="0" y="0"/>
+          <a:chExt cx="0" cy="0"/>
+        </a:xfrm>
+      </p:grpSpPr>
+      <p:sp>
+        <p:nvSpPr>
+          <p:cNvPr id="2" name="Title 1"/>
+          <p:cNvSpPr>
+            <a:spLocks noGrp="1"/>
+          </p:cNvSpPr>
+          <p:nvPr>
+            <p:ph type="title"/>
+          </p:nvPr>
+        </p:nvSpPr>
+        <p:spPr>
+          <a:xfrm>
+            <a:off x="628650" y="1079156"/>
+            <a:ext cx="7886700" cy="1248407"/>
+          </a:xfrm>
+        </p:spPr>
+        <p:txBody>
+          <a:bodyPr/>
+          <a:lstStyle/>
+          <a:p>
+            <a:r>
+              <a:rPr lang="en-US" dirty="0" smtClean="0"/>
+              <a:t>Switch Time Optimization for Rapid Entry Trajectory Design</a:t>
+            </a:r>
+            <a:endParaRPr lang="en-US" dirty="0"/>
+          </a:p>
+        </p:txBody>
+      </p:sp>
+      <p:sp>
+        <p:nvSpPr>
+          <p:cNvPr id="3" name="Content Placeholder 2"/>
+          <p:cNvSpPr>
+            <a:spLocks noGrp="1"/>
+          </p:cNvSpPr>
+          <p:nvPr>
+            <p:ph idx="1"/>
+          </p:nvPr>
+        </p:nvSpPr>
+        <p:spPr>
+          <a:xfrm>
+            <a:off x="628650" y="2576944"/>
+            <a:ext cx="7886700" cy="4281055"/>
+          </a:xfrm>
+        </p:spPr>
+        <p:txBody>
+          <a:bodyPr/>
+          <a:lstStyle/>
+          <a:p>
+            <a:r>
+              <a:rPr lang="en-US" sz="2400" dirty="0" smtClean="0"/>
+              <a:t>Simple parameterization for robust, near-optimal altitude performance intended for parachute architectures </a:t>
+            </a:r>
+          </a:p>
+          <a:p>
+            <a:r>
+              <a:rPr lang="en-US" sz="2400" dirty="0" smtClean="0"/>
+              <a:t>Can show that this parameterization also allows for near-optimal minimum velocity performance, suitable for SRP applications</a:t>
+            </a:r>
+          </a:p>
+          <a:p>
+            <a:r>
+              <a:rPr lang="en-US" sz="2400" dirty="0" smtClean="0"/>
+              <a:t>If-then logic used is discontinuous; </a:t>
+            </a:r>
+            <a:r>
+              <a:rPr lang="en-US" sz="2400" dirty="0" err="1" smtClean="0"/>
+              <a:t>Nelder</a:t>
+            </a:r>
+            <a:r>
+              <a:rPr lang="en-US" sz="2400" dirty="0" smtClean="0"/>
+              <a:t>-Mead simplex method has been used for optimization</a:t>
+            </a:r>
+          </a:p>
+          <a:p>
+            <a:r>
+              <a:rPr lang="en-US" sz="2400" dirty="0" smtClean="0"/>
+              <a:t>Results from hybrid OC literature suggest a gradient based solution is possible and preferable </a:t>
+            </a:r>
+            <a:endParaRPr lang="en-US" sz="2400" dirty="0"/>
+          </a:p>
+        </p:txBody>
+      </p:sp>
+      <p:sp>
+        <p:nvSpPr>
+          <p:cNvPr id="4" name="Date Placeholder 3"/>
+          <p:cNvSpPr>
+            <a:spLocks noGrp="1"/>
+          </p:cNvSpPr>
+          <p:nvPr>
+            <p:ph type="dt" sz="half" idx="10"/>
+          </p:nvPr>
+        </p:nvSpPr>
+        <p:spPr/>
+        <p:txBody>
+          <a:bodyPr/>
+          <a:lstStyle/>
+          <a:p>
+            <a:fld id="{C5C4825F-DB45-4B89-B3FE-04D1625C0B44}" type="datetime1">
+              <a:rPr lang="en-US" smtClean="0"/>
+              <a:t>12/2/2018</a:t>
+            </a:fld>
+            <a:endParaRPr lang="en-US"/>
+          </a:p>
+        </p:txBody>
+      </p:sp>
+    </p:spTree>
+    <p:extLst>
+      <p:ext uri="{BB962C8B-B14F-4D97-AF65-F5344CB8AC3E}">
+        <p14:creationId xmlns:p14="http://schemas.microsoft.com/office/powerpoint/2010/main" val="949813023"/>
+      </p:ext>
+    </p:extLst>
+  </p:cSld>
+  <p:clrMapOvr>
+    <a:masterClrMapping/>
+  </p:clrMapOvr>
+</p:sld>
+</file>
+
+<file path=ppt/slides/slide23.xml><?xml version="1.0" encoding="utf-8"?>
+<p:sld xmlns:a="http://schemas.openxmlformats.org/drawingml/2006/main" xmlns:r="http://schemas.openxmlformats.org/officeDocument/2006/relationships" xmlns:p="http://schemas.openxmlformats.org/presentationml/2006/main">
+  <p:cSld>
+    <p:spTree>
+      <p:nvGrpSpPr>
+        <p:cNvPr id="1" name=""/>
+        <p:cNvGrpSpPr/>
+        <p:nvPr/>
+      </p:nvGrpSpPr>
+      <p:grpSpPr>
+        <a:xfrm>
+          <a:off x="0" y="0"/>
+          <a:ext cx="0" cy="0"/>
+          <a:chOff x="0" y="0"/>
+          <a:chExt cx="0" cy="0"/>
+        </a:xfrm>
+      </p:grpSpPr>
+      <p:sp>
+        <p:nvSpPr>
+          <p:cNvPr id="2" name="Title 1"/>
+          <p:cNvSpPr>
+            <a:spLocks noGrp="1"/>
+          </p:cNvSpPr>
+          <p:nvPr>
+            <p:ph type="title"/>
+          </p:nvPr>
+        </p:nvSpPr>
+        <p:spPr/>
+        <p:txBody>
+          <a:bodyPr/>
+          <a:lstStyle/>
+          <a:p>
+            <a:r>
+              <a:rPr lang="en-US" dirty="0" smtClean="0"/>
+              <a:t>Low-order Parameterization </a:t>
+            </a:r>
+            <a:endParaRPr lang="en-US" dirty="0"/>
+          </a:p>
+        </p:txBody>
+      </p:sp>
+      <p:pic>
+        <p:nvPicPr>
+          <p:cNvPr id="5" name="Content Placeholder 4"/>
+          <p:cNvPicPr>
+            <a:picLocks noGrp="1" noChangeAspect="1"/>
+          </p:cNvPicPr>
+          <p:nvPr>
+            <p:ph idx="1"/>
+          </p:nvPr>
+        </p:nvPicPr>
+        <p:blipFill rotWithShape="1">
+          <a:blip r:embed="rId2">
+            <a:extLst>
+              <a:ext uri="{28A0092B-C50C-407E-A947-70E740481C1C}">
+                <a14:useLocalDpi xmlns:a14="http://schemas.microsoft.com/office/drawing/2010/main" val="0"/>
+              </a:ext>
+            </a:extLst>
+          </a:blip>
+          <a:srcRect l="7992" t="9114" r="8356" b="5157"/>
+          <a:stretch/>
+        </p:blipFill>
+        <p:spPr>
+          <a:xfrm>
+            <a:off x="4125191" y="2244436"/>
+            <a:ext cx="4894118" cy="3730338"/>
+          </a:xfrm>
+        </p:spPr>
+      </p:pic>
+      <p:sp>
+        <p:nvSpPr>
+          <p:cNvPr id="4" name="Date Placeholder 3"/>
+          <p:cNvSpPr>
+            <a:spLocks noGrp="1"/>
+          </p:cNvSpPr>
+          <p:nvPr>
+            <p:ph type="dt" sz="half" idx="10"/>
+          </p:nvPr>
+        </p:nvSpPr>
+        <p:spPr/>
+        <p:txBody>
+          <a:bodyPr/>
+          <a:lstStyle/>
+          <a:p>
+            <a:fld id="{DACEE8DD-B545-4020-BC5A-D34F01A5A26F}" type="datetime1">
+              <a:rPr lang="en-US" smtClean="0"/>
+              <a:t>12/2/2018</a:t>
+            </a:fld>
+            <a:endParaRPr lang="en-US"/>
+          </a:p>
+        </p:txBody>
+      </p:sp>
+      <p:pic>
+        <p:nvPicPr>
+          <p:cNvPr id="6" name="Picture 5"/>
+          <p:cNvPicPr>
+            <a:picLocks noChangeAspect="1"/>
+          </p:cNvPicPr>
+          <p:nvPr/>
+        </p:nvPicPr>
+        <p:blipFill>
+          <a:blip r:embed="rId3">
+            <a:extLst>
+              <a:ext uri="{28A0092B-C50C-407E-A947-70E740481C1C}">
+                <a14:useLocalDpi xmlns:a14="http://schemas.microsoft.com/office/drawing/2010/main" val="0"/>
+              </a:ext>
+            </a:extLst>
+          </a:blip>
+          <a:stretch>
+            <a:fillRect/>
+          </a:stretch>
+        </p:blipFill>
+        <p:spPr>
+          <a:xfrm>
+            <a:off x="322118" y="3617114"/>
+            <a:ext cx="2684663" cy="846701"/>
+          </a:xfrm>
+          <a:prstGeom prst="rect">
+            <a:avLst/>
+          </a:prstGeom>
+        </p:spPr>
+      </p:pic>
+      <p:sp>
+        <p:nvSpPr>
+          <p:cNvPr id="7" name="Right Arrow 6"/>
+          <p:cNvSpPr/>
+          <p:nvPr/>
+        </p:nvSpPr>
+        <p:spPr>
+          <a:xfrm>
+            <a:off x="3190009" y="3936555"/>
+            <a:ext cx="831273" cy="207818"/>
+          </a:xfrm>
+          <a:prstGeom prst="rightArrow">
+            <a:avLst/>
+          </a:prstGeom>
+        </p:spPr>
+        <p:style>
+          <a:lnRef idx="2">
+            <a:schemeClr val="accent1">
+              <a:shade val="50000"/>
+            </a:schemeClr>
+          </a:lnRef>
+          <a:fillRef idx="1">
+            <a:schemeClr val="accent1"/>
+          </a:fillRef>
+          <a:effectRef idx="0">
+            <a:schemeClr val="accent1"/>
+          </a:effectRef>
+          <a:fontRef idx="minor">
+            <a:schemeClr val="lt1"/>
+          </a:fontRef>
+        </p:style>
+        <p:txBody>
+          <a:bodyPr rtlCol="0" anchor="ctr"/>
+          <a:lstStyle/>
+          <a:p>
+            <a:pPr algn="ctr"/>
+            <a:endParaRPr lang="en-US"/>
+          </a:p>
+        </p:txBody>
+      </p:sp>
+    </p:spTree>
+    <p:extLst>
+      <p:ext uri="{BB962C8B-B14F-4D97-AF65-F5344CB8AC3E}">
+        <p14:creationId xmlns:p14="http://schemas.microsoft.com/office/powerpoint/2010/main" val="1692557665"/>
+      </p:ext>
+    </p:extLst>
+  </p:cSld>
+  <p:clrMapOvr>
+    <a:masterClrMapping/>
+  </p:clrMapOvr>
+</p:sld>
+</file>
+
+<file path=ppt/slides/slide24.xml><?xml version="1.0" encoding="utf-8"?>
+<p:sld xmlns:a="http://schemas.openxmlformats.org/drawingml/2006/main" xmlns:r="http://schemas.openxmlformats.org/officeDocument/2006/relationships" xmlns:p="http://schemas.openxmlformats.org/presentationml/2006/main">
+  <p:cSld>
+    <p:spTree>
+      <p:nvGrpSpPr>
+        <p:cNvPr id="1" name=""/>
+        <p:cNvGrpSpPr/>
+        <p:nvPr/>
+      </p:nvGrpSpPr>
+      <p:grpSpPr>
+        <a:xfrm>
+          <a:off x="0" y="0"/>
+          <a:ext cx="0" cy="0"/>
+          <a:chOff x="0" y="0"/>
+          <a:chExt cx="0" cy="0"/>
+        </a:xfrm>
+      </p:grpSpPr>
+      <p:sp>
+        <p:nvSpPr>
+          <p:cNvPr id="2" name="Title 1"/>
+          <p:cNvSpPr>
+            <a:spLocks noGrp="1"/>
+          </p:cNvSpPr>
+          <p:nvPr>
+            <p:ph type="title"/>
+          </p:nvPr>
+        </p:nvSpPr>
+        <p:spPr/>
+        <p:txBody>
+          <a:bodyPr/>
+          <a:lstStyle/>
+          <a:p>
+            <a:r>
+              <a:rPr lang="en-US" dirty="0" smtClean="0"/>
+              <a:t>Switch Time Opt</a:t>
+            </a:r>
+            <a:endParaRPr lang="en-US" dirty="0"/>
+          </a:p>
+        </p:txBody>
+      </p:sp>
+      <p:sp>
+        <p:nvSpPr>
+          <p:cNvPr id="3" name="Content Placeholder 2"/>
+          <p:cNvSpPr>
+            <a:spLocks noGrp="1"/>
+          </p:cNvSpPr>
+          <p:nvPr>
+            <p:ph idx="1"/>
+          </p:nvPr>
+        </p:nvSpPr>
+        <p:spPr/>
+        <p:txBody>
+          <a:bodyPr/>
+          <a:lstStyle/>
+          <a:p>
+            <a:r>
+              <a:rPr lang="en-US" sz="2400" dirty="0" smtClean="0"/>
+              <a:t>Gradients with respect to switch times cannot be easily evaluated via finite difference, and automatic differentiation fails due to the discontinuous logic</a:t>
+            </a:r>
+          </a:p>
+          <a:p>
+            <a:r>
+              <a:rPr lang="en-US" sz="2400" dirty="0" smtClean="0"/>
+              <a:t>Solved very </a:t>
+            </a:r>
+            <a:r>
+              <a:rPr lang="en-US" sz="2400" dirty="0" smtClean="0"/>
+              <a:t>efficiently </a:t>
+            </a:r>
+            <a:r>
+              <a:rPr lang="en-US" sz="2400" dirty="0" smtClean="0"/>
+              <a:t>via SQP method (</a:t>
+            </a:r>
+            <a:r>
+              <a:rPr lang="en-US" sz="2400" dirty="0" err="1" smtClean="0"/>
+              <a:t>quasiNewton</a:t>
+            </a:r>
+            <a:r>
+              <a:rPr lang="en-US" sz="2400" dirty="0" smtClean="0"/>
+              <a:t> method, BFGS update to inverse Hessian</a:t>
+            </a:r>
+            <a:r>
+              <a:rPr lang="en-US" sz="2400" dirty="0" smtClean="0"/>
+              <a:t>)</a:t>
+            </a:r>
+          </a:p>
+          <a:p>
+            <a:pPr lvl="1"/>
+            <a:r>
+              <a:rPr lang="en-US" sz="2000" dirty="0" smtClean="0"/>
+              <a:t>For the 3-parameter problems here, typical convergence is &lt; 5 iterations </a:t>
+            </a:r>
+            <a:endParaRPr lang="en-US" sz="2000" dirty="0" smtClean="0"/>
+          </a:p>
+          <a:p>
+            <a:r>
+              <a:rPr lang="en-US" sz="2400" dirty="0" smtClean="0"/>
+              <a:t>We left margins heuristically, assumed a fixed % was sufficient for closed loop trajectories </a:t>
+            </a:r>
+            <a:endParaRPr lang="en-US" sz="2400" dirty="0" smtClean="0"/>
+          </a:p>
+          <a:p>
+            <a:pPr lvl="1"/>
+            <a:r>
+              <a:rPr lang="en-US" sz="2000" dirty="0" smtClean="0"/>
+              <a:t>Under the new approach, the bank angle magnitudes become decision variables and the appropriate margin is determined automatically</a:t>
+            </a:r>
+            <a:endParaRPr lang="en-US" sz="2000" dirty="0"/>
+          </a:p>
+        </p:txBody>
+      </p:sp>
+      <p:sp>
+        <p:nvSpPr>
+          <p:cNvPr id="4" name="Date Placeholder 3"/>
+          <p:cNvSpPr>
+            <a:spLocks noGrp="1"/>
+          </p:cNvSpPr>
+          <p:nvPr>
+            <p:ph type="dt" sz="half" idx="10"/>
+          </p:nvPr>
+        </p:nvSpPr>
+        <p:spPr/>
+        <p:txBody>
+          <a:bodyPr/>
+          <a:lstStyle/>
+          <a:p>
+            <a:fld id="{581CF2A1-F6C1-4B7E-AC26-04453B5C8EE3}" type="datetime1">
+              <a:rPr lang="en-US" smtClean="0"/>
+              <a:t>12/2/2018</a:t>
+            </a:fld>
+            <a:endParaRPr lang="en-US"/>
+          </a:p>
+        </p:txBody>
+      </p:sp>
+    </p:spTree>
+    <p:extLst>
+      <p:ext uri="{BB962C8B-B14F-4D97-AF65-F5344CB8AC3E}">
+        <p14:creationId xmlns:p14="http://schemas.microsoft.com/office/powerpoint/2010/main" val="4101162675"/>
+      </p:ext>
+    </p:extLst>
+  </p:cSld>
+  <p:clrMapOvr>
+    <a:masterClrMapping/>
+  </p:clrMapOvr>
+</p:sld>
+</file>
+
+<file path=ppt/slides/slide25.xml><?xml version="1.0" encoding="utf-8"?>
+<p:sld xmlns:a="http://schemas.openxmlformats.org/drawingml/2006/main" xmlns:r="http://schemas.openxmlformats.org/officeDocument/2006/relationships" xmlns:p="http://schemas.openxmlformats.org/presentationml/2006/main">
+  <p:cSld>
+    <p:spTree>
+      <p:nvGrpSpPr>
+        <p:cNvPr id="1" name=""/>
+        <p:cNvGrpSpPr/>
+        <p:nvPr/>
+      </p:nvGrpSpPr>
+      <p:grpSpPr>
+        <a:xfrm>
+          <a:off x="0" y="0"/>
+          <a:ext cx="0" cy="0"/>
+          <a:chOff x="0" y="0"/>
+          <a:chExt cx="0" cy="0"/>
+        </a:xfrm>
+      </p:grpSpPr>
+      <p:sp>
+        <p:nvSpPr>
+          <p:cNvPr id="2" name="Title 1"/>
+          <p:cNvSpPr>
+            <a:spLocks noGrp="1"/>
+          </p:cNvSpPr>
+          <p:nvPr>
+            <p:ph type="title"/>
+          </p:nvPr>
+        </p:nvSpPr>
+        <p:spPr/>
+        <p:txBody>
+          <a:bodyPr/>
+          <a:lstStyle/>
+          <a:p>
+            <a:r>
+              <a:rPr lang="en-US" dirty="0" smtClean="0"/>
+              <a:t>Introduction</a:t>
+            </a:r>
+            <a:endParaRPr lang="en-US" dirty="0"/>
+          </a:p>
+        </p:txBody>
+      </p:sp>
+      <p:sp>
+        <p:nvSpPr>
+          <p:cNvPr id="3" name="Content Placeholder 2"/>
+          <p:cNvSpPr>
+            <a:spLocks noGrp="1"/>
+          </p:cNvSpPr>
+          <p:nvPr>
+            <p:ph idx="1"/>
+          </p:nvPr>
+        </p:nvSpPr>
+        <p:spPr/>
+        <p:txBody>
+          <a:bodyPr/>
+          <a:lstStyle/>
+          <a:p>
+            <a:r>
+              <a:rPr lang="en-US" dirty="0" smtClean="0"/>
+              <a:t>Future Mars missions will have challenging requirements that necessitate closed-loop entry guidance</a:t>
+            </a:r>
+          </a:p>
+          <a:p>
+            <a:r>
+              <a:rPr lang="en-US" dirty="0" smtClean="0"/>
+              <a:t>The ability to design a trajectory onboard increases autonomy and can be used in entry guidance</a:t>
+            </a:r>
+          </a:p>
+          <a:p>
+            <a:pPr lvl="1"/>
+            <a:r>
+              <a:rPr lang="en-US" dirty="0" smtClean="0"/>
+              <a:t>Trajectory generation can be used in reference tracking methods, or as the basis for a numerical predictor-corrector method via frequent design</a:t>
+            </a:r>
+          </a:p>
+          <a:p>
+            <a:r>
+              <a:rPr lang="en-US" dirty="0" smtClean="0"/>
+              <a:t>Generating an optimal trajectory onboard is difficult due to limited computing resources</a:t>
+            </a:r>
+          </a:p>
+          <a:p>
+            <a:endParaRPr lang="en-US" dirty="0" smtClean="0"/>
+          </a:p>
+          <a:p>
+            <a:endParaRPr lang="en-US" dirty="0"/>
+          </a:p>
+        </p:txBody>
+      </p:sp>
+      <p:sp>
+        <p:nvSpPr>
+          <p:cNvPr id="4" name="Date Placeholder 3"/>
+          <p:cNvSpPr>
+            <a:spLocks noGrp="1"/>
+          </p:cNvSpPr>
+          <p:nvPr>
+            <p:ph type="dt" sz="half" idx="10"/>
+          </p:nvPr>
+        </p:nvSpPr>
+        <p:spPr/>
+        <p:txBody>
+          <a:bodyPr/>
+          <a:lstStyle/>
+          <a:p>
+            <a:fld id="{2B95A4FC-FB7C-4AB5-B4A7-5F2CB3788E89}" type="datetime1">
+              <a:rPr lang="en-US" smtClean="0"/>
+              <a:t>12/2/2018</a:t>
+            </a:fld>
+            <a:endParaRPr lang="en-US"/>
+          </a:p>
+        </p:txBody>
+      </p:sp>
+    </p:spTree>
+    <p:extLst>
+      <p:ext uri="{BB962C8B-B14F-4D97-AF65-F5344CB8AC3E}">
+        <p14:creationId xmlns:p14="http://schemas.microsoft.com/office/powerpoint/2010/main" val="2368961217"/>
       </p:ext>
     </p:extLst>
   </p:cSld>
@@ -8744,91 +9297,77 @@
             <p:ph type="title"/>
           </p:nvPr>
         </p:nvSpPr>
-        <p:spPr>
-          <a:xfrm>
-            <a:off x="628649" y="1079157"/>
-            <a:ext cx="8869034" cy="1258600"/>
-          </a:xfrm>
-        </p:spPr>
+        <p:spPr/>
         <p:txBody>
           <a:bodyPr/>
           <a:lstStyle/>
           <a:p>
             <a:r>
               <a:rPr lang="en-US" dirty="0" smtClean="0"/>
-              <a:t>Application: </a:t>
-            </a:r>
-            <a:br>
+              <a:t>Entry Trajectory Updating</a:t>
+            </a:r>
+            <a:endParaRPr lang="en-US" dirty="0"/>
+          </a:p>
+        </p:txBody>
+      </p:sp>
+      <p:sp>
+        <p:nvSpPr>
+          <p:cNvPr id="3" name="Content Placeholder 2"/>
+          <p:cNvSpPr>
+            <a:spLocks noGrp="1"/>
+          </p:cNvSpPr>
+          <p:nvPr>
+            <p:ph idx="1"/>
+          </p:nvPr>
+        </p:nvSpPr>
+        <p:spPr>
+          <a:xfrm>
+            <a:off x="628650" y="1792119"/>
+            <a:ext cx="8361346" cy="5561582"/>
+          </a:xfrm>
+        </p:spPr>
+        <p:txBody>
+          <a:bodyPr/>
+          <a:lstStyle/>
+          <a:p>
+            <a:r>
               <a:rPr lang="en-US" dirty="0" smtClean="0"/>
-            </a:br>
+              <a:t>The vehicle enters the atmosphere with a trajectory designed that will deliver it to the target under nominal conditions </a:t>
+            </a:r>
+          </a:p>
+          <a:p>
+            <a:r>
+              <a:rPr lang="en-US" dirty="0"/>
+              <a:t>Under off-nominal conditions, the vehicle will deviate from the trajectory that was planned, </a:t>
+            </a:r>
             <a:r>
               <a:rPr lang="en-US" dirty="0" smtClean="0"/>
-              <a:t>Supersonic </a:t>
-            </a:r>
-            <a:r>
-              <a:rPr lang="en-US" dirty="0" err="1" smtClean="0"/>
-              <a:t>Retropropulsion</a:t>
-            </a:r>
-            <a:endParaRPr lang="en-US" dirty="0"/>
-          </a:p>
-        </p:txBody>
-      </p:sp>
-      <p:sp>
-        <p:nvSpPr>
-          <p:cNvPr id="3" name="Content Placeholder 2"/>
-          <p:cNvSpPr>
-            <a:spLocks noGrp="1"/>
-          </p:cNvSpPr>
-          <p:nvPr>
-            <p:ph idx="1"/>
-          </p:nvPr>
-        </p:nvSpPr>
-        <p:spPr>
-          <a:xfrm>
-            <a:off x="628650" y="2337757"/>
-            <a:ext cx="7886700" cy="3839205"/>
-          </a:xfrm>
-        </p:spPr>
-        <p:txBody>
-          <a:bodyPr/>
-          <a:lstStyle/>
-          <a:p>
+              <a:t>sometimes even </a:t>
+            </a:r>
             <a:r>
               <a:rPr lang="en-US" dirty="0"/>
-              <a:t>During vehicle design, </a:t>
+              <a:t>with the aid of </a:t>
             </a:r>
             <a:r>
               <a:rPr lang="en-US" dirty="0" smtClean="0"/>
-              <a:t>we seek to minimize propellant use under uncertainty during the powered descent phase  </a:t>
+              <a:t>closed-loop guidance </a:t>
             </a:r>
           </a:p>
           <a:p>
             <a:pPr lvl="1"/>
             <a:r>
               <a:rPr lang="en-US" dirty="0" smtClean="0"/>
-              <a:t>J = -m(</a:t>
-            </a:r>
-            <a:r>
-              <a:rPr lang="en-US" dirty="0" err="1" smtClean="0"/>
-              <a:t>tf</a:t>
-            </a:r>
+              <a:t>Vehicle may arrive at the target under poor conditions (e.g. outside of parachute deployment conditions) or may violate important path constraints </a:t>
+            </a:r>
+          </a:p>
+          <a:p>
             <a:r>
               <a:rPr lang="en-US" dirty="0" smtClean="0"/>
-              <a:t>)</a:t>
-            </a:r>
-          </a:p>
-          <a:p>
-            <a:pPr lvl="1"/>
-            <a:r>
-              <a:rPr lang="en-US" dirty="0" smtClean="0"/>
-              <a:t>This allows us to deliver the heaviest payload to the surface</a:t>
-            </a:r>
-          </a:p>
-          <a:p>
-            <a:r>
-              <a:rPr lang="en-US" dirty="0" smtClean="0"/>
-              <a:t>The system is subject to bounded thrust magnitude, glide-slope constraint that prevents shallow flight</a:t>
-            </a:r>
+              <a:t>Goal: use current estimated vehicle state and redesign a path to the target while satisfying constraints (e.g. parachute deploy conditions, path constraints)</a:t>
+            </a:r>
+          </a:p>
+          <a:p>
+            <a:endParaRPr lang="en-US" dirty="0" smtClean="0"/>
           </a:p>
         </p:txBody>
       </p:sp>
@@ -8847,9 +9386,9 @@
           <a:bodyPr/>
           <a:lstStyle/>
           <a:p>
-            <a:fld id="{FA3B38A7-CC6F-4E29-89B7-25D234EC0321}" type="datetime1">
+            <a:fld id="{63A7C39B-4337-4284-8FCA-2CFCA1AD45E4}" type="datetime1">
               <a:rPr lang="en-US" smtClean="0"/>
-              <a:t>12/1/2018</a:t>
+              <a:t>12/2/2018</a:t>
             </a:fld>
             <a:endParaRPr lang="en-US"/>
           </a:p>
@@ -8858,24 +9397,1794 @@
     </p:spTree>
     <p:extLst>
       <p:ext uri="{BB962C8B-B14F-4D97-AF65-F5344CB8AC3E}">
-        <p14:creationId xmlns:p14="http://schemas.microsoft.com/office/powerpoint/2010/main" val="3220044604"/>
+        <p14:creationId xmlns:p14="http://schemas.microsoft.com/office/powerpoint/2010/main" val="1411460258"/>
       </p:ext>
     </p:extLst>
   </p:cSld>
   <p:clrMapOvr>
     <a:masterClrMapping/>
   </p:clrMapOvr>
-  <p:timing>
-    <p:tnLst>
-      <p:par>
-        <p:cTn id="1" dur="indefinite" restart="never" nodeType="tmRoot"/>
-      </p:par>
-    </p:tnLst>
-  </p:timing>
 </p:sld>
 </file>
 
 <file path=ppt/slides/slide27.xml><?xml version="1.0" encoding="utf-8"?>
+<p:sld xmlns:a="http://schemas.openxmlformats.org/drawingml/2006/main" xmlns:r="http://schemas.openxmlformats.org/officeDocument/2006/relationships" xmlns:p="http://schemas.openxmlformats.org/presentationml/2006/main">
+  <p:cSld>
+    <p:spTree>
+      <p:nvGrpSpPr>
+        <p:cNvPr id="1" name=""/>
+        <p:cNvGrpSpPr/>
+        <p:nvPr/>
+      </p:nvGrpSpPr>
+      <p:grpSpPr>
+        <a:xfrm>
+          <a:off x="0" y="0"/>
+          <a:ext cx="0" cy="0"/>
+          <a:chOff x="0" y="0"/>
+          <a:chExt cx="0" cy="0"/>
+        </a:xfrm>
+      </p:grpSpPr>
+      <p:sp>
+        <p:nvSpPr>
+          <p:cNvPr id="2" name="Title 1"/>
+          <p:cNvSpPr>
+            <a:spLocks noGrp="1"/>
+          </p:cNvSpPr>
+          <p:nvPr>
+            <p:ph type="title"/>
+          </p:nvPr>
+        </p:nvSpPr>
+        <p:spPr>
+          <a:xfrm>
+            <a:off x="628650" y="1079157"/>
+            <a:ext cx="7886700" cy="853160"/>
+          </a:xfrm>
+        </p:spPr>
+        <p:txBody>
+          <a:bodyPr/>
+          <a:lstStyle/>
+          <a:p>
+            <a:r>
+              <a:rPr lang="en-US" dirty="0" smtClean="0"/>
+              <a:t>Proposed Approach</a:t>
+            </a:r>
+            <a:endParaRPr lang="en-US" dirty="0"/>
+          </a:p>
+        </p:txBody>
+      </p:sp>
+      <p:sp>
+        <p:nvSpPr>
+          <p:cNvPr id="3" name="Content Placeholder 2"/>
+          <p:cNvSpPr>
+            <a:spLocks noGrp="1"/>
+          </p:cNvSpPr>
+          <p:nvPr>
+            <p:ph idx="1"/>
+          </p:nvPr>
+        </p:nvSpPr>
+        <p:spPr>
+          <a:xfrm>
+            <a:off x="628650" y="1916153"/>
+            <a:ext cx="7886700" cy="4792655"/>
+          </a:xfrm>
+        </p:spPr>
+        <p:txBody>
+          <a:bodyPr/>
+          <a:lstStyle/>
+          <a:p>
+            <a:r>
+              <a:rPr lang="en-US" sz="2400" dirty="0" smtClean="0"/>
+              <a:t>Trajectory update is posed an optimal control problem</a:t>
+            </a:r>
+          </a:p>
+          <a:p>
+            <a:pPr lvl="1"/>
+            <a:r>
+              <a:rPr lang="en-US" sz="2000" dirty="0" smtClean="0"/>
+              <a:t>Objective is to minimize distance to original trajectory while satisfying constraints </a:t>
+            </a:r>
+          </a:p>
+          <a:p>
+            <a:r>
+              <a:rPr lang="en-US" sz="2400" dirty="0" smtClean="0"/>
+              <a:t>Use energy as independent variable </a:t>
+            </a:r>
+          </a:p>
+          <a:p>
+            <a:r>
+              <a:rPr lang="en-US" sz="2400" dirty="0" err="1" smtClean="0"/>
+              <a:t>Convexify</a:t>
+            </a:r>
+            <a:r>
+              <a:rPr lang="en-US" sz="2400" dirty="0" smtClean="0"/>
+              <a:t> </a:t>
+            </a:r>
+          </a:p>
+          <a:p>
+            <a:pPr lvl="1"/>
+            <a:r>
+              <a:rPr lang="en-US" sz="2000" dirty="0" smtClean="0"/>
+              <a:t>Treat bank angle as additional state, use bank rate as the control variable</a:t>
+            </a:r>
+          </a:p>
+          <a:p>
+            <a:pPr lvl="1"/>
+            <a:r>
+              <a:rPr lang="en-US" sz="2000" dirty="0" smtClean="0"/>
+              <a:t>Linearize the equations of motion </a:t>
+            </a:r>
+          </a:p>
+          <a:p>
+            <a:pPr lvl="1"/>
+            <a:r>
+              <a:rPr lang="en-US" sz="2000" dirty="0" smtClean="0"/>
+              <a:t>Unlike powered descent case, </a:t>
+            </a:r>
+            <a:r>
+              <a:rPr lang="en-US" sz="2000" dirty="0" err="1" smtClean="0"/>
+              <a:t>convexification</a:t>
+            </a:r>
+            <a:r>
+              <a:rPr lang="en-US" sz="2000" dirty="0" smtClean="0"/>
+              <a:t> is not lossless </a:t>
+            </a:r>
+          </a:p>
+          <a:p>
+            <a:r>
+              <a:rPr lang="en-US" sz="2400" dirty="0" smtClean="0"/>
+              <a:t>Discretize (or transcribe) into second-order cone program</a:t>
+            </a:r>
+          </a:p>
+          <a:p>
+            <a:pPr lvl="1"/>
+            <a:r>
+              <a:rPr lang="en-US" sz="2000" dirty="0" err="1" smtClean="0"/>
+              <a:t>Chebyshev</a:t>
+            </a:r>
+            <a:r>
+              <a:rPr lang="en-US" sz="2000" dirty="0" smtClean="0"/>
+              <a:t> </a:t>
+            </a:r>
+            <a:r>
+              <a:rPr lang="en-US" sz="2000" dirty="0" err="1"/>
+              <a:t>p</a:t>
+            </a:r>
+            <a:r>
+              <a:rPr lang="en-US" sz="2000" dirty="0" err="1" smtClean="0"/>
+              <a:t>seudospectral</a:t>
+            </a:r>
+            <a:r>
+              <a:rPr lang="en-US" sz="2000" dirty="0" smtClean="0"/>
+              <a:t> method </a:t>
+            </a:r>
+          </a:p>
+          <a:p>
+            <a:r>
+              <a:rPr lang="en-US" sz="2400" dirty="0" smtClean="0"/>
+              <a:t>Solve the resulting SOCP using efficient interior-point solver</a:t>
+            </a:r>
+            <a:endParaRPr lang="en-US" sz="2400" dirty="0"/>
+          </a:p>
+        </p:txBody>
+      </p:sp>
+      <p:sp>
+        <p:nvSpPr>
+          <p:cNvPr id="4" name="Date Placeholder 3"/>
+          <p:cNvSpPr>
+            <a:spLocks noGrp="1"/>
+          </p:cNvSpPr>
+          <p:nvPr>
+            <p:ph type="dt" sz="half" idx="10"/>
+          </p:nvPr>
+        </p:nvSpPr>
+        <p:spPr/>
+        <p:txBody>
+          <a:bodyPr/>
+          <a:lstStyle/>
+          <a:p>
+            <a:fld id="{CB9C015D-D165-4AE2-B291-D92CBC321699}" type="datetime1">
+              <a:rPr lang="en-US" smtClean="0"/>
+              <a:t>12/2/2018</a:t>
+            </a:fld>
+            <a:endParaRPr lang="en-US"/>
+          </a:p>
+        </p:txBody>
+      </p:sp>
+    </p:spTree>
+    <p:extLst>
+      <p:ext uri="{BB962C8B-B14F-4D97-AF65-F5344CB8AC3E}">
+        <p14:creationId xmlns:p14="http://schemas.microsoft.com/office/powerpoint/2010/main" val="3047953510"/>
+      </p:ext>
+    </p:extLst>
+  </p:cSld>
+  <p:clrMapOvr>
+    <a:masterClrMapping/>
+  </p:clrMapOvr>
+</p:sld>
+</file>
+
+<file path=ppt/slides/slide28.xml><?xml version="1.0" encoding="utf-8"?>
+<p:sld xmlns:a="http://schemas.openxmlformats.org/drawingml/2006/main" xmlns:r="http://schemas.openxmlformats.org/officeDocument/2006/relationships" xmlns:p="http://schemas.openxmlformats.org/presentationml/2006/main">
+  <p:cSld>
+    <p:spTree>
+      <p:nvGrpSpPr>
+        <p:cNvPr id="1" name=""/>
+        <p:cNvGrpSpPr/>
+        <p:nvPr/>
+      </p:nvGrpSpPr>
+      <p:grpSpPr>
+        <a:xfrm>
+          <a:off x="0" y="0"/>
+          <a:ext cx="0" cy="0"/>
+          <a:chOff x="0" y="0"/>
+          <a:chExt cx="0" cy="0"/>
+        </a:xfrm>
+      </p:grpSpPr>
+      <p:sp>
+        <p:nvSpPr>
+          <p:cNvPr id="2" name="Title 1"/>
+          <p:cNvSpPr>
+            <a:spLocks noGrp="1"/>
+          </p:cNvSpPr>
+          <p:nvPr>
+            <p:ph type="title"/>
+          </p:nvPr>
+        </p:nvSpPr>
+        <p:spPr/>
+        <p:txBody>
+          <a:bodyPr/>
+          <a:lstStyle/>
+          <a:p>
+            <a:r>
+              <a:rPr lang="en-US" dirty="0" smtClean="0"/>
+              <a:t>Convex Optimization </a:t>
+            </a:r>
+            <a:endParaRPr lang="en-US" dirty="0"/>
+          </a:p>
+        </p:txBody>
+      </p:sp>
+      <p:sp>
+        <p:nvSpPr>
+          <p:cNvPr id="3" name="Content Placeholder 2"/>
+          <p:cNvSpPr>
+            <a:spLocks noGrp="1"/>
+          </p:cNvSpPr>
+          <p:nvPr>
+            <p:ph idx="1"/>
+          </p:nvPr>
+        </p:nvSpPr>
+        <p:spPr/>
+        <p:txBody>
+          <a:bodyPr/>
+          <a:lstStyle/>
+          <a:p>
+            <a:r>
+              <a:rPr lang="en-US" sz="2400" dirty="0" smtClean="0"/>
+              <a:t>(Iterative) Convex optimization approaches to non-convex optimal control problems have exploded in interest due to efficient, polynomial time solvers and guaranteed global solution when the problem is feasible</a:t>
+            </a:r>
+          </a:p>
+          <a:p>
+            <a:r>
+              <a:rPr lang="en-US" sz="2400" dirty="0" smtClean="0"/>
+              <a:t>A variety of aerospace problems have been solved including ascent trajectory design, powered descent trajectory design, interplanetary transfers, and entry</a:t>
+            </a:r>
+          </a:p>
+          <a:p>
+            <a:r>
+              <a:rPr lang="en-US" sz="2400" dirty="0" smtClean="0"/>
+              <a:t>While these convex optimization guarantees solution of feasible sub-problems, not all methods have guaranteed convergence, and those that do typically require an </a:t>
+            </a:r>
+            <a:r>
+              <a:rPr lang="en-US" sz="2400" dirty="0"/>
+              <a:t>unknown number of </a:t>
+            </a:r>
+            <a:r>
+              <a:rPr lang="en-US" sz="2400" dirty="0" smtClean="0"/>
+              <a:t>iterations</a:t>
+            </a:r>
+          </a:p>
+          <a:p>
+            <a:pPr lvl="1"/>
+            <a:r>
+              <a:rPr lang="en-US" sz="2000" dirty="0" smtClean="0"/>
+              <a:t>The proposed approach does not involve multiple iterations</a:t>
+            </a:r>
+            <a:endParaRPr lang="en-US" sz="2000" dirty="0"/>
+          </a:p>
+          <a:p>
+            <a:endParaRPr lang="en-US" dirty="0"/>
+          </a:p>
+        </p:txBody>
+      </p:sp>
+      <p:sp>
+        <p:nvSpPr>
+          <p:cNvPr id="4" name="Date Placeholder 3"/>
+          <p:cNvSpPr>
+            <a:spLocks noGrp="1"/>
+          </p:cNvSpPr>
+          <p:nvPr>
+            <p:ph type="dt" sz="half" idx="10"/>
+          </p:nvPr>
+        </p:nvSpPr>
+        <p:spPr/>
+        <p:txBody>
+          <a:bodyPr/>
+          <a:lstStyle/>
+          <a:p>
+            <a:fld id="{1B70D959-720B-40AD-A907-A3DAF7E49ADF}" type="datetime1">
+              <a:rPr lang="en-US" smtClean="0"/>
+              <a:t>12/2/2018</a:t>
+            </a:fld>
+            <a:endParaRPr lang="en-US"/>
+          </a:p>
+        </p:txBody>
+      </p:sp>
+    </p:spTree>
+    <p:extLst>
+      <p:ext uri="{BB962C8B-B14F-4D97-AF65-F5344CB8AC3E}">
+        <p14:creationId xmlns:p14="http://schemas.microsoft.com/office/powerpoint/2010/main" val="3747838991"/>
+      </p:ext>
+    </p:extLst>
+  </p:cSld>
+  <p:clrMapOvr>
+    <a:masterClrMapping/>
+  </p:clrMapOvr>
+</p:sld>
+</file>
+
+<file path=ppt/slides/slide29.xml><?xml version="1.0" encoding="utf-8"?>
+<p:sld xmlns:a="http://schemas.openxmlformats.org/drawingml/2006/main" xmlns:r="http://schemas.openxmlformats.org/officeDocument/2006/relationships" xmlns:p="http://schemas.openxmlformats.org/presentationml/2006/main">
+  <p:cSld>
+    <p:spTree>
+      <p:nvGrpSpPr>
+        <p:cNvPr id="1" name=""/>
+        <p:cNvGrpSpPr/>
+        <p:nvPr/>
+      </p:nvGrpSpPr>
+      <p:grpSpPr>
+        <a:xfrm>
+          <a:off x="0" y="0"/>
+          <a:ext cx="0" cy="0"/>
+          <a:chOff x="0" y="0"/>
+          <a:chExt cx="0" cy="0"/>
+        </a:xfrm>
+      </p:grpSpPr>
+      <p:pic>
+        <p:nvPicPr>
+          <p:cNvPr id="15" name="Picture 14"/>
+          <p:cNvPicPr>
+            <a:picLocks noChangeAspect="1"/>
+          </p:cNvPicPr>
+          <p:nvPr/>
+        </p:nvPicPr>
+        <p:blipFill>
+          <a:blip r:embed="rId3">
+            <a:extLst>
+              <a:ext uri="{28A0092B-C50C-407E-A947-70E740481C1C}">
+                <a14:useLocalDpi xmlns:a14="http://schemas.microsoft.com/office/drawing/2010/main" val="0"/>
+              </a:ext>
+            </a:extLst>
+          </a:blip>
+          <a:stretch>
+            <a:fillRect/>
+          </a:stretch>
+        </p:blipFill>
+        <p:spPr>
+          <a:xfrm>
+            <a:off x="199123" y="3081561"/>
+            <a:ext cx="5897785" cy="3593228"/>
+          </a:xfrm>
+          <a:prstGeom prst="rect">
+            <a:avLst/>
+          </a:prstGeom>
+        </p:spPr>
+      </p:pic>
+      <p:sp>
+        <p:nvSpPr>
+          <p:cNvPr id="2" name="Title 1"/>
+          <p:cNvSpPr>
+            <a:spLocks noGrp="1"/>
+          </p:cNvSpPr>
+          <p:nvPr>
+            <p:ph type="title"/>
+          </p:nvPr>
+        </p:nvSpPr>
+        <p:spPr>
+          <a:xfrm>
+            <a:off x="628650" y="1003841"/>
+            <a:ext cx="7886700" cy="611532"/>
+          </a:xfrm>
+        </p:spPr>
+        <p:txBody>
+          <a:bodyPr/>
+          <a:lstStyle/>
+          <a:p>
+            <a:r>
+              <a:rPr lang="en-US" dirty="0" smtClean="0"/>
+              <a:t>Single Trajectory Demonstration</a:t>
+            </a:r>
+            <a:endParaRPr lang="en-US" dirty="0"/>
+          </a:p>
+        </p:txBody>
+      </p:sp>
+      <p:sp>
+        <p:nvSpPr>
+          <p:cNvPr id="3" name="Content Placeholder 2"/>
+          <p:cNvSpPr>
+            <a:spLocks noGrp="1"/>
+          </p:cNvSpPr>
+          <p:nvPr>
+            <p:ph idx="1"/>
+          </p:nvPr>
+        </p:nvSpPr>
+        <p:spPr>
+          <a:xfrm>
+            <a:off x="628650" y="1825625"/>
+            <a:ext cx="7886700" cy="1514341"/>
+          </a:xfrm>
+        </p:spPr>
+        <p:txBody>
+          <a:bodyPr/>
+          <a:lstStyle/>
+          <a:p>
+            <a:r>
+              <a:rPr lang="en-US" sz="2400" dirty="0" smtClean="0"/>
+              <a:t>Updates occur at 30s interval, and ceases below 1000 m/s </a:t>
+            </a:r>
+          </a:p>
+          <a:p>
+            <a:r>
+              <a:rPr lang="en-US" sz="2400" dirty="0" smtClean="0"/>
+              <a:t>4% less drag, 4% more lift, and perturbations to atmospheric density are applied</a:t>
+            </a:r>
+            <a:endParaRPr lang="en-US" sz="2400" dirty="0"/>
+          </a:p>
+        </p:txBody>
+      </p:sp>
+      <p:sp>
+        <p:nvSpPr>
+          <p:cNvPr id="6" name="Oval 5"/>
+          <p:cNvSpPr/>
+          <p:nvPr/>
+        </p:nvSpPr>
+        <p:spPr>
+          <a:xfrm>
+            <a:off x="5541651" y="3591729"/>
+            <a:ext cx="336884" cy="333875"/>
+          </a:xfrm>
+          <a:prstGeom prst="ellipse">
+            <a:avLst/>
+          </a:prstGeom>
+          <a:noFill/>
+          <a:ln w="28575">
+            <a:solidFill>
+              <a:schemeClr val="tx1"/>
+            </a:solidFill>
+          </a:ln>
+        </p:spPr>
+        <p:style>
+          <a:lnRef idx="2">
+            <a:schemeClr val="accent1">
+              <a:shade val="50000"/>
+            </a:schemeClr>
+          </a:lnRef>
+          <a:fillRef idx="1">
+            <a:schemeClr val="accent1"/>
+          </a:fillRef>
+          <a:effectRef idx="0">
+            <a:schemeClr val="accent1"/>
+          </a:effectRef>
+          <a:fontRef idx="minor">
+            <a:schemeClr val="lt1"/>
+          </a:fontRef>
+        </p:style>
+        <p:txBody>
+          <a:bodyPr rtlCol="0" anchor="ctr"/>
+          <a:lstStyle/>
+          <a:p>
+            <a:pPr algn="ctr"/>
+            <a:endParaRPr lang="en-US"/>
+          </a:p>
+        </p:txBody>
+      </p:sp>
+      <p:sp>
+        <p:nvSpPr>
+          <p:cNvPr id="7" name="TextBox 6"/>
+          <p:cNvSpPr txBox="1"/>
+          <p:nvPr/>
+        </p:nvSpPr>
+        <p:spPr>
+          <a:xfrm>
+            <a:off x="6629306" y="2966817"/>
+            <a:ext cx="2418442" cy="2585323"/>
+          </a:xfrm>
+          <a:prstGeom prst="rect">
+            <a:avLst/>
+          </a:prstGeom>
+          <a:noFill/>
+        </p:spPr>
+        <p:txBody>
+          <a:bodyPr wrap="square" rtlCol="0">
+            <a:spAutoFit/>
+          </a:bodyPr>
+          <a:lstStyle/>
+          <a:p>
+            <a:r>
+              <a:rPr lang="en-US" dirty="0" smtClean="0"/>
+              <a:t>Mismatch between state predicted by update 2 (green) and actual state due to parametric uncertainty and off-nominal atmospheric conditions is corrected by the following updates</a:t>
+            </a:r>
+            <a:endParaRPr lang="en-US" dirty="0"/>
+          </a:p>
+        </p:txBody>
+      </p:sp>
+      <p:cxnSp>
+        <p:nvCxnSpPr>
+          <p:cNvPr id="11" name="Straight Arrow Connector 10"/>
+          <p:cNvCxnSpPr/>
+          <p:nvPr/>
+        </p:nvCxnSpPr>
+        <p:spPr>
+          <a:xfrm flipH="1">
+            <a:off x="5958038" y="3760470"/>
+            <a:ext cx="596766" cy="0"/>
+          </a:xfrm>
+          <a:prstGeom prst="straightConnector1">
+            <a:avLst/>
+          </a:prstGeom>
+          <a:ln w="22225">
+            <a:solidFill>
+              <a:schemeClr val="tx1"/>
+            </a:solidFill>
+            <a:tailEnd type="triangle"/>
+          </a:ln>
+        </p:spPr>
+        <p:style>
+          <a:lnRef idx="1">
+            <a:schemeClr val="accent1"/>
+          </a:lnRef>
+          <a:fillRef idx="0">
+            <a:schemeClr val="accent1"/>
+          </a:fillRef>
+          <a:effectRef idx="0">
+            <a:schemeClr val="accent1"/>
+          </a:effectRef>
+          <a:fontRef idx="minor">
+            <a:schemeClr val="tx1"/>
+          </a:fontRef>
+        </p:style>
+      </p:cxnSp>
+      <p:sp>
+        <p:nvSpPr>
+          <p:cNvPr id="4" name="Date Placeholder 3"/>
+          <p:cNvSpPr>
+            <a:spLocks noGrp="1"/>
+          </p:cNvSpPr>
+          <p:nvPr>
+            <p:ph type="dt" sz="half" idx="10"/>
+          </p:nvPr>
+        </p:nvSpPr>
+        <p:spPr/>
+        <p:txBody>
+          <a:bodyPr/>
+          <a:lstStyle/>
+          <a:p>
+            <a:fld id="{63760E42-F9C3-4B21-BAE1-FC94C983BF94}" type="datetime1">
+              <a:rPr lang="en-US" smtClean="0"/>
+              <a:t>12/2/2018</a:t>
+            </a:fld>
+            <a:endParaRPr lang="en-US"/>
+          </a:p>
+        </p:txBody>
+      </p:sp>
+    </p:spTree>
+    <p:extLst>
+      <p:ext uri="{BB962C8B-B14F-4D97-AF65-F5344CB8AC3E}">
+        <p14:creationId xmlns:p14="http://schemas.microsoft.com/office/powerpoint/2010/main" val="2507780609"/>
+      </p:ext>
+    </p:extLst>
+  </p:cSld>
+  <p:clrMapOvr>
+    <a:masterClrMapping/>
+  </p:clrMapOvr>
+</p:sld>
+</file>
+
+<file path=ppt/slides/slide3.xml><?xml version="1.0" encoding="utf-8"?>
+<p:sld xmlns:a="http://schemas.openxmlformats.org/drawingml/2006/main" xmlns:r="http://schemas.openxmlformats.org/officeDocument/2006/relationships" xmlns:p="http://schemas.openxmlformats.org/presentationml/2006/main">
+  <p:cSld>
+    <p:spTree>
+      <p:nvGrpSpPr>
+        <p:cNvPr id="1" name=""/>
+        <p:cNvGrpSpPr/>
+        <p:nvPr/>
+      </p:nvGrpSpPr>
+      <p:grpSpPr>
+        <a:xfrm>
+          <a:off x="0" y="0"/>
+          <a:ext cx="0" cy="0"/>
+          <a:chOff x="0" y="0"/>
+          <a:chExt cx="0" cy="0"/>
+        </a:xfrm>
+      </p:grpSpPr>
+      <p:sp>
+        <p:nvSpPr>
+          <p:cNvPr id="2" name="Title 1"/>
+          <p:cNvSpPr>
+            <a:spLocks noGrp="1"/>
+          </p:cNvSpPr>
+          <p:nvPr>
+            <p:ph type="title"/>
+          </p:nvPr>
+        </p:nvSpPr>
+        <p:spPr/>
+        <p:txBody>
+          <a:bodyPr/>
+          <a:lstStyle/>
+          <a:p>
+            <a:r>
+              <a:rPr lang="en-US" dirty="0" smtClean="0"/>
+              <a:t>MSL EDL Sequence</a:t>
+            </a:r>
+            <a:endParaRPr lang="en-US" dirty="0"/>
+          </a:p>
+        </p:txBody>
+      </p:sp>
+      <p:pic>
+        <p:nvPicPr>
+          <p:cNvPr id="5" name="Content Placeholder 4"/>
+          <p:cNvPicPr>
+            <a:picLocks noGrp="1" noChangeAspect="1"/>
+          </p:cNvPicPr>
+          <p:nvPr>
+            <p:ph idx="1"/>
+          </p:nvPr>
+        </p:nvPicPr>
+        <p:blipFill>
+          <a:blip r:embed="rId2">
+            <a:extLst>
+              <a:ext uri="{28A0092B-C50C-407E-A947-70E740481C1C}">
+                <a14:useLocalDpi xmlns:a14="http://schemas.microsoft.com/office/drawing/2010/main" val="0"/>
+              </a:ext>
+            </a:extLst>
+          </a:blip>
+          <a:stretch>
+            <a:fillRect/>
+          </a:stretch>
+        </p:blipFill>
+        <p:spPr>
+          <a:xfrm>
+            <a:off x="888875" y="1825625"/>
+            <a:ext cx="7366250" cy="4351338"/>
+          </a:xfrm>
+        </p:spPr>
+      </p:pic>
+      <p:sp>
+        <p:nvSpPr>
+          <p:cNvPr id="4" name="Date Placeholder 3"/>
+          <p:cNvSpPr>
+            <a:spLocks noGrp="1"/>
+          </p:cNvSpPr>
+          <p:nvPr>
+            <p:ph type="dt" sz="half" idx="10"/>
+          </p:nvPr>
+        </p:nvSpPr>
+        <p:spPr/>
+        <p:txBody>
+          <a:bodyPr/>
+          <a:lstStyle/>
+          <a:p>
+            <a:fld id="{DACEE8DD-B545-4020-BC5A-D34F01A5A26F}" type="datetime1">
+              <a:rPr lang="en-US" smtClean="0"/>
+              <a:t>12/2/2018</a:t>
+            </a:fld>
+            <a:endParaRPr lang="en-US"/>
+          </a:p>
+        </p:txBody>
+      </p:sp>
+    </p:spTree>
+    <p:extLst>
+      <p:ext uri="{BB962C8B-B14F-4D97-AF65-F5344CB8AC3E}">
+        <p14:creationId xmlns:p14="http://schemas.microsoft.com/office/powerpoint/2010/main" val="482566177"/>
+      </p:ext>
+    </p:extLst>
+  </p:cSld>
+  <p:clrMapOvr>
+    <a:masterClrMapping/>
+  </p:clrMapOvr>
+</p:sld>
+</file>
+
+<file path=ppt/slides/slide30.xml><?xml version="1.0" encoding="utf-8"?>
+<p:sld xmlns:a="http://schemas.openxmlformats.org/drawingml/2006/main" xmlns:r="http://schemas.openxmlformats.org/officeDocument/2006/relationships" xmlns:p="http://schemas.openxmlformats.org/presentationml/2006/main">
+  <p:cSld>
+    <p:spTree>
+      <p:nvGrpSpPr>
+        <p:cNvPr id="1" name=""/>
+        <p:cNvGrpSpPr/>
+        <p:nvPr/>
+      </p:nvGrpSpPr>
+      <p:grpSpPr>
+        <a:xfrm>
+          <a:off x="0" y="0"/>
+          <a:ext cx="0" cy="0"/>
+          <a:chOff x="0" y="0"/>
+          <a:chExt cx="0" cy="0"/>
+        </a:xfrm>
+      </p:grpSpPr>
+      <p:sp>
+        <p:nvSpPr>
+          <p:cNvPr id="2" name="Title 1"/>
+          <p:cNvSpPr>
+            <a:spLocks noGrp="1"/>
+          </p:cNvSpPr>
+          <p:nvPr>
+            <p:ph type="title"/>
+          </p:nvPr>
+        </p:nvSpPr>
+        <p:spPr>
+          <a:xfrm>
+            <a:off x="628650" y="1061034"/>
+            <a:ext cx="7886700" cy="611532"/>
+          </a:xfrm>
+        </p:spPr>
+        <p:txBody>
+          <a:bodyPr/>
+          <a:lstStyle/>
+          <a:p>
+            <a:r>
+              <a:rPr lang="en-US" dirty="0" smtClean="0"/>
+              <a:t>Single Trajectory (Cont.)</a:t>
+            </a:r>
+            <a:endParaRPr lang="en-US" dirty="0"/>
+          </a:p>
+        </p:txBody>
+      </p:sp>
+      <p:sp>
+        <p:nvSpPr>
+          <p:cNvPr id="3" name="Content Placeholder 2"/>
+          <p:cNvSpPr>
+            <a:spLocks noGrp="1"/>
+          </p:cNvSpPr>
+          <p:nvPr>
+            <p:ph idx="1"/>
+          </p:nvPr>
+        </p:nvSpPr>
+        <p:spPr>
+          <a:xfrm>
+            <a:off x="314325" y="1957386"/>
+            <a:ext cx="8515350" cy="1418089"/>
+          </a:xfrm>
+        </p:spPr>
+        <p:txBody>
+          <a:bodyPr/>
+          <a:lstStyle/>
+          <a:p>
+            <a:r>
+              <a:rPr lang="en-US" sz="2400" dirty="0" smtClean="0"/>
+              <a:t>The initial trajectory was optimized for high altitude</a:t>
+            </a:r>
+          </a:p>
+          <a:p>
+            <a:r>
+              <a:rPr lang="en-US" sz="2400" dirty="0" smtClean="0"/>
+              <a:t>The updates retain aspects of the original trajectory, e.g., altitude performance remains excellent </a:t>
+            </a:r>
+            <a:endParaRPr lang="en-US" sz="2400" dirty="0"/>
+          </a:p>
+        </p:txBody>
+      </p:sp>
+      <p:pic>
+        <p:nvPicPr>
+          <p:cNvPr id="4" name="Picture 3"/>
+          <p:cNvPicPr>
+            <a:picLocks noChangeAspect="1"/>
+          </p:cNvPicPr>
+          <p:nvPr/>
+        </p:nvPicPr>
+        <p:blipFill>
+          <a:blip r:embed="rId3">
+            <a:extLst>
+              <a:ext uri="{28A0092B-C50C-407E-A947-70E740481C1C}">
+                <a14:useLocalDpi xmlns:a14="http://schemas.microsoft.com/office/drawing/2010/main" val="0"/>
+              </a:ext>
+            </a:extLst>
+          </a:blip>
+          <a:stretch>
+            <a:fillRect/>
+          </a:stretch>
+        </p:blipFill>
+        <p:spPr>
+          <a:xfrm>
+            <a:off x="3801980" y="3484527"/>
+            <a:ext cx="5216892" cy="3202776"/>
+          </a:xfrm>
+          <a:prstGeom prst="rect">
+            <a:avLst/>
+          </a:prstGeom>
+        </p:spPr>
+      </p:pic>
+      <p:sp>
+        <p:nvSpPr>
+          <p:cNvPr id="5" name="TextBox 4"/>
+          <p:cNvSpPr txBox="1"/>
+          <p:nvPr/>
+        </p:nvSpPr>
+        <p:spPr>
+          <a:xfrm>
+            <a:off x="4456500" y="5303519"/>
+            <a:ext cx="1212782" cy="738664"/>
+          </a:xfrm>
+          <a:prstGeom prst="rect">
+            <a:avLst/>
+          </a:prstGeom>
+          <a:noFill/>
+        </p:spPr>
+        <p:txBody>
+          <a:bodyPr wrap="square" rtlCol="0">
+            <a:spAutoFit/>
+          </a:bodyPr>
+          <a:lstStyle/>
+          <a:p>
+            <a:r>
+              <a:rPr lang="en-US" sz="1400" dirty="0" smtClean="0"/>
+              <a:t>Parachute deployment box</a:t>
+            </a:r>
+            <a:endParaRPr lang="en-US" sz="1400" dirty="0"/>
+          </a:p>
+        </p:txBody>
+      </p:sp>
+      <p:sp>
+        <p:nvSpPr>
+          <p:cNvPr id="6" name="TextBox 5"/>
+          <p:cNvSpPr txBox="1"/>
+          <p:nvPr/>
+        </p:nvSpPr>
+        <p:spPr>
+          <a:xfrm>
+            <a:off x="314325" y="3190877"/>
+            <a:ext cx="3583907" cy="1569660"/>
+          </a:xfrm>
+          <a:prstGeom prst="rect">
+            <a:avLst/>
+          </a:prstGeom>
+          <a:noFill/>
+        </p:spPr>
+        <p:txBody>
+          <a:bodyPr wrap="square" rtlCol="0">
+            <a:spAutoFit/>
+          </a:bodyPr>
+          <a:lstStyle/>
+          <a:p>
+            <a:pPr marL="285750" indent="-285750">
+              <a:buFont typeface="Arial" panose="020B0604020202020204" pitchFamily="34" charset="0"/>
+              <a:buChar char="•"/>
+            </a:pPr>
+            <a:r>
+              <a:rPr lang="en-US" sz="2400" dirty="0" smtClean="0"/>
+              <a:t>All trajectories end at the same energy level due to use of energy as independent variable </a:t>
+            </a:r>
+            <a:endParaRPr lang="en-US" sz="2400" dirty="0"/>
+          </a:p>
+        </p:txBody>
+      </p:sp>
+      <p:sp>
+        <p:nvSpPr>
+          <p:cNvPr id="7" name="Date Placeholder 6"/>
+          <p:cNvSpPr>
+            <a:spLocks noGrp="1"/>
+          </p:cNvSpPr>
+          <p:nvPr>
+            <p:ph type="dt" sz="half" idx="10"/>
+          </p:nvPr>
+        </p:nvSpPr>
+        <p:spPr/>
+        <p:txBody>
+          <a:bodyPr/>
+          <a:lstStyle/>
+          <a:p>
+            <a:fld id="{A1DF8AFB-F03D-4DDC-BB5A-C9EED9FBE463}" type="datetime1">
+              <a:rPr lang="en-US" smtClean="0"/>
+              <a:t>12/2/2018</a:t>
+            </a:fld>
+            <a:endParaRPr lang="en-US"/>
+          </a:p>
+        </p:txBody>
+      </p:sp>
+    </p:spTree>
+    <p:extLst>
+      <p:ext uri="{BB962C8B-B14F-4D97-AF65-F5344CB8AC3E}">
+        <p14:creationId xmlns:p14="http://schemas.microsoft.com/office/powerpoint/2010/main" val="860064350"/>
+      </p:ext>
+    </p:extLst>
+  </p:cSld>
+  <p:clrMapOvr>
+    <a:masterClrMapping/>
+  </p:clrMapOvr>
+</p:sld>
+</file>
+
+<file path=ppt/slides/slide31.xml><?xml version="1.0" encoding="utf-8"?>
+<p:sld xmlns:a="http://schemas.openxmlformats.org/drawingml/2006/main" xmlns:r="http://schemas.openxmlformats.org/officeDocument/2006/relationships" xmlns:p="http://schemas.openxmlformats.org/presentationml/2006/main">
+  <p:cSld>
+    <p:spTree>
+      <p:nvGrpSpPr>
+        <p:cNvPr id="1" name=""/>
+        <p:cNvGrpSpPr/>
+        <p:nvPr/>
+      </p:nvGrpSpPr>
+      <p:grpSpPr>
+        <a:xfrm>
+          <a:off x="0" y="0"/>
+          <a:ext cx="0" cy="0"/>
+          <a:chOff x="0" y="0"/>
+          <a:chExt cx="0" cy="0"/>
+        </a:xfrm>
+      </p:grpSpPr>
+      <p:sp>
+        <p:nvSpPr>
+          <p:cNvPr id="2" name="Title 1"/>
+          <p:cNvSpPr>
+            <a:spLocks noGrp="1"/>
+          </p:cNvSpPr>
+          <p:nvPr>
+            <p:ph type="title"/>
+          </p:nvPr>
+        </p:nvSpPr>
+        <p:spPr/>
+        <p:txBody>
+          <a:bodyPr/>
+          <a:lstStyle/>
+          <a:p>
+            <a:r>
+              <a:rPr lang="en-US" dirty="0" smtClean="0"/>
+              <a:t>Monte Carlo Simulation</a:t>
+            </a:r>
+            <a:endParaRPr lang="en-US" dirty="0"/>
+          </a:p>
+        </p:txBody>
+      </p:sp>
+      <p:sp>
+        <p:nvSpPr>
+          <p:cNvPr id="3" name="Content Placeholder 2"/>
+          <p:cNvSpPr>
+            <a:spLocks noGrp="1"/>
+          </p:cNvSpPr>
+          <p:nvPr>
+            <p:ph idx="1"/>
+          </p:nvPr>
+        </p:nvSpPr>
+        <p:spPr/>
+        <p:txBody>
+          <a:bodyPr/>
+          <a:lstStyle/>
+          <a:p>
+            <a:r>
+              <a:rPr lang="en-US" sz="2400" dirty="0" smtClean="0"/>
+              <a:t>Vehicle is nominally L/D = 0.24 with initial state subject to MSL-like dispersions</a:t>
+            </a:r>
+            <a:endParaRPr lang="en-US" sz="2400" dirty="0"/>
+          </a:p>
+          <a:p>
+            <a:r>
+              <a:rPr lang="en-US" sz="2400" dirty="0" err="1" smtClean="0"/>
+              <a:t>MarsGRAM</a:t>
+            </a:r>
+            <a:r>
+              <a:rPr lang="en-US" sz="2400" dirty="0" smtClean="0"/>
+              <a:t> is used for environment modeling</a:t>
+            </a:r>
+          </a:p>
+          <a:p>
+            <a:r>
+              <a:rPr lang="en-US" sz="2400" dirty="0" smtClean="0"/>
+              <a:t>Uncertainty is added to lift and drag coefficients</a:t>
+            </a:r>
+          </a:p>
+          <a:p>
+            <a:pPr lvl="1"/>
+            <a:r>
+              <a:rPr lang="en-US" sz="2000" dirty="0" smtClean="0"/>
+              <a:t>Gaussian with 3</a:t>
+            </a:r>
+            <a:r>
+              <a:rPr lang="el-GR" sz="2000" dirty="0" smtClean="0"/>
+              <a:t>σ</a:t>
+            </a:r>
+            <a:r>
+              <a:rPr lang="en-US" sz="2000" dirty="0" smtClean="0"/>
+              <a:t> = 10%</a:t>
+            </a:r>
+          </a:p>
+          <a:p>
+            <a:r>
+              <a:rPr lang="en-US" sz="2400" dirty="0" smtClean="0"/>
+              <a:t>Updates occurs at 10 second intervals and stops at 600 m/s </a:t>
+            </a:r>
+          </a:p>
+          <a:p>
+            <a:r>
+              <a:rPr lang="en-US" sz="2400" dirty="0" smtClean="0"/>
+              <a:t>Bank angle limited to ±90°, and bank rate limited to 20°/s</a:t>
+            </a:r>
+          </a:p>
+          <a:p>
+            <a:r>
+              <a:rPr lang="en-US" sz="2400" dirty="0" smtClean="0"/>
+              <a:t>200 samples chosen by </a:t>
+            </a:r>
+            <a:r>
+              <a:rPr lang="en-US" sz="2400" dirty="0" err="1" smtClean="0"/>
+              <a:t>Sobol</a:t>
+            </a:r>
+            <a:r>
+              <a:rPr lang="en-US" sz="2400" dirty="0" smtClean="0"/>
+              <a:t>’ sequence</a:t>
+            </a:r>
+          </a:p>
+          <a:p>
+            <a:r>
+              <a:rPr lang="en-US" sz="2400" dirty="0" smtClean="0"/>
+              <a:t>Trajectories terminate when they reach the correct downrange distance</a:t>
+            </a:r>
+          </a:p>
+          <a:p>
+            <a:pPr lvl="1"/>
+            <a:r>
+              <a:rPr lang="en-US" sz="2000" dirty="0" smtClean="0"/>
+              <a:t>Simple logic, but should expect variations in final altitude and velocity despite energy as independent variable  </a:t>
+            </a:r>
+          </a:p>
+        </p:txBody>
+      </p:sp>
+      <p:sp>
+        <p:nvSpPr>
+          <p:cNvPr id="4" name="Date Placeholder 3"/>
+          <p:cNvSpPr>
+            <a:spLocks noGrp="1"/>
+          </p:cNvSpPr>
+          <p:nvPr>
+            <p:ph type="dt" sz="half" idx="10"/>
+          </p:nvPr>
+        </p:nvSpPr>
+        <p:spPr/>
+        <p:txBody>
+          <a:bodyPr/>
+          <a:lstStyle/>
+          <a:p>
+            <a:fld id="{679CBB44-024B-49D9-BFBE-22296ADF2450}" type="datetime1">
+              <a:rPr lang="en-US" smtClean="0"/>
+              <a:t>12/2/2018</a:t>
+            </a:fld>
+            <a:endParaRPr lang="en-US"/>
+          </a:p>
+        </p:txBody>
+      </p:sp>
+    </p:spTree>
+    <p:extLst>
+      <p:ext uri="{BB962C8B-B14F-4D97-AF65-F5344CB8AC3E}">
+        <p14:creationId xmlns:p14="http://schemas.microsoft.com/office/powerpoint/2010/main" val="3505934654"/>
+      </p:ext>
+    </p:extLst>
+  </p:cSld>
+  <p:clrMapOvr>
+    <a:masterClrMapping/>
+  </p:clrMapOvr>
+</p:sld>
+</file>
+
+<file path=ppt/slides/slide32.xml><?xml version="1.0" encoding="utf-8"?>
+<p:sld xmlns:a="http://schemas.openxmlformats.org/drawingml/2006/main" xmlns:r="http://schemas.openxmlformats.org/officeDocument/2006/relationships" xmlns:p="http://schemas.openxmlformats.org/presentationml/2006/main">
+  <p:cSld>
+    <p:spTree>
+      <p:nvGrpSpPr>
+        <p:cNvPr id="1" name=""/>
+        <p:cNvGrpSpPr/>
+        <p:nvPr/>
+      </p:nvGrpSpPr>
+      <p:grpSpPr>
+        <a:xfrm>
+          <a:off x="0" y="0"/>
+          <a:ext cx="0" cy="0"/>
+          <a:chOff x="0" y="0"/>
+          <a:chExt cx="0" cy="0"/>
+        </a:xfrm>
+      </p:grpSpPr>
+      <p:sp>
+        <p:nvSpPr>
+          <p:cNvPr id="2" name="Title 1"/>
+          <p:cNvSpPr>
+            <a:spLocks noGrp="1"/>
+          </p:cNvSpPr>
+          <p:nvPr>
+            <p:ph type="title"/>
+          </p:nvPr>
+        </p:nvSpPr>
+        <p:spPr/>
+        <p:txBody>
+          <a:bodyPr/>
+          <a:lstStyle/>
+          <a:p>
+            <a:r>
+              <a:rPr lang="en-US" dirty="0" smtClean="0"/>
+              <a:t>MCS Results - </a:t>
+            </a:r>
+            <a:r>
+              <a:rPr lang="en-US" dirty="0" err="1" smtClean="0"/>
+              <a:t>Groundtrack</a:t>
+            </a:r>
+            <a:endParaRPr lang="en-US" dirty="0"/>
+          </a:p>
+        </p:txBody>
+      </p:sp>
+      <p:sp>
+        <p:nvSpPr>
+          <p:cNvPr id="3" name="Content Placeholder 2"/>
+          <p:cNvSpPr>
+            <a:spLocks noGrp="1"/>
+          </p:cNvSpPr>
+          <p:nvPr>
+            <p:ph idx="1"/>
+          </p:nvPr>
+        </p:nvSpPr>
+        <p:spPr>
+          <a:xfrm>
+            <a:off x="628650" y="1777500"/>
+            <a:ext cx="7886700" cy="1398838"/>
+          </a:xfrm>
+        </p:spPr>
+        <p:txBody>
+          <a:bodyPr/>
+          <a:lstStyle/>
+          <a:p>
+            <a:r>
+              <a:rPr lang="en-US" sz="2400" dirty="0" smtClean="0"/>
+              <a:t>Excellent </a:t>
+            </a:r>
+            <a:r>
+              <a:rPr lang="en-US" sz="2400" dirty="0" err="1" smtClean="0"/>
+              <a:t>crossrange</a:t>
+            </a:r>
+            <a:r>
+              <a:rPr lang="en-US" sz="2400" dirty="0" smtClean="0"/>
+              <a:t> performance due to coupled update to longitudinal and lateral channels </a:t>
+            </a:r>
+          </a:p>
+          <a:p>
+            <a:r>
+              <a:rPr lang="en-US" sz="2400" dirty="0" smtClean="0"/>
+              <a:t>Interestingly, a small number of samples even have an additional reversal</a:t>
+            </a:r>
+            <a:endParaRPr lang="en-US" sz="2400" dirty="0"/>
+          </a:p>
+        </p:txBody>
+      </p:sp>
+      <p:pic>
+        <p:nvPicPr>
+          <p:cNvPr id="5" name="Picture 4"/>
+          <p:cNvPicPr>
+            <a:picLocks noChangeAspect="1"/>
+          </p:cNvPicPr>
+          <p:nvPr/>
+        </p:nvPicPr>
+        <p:blipFill>
+          <a:blip r:embed="rId3">
+            <a:extLst>
+              <a:ext uri="{28A0092B-C50C-407E-A947-70E740481C1C}">
+                <a14:useLocalDpi xmlns:a14="http://schemas.microsoft.com/office/drawing/2010/main" val="0"/>
+              </a:ext>
+            </a:extLst>
+          </a:blip>
+          <a:stretch>
+            <a:fillRect/>
+          </a:stretch>
+        </p:blipFill>
+        <p:spPr>
+          <a:xfrm>
+            <a:off x="1600247" y="3272588"/>
+            <a:ext cx="5750999" cy="3498601"/>
+          </a:xfrm>
+          <a:prstGeom prst="rect">
+            <a:avLst/>
+          </a:prstGeom>
+        </p:spPr>
+      </p:pic>
+      <p:sp>
+        <p:nvSpPr>
+          <p:cNvPr id="4" name="Date Placeholder 3"/>
+          <p:cNvSpPr>
+            <a:spLocks noGrp="1"/>
+          </p:cNvSpPr>
+          <p:nvPr>
+            <p:ph type="dt" sz="half" idx="10"/>
+          </p:nvPr>
+        </p:nvSpPr>
+        <p:spPr/>
+        <p:txBody>
+          <a:bodyPr/>
+          <a:lstStyle/>
+          <a:p>
+            <a:fld id="{8BD01A7A-C5C0-478A-8BE6-564915217820}" type="datetime1">
+              <a:rPr lang="en-US" smtClean="0"/>
+              <a:t>12/2/2018</a:t>
+            </a:fld>
+            <a:endParaRPr lang="en-US"/>
+          </a:p>
+        </p:txBody>
+      </p:sp>
+    </p:spTree>
+    <p:extLst>
+      <p:ext uri="{BB962C8B-B14F-4D97-AF65-F5344CB8AC3E}">
+        <p14:creationId xmlns:p14="http://schemas.microsoft.com/office/powerpoint/2010/main" val="1826672569"/>
+      </p:ext>
+    </p:extLst>
+  </p:cSld>
+  <p:clrMapOvr>
+    <a:masterClrMapping/>
+  </p:clrMapOvr>
+</p:sld>
+</file>
+
+<file path=ppt/slides/slide33.xml><?xml version="1.0" encoding="utf-8"?>
+<p:sld xmlns:a="http://schemas.openxmlformats.org/drawingml/2006/main" xmlns:r="http://schemas.openxmlformats.org/officeDocument/2006/relationships" xmlns:p="http://schemas.openxmlformats.org/presentationml/2006/main">
+  <p:cSld>
+    <p:spTree>
+      <p:nvGrpSpPr>
+        <p:cNvPr id="1" name=""/>
+        <p:cNvGrpSpPr/>
+        <p:nvPr/>
+      </p:nvGrpSpPr>
+      <p:grpSpPr>
+        <a:xfrm>
+          <a:off x="0" y="0"/>
+          <a:ext cx="0" cy="0"/>
+          <a:chOff x="0" y="0"/>
+          <a:chExt cx="0" cy="0"/>
+        </a:xfrm>
+      </p:grpSpPr>
+      <p:sp>
+        <p:nvSpPr>
+          <p:cNvPr id="2" name="Title 1"/>
+          <p:cNvSpPr>
+            <a:spLocks noGrp="1"/>
+          </p:cNvSpPr>
+          <p:nvPr>
+            <p:ph type="title"/>
+          </p:nvPr>
+        </p:nvSpPr>
+        <p:spPr>
+          <a:xfrm>
+            <a:off x="628649" y="964938"/>
+            <a:ext cx="8370972" cy="611532"/>
+          </a:xfrm>
+        </p:spPr>
+        <p:txBody>
+          <a:bodyPr/>
+          <a:lstStyle/>
+          <a:p>
+            <a:r>
+              <a:rPr lang="en-US" dirty="0" smtClean="0"/>
+              <a:t>MCS Results – Altitude/Velocity</a:t>
+            </a:r>
+            <a:endParaRPr lang="en-US" dirty="0"/>
+          </a:p>
+        </p:txBody>
+      </p:sp>
+      <p:sp>
+        <p:nvSpPr>
+          <p:cNvPr id="3" name="Content Placeholder 2"/>
+          <p:cNvSpPr>
+            <a:spLocks noGrp="1"/>
+          </p:cNvSpPr>
+          <p:nvPr>
+            <p:ph idx="1"/>
+          </p:nvPr>
+        </p:nvSpPr>
+        <p:spPr>
+          <a:xfrm>
+            <a:off x="628649" y="1690690"/>
+            <a:ext cx="7886700" cy="1437522"/>
+          </a:xfrm>
+        </p:spPr>
+        <p:txBody>
+          <a:bodyPr/>
+          <a:lstStyle/>
+          <a:p>
+            <a:r>
+              <a:rPr lang="en-US" sz="2400" dirty="0" smtClean="0"/>
+              <a:t>Although some trajectories exit the parachute deployment conditions, all but three pass through the box</a:t>
+            </a:r>
+          </a:p>
+          <a:p>
+            <a:pPr lvl="1"/>
+            <a:r>
+              <a:rPr lang="en-US" sz="2000" dirty="0" smtClean="0"/>
+              <a:t>Solved by considering triggering logic that explicitly accounts for parachute conditions </a:t>
+            </a:r>
+          </a:p>
+          <a:p>
+            <a:pPr marL="0" indent="0">
+              <a:buNone/>
+            </a:pPr>
+            <a:endParaRPr lang="en-US" dirty="0"/>
+          </a:p>
+        </p:txBody>
+      </p:sp>
+      <p:pic>
+        <p:nvPicPr>
+          <p:cNvPr id="7" name="Picture 6"/>
+          <p:cNvPicPr>
+            <a:picLocks noChangeAspect="1"/>
+          </p:cNvPicPr>
+          <p:nvPr/>
+        </p:nvPicPr>
+        <p:blipFill>
+          <a:blip r:embed="rId2">
+            <a:extLst>
+              <a:ext uri="{28A0092B-C50C-407E-A947-70E740481C1C}">
+                <a14:useLocalDpi xmlns:a14="http://schemas.microsoft.com/office/drawing/2010/main" val="0"/>
+              </a:ext>
+            </a:extLst>
+          </a:blip>
+          <a:stretch>
+            <a:fillRect/>
+          </a:stretch>
+        </p:blipFill>
+        <p:spPr>
+          <a:xfrm>
+            <a:off x="6015308" y="3001647"/>
+            <a:ext cx="2984313" cy="1856906"/>
+          </a:xfrm>
+          <a:prstGeom prst="rect">
+            <a:avLst/>
+          </a:prstGeom>
+        </p:spPr>
+      </p:pic>
+      <p:pic>
+        <p:nvPicPr>
+          <p:cNvPr id="8" name="Picture 7"/>
+          <p:cNvPicPr>
+            <a:picLocks noChangeAspect="1"/>
+          </p:cNvPicPr>
+          <p:nvPr/>
+        </p:nvPicPr>
+        <p:blipFill>
+          <a:blip r:embed="rId3">
+            <a:extLst>
+              <a:ext uri="{28A0092B-C50C-407E-A947-70E740481C1C}">
+                <a14:useLocalDpi xmlns:a14="http://schemas.microsoft.com/office/drawing/2010/main" val="0"/>
+              </a:ext>
+            </a:extLst>
+          </a:blip>
+          <a:stretch>
+            <a:fillRect/>
+          </a:stretch>
+        </p:blipFill>
+        <p:spPr>
+          <a:xfrm>
+            <a:off x="6015308" y="4858553"/>
+            <a:ext cx="2984313" cy="1856905"/>
+          </a:xfrm>
+          <a:prstGeom prst="rect">
+            <a:avLst/>
+          </a:prstGeom>
+        </p:spPr>
+      </p:pic>
+      <p:pic>
+        <p:nvPicPr>
+          <p:cNvPr id="9" name="Picture 8"/>
+          <p:cNvPicPr>
+            <a:picLocks noChangeAspect="1"/>
+          </p:cNvPicPr>
+          <p:nvPr/>
+        </p:nvPicPr>
+        <p:blipFill>
+          <a:blip r:embed="rId4">
+            <a:extLst>
+              <a:ext uri="{28A0092B-C50C-407E-A947-70E740481C1C}">
+                <a14:useLocalDpi xmlns:a14="http://schemas.microsoft.com/office/drawing/2010/main" val="0"/>
+              </a:ext>
+            </a:extLst>
+          </a:blip>
+          <a:stretch>
+            <a:fillRect/>
+          </a:stretch>
+        </p:blipFill>
+        <p:spPr>
+          <a:xfrm>
+            <a:off x="198640" y="3128212"/>
+            <a:ext cx="5332396" cy="3273687"/>
+          </a:xfrm>
+          <a:prstGeom prst="rect">
+            <a:avLst/>
+          </a:prstGeom>
+        </p:spPr>
+      </p:pic>
+      <p:sp>
+        <p:nvSpPr>
+          <p:cNvPr id="4" name="Date Placeholder 3"/>
+          <p:cNvSpPr>
+            <a:spLocks noGrp="1"/>
+          </p:cNvSpPr>
+          <p:nvPr>
+            <p:ph type="dt" sz="half" idx="10"/>
+          </p:nvPr>
+        </p:nvSpPr>
+        <p:spPr/>
+        <p:txBody>
+          <a:bodyPr/>
+          <a:lstStyle/>
+          <a:p>
+            <a:fld id="{B92B01C8-369C-4ED9-9DA7-8545D43DBD83}" type="datetime1">
+              <a:rPr lang="en-US" smtClean="0"/>
+              <a:t>12/2/2018</a:t>
+            </a:fld>
+            <a:endParaRPr lang="en-US"/>
+          </a:p>
+        </p:txBody>
+      </p:sp>
+    </p:spTree>
+    <p:extLst>
+      <p:ext uri="{BB962C8B-B14F-4D97-AF65-F5344CB8AC3E}">
+        <p14:creationId xmlns:p14="http://schemas.microsoft.com/office/powerpoint/2010/main" val="303004292"/>
+      </p:ext>
+    </p:extLst>
+  </p:cSld>
+  <p:clrMapOvr>
+    <a:masterClrMapping/>
+  </p:clrMapOvr>
+</p:sld>
+</file>
+
+<file path=ppt/slides/slide34.xml><?xml version="1.0" encoding="utf-8"?>
+<p:sld xmlns:a="http://schemas.openxmlformats.org/drawingml/2006/main" xmlns:r="http://schemas.openxmlformats.org/officeDocument/2006/relationships" xmlns:p="http://schemas.openxmlformats.org/presentationml/2006/main">
+  <p:cSld>
+    <p:spTree>
+      <p:nvGrpSpPr>
+        <p:cNvPr id="1" name=""/>
+        <p:cNvGrpSpPr/>
+        <p:nvPr/>
+      </p:nvGrpSpPr>
+      <p:grpSpPr>
+        <a:xfrm>
+          <a:off x="0" y="0"/>
+          <a:ext cx="0" cy="0"/>
+          <a:chOff x="0" y="0"/>
+          <a:chExt cx="0" cy="0"/>
+        </a:xfrm>
+      </p:grpSpPr>
+      <p:sp>
+        <p:nvSpPr>
+          <p:cNvPr id="2" name="Title 1"/>
+          <p:cNvSpPr>
+            <a:spLocks noGrp="1"/>
+          </p:cNvSpPr>
+          <p:nvPr>
+            <p:ph type="title"/>
+          </p:nvPr>
+        </p:nvSpPr>
+        <p:spPr/>
+        <p:txBody>
+          <a:bodyPr/>
+          <a:lstStyle/>
+          <a:p>
+            <a:r>
+              <a:rPr lang="en-US" dirty="0" smtClean="0"/>
+              <a:t>MCS Results – Bank Profiles </a:t>
+            </a:r>
+            <a:endParaRPr lang="en-US" dirty="0"/>
+          </a:p>
+        </p:txBody>
+      </p:sp>
+      <p:sp>
+        <p:nvSpPr>
+          <p:cNvPr id="5" name="Content Placeholder 4"/>
+          <p:cNvSpPr>
+            <a:spLocks noGrp="1"/>
+          </p:cNvSpPr>
+          <p:nvPr>
+            <p:ph idx="1"/>
+          </p:nvPr>
+        </p:nvSpPr>
+        <p:spPr>
+          <a:xfrm>
+            <a:off x="628650" y="1825625"/>
+            <a:ext cx="8245843" cy="1244834"/>
+          </a:xfrm>
+        </p:spPr>
+        <p:txBody>
+          <a:bodyPr/>
+          <a:lstStyle/>
+          <a:p>
+            <a:r>
+              <a:rPr lang="en-US" dirty="0" smtClean="0"/>
+              <a:t>Largest difference is in the timing of bank reversals</a:t>
+            </a:r>
+          </a:p>
+          <a:p>
+            <a:pPr lvl="0"/>
+            <a:r>
+              <a:rPr lang="en-US" dirty="0">
+                <a:solidFill>
+                  <a:prstClr val="black"/>
+                </a:solidFill>
+              </a:rPr>
+              <a:t>Bank angle (and trajectory in general) deviates from the original trajectory most at the end</a:t>
+            </a:r>
+          </a:p>
+          <a:p>
+            <a:endParaRPr lang="en-US" dirty="0" smtClean="0"/>
+          </a:p>
+          <a:p>
+            <a:endParaRPr lang="en-US" dirty="0"/>
+          </a:p>
+        </p:txBody>
+      </p:sp>
+      <p:pic>
+        <p:nvPicPr>
+          <p:cNvPr id="6" name="Picture 5"/>
+          <p:cNvPicPr>
+            <a:picLocks noChangeAspect="1"/>
+          </p:cNvPicPr>
+          <p:nvPr/>
+        </p:nvPicPr>
+        <p:blipFill>
+          <a:blip r:embed="rId2">
+            <a:extLst>
+              <a:ext uri="{28A0092B-C50C-407E-A947-70E740481C1C}">
+                <a14:useLocalDpi xmlns:a14="http://schemas.microsoft.com/office/drawing/2010/main" val="0"/>
+              </a:ext>
+            </a:extLst>
+          </a:blip>
+          <a:stretch>
+            <a:fillRect/>
+          </a:stretch>
+        </p:blipFill>
+        <p:spPr>
+          <a:xfrm>
+            <a:off x="259880" y="3197993"/>
+            <a:ext cx="5813843" cy="3488306"/>
+          </a:xfrm>
+          <a:prstGeom prst="rect">
+            <a:avLst/>
+          </a:prstGeom>
+        </p:spPr>
+      </p:pic>
+      <p:sp>
+        <p:nvSpPr>
+          <p:cNvPr id="7" name="TextBox 6"/>
+          <p:cNvSpPr txBox="1"/>
+          <p:nvPr/>
+        </p:nvSpPr>
+        <p:spPr>
+          <a:xfrm>
+            <a:off x="5861784" y="3395901"/>
+            <a:ext cx="3205214" cy="2363724"/>
+          </a:xfrm>
+          <a:prstGeom prst="rect">
+            <a:avLst/>
+          </a:prstGeom>
+          <a:noFill/>
+        </p:spPr>
+        <p:txBody>
+          <a:bodyPr wrap="square" rtlCol="0">
+            <a:spAutoFit/>
+          </a:bodyPr>
+          <a:lstStyle/>
+          <a:p>
+            <a:pPr lvl="1">
+              <a:lnSpc>
+                <a:spcPct val="90000"/>
+              </a:lnSpc>
+              <a:spcBef>
+                <a:spcPts val="500"/>
+              </a:spcBef>
+            </a:pPr>
+            <a:r>
+              <a:rPr lang="en-US" sz="2400" dirty="0" smtClean="0">
+                <a:solidFill>
+                  <a:prstClr val="black"/>
+                </a:solidFill>
+              </a:rPr>
+              <a:t>This </a:t>
+            </a:r>
+            <a:r>
+              <a:rPr lang="en-US" sz="2400" dirty="0">
+                <a:solidFill>
+                  <a:prstClr val="black"/>
+                </a:solidFill>
+              </a:rPr>
+              <a:t>is expected because </a:t>
+            </a:r>
+            <a:r>
+              <a:rPr lang="en-US" sz="2400" dirty="0" smtClean="0">
+                <a:solidFill>
+                  <a:prstClr val="black"/>
+                </a:solidFill>
+              </a:rPr>
+              <a:t>the later portion of trajectory is updated the greatest number </a:t>
+            </a:r>
+            <a:r>
+              <a:rPr lang="en-US" sz="2400" dirty="0">
+                <a:solidFill>
+                  <a:prstClr val="black"/>
+                </a:solidFill>
+              </a:rPr>
+              <a:t>of times </a:t>
+            </a:r>
+          </a:p>
+          <a:p>
+            <a:endParaRPr lang="en-US" dirty="0"/>
+          </a:p>
+        </p:txBody>
+      </p:sp>
+      <p:sp>
+        <p:nvSpPr>
+          <p:cNvPr id="3" name="Date Placeholder 2"/>
+          <p:cNvSpPr>
+            <a:spLocks noGrp="1"/>
+          </p:cNvSpPr>
+          <p:nvPr>
+            <p:ph type="dt" sz="half" idx="10"/>
+          </p:nvPr>
+        </p:nvSpPr>
+        <p:spPr/>
+        <p:txBody>
+          <a:bodyPr/>
+          <a:lstStyle/>
+          <a:p>
+            <a:fld id="{EBD2AF92-CB4E-4AF0-A3E1-DF2CCF33E74C}" type="datetime1">
+              <a:rPr lang="en-US" smtClean="0"/>
+              <a:t>12/2/2018</a:t>
+            </a:fld>
+            <a:endParaRPr lang="en-US"/>
+          </a:p>
+        </p:txBody>
+      </p:sp>
+    </p:spTree>
+    <p:extLst>
+      <p:ext uri="{BB962C8B-B14F-4D97-AF65-F5344CB8AC3E}">
+        <p14:creationId xmlns:p14="http://schemas.microsoft.com/office/powerpoint/2010/main" val="1145173546"/>
+      </p:ext>
+    </p:extLst>
+  </p:cSld>
+  <p:clrMapOvr>
+    <a:masterClrMapping/>
+  </p:clrMapOvr>
+</p:sld>
+</file>
+
+<file path=ppt/slides/slide35.xml><?xml version="1.0" encoding="utf-8"?>
+<p:sld xmlns:a="http://schemas.openxmlformats.org/drawingml/2006/main" xmlns:r="http://schemas.openxmlformats.org/officeDocument/2006/relationships" xmlns:p="http://schemas.openxmlformats.org/presentationml/2006/main">
+  <p:cSld>
+    <p:spTree>
+      <p:nvGrpSpPr>
+        <p:cNvPr id="1" name=""/>
+        <p:cNvGrpSpPr/>
+        <p:nvPr/>
+      </p:nvGrpSpPr>
+      <p:grpSpPr>
+        <a:xfrm>
+          <a:off x="0" y="0"/>
+          <a:ext cx="0" cy="0"/>
+          <a:chOff x="0" y="0"/>
+          <a:chExt cx="0" cy="0"/>
+        </a:xfrm>
+      </p:grpSpPr>
+      <p:sp>
+        <p:nvSpPr>
+          <p:cNvPr id="2" name="Title 1"/>
+          <p:cNvSpPr>
+            <a:spLocks noGrp="1"/>
+          </p:cNvSpPr>
+          <p:nvPr>
+            <p:ph type="title"/>
+          </p:nvPr>
+        </p:nvSpPr>
+        <p:spPr/>
+        <p:txBody>
+          <a:bodyPr/>
+          <a:lstStyle/>
+          <a:p>
+            <a:r>
+              <a:rPr lang="en-US" dirty="0" smtClean="0"/>
+              <a:t>Conclusion</a:t>
+            </a:r>
+            <a:endParaRPr lang="en-US" dirty="0"/>
+          </a:p>
+        </p:txBody>
+      </p:sp>
+      <p:sp>
+        <p:nvSpPr>
+          <p:cNvPr id="3" name="Content Placeholder 2"/>
+          <p:cNvSpPr>
+            <a:spLocks noGrp="1"/>
+          </p:cNvSpPr>
+          <p:nvPr>
+            <p:ph idx="1"/>
+          </p:nvPr>
+        </p:nvSpPr>
+        <p:spPr/>
+        <p:txBody>
+          <a:bodyPr/>
+          <a:lstStyle/>
+          <a:p>
+            <a:r>
+              <a:rPr lang="en-US" dirty="0" smtClean="0"/>
+              <a:t>Despite the use of linearization requiring small, local updates, a convex approach to onboard trajectory redesign shows promise </a:t>
+            </a:r>
+          </a:p>
+          <a:p>
+            <a:r>
+              <a:rPr lang="en-US" dirty="0" smtClean="0"/>
+              <a:t>Use of updating has a number of potential applications</a:t>
+            </a:r>
+          </a:p>
+          <a:p>
+            <a:r>
+              <a:rPr lang="en-US" dirty="0" smtClean="0"/>
+              <a:t>If the target point is not reachable, the solution returned by the optimizer may be outside the region of validity of the linearized trajectory, or the optimization may return infeasible </a:t>
+            </a:r>
+          </a:p>
+          <a:p>
+            <a:pPr lvl="1"/>
+            <a:r>
+              <a:rPr lang="en-US" dirty="0" smtClean="0"/>
+              <a:t>Safeguarding is required</a:t>
+            </a:r>
+          </a:p>
+          <a:p>
+            <a:pPr lvl="1"/>
+            <a:r>
+              <a:rPr lang="en-US" dirty="0" smtClean="0"/>
+              <a:t>Consider the endpoint constraint as a penalty term in the objective </a:t>
+            </a:r>
+            <a:endParaRPr lang="en-US" dirty="0"/>
+          </a:p>
+          <a:p>
+            <a:pPr marL="457200" lvl="1" indent="0">
+              <a:buNone/>
+            </a:pPr>
+            <a:endParaRPr lang="en-US" dirty="0" smtClean="0"/>
+          </a:p>
+        </p:txBody>
+      </p:sp>
+      <p:sp>
+        <p:nvSpPr>
+          <p:cNvPr id="4" name="Date Placeholder 3"/>
+          <p:cNvSpPr>
+            <a:spLocks noGrp="1"/>
+          </p:cNvSpPr>
+          <p:nvPr>
+            <p:ph type="dt" sz="half" idx="10"/>
+          </p:nvPr>
+        </p:nvSpPr>
+        <p:spPr/>
+        <p:txBody>
+          <a:bodyPr/>
+          <a:lstStyle/>
+          <a:p>
+            <a:fld id="{16114025-B9CF-47AC-9FCF-5709863A9187}" type="datetime1">
+              <a:rPr lang="en-US" smtClean="0"/>
+              <a:t>12/2/2018</a:t>
+            </a:fld>
+            <a:endParaRPr lang="en-US"/>
+          </a:p>
+        </p:txBody>
+      </p:sp>
+    </p:spTree>
+    <p:extLst>
+      <p:ext uri="{BB962C8B-B14F-4D97-AF65-F5344CB8AC3E}">
+        <p14:creationId xmlns:p14="http://schemas.microsoft.com/office/powerpoint/2010/main" val="2442241489"/>
+      </p:ext>
+    </p:extLst>
+  </p:cSld>
+  <p:clrMapOvr>
+    <a:masterClrMapping/>
+  </p:clrMapOvr>
+</p:sld>
+</file>
+
+<file path=ppt/slides/slide36.xml><?xml version="1.0" encoding="utf-8"?>
 <p:sld xmlns:a="http://schemas.openxmlformats.org/drawingml/2006/main" xmlns:r="http://schemas.openxmlformats.org/officeDocument/2006/relationships" xmlns:p="http://schemas.openxmlformats.org/presentationml/2006/main">
   <p:cSld>
     <p:spTree>
@@ -9571,129 +11880,6 @@
   <p:clrMapOvr>
     <a:masterClrMapping/>
   </p:clrMapOvr>
-</p:sld>
-</file>
-
-<file path=ppt/slides/slide28.xml><?xml version="1.0" encoding="utf-8"?>
-<p:sld xmlns:a="http://schemas.openxmlformats.org/drawingml/2006/main" xmlns:r="http://schemas.openxmlformats.org/officeDocument/2006/relationships" xmlns:p="http://schemas.openxmlformats.org/presentationml/2006/main">
-  <p:cSld>
-    <p:spTree>
-      <p:nvGrpSpPr>
-        <p:cNvPr id="1" name=""/>
-        <p:cNvGrpSpPr/>
-        <p:nvPr/>
-      </p:nvGrpSpPr>
-      <p:grpSpPr>
-        <a:xfrm>
-          <a:off x="0" y="0"/>
-          <a:ext cx="0" cy="0"/>
-          <a:chOff x="0" y="0"/>
-          <a:chExt cx="0" cy="0"/>
-        </a:xfrm>
-      </p:grpSpPr>
-      <p:sp>
-        <p:nvSpPr>
-          <p:cNvPr id="2" name="Title 1"/>
-          <p:cNvSpPr>
-            <a:spLocks noGrp="1"/>
-          </p:cNvSpPr>
-          <p:nvPr>
-            <p:ph type="title"/>
-          </p:nvPr>
-        </p:nvSpPr>
-        <p:spPr/>
-        <p:txBody>
-          <a:bodyPr/>
-          <a:lstStyle/>
-          <a:p>
-            <a:r>
-              <a:rPr lang="en-US" dirty="0" smtClean="0"/>
-              <a:t>Introduction</a:t>
-            </a:r>
-            <a:endParaRPr lang="en-US" dirty="0"/>
-          </a:p>
-        </p:txBody>
-      </p:sp>
-      <p:sp>
-        <p:nvSpPr>
-          <p:cNvPr id="3" name="Content Placeholder 2"/>
-          <p:cNvSpPr>
-            <a:spLocks noGrp="1"/>
-          </p:cNvSpPr>
-          <p:nvPr>
-            <p:ph idx="1"/>
-          </p:nvPr>
-        </p:nvSpPr>
-        <p:spPr/>
-        <p:txBody>
-          <a:bodyPr/>
-          <a:lstStyle/>
-          <a:p>
-            <a:r>
-              <a:rPr lang="en-US" dirty="0" smtClean="0"/>
-              <a:t>Future Mars missions will have challenging requirements that necessitate closed-loop entry guidance</a:t>
-            </a:r>
-          </a:p>
-          <a:p>
-            <a:r>
-              <a:rPr lang="en-US" dirty="0" smtClean="0"/>
-              <a:t>The ability to design a trajectory onboard increases autonomy and can be used in entry guidance</a:t>
-            </a:r>
-          </a:p>
-          <a:p>
-            <a:pPr lvl="1"/>
-            <a:r>
-              <a:rPr lang="en-US" dirty="0" smtClean="0"/>
-              <a:t>Trajectory generation can be used in reference tracking methods, or as the basis for a numerical predictor-corrector method via frequent design</a:t>
-            </a:r>
-          </a:p>
-          <a:p>
-            <a:r>
-              <a:rPr lang="en-US" dirty="0" smtClean="0"/>
-              <a:t>Generating an optimal trajectory onboard is difficult due to limited computing resources</a:t>
-            </a:r>
-          </a:p>
-          <a:p>
-            <a:endParaRPr lang="en-US" dirty="0" smtClean="0"/>
-          </a:p>
-          <a:p>
-            <a:endParaRPr lang="en-US" dirty="0"/>
-          </a:p>
-        </p:txBody>
-      </p:sp>
-      <p:sp>
-        <p:nvSpPr>
-          <p:cNvPr id="4" name="Date Placeholder 3"/>
-          <p:cNvSpPr>
-            <a:spLocks noGrp="1"/>
-          </p:cNvSpPr>
-          <p:nvPr>
-            <p:ph type="dt" sz="half" idx="10"/>
-          </p:nvPr>
-        </p:nvSpPr>
-        <p:spPr/>
-        <p:txBody>
-          <a:bodyPr/>
-          <a:lstStyle/>
-          <a:p>
-            <a:fld id="{2B95A4FC-FB7C-4AB5-B4A7-5F2CB3788E89}" type="datetime1">
-              <a:rPr lang="en-US" smtClean="0"/>
-              <a:t>12/1/2018</a:t>
-            </a:fld>
-            <a:endParaRPr lang="en-US"/>
-          </a:p>
-        </p:txBody>
-      </p:sp>
-    </p:spTree>
-    <p:extLst>
-      <p:ext uri="{BB962C8B-B14F-4D97-AF65-F5344CB8AC3E}">
-        <p14:creationId xmlns:p14="http://schemas.microsoft.com/office/powerpoint/2010/main" val="2368961217"/>
-      </p:ext>
-    </p:extLst>
-  </p:cSld>
-  <p:clrMapOvr>
-    <a:masterClrMapping/>
-  </p:clrMapOvr>
   <p:timing>
     <p:tnLst>
       <p:par>
@@ -9701,1600 +11887,6 @@
       </p:par>
     </p:tnLst>
   </p:timing>
-</p:sld>
-</file>
-
-<file path=ppt/slides/slide29.xml><?xml version="1.0" encoding="utf-8"?>
-<p:sld xmlns:a="http://schemas.openxmlformats.org/drawingml/2006/main" xmlns:r="http://schemas.openxmlformats.org/officeDocument/2006/relationships" xmlns:p="http://schemas.openxmlformats.org/presentationml/2006/main">
-  <p:cSld>
-    <p:spTree>
-      <p:nvGrpSpPr>
-        <p:cNvPr id="1" name=""/>
-        <p:cNvGrpSpPr/>
-        <p:nvPr/>
-      </p:nvGrpSpPr>
-      <p:grpSpPr>
-        <a:xfrm>
-          <a:off x="0" y="0"/>
-          <a:ext cx="0" cy="0"/>
-          <a:chOff x="0" y="0"/>
-          <a:chExt cx="0" cy="0"/>
-        </a:xfrm>
-      </p:grpSpPr>
-      <p:sp>
-        <p:nvSpPr>
-          <p:cNvPr id="2" name="Title 1"/>
-          <p:cNvSpPr>
-            <a:spLocks noGrp="1"/>
-          </p:cNvSpPr>
-          <p:nvPr>
-            <p:ph type="title"/>
-          </p:nvPr>
-        </p:nvSpPr>
-        <p:spPr/>
-        <p:txBody>
-          <a:bodyPr/>
-          <a:lstStyle/>
-          <a:p>
-            <a:r>
-              <a:rPr lang="en-US" dirty="0" smtClean="0"/>
-              <a:t>Entry Trajectory Updating</a:t>
-            </a:r>
-            <a:endParaRPr lang="en-US" dirty="0"/>
-          </a:p>
-        </p:txBody>
-      </p:sp>
-      <p:sp>
-        <p:nvSpPr>
-          <p:cNvPr id="3" name="Content Placeholder 2"/>
-          <p:cNvSpPr>
-            <a:spLocks noGrp="1"/>
-          </p:cNvSpPr>
-          <p:nvPr>
-            <p:ph idx="1"/>
-          </p:nvPr>
-        </p:nvSpPr>
-        <p:spPr>
-          <a:xfrm>
-            <a:off x="628650" y="1792119"/>
-            <a:ext cx="8361346" cy="5561582"/>
-          </a:xfrm>
-        </p:spPr>
-        <p:txBody>
-          <a:bodyPr/>
-          <a:lstStyle/>
-          <a:p>
-            <a:r>
-              <a:rPr lang="en-US" dirty="0" smtClean="0"/>
-              <a:t>The vehicle enters the atmosphere with a trajectory designed that will deliver it to the target under nominal conditions </a:t>
-            </a:r>
-          </a:p>
-          <a:p>
-            <a:r>
-              <a:rPr lang="en-US" dirty="0"/>
-              <a:t>Under off-nominal conditions, the vehicle will deviate from the trajectory that was planned, </a:t>
-            </a:r>
-            <a:r>
-              <a:rPr lang="en-US" dirty="0" smtClean="0"/>
-              <a:t>sometimes even </a:t>
-            </a:r>
-            <a:r>
-              <a:rPr lang="en-US" dirty="0"/>
-              <a:t>with the aid of </a:t>
-            </a:r>
-            <a:r>
-              <a:rPr lang="en-US" dirty="0" smtClean="0"/>
-              <a:t>closed-loop guidance </a:t>
-            </a:r>
-          </a:p>
-          <a:p>
-            <a:pPr lvl="1"/>
-            <a:r>
-              <a:rPr lang="en-US" dirty="0" smtClean="0"/>
-              <a:t>Vehicle may arrive at the target under poor conditions (e.g. outside of parachute deployment conditions) or may violate important path constraints </a:t>
-            </a:r>
-          </a:p>
-          <a:p>
-            <a:r>
-              <a:rPr lang="en-US" dirty="0" smtClean="0"/>
-              <a:t>Goal: use current estimated vehicle state and redesign a path to the target while satisfying constraints (e.g. parachute deploy conditions, path constraints)</a:t>
-            </a:r>
-          </a:p>
-          <a:p>
-            <a:endParaRPr lang="en-US" dirty="0" smtClean="0"/>
-          </a:p>
-        </p:txBody>
-      </p:sp>
-      <p:sp>
-        <p:nvSpPr>
-          <p:cNvPr id="4" name="Date Placeholder 3"/>
-          <p:cNvSpPr>
-            <a:spLocks noGrp="1"/>
-          </p:cNvSpPr>
-          <p:nvPr>
-            <p:ph type="dt" sz="half" idx="10"/>
-          </p:nvPr>
-        </p:nvSpPr>
-        <p:spPr/>
-        <p:txBody>
-          <a:bodyPr/>
-          <a:lstStyle/>
-          <a:p>
-            <a:fld id="{63A7C39B-4337-4284-8FCA-2CFCA1AD45E4}" type="datetime1">
-              <a:rPr lang="en-US" smtClean="0"/>
-              <a:t>12/1/2018</a:t>
-            </a:fld>
-            <a:endParaRPr lang="en-US"/>
-          </a:p>
-        </p:txBody>
-      </p:sp>
-    </p:spTree>
-    <p:extLst>
-      <p:ext uri="{BB962C8B-B14F-4D97-AF65-F5344CB8AC3E}">
-        <p14:creationId xmlns:p14="http://schemas.microsoft.com/office/powerpoint/2010/main" val="1411460258"/>
-      </p:ext>
-    </p:extLst>
-  </p:cSld>
-  <p:clrMapOvr>
-    <a:masterClrMapping/>
-  </p:clrMapOvr>
-</p:sld>
-</file>
-
-<file path=ppt/slides/slide3.xml><?xml version="1.0" encoding="utf-8"?>
-<p:sld xmlns:a="http://schemas.openxmlformats.org/drawingml/2006/main" xmlns:r="http://schemas.openxmlformats.org/officeDocument/2006/relationships" xmlns:p="http://schemas.openxmlformats.org/presentationml/2006/main">
-  <p:cSld>
-    <p:spTree>
-      <p:nvGrpSpPr>
-        <p:cNvPr id="1" name=""/>
-        <p:cNvGrpSpPr/>
-        <p:nvPr/>
-      </p:nvGrpSpPr>
-      <p:grpSpPr>
-        <a:xfrm>
-          <a:off x="0" y="0"/>
-          <a:ext cx="0" cy="0"/>
-          <a:chOff x="0" y="0"/>
-          <a:chExt cx="0" cy="0"/>
-        </a:xfrm>
-      </p:grpSpPr>
-      <p:sp>
-        <p:nvSpPr>
-          <p:cNvPr id="2" name="Title 1"/>
-          <p:cNvSpPr>
-            <a:spLocks noGrp="1"/>
-          </p:cNvSpPr>
-          <p:nvPr>
-            <p:ph type="title"/>
-          </p:nvPr>
-        </p:nvSpPr>
-        <p:spPr/>
-        <p:txBody>
-          <a:bodyPr/>
-          <a:lstStyle/>
-          <a:p>
-            <a:r>
-              <a:rPr lang="en-US" dirty="0" smtClean="0"/>
-              <a:t>Outline</a:t>
-            </a:r>
-            <a:endParaRPr lang="en-US" dirty="0"/>
-          </a:p>
-        </p:txBody>
-      </p:sp>
-      <p:sp>
-        <p:nvSpPr>
-          <p:cNvPr id="3" name="Content Placeholder 2"/>
-          <p:cNvSpPr>
-            <a:spLocks noGrp="1"/>
-          </p:cNvSpPr>
-          <p:nvPr>
-            <p:ph idx="1"/>
-          </p:nvPr>
-        </p:nvSpPr>
-        <p:spPr>
-          <a:xfrm>
-            <a:off x="628650" y="1825624"/>
-            <a:ext cx="7886700" cy="4678269"/>
-          </a:xfrm>
-        </p:spPr>
-        <p:txBody>
-          <a:bodyPr/>
-          <a:lstStyle/>
-          <a:p>
-            <a:r>
-              <a:rPr lang="en-US" dirty="0" smtClean="0"/>
-              <a:t>Entry phase (hybrid opt, convex updating)</a:t>
-            </a:r>
-          </a:p>
-          <a:p>
-            <a:r>
-              <a:rPr lang="en-US" dirty="0" smtClean="0"/>
-              <a:t>SRP phase (robust solutions via optimal control)</a:t>
-            </a:r>
-          </a:p>
-          <a:p>
-            <a:r>
-              <a:rPr lang="en-US" dirty="0" smtClean="0"/>
-              <a:t>Multi-phase optimal control (create reference for initialization entry, and to track in SRP phase potentially)</a:t>
-            </a:r>
-          </a:p>
-          <a:p>
-            <a:r>
-              <a:rPr lang="en-US" dirty="0" smtClean="0"/>
-              <a:t>Adaptive SRP initiation via free initial condition OCP?</a:t>
-            </a:r>
-          </a:p>
-          <a:p>
-            <a:r>
-              <a:rPr lang="en-US" dirty="0" smtClean="0"/>
-              <a:t>Free final time via free initial condition?</a:t>
-            </a:r>
-          </a:p>
-          <a:p>
-            <a:r>
-              <a:rPr lang="en-US" dirty="0" smtClean="0"/>
-              <a:t>Non-standard control objectives: risk sensitive, minimally covariant trajectories </a:t>
-            </a:r>
-            <a:endParaRPr lang="en-US" dirty="0"/>
-          </a:p>
-        </p:txBody>
-      </p:sp>
-      <p:sp>
-        <p:nvSpPr>
-          <p:cNvPr id="4" name="Date Placeholder 3"/>
-          <p:cNvSpPr>
-            <a:spLocks noGrp="1"/>
-          </p:cNvSpPr>
-          <p:nvPr>
-            <p:ph type="dt" sz="half" idx="10"/>
-          </p:nvPr>
-        </p:nvSpPr>
-        <p:spPr/>
-        <p:txBody>
-          <a:bodyPr/>
-          <a:lstStyle/>
-          <a:p>
-            <a:fld id="{AAF8337C-28E0-45D7-BFAB-A5636CB463D0}" type="datetime1">
-              <a:rPr lang="en-US" smtClean="0"/>
-              <a:t>12/1/2018</a:t>
-            </a:fld>
-            <a:endParaRPr lang="en-US"/>
-          </a:p>
-        </p:txBody>
-      </p:sp>
-    </p:spTree>
-    <p:extLst>
-      <p:ext uri="{BB962C8B-B14F-4D97-AF65-F5344CB8AC3E}">
-        <p14:creationId xmlns:p14="http://schemas.microsoft.com/office/powerpoint/2010/main" val="1132782950"/>
-      </p:ext>
-    </p:extLst>
-  </p:cSld>
-  <p:clrMapOvr>
-    <a:masterClrMapping/>
-  </p:clrMapOvr>
-</p:sld>
-</file>
-
-<file path=ppt/slides/slide30.xml><?xml version="1.0" encoding="utf-8"?>
-<p:sld xmlns:a="http://schemas.openxmlformats.org/drawingml/2006/main" xmlns:r="http://schemas.openxmlformats.org/officeDocument/2006/relationships" xmlns:p="http://schemas.openxmlformats.org/presentationml/2006/main">
-  <p:cSld>
-    <p:spTree>
-      <p:nvGrpSpPr>
-        <p:cNvPr id="1" name=""/>
-        <p:cNvGrpSpPr/>
-        <p:nvPr/>
-      </p:nvGrpSpPr>
-      <p:grpSpPr>
-        <a:xfrm>
-          <a:off x="0" y="0"/>
-          <a:ext cx="0" cy="0"/>
-          <a:chOff x="0" y="0"/>
-          <a:chExt cx="0" cy="0"/>
-        </a:xfrm>
-      </p:grpSpPr>
-      <p:sp>
-        <p:nvSpPr>
-          <p:cNvPr id="2" name="Title 1"/>
-          <p:cNvSpPr>
-            <a:spLocks noGrp="1"/>
-          </p:cNvSpPr>
-          <p:nvPr>
-            <p:ph type="title"/>
-          </p:nvPr>
-        </p:nvSpPr>
-        <p:spPr>
-          <a:xfrm>
-            <a:off x="628650" y="1079157"/>
-            <a:ext cx="7886700" cy="853160"/>
-          </a:xfrm>
-        </p:spPr>
-        <p:txBody>
-          <a:bodyPr/>
-          <a:lstStyle/>
-          <a:p>
-            <a:r>
-              <a:rPr lang="en-US" dirty="0" smtClean="0"/>
-              <a:t>Proposed Approach</a:t>
-            </a:r>
-            <a:endParaRPr lang="en-US" dirty="0"/>
-          </a:p>
-        </p:txBody>
-      </p:sp>
-      <p:sp>
-        <p:nvSpPr>
-          <p:cNvPr id="3" name="Content Placeholder 2"/>
-          <p:cNvSpPr>
-            <a:spLocks noGrp="1"/>
-          </p:cNvSpPr>
-          <p:nvPr>
-            <p:ph idx="1"/>
-          </p:nvPr>
-        </p:nvSpPr>
-        <p:spPr>
-          <a:xfrm>
-            <a:off x="628650" y="1916153"/>
-            <a:ext cx="7886700" cy="4792655"/>
-          </a:xfrm>
-        </p:spPr>
-        <p:txBody>
-          <a:bodyPr/>
-          <a:lstStyle/>
-          <a:p>
-            <a:r>
-              <a:rPr lang="en-US" sz="2400" dirty="0" smtClean="0"/>
-              <a:t>Trajectory update is posed an optimal control problem</a:t>
-            </a:r>
-          </a:p>
-          <a:p>
-            <a:pPr lvl="1"/>
-            <a:r>
-              <a:rPr lang="en-US" sz="2000" dirty="0" smtClean="0"/>
-              <a:t>Objective is to minimize distance to original trajectory while satisfying constraints </a:t>
-            </a:r>
-          </a:p>
-          <a:p>
-            <a:r>
-              <a:rPr lang="en-US" sz="2400" dirty="0" smtClean="0"/>
-              <a:t>Use energy as independent variable </a:t>
-            </a:r>
-          </a:p>
-          <a:p>
-            <a:r>
-              <a:rPr lang="en-US" sz="2400" dirty="0" err="1" smtClean="0"/>
-              <a:t>Convexify</a:t>
-            </a:r>
-            <a:r>
-              <a:rPr lang="en-US" sz="2400" dirty="0" smtClean="0"/>
-              <a:t> </a:t>
-            </a:r>
-          </a:p>
-          <a:p>
-            <a:pPr lvl="1"/>
-            <a:r>
-              <a:rPr lang="en-US" sz="2000" dirty="0" smtClean="0"/>
-              <a:t>Treat bank angle as additional state, use bank rate as the control variable</a:t>
-            </a:r>
-          </a:p>
-          <a:p>
-            <a:pPr lvl="1"/>
-            <a:r>
-              <a:rPr lang="en-US" sz="2000" dirty="0" smtClean="0"/>
-              <a:t>Linearize the equations of motion </a:t>
-            </a:r>
-          </a:p>
-          <a:p>
-            <a:pPr lvl="1"/>
-            <a:r>
-              <a:rPr lang="en-US" sz="2000" dirty="0" smtClean="0"/>
-              <a:t>Unlike powered descent case, </a:t>
-            </a:r>
-            <a:r>
-              <a:rPr lang="en-US" sz="2000" dirty="0" err="1" smtClean="0"/>
-              <a:t>convexification</a:t>
-            </a:r>
-            <a:r>
-              <a:rPr lang="en-US" sz="2000" dirty="0" smtClean="0"/>
-              <a:t> is not lossless </a:t>
-            </a:r>
-          </a:p>
-          <a:p>
-            <a:r>
-              <a:rPr lang="en-US" sz="2400" dirty="0" smtClean="0"/>
-              <a:t>Discretize (or transcribe) into second-order cone program</a:t>
-            </a:r>
-          </a:p>
-          <a:p>
-            <a:pPr lvl="1"/>
-            <a:r>
-              <a:rPr lang="en-US" sz="2000" dirty="0" err="1" smtClean="0"/>
-              <a:t>Chebyshev</a:t>
-            </a:r>
-            <a:r>
-              <a:rPr lang="en-US" sz="2000" dirty="0" smtClean="0"/>
-              <a:t> </a:t>
-            </a:r>
-            <a:r>
-              <a:rPr lang="en-US" sz="2000" dirty="0" err="1"/>
-              <a:t>p</a:t>
-            </a:r>
-            <a:r>
-              <a:rPr lang="en-US" sz="2000" dirty="0" err="1" smtClean="0"/>
-              <a:t>seudospectral</a:t>
-            </a:r>
-            <a:r>
-              <a:rPr lang="en-US" sz="2000" dirty="0" smtClean="0"/>
-              <a:t> method </a:t>
-            </a:r>
-          </a:p>
-          <a:p>
-            <a:r>
-              <a:rPr lang="en-US" sz="2400" dirty="0" smtClean="0"/>
-              <a:t>Solve the resulting SOCP using efficient interior-point solver</a:t>
-            </a:r>
-            <a:endParaRPr lang="en-US" sz="2400" dirty="0"/>
-          </a:p>
-        </p:txBody>
-      </p:sp>
-      <p:sp>
-        <p:nvSpPr>
-          <p:cNvPr id="4" name="Date Placeholder 3"/>
-          <p:cNvSpPr>
-            <a:spLocks noGrp="1"/>
-          </p:cNvSpPr>
-          <p:nvPr>
-            <p:ph type="dt" sz="half" idx="10"/>
-          </p:nvPr>
-        </p:nvSpPr>
-        <p:spPr/>
-        <p:txBody>
-          <a:bodyPr/>
-          <a:lstStyle/>
-          <a:p>
-            <a:fld id="{CB9C015D-D165-4AE2-B291-D92CBC321699}" type="datetime1">
-              <a:rPr lang="en-US" smtClean="0"/>
-              <a:t>12/1/2018</a:t>
-            </a:fld>
-            <a:endParaRPr lang="en-US"/>
-          </a:p>
-        </p:txBody>
-      </p:sp>
-    </p:spTree>
-    <p:extLst>
-      <p:ext uri="{BB962C8B-B14F-4D97-AF65-F5344CB8AC3E}">
-        <p14:creationId xmlns:p14="http://schemas.microsoft.com/office/powerpoint/2010/main" val="3047953510"/>
-      </p:ext>
-    </p:extLst>
-  </p:cSld>
-  <p:clrMapOvr>
-    <a:masterClrMapping/>
-  </p:clrMapOvr>
-</p:sld>
-</file>
-
-<file path=ppt/slides/slide31.xml><?xml version="1.0" encoding="utf-8"?>
-<p:sld xmlns:a="http://schemas.openxmlformats.org/drawingml/2006/main" xmlns:r="http://schemas.openxmlformats.org/officeDocument/2006/relationships" xmlns:p="http://schemas.openxmlformats.org/presentationml/2006/main">
-  <p:cSld>
-    <p:spTree>
-      <p:nvGrpSpPr>
-        <p:cNvPr id="1" name=""/>
-        <p:cNvGrpSpPr/>
-        <p:nvPr/>
-      </p:nvGrpSpPr>
-      <p:grpSpPr>
-        <a:xfrm>
-          <a:off x="0" y="0"/>
-          <a:ext cx="0" cy="0"/>
-          <a:chOff x="0" y="0"/>
-          <a:chExt cx="0" cy="0"/>
-        </a:xfrm>
-      </p:grpSpPr>
-      <p:sp>
-        <p:nvSpPr>
-          <p:cNvPr id="2" name="Title 1"/>
-          <p:cNvSpPr>
-            <a:spLocks noGrp="1"/>
-          </p:cNvSpPr>
-          <p:nvPr>
-            <p:ph type="title"/>
-          </p:nvPr>
-        </p:nvSpPr>
-        <p:spPr/>
-        <p:txBody>
-          <a:bodyPr/>
-          <a:lstStyle/>
-          <a:p>
-            <a:r>
-              <a:rPr lang="en-US" dirty="0" smtClean="0"/>
-              <a:t>Convex Optimization </a:t>
-            </a:r>
-            <a:endParaRPr lang="en-US" dirty="0"/>
-          </a:p>
-        </p:txBody>
-      </p:sp>
-      <p:sp>
-        <p:nvSpPr>
-          <p:cNvPr id="3" name="Content Placeholder 2"/>
-          <p:cNvSpPr>
-            <a:spLocks noGrp="1"/>
-          </p:cNvSpPr>
-          <p:nvPr>
-            <p:ph idx="1"/>
-          </p:nvPr>
-        </p:nvSpPr>
-        <p:spPr/>
-        <p:txBody>
-          <a:bodyPr/>
-          <a:lstStyle/>
-          <a:p>
-            <a:r>
-              <a:rPr lang="en-US" sz="2400" dirty="0" smtClean="0"/>
-              <a:t>(Iterative) Convex optimization approaches to non-convex optimal control problems have exploded in interest due to efficient, polynomial time solvers and guaranteed global solution when the problem is feasible</a:t>
-            </a:r>
-          </a:p>
-          <a:p>
-            <a:r>
-              <a:rPr lang="en-US" sz="2400" dirty="0" smtClean="0"/>
-              <a:t>A variety of aerospace problems have been solved including ascent trajectory design, powered descent trajectory design, interplanetary transfers, and entry</a:t>
-            </a:r>
-          </a:p>
-          <a:p>
-            <a:r>
-              <a:rPr lang="en-US" sz="2400" dirty="0" smtClean="0"/>
-              <a:t>While these convex optimization guarantees solution of feasible sub-problems, not all methods have guaranteed convergence, and those that do typically require an </a:t>
-            </a:r>
-            <a:r>
-              <a:rPr lang="en-US" sz="2400" dirty="0"/>
-              <a:t>unknown number of </a:t>
-            </a:r>
-            <a:r>
-              <a:rPr lang="en-US" sz="2400" dirty="0" smtClean="0"/>
-              <a:t>iterations</a:t>
-            </a:r>
-          </a:p>
-          <a:p>
-            <a:pPr lvl="1"/>
-            <a:r>
-              <a:rPr lang="en-US" sz="2000" dirty="0" smtClean="0"/>
-              <a:t>The proposed approach does not involve multiple iterations</a:t>
-            </a:r>
-            <a:endParaRPr lang="en-US" sz="2000" dirty="0"/>
-          </a:p>
-          <a:p>
-            <a:endParaRPr lang="en-US" dirty="0"/>
-          </a:p>
-        </p:txBody>
-      </p:sp>
-      <p:sp>
-        <p:nvSpPr>
-          <p:cNvPr id="4" name="Date Placeholder 3"/>
-          <p:cNvSpPr>
-            <a:spLocks noGrp="1"/>
-          </p:cNvSpPr>
-          <p:nvPr>
-            <p:ph type="dt" sz="half" idx="10"/>
-          </p:nvPr>
-        </p:nvSpPr>
-        <p:spPr/>
-        <p:txBody>
-          <a:bodyPr/>
-          <a:lstStyle/>
-          <a:p>
-            <a:fld id="{1B70D959-720B-40AD-A907-A3DAF7E49ADF}" type="datetime1">
-              <a:rPr lang="en-US" smtClean="0"/>
-              <a:t>12/1/2018</a:t>
-            </a:fld>
-            <a:endParaRPr lang="en-US"/>
-          </a:p>
-        </p:txBody>
-      </p:sp>
-    </p:spTree>
-    <p:extLst>
-      <p:ext uri="{BB962C8B-B14F-4D97-AF65-F5344CB8AC3E}">
-        <p14:creationId xmlns:p14="http://schemas.microsoft.com/office/powerpoint/2010/main" val="3747838991"/>
-      </p:ext>
-    </p:extLst>
-  </p:cSld>
-  <p:clrMapOvr>
-    <a:masterClrMapping/>
-  </p:clrMapOvr>
-</p:sld>
-</file>
-
-<file path=ppt/slides/slide32.xml><?xml version="1.0" encoding="utf-8"?>
-<p:sld xmlns:a="http://schemas.openxmlformats.org/drawingml/2006/main" xmlns:r="http://schemas.openxmlformats.org/officeDocument/2006/relationships" xmlns:p="http://schemas.openxmlformats.org/presentationml/2006/main">
-  <p:cSld>
-    <p:spTree>
-      <p:nvGrpSpPr>
-        <p:cNvPr id="1" name=""/>
-        <p:cNvGrpSpPr/>
-        <p:nvPr/>
-      </p:nvGrpSpPr>
-      <p:grpSpPr>
-        <a:xfrm>
-          <a:off x="0" y="0"/>
-          <a:ext cx="0" cy="0"/>
-          <a:chOff x="0" y="0"/>
-          <a:chExt cx="0" cy="0"/>
-        </a:xfrm>
-      </p:grpSpPr>
-      <p:pic>
-        <p:nvPicPr>
-          <p:cNvPr id="15" name="Picture 14"/>
-          <p:cNvPicPr>
-            <a:picLocks noChangeAspect="1"/>
-          </p:cNvPicPr>
-          <p:nvPr/>
-        </p:nvPicPr>
-        <p:blipFill>
-          <a:blip r:embed="rId3">
-            <a:extLst>
-              <a:ext uri="{28A0092B-C50C-407E-A947-70E740481C1C}">
-                <a14:useLocalDpi xmlns:a14="http://schemas.microsoft.com/office/drawing/2010/main" val="0"/>
-              </a:ext>
-            </a:extLst>
-          </a:blip>
-          <a:stretch>
-            <a:fillRect/>
-          </a:stretch>
-        </p:blipFill>
-        <p:spPr>
-          <a:xfrm>
-            <a:off x="199123" y="3081561"/>
-            <a:ext cx="5897785" cy="3593228"/>
-          </a:xfrm>
-          <a:prstGeom prst="rect">
-            <a:avLst/>
-          </a:prstGeom>
-        </p:spPr>
-      </p:pic>
-      <p:sp>
-        <p:nvSpPr>
-          <p:cNvPr id="2" name="Title 1"/>
-          <p:cNvSpPr>
-            <a:spLocks noGrp="1"/>
-          </p:cNvSpPr>
-          <p:nvPr>
-            <p:ph type="title"/>
-          </p:nvPr>
-        </p:nvSpPr>
-        <p:spPr>
-          <a:xfrm>
-            <a:off x="628650" y="1003841"/>
-            <a:ext cx="7886700" cy="611532"/>
-          </a:xfrm>
-        </p:spPr>
-        <p:txBody>
-          <a:bodyPr/>
-          <a:lstStyle/>
-          <a:p>
-            <a:r>
-              <a:rPr lang="en-US" dirty="0" smtClean="0"/>
-              <a:t>Single Trajectory Demonstration</a:t>
-            </a:r>
-            <a:endParaRPr lang="en-US" dirty="0"/>
-          </a:p>
-        </p:txBody>
-      </p:sp>
-      <p:sp>
-        <p:nvSpPr>
-          <p:cNvPr id="3" name="Content Placeholder 2"/>
-          <p:cNvSpPr>
-            <a:spLocks noGrp="1"/>
-          </p:cNvSpPr>
-          <p:nvPr>
-            <p:ph idx="1"/>
-          </p:nvPr>
-        </p:nvSpPr>
-        <p:spPr>
-          <a:xfrm>
-            <a:off x="628650" y="1825625"/>
-            <a:ext cx="7886700" cy="1514341"/>
-          </a:xfrm>
-        </p:spPr>
-        <p:txBody>
-          <a:bodyPr/>
-          <a:lstStyle/>
-          <a:p>
-            <a:r>
-              <a:rPr lang="en-US" sz="2400" dirty="0" smtClean="0"/>
-              <a:t>Updates occur at 30s interval, and ceases below 1000 m/s </a:t>
-            </a:r>
-          </a:p>
-          <a:p>
-            <a:r>
-              <a:rPr lang="en-US" sz="2400" dirty="0" smtClean="0"/>
-              <a:t>4% less drag, 4% more lift, and perturbations to atmospheric density are applied</a:t>
-            </a:r>
-            <a:endParaRPr lang="en-US" sz="2400" dirty="0"/>
-          </a:p>
-        </p:txBody>
-      </p:sp>
-      <p:sp>
-        <p:nvSpPr>
-          <p:cNvPr id="6" name="Oval 5"/>
-          <p:cNvSpPr/>
-          <p:nvPr/>
-        </p:nvSpPr>
-        <p:spPr>
-          <a:xfrm>
-            <a:off x="5541651" y="3591729"/>
-            <a:ext cx="336884" cy="333875"/>
-          </a:xfrm>
-          <a:prstGeom prst="ellipse">
-            <a:avLst/>
-          </a:prstGeom>
-          <a:noFill/>
-          <a:ln w="28575">
-            <a:solidFill>
-              <a:schemeClr val="tx1"/>
-            </a:solidFill>
-          </a:ln>
-        </p:spPr>
-        <p:style>
-          <a:lnRef idx="2">
-            <a:schemeClr val="accent1">
-              <a:shade val="50000"/>
-            </a:schemeClr>
-          </a:lnRef>
-          <a:fillRef idx="1">
-            <a:schemeClr val="accent1"/>
-          </a:fillRef>
-          <a:effectRef idx="0">
-            <a:schemeClr val="accent1"/>
-          </a:effectRef>
-          <a:fontRef idx="minor">
-            <a:schemeClr val="lt1"/>
-          </a:fontRef>
-        </p:style>
-        <p:txBody>
-          <a:bodyPr rtlCol="0" anchor="ctr"/>
-          <a:lstStyle/>
-          <a:p>
-            <a:pPr algn="ctr"/>
-            <a:endParaRPr lang="en-US"/>
-          </a:p>
-        </p:txBody>
-      </p:sp>
-      <p:sp>
-        <p:nvSpPr>
-          <p:cNvPr id="7" name="TextBox 6"/>
-          <p:cNvSpPr txBox="1"/>
-          <p:nvPr/>
-        </p:nvSpPr>
-        <p:spPr>
-          <a:xfrm>
-            <a:off x="6629306" y="2966817"/>
-            <a:ext cx="2418442" cy="2585323"/>
-          </a:xfrm>
-          <a:prstGeom prst="rect">
-            <a:avLst/>
-          </a:prstGeom>
-          <a:noFill/>
-        </p:spPr>
-        <p:txBody>
-          <a:bodyPr wrap="square" rtlCol="0">
-            <a:spAutoFit/>
-          </a:bodyPr>
-          <a:lstStyle/>
-          <a:p>
-            <a:r>
-              <a:rPr lang="en-US" dirty="0" smtClean="0"/>
-              <a:t>Mismatch between state predicted by update 2 (green) and actual state due to parametric uncertainty and off-nominal atmospheric conditions is corrected by the following updates</a:t>
-            </a:r>
-            <a:endParaRPr lang="en-US" dirty="0"/>
-          </a:p>
-        </p:txBody>
-      </p:sp>
-      <p:cxnSp>
-        <p:nvCxnSpPr>
-          <p:cNvPr id="11" name="Straight Arrow Connector 10"/>
-          <p:cNvCxnSpPr/>
-          <p:nvPr/>
-        </p:nvCxnSpPr>
-        <p:spPr>
-          <a:xfrm flipH="1">
-            <a:off x="5958038" y="3760470"/>
-            <a:ext cx="596766" cy="0"/>
-          </a:xfrm>
-          <a:prstGeom prst="straightConnector1">
-            <a:avLst/>
-          </a:prstGeom>
-          <a:ln w="22225">
-            <a:solidFill>
-              <a:schemeClr val="tx1"/>
-            </a:solidFill>
-            <a:tailEnd type="triangle"/>
-          </a:ln>
-        </p:spPr>
-        <p:style>
-          <a:lnRef idx="1">
-            <a:schemeClr val="accent1"/>
-          </a:lnRef>
-          <a:fillRef idx="0">
-            <a:schemeClr val="accent1"/>
-          </a:fillRef>
-          <a:effectRef idx="0">
-            <a:schemeClr val="accent1"/>
-          </a:effectRef>
-          <a:fontRef idx="minor">
-            <a:schemeClr val="tx1"/>
-          </a:fontRef>
-        </p:style>
-      </p:cxnSp>
-      <p:sp>
-        <p:nvSpPr>
-          <p:cNvPr id="4" name="Date Placeholder 3"/>
-          <p:cNvSpPr>
-            <a:spLocks noGrp="1"/>
-          </p:cNvSpPr>
-          <p:nvPr>
-            <p:ph type="dt" sz="half" idx="10"/>
-          </p:nvPr>
-        </p:nvSpPr>
-        <p:spPr/>
-        <p:txBody>
-          <a:bodyPr/>
-          <a:lstStyle/>
-          <a:p>
-            <a:fld id="{63760E42-F9C3-4B21-BAE1-FC94C983BF94}" type="datetime1">
-              <a:rPr lang="en-US" smtClean="0"/>
-              <a:t>12/1/2018</a:t>
-            </a:fld>
-            <a:endParaRPr lang="en-US"/>
-          </a:p>
-        </p:txBody>
-      </p:sp>
-    </p:spTree>
-    <p:extLst>
-      <p:ext uri="{BB962C8B-B14F-4D97-AF65-F5344CB8AC3E}">
-        <p14:creationId xmlns:p14="http://schemas.microsoft.com/office/powerpoint/2010/main" val="2507780609"/>
-      </p:ext>
-    </p:extLst>
-  </p:cSld>
-  <p:clrMapOvr>
-    <a:masterClrMapping/>
-  </p:clrMapOvr>
-</p:sld>
-</file>
-
-<file path=ppt/slides/slide33.xml><?xml version="1.0" encoding="utf-8"?>
-<p:sld xmlns:a="http://schemas.openxmlformats.org/drawingml/2006/main" xmlns:r="http://schemas.openxmlformats.org/officeDocument/2006/relationships" xmlns:p="http://schemas.openxmlformats.org/presentationml/2006/main">
-  <p:cSld>
-    <p:spTree>
-      <p:nvGrpSpPr>
-        <p:cNvPr id="1" name=""/>
-        <p:cNvGrpSpPr/>
-        <p:nvPr/>
-      </p:nvGrpSpPr>
-      <p:grpSpPr>
-        <a:xfrm>
-          <a:off x="0" y="0"/>
-          <a:ext cx="0" cy="0"/>
-          <a:chOff x="0" y="0"/>
-          <a:chExt cx="0" cy="0"/>
-        </a:xfrm>
-      </p:grpSpPr>
-      <p:sp>
-        <p:nvSpPr>
-          <p:cNvPr id="2" name="Title 1"/>
-          <p:cNvSpPr>
-            <a:spLocks noGrp="1"/>
-          </p:cNvSpPr>
-          <p:nvPr>
-            <p:ph type="title"/>
-          </p:nvPr>
-        </p:nvSpPr>
-        <p:spPr>
-          <a:xfrm>
-            <a:off x="628650" y="1061034"/>
-            <a:ext cx="7886700" cy="611532"/>
-          </a:xfrm>
-        </p:spPr>
-        <p:txBody>
-          <a:bodyPr/>
-          <a:lstStyle/>
-          <a:p>
-            <a:r>
-              <a:rPr lang="en-US" dirty="0" smtClean="0"/>
-              <a:t>Single Trajectory (Cont.)</a:t>
-            </a:r>
-            <a:endParaRPr lang="en-US" dirty="0"/>
-          </a:p>
-        </p:txBody>
-      </p:sp>
-      <p:sp>
-        <p:nvSpPr>
-          <p:cNvPr id="3" name="Content Placeholder 2"/>
-          <p:cNvSpPr>
-            <a:spLocks noGrp="1"/>
-          </p:cNvSpPr>
-          <p:nvPr>
-            <p:ph idx="1"/>
-          </p:nvPr>
-        </p:nvSpPr>
-        <p:spPr>
-          <a:xfrm>
-            <a:off x="314325" y="1957386"/>
-            <a:ext cx="8515350" cy="1418089"/>
-          </a:xfrm>
-        </p:spPr>
-        <p:txBody>
-          <a:bodyPr/>
-          <a:lstStyle/>
-          <a:p>
-            <a:r>
-              <a:rPr lang="en-US" sz="2400" dirty="0" smtClean="0"/>
-              <a:t>The initial trajectory was optimized for high altitude</a:t>
-            </a:r>
-          </a:p>
-          <a:p>
-            <a:r>
-              <a:rPr lang="en-US" sz="2400" dirty="0" smtClean="0"/>
-              <a:t>The updates retain aspects of the original trajectory, e.g., altitude performance remains excellent </a:t>
-            </a:r>
-            <a:endParaRPr lang="en-US" sz="2400" dirty="0"/>
-          </a:p>
-        </p:txBody>
-      </p:sp>
-      <p:pic>
-        <p:nvPicPr>
-          <p:cNvPr id="4" name="Picture 3"/>
-          <p:cNvPicPr>
-            <a:picLocks noChangeAspect="1"/>
-          </p:cNvPicPr>
-          <p:nvPr/>
-        </p:nvPicPr>
-        <p:blipFill>
-          <a:blip r:embed="rId3">
-            <a:extLst>
-              <a:ext uri="{28A0092B-C50C-407E-A947-70E740481C1C}">
-                <a14:useLocalDpi xmlns:a14="http://schemas.microsoft.com/office/drawing/2010/main" val="0"/>
-              </a:ext>
-            </a:extLst>
-          </a:blip>
-          <a:stretch>
-            <a:fillRect/>
-          </a:stretch>
-        </p:blipFill>
-        <p:spPr>
-          <a:xfrm>
-            <a:off x="3801980" y="3484527"/>
-            <a:ext cx="5216892" cy="3202776"/>
-          </a:xfrm>
-          <a:prstGeom prst="rect">
-            <a:avLst/>
-          </a:prstGeom>
-        </p:spPr>
-      </p:pic>
-      <p:sp>
-        <p:nvSpPr>
-          <p:cNvPr id="5" name="TextBox 4"/>
-          <p:cNvSpPr txBox="1"/>
-          <p:nvPr/>
-        </p:nvSpPr>
-        <p:spPr>
-          <a:xfrm>
-            <a:off x="4456500" y="5303519"/>
-            <a:ext cx="1212782" cy="738664"/>
-          </a:xfrm>
-          <a:prstGeom prst="rect">
-            <a:avLst/>
-          </a:prstGeom>
-          <a:noFill/>
-        </p:spPr>
-        <p:txBody>
-          <a:bodyPr wrap="square" rtlCol="0">
-            <a:spAutoFit/>
-          </a:bodyPr>
-          <a:lstStyle/>
-          <a:p>
-            <a:r>
-              <a:rPr lang="en-US" sz="1400" dirty="0" smtClean="0"/>
-              <a:t>Parachute deployment box</a:t>
-            </a:r>
-            <a:endParaRPr lang="en-US" sz="1400" dirty="0"/>
-          </a:p>
-        </p:txBody>
-      </p:sp>
-      <p:sp>
-        <p:nvSpPr>
-          <p:cNvPr id="6" name="TextBox 5"/>
-          <p:cNvSpPr txBox="1"/>
-          <p:nvPr/>
-        </p:nvSpPr>
-        <p:spPr>
-          <a:xfrm>
-            <a:off x="314325" y="3190877"/>
-            <a:ext cx="3583907" cy="1569660"/>
-          </a:xfrm>
-          <a:prstGeom prst="rect">
-            <a:avLst/>
-          </a:prstGeom>
-          <a:noFill/>
-        </p:spPr>
-        <p:txBody>
-          <a:bodyPr wrap="square" rtlCol="0">
-            <a:spAutoFit/>
-          </a:bodyPr>
-          <a:lstStyle/>
-          <a:p>
-            <a:pPr marL="285750" indent="-285750">
-              <a:buFont typeface="Arial" panose="020B0604020202020204" pitchFamily="34" charset="0"/>
-              <a:buChar char="•"/>
-            </a:pPr>
-            <a:r>
-              <a:rPr lang="en-US" sz="2400" dirty="0" smtClean="0"/>
-              <a:t>All trajectories end at the same energy level due to use of energy as independent variable </a:t>
-            </a:r>
-            <a:endParaRPr lang="en-US" sz="2400" dirty="0"/>
-          </a:p>
-        </p:txBody>
-      </p:sp>
-      <p:sp>
-        <p:nvSpPr>
-          <p:cNvPr id="7" name="Date Placeholder 6"/>
-          <p:cNvSpPr>
-            <a:spLocks noGrp="1"/>
-          </p:cNvSpPr>
-          <p:nvPr>
-            <p:ph type="dt" sz="half" idx="10"/>
-          </p:nvPr>
-        </p:nvSpPr>
-        <p:spPr/>
-        <p:txBody>
-          <a:bodyPr/>
-          <a:lstStyle/>
-          <a:p>
-            <a:fld id="{A1DF8AFB-F03D-4DDC-BB5A-C9EED9FBE463}" type="datetime1">
-              <a:rPr lang="en-US" smtClean="0"/>
-              <a:t>12/1/2018</a:t>
-            </a:fld>
-            <a:endParaRPr lang="en-US"/>
-          </a:p>
-        </p:txBody>
-      </p:sp>
-    </p:spTree>
-    <p:extLst>
-      <p:ext uri="{BB962C8B-B14F-4D97-AF65-F5344CB8AC3E}">
-        <p14:creationId xmlns:p14="http://schemas.microsoft.com/office/powerpoint/2010/main" val="860064350"/>
-      </p:ext>
-    </p:extLst>
-  </p:cSld>
-  <p:clrMapOvr>
-    <a:masterClrMapping/>
-  </p:clrMapOvr>
-</p:sld>
-</file>
-
-<file path=ppt/slides/slide34.xml><?xml version="1.0" encoding="utf-8"?>
-<p:sld xmlns:a="http://schemas.openxmlformats.org/drawingml/2006/main" xmlns:r="http://schemas.openxmlformats.org/officeDocument/2006/relationships" xmlns:p="http://schemas.openxmlformats.org/presentationml/2006/main">
-  <p:cSld>
-    <p:spTree>
-      <p:nvGrpSpPr>
-        <p:cNvPr id="1" name=""/>
-        <p:cNvGrpSpPr/>
-        <p:nvPr/>
-      </p:nvGrpSpPr>
-      <p:grpSpPr>
-        <a:xfrm>
-          <a:off x="0" y="0"/>
-          <a:ext cx="0" cy="0"/>
-          <a:chOff x="0" y="0"/>
-          <a:chExt cx="0" cy="0"/>
-        </a:xfrm>
-      </p:grpSpPr>
-      <p:sp>
-        <p:nvSpPr>
-          <p:cNvPr id="2" name="Title 1"/>
-          <p:cNvSpPr>
-            <a:spLocks noGrp="1"/>
-          </p:cNvSpPr>
-          <p:nvPr>
-            <p:ph type="title"/>
-          </p:nvPr>
-        </p:nvSpPr>
-        <p:spPr/>
-        <p:txBody>
-          <a:bodyPr/>
-          <a:lstStyle/>
-          <a:p>
-            <a:r>
-              <a:rPr lang="en-US" dirty="0" smtClean="0"/>
-              <a:t>Monte Carlo Simulation</a:t>
-            </a:r>
-            <a:endParaRPr lang="en-US" dirty="0"/>
-          </a:p>
-        </p:txBody>
-      </p:sp>
-      <p:sp>
-        <p:nvSpPr>
-          <p:cNvPr id="3" name="Content Placeholder 2"/>
-          <p:cNvSpPr>
-            <a:spLocks noGrp="1"/>
-          </p:cNvSpPr>
-          <p:nvPr>
-            <p:ph idx="1"/>
-          </p:nvPr>
-        </p:nvSpPr>
-        <p:spPr/>
-        <p:txBody>
-          <a:bodyPr/>
-          <a:lstStyle/>
-          <a:p>
-            <a:r>
-              <a:rPr lang="en-US" sz="2400" dirty="0" smtClean="0"/>
-              <a:t>Vehicle is nominally L/D = 0.24 with initial state subject to MSL-like dispersions</a:t>
-            </a:r>
-            <a:endParaRPr lang="en-US" sz="2400" dirty="0"/>
-          </a:p>
-          <a:p>
-            <a:r>
-              <a:rPr lang="en-US" sz="2400" dirty="0" err="1" smtClean="0"/>
-              <a:t>MarsGRAM</a:t>
-            </a:r>
-            <a:r>
-              <a:rPr lang="en-US" sz="2400" dirty="0" smtClean="0"/>
-              <a:t> is used for environment modeling</a:t>
-            </a:r>
-          </a:p>
-          <a:p>
-            <a:r>
-              <a:rPr lang="en-US" sz="2400" dirty="0" smtClean="0"/>
-              <a:t>Uncertainty is added to lift and drag coefficients</a:t>
-            </a:r>
-          </a:p>
-          <a:p>
-            <a:pPr lvl="1"/>
-            <a:r>
-              <a:rPr lang="en-US" sz="2000" dirty="0" smtClean="0"/>
-              <a:t>Gaussian with 3</a:t>
-            </a:r>
-            <a:r>
-              <a:rPr lang="el-GR" sz="2000" dirty="0" smtClean="0"/>
-              <a:t>σ</a:t>
-            </a:r>
-            <a:r>
-              <a:rPr lang="en-US" sz="2000" dirty="0" smtClean="0"/>
-              <a:t> = 10%</a:t>
-            </a:r>
-          </a:p>
-          <a:p>
-            <a:r>
-              <a:rPr lang="en-US" sz="2400" dirty="0" smtClean="0"/>
-              <a:t>Updates occurs at 10 second intervals and stops at 600 m/s </a:t>
-            </a:r>
-          </a:p>
-          <a:p>
-            <a:r>
-              <a:rPr lang="en-US" sz="2400" dirty="0" smtClean="0"/>
-              <a:t>Bank angle limited to ±90°, and bank rate limited to 20°/s</a:t>
-            </a:r>
-          </a:p>
-          <a:p>
-            <a:r>
-              <a:rPr lang="en-US" sz="2400" dirty="0" smtClean="0"/>
-              <a:t>200 samples chosen by </a:t>
-            </a:r>
-            <a:r>
-              <a:rPr lang="en-US" sz="2400" dirty="0" err="1" smtClean="0"/>
-              <a:t>Sobol</a:t>
-            </a:r>
-            <a:r>
-              <a:rPr lang="en-US" sz="2400" dirty="0" smtClean="0"/>
-              <a:t>’ sequence</a:t>
-            </a:r>
-          </a:p>
-          <a:p>
-            <a:r>
-              <a:rPr lang="en-US" sz="2400" dirty="0" smtClean="0"/>
-              <a:t>Trajectories terminate when they reach the correct downrange distance</a:t>
-            </a:r>
-          </a:p>
-          <a:p>
-            <a:pPr lvl="1"/>
-            <a:r>
-              <a:rPr lang="en-US" sz="2000" dirty="0" smtClean="0"/>
-              <a:t>Simple logic, but should expect variations in final altitude and velocity despite energy as independent variable  </a:t>
-            </a:r>
-          </a:p>
-        </p:txBody>
-      </p:sp>
-      <p:sp>
-        <p:nvSpPr>
-          <p:cNvPr id="4" name="Date Placeholder 3"/>
-          <p:cNvSpPr>
-            <a:spLocks noGrp="1"/>
-          </p:cNvSpPr>
-          <p:nvPr>
-            <p:ph type="dt" sz="half" idx="10"/>
-          </p:nvPr>
-        </p:nvSpPr>
-        <p:spPr/>
-        <p:txBody>
-          <a:bodyPr/>
-          <a:lstStyle/>
-          <a:p>
-            <a:fld id="{679CBB44-024B-49D9-BFBE-22296ADF2450}" type="datetime1">
-              <a:rPr lang="en-US" smtClean="0"/>
-              <a:t>12/1/2018</a:t>
-            </a:fld>
-            <a:endParaRPr lang="en-US"/>
-          </a:p>
-        </p:txBody>
-      </p:sp>
-    </p:spTree>
-    <p:extLst>
-      <p:ext uri="{BB962C8B-B14F-4D97-AF65-F5344CB8AC3E}">
-        <p14:creationId xmlns:p14="http://schemas.microsoft.com/office/powerpoint/2010/main" val="3505934654"/>
-      </p:ext>
-    </p:extLst>
-  </p:cSld>
-  <p:clrMapOvr>
-    <a:masterClrMapping/>
-  </p:clrMapOvr>
-</p:sld>
-</file>
-
-<file path=ppt/slides/slide35.xml><?xml version="1.0" encoding="utf-8"?>
-<p:sld xmlns:a="http://schemas.openxmlformats.org/drawingml/2006/main" xmlns:r="http://schemas.openxmlformats.org/officeDocument/2006/relationships" xmlns:p="http://schemas.openxmlformats.org/presentationml/2006/main">
-  <p:cSld>
-    <p:spTree>
-      <p:nvGrpSpPr>
-        <p:cNvPr id="1" name=""/>
-        <p:cNvGrpSpPr/>
-        <p:nvPr/>
-      </p:nvGrpSpPr>
-      <p:grpSpPr>
-        <a:xfrm>
-          <a:off x="0" y="0"/>
-          <a:ext cx="0" cy="0"/>
-          <a:chOff x="0" y="0"/>
-          <a:chExt cx="0" cy="0"/>
-        </a:xfrm>
-      </p:grpSpPr>
-      <p:sp>
-        <p:nvSpPr>
-          <p:cNvPr id="2" name="Title 1"/>
-          <p:cNvSpPr>
-            <a:spLocks noGrp="1"/>
-          </p:cNvSpPr>
-          <p:nvPr>
-            <p:ph type="title"/>
-          </p:nvPr>
-        </p:nvSpPr>
-        <p:spPr/>
-        <p:txBody>
-          <a:bodyPr/>
-          <a:lstStyle/>
-          <a:p>
-            <a:r>
-              <a:rPr lang="en-US" dirty="0" smtClean="0"/>
-              <a:t>MCS Results - </a:t>
-            </a:r>
-            <a:r>
-              <a:rPr lang="en-US" dirty="0" err="1" smtClean="0"/>
-              <a:t>Groundtrack</a:t>
-            </a:r>
-            <a:endParaRPr lang="en-US" dirty="0"/>
-          </a:p>
-        </p:txBody>
-      </p:sp>
-      <p:sp>
-        <p:nvSpPr>
-          <p:cNvPr id="3" name="Content Placeholder 2"/>
-          <p:cNvSpPr>
-            <a:spLocks noGrp="1"/>
-          </p:cNvSpPr>
-          <p:nvPr>
-            <p:ph idx="1"/>
-          </p:nvPr>
-        </p:nvSpPr>
-        <p:spPr>
-          <a:xfrm>
-            <a:off x="628650" y="1777500"/>
-            <a:ext cx="7886700" cy="1398838"/>
-          </a:xfrm>
-        </p:spPr>
-        <p:txBody>
-          <a:bodyPr/>
-          <a:lstStyle/>
-          <a:p>
-            <a:r>
-              <a:rPr lang="en-US" sz="2400" dirty="0" smtClean="0"/>
-              <a:t>Excellent </a:t>
-            </a:r>
-            <a:r>
-              <a:rPr lang="en-US" sz="2400" dirty="0" err="1" smtClean="0"/>
-              <a:t>crossrange</a:t>
-            </a:r>
-            <a:r>
-              <a:rPr lang="en-US" sz="2400" dirty="0" smtClean="0"/>
-              <a:t> performance due to coupled update to longitudinal and lateral channels </a:t>
-            </a:r>
-          </a:p>
-          <a:p>
-            <a:r>
-              <a:rPr lang="en-US" sz="2400" dirty="0" smtClean="0"/>
-              <a:t>Interestingly, a small number of samples even have an additional reversal</a:t>
-            </a:r>
-            <a:endParaRPr lang="en-US" sz="2400" dirty="0"/>
-          </a:p>
-        </p:txBody>
-      </p:sp>
-      <p:pic>
-        <p:nvPicPr>
-          <p:cNvPr id="5" name="Picture 4"/>
-          <p:cNvPicPr>
-            <a:picLocks noChangeAspect="1"/>
-          </p:cNvPicPr>
-          <p:nvPr/>
-        </p:nvPicPr>
-        <p:blipFill>
-          <a:blip r:embed="rId3">
-            <a:extLst>
-              <a:ext uri="{28A0092B-C50C-407E-A947-70E740481C1C}">
-                <a14:useLocalDpi xmlns:a14="http://schemas.microsoft.com/office/drawing/2010/main" val="0"/>
-              </a:ext>
-            </a:extLst>
-          </a:blip>
-          <a:stretch>
-            <a:fillRect/>
-          </a:stretch>
-        </p:blipFill>
-        <p:spPr>
-          <a:xfrm>
-            <a:off x="1600247" y="3272588"/>
-            <a:ext cx="5750999" cy="3498601"/>
-          </a:xfrm>
-          <a:prstGeom prst="rect">
-            <a:avLst/>
-          </a:prstGeom>
-        </p:spPr>
-      </p:pic>
-      <p:sp>
-        <p:nvSpPr>
-          <p:cNvPr id="4" name="Date Placeholder 3"/>
-          <p:cNvSpPr>
-            <a:spLocks noGrp="1"/>
-          </p:cNvSpPr>
-          <p:nvPr>
-            <p:ph type="dt" sz="half" idx="10"/>
-          </p:nvPr>
-        </p:nvSpPr>
-        <p:spPr/>
-        <p:txBody>
-          <a:bodyPr/>
-          <a:lstStyle/>
-          <a:p>
-            <a:fld id="{8BD01A7A-C5C0-478A-8BE6-564915217820}" type="datetime1">
-              <a:rPr lang="en-US" smtClean="0"/>
-              <a:t>12/1/2018</a:t>
-            </a:fld>
-            <a:endParaRPr lang="en-US"/>
-          </a:p>
-        </p:txBody>
-      </p:sp>
-    </p:spTree>
-    <p:extLst>
-      <p:ext uri="{BB962C8B-B14F-4D97-AF65-F5344CB8AC3E}">
-        <p14:creationId xmlns:p14="http://schemas.microsoft.com/office/powerpoint/2010/main" val="1826672569"/>
-      </p:ext>
-    </p:extLst>
-  </p:cSld>
-  <p:clrMapOvr>
-    <a:masterClrMapping/>
-  </p:clrMapOvr>
-</p:sld>
-</file>
-
-<file path=ppt/slides/slide36.xml><?xml version="1.0" encoding="utf-8"?>
-<p:sld xmlns:a="http://schemas.openxmlformats.org/drawingml/2006/main" xmlns:r="http://schemas.openxmlformats.org/officeDocument/2006/relationships" xmlns:p="http://schemas.openxmlformats.org/presentationml/2006/main">
-  <p:cSld>
-    <p:spTree>
-      <p:nvGrpSpPr>
-        <p:cNvPr id="1" name=""/>
-        <p:cNvGrpSpPr/>
-        <p:nvPr/>
-      </p:nvGrpSpPr>
-      <p:grpSpPr>
-        <a:xfrm>
-          <a:off x="0" y="0"/>
-          <a:ext cx="0" cy="0"/>
-          <a:chOff x="0" y="0"/>
-          <a:chExt cx="0" cy="0"/>
-        </a:xfrm>
-      </p:grpSpPr>
-      <p:sp>
-        <p:nvSpPr>
-          <p:cNvPr id="2" name="Title 1"/>
-          <p:cNvSpPr>
-            <a:spLocks noGrp="1"/>
-          </p:cNvSpPr>
-          <p:nvPr>
-            <p:ph type="title"/>
-          </p:nvPr>
-        </p:nvSpPr>
-        <p:spPr>
-          <a:xfrm>
-            <a:off x="628649" y="964938"/>
-            <a:ext cx="8370972" cy="611532"/>
-          </a:xfrm>
-        </p:spPr>
-        <p:txBody>
-          <a:bodyPr/>
-          <a:lstStyle/>
-          <a:p>
-            <a:r>
-              <a:rPr lang="en-US" dirty="0" smtClean="0"/>
-              <a:t>MCS Results – Altitude/Velocity</a:t>
-            </a:r>
-            <a:endParaRPr lang="en-US" dirty="0"/>
-          </a:p>
-        </p:txBody>
-      </p:sp>
-      <p:sp>
-        <p:nvSpPr>
-          <p:cNvPr id="3" name="Content Placeholder 2"/>
-          <p:cNvSpPr>
-            <a:spLocks noGrp="1"/>
-          </p:cNvSpPr>
-          <p:nvPr>
-            <p:ph idx="1"/>
-          </p:nvPr>
-        </p:nvSpPr>
-        <p:spPr>
-          <a:xfrm>
-            <a:off x="628649" y="1690690"/>
-            <a:ext cx="7886700" cy="1437522"/>
-          </a:xfrm>
-        </p:spPr>
-        <p:txBody>
-          <a:bodyPr/>
-          <a:lstStyle/>
-          <a:p>
-            <a:r>
-              <a:rPr lang="en-US" sz="2400" dirty="0" smtClean="0"/>
-              <a:t>Although some trajectories exit the parachute deployment conditions, all but three pass through the box</a:t>
-            </a:r>
-          </a:p>
-          <a:p>
-            <a:pPr lvl="1"/>
-            <a:r>
-              <a:rPr lang="en-US" sz="2000" dirty="0" smtClean="0"/>
-              <a:t>Solved by considering triggering logic that explicitly accounts for parachute conditions </a:t>
-            </a:r>
-          </a:p>
-          <a:p>
-            <a:pPr marL="0" indent="0">
-              <a:buNone/>
-            </a:pPr>
-            <a:endParaRPr lang="en-US" dirty="0"/>
-          </a:p>
-        </p:txBody>
-      </p:sp>
-      <p:pic>
-        <p:nvPicPr>
-          <p:cNvPr id="7" name="Picture 6"/>
-          <p:cNvPicPr>
-            <a:picLocks noChangeAspect="1"/>
-          </p:cNvPicPr>
-          <p:nvPr/>
-        </p:nvPicPr>
-        <p:blipFill>
-          <a:blip r:embed="rId2">
-            <a:extLst>
-              <a:ext uri="{28A0092B-C50C-407E-A947-70E740481C1C}">
-                <a14:useLocalDpi xmlns:a14="http://schemas.microsoft.com/office/drawing/2010/main" val="0"/>
-              </a:ext>
-            </a:extLst>
-          </a:blip>
-          <a:stretch>
-            <a:fillRect/>
-          </a:stretch>
-        </p:blipFill>
-        <p:spPr>
-          <a:xfrm>
-            <a:off x="6015308" y="3001647"/>
-            <a:ext cx="2984313" cy="1856906"/>
-          </a:xfrm>
-          <a:prstGeom prst="rect">
-            <a:avLst/>
-          </a:prstGeom>
-        </p:spPr>
-      </p:pic>
-      <p:pic>
-        <p:nvPicPr>
-          <p:cNvPr id="8" name="Picture 7"/>
-          <p:cNvPicPr>
-            <a:picLocks noChangeAspect="1"/>
-          </p:cNvPicPr>
-          <p:nvPr/>
-        </p:nvPicPr>
-        <p:blipFill>
-          <a:blip r:embed="rId3">
-            <a:extLst>
-              <a:ext uri="{28A0092B-C50C-407E-A947-70E740481C1C}">
-                <a14:useLocalDpi xmlns:a14="http://schemas.microsoft.com/office/drawing/2010/main" val="0"/>
-              </a:ext>
-            </a:extLst>
-          </a:blip>
-          <a:stretch>
-            <a:fillRect/>
-          </a:stretch>
-        </p:blipFill>
-        <p:spPr>
-          <a:xfrm>
-            <a:off x="6015308" y="4858553"/>
-            <a:ext cx="2984313" cy="1856905"/>
-          </a:xfrm>
-          <a:prstGeom prst="rect">
-            <a:avLst/>
-          </a:prstGeom>
-        </p:spPr>
-      </p:pic>
-      <p:pic>
-        <p:nvPicPr>
-          <p:cNvPr id="9" name="Picture 8"/>
-          <p:cNvPicPr>
-            <a:picLocks noChangeAspect="1"/>
-          </p:cNvPicPr>
-          <p:nvPr/>
-        </p:nvPicPr>
-        <p:blipFill>
-          <a:blip r:embed="rId4">
-            <a:extLst>
-              <a:ext uri="{28A0092B-C50C-407E-A947-70E740481C1C}">
-                <a14:useLocalDpi xmlns:a14="http://schemas.microsoft.com/office/drawing/2010/main" val="0"/>
-              </a:ext>
-            </a:extLst>
-          </a:blip>
-          <a:stretch>
-            <a:fillRect/>
-          </a:stretch>
-        </p:blipFill>
-        <p:spPr>
-          <a:xfrm>
-            <a:off x="198640" y="3128212"/>
-            <a:ext cx="5332396" cy="3273687"/>
-          </a:xfrm>
-          <a:prstGeom prst="rect">
-            <a:avLst/>
-          </a:prstGeom>
-        </p:spPr>
-      </p:pic>
-      <p:sp>
-        <p:nvSpPr>
-          <p:cNvPr id="4" name="Date Placeholder 3"/>
-          <p:cNvSpPr>
-            <a:spLocks noGrp="1"/>
-          </p:cNvSpPr>
-          <p:nvPr>
-            <p:ph type="dt" sz="half" idx="10"/>
-          </p:nvPr>
-        </p:nvSpPr>
-        <p:spPr/>
-        <p:txBody>
-          <a:bodyPr/>
-          <a:lstStyle/>
-          <a:p>
-            <a:fld id="{B92B01C8-369C-4ED9-9DA7-8545D43DBD83}" type="datetime1">
-              <a:rPr lang="en-US" smtClean="0"/>
-              <a:t>12/1/2018</a:t>
-            </a:fld>
-            <a:endParaRPr lang="en-US"/>
-          </a:p>
-        </p:txBody>
-      </p:sp>
-    </p:spTree>
-    <p:extLst>
-      <p:ext uri="{BB962C8B-B14F-4D97-AF65-F5344CB8AC3E}">
-        <p14:creationId xmlns:p14="http://schemas.microsoft.com/office/powerpoint/2010/main" val="303004292"/>
-      </p:ext>
-    </p:extLst>
-  </p:cSld>
-  <p:clrMapOvr>
-    <a:masterClrMapping/>
-  </p:clrMapOvr>
 </p:sld>
 </file>
 
@@ -11332,7 +11924,7 @@
           <a:p>
             <a:r>
               <a:rPr lang="en-US" dirty="0" smtClean="0"/>
-              <a:t>MCS Results – Bank Profiles </a:t>
+              <a:t>Outline</a:t>
             </a:r>
             <a:endParaRPr lang="en-US" dirty="0"/>
           </a:p>
@@ -11340,7 +11932,7 @@
       </p:sp>
       <p:sp>
         <p:nvSpPr>
-          <p:cNvPr id="5" name="Content Placeholder 4"/>
+          <p:cNvPr id="3" name="Content Placeholder 2"/>
           <p:cNvSpPr>
             <a:spLocks noGrp="1"/>
           </p:cNvSpPr>
@@ -11350,8 +11942,8 @@
         </p:nvSpPr>
         <p:spPr>
           <a:xfrm>
-            <a:off x="628650" y="1825625"/>
-            <a:ext cx="8245843" cy="1244834"/>
+            <a:off x="628650" y="1825624"/>
+            <a:ext cx="7886700" cy="4678269"/>
           </a:xfrm>
         </p:spPr>
         <p:txBody>
@@ -11360,129 +11952,45 @@
           <a:p>
             <a:r>
               <a:rPr lang="en-US" dirty="0" smtClean="0"/>
-              <a:t>Largest difference is in the timing of bank reversals</a:t>
-            </a:r>
-          </a:p>
-          <a:p>
-            <a:pPr lvl="0"/>
-            <a:r>
-              <a:rPr lang="en-US" dirty="0">
-                <a:solidFill>
-                  <a:prstClr val="black"/>
-                </a:solidFill>
-              </a:rPr>
-              <a:t>Bank angle (and trajectory in general) deviates from the original trajectory most at the end</a:t>
-            </a:r>
-          </a:p>
-          <a:p>
-            <a:endParaRPr lang="en-US" dirty="0" smtClean="0"/>
-          </a:p>
-          <a:p>
+              <a:t>Entry phase (hybrid opt, convex updating)</a:t>
+            </a:r>
+          </a:p>
+          <a:p>
+            <a:r>
+              <a:rPr lang="en-US" dirty="0" smtClean="0"/>
+              <a:t>SRP phase (robust solutions via optimal control)</a:t>
+            </a:r>
+          </a:p>
+          <a:p>
+            <a:r>
+              <a:rPr lang="en-US" dirty="0" smtClean="0"/>
+              <a:t>Multi-phase optimal control (create reference for initialization entry, and to track in SRP phase potentially)</a:t>
+            </a:r>
+          </a:p>
+          <a:p>
+            <a:r>
+              <a:rPr lang="en-US" dirty="0" smtClean="0"/>
+              <a:t>Adaptive SRP initiation via free initial condition OCP?</a:t>
+            </a:r>
+          </a:p>
+          <a:p>
+            <a:r>
+              <a:rPr lang="en-US" dirty="0" smtClean="0"/>
+              <a:t>Free final time via free initial condition?</a:t>
+            </a:r>
+          </a:p>
+          <a:p>
+            <a:r>
+              <a:rPr lang="en-US" dirty="0" smtClean="0"/>
+              <a:t>Non-standard control objectives: risk sensitive, minimally covariant trajectories </a:t>
+            </a:r>
             <a:endParaRPr lang="en-US" dirty="0"/>
           </a:p>
         </p:txBody>
       </p:sp>
-      <p:pic>
-        <p:nvPicPr>
-          <p:cNvPr id="6" name="Picture 5"/>
-          <p:cNvPicPr>
-            <a:picLocks noChangeAspect="1"/>
-          </p:cNvPicPr>
-          <p:nvPr/>
-        </p:nvPicPr>
-        <p:blipFill>
-          <a:blip r:embed="rId2">
-            <a:extLst>
-              <a:ext uri="{28A0092B-C50C-407E-A947-70E740481C1C}">
-                <a14:useLocalDpi xmlns:a14="http://schemas.microsoft.com/office/drawing/2010/main" val="0"/>
-              </a:ext>
-            </a:extLst>
-          </a:blip>
-          <a:stretch>
-            <a:fillRect/>
-          </a:stretch>
-        </p:blipFill>
-        <p:spPr>
-          <a:xfrm>
-            <a:off x="259880" y="3197993"/>
-            <a:ext cx="5813843" cy="3488306"/>
-          </a:xfrm>
-          <a:prstGeom prst="rect">
-            <a:avLst/>
-          </a:prstGeom>
-        </p:spPr>
-      </p:pic>
-      <p:sp>
-        <p:nvSpPr>
-          <p:cNvPr id="7" name="TextBox 6"/>
-          <p:cNvSpPr txBox="1"/>
-          <p:nvPr/>
-        </p:nvSpPr>
-        <p:spPr>
-          <a:xfrm>
-            <a:off x="5861784" y="3395901"/>
-            <a:ext cx="3205214" cy="2363724"/>
-          </a:xfrm>
-          <a:prstGeom prst="rect">
-            <a:avLst/>
-          </a:prstGeom>
-          <a:noFill/>
-        </p:spPr>
-        <p:txBody>
-          <a:bodyPr wrap="square" rtlCol="0">
-            <a:spAutoFit/>
-          </a:bodyPr>
-          <a:lstStyle/>
-          <a:p>
-            <a:pPr lvl="1">
-              <a:lnSpc>
-                <a:spcPct val="90000"/>
-              </a:lnSpc>
-              <a:spcBef>
-                <a:spcPts val="500"/>
-              </a:spcBef>
-            </a:pPr>
-            <a:r>
-              <a:rPr lang="en-US" sz="2400" dirty="0" smtClean="0">
-                <a:solidFill>
-                  <a:prstClr val="black"/>
-                </a:solidFill>
-              </a:rPr>
-              <a:t>This </a:t>
-            </a:r>
-            <a:r>
-              <a:rPr lang="en-US" sz="2400" dirty="0">
-                <a:solidFill>
-                  <a:prstClr val="black"/>
-                </a:solidFill>
-              </a:rPr>
-              <a:t>is expected because </a:t>
-            </a:r>
-            <a:r>
-              <a:rPr lang="en-US" sz="2400" dirty="0" smtClean="0">
-                <a:solidFill>
-                  <a:prstClr val="black"/>
-                </a:solidFill>
-              </a:rPr>
-              <a:t>the later portion of trajectory is updated the greatest number </a:t>
-            </a:r>
-            <a:r>
-              <a:rPr lang="en-US" sz="2400" dirty="0">
-                <a:solidFill>
-                  <a:prstClr val="black"/>
-                </a:solidFill>
-              </a:rPr>
-              <a:t>of times </a:t>
-            </a:r>
-          </a:p>
-          <a:p>
-            <a:endParaRPr lang="en-US" dirty="0"/>
-          </a:p>
-        </p:txBody>
-      </p:sp>
-      <p:sp>
-        <p:nvSpPr>
-          <p:cNvPr id="3" name="Date Placeholder 2"/>
+      <p:sp>
+        <p:nvSpPr>
+          <p:cNvPr id="4" name="Date Placeholder 3"/>
           <p:cNvSpPr>
             <a:spLocks noGrp="1"/>
           </p:cNvSpPr>
@@ -11495,9 +12003,9 @@
           <a:bodyPr/>
           <a:lstStyle/>
           <a:p>
-            <a:fld id="{EBD2AF92-CB4E-4AF0-A3E1-DF2CCF33E74C}" type="datetime1">
+            <a:fld id="{AAF8337C-28E0-45D7-BFAB-A5636CB463D0}" type="datetime1">
               <a:rPr lang="en-US" smtClean="0"/>
-              <a:t>12/1/2018</a:t>
+              <a:t>12/2/2018</a:t>
             </a:fld>
             <a:endParaRPr lang="en-US"/>
           </a:p>
@@ -11506,7 +12014,7 @@
     </p:spTree>
     <p:extLst>
       <p:ext uri="{BB962C8B-B14F-4D97-AF65-F5344CB8AC3E}">
-        <p14:creationId xmlns:p14="http://schemas.microsoft.com/office/powerpoint/2010/main" val="1145173546"/>
+        <p14:creationId xmlns:p14="http://schemas.microsoft.com/office/powerpoint/2010/main" val="2471386998"/>
       </p:ext>
     </p:extLst>
   </p:cSld>
@@ -11550,7 +12058,7 @@
           <a:p>
             <a:r>
               <a:rPr lang="en-US" dirty="0" smtClean="0"/>
-              <a:t>Conclusion</a:t>
+              <a:t>Trace Norm</a:t>
             </a:r>
             <a:endParaRPr lang="en-US" dirty="0"/>
           </a:p>
@@ -11573,42 +12081,24 @@
           <a:p>
             <a:r>
               <a:rPr lang="en-US" dirty="0" smtClean="0"/>
-              <a:t>Despite the use of linearization requiring small, local updates, a convex approach to onboard trajectory redesign shows promise </a:t>
-            </a:r>
-          </a:p>
-          <a:p>
+              <a:t>From the broader class of </a:t>
+            </a:r>
+            <a:r>
+              <a:rPr lang="en-US" dirty="0" err="1" smtClean="0"/>
+              <a:t>Schatten</a:t>
+            </a:r>
             <a:r>
               <a:rPr lang="en-US" dirty="0" smtClean="0"/>
-              <a:t>Use of updating has a number of potential applications</a:t>
+              <a:t> p-norms with p=1</a:t>
             </a:r>
           </a:p>
           <a:p>
             <a:r>
               <a:rPr lang="en-US" dirty="0" smtClean="0"/>
-              <a:t>If the target point is not reachable, the solution returned by the optimizer may be outside the region of validity of the linearized trajectory, or the optimization may return infeasible </a:t>
-            </a:r>
-          </a:p>
-          <a:p>
-            <a:pPr lvl="1"/>
-            <a:r>
-              <a:rPr lang="en-US" dirty="0" smtClean="0"/>
-              <a:t>Safeguarding is required</a:t>
-            </a:r>
-          </a:p>
-          <a:p>
-            <a:pPr lvl="1"/>
-            <a:r>
-              <a:rPr lang="en-US" dirty="0" smtClean="0"/>
-              <a:t>Consider the endpoint constraint as a penalty term in the objective </a:t>
+              <a:t>Also called the nuclear norm, equal to the sum of the singular values (= eigenvalues because covariance is positive semi-definite)</a:t>
             </a:r>
             <a:endParaRPr lang="en-US" dirty="0"/>
           </a:p>
-          <a:p>
-            <a:pPr marL="457200" lvl="1" indent="0">
-              <a:buNone/>
-            </a:pPr>
-            <a:endParaRPr lang="en-US" dirty="0" smtClean="0"/>
-          </a:p>
         </p:txBody>
       </p:sp>
       <p:sp>
@@ -11626,9 +12116,9 @@
           <a:bodyPr/>
           <a:lstStyle/>
           <a:p>
-            <a:fld id="{16114025-B9CF-47AC-9FCF-5709863A9187}" type="datetime1">
+            <a:fld id="{8F89CBAE-3EB9-4813-AFB5-1F0A5A73B72E}" type="datetime1">
               <a:rPr lang="en-US" smtClean="0"/>
-              <a:t>12/1/2018</a:t>
+              <a:t>12/2/2018</a:t>
             </a:fld>
             <a:endParaRPr lang="en-US"/>
           </a:p>
@@ -11637,7 +12127,7 @@
     </p:spTree>
     <p:extLst>
       <p:ext uri="{BB962C8B-B14F-4D97-AF65-F5344CB8AC3E}">
-        <p14:creationId xmlns:p14="http://schemas.microsoft.com/office/powerpoint/2010/main" val="2442241489"/>
+        <p14:creationId xmlns:p14="http://schemas.microsoft.com/office/powerpoint/2010/main" val="3713997120"/>
       </p:ext>
     </p:extLst>
   </p:cSld>
@@ -11681,7 +12171,7 @@
           <a:p>
             <a:r>
               <a:rPr lang="en-US" dirty="0" smtClean="0"/>
-              <a:t>Trace Norm</a:t>
+              <a:t>Literature Review </a:t>
             </a:r>
             <a:endParaRPr lang="en-US" dirty="0"/>
           </a:p>
@@ -11704,22 +12194,52 @@
           <a:p>
             <a:r>
               <a:rPr lang="en-US" dirty="0" smtClean="0"/>
-              <a:t>From the broader class of </a:t>
+              <a:t>Linear Exponential Gaussian (weights higher moments)</a:t>
+            </a:r>
+          </a:p>
+          <a:p>
+            <a:r>
+              <a:rPr lang="en-US" dirty="0" smtClean="0"/>
+              <a:t>Control of </a:t>
             </a:r>
             <a:r>
               <a:rPr lang="en-US" dirty="0" err="1" smtClean="0"/>
-              <a:t>Schatten</a:t>
+              <a:t>Liouville</a:t>
             </a:r>
             <a:r>
               <a:rPr lang="en-US" dirty="0" smtClean="0"/>
-              <a:t> p-norms with p=1</a:t>
+              <a:t> equation</a:t>
             </a:r>
           </a:p>
           <a:p>
             <a:r>
               <a:rPr lang="en-US" dirty="0" smtClean="0"/>
-              <a:t>Also called the nuclear norm, equal to the sum of the singular values (= eigenvalues because covariance is positive semi-definite)</a:t>
-            </a:r>
+              <a:t>Desensitized optimal control penalizes the partial derivatives of the objective function </a:t>
+            </a:r>
+            <a:r>
+              <a:rPr lang="en-US" dirty="0" err="1" smtClean="0"/>
+              <a:t>wrt</a:t>
+            </a:r>
+            <a:r>
+              <a:rPr lang="en-US" dirty="0" smtClean="0"/>
+              <a:t> parameters, or places constraints on sensitivities </a:t>
+            </a:r>
+          </a:p>
+          <a:p>
+            <a:r>
+              <a:rPr lang="en-US" dirty="0" smtClean="0"/>
+              <a:t>Mean-Variance trades off mean performance and robustness</a:t>
+            </a:r>
+          </a:p>
+          <a:p>
+            <a:pPr lvl="1"/>
+            <a:r>
+              <a:rPr lang="en-US" dirty="0" smtClean="0"/>
+              <a:t>Decreasing the sensitivity of open-loop optimal solutions in decision making under uncertainty</a:t>
+            </a:r>
+          </a:p>
+          <a:p>
+            <a:pPr lvl="1"/>
             <a:endParaRPr lang="en-US" dirty="0"/>
           </a:p>
         </p:txBody>
@@ -11739,9 +12259,9 @@
           <a:bodyPr/>
           <a:lstStyle/>
           <a:p>
-            <a:fld id="{8F89CBAE-3EB9-4813-AFB5-1F0A5A73B72E}" type="datetime1">
+            <a:fld id="{254BC335-DBB6-4EC5-981C-ED25FB0DA65F}" type="datetime1">
               <a:rPr lang="en-US" smtClean="0"/>
-              <a:t>12/1/2018</a:t>
+              <a:t>12/2/2018</a:t>
             </a:fld>
             <a:endParaRPr lang="en-US"/>
           </a:p>
@@ -11750,7 +12270,7 @@
     </p:spTree>
     <p:extLst>
       <p:ext uri="{BB962C8B-B14F-4D97-AF65-F5344CB8AC3E}">
-        <p14:creationId xmlns:p14="http://schemas.microsoft.com/office/powerpoint/2010/main" val="3713997120"/>
+        <p14:creationId xmlns:p14="http://schemas.microsoft.com/office/powerpoint/2010/main" val="1182201096"/>
       </p:ext>
     </p:extLst>
   </p:cSld>
@@ -11794,11 +12314,7 @@
           <a:p>
             <a:r>
               <a:rPr lang="en-US" dirty="0" smtClean="0"/>
-              <a:t>Entry, Descent, </a:t>
-            </a:r>
-            <a:r>
-              <a:rPr lang="en-US" dirty="0" smtClean="0"/>
-              <a:t>and Landing </a:t>
+              <a:t>Entry, Descent, and Landing </a:t>
             </a:r>
             <a:br>
               <a:rPr lang="en-US" dirty="0" smtClean="0"/>
@@ -11832,35 +12348,66 @@
           <a:lstStyle/>
           <a:p>
             <a:r>
-              <a:rPr lang="en-US" dirty="0" smtClean="0"/>
-              <a:t>Mars Science Laboratory -  Apollo entry guidance, DGB Chute, Sky-Crane Descent stage</a:t>
-            </a:r>
-          </a:p>
-          <a:p>
-            <a:r>
-              <a:rPr lang="en-US" dirty="0" smtClean="0"/>
+              <a:rPr lang="en-US" sz="2400" dirty="0" smtClean="0"/>
+              <a:t>Mars Science Laboratory -  Apollo entry guidance, DGB Chute, Sky-Crane Descent </a:t>
+            </a:r>
+            <a:r>
+              <a:rPr lang="en-US" sz="2400" dirty="0" smtClean="0"/>
+              <a:t>stage</a:t>
+            </a:r>
+          </a:p>
+          <a:p>
+            <a:pPr lvl="1"/>
+            <a:r>
+              <a:rPr lang="en-US" sz="2000" dirty="0" smtClean="0"/>
+              <a:t>Low-lifting vehicle, L/D ~ 0.24, yields limited control authority </a:t>
+            </a:r>
+          </a:p>
+          <a:p>
+            <a:pPr lvl="1"/>
+            <a:r>
+              <a:rPr lang="en-US" sz="2000" dirty="0" smtClean="0"/>
+              <a:t>BC = m/(D*A) ~ 120 kg/m</a:t>
+            </a:r>
+            <a:r>
+              <a:rPr lang="en-US" sz="2000" baseline="30000" dirty="0" smtClean="0"/>
+              <a:t>2</a:t>
+            </a:r>
+            <a:endParaRPr lang="en-US" sz="2000" baseline="30000" dirty="0" smtClean="0"/>
+          </a:p>
+          <a:p>
+            <a:r>
+              <a:rPr lang="en-US" sz="2400" dirty="0" smtClean="0"/>
               <a:t>Reference trajectory designed for slow maneuvers and wide margins </a:t>
             </a:r>
           </a:p>
           <a:p>
             <a:r>
-              <a:rPr lang="en-US" dirty="0" smtClean="0"/>
+              <a:rPr lang="en-US" sz="2400" dirty="0" smtClean="0"/>
               <a:t>Closed-loop performance evaluated via Monte Carlo</a:t>
             </a:r>
           </a:p>
           <a:p>
             <a:pPr lvl="1"/>
             <a:r>
-              <a:rPr lang="en-US" dirty="0" smtClean="0"/>
+              <a:rPr lang="en-US" sz="2000" dirty="0" smtClean="0"/>
               <a:t>Iteration with human in the loop </a:t>
             </a:r>
           </a:p>
           <a:p>
             <a:r>
-              <a:rPr lang="en-US" dirty="0" smtClean="0"/>
-              <a:t>Parachute architectures simply do not scale to high ballistic coefficients</a:t>
-            </a:r>
-            <a:endParaRPr lang="en-US" dirty="0"/>
+              <a:rPr lang="en-US" sz="2400" dirty="0" smtClean="0"/>
+              <a:t>Parachute architectures simply do not scale to high ballistic </a:t>
+            </a:r>
+            <a:r>
+              <a:rPr lang="en-US" sz="2400" dirty="0" smtClean="0"/>
+              <a:t>coefficients</a:t>
+            </a:r>
+            <a:r>
+              <a:rPr lang="en-US" sz="2400" baseline="30000" dirty="0" smtClean="0"/>
+              <a:t>1</a:t>
+            </a:r>
+            <a:endParaRPr lang="en-US" sz="2400" baseline="30000" dirty="0"/>
           </a:p>
         </p:txBody>
       </p:sp>
@@ -11879,11 +12426,39 @@
           <a:bodyPr/>
           <a:lstStyle/>
           <a:p>
-            <a:fld id="{E0514563-7F99-4AB4-938D-7B22B938DBF8}" type="datetime1">
+            <a:fld id="{0CE37C48-1170-4701-8E7C-79F64CD70510}" type="datetime1">
               <a:rPr lang="en-US" smtClean="0"/>
-              <a:t>12/1/2018</a:t>
+              <a:t>12/2/2018</a:t>
             </a:fld>
             <a:endParaRPr lang="en-US"/>
+          </a:p>
+        </p:txBody>
+      </p:sp>
+      <p:sp>
+        <p:nvSpPr>
+          <p:cNvPr id="5" name="Footer Placeholder 4"/>
+          <p:cNvSpPr>
+            <a:spLocks noGrp="1"/>
+          </p:cNvSpPr>
+          <p:nvPr>
+            <p:ph type="ftr" sz="quarter" idx="11"/>
+          </p:nvPr>
+        </p:nvSpPr>
+        <p:spPr>
+          <a:xfrm>
+            <a:off x="2254827" y="6438756"/>
+            <a:ext cx="6774873" cy="200314"/>
+          </a:xfrm>
+        </p:spPr>
+        <p:txBody>
+          <a:bodyPr/>
+          <a:lstStyle/>
+          <a:p>
+            <a:r>
+              <a:rPr lang="en-US" sz="900" dirty="0" smtClean="0"/>
+              <a:t>1. Braun, R.D. and Manning, R.M.; "Mars Entry, Descent and Landing Challenges," Journal of Spacecraft and Rockets, Vol. 44, No. 2, 2007.</a:t>
+            </a:r>
+            <a:endParaRPr lang="en-US" sz="900" dirty="0"/>
           </a:p>
         </p:txBody>
       </p:sp>
@@ -11927,6 +12502,242 @@
             <p:ph type="title"/>
           </p:nvPr>
         </p:nvSpPr>
+        <p:spPr/>
+        <p:txBody>
+          <a:bodyPr/>
+          <a:lstStyle/>
+          <a:p>
+            <a:r>
+              <a:rPr lang="en-US" dirty="0" smtClean="0"/>
+              <a:t>Literature Review </a:t>
+            </a:r>
+            <a:endParaRPr lang="en-US" dirty="0"/>
+          </a:p>
+        </p:txBody>
+      </p:sp>
+      <p:sp>
+        <p:nvSpPr>
+          <p:cNvPr id="3" name="Content Placeholder 2"/>
+          <p:cNvSpPr>
+            <a:spLocks noGrp="1"/>
+          </p:cNvSpPr>
+          <p:nvPr>
+            <p:ph idx="1"/>
+          </p:nvPr>
+        </p:nvSpPr>
+        <p:spPr>
+          <a:xfrm>
+            <a:off x="628650" y="1825625"/>
+            <a:ext cx="8185836" cy="4351338"/>
+          </a:xfrm>
+        </p:spPr>
+        <p:txBody>
+          <a:bodyPr/>
+          <a:lstStyle/>
+          <a:p>
+            <a:r>
+              <a:rPr lang="en-US" dirty="0" smtClean="0"/>
+              <a:t>Optimal Trajectory Generation with Probabilistic System Uncertainty Using Polynomial Chaos (Fisher, Bhattacharya)</a:t>
+            </a:r>
+          </a:p>
+          <a:p>
+            <a:pPr lvl="1"/>
+            <a:r>
+              <a:rPr lang="en-US" dirty="0" smtClean="0"/>
+              <a:t>Derived expressions for minimum expectation and minimum variance objectives in terms of PCE coefficients</a:t>
+            </a:r>
+          </a:p>
+          <a:p>
+            <a:pPr lvl="1"/>
+            <a:r>
+              <a:rPr lang="en-US" dirty="0" smtClean="0"/>
+              <a:t>Considered open loop</a:t>
+            </a:r>
+          </a:p>
+          <a:p>
+            <a:r>
+              <a:rPr lang="en-US" dirty="0" smtClean="0"/>
+              <a:t>Stochastic Trajectory Optimization for Mechanical Systems with Parametric Uncertainties</a:t>
+            </a:r>
+          </a:p>
+          <a:p>
+            <a:pPr lvl="1"/>
+            <a:r>
+              <a:rPr lang="en-US" dirty="0" smtClean="0"/>
+              <a:t>Extended Differential Dynamic Programming to stochastic systems using polynomial chaos </a:t>
+            </a:r>
+            <a:endParaRPr lang="en-US" dirty="0"/>
+          </a:p>
+        </p:txBody>
+      </p:sp>
+      <p:sp>
+        <p:nvSpPr>
+          <p:cNvPr id="4" name="Date Placeholder 3"/>
+          <p:cNvSpPr>
+            <a:spLocks noGrp="1"/>
+          </p:cNvSpPr>
+          <p:nvPr>
+            <p:ph type="dt" sz="half" idx="10"/>
+          </p:nvPr>
+        </p:nvSpPr>
+        <p:spPr/>
+        <p:txBody>
+          <a:bodyPr/>
+          <a:lstStyle/>
+          <a:p>
+            <a:fld id="{36135E0D-215F-4675-BD12-2A0CC5452F32}" type="datetime1">
+              <a:rPr lang="en-US" smtClean="0"/>
+              <a:t>12/2/2018</a:t>
+            </a:fld>
+            <a:endParaRPr lang="en-US"/>
+          </a:p>
+        </p:txBody>
+      </p:sp>
+    </p:spTree>
+    <p:extLst>
+      <p:ext uri="{BB962C8B-B14F-4D97-AF65-F5344CB8AC3E}">
+        <p14:creationId xmlns:p14="http://schemas.microsoft.com/office/powerpoint/2010/main" val="1081641290"/>
+      </p:ext>
+    </p:extLst>
+  </p:cSld>
+  <p:clrMapOvr>
+    <a:masterClrMapping/>
+  </p:clrMapOvr>
+</p:sld>
+</file>
+
+<file path=ppt/slides/slide41.xml><?xml version="1.0" encoding="utf-8"?>
+<p:sld xmlns:a="http://schemas.openxmlformats.org/drawingml/2006/main" xmlns:r="http://schemas.openxmlformats.org/officeDocument/2006/relationships" xmlns:p="http://schemas.openxmlformats.org/presentationml/2006/main">
+  <p:cSld>
+    <p:spTree>
+      <p:nvGrpSpPr>
+        <p:cNvPr id="1" name=""/>
+        <p:cNvGrpSpPr/>
+        <p:nvPr/>
+      </p:nvGrpSpPr>
+      <p:grpSpPr>
+        <a:xfrm>
+          <a:off x="0" y="0"/>
+          <a:ext cx="0" cy="0"/>
+          <a:chOff x="0" y="0"/>
+          <a:chExt cx="0" cy="0"/>
+        </a:xfrm>
+      </p:grpSpPr>
+      <p:sp>
+        <p:nvSpPr>
+          <p:cNvPr id="2" name="Title 1"/>
+          <p:cNvSpPr>
+            <a:spLocks noGrp="1"/>
+          </p:cNvSpPr>
+          <p:nvPr>
+            <p:ph type="title"/>
+          </p:nvPr>
+        </p:nvSpPr>
+        <p:spPr/>
+        <p:txBody>
+          <a:bodyPr/>
+          <a:lstStyle/>
+          <a:p>
+            <a:r>
+              <a:rPr lang="en-US" dirty="0" smtClean="0"/>
+              <a:t>Also Related</a:t>
+            </a:r>
+            <a:endParaRPr lang="en-US" dirty="0"/>
+          </a:p>
+        </p:txBody>
+      </p:sp>
+      <p:sp>
+        <p:nvSpPr>
+          <p:cNvPr id="3" name="Content Placeholder 2"/>
+          <p:cNvSpPr>
+            <a:spLocks noGrp="1"/>
+          </p:cNvSpPr>
+          <p:nvPr>
+            <p:ph idx="1"/>
+          </p:nvPr>
+        </p:nvSpPr>
+        <p:spPr/>
+        <p:txBody>
+          <a:bodyPr/>
+          <a:lstStyle/>
+          <a:p>
+            <a:r>
+              <a:rPr lang="en-US" dirty="0" smtClean="0"/>
+              <a:t>Tube-based formulations (MPC), invariant sets</a:t>
+            </a:r>
+          </a:p>
+          <a:p>
+            <a:r>
+              <a:rPr lang="en-US" dirty="0" smtClean="0"/>
+              <a:t>PDF shaping</a:t>
+            </a:r>
+            <a:endParaRPr lang="en-US" dirty="0"/>
+          </a:p>
+        </p:txBody>
+      </p:sp>
+      <p:sp>
+        <p:nvSpPr>
+          <p:cNvPr id="4" name="Date Placeholder 3"/>
+          <p:cNvSpPr>
+            <a:spLocks noGrp="1"/>
+          </p:cNvSpPr>
+          <p:nvPr>
+            <p:ph type="dt" sz="half" idx="10"/>
+          </p:nvPr>
+        </p:nvSpPr>
+        <p:spPr/>
+        <p:txBody>
+          <a:bodyPr/>
+          <a:lstStyle/>
+          <a:p>
+            <a:fld id="{DACEE8DD-B545-4020-BC5A-D34F01A5A26F}" type="datetime1">
+              <a:rPr lang="en-US" smtClean="0"/>
+              <a:t>12/2/2018</a:t>
+            </a:fld>
+            <a:endParaRPr lang="en-US"/>
+          </a:p>
+        </p:txBody>
+      </p:sp>
+    </p:spTree>
+    <p:extLst>
+      <p:ext uri="{BB962C8B-B14F-4D97-AF65-F5344CB8AC3E}">
+        <p14:creationId xmlns:p14="http://schemas.microsoft.com/office/powerpoint/2010/main" val="128176586"/>
+      </p:ext>
+    </p:extLst>
+  </p:cSld>
+  <p:clrMapOvr>
+    <a:masterClrMapping/>
+  </p:clrMapOvr>
+</p:sld>
+</file>
+
+<file path=ppt/slides/slide42.xml><?xml version="1.0" encoding="utf-8"?>
+<p:sld xmlns:a="http://schemas.openxmlformats.org/drawingml/2006/main" xmlns:r="http://schemas.openxmlformats.org/officeDocument/2006/relationships" xmlns:p="http://schemas.openxmlformats.org/presentationml/2006/main">
+  <p:cSld>
+    <p:spTree>
+      <p:nvGrpSpPr>
+        <p:cNvPr id="1" name=""/>
+        <p:cNvGrpSpPr/>
+        <p:nvPr/>
+      </p:nvGrpSpPr>
+      <p:grpSpPr>
+        <a:xfrm>
+          <a:off x="0" y="0"/>
+          <a:ext cx="0" cy="0"/>
+          <a:chOff x="0" y="0"/>
+          <a:chExt cx="0" cy="0"/>
+        </a:xfrm>
+      </p:grpSpPr>
+      <p:sp>
+        <p:nvSpPr>
+          <p:cNvPr id="2" name="Title 1"/>
+          <p:cNvSpPr>
+            <a:spLocks noGrp="1"/>
+          </p:cNvSpPr>
+          <p:nvPr>
+            <p:ph type="title"/>
+          </p:nvPr>
+        </p:nvSpPr>
         <p:spPr>
           <a:xfrm>
             <a:off x="2333883" y="89649"/>
@@ -12586,7 +13397,7 @@
           <a:p>
             <a:fld id="{5788DFC6-753D-4508-95EF-CA4952364244}" type="datetime1">
               <a:rPr lang="en-US" smtClean="0"/>
-              <a:t>12/1/2018</a:t>
+              <a:t>12/2/2018</a:t>
             </a:fld>
             <a:endParaRPr lang="en-US"/>
           </a:p>
@@ -12612,7 +13423,7 @@
 </p:sld>
 </file>
 
-<file path=ppt/slides/slide41.xml><?xml version="1.0" encoding="utf-8"?>
+<file path=ppt/slides/slide43.xml><?xml version="1.0" encoding="utf-8"?>
 <p:sld xmlns:a="http://schemas.openxmlformats.org/drawingml/2006/main" xmlns:r="http://schemas.openxmlformats.org/officeDocument/2006/relationships" xmlns:p="http://schemas.openxmlformats.org/presentationml/2006/main">
   <p:cSld>
     <p:spTree>
@@ -13228,7 +14039,7 @@
           <a:p>
             <a:fld id="{B0501EA2-D0F5-487D-B1CC-0561614CE5FC}" type="datetime1">
               <a:rPr lang="en-US" smtClean="0"/>
-              <a:t>12/1/2018</a:t>
+              <a:t>12/2/2018</a:t>
             </a:fld>
             <a:endParaRPr lang="en-US"/>
           </a:p>
@@ -13238,6 +14049,405 @@
     <p:extLst>
       <p:ext uri="{BB962C8B-B14F-4D97-AF65-F5344CB8AC3E}">
         <p14:creationId xmlns:p14="http://schemas.microsoft.com/office/powerpoint/2010/main" val="2461492035"/>
+      </p:ext>
+    </p:extLst>
+  </p:cSld>
+  <p:clrMapOvr>
+    <a:masterClrMapping/>
+  </p:clrMapOvr>
+  <p:timing>
+    <p:tnLst>
+      <p:par>
+        <p:cTn id="1" dur="indefinite" restart="never" nodeType="tmRoot"/>
+      </p:par>
+    </p:tnLst>
+  </p:timing>
+</p:sld>
+</file>
+
+<file path=ppt/slides/slide44.xml><?xml version="1.0" encoding="utf-8"?>
+<p:sld xmlns:a="http://schemas.openxmlformats.org/drawingml/2006/main" xmlns:r="http://schemas.openxmlformats.org/officeDocument/2006/relationships" xmlns:p="http://schemas.openxmlformats.org/presentationml/2006/main">
+  <p:cSld>
+    <p:spTree>
+      <p:nvGrpSpPr>
+        <p:cNvPr id="1" name=""/>
+        <p:cNvGrpSpPr/>
+        <p:nvPr/>
+      </p:nvGrpSpPr>
+      <p:grpSpPr>
+        <a:xfrm>
+          <a:off x="0" y="0"/>
+          <a:ext cx="0" cy="0"/>
+          <a:chOff x="0" y="0"/>
+          <a:chExt cx="0" cy="0"/>
+        </a:xfrm>
+      </p:grpSpPr>
+      <p:sp>
+        <p:nvSpPr>
+          <p:cNvPr id="2" name="Title 1"/>
+          <p:cNvSpPr>
+            <a:spLocks noGrp="1"/>
+          </p:cNvSpPr>
+          <p:nvPr>
+            <p:ph type="title"/>
+          </p:nvPr>
+        </p:nvSpPr>
+        <p:spPr/>
+        <p:txBody>
+          <a:bodyPr/>
+          <a:lstStyle/>
+          <a:p>
+            <a:endParaRPr lang="en-US" dirty="0"/>
+          </a:p>
+        </p:txBody>
+      </p:sp>
+      <p:pic>
+        <p:nvPicPr>
+          <p:cNvPr id="5" name="Content Placeholder 4"/>
+          <p:cNvPicPr>
+            <a:picLocks noGrp="1" noChangeAspect="1"/>
+          </p:cNvPicPr>
+          <p:nvPr>
+            <p:ph idx="1"/>
+          </p:nvPr>
+        </p:nvPicPr>
+        <p:blipFill>
+          <a:blip r:embed="rId3">
+            <a:extLst>
+              <a:ext uri="{28A0092B-C50C-407E-A947-70E740481C1C}">
+                <a14:useLocalDpi xmlns:a14="http://schemas.microsoft.com/office/drawing/2010/main" val="0"/>
+              </a:ext>
+            </a:extLst>
+          </a:blip>
+          <a:stretch>
+            <a:fillRect/>
+          </a:stretch>
+        </p:blipFill>
+        <p:spPr>
+          <a:xfrm>
+            <a:off x="957839" y="1825625"/>
+            <a:ext cx="7228321" cy="4351338"/>
+          </a:xfrm>
+        </p:spPr>
+      </p:pic>
+      <p:sp>
+        <p:nvSpPr>
+          <p:cNvPr id="4" name="Date Placeholder 3"/>
+          <p:cNvSpPr>
+            <a:spLocks noGrp="1"/>
+          </p:cNvSpPr>
+          <p:nvPr>
+            <p:ph type="dt" sz="half" idx="10"/>
+          </p:nvPr>
+        </p:nvSpPr>
+        <p:spPr/>
+        <p:txBody>
+          <a:bodyPr/>
+          <a:lstStyle/>
+          <a:p>
+            <a:fld id="{DACEE8DD-B545-4020-BC5A-D34F01A5A26F}" type="datetime1">
+              <a:rPr lang="en-US" smtClean="0"/>
+              <a:t>12/2/2018</a:t>
+            </a:fld>
+            <a:endParaRPr lang="en-US"/>
+          </a:p>
+        </p:txBody>
+      </p:sp>
+    </p:spTree>
+    <p:extLst>
+      <p:ext uri="{BB962C8B-B14F-4D97-AF65-F5344CB8AC3E}">
+        <p14:creationId xmlns:p14="http://schemas.microsoft.com/office/powerpoint/2010/main" val="1418993086"/>
+      </p:ext>
+    </p:extLst>
+  </p:cSld>
+  <p:clrMapOvr>
+    <a:masterClrMapping/>
+  </p:clrMapOvr>
+</p:sld>
+</file>
+
+<file path=ppt/slides/slide45.xml><?xml version="1.0" encoding="utf-8"?>
+<p:sld xmlns:a="http://schemas.openxmlformats.org/drawingml/2006/main" xmlns:r="http://schemas.openxmlformats.org/officeDocument/2006/relationships" xmlns:p="http://schemas.openxmlformats.org/presentationml/2006/main">
+  <p:cSld>
+    <p:spTree>
+      <p:nvGrpSpPr>
+        <p:cNvPr id="1" name=""/>
+        <p:cNvGrpSpPr/>
+        <p:nvPr/>
+      </p:nvGrpSpPr>
+      <p:grpSpPr>
+        <a:xfrm>
+          <a:off x="0" y="0"/>
+          <a:ext cx="0" cy="0"/>
+          <a:chOff x="0" y="0"/>
+          <a:chExt cx="0" cy="0"/>
+        </a:xfrm>
+      </p:grpSpPr>
+      <p:sp>
+        <p:nvSpPr>
+          <p:cNvPr id="2" name="Title 1"/>
+          <p:cNvSpPr>
+            <a:spLocks noGrp="1"/>
+          </p:cNvSpPr>
+          <p:nvPr>
+            <p:ph type="title"/>
+          </p:nvPr>
+        </p:nvSpPr>
+        <p:spPr/>
+        <p:txBody>
+          <a:bodyPr/>
+          <a:lstStyle/>
+          <a:p>
+            <a:r>
+              <a:rPr lang="en-US" dirty="0" smtClean="0"/>
+              <a:t>Covariance Minimization</a:t>
+            </a:r>
+            <a:endParaRPr lang="en-US" dirty="0"/>
+          </a:p>
+        </p:txBody>
+      </p:sp>
+      <p:sp>
+        <p:nvSpPr>
+          <p:cNvPr id="3" name="Content Placeholder 2"/>
+          <p:cNvSpPr>
+            <a:spLocks noGrp="1"/>
+          </p:cNvSpPr>
+          <p:nvPr>
+            <p:ph idx="1"/>
+          </p:nvPr>
+        </p:nvSpPr>
+        <p:spPr>
+          <a:xfrm>
+            <a:off x="628650" y="1825624"/>
+            <a:ext cx="7886700" cy="4857397"/>
+          </a:xfrm>
+        </p:spPr>
+        <p:txBody>
+          <a:bodyPr/>
+          <a:lstStyle/>
+          <a:p>
+            <a:r>
+              <a:rPr lang="en-US" dirty="0" smtClean="0"/>
+              <a:t>Consider first the LTV case, with unconstrained control</a:t>
+            </a:r>
+          </a:p>
+          <a:p>
+            <a:r>
+              <a:rPr lang="en-US" dirty="0" smtClean="0"/>
+              <a:t>For suitable choice of norm on the final covariance matrix, the problem reduces to standard LQR with a particular boundary condition</a:t>
+            </a:r>
+          </a:p>
+          <a:p>
+            <a:pPr lvl="1"/>
+            <a:r>
+              <a:rPr lang="en-US" dirty="0" smtClean="0"/>
+              <a:t>The required norm is the trace operator</a:t>
+            </a:r>
+          </a:p>
+          <a:p>
+            <a:pPr lvl="1"/>
+            <a:r>
+              <a:rPr lang="en-US" dirty="0" smtClean="0"/>
+              <a:t>The LQ state weight matrix Q = I</a:t>
+            </a:r>
+          </a:p>
+          <a:p>
+            <a:r>
+              <a:rPr lang="en-US" dirty="0" smtClean="0"/>
+              <a:t>The trace is a suitable choice in many cases</a:t>
+            </a:r>
+          </a:p>
+          <a:p>
+            <a:pPr lvl="1"/>
+            <a:r>
+              <a:rPr lang="en-US" dirty="0" smtClean="0"/>
+              <a:t>Geometrically, it is related to the size of the covariance ellipse, while ignoring directional information</a:t>
+            </a:r>
+          </a:p>
+          <a:p>
+            <a:endParaRPr lang="en-US" dirty="0" smtClean="0"/>
+          </a:p>
+        </p:txBody>
+      </p:sp>
+      <p:sp>
+        <p:nvSpPr>
+          <p:cNvPr id="4" name="Date Placeholder 3"/>
+          <p:cNvSpPr>
+            <a:spLocks noGrp="1"/>
+          </p:cNvSpPr>
+          <p:nvPr>
+            <p:ph type="dt" sz="half" idx="10"/>
+          </p:nvPr>
+        </p:nvSpPr>
+        <p:spPr/>
+        <p:txBody>
+          <a:bodyPr/>
+          <a:lstStyle/>
+          <a:p>
+            <a:fld id="{00B1D89B-5FC1-44E0-BDF5-5035AB8FD380}" type="datetime1">
+              <a:rPr lang="en-US" smtClean="0"/>
+              <a:t>12/2/2018</a:t>
+            </a:fld>
+            <a:endParaRPr lang="en-US"/>
+          </a:p>
+        </p:txBody>
+      </p:sp>
+    </p:spTree>
+    <p:extLst>
+      <p:ext uri="{BB962C8B-B14F-4D97-AF65-F5344CB8AC3E}">
+        <p14:creationId xmlns:p14="http://schemas.microsoft.com/office/powerpoint/2010/main" val="2886322579"/>
+      </p:ext>
+    </p:extLst>
+  </p:cSld>
+  <p:clrMapOvr>
+    <a:masterClrMapping/>
+  </p:clrMapOvr>
+</p:sld>
+</file>
+
+<file path=ppt/slides/slide46.xml><?xml version="1.0" encoding="utf-8"?>
+<p:sld xmlns:a="http://schemas.openxmlformats.org/drawingml/2006/main" xmlns:r="http://schemas.openxmlformats.org/officeDocument/2006/relationships" xmlns:p="http://schemas.openxmlformats.org/presentationml/2006/main">
+  <p:cSld>
+    <p:spTree>
+      <p:nvGrpSpPr>
+        <p:cNvPr id="1" name=""/>
+        <p:cNvGrpSpPr/>
+        <p:nvPr/>
+      </p:nvGrpSpPr>
+      <p:grpSpPr>
+        <a:xfrm>
+          <a:off x="0" y="0"/>
+          <a:ext cx="0" cy="0"/>
+          <a:chOff x="0" y="0"/>
+          <a:chExt cx="0" cy="0"/>
+        </a:xfrm>
+      </p:grpSpPr>
+      <p:sp>
+        <p:nvSpPr>
+          <p:cNvPr id="2" name="Title 1"/>
+          <p:cNvSpPr>
+            <a:spLocks noGrp="1"/>
+          </p:cNvSpPr>
+          <p:nvPr>
+            <p:ph type="title"/>
+          </p:nvPr>
+        </p:nvSpPr>
+        <p:spPr/>
+        <p:txBody>
+          <a:bodyPr/>
+          <a:lstStyle/>
+          <a:p>
+            <a:r>
+              <a:rPr lang="en-US" dirty="0" smtClean="0"/>
+              <a:t>Covariance </a:t>
+            </a:r>
+            <a:r>
+              <a:rPr lang="en-US" dirty="0" smtClean="0"/>
+              <a:t>Minimization</a:t>
+            </a:r>
+            <a:endParaRPr lang="en-US" dirty="0"/>
+          </a:p>
+        </p:txBody>
+      </p:sp>
+      <p:sp>
+        <p:nvSpPr>
+          <p:cNvPr id="3" name="Content Placeholder 2"/>
+          <p:cNvSpPr>
+            <a:spLocks noGrp="1"/>
+          </p:cNvSpPr>
+          <p:nvPr>
+            <p:ph idx="1"/>
+          </p:nvPr>
+        </p:nvSpPr>
+        <p:spPr>
+          <a:xfrm>
+            <a:off x="628650" y="1825624"/>
+            <a:ext cx="7886700" cy="4909283"/>
+          </a:xfrm>
+        </p:spPr>
+        <p:txBody>
+          <a:bodyPr/>
+          <a:lstStyle/>
+          <a:p>
+            <a:r>
+              <a:rPr lang="en-US" dirty="0"/>
+              <a:t>Next consider the same scenario with bounded control inputs</a:t>
+            </a:r>
+          </a:p>
+          <a:p>
+            <a:pPr lvl="1"/>
+            <a:r>
+              <a:rPr lang="en-US" dirty="0"/>
+              <a:t>The optimal control law is bang-bang in nature</a:t>
+            </a:r>
+          </a:p>
+          <a:p>
+            <a:pPr lvl="1"/>
+            <a:r>
+              <a:rPr lang="en-US" dirty="0"/>
+              <a:t>Can no longer decouple mean and covariance problems </a:t>
+            </a:r>
+            <a:endParaRPr lang="en-US" dirty="0" smtClean="0"/>
+          </a:p>
+          <a:p>
+            <a:r>
+              <a:rPr lang="en-US" dirty="0" smtClean="0"/>
+              <a:t>In zero mean case, optimal control in linear feedback is achieved as K -&gt; </a:t>
+            </a:r>
+            <a:r>
+              <a:rPr lang="en-US" dirty="0" err="1" smtClean="0"/>
+              <a:t>inf</a:t>
+            </a:r>
+            <a:r>
+              <a:rPr lang="en-US" dirty="0" smtClean="0"/>
+              <a:t>, resulting in bang-bang control = -</a:t>
+            </a:r>
+            <a:r>
+              <a:rPr lang="en-US" dirty="0" err="1" smtClean="0"/>
+              <a:t>Umax</a:t>
+            </a:r>
+            <a:r>
+              <a:rPr lang="en-US" dirty="0" smtClean="0"/>
+              <a:t>*sign(x)</a:t>
+            </a:r>
+            <a:endParaRPr lang="en-US" dirty="0"/>
+          </a:p>
+          <a:p>
+            <a:r>
+              <a:rPr lang="en-US" dirty="0" smtClean="0"/>
+              <a:t>Even for linear problems, we turn to an optimization approach: find the optimal mean trajectory such that covariance is minimized under discontinuous feedback</a:t>
+            </a:r>
+            <a:endParaRPr lang="en-US" dirty="0"/>
+          </a:p>
+        </p:txBody>
+      </p:sp>
+      <p:sp>
+        <p:nvSpPr>
+          <p:cNvPr id="4" name="Date Placeholder 3"/>
+          <p:cNvSpPr>
+            <a:spLocks noGrp="1"/>
+          </p:cNvSpPr>
+          <p:nvPr>
+            <p:ph type="dt" sz="half" idx="10"/>
+          </p:nvPr>
+        </p:nvSpPr>
+        <p:spPr/>
+        <p:txBody>
+          <a:bodyPr/>
+          <a:lstStyle/>
+          <a:p>
+            <a:fld id="{654B51E4-67EB-4079-B5AA-F6AC5D100AB5}" type="datetime1">
+              <a:rPr lang="en-US" smtClean="0"/>
+              <a:t>12/2/2018</a:t>
+            </a:fld>
+            <a:endParaRPr lang="en-US"/>
+          </a:p>
+        </p:txBody>
+      </p:sp>
+    </p:spTree>
+    <p:extLst>
+      <p:ext uri="{BB962C8B-B14F-4D97-AF65-F5344CB8AC3E}">
+        <p14:creationId xmlns:p14="http://schemas.microsoft.com/office/powerpoint/2010/main" val="3256538068"/>
       </p:ext>
     </p:extLst>
   </p:cSld>
@@ -13311,8 +14521,20 @@
           <a:p>
             <a:r>
               <a:rPr lang="en-US" dirty="0" smtClean="0"/>
-              <a:t>Entry phase – vehicle is guided by orienting the lift vector, controlled by reaction control thrusters</a:t>
-            </a:r>
+              <a:t>Entry phase – vehicle is guided by orienting the lift vector, controlled by reaction control </a:t>
+            </a:r>
+            <a:r>
+              <a:rPr lang="en-US" dirty="0" smtClean="0"/>
+              <a:t>thrusters</a:t>
+            </a:r>
+          </a:p>
+          <a:p>
+            <a:pPr lvl="1"/>
+            <a:r>
+              <a:rPr lang="en-US" dirty="0" smtClean="0"/>
+              <a:t>Bank angle is treated as the only control variable </a:t>
+            </a:r>
+            <a:endParaRPr lang="en-US" dirty="0" smtClean="0"/>
           </a:p>
           <a:p>
             <a:r>
@@ -13327,11 +14549,28 @@
               <a:rPr lang="en-US" dirty="0" smtClean="0"/>
               <a:t> is used to null nearly all of the vehicle’s remaining velocity </a:t>
             </a:r>
-          </a:p>
-          <a:p>
+            <a:endParaRPr lang="en-US" dirty="0" smtClean="0"/>
+          </a:p>
+          <a:p>
+            <a:pPr lvl="1"/>
             <a:r>
               <a:rPr lang="en-US" dirty="0" smtClean="0"/>
-              <a:t>Landing phase – vertical powered descent phase to soft touchdown</a:t>
+              <a:t>3D thrust magnitude and direction is the control </a:t>
+            </a:r>
+            <a:endParaRPr lang="en-US" dirty="0" smtClean="0"/>
+          </a:p>
+          <a:p>
+            <a:r>
+              <a:rPr lang="en-US" dirty="0" smtClean="0"/>
+              <a:t>Landing phase – </a:t>
+            </a:r>
+            <a:r>
+              <a:rPr lang="en-US" dirty="0" smtClean="0"/>
+              <a:t>final vertical descent </a:t>
+            </a:r>
+            <a:r>
+              <a:rPr lang="en-US" dirty="0" smtClean="0"/>
+              <a:t>phase to soft touchdown</a:t>
             </a:r>
             <a:endParaRPr lang="en-US" dirty="0"/>
           </a:p>
@@ -13354,7 +14593,7 @@
           <a:p>
             <a:fld id="{3E46D0C7-BBF8-4570-BEBF-CB2C66043DE9}" type="datetime1">
               <a:rPr lang="en-US" smtClean="0"/>
-              <a:t>12/1/2018</a:t>
+              <a:t>12/2/2018</a:t>
             </a:fld>
             <a:endParaRPr lang="en-US"/>
           </a:p>
@@ -13400,7 +14639,12 @@
             <p:ph type="title"/>
           </p:nvPr>
         </p:nvSpPr>
-        <p:spPr/>
+        <p:spPr>
+          <a:xfrm>
+            <a:off x="628650" y="944074"/>
+            <a:ext cx="7886700" cy="611532"/>
+          </a:xfrm>
+        </p:spPr>
         <p:txBody>
           <a:bodyPr/>
           <a:lstStyle/>
@@ -13423,52 +14667,62 @@
             <p:ph idx="1"/>
           </p:nvPr>
         </p:nvSpPr>
-        <p:spPr/>
-        <p:txBody>
-          <a:bodyPr/>
-          <a:lstStyle/>
-          <a:p>
-            <a:r>
-              <a:rPr lang="en-US" dirty="0" smtClean="0"/>
+        <p:spPr>
+          <a:xfrm>
+            <a:off x="628650" y="1690542"/>
+            <a:ext cx="7886700" cy="4351338"/>
+          </a:xfrm>
+        </p:spPr>
+        <p:txBody>
+          <a:bodyPr/>
+          <a:lstStyle/>
+          <a:p>
+            <a:r>
+              <a:rPr lang="en-US" sz="2400" dirty="0" smtClean="0"/>
               <a:t>Expressed in spherical coordinates</a:t>
             </a:r>
           </a:p>
           <a:p>
             <a:pPr lvl="1"/>
             <a:r>
-              <a:rPr lang="en-US" dirty="0" smtClean="0"/>
+              <a:rPr lang="en-US" sz="2000" dirty="0" smtClean="0"/>
               <a:t>State dimension = 6 </a:t>
             </a:r>
           </a:p>
           <a:p>
             <a:pPr lvl="1"/>
             <a:r>
-              <a:rPr lang="en-US" dirty="0" err="1" smtClean="0"/>
+              <a:rPr lang="en-US" sz="2000" dirty="0" err="1" smtClean="0"/>
               <a:t>Underactuated</a:t>
             </a:r>
             <a:r>
-              <a:rPr lang="en-US" dirty="0" smtClean="0"/>
-              <a:t> with only </a:t>
-            </a:r>
-            <a:r>
-              <a:rPr lang="en-US" smtClean="0"/>
-              <a:t>one control</a:t>
-            </a:r>
-            <a:endParaRPr lang="en-US" dirty="0" smtClean="0"/>
-          </a:p>
-          <a:p>
-            <a:r>
-              <a:rPr lang="en-US" dirty="0" smtClean="0"/>
+              <a:rPr lang="en-US" sz="2000" dirty="0" smtClean="0"/>
+              <a:t> with only one </a:t>
+            </a:r>
+            <a:r>
+              <a:rPr lang="en-US" sz="2000" dirty="0" smtClean="0"/>
+              <a:t>control variable </a:t>
+            </a:r>
+            <a:endParaRPr lang="en-US" sz="2000" dirty="0" smtClean="0"/>
+          </a:p>
+          <a:p>
+            <a:r>
+              <a:rPr lang="en-US" sz="2400" dirty="0" smtClean="0"/>
               <a:t>Exponential model of atmospheric density coupled with nonlinear aerodynamic forces result in a wide operating range</a:t>
             </a:r>
           </a:p>
           <a:p>
+            <a:r>
+              <a:rPr lang="en-US" sz="2400" dirty="0" smtClean="0"/>
+              <a:t>Significant uncertainty exists due to atmospheric conditions, vehicle performance, navigation errors</a:t>
+            </a:r>
+          </a:p>
+          <a:p>
             <a:pPr lvl="1"/>
             <a:r>
-              <a:rPr lang="en-US" dirty="0" smtClean="0"/>
-              <a:t>Linear static feedback is insufficient; gain scheduling or nonlinear control is required for high performance </a:t>
-            </a:r>
-            <a:endParaRPr lang="en-US" dirty="0"/>
+              <a:rPr lang="en-US" sz="2000" dirty="0" smtClean="0"/>
+              <a:t>Modeled through both parametric uncertainty and stochastic dynamics</a:t>
+            </a:r>
           </a:p>
         </p:txBody>
       </p:sp>
@@ -13489,7 +14743,7 @@
           <a:p>
             <a:fld id="{DACEE8DD-B545-4020-BC5A-D34F01A5A26F}" type="datetime1">
               <a:rPr lang="en-US" smtClean="0"/>
-              <a:t>12/1/2018</a:t>
+              <a:t>12/2/2018</a:t>
             </a:fld>
             <a:endParaRPr lang="en-US"/>
           </a:p>
@@ -13564,26 +14818,49 @@
           <a:lstStyle/>
           <a:p>
             <a:r>
-              <a:rPr lang="en-US" dirty="0" smtClean="0"/>
+              <a:rPr lang="en-US" sz="2400" dirty="0" smtClean="0"/>
               <a:t>Dynamics comprise three double integrators (+ affine gravity term in vertical direction), and nonlinear mass dynamics</a:t>
             </a:r>
           </a:p>
           <a:p>
             <a:pPr lvl="1"/>
             <a:r>
-              <a:rPr lang="en-US" dirty="0"/>
+              <a:rPr lang="en-US" sz="2000" dirty="0"/>
               <a:t>State dimension = 7</a:t>
             </a:r>
-            <a:endParaRPr lang="en-US" dirty="0" smtClean="0"/>
-          </a:p>
-          <a:p>
-            <a:r>
-              <a:rPr lang="en-US" dirty="0" smtClean="0"/>
-              <a:t>The vehicle’s thrust is subject to nonlinear, non-convex constraints that couple the coordinate directions</a:t>
-            </a:r>
-          </a:p>
-          <a:p>
-            <a:endParaRPr lang="en-US" dirty="0" smtClean="0"/>
+            <a:endParaRPr lang="en-US" sz="2000" dirty="0" smtClean="0"/>
+          </a:p>
+          <a:p>
+            <a:r>
+              <a:rPr lang="en-US" sz="2400" dirty="0" smtClean="0"/>
+              <a:t>The vehicle’s thrust is subject to nonlinear, non-convex constraints that couple the coordinate </a:t>
+            </a:r>
+            <a:r>
+              <a:rPr lang="en-US" sz="2400" dirty="0" smtClean="0"/>
+              <a:t>directions</a:t>
+            </a:r>
+          </a:p>
+          <a:p>
+            <a:r>
+              <a:rPr lang="en-US" sz="2400" dirty="0" smtClean="0"/>
+              <a:t>Uncertainty exists in ignition conditions, aerodynamic effects, engine performance (</a:t>
+            </a:r>
+            <a:r>
+              <a:rPr lang="en-US" sz="2400" dirty="0" err="1" smtClean="0"/>
+              <a:t>Isp</a:t>
+            </a:r>
+            <a:r>
+              <a:rPr lang="en-US" sz="2400" dirty="0" smtClean="0"/>
+              <a:t>, thrust) as well as transient effects</a:t>
+            </a:r>
+            <a:endParaRPr lang="en-US" sz="2400" dirty="0" smtClean="0"/>
+          </a:p>
+          <a:p>
+            <a:r>
+              <a:rPr lang="en-US" sz="2400" dirty="0" smtClean="0"/>
+              <a:t>Constraints on pointing direction, shallow flight, and limited fuel availability </a:t>
+            </a:r>
+            <a:endParaRPr lang="en-US" sz="2400" dirty="0" smtClean="0"/>
           </a:p>
           <a:p>
             <a:endParaRPr lang="en-US" dirty="0"/>
@@ -13607,7 +14884,7 @@
           <a:p>
             <a:fld id="{DACEE8DD-B545-4020-BC5A-D34F01A5A26F}" type="datetime1">
               <a:rPr lang="en-US" smtClean="0"/>
-              <a:t>12/1/2018</a:t>
+              <a:t>12/2/2018</a:t>
             </a:fld>
             <a:endParaRPr lang="en-US"/>
           </a:p>
@@ -13659,8 +14936,16 @@
           <a:lstStyle/>
           <a:p>
             <a:r>
+              <a:rPr lang="en-US" dirty="0"/>
+              <a:t>H</a:t>
+            </a:r>
+            <a:r>
               <a:rPr lang="en-US" dirty="0" smtClean="0"/>
-              <a:t>Overview of how our approach is different</a:t>
+              <a:t>ow </a:t>
+            </a:r>
+            <a:r>
+              <a:rPr lang="en-US" dirty="0" smtClean="0"/>
+              <a:t>our approach is different</a:t>
             </a:r>
             <a:endParaRPr lang="en-US" dirty="0"/>
           </a:p>
@@ -13678,7 +14963,7 @@
         </p:nvSpPr>
         <p:spPr>
           <a:xfrm>
-            <a:off x="628650" y="2505075"/>
+            <a:off x="628650" y="1933575"/>
             <a:ext cx="7886700" cy="3671888"/>
           </a:xfrm>
         </p:spPr>
@@ -13687,30 +14972,86 @@
           <a:lstStyle/>
           <a:p>
             <a:r>
-              <a:rPr lang="en-US" dirty="0" smtClean="0"/>
-              <a:t>Stochastic view of the problem; looking an entire tube of trajectories from the start</a:t>
-            </a:r>
-          </a:p>
-          <a:p>
-            <a:r>
-              <a:rPr lang="en-US" dirty="0" smtClean="0"/>
-              <a:t>Reversal of order; reference trajectory is designed in view of closed-loop performance </a:t>
+              <a:rPr lang="en-US" sz="2400" dirty="0" smtClean="0"/>
+              <a:t>Stochastic view of the </a:t>
+            </a:r>
+            <a:r>
+              <a:rPr lang="en-US" sz="2400" dirty="0" smtClean="0"/>
+              <a:t>problem: </a:t>
+            </a:r>
+            <a:r>
+              <a:rPr lang="en-US" sz="2400" dirty="0" smtClean="0"/>
+              <a:t>looking </a:t>
+            </a:r>
+            <a:r>
+              <a:rPr lang="en-US" sz="2400" dirty="0" smtClean="0"/>
+              <a:t>at an </a:t>
+            </a:r>
+            <a:r>
+              <a:rPr lang="en-US" sz="2400" dirty="0" smtClean="0"/>
+              <a:t>entire tube of trajectories from the </a:t>
+            </a:r>
+            <a:r>
+              <a:rPr lang="en-US" sz="2400" dirty="0" smtClean="0"/>
+              <a:t>beginning of the design process </a:t>
             </a:r>
           </a:p>
           <a:p>
             <a:pPr lvl="1"/>
             <a:r>
-              <a:rPr lang="en-US" dirty="0" smtClean="0"/>
-              <a:t>The process may still require iteration if the chosen controller parameters are insufficient</a:t>
+              <a:rPr lang="en-US" sz="2000" dirty="0"/>
+              <a:t>Exploit knowledge of the probabilistic nature of the uncertainty to improve </a:t>
+            </a:r>
+            <a:r>
+              <a:rPr lang="en-US" sz="2000" dirty="0" smtClean="0"/>
+              <a:t>performance</a:t>
+            </a:r>
+            <a:endParaRPr lang="en-US" sz="2000" dirty="0" smtClean="0"/>
+          </a:p>
+          <a:p>
+            <a:r>
+              <a:rPr lang="en-US" sz="2400" dirty="0" smtClean="0"/>
+              <a:t>Reversal of </a:t>
+            </a:r>
+            <a:r>
+              <a:rPr lang="en-US" sz="2400" dirty="0" smtClean="0"/>
+              <a:t>common design order</a:t>
+            </a:r>
+            <a:r>
+              <a:rPr lang="en-US" sz="2400" dirty="0" smtClean="0"/>
+              <a:t>; reference trajectory is designed in view of closed-loop performance </a:t>
             </a:r>
           </a:p>
           <a:p>
             <a:pPr lvl="1"/>
             <a:r>
-              <a:rPr lang="en-US" dirty="0" smtClean="0"/>
-              <a:t>In NLP formulations gains and other controller parameters can be included in the optimization</a:t>
-            </a:r>
-            <a:endParaRPr lang="en-US" dirty="0"/>
+              <a:rPr lang="en-US" sz="2000" dirty="0" smtClean="0"/>
+              <a:t>The </a:t>
+            </a:r>
+            <a:r>
+              <a:rPr lang="en-US" sz="2000" dirty="0" smtClean="0"/>
+              <a:t>process may still require iteration if the chosen controller parameters are insufficient</a:t>
+            </a:r>
+          </a:p>
+          <a:p>
+            <a:pPr lvl="1"/>
+            <a:r>
+              <a:rPr lang="en-US" sz="2000" dirty="0" smtClean="0"/>
+              <a:t>In NLP </a:t>
+            </a:r>
+            <a:r>
+              <a:rPr lang="en-US" sz="2000" dirty="0" smtClean="0"/>
+              <a:t>formulations, </a:t>
+            </a:r>
+            <a:r>
+              <a:rPr lang="en-US" sz="2000" dirty="0" smtClean="0"/>
+              <a:t>gains and other controller parameters can be included in the </a:t>
+            </a:r>
+            <a:r>
+              <a:rPr lang="en-US" sz="2000" dirty="0" smtClean="0"/>
+              <a:t>optimization process</a:t>
+            </a:r>
+            <a:endParaRPr lang="en-US" sz="2000" dirty="0"/>
           </a:p>
         </p:txBody>
       </p:sp>
@@ -13731,7 +15072,7 @@
           <a:p>
             <a:fld id="{DACEE8DD-B545-4020-BC5A-D34F01A5A26F}" type="datetime1">
               <a:rPr lang="en-US" smtClean="0"/>
-              <a:t>12/1/2018</a:t>
+              <a:t>12/2/2018</a:t>
             </a:fld>
             <a:endParaRPr lang="en-US"/>
           </a:p>
@@ -13784,7 +15125,7 @@
           <a:p>
             <a:r>
               <a:rPr lang="en-US" dirty="0" smtClean="0"/>
-              <a:t>Broadly…</a:t>
+              <a:t>Entry Guidance Literature</a:t>
             </a:r>
             <a:endParaRPr lang="en-US" dirty="0"/>
           </a:p>
@@ -13806,26 +15147,68 @@
           <a:lstStyle/>
           <a:p>
             <a:r>
-              <a:rPr lang="en-US" dirty="0" smtClean="0"/>
-              <a:t>I am interested in closed loop performance of constrained, nonlinear systems subject to parametric uncertainty and/or </a:t>
-            </a:r>
-            <a:r>
-              <a:rPr lang="en-US" dirty="0" err="1" smtClean="0"/>
-              <a:t>stochasticity</a:t>
-            </a:r>
-            <a:r>
-              <a:rPr lang="en-US" dirty="0" smtClean="0"/>
-              <a:t> </a:t>
-            </a:r>
-          </a:p>
-          <a:p>
-            <a:r>
-              <a:rPr lang="en-US" dirty="0" smtClean="0"/>
-              <a:t>I want to exploit knowledge of the probabilistic nature of the uncertainty to improve performance</a:t>
-            </a:r>
-          </a:p>
-          <a:p>
-            <a:endParaRPr lang="en-US" dirty="0"/>
+              <a:rPr lang="en-US" sz="2400" dirty="0" smtClean="0"/>
+              <a:t>Drag </a:t>
+            </a:r>
+            <a:r>
+              <a:rPr lang="en-US" sz="2400" dirty="0" smtClean="0"/>
+              <a:t>tracking</a:t>
+            </a:r>
+          </a:p>
+          <a:p>
+            <a:pPr lvl="1"/>
+            <a:r>
+              <a:rPr lang="en-US" sz="2000" dirty="0" smtClean="0"/>
+              <a:t>Provides inherent robustness to uncertainty in atmospheric density and aerodynamic forces </a:t>
+            </a:r>
+            <a:endParaRPr lang="en-US" sz="2000" dirty="0" smtClean="0"/>
+          </a:p>
+          <a:p>
+            <a:r>
+              <a:rPr lang="en-US" sz="2400" dirty="0" smtClean="0"/>
+              <a:t>Neighboring optimal </a:t>
+            </a:r>
+            <a:r>
+              <a:rPr lang="en-US" sz="2400" dirty="0" smtClean="0"/>
+              <a:t>control</a:t>
+            </a:r>
+          </a:p>
+          <a:p>
+            <a:pPr lvl="1"/>
+            <a:r>
+              <a:rPr lang="en-US" sz="2000" dirty="0" smtClean="0"/>
+              <a:t>The Apollo guidance algorithm, as well as the modified version flown by MSL</a:t>
+            </a:r>
+            <a:endParaRPr lang="en-US" sz="2000" dirty="0" smtClean="0"/>
+          </a:p>
+          <a:p>
+            <a:r>
+              <a:rPr lang="en-US" sz="2400" dirty="0" smtClean="0"/>
+              <a:t>Numerical Predictor-corrector</a:t>
+            </a:r>
+          </a:p>
+          <a:p>
+            <a:pPr lvl="1"/>
+            <a:r>
+              <a:rPr lang="en-US" sz="2000" dirty="0" smtClean="0"/>
+              <a:t>Repeatedly integrate the equations of motion to predict the trajectory, make improvements based on secant method </a:t>
+            </a:r>
+          </a:p>
+          <a:p>
+            <a:pPr lvl="1"/>
+            <a:r>
+              <a:rPr lang="en-US" sz="2000" dirty="0" smtClean="0"/>
+              <a:t>Requires restrictive, low-order </a:t>
+            </a:r>
+            <a:r>
+              <a:rPr lang="en-US" sz="2000" dirty="0" err="1" smtClean="0"/>
+              <a:t>parametrization</a:t>
+            </a:r>
+            <a:r>
+              <a:rPr lang="en-US" sz="2000" dirty="0" smtClean="0"/>
+              <a:t> for onboard feasibility </a:t>
+            </a:r>
+            <a:endParaRPr lang="en-US" sz="2000" dirty="0"/>
           </a:p>
         </p:txBody>
       </p:sp>
@@ -13844,9 +15227,9 @@
           <a:bodyPr/>
           <a:lstStyle/>
           <a:p>
-            <a:fld id="{2E9BCE13-D08C-4922-8CC7-C0D374DE3A5E}" type="datetime1">
+            <a:fld id="{DACEE8DD-B545-4020-BC5A-D34F01A5A26F}" type="datetime1">
               <a:rPr lang="en-US" smtClean="0"/>
-              <a:t>12/1/2018</a:t>
+              <a:t>12/2/2018</a:t>
             </a:fld>
             <a:endParaRPr lang="en-US"/>
           </a:p>
@@ -13855,7 +15238,7 @@
     </p:spTree>
     <p:extLst>
       <p:ext uri="{BB962C8B-B14F-4D97-AF65-F5344CB8AC3E}">
-        <p14:creationId xmlns:p14="http://schemas.microsoft.com/office/powerpoint/2010/main" val="3867321581"/>
+        <p14:creationId xmlns:p14="http://schemas.microsoft.com/office/powerpoint/2010/main" val="2417919666"/>
       </p:ext>
     </p:extLst>
   </p:cSld>

--- a/Documents/Qual Exam.pptx
+++ b/Documents/Qual Exam.pptx
@@ -158,10 +158,14 @@
   <p:extLst>
     <p:ext uri="{521415D9-36F7-43E2-AB2F-B90AF26B5E84}">
       <p14:sectionLst xmlns:p14="http://schemas.microsoft.com/office/powerpoint/2010/main">
-        <p14:section name="EDL Background" id="{C65E65E8-8D10-45BF-9402-B68D0796393C}">
+        <p14:section name="Introduction" id="{C65E65E8-8D10-45BF-9402-B68D0796393C}">
           <p14:sldIdLst>
             <p14:sldId id="291"/>
             <p14:sldId id="301"/>
+          </p14:sldIdLst>
+        </p14:section>
+        <p14:section name="EDL Background" id="{A7BC2CDE-1911-4697-B5BB-79C663CD5B56}">
+          <p14:sldIdLst>
             <p14:sldId id="305"/>
             <p14:sldId id="283"/>
             <p14:sldId id="317"/>
@@ -8626,7 +8630,11 @@
           <a:p>
             <a:r>
               <a:rPr lang="en-US" dirty="0" smtClean="0"/>
-              <a:t>EDL Overview</a:t>
+              <a:t>Entry, Descent, Landing </a:t>
+            </a:r>
+            <a:r>
+              <a:rPr lang="en-US" dirty="0" smtClean="0"/>
+              <a:t>Overview</a:t>
             </a:r>
           </a:p>
           <a:p>
@@ -8645,7 +8653,11 @@
           <a:p>
             <a:r>
               <a:rPr lang="en-US" dirty="0" smtClean="0"/>
-              <a:t>Stochastic Literature Review</a:t>
+              <a:t>Related Stochastic </a:t>
+            </a:r>
+            <a:r>
+              <a:rPr lang="en-US" dirty="0" smtClean="0"/>
+              <a:t>Literature Review</a:t>
             </a:r>
           </a:p>
           <a:p>
@@ -8662,6 +8674,10 @@
             <a:endParaRPr lang="en-US" dirty="0" smtClean="0"/>
           </a:p>
           <a:p>
+            <a:r>
+              <a:rPr lang="en-US" dirty="0" smtClean="0"/>
+              <a:t>Conclusion, Questions, Discussion </a:t>
+            </a:r>
             <a:endParaRPr lang="en-US" dirty="0" smtClean="0"/>
           </a:p>
         </p:txBody>
@@ -12916,7 +12932,19 @@
           <a:p>
             <a:r>
               <a:rPr lang="en-US" sz="2400" dirty="0" smtClean="0"/>
-              <a:t>Mars Science Laboratory -  Apollo entry guidance, DGB Chute, Sky-Crane Descent stage</a:t>
+              <a:t>Mars Science Laboratory </a:t>
+            </a:r>
+            <a:r>
+              <a:rPr lang="en-US" sz="2400" smtClean="0"/>
+              <a:t>-  </a:t>
+            </a:r>
+            <a:r>
+              <a:rPr lang="en-US" sz="2400" smtClean="0"/>
+              <a:t>modified Apollo </a:t>
+            </a:r>
+            <a:r>
+              <a:rPr lang="en-US" sz="2400" dirty="0" smtClean="0"/>
+              <a:t>entry guidance, DGB Chute, Sky-Crane Descent stage</a:t>
             </a:r>
           </a:p>
           <a:p>
